--- a/Project Proposal.pptx
+++ b/Project Proposal.pptx
@@ -180,15 +180,6038 @@
 <file path=ppt/revisionInfo.xml><?xml version="1.0" encoding="utf-8"?>
 <p1510:revInfo xmlns:a="http://schemas.openxmlformats.org/drawingml/2006/main" xmlns:r="http://schemas.openxmlformats.org/officeDocument/2006/relationships" xmlns:p1510="http://schemas.microsoft.com/office/powerpoint/2015/10/main">
   <p1510:revLst>
-    <p1510:client id="{3F6D7227-3E41-F491-BE90-5409268B28E0}" v="16" dt="2019-05-13T11:32:36.839"/>
-    <p1510:client id="{54F2D62C-3A25-0C75-26B0-1119EBE2E004}" v="28" dt="2019-05-13T14:19:28.834"/>
-    <p1510:client id="{58B641C6-6706-2796-64FB-B80CE7A5A7B0}" v="170" dt="2019-05-12T19:14:08.722"/>
-    <p1510:client id="{9501EFDE-D2BB-C6E8-F3AF-6E526D224B73}" v="225" dt="2019-05-13T16:30:27.997"/>
-    <p1510:client id="{A7283F9E-1163-EB7C-55F9-7C9D4E69776D}" v="144" dt="2019-05-13T11:03:43.798"/>
-    <p1510:client id="{BFF7F638-A37A-55D5-6302-81C8EFF2DF27}" v="985" dt="2019-05-13T16:23:52.955"/>
-    <p1510:client id="{FEE5CBDF-FE29-4F9F-99B9-949F0817748B}" v="3855" dt="2019-05-13T17:44:44.751"/>
+    <p1510:client id="{0A60967B-DAF8-A1FE-489D-49D4C2143C79}" v="42" dt="2019-05-14T15:17:25.865"/>
+    <p1510:client id="{FEE5CBDF-FE29-4F9F-99B9-949F0817748B}" v="4653" dt="2019-05-14T19:09:23.766"/>
   </p1510:revLst>
 </p1510:revInfo>
+</file>
+
+<file path=ppt/changesInfos/changesInfo1.xml><?xml version="1.0" encoding="utf-8"?>
+<pc:chgInfo xmlns:a="http://schemas.openxmlformats.org/drawingml/2006/main" xmlns:r="http://schemas.openxmlformats.org/officeDocument/2006/relationships" xmlns:ac="http://schemas.microsoft.com/office/drawing/2013/main/command" xmlns:pc="http://schemas.microsoft.com/office/powerpoint/2013/main/command">
+  <pc:docChgLst>
+    <pc:chgData name="Nils Mechtel" userId="d365a3c7-8594-435f-9872-5455ceefc78f" providerId="ADAL" clId="{FEE5CBDF-FE29-4F9F-99B9-949F0817748B}"/>
+    <pc:docChg chg="undo redo custSel mod addSld delSld modSld sldOrd delSection modSection">
+      <pc:chgData name="Nils Mechtel" userId="d365a3c7-8594-435f-9872-5455ceefc78f" providerId="ADAL" clId="{FEE5CBDF-FE29-4F9F-99B9-949F0817748B}" dt="2019-05-14T19:09:23.766" v="5456" actId="20577"/>
+      <pc:docMkLst>
+        <pc:docMk/>
+      </pc:docMkLst>
+      <pc:sldChg chg="addSp delSp modSp mod setBg setClrOvrMap delDesignElem">
+        <pc:chgData name="Nils Mechtel" userId="d365a3c7-8594-435f-9872-5455ceefc78f" providerId="ADAL" clId="{FEE5CBDF-FE29-4F9F-99B9-949F0817748B}" dt="2019-05-13T08:04:07.109" v="2486" actId="1076"/>
+        <pc:sldMkLst>
+          <pc:docMk/>
+          <pc:sldMk cId="2484908466" sldId="256"/>
+        </pc:sldMkLst>
+        <pc:spChg chg="mod ord">
+          <ac:chgData name="Nils Mechtel" userId="d365a3c7-8594-435f-9872-5455ceefc78f" providerId="ADAL" clId="{FEE5CBDF-FE29-4F9F-99B9-949F0817748B}" dt="2019-05-13T08:04:07.109" v="2486" actId="1076"/>
+          <ac:spMkLst>
+            <pc:docMk/>
+            <pc:sldMk cId="2484908466" sldId="256"/>
+            <ac:spMk id="2" creationId="{1AD6BE74-C148-45F5-A49F-1D57CB38CDC0}"/>
+          </ac:spMkLst>
+        </pc:spChg>
+        <pc:spChg chg="mod ord">
+          <ac:chgData name="Nils Mechtel" userId="d365a3c7-8594-435f-9872-5455ceefc78f" providerId="ADAL" clId="{FEE5CBDF-FE29-4F9F-99B9-949F0817748B}" dt="2019-05-13T08:04:07.109" v="2486" actId="1076"/>
+          <ac:spMkLst>
+            <pc:docMk/>
+            <pc:sldMk cId="2484908466" sldId="256"/>
+            <ac:spMk id="3" creationId="{81862294-C6C8-4267-9EC4-FCE207C21611}"/>
+          </ac:spMkLst>
+        </pc:spChg>
+        <pc:spChg chg="add del">
+          <ac:chgData name="Nils Mechtel" userId="d365a3c7-8594-435f-9872-5455ceefc78f" providerId="ADAL" clId="{FEE5CBDF-FE29-4F9F-99B9-949F0817748B}" dt="2019-05-11T12:32:07.297" v="270" actId="26606"/>
+          <ac:spMkLst>
+            <pc:docMk/>
+            <pc:sldMk cId="2484908466" sldId="256"/>
+            <ac:spMk id="5" creationId="{9179DE42-5613-4B35-A1E6-6CCBAA13C743}"/>
+          </ac:spMkLst>
+        </pc:spChg>
+        <pc:spChg chg="add del">
+          <ac:chgData name="Nils Mechtel" userId="d365a3c7-8594-435f-9872-5455ceefc78f" providerId="ADAL" clId="{FEE5CBDF-FE29-4F9F-99B9-949F0817748B}" dt="2019-05-11T12:25:47.432" v="6" actId="26606"/>
+          <ac:spMkLst>
+            <pc:docMk/>
+            <pc:sldMk cId="2484908466" sldId="256"/>
+            <ac:spMk id="8" creationId="{27577DEC-D9A5-404D-9789-702F4319BEC8}"/>
+          </ac:spMkLst>
+        </pc:spChg>
+        <pc:spChg chg="add del">
+          <ac:chgData name="Nils Mechtel" userId="d365a3c7-8594-435f-9872-5455ceefc78f" providerId="ADAL" clId="{FEE5CBDF-FE29-4F9F-99B9-949F0817748B}" dt="2019-05-11T12:32:07.297" v="270" actId="26606"/>
+          <ac:spMkLst>
+            <pc:docMk/>
+            <pc:sldMk cId="2484908466" sldId="256"/>
+            <ac:spMk id="9" creationId="{52FB45E9-914E-4471-AC87-E475CD51767D}"/>
+          </ac:spMkLst>
+        </pc:spChg>
+        <pc:spChg chg="add del">
+          <ac:chgData name="Nils Mechtel" userId="d365a3c7-8594-435f-9872-5455ceefc78f" providerId="ADAL" clId="{FEE5CBDF-FE29-4F9F-99B9-949F0817748B}" dt="2019-05-11T12:32:07.297" v="270" actId="26606"/>
+          <ac:spMkLst>
+            <pc:docMk/>
+            <pc:sldMk cId="2484908466" sldId="256"/>
+            <ac:spMk id="11" creationId="{C310626D-5743-49D4-8F7D-88C4F8F05774}"/>
+          </ac:spMkLst>
+        </pc:spChg>
+        <pc:spChg chg="add del">
+          <ac:chgData name="Nils Mechtel" userId="d365a3c7-8594-435f-9872-5455ceefc78f" providerId="ADAL" clId="{FEE5CBDF-FE29-4F9F-99B9-949F0817748B}" dt="2019-05-11T12:32:07.297" v="270" actId="26606"/>
+          <ac:spMkLst>
+            <pc:docMk/>
+            <pc:sldMk cId="2484908466" sldId="256"/>
+            <ac:spMk id="13" creationId="{3C195FC1-B568-4C72-9902-34CB35DDD7A1}"/>
+          </ac:spMkLst>
+        </pc:spChg>
+        <pc:spChg chg="add del">
+          <ac:chgData name="Nils Mechtel" userId="d365a3c7-8594-435f-9872-5455ceefc78f" providerId="ADAL" clId="{FEE5CBDF-FE29-4F9F-99B9-949F0817748B}" dt="2019-05-11T12:26:01.497" v="9"/>
+          <ac:spMkLst>
+            <pc:docMk/>
+            <pc:sldMk cId="2484908466" sldId="256"/>
+            <ac:spMk id="14" creationId="{52FB45E9-914E-4471-AC87-E475CD51767D}"/>
+          </ac:spMkLst>
+        </pc:spChg>
+        <pc:spChg chg="add del">
+          <ac:chgData name="Nils Mechtel" userId="d365a3c7-8594-435f-9872-5455ceefc78f" providerId="ADAL" clId="{FEE5CBDF-FE29-4F9F-99B9-949F0817748B}" dt="2019-05-11T12:32:07.297" v="270" actId="26606"/>
+          <ac:spMkLst>
+            <pc:docMk/>
+            <pc:sldMk cId="2484908466" sldId="256"/>
+            <ac:spMk id="15" creationId="{EF2BDF77-362C-43F0-8CBB-A969EC2AE0C4}"/>
+          </ac:spMkLst>
+        </pc:spChg>
+        <pc:spChg chg="add del">
+          <ac:chgData name="Nils Mechtel" userId="d365a3c7-8594-435f-9872-5455ceefc78f" providerId="ADAL" clId="{FEE5CBDF-FE29-4F9F-99B9-949F0817748B}" dt="2019-05-11T12:26:01.497" v="9"/>
+          <ac:spMkLst>
+            <pc:docMk/>
+            <pc:sldMk cId="2484908466" sldId="256"/>
+            <ac:spMk id="16" creationId="{C310626D-5743-49D4-8F7D-88C4F8F05774}"/>
+          </ac:spMkLst>
+        </pc:spChg>
+        <pc:spChg chg="add del">
+          <ac:chgData name="Nils Mechtel" userId="d365a3c7-8594-435f-9872-5455ceefc78f" providerId="ADAL" clId="{FEE5CBDF-FE29-4F9F-99B9-949F0817748B}" dt="2019-05-11T12:32:07.297" v="270" actId="26606"/>
+          <ac:spMkLst>
+            <pc:docMk/>
+            <pc:sldMk cId="2484908466" sldId="256"/>
+            <ac:spMk id="17" creationId="{4BE96B01-3929-432D-B8C2-ADBCB74C2EF4}"/>
+          </ac:spMkLst>
+        </pc:spChg>
+        <pc:spChg chg="add del">
+          <ac:chgData name="Nils Mechtel" userId="d365a3c7-8594-435f-9872-5455ceefc78f" providerId="ADAL" clId="{FEE5CBDF-FE29-4F9F-99B9-949F0817748B}" dt="2019-05-11T12:26:01.497" v="9"/>
+          <ac:spMkLst>
+            <pc:docMk/>
+            <pc:sldMk cId="2484908466" sldId="256"/>
+            <ac:spMk id="18" creationId="{3C195FC1-B568-4C72-9902-34CB35DDD7A1}"/>
+          </ac:spMkLst>
+        </pc:spChg>
+        <pc:spChg chg="add del">
+          <ac:chgData name="Nils Mechtel" userId="d365a3c7-8594-435f-9872-5455ceefc78f" providerId="ADAL" clId="{FEE5CBDF-FE29-4F9F-99B9-949F0817748B}" dt="2019-05-11T12:32:07.297" v="270" actId="26606"/>
+          <ac:spMkLst>
+            <pc:docMk/>
+            <pc:sldMk cId="2484908466" sldId="256"/>
+            <ac:spMk id="19" creationId="{2A6FCDE6-CDE2-4C51-B18E-A95CFB679714}"/>
+          </ac:spMkLst>
+        </pc:spChg>
+        <pc:spChg chg="add del">
+          <ac:chgData name="Nils Mechtel" userId="d365a3c7-8594-435f-9872-5455ceefc78f" providerId="ADAL" clId="{FEE5CBDF-FE29-4F9F-99B9-949F0817748B}" dt="2019-05-11T12:26:01.497" v="9"/>
+          <ac:spMkLst>
+            <pc:docMk/>
+            <pc:sldMk cId="2484908466" sldId="256"/>
+            <ac:spMk id="20" creationId="{EF2BDF77-362C-43F0-8CBB-A969EC2AE0C4}"/>
+          </ac:spMkLst>
+        </pc:spChg>
+        <pc:spChg chg="add del">
+          <ac:chgData name="Nils Mechtel" userId="d365a3c7-8594-435f-9872-5455ceefc78f" providerId="ADAL" clId="{FEE5CBDF-FE29-4F9F-99B9-949F0817748B}" dt="2019-05-11T12:26:01.497" v="9"/>
+          <ac:spMkLst>
+            <pc:docMk/>
+            <pc:sldMk cId="2484908466" sldId="256"/>
+            <ac:spMk id="21" creationId="{9179DE42-5613-4B35-A1E6-6CCBAA13C743}"/>
+          </ac:spMkLst>
+        </pc:spChg>
+        <pc:spChg chg="add del">
+          <ac:chgData name="Nils Mechtel" userId="d365a3c7-8594-435f-9872-5455ceefc78f" providerId="ADAL" clId="{FEE5CBDF-FE29-4F9F-99B9-949F0817748B}" dt="2019-05-11T12:26:01.497" v="9"/>
+          <ac:spMkLst>
+            <pc:docMk/>
+            <pc:sldMk cId="2484908466" sldId="256"/>
+            <ac:spMk id="22" creationId="{4BE96B01-3929-432D-B8C2-ADBCB74C2EF4}"/>
+          </ac:spMkLst>
+        </pc:spChg>
+        <pc:spChg chg="add del">
+          <ac:chgData name="Nils Mechtel" userId="d365a3c7-8594-435f-9872-5455ceefc78f" providerId="ADAL" clId="{FEE5CBDF-FE29-4F9F-99B9-949F0817748B}" dt="2019-05-11T12:26:01.497" v="9"/>
+          <ac:spMkLst>
+            <pc:docMk/>
+            <pc:sldMk cId="2484908466" sldId="256"/>
+            <ac:spMk id="24" creationId="{2A6FCDE6-CDE2-4C51-B18E-A95CFB679714}"/>
+          </ac:spMkLst>
+        </pc:spChg>
+        <pc:spChg chg="add del">
+          <ac:chgData name="Nils Mechtel" userId="d365a3c7-8594-435f-9872-5455ceefc78f" providerId="ADAL" clId="{FEE5CBDF-FE29-4F9F-99B9-949F0817748B}" dt="2019-05-11T12:32:07.297" v="270" actId="26606"/>
+          <ac:spMkLst>
+            <pc:docMk/>
+            <pc:sldMk cId="2484908466" sldId="256"/>
+            <ac:spMk id="25" creationId="{9D2E8756-2465-473A-BA2A-2DB1D6224745}"/>
+          </ac:spMkLst>
+        </pc:spChg>
+        <pc:spChg chg="add del">
+          <ac:chgData name="Nils Mechtel" userId="d365a3c7-8594-435f-9872-5455ceefc78f" providerId="ADAL" clId="{FEE5CBDF-FE29-4F9F-99B9-949F0817748B}" dt="2019-05-11T12:26:01.497" v="9"/>
+          <ac:spMkLst>
+            <pc:docMk/>
+            <pc:sldMk cId="2484908466" sldId="256"/>
+            <ac:spMk id="26" creationId="{9D2E8756-2465-473A-BA2A-2DB1D6224745}"/>
+          </ac:spMkLst>
+        </pc:spChg>
+        <pc:spChg chg="add del">
+          <ac:chgData name="Nils Mechtel" userId="d365a3c7-8594-435f-9872-5455ceefc78f" providerId="ADAL" clId="{FEE5CBDF-FE29-4F9F-99B9-949F0817748B}" dt="2019-05-11T12:33:12.502" v="281"/>
+          <ac:spMkLst>
+            <pc:docMk/>
+            <pc:sldMk cId="2484908466" sldId="256"/>
+            <ac:spMk id="27" creationId="{0ADFFC45-3DC9-4433-926F-043E879D9DFC}"/>
+          </ac:spMkLst>
+        </pc:spChg>
+        <pc:spChg chg="add del">
+          <ac:chgData name="Nils Mechtel" userId="d365a3c7-8594-435f-9872-5455ceefc78f" providerId="ADAL" clId="{FEE5CBDF-FE29-4F9F-99B9-949F0817748B}" dt="2019-05-11T12:33:20.007" v="283" actId="26606"/>
+          <ac:spMkLst>
+            <pc:docMk/>
+            <pc:sldMk cId="2484908466" sldId="256"/>
+            <ac:spMk id="29" creationId="{9179DE42-5613-4B35-A1E6-6CCBAA13C743}"/>
+          </ac:spMkLst>
+        </pc:spChg>
+        <pc:spChg chg="add del">
+          <ac:chgData name="Nils Mechtel" userId="d365a3c7-8594-435f-9872-5455ceefc78f" providerId="ADAL" clId="{FEE5CBDF-FE29-4F9F-99B9-949F0817748B}" dt="2019-05-11T13:29:26.943" v="480" actId="26606"/>
+          <ac:spMkLst>
+            <pc:docMk/>
+            <pc:sldMk cId="2484908466" sldId="256"/>
+            <ac:spMk id="31" creationId="{0ADFFC45-3DC9-4433-926F-043E879D9DFC}"/>
+          </ac:spMkLst>
+        </pc:spChg>
+        <pc:spChg chg="add del">
+          <ac:chgData name="Nils Mechtel" userId="d365a3c7-8594-435f-9872-5455ceefc78f" providerId="ADAL" clId="{FEE5CBDF-FE29-4F9F-99B9-949F0817748B}" dt="2019-05-11T12:33:12.502" v="281"/>
+          <ac:spMkLst>
+            <pc:docMk/>
+            <pc:sldMk cId="2484908466" sldId="256"/>
+            <ac:spMk id="36" creationId="{69370F01-B8C9-4CE4-824C-92B2792E6ED0}"/>
+          </ac:spMkLst>
+        </pc:spChg>
+        <pc:spChg chg="add del">
+          <ac:chgData name="Nils Mechtel" userId="d365a3c7-8594-435f-9872-5455ceefc78f" providerId="ADAL" clId="{FEE5CBDF-FE29-4F9F-99B9-949F0817748B}" dt="2019-05-11T12:33:20.007" v="283" actId="26606"/>
+          <ac:spMkLst>
+            <pc:docMk/>
+            <pc:sldMk cId="2484908466" sldId="256"/>
+            <ac:spMk id="38" creationId="{52FB45E9-914E-4471-AC87-E475CD51767D}"/>
+          </ac:spMkLst>
+        </pc:spChg>
+        <pc:spChg chg="add del">
+          <ac:chgData name="Nils Mechtel" userId="d365a3c7-8594-435f-9872-5455ceefc78f" providerId="ADAL" clId="{FEE5CBDF-FE29-4F9F-99B9-949F0817748B}" dt="2019-05-11T12:33:20.007" v="283" actId="26606"/>
+          <ac:spMkLst>
+            <pc:docMk/>
+            <pc:sldMk cId="2484908466" sldId="256"/>
+            <ac:spMk id="39" creationId="{C310626D-5743-49D4-8F7D-88C4F8F05774}"/>
+          </ac:spMkLst>
+        </pc:spChg>
+        <pc:spChg chg="add del">
+          <ac:chgData name="Nils Mechtel" userId="d365a3c7-8594-435f-9872-5455ceefc78f" providerId="ADAL" clId="{FEE5CBDF-FE29-4F9F-99B9-949F0817748B}" dt="2019-05-11T12:33:20.007" v="283" actId="26606"/>
+          <ac:spMkLst>
+            <pc:docMk/>
+            <pc:sldMk cId="2484908466" sldId="256"/>
+            <ac:spMk id="40" creationId="{3C195FC1-B568-4C72-9902-34CB35DDD7A1}"/>
+          </ac:spMkLst>
+        </pc:spChg>
+        <pc:spChg chg="add del">
+          <ac:chgData name="Nils Mechtel" userId="d365a3c7-8594-435f-9872-5455ceefc78f" providerId="ADAL" clId="{FEE5CBDF-FE29-4F9F-99B9-949F0817748B}" dt="2019-05-11T12:33:20.007" v="283" actId="26606"/>
+          <ac:spMkLst>
+            <pc:docMk/>
+            <pc:sldMk cId="2484908466" sldId="256"/>
+            <ac:spMk id="41" creationId="{EF2BDF77-362C-43F0-8CBB-A969EC2AE0C4}"/>
+          </ac:spMkLst>
+        </pc:spChg>
+        <pc:spChg chg="add del">
+          <ac:chgData name="Nils Mechtel" userId="d365a3c7-8594-435f-9872-5455ceefc78f" providerId="ADAL" clId="{FEE5CBDF-FE29-4F9F-99B9-949F0817748B}" dt="2019-05-11T12:33:20.007" v="283" actId="26606"/>
+          <ac:spMkLst>
+            <pc:docMk/>
+            <pc:sldMk cId="2484908466" sldId="256"/>
+            <ac:spMk id="42" creationId="{4BE96B01-3929-432D-B8C2-ADBCB74C2EF4}"/>
+          </ac:spMkLst>
+        </pc:spChg>
+        <pc:spChg chg="add del">
+          <ac:chgData name="Nils Mechtel" userId="d365a3c7-8594-435f-9872-5455ceefc78f" providerId="ADAL" clId="{FEE5CBDF-FE29-4F9F-99B9-949F0817748B}" dt="2019-05-11T12:33:20.007" v="283" actId="26606"/>
+          <ac:spMkLst>
+            <pc:docMk/>
+            <pc:sldMk cId="2484908466" sldId="256"/>
+            <ac:spMk id="43" creationId="{2A6FCDE6-CDE2-4C51-B18E-A95CFB679714}"/>
+          </ac:spMkLst>
+        </pc:spChg>
+        <pc:spChg chg="add del">
+          <ac:chgData name="Nils Mechtel" userId="d365a3c7-8594-435f-9872-5455ceefc78f" providerId="ADAL" clId="{FEE5CBDF-FE29-4F9F-99B9-949F0817748B}" dt="2019-05-11T12:33:20.007" v="283" actId="26606"/>
+          <ac:spMkLst>
+            <pc:docMk/>
+            <pc:sldMk cId="2484908466" sldId="256"/>
+            <ac:spMk id="44" creationId="{9D2E8756-2465-473A-BA2A-2DB1D6224745}"/>
+          </ac:spMkLst>
+        </pc:spChg>
+        <pc:spChg chg="add del">
+          <ac:chgData name="Nils Mechtel" userId="d365a3c7-8594-435f-9872-5455ceefc78f" providerId="ADAL" clId="{FEE5CBDF-FE29-4F9F-99B9-949F0817748B}" dt="2019-05-11T13:26:55.716" v="465" actId="26606"/>
+          <ac:spMkLst>
+            <pc:docMk/>
+            <pc:sldMk cId="2484908466" sldId="256"/>
+            <ac:spMk id="46" creationId="{2783C067-F8BF-4755-B516-8A0CD74CF60C}"/>
+          </ac:spMkLst>
+        </pc:spChg>
+        <pc:spChg chg="add del">
+          <ac:chgData name="Nils Mechtel" userId="d365a3c7-8594-435f-9872-5455ceefc78f" providerId="ADAL" clId="{FEE5CBDF-FE29-4F9F-99B9-949F0817748B}" dt="2019-05-11T13:26:55.716" v="465" actId="26606"/>
+          <ac:spMkLst>
+            <pc:docMk/>
+            <pc:sldMk cId="2484908466" sldId="256"/>
+            <ac:spMk id="47" creationId="{2ED796EC-E7FF-46DB-B912-FB08BF12AA6E}"/>
+          </ac:spMkLst>
+        </pc:spChg>
+        <pc:spChg chg="add del">
+          <ac:chgData name="Nils Mechtel" userId="d365a3c7-8594-435f-9872-5455ceefc78f" providerId="ADAL" clId="{FEE5CBDF-FE29-4F9F-99B9-949F0817748B}" dt="2019-05-11T13:26:55.716" v="465" actId="26606"/>
+          <ac:spMkLst>
+            <pc:docMk/>
+            <pc:sldMk cId="2484908466" sldId="256"/>
+            <ac:spMk id="48" creationId="{549A2DAB-B431-487D-95AD-BB0FECB49E57}"/>
+          </ac:spMkLst>
+        </pc:spChg>
+        <pc:spChg chg="add del">
+          <ac:chgData name="Nils Mechtel" userId="d365a3c7-8594-435f-9872-5455ceefc78f" providerId="ADAL" clId="{FEE5CBDF-FE29-4F9F-99B9-949F0817748B}" dt="2019-05-11T13:26:55.716" v="465" actId="26606"/>
+          <ac:spMkLst>
+            <pc:docMk/>
+            <pc:sldMk cId="2484908466" sldId="256"/>
+            <ac:spMk id="51" creationId="{0819F787-32B4-46A8-BC57-C6571BCEE243}"/>
+          </ac:spMkLst>
+        </pc:spChg>
+        <pc:spChg chg="add del">
+          <ac:chgData name="Nils Mechtel" userId="d365a3c7-8594-435f-9872-5455ceefc78f" providerId="ADAL" clId="{FEE5CBDF-FE29-4F9F-99B9-949F0817748B}" dt="2019-05-11T12:54:12.696" v="380" actId="26606"/>
+          <ac:spMkLst>
+            <pc:docMk/>
+            <pc:sldMk cId="2484908466" sldId="256"/>
+            <ac:spMk id="58" creationId="{DC99427B-A97E-40A3-B1FD-4557346C6A91}"/>
+          </ac:spMkLst>
+        </pc:spChg>
+        <pc:spChg chg="add del">
+          <ac:chgData name="Nils Mechtel" userId="d365a3c7-8594-435f-9872-5455ceefc78f" providerId="ADAL" clId="{FEE5CBDF-FE29-4F9F-99B9-949F0817748B}" dt="2019-05-11T12:54:16.850" v="382" actId="26606"/>
+          <ac:spMkLst>
+            <pc:docMk/>
+            <pc:sldMk cId="2484908466" sldId="256"/>
+            <ac:spMk id="60" creationId="{DC99427B-A97E-40A3-B1FD-4557346C6A91}"/>
+          </ac:spMkLst>
+        </pc:spChg>
+        <pc:spChg chg="add del">
+          <ac:chgData name="Nils Mechtel" userId="d365a3c7-8594-435f-9872-5455ceefc78f" providerId="ADAL" clId="{FEE5CBDF-FE29-4F9F-99B9-949F0817748B}" dt="2019-05-11T13:29:26.943" v="480" actId="26606"/>
+          <ac:spMkLst>
+            <pc:docMk/>
+            <pc:sldMk cId="2484908466" sldId="256"/>
+            <ac:spMk id="63" creationId="{69370F01-B8C9-4CE4-824C-92B2792E6ED0}"/>
+          </ac:spMkLst>
+        </pc:spChg>
+        <pc:spChg chg="add del">
+          <ac:chgData name="Nils Mechtel" userId="d365a3c7-8594-435f-9872-5455ceefc78f" providerId="ADAL" clId="{FEE5CBDF-FE29-4F9F-99B9-949F0817748B}" dt="2019-05-11T15:39:31.536" v="1000"/>
+          <ac:spMkLst>
+            <pc:docMk/>
+            <pc:sldMk cId="2484908466" sldId="256"/>
+            <ac:spMk id="65" creationId="{2783C067-F8BF-4755-B516-8A0CD74CF60C}"/>
+          </ac:spMkLst>
+        </pc:spChg>
+        <pc:spChg chg="add del">
+          <ac:chgData name="Nils Mechtel" userId="d365a3c7-8594-435f-9872-5455ceefc78f" providerId="ADAL" clId="{FEE5CBDF-FE29-4F9F-99B9-949F0817748B}" dt="2019-05-11T15:39:31.536" v="1000"/>
+          <ac:spMkLst>
+            <pc:docMk/>
+            <pc:sldMk cId="2484908466" sldId="256"/>
+            <ac:spMk id="67" creationId="{2ED796EC-E7FF-46DB-B912-FB08BF12AA6E}"/>
+          </ac:spMkLst>
+        </pc:spChg>
+        <pc:spChg chg="add del">
+          <ac:chgData name="Nils Mechtel" userId="d365a3c7-8594-435f-9872-5455ceefc78f" providerId="ADAL" clId="{FEE5CBDF-FE29-4F9F-99B9-949F0817748B}" dt="2019-05-11T13:27:33.698" v="474" actId="26606"/>
+          <ac:spMkLst>
+            <pc:docMk/>
+            <pc:sldMk cId="2484908466" sldId="256"/>
+            <ac:spMk id="68" creationId="{66D61E08-70C3-48D8-BEA0-787111DC30DA}"/>
+          </ac:spMkLst>
+        </pc:spChg>
+        <pc:spChg chg="add del">
+          <ac:chgData name="Nils Mechtel" userId="d365a3c7-8594-435f-9872-5455ceefc78f" providerId="ADAL" clId="{FEE5CBDF-FE29-4F9F-99B9-949F0817748B}" dt="2019-05-11T15:39:31.536" v="1000"/>
+          <ac:spMkLst>
+            <pc:docMk/>
+            <pc:sldMk cId="2484908466" sldId="256"/>
+            <ac:spMk id="69" creationId="{549A2DAB-B431-487D-95AD-BB0FECB49E57}"/>
+          </ac:spMkLst>
+        </pc:spChg>
+        <pc:spChg chg="add del">
+          <ac:chgData name="Nils Mechtel" userId="d365a3c7-8594-435f-9872-5455ceefc78f" providerId="ADAL" clId="{FEE5CBDF-FE29-4F9F-99B9-949F0817748B}" dt="2019-05-11T13:27:33.698" v="474" actId="26606"/>
+          <ac:spMkLst>
+            <pc:docMk/>
+            <pc:sldMk cId="2484908466" sldId="256"/>
+            <ac:spMk id="70" creationId="{FC55298F-0AE5-478E-AD2B-03C2614C5833}"/>
+          </ac:spMkLst>
+        </pc:spChg>
+        <pc:spChg chg="add del">
+          <ac:chgData name="Nils Mechtel" userId="d365a3c7-8594-435f-9872-5455ceefc78f" providerId="ADAL" clId="{FEE5CBDF-FE29-4F9F-99B9-949F0817748B}" dt="2019-05-11T13:27:33.698" v="474" actId="26606"/>
+          <ac:spMkLst>
+            <pc:docMk/>
+            <pc:sldMk cId="2484908466" sldId="256"/>
+            <ac:spMk id="72" creationId="{C180E4EA-0B63-4779-A895-7E90E71088F3}"/>
+          </ac:spMkLst>
+        </pc:spChg>
+        <pc:spChg chg="add del">
+          <ac:chgData name="Nils Mechtel" userId="d365a3c7-8594-435f-9872-5455ceefc78f" providerId="ADAL" clId="{FEE5CBDF-FE29-4F9F-99B9-949F0817748B}" dt="2019-05-11T13:27:33.698" v="474" actId="26606"/>
+          <ac:spMkLst>
+            <pc:docMk/>
+            <pc:sldMk cId="2484908466" sldId="256"/>
+            <ac:spMk id="74" creationId="{CEE01D9D-3DE8-4EED-B0D3-8F3C79CC7673}"/>
+          </ac:spMkLst>
+        </pc:spChg>
+        <pc:spChg chg="add del">
+          <ac:chgData name="Nils Mechtel" userId="d365a3c7-8594-435f-9872-5455ceefc78f" providerId="ADAL" clId="{FEE5CBDF-FE29-4F9F-99B9-949F0817748B}" dt="2019-05-11T15:39:31.536" v="1000"/>
+          <ac:spMkLst>
+            <pc:docMk/>
+            <pc:sldMk cId="2484908466" sldId="256"/>
+            <ac:spMk id="75" creationId="{0819F787-32B4-46A8-BC57-C6571BCEE243}"/>
+          </ac:spMkLst>
+        </pc:spChg>
+        <pc:spChg chg="add del">
+          <ac:chgData name="Nils Mechtel" userId="d365a3c7-8594-435f-9872-5455ceefc78f" providerId="ADAL" clId="{FEE5CBDF-FE29-4F9F-99B9-949F0817748B}" dt="2019-05-11T13:27:33.698" v="474" actId="26606"/>
+          <ac:spMkLst>
+            <pc:docMk/>
+            <pc:sldMk cId="2484908466" sldId="256"/>
+            <ac:spMk id="76" creationId="{89AF5CE9-607F-43F4-8983-DCD6DA4051FD}"/>
+          </ac:spMkLst>
+        </pc:spChg>
+        <pc:spChg chg="add del">
+          <ac:chgData name="Nils Mechtel" userId="d365a3c7-8594-435f-9872-5455ceefc78f" providerId="ADAL" clId="{FEE5CBDF-FE29-4F9F-99B9-949F0817748B}" dt="2019-05-11T13:27:33.698" v="474" actId="26606"/>
+          <ac:spMkLst>
+            <pc:docMk/>
+            <pc:sldMk cId="2484908466" sldId="256"/>
+            <ac:spMk id="78" creationId="{6EEA2DBD-9E1E-4521-8C01-F32AD18A89E3}"/>
+          </ac:spMkLst>
+        </pc:spChg>
+        <pc:spChg chg="add del">
+          <ac:chgData name="Nils Mechtel" userId="d365a3c7-8594-435f-9872-5455ceefc78f" providerId="ADAL" clId="{FEE5CBDF-FE29-4F9F-99B9-949F0817748B}" dt="2019-05-11T13:27:33.698" v="474" actId="26606"/>
+          <ac:spMkLst>
+            <pc:docMk/>
+            <pc:sldMk cId="2484908466" sldId="256"/>
+            <ac:spMk id="80" creationId="{15BBD2C1-BA9B-46A9-A27A-33498B169272}"/>
+          </ac:spMkLst>
+        </pc:spChg>
+        <pc:spChg chg="add del">
+          <ac:chgData name="Nils Mechtel" userId="d365a3c7-8594-435f-9872-5455ceefc78f" providerId="ADAL" clId="{FEE5CBDF-FE29-4F9F-99B9-949F0817748B}" dt="2019-05-11T13:27:33.639" v="473" actId="26606"/>
+          <ac:spMkLst>
+            <pc:docMk/>
+            <pc:sldMk cId="2484908466" sldId="256"/>
+            <ac:spMk id="85" creationId="{53FCF47F-C2D5-40D2-BB9E-EB0634228135}"/>
+          </ac:spMkLst>
+        </pc:spChg>
+        <pc:spChg chg="add del">
+          <ac:chgData name="Nils Mechtel" userId="d365a3c7-8594-435f-9872-5455ceefc78f" providerId="ADAL" clId="{FEE5CBDF-FE29-4F9F-99B9-949F0817748B}" dt="2019-05-11T13:27:33.639" v="473" actId="26606"/>
+          <ac:spMkLst>
+            <pc:docMk/>
+            <pc:sldMk cId="2484908466" sldId="256"/>
+            <ac:spMk id="91" creationId="{677AD1FD-34AE-437D-8CDC-28626ED9A8B0}"/>
+          </ac:spMkLst>
+        </pc:spChg>
+        <pc:spChg chg="add del">
+          <ac:chgData name="Nils Mechtel" userId="d365a3c7-8594-435f-9872-5455ceefc78f" providerId="ADAL" clId="{FEE5CBDF-FE29-4F9F-99B9-949F0817748B}" dt="2019-05-11T13:27:33.639" v="473" actId="26606"/>
+          <ac:spMkLst>
+            <pc:docMk/>
+            <pc:sldMk cId="2484908466" sldId="256"/>
+            <ac:spMk id="93" creationId="{B07774B8-04E2-436D-B983-B885D6F0F659}"/>
+          </ac:spMkLst>
+        </pc:spChg>
+        <pc:spChg chg="add del">
+          <ac:chgData name="Nils Mechtel" userId="d365a3c7-8594-435f-9872-5455ceefc78f" providerId="ADAL" clId="{FEE5CBDF-FE29-4F9F-99B9-949F0817748B}" dt="2019-05-11T13:27:33.639" v="473" actId="26606"/>
+          <ac:spMkLst>
+            <pc:docMk/>
+            <pc:sldMk cId="2484908466" sldId="256"/>
+            <ac:spMk id="95" creationId="{CE493F13-8130-4A50-9898-8AFD98F5E1FB}"/>
+          </ac:spMkLst>
+        </pc:spChg>
+        <pc:spChg chg="add del">
+          <ac:chgData name="Nils Mechtel" userId="d365a3c7-8594-435f-9872-5455ceefc78f" providerId="ADAL" clId="{FEE5CBDF-FE29-4F9F-99B9-949F0817748B}" dt="2019-05-11T13:27:33.639" v="473" actId="26606"/>
+          <ac:spMkLst>
+            <pc:docMk/>
+            <pc:sldMk cId="2484908466" sldId="256"/>
+            <ac:spMk id="97" creationId="{5C83F2E6-2324-4A53-85E7-4D74B6586E0C}"/>
+          </ac:spMkLst>
+        </pc:spChg>
+        <pc:spChg chg="add del">
+          <ac:chgData name="Nils Mechtel" userId="d365a3c7-8594-435f-9872-5455ceefc78f" providerId="ADAL" clId="{FEE5CBDF-FE29-4F9F-99B9-949F0817748B}" dt="2019-05-11T13:27:33.639" v="473" actId="26606"/>
+          <ac:spMkLst>
+            <pc:docMk/>
+            <pc:sldMk cId="2484908466" sldId="256"/>
+            <ac:spMk id="99" creationId="{62C79599-4635-4903-B028-E3331034BF2F}"/>
+          </ac:spMkLst>
+        </pc:spChg>
+        <pc:spChg chg="add del">
+          <ac:chgData name="Nils Mechtel" userId="d365a3c7-8594-435f-9872-5455ceefc78f" providerId="ADAL" clId="{FEE5CBDF-FE29-4F9F-99B9-949F0817748B}" dt="2019-05-11T13:27:33.639" v="473" actId="26606"/>
+          <ac:spMkLst>
+            <pc:docMk/>
+            <pc:sldMk cId="2484908466" sldId="256"/>
+            <ac:spMk id="101" creationId="{64581993-8E43-4AF4-9AF1-A39EF777280B}"/>
+          </ac:spMkLst>
+        </pc:spChg>
+        <pc:spChg chg="add del">
+          <ac:chgData name="Nils Mechtel" userId="d365a3c7-8594-435f-9872-5455ceefc78f" providerId="ADAL" clId="{FEE5CBDF-FE29-4F9F-99B9-949F0817748B}" dt="2019-05-11T13:29:16.003" v="478"/>
+          <ac:spMkLst>
+            <pc:docMk/>
+            <pc:sldMk cId="2484908466" sldId="256"/>
+            <ac:spMk id="103" creationId="{7815DC60-3142-4171-B7AD-13B6FD265C6B}"/>
+          </ac:spMkLst>
+        </pc:spChg>
+        <pc:spChg chg="add del">
+          <ac:chgData name="Nils Mechtel" userId="d365a3c7-8594-435f-9872-5455ceefc78f" providerId="ADAL" clId="{FEE5CBDF-FE29-4F9F-99B9-949F0817748B}" dt="2019-05-11T13:29:16.003" v="478"/>
+          <ac:spMkLst>
+            <pc:docMk/>
+            <pc:sldMk cId="2484908466" sldId="256"/>
+            <ac:spMk id="104" creationId="{3A459D44-E95C-4AB2-9D79-7C182560C4A9}"/>
+          </ac:spMkLst>
+        </pc:spChg>
+        <pc:grpChg chg="add del">
+          <ac:chgData name="Nils Mechtel" userId="d365a3c7-8594-435f-9872-5455ceefc78f" providerId="ADAL" clId="{FEE5CBDF-FE29-4F9F-99B9-949F0817748B}" dt="2019-05-11T12:25:47.432" v="6" actId="26606"/>
+          <ac:grpSpMkLst>
+            <pc:docMk/>
+            <pc:sldMk cId="2484908466" sldId="256"/>
+            <ac:grpSpMk id="10" creationId="{CEEA9366-CEA8-4F23-B065-4337F0D836FE}"/>
+          </ac:grpSpMkLst>
+        </pc:grpChg>
+        <pc:grpChg chg="add del">
+          <ac:chgData name="Nils Mechtel" userId="d365a3c7-8594-435f-9872-5455ceefc78f" providerId="ADAL" clId="{FEE5CBDF-FE29-4F9F-99B9-949F0817748B}" dt="2019-05-11T12:33:12.502" v="281"/>
+          <ac:grpSpMkLst>
+            <pc:docMk/>
+            <pc:sldMk cId="2484908466" sldId="256"/>
+            <ac:grpSpMk id="28" creationId="{B5F26A87-0610-435F-AA13-BD658385C9D9}"/>
+          </ac:grpSpMkLst>
+        </pc:grpChg>
+        <pc:grpChg chg="add del">
+          <ac:chgData name="Nils Mechtel" userId="d365a3c7-8594-435f-9872-5455ceefc78f" providerId="ADAL" clId="{FEE5CBDF-FE29-4F9F-99B9-949F0817748B}" dt="2019-05-11T13:29:26.943" v="480" actId="26606"/>
+          <ac:grpSpMkLst>
+            <pc:docMk/>
+            <pc:sldMk cId="2484908466" sldId="256"/>
+            <ac:grpSpMk id="32" creationId="{B5F26A87-0610-435F-AA13-BD658385C9D9}"/>
+          </ac:grpSpMkLst>
+        </pc:grpChg>
+        <pc:picChg chg="del mod ord">
+          <ac:chgData name="Nils Mechtel" userId="d365a3c7-8594-435f-9872-5455ceefc78f" providerId="ADAL" clId="{FEE5CBDF-FE29-4F9F-99B9-949F0817748B}" dt="2019-05-11T13:28:19.528" v="475" actId="478"/>
+          <ac:picMkLst>
+            <pc:docMk/>
+            <pc:sldMk cId="2484908466" sldId="256"/>
+            <ac:picMk id="4" creationId="{C728CAA1-EB3A-41AC-9581-451969D49BD6}"/>
+          </ac:picMkLst>
+        </pc:picChg>
+        <pc:picChg chg="del mod">
+          <ac:chgData name="Nils Mechtel" userId="d365a3c7-8594-435f-9872-5455ceefc78f" providerId="ADAL" clId="{FEE5CBDF-FE29-4F9F-99B9-949F0817748B}" dt="2019-05-11T13:28:21.431" v="476" actId="478"/>
+          <ac:picMkLst>
+            <pc:docMk/>
+            <pc:sldMk cId="2484908466" sldId="256"/>
+            <ac:picMk id="6" creationId="{169773D3-B81F-4930-A855-69568BB65473}"/>
+          </ac:picMkLst>
+        </pc:picChg>
+        <pc:picChg chg="del">
+          <ac:chgData name="Nils Mechtel" userId="d365a3c7-8594-435f-9872-5455ceefc78f" providerId="ADAL" clId="{FEE5CBDF-FE29-4F9F-99B9-949F0817748B}" dt="2019-05-11T13:27:04.203" v="466" actId="478"/>
+          <ac:picMkLst>
+            <pc:docMk/>
+            <pc:sldMk cId="2484908466" sldId="256"/>
+            <ac:picMk id="10" creationId="{BEC75E34-2625-41DA-9A12-216768360BFF}"/>
+          </ac:picMkLst>
+        </pc:picChg>
+        <pc:picChg chg="mod">
+          <ac:chgData name="Nils Mechtel" userId="d365a3c7-8594-435f-9872-5455ceefc78f" providerId="ADAL" clId="{FEE5CBDF-FE29-4F9F-99B9-949F0817748B}" dt="2019-05-11T13:27:15.190" v="469" actId="1076"/>
+          <ac:picMkLst>
+            <pc:docMk/>
+            <pc:sldMk cId="2484908466" sldId="256"/>
+            <ac:picMk id="14" creationId="{4FAA9DE7-277E-4A8D-BB70-3049352958E4}"/>
+          </ac:picMkLst>
+        </pc:picChg>
+        <pc:picChg chg="add del">
+          <ac:chgData name="Nils Mechtel" userId="d365a3c7-8594-435f-9872-5455ceefc78f" providerId="ADAL" clId="{FEE5CBDF-FE29-4F9F-99B9-949F0817748B}" dt="2019-05-11T13:27:24.420" v="471" actId="478"/>
+          <ac:picMkLst>
+            <pc:docMk/>
+            <pc:sldMk cId="2484908466" sldId="256"/>
+            <ac:picMk id="16" creationId="{2D008AF7-82D1-4E7A-A0C4-EAAA22844CAC}"/>
+          </ac:picMkLst>
+        </pc:picChg>
+        <pc:picChg chg="add del">
+          <ac:chgData name="Nils Mechtel" userId="d365a3c7-8594-435f-9872-5455ceefc78f" providerId="ADAL" clId="{FEE5CBDF-FE29-4F9F-99B9-949F0817748B}" dt="2019-05-11T12:54:12.696" v="380" actId="26606"/>
+          <ac:picMkLst>
+            <pc:docMk/>
+            <pc:sldMk cId="2484908466" sldId="256"/>
+            <ac:picMk id="55" creationId="{E22725E6-6F3D-48B1-925D-77D33497836A}"/>
+          </ac:picMkLst>
+        </pc:picChg>
+        <pc:picChg chg="add mod">
+          <ac:chgData name="Nils Mechtel" userId="d365a3c7-8594-435f-9872-5455ceefc78f" providerId="ADAL" clId="{FEE5CBDF-FE29-4F9F-99B9-949F0817748B}" dt="2019-05-11T13:26:55.716" v="465" actId="26606"/>
+          <ac:picMkLst>
+            <pc:docMk/>
+            <pc:sldMk cId="2484908466" sldId="256"/>
+            <ac:picMk id="59" creationId="{59EC7E78-8577-4C9F-BED9-EDAF7EE0AA9C}"/>
+          </ac:picMkLst>
+        </pc:picChg>
+        <pc:picChg chg="add del">
+          <ac:chgData name="Nils Mechtel" userId="d365a3c7-8594-435f-9872-5455ceefc78f" providerId="ADAL" clId="{FEE5CBDF-FE29-4F9F-99B9-949F0817748B}" dt="2019-05-11T12:54:16.850" v="382" actId="26606"/>
+          <ac:picMkLst>
+            <pc:docMk/>
+            <pc:sldMk cId="2484908466" sldId="256"/>
+            <ac:picMk id="61" creationId="{1FFB0AB4-9501-4C5B-B02B-2E158973CD9F}"/>
+          </ac:picMkLst>
+        </pc:picChg>
+        <pc:inkChg chg="add del">
+          <ac:chgData name="Nils Mechtel" userId="d365a3c7-8594-435f-9872-5455ceefc78f" providerId="ADAL" clId="{FEE5CBDF-FE29-4F9F-99B9-949F0817748B}" dt="2019-05-11T12:34:58.331" v="301"/>
+          <ac:inkMkLst>
+            <pc:docMk/>
+            <pc:sldMk cId="2484908466" sldId="256"/>
+            <ac:inkMk id="4" creationId="{1CA40A39-9C10-4130-9898-442043675862}"/>
+          </ac:inkMkLst>
+        </pc:inkChg>
+        <pc:inkChg chg="add del">
+          <ac:chgData name="Nils Mechtel" userId="d365a3c7-8594-435f-9872-5455ceefc78f" providerId="ADAL" clId="{FEE5CBDF-FE29-4F9F-99B9-949F0817748B}" dt="2019-05-11T12:34:58.331" v="301"/>
+          <ac:inkMkLst>
+            <pc:docMk/>
+            <pc:sldMk cId="2484908466" sldId="256"/>
+            <ac:inkMk id="45" creationId="{B4537788-BA8A-470B-9872-54C07A08CA76}"/>
+          </ac:inkMkLst>
+        </pc:inkChg>
+        <pc:inkChg chg="add del">
+          <ac:chgData name="Nils Mechtel" userId="d365a3c7-8594-435f-9872-5455ceefc78f" providerId="ADAL" clId="{FEE5CBDF-FE29-4F9F-99B9-949F0817748B}" dt="2019-05-11T12:34:58.331" v="301"/>
+          <ac:inkMkLst>
+            <pc:docMk/>
+            <pc:sldMk cId="2484908466" sldId="256"/>
+            <ac:inkMk id="52" creationId="{1CE05F07-8287-4AE1-9411-A4DE96B63412}"/>
+          </ac:inkMkLst>
+        </pc:inkChg>
+        <pc:inkChg chg="add del">
+          <ac:chgData name="Nils Mechtel" userId="d365a3c7-8594-435f-9872-5455ceefc78f" providerId="ADAL" clId="{FEE5CBDF-FE29-4F9F-99B9-949F0817748B}" dt="2019-05-11T12:35:03.122" v="302"/>
+          <ac:inkMkLst>
+            <pc:docMk/>
+            <pc:sldMk cId="2484908466" sldId="256"/>
+            <ac:inkMk id="53" creationId="{52E66FC3-F013-4324-8BA0-897E7D7C1E31}"/>
+          </ac:inkMkLst>
+        </pc:inkChg>
+        <pc:cxnChg chg="add del">
+          <ac:chgData name="Nils Mechtel" userId="d365a3c7-8594-435f-9872-5455ceefc78f" providerId="ADAL" clId="{FEE5CBDF-FE29-4F9F-99B9-949F0817748B}" dt="2019-05-11T12:32:07.297" v="270" actId="26606"/>
+          <ac:cxnSpMkLst>
+            <pc:docMk/>
+            <pc:sldMk cId="2484908466" sldId="256"/>
+            <ac:cxnSpMk id="6" creationId="{EB898B32-3891-4C3A-8F58-C5969D2E9033}"/>
+          </ac:cxnSpMkLst>
+        </pc:cxnChg>
+        <pc:cxnChg chg="add del">
+          <ac:chgData name="Nils Mechtel" userId="d365a3c7-8594-435f-9872-5455ceefc78f" providerId="ADAL" clId="{FEE5CBDF-FE29-4F9F-99B9-949F0817748B}" dt="2019-05-11T12:32:07.297" v="270" actId="26606"/>
+          <ac:cxnSpMkLst>
+            <pc:docMk/>
+            <pc:sldMk cId="2484908466" sldId="256"/>
+            <ac:cxnSpMk id="7" creationId="{4AE4806D-B8F9-4679-A68A-9BD21C01A301}"/>
+          </ac:cxnSpMkLst>
+        </pc:cxnChg>
+        <pc:cxnChg chg="add del">
+          <ac:chgData name="Nils Mechtel" userId="d365a3c7-8594-435f-9872-5455ceefc78f" providerId="ADAL" clId="{FEE5CBDF-FE29-4F9F-99B9-949F0817748B}" dt="2019-05-11T12:26:01.497" v="9"/>
+          <ac:cxnSpMkLst>
+            <pc:docMk/>
+            <pc:sldMk cId="2484908466" sldId="256"/>
+            <ac:cxnSpMk id="12" creationId="{4AE4806D-B8F9-4679-A68A-9BD21C01A301}"/>
+          </ac:cxnSpMkLst>
+        </pc:cxnChg>
+        <pc:cxnChg chg="add del">
+          <ac:chgData name="Nils Mechtel" userId="d365a3c7-8594-435f-9872-5455ceefc78f" providerId="ADAL" clId="{FEE5CBDF-FE29-4F9F-99B9-949F0817748B}" dt="2019-05-11T12:26:01.497" v="9"/>
+          <ac:cxnSpMkLst>
+            <pc:docMk/>
+            <pc:sldMk cId="2484908466" sldId="256"/>
+            <ac:cxnSpMk id="23" creationId="{EB898B32-3891-4C3A-8F58-C5969D2E9033}"/>
+          </ac:cxnSpMkLst>
+        </pc:cxnChg>
+        <pc:cxnChg chg="add del">
+          <ac:chgData name="Nils Mechtel" userId="d365a3c7-8594-435f-9872-5455ceefc78f" providerId="ADAL" clId="{FEE5CBDF-FE29-4F9F-99B9-949F0817748B}" dt="2019-05-11T12:33:20.007" v="283" actId="26606"/>
+          <ac:cxnSpMkLst>
+            <pc:docMk/>
+            <pc:sldMk cId="2484908466" sldId="256"/>
+            <ac:cxnSpMk id="30" creationId="{EB898B32-3891-4C3A-8F58-C5969D2E9033}"/>
+          </ac:cxnSpMkLst>
+        </pc:cxnChg>
+        <pc:cxnChg chg="add del">
+          <ac:chgData name="Nils Mechtel" userId="d365a3c7-8594-435f-9872-5455ceefc78f" providerId="ADAL" clId="{FEE5CBDF-FE29-4F9F-99B9-949F0817748B}" dt="2019-05-11T12:33:20.007" v="283" actId="26606"/>
+          <ac:cxnSpMkLst>
+            <pc:docMk/>
+            <pc:sldMk cId="2484908466" sldId="256"/>
+            <ac:cxnSpMk id="37" creationId="{4AE4806D-B8F9-4679-A68A-9BD21C01A301}"/>
+          </ac:cxnSpMkLst>
+        </pc:cxnChg>
+        <pc:cxnChg chg="add del">
+          <ac:chgData name="Nils Mechtel" userId="d365a3c7-8594-435f-9872-5455ceefc78f" providerId="ADAL" clId="{FEE5CBDF-FE29-4F9F-99B9-949F0817748B}" dt="2019-05-11T13:26:55.716" v="465" actId="26606"/>
+          <ac:cxnSpMkLst>
+            <pc:docMk/>
+            <pc:sldMk cId="2484908466" sldId="256"/>
+            <ac:cxnSpMk id="49" creationId="{C5ECDEE1-7093-418F-9CF5-24EEB115C1C1}"/>
+          </ac:cxnSpMkLst>
+        </pc:cxnChg>
+        <pc:cxnChg chg="add del">
+          <ac:chgData name="Nils Mechtel" userId="d365a3c7-8594-435f-9872-5455ceefc78f" providerId="ADAL" clId="{FEE5CBDF-FE29-4F9F-99B9-949F0817748B}" dt="2019-05-11T13:26:55.716" v="465" actId="26606"/>
+          <ac:cxnSpMkLst>
+            <pc:docMk/>
+            <pc:sldMk cId="2484908466" sldId="256"/>
+            <ac:cxnSpMk id="50" creationId="{045062AF-EB11-4651-BC4A-4DA21768DE8E}"/>
+          </ac:cxnSpMkLst>
+        </pc:cxnChg>
+        <pc:cxnChg chg="add del">
+          <ac:chgData name="Nils Mechtel" userId="d365a3c7-8594-435f-9872-5455ceefc78f" providerId="ADAL" clId="{FEE5CBDF-FE29-4F9F-99B9-949F0817748B}" dt="2019-05-11T13:27:33.698" v="474" actId="26606"/>
+          <ac:cxnSpMkLst>
+            <pc:docMk/>
+            <pc:sldMk cId="2484908466" sldId="256"/>
+            <ac:cxnSpMk id="64" creationId="{A57C1A16-B8AB-4D99-A195-A38F556A6486}"/>
+          </ac:cxnSpMkLst>
+        </pc:cxnChg>
+        <pc:cxnChg chg="add del">
+          <ac:chgData name="Nils Mechtel" userId="d365a3c7-8594-435f-9872-5455ceefc78f" providerId="ADAL" clId="{FEE5CBDF-FE29-4F9F-99B9-949F0817748B}" dt="2019-05-11T13:27:33.698" v="474" actId="26606"/>
+          <ac:cxnSpMkLst>
+            <pc:docMk/>
+            <pc:sldMk cId="2484908466" sldId="256"/>
+            <ac:cxnSpMk id="66" creationId="{F8A9B20B-D1DD-4573-B5EC-558029519236}"/>
+          </ac:cxnSpMkLst>
+        </pc:cxnChg>
+        <pc:cxnChg chg="add del">
+          <ac:chgData name="Nils Mechtel" userId="d365a3c7-8594-435f-9872-5455ceefc78f" providerId="ADAL" clId="{FEE5CBDF-FE29-4F9F-99B9-949F0817748B}" dt="2019-05-11T15:39:31.536" v="1000"/>
+          <ac:cxnSpMkLst>
+            <pc:docMk/>
+            <pc:sldMk cId="2484908466" sldId="256"/>
+            <ac:cxnSpMk id="71" creationId="{C5ECDEE1-7093-418F-9CF5-24EEB115C1C1}"/>
+          </ac:cxnSpMkLst>
+        </pc:cxnChg>
+        <pc:cxnChg chg="add del">
+          <ac:chgData name="Nils Mechtel" userId="d365a3c7-8594-435f-9872-5455ceefc78f" providerId="ADAL" clId="{FEE5CBDF-FE29-4F9F-99B9-949F0817748B}" dt="2019-05-11T15:39:31.536" v="1000"/>
+          <ac:cxnSpMkLst>
+            <pc:docMk/>
+            <pc:sldMk cId="2484908466" sldId="256"/>
+            <ac:cxnSpMk id="73" creationId="{045062AF-EB11-4651-BC4A-4DA21768DE8E}"/>
+          </ac:cxnSpMkLst>
+        </pc:cxnChg>
+        <pc:cxnChg chg="add del">
+          <ac:chgData name="Nils Mechtel" userId="d365a3c7-8594-435f-9872-5455ceefc78f" providerId="ADAL" clId="{FEE5CBDF-FE29-4F9F-99B9-949F0817748B}" dt="2019-05-11T13:27:33.639" v="473" actId="26606"/>
+          <ac:cxnSpMkLst>
+            <pc:docMk/>
+            <pc:sldMk cId="2484908466" sldId="256"/>
+            <ac:cxnSpMk id="87" creationId="{FBB82796-3A6E-4FCF-8027-03F8520497BE}"/>
+          </ac:cxnSpMkLst>
+        </pc:cxnChg>
+        <pc:cxnChg chg="add del">
+          <ac:chgData name="Nils Mechtel" userId="d365a3c7-8594-435f-9872-5455ceefc78f" providerId="ADAL" clId="{FEE5CBDF-FE29-4F9F-99B9-949F0817748B}" dt="2019-05-11T13:27:33.639" v="473" actId="26606"/>
+          <ac:cxnSpMkLst>
+            <pc:docMk/>
+            <pc:sldMk cId="2484908466" sldId="256"/>
+            <ac:cxnSpMk id="89" creationId="{B103BA84-D5B0-4695-89D5-80EA89FAE1AB}"/>
+          </ac:cxnSpMkLst>
+        </pc:cxnChg>
+      </pc:sldChg>
+      <pc:sldChg chg="addSp delSp modSp mod ord setBg modAnim addCm modCm modNotesTx">
+        <pc:chgData name="Nils Mechtel" userId="d365a3c7-8594-435f-9872-5455ceefc78f" providerId="ADAL" clId="{FEE5CBDF-FE29-4F9F-99B9-949F0817748B}" dt="2019-05-13T07:57:21.424" v="2451"/>
+        <pc:sldMkLst>
+          <pc:docMk/>
+          <pc:sldMk cId="1965533031" sldId="257"/>
+        </pc:sldMkLst>
+        <pc:spChg chg="mod ord">
+          <ac:chgData name="Nils Mechtel" userId="d365a3c7-8594-435f-9872-5455ceefc78f" providerId="ADAL" clId="{FEE5CBDF-FE29-4F9F-99B9-949F0817748B}" dt="2019-05-11T16:19:40.910" v="1241" actId="26606"/>
+          <ac:spMkLst>
+            <pc:docMk/>
+            <pc:sldMk cId="1965533031" sldId="257"/>
+            <ac:spMk id="2" creationId="{B008D1D3-9463-48A0-85F8-1984E244CECD}"/>
+          </ac:spMkLst>
+        </pc:spChg>
+        <pc:spChg chg="add mod">
+          <ac:chgData name="Nils Mechtel" userId="d365a3c7-8594-435f-9872-5455ceefc78f" providerId="ADAL" clId="{FEE5CBDF-FE29-4F9F-99B9-949F0817748B}" dt="2019-05-13T07:56:48.157" v="2449" actId="1076"/>
+          <ac:spMkLst>
+            <pc:docMk/>
+            <pc:sldMk cId="1965533031" sldId="257"/>
+            <ac:spMk id="3" creationId="{A3561F8D-9380-41DF-9739-3A0E08468CF6}"/>
+          </ac:spMkLst>
+        </pc:spChg>
+        <pc:spChg chg="mod">
+          <ac:chgData name="Nils Mechtel" userId="d365a3c7-8594-435f-9872-5455ceefc78f" providerId="ADAL" clId="{FEE5CBDF-FE29-4F9F-99B9-949F0817748B}" dt="2019-05-11T13:23:57.155" v="426" actId="20577"/>
+          <ac:spMkLst>
+            <pc:docMk/>
+            <pc:sldMk cId="1965533031" sldId="257"/>
+            <ac:spMk id="3" creationId="{C5F468CC-2388-463D-8E99-031E12807CF8}"/>
+          </ac:spMkLst>
+        </pc:spChg>
+        <pc:spChg chg="add del mod ord">
+          <ac:chgData name="Nils Mechtel" userId="d365a3c7-8594-435f-9872-5455ceefc78f" providerId="ADAL" clId="{FEE5CBDF-FE29-4F9F-99B9-949F0817748B}" dt="2019-05-13T07:55:07.862" v="2441"/>
+          <ac:spMkLst>
+            <pc:docMk/>
+            <pc:sldMk cId="1965533031" sldId="257"/>
+            <ac:spMk id="7" creationId="{78F9E495-2FEA-4C7F-AB13-CBD059C11A59}"/>
+          </ac:spMkLst>
+        </pc:spChg>
+        <pc:spChg chg="add del">
+          <ac:chgData name="Nils Mechtel" userId="d365a3c7-8594-435f-9872-5455ceefc78f" providerId="ADAL" clId="{FEE5CBDF-FE29-4F9F-99B9-949F0817748B}" dt="2019-05-11T16:18:56.374" v="1234" actId="26606"/>
+          <ac:spMkLst>
+            <pc:docMk/>
+            <pc:sldMk cId="1965533031" sldId="257"/>
+            <ac:spMk id="16" creationId="{4BE9D4C4-9FA3-4885-A769-301639CC7AD4}"/>
+          </ac:spMkLst>
+        </pc:spChg>
+        <pc:spChg chg="add del">
+          <ac:chgData name="Nils Mechtel" userId="d365a3c7-8594-435f-9872-5455ceefc78f" providerId="ADAL" clId="{FEE5CBDF-FE29-4F9F-99B9-949F0817748B}" dt="2019-05-11T16:18:56.374" v="1234" actId="26606"/>
+          <ac:spMkLst>
+            <pc:docMk/>
+            <pc:sldMk cId="1965533031" sldId="257"/>
+            <ac:spMk id="18" creationId="{7EB6695E-BED5-4DA3-8C9B-AD301AEF4776}"/>
+          </ac:spMkLst>
+        </pc:spChg>
+        <pc:picChg chg="add mod">
+          <ac:chgData name="Nils Mechtel" userId="d365a3c7-8594-435f-9872-5455ceefc78f" providerId="ADAL" clId="{FEE5CBDF-FE29-4F9F-99B9-949F0817748B}" dt="2019-05-11T14:16:08.356" v="691" actId="1076"/>
+          <ac:picMkLst>
+            <pc:docMk/>
+            <pc:sldMk cId="1965533031" sldId="257"/>
+            <ac:picMk id="4" creationId="{80925662-649A-4F0F-9E21-63AF8C92D0B2}"/>
+          </ac:picMkLst>
+        </pc:picChg>
+        <pc:picChg chg="add mod">
+          <ac:chgData name="Nils Mechtel" userId="d365a3c7-8594-435f-9872-5455ceefc78f" providerId="ADAL" clId="{FEE5CBDF-FE29-4F9F-99B9-949F0817748B}" dt="2019-05-13T07:54:41.877" v="2437" actId="1076"/>
+          <ac:picMkLst>
+            <pc:docMk/>
+            <pc:sldMk cId="1965533031" sldId="257"/>
+            <ac:picMk id="6" creationId="{60A2E3FA-4CE7-45BE-81BD-EBF5520FE600}"/>
+          </ac:picMkLst>
+        </pc:picChg>
+        <pc:picChg chg="mod ord">
+          <ac:chgData name="Nils Mechtel" userId="d365a3c7-8594-435f-9872-5455ceefc78f" providerId="ADAL" clId="{FEE5CBDF-FE29-4F9F-99B9-949F0817748B}" dt="2019-05-13T07:54:36.982" v="2436" actId="1076"/>
+          <ac:picMkLst>
+            <pc:docMk/>
+            <pc:sldMk cId="1965533031" sldId="257"/>
+            <ac:picMk id="11" creationId="{46303D25-7CBE-4883-82DB-08081E075408}"/>
+          </ac:picMkLst>
+        </pc:picChg>
+        <pc:picChg chg="add del mod ord">
+          <ac:chgData name="Nils Mechtel" userId="d365a3c7-8594-435f-9872-5455ceefc78f" providerId="ADAL" clId="{FEE5CBDF-FE29-4F9F-99B9-949F0817748B}" dt="2019-05-11T16:19:42.517" v="1242"/>
+          <ac:picMkLst>
+            <pc:docMk/>
+            <pc:sldMk cId="1965533031" sldId="257"/>
+            <ac:picMk id="12" creationId="{72D34532-627E-4E91-8194-38683447C42B}"/>
+          </ac:picMkLst>
+        </pc:picChg>
+      </pc:sldChg>
+      <pc:sldChg chg="addSp delSp modSp setBg">
+        <pc:chgData name="Nils Mechtel" userId="d365a3c7-8594-435f-9872-5455ceefc78f" providerId="ADAL" clId="{FEE5CBDF-FE29-4F9F-99B9-949F0817748B}" dt="2019-05-13T12:40:31.247" v="3019" actId="1076"/>
+        <pc:sldMkLst>
+          <pc:docMk/>
+          <pc:sldMk cId="3678253361" sldId="258"/>
+        </pc:sldMkLst>
+        <pc:spChg chg="mod">
+          <ac:chgData name="Nils Mechtel" userId="d365a3c7-8594-435f-9872-5455ceefc78f" providerId="ADAL" clId="{FEE5CBDF-FE29-4F9F-99B9-949F0817748B}" dt="2019-05-13T08:17:08.100" v="2603" actId="1076"/>
+          <ac:spMkLst>
+            <pc:docMk/>
+            <pc:sldMk cId="3678253361" sldId="258"/>
+            <ac:spMk id="2" creationId="{88AF4BB1-C745-4D72-9AAA-5E0278FCF5DB}"/>
+          </ac:spMkLst>
+        </pc:spChg>
+        <pc:spChg chg="del mod">
+          <ac:chgData name="Nils Mechtel" userId="d365a3c7-8594-435f-9872-5455ceefc78f" providerId="ADAL" clId="{FEE5CBDF-FE29-4F9F-99B9-949F0817748B}" dt="2019-05-13T08:27:57.261" v="2648"/>
+          <ac:spMkLst>
+            <pc:docMk/>
+            <pc:sldMk cId="3678253361" sldId="258"/>
+            <ac:spMk id="3" creationId="{9EB5275A-EC7E-4EF8-941F-533224F5BFBC}"/>
+          </ac:spMkLst>
+        </pc:spChg>
+        <pc:spChg chg="add mod">
+          <ac:chgData name="Nils Mechtel" userId="d365a3c7-8594-435f-9872-5455ceefc78f" providerId="ADAL" clId="{FEE5CBDF-FE29-4F9F-99B9-949F0817748B}" dt="2019-05-13T08:28:56.003" v="2660" actId="1076"/>
+          <ac:spMkLst>
+            <pc:docMk/>
+            <pc:sldMk cId="3678253361" sldId="258"/>
+            <ac:spMk id="5" creationId="{D0AAFE05-3F01-4A14-8188-57CE5A8CD71E}"/>
+          </ac:spMkLst>
+        </pc:spChg>
+        <pc:spChg chg="add del mod">
+          <ac:chgData name="Nils Mechtel" userId="d365a3c7-8594-435f-9872-5455ceefc78f" providerId="ADAL" clId="{FEE5CBDF-FE29-4F9F-99B9-949F0817748B}" dt="2019-05-13T08:28:00.253" v="2649" actId="478"/>
+          <ac:spMkLst>
+            <pc:docMk/>
+            <pc:sldMk cId="3678253361" sldId="258"/>
+            <ac:spMk id="6" creationId="{279DBCD1-7C5C-46CC-B563-B972292EBFA2}"/>
+          </ac:spMkLst>
+        </pc:spChg>
+        <pc:spChg chg="add mod">
+          <ac:chgData name="Nils Mechtel" userId="d365a3c7-8594-435f-9872-5455ceefc78f" providerId="ADAL" clId="{FEE5CBDF-FE29-4F9F-99B9-949F0817748B}" dt="2019-05-13T12:40:26.034" v="3018" actId="1076"/>
+          <ac:spMkLst>
+            <pc:docMk/>
+            <pc:sldMk cId="3678253361" sldId="258"/>
+            <ac:spMk id="7" creationId="{62F29A01-F4B1-4F85-A116-A9CD291D8816}"/>
+          </ac:spMkLst>
+        </pc:spChg>
+        <pc:spChg chg="add mod">
+          <ac:chgData name="Nils Mechtel" userId="d365a3c7-8594-435f-9872-5455ceefc78f" providerId="ADAL" clId="{FEE5CBDF-FE29-4F9F-99B9-949F0817748B}" dt="2019-05-13T12:40:31.247" v="3019" actId="1076"/>
+          <ac:spMkLst>
+            <pc:docMk/>
+            <pc:sldMk cId="3678253361" sldId="258"/>
+            <ac:spMk id="8" creationId="{41F96F25-D8B4-4DB8-B960-4A00E53B472B}"/>
+          </ac:spMkLst>
+        </pc:spChg>
+        <pc:picChg chg="add mod">
+          <ac:chgData name="Nils Mechtel" userId="d365a3c7-8594-435f-9872-5455ceefc78f" providerId="ADAL" clId="{FEE5CBDF-FE29-4F9F-99B9-949F0817748B}" dt="2019-05-13T08:30:38.155" v="2674" actId="1076"/>
+          <ac:picMkLst>
+            <pc:docMk/>
+            <pc:sldMk cId="3678253361" sldId="258"/>
+            <ac:picMk id="4" creationId="{F2F50BCD-C94F-4B9B-8BF7-398EA9DCD782}"/>
+          </ac:picMkLst>
+        </pc:picChg>
+      </pc:sldChg>
+      <pc:sldChg chg="addSp delSp modSp modTransition setBg addAnim delAnim modAnim addCm modCm">
+        <pc:chgData name="Nils Mechtel" userId="d365a3c7-8594-435f-9872-5455ceefc78f" providerId="ADAL" clId="{FEE5CBDF-FE29-4F9F-99B9-949F0817748B}" dt="2019-05-14T13:01:38.387" v="4565" actId="20577"/>
+        <pc:sldMkLst>
+          <pc:docMk/>
+          <pc:sldMk cId="2828272781" sldId="260"/>
+        </pc:sldMkLst>
+        <pc:spChg chg="mod">
+          <ac:chgData name="Nils Mechtel" userId="d365a3c7-8594-435f-9872-5455ceefc78f" providerId="ADAL" clId="{FEE5CBDF-FE29-4F9F-99B9-949F0817748B}" dt="2019-05-12T18:43:33.377" v="1889" actId="14100"/>
+          <ac:spMkLst>
+            <pc:docMk/>
+            <pc:sldMk cId="2828272781" sldId="260"/>
+            <ac:spMk id="2" creationId="{D099CFC0-58E8-4594-908D-B69CA1A0976B}"/>
+          </ac:spMkLst>
+        </pc:spChg>
+        <pc:spChg chg="del mod">
+          <ac:chgData name="Nils Mechtel" userId="d365a3c7-8594-435f-9872-5455ceefc78f" providerId="ADAL" clId="{FEE5CBDF-FE29-4F9F-99B9-949F0817748B}" dt="2019-05-12T18:11:27.147" v="1585"/>
+          <ac:spMkLst>
+            <pc:docMk/>
+            <pc:sldMk cId="2828272781" sldId="260"/>
+            <ac:spMk id="3" creationId="{C246E4BD-1BE0-408D-A950-BB322F35E38E}"/>
+          </ac:spMkLst>
+        </pc:spChg>
+        <pc:spChg chg="add del mod">
+          <ac:chgData name="Nils Mechtel" userId="d365a3c7-8594-435f-9872-5455ceefc78f" providerId="ADAL" clId="{FEE5CBDF-FE29-4F9F-99B9-949F0817748B}" dt="2019-05-12T18:11:43.209" v="1590" actId="478"/>
+          <ac:spMkLst>
+            <pc:docMk/>
+            <pc:sldMk cId="2828272781" sldId="260"/>
+            <ac:spMk id="4" creationId="{8DB027BE-02CD-4D1F-89EF-C3F0A64E25D8}"/>
+          </ac:spMkLst>
+        </pc:spChg>
+        <pc:spChg chg="add mod topLvl">
+          <ac:chgData name="Nils Mechtel" userId="d365a3c7-8594-435f-9872-5455ceefc78f" providerId="ADAL" clId="{FEE5CBDF-FE29-4F9F-99B9-949F0817748B}" dt="2019-05-13T17:12:44.700" v="3787" actId="165"/>
+          <ac:spMkLst>
+            <pc:docMk/>
+            <pc:sldMk cId="2828272781" sldId="260"/>
+            <ac:spMk id="7" creationId="{45369BA3-A9C8-4C19-8AC5-C57EE1B0E869}"/>
+          </ac:spMkLst>
+        </pc:spChg>
+        <pc:spChg chg="add mod topLvl">
+          <ac:chgData name="Nils Mechtel" userId="d365a3c7-8594-435f-9872-5455ceefc78f" providerId="ADAL" clId="{FEE5CBDF-FE29-4F9F-99B9-949F0817748B}" dt="2019-05-13T17:12:44.700" v="3787" actId="165"/>
+          <ac:spMkLst>
+            <pc:docMk/>
+            <pc:sldMk cId="2828272781" sldId="260"/>
+            <ac:spMk id="8" creationId="{8B3389BD-14E0-4B18-AA3D-C9CA05D81DE3}"/>
+          </ac:spMkLst>
+        </pc:spChg>
+        <pc:spChg chg="add del mod">
+          <ac:chgData name="Nils Mechtel" userId="d365a3c7-8594-435f-9872-5455ceefc78f" providerId="ADAL" clId="{FEE5CBDF-FE29-4F9F-99B9-949F0817748B}" dt="2019-05-12T18:33:13.970" v="1779" actId="478"/>
+          <ac:spMkLst>
+            <pc:docMk/>
+            <pc:sldMk cId="2828272781" sldId="260"/>
+            <ac:spMk id="8" creationId="{C1292762-4044-4A6A-8599-699295D09B3B}"/>
+          </ac:spMkLst>
+        </pc:spChg>
+        <pc:spChg chg="add del mod">
+          <ac:chgData name="Nils Mechtel" userId="d365a3c7-8594-435f-9872-5455ceefc78f" providerId="ADAL" clId="{FEE5CBDF-FE29-4F9F-99B9-949F0817748B}" dt="2019-05-12T18:33:24.079" v="1783" actId="478"/>
+          <ac:spMkLst>
+            <pc:docMk/>
+            <pc:sldMk cId="2828272781" sldId="260"/>
+            <ac:spMk id="9" creationId="{1D4EB516-48C0-40BF-9DDB-61243BE75C00}"/>
+          </ac:spMkLst>
+        </pc:spChg>
+        <pc:spChg chg="add mod">
+          <ac:chgData name="Nils Mechtel" userId="d365a3c7-8594-435f-9872-5455ceefc78f" providerId="ADAL" clId="{FEE5CBDF-FE29-4F9F-99B9-949F0817748B}" dt="2019-05-13T14:29:48.032" v="3461" actId="164"/>
+          <ac:spMkLst>
+            <pc:docMk/>
+            <pc:sldMk cId="2828272781" sldId="260"/>
+            <ac:spMk id="9" creationId="{D37F5B7C-EB54-4BDA-BFAA-74FC794A47B0}"/>
+          </ac:spMkLst>
+        </pc:spChg>
+        <pc:spChg chg="add mod topLvl">
+          <ac:chgData name="Nils Mechtel" userId="d365a3c7-8594-435f-9872-5455ceefc78f" providerId="ADAL" clId="{FEE5CBDF-FE29-4F9F-99B9-949F0817748B}" dt="2019-05-13T17:12:44.700" v="3787" actId="165"/>
+          <ac:spMkLst>
+            <pc:docMk/>
+            <pc:sldMk cId="2828272781" sldId="260"/>
+            <ac:spMk id="10" creationId="{C823F53C-52E4-409F-98E8-E31A23D44A36}"/>
+          </ac:spMkLst>
+        </pc:spChg>
+        <pc:spChg chg="add mod topLvl">
+          <ac:chgData name="Nils Mechtel" userId="d365a3c7-8594-435f-9872-5455ceefc78f" providerId="ADAL" clId="{FEE5CBDF-FE29-4F9F-99B9-949F0817748B}" dt="2019-05-13T17:12:44.700" v="3787" actId="165"/>
+          <ac:spMkLst>
+            <pc:docMk/>
+            <pc:sldMk cId="2828272781" sldId="260"/>
+            <ac:spMk id="11" creationId="{66B42854-487F-49DC-8209-9DD0923CED26}"/>
+          </ac:spMkLst>
+        </pc:spChg>
+        <pc:spChg chg="add mod">
+          <ac:chgData name="Nils Mechtel" userId="d365a3c7-8594-435f-9872-5455ceefc78f" providerId="ADAL" clId="{FEE5CBDF-FE29-4F9F-99B9-949F0817748B}" dt="2019-05-13T14:29:34.491" v="3459" actId="164"/>
+          <ac:spMkLst>
+            <pc:docMk/>
+            <pc:sldMk cId="2828272781" sldId="260"/>
+            <ac:spMk id="12" creationId="{387E4205-1187-4964-90E8-D30204E10B65}"/>
+          </ac:spMkLst>
+        </pc:spChg>
+        <pc:spChg chg="add mod">
+          <ac:chgData name="Nils Mechtel" userId="d365a3c7-8594-435f-9872-5455ceefc78f" providerId="ADAL" clId="{FEE5CBDF-FE29-4F9F-99B9-949F0817748B}" dt="2019-05-13T14:29:41.106" v="3460" actId="164"/>
+          <ac:spMkLst>
+            <pc:docMk/>
+            <pc:sldMk cId="2828272781" sldId="260"/>
+            <ac:spMk id="13" creationId="{EB07AB33-E0D6-40AD-8622-0F281402981F}"/>
+          </ac:spMkLst>
+        </pc:spChg>
+        <pc:spChg chg="add mod">
+          <ac:chgData name="Nils Mechtel" userId="d365a3c7-8594-435f-9872-5455ceefc78f" providerId="ADAL" clId="{FEE5CBDF-FE29-4F9F-99B9-949F0817748B}" dt="2019-05-13T14:30:25.460" v="3470" actId="164"/>
+          <ac:spMkLst>
+            <pc:docMk/>
+            <pc:sldMk cId="2828272781" sldId="260"/>
+            <ac:spMk id="14" creationId="{4F7A4A79-C09A-47C9-A1CC-355E1E6F4EC2}"/>
+          </ac:spMkLst>
+        </pc:spChg>
+        <pc:spChg chg="add mod">
+          <ac:chgData name="Nils Mechtel" userId="d365a3c7-8594-435f-9872-5455ceefc78f" providerId="ADAL" clId="{FEE5CBDF-FE29-4F9F-99B9-949F0817748B}" dt="2019-05-13T14:30:01.735" v="3463" actId="164"/>
+          <ac:spMkLst>
+            <pc:docMk/>
+            <pc:sldMk cId="2828272781" sldId="260"/>
+            <ac:spMk id="15" creationId="{570844D6-1BB6-4FA0-9A81-D1FEDE89FC3B}"/>
+          </ac:spMkLst>
+        </pc:spChg>
+        <pc:spChg chg="add mod ord">
+          <ac:chgData name="Nils Mechtel" userId="d365a3c7-8594-435f-9872-5455ceefc78f" providerId="ADAL" clId="{FEE5CBDF-FE29-4F9F-99B9-949F0817748B}" dt="2019-05-13T14:30:32.137" v="3471" actId="164"/>
+          <ac:spMkLst>
+            <pc:docMk/>
+            <pc:sldMk cId="2828272781" sldId="260"/>
+            <ac:spMk id="31" creationId="{FEABBD9F-F3A0-4C2A-9231-A3AD21D8E819}"/>
+          </ac:spMkLst>
+        </pc:spChg>
+        <pc:spChg chg="add mod">
+          <ac:chgData name="Nils Mechtel" userId="d365a3c7-8594-435f-9872-5455ceefc78f" providerId="ADAL" clId="{FEE5CBDF-FE29-4F9F-99B9-949F0817748B}" dt="2019-05-13T14:40:10.810" v="3599" actId="122"/>
+          <ac:spMkLst>
+            <pc:docMk/>
+            <pc:sldMk cId="2828272781" sldId="260"/>
+            <ac:spMk id="40" creationId="{943C2B7C-D87E-4C5C-8AE5-6ABFC23D212A}"/>
+          </ac:spMkLst>
+        </pc:spChg>
+        <pc:spChg chg="add mod">
+          <ac:chgData name="Nils Mechtel" userId="d365a3c7-8594-435f-9872-5455ceefc78f" providerId="ADAL" clId="{FEE5CBDF-FE29-4F9F-99B9-949F0817748B}" dt="2019-05-13T14:40:38.071" v="3604" actId="164"/>
+          <ac:spMkLst>
+            <pc:docMk/>
+            <pc:sldMk cId="2828272781" sldId="260"/>
+            <ac:spMk id="41" creationId="{93C41828-EB2B-4F62-AF84-F408B6F943EC}"/>
+          </ac:spMkLst>
+        </pc:spChg>
+        <pc:spChg chg="add del mod">
+          <ac:chgData name="Nils Mechtel" userId="d365a3c7-8594-435f-9872-5455ceefc78f" providerId="ADAL" clId="{FEE5CBDF-FE29-4F9F-99B9-949F0817748B}" dt="2019-05-13T14:39:35.961" v="3592" actId="478"/>
+          <ac:spMkLst>
+            <pc:docMk/>
+            <pc:sldMk cId="2828272781" sldId="260"/>
+            <ac:spMk id="42" creationId="{0FC10C2A-5176-477D-85AC-6C545F8D6BE5}"/>
+          </ac:spMkLst>
+        </pc:spChg>
+        <pc:spChg chg="add del mod">
+          <ac:chgData name="Nils Mechtel" userId="d365a3c7-8594-435f-9872-5455ceefc78f" providerId="ADAL" clId="{FEE5CBDF-FE29-4F9F-99B9-949F0817748B}" dt="2019-05-13T17:33:00.793" v="3976"/>
+          <ac:spMkLst>
+            <pc:docMk/>
+            <pc:sldMk cId="2828272781" sldId="260"/>
+            <ac:spMk id="42" creationId="{C615170F-CDB8-4056-B87C-CE18B8881CDF}"/>
+          </ac:spMkLst>
+        </pc:spChg>
+        <pc:spChg chg="add mod">
+          <ac:chgData name="Nils Mechtel" userId="d365a3c7-8594-435f-9872-5455ceefc78f" providerId="ADAL" clId="{FEE5CBDF-FE29-4F9F-99B9-949F0817748B}" dt="2019-05-13T14:40:25.363" v="3602" actId="164"/>
+          <ac:spMkLst>
+            <pc:docMk/>
+            <pc:sldMk cId="2828272781" sldId="260"/>
+            <ac:spMk id="43" creationId="{DA873C14-8B3A-4548-8B8C-36EB7D725E69}"/>
+          </ac:spMkLst>
+        </pc:spChg>
+        <pc:spChg chg="add mod">
+          <ac:chgData name="Nils Mechtel" userId="d365a3c7-8594-435f-9872-5455ceefc78f" providerId="ADAL" clId="{FEE5CBDF-FE29-4F9F-99B9-949F0817748B}" dt="2019-05-13T14:40:06.027" v="3597" actId="122"/>
+          <ac:spMkLst>
+            <pc:docMk/>
+            <pc:sldMk cId="2828272781" sldId="260"/>
+            <ac:spMk id="44" creationId="{E61A8728-BA14-4C0D-89B9-00A8FAEF962A}"/>
+          </ac:spMkLst>
+        </pc:spChg>
+        <pc:spChg chg="add mod">
+          <ac:chgData name="Nils Mechtel" userId="d365a3c7-8594-435f-9872-5455ceefc78f" providerId="ADAL" clId="{FEE5CBDF-FE29-4F9F-99B9-949F0817748B}" dt="2019-05-13T14:40:08.366" v="3598" actId="122"/>
+          <ac:spMkLst>
+            <pc:docMk/>
+            <pc:sldMk cId="2828272781" sldId="260"/>
+            <ac:spMk id="45" creationId="{7C07FF60-18EF-461B-8A37-6AF6F1F9292A}"/>
+          </ac:spMkLst>
+        </pc:spChg>
+        <pc:spChg chg="add del">
+          <ac:chgData name="Nils Mechtel" userId="d365a3c7-8594-435f-9872-5455ceefc78f" providerId="ADAL" clId="{FEE5CBDF-FE29-4F9F-99B9-949F0817748B}" dt="2019-05-13T14:36:28.359" v="3523"/>
+          <ac:spMkLst>
+            <pc:docMk/>
+            <pc:sldMk cId="2828272781" sldId="260"/>
+            <ac:spMk id="46" creationId="{454774B2-533C-4111-9C28-F665017FBF0F}"/>
+          </ac:spMkLst>
+        </pc:spChg>
+        <pc:spChg chg="add del mod">
+          <ac:chgData name="Nils Mechtel" userId="d365a3c7-8594-435f-9872-5455ceefc78f" providerId="ADAL" clId="{FEE5CBDF-FE29-4F9F-99B9-949F0817748B}" dt="2019-05-13T17:36:34.157" v="3995" actId="478"/>
+          <ac:spMkLst>
+            <pc:docMk/>
+            <pc:sldMk cId="2828272781" sldId="260"/>
+            <ac:spMk id="46" creationId="{650C63CA-8039-4C13-A25B-D372E4510923}"/>
+          </ac:spMkLst>
+        </pc:spChg>
+        <pc:spChg chg="add mod">
+          <ac:chgData name="Nils Mechtel" userId="d365a3c7-8594-435f-9872-5455ceefc78f" providerId="ADAL" clId="{FEE5CBDF-FE29-4F9F-99B9-949F0817748B}" dt="2019-05-13T14:40:31.816" v="3603" actId="164"/>
+          <ac:spMkLst>
+            <pc:docMk/>
+            <pc:sldMk cId="2828272781" sldId="260"/>
+            <ac:spMk id="47" creationId="{5EB173C0-677E-4BD7-9FB1-A4EA89279B4F}"/>
+          </ac:spMkLst>
+        </pc:spChg>
+        <pc:spChg chg="add del mod">
+          <ac:chgData name="Nils Mechtel" userId="d365a3c7-8594-435f-9872-5455ceefc78f" providerId="ADAL" clId="{FEE5CBDF-FE29-4F9F-99B9-949F0817748B}" dt="2019-05-13T17:36:34.157" v="3995" actId="478"/>
+          <ac:spMkLst>
+            <pc:docMk/>
+            <pc:sldMk cId="2828272781" sldId="260"/>
+            <ac:spMk id="50" creationId="{9D9F170D-A057-44CB-9E5B-0082B3625C3D}"/>
+          </ac:spMkLst>
+        </pc:spChg>
+        <pc:spChg chg="add del mod topLvl">
+          <ac:chgData name="Nils Mechtel" userId="d365a3c7-8594-435f-9872-5455ceefc78f" providerId="ADAL" clId="{FEE5CBDF-FE29-4F9F-99B9-949F0817748B}" dt="2019-05-13T17:26:49.454" v="3938" actId="478"/>
+          <ac:spMkLst>
+            <pc:docMk/>
+            <pc:sldMk cId="2828272781" sldId="260"/>
+            <ac:spMk id="72" creationId="{528DCE4C-B15D-492C-8AA1-66AF73EF6101}"/>
+          </ac:spMkLst>
+        </pc:spChg>
+        <pc:spChg chg="add del mod topLvl">
+          <ac:chgData name="Nils Mechtel" userId="d365a3c7-8594-435f-9872-5455ceefc78f" providerId="ADAL" clId="{FEE5CBDF-FE29-4F9F-99B9-949F0817748B}" dt="2019-05-13T17:24:18.644" v="3915" actId="478"/>
+          <ac:spMkLst>
+            <pc:docMk/>
+            <pc:sldMk cId="2828272781" sldId="260"/>
+            <ac:spMk id="73" creationId="{21BDB14A-CC91-4748-B5B0-60A9FE6D36C3}"/>
+          </ac:spMkLst>
+        </pc:spChg>
+        <pc:spChg chg="add mod topLvl">
+          <ac:chgData name="Nils Mechtel" userId="d365a3c7-8594-435f-9872-5455ceefc78f" providerId="ADAL" clId="{FEE5CBDF-FE29-4F9F-99B9-949F0817748B}" dt="2019-05-13T17:24:26.153" v="3916" actId="1076"/>
+          <ac:spMkLst>
+            <pc:docMk/>
+            <pc:sldMk cId="2828272781" sldId="260"/>
+            <ac:spMk id="74" creationId="{BDBD06EB-CF0E-434A-8B05-AB78613463D7}"/>
+          </ac:spMkLst>
+        </pc:spChg>
+        <pc:spChg chg="add mod topLvl">
+          <ac:chgData name="Nils Mechtel" userId="d365a3c7-8594-435f-9872-5455ceefc78f" providerId="ADAL" clId="{FEE5CBDF-FE29-4F9F-99B9-949F0817748B}" dt="2019-05-13T17:24:26.153" v="3916" actId="1076"/>
+          <ac:spMkLst>
+            <pc:docMk/>
+            <pc:sldMk cId="2828272781" sldId="260"/>
+            <ac:spMk id="75" creationId="{8FDAA598-DAB4-4D72-8E94-C955D5311933}"/>
+          </ac:spMkLst>
+        </pc:spChg>
+        <pc:spChg chg="add mod topLvl">
+          <ac:chgData name="Nils Mechtel" userId="d365a3c7-8594-435f-9872-5455ceefc78f" providerId="ADAL" clId="{FEE5CBDF-FE29-4F9F-99B9-949F0817748B}" dt="2019-05-13T17:24:26.153" v="3916" actId="1076"/>
+          <ac:spMkLst>
+            <pc:docMk/>
+            <pc:sldMk cId="2828272781" sldId="260"/>
+            <ac:spMk id="76" creationId="{E429C31A-0F8C-4128-B676-EC88DE3EBC35}"/>
+          </ac:spMkLst>
+        </pc:spChg>
+        <pc:spChg chg="add del mod topLvl">
+          <ac:chgData name="Nils Mechtel" userId="d365a3c7-8594-435f-9872-5455ceefc78f" providerId="ADAL" clId="{FEE5CBDF-FE29-4F9F-99B9-949F0817748B}" dt="2019-05-13T17:26:49.454" v="3938" actId="478"/>
+          <ac:spMkLst>
+            <pc:docMk/>
+            <pc:sldMk cId="2828272781" sldId="260"/>
+            <ac:spMk id="77" creationId="{A7763519-6DBD-4A9A-8FFF-7333D43FB9D3}"/>
+          </ac:spMkLst>
+        </pc:spChg>
+        <pc:spChg chg="add">
+          <ac:chgData name="Nils Mechtel" userId="d365a3c7-8594-435f-9872-5455ceefc78f" providerId="ADAL" clId="{FEE5CBDF-FE29-4F9F-99B9-949F0817748B}" dt="2019-05-13T17:14:18.222" v="3800"/>
+          <ac:spMkLst>
+            <pc:docMk/>
+            <pc:sldMk cId="2828272781" sldId="260"/>
+            <ac:spMk id="79" creationId="{97C49E0C-8588-4F91-AA4F-BA44F6581F78}"/>
+          </ac:spMkLst>
+        </pc:spChg>
+        <pc:spChg chg="add">
+          <ac:chgData name="Nils Mechtel" userId="d365a3c7-8594-435f-9872-5455ceefc78f" providerId="ADAL" clId="{FEE5CBDF-FE29-4F9F-99B9-949F0817748B}" dt="2019-05-13T17:14:18.222" v="3800"/>
+          <ac:spMkLst>
+            <pc:docMk/>
+            <pc:sldMk cId="2828272781" sldId="260"/>
+            <ac:spMk id="80" creationId="{09A410C0-2454-448F-9027-9901693FFCD2}"/>
+          </ac:spMkLst>
+        </pc:spChg>
+        <pc:spChg chg="add">
+          <ac:chgData name="Nils Mechtel" userId="d365a3c7-8594-435f-9872-5455ceefc78f" providerId="ADAL" clId="{FEE5CBDF-FE29-4F9F-99B9-949F0817748B}" dt="2019-05-13T17:15:27.526" v="3810"/>
+          <ac:spMkLst>
+            <pc:docMk/>
+            <pc:sldMk cId="2828272781" sldId="260"/>
+            <ac:spMk id="82" creationId="{F61A9C48-68D2-4869-8C10-505525A3ECA6}"/>
+          </ac:spMkLst>
+        </pc:spChg>
+        <pc:spChg chg="add">
+          <ac:chgData name="Nils Mechtel" userId="d365a3c7-8594-435f-9872-5455ceefc78f" providerId="ADAL" clId="{FEE5CBDF-FE29-4F9F-99B9-949F0817748B}" dt="2019-05-13T17:15:27.526" v="3810"/>
+          <ac:spMkLst>
+            <pc:docMk/>
+            <pc:sldMk cId="2828272781" sldId="260"/>
+            <ac:spMk id="83" creationId="{45A6DD7A-5DFF-46AA-A587-884C89F42B49}"/>
+          </ac:spMkLst>
+        </pc:spChg>
+        <pc:spChg chg="add">
+          <ac:chgData name="Nils Mechtel" userId="d365a3c7-8594-435f-9872-5455ceefc78f" providerId="ADAL" clId="{FEE5CBDF-FE29-4F9F-99B9-949F0817748B}" dt="2019-05-13T17:15:33.694" v="3811"/>
+          <ac:spMkLst>
+            <pc:docMk/>
+            <pc:sldMk cId="2828272781" sldId="260"/>
+            <ac:spMk id="85" creationId="{5E76ECEC-BDF5-4691-B443-DCF39CA7BA0D}"/>
+          </ac:spMkLst>
+        </pc:spChg>
+        <pc:spChg chg="add mod">
+          <ac:chgData name="Nils Mechtel" userId="d365a3c7-8594-435f-9872-5455ceefc78f" providerId="ADAL" clId="{FEE5CBDF-FE29-4F9F-99B9-949F0817748B}" dt="2019-05-14T13:01:38.387" v="4565" actId="20577"/>
+          <ac:spMkLst>
+            <pc:docMk/>
+            <pc:sldMk cId="2828272781" sldId="260"/>
+            <ac:spMk id="86" creationId="{036CCB68-DCA3-48D6-94A3-5758F961E283}"/>
+          </ac:spMkLst>
+        </pc:spChg>
+        <pc:spChg chg="add mod">
+          <ac:chgData name="Nils Mechtel" userId="d365a3c7-8594-435f-9872-5455ceefc78f" providerId="ADAL" clId="{FEE5CBDF-FE29-4F9F-99B9-949F0817748B}" dt="2019-05-13T17:16:05.393" v="3818" actId="1076"/>
+          <ac:spMkLst>
+            <pc:docMk/>
+            <pc:sldMk cId="2828272781" sldId="260"/>
+            <ac:spMk id="88" creationId="{28F95600-93EF-4E06-BBAC-992AB46B0C3B}"/>
+          </ac:spMkLst>
+        </pc:spChg>
+        <pc:spChg chg="add mod">
+          <ac:chgData name="Nils Mechtel" userId="d365a3c7-8594-435f-9872-5455ceefc78f" providerId="ADAL" clId="{FEE5CBDF-FE29-4F9F-99B9-949F0817748B}" dt="2019-05-13T17:16:01.593" v="3816" actId="1076"/>
+          <ac:spMkLst>
+            <pc:docMk/>
+            <pc:sldMk cId="2828272781" sldId="260"/>
+            <ac:spMk id="89" creationId="{5C5BB0BE-6C68-46B0-8F3F-11A9E087D9BB}"/>
+          </ac:spMkLst>
+        </pc:spChg>
+        <pc:spChg chg="add">
+          <ac:chgData name="Nils Mechtel" userId="d365a3c7-8594-435f-9872-5455ceefc78f" providerId="ADAL" clId="{FEE5CBDF-FE29-4F9F-99B9-949F0817748B}" dt="2019-05-13T17:15:46.108" v="3813"/>
+          <ac:spMkLst>
+            <pc:docMk/>
+            <pc:sldMk cId="2828272781" sldId="260"/>
+            <ac:spMk id="91" creationId="{C4A410BE-6298-44D7-9399-4D5A0F96ABD6}"/>
+          </ac:spMkLst>
+        </pc:spChg>
+        <pc:spChg chg="add">
+          <ac:chgData name="Nils Mechtel" userId="d365a3c7-8594-435f-9872-5455ceefc78f" providerId="ADAL" clId="{FEE5CBDF-FE29-4F9F-99B9-949F0817748B}" dt="2019-05-13T17:15:46.108" v="3813"/>
+          <ac:spMkLst>
+            <pc:docMk/>
+            <pc:sldMk cId="2828272781" sldId="260"/>
+            <ac:spMk id="92" creationId="{D41611DF-02DF-4696-A087-2BF88B845CEC}"/>
+          </ac:spMkLst>
+        </pc:spChg>
+        <pc:grpChg chg="add del mod">
+          <ac:chgData name="Nils Mechtel" userId="d365a3c7-8594-435f-9872-5455ceefc78f" providerId="ADAL" clId="{FEE5CBDF-FE29-4F9F-99B9-949F0817748B}" dt="2019-05-13T17:12:44.700" v="3787" actId="165"/>
+          <ac:grpSpMkLst>
+            <pc:docMk/>
+            <pc:sldMk cId="2828272781" sldId="260"/>
+            <ac:grpSpMk id="3" creationId="{E86FF885-5B8C-4C93-A44B-B14E1D722EB9}"/>
+          </ac:grpSpMkLst>
+        </pc:grpChg>
+        <pc:grpChg chg="add del mod">
+          <ac:chgData name="Nils Mechtel" userId="d365a3c7-8594-435f-9872-5455ceefc78f" providerId="ADAL" clId="{FEE5CBDF-FE29-4F9F-99B9-949F0817748B}" dt="2019-05-13T14:39:35.961" v="3592" actId="478"/>
+          <ac:grpSpMkLst>
+            <pc:docMk/>
+            <pc:sldMk cId="2828272781" sldId="260"/>
+            <ac:grpSpMk id="4" creationId="{2EA0C8C4-4548-4B16-A1B2-D0691F1C3869}"/>
+          </ac:grpSpMkLst>
+        </pc:grpChg>
+        <pc:grpChg chg="add mod">
+          <ac:chgData name="Nils Mechtel" userId="d365a3c7-8594-435f-9872-5455ceefc78f" providerId="ADAL" clId="{FEE5CBDF-FE29-4F9F-99B9-949F0817748B}" dt="2019-05-13T14:40:25.363" v="3602" actId="164"/>
+          <ac:grpSpMkLst>
+            <pc:docMk/>
+            <pc:sldMk cId="2828272781" sldId="260"/>
+            <ac:grpSpMk id="6" creationId="{134FDC5C-1487-4BF5-9B5E-BBEF8BECDE7C}"/>
+          </ac:grpSpMkLst>
+        </pc:grpChg>
+        <pc:grpChg chg="add mod">
+          <ac:chgData name="Nils Mechtel" userId="d365a3c7-8594-435f-9872-5455ceefc78f" providerId="ADAL" clId="{FEE5CBDF-FE29-4F9F-99B9-949F0817748B}" dt="2019-05-13T14:39:52.705" v="3594" actId="164"/>
+          <ac:grpSpMkLst>
+            <pc:docMk/>
+            <pc:sldMk cId="2828272781" sldId="260"/>
+            <ac:grpSpMk id="29" creationId="{03AEBC68-5387-4EE9-B1C5-C059FEA49662}"/>
+          </ac:grpSpMkLst>
+        </pc:grpChg>
+        <pc:grpChg chg="add mod">
+          <ac:chgData name="Nils Mechtel" userId="d365a3c7-8594-435f-9872-5455ceefc78f" providerId="ADAL" clId="{FEE5CBDF-FE29-4F9F-99B9-949F0817748B}" dt="2019-05-13T14:40:31.816" v="3603" actId="164"/>
+          <ac:grpSpMkLst>
+            <pc:docMk/>
+            <pc:sldMk cId="2828272781" sldId="260"/>
+            <ac:grpSpMk id="30" creationId="{EA0F3B40-1A15-46A1-AA48-92784D4144BB}"/>
+          </ac:grpSpMkLst>
+        </pc:grpChg>
+        <pc:grpChg chg="add mod">
+          <ac:chgData name="Nils Mechtel" userId="d365a3c7-8594-435f-9872-5455ceefc78f" providerId="ADAL" clId="{FEE5CBDF-FE29-4F9F-99B9-949F0817748B}" dt="2019-05-13T14:40:38.071" v="3604" actId="164"/>
+          <ac:grpSpMkLst>
+            <pc:docMk/>
+            <pc:sldMk cId="2828272781" sldId="260"/>
+            <ac:grpSpMk id="32" creationId="{BCCB78A2-CD37-41E9-A186-6055EA6D1D96}"/>
+          </ac:grpSpMkLst>
+        </pc:grpChg>
+        <pc:grpChg chg="add mod">
+          <ac:chgData name="Nils Mechtel" userId="d365a3c7-8594-435f-9872-5455ceefc78f" providerId="ADAL" clId="{FEE5CBDF-FE29-4F9F-99B9-949F0817748B}" dt="2019-05-13T14:39:46.824" v="3593" actId="164"/>
+          <ac:grpSpMkLst>
+            <pc:docMk/>
+            <pc:sldMk cId="2828272781" sldId="260"/>
+            <ac:grpSpMk id="33" creationId="{E6188689-0825-4A08-90C9-E737579337C7}"/>
+          </ac:grpSpMkLst>
+        </pc:grpChg>
+        <pc:grpChg chg="add del mod">
+          <ac:chgData name="Nils Mechtel" userId="d365a3c7-8594-435f-9872-5455ceefc78f" providerId="ADAL" clId="{FEE5CBDF-FE29-4F9F-99B9-949F0817748B}" dt="2019-05-13T14:35:33.807" v="3501" actId="478"/>
+          <ac:grpSpMkLst>
+            <pc:docMk/>
+            <pc:sldMk cId="2828272781" sldId="260"/>
+            <ac:grpSpMk id="34" creationId="{FAC2C433-3B5C-4B05-BE12-6C3628696DAA}"/>
+          </ac:grpSpMkLst>
+        </pc:grpChg>
+        <pc:grpChg chg="add mod">
+          <ac:chgData name="Nils Mechtel" userId="d365a3c7-8594-435f-9872-5455ceefc78f" providerId="ADAL" clId="{FEE5CBDF-FE29-4F9F-99B9-949F0817748B}" dt="2019-05-13T14:39:57.856" v="3595" actId="164"/>
+          <ac:grpSpMkLst>
+            <pc:docMk/>
+            <pc:sldMk cId="2828272781" sldId="260"/>
+            <ac:grpSpMk id="37" creationId="{6CEE06B5-4255-430E-87DC-C0D185FA105D}"/>
+          </ac:grpSpMkLst>
+        </pc:grpChg>
+        <pc:grpChg chg="add del mod">
+          <ac:chgData name="Nils Mechtel" userId="d365a3c7-8594-435f-9872-5455ceefc78f" providerId="ADAL" clId="{FEE5CBDF-FE29-4F9F-99B9-949F0817748B}" dt="2019-05-13T17:33:00.793" v="3976"/>
+          <ac:grpSpMkLst>
+            <pc:docMk/>
+            <pc:sldMk cId="2828272781" sldId="260"/>
+            <ac:grpSpMk id="39" creationId="{BFDBED2A-4B52-466B-BD2B-56F13456B836}"/>
+          </ac:grpSpMkLst>
+        </pc:grpChg>
+        <pc:grpChg chg="add del mod">
+          <ac:chgData name="Nils Mechtel" userId="d365a3c7-8594-435f-9872-5455ceefc78f" providerId="ADAL" clId="{FEE5CBDF-FE29-4F9F-99B9-949F0817748B}" dt="2019-05-13T17:36:34.157" v="3995" actId="478"/>
+          <ac:grpSpMkLst>
+            <pc:docMk/>
+            <pc:sldMk cId="2828272781" sldId="260"/>
+            <ac:grpSpMk id="43" creationId="{D0D5269A-45B8-4794-B4AA-6234AB805DBC}"/>
+          </ac:grpSpMkLst>
+        </pc:grpChg>
+        <pc:grpChg chg="add del mod">
+          <ac:chgData name="Nils Mechtel" userId="d365a3c7-8594-435f-9872-5455ceefc78f" providerId="ADAL" clId="{FEE5CBDF-FE29-4F9F-99B9-949F0817748B}" dt="2019-05-13T17:36:34.157" v="3995" actId="478"/>
+          <ac:grpSpMkLst>
+            <pc:docMk/>
+            <pc:sldMk cId="2828272781" sldId="260"/>
+            <ac:grpSpMk id="47" creationId="{4CC6EE38-B479-4F8B-AD7F-31A8B14386A0}"/>
+          </ac:grpSpMkLst>
+        </pc:grpChg>
+        <pc:grpChg chg="add del mod">
+          <ac:chgData name="Nils Mechtel" userId="d365a3c7-8594-435f-9872-5455ceefc78f" providerId="ADAL" clId="{FEE5CBDF-FE29-4F9F-99B9-949F0817748B}" dt="2019-05-13T14:47:25.664" v="3708" actId="478"/>
+          <ac:grpSpMkLst>
+            <pc:docMk/>
+            <pc:sldMk cId="2828272781" sldId="260"/>
+            <ac:grpSpMk id="48" creationId="{582347D5-E105-4FBD-9E09-4EF49A7778FC}"/>
+          </ac:grpSpMkLst>
+        </pc:grpChg>
+        <pc:grpChg chg="add del mod">
+          <ac:chgData name="Nils Mechtel" userId="d365a3c7-8594-435f-9872-5455ceefc78f" providerId="ADAL" clId="{FEE5CBDF-FE29-4F9F-99B9-949F0817748B}" dt="2019-05-13T14:47:25.664" v="3708" actId="478"/>
+          <ac:grpSpMkLst>
+            <pc:docMk/>
+            <pc:sldMk cId="2828272781" sldId="260"/>
+            <ac:grpSpMk id="49" creationId="{F8176D8A-FADF-470F-AD28-48639D03083F}"/>
+          </ac:grpSpMkLst>
+        </pc:grpChg>
+        <pc:grpChg chg="add del mod">
+          <ac:chgData name="Nils Mechtel" userId="d365a3c7-8594-435f-9872-5455ceefc78f" providerId="ADAL" clId="{FEE5CBDF-FE29-4F9F-99B9-949F0817748B}" dt="2019-05-13T14:47:25.664" v="3708" actId="478"/>
+          <ac:grpSpMkLst>
+            <pc:docMk/>
+            <pc:sldMk cId="2828272781" sldId="260"/>
+            <ac:grpSpMk id="50" creationId="{781DBBC8-FE0C-4189-8B9D-21FF2A2FE341}"/>
+          </ac:grpSpMkLst>
+        </pc:grpChg>
+        <pc:grpChg chg="add del mod">
+          <ac:chgData name="Nils Mechtel" userId="d365a3c7-8594-435f-9872-5455ceefc78f" providerId="ADAL" clId="{FEE5CBDF-FE29-4F9F-99B9-949F0817748B}" dt="2019-05-13T14:47:25.664" v="3708" actId="478"/>
+          <ac:grpSpMkLst>
+            <pc:docMk/>
+            <pc:sldMk cId="2828272781" sldId="260"/>
+            <ac:grpSpMk id="51" creationId="{8A44C692-67AA-4B13-85F1-91F6D041BC75}"/>
+          </ac:grpSpMkLst>
+        </pc:grpChg>
+        <pc:grpChg chg="add del mod">
+          <ac:chgData name="Nils Mechtel" userId="d365a3c7-8594-435f-9872-5455ceefc78f" providerId="ADAL" clId="{FEE5CBDF-FE29-4F9F-99B9-949F0817748B}" dt="2019-05-13T14:47:25.664" v="3708" actId="478"/>
+          <ac:grpSpMkLst>
+            <pc:docMk/>
+            <pc:sldMk cId="2828272781" sldId="260"/>
+            <ac:grpSpMk id="52" creationId="{737F35D4-5932-4796-8967-905B709797BD}"/>
+          </ac:grpSpMkLst>
+        </pc:grpChg>
+        <pc:grpChg chg="add del mod">
+          <ac:chgData name="Nils Mechtel" userId="d365a3c7-8594-435f-9872-5455ceefc78f" providerId="ADAL" clId="{FEE5CBDF-FE29-4F9F-99B9-949F0817748B}" dt="2019-05-13T14:47:25.664" v="3708" actId="478"/>
+          <ac:grpSpMkLst>
+            <pc:docMk/>
+            <pc:sldMk cId="2828272781" sldId="260"/>
+            <ac:grpSpMk id="53" creationId="{8301CC79-A883-41B6-89B9-2032306F5F1A}"/>
+          </ac:grpSpMkLst>
+        </pc:grpChg>
+        <pc:grpChg chg="add del mod topLvl">
+          <ac:chgData name="Nils Mechtel" userId="d365a3c7-8594-435f-9872-5455ceefc78f" providerId="ADAL" clId="{FEE5CBDF-FE29-4F9F-99B9-949F0817748B}" dt="2019-05-13T17:26:49.454" v="3938" actId="478"/>
+          <ac:grpSpMkLst>
+            <pc:docMk/>
+            <pc:sldMk cId="2828272781" sldId="260"/>
+            <ac:grpSpMk id="54" creationId="{575F70CC-AE76-42C5-9F7F-E02F53208A40}"/>
+          </ac:grpSpMkLst>
+        </pc:grpChg>
+        <pc:grpChg chg="add del mod topLvl">
+          <ac:chgData name="Nils Mechtel" userId="d365a3c7-8594-435f-9872-5455ceefc78f" providerId="ADAL" clId="{FEE5CBDF-FE29-4F9F-99B9-949F0817748B}" dt="2019-05-13T17:24:18.644" v="3915" actId="478"/>
+          <ac:grpSpMkLst>
+            <pc:docMk/>
+            <pc:sldMk cId="2828272781" sldId="260"/>
+            <ac:grpSpMk id="57" creationId="{9E1BB2CB-67F6-4934-9792-55F322A57083}"/>
+          </ac:grpSpMkLst>
+        </pc:grpChg>
+        <pc:grpChg chg="add mod topLvl">
+          <ac:chgData name="Nils Mechtel" userId="d365a3c7-8594-435f-9872-5455ceefc78f" providerId="ADAL" clId="{FEE5CBDF-FE29-4F9F-99B9-949F0817748B}" dt="2019-05-13T17:24:26.153" v="3916" actId="1076"/>
+          <ac:grpSpMkLst>
+            <pc:docMk/>
+            <pc:sldMk cId="2828272781" sldId="260"/>
+            <ac:grpSpMk id="60" creationId="{A41C6986-50E5-4E5C-8134-2440D81140AF}"/>
+          </ac:grpSpMkLst>
+        </pc:grpChg>
+        <pc:grpChg chg="add mod topLvl">
+          <ac:chgData name="Nils Mechtel" userId="d365a3c7-8594-435f-9872-5455ceefc78f" providerId="ADAL" clId="{FEE5CBDF-FE29-4F9F-99B9-949F0817748B}" dt="2019-05-13T17:24:26.153" v="3916" actId="1076"/>
+          <ac:grpSpMkLst>
+            <pc:docMk/>
+            <pc:sldMk cId="2828272781" sldId="260"/>
+            <ac:grpSpMk id="63" creationId="{FBF9E737-0259-4427-B545-7ACE0F405151}"/>
+          </ac:grpSpMkLst>
+        </pc:grpChg>
+        <pc:grpChg chg="add mod topLvl">
+          <ac:chgData name="Nils Mechtel" userId="d365a3c7-8594-435f-9872-5455ceefc78f" providerId="ADAL" clId="{FEE5CBDF-FE29-4F9F-99B9-949F0817748B}" dt="2019-05-13T17:24:26.153" v="3916" actId="1076"/>
+          <ac:grpSpMkLst>
+            <pc:docMk/>
+            <pc:sldMk cId="2828272781" sldId="260"/>
+            <ac:grpSpMk id="66" creationId="{CF1BA079-56DB-42E1-9BE7-120D39CECF0C}"/>
+          </ac:grpSpMkLst>
+        </pc:grpChg>
+        <pc:grpChg chg="add del mod topLvl">
+          <ac:chgData name="Nils Mechtel" userId="d365a3c7-8594-435f-9872-5455ceefc78f" providerId="ADAL" clId="{FEE5CBDF-FE29-4F9F-99B9-949F0817748B}" dt="2019-05-13T17:26:49.454" v="3938" actId="478"/>
+          <ac:grpSpMkLst>
+            <pc:docMk/>
+            <pc:sldMk cId="2828272781" sldId="260"/>
+            <ac:grpSpMk id="69" creationId="{43259D6A-FC6F-46CF-9A85-4191B7B63129}"/>
+          </ac:grpSpMkLst>
+        </pc:grpChg>
+        <pc:grpChg chg="add mod">
+          <ac:chgData name="Nils Mechtel" userId="d365a3c7-8594-435f-9872-5455ceefc78f" providerId="ADAL" clId="{FEE5CBDF-FE29-4F9F-99B9-949F0817748B}" dt="2019-05-13T17:14:27.888" v="3801"/>
+          <ac:grpSpMkLst>
+            <pc:docMk/>
+            <pc:sldMk cId="2828272781" sldId="260"/>
+            <ac:grpSpMk id="78" creationId="{FEC93503-4762-481D-95F1-60D9DB2EC944}"/>
+          </ac:grpSpMkLst>
+        </pc:grpChg>
+        <pc:grpChg chg="add mod">
+          <ac:chgData name="Nils Mechtel" userId="d365a3c7-8594-435f-9872-5455ceefc78f" providerId="ADAL" clId="{FEE5CBDF-FE29-4F9F-99B9-949F0817748B}" dt="2019-05-13T17:17:24.138" v="3828" actId="1076"/>
+          <ac:grpSpMkLst>
+            <pc:docMk/>
+            <pc:sldMk cId="2828272781" sldId="260"/>
+            <ac:grpSpMk id="81" creationId="{3150976C-B9B7-40FB-8290-82141889F356}"/>
+          </ac:grpSpMkLst>
+        </pc:grpChg>
+        <pc:grpChg chg="add mod">
+          <ac:chgData name="Nils Mechtel" userId="d365a3c7-8594-435f-9872-5455ceefc78f" providerId="ADAL" clId="{FEE5CBDF-FE29-4F9F-99B9-949F0817748B}" dt="2019-05-13T17:16:56.344" v="3823" actId="1076"/>
+          <ac:grpSpMkLst>
+            <pc:docMk/>
+            <pc:sldMk cId="2828272781" sldId="260"/>
+            <ac:grpSpMk id="84" creationId="{FF968A16-CCEC-4339-854B-6E68D45FC672}"/>
+          </ac:grpSpMkLst>
+        </pc:grpChg>
+        <pc:grpChg chg="add mod">
+          <ac:chgData name="Nils Mechtel" userId="d365a3c7-8594-435f-9872-5455ceefc78f" providerId="ADAL" clId="{FEE5CBDF-FE29-4F9F-99B9-949F0817748B}" dt="2019-05-13T17:17:12.679" v="3826" actId="1076"/>
+          <ac:grpSpMkLst>
+            <pc:docMk/>
+            <pc:sldMk cId="2828272781" sldId="260"/>
+            <ac:grpSpMk id="87" creationId="{170173FB-4774-4AA2-900C-E14BFD6DC64E}"/>
+          </ac:grpSpMkLst>
+        </pc:grpChg>
+        <pc:grpChg chg="add mod">
+          <ac:chgData name="Nils Mechtel" userId="d365a3c7-8594-435f-9872-5455ceefc78f" providerId="ADAL" clId="{FEE5CBDF-FE29-4F9F-99B9-949F0817748B}" dt="2019-05-13T17:17:16.132" v="3827" actId="1076"/>
+          <ac:grpSpMkLst>
+            <pc:docMk/>
+            <pc:sldMk cId="2828272781" sldId="260"/>
+            <ac:grpSpMk id="90" creationId="{26DBF00E-31E2-4A76-AB13-BBAD06253D7B}"/>
+          </ac:grpSpMkLst>
+        </pc:grpChg>
+        <pc:grpChg chg="add del mod">
+          <ac:chgData name="Nils Mechtel" userId="d365a3c7-8594-435f-9872-5455ceefc78f" providerId="ADAL" clId="{FEE5CBDF-FE29-4F9F-99B9-949F0817748B}" dt="2019-05-13T17:19:07.709" v="3861"/>
+          <ac:grpSpMkLst>
+            <pc:docMk/>
+            <pc:sldMk cId="2828272781" sldId="260"/>
+            <ac:grpSpMk id="93" creationId="{B829A988-278F-4D8C-B0F1-ACD7BDC0DCBE}"/>
+          </ac:grpSpMkLst>
+        </pc:grpChg>
+        <pc:grpChg chg="add del mod">
+          <ac:chgData name="Nils Mechtel" userId="d365a3c7-8594-435f-9872-5455ceefc78f" providerId="ADAL" clId="{FEE5CBDF-FE29-4F9F-99B9-949F0817748B}" dt="2019-05-13T17:23:37.640" v="3907" actId="165"/>
+          <ac:grpSpMkLst>
+            <pc:docMk/>
+            <pc:sldMk cId="2828272781" sldId="260"/>
+            <ac:grpSpMk id="96" creationId="{C19D4427-91D9-4229-92C5-15C561D7FB33}"/>
+          </ac:grpSpMkLst>
+        </pc:grpChg>
+        <pc:grpChg chg="add del mod">
+          <ac:chgData name="Nils Mechtel" userId="d365a3c7-8594-435f-9872-5455ceefc78f" providerId="ADAL" clId="{FEE5CBDF-FE29-4F9F-99B9-949F0817748B}" dt="2019-05-13T17:23:41.639" v="3908" actId="165"/>
+          <ac:grpSpMkLst>
+            <pc:docMk/>
+            <pc:sldMk cId="2828272781" sldId="260"/>
+            <ac:grpSpMk id="97" creationId="{59F45F35-51E0-432B-B090-E975041F7AC5}"/>
+          </ac:grpSpMkLst>
+        </pc:grpChg>
+        <pc:grpChg chg="add del mod ord">
+          <ac:chgData name="Nils Mechtel" userId="d365a3c7-8594-435f-9872-5455ceefc78f" providerId="ADAL" clId="{FEE5CBDF-FE29-4F9F-99B9-949F0817748B}" dt="2019-05-13T17:23:49.316" v="3911" actId="165"/>
+          <ac:grpSpMkLst>
+            <pc:docMk/>
+            <pc:sldMk cId="2828272781" sldId="260"/>
+            <ac:grpSpMk id="98" creationId="{515DFC31-E362-4589-94DA-82A3ACE2DF4C}"/>
+          </ac:grpSpMkLst>
+        </pc:grpChg>
+        <pc:grpChg chg="add del mod">
+          <ac:chgData name="Nils Mechtel" userId="d365a3c7-8594-435f-9872-5455ceefc78f" providerId="ADAL" clId="{FEE5CBDF-FE29-4F9F-99B9-949F0817748B}" dt="2019-05-13T17:23:52.358" v="3912" actId="165"/>
+          <ac:grpSpMkLst>
+            <pc:docMk/>
+            <pc:sldMk cId="2828272781" sldId="260"/>
+            <ac:grpSpMk id="99" creationId="{6B143082-DBAF-45DF-BEA7-31C28FAD131B}"/>
+          </ac:grpSpMkLst>
+        </pc:grpChg>
+        <pc:grpChg chg="add del mod">
+          <ac:chgData name="Nils Mechtel" userId="d365a3c7-8594-435f-9872-5455ceefc78f" providerId="ADAL" clId="{FEE5CBDF-FE29-4F9F-99B9-949F0817748B}" dt="2019-05-13T17:23:55.119" v="3913" actId="165"/>
+          <ac:grpSpMkLst>
+            <pc:docMk/>
+            <pc:sldMk cId="2828272781" sldId="260"/>
+            <ac:grpSpMk id="100" creationId="{771B2057-A694-41FC-AE0D-96806FB52220}"/>
+          </ac:grpSpMkLst>
+        </pc:grpChg>
+        <pc:grpChg chg="add del mod">
+          <ac:chgData name="Nils Mechtel" userId="d365a3c7-8594-435f-9872-5455ceefc78f" providerId="ADAL" clId="{FEE5CBDF-FE29-4F9F-99B9-949F0817748B}" dt="2019-05-13T17:23:58.285" v="3914" actId="165"/>
+          <ac:grpSpMkLst>
+            <pc:docMk/>
+            <pc:sldMk cId="2828272781" sldId="260"/>
+            <ac:grpSpMk id="101" creationId="{B3EAD259-DD5B-4D7B-AC47-47981EEEA968}"/>
+          </ac:grpSpMkLst>
+        </pc:grpChg>
+        <pc:graphicFrameChg chg="add del mod">
+          <ac:chgData name="Nils Mechtel" userId="d365a3c7-8594-435f-9872-5455ceefc78f" providerId="ADAL" clId="{FEE5CBDF-FE29-4F9F-99B9-949F0817748B}" dt="2019-05-13T17:16:39.974" v="3822" actId="478"/>
+          <ac:graphicFrameMkLst>
+            <pc:docMk/>
+            <pc:sldMk cId="2828272781" sldId="260"/>
+            <ac:graphicFrameMk id="5" creationId="{D4C4B1BA-D16D-4282-A0AC-0BE8729A13B2}"/>
+          </ac:graphicFrameMkLst>
+        </pc:graphicFrameChg>
+        <pc:graphicFrameChg chg="add del mod">
+          <ac:chgData name="Nils Mechtel" userId="d365a3c7-8594-435f-9872-5455ceefc78f" providerId="ADAL" clId="{FEE5CBDF-FE29-4F9F-99B9-949F0817748B}" dt="2019-05-12T18:32:02.734" v="1741" actId="478"/>
+          <ac:graphicFrameMkLst>
+            <pc:docMk/>
+            <pc:sldMk cId="2828272781" sldId="260"/>
+            <ac:graphicFrameMk id="6" creationId="{BC5E4AF0-08CE-442C-ACB7-B3FB93A8C59C}"/>
+          </ac:graphicFrameMkLst>
+        </pc:graphicFrameChg>
+        <pc:picChg chg="add del mod">
+          <ac:chgData name="Nils Mechtel" userId="d365a3c7-8594-435f-9872-5455ceefc78f" providerId="ADAL" clId="{FEE5CBDF-FE29-4F9F-99B9-949F0817748B}" dt="2019-05-13T14:27:21.555" v="3444" actId="478"/>
+          <ac:picMkLst>
+            <pc:docMk/>
+            <pc:sldMk cId="2828272781" sldId="260"/>
+            <ac:picMk id="16" creationId="{D53D2D01-4C24-4814-9172-A24DD58C49B9}"/>
+          </ac:picMkLst>
+        </pc:picChg>
+        <pc:picChg chg="add del">
+          <ac:chgData name="Nils Mechtel" userId="d365a3c7-8594-435f-9872-5455ceefc78f" providerId="ADAL" clId="{FEE5CBDF-FE29-4F9F-99B9-949F0817748B}" dt="2019-05-13T14:27:19.804" v="3443"/>
+          <ac:picMkLst>
+            <pc:docMk/>
+            <pc:sldMk cId="2828272781" sldId="260"/>
+            <ac:picMk id="17" creationId="{19A07DBC-4792-475F-9216-9697421B9A04}"/>
+          </ac:picMkLst>
+        </pc:picChg>
+        <pc:picChg chg="add del">
+          <ac:chgData name="Nils Mechtel" userId="d365a3c7-8594-435f-9872-5455ceefc78f" providerId="ADAL" clId="{FEE5CBDF-FE29-4F9F-99B9-949F0817748B}" dt="2019-05-13T14:27:19.804" v="3443"/>
+          <ac:picMkLst>
+            <pc:docMk/>
+            <pc:sldMk cId="2828272781" sldId="260"/>
+            <ac:picMk id="18" creationId="{30BE49A2-E27C-4F36-A0D4-83616A20F966}"/>
+          </ac:picMkLst>
+        </pc:picChg>
+        <pc:picChg chg="add del">
+          <ac:chgData name="Nils Mechtel" userId="d365a3c7-8594-435f-9872-5455ceefc78f" providerId="ADAL" clId="{FEE5CBDF-FE29-4F9F-99B9-949F0817748B}" dt="2019-05-13T14:27:19.804" v="3443"/>
+          <ac:picMkLst>
+            <pc:docMk/>
+            <pc:sldMk cId="2828272781" sldId="260"/>
+            <ac:picMk id="19" creationId="{11EFE225-3FB5-4183-9A45-E6EAC59ECE53}"/>
+          </ac:picMkLst>
+        </pc:picChg>
+        <pc:picChg chg="add del">
+          <ac:chgData name="Nils Mechtel" userId="d365a3c7-8594-435f-9872-5455ceefc78f" providerId="ADAL" clId="{FEE5CBDF-FE29-4F9F-99B9-949F0817748B}" dt="2019-05-13T14:27:19.804" v="3443"/>
+          <ac:picMkLst>
+            <pc:docMk/>
+            <pc:sldMk cId="2828272781" sldId="260"/>
+            <ac:picMk id="20" creationId="{C5576562-53AA-451F-92CA-9F44E1619774}"/>
+          </ac:picMkLst>
+        </pc:picChg>
+        <pc:picChg chg="add del">
+          <ac:chgData name="Nils Mechtel" userId="d365a3c7-8594-435f-9872-5455ceefc78f" providerId="ADAL" clId="{FEE5CBDF-FE29-4F9F-99B9-949F0817748B}" dt="2019-05-13T14:27:19.804" v="3443"/>
+          <ac:picMkLst>
+            <pc:docMk/>
+            <pc:sldMk cId="2828272781" sldId="260"/>
+            <ac:picMk id="21" creationId="{769DF3DB-EC03-4BA1-8E9C-09500F08EAE1}"/>
+          </ac:picMkLst>
+        </pc:picChg>
+        <pc:picChg chg="add del">
+          <ac:chgData name="Nils Mechtel" userId="d365a3c7-8594-435f-9872-5455ceefc78f" providerId="ADAL" clId="{FEE5CBDF-FE29-4F9F-99B9-949F0817748B}" dt="2019-05-13T14:27:19.804" v="3443"/>
+          <ac:picMkLst>
+            <pc:docMk/>
+            <pc:sldMk cId="2828272781" sldId="260"/>
+            <ac:picMk id="22" creationId="{16BCEF55-1DD7-42C1-A770-9B0A33ED02B6}"/>
+          </ac:picMkLst>
+        </pc:picChg>
+        <pc:picChg chg="add mod">
+          <ac:chgData name="Nils Mechtel" userId="d365a3c7-8594-435f-9872-5455ceefc78f" providerId="ADAL" clId="{FEE5CBDF-FE29-4F9F-99B9-949F0817748B}" dt="2019-05-13T14:30:01.735" v="3463" actId="164"/>
+          <ac:picMkLst>
+            <pc:docMk/>
+            <pc:sldMk cId="2828272781" sldId="260"/>
+            <ac:picMk id="23" creationId="{D22C079B-AE4B-437F-B5E9-1D1A65975E05}"/>
+          </ac:picMkLst>
+        </pc:picChg>
+        <pc:picChg chg="add mod">
+          <ac:chgData name="Nils Mechtel" userId="d365a3c7-8594-435f-9872-5455ceefc78f" providerId="ADAL" clId="{FEE5CBDF-FE29-4F9F-99B9-949F0817748B}" dt="2019-05-13T14:29:34.491" v="3459" actId="164"/>
+          <ac:picMkLst>
+            <pc:docMk/>
+            <pc:sldMk cId="2828272781" sldId="260"/>
+            <ac:picMk id="24" creationId="{6C618A20-EFDA-4FC8-9314-D320BF61C1F4}"/>
+          </ac:picMkLst>
+        </pc:picChg>
+        <pc:picChg chg="add mod">
+          <ac:chgData name="Nils Mechtel" userId="d365a3c7-8594-435f-9872-5455ceefc78f" providerId="ADAL" clId="{FEE5CBDF-FE29-4F9F-99B9-949F0817748B}" dt="2019-05-13T14:30:32.137" v="3471" actId="164"/>
+          <ac:picMkLst>
+            <pc:docMk/>
+            <pc:sldMk cId="2828272781" sldId="260"/>
+            <ac:picMk id="25" creationId="{2557807F-8C45-4B1F-AA96-9DADD705ED2A}"/>
+          </ac:picMkLst>
+        </pc:picChg>
+        <pc:picChg chg="add mod">
+          <ac:chgData name="Nils Mechtel" userId="d365a3c7-8594-435f-9872-5455ceefc78f" providerId="ADAL" clId="{FEE5CBDF-FE29-4F9F-99B9-949F0817748B}" dt="2019-05-13T14:29:41.106" v="3460" actId="164"/>
+          <ac:picMkLst>
+            <pc:docMk/>
+            <pc:sldMk cId="2828272781" sldId="260"/>
+            <ac:picMk id="26" creationId="{ACC84770-31C5-47CC-8C87-65CD77C5E1A3}"/>
+          </ac:picMkLst>
+        </pc:picChg>
+        <pc:picChg chg="add mod">
+          <ac:chgData name="Nils Mechtel" userId="d365a3c7-8594-435f-9872-5455ceefc78f" providerId="ADAL" clId="{FEE5CBDF-FE29-4F9F-99B9-949F0817748B}" dt="2019-05-13T14:29:48.032" v="3461" actId="164"/>
+          <ac:picMkLst>
+            <pc:docMk/>
+            <pc:sldMk cId="2828272781" sldId="260"/>
+            <ac:picMk id="27" creationId="{720C639A-FCE8-41A5-84A8-7C6FAE15DF0C}"/>
+          </ac:picMkLst>
+        </pc:picChg>
+        <pc:picChg chg="add mod">
+          <ac:chgData name="Nils Mechtel" userId="d365a3c7-8594-435f-9872-5455ceefc78f" providerId="ADAL" clId="{FEE5CBDF-FE29-4F9F-99B9-949F0817748B}" dt="2019-05-13T14:30:25.460" v="3470" actId="164"/>
+          <ac:picMkLst>
+            <pc:docMk/>
+            <pc:sldMk cId="2828272781" sldId="260"/>
+            <ac:picMk id="28" creationId="{170E8B23-75D9-403B-9BAE-CF0BEE5866A8}"/>
+          </ac:picMkLst>
+        </pc:picChg>
+        <pc:inkChg chg="add del">
+          <ac:chgData name="Nils Mechtel" userId="d365a3c7-8594-435f-9872-5455ceefc78f" providerId="ADAL" clId="{FEE5CBDF-FE29-4F9F-99B9-949F0817748B}" dt="2019-05-11T14:22:46.902" v="803"/>
+          <ac:inkMkLst>
+            <pc:docMk/>
+            <pc:sldMk cId="2828272781" sldId="260"/>
+            <ac:inkMk id="4" creationId="{9AD985C7-D668-443A-A23F-7ADEE6C7F80A}"/>
+          </ac:inkMkLst>
+        </pc:inkChg>
+        <pc:inkChg chg="add del">
+          <ac:chgData name="Nils Mechtel" userId="d365a3c7-8594-435f-9872-5455ceefc78f" providerId="ADAL" clId="{FEE5CBDF-FE29-4F9F-99B9-949F0817748B}" dt="2019-05-11T14:22:46.902" v="803"/>
+          <ac:inkMkLst>
+            <pc:docMk/>
+            <pc:sldMk cId="2828272781" sldId="260"/>
+            <ac:inkMk id="5" creationId="{F17DC707-4A0B-47F5-A0D4-4391AF260B1A}"/>
+          </ac:inkMkLst>
+        </pc:inkChg>
+        <pc:inkChg chg="add del">
+          <ac:chgData name="Nils Mechtel" userId="d365a3c7-8594-435f-9872-5455ceefc78f" providerId="ADAL" clId="{FEE5CBDF-FE29-4F9F-99B9-949F0817748B}" dt="2019-05-11T14:22:46.902" v="803"/>
+          <ac:inkMkLst>
+            <pc:docMk/>
+            <pc:sldMk cId="2828272781" sldId="260"/>
+            <ac:inkMk id="6" creationId="{25B71310-2EB0-4F42-9246-7D0ED44F60AF}"/>
+          </ac:inkMkLst>
+        </pc:inkChg>
+        <pc:inkChg chg="add del">
+          <ac:chgData name="Nils Mechtel" userId="d365a3c7-8594-435f-9872-5455ceefc78f" providerId="ADAL" clId="{FEE5CBDF-FE29-4F9F-99B9-949F0817748B}" dt="2019-05-11T14:22:46.902" v="803"/>
+          <ac:inkMkLst>
+            <pc:docMk/>
+            <pc:sldMk cId="2828272781" sldId="260"/>
+            <ac:inkMk id="7" creationId="{CDB577A1-32D4-4B28-B284-BD2D65EFD3F3}"/>
+          </ac:inkMkLst>
+        </pc:inkChg>
+        <pc:inkChg chg="add del">
+          <ac:chgData name="Nils Mechtel" userId="d365a3c7-8594-435f-9872-5455ceefc78f" providerId="ADAL" clId="{FEE5CBDF-FE29-4F9F-99B9-949F0817748B}" dt="2019-05-11T14:22:51.055" v="808"/>
+          <ac:inkMkLst>
+            <pc:docMk/>
+            <pc:sldMk cId="2828272781" sldId="260"/>
+            <ac:inkMk id="8" creationId="{324A0ABD-9120-41E0-8F40-6E836AF3BE46}"/>
+          </ac:inkMkLst>
+        </pc:inkChg>
+        <pc:inkChg chg="add del">
+          <ac:chgData name="Nils Mechtel" userId="d365a3c7-8594-435f-9872-5455ceefc78f" providerId="ADAL" clId="{FEE5CBDF-FE29-4F9F-99B9-949F0817748B}" dt="2019-05-11T14:22:51.055" v="808"/>
+          <ac:inkMkLst>
+            <pc:docMk/>
+            <pc:sldMk cId="2828272781" sldId="260"/>
+            <ac:inkMk id="9" creationId="{CDE71015-D5FA-4C42-BD74-1212099F1C8B}"/>
+          </ac:inkMkLst>
+        </pc:inkChg>
+        <pc:inkChg chg="add del">
+          <ac:chgData name="Nils Mechtel" userId="d365a3c7-8594-435f-9872-5455ceefc78f" providerId="ADAL" clId="{FEE5CBDF-FE29-4F9F-99B9-949F0817748B}" dt="2019-05-11T14:22:51.055" v="808"/>
+          <ac:inkMkLst>
+            <pc:docMk/>
+            <pc:sldMk cId="2828272781" sldId="260"/>
+            <ac:inkMk id="10" creationId="{F3FAAE6B-29AA-4810-AA47-CECA1771CA63}"/>
+          </ac:inkMkLst>
+        </pc:inkChg>
+        <pc:inkChg chg="add del">
+          <ac:chgData name="Nils Mechtel" userId="d365a3c7-8594-435f-9872-5455ceefc78f" providerId="ADAL" clId="{FEE5CBDF-FE29-4F9F-99B9-949F0817748B}" dt="2019-05-11T14:22:51.055" v="808"/>
+          <ac:inkMkLst>
+            <pc:docMk/>
+            <pc:sldMk cId="2828272781" sldId="260"/>
+            <ac:inkMk id="11" creationId="{860FA142-BF96-4BBF-921F-11BDBF30AECA}"/>
+          </ac:inkMkLst>
+        </pc:inkChg>
+        <pc:inkChg chg="add del">
+          <ac:chgData name="Nils Mechtel" userId="d365a3c7-8594-435f-9872-5455ceefc78f" providerId="ADAL" clId="{FEE5CBDF-FE29-4F9F-99B9-949F0817748B}" dt="2019-05-11T14:22:51.055" v="808"/>
+          <ac:inkMkLst>
+            <pc:docMk/>
+            <pc:sldMk cId="2828272781" sldId="260"/>
+            <ac:inkMk id="12" creationId="{7F82A57D-41FB-473D-88E3-33A90482F6B0}"/>
+          </ac:inkMkLst>
+        </pc:inkChg>
+        <pc:inkChg chg="add del">
+          <ac:chgData name="Nils Mechtel" userId="d365a3c7-8594-435f-9872-5455ceefc78f" providerId="ADAL" clId="{FEE5CBDF-FE29-4F9F-99B9-949F0817748B}" dt="2019-05-11T14:22:54.119" v="812"/>
+          <ac:inkMkLst>
+            <pc:docMk/>
+            <pc:sldMk cId="2828272781" sldId="260"/>
+            <ac:inkMk id="13" creationId="{8F1D7616-D642-4CE0-A6C1-5EF7C9154A92}"/>
+          </ac:inkMkLst>
+        </pc:inkChg>
+        <pc:inkChg chg="add del">
+          <ac:chgData name="Nils Mechtel" userId="d365a3c7-8594-435f-9872-5455ceefc78f" providerId="ADAL" clId="{FEE5CBDF-FE29-4F9F-99B9-949F0817748B}" dt="2019-05-11T14:22:54.119" v="812"/>
+          <ac:inkMkLst>
+            <pc:docMk/>
+            <pc:sldMk cId="2828272781" sldId="260"/>
+            <ac:inkMk id="14" creationId="{E75BE0B0-92B6-4364-B04B-10FF00A88312}"/>
+          </ac:inkMkLst>
+        </pc:inkChg>
+        <pc:inkChg chg="add del">
+          <ac:chgData name="Nils Mechtel" userId="d365a3c7-8594-435f-9872-5455ceefc78f" providerId="ADAL" clId="{FEE5CBDF-FE29-4F9F-99B9-949F0817748B}" dt="2019-05-11T14:22:54.119" v="812"/>
+          <ac:inkMkLst>
+            <pc:docMk/>
+            <pc:sldMk cId="2828272781" sldId="260"/>
+            <ac:inkMk id="15" creationId="{56CB9EE4-02B7-4058-9265-8B4AB68EE100}"/>
+          </ac:inkMkLst>
+        </pc:inkChg>
+        <pc:inkChg chg="add del">
+          <ac:chgData name="Nils Mechtel" userId="d365a3c7-8594-435f-9872-5455ceefc78f" providerId="ADAL" clId="{FEE5CBDF-FE29-4F9F-99B9-949F0817748B}" dt="2019-05-11T14:22:54.119" v="812"/>
+          <ac:inkMkLst>
+            <pc:docMk/>
+            <pc:sldMk cId="2828272781" sldId="260"/>
+            <ac:inkMk id="16" creationId="{9F541EB7-0B9F-4F1D-8779-87E74AED8D9D}"/>
+          </ac:inkMkLst>
+        </pc:inkChg>
+        <pc:inkChg chg="add del">
+          <ac:chgData name="Nils Mechtel" userId="d365a3c7-8594-435f-9872-5455ceefc78f" providerId="ADAL" clId="{FEE5CBDF-FE29-4F9F-99B9-949F0817748B}" dt="2019-05-11T14:22:55.719" v="815"/>
+          <ac:inkMkLst>
+            <pc:docMk/>
+            <pc:sldMk cId="2828272781" sldId="260"/>
+            <ac:inkMk id="17" creationId="{DFA0DAF3-0F41-430D-9E46-84A1C140D4F3}"/>
+          </ac:inkMkLst>
+        </pc:inkChg>
+        <pc:inkChg chg="add del">
+          <ac:chgData name="Nils Mechtel" userId="d365a3c7-8594-435f-9872-5455ceefc78f" providerId="ADAL" clId="{FEE5CBDF-FE29-4F9F-99B9-949F0817748B}" dt="2019-05-11T14:22:55.719" v="815"/>
+          <ac:inkMkLst>
+            <pc:docMk/>
+            <pc:sldMk cId="2828272781" sldId="260"/>
+            <ac:inkMk id="18" creationId="{6CB322AF-C4F1-40C0-9CD7-BEA9D395ECEE}"/>
+          </ac:inkMkLst>
+        </pc:inkChg>
+        <pc:inkChg chg="add del">
+          <ac:chgData name="Nils Mechtel" userId="d365a3c7-8594-435f-9872-5455ceefc78f" providerId="ADAL" clId="{FEE5CBDF-FE29-4F9F-99B9-949F0817748B}" dt="2019-05-11T14:22:55.719" v="815"/>
+          <ac:inkMkLst>
+            <pc:docMk/>
+            <pc:sldMk cId="2828272781" sldId="260"/>
+            <ac:inkMk id="19" creationId="{C4EC5CF1-FDDF-4BE9-9852-ED550AD8BEAE}"/>
+          </ac:inkMkLst>
+        </pc:inkChg>
+        <pc:inkChg chg="add del">
+          <ac:chgData name="Nils Mechtel" userId="d365a3c7-8594-435f-9872-5455ceefc78f" providerId="ADAL" clId="{FEE5CBDF-FE29-4F9F-99B9-949F0817748B}" dt="2019-05-11T14:22:57.540" v="817"/>
+          <ac:inkMkLst>
+            <pc:docMk/>
+            <pc:sldMk cId="2828272781" sldId="260"/>
+            <ac:inkMk id="20" creationId="{E5B3D2B9-325E-49B6-AB44-299EEFC410E8}"/>
+          </ac:inkMkLst>
+        </pc:inkChg>
+        <pc:inkChg chg="add del">
+          <ac:chgData name="Nils Mechtel" userId="d365a3c7-8594-435f-9872-5455ceefc78f" providerId="ADAL" clId="{FEE5CBDF-FE29-4F9F-99B9-949F0817748B}" dt="2019-05-11T14:22:57.540" v="817"/>
+          <ac:inkMkLst>
+            <pc:docMk/>
+            <pc:sldMk cId="2828272781" sldId="260"/>
+            <ac:inkMk id="21" creationId="{FDB6B424-CF24-4D9F-8486-F963B8CE2BEB}"/>
+          </ac:inkMkLst>
+        </pc:inkChg>
+        <pc:inkChg chg="add del">
+          <ac:chgData name="Nils Mechtel" userId="d365a3c7-8594-435f-9872-5455ceefc78f" providerId="ADAL" clId="{FEE5CBDF-FE29-4F9F-99B9-949F0817748B}" dt="2019-05-11T14:23:01.926" v="825"/>
+          <ac:inkMkLst>
+            <pc:docMk/>
+            <pc:sldMk cId="2828272781" sldId="260"/>
+            <ac:inkMk id="22" creationId="{0681828B-EBD8-4E0D-9403-324CA97D6072}"/>
+          </ac:inkMkLst>
+        </pc:inkChg>
+        <pc:inkChg chg="add del">
+          <ac:chgData name="Nils Mechtel" userId="d365a3c7-8594-435f-9872-5455ceefc78f" providerId="ADAL" clId="{FEE5CBDF-FE29-4F9F-99B9-949F0817748B}" dt="2019-05-11T14:23:01.926" v="825"/>
+          <ac:inkMkLst>
+            <pc:docMk/>
+            <pc:sldMk cId="2828272781" sldId="260"/>
+            <ac:inkMk id="23" creationId="{B54EA138-EB01-41EB-9948-DFA90D2FF8C4}"/>
+          </ac:inkMkLst>
+        </pc:inkChg>
+        <pc:inkChg chg="add del">
+          <ac:chgData name="Nils Mechtel" userId="d365a3c7-8594-435f-9872-5455ceefc78f" providerId="ADAL" clId="{FEE5CBDF-FE29-4F9F-99B9-949F0817748B}" dt="2019-05-11T14:23:01.926" v="825"/>
+          <ac:inkMkLst>
+            <pc:docMk/>
+            <pc:sldMk cId="2828272781" sldId="260"/>
+            <ac:inkMk id="24" creationId="{7B02FAD6-66D6-4BD5-A735-F8394D09866D}"/>
+          </ac:inkMkLst>
+        </pc:inkChg>
+        <pc:inkChg chg="add del">
+          <ac:chgData name="Nils Mechtel" userId="d365a3c7-8594-435f-9872-5455ceefc78f" providerId="ADAL" clId="{FEE5CBDF-FE29-4F9F-99B9-949F0817748B}" dt="2019-05-11T14:23:01.926" v="825"/>
+          <ac:inkMkLst>
+            <pc:docMk/>
+            <pc:sldMk cId="2828272781" sldId="260"/>
+            <ac:inkMk id="25" creationId="{D3DDB643-A471-4170-88E4-439C8D8DBC79}"/>
+          </ac:inkMkLst>
+        </pc:inkChg>
+        <pc:inkChg chg="add del">
+          <ac:chgData name="Nils Mechtel" userId="d365a3c7-8594-435f-9872-5455ceefc78f" providerId="ADAL" clId="{FEE5CBDF-FE29-4F9F-99B9-949F0817748B}" dt="2019-05-11T14:23:01.926" v="825"/>
+          <ac:inkMkLst>
+            <pc:docMk/>
+            <pc:sldMk cId="2828272781" sldId="260"/>
+            <ac:inkMk id="26" creationId="{66F5D31E-4995-46B5-A01A-CBE1913B7564}"/>
+          </ac:inkMkLst>
+        </pc:inkChg>
+        <pc:inkChg chg="add del">
+          <ac:chgData name="Nils Mechtel" userId="d365a3c7-8594-435f-9872-5455ceefc78f" providerId="ADAL" clId="{FEE5CBDF-FE29-4F9F-99B9-949F0817748B}" dt="2019-05-11T14:23:01.926" v="825"/>
+          <ac:inkMkLst>
+            <pc:docMk/>
+            <pc:sldMk cId="2828272781" sldId="260"/>
+            <ac:inkMk id="27" creationId="{4A0D0166-1529-47A1-9DFA-471E539E7637}"/>
+          </ac:inkMkLst>
+        </pc:inkChg>
+        <pc:inkChg chg="add del">
+          <ac:chgData name="Nils Mechtel" userId="d365a3c7-8594-435f-9872-5455ceefc78f" providerId="ADAL" clId="{FEE5CBDF-FE29-4F9F-99B9-949F0817748B}" dt="2019-05-11T14:23:01.926" v="825"/>
+          <ac:inkMkLst>
+            <pc:docMk/>
+            <pc:sldMk cId="2828272781" sldId="260"/>
+            <ac:inkMk id="28" creationId="{31CE3908-5873-4331-A76E-E328039EE9A0}"/>
+          </ac:inkMkLst>
+        </pc:inkChg>
+        <pc:inkChg chg="add del">
+          <ac:chgData name="Nils Mechtel" userId="d365a3c7-8594-435f-9872-5455ceefc78f" providerId="ADAL" clId="{FEE5CBDF-FE29-4F9F-99B9-949F0817748B}" dt="2019-05-11T14:23:01.926" v="825"/>
+          <ac:inkMkLst>
+            <pc:docMk/>
+            <pc:sldMk cId="2828272781" sldId="260"/>
+            <ac:inkMk id="29" creationId="{4EA77869-8695-4436-885C-B5BD39F3603C}"/>
+          </ac:inkMkLst>
+        </pc:inkChg>
+        <pc:inkChg chg="add del">
+          <ac:chgData name="Nils Mechtel" userId="d365a3c7-8594-435f-9872-5455ceefc78f" providerId="ADAL" clId="{FEE5CBDF-FE29-4F9F-99B9-949F0817748B}" dt="2019-05-11T14:28:16.360" v="826"/>
+          <ac:inkMkLst>
+            <pc:docMk/>
+            <pc:sldMk cId="2828272781" sldId="260"/>
+            <ac:inkMk id="30" creationId="{24C4EEAD-3B07-406B-9099-6387E2C4C4EE}"/>
+          </ac:inkMkLst>
+        </pc:inkChg>
+      </pc:sldChg>
+      <pc:sldChg chg="addSp delSp modSp add del modTransition setBg modAnim addCm modCm">
+        <pc:chgData name="Nils Mechtel" userId="d365a3c7-8594-435f-9872-5455ceefc78f" providerId="ADAL" clId="{FEE5CBDF-FE29-4F9F-99B9-949F0817748B}" dt="2019-05-14T16:37:50.750" v="5443" actId="1076"/>
+        <pc:sldMkLst>
+          <pc:docMk/>
+          <pc:sldMk cId="4044078516" sldId="263"/>
+        </pc:sldMkLst>
+        <pc:spChg chg="del mod">
+          <ac:chgData name="Nils Mechtel" userId="d365a3c7-8594-435f-9872-5455ceefc78f" providerId="ADAL" clId="{FEE5CBDF-FE29-4F9F-99B9-949F0817748B}" dt="2019-05-12T18:22:26.496" v="1665" actId="478"/>
+          <ac:spMkLst>
+            <pc:docMk/>
+            <pc:sldMk cId="4044078516" sldId="263"/>
+            <ac:spMk id="2" creationId="{DFD99890-61D9-4B87-8189-F7C606B59725}"/>
+          </ac:spMkLst>
+        </pc:spChg>
+        <pc:spChg chg="add mod">
+          <ac:chgData name="Nils Mechtel" userId="d365a3c7-8594-435f-9872-5455ceefc78f" providerId="ADAL" clId="{FEE5CBDF-FE29-4F9F-99B9-949F0817748B}" dt="2019-05-14T13:11:51.832" v="4609" actId="20577"/>
+          <ac:spMkLst>
+            <pc:docMk/>
+            <pc:sldMk cId="4044078516" sldId="263"/>
+            <ac:spMk id="2" creationId="{DFE74C15-1D99-4C8D-B6EC-50127701BE63}"/>
+          </ac:spMkLst>
+        </pc:spChg>
+        <pc:spChg chg="del mod">
+          <ac:chgData name="Nils Mechtel" userId="d365a3c7-8594-435f-9872-5455ceefc78f" providerId="ADAL" clId="{FEE5CBDF-FE29-4F9F-99B9-949F0817748B}" dt="2019-05-11T13:06:53.081" v="401"/>
+          <ac:spMkLst>
+            <pc:docMk/>
+            <pc:sldMk cId="4044078516" sldId="263"/>
+            <ac:spMk id="3" creationId="{31C08492-9CFD-4FFA-9FF2-19FDEFAF7959}"/>
+          </ac:spMkLst>
+        </pc:spChg>
+        <pc:spChg chg="add del mod">
+          <ac:chgData name="Nils Mechtel" userId="d365a3c7-8594-435f-9872-5455ceefc78f" providerId="ADAL" clId="{FEE5CBDF-FE29-4F9F-99B9-949F0817748B}" dt="2019-05-11T15:20:05.762" v="898"/>
+          <ac:spMkLst>
+            <pc:docMk/>
+            <pc:sldMk cId="4044078516" sldId="263"/>
+            <ac:spMk id="5" creationId="{985CA1E5-977A-4D2C-9571-A3A80E9D6DC5}"/>
+          </ac:spMkLst>
+        </pc:spChg>
+        <pc:spChg chg="add mod">
+          <ac:chgData name="Nils Mechtel" userId="d365a3c7-8594-435f-9872-5455ceefc78f" providerId="ADAL" clId="{FEE5CBDF-FE29-4F9F-99B9-949F0817748B}" dt="2019-05-12T18:22:22.427" v="1664" actId="1076"/>
+          <ac:spMkLst>
+            <pc:docMk/>
+            <pc:sldMk cId="4044078516" sldId="263"/>
+            <ac:spMk id="5" creationId="{A50493A2-4AD0-4DAC-95CA-DEF04F4085A3}"/>
+          </ac:spMkLst>
+        </pc:spChg>
+        <pc:spChg chg="add mod">
+          <ac:chgData name="Nils Mechtel" userId="d365a3c7-8594-435f-9872-5455ceefc78f" providerId="ADAL" clId="{FEE5CBDF-FE29-4F9F-99B9-949F0817748B}" dt="2019-05-14T16:37:50.750" v="5443" actId="1076"/>
+          <ac:spMkLst>
+            <pc:docMk/>
+            <pc:sldMk cId="4044078516" sldId="263"/>
+            <ac:spMk id="6" creationId="{9EABE0BA-7501-4B87-B287-067D38A035BF}"/>
+          </ac:spMkLst>
+        </pc:spChg>
+        <pc:spChg chg="add del mod">
+          <ac:chgData name="Nils Mechtel" userId="d365a3c7-8594-435f-9872-5455ceefc78f" providerId="ADAL" clId="{FEE5CBDF-FE29-4F9F-99B9-949F0817748B}" dt="2019-05-12T18:23:10.577" v="1670" actId="478"/>
+          <ac:spMkLst>
+            <pc:docMk/>
+            <pc:sldMk cId="4044078516" sldId="263"/>
+            <ac:spMk id="8" creationId="{466759C2-FED9-4F02-A251-F5D2E3FC4DC3}"/>
+          </ac:spMkLst>
+        </pc:spChg>
+        <pc:spChg chg="mod">
+          <ac:chgData name="Nils Mechtel" userId="d365a3c7-8594-435f-9872-5455ceefc78f" providerId="ADAL" clId="{FEE5CBDF-FE29-4F9F-99B9-949F0817748B}" dt="2019-05-14T13:01:30.100" v="4563" actId="20577"/>
+          <ac:spMkLst>
+            <pc:docMk/>
+            <pc:sldMk cId="4044078516" sldId="263"/>
+            <ac:spMk id="15" creationId="{66696C9E-3E55-4B4A-B281-6BEACF1466CA}"/>
+          </ac:spMkLst>
+        </pc:spChg>
+        <pc:spChg chg="del">
+          <ac:chgData name="Nils Mechtel" userId="d365a3c7-8594-435f-9872-5455ceefc78f" providerId="ADAL" clId="{FEE5CBDF-FE29-4F9F-99B9-949F0817748B}" dt="2019-05-13T14:19:59.250" v="3385" actId="478"/>
+          <ac:spMkLst>
+            <pc:docMk/>
+            <pc:sldMk cId="4044078516" sldId="263"/>
+            <ac:spMk id="19" creationId="{E6D2A0BF-E5EF-4DD0-BC19-318ABEC5F47D}"/>
+          </ac:spMkLst>
+        </pc:spChg>
+        <pc:spChg chg="del">
+          <ac:chgData name="Nils Mechtel" userId="d365a3c7-8594-435f-9872-5455ceefc78f" providerId="ADAL" clId="{FEE5CBDF-FE29-4F9F-99B9-949F0817748B}" dt="2019-05-13T14:20:01.461" v="3386" actId="478"/>
+          <ac:spMkLst>
+            <pc:docMk/>
+            <pc:sldMk cId="4044078516" sldId="263"/>
+            <ac:spMk id="20" creationId="{930FFEB1-7FAD-4C2F-9801-525E442B0F31}"/>
+          </ac:spMkLst>
+        </pc:spChg>
+        <pc:spChg chg="mod">
+          <ac:chgData name="Nils Mechtel" userId="d365a3c7-8594-435f-9872-5455ceefc78f" providerId="ADAL" clId="{FEE5CBDF-FE29-4F9F-99B9-949F0817748B}" dt="2019-05-13T14:21:58.019" v="3404" actId="164"/>
+          <ac:spMkLst>
+            <pc:docMk/>
+            <pc:sldMk cId="4044078516" sldId="263"/>
+            <ac:spMk id="21" creationId="{BA41386F-FF80-4FA8-A50C-7F7FAAEFF622}"/>
+          </ac:spMkLst>
+        </pc:spChg>
+        <pc:spChg chg="mod">
+          <ac:chgData name="Nils Mechtel" userId="d365a3c7-8594-435f-9872-5455ceefc78f" providerId="ADAL" clId="{FEE5CBDF-FE29-4F9F-99B9-949F0817748B}" dt="2019-05-13T14:21:58.019" v="3404" actId="164"/>
+          <ac:spMkLst>
+            <pc:docMk/>
+            <pc:sldMk cId="4044078516" sldId="263"/>
+            <ac:spMk id="22" creationId="{B31E82C5-26CD-47A0-AB75-A9C54363494B}"/>
+          </ac:spMkLst>
+        </pc:spChg>
+        <pc:grpChg chg="add mod">
+          <ac:chgData name="Nils Mechtel" userId="d365a3c7-8594-435f-9872-5455ceefc78f" providerId="ADAL" clId="{FEE5CBDF-FE29-4F9F-99B9-949F0817748B}" dt="2019-05-13T17:43:44.735" v="4039" actId="207"/>
+          <ac:grpSpMkLst>
+            <pc:docMk/>
+            <pc:sldMk cId="4044078516" sldId="263"/>
+            <ac:grpSpMk id="10" creationId="{CB561383-2B04-47C9-B312-534EFF79F205}"/>
+          </ac:grpSpMkLst>
+        </pc:grpChg>
+        <pc:grpChg chg="add">
+          <ac:chgData name="Nils Mechtel" userId="d365a3c7-8594-435f-9872-5455ceefc78f" providerId="ADAL" clId="{FEE5CBDF-FE29-4F9F-99B9-949F0817748B}" dt="2019-05-13T17:43:13.033" v="4033"/>
+          <ac:grpSpMkLst>
+            <pc:docMk/>
+            <pc:sldMk cId="4044078516" sldId="263"/>
+            <ac:grpSpMk id="13" creationId="{6AE4FD83-8239-4CE2-B802-D4BEC4A57EB7}"/>
+          </ac:grpSpMkLst>
+        </pc:grpChg>
+        <pc:grpChg chg="add mod">
+          <ac:chgData name="Nils Mechtel" userId="d365a3c7-8594-435f-9872-5455ceefc78f" providerId="ADAL" clId="{FEE5CBDF-FE29-4F9F-99B9-949F0817748B}" dt="2019-05-13T17:43:44.735" v="4039" actId="207"/>
+          <ac:grpSpMkLst>
+            <pc:docMk/>
+            <pc:sldMk cId="4044078516" sldId="263"/>
+            <ac:grpSpMk id="16" creationId="{4D159FCC-AB9B-49BE-9F77-87D5907FB6E5}"/>
+          </ac:grpSpMkLst>
+        </pc:grpChg>
+        <pc:grpChg chg="add mod">
+          <ac:chgData name="Nils Mechtel" userId="d365a3c7-8594-435f-9872-5455ceefc78f" providerId="ADAL" clId="{FEE5CBDF-FE29-4F9F-99B9-949F0817748B}" dt="2019-05-13T17:43:44.735" v="4039" actId="207"/>
+          <ac:grpSpMkLst>
+            <pc:docMk/>
+            <pc:sldMk cId="4044078516" sldId="263"/>
+            <ac:grpSpMk id="20" creationId="{C66B09B6-7DFB-414A-B35B-3FADE3D650AC}"/>
+          </ac:grpSpMkLst>
+        </pc:grpChg>
+        <pc:grpChg chg="add mod">
+          <ac:chgData name="Nils Mechtel" userId="d365a3c7-8594-435f-9872-5455ceefc78f" providerId="ADAL" clId="{FEE5CBDF-FE29-4F9F-99B9-949F0817748B}" dt="2019-05-13T14:22:00.803" v="3405" actId="1076"/>
+          <ac:grpSpMkLst>
+            <pc:docMk/>
+            <pc:sldMk cId="4044078516" sldId="263"/>
+            <ac:grpSpMk id="27" creationId="{0F9EC99B-52F4-4F6E-8DB0-299EE818B425}"/>
+          </ac:grpSpMkLst>
+        </pc:grpChg>
+        <pc:graphicFrameChg chg="add del mod">
+          <ac:chgData name="Nils Mechtel" userId="d365a3c7-8594-435f-9872-5455ceefc78f" providerId="ADAL" clId="{FEE5CBDF-FE29-4F9F-99B9-949F0817748B}" dt="2019-05-13T17:43:12.407" v="4032" actId="478"/>
+          <ac:graphicFrameMkLst>
+            <pc:docMk/>
+            <pc:sldMk cId="4044078516" sldId="263"/>
+            <ac:graphicFrameMk id="7" creationId="{F1A949C7-C9CF-4C02-BE5E-DA666970FF15}"/>
+          </ac:graphicFrameMkLst>
+        </pc:graphicFrameChg>
+        <pc:graphicFrameChg chg="add del mod">
+          <ac:chgData name="Nils Mechtel" userId="d365a3c7-8594-435f-9872-5455ceefc78f" providerId="ADAL" clId="{FEE5CBDF-FE29-4F9F-99B9-949F0817748B}" dt="2019-05-12T18:23:06.012" v="1669"/>
+          <ac:graphicFrameMkLst>
+            <pc:docMk/>
+            <pc:sldMk cId="4044078516" sldId="263"/>
+            <ac:graphicFrameMk id="11" creationId="{A46AC6F5-31E6-486D-BCBA-D9450B92EE4B}"/>
+          </ac:graphicFrameMkLst>
+        </pc:graphicFrameChg>
+        <pc:graphicFrameChg chg="add del mod">
+          <ac:chgData name="Nils Mechtel" userId="d365a3c7-8594-435f-9872-5455ceefc78f" providerId="ADAL" clId="{FEE5CBDF-FE29-4F9F-99B9-949F0817748B}" dt="2019-05-13T11:07:42.426" v="2936" actId="478"/>
+          <ac:graphicFrameMkLst>
+            <pc:docMk/>
+            <pc:sldMk cId="4044078516" sldId="263"/>
+            <ac:graphicFrameMk id="12" creationId="{3FD3A8A4-9624-478F-A083-B173298832C4}"/>
+          </ac:graphicFrameMkLst>
+        </pc:graphicFrameChg>
+        <pc:picChg chg="add mod">
+          <ac:chgData name="Nils Mechtel" userId="d365a3c7-8594-435f-9872-5455ceefc78f" providerId="ADAL" clId="{FEE5CBDF-FE29-4F9F-99B9-949F0817748B}" dt="2019-05-11T15:01:05.850" v="873" actId="1076"/>
+          <ac:picMkLst>
+            <pc:docMk/>
+            <pc:sldMk cId="4044078516" sldId="263"/>
+            <ac:picMk id="3" creationId="{F756ED82-523F-4235-8B64-1586CEDEA374}"/>
+          </ac:picMkLst>
+        </pc:picChg>
+        <pc:picChg chg="add del mod">
+          <ac:chgData name="Nils Mechtel" userId="d365a3c7-8594-435f-9872-5455ceefc78f" providerId="ADAL" clId="{FEE5CBDF-FE29-4F9F-99B9-949F0817748B}" dt="2019-05-11T15:17:02.202" v="892"/>
+          <ac:picMkLst>
+            <pc:docMk/>
+            <pc:sldMk cId="4044078516" sldId="263"/>
+            <ac:picMk id="4" creationId="{9DA69BF4-ECE5-4F93-967D-8C1469EB77E1}"/>
+          </ac:picMkLst>
+        </pc:picChg>
+        <pc:picChg chg="add mod">
+          <ac:chgData name="Nils Mechtel" userId="d365a3c7-8594-435f-9872-5455ceefc78f" providerId="ADAL" clId="{FEE5CBDF-FE29-4F9F-99B9-949F0817748B}" dt="2019-05-12T18:22:22.427" v="1664" actId="1076"/>
+          <ac:picMkLst>
+            <pc:docMk/>
+            <pc:sldMk cId="4044078516" sldId="263"/>
+            <ac:picMk id="4" creationId="{A053DF1E-D0B7-4C6B-886D-4930CA292F7A}"/>
+          </ac:picMkLst>
+        </pc:picChg>
+        <pc:picChg chg="mod">
+          <ac:chgData name="Nils Mechtel" userId="d365a3c7-8594-435f-9872-5455ceefc78f" providerId="ADAL" clId="{FEE5CBDF-FE29-4F9F-99B9-949F0817748B}" dt="2019-05-13T14:21:58.019" v="3404" actId="164"/>
+          <ac:picMkLst>
+            <pc:docMk/>
+            <pc:sldMk cId="4044078516" sldId="263"/>
+            <ac:picMk id="17" creationId="{452601F3-3C6A-4FA4-91F8-01FE9CA49069}"/>
+          </ac:picMkLst>
+        </pc:picChg>
+        <pc:inkChg chg="add del">
+          <ac:chgData name="Nils Mechtel" userId="d365a3c7-8594-435f-9872-5455ceefc78f" providerId="ADAL" clId="{FEE5CBDF-FE29-4F9F-99B9-949F0817748B}" dt="2019-05-11T16:00:43.294" v="1083"/>
+          <ac:inkMkLst>
+            <pc:docMk/>
+            <pc:sldMk cId="4044078516" sldId="263"/>
+            <ac:inkMk id="7" creationId="{0DD951E4-CFED-401F-84E3-F18587744447}"/>
+          </ac:inkMkLst>
+        </pc:inkChg>
+        <pc:inkChg chg="add del">
+          <ac:chgData name="Nils Mechtel" userId="d365a3c7-8594-435f-9872-5455ceefc78f" providerId="ADAL" clId="{FEE5CBDF-FE29-4F9F-99B9-949F0817748B}" dt="2019-05-11T16:00:48.327" v="1089"/>
+          <ac:inkMkLst>
+            <pc:docMk/>
+            <pc:sldMk cId="4044078516" sldId="263"/>
+            <ac:inkMk id="8" creationId="{9BA5FD19-20D2-4D25-86B7-F67D01686476}"/>
+          </ac:inkMkLst>
+        </pc:inkChg>
+        <pc:inkChg chg="add del">
+          <ac:chgData name="Nils Mechtel" userId="d365a3c7-8594-435f-9872-5455ceefc78f" providerId="ADAL" clId="{FEE5CBDF-FE29-4F9F-99B9-949F0817748B}" dt="2019-05-11T16:00:48.327" v="1089"/>
+          <ac:inkMkLst>
+            <pc:docMk/>
+            <pc:sldMk cId="4044078516" sldId="263"/>
+            <ac:inkMk id="9" creationId="{0F7942E4-A519-4A90-80BA-916EF7C5BE98}"/>
+          </ac:inkMkLst>
+        </pc:inkChg>
+        <pc:inkChg chg="add del">
+          <ac:chgData name="Nils Mechtel" userId="d365a3c7-8594-435f-9872-5455ceefc78f" providerId="ADAL" clId="{FEE5CBDF-FE29-4F9F-99B9-949F0817748B}" dt="2019-05-11T16:00:48.327" v="1089"/>
+          <ac:inkMkLst>
+            <pc:docMk/>
+            <pc:sldMk cId="4044078516" sldId="263"/>
+            <ac:inkMk id="10" creationId="{D9DCA84A-F15B-475A-B146-13C202628F1D}"/>
+          </ac:inkMkLst>
+        </pc:inkChg>
+        <pc:inkChg chg="add del">
+          <ac:chgData name="Nils Mechtel" userId="d365a3c7-8594-435f-9872-5455ceefc78f" providerId="ADAL" clId="{FEE5CBDF-FE29-4F9F-99B9-949F0817748B}" dt="2019-05-11T16:00:48.327" v="1089"/>
+          <ac:inkMkLst>
+            <pc:docMk/>
+            <pc:sldMk cId="4044078516" sldId="263"/>
+            <ac:inkMk id="11" creationId="{525F22E4-2798-4287-B811-9CBD26A6E850}"/>
+          </ac:inkMkLst>
+        </pc:inkChg>
+        <pc:inkChg chg="add del">
+          <ac:chgData name="Nils Mechtel" userId="d365a3c7-8594-435f-9872-5455ceefc78f" providerId="ADAL" clId="{FEE5CBDF-FE29-4F9F-99B9-949F0817748B}" dt="2019-05-11T16:00:48.327" v="1089"/>
+          <ac:inkMkLst>
+            <pc:docMk/>
+            <pc:sldMk cId="4044078516" sldId="263"/>
+            <ac:inkMk id="12" creationId="{E6381B17-4BA0-4EE8-BD6D-5BE214A218F9}"/>
+          </ac:inkMkLst>
+        </pc:inkChg>
+        <pc:inkChg chg="add del mod">
+          <ac:chgData name="Nils Mechtel" userId="d365a3c7-8594-435f-9872-5455ceefc78f" providerId="ADAL" clId="{FEE5CBDF-FE29-4F9F-99B9-949F0817748B}" dt="2019-05-12T19:05:14.949" v="2015"/>
+          <ac:inkMkLst>
+            <pc:docMk/>
+            <pc:sldMk cId="4044078516" sldId="263"/>
+            <ac:inkMk id="13" creationId="{F7A5D16D-1ECE-4E33-A9F8-0FCAE1C46A4B}"/>
+          </ac:inkMkLst>
+        </pc:inkChg>
+        <pc:inkChg chg="add del">
+          <ac:chgData name="Nils Mechtel" userId="d365a3c7-8594-435f-9872-5455ceefc78f" providerId="ADAL" clId="{FEE5CBDF-FE29-4F9F-99B9-949F0817748B}" dt="2019-05-11T16:00:52.581" v="1093"/>
+          <ac:inkMkLst>
+            <pc:docMk/>
+            <pc:sldMk cId="4044078516" sldId="263"/>
+            <ac:inkMk id="14" creationId="{B481B44B-9EB6-415C-B69B-F5D4AE690518}"/>
+          </ac:inkMkLst>
+        </pc:inkChg>
+        <pc:inkChg chg="add del">
+          <ac:chgData name="Nils Mechtel" userId="d365a3c7-8594-435f-9872-5455ceefc78f" providerId="ADAL" clId="{FEE5CBDF-FE29-4F9F-99B9-949F0817748B}" dt="2019-05-11T16:00:52.581" v="1093"/>
+          <ac:inkMkLst>
+            <pc:docMk/>
+            <pc:sldMk cId="4044078516" sldId="263"/>
+            <ac:inkMk id="15" creationId="{67D8054A-3E44-4C7F-956F-3D2B83D28258}"/>
+          </ac:inkMkLst>
+        </pc:inkChg>
+        <pc:inkChg chg="add del">
+          <ac:chgData name="Nils Mechtel" userId="d365a3c7-8594-435f-9872-5455ceefc78f" providerId="ADAL" clId="{FEE5CBDF-FE29-4F9F-99B9-949F0817748B}" dt="2019-05-11T16:00:52.581" v="1093"/>
+          <ac:inkMkLst>
+            <pc:docMk/>
+            <pc:sldMk cId="4044078516" sldId="263"/>
+            <ac:inkMk id="16" creationId="{2BE7A35B-8CBB-4CA9-80F7-B83E21F5EB9A}"/>
+          </ac:inkMkLst>
+        </pc:inkChg>
+        <pc:inkChg chg="add del mod">
+          <ac:chgData name="Nils Mechtel" userId="d365a3c7-8594-435f-9872-5455ceefc78f" providerId="ADAL" clId="{FEE5CBDF-FE29-4F9F-99B9-949F0817748B}" dt="2019-05-12T19:05:14.938" v="2014"/>
+          <ac:inkMkLst>
+            <pc:docMk/>
+            <pc:sldMk cId="4044078516" sldId="263"/>
+            <ac:inkMk id="17" creationId="{C5C69410-AE5F-4EC2-AE73-2E61A3CB9630}"/>
+          </ac:inkMkLst>
+        </pc:inkChg>
+        <pc:cxnChg chg="add mod">
+          <ac:chgData name="Nils Mechtel" userId="d365a3c7-8594-435f-9872-5455ceefc78f" providerId="ADAL" clId="{FEE5CBDF-FE29-4F9F-99B9-949F0817748B}" dt="2019-05-13T14:21:58.019" v="3404" actId="164"/>
+          <ac:cxnSpMkLst>
+            <pc:docMk/>
+            <pc:sldMk cId="4044078516" sldId="263"/>
+            <ac:cxnSpMk id="8" creationId="{E3A9DCD4-AFFF-4EBC-AFB8-1DDD56D55053}"/>
+          </ac:cxnSpMkLst>
+        </pc:cxnChg>
+        <pc:cxnChg chg="add mod">
+          <ac:chgData name="Nils Mechtel" userId="d365a3c7-8594-435f-9872-5455ceefc78f" providerId="ADAL" clId="{FEE5CBDF-FE29-4F9F-99B9-949F0817748B}" dt="2019-05-13T14:21:58.019" v="3404" actId="164"/>
+          <ac:cxnSpMkLst>
+            <pc:docMk/>
+            <pc:sldMk cId="4044078516" sldId="263"/>
+            <ac:cxnSpMk id="23" creationId="{646712BB-1DC3-4776-9A6C-EFDBA08D496F}"/>
+          </ac:cxnSpMkLst>
+        </pc:cxnChg>
+      </pc:sldChg>
+      <pc:sldChg chg="addSp delSp modSp modTransition setBg modAnim addCm modCm modNotesTx">
+        <pc:chgData name="Nils Mechtel" userId="d365a3c7-8594-435f-9872-5455ceefc78f" providerId="ADAL" clId="{FEE5CBDF-FE29-4F9F-99B9-949F0817748B}" dt="2019-05-14T19:09:23.766" v="5456" actId="20577"/>
+        <pc:sldMkLst>
+          <pc:docMk/>
+          <pc:sldMk cId="3854328160" sldId="264"/>
+        </pc:sldMkLst>
+        <pc:spChg chg="del mod">
+          <ac:chgData name="Nils Mechtel" userId="d365a3c7-8594-435f-9872-5455ceefc78f" providerId="ADAL" clId="{FEE5CBDF-FE29-4F9F-99B9-949F0817748B}" dt="2019-05-12T18:23:27.418" v="1673" actId="478"/>
+          <ac:spMkLst>
+            <pc:docMk/>
+            <pc:sldMk cId="3854328160" sldId="264"/>
+            <ac:spMk id="2" creationId="{9E101124-9171-45B7-8FA2-3601FA64CB8B}"/>
+          </ac:spMkLst>
+        </pc:spChg>
+        <pc:spChg chg="mod">
+          <ac:chgData name="Nils Mechtel" userId="d365a3c7-8594-435f-9872-5455ceefc78f" providerId="ADAL" clId="{FEE5CBDF-FE29-4F9F-99B9-949F0817748B}" dt="2019-05-14T15:17:11.315" v="4943" actId="108"/>
+          <ac:spMkLst>
+            <pc:docMk/>
+            <pc:sldMk cId="3854328160" sldId="264"/>
+            <ac:spMk id="3" creationId="{52ECBA23-C101-4F91-8B43-931C93C8877D}"/>
+          </ac:spMkLst>
+        </pc:spChg>
+        <pc:spChg chg="add del mod">
+          <ac:chgData name="Nils Mechtel" userId="d365a3c7-8594-435f-9872-5455ceefc78f" providerId="ADAL" clId="{FEE5CBDF-FE29-4F9F-99B9-949F0817748B}" dt="2019-05-12T18:23:30.187" v="1674" actId="478"/>
+          <ac:spMkLst>
+            <pc:docMk/>
+            <pc:sldMk cId="3854328160" sldId="264"/>
+            <ac:spMk id="5" creationId="{5789FC88-0EF3-4DC6-A97D-13637ADFFCCE}"/>
+          </ac:spMkLst>
+        </pc:spChg>
+        <pc:spChg chg="mod">
+          <ac:chgData name="Nils Mechtel" userId="d365a3c7-8594-435f-9872-5455ceefc78f" providerId="ADAL" clId="{FEE5CBDF-FE29-4F9F-99B9-949F0817748B}" dt="2019-05-14T13:01:34.091" v="4564" actId="20577"/>
+          <ac:spMkLst>
+            <pc:docMk/>
+            <pc:sldMk cId="3854328160" sldId="264"/>
+            <ac:spMk id="10" creationId="{694EEF47-A28F-49B6-949E-B60C63EE1992}"/>
+          </ac:spMkLst>
+        </pc:spChg>
+        <pc:spChg chg="add mod">
+          <ac:chgData name="Nils Mechtel" userId="d365a3c7-8594-435f-9872-5455ceefc78f" providerId="ADAL" clId="{FEE5CBDF-FE29-4F9F-99B9-949F0817748B}" dt="2019-05-14T19:09:23.766" v="5456" actId="20577"/>
+          <ac:spMkLst>
+            <pc:docMk/>
+            <pc:sldMk cId="3854328160" sldId="264"/>
+            <ac:spMk id="17" creationId="{4F6CD179-615F-4455-95D5-3104BC1C7BC4}"/>
+          </ac:spMkLst>
+        </pc:spChg>
+        <pc:grpChg chg="add mod">
+          <ac:chgData name="Nils Mechtel" userId="d365a3c7-8594-435f-9872-5455ceefc78f" providerId="ADAL" clId="{FEE5CBDF-FE29-4F9F-99B9-949F0817748B}" dt="2019-05-13T17:43:59.974" v="4041" actId="207"/>
+          <ac:grpSpMkLst>
+            <pc:docMk/>
+            <pc:sldMk cId="3854328160" sldId="264"/>
+            <ac:grpSpMk id="5" creationId="{B90BFA5D-211B-472C-932D-14B6D1D4E36C}"/>
+          </ac:grpSpMkLst>
+        </pc:grpChg>
+        <pc:grpChg chg="add mod">
+          <ac:chgData name="Nils Mechtel" userId="d365a3c7-8594-435f-9872-5455ceefc78f" providerId="ADAL" clId="{FEE5CBDF-FE29-4F9F-99B9-949F0817748B}" dt="2019-05-13T17:43:59.974" v="4041" actId="207"/>
+          <ac:grpSpMkLst>
+            <pc:docMk/>
+            <pc:sldMk cId="3854328160" sldId="264"/>
+            <ac:grpSpMk id="8" creationId="{CAA27968-C11F-4A3C-80D9-92B55A62246D}"/>
+          </ac:grpSpMkLst>
+        </pc:grpChg>
+        <pc:grpChg chg="add mod">
+          <ac:chgData name="Nils Mechtel" userId="d365a3c7-8594-435f-9872-5455ceefc78f" providerId="ADAL" clId="{FEE5CBDF-FE29-4F9F-99B9-949F0817748B}" dt="2019-05-13T17:43:59.974" v="4041" actId="207"/>
+          <ac:grpSpMkLst>
+            <pc:docMk/>
+            <pc:sldMk cId="3854328160" sldId="264"/>
+            <ac:grpSpMk id="11" creationId="{24AF01EC-6151-4BB9-B9FF-3E37E7B94EC5}"/>
+          </ac:grpSpMkLst>
+        </pc:grpChg>
+        <pc:grpChg chg="add">
+          <ac:chgData name="Nils Mechtel" userId="d365a3c7-8594-435f-9872-5455ceefc78f" providerId="ADAL" clId="{FEE5CBDF-FE29-4F9F-99B9-949F0817748B}" dt="2019-05-13T17:43:23.353" v="4036"/>
+          <ac:grpSpMkLst>
+            <pc:docMk/>
+            <pc:sldMk cId="3854328160" sldId="264"/>
+            <ac:grpSpMk id="14" creationId="{833C6A36-8341-442A-A0B7-434D4F74C9CE}"/>
+          </ac:grpSpMkLst>
+        </pc:grpChg>
+        <pc:graphicFrameChg chg="add del mod">
+          <ac:chgData name="Nils Mechtel" userId="d365a3c7-8594-435f-9872-5455ceefc78f" providerId="ADAL" clId="{FEE5CBDF-FE29-4F9F-99B9-949F0817748B}" dt="2019-05-13T17:43:22.517" v="4035" actId="478"/>
+          <ac:graphicFrameMkLst>
+            <pc:docMk/>
+            <pc:sldMk cId="3854328160" sldId="264"/>
+            <ac:graphicFrameMk id="4" creationId="{9D5F5CDD-1599-4948-B7E4-8594F71A5210}"/>
+          </ac:graphicFrameMkLst>
+        </pc:graphicFrameChg>
+        <pc:graphicFrameChg chg="add del mod">
+          <ac:chgData name="Nils Mechtel" userId="d365a3c7-8594-435f-9872-5455ceefc78f" providerId="ADAL" clId="{FEE5CBDF-FE29-4F9F-99B9-949F0817748B}" dt="2019-05-13T11:07:51.728" v="2938" actId="478"/>
+          <ac:graphicFrameMkLst>
+            <pc:docMk/>
+            <pc:sldMk cId="3854328160" sldId="264"/>
+            <ac:graphicFrameMk id="6" creationId="{38A45C4B-AA75-4F65-BAFF-9F212EA28FBA}"/>
+          </ac:graphicFrameMkLst>
+        </pc:graphicFrameChg>
+      </pc:sldChg>
+      <pc:sldChg chg="addSp delSp modSp add setBg addCm modCm modNotesTx">
+        <pc:chgData name="Nils Mechtel" userId="d365a3c7-8594-435f-9872-5455ceefc78f" providerId="ADAL" clId="{FEE5CBDF-FE29-4F9F-99B9-949F0817748B}" dt="2019-05-13T14:46:20.982" v="3702" actId="165"/>
+        <pc:sldMkLst>
+          <pc:docMk/>
+          <pc:sldMk cId="836733519" sldId="265"/>
+        </pc:sldMkLst>
+        <pc:spChg chg="mod">
+          <ac:chgData name="Nils Mechtel" userId="d365a3c7-8594-435f-9872-5455ceefc78f" providerId="ADAL" clId="{FEE5CBDF-FE29-4F9F-99B9-949F0817748B}" dt="2019-05-13T14:02:43.321" v="3362" actId="1076"/>
+          <ac:spMkLst>
+            <pc:docMk/>
+            <pc:sldMk cId="836733519" sldId="265"/>
+            <ac:spMk id="2" creationId="{11DB241C-01F8-4A1A-B493-796A1AD4A31E}"/>
+          </ac:spMkLst>
+        </pc:spChg>
+        <pc:spChg chg="del">
+          <ac:chgData name="Nils Mechtel" userId="d365a3c7-8594-435f-9872-5455ceefc78f" providerId="ADAL" clId="{FEE5CBDF-FE29-4F9F-99B9-949F0817748B}" dt="2019-05-11T13:25:40.451" v="453"/>
+          <ac:spMkLst>
+            <pc:docMk/>
+            <pc:sldMk cId="836733519" sldId="265"/>
+            <ac:spMk id="3" creationId="{F7BFF461-ECBF-43AC-AD10-E83BFF8871E7}"/>
+          </ac:spMkLst>
+        </pc:spChg>
+        <pc:spChg chg="add del mod">
+          <ac:chgData name="Nils Mechtel" userId="d365a3c7-8594-435f-9872-5455ceefc78f" providerId="ADAL" clId="{FEE5CBDF-FE29-4F9F-99B9-949F0817748B}" dt="2019-05-13T13:51:33.053" v="3340" actId="478"/>
+          <ac:spMkLst>
+            <pc:docMk/>
+            <pc:sldMk cId="836733519" sldId="265"/>
+            <ac:spMk id="6" creationId="{D400EFC7-5CED-4F3C-B4E1-4DAA5A09D939}"/>
+          </ac:spMkLst>
+        </pc:spChg>
+        <pc:spChg chg="add del mod">
+          <ac:chgData name="Nils Mechtel" userId="d365a3c7-8594-435f-9872-5455ceefc78f" providerId="ADAL" clId="{FEE5CBDF-FE29-4F9F-99B9-949F0817748B}" dt="2019-05-13T13:51:35.146" v="3341" actId="478"/>
+          <ac:spMkLst>
+            <pc:docMk/>
+            <pc:sldMk cId="836733519" sldId="265"/>
+            <ac:spMk id="18" creationId="{CF9492CE-98EC-4D6C-866E-EF9CBD135F51}"/>
+          </ac:spMkLst>
+        </pc:spChg>
+        <pc:spChg chg="mod topLvl">
+          <ac:chgData name="Nils Mechtel" userId="d365a3c7-8594-435f-9872-5455ceefc78f" providerId="ADAL" clId="{FEE5CBDF-FE29-4F9F-99B9-949F0817748B}" dt="2019-05-13T14:46:20.982" v="3702" actId="165"/>
+          <ac:spMkLst>
+            <pc:docMk/>
+            <pc:sldMk cId="836733519" sldId="265"/>
+            <ac:spMk id="20" creationId="{31AA5B62-C311-4618-8A89-2D208C2A4B0B}"/>
+          </ac:spMkLst>
+        </pc:spChg>
+        <pc:spChg chg="mod topLvl">
+          <ac:chgData name="Nils Mechtel" userId="d365a3c7-8594-435f-9872-5455ceefc78f" providerId="ADAL" clId="{FEE5CBDF-FE29-4F9F-99B9-949F0817748B}" dt="2019-05-13T14:46:20.982" v="3702" actId="165"/>
+          <ac:spMkLst>
+            <pc:docMk/>
+            <pc:sldMk cId="836733519" sldId="265"/>
+            <ac:spMk id="25" creationId="{5C6180D2-4115-4914-ACCB-823A4614BE52}"/>
+          </ac:spMkLst>
+        </pc:spChg>
+        <pc:spChg chg="mod topLvl">
+          <ac:chgData name="Nils Mechtel" userId="d365a3c7-8594-435f-9872-5455ceefc78f" providerId="ADAL" clId="{FEE5CBDF-FE29-4F9F-99B9-949F0817748B}" dt="2019-05-13T14:46:20.982" v="3702" actId="165"/>
+          <ac:spMkLst>
+            <pc:docMk/>
+            <pc:sldMk cId="836733519" sldId="265"/>
+            <ac:spMk id="30" creationId="{62D3C2EC-A0D8-468D-AF52-66D8A510F893}"/>
+          </ac:spMkLst>
+        </pc:spChg>
+        <pc:spChg chg="mod topLvl">
+          <ac:chgData name="Nils Mechtel" userId="d365a3c7-8594-435f-9872-5455ceefc78f" providerId="ADAL" clId="{FEE5CBDF-FE29-4F9F-99B9-949F0817748B}" dt="2019-05-13T14:46:20.982" v="3702" actId="165"/>
+          <ac:spMkLst>
+            <pc:docMk/>
+            <pc:sldMk cId="836733519" sldId="265"/>
+            <ac:spMk id="35" creationId="{44EFB211-6C29-449D-A580-298B6A45F6D7}"/>
+          </ac:spMkLst>
+        </pc:spChg>
+        <pc:spChg chg="mod topLvl">
+          <ac:chgData name="Nils Mechtel" userId="d365a3c7-8594-435f-9872-5455ceefc78f" providerId="ADAL" clId="{FEE5CBDF-FE29-4F9F-99B9-949F0817748B}" dt="2019-05-13T14:46:20.982" v="3702" actId="165"/>
+          <ac:spMkLst>
+            <pc:docMk/>
+            <pc:sldMk cId="836733519" sldId="265"/>
+            <ac:spMk id="40" creationId="{8AB3C1F3-CEC4-4540-AB7A-5CDE078BBD46}"/>
+          </ac:spMkLst>
+        </pc:spChg>
+        <pc:spChg chg="mod topLvl">
+          <ac:chgData name="Nils Mechtel" userId="d365a3c7-8594-435f-9872-5455ceefc78f" providerId="ADAL" clId="{FEE5CBDF-FE29-4F9F-99B9-949F0817748B}" dt="2019-05-13T14:46:20.982" v="3702" actId="165"/>
+          <ac:spMkLst>
+            <pc:docMk/>
+            <pc:sldMk cId="836733519" sldId="265"/>
+            <ac:spMk id="45" creationId="{2A52C933-6C35-4BEB-B4B5-46E10477BBBF}"/>
+          </ac:spMkLst>
+        </pc:spChg>
+        <pc:grpChg chg="add del mod">
+          <ac:chgData name="Nils Mechtel" userId="d365a3c7-8594-435f-9872-5455ceefc78f" providerId="ADAL" clId="{FEE5CBDF-FE29-4F9F-99B9-949F0817748B}" dt="2019-05-13T14:46:20.982" v="3702" actId="165"/>
+          <ac:grpSpMkLst>
+            <pc:docMk/>
+            <pc:sldMk cId="836733519" sldId="265"/>
+            <ac:grpSpMk id="18" creationId="{3B45AE0E-56DB-494A-8B0A-71B29E945E55}"/>
+          </ac:grpSpMkLst>
+        </pc:grpChg>
+        <pc:grpChg chg="mod topLvl">
+          <ac:chgData name="Nils Mechtel" userId="d365a3c7-8594-435f-9872-5455ceefc78f" providerId="ADAL" clId="{FEE5CBDF-FE29-4F9F-99B9-949F0817748B}" dt="2019-05-13T14:46:20.982" v="3702" actId="165"/>
+          <ac:grpSpMkLst>
+            <pc:docMk/>
+            <pc:sldMk cId="836733519" sldId="265"/>
+            <ac:grpSpMk id="19" creationId="{2397B40A-EE96-4748-8A82-169D30F7EEB6}"/>
+          </ac:grpSpMkLst>
+        </pc:grpChg>
+        <pc:grpChg chg="add del mod">
+          <ac:chgData name="Nils Mechtel" userId="d365a3c7-8594-435f-9872-5455ceefc78f" providerId="ADAL" clId="{FEE5CBDF-FE29-4F9F-99B9-949F0817748B}" dt="2019-05-13T14:46:20.982" v="3702" actId="165"/>
+          <ac:grpSpMkLst>
+            <pc:docMk/>
+            <pc:sldMk cId="836733519" sldId="265"/>
+            <ac:grpSpMk id="23" creationId="{E0D2A471-F36A-425E-8287-D197457A6AD5}"/>
+          </ac:grpSpMkLst>
+        </pc:grpChg>
+        <pc:grpChg chg="mod topLvl">
+          <ac:chgData name="Nils Mechtel" userId="d365a3c7-8594-435f-9872-5455ceefc78f" providerId="ADAL" clId="{FEE5CBDF-FE29-4F9F-99B9-949F0817748B}" dt="2019-05-13T14:46:20.982" v="3702" actId="165"/>
+          <ac:grpSpMkLst>
+            <pc:docMk/>
+            <pc:sldMk cId="836733519" sldId="265"/>
+            <ac:grpSpMk id="24" creationId="{7844CA4D-A5D3-438A-A107-222ADFB86095}"/>
+          </ac:grpSpMkLst>
+        </pc:grpChg>
+        <pc:grpChg chg="add del mod">
+          <ac:chgData name="Nils Mechtel" userId="d365a3c7-8594-435f-9872-5455ceefc78f" providerId="ADAL" clId="{FEE5CBDF-FE29-4F9F-99B9-949F0817748B}" dt="2019-05-13T14:46:20.982" v="3702" actId="165"/>
+          <ac:grpSpMkLst>
+            <pc:docMk/>
+            <pc:sldMk cId="836733519" sldId="265"/>
+            <ac:grpSpMk id="28" creationId="{47DC5EF8-CE80-4F2C-9FA7-EBBA0056FAF5}"/>
+          </ac:grpSpMkLst>
+        </pc:grpChg>
+        <pc:grpChg chg="mod topLvl">
+          <ac:chgData name="Nils Mechtel" userId="d365a3c7-8594-435f-9872-5455ceefc78f" providerId="ADAL" clId="{FEE5CBDF-FE29-4F9F-99B9-949F0817748B}" dt="2019-05-13T14:46:20.982" v="3702" actId="165"/>
+          <ac:grpSpMkLst>
+            <pc:docMk/>
+            <pc:sldMk cId="836733519" sldId="265"/>
+            <ac:grpSpMk id="29" creationId="{75525F42-E405-4DE1-9718-8755768D6F59}"/>
+          </ac:grpSpMkLst>
+        </pc:grpChg>
+        <pc:grpChg chg="add del mod">
+          <ac:chgData name="Nils Mechtel" userId="d365a3c7-8594-435f-9872-5455ceefc78f" providerId="ADAL" clId="{FEE5CBDF-FE29-4F9F-99B9-949F0817748B}" dt="2019-05-13T14:46:20.982" v="3702" actId="165"/>
+          <ac:grpSpMkLst>
+            <pc:docMk/>
+            <pc:sldMk cId="836733519" sldId="265"/>
+            <ac:grpSpMk id="33" creationId="{51895D85-B2E3-473E-9BA3-4C1DCBC58456}"/>
+          </ac:grpSpMkLst>
+        </pc:grpChg>
+        <pc:grpChg chg="mod topLvl">
+          <ac:chgData name="Nils Mechtel" userId="d365a3c7-8594-435f-9872-5455ceefc78f" providerId="ADAL" clId="{FEE5CBDF-FE29-4F9F-99B9-949F0817748B}" dt="2019-05-13T14:46:20.982" v="3702" actId="165"/>
+          <ac:grpSpMkLst>
+            <pc:docMk/>
+            <pc:sldMk cId="836733519" sldId="265"/>
+            <ac:grpSpMk id="34" creationId="{0995A5E7-8CF8-4993-AB9E-F04FFCAD162C}"/>
+          </ac:grpSpMkLst>
+        </pc:grpChg>
+        <pc:grpChg chg="add del mod">
+          <ac:chgData name="Nils Mechtel" userId="d365a3c7-8594-435f-9872-5455ceefc78f" providerId="ADAL" clId="{FEE5CBDF-FE29-4F9F-99B9-949F0817748B}" dt="2019-05-13T14:46:20.982" v="3702" actId="165"/>
+          <ac:grpSpMkLst>
+            <pc:docMk/>
+            <pc:sldMk cId="836733519" sldId="265"/>
+            <ac:grpSpMk id="38" creationId="{E8F54087-9B83-47F3-BC37-7B451ED4C2CD}"/>
+          </ac:grpSpMkLst>
+        </pc:grpChg>
+        <pc:grpChg chg="mod topLvl">
+          <ac:chgData name="Nils Mechtel" userId="d365a3c7-8594-435f-9872-5455ceefc78f" providerId="ADAL" clId="{FEE5CBDF-FE29-4F9F-99B9-949F0817748B}" dt="2019-05-13T14:46:20.982" v="3702" actId="165"/>
+          <ac:grpSpMkLst>
+            <pc:docMk/>
+            <pc:sldMk cId="836733519" sldId="265"/>
+            <ac:grpSpMk id="39" creationId="{8DF99FC4-B4EE-4188-85BC-130F11C2AEF2}"/>
+          </ac:grpSpMkLst>
+        </pc:grpChg>
+        <pc:grpChg chg="add del mod">
+          <ac:chgData name="Nils Mechtel" userId="d365a3c7-8594-435f-9872-5455ceefc78f" providerId="ADAL" clId="{FEE5CBDF-FE29-4F9F-99B9-949F0817748B}" dt="2019-05-13T14:46:20.982" v="3702" actId="165"/>
+          <ac:grpSpMkLst>
+            <pc:docMk/>
+            <pc:sldMk cId="836733519" sldId="265"/>
+            <ac:grpSpMk id="43" creationId="{8E5D2E85-B43A-45BC-8FBE-6D49BCCCCF59}"/>
+          </ac:grpSpMkLst>
+        </pc:grpChg>
+        <pc:grpChg chg="mod topLvl">
+          <ac:chgData name="Nils Mechtel" userId="d365a3c7-8594-435f-9872-5455ceefc78f" providerId="ADAL" clId="{FEE5CBDF-FE29-4F9F-99B9-949F0817748B}" dt="2019-05-13T14:46:20.982" v="3702" actId="165"/>
+          <ac:grpSpMkLst>
+            <pc:docMk/>
+            <pc:sldMk cId="836733519" sldId="265"/>
+            <ac:grpSpMk id="44" creationId="{4EEF96DF-C40B-4D8E-B6CA-047267036A72}"/>
+          </ac:grpSpMkLst>
+        </pc:grpChg>
+        <pc:graphicFrameChg chg="add del mod">
+          <ac:chgData name="Nils Mechtel" userId="d365a3c7-8594-435f-9872-5455ceefc78f" providerId="ADAL" clId="{FEE5CBDF-FE29-4F9F-99B9-949F0817748B}" dt="2019-05-13T14:42:31.234" v="3670" actId="478"/>
+          <ac:graphicFrameMkLst>
+            <pc:docMk/>
+            <pc:sldMk cId="836733519" sldId="265"/>
+            <ac:graphicFrameMk id="16" creationId="{4A8015BA-5555-4CD7-8484-A910EC21DB46}"/>
+          </ac:graphicFrameMkLst>
+        </pc:graphicFrameChg>
+        <pc:picChg chg="add del mod">
+          <ac:chgData name="Nils Mechtel" userId="d365a3c7-8594-435f-9872-5455ceefc78f" providerId="ADAL" clId="{FEE5CBDF-FE29-4F9F-99B9-949F0817748B}" dt="2019-05-13T14:13:18.835" v="3370" actId="478"/>
+          <ac:picMkLst>
+            <pc:docMk/>
+            <pc:sldMk cId="836733519" sldId="265"/>
+            <ac:picMk id="4" creationId="{64BEA6B0-5BCC-46A0-A13C-8A35AB52AD5A}"/>
+          </ac:picMkLst>
+        </pc:picChg>
+        <pc:picChg chg="add del mod">
+          <ac:chgData name="Nils Mechtel" userId="d365a3c7-8594-435f-9872-5455ceefc78f" providerId="ADAL" clId="{FEE5CBDF-FE29-4F9F-99B9-949F0817748B}" dt="2019-05-11T13:25:46.406" v="454" actId="478"/>
+          <ac:picMkLst>
+            <pc:docMk/>
+            <pc:sldMk cId="836733519" sldId="265"/>
+            <ac:picMk id="4" creationId="{A5A467D8-4DCA-4513-9212-E9753C1CDD12}"/>
+          </ac:picMkLst>
+        </pc:picChg>
+        <pc:picChg chg="add del mod">
+          <ac:chgData name="Nils Mechtel" userId="d365a3c7-8594-435f-9872-5455ceefc78f" providerId="ADAL" clId="{FEE5CBDF-FE29-4F9F-99B9-949F0817748B}" dt="2019-05-13T14:41:48.346" v="3617" actId="478"/>
+          <ac:picMkLst>
+            <pc:docMk/>
+            <pc:sldMk cId="836733519" sldId="265"/>
+            <ac:picMk id="6" creationId="{566907E1-3B18-4EAF-8A12-B7D6A4B5CA7A}"/>
+          </ac:picMkLst>
+        </pc:picChg>
+        <pc:picChg chg="del">
+          <ac:chgData name="Nils Mechtel" userId="d365a3c7-8594-435f-9872-5455ceefc78f" providerId="ADAL" clId="{FEE5CBDF-FE29-4F9F-99B9-949F0817748B}" dt="2019-05-13T14:17:06.603" v="3376" actId="478"/>
+          <ac:picMkLst>
+            <pc:docMk/>
+            <pc:sldMk cId="836733519" sldId="265"/>
+            <ac:picMk id="331" creationId="{853ED335-0968-43B6-9385-7865869F63F1}"/>
+          </ac:picMkLst>
+        </pc:picChg>
+        <pc:picChg chg="del mod">
+          <ac:chgData name="Nils Mechtel" userId="d365a3c7-8594-435f-9872-5455ceefc78f" providerId="ADAL" clId="{FEE5CBDF-FE29-4F9F-99B9-949F0817748B}" dt="2019-05-13T14:41:48.346" v="3617" actId="478"/>
+          <ac:picMkLst>
+            <pc:docMk/>
+            <pc:sldMk cId="836733519" sldId="265"/>
+            <ac:picMk id="332" creationId="{73D36892-A87C-4EC8-887E-8F49160ABE7D}"/>
+          </ac:picMkLst>
+        </pc:picChg>
+        <pc:picChg chg="del">
+          <ac:chgData name="Nils Mechtel" userId="d365a3c7-8594-435f-9872-5455ceefc78f" providerId="ADAL" clId="{FEE5CBDF-FE29-4F9F-99B9-949F0817748B}" dt="2019-05-13T14:41:48.346" v="3617" actId="478"/>
+          <ac:picMkLst>
+            <pc:docMk/>
+            <pc:sldMk cId="836733519" sldId="265"/>
+            <ac:picMk id="334" creationId="{FF62C545-E97B-4917-8B71-28263D1AFE23}"/>
+          </ac:picMkLst>
+        </pc:picChg>
+        <pc:picChg chg="del mod">
+          <ac:chgData name="Nils Mechtel" userId="d365a3c7-8594-435f-9872-5455ceefc78f" providerId="ADAL" clId="{FEE5CBDF-FE29-4F9F-99B9-949F0817748B}" dt="2019-05-13T14:41:48.346" v="3617" actId="478"/>
+          <ac:picMkLst>
+            <pc:docMk/>
+            <pc:sldMk cId="836733519" sldId="265"/>
+            <ac:picMk id="336" creationId="{933364B4-9F52-4764-866E-778DD03226C3}"/>
+          </ac:picMkLst>
+        </pc:picChg>
+        <pc:picChg chg="del">
+          <ac:chgData name="Nils Mechtel" userId="d365a3c7-8594-435f-9872-5455ceefc78f" providerId="ADAL" clId="{FEE5CBDF-FE29-4F9F-99B9-949F0817748B}" dt="2019-05-13T14:41:48.346" v="3617" actId="478"/>
+          <ac:picMkLst>
+            <pc:docMk/>
+            <pc:sldMk cId="836733519" sldId="265"/>
+            <ac:picMk id="338" creationId="{73D2A9E5-6A07-44F4-85CD-D7885AD13222}"/>
+          </ac:picMkLst>
+        </pc:picChg>
+        <pc:picChg chg="del mod">
+          <ac:chgData name="Nils Mechtel" userId="d365a3c7-8594-435f-9872-5455ceefc78f" providerId="ADAL" clId="{FEE5CBDF-FE29-4F9F-99B9-949F0817748B}" dt="2019-05-13T14:16:39.049" v="3372" actId="478"/>
+          <ac:picMkLst>
+            <pc:docMk/>
+            <pc:sldMk cId="836733519" sldId="265"/>
+            <ac:picMk id="340" creationId="{BB704ABF-B671-4ED4-A736-8BF22EEBF660}"/>
+          </ac:picMkLst>
+        </pc:picChg>
+        <pc:picChg chg="del">
+          <ac:chgData name="Nils Mechtel" userId="d365a3c7-8594-435f-9872-5455ceefc78f" providerId="ADAL" clId="{FEE5CBDF-FE29-4F9F-99B9-949F0817748B}" dt="2019-05-13T14:41:48.346" v="3617" actId="478"/>
+          <ac:picMkLst>
+            <pc:docMk/>
+            <pc:sldMk cId="836733519" sldId="265"/>
+            <ac:picMk id="345" creationId="{857AB9BF-1E05-4FA1-B45F-722DCF7FBB7B}"/>
+          </ac:picMkLst>
+        </pc:picChg>
+        <pc:inkChg chg="add del">
+          <ac:chgData name="Nils Mechtel" userId="d365a3c7-8594-435f-9872-5455ceefc78f" providerId="ADAL" clId="{FEE5CBDF-FE29-4F9F-99B9-949F0817748B}" dt="2019-05-13T13:47:45.098" v="3148"/>
+          <ac:inkMkLst>
+            <pc:docMk/>
+            <pc:sldMk cId="836733519" sldId="265"/>
+            <ac:inkMk id="3" creationId="{94CE48CC-E4B0-40E3-9AB5-980B8FC9446F}"/>
+          </ac:inkMkLst>
+        </pc:inkChg>
+        <pc:inkChg chg="add del">
+          <ac:chgData name="Nils Mechtel" userId="d365a3c7-8594-435f-9872-5455ceefc78f" providerId="ADAL" clId="{FEE5CBDF-FE29-4F9F-99B9-949F0817748B}" dt="2019-05-13T13:47:45.098" v="3148"/>
+          <ac:inkMkLst>
+            <pc:docMk/>
+            <pc:sldMk cId="836733519" sldId="265"/>
+            <ac:inkMk id="4" creationId="{3D4B72B7-FA0F-453F-82E5-CE60656BC528}"/>
+          </ac:inkMkLst>
+        </pc:inkChg>
+        <pc:inkChg chg="add del">
+          <ac:chgData name="Nils Mechtel" userId="d365a3c7-8594-435f-9872-5455ceefc78f" providerId="ADAL" clId="{FEE5CBDF-FE29-4F9F-99B9-949F0817748B}" dt="2019-05-13T13:47:45.098" v="3148"/>
+          <ac:inkMkLst>
+            <pc:docMk/>
+            <pc:sldMk cId="836733519" sldId="265"/>
+            <ac:inkMk id="5" creationId="{BF36569E-EF89-4AD0-8E72-8C7050B23BD2}"/>
+          </ac:inkMkLst>
+        </pc:inkChg>
+        <pc:inkChg chg="add del">
+          <ac:chgData name="Nils Mechtel" userId="d365a3c7-8594-435f-9872-5455ceefc78f" providerId="ADAL" clId="{FEE5CBDF-FE29-4F9F-99B9-949F0817748B}" dt="2019-05-11T14:06:31.277" v="683"/>
+          <ac:inkMkLst>
+            <pc:docMk/>
+            <pc:sldMk cId="836733519" sldId="265"/>
+            <ac:inkMk id="7" creationId="{2BD9D093-C545-439C-B40F-7B1FACE16EB5}"/>
+          </ac:inkMkLst>
+        </pc:inkChg>
+        <pc:inkChg chg="add del">
+          <ac:chgData name="Nils Mechtel" userId="d365a3c7-8594-435f-9872-5455ceefc78f" providerId="ADAL" clId="{FEE5CBDF-FE29-4F9F-99B9-949F0817748B}" dt="2019-05-13T13:47:45.098" v="3148"/>
+          <ac:inkMkLst>
+            <pc:docMk/>
+            <pc:sldMk cId="836733519" sldId="265"/>
+            <ac:inkMk id="7" creationId="{531A6121-6ED5-4C26-B02A-F896099EE679}"/>
+          </ac:inkMkLst>
+        </pc:inkChg>
+        <pc:inkChg chg="add del">
+          <ac:chgData name="Nils Mechtel" userId="d365a3c7-8594-435f-9872-5455ceefc78f" providerId="ADAL" clId="{FEE5CBDF-FE29-4F9F-99B9-949F0817748B}" dt="2019-05-13T13:47:45.098" v="3148"/>
+          <ac:inkMkLst>
+            <pc:docMk/>
+            <pc:sldMk cId="836733519" sldId="265"/>
+            <ac:inkMk id="8" creationId="{21F25A4A-134A-41B5-841F-82A58EC20E91}"/>
+          </ac:inkMkLst>
+        </pc:inkChg>
+        <pc:inkChg chg="add del">
+          <ac:chgData name="Nils Mechtel" userId="d365a3c7-8594-435f-9872-5455ceefc78f" providerId="ADAL" clId="{FEE5CBDF-FE29-4F9F-99B9-949F0817748B}" dt="2019-05-11T14:06:31.277" v="683"/>
+          <ac:inkMkLst>
+            <pc:docMk/>
+            <pc:sldMk cId="836733519" sldId="265"/>
+            <ac:inkMk id="8" creationId="{BD64C7FC-0D9E-4773-B4CE-DCF3AA9E8B0D}"/>
+          </ac:inkMkLst>
+        </pc:inkChg>
+        <pc:inkChg chg="add del">
+          <ac:chgData name="Nils Mechtel" userId="d365a3c7-8594-435f-9872-5455ceefc78f" providerId="ADAL" clId="{FEE5CBDF-FE29-4F9F-99B9-949F0817748B}" dt="2019-05-13T13:47:45.098" v="3148"/>
+          <ac:inkMkLst>
+            <pc:docMk/>
+            <pc:sldMk cId="836733519" sldId="265"/>
+            <ac:inkMk id="9" creationId="{2AB1AE35-7BDA-4F1B-940A-85702D39D800}"/>
+          </ac:inkMkLst>
+        </pc:inkChg>
+        <pc:inkChg chg="add del">
+          <ac:chgData name="Nils Mechtel" userId="d365a3c7-8594-435f-9872-5455ceefc78f" providerId="ADAL" clId="{FEE5CBDF-FE29-4F9F-99B9-949F0817748B}" dt="2019-05-11T14:06:31.277" v="683"/>
+          <ac:inkMkLst>
+            <pc:docMk/>
+            <pc:sldMk cId="836733519" sldId="265"/>
+            <ac:inkMk id="9" creationId="{ADAE1CE7-ED73-4A6A-A891-A795D31E3F5F}"/>
+          </ac:inkMkLst>
+        </pc:inkChg>
+        <pc:inkChg chg="add del">
+          <ac:chgData name="Nils Mechtel" userId="d365a3c7-8594-435f-9872-5455ceefc78f" providerId="ADAL" clId="{FEE5CBDF-FE29-4F9F-99B9-949F0817748B}" dt="2019-05-11T14:06:31.277" v="683"/>
+          <ac:inkMkLst>
+            <pc:docMk/>
+            <pc:sldMk cId="836733519" sldId="265"/>
+            <ac:inkMk id="10" creationId="{14E37112-58B2-4F8A-863E-91004AF3D32F}"/>
+          </ac:inkMkLst>
+        </pc:inkChg>
+        <pc:inkChg chg="add del">
+          <ac:chgData name="Nils Mechtel" userId="d365a3c7-8594-435f-9872-5455ceefc78f" providerId="ADAL" clId="{FEE5CBDF-FE29-4F9F-99B9-949F0817748B}" dt="2019-05-13T13:47:45.098" v="3148"/>
+          <ac:inkMkLst>
+            <pc:docMk/>
+            <pc:sldMk cId="836733519" sldId="265"/>
+            <ac:inkMk id="10" creationId="{ECA3C75F-88B7-419E-AFD2-03229AB8FE1C}"/>
+          </ac:inkMkLst>
+        </pc:inkChg>
+        <pc:inkChg chg="add del">
+          <ac:chgData name="Nils Mechtel" userId="d365a3c7-8594-435f-9872-5455ceefc78f" providerId="ADAL" clId="{FEE5CBDF-FE29-4F9F-99B9-949F0817748B}" dt="2019-05-13T13:47:45.098" v="3148"/>
+          <ac:inkMkLst>
+            <pc:docMk/>
+            <pc:sldMk cId="836733519" sldId="265"/>
+            <ac:inkMk id="11" creationId="{6DE99024-494D-4280-A63A-EF3390E43F1C}"/>
+          </ac:inkMkLst>
+        </pc:inkChg>
+        <pc:inkChg chg="add">
+          <ac:chgData name="Nils Mechtel" userId="d365a3c7-8594-435f-9872-5455ceefc78f" providerId="ADAL" clId="{FEE5CBDF-FE29-4F9F-99B9-949F0817748B}" dt="2019-05-11T14:06:31.277" v="683"/>
+          <ac:inkMkLst>
+            <pc:docMk/>
+            <pc:sldMk cId="836733519" sldId="265"/>
+            <ac:inkMk id="11" creationId="{A82B448E-C8D7-4AE7-A619-4A1B6E1418F5}"/>
+          </ac:inkMkLst>
+        </pc:inkChg>
+        <pc:inkChg chg="add del">
+          <ac:chgData name="Nils Mechtel" userId="d365a3c7-8594-435f-9872-5455ceefc78f" providerId="ADAL" clId="{FEE5CBDF-FE29-4F9F-99B9-949F0817748B}" dt="2019-05-11T14:06:34.713" v="685"/>
+          <ac:inkMkLst>
+            <pc:docMk/>
+            <pc:sldMk cId="836733519" sldId="265"/>
+            <ac:inkMk id="12" creationId="{61162615-D7A1-4A55-A90F-0BE32B28B90E}"/>
+          </ac:inkMkLst>
+        </pc:inkChg>
+        <pc:inkChg chg="add del">
+          <ac:chgData name="Nils Mechtel" userId="d365a3c7-8594-435f-9872-5455ceefc78f" providerId="ADAL" clId="{FEE5CBDF-FE29-4F9F-99B9-949F0817748B}" dt="2019-05-13T13:47:45.098" v="3148"/>
+          <ac:inkMkLst>
+            <pc:docMk/>
+            <pc:sldMk cId="836733519" sldId="265"/>
+            <ac:inkMk id="12" creationId="{6F64B90D-44C2-4224-9FEA-C669E67C082E}"/>
+          </ac:inkMkLst>
+        </pc:inkChg>
+        <pc:inkChg chg="add del">
+          <ac:chgData name="Nils Mechtel" userId="d365a3c7-8594-435f-9872-5455ceefc78f" providerId="ADAL" clId="{FEE5CBDF-FE29-4F9F-99B9-949F0817748B}" dt="2019-05-13T13:47:46.356" v="3150"/>
+          <ac:inkMkLst>
+            <pc:docMk/>
+            <pc:sldMk cId="836733519" sldId="265"/>
+            <ac:inkMk id="13" creationId="{2D228C65-5677-4D82-ADE2-DDBF5D237CB4}"/>
+          </ac:inkMkLst>
+        </pc:inkChg>
+        <pc:inkChg chg="add del">
+          <ac:chgData name="Nils Mechtel" userId="d365a3c7-8594-435f-9872-5455ceefc78f" providerId="ADAL" clId="{FEE5CBDF-FE29-4F9F-99B9-949F0817748B}" dt="2019-05-11T14:06:39.043" v="690"/>
+          <ac:inkMkLst>
+            <pc:docMk/>
+            <pc:sldMk cId="836733519" sldId="265"/>
+            <ac:inkMk id="13" creationId="{30495528-855A-41CA-ABE0-DB797A7BEF4E}"/>
+          </ac:inkMkLst>
+        </pc:inkChg>
+        <pc:inkChg chg="add del">
+          <ac:chgData name="Nils Mechtel" userId="d365a3c7-8594-435f-9872-5455ceefc78f" providerId="ADAL" clId="{FEE5CBDF-FE29-4F9F-99B9-949F0817748B}" dt="2019-05-13T13:47:46.356" v="3150"/>
+          <ac:inkMkLst>
+            <pc:docMk/>
+            <pc:sldMk cId="836733519" sldId="265"/>
+            <ac:inkMk id="14" creationId="{29894852-0227-4C82-B822-C12F68A0D038}"/>
+          </ac:inkMkLst>
+        </pc:inkChg>
+        <pc:inkChg chg="add del">
+          <ac:chgData name="Nils Mechtel" userId="d365a3c7-8594-435f-9872-5455ceefc78f" providerId="ADAL" clId="{FEE5CBDF-FE29-4F9F-99B9-949F0817748B}" dt="2019-05-11T14:06:39.043" v="690"/>
+          <ac:inkMkLst>
+            <pc:docMk/>
+            <pc:sldMk cId="836733519" sldId="265"/>
+            <ac:inkMk id="14" creationId="{CCCA5758-C377-4BF9-B5B4-06E068707938}"/>
+          </ac:inkMkLst>
+        </pc:inkChg>
+        <pc:inkChg chg="add del">
+          <ac:chgData name="Nils Mechtel" userId="d365a3c7-8594-435f-9872-5455ceefc78f" providerId="ADAL" clId="{FEE5CBDF-FE29-4F9F-99B9-949F0817748B}" dt="2019-05-11T14:06:39.043" v="690"/>
+          <ac:inkMkLst>
+            <pc:docMk/>
+            <pc:sldMk cId="836733519" sldId="265"/>
+            <ac:inkMk id="15" creationId="{13786C8B-E21E-46B2-95CA-B360C5D9370A}"/>
+          </ac:inkMkLst>
+        </pc:inkChg>
+        <pc:inkChg chg="add del">
+          <ac:chgData name="Nils Mechtel" userId="d365a3c7-8594-435f-9872-5455ceefc78f" providerId="ADAL" clId="{FEE5CBDF-FE29-4F9F-99B9-949F0817748B}" dt="2019-05-13T13:48:24.528" v="3151"/>
+          <ac:inkMkLst>
+            <pc:docMk/>
+            <pc:sldMk cId="836733519" sldId="265"/>
+            <ac:inkMk id="15" creationId="{61E3F1BE-7DAF-4DC2-9A13-AA94DCB5D1B8}"/>
+          </ac:inkMkLst>
+        </pc:inkChg>
+        <pc:inkChg chg="add del">
+          <ac:chgData name="Nils Mechtel" userId="d365a3c7-8594-435f-9872-5455ceefc78f" providerId="ADAL" clId="{FEE5CBDF-FE29-4F9F-99B9-949F0817748B}" dt="2019-05-11T14:06:39.043" v="690"/>
+          <ac:inkMkLst>
+            <pc:docMk/>
+            <pc:sldMk cId="836733519" sldId="265"/>
+            <ac:inkMk id="16" creationId="{D1903AF9-1DDF-4223-82D7-59F5D0EF24CF}"/>
+          </ac:inkMkLst>
+        </pc:inkChg>
+        <pc:inkChg chg="add del">
+          <ac:chgData name="Nils Mechtel" userId="d365a3c7-8594-435f-9872-5455ceefc78f" providerId="ADAL" clId="{FEE5CBDF-FE29-4F9F-99B9-949F0817748B}" dt="2019-05-11T14:06:39.043" v="690"/>
+          <ac:inkMkLst>
+            <pc:docMk/>
+            <pc:sldMk cId="836733519" sldId="265"/>
+            <ac:inkMk id="17" creationId="{36F26937-AF0C-4D1A-8824-A8E9C9AB25CF}"/>
+          </ac:inkMkLst>
+        </pc:inkChg>
+        <pc:inkChg chg="add">
+          <ac:chgData name="Nils Mechtel" userId="d365a3c7-8594-435f-9872-5455ceefc78f" providerId="ADAL" clId="{FEE5CBDF-FE29-4F9F-99B9-949F0817748B}" dt="2019-05-11T14:06:39.043" v="690"/>
+          <ac:inkMkLst>
+            <pc:docMk/>
+            <pc:sldMk cId="836733519" sldId="265"/>
+            <ac:inkMk id="18" creationId="{8CFCE5A5-3C28-47C1-BB10-5A4CED3881EB}"/>
+          </ac:inkMkLst>
+        </pc:inkChg>
+      </pc:sldChg>
+      <pc:sldChg chg="addSp delSp modSp add setBg delAnim modAnim addCm modCm modNotesTx">
+        <pc:chgData name="Nils Mechtel" userId="d365a3c7-8594-435f-9872-5455ceefc78f" providerId="ADAL" clId="{FEE5CBDF-FE29-4F9F-99B9-949F0817748B}" dt="2019-05-14T16:28:12.702" v="5439" actId="20577"/>
+        <pc:sldMkLst>
+          <pc:docMk/>
+          <pc:sldMk cId="2923162179" sldId="266"/>
+        </pc:sldMkLst>
+        <pc:spChg chg="mod">
+          <ac:chgData name="Nils Mechtel" userId="d365a3c7-8594-435f-9872-5455ceefc78f" providerId="ADAL" clId="{FEE5CBDF-FE29-4F9F-99B9-949F0817748B}" dt="2019-05-13T14:18:12.510" v="3380" actId="1076"/>
+          <ac:spMkLst>
+            <pc:docMk/>
+            <pc:sldMk cId="2923162179" sldId="266"/>
+            <ac:spMk id="2" creationId="{3AFFD6C7-E4F3-4CC2-9977-57E2B563D5DB}"/>
+          </ac:spMkLst>
+        </pc:spChg>
+        <pc:spChg chg="mod">
+          <ac:chgData name="Nils Mechtel" userId="d365a3c7-8594-435f-9872-5455ceefc78f" providerId="ADAL" clId="{FEE5CBDF-FE29-4F9F-99B9-949F0817748B}" dt="2019-05-13T08:14:58.008" v="2530" actId="1076"/>
+          <ac:spMkLst>
+            <pc:docMk/>
+            <pc:sldMk cId="2923162179" sldId="266"/>
+            <ac:spMk id="3" creationId="{CE8E4A18-CAD6-4EC5-B815-4CDA06E0B1C1}"/>
+          </ac:spMkLst>
+        </pc:spChg>
+        <pc:spChg chg="del">
+          <ac:chgData name="Nils Mechtel" userId="d365a3c7-8594-435f-9872-5455ceefc78f" providerId="ADAL" clId="{FEE5CBDF-FE29-4F9F-99B9-949F0817748B}" dt="2019-05-11T15:17:22.067" v="894"/>
+          <ac:spMkLst>
+            <pc:docMk/>
+            <pc:sldMk cId="2923162179" sldId="266"/>
+            <ac:spMk id="3" creationId="{DFC7119F-0080-43E1-AF85-48A81DC7B886}"/>
+          </ac:spMkLst>
+        </pc:spChg>
+        <pc:spChg chg="add mod">
+          <ac:chgData name="Nils Mechtel" userId="d365a3c7-8594-435f-9872-5455ceefc78f" providerId="ADAL" clId="{FEE5CBDF-FE29-4F9F-99B9-949F0817748B}" dt="2019-05-11T15:20:12.656" v="900" actId="1076"/>
+          <ac:spMkLst>
+            <pc:docMk/>
+            <pc:sldMk cId="2923162179" sldId="266"/>
+            <ac:spMk id="5" creationId="{391AAE10-E219-42C0-A4C3-B93314FB7CA1}"/>
+          </ac:spMkLst>
+        </pc:spChg>
+        <pc:spChg chg="add del mod">
+          <ac:chgData name="Nils Mechtel" userId="d365a3c7-8594-435f-9872-5455ceefc78f" providerId="ADAL" clId="{FEE5CBDF-FE29-4F9F-99B9-949F0817748B}" dt="2019-05-13T20:54:09.020" v="4269" actId="478"/>
+          <ac:spMkLst>
+            <pc:docMk/>
+            <pc:sldMk cId="2923162179" sldId="266"/>
+            <ac:spMk id="5" creationId="{A13A7F91-825D-4348-82E8-AC83738CD09C}"/>
+          </ac:spMkLst>
+        </pc:spChg>
+        <pc:spChg chg="add del mod">
+          <ac:chgData name="Nils Mechtel" userId="d365a3c7-8594-435f-9872-5455ceefc78f" providerId="ADAL" clId="{FEE5CBDF-FE29-4F9F-99B9-949F0817748B}" dt="2019-05-13T08:11:36.194" v="2517"/>
+          <ac:spMkLst>
+            <pc:docMk/>
+            <pc:sldMk cId="2923162179" sldId="266"/>
+            <ac:spMk id="6" creationId="{BF9A34DC-680A-48D6-B65C-2EF52FD50C4E}"/>
+          </ac:spMkLst>
+        </pc:spChg>
+        <pc:spChg chg="add del mod">
+          <ac:chgData name="Nils Mechtel" userId="d365a3c7-8594-435f-9872-5455ceefc78f" providerId="ADAL" clId="{FEE5CBDF-FE29-4F9F-99B9-949F0817748B}" dt="2019-05-13T20:54:09.020" v="4269" actId="478"/>
+          <ac:spMkLst>
+            <pc:docMk/>
+            <pc:sldMk cId="2923162179" sldId="266"/>
+            <ac:spMk id="7" creationId="{E1B1844F-FF51-491D-85AB-839D1AC412A6}"/>
+          </ac:spMkLst>
+        </pc:spChg>
+        <pc:spChg chg="add del mod">
+          <ac:chgData name="Nils Mechtel" userId="d365a3c7-8594-435f-9872-5455ceefc78f" providerId="ADAL" clId="{FEE5CBDF-FE29-4F9F-99B9-949F0817748B}" dt="2019-05-13T20:54:09.020" v="4269" actId="478"/>
+          <ac:spMkLst>
+            <pc:docMk/>
+            <pc:sldMk cId="2923162179" sldId="266"/>
+            <ac:spMk id="8" creationId="{C3A5ED18-66FB-4EF8-99AB-1DB9AD9367C6}"/>
+          </ac:spMkLst>
+        </pc:spChg>
+        <pc:spChg chg="add del mod">
+          <ac:chgData name="Nils Mechtel" userId="d365a3c7-8594-435f-9872-5455ceefc78f" providerId="ADAL" clId="{FEE5CBDF-FE29-4F9F-99B9-949F0817748B}" dt="2019-05-13T08:35:53.900" v="2713" actId="478"/>
+          <ac:spMkLst>
+            <pc:docMk/>
+            <pc:sldMk cId="2923162179" sldId="266"/>
+            <ac:spMk id="11" creationId="{29E26154-4956-46F4-A88D-7C05EF0A2E27}"/>
+          </ac:spMkLst>
+        </pc:spChg>
+        <pc:spChg chg="add del mod">
+          <ac:chgData name="Nils Mechtel" userId="d365a3c7-8594-435f-9872-5455ceefc78f" providerId="ADAL" clId="{FEE5CBDF-FE29-4F9F-99B9-949F0817748B}" dt="2019-05-13T08:28:26.219" v="2656" actId="478"/>
+          <ac:spMkLst>
+            <pc:docMk/>
+            <pc:sldMk cId="2923162179" sldId="266"/>
+            <ac:spMk id="12" creationId="{91CC9944-1275-4A9C-BAFC-FF2A0F047297}"/>
+          </ac:spMkLst>
+        </pc:spChg>
+        <pc:picChg chg="add del">
+          <ac:chgData name="Nils Mechtel" userId="d365a3c7-8594-435f-9872-5455ceefc78f" providerId="ADAL" clId="{FEE5CBDF-FE29-4F9F-99B9-949F0817748B}" dt="2019-05-13T08:10:44.338" v="2516" actId="478"/>
+          <ac:picMkLst>
+            <pc:docMk/>
+            <pc:sldMk cId="2923162179" sldId="266"/>
+            <ac:picMk id="4" creationId="{6396212C-CC14-42F5-A6C0-F37A60C5A6E9}"/>
+          </ac:picMkLst>
+        </pc:picChg>
+        <pc:picChg chg="add del mod">
+          <ac:chgData name="Nils Mechtel" userId="d365a3c7-8594-435f-9872-5455ceefc78f" providerId="ADAL" clId="{FEE5CBDF-FE29-4F9F-99B9-949F0817748B}" dt="2019-05-13T20:48:26.694" v="4049" actId="478"/>
+          <ac:picMkLst>
+            <pc:docMk/>
+            <pc:sldMk cId="2923162179" sldId="266"/>
+            <ac:picMk id="4" creationId="{725048CC-F287-4B5B-AF3F-A7E38A54B2FB}"/>
+          </ac:picMkLst>
+        </pc:picChg>
+        <pc:picChg chg="add del mod">
+          <ac:chgData name="Nils Mechtel" userId="d365a3c7-8594-435f-9872-5455ceefc78f" providerId="ADAL" clId="{FEE5CBDF-FE29-4F9F-99B9-949F0817748B}" dt="2019-05-13T08:28:07.398" v="2651"/>
+          <ac:picMkLst>
+            <pc:docMk/>
+            <pc:sldMk cId="2923162179" sldId="266"/>
+            <ac:picMk id="7" creationId="{87CF0913-7ABD-4618-8EB4-DFD23505600B}"/>
+          </ac:picMkLst>
+        </pc:picChg>
+        <pc:picChg chg="add del">
+          <ac:chgData name="Nils Mechtel" userId="d365a3c7-8594-435f-9872-5455ceefc78f" providerId="ADAL" clId="{FEE5CBDF-FE29-4F9F-99B9-949F0817748B}" dt="2019-05-13T08:12:07.223" v="2519"/>
+          <ac:picMkLst>
+            <pc:docMk/>
+            <pc:sldMk cId="2923162179" sldId="266"/>
+            <ac:picMk id="8" creationId="{E3DB1BFF-DCDE-4D89-8927-73554E8AECE9}"/>
+          </ac:picMkLst>
+        </pc:picChg>
+        <pc:picChg chg="add del mod">
+          <ac:chgData name="Nils Mechtel" userId="d365a3c7-8594-435f-9872-5455ceefc78f" providerId="ADAL" clId="{FEE5CBDF-FE29-4F9F-99B9-949F0817748B}" dt="2019-05-13T08:28:07.398" v="2651"/>
+          <ac:picMkLst>
+            <pc:docMk/>
+            <pc:sldMk cId="2923162179" sldId="266"/>
+            <ac:picMk id="9" creationId="{75A2D577-4985-4DB1-AA59-6F3EC678637A}"/>
+          </ac:picMkLst>
+        </pc:picChg>
+        <pc:picChg chg="add mod">
+          <ac:chgData name="Nils Mechtel" userId="d365a3c7-8594-435f-9872-5455ceefc78f" providerId="ADAL" clId="{FEE5CBDF-FE29-4F9F-99B9-949F0817748B}" dt="2019-05-13T11:43:23.641" v="2999" actId="14100"/>
+          <ac:picMkLst>
+            <pc:docMk/>
+            <pc:sldMk cId="2923162179" sldId="266"/>
+            <ac:picMk id="10" creationId="{C90D6B81-78E5-40AC-91FA-9B7CAC5D54EF}"/>
+          </ac:picMkLst>
+        </pc:picChg>
+        <pc:inkChg chg="add del">
+          <ac:chgData name="Nils Mechtel" userId="d365a3c7-8594-435f-9872-5455ceefc78f" providerId="ADAL" clId="{FEE5CBDF-FE29-4F9F-99B9-949F0817748B}" dt="2019-05-13T08:35:20.886" v="2704"/>
+          <ac:inkMkLst>
+            <pc:docMk/>
+            <pc:sldMk cId="2923162179" sldId="266"/>
+            <ac:inkMk id="13" creationId="{E89DBCD1-C9B0-442E-81B8-7925E2585A2B}"/>
+          </ac:inkMkLst>
+        </pc:inkChg>
+        <pc:inkChg chg="add del">
+          <ac:chgData name="Nils Mechtel" userId="d365a3c7-8594-435f-9872-5455ceefc78f" providerId="ADAL" clId="{FEE5CBDF-FE29-4F9F-99B9-949F0817748B}" dt="2019-05-13T08:35:20.889" v="2705"/>
+          <ac:inkMkLst>
+            <pc:docMk/>
+            <pc:sldMk cId="2923162179" sldId="266"/>
+            <ac:inkMk id="14" creationId="{93BAD413-941C-4413-BA3D-719774813141}"/>
+          </ac:inkMkLst>
+        </pc:inkChg>
+        <pc:inkChg chg="add del">
+          <ac:chgData name="Nils Mechtel" userId="d365a3c7-8594-435f-9872-5455ceefc78f" providerId="ADAL" clId="{FEE5CBDF-FE29-4F9F-99B9-949F0817748B}" dt="2019-05-13T08:35:20.890" v="2706"/>
+          <ac:inkMkLst>
+            <pc:docMk/>
+            <pc:sldMk cId="2923162179" sldId="266"/>
+            <ac:inkMk id="15" creationId="{17286D3B-5482-4472-B712-0447D270CB4E}"/>
+          </ac:inkMkLst>
+        </pc:inkChg>
+        <pc:inkChg chg="add del">
+          <ac:chgData name="Nils Mechtel" userId="d365a3c7-8594-435f-9872-5455ceefc78f" providerId="ADAL" clId="{FEE5CBDF-FE29-4F9F-99B9-949F0817748B}" dt="2019-05-13T08:35:28.166" v="2711"/>
+          <ac:inkMkLst>
+            <pc:docMk/>
+            <pc:sldMk cId="2923162179" sldId="266"/>
+            <ac:inkMk id="16" creationId="{A26C963B-B308-450A-B7D1-BF78786CC4D6}"/>
+          </ac:inkMkLst>
+        </pc:inkChg>
+        <pc:inkChg chg="add del">
+          <ac:chgData name="Nils Mechtel" userId="d365a3c7-8594-435f-9872-5455ceefc78f" providerId="ADAL" clId="{FEE5CBDF-FE29-4F9F-99B9-949F0817748B}" dt="2019-05-13T08:35:28.163" v="2710"/>
+          <ac:inkMkLst>
+            <pc:docMk/>
+            <pc:sldMk cId="2923162179" sldId="266"/>
+            <ac:inkMk id="17" creationId="{638C1446-E48D-449B-9347-40759A8F9A32}"/>
+          </ac:inkMkLst>
+        </pc:inkChg>
+        <pc:inkChg chg="add del">
+          <ac:chgData name="Nils Mechtel" userId="d365a3c7-8594-435f-9872-5455ceefc78f" providerId="ADAL" clId="{FEE5CBDF-FE29-4F9F-99B9-949F0817748B}" dt="2019-05-13T08:35:28.167" v="2712"/>
+          <ac:inkMkLst>
+            <pc:docMk/>
+            <pc:sldMk cId="2923162179" sldId="266"/>
+            <ac:inkMk id="18" creationId="{EE11650F-9DF4-4808-B100-AAB9E84D0A5B}"/>
+          </ac:inkMkLst>
+        </pc:inkChg>
+      </pc:sldChg>
+      <pc:sldChg chg="modSp del setBg">
+        <pc:chgData name="Nils Mechtel" userId="d365a3c7-8594-435f-9872-5455ceefc78f" providerId="ADAL" clId="{FEE5CBDF-FE29-4F9F-99B9-949F0817748B}" dt="2019-05-13T11:46:46.334" v="3000" actId="2696"/>
+        <pc:sldMkLst>
+          <pc:docMk/>
+          <pc:sldMk cId="1409348059" sldId="267"/>
+        </pc:sldMkLst>
+        <pc:spChg chg="mod">
+          <ac:chgData name="Nils Mechtel" userId="d365a3c7-8594-435f-9872-5455ceefc78f" providerId="ADAL" clId="{FEE5CBDF-FE29-4F9F-99B9-949F0817748B}" dt="2019-05-13T07:50:53.440" v="2433" actId="2711"/>
+          <ac:spMkLst>
+            <pc:docMk/>
+            <pc:sldMk cId="1409348059" sldId="267"/>
+            <ac:spMk id="2" creationId="{962E61EA-DBA2-4E80-83C7-06C5EF22F758}"/>
+          </ac:spMkLst>
+        </pc:spChg>
+      </pc:sldChg>
+      <pc:sldChg chg="addSp delSp add del modTransition setBg">
+        <pc:chgData name="Nils Mechtel" userId="d365a3c7-8594-435f-9872-5455ceefc78f" providerId="ADAL" clId="{FEE5CBDF-FE29-4F9F-99B9-949F0817748B}" dt="2019-05-13T08:43:51.194" v="2720" actId="2696"/>
+        <pc:sldMkLst>
+          <pc:docMk/>
+          <pc:sldMk cId="92394746" sldId="269"/>
+        </pc:sldMkLst>
+        <pc:inkChg chg="add del">
+          <ac:chgData name="Nils Mechtel" userId="d365a3c7-8594-435f-9872-5455ceefc78f" providerId="ADAL" clId="{FEE5CBDF-FE29-4F9F-99B9-949F0817748B}" dt="2019-05-12T16:33:17.074" v="1290"/>
+          <ac:inkMkLst>
+            <pc:docMk/>
+            <pc:sldMk cId="92394746" sldId="269"/>
+            <ac:inkMk id="3" creationId="{79F151EB-7434-41E0-8EDF-134D460C105F}"/>
+          </ac:inkMkLst>
+        </pc:inkChg>
+        <pc:inkChg chg="add del">
+          <ac:chgData name="Nils Mechtel" userId="d365a3c7-8594-435f-9872-5455ceefc78f" providerId="ADAL" clId="{FEE5CBDF-FE29-4F9F-99B9-949F0817748B}" dt="2019-05-12T16:33:24.752" v="1295"/>
+          <ac:inkMkLst>
+            <pc:docMk/>
+            <pc:sldMk cId="92394746" sldId="269"/>
+            <ac:inkMk id="4" creationId="{3D536AB5-D989-49BC-BE7A-CFAE8C29B4CC}"/>
+          </ac:inkMkLst>
+        </pc:inkChg>
+        <pc:inkChg chg="add del">
+          <ac:chgData name="Nils Mechtel" userId="d365a3c7-8594-435f-9872-5455ceefc78f" providerId="ADAL" clId="{FEE5CBDF-FE29-4F9F-99B9-949F0817748B}" dt="2019-05-12T16:33:24.752" v="1295"/>
+          <ac:inkMkLst>
+            <pc:docMk/>
+            <pc:sldMk cId="92394746" sldId="269"/>
+            <ac:inkMk id="5" creationId="{CDA67F92-E4B1-4495-95A3-F0163128B1FA}"/>
+          </ac:inkMkLst>
+        </pc:inkChg>
+        <pc:inkChg chg="add del">
+          <ac:chgData name="Nils Mechtel" userId="d365a3c7-8594-435f-9872-5455ceefc78f" providerId="ADAL" clId="{FEE5CBDF-FE29-4F9F-99B9-949F0817748B}" dt="2019-05-12T16:33:24.752" v="1295"/>
+          <ac:inkMkLst>
+            <pc:docMk/>
+            <pc:sldMk cId="92394746" sldId="269"/>
+            <ac:inkMk id="6" creationId="{5B0A36F5-1691-4DB4-985A-04F2661AF952}"/>
+          </ac:inkMkLst>
+        </pc:inkChg>
+        <pc:inkChg chg="add del">
+          <ac:chgData name="Nils Mechtel" userId="d365a3c7-8594-435f-9872-5455ceefc78f" providerId="ADAL" clId="{FEE5CBDF-FE29-4F9F-99B9-949F0817748B}" dt="2019-05-12T16:33:24.752" v="1295"/>
+          <ac:inkMkLst>
+            <pc:docMk/>
+            <pc:sldMk cId="92394746" sldId="269"/>
+            <ac:inkMk id="7" creationId="{A3F6B545-890D-4362-9A39-7DB7ECA3DBCC}"/>
+          </ac:inkMkLst>
+        </pc:inkChg>
+        <pc:inkChg chg="add del">
+          <ac:chgData name="Nils Mechtel" userId="d365a3c7-8594-435f-9872-5455ceefc78f" providerId="ADAL" clId="{FEE5CBDF-FE29-4F9F-99B9-949F0817748B}" dt="2019-05-12T16:33:28.237" v="1299"/>
+          <ac:inkMkLst>
+            <pc:docMk/>
+            <pc:sldMk cId="92394746" sldId="269"/>
+            <ac:inkMk id="8" creationId="{3FE7AAB8-BCD9-43E5-AC6D-388BCB00B152}"/>
+          </ac:inkMkLst>
+        </pc:inkChg>
+        <pc:inkChg chg="add del">
+          <ac:chgData name="Nils Mechtel" userId="d365a3c7-8594-435f-9872-5455ceefc78f" providerId="ADAL" clId="{FEE5CBDF-FE29-4F9F-99B9-949F0817748B}" dt="2019-05-12T16:33:28.237" v="1299"/>
+          <ac:inkMkLst>
+            <pc:docMk/>
+            <pc:sldMk cId="92394746" sldId="269"/>
+            <ac:inkMk id="9" creationId="{63B90B6D-9F5B-4B78-9B88-A087BCC160AF}"/>
+          </ac:inkMkLst>
+        </pc:inkChg>
+        <pc:inkChg chg="add del">
+          <ac:chgData name="Nils Mechtel" userId="d365a3c7-8594-435f-9872-5455ceefc78f" providerId="ADAL" clId="{FEE5CBDF-FE29-4F9F-99B9-949F0817748B}" dt="2019-05-12T16:33:28.237" v="1299"/>
+          <ac:inkMkLst>
+            <pc:docMk/>
+            <pc:sldMk cId="92394746" sldId="269"/>
+            <ac:inkMk id="10" creationId="{0EE60935-B88A-4BD6-80F6-560FCBBE75A1}"/>
+          </ac:inkMkLst>
+        </pc:inkChg>
+        <pc:inkChg chg="add del">
+          <ac:chgData name="Nils Mechtel" userId="d365a3c7-8594-435f-9872-5455ceefc78f" providerId="ADAL" clId="{FEE5CBDF-FE29-4F9F-99B9-949F0817748B}" dt="2019-05-12T16:33:28.237" v="1299"/>
+          <ac:inkMkLst>
+            <pc:docMk/>
+            <pc:sldMk cId="92394746" sldId="269"/>
+            <ac:inkMk id="11" creationId="{95AB4A76-B87A-48A0-9AF4-E318105EB524}"/>
+          </ac:inkMkLst>
+        </pc:inkChg>
+        <pc:inkChg chg="add del">
+          <ac:chgData name="Nils Mechtel" userId="d365a3c7-8594-435f-9872-5455ceefc78f" providerId="ADAL" clId="{FEE5CBDF-FE29-4F9F-99B9-949F0817748B}" dt="2019-05-12T16:33:43.561" v="1306"/>
+          <ac:inkMkLst>
+            <pc:docMk/>
+            <pc:sldMk cId="92394746" sldId="269"/>
+            <ac:inkMk id="12" creationId="{1C53BA47-8884-4FD0-91B4-CF33B7298A3B}"/>
+          </ac:inkMkLst>
+        </pc:inkChg>
+        <pc:inkChg chg="add del">
+          <ac:chgData name="Nils Mechtel" userId="d365a3c7-8594-435f-9872-5455ceefc78f" providerId="ADAL" clId="{FEE5CBDF-FE29-4F9F-99B9-949F0817748B}" dt="2019-05-12T16:33:39.899" v="1302"/>
+          <ac:inkMkLst>
+            <pc:docMk/>
+            <pc:sldMk cId="92394746" sldId="269"/>
+            <ac:inkMk id="13" creationId="{879BBDF7-55FA-49FE-B507-B04136EC82DA}"/>
+          </ac:inkMkLst>
+        </pc:inkChg>
+        <pc:inkChg chg="add del">
+          <ac:chgData name="Nils Mechtel" userId="d365a3c7-8594-435f-9872-5455ceefc78f" providerId="ADAL" clId="{FEE5CBDF-FE29-4F9F-99B9-949F0817748B}" dt="2019-05-12T16:33:39.899" v="1302"/>
+          <ac:inkMkLst>
+            <pc:docMk/>
+            <pc:sldMk cId="92394746" sldId="269"/>
+            <ac:inkMk id="14" creationId="{BEC0477C-793D-4FB9-81BD-F9C526B478C0}"/>
+          </ac:inkMkLst>
+        </pc:inkChg>
+        <pc:inkChg chg="add del">
+          <ac:chgData name="Nils Mechtel" userId="d365a3c7-8594-435f-9872-5455ceefc78f" providerId="ADAL" clId="{FEE5CBDF-FE29-4F9F-99B9-949F0817748B}" dt="2019-05-12T16:33:43.561" v="1306"/>
+          <ac:inkMkLst>
+            <pc:docMk/>
+            <pc:sldMk cId="92394746" sldId="269"/>
+            <ac:inkMk id="15" creationId="{8329EA85-955B-453A-9875-82ED5B49487E}"/>
+          </ac:inkMkLst>
+        </pc:inkChg>
+        <pc:inkChg chg="add del">
+          <ac:chgData name="Nils Mechtel" userId="d365a3c7-8594-435f-9872-5455ceefc78f" providerId="ADAL" clId="{FEE5CBDF-FE29-4F9F-99B9-949F0817748B}" dt="2019-05-12T16:33:43.561" v="1306"/>
+          <ac:inkMkLst>
+            <pc:docMk/>
+            <pc:sldMk cId="92394746" sldId="269"/>
+            <ac:inkMk id="16" creationId="{C824DFB5-DBBF-43D3-8790-2F03EA4EC6B8}"/>
+          </ac:inkMkLst>
+        </pc:inkChg>
+        <pc:inkChg chg="add del">
+          <ac:chgData name="Nils Mechtel" userId="d365a3c7-8594-435f-9872-5455ceefc78f" providerId="ADAL" clId="{FEE5CBDF-FE29-4F9F-99B9-949F0817748B}" dt="2019-05-12T16:33:43.561" v="1306"/>
+          <ac:inkMkLst>
+            <pc:docMk/>
+            <pc:sldMk cId="92394746" sldId="269"/>
+            <ac:inkMk id="17" creationId="{6DCD3F53-99F2-49E8-986C-80E3EEB74080}"/>
+          </ac:inkMkLst>
+        </pc:inkChg>
+        <pc:inkChg chg="add del">
+          <ac:chgData name="Nils Mechtel" userId="d365a3c7-8594-435f-9872-5455ceefc78f" providerId="ADAL" clId="{FEE5CBDF-FE29-4F9F-99B9-949F0817748B}" dt="2019-05-12T16:33:43.561" v="1306"/>
+          <ac:inkMkLst>
+            <pc:docMk/>
+            <pc:sldMk cId="92394746" sldId="269"/>
+            <ac:inkMk id="18" creationId="{9C0742DD-55F6-4B20-BD36-8DF1E58593A0}"/>
+          </ac:inkMkLst>
+        </pc:inkChg>
+        <pc:inkChg chg="add">
+          <ac:chgData name="Nils Mechtel" userId="d365a3c7-8594-435f-9872-5455ceefc78f" providerId="ADAL" clId="{FEE5CBDF-FE29-4F9F-99B9-949F0817748B}" dt="2019-05-12T16:33:43.561" v="1306"/>
+          <ac:inkMkLst>
+            <pc:docMk/>
+            <pc:sldMk cId="92394746" sldId="269"/>
+            <ac:inkMk id="19" creationId="{DEFDBD3D-2805-4B6B-8140-F09549253279}"/>
+          </ac:inkMkLst>
+        </pc:inkChg>
+        <pc:inkChg chg="add del">
+          <ac:chgData name="Nils Mechtel" userId="d365a3c7-8594-435f-9872-5455ceefc78f" providerId="ADAL" clId="{FEE5CBDF-FE29-4F9F-99B9-949F0817748B}" dt="2019-05-12T16:33:51" v="1313"/>
+          <ac:inkMkLst>
+            <pc:docMk/>
+            <pc:sldMk cId="92394746" sldId="269"/>
+            <ac:inkMk id="20" creationId="{39B6F718-899F-4FB2-A130-862C0B169582}"/>
+          </ac:inkMkLst>
+        </pc:inkChg>
+        <pc:inkChg chg="add del">
+          <ac:chgData name="Nils Mechtel" userId="d365a3c7-8594-435f-9872-5455ceefc78f" providerId="ADAL" clId="{FEE5CBDF-FE29-4F9F-99B9-949F0817748B}" dt="2019-05-12T16:33:51" v="1313"/>
+          <ac:inkMkLst>
+            <pc:docMk/>
+            <pc:sldMk cId="92394746" sldId="269"/>
+            <ac:inkMk id="21" creationId="{31DCF803-14FB-4EFA-9FDB-9FB450DE310F}"/>
+          </ac:inkMkLst>
+        </pc:inkChg>
+        <pc:inkChg chg="add del">
+          <ac:chgData name="Nils Mechtel" userId="d365a3c7-8594-435f-9872-5455ceefc78f" providerId="ADAL" clId="{FEE5CBDF-FE29-4F9F-99B9-949F0817748B}" dt="2019-05-12T16:33:51" v="1313"/>
+          <ac:inkMkLst>
+            <pc:docMk/>
+            <pc:sldMk cId="92394746" sldId="269"/>
+            <ac:inkMk id="22" creationId="{B0487E37-00BB-4ECB-A480-C0A41EB2A5DE}"/>
+          </ac:inkMkLst>
+        </pc:inkChg>
+        <pc:inkChg chg="add del">
+          <ac:chgData name="Nils Mechtel" userId="d365a3c7-8594-435f-9872-5455ceefc78f" providerId="ADAL" clId="{FEE5CBDF-FE29-4F9F-99B9-949F0817748B}" dt="2019-05-12T16:33:51" v="1313"/>
+          <ac:inkMkLst>
+            <pc:docMk/>
+            <pc:sldMk cId="92394746" sldId="269"/>
+            <ac:inkMk id="23" creationId="{B881658F-4417-42B8-A206-84817C5CD5A2}"/>
+          </ac:inkMkLst>
+        </pc:inkChg>
+        <pc:inkChg chg="add del">
+          <ac:chgData name="Nils Mechtel" userId="d365a3c7-8594-435f-9872-5455ceefc78f" providerId="ADAL" clId="{FEE5CBDF-FE29-4F9F-99B9-949F0817748B}" dt="2019-05-12T16:33:51" v="1313"/>
+          <ac:inkMkLst>
+            <pc:docMk/>
+            <pc:sldMk cId="92394746" sldId="269"/>
+            <ac:inkMk id="24" creationId="{260D04DF-19A1-4AA9-BE5D-23351DDB6E27}"/>
+          </ac:inkMkLst>
+        </pc:inkChg>
+        <pc:inkChg chg="add del">
+          <ac:chgData name="Nils Mechtel" userId="d365a3c7-8594-435f-9872-5455ceefc78f" providerId="ADAL" clId="{FEE5CBDF-FE29-4F9F-99B9-949F0817748B}" dt="2019-05-12T16:33:51" v="1313"/>
+          <ac:inkMkLst>
+            <pc:docMk/>
+            <pc:sldMk cId="92394746" sldId="269"/>
+            <ac:inkMk id="25" creationId="{7B906FAF-7F88-44DF-80ED-E978F9A5FD02}"/>
+          </ac:inkMkLst>
+        </pc:inkChg>
+        <pc:inkChg chg="add">
+          <ac:chgData name="Nils Mechtel" userId="d365a3c7-8594-435f-9872-5455ceefc78f" providerId="ADAL" clId="{FEE5CBDF-FE29-4F9F-99B9-949F0817748B}" dt="2019-05-12T16:33:51" v="1313"/>
+          <ac:inkMkLst>
+            <pc:docMk/>
+            <pc:sldMk cId="92394746" sldId="269"/>
+            <ac:inkMk id="26" creationId="{17BFD54E-12DA-4B54-9423-049C1F9FC3A6}"/>
+          </ac:inkMkLst>
+        </pc:inkChg>
+        <pc:inkChg chg="add del">
+          <ac:chgData name="Nils Mechtel" userId="d365a3c7-8594-435f-9872-5455ceefc78f" providerId="ADAL" clId="{FEE5CBDF-FE29-4F9F-99B9-949F0817748B}" dt="2019-05-12T16:33:56.739" v="1316"/>
+          <ac:inkMkLst>
+            <pc:docMk/>
+            <pc:sldMk cId="92394746" sldId="269"/>
+            <ac:inkMk id="27" creationId="{A90703FC-282F-43D9-ABA0-95E483E2DD18}"/>
+          </ac:inkMkLst>
+        </pc:inkChg>
+        <pc:inkChg chg="add del">
+          <ac:chgData name="Nils Mechtel" userId="d365a3c7-8594-435f-9872-5455ceefc78f" providerId="ADAL" clId="{FEE5CBDF-FE29-4F9F-99B9-949F0817748B}" dt="2019-05-12T16:33:56.739" v="1316"/>
+          <ac:inkMkLst>
+            <pc:docMk/>
+            <pc:sldMk cId="92394746" sldId="269"/>
+            <ac:inkMk id="28" creationId="{2353C550-8293-4183-808C-60F52471062D}"/>
+          </ac:inkMkLst>
+        </pc:inkChg>
+        <pc:inkChg chg="add">
+          <ac:chgData name="Nils Mechtel" userId="d365a3c7-8594-435f-9872-5455ceefc78f" providerId="ADAL" clId="{FEE5CBDF-FE29-4F9F-99B9-949F0817748B}" dt="2019-05-12T16:33:56.739" v="1316"/>
+          <ac:inkMkLst>
+            <pc:docMk/>
+            <pc:sldMk cId="92394746" sldId="269"/>
+            <ac:inkMk id="29" creationId="{044CC6CA-5D1F-44BE-9C87-53F48E491442}"/>
+          </ac:inkMkLst>
+        </pc:inkChg>
+        <pc:inkChg chg="add">
+          <ac:chgData name="Nils Mechtel" userId="d365a3c7-8594-435f-9872-5455ceefc78f" providerId="ADAL" clId="{FEE5CBDF-FE29-4F9F-99B9-949F0817748B}" dt="2019-05-12T16:33:59.199" v="1317" actId="9405"/>
+          <ac:inkMkLst>
+            <pc:docMk/>
+            <pc:sldMk cId="92394746" sldId="269"/>
+            <ac:inkMk id="30" creationId="{4974E588-047E-42E3-8792-A5F504165BAF}"/>
+          </ac:inkMkLst>
+        </pc:inkChg>
+        <pc:inkChg chg="add del">
+          <ac:chgData name="Nils Mechtel" userId="d365a3c7-8594-435f-9872-5455ceefc78f" providerId="ADAL" clId="{FEE5CBDF-FE29-4F9F-99B9-949F0817748B}" dt="2019-05-12T16:34:15.838" v="1335"/>
+          <ac:inkMkLst>
+            <pc:docMk/>
+            <pc:sldMk cId="92394746" sldId="269"/>
+            <ac:inkMk id="31" creationId="{0C878EC2-713F-4017-A984-BD5AAF902328}"/>
+          </ac:inkMkLst>
+        </pc:inkChg>
+        <pc:inkChg chg="add del">
+          <ac:chgData name="Nils Mechtel" userId="d365a3c7-8594-435f-9872-5455ceefc78f" providerId="ADAL" clId="{FEE5CBDF-FE29-4F9F-99B9-949F0817748B}" dt="2019-05-12T16:34:15.838" v="1335"/>
+          <ac:inkMkLst>
+            <pc:docMk/>
+            <pc:sldMk cId="92394746" sldId="269"/>
+            <ac:inkMk id="32" creationId="{FF7934C7-E5BB-41BE-B612-251EC9302616}"/>
+          </ac:inkMkLst>
+        </pc:inkChg>
+        <pc:inkChg chg="add del">
+          <ac:chgData name="Nils Mechtel" userId="d365a3c7-8594-435f-9872-5455ceefc78f" providerId="ADAL" clId="{FEE5CBDF-FE29-4F9F-99B9-949F0817748B}" dt="2019-05-12T16:34:15.838" v="1335"/>
+          <ac:inkMkLst>
+            <pc:docMk/>
+            <pc:sldMk cId="92394746" sldId="269"/>
+            <ac:inkMk id="33" creationId="{609B0BF0-0182-42FC-8B26-F9C0D89D2581}"/>
+          </ac:inkMkLst>
+        </pc:inkChg>
+        <pc:inkChg chg="add del">
+          <ac:chgData name="Nils Mechtel" userId="d365a3c7-8594-435f-9872-5455ceefc78f" providerId="ADAL" clId="{FEE5CBDF-FE29-4F9F-99B9-949F0817748B}" dt="2019-05-12T16:34:15.838" v="1335"/>
+          <ac:inkMkLst>
+            <pc:docMk/>
+            <pc:sldMk cId="92394746" sldId="269"/>
+            <ac:inkMk id="34" creationId="{C14ADF84-BB40-4E0E-A135-37508A014EC9}"/>
+          </ac:inkMkLst>
+        </pc:inkChg>
+        <pc:inkChg chg="add del">
+          <ac:chgData name="Nils Mechtel" userId="d365a3c7-8594-435f-9872-5455ceefc78f" providerId="ADAL" clId="{FEE5CBDF-FE29-4F9F-99B9-949F0817748B}" dt="2019-05-12T16:34:15.838" v="1335"/>
+          <ac:inkMkLst>
+            <pc:docMk/>
+            <pc:sldMk cId="92394746" sldId="269"/>
+            <ac:inkMk id="35" creationId="{B4BA99A6-35CD-4A8D-8CD6-32443C63DEFF}"/>
+          </ac:inkMkLst>
+        </pc:inkChg>
+        <pc:inkChg chg="add del">
+          <ac:chgData name="Nils Mechtel" userId="d365a3c7-8594-435f-9872-5455ceefc78f" providerId="ADAL" clId="{FEE5CBDF-FE29-4F9F-99B9-949F0817748B}" dt="2019-05-12T16:34:15.838" v="1335"/>
+          <ac:inkMkLst>
+            <pc:docMk/>
+            <pc:sldMk cId="92394746" sldId="269"/>
+            <ac:inkMk id="36" creationId="{2A101F61-0F35-4492-9648-ECF104BFF7E9}"/>
+          </ac:inkMkLst>
+        </pc:inkChg>
+        <pc:inkChg chg="add del">
+          <ac:chgData name="Nils Mechtel" userId="d365a3c7-8594-435f-9872-5455ceefc78f" providerId="ADAL" clId="{FEE5CBDF-FE29-4F9F-99B9-949F0817748B}" dt="2019-05-12T16:34:15.838" v="1335"/>
+          <ac:inkMkLst>
+            <pc:docMk/>
+            <pc:sldMk cId="92394746" sldId="269"/>
+            <ac:inkMk id="37" creationId="{1F529ABC-367A-4F0D-9775-49A34DF7D5C3}"/>
+          </ac:inkMkLst>
+        </pc:inkChg>
+        <pc:inkChg chg="add del">
+          <ac:chgData name="Nils Mechtel" userId="d365a3c7-8594-435f-9872-5455ceefc78f" providerId="ADAL" clId="{FEE5CBDF-FE29-4F9F-99B9-949F0817748B}" dt="2019-05-12T16:34:15.838" v="1335"/>
+          <ac:inkMkLst>
+            <pc:docMk/>
+            <pc:sldMk cId="92394746" sldId="269"/>
+            <ac:inkMk id="38" creationId="{FADD86E6-7F47-4A15-BA74-9484E3BF71BD}"/>
+          </ac:inkMkLst>
+        </pc:inkChg>
+        <pc:inkChg chg="add del">
+          <ac:chgData name="Nils Mechtel" userId="d365a3c7-8594-435f-9872-5455ceefc78f" providerId="ADAL" clId="{FEE5CBDF-FE29-4F9F-99B9-949F0817748B}" dt="2019-05-12T16:34:15.838" v="1335"/>
+          <ac:inkMkLst>
+            <pc:docMk/>
+            <pc:sldMk cId="92394746" sldId="269"/>
+            <ac:inkMk id="39" creationId="{C694035B-97ED-4196-AB91-A0C58DD1120E}"/>
+          </ac:inkMkLst>
+        </pc:inkChg>
+        <pc:inkChg chg="add del">
+          <ac:chgData name="Nils Mechtel" userId="d365a3c7-8594-435f-9872-5455ceefc78f" providerId="ADAL" clId="{FEE5CBDF-FE29-4F9F-99B9-949F0817748B}" dt="2019-05-12T16:34:15.838" v="1335"/>
+          <ac:inkMkLst>
+            <pc:docMk/>
+            <pc:sldMk cId="92394746" sldId="269"/>
+            <ac:inkMk id="40" creationId="{FAEDC52C-4BF6-4DD5-BECF-74A13A023272}"/>
+          </ac:inkMkLst>
+        </pc:inkChg>
+        <pc:inkChg chg="add del">
+          <ac:chgData name="Nils Mechtel" userId="d365a3c7-8594-435f-9872-5455ceefc78f" providerId="ADAL" clId="{FEE5CBDF-FE29-4F9F-99B9-949F0817748B}" dt="2019-05-12T16:34:15.838" v="1335"/>
+          <ac:inkMkLst>
+            <pc:docMk/>
+            <pc:sldMk cId="92394746" sldId="269"/>
+            <ac:inkMk id="41" creationId="{47B97D8F-0C83-4489-9616-D97C98D23FC8}"/>
+          </ac:inkMkLst>
+        </pc:inkChg>
+        <pc:inkChg chg="add del">
+          <ac:chgData name="Nils Mechtel" userId="d365a3c7-8594-435f-9872-5455ceefc78f" providerId="ADAL" clId="{FEE5CBDF-FE29-4F9F-99B9-949F0817748B}" dt="2019-05-12T16:34:15.838" v="1335"/>
+          <ac:inkMkLst>
+            <pc:docMk/>
+            <pc:sldMk cId="92394746" sldId="269"/>
+            <ac:inkMk id="42" creationId="{51B13B85-AA87-4E61-87CF-BABBC4B7F23E}"/>
+          </ac:inkMkLst>
+        </pc:inkChg>
+        <pc:inkChg chg="add del">
+          <ac:chgData name="Nils Mechtel" userId="d365a3c7-8594-435f-9872-5455ceefc78f" providerId="ADAL" clId="{FEE5CBDF-FE29-4F9F-99B9-949F0817748B}" dt="2019-05-12T16:34:15.838" v="1335"/>
+          <ac:inkMkLst>
+            <pc:docMk/>
+            <pc:sldMk cId="92394746" sldId="269"/>
+            <ac:inkMk id="43" creationId="{9EE16745-2316-4D78-A895-4B55494E3663}"/>
+          </ac:inkMkLst>
+        </pc:inkChg>
+        <pc:inkChg chg="add del">
+          <ac:chgData name="Nils Mechtel" userId="d365a3c7-8594-435f-9872-5455ceefc78f" providerId="ADAL" clId="{FEE5CBDF-FE29-4F9F-99B9-949F0817748B}" dt="2019-05-12T16:34:15.838" v="1335"/>
+          <ac:inkMkLst>
+            <pc:docMk/>
+            <pc:sldMk cId="92394746" sldId="269"/>
+            <ac:inkMk id="44" creationId="{055BD476-0D81-419A-B598-8F3A5D2C9320}"/>
+          </ac:inkMkLst>
+        </pc:inkChg>
+        <pc:inkChg chg="add del">
+          <ac:chgData name="Nils Mechtel" userId="d365a3c7-8594-435f-9872-5455ceefc78f" providerId="ADAL" clId="{FEE5CBDF-FE29-4F9F-99B9-949F0817748B}" dt="2019-05-12T16:34:15.838" v="1335"/>
+          <ac:inkMkLst>
+            <pc:docMk/>
+            <pc:sldMk cId="92394746" sldId="269"/>
+            <ac:inkMk id="45" creationId="{8CE89FD9-74CD-4B95-917E-B6DEA79D9C23}"/>
+          </ac:inkMkLst>
+        </pc:inkChg>
+        <pc:inkChg chg="add del">
+          <ac:chgData name="Nils Mechtel" userId="d365a3c7-8594-435f-9872-5455ceefc78f" providerId="ADAL" clId="{FEE5CBDF-FE29-4F9F-99B9-949F0817748B}" dt="2019-05-12T16:34:15.838" v="1335"/>
+          <ac:inkMkLst>
+            <pc:docMk/>
+            <pc:sldMk cId="92394746" sldId="269"/>
+            <ac:inkMk id="46" creationId="{164A86F7-A738-42CC-84C8-94EDFCA3978A}"/>
+          </ac:inkMkLst>
+        </pc:inkChg>
+        <pc:inkChg chg="add del">
+          <ac:chgData name="Nils Mechtel" userId="d365a3c7-8594-435f-9872-5455ceefc78f" providerId="ADAL" clId="{FEE5CBDF-FE29-4F9F-99B9-949F0817748B}" dt="2019-05-12T16:34:15.838" v="1335"/>
+          <ac:inkMkLst>
+            <pc:docMk/>
+            <pc:sldMk cId="92394746" sldId="269"/>
+            <ac:inkMk id="47" creationId="{5437D22D-8613-4E7B-9A03-7F8C58AF81A4}"/>
+          </ac:inkMkLst>
+        </pc:inkChg>
+        <pc:inkChg chg="add del">
+          <ac:chgData name="Nils Mechtel" userId="d365a3c7-8594-435f-9872-5455ceefc78f" providerId="ADAL" clId="{FEE5CBDF-FE29-4F9F-99B9-949F0817748B}" dt="2019-05-12T16:34:22.569" v="1338"/>
+          <ac:inkMkLst>
+            <pc:docMk/>
+            <pc:sldMk cId="92394746" sldId="269"/>
+            <ac:inkMk id="48" creationId="{C43DD4A4-4257-4068-9AC8-0645C5D5D1D3}"/>
+          </ac:inkMkLst>
+        </pc:inkChg>
+        <pc:inkChg chg="add del">
+          <ac:chgData name="Nils Mechtel" userId="d365a3c7-8594-435f-9872-5455ceefc78f" providerId="ADAL" clId="{FEE5CBDF-FE29-4F9F-99B9-949F0817748B}" dt="2019-05-12T16:34:22.569" v="1338"/>
+          <ac:inkMkLst>
+            <pc:docMk/>
+            <pc:sldMk cId="92394746" sldId="269"/>
+            <ac:inkMk id="49" creationId="{109C1EDC-49A7-4186-83F4-1C7204AA7E73}"/>
+          </ac:inkMkLst>
+        </pc:inkChg>
+        <pc:inkChg chg="add del">
+          <ac:chgData name="Nils Mechtel" userId="d365a3c7-8594-435f-9872-5455ceefc78f" providerId="ADAL" clId="{FEE5CBDF-FE29-4F9F-99B9-949F0817748B}" dt="2019-05-12T16:34:22.569" v="1338"/>
+          <ac:inkMkLst>
+            <pc:docMk/>
+            <pc:sldMk cId="92394746" sldId="269"/>
+            <ac:inkMk id="50" creationId="{1F01A99C-E9A2-4327-ACEB-B7669302B8A8}"/>
+          </ac:inkMkLst>
+        </pc:inkChg>
+        <pc:inkChg chg="add del">
+          <ac:chgData name="Nils Mechtel" userId="d365a3c7-8594-435f-9872-5455ceefc78f" providerId="ADAL" clId="{FEE5CBDF-FE29-4F9F-99B9-949F0817748B}" dt="2019-05-12T16:34:26.306" v="1343"/>
+          <ac:inkMkLst>
+            <pc:docMk/>
+            <pc:sldMk cId="92394746" sldId="269"/>
+            <ac:inkMk id="51" creationId="{B2797BB7-50F4-45CD-ABCA-437B7863FF5F}"/>
+          </ac:inkMkLst>
+        </pc:inkChg>
+        <pc:inkChg chg="add del">
+          <ac:chgData name="Nils Mechtel" userId="d365a3c7-8594-435f-9872-5455ceefc78f" providerId="ADAL" clId="{FEE5CBDF-FE29-4F9F-99B9-949F0817748B}" dt="2019-05-12T16:34:26.306" v="1343"/>
+          <ac:inkMkLst>
+            <pc:docMk/>
+            <pc:sldMk cId="92394746" sldId="269"/>
+            <ac:inkMk id="52" creationId="{1D4F1580-8B7A-468A-8E3A-DBD67C9A95C2}"/>
+          </ac:inkMkLst>
+        </pc:inkChg>
+        <pc:inkChg chg="add del">
+          <ac:chgData name="Nils Mechtel" userId="d365a3c7-8594-435f-9872-5455ceefc78f" providerId="ADAL" clId="{FEE5CBDF-FE29-4F9F-99B9-949F0817748B}" dt="2019-05-12T16:34:26.306" v="1343"/>
+          <ac:inkMkLst>
+            <pc:docMk/>
+            <pc:sldMk cId="92394746" sldId="269"/>
+            <ac:inkMk id="53" creationId="{A9B15BB1-84FA-49D9-A844-7B43AEEC276B}"/>
+          </ac:inkMkLst>
+        </pc:inkChg>
+        <pc:inkChg chg="add del">
+          <ac:chgData name="Nils Mechtel" userId="d365a3c7-8594-435f-9872-5455ceefc78f" providerId="ADAL" clId="{FEE5CBDF-FE29-4F9F-99B9-949F0817748B}" dt="2019-05-12T16:34:26.306" v="1343"/>
+          <ac:inkMkLst>
+            <pc:docMk/>
+            <pc:sldMk cId="92394746" sldId="269"/>
+            <ac:inkMk id="54" creationId="{B11A9424-6065-4955-AE40-BF59300FF094}"/>
+          </ac:inkMkLst>
+        </pc:inkChg>
+        <pc:inkChg chg="add del">
+          <ac:chgData name="Nils Mechtel" userId="d365a3c7-8594-435f-9872-5455ceefc78f" providerId="ADAL" clId="{FEE5CBDF-FE29-4F9F-99B9-949F0817748B}" dt="2019-05-12T16:34:26.306" v="1343"/>
+          <ac:inkMkLst>
+            <pc:docMk/>
+            <pc:sldMk cId="92394746" sldId="269"/>
+            <ac:inkMk id="55" creationId="{3D971CCE-95CC-4390-987D-94E3EAE69593}"/>
+          </ac:inkMkLst>
+        </pc:inkChg>
+        <pc:inkChg chg="add">
+          <ac:chgData name="Nils Mechtel" userId="d365a3c7-8594-435f-9872-5455ceefc78f" providerId="ADAL" clId="{FEE5CBDF-FE29-4F9F-99B9-949F0817748B}" dt="2019-05-12T16:34:26.306" v="1343"/>
+          <ac:inkMkLst>
+            <pc:docMk/>
+            <pc:sldMk cId="92394746" sldId="269"/>
+            <ac:inkMk id="56" creationId="{2E7888CF-E31B-4A3F-A23C-61BE11982A9B}"/>
+          </ac:inkMkLst>
+        </pc:inkChg>
+        <pc:inkChg chg="add del">
+          <ac:chgData name="Nils Mechtel" userId="d365a3c7-8594-435f-9872-5455ceefc78f" providerId="ADAL" clId="{FEE5CBDF-FE29-4F9F-99B9-949F0817748B}" dt="2019-05-12T16:35:28.793" v="1349"/>
+          <ac:inkMkLst>
+            <pc:docMk/>
+            <pc:sldMk cId="92394746" sldId="269"/>
+            <ac:inkMk id="57" creationId="{7865C920-681F-4E42-ACD1-1C0C2F2AE6C1}"/>
+          </ac:inkMkLst>
+        </pc:inkChg>
+        <pc:inkChg chg="add del">
+          <ac:chgData name="Nils Mechtel" userId="d365a3c7-8594-435f-9872-5455ceefc78f" providerId="ADAL" clId="{FEE5CBDF-FE29-4F9F-99B9-949F0817748B}" dt="2019-05-12T16:35:28.793" v="1349"/>
+          <ac:inkMkLst>
+            <pc:docMk/>
+            <pc:sldMk cId="92394746" sldId="269"/>
+            <ac:inkMk id="58" creationId="{DD41F6E3-FE04-4B45-B333-52C85CC8DA0F}"/>
+          </ac:inkMkLst>
+        </pc:inkChg>
+        <pc:inkChg chg="add del">
+          <ac:chgData name="Nils Mechtel" userId="d365a3c7-8594-435f-9872-5455ceefc78f" providerId="ADAL" clId="{FEE5CBDF-FE29-4F9F-99B9-949F0817748B}" dt="2019-05-12T16:35:28.793" v="1349"/>
+          <ac:inkMkLst>
+            <pc:docMk/>
+            <pc:sldMk cId="92394746" sldId="269"/>
+            <ac:inkMk id="59" creationId="{15CA9FB8-B806-4A73-8DA1-9547ECA25527}"/>
+          </ac:inkMkLst>
+        </pc:inkChg>
+        <pc:inkChg chg="add del">
+          <ac:chgData name="Nils Mechtel" userId="d365a3c7-8594-435f-9872-5455ceefc78f" providerId="ADAL" clId="{FEE5CBDF-FE29-4F9F-99B9-949F0817748B}" dt="2019-05-12T16:35:28.793" v="1349"/>
+          <ac:inkMkLst>
+            <pc:docMk/>
+            <pc:sldMk cId="92394746" sldId="269"/>
+            <ac:inkMk id="60" creationId="{E0D48B61-107A-48C7-B87E-BA26281E0EA8}"/>
+          </ac:inkMkLst>
+        </pc:inkChg>
+        <pc:inkChg chg="add del">
+          <ac:chgData name="Nils Mechtel" userId="d365a3c7-8594-435f-9872-5455ceefc78f" providerId="ADAL" clId="{FEE5CBDF-FE29-4F9F-99B9-949F0817748B}" dt="2019-05-12T16:35:28.793" v="1349"/>
+          <ac:inkMkLst>
+            <pc:docMk/>
+            <pc:sldMk cId="92394746" sldId="269"/>
+            <ac:inkMk id="61" creationId="{19861668-E092-4A54-A5F9-68E7B9C2C351}"/>
+          </ac:inkMkLst>
+        </pc:inkChg>
+        <pc:inkChg chg="add del">
+          <ac:chgData name="Nils Mechtel" userId="d365a3c7-8594-435f-9872-5455ceefc78f" providerId="ADAL" clId="{FEE5CBDF-FE29-4F9F-99B9-949F0817748B}" dt="2019-05-12T16:35:32.690" v="1352"/>
+          <ac:inkMkLst>
+            <pc:docMk/>
+            <pc:sldMk cId="92394746" sldId="269"/>
+            <ac:inkMk id="62" creationId="{AE637774-4546-4E35-BADA-DCE8A47EEB4E}"/>
+          </ac:inkMkLst>
+        </pc:inkChg>
+        <pc:inkChg chg="add del">
+          <ac:chgData name="Nils Mechtel" userId="d365a3c7-8594-435f-9872-5455ceefc78f" providerId="ADAL" clId="{FEE5CBDF-FE29-4F9F-99B9-949F0817748B}" dt="2019-05-12T16:35:32.690" v="1352"/>
+          <ac:inkMkLst>
+            <pc:docMk/>
+            <pc:sldMk cId="92394746" sldId="269"/>
+            <ac:inkMk id="63" creationId="{D8847127-C5C2-4267-8D31-31A7A6BF9B58}"/>
+          </ac:inkMkLst>
+        </pc:inkChg>
+        <pc:inkChg chg="add del">
+          <ac:chgData name="Nils Mechtel" userId="d365a3c7-8594-435f-9872-5455ceefc78f" providerId="ADAL" clId="{FEE5CBDF-FE29-4F9F-99B9-949F0817748B}" dt="2019-05-12T16:35:32.690" v="1352"/>
+          <ac:inkMkLst>
+            <pc:docMk/>
+            <pc:sldMk cId="92394746" sldId="269"/>
+            <ac:inkMk id="64" creationId="{48CCD30F-A072-4593-B9CE-71B29206F070}"/>
+          </ac:inkMkLst>
+        </pc:inkChg>
+        <pc:inkChg chg="add del">
+          <ac:chgData name="Nils Mechtel" userId="d365a3c7-8594-435f-9872-5455ceefc78f" providerId="ADAL" clId="{FEE5CBDF-FE29-4F9F-99B9-949F0817748B}" dt="2019-05-12T16:35:34.694" v="1357"/>
+          <ac:inkMkLst>
+            <pc:docMk/>
+            <pc:sldMk cId="92394746" sldId="269"/>
+            <ac:inkMk id="65" creationId="{9C582756-8F9E-4D86-AC8C-71F2B3C9ABA9}"/>
+          </ac:inkMkLst>
+        </pc:inkChg>
+        <pc:inkChg chg="add del">
+          <ac:chgData name="Nils Mechtel" userId="d365a3c7-8594-435f-9872-5455ceefc78f" providerId="ADAL" clId="{FEE5CBDF-FE29-4F9F-99B9-949F0817748B}" dt="2019-05-12T16:35:34.694" v="1357"/>
+          <ac:inkMkLst>
+            <pc:docMk/>
+            <pc:sldMk cId="92394746" sldId="269"/>
+            <ac:inkMk id="66" creationId="{4967414A-70D6-4583-A7C0-39C280DD0F9A}"/>
+          </ac:inkMkLst>
+        </pc:inkChg>
+        <pc:inkChg chg="add del">
+          <ac:chgData name="Nils Mechtel" userId="d365a3c7-8594-435f-9872-5455ceefc78f" providerId="ADAL" clId="{FEE5CBDF-FE29-4F9F-99B9-949F0817748B}" dt="2019-05-12T16:35:34.694" v="1357"/>
+          <ac:inkMkLst>
+            <pc:docMk/>
+            <pc:sldMk cId="92394746" sldId="269"/>
+            <ac:inkMk id="67" creationId="{091AC376-443A-4BE4-ACF3-544B4CA8F3E6}"/>
+          </ac:inkMkLst>
+        </pc:inkChg>
+        <pc:inkChg chg="add del">
+          <ac:chgData name="Nils Mechtel" userId="d365a3c7-8594-435f-9872-5455ceefc78f" providerId="ADAL" clId="{FEE5CBDF-FE29-4F9F-99B9-949F0817748B}" dt="2019-05-12T16:35:34.694" v="1357"/>
+          <ac:inkMkLst>
+            <pc:docMk/>
+            <pc:sldMk cId="92394746" sldId="269"/>
+            <ac:inkMk id="68" creationId="{96E8AEF5-136F-44C6-A6B8-5A487398EB68}"/>
+          </ac:inkMkLst>
+        </pc:inkChg>
+        <pc:inkChg chg="add del">
+          <ac:chgData name="Nils Mechtel" userId="d365a3c7-8594-435f-9872-5455ceefc78f" providerId="ADAL" clId="{FEE5CBDF-FE29-4F9F-99B9-949F0817748B}" dt="2019-05-12T16:35:41.096" v="1362"/>
+          <ac:inkMkLst>
+            <pc:docMk/>
+            <pc:sldMk cId="92394746" sldId="269"/>
+            <ac:inkMk id="69" creationId="{CFE9118C-F6BA-4105-8E3A-7064022EDD5A}"/>
+          </ac:inkMkLst>
+        </pc:inkChg>
+        <pc:inkChg chg="add del">
+          <ac:chgData name="Nils Mechtel" userId="d365a3c7-8594-435f-9872-5455ceefc78f" providerId="ADAL" clId="{FEE5CBDF-FE29-4F9F-99B9-949F0817748B}" dt="2019-05-12T16:35:41.096" v="1362"/>
+          <ac:inkMkLst>
+            <pc:docMk/>
+            <pc:sldMk cId="92394746" sldId="269"/>
+            <ac:inkMk id="70" creationId="{DA1DE4DC-A442-4769-909D-12A2D20EE2FC}"/>
+          </ac:inkMkLst>
+        </pc:inkChg>
+        <pc:inkChg chg="add del">
+          <ac:chgData name="Nils Mechtel" userId="d365a3c7-8594-435f-9872-5455ceefc78f" providerId="ADAL" clId="{FEE5CBDF-FE29-4F9F-99B9-949F0817748B}" dt="2019-05-12T16:35:41.096" v="1362"/>
+          <ac:inkMkLst>
+            <pc:docMk/>
+            <pc:sldMk cId="92394746" sldId="269"/>
+            <ac:inkMk id="71" creationId="{AAE45A4E-9D22-45D9-83D9-7B1DBC6DDAEF}"/>
+          </ac:inkMkLst>
+        </pc:inkChg>
+        <pc:inkChg chg="add del">
+          <ac:chgData name="Nils Mechtel" userId="d365a3c7-8594-435f-9872-5455ceefc78f" providerId="ADAL" clId="{FEE5CBDF-FE29-4F9F-99B9-949F0817748B}" dt="2019-05-12T16:35:41.096" v="1362"/>
+          <ac:inkMkLst>
+            <pc:docMk/>
+            <pc:sldMk cId="92394746" sldId="269"/>
+            <ac:inkMk id="72" creationId="{483C043B-32B5-4966-98DC-FAE227F9D1DC}"/>
+          </ac:inkMkLst>
+        </pc:inkChg>
+        <pc:inkChg chg="add del">
+          <ac:chgData name="Nils Mechtel" userId="d365a3c7-8594-435f-9872-5455ceefc78f" providerId="ADAL" clId="{FEE5CBDF-FE29-4F9F-99B9-949F0817748B}" dt="2019-05-12T16:35:41.096" v="1362"/>
+          <ac:inkMkLst>
+            <pc:docMk/>
+            <pc:sldMk cId="92394746" sldId="269"/>
+            <ac:inkMk id="73" creationId="{43FBD72B-084D-4709-B412-63D9AE2F4E36}"/>
+          </ac:inkMkLst>
+        </pc:inkChg>
+        <pc:inkChg chg="add del">
+          <ac:chgData name="Nils Mechtel" userId="d365a3c7-8594-435f-9872-5455ceefc78f" providerId="ADAL" clId="{FEE5CBDF-FE29-4F9F-99B9-949F0817748B}" dt="2019-05-12T16:35:41.096" v="1362"/>
+          <ac:inkMkLst>
+            <pc:docMk/>
+            <pc:sldMk cId="92394746" sldId="269"/>
+            <ac:inkMk id="74" creationId="{012125A6-773C-48D0-88FF-96A59712ACBB}"/>
+          </ac:inkMkLst>
+        </pc:inkChg>
+        <pc:inkChg chg="add del">
+          <ac:chgData name="Nils Mechtel" userId="d365a3c7-8594-435f-9872-5455ceefc78f" providerId="ADAL" clId="{FEE5CBDF-FE29-4F9F-99B9-949F0817748B}" dt="2019-05-12T16:35:47.667" v="1373"/>
+          <ac:inkMkLst>
+            <pc:docMk/>
+            <pc:sldMk cId="92394746" sldId="269"/>
+            <ac:inkMk id="75" creationId="{DDDBDD5D-F9C5-462D-A18D-7BCA473DBB5C}"/>
+          </ac:inkMkLst>
+        </pc:inkChg>
+        <pc:inkChg chg="add del">
+          <ac:chgData name="Nils Mechtel" userId="d365a3c7-8594-435f-9872-5455ceefc78f" providerId="ADAL" clId="{FEE5CBDF-FE29-4F9F-99B9-949F0817748B}" dt="2019-05-12T16:35:47.667" v="1373"/>
+          <ac:inkMkLst>
+            <pc:docMk/>
+            <pc:sldMk cId="92394746" sldId="269"/>
+            <ac:inkMk id="76" creationId="{1F025F40-31E0-426A-92B2-AA1EAE0ABECE}"/>
+          </ac:inkMkLst>
+        </pc:inkChg>
+        <pc:inkChg chg="add del">
+          <ac:chgData name="Nils Mechtel" userId="d365a3c7-8594-435f-9872-5455ceefc78f" providerId="ADAL" clId="{FEE5CBDF-FE29-4F9F-99B9-949F0817748B}" dt="2019-05-12T16:35:47.667" v="1373"/>
+          <ac:inkMkLst>
+            <pc:docMk/>
+            <pc:sldMk cId="92394746" sldId="269"/>
+            <ac:inkMk id="77" creationId="{760FCA85-9E82-4CD6-A4CC-6E117A670259}"/>
+          </ac:inkMkLst>
+        </pc:inkChg>
+        <pc:inkChg chg="add del">
+          <ac:chgData name="Nils Mechtel" userId="d365a3c7-8594-435f-9872-5455ceefc78f" providerId="ADAL" clId="{FEE5CBDF-FE29-4F9F-99B9-949F0817748B}" dt="2019-05-12T16:35:47.667" v="1373"/>
+          <ac:inkMkLst>
+            <pc:docMk/>
+            <pc:sldMk cId="92394746" sldId="269"/>
+            <ac:inkMk id="78" creationId="{5C020E61-1DD2-4BDB-B534-8E8DF14E5F6D}"/>
+          </ac:inkMkLst>
+        </pc:inkChg>
+        <pc:inkChg chg="add del">
+          <ac:chgData name="Nils Mechtel" userId="d365a3c7-8594-435f-9872-5455ceefc78f" providerId="ADAL" clId="{FEE5CBDF-FE29-4F9F-99B9-949F0817748B}" dt="2019-05-12T16:35:47.667" v="1373"/>
+          <ac:inkMkLst>
+            <pc:docMk/>
+            <pc:sldMk cId="92394746" sldId="269"/>
+            <ac:inkMk id="79" creationId="{93206CE7-E454-49E0-BC79-ACD8A93DCB2F}"/>
+          </ac:inkMkLst>
+        </pc:inkChg>
+        <pc:inkChg chg="add del">
+          <ac:chgData name="Nils Mechtel" userId="d365a3c7-8594-435f-9872-5455ceefc78f" providerId="ADAL" clId="{FEE5CBDF-FE29-4F9F-99B9-949F0817748B}" dt="2019-05-12T16:35:47.667" v="1373"/>
+          <ac:inkMkLst>
+            <pc:docMk/>
+            <pc:sldMk cId="92394746" sldId="269"/>
+            <ac:inkMk id="80" creationId="{1155F133-3789-4EEF-BF27-6AA12FE7DBF9}"/>
+          </ac:inkMkLst>
+        </pc:inkChg>
+        <pc:inkChg chg="add del">
+          <ac:chgData name="Nils Mechtel" userId="d365a3c7-8594-435f-9872-5455ceefc78f" providerId="ADAL" clId="{FEE5CBDF-FE29-4F9F-99B9-949F0817748B}" dt="2019-05-12T16:35:47.667" v="1373"/>
+          <ac:inkMkLst>
+            <pc:docMk/>
+            <pc:sldMk cId="92394746" sldId="269"/>
+            <ac:inkMk id="81" creationId="{23BB34A0-1F92-49DD-A576-53FC5EACB7D2}"/>
+          </ac:inkMkLst>
+        </pc:inkChg>
+        <pc:inkChg chg="add del">
+          <ac:chgData name="Nils Mechtel" userId="d365a3c7-8594-435f-9872-5455ceefc78f" providerId="ADAL" clId="{FEE5CBDF-FE29-4F9F-99B9-949F0817748B}" dt="2019-05-12T16:35:47.667" v="1373"/>
+          <ac:inkMkLst>
+            <pc:docMk/>
+            <pc:sldMk cId="92394746" sldId="269"/>
+            <ac:inkMk id="82" creationId="{B23474DB-BE66-4463-B895-8C1BFB52EB23}"/>
+          </ac:inkMkLst>
+        </pc:inkChg>
+        <pc:inkChg chg="add del">
+          <ac:chgData name="Nils Mechtel" userId="d365a3c7-8594-435f-9872-5455ceefc78f" providerId="ADAL" clId="{FEE5CBDF-FE29-4F9F-99B9-949F0817748B}" dt="2019-05-12T16:35:47.667" v="1373"/>
+          <ac:inkMkLst>
+            <pc:docMk/>
+            <pc:sldMk cId="92394746" sldId="269"/>
+            <ac:inkMk id="83" creationId="{9219573C-9874-4F7F-A05D-2F9C0A195452}"/>
+          </ac:inkMkLst>
+        </pc:inkChg>
+        <pc:inkChg chg="add del">
+          <ac:chgData name="Nils Mechtel" userId="d365a3c7-8594-435f-9872-5455ceefc78f" providerId="ADAL" clId="{FEE5CBDF-FE29-4F9F-99B9-949F0817748B}" dt="2019-05-12T16:35:47.667" v="1373"/>
+          <ac:inkMkLst>
+            <pc:docMk/>
+            <pc:sldMk cId="92394746" sldId="269"/>
+            <ac:inkMk id="84" creationId="{DA7D0380-78F5-43B4-8E48-933A2FA19B8B}"/>
+          </ac:inkMkLst>
+        </pc:inkChg>
+        <pc:inkChg chg="add del">
+          <ac:chgData name="Nils Mechtel" userId="d365a3c7-8594-435f-9872-5455ceefc78f" providerId="ADAL" clId="{FEE5CBDF-FE29-4F9F-99B9-949F0817748B}" dt="2019-05-12T16:35:47.667" v="1373"/>
+          <ac:inkMkLst>
+            <pc:docMk/>
+            <pc:sldMk cId="92394746" sldId="269"/>
+            <ac:inkMk id="85" creationId="{A9FF5525-55B9-49A0-B7F1-F20D7D9D2786}"/>
+          </ac:inkMkLst>
+        </pc:inkChg>
+        <pc:inkChg chg="add del">
+          <ac:chgData name="Nils Mechtel" userId="d365a3c7-8594-435f-9872-5455ceefc78f" providerId="ADAL" clId="{FEE5CBDF-FE29-4F9F-99B9-949F0817748B}" dt="2019-05-12T16:35:50.093" v="1376"/>
+          <ac:inkMkLst>
+            <pc:docMk/>
+            <pc:sldMk cId="92394746" sldId="269"/>
+            <ac:inkMk id="86" creationId="{CF21698F-4785-4CB3-B9E6-DE21B7517BB3}"/>
+          </ac:inkMkLst>
+        </pc:inkChg>
+        <pc:inkChg chg="add del">
+          <ac:chgData name="Nils Mechtel" userId="d365a3c7-8594-435f-9872-5455ceefc78f" providerId="ADAL" clId="{FEE5CBDF-FE29-4F9F-99B9-949F0817748B}" dt="2019-05-12T16:35:50.093" v="1376"/>
+          <ac:inkMkLst>
+            <pc:docMk/>
+            <pc:sldMk cId="92394746" sldId="269"/>
+            <ac:inkMk id="87" creationId="{730CFB3B-0201-4087-8DAB-ADDE9BFD616F}"/>
+          </ac:inkMkLst>
+        </pc:inkChg>
+        <pc:inkChg chg="add del">
+          <ac:chgData name="Nils Mechtel" userId="d365a3c7-8594-435f-9872-5455ceefc78f" providerId="ADAL" clId="{FEE5CBDF-FE29-4F9F-99B9-949F0817748B}" dt="2019-05-12T16:35:50.093" v="1376"/>
+          <ac:inkMkLst>
+            <pc:docMk/>
+            <pc:sldMk cId="92394746" sldId="269"/>
+            <ac:inkMk id="88" creationId="{AD3EA207-1240-469A-99AF-20330A3E7873}"/>
+          </ac:inkMkLst>
+        </pc:inkChg>
+        <pc:inkChg chg="add del">
+          <ac:chgData name="Nils Mechtel" userId="d365a3c7-8594-435f-9872-5455ceefc78f" providerId="ADAL" clId="{FEE5CBDF-FE29-4F9F-99B9-949F0817748B}" dt="2019-05-12T16:35:51.820" v="1378"/>
+          <ac:inkMkLst>
+            <pc:docMk/>
+            <pc:sldMk cId="92394746" sldId="269"/>
+            <ac:inkMk id="89" creationId="{2C4D30E8-7A00-44B2-9AE5-5EE97C6A7A9E}"/>
+          </ac:inkMkLst>
+        </pc:inkChg>
+        <pc:inkChg chg="add del">
+          <ac:chgData name="Nils Mechtel" userId="d365a3c7-8594-435f-9872-5455ceefc78f" providerId="ADAL" clId="{FEE5CBDF-FE29-4F9F-99B9-949F0817748B}" dt="2019-05-12T16:35:51.820" v="1378"/>
+          <ac:inkMkLst>
+            <pc:docMk/>
+            <pc:sldMk cId="92394746" sldId="269"/>
+            <ac:inkMk id="90" creationId="{017FD047-D844-4C4C-86CE-584CFCA5F01F}"/>
+          </ac:inkMkLst>
+        </pc:inkChg>
+        <pc:inkChg chg="add del">
+          <ac:chgData name="Nils Mechtel" userId="d365a3c7-8594-435f-9872-5455ceefc78f" providerId="ADAL" clId="{FEE5CBDF-FE29-4F9F-99B9-949F0817748B}" dt="2019-05-12T16:35:54.952" v="1385"/>
+          <ac:inkMkLst>
+            <pc:docMk/>
+            <pc:sldMk cId="92394746" sldId="269"/>
+            <ac:inkMk id="91" creationId="{A09D300E-0A4B-4DCF-A8E2-554F312A4C34}"/>
+          </ac:inkMkLst>
+        </pc:inkChg>
+        <pc:inkChg chg="add del">
+          <ac:chgData name="Nils Mechtel" userId="d365a3c7-8594-435f-9872-5455ceefc78f" providerId="ADAL" clId="{FEE5CBDF-FE29-4F9F-99B9-949F0817748B}" dt="2019-05-12T16:35:54.952" v="1385"/>
+          <ac:inkMkLst>
+            <pc:docMk/>
+            <pc:sldMk cId="92394746" sldId="269"/>
+            <ac:inkMk id="92" creationId="{2AFA9A55-9A25-475D-BBF7-3BA7D33CBD89}"/>
+          </ac:inkMkLst>
+        </pc:inkChg>
+        <pc:inkChg chg="add del">
+          <ac:chgData name="Nils Mechtel" userId="d365a3c7-8594-435f-9872-5455ceefc78f" providerId="ADAL" clId="{FEE5CBDF-FE29-4F9F-99B9-949F0817748B}" dt="2019-05-12T16:35:54.952" v="1385"/>
+          <ac:inkMkLst>
+            <pc:docMk/>
+            <pc:sldMk cId="92394746" sldId="269"/>
+            <ac:inkMk id="93" creationId="{505872B0-F4E9-4927-BECC-4E4854A569F2}"/>
+          </ac:inkMkLst>
+        </pc:inkChg>
+        <pc:inkChg chg="add del">
+          <ac:chgData name="Nils Mechtel" userId="d365a3c7-8594-435f-9872-5455ceefc78f" providerId="ADAL" clId="{FEE5CBDF-FE29-4F9F-99B9-949F0817748B}" dt="2019-05-12T16:35:54.952" v="1385"/>
+          <ac:inkMkLst>
+            <pc:docMk/>
+            <pc:sldMk cId="92394746" sldId="269"/>
+            <ac:inkMk id="94" creationId="{A5E30680-98AD-4027-8D0A-8ECD211EEA33}"/>
+          </ac:inkMkLst>
+        </pc:inkChg>
+        <pc:inkChg chg="add del">
+          <ac:chgData name="Nils Mechtel" userId="d365a3c7-8594-435f-9872-5455ceefc78f" providerId="ADAL" clId="{FEE5CBDF-FE29-4F9F-99B9-949F0817748B}" dt="2019-05-12T16:35:54.952" v="1385"/>
+          <ac:inkMkLst>
+            <pc:docMk/>
+            <pc:sldMk cId="92394746" sldId="269"/>
+            <ac:inkMk id="95" creationId="{8C5D4687-BCB2-4AE1-B47B-FBCDD3F9E62F}"/>
+          </ac:inkMkLst>
+        </pc:inkChg>
+        <pc:inkChg chg="add del">
+          <ac:chgData name="Nils Mechtel" userId="d365a3c7-8594-435f-9872-5455ceefc78f" providerId="ADAL" clId="{FEE5CBDF-FE29-4F9F-99B9-949F0817748B}" dt="2019-05-12T16:35:54.952" v="1385"/>
+          <ac:inkMkLst>
+            <pc:docMk/>
+            <pc:sldMk cId="92394746" sldId="269"/>
+            <ac:inkMk id="96" creationId="{E407A17A-DFC4-4AA2-98A3-A24DCDFDB944}"/>
+          </ac:inkMkLst>
+        </pc:inkChg>
+        <pc:inkChg chg="add del">
+          <ac:chgData name="Nils Mechtel" userId="d365a3c7-8594-435f-9872-5455ceefc78f" providerId="ADAL" clId="{FEE5CBDF-FE29-4F9F-99B9-949F0817748B}" dt="2019-05-12T16:35:54.952" v="1385"/>
+          <ac:inkMkLst>
+            <pc:docMk/>
+            <pc:sldMk cId="92394746" sldId="269"/>
+            <ac:inkMk id="97" creationId="{3ABA3B88-2A5E-4626-B6BE-1D84E712E4CE}"/>
+          </ac:inkMkLst>
+        </pc:inkChg>
+        <pc:inkChg chg="add del">
+          <ac:chgData name="Nils Mechtel" userId="d365a3c7-8594-435f-9872-5455ceefc78f" providerId="ADAL" clId="{FEE5CBDF-FE29-4F9F-99B9-949F0817748B}" dt="2019-05-12T16:35:57.767" v="1389"/>
+          <ac:inkMkLst>
+            <pc:docMk/>
+            <pc:sldMk cId="92394746" sldId="269"/>
+            <ac:inkMk id="98" creationId="{C67CDB82-437A-495D-88BF-FE04E9EBDC92}"/>
+          </ac:inkMkLst>
+        </pc:inkChg>
+        <pc:inkChg chg="add del">
+          <ac:chgData name="Nils Mechtel" userId="d365a3c7-8594-435f-9872-5455ceefc78f" providerId="ADAL" clId="{FEE5CBDF-FE29-4F9F-99B9-949F0817748B}" dt="2019-05-12T16:35:57.767" v="1389"/>
+          <ac:inkMkLst>
+            <pc:docMk/>
+            <pc:sldMk cId="92394746" sldId="269"/>
+            <ac:inkMk id="99" creationId="{6D8BA13A-2599-41B2-8F89-22BC63E45666}"/>
+          </ac:inkMkLst>
+        </pc:inkChg>
+        <pc:inkChg chg="add del">
+          <ac:chgData name="Nils Mechtel" userId="d365a3c7-8594-435f-9872-5455ceefc78f" providerId="ADAL" clId="{FEE5CBDF-FE29-4F9F-99B9-949F0817748B}" dt="2019-05-12T16:35:57.767" v="1389"/>
+          <ac:inkMkLst>
+            <pc:docMk/>
+            <pc:sldMk cId="92394746" sldId="269"/>
+            <ac:inkMk id="100" creationId="{564C6D81-4C6F-4B5E-90AD-324299A0B1B0}"/>
+          </ac:inkMkLst>
+        </pc:inkChg>
+        <pc:inkChg chg="add del">
+          <ac:chgData name="Nils Mechtel" userId="d365a3c7-8594-435f-9872-5455ceefc78f" providerId="ADAL" clId="{FEE5CBDF-FE29-4F9F-99B9-949F0817748B}" dt="2019-05-12T16:35:57.767" v="1389"/>
+          <ac:inkMkLst>
+            <pc:docMk/>
+            <pc:sldMk cId="92394746" sldId="269"/>
+            <ac:inkMk id="101" creationId="{6ED9AF92-F564-483D-9E6C-EF13E177E33D}"/>
+          </ac:inkMkLst>
+        </pc:inkChg>
+        <pc:inkChg chg="add del">
+          <ac:chgData name="Nils Mechtel" userId="d365a3c7-8594-435f-9872-5455ceefc78f" providerId="ADAL" clId="{FEE5CBDF-FE29-4F9F-99B9-949F0817748B}" dt="2019-05-12T16:36:10.952" v="1395"/>
+          <ac:inkMkLst>
+            <pc:docMk/>
+            <pc:sldMk cId="92394746" sldId="269"/>
+            <ac:inkMk id="102" creationId="{A762FB60-616E-40D6-98F8-422A5886AAF9}"/>
+          </ac:inkMkLst>
+        </pc:inkChg>
+        <pc:inkChg chg="add del">
+          <ac:chgData name="Nils Mechtel" userId="d365a3c7-8594-435f-9872-5455ceefc78f" providerId="ADAL" clId="{FEE5CBDF-FE29-4F9F-99B9-949F0817748B}" dt="2019-05-12T16:36:08.668" v="1392"/>
+          <ac:inkMkLst>
+            <pc:docMk/>
+            <pc:sldMk cId="92394746" sldId="269"/>
+            <ac:inkMk id="103" creationId="{FCE5F654-AFF9-407E-8B33-E0655A160BEE}"/>
+          </ac:inkMkLst>
+        </pc:inkChg>
+        <pc:inkChg chg="add del">
+          <ac:chgData name="Nils Mechtel" userId="d365a3c7-8594-435f-9872-5455ceefc78f" providerId="ADAL" clId="{FEE5CBDF-FE29-4F9F-99B9-949F0817748B}" dt="2019-05-12T16:36:08.668" v="1392"/>
+          <ac:inkMkLst>
+            <pc:docMk/>
+            <pc:sldMk cId="92394746" sldId="269"/>
+            <ac:inkMk id="104" creationId="{AE87E488-A196-4422-BE5E-3FCAF14C8FA7}"/>
+          </ac:inkMkLst>
+        </pc:inkChg>
+        <pc:inkChg chg="add del">
+          <ac:chgData name="Nils Mechtel" userId="d365a3c7-8594-435f-9872-5455ceefc78f" providerId="ADAL" clId="{FEE5CBDF-FE29-4F9F-99B9-949F0817748B}" dt="2019-05-12T16:36:10.952" v="1395"/>
+          <ac:inkMkLst>
+            <pc:docMk/>
+            <pc:sldMk cId="92394746" sldId="269"/>
+            <ac:inkMk id="105" creationId="{69A361E2-701B-4D7D-93AB-E14D1B6C7004}"/>
+          </ac:inkMkLst>
+        </pc:inkChg>
+        <pc:inkChg chg="add del">
+          <ac:chgData name="Nils Mechtel" userId="d365a3c7-8594-435f-9872-5455ceefc78f" providerId="ADAL" clId="{FEE5CBDF-FE29-4F9F-99B9-949F0817748B}" dt="2019-05-12T16:36:10.952" v="1395"/>
+          <ac:inkMkLst>
+            <pc:docMk/>
+            <pc:sldMk cId="92394746" sldId="269"/>
+            <ac:inkMk id="106" creationId="{BD7C373F-619A-45FA-BA5B-492FEB2C37B9}"/>
+          </ac:inkMkLst>
+        </pc:inkChg>
+        <pc:inkChg chg="add del">
+          <ac:chgData name="Nils Mechtel" userId="d365a3c7-8594-435f-9872-5455ceefc78f" providerId="ADAL" clId="{FEE5CBDF-FE29-4F9F-99B9-949F0817748B}" dt="2019-05-12T16:36:10.952" v="1395"/>
+          <ac:inkMkLst>
+            <pc:docMk/>
+            <pc:sldMk cId="92394746" sldId="269"/>
+            <ac:inkMk id="107" creationId="{432F74C6-02F6-4B42-9144-B1F9E3F1B742}"/>
+          </ac:inkMkLst>
+        </pc:inkChg>
+        <pc:inkChg chg="add del">
+          <ac:chgData name="Nils Mechtel" userId="d365a3c7-8594-435f-9872-5455ceefc78f" providerId="ADAL" clId="{FEE5CBDF-FE29-4F9F-99B9-949F0817748B}" dt="2019-05-12T16:36:14.999" v="1400"/>
+          <ac:inkMkLst>
+            <pc:docMk/>
+            <pc:sldMk cId="92394746" sldId="269"/>
+            <ac:inkMk id="108" creationId="{BB73298A-D468-4ACE-8477-6CD5583AEEB5}"/>
+          </ac:inkMkLst>
+        </pc:inkChg>
+        <pc:inkChg chg="add del">
+          <ac:chgData name="Nils Mechtel" userId="d365a3c7-8594-435f-9872-5455ceefc78f" providerId="ADAL" clId="{FEE5CBDF-FE29-4F9F-99B9-949F0817748B}" dt="2019-05-12T16:36:14.999" v="1400"/>
+          <ac:inkMkLst>
+            <pc:docMk/>
+            <pc:sldMk cId="92394746" sldId="269"/>
+            <ac:inkMk id="109" creationId="{09212F85-8870-4F26-B888-D0402A8201A3}"/>
+          </ac:inkMkLst>
+        </pc:inkChg>
+        <pc:inkChg chg="add del">
+          <ac:chgData name="Nils Mechtel" userId="d365a3c7-8594-435f-9872-5455ceefc78f" providerId="ADAL" clId="{FEE5CBDF-FE29-4F9F-99B9-949F0817748B}" dt="2019-05-12T16:36:14.999" v="1400"/>
+          <ac:inkMkLst>
+            <pc:docMk/>
+            <pc:sldMk cId="92394746" sldId="269"/>
+            <ac:inkMk id="110" creationId="{9C48BC4F-ACFF-4D8D-B323-CF5D62328982}"/>
+          </ac:inkMkLst>
+        </pc:inkChg>
+        <pc:inkChg chg="add del">
+          <ac:chgData name="Nils Mechtel" userId="d365a3c7-8594-435f-9872-5455ceefc78f" providerId="ADAL" clId="{FEE5CBDF-FE29-4F9F-99B9-949F0817748B}" dt="2019-05-12T16:36:14.999" v="1400"/>
+          <ac:inkMkLst>
+            <pc:docMk/>
+            <pc:sldMk cId="92394746" sldId="269"/>
+            <ac:inkMk id="111" creationId="{87E35410-E9B6-456A-BC8A-D03D21F3D56C}"/>
+          </ac:inkMkLst>
+        </pc:inkChg>
+        <pc:inkChg chg="add del">
+          <ac:chgData name="Nils Mechtel" userId="d365a3c7-8594-435f-9872-5455ceefc78f" providerId="ADAL" clId="{FEE5CBDF-FE29-4F9F-99B9-949F0817748B}" dt="2019-05-12T16:36:14.999" v="1400"/>
+          <ac:inkMkLst>
+            <pc:docMk/>
+            <pc:sldMk cId="92394746" sldId="269"/>
+            <ac:inkMk id="112" creationId="{25FDBC8E-E3A6-454B-8A41-FD4404A430A0}"/>
+          </ac:inkMkLst>
+        </pc:inkChg>
+        <pc:inkChg chg="add">
+          <ac:chgData name="Nils Mechtel" userId="d365a3c7-8594-435f-9872-5455ceefc78f" providerId="ADAL" clId="{FEE5CBDF-FE29-4F9F-99B9-949F0817748B}" dt="2019-05-12T16:36:14.999" v="1400"/>
+          <ac:inkMkLst>
+            <pc:docMk/>
+            <pc:sldMk cId="92394746" sldId="269"/>
+            <ac:inkMk id="113" creationId="{7902E532-BDA0-454F-8E4C-F7D3D477AB0E}"/>
+          </ac:inkMkLst>
+        </pc:inkChg>
+        <pc:inkChg chg="add del">
+          <ac:chgData name="Nils Mechtel" userId="d365a3c7-8594-435f-9872-5455ceefc78f" providerId="ADAL" clId="{FEE5CBDF-FE29-4F9F-99B9-949F0817748B}" dt="2019-05-12T16:36:25.861" v="1407"/>
+          <ac:inkMkLst>
+            <pc:docMk/>
+            <pc:sldMk cId="92394746" sldId="269"/>
+            <ac:inkMk id="114" creationId="{073D9D13-959B-4407-8A2A-FEF45EBCF900}"/>
+          </ac:inkMkLst>
+        </pc:inkChg>
+        <pc:inkChg chg="add del">
+          <ac:chgData name="Nils Mechtel" userId="d365a3c7-8594-435f-9872-5455ceefc78f" providerId="ADAL" clId="{FEE5CBDF-FE29-4F9F-99B9-949F0817748B}" dt="2019-05-12T16:36:25.861" v="1407"/>
+          <ac:inkMkLst>
+            <pc:docMk/>
+            <pc:sldMk cId="92394746" sldId="269"/>
+            <ac:inkMk id="115" creationId="{57C4D692-3CB0-44EE-99DA-6087CCA7F813}"/>
+          </ac:inkMkLst>
+        </pc:inkChg>
+        <pc:inkChg chg="add del">
+          <ac:chgData name="Nils Mechtel" userId="d365a3c7-8594-435f-9872-5455ceefc78f" providerId="ADAL" clId="{FEE5CBDF-FE29-4F9F-99B9-949F0817748B}" dt="2019-05-12T16:36:25.861" v="1407"/>
+          <ac:inkMkLst>
+            <pc:docMk/>
+            <pc:sldMk cId="92394746" sldId="269"/>
+            <ac:inkMk id="116" creationId="{4620D2E4-EB1D-46FD-A88C-F981EB8EC8C5}"/>
+          </ac:inkMkLst>
+        </pc:inkChg>
+        <pc:inkChg chg="add del">
+          <ac:chgData name="Nils Mechtel" userId="d365a3c7-8594-435f-9872-5455ceefc78f" providerId="ADAL" clId="{FEE5CBDF-FE29-4F9F-99B9-949F0817748B}" dt="2019-05-12T16:36:25.861" v="1407"/>
+          <ac:inkMkLst>
+            <pc:docMk/>
+            <pc:sldMk cId="92394746" sldId="269"/>
+            <ac:inkMk id="117" creationId="{39802306-D425-4354-9909-FF0145CAE5E8}"/>
+          </ac:inkMkLst>
+        </pc:inkChg>
+        <pc:inkChg chg="add del">
+          <ac:chgData name="Nils Mechtel" userId="d365a3c7-8594-435f-9872-5455ceefc78f" providerId="ADAL" clId="{FEE5CBDF-FE29-4F9F-99B9-949F0817748B}" dt="2019-05-12T16:36:25.861" v="1407"/>
+          <ac:inkMkLst>
+            <pc:docMk/>
+            <pc:sldMk cId="92394746" sldId="269"/>
+            <ac:inkMk id="118" creationId="{DF4632AB-8185-49AB-98FD-A4AFABFD82BA}"/>
+          </ac:inkMkLst>
+        </pc:inkChg>
+        <pc:inkChg chg="add del">
+          <ac:chgData name="Nils Mechtel" userId="d365a3c7-8594-435f-9872-5455ceefc78f" providerId="ADAL" clId="{FEE5CBDF-FE29-4F9F-99B9-949F0817748B}" dt="2019-05-12T16:36:25.861" v="1407"/>
+          <ac:inkMkLst>
+            <pc:docMk/>
+            <pc:sldMk cId="92394746" sldId="269"/>
+            <ac:inkMk id="119" creationId="{72BD41C7-3DFF-4A91-A90B-152B47DC282F}"/>
+          </ac:inkMkLst>
+        </pc:inkChg>
+        <pc:inkChg chg="add">
+          <ac:chgData name="Nils Mechtel" userId="d365a3c7-8594-435f-9872-5455ceefc78f" providerId="ADAL" clId="{FEE5CBDF-FE29-4F9F-99B9-949F0817748B}" dt="2019-05-12T16:36:25.861" v="1407"/>
+          <ac:inkMkLst>
+            <pc:docMk/>
+            <pc:sldMk cId="92394746" sldId="269"/>
+            <ac:inkMk id="120" creationId="{33E5CB3E-D29A-4B9C-B646-23F6963E64AB}"/>
+          </ac:inkMkLst>
+        </pc:inkChg>
+      </pc:sldChg>
+      <pc:sldChg chg="modSp add del setBg">
+        <pc:chgData name="Nils Mechtel" userId="d365a3c7-8594-435f-9872-5455ceefc78f" providerId="ADAL" clId="{FEE5CBDF-FE29-4F9F-99B9-949F0817748B}" dt="2019-05-13T07:54:25.888" v="2434" actId="2696"/>
+        <pc:sldMkLst>
+          <pc:docMk/>
+          <pc:sldMk cId="3352574116" sldId="270"/>
+        </pc:sldMkLst>
+        <pc:spChg chg="mod">
+          <ac:chgData name="Nils Mechtel" userId="d365a3c7-8594-435f-9872-5455ceefc78f" providerId="ADAL" clId="{FEE5CBDF-FE29-4F9F-99B9-949F0817748B}" dt="2019-05-13T07:50:37.930" v="2431" actId="2711"/>
+          <ac:spMkLst>
+            <pc:docMk/>
+            <pc:sldMk cId="3352574116" sldId="270"/>
+            <ac:spMk id="2" creationId="{B4E234EC-93B9-47D1-9869-E8BB99DCF03F}"/>
+          </ac:spMkLst>
+        </pc:spChg>
+      </pc:sldChg>
+      <pc:sldChg chg="addSp delSp modSp add del mod modTransition setBg setFolMasterObjs">
+        <pc:chgData name="Nils Mechtel" userId="d365a3c7-8594-435f-9872-5455ceefc78f" providerId="ADAL" clId="{FEE5CBDF-FE29-4F9F-99B9-949F0817748B}" dt="2019-05-13T17:31:05.549" v="3969" actId="2696"/>
+        <pc:sldMkLst>
+          <pc:docMk/>
+          <pc:sldMk cId="4041509991" sldId="271"/>
+        </pc:sldMkLst>
+        <pc:spChg chg="add del">
+          <ac:chgData name="Nils Mechtel" userId="d365a3c7-8594-435f-9872-5455ceefc78f" providerId="ADAL" clId="{FEE5CBDF-FE29-4F9F-99B9-949F0817748B}" dt="2019-05-12T16:58:54.060" v="1431" actId="26606"/>
+          <ac:spMkLst>
+            <pc:docMk/>
+            <pc:sldMk cId="4041509991" sldId="271"/>
+            <ac:spMk id="2" creationId="{8ED353C0-6871-411D-9884-8C6823E063FA}"/>
+          </ac:spMkLst>
+        </pc:spChg>
+        <pc:spChg chg="del">
+          <ac:chgData name="Nils Mechtel" userId="d365a3c7-8594-435f-9872-5455ceefc78f" providerId="ADAL" clId="{FEE5CBDF-FE29-4F9F-99B9-949F0817748B}" dt="2019-05-12T16:58:44.418" v="1429"/>
+          <ac:spMkLst>
+            <pc:docMk/>
+            <pc:sldMk cId="4041509991" sldId="271"/>
+            <ac:spMk id="3" creationId="{69A5FBC5-87C7-4958-BFE4-43BCB31A64EF}"/>
+          </ac:spMkLst>
+        </pc:spChg>
+        <pc:spChg chg="add del">
+          <ac:chgData name="Nils Mechtel" userId="d365a3c7-8594-435f-9872-5455ceefc78f" providerId="ADAL" clId="{FEE5CBDF-FE29-4F9F-99B9-949F0817748B}" dt="2019-05-12T16:58:54.060" v="1431" actId="26606"/>
+          <ac:spMkLst>
+            <pc:docMk/>
+            <pc:sldMk cId="4041509991" sldId="271"/>
+            <ac:spMk id="21" creationId="{85C2136B-77EC-41E9-BDB6-58A4AE1429B7}"/>
+          </ac:spMkLst>
+        </pc:spChg>
+        <pc:spChg chg="add del">
+          <ac:chgData name="Nils Mechtel" userId="d365a3c7-8594-435f-9872-5455ceefc78f" providerId="ADAL" clId="{FEE5CBDF-FE29-4F9F-99B9-949F0817748B}" dt="2019-05-12T16:58:54.060" v="1431" actId="26606"/>
+          <ac:spMkLst>
+            <pc:docMk/>
+            <pc:sldMk cId="4041509991" sldId="271"/>
+            <ac:spMk id="27" creationId="{7FBCF2A6-1F18-4B68-B5D2-5B763ED4159A}"/>
+          </ac:spMkLst>
+        </pc:spChg>
+        <pc:spChg chg="add del">
+          <ac:chgData name="Nils Mechtel" userId="d365a3c7-8594-435f-9872-5455ceefc78f" providerId="ADAL" clId="{FEE5CBDF-FE29-4F9F-99B9-949F0817748B}" dt="2019-05-12T16:58:54.060" v="1431" actId="26606"/>
+          <ac:spMkLst>
+            <pc:docMk/>
+            <pc:sldMk cId="4041509991" sldId="271"/>
+            <ac:spMk id="29" creationId="{FF3A27FB-A693-4A75-951E-0C77CD98F032}"/>
+          </ac:spMkLst>
+        </pc:spChg>
+        <pc:grpChg chg="add del">
+          <ac:chgData name="Nils Mechtel" userId="d365a3c7-8594-435f-9872-5455ceefc78f" providerId="ADAL" clId="{FEE5CBDF-FE29-4F9F-99B9-949F0817748B}" dt="2019-05-12T16:58:54.060" v="1431" actId="26606"/>
+          <ac:grpSpMkLst>
+            <pc:docMk/>
+            <pc:sldMk cId="4041509991" sldId="271"/>
+            <ac:grpSpMk id="9" creationId="{6CE6E43D-FC44-4F15-89C6-7C08E9BDC3FF}"/>
+          </ac:grpSpMkLst>
+        </pc:grpChg>
+        <pc:picChg chg="add mod">
+          <ac:chgData name="Nils Mechtel" userId="d365a3c7-8594-435f-9872-5455ceefc78f" providerId="ADAL" clId="{FEE5CBDF-FE29-4F9F-99B9-949F0817748B}" dt="2019-05-12T16:58:54.060" v="1431" actId="26606"/>
+          <ac:picMkLst>
+            <pc:docMk/>
+            <pc:sldMk cId="4041509991" sldId="271"/>
+            <ac:picMk id="4" creationId="{0F275397-CCE1-4857-BD3F-C66ABA3D0B5B}"/>
+          </ac:picMkLst>
+        </pc:picChg>
+        <pc:cxnChg chg="add del">
+          <ac:chgData name="Nils Mechtel" userId="d365a3c7-8594-435f-9872-5455ceefc78f" providerId="ADAL" clId="{FEE5CBDF-FE29-4F9F-99B9-949F0817748B}" dt="2019-05-12T16:58:54.060" v="1431" actId="26606"/>
+          <ac:cxnSpMkLst>
+            <pc:docMk/>
+            <pc:sldMk cId="4041509991" sldId="271"/>
+            <ac:cxnSpMk id="23" creationId="{E55891F3-A5E2-4418-8950-25FA2B731209}"/>
+          </ac:cxnSpMkLst>
+        </pc:cxnChg>
+        <pc:cxnChg chg="add del">
+          <ac:chgData name="Nils Mechtel" userId="d365a3c7-8594-435f-9872-5455ceefc78f" providerId="ADAL" clId="{FEE5CBDF-FE29-4F9F-99B9-949F0817748B}" dt="2019-05-12T16:58:54.060" v="1431" actId="26606"/>
+          <ac:cxnSpMkLst>
+            <pc:docMk/>
+            <pc:sldMk cId="4041509991" sldId="271"/>
+            <ac:cxnSpMk id="25" creationId="{FB1FCEB1-A7E1-417C-A7EF-AA30D5A0859F}"/>
+          </ac:cxnSpMkLst>
+        </pc:cxnChg>
+      </pc:sldChg>
+      <pc:sldChg chg="addSp delSp modSp add ord modTransition modAnim">
+        <pc:chgData name="Nils Mechtel" userId="d365a3c7-8594-435f-9872-5455ceefc78f" providerId="ADAL" clId="{FEE5CBDF-FE29-4F9F-99B9-949F0817748B}" dt="2019-05-14T16:36:41.593" v="5440" actId="20577"/>
+        <pc:sldMkLst>
+          <pc:docMk/>
+          <pc:sldMk cId="3411230145" sldId="273"/>
+        </pc:sldMkLst>
+        <pc:spChg chg="del">
+          <ac:chgData name="Nils Mechtel" userId="d365a3c7-8594-435f-9872-5455ceefc78f" providerId="ADAL" clId="{FEE5CBDF-FE29-4F9F-99B9-949F0817748B}" dt="2019-05-12T18:13:56.343" v="1603" actId="478"/>
+          <ac:spMkLst>
+            <pc:docMk/>
+            <pc:sldMk cId="3411230145" sldId="273"/>
+            <ac:spMk id="2" creationId="{B8A928F4-921B-4AAC-ACFF-A2A2676A3602}"/>
+          </ac:spMkLst>
+        </pc:spChg>
+        <pc:spChg chg="mod">
+          <ac:chgData name="Nils Mechtel" userId="d365a3c7-8594-435f-9872-5455ceefc78f" providerId="ADAL" clId="{FEE5CBDF-FE29-4F9F-99B9-949F0817748B}" dt="2019-05-12T18:39:28.031" v="1860" actId="164"/>
+          <ac:spMkLst>
+            <pc:docMk/>
+            <pc:sldMk cId="3411230145" sldId="273"/>
+            <ac:spMk id="3" creationId="{C7721A79-9C5D-4C3E-BE47-C0C4A391C0AF}"/>
+          </ac:spMkLst>
+        </pc:spChg>
+        <pc:spChg chg="mod ord">
+          <ac:chgData name="Nils Mechtel" userId="d365a3c7-8594-435f-9872-5455ceefc78f" providerId="ADAL" clId="{FEE5CBDF-FE29-4F9F-99B9-949F0817748B}" dt="2019-05-12T18:58:40.491" v="1999" actId="14100"/>
+          <ac:spMkLst>
+            <pc:docMk/>
+            <pc:sldMk cId="3411230145" sldId="273"/>
+            <ac:spMk id="5" creationId="{B87C55DA-F258-4A89-83E2-18B249843B44}"/>
+          </ac:spMkLst>
+        </pc:spChg>
+        <pc:spChg chg="mod">
+          <ac:chgData name="Nils Mechtel" userId="d365a3c7-8594-435f-9872-5455ceefc78f" providerId="ADAL" clId="{FEE5CBDF-FE29-4F9F-99B9-949F0817748B}" dt="2019-05-14T16:36:41.593" v="5440" actId="20577"/>
+          <ac:spMkLst>
+            <pc:docMk/>
+            <pc:sldMk cId="3411230145" sldId="273"/>
+            <ac:spMk id="6" creationId="{0D3C4D43-0167-4BC2-91B0-8DB1F2AE73AE}"/>
+          </ac:spMkLst>
+        </pc:spChg>
+        <pc:spChg chg="mod">
+          <ac:chgData name="Nils Mechtel" userId="d365a3c7-8594-435f-9872-5455ceefc78f" providerId="ADAL" clId="{FEE5CBDF-FE29-4F9F-99B9-949F0817748B}" dt="2019-05-12T18:53:54.779" v="1951" actId="164"/>
+          <ac:spMkLst>
+            <pc:docMk/>
+            <pc:sldMk cId="3411230145" sldId="273"/>
+            <ac:spMk id="7" creationId="{DD9EDB6F-FD49-4E0F-8B88-56194C19A4A0}"/>
+          </ac:spMkLst>
+        </pc:spChg>
+        <pc:spChg chg="add del mod">
+          <ac:chgData name="Nils Mechtel" userId="d365a3c7-8594-435f-9872-5455ceefc78f" providerId="ADAL" clId="{FEE5CBDF-FE29-4F9F-99B9-949F0817748B}" dt="2019-05-12T18:13:58.863" v="1604" actId="478"/>
+          <ac:spMkLst>
+            <pc:docMk/>
+            <pc:sldMk cId="3411230145" sldId="273"/>
+            <ac:spMk id="9" creationId="{89741C91-7C74-4ADC-8504-62B690AFAC14}"/>
+          </ac:spMkLst>
+        </pc:spChg>
+        <pc:spChg chg="add mod ord">
+          <ac:chgData name="Nils Mechtel" userId="d365a3c7-8594-435f-9872-5455ceefc78f" providerId="ADAL" clId="{FEE5CBDF-FE29-4F9F-99B9-949F0817748B}" dt="2019-05-12T19:01:19.142" v="2012" actId="164"/>
+          <ac:spMkLst>
+            <pc:docMk/>
+            <pc:sldMk cId="3411230145" sldId="273"/>
+            <ac:spMk id="9" creationId="{B00DAE00-C4FA-409B-8975-71AAD9D2603E}"/>
+          </ac:spMkLst>
+        </pc:spChg>
+        <pc:spChg chg="mod">
+          <ac:chgData name="Nils Mechtel" userId="d365a3c7-8594-435f-9872-5455ceefc78f" providerId="ADAL" clId="{FEE5CBDF-FE29-4F9F-99B9-949F0817748B}" dt="2019-05-12T18:39:28.031" v="1860" actId="164"/>
+          <ac:spMkLst>
+            <pc:docMk/>
+            <pc:sldMk cId="3411230145" sldId="273"/>
+            <ac:spMk id="16" creationId="{016ED284-7640-4118-8748-FB0B7DED2170}"/>
+          </ac:spMkLst>
+        </pc:spChg>
+        <pc:spChg chg="add">
+          <ac:chgData name="Nils Mechtel" userId="d365a3c7-8594-435f-9872-5455ceefc78f" providerId="ADAL" clId="{FEE5CBDF-FE29-4F9F-99B9-949F0817748B}" dt="2019-05-12T18:14:10.699" v="1605"/>
+          <ac:spMkLst>
+            <pc:docMk/>
+            <pc:sldMk cId="3411230145" sldId="273"/>
+            <ac:spMk id="20" creationId="{355E2B8D-7456-4A04-BFEF-F31015A92DD3}"/>
+          </ac:spMkLst>
+        </pc:spChg>
+        <pc:spChg chg="add">
+          <ac:chgData name="Nils Mechtel" userId="d365a3c7-8594-435f-9872-5455ceefc78f" providerId="ADAL" clId="{FEE5CBDF-FE29-4F9F-99B9-949F0817748B}" dt="2019-05-12T18:14:10.699" v="1605"/>
+          <ac:spMkLst>
+            <pc:docMk/>
+            <pc:sldMk cId="3411230145" sldId="273"/>
+            <ac:spMk id="21" creationId="{CBDB0E70-1F35-4FE3-8AC1-9B7EBE2F2FC6}"/>
+          </ac:spMkLst>
+        </pc:spChg>
+        <pc:spChg chg="add">
+          <ac:chgData name="Nils Mechtel" userId="d365a3c7-8594-435f-9872-5455ceefc78f" providerId="ADAL" clId="{FEE5CBDF-FE29-4F9F-99B9-949F0817748B}" dt="2019-05-12T18:14:10.699" v="1605"/>
+          <ac:spMkLst>
+            <pc:docMk/>
+            <pc:sldMk cId="3411230145" sldId="273"/>
+            <ac:spMk id="22" creationId="{8E5D0958-2A75-4CEC-A32A-7355B23674E3}"/>
+          </ac:spMkLst>
+        </pc:spChg>
+        <pc:spChg chg="add">
+          <ac:chgData name="Nils Mechtel" userId="d365a3c7-8594-435f-9872-5455ceefc78f" providerId="ADAL" clId="{FEE5CBDF-FE29-4F9F-99B9-949F0817748B}" dt="2019-05-12T18:14:10.699" v="1605"/>
+          <ac:spMkLst>
+            <pc:docMk/>
+            <pc:sldMk cId="3411230145" sldId="273"/>
+            <ac:spMk id="23" creationId="{38F3CE0A-69D7-49C7-A9BA-7F482B9F824F}"/>
+          </ac:spMkLst>
+        </pc:spChg>
+        <pc:spChg chg="add">
+          <ac:chgData name="Nils Mechtel" userId="d365a3c7-8594-435f-9872-5455ceefc78f" providerId="ADAL" clId="{FEE5CBDF-FE29-4F9F-99B9-949F0817748B}" dt="2019-05-12T18:14:10.699" v="1605"/>
+          <ac:spMkLst>
+            <pc:docMk/>
+            <pc:sldMk cId="3411230145" sldId="273"/>
+            <ac:spMk id="24" creationId="{E6EF458C-4C89-4071-901F-F8C7550E551D}"/>
+          </ac:spMkLst>
+        </pc:spChg>
+        <pc:spChg chg="add">
+          <ac:chgData name="Nils Mechtel" userId="d365a3c7-8594-435f-9872-5455ceefc78f" providerId="ADAL" clId="{FEE5CBDF-FE29-4F9F-99B9-949F0817748B}" dt="2019-05-12T18:14:10.699" v="1605"/>
+          <ac:spMkLst>
+            <pc:docMk/>
+            <pc:sldMk cId="3411230145" sldId="273"/>
+            <ac:spMk id="25" creationId="{00E0E179-B638-4814-A4A8-045E86F23971}"/>
+          </ac:spMkLst>
+        </pc:spChg>
+        <pc:spChg chg="mod">
+          <ac:chgData name="Nils Mechtel" userId="d365a3c7-8594-435f-9872-5455ceefc78f" providerId="ADAL" clId="{FEE5CBDF-FE29-4F9F-99B9-949F0817748B}" dt="2019-05-14T13:01:46.731" v="4566" actId="20577"/>
+          <ac:spMkLst>
+            <pc:docMk/>
+            <pc:sldMk cId="3411230145" sldId="273"/>
+            <ac:spMk id="27" creationId="{1D4E9F6D-80A5-4092-AB39-864550306221}"/>
+          </ac:spMkLst>
+        </pc:spChg>
+        <pc:spChg chg="mod">
+          <ac:chgData name="Nils Mechtel" userId="d365a3c7-8594-435f-9872-5455ceefc78f" providerId="ADAL" clId="{FEE5CBDF-FE29-4F9F-99B9-949F0817748B}" dt="2019-05-12T18:39:28.031" v="1860" actId="164"/>
+          <ac:spMkLst>
+            <pc:docMk/>
+            <pc:sldMk cId="3411230145" sldId="273"/>
+            <ac:spMk id="33" creationId="{66BE9B96-1BA1-48EF-910F-C86919A04CCA}"/>
+          </ac:spMkLst>
+        </pc:spChg>
+        <pc:spChg chg="mod">
+          <ac:chgData name="Nils Mechtel" userId="d365a3c7-8594-435f-9872-5455ceefc78f" providerId="ADAL" clId="{FEE5CBDF-FE29-4F9F-99B9-949F0817748B}" dt="2019-05-12T18:39:28.031" v="1860" actId="164"/>
+          <ac:spMkLst>
+            <pc:docMk/>
+            <pc:sldMk cId="3411230145" sldId="273"/>
+            <ac:spMk id="34" creationId="{F11ECD49-EE8B-4BED-A36B-B4FBD1DBE16F}"/>
+          </ac:spMkLst>
+        </pc:spChg>
+        <pc:spChg chg="mod">
+          <ac:chgData name="Nils Mechtel" userId="d365a3c7-8594-435f-9872-5455ceefc78f" providerId="ADAL" clId="{FEE5CBDF-FE29-4F9F-99B9-949F0817748B}" dt="2019-05-12T18:39:28.031" v="1860" actId="164"/>
+          <ac:spMkLst>
+            <pc:docMk/>
+            <pc:sldMk cId="3411230145" sldId="273"/>
+            <ac:spMk id="35" creationId="{7E4BE2D5-563B-4627-9197-F8FF20E6E123}"/>
+          </ac:spMkLst>
+        </pc:spChg>
+        <pc:grpChg chg="add mod ord">
+          <ac:chgData name="Nils Mechtel" userId="d365a3c7-8594-435f-9872-5455ceefc78f" providerId="ADAL" clId="{FEE5CBDF-FE29-4F9F-99B9-949F0817748B}" dt="2019-05-12T18:59:44.644" v="2002" actId="167"/>
+          <ac:grpSpMkLst>
+            <pc:docMk/>
+            <pc:sldMk cId="3411230145" sldId="273"/>
+            <ac:grpSpMk id="2" creationId="{615B8D96-7A10-4A07-BF40-69658023BDF8}"/>
+          </ac:grpSpMkLst>
+        </pc:grpChg>
+        <pc:grpChg chg="add mod">
+          <ac:chgData name="Nils Mechtel" userId="d365a3c7-8594-435f-9872-5455ceefc78f" providerId="ADAL" clId="{FEE5CBDF-FE29-4F9F-99B9-949F0817748B}" dt="2019-05-12T19:01:19.142" v="2012" actId="164"/>
+          <ac:grpSpMkLst>
+            <pc:docMk/>
+            <pc:sldMk cId="3411230145" sldId="273"/>
+            <ac:grpSpMk id="8" creationId="{AF98AE2C-870D-4214-92FF-129D6716931E}"/>
+          </ac:grpSpMkLst>
+        </pc:grpChg>
+        <pc:grpChg chg="add del mod">
+          <ac:chgData name="Nils Mechtel" userId="d365a3c7-8594-435f-9872-5455ceefc78f" providerId="ADAL" clId="{FEE5CBDF-FE29-4F9F-99B9-949F0817748B}" dt="2019-05-13T17:42:46.949" v="4027"/>
+          <ac:grpSpMkLst>
+            <pc:docMk/>
+            <pc:sldMk cId="3411230145" sldId="273"/>
+            <ac:grpSpMk id="8" creationId="{BC2409BE-A63F-4DD5-9286-D7312B46A7C4}"/>
+          </ac:grpSpMkLst>
+        </pc:grpChg>
+        <pc:grpChg chg="add del mod">
+          <ac:chgData name="Nils Mechtel" userId="d365a3c7-8594-435f-9872-5455ceefc78f" providerId="ADAL" clId="{FEE5CBDF-FE29-4F9F-99B9-949F0817748B}" dt="2019-05-13T11:34:34.827" v="2990"/>
+          <ac:grpSpMkLst>
+            <pc:docMk/>
+            <pc:sldMk cId="3411230145" sldId="273"/>
+            <ac:grpSpMk id="10" creationId="{79924885-AE3E-40A3-AACF-C3A07E84A7DE}"/>
+          </ac:grpSpMkLst>
+        </pc:grpChg>
+        <pc:grpChg chg="add mod ord">
+          <ac:chgData name="Nils Mechtel" userId="d365a3c7-8594-435f-9872-5455ceefc78f" providerId="ADAL" clId="{FEE5CBDF-FE29-4F9F-99B9-949F0817748B}" dt="2019-05-12T18:55:15.896" v="1964" actId="164"/>
+          <ac:grpSpMkLst>
+            <pc:docMk/>
+            <pc:sldMk cId="3411230145" sldId="273"/>
+            <ac:grpSpMk id="11" creationId="{412571FD-F39A-466B-BA13-0EB40F9626EC}"/>
+          </ac:grpSpMkLst>
+        </pc:grpChg>
+        <pc:grpChg chg="add del mod">
+          <ac:chgData name="Nils Mechtel" userId="d365a3c7-8594-435f-9872-5455ceefc78f" providerId="ADAL" clId="{FEE5CBDF-FE29-4F9F-99B9-949F0817748B}" dt="2019-05-13T17:42:46.949" v="4027"/>
+          <ac:grpSpMkLst>
+            <pc:docMk/>
+            <pc:sldMk cId="3411230145" sldId="273"/>
+            <ac:grpSpMk id="11" creationId="{422370E7-28DA-4E72-9C6F-5990E7BDA6E9}"/>
+          </ac:grpSpMkLst>
+        </pc:grpChg>
+        <pc:grpChg chg="add del mod">
+          <ac:chgData name="Nils Mechtel" userId="d365a3c7-8594-435f-9872-5455ceefc78f" providerId="ADAL" clId="{FEE5CBDF-FE29-4F9F-99B9-949F0817748B}" dt="2019-05-13T17:42:46.949" v="4027"/>
+          <ac:grpSpMkLst>
+            <pc:docMk/>
+            <pc:sldMk cId="3411230145" sldId="273"/>
+            <ac:grpSpMk id="15" creationId="{D4FC7923-3C38-445F-86C4-EC0DAD393A24}"/>
+          </ac:grpSpMkLst>
+        </pc:grpChg>
+        <pc:grpChg chg="add del mod">
+          <ac:chgData name="Nils Mechtel" userId="d365a3c7-8594-435f-9872-5455ceefc78f" providerId="ADAL" clId="{FEE5CBDF-FE29-4F9F-99B9-949F0817748B}" dt="2019-05-12T18:19:19.053" v="1643" actId="478"/>
+          <ac:grpSpMkLst>
+            <pc:docMk/>
+            <pc:sldMk cId="3411230145" sldId="273"/>
+            <ac:grpSpMk id="17" creationId="{65F38F4B-9C8D-42D8-A56F-C207614023AD}"/>
+          </ac:grpSpMkLst>
+        </pc:grpChg>
+        <pc:grpChg chg="add del mod">
+          <ac:chgData name="Nils Mechtel" userId="d365a3c7-8594-435f-9872-5455ceefc78f" providerId="ADAL" clId="{FEE5CBDF-FE29-4F9F-99B9-949F0817748B}" dt="2019-05-13T17:42:46.949" v="4027"/>
+          <ac:grpSpMkLst>
+            <pc:docMk/>
+            <pc:sldMk cId="3411230145" sldId="273"/>
+            <ac:grpSpMk id="18" creationId="{1E2F72D5-4BC5-4DF4-AD27-BC085AE6FBBD}"/>
+          </ac:grpSpMkLst>
+        </pc:grpChg>
+        <pc:grpChg chg="add del mod">
+          <ac:chgData name="Nils Mechtel" userId="d365a3c7-8594-435f-9872-5455ceefc78f" providerId="ADAL" clId="{FEE5CBDF-FE29-4F9F-99B9-949F0817748B}" dt="2019-05-12T18:19:19.053" v="1643" actId="478"/>
+          <ac:grpSpMkLst>
+            <pc:docMk/>
+            <pc:sldMk cId="3411230145" sldId="273"/>
+            <ac:grpSpMk id="18" creationId="{79BC3948-D24F-40A3-A418-C325CA763443}"/>
+          </ac:grpSpMkLst>
+        </pc:grpChg>
+        <pc:grpChg chg="add del mod">
+          <ac:chgData name="Nils Mechtel" userId="d365a3c7-8594-435f-9872-5455ceefc78f" providerId="ADAL" clId="{FEE5CBDF-FE29-4F9F-99B9-949F0817748B}" dt="2019-05-12T18:19:19.053" v="1643" actId="478"/>
+          <ac:grpSpMkLst>
+            <pc:docMk/>
+            <pc:sldMk cId="3411230145" sldId="273"/>
+            <ac:grpSpMk id="19" creationId="{AFAAE7B4-602E-4454-B8B8-1C39B66B440E}"/>
+          </ac:grpSpMkLst>
+        </pc:grpChg>
+        <pc:grpChg chg="add mod">
+          <ac:chgData name="Nils Mechtel" userId="d365a3c7-8594-435f-9872-5455ceefc78f" providerId="ADAL" clId="{FEE5CBDF-FE29-4F9F-99B9-949F0817748B}" dt="2019-05-13T17:42:54.867" v="4029" actId="1076"/>
+          <ac:grpSpMkLst>
+            <pc:docMk/>
+            <pc:sldMk cId="3411230145" sldId="273"/>
+            <ac:grpSpMk id="22" creationId="{C41DAF9E-531A-4795-9827-B604A1DCE29F}"/>
+          </ac:grpSpMkLst>
+        </pc:grpChg>
+        <pc:grpChg chg="add mod">
+          <ac:chgData name="Nils Mechtel" userId="d365a3c7-8594-435f-9872-5455ceefc78f" providerId="ADAL" clId="{FEE5CBDF-FE29-4F9F-99B9-949F0817748B}" dt="2019-05-13T17:43:36.222" v="4038" actId="207"/>
+          <ac:grpSpMkLst>
+            <pc:docMk/>
+            <pc:sldMk cId="3411230145" sldId="273"/>
+            <ac:grpSpMk id="25" creationId="{A55C85E5-C0B2-4FB4-BCD9-7EA702EAE2AD}"/>
+          </ac:grpSpMkLst>
+        </pc:grpChg>
+        <pc:grpChg chg="add mod">
+          <ac:chgData name="Nils Mechtel" userId="d365a3c7-8594-435f-9872-5455ceefc78f" providerId="ADAL" clId="{FEE5CBDF-FE29-4F9F-99B9-949F0817748B}" dt="2019-05-13T17:43:36.222" v="4038" actId="207"/>
+          <ac:grpSpMkLst>
+            <pc:docMk/>
+            <pc:sldMk cId="3411230145" sldId="273"/>
+            <ac:grpSpMk id="28" creationId="{3E9AC1B6-5908-491E-85D9-A943A7AF06CE}"/>
+          </ac:grpSpMkLst>
+        </pc:grpChg>
+        <pc:grpChg chg="add mod">
+          <ac:chgData name="Nils Mechtel" userId="d365a3c7-8594-435f-9872-5455ceefc78f" providerId="ADAL" clId="{FEE5CBDF-FE29-4F9F-99B9-949F0817748B}" dt="2019-05-13T17:43:36.222" v="4038" actId="207"/>
+          <ac:grpSpMkLst>
+            <pc:docMk/>
+            <pc:sldMk cId="3411230145" sldId="273"/>
+            <ac:grpSpMk id="31" creationId="{F5027BF5-5BF3-4EAE-BE4A-7FEFAA1E54D9}"/>
+          </ac:grpSpMkLst>
+        </pc:grpChg>
+        <pc:graphicFrameChg chg="add del mod">
+          <ac:chgData name="Nils Mechtel" userId="d365a3c7-8594-435f-9872-5455ceefc78f" providerId="ADAL" clId="{FEE5CBDF-FE29-4F9F-99B9-949F0817748B}" dt="2019-05-12T18:20:13.500" v="1654" actId="478"/>
+          <ac:graphicFrameMkLst>
+            <pc:docMk/>
+            <pc:sldMk cId="3411230145" sldId="273"/>
+            <ac:graphicFrameMk id="10" creationId="{9E6F7D7A-BB00-4D7F-B827-28C353786F15}"/>
+          </ac:graphicFrameMkLst>
+        </pc:graphicFrameChg>
+        <pc:graphicFrameChg chg="add del mod">
+          <ac:chgData name="Nils Mechtel" userId="d365a3c7-8594-435f-9872-5455ceefc78f" providerId="ADAL" clId="{FEE5CBDF-FE29-4F9F-99B9-949F0817748B}" dt="2019-05-13T17:42:58.098" v="4030" actId="478"/>
+          <ac:graphicFrameMkLst>
+            <pc:docMk/>
+            <pc:sldMk cId="3411230145" sldId="273"/>
+            <ac:graphicFrameMk id="19" creationId="{3F5E2AB5-EFA4-4675-93F6-6E42E5962DD0}"/>
+          </ac:graphicFrameMkLst>
+        </pc:graphicFrameChg>
+        <pc:graphicFrameChg chg="add del mod">
+          <ac:chgData name="Nils Mechtel" userId="d365a3c7-8594-435f-9872-5455ceefc78f" providerId="ADAL" clId="{FEE5CBDF-FE29-4F9F-99B9-949F0817748B}" dt="2019-05-12T18:22:57.316" v="1668" actId="478"/>
+          <ac:graphicFrameMkLst>
+            <pc:docMk/>
+            <pc:sldMk cId="3411230145" sldId="273"/>
+            <ac:graphicFrameMk id="26" creationId="{19CF3D7D-2935-4527-9C95-7E7BE55779F3}"/>
+          </ac:graphicFrameMkLst>
+        </pc:graphicFrameChg>
+        <pc:graphicFrameChg chg="add del mod">
+          <ac:chgData name="Nils Mechtel" userId="d365a3c7-8594-435f-9872-5455ceefc78f" providerId="ADAL" clId="{FEE5CBDF-FE29-4F9F-99B9-949F0817748B}" dt="2019-05-13T11:06:37.183" v="2929" actId="478"/>
+          <ac:graphicFrameMkLst>
+            <pc:docMk/>
+            <pc:sldMk cId="3411230145" sldId="273"/>
+            <ac:graphicFrameMk id="27" creationId="{F5786443-EC85-4C9A-BFDE-3628153A11CD}"/>
+          </ac:graphicFrameMkLst>
+        </pc:graphicFrameChg>
+        <pc:picChg chg="mod">
+          <ac:chgData name="Nils Mechtel" userId="d365a3c7-8594-435f-9872-5455ceefc78f" providerId="ADAL" clId="{FEE5CBDF-FE29-4F9F-99B9-949F0817748B}" dt="2019-05-12T18:53:54.779" v="1951" actId="164"/>
+          <ac:picMkLst>
+            <pc:docMk/>
+            <pc:sldMk cId="3411230145" sldId="273"/>
+            <ac:picMk id="4" creationId="{CCBAA50D-C4B0-4644-A51E-8BCA1BB33D23}"/>
+          </ac:picMkLst>
+        </pc:picChg>
+        <pc:picChg chg="add del mod">
+          <ac:chgData name="Nils Mechtel" userId="d365a3c7-8594-435f-9872-5455ceefc78f" providerId="ADAL" clId="{FEE5CBDF-FE29-4F9F-99B9-949F0817748B}" dt="2019-05-12T18:56:23.318" v="1982" actId="1076"/>
+          <ac:picMkLst>
+            <pc:docMk/>
+            <pc:sldMk cId="3411230145" sldId="273"/>
+            <ac:picMk id="15" creationId="{04103547-35DB-46E5-80B5-C2C74F5EF020}"/>
+          </ac:picMkLst>
+        </pc:picChg>
+        <pc:inkChg chg="mod">
+          <ac:chgData name="Nils Mechtel" userId="d365a3c7-8594-435f-9872-5455ceefc78f" providerId="ADAL" clId="{FEE5CBDF-FE29-4F9F-99B9-949F0817748B}" dt="2019-05-12T18:30:34.233" v="1731" actId="1076"/>
+          <ac:inkMkLst>
+            <pc:docMk/>
+            <pc:sldMk cId="3411230145" sldId="273"/>
+            <ac:inkMk id="14" creationId="{E289F72B-A0C0-4451-9F0F-81F1731DBDC5}"/>
+          </ac:inkMkLst>
+        </pc:inkChg>
+      </pc:sldChg>
+      <pc:sldChg chg="add del">
+        <pc:chgData name="Nils Mechtel" userId="d365a3c7-8594-435f-9872-5455ceefc78f" providerId="ADAL" clId="{FEE5CBDF-FE29-4F9F-99B9-949F0817748B}" dt="2019-05-13T08:43:46.053" v="2719" actId="2696"/>
+        <pc:sldMkLst>
+          <pc:docMk/>
+          <pc:sldMk cId="706650341" sldId="274"/>
+        </pc:sldMkLst>
+      </pc:sldChg>
+      <pc:sldChg chg="addSp modSp add del modTransition">
+        <pc:chgData name="Nils Mechtel" userId="d365a3c7-8594-435f-9872-5455ceefc78f" providerId="ADAL" clId="{FEE5CBDF-FE29-4F9F-99B9-949F0817748B}" dt="2019-05-13T08:36:31.542" v="2716" actId="2696"/>
+        <pc:sldMkLst>
+          <pc:docMk/>
+          <pc:sldMk cId="4166315608" sldId="274"/>
+        </pc:sldMkLst>
+        <pc:picChg chg="add mod">
+          <ac:chgData name="Nils Mechtel" userId="d365a3c7-8594-435f-9872-5455ceefc78f" providerId="ADAL" clId="{FEE5CBDF-FE29-4F9F-99B9-949F0817748B}" dt="2019-05-13T08:28:15.105" v="2654" actId="1076"/>
+          <ac:picMkLst>
+            <pc:docMk/>
+            <pc:sldMk cId="4166315608" sldId="274"/>
+            <ac:picMk id="4" creationId="{89F1B2B6-59A9-4DA7-AEB4-E77ED3D283E0}"/>
+          </ac:picMkLst>
+        </pc:picChg>
+        <pc:picChg chg="add mod">
+          <ac:chgData name="Nils Mechtel" userId="d365a3c7-8594-435f-9872-5455ceefc78f" providerId="ADAL" clId="{FEE5CBDF-FE29-4F9F-99B9-949F0817748B}" dt="2019-05-13T08:28:20.109" v="2655" actId="1076"/>
+          <ac:picMkLst>
+            <pc:docMk/>
+            <pc:sldMk cId="4166315608" sldId="274"/>
+            <ac:picMk id="5" creationId="{4014EEF6-26B9-472E-879B-496DFF0BD2F8}"/>
+          </ac:picMkLst>
+        </pc:picChg>
+      </pc:sldChg>
+      <pc:sldChg chg="addSp delSp modSp add ord setBg modNotesTx">
+        <pc:chgData name="Nils Mechtel" userId="d365a3c7-8594-435f-9872-5455ceefc78f" providerId="ADAL" clId="{FEE5CBDF-FE29-4F9F-99B9-949F0817748B}" dt="2019-05-13T13:49:06.385" v="3152"/>
+        <pc:sldMkLst>
+          <pc:docMk/>
+          <pc:sldMk cId="3859023442" sldId="275"/>
+        </pc:sldMkLst>
+        <pc:spChg chg="mod topLvl">
+          <ac:chgData name="Nils Mechtel" userId="d365a3c7-8594-435f-9872-5455ceefc78f" providerId="ADAL" clId="{FEE5CBDF-FE29-4F9F-99B9-949F0817748B}" dt="2019-05-13T11:49:07.222" v="3005" actId="1076"/>
+          <ac:spMkLst>
+            <pc:docMk/>
+            <pc:sldMk cId="3859023442" sldId="275"/>
+            <ac:spMk id="4" creationId="{AB8CD774-2EE5-4D0D-9F57-154613169C3A}"/>
+          </ac:spMkLst>
+        </pc:spChg>
+        <pc:spChg chg="mod topLvl">
+          <ac:chgData name="Nils Mechtel" userId="d365a3c7-8594-435f-9872-5455ceefc78f" providerId="ADAL" clId="{FEE5CBDF-FE29-4F9F-99B9-949F0817748B}" dt="2019-05-13T11:49:02.017" v="3004" actId="165"/>
+          <ac:spMkLst>
+            <pc:docMk/>
+            <pc:sldMk cId="3859023442" sldId="275"/>
+            <ac:spMk id="8" creationId="{B95904D2-B399-47BE-83A2-7AE3F7E1CF17}"/>
+          </ac:spMkLst>
+        </pc:spChg>
+        <pc:spChg chg="mod topLvl">
+          <ac:chgData name="Nils Mechtel" userId="d365a3c7-8594-435f-9872-5455ceefc78f" providerId="ADAL" clId="{FEE5CBDF-FE29-4F9F-99B9-949F0817748B}" dt="2019-05-13T11:49:02.017" v="3004" actId="165"/>
+          <ac:spMkLst>
+            <pc:docMk/>
+            <pc:sldMk cId="3859023442" sldId="275"/>
+            <ac:spMk id="9" creationId="{AE5E99DB-372B-4D00-B5B6-AC086AD8FF57}"/>
+          </ac:spMkLst>
+        </pc:spChg>
+        <pc:spChg chg="mod topLvl">
+          <ac:chgData name="Nils Mechtel" userId="d365a3c7-8594-435f-9872-5455ceefc78f" providerId="ADAL" clId="{FEE5CBDF-FE29-4F9F-99B9-949F0817748B}" dt="2019-05-13T11:49:02.017" v="3004" actId="165"/>
+          <ac:spMkLst>
+            <pc:docMk/>
+            <pc:sldMk cId="3859023442" sldId="275"/>
+            <ac:spMk id="14" creationId="{416DF10D-9DF1-4285-AEAF-07DD6F9A51E2}"/>
+          </ac:spMkLst>
+        </pc:spChg>
+        <pc:spChg chg="mod topLvl">
+          <ac:chgData name="Nils Mechtel" userId="d365a3c7-8594-435f-9872-5455ceefc78f" providerId="ADAL" clId="{FEE5CBDF-FE29-4F9F-99B9-949F0817748B}" dt="2019-05-13T11:49:10.962" v="3006" actId="1076"/>
+          <ac:spMkLst>
+            <pc:docMk/>
+            <pc:sldMk cId="3859023442" sldId="275"/>
+            <ac:spMk id="17" creationId="{3C639F17-3468-4003-B151-2DBD20B6F607}"/>
+          </ac:spMkLst>
+        </pc:spChg>
+        <pc:spChg chg="mod topLvl">
+          <ac:chgData name="Nils Mechtel" userId="d365a3c7-8594-435f-9872-5455ceefc78f" providerId="ADAL" clId="{FEE5CBDF-FE29-4F9F-99B9-949F0817748B}" dt="2019-05-13T11:49:02.017" v="3004" actId="165"/>
+          <ac:spMkLst>
+            <pc:docMk/>
+            <pc:sldMk cId="3859023442" sldId="275"/>
+            <ac:spMk id="20" creationId="{6A9C7BD8-E24E-4E71-8214-4D9E8DA42D03}"/>
+          </ac:spMkLst>
+        </pc:spChg>
+        <pc:spChg chg="mod">
+          <ac:chgData name="Nils Mechtel" userId="d365a3c7-8594-435f-9872-5455ceefc78f" providerId="ADAL" clId="{FEE5CBDF-FE29-4F9F-99B9-949F0817748B}" dt="2019-05-13T09:01:43.317" v="2836" actId="1076"/>
+          <ac:spMkLst>
+            <pc:docMk/>
+            <pc:sldMk cId="3859023442" sldId="275"/>
+            <ac:spMk id="30" creationId="{996A8290-0FFA-4D89-9086-240DA9AFA2A3}"/>
+          </ac:spMkLst>
+        </pc:spChg>
+        <pc:spChg chg="mod topLvl">
+          <ac:chgData name="Nils Mechtel" userId="d365a3c7-8594-435f-9872-5455ceefc78f" providerId="ADAL" clId="{FEE5CBDF-FE29-4F9F-99B9-949F0817748B}" dt="2019-05-13T11:49:02.017" v="3004" actId="165"/>
+          <ac:spMkLst>
+            <pc:docMk/>
+            <pc:sldMk cId="3859023442" sldId="275"/>
+            <ac:spMk id="42" creationId="{958CF174-C6DB-46D8-9C45-DE79477B174A}"/>
+          </ac:spMkLst>
+        </pc:spChg>
+        <pc:spChg chg="del mod">
+          <ac:chgData name="Nils Mechtel" userId="d365a3c7-8594-435f-9872-5455ceefc78f" providerId="ADAL" clId="{FEE5CBDF-FE29-4F9F-99B9-949F0817748B}" dt="2019-05-13T12:03:37.396" v="3016" actId="478"/>
+          <ac:spMkLst>
+            <pc:docMk/>
+            <pc:sldMk cId="3859023442" sldId="275"/>
+            <ac:spMk id="51" creationId="{DF9C419B-406A-4FD0-A9DF-078F83B4CDBE}"/>
+          </ac:spMkLst>
+        </pc:spChg>
+        <pc:spChg chg="del mod">
+          <ac:chgData name="Nils Mechtel" userId="d365a3c7-8594-435f-9872-5455ceefc78f" providerId="ADAL" clId="{FEE5CBDF-FE29-4F9F-99B9-949F0817748B}" dt="2019-05-13T12:03:40.397" v="3017" actId="478"/>
+          <ac:spMkLst>
+            <pc:docMk/>
+            <pc:sldMk cId="3859023442" sldId="275"/>
+            <ac:spMk id="52" creationId="{762FFB00-BE03-43E2-98FD-B78E0111F24E}"/>
+          </ac:spMkLst>
+        </pc:spChg>
+        <pc:spChg chg="mod topLvl">
+          <ac:chgData name="Nils Mechtel" userId="d365a3c7-8594-435f-9872-5455ceefc78f" providerId="ADAL" clId="{FEE5CBDF-FE29-4F9F-99B9-949F0817748B}" dt="2019-05-13T11:49:18.072" v="3007" actId="1076"/>
+          <ac:spMkLst>
+            <pc:docMk/>
+            <pc:sldMk cId="3859023442" sldId="275"/>
+            <ac:spMk id="53" creationId="{6F236959-558A-447A-97BB-CC802BA86BF6}"/>
+          </ac:spMkLst>
+        </pc:spChg>
+        <pc:spChg chg="del mod topLvl">
+          <ac:chgData name="Nils Mechtel" userId="d365a3c7-8594-435f-9872-5455ceefc78f" providerId="ADAL" clId="{FEE5CBDF-FE29-4F9F-99B9-949F0817748B}" dt="2019-05-13T11:55:48.455" v="3013" actId="478"/>
+          <ac:spMkLst>
+            <pc:docMk/>
+            <pc:sldMk cId="3859023442" sldId="275"/>
+            <ac:spMk id="59" creationId="{D1A7F209-3890-4AF7-8875-3CF00E84EB8B}"/>
+          </ac:spMkLst>
+        </pc:spChg>
+        <pc:spChg chg="del mod topLvl">
+          <ac:chgData name="Nils Mechtel" userId="d365a3c7-8594-435f-9872-5455ceefc78f" providerId="ADAL" clId="{FEE5CBDF-FE29-4F9F-99B9-949F0817748B}" dt="2019-05-13T11:55:54.181" v="3015" actId="478"/>
+          <ac:spMkLst>
+            <pc:docMk/>
+            <pc:sldMk cId="3859023442" sldId="275"/>
+            <ac:spMk id="60" creationId="{A3727CBC-ADA0-40F7-A7E6-7B1763AE4AAF}"/>
+          </ac:spMkLst>
+        </pc:spChg>
+        <pc:spChg chg="add mod">
+          <ac:chgData name="Nils Mechtel" userId="d365a3c7-8594-435f-9872-5455ceefc78f" providerId="ADAL" clId="{FEE5CBDF-FE29-4F9F-99B9-949F0817748B}" dt="2019-05-13T09:02:18.123" v="2841" actId="1076"/>
+          <ac:spMkLst>
+            <pc:docMk/>
+            <pc:sldMk cId="3859023442" sldId="275"/>
+            <ac:spMk id="96" creationId="{B53C6DC6-0C54-4D62-825B-3C2A4240AE84}"/>
+          </ac:spMkLst>
+        </pc:spChg>
+        <pc:grpChg chg="mod">
+          <ac:chgData name="Nils Mechtel" userId="d365a3c7-8594-435f-9872-5455ceefc78f" providerId="ADAL" clId="{FEE5CBDF-FE29-4F9F-99B9-949F0817748B}" dt="2019-05-13T11:48:51.340" v="3002" actId="1076"/>
+          <ac:grpSpMkLst>
+            <pc:docMk/>
+            <pc:sldMk cId="3859023442" sldId="275"/>
+            <ac:grpSpMk id="3" creationId="{760F76D1-CF85-4840-B4E3-ED2F2C1247F7}"/>
+          </ac:grpSpMkLst>
+        </pc:grpChg>
+        <pc:grpChg chg="add del mod">
+          <ac:chgData name="Nils Mechtel" userId="d365a3c7-8594-435f-9872-5455ceefc78f" providerId="ADAL" clId="{FEE5CBDF-FE29-4F9F-99B9-949F0817748B}" dt="2019-05-13T11:49:02.017" v="3004" actId="165"/>
+          <ac:grpSpMkLst>
+            <pc:docMk/>
+            <pc:sldMk cId="3859023442" sldId="275"/>
+            <ac:grpSpMk id="94" creationId="{4CFDF392-8E3B-49F7-A13C-5FD3526934EA}"/>
+          </ac:grpSpMkLst>
+        </pc:grpChg>
+        <pc:picChg chg="mod topLvl">
+          <ac:chgData name="Nils Mechtel" userId="d365a3c7-8594-435f-9872-5455ceefc78f" providerId="ADAL" clId="{FEE5CBDF-FE29-4F9F-99B9-949F0817748B}" dt="2019-05-13T11:49:26.841" v="3011" actId="1076"/>
+          <ac:picMkLst>
+            <pc:docMk/>
+            <pc:sldMk cId="3859023442" sldId="275"/>
+            <ac:picMk id="28" creationId="{E3AA5955-273E-462E-9856-58937AE75AB9}"/>
+          </ac:picMkLst>
+        </pc:picChg>
+        <pc:picChg chg="mod">
+          <ac:chgData name="Nils Mechtel" userId="d365a3c7-8594-435f-9872-5455ceefc78f" providerId="ADAL" clId="{FEE5CBDF-FE29-4F9F-99B9-949F0817748B}" dt="2019-05-13T08:55:41.391" v="2798" actId="208"/>
+          <ac:picMkLst>
+            <pc:docMk/>
+            <pc:sldMk cId="3859023442" sldId="275"/>
+            <ac:picMk id="29" creationId="{44EC5A5C-5286-41CB-AC65-5EA4CADF6E47}"/>
+          </ac:picMkLst>
+        </pc:picChg>
+        <pc:picChg chg="mod">
+          <ac:chgData name="Nils Mechtel" userId="d365a3c7-8594-435f-9872-5455ceefc78f" providerId="ADAL" clId="{FEE5CBDF-FE29-4F9F-99B9-949F0817748B}" dt="2019-05-13T08:55:41.391" v="2798" actId="208"/>
+          <ac:picMkLst>
+            <pc:docMk/>
+            <pc:sldMk cId="3859023442" sldId="275"/>
+            <ac:picMk id="34" creationId="{C8A37FBD-7A45-4F91-A0B3-646995B44768}"/>
+          </ac:picMkLst>
+        </pc:picChg>
+        <pc:picChg chg="mod topLvl">
+          <ac:chgData name="Nils Mechtel" userId="d365a3c7-8594-435f-9872-5455ceefc78f" providerId="ADAL" clId="{FEE5CBDF-FE29-4F9F-99B9-949F0817748B}" dt="2019-05-13T11:49:02.017" v="3004" actId="165"/>
+          <ac:picMkLst>
+            <pc:docMk/>
+            <pc:sldMk cId="3859023442" sldId="275"/>
+            <ac:picMk id="36" creationId="{627443A3-97A1-48DE-8D51-EB75B3EF556A}"/>
+          </ac:picMkLst>
+        </pc:picChg>
+        <pc:picChg chg="mod topLvl">
+          <ac:chgData name="Nils Mechtel" userId="d365a3c7-8594-435f-9872-5455ceefc78f" providerId="ADAL" clId="{FEE5CBDF-FE29-4F9F-99B9-949F0817748B}" dt="2019-05-13T11:49:02.017" v="3004" actId="165"/>
+          <ac:picMkLst>
+            <pc:docMk/>
+            <pc:sldMk cId="3859023442" sldId="275"/>
+            <ac:picMk id="37" creationId="{5A7BAE3C-32EC-405C-9298-A6FD36C7AF34}"/>
+          </ac:picMkLst>
+        </pc:picChg>
+        <pc:picChg chg="mod">
+          <ac:chgData name="Nils Mechtel" userId="d365a3c7-8594-435f-9872-5455ceefc78f" providerId="ADAL" clId="{FEE5CBDF-FE29-4F9F-99B9-949F0817748B}" dt="2019-05-13T08:55:41.391" v="2798" actId="208"/>
+          <ac:picMkLst>
+            <pc:docMk/>
+            <pc:sldMk cId="3859023442" sldId="275"/>
+            <ac:picMk id="44" creationId="{CB095B4C-5E14-4E15-97C1-65AE60646DFD}"/>
+          </ac:picMkLst>
+        </pc:picChg>
+        <pc:picChg chg="mod topLvl">
+          <ac:chgData name="Nils Mechtel" userId="d365a3c7-8594-435f-9872-5455ceefc78f" providerId="ADAL" clId="{FEE5CBDF-FE29-4F9F-99B9-949F0817748B}" dt="2019-05-13T11:49:02.017" v="3004" actId="165"/>
+          <ac:picMkLst>
+            <pc:docMk/>
+            <pc:sldMk cId="3859023442" sldId="275"/>
+            <ac:picMk id="49" creationId="{9123CA9B-8F51-4823-93F3-F3B9352D0944}"/>
+          </ac:picMkLst>
+        </pc:picChg>
+        <pc:picChg chg="mod topLvl">
+          <ac:chgData name="Nils Mechtel" userId="d365a3c7-8594-435f-9872-5455ceefc78f" providerId="ADAL" clId="{FEE5CBDF-FE29-4F9F-99B9-949F0817748B}" dt="2019-05-13T11:49:02.017" v="3004" actId="165"/>
+          <ac:picMkLst>
+            <pc:docMk/>
+            <pc:sldMk cId="3859023442" sldId="275"/>
+            <ac:picMk id="50" creationId="{E5F5D3E1-3AF8-43A4-AA33-D75A994647E6}"/>
+          </ac:picMkLst>
+        </pc:picChg>
+        <pc:picChg chg="mod topLvl">
+          <ac:chgData name="Nils Mechtel" userId="d365a3c7-8594-435f-9872-5455ceefc78f" providerId="ADAL" clId="{FEE5CBDF-FE29-4F9F-99B9-949F0817748B}" dt="2019-05-13T11:49:24.613" v="3010" actId="1076"/>
+          <ac:picMkLst>
+            <pc:docMk/>
+            <pc:sldMk cId="3859023442" sldId="275"/>
+            <ac:picMk id="58" creationId="{B2D1194D-B0DF-4BC0-9371-91472EBFB020}"/>
+          </ac:picMkLst>
+        </pc:picChg>
+        <pc:cxnChg chg="add mod topLvl">
+          <ac:chgData name="Nils Mechtel" userId="d365a3c7-8594-435f-9872-5455ceefc78f" providerId="ADAL" clId="{FEE5CBDF-FE29-4F9F-99B9-949F0817748B}" dt="2019-05-13T11:49:07.222" v="3005" actId="1076"/>
+          <ac:cxnSpMkLst>
+            <pc:docMk/>
+            <pc:sldMk cId="3859023442" sldId="275"/>
+            <ac:cxnSpMk id="6" creationId="{E8F8772C-8256-4962-BE56-A3B529B657BF}"/>
+          </ac:cxnSpMkLst>
+        </pc:cxnChg>
+        <pc:cxnChg chg="add del mod topLvl">
+          <ac:chgData name="Nils Mechtel" userId="d365a3c7-8594-435f-9872-5455ceefc78f" providerId="ADAL" clId="{FEE5CBDF-FE29-4F9F-99B9-949F0817748B}" dt="2019-05-13T11:55:50.293" v="3014" actId="478"/>
+          <ac:cxnSpMkLst>
+            <pc:docMk/>
+            <pc:sldMk cId="3859023442" sldId="275"/>
+            <ac:cxnSpMk id="10" creationId="{5C642347-E588-4046-9C49-5028EC7FE811}"/>
+          </ac:cxnSpMkLst>
+        </pc:cxnChg>
+        <pc:cxnChg chg="del">
+          <ac:chgData name="Nils Mechtel" userId="d365a3c7-8594-435f-9872-5455ceefc78f" providerId="ADAL" clId="{FEE5CBDF-FE29-4F9F-99B9-949F0817748B}" dt="2019-05-13T08:44:12.002" v="2725" actId="478"/>
+          <ac:cxnSpMkLst>
+            <pc:docMk/>
+            <pc:sldMk cId="3859023442" sldId="275"/>
+            <ac:cxnSpMk id="11" creationId="{28B0593F-3996-4C87-87A8-73353DDAEC99}"/>
+          </ac:cxnSpMkLst>
+        </pc:cxnChg>
+        <pc:cxnChg chg="add del mod">
+          <ac:chgData name="Nils Mechtel" userId="d365a3c7-8594-435f-9872-5455ceefc78f" providerId="ADAL" clId="{FEE5CBDF-FE29-4F9F-99B9-949F0817748B}" dt="2019-05-13T08:48:35.157" v="2755" actId="478"/>
+          <ac:cxnSpMkLst>
+            <pc:docMk/>
+            <pc:sldMk cId="3859023442" sldId="275"/>
+            <ac:cxnSpMk id="13" creationId="{1B313973-300E-4616-99E4-B0F7BC5E6F60}"/>
+          </ac:cxnSpMkLst>
+        </pc:cxnChg>
+        <pc:cxnChg chg="del">
+          <ac:chgData name="Nils Mechtel" userId="d365a3c7-8594-435f-9872-5455ceefc78f" providerId="ADAL" clId="{FEE5CBDF-FE29-4F9F-99B9-949F0817748B}" dt="2019-05-13T08:44:10.281" v="2724" actId="478"/>
+          <ac:cxnSpMkLst>
+            <pc:docMk/>
+            <pc:sldMk cId="3859023442" sldId="275"/>
+            <ac:cxnSpMk id="16" creationId="{BC4617ED-9E57-4803-8BBB-2EF8E0A68FF0}"/>
+          </ac:cxnSpMkLst>
+        </pc:cxnChg>
+        <pc:cxnChg chg="del mod">
+          <ac:chgData name="Nils Mechtel" userId="d365a3c7-8594-435f-9872-5455ceefc78f" providerId="ADAL" clId="{FEE5CBDF-FE29-4F9F-99B9-949F0817748B}" dt="2019-05-13T08:44:06.681" v="2722" actId="478"/>
+          <ac:cxnSpMkLst>
+            <pc:docMk/>
+            <pc:sldMk cId="3859023442" sldId="275"/>
+            <ac:cxnSpMk id="19" creationId="{8D281F27-FA96-40A6-BC32-A1189623CFE1}"/>
+          </ac:cxnSpMkLst>
+        </pc:cxnChg>
+        <pc:cxnChg chg="add del mod topLvl">
+          <ac:chgData name="Nils Mechtel" userId="d365a3c7-8594-435f-9872-5455ceefc78f" providerId="ADAL" clId="{FEE5CBDF-FE29-4F9F-99B9-949F0817748B}" dt="2019-05-13T11:49:22.001" v="3009" actId="478"/>
+          <ac:cxnSpMkLst>
+            <pc:docMk/>
+            <pc:sldMk cId="3859023442" sldId="275"/>
+            <ac:cxnSpMk id="22" creationId="{D5A3100C-EA21-49C0-AE60-70C9F37BBD26}"/>
+          </ac:cxnSpMkLst>
+        </pc:cxnChg>
+        <pc:cxnChg chg="mod topLvl">
+          <ac:chgData name="Nils Mechtel" userId="d365a3c7-8594-435f-9872-5455ceefc78f" providerId="ADAL" clId="{FEE5CBDF-FE29-4F9F-99B9-949F0817748B}" dt="2019-05-13T11:49:02.017" v="3004" actId="165"/>
+          <ac:cxnSpMkLst>
+            <pc:docMk/>
+            <pc:sldMk cId="3859023442" sldId="275"/>
+            <ac:cxnSpMk id="24" creationId="{69FAAED9-A7C1-4793-BB8B-21DBFEC3F3F7}"/>
+          </ac:cxnSpMkLst>
+        </pc:cxnChg>
+        <pc:cxnChg chg="add del mod topLvl">
+          <ac:chgData name="Nils Mechtel" userId="d365a3c7-8594-435f-9872-5455ceefc78f" providerId="ADAL" clId="{FEE5CBDF-FE29-4F9F-99B9-949F0817748B}" dt="2019-05-13T11:49:19.971" v="3008" actId="478"/>
+          <ac:cxnSpMkLst>
+            <pc:docMk/>
+            <pc:sldMk cId="3859023442" sldId="275"/>
+            <ac:cxnSpMk id="25" creationId="{C0FAD949-6E27-4C77-AB9E-C71A271AABFF}"/>
+          </ac:cxnSpMkLst>
+        </pc:cxnChg>
+        <pc:cxnChg chg="mod topLvl">
+          <ac:chgData name="Nils Mechtel" userId="d365a3c7-8594-435f-9872-5455ceefc78f" providerId="ADAL" clId="{FEE5CBDF-FE29-4F9F-99B9-949F0817748B}" dt="2019-05-13T11:49:02.017" v="3004" actId="165"/>
+          <ac:cxnSpMkLst>
+            <pc:docMk/>
+            <pc:sldMk cId="3859023442" sldId="275"/>
+            <ac:cxnSpMk id="26" creationId="{950F54E5-6F31-47A3-BB01-6F9F52FC2054}"/>
+          </ac:cxnSpMkLst>
+        </pc:cxnChg>
+        <pc:cxnChg chg="mod">
+          <ac:chgData name="Nils Mechtel" userId="d365a3c7-8594-435f-9872-5455ceefc78f" providerId="ADAL" clId="{FEE5CBDF-FE29-4F9F-99B9-949F0817748B}" dt="2019-05-13T08:55:41.391" v="2798" actId="208"/>
+          <ac:cxnSpMkLst>
+            <pc:docMk/>
+            <pc:sldMk cId="3859023442" sldId="275"/>
+            <ac:cxnSpMk id="32" creationId="{E02EE72E-52D7-4CE2-BF9D-7E7F43C6112B}"/>
+          </ac:cxnSpMkLst>
+        </pc:cxnChg>
+        <pc:cxnChg chg="mod">
+          <ac:chgData name="Nils Mechtel" userId="d365a3c7-8594-435f-9872-5455ceefc78f" providerId="ADAL" clId="{FEE5CBDF-FE29-4F9F-99B9-949F0817748B}" dt="2019-05-13T09:01:32.020" v="2832" actId="14100"/>
+          <ac:cxnSpMkLst>
+            <pc:docMk/>
+            <pc:sldMk cId="3859023442" sldId="275"/>
+            <ac:cxnSpMk id="39" creationId="{EA1D788D-1E38-4E71-B47E-DC8D6874A315}"/>
+          </ac:cxnSpMkLst>
+        </pc:cxnChg>
+        <pc:cxnChg chg="add mod topLvl">
+          <ac:chgData name="Nils Mechtel" userId="d365a3c7-8594-435f-9872-5455ceefc78f" providerId="ADAL" clId="{FEE5CBDF-FE29-4F9F-99B9-949F0817748B}" dt="2019-05-13T11:49:02.017" v="3004" actId="165"/>
+          <ac:cxnSpMkLst>
+            <pc:docMk/>
+            <pc:sldMk cId="3859023442" sldId="275"/>
+            <ac:cxnSpMk id="45" creationId="{AD840FB6-0BF0-4B3F-A60E-5581312F6BC4}"/>
+          </ac:cxnSpMkLst>
+        </pc:cxnChg>
+        <pc:cxnChg chg="mod topLvl">
+          <ac:chgData name="Nils Mechtel" userId="d365a3c7-8594-435f-9872-5455ceefc78f" providerId="ADAL" clId="{FEE5CBDF-FE29-4F9F-99B9-949F0817748B}" dt="2019-05-13T11:49:02.017" v="3004" actId="165"/>
+          <ac:cxnSpMkLst>
+            <pc:docMk/>
+            <pc:sldMk cId="3859023442" sldId="275"/>
+            <ac:cxnSpMk id="46" creationId="{D24BD6EB-D27C-4D23-BDE6-1959C6FA7AAC}"/>
+          </ac:cxnSpMkLst>
+        </pc:cxnChg>
+        <pc:cxnChg chg="mod topLvl">
+          <ac:chgData name="Nils Mechtel" userId="d365a3c7-8594-435f-9872-5455ceefc78f" providerId="ADAL" clId="{FEE5CBDF-FE29-4F9F-99B9-949F0817748B}" dt="2019-05-13T11:49:02.017" v="3004" actId="165"/>
+          <ac:cxnSpMkLst>
+            <pc:docMk/>
+            <pc:sldMk cId="3859023442" sldId="275"/>
+            <ac:cxnSpMk id="48" creationId="{46C88C13-CA61-41FF-A098-55FF5ACFD1AD}"/>
+          </ac:cxnSpMkLst>
+        </pc:cxnChg>
+        <pc:cxnChg chg="add mod topLvl">
+          <ac:chgData name="Nils Mechtel" userId="d365a3c7-8594-435f-9872-5455ceefc78f" providerId="ADAL" clId="{FEE5CBDF-FE29-4F9F-99B9-949F0817748B}" dt="2019-05-13T11:49:02.017" v="3004" actId="165"/>
+          <ac:cxnSpMkLst>
+            <pc:docMk/>
+            <pc:sldMk cId="3859023442" sldId="275"/>
+            <ac:cxnSpMk id="54" creationId="{237A3F4B-2BE1-4E7A-A58F-844C4E85778B}"/>
+          </ac:cxnSpMkLst>
+        </pc:cxnChg>
+        <pc:cxnChg chg="del mod">
+          <ac:chgData name="Nils Mechtel" userId="d365a3c7-8594-435f-9872-5455ceefc78f" providerId="ADAL" clId="{FEE5CBDF-FE29-4F9F-99B9-949F0817748B}" dt="2019-05-13T08:44:08.330" v="2723" actId="478"/>
+          <ac:cxnSpMkLst>
+            <pc:docMk/>
+            <pc:sldMk cId="3859023442" sldId="275"/>
+            <ac:cxnSpMk id="57" creationId="{DFC98FB2-D1C2-4093-843A-C531B6D86FD8}"/>
+          </ac:cxnSpMkLst>
+        </pc:cxnChg>
+        <pc:cxnChg chg="add mod topLvl">
+          <ac:chgData name="Nils Mechtel" userId="d365a3c7-8594-435f-9872-5455ceefc78f" providerId="ADAL" clId="{FEE5CBDF-FE29-4F9F-99B9-949F0817748B}" dt="2019-05-13T11:49:02.017" v="3004" actId="165"/>
+          <ac:cxnSpMkLst>
+            <pc:docMk/>
+            <pc:sldMk cId="3859023442" sldId="275"/>
+            <ac:cxnSpMk id="63" creationId="{592BB4A1-9F5C-4809-B4D7-E3EEF6B377E7}"/>
+          </ac:cxnSpMkLst>
+        </pc:cxnChg>
+      </pc:sldChg>
+      <pc:sldChg chg="addSp delSp modSp add modTransition modAnim modNotesTx">
+        <pc:chgData name="Nils Mechtel" userId="d365a3c7-8594-435f-9872-5455ceefc78f" providerId="ADAL" clId="{FEE5CBDF-FE29-4F9F-99B9-949F0817748B}" dt="2019-05-14T15:43:28.465" v="5033" actId="20577"/>
+        <pc:sldMkLst>
+          <pc:docMk/>
+          <pc:sldMk cId="381550320" sldId="276"/>
+        </pc:sldMkLst>
+        <pc:spChg chg="del">
+          <ac:chgData name="Nils Mechtel" userId="d365a3c7-8594-435f-9872-5455ceefc78f" providerId="ADAL" clId="{FEE5CBDF-FE29-4F9F-99B9-949F0817748B}" dt="2019-05-13T11:18:22.436" v="2988" actId="478"/>
+          <ac:spMkLst>
+            <pc:docMk/>
+            <pc:sldMk cId="381550320" sldId="276"/>
+            <ac:spMk id="5" creationId="{A50493A2-4AD0-4DAC-95CA-DEF04F4085A3}"/>
+          </ac:spMkLst>
+        </pc:spChg>
+        <pc:spChg chg="del">
+          <ac:chgData name="Nils Mechtel" userId="d365a3c7-8594-435f-9872-5455ceefc78f" providerId="ADAL" clId="{FEE5CBDF-FE29-4F9F-99B9-949F0817748B}" dt="2019-05-13T11:18:15.465" v="2986" actId="478"/>
+          <ac:spMkLst>
+            <pc:docMk/>
+            <pc:sldMk cId="381550320" sldId="276"/>
+            <ac:spMk id="6" creationId="{9EABE0BA-7501-4B87-B287-067D38A035BF}"/>
+          </ac:spMkLst>
+        </pc:spChg>
+        <pc:spChg chg="add mod">
+          <ac:chgData name="Nils Mechtel" userId="d365a3c7-8594-435f-9872-5455ceefc78f" providerId="ADAL" clId="{FEE5CBDF-FE29-4F9F-99B9-949F0817748B}" dt="2019-05-14T15:16:27.888" v="4941" actId="2711"/>
+          <ac:spMkLst>
+            <pc:docMk/>
+            <pc:sldMk cId="381550320" sldId="276"/>
+            <ac:spMk id="8" creationId="{9B50F7CF-113D-47BB-9B2C-8B9E1D976F1C}"/>
+          </ac:spMkLst>
+        </pc:spChg>
+        <pc:spChg chg="mod">
+          <ac:chgData name="Nils Mechtel" userId="d365a3c7-8594-435f-9872-5455ceefc78f" providerId="ADAL" clId="{FEE5CBDF-FE29-4F9F-99B9-949F0817748B}" dt="2019-05-14T13:01:26.188" v="4562" actId="20577"/>
+          <ac:spMkLst>
+            <pc:docMk/>
+            <pc:sldMk cId="381550320" sldId="276"/>
+            <ac:spMk id="11" creationId="{8BE02F4C-8A0F-44AD-8060-D42969FC82C5}"/>
+          </ac:spMkLst>
+        </pc:spChg>
+        <pc:spChg chg="add mod">
+          <ac:chgData name="Nils Mechtel" userId="d365a3c7-8594-435f-9872-5455ceefc78f" providerId="ADAL" clId="{FEE5CBDF-FE29-4F9F-99B9-949F0817748B}" dt="2019-05-14T13:15:01.572" v="4614" actId="14100"/>
+          <ac:spMkLst>
+            <pc:docMk/>
+            <pc:sldMk cId="381550320" sldId="276"/>
+            <ac:spMk id="18" creationId="{EE100CF8-C7C5-4AC1-A535-AA626C2F31BE}"/>
+          </ac:spMkLst>
+        </pc:spChg>
+        <pc:grpChg chg="add mod">
+          <ac:chgData name="Nils Mechtel" userId="d365a3c7-8594-435f-9872-5455ceefc78f" providerId="ADAL" clId="{FEE5CBDF-FE29-4F9F-99B9-949F0817748B}" dt="2019-05-13T17:43:53.054" v="4040" actId="207"/>
+          <ac:grpSpMkLst>
+            <pc:docMk/>
+            <pc:sldMk cId="381550320" sldId="276"/>
+            <ac:grpSpMk id="4" creationId="{D4E0FDD8-FC08-49B8-B838-ECD3494D68C4}"/>
+          </ac:grpSpMkLst>
+        </pc:grpChg>
+        <pc:grpChg chg="add mod">
+          <ac:chgData name="Nils Mechtel" userId="d365a3c7-8594-435f-9872-5455ceefc78f" providerId="ADAL" clId="{FEE5CBDF-FE29-4F9F-99B9-949F0817748B}" dt="2019-05-13T17:45:15.885" v="4046" actId="1076"/>
+          <ac:grpSpMkLst>
+            <pc:docMk/>
+            <pc:sldMk cId="381550320" sldId="276"/>
+            <ac:grpSpMk id="9" creationId="{B2D2BA94-8470-41B4-B22C-8575B177D6DF}"/>
+          </ac:grpSpMkLst>
+        </pc:grpChg>
+        <pc:grpChg chg="add">
+          <ac:chgData name="Nils Mechtel" userId="d365a3c7-8594-435f-9872-5455ceefc78f" providerId="ADAL" clId="{FEE5CBDF-FE29-4F9F-99B9-949F0817748B}" dt="2019-05-13T17:43:25.215" v="4037"/>
+          <ac:grpSpMkLst>
+            <pc:docMk/>
+            <pc:sldMk cId="381550320" sldId="276"/>
+            <ac:grpSpMk id="12" creationId="{D699A00E-9769-4FFA-8107-F478AB37F638}"/>
+          </ac:grpSpMkLst>
+        </pc:grpChg>
+        <pc:grpChg chg="add mod">
+          <ac:chgData name="Nils Mechtel" userId="d365a3c7-8594-435f-9872-5455ceefc78f" providerId="ADAL" clId="{FEE5CBDF-FE29-4F9F-99B9-949F0817748B}" dt="2019-05-13T17:43:53.054" v="4040" actId="207"/>
+          <ac:grpSpMkLst>
+            <pc:docMk/>
+            <pc:sldMk cId="381550320" sldId="276"/>
+            <ac:grpSpMk id="15" creationId="{AEEF9130-B604-4D2E-8C65-521B04C3A9D1}"/>
+          </ac:grpSpMkLst>
+        </pc:grpChg>
+        <pc:graphicFrameChg chg="del mod">
+          <ac:chgData name="Nils Mechtel" userId="d365a3c7-8594-435f-9872-5455ceefc78f" providerId="ADAL" clId="{FEE5CBDF-FE29-4F9F-99B9-949F0817748B}" dt="2019-05-13T17:43:17.544" v="4034" actId="478"/>
+          <ac:graphicFrameMkLst>
+            <pc:docMk/>
+            <pc:sldMk cId="381550320" sldId="276"/>
+            <ac:graphicFrameMk id="7" creationId="{F1A949C7-C9CF-4C02-BE5E-DA666970FF15}"/>
+          </ac:graphicFrameMkLst>
+        </pc:graphicFrameChg>
+        <pc:picChg chg="del">
+          <ac:chgData name="Nils Mechtel" userId="d365a3c7-8594-435f-9872-5455ceefc78f" providerId="ADAL" clId="{FEE5CBDF-FE29-4F9F-99B9-949F0817748B}" dt="2019-05-13T11:18:18.556" v="2987" actId="478"/>
+          <ac:picMkLst>
+            <pc:docMk/>
+            <pc:sldMk cId="381550320" sldId="276"/>
+            <ac:picMk id="3" creationId="{F756ED82-523F-4235-8B64-1586CEDEA374}"/>
+          </ac:picMkLst>
+        </pc:picChg>
+        <pc:picChg chg="del">
+          <ac:chgData name="Nils Mechtel" userId="d365a3c7-8594-435f-9872-5455ceefc78f" providerId="ADAL" clId="{FEE5CBDF-FE29-4F9F-99B9-949F0817748B}" dt="2019-05-13T11:18:22.436" v="2988" actId="478"/>
+          <ac:picMkLst>
+            <pc:docMk/>
+            <pc:sldMk cId="381550320" sldId="276"/>
+            <ac:picMk id="4" creationId="{A053DF1E-D0B7-4C6B-886D-4930CA292F7A}"/>
+          </ac:picMkLst>
+        </pc:picChg>
+      </pc:sldChg>
+      <pc:sldChg chg="addSp delSp modSp add del">
+        <pc:chgData name="Nils Mechtel" userId="d365a3c7-8594-435f-9872-5455ceefc78f" providerId="ADAL" clId="{FEE5CBDF-FE29-4F9F-99B9-949F0817748B}" dt="2019-05-13T13:49:07.952" v="3153" actId="2696"/>
+        <pc:sldMkLst>
+          <pc:docMk/>
+          <pc:sldMk cId="1854963377" sldId="277"/>
+        </pc:sldMkLst>
+        <pc:spChg chg="del">
+          <ac:chgData name="Nils Mechtel" userId="d365a3c7-8594-435f-9872-5455ceefc78f" providerId="ADAL" clId="{FEE5CBDF-FE29-4F9F-99B9-949F0817748B}" dt="2019-05-13T11:38:11.542" v="2998" actId="478"/>
+          <ac:spMkLst>
+            <pc:docMk/>
+            <pc:sldMk cId="1854963377" sldId="277"/>
+            <ac:spMk id="2" creationId="{12E45446-BD9F-4A4E-BACE-DF052EED0DCC}"/>
+          </ac:spMkLst>
+        </pc:spChg>
+        <pc:spChg chg="del mod">
+          <ac:chgData name="Nils Mechtel" userId="d365a3c7-8594-435f-9872-5455ceefc78f" providerId="ADAL" clId="{FEE5CBDF-FE29-4F9F-99B9-949F0817748B}" dt="2019-05-13T11:38:03.216" v="2996" actId="478"/>
+          <ac:spMkLst>
+            <pc:docMk/>
+            <pc:sldMk cId="1854963377" sldId="277"/>
+            <ac:spMk id="3" creationId="{5621D2A5-4471-4929-8512-D6397DDDA612}"/>
+          </ac:spMkLst>
+        </pc:spChg>
+        <pc:spChg chg="add">
+          <ac:chgData name="Nils Mechtel" userId="d365a3c7-8594-435f-9872-5455ceefc78f" providerId="ADAL" clId="{FEE5CBDF-FE29-4F9F-99B9-949F0817748B}" dt="2019-05-13T11:38:04.341" v="2997"/>
+          <ac:spMkLst>
+            <pc:docMk/>
+            <pc:sldMk cId="1854963377" sldId="277"/>
+            <ac:spMk id="4" creationId="{54B5F27A-2D10-4490-8D07-17ADF6E63272}"/>
+          </ac:spMkLst>
+        </pc:spChg>
+      </pc:sldChg>
+      <pc:sldChg chg="addSp delSp modSp add del">
+        <pc:chgData name="Nils Mechtel" userId="d365a3c7-8594-435f-9872-5455ceefc78f" providerId="ADAL" clId="{FEE5CBDF-FE29-4F9F-99B9-949F0817748B}" dt="2019-05-13T11:15:48.419" v="2976" actId="2696"/>
+        <pc:sldMkLst>
+          <pc:docMk/>
+          <pc:sldMk cId="2024527701" sldId="277"/>
+        </pc:sldMkLst>
+        <pc:spChg chg="del">
+          <ac:chgData name="Nils Mechtel" userId="d365a3c7-8594-435f-9872-5455ceefc78f" providerId="ADAL" clId="{FEE5CBDF-FE29-4F9F-99B9-949F0817748B}" dt="2019-05-13T11:14:11.188" v="2958"/>
+          <ac:spMkLst>
+            <pc:docMk/>
+            <pc:sldMk cId="2024527701" sldId="277"/>
+            <ac:spMk id="3" creationId="{95D95872-AF1B-464B-A68D-13DB97496F36}"/>
+          </ac:spMkLst>
+        </pc:spChg>
+        <pc:picChg chg="add mod">
+          <ac:chgData name="Nils Mechtel" userId="d365a3c7-8594-435f-9872-5455ceefc78f" providerId="ADAL" clId="{FEE5CBDF-FE29-4F9F-99B9-949F0817748B}" dt="2019-05-13T11:15:20.571" v="2972" actId="1076"/>
+          <ac:picMkLst>
+            <pc:docMk/>
+            <pc:sldMk cId="2024527701" sldId="277"/>
+            <ac:picMk id="5" creationId="{ADBC6A84-1FE4-4406-BCDB-C975BD72C787}"/>
+          </ac:picMkLst>
+        </pc:picChg>
+      </pc:sldChg>
+      <pc:sldChg chg="addSp modSp add del modTransition">
+        <pc:chgData name="Nils Mechtel" userId="d365a3c7-8594-435f-9872-5455ceefc78f" providerId="ADAL" clId="{FEE5CBDF-FE29-4F9F-99B9-949F0817748B}" dt="2019-05-13T11:15:48.386" v="2975" actId="2696"/>
+        <pc:sldMkLst>
+          <pc:docMk/>
+          <pc:sldMk cId="202214275" sldId="278"/>
+        </pc:sldMkLst>
+        <pc:picChg chg="add mod">
+          <ac:chgData name="Nils Mechtel" userId="d365a3c7-8594-435f-9872-5455ceefc78f" providerId="ADAL" clId="{FEE5CBDF-FE29-4F9F-99B9-949F0817748B}" dt="2019-05-13T11:15:24.287" v="2974" actId="1076"/>
+          <ac:picMkLst>
+            <pc:docMk/>
+            <pc:sldMk cId="202214275" sldId="278"/>
+            <ac:picMk id="4" creationId="{5EC626C8-5945-4169-A517-194086FB82F2}"/>
+          </ac:picMkLst>
+        </pc:picChg>
+      </pc:sldChg>
+      <pc:sldChg chg="add ord">
+        <pc:chgData name="Nils Mechtel" userId="d365a3c7-8594-435f-9872-5455ceefc78f" providerId="ADAL" clId="{FEE5CBDF-FE29-4F9F-99B9-949F0817748B}" dt="2019-05-13T13:49:12.815" v="3154"/>
+        <pc:sldMkLst>
+          <pc:docMk/>
+          <pc:sldMk cId="622519963" sldId="278"/>
+        </pc:sldMkLst>
+      </pc:sldChg>
+    </pc:docChg>
+  </pc:docChgLst>
+  <pc:docChgLst>
+    <pc:chgData name="pascal.poc.pp@gmail.com" userId="S::urn:spo:guest#pascal.poc.pp@gmail.com::" providerId="AD" clId="Web-{54F2D62C-3A25-0C75-26B0-1119EBE2E004}"/>
+    <pc:docChg chg="modSld">
+      <pc:chgData name="pascal.poc.pp@gmail.com" userId="S::urn:spo:guest#pascal.poc.pp@gmail.com::" providerId="AD" clId="Web-{54F2D62C-3A25-0C75-26B0-1119EBE2E004}" dt="2019-05-13T14:19:28.834" v="50" actId="1076"/>
+      <pc:docMkLst>
+        <pc:docMk/>
+      </pc:docMkLst>
+      <pc:sldChg chg="modSp">
+        <pc:chgData name="pascal.poc.pp@gmail.com" userId="S::urn:spo:guest#pascal.poc.pp@gmail.com::" providerId="AD" clId="Web-{54F2D62C-3A25-0C75-26B0-1119EBE2E004}" dt="2019-05-13T08:02:32.366" v="6" actId="20577"/>
+        <pc:sldMkLst>
+          <pc:docMk/>
+          <pc:sldMk cId="2484908466" sldId="256"/>
+        </pc:sldMkLst>
+        <pc:spChg chg="mod">
+          <ac:chgData name="pascal.poc.pp@gmail.com" userId="S::urn:spo:guest#pascal.poc.pp@gmail.com::" providerId="AD" clId="Web-{54F2D62C-3A25-0C75-26B0-1119EBE2E004}" dt="2019-05-13T08:02:32.366" v="6" actId="20577"/>
+          <ac:spMkLst>
+            <pc:docMk/>
+            <pc:sldMk cId="2484908466" sldId="256"/>
+            <ac:spMk id="2" creationId="{1AD6BE74-C148-45F5-A49F-1D57CB38CDC0}"/>
+          </ac:spMkLst>
+        </pc:spChg>
+      </pc:sldChg>
+      <pc:sldChg chg="addSp delSp modSp">
+        <pc:chgData name="pascal.poc.pp@gmail.com" userId="S::urn:spo:guest#pascal.poc.pp@gmail.com::" providerId="AD" clId="Web-{54F2D62C-3A25-0C75-26B0-1119EBE2E004}" dt="2019-05-13T14:19:28.834" v="50" actId="1076"/>
+        <pc:sldMkLst>
+          <pc:docMk/>
+          <pc:sldMk cId="836733519" sldId="265"/>
+        </pc:sldMkLst>
+        <pc:picChg chg="add del mod">
+          <ac:chgData name="pascal.poc.pp@gmail.com" userId="S::urn:spo:guest#pascal.poc.pp@gmail.com::" providerId="AD" clId="Web-{54F2D62C-3A25-0C75-26B0-1119EBE2E004}" dt="2019-05-13T14:11:19.587" v="38"/>
+          <ac:picMkLst>
+            <pc:docMk/>
+            <pc:sldMk cId="836733519" sldId="265"/>
+            <ac:picMk id="325" creationId="{25B10FD8-3342-493F-BE4D-F853A27BBB69}"/>
+          </ac:picMkLst>
+        </pc:picChg>
+        <pc:picChg chg="add del mod">
+          <ac:chgData name="pascal.poc.pp@gmail.com" userId="S::urn:spo:guest#pascal.poc.pp@gmail.com::" providerId="AD" clId="Web-{54F2D62C-3A25-0C75-26B0-1119EBE2E004}" dt="2019-05-13T14:12:30.180" v="46"/>
+          <ac:picMkLst>
+            <pc:docMk/>
+            <pc:sldMk cId="836733519" sldId="265"/>
+            <ac:picMk id="327" creationId="{D49C6E22-4ED3-4F4A-A2CD-1E41B86E2E64}"/>
+          </ac:picMkLst>
+        </pc:picChg>
+        <pc:picChg chg="add del mod">
+          <ac:chgData name="pascal.poc.pp@gmail.com" userId="S::urn:spo:guest#pascal.poc.pp@gmail.com::" providerId="AD" clId="Web-{54F2D62C-3A25-0C75-26B0-1119EBE2E004}" dt="2019-05-13T14:12:27.977" v="45"/>
+          <ac:picMkLst>
+            <pc:docMk/>
+            <pc:sldMk cId="836733519" sldId="265"/>
+            <ac:picMk id="329" creationId="{F049CDC3-8C1D-4045-B57B-CBCDC8089A56}"/>
+          </ac:picMkLst>
+        </pc:picChg>
+        <pc:picChg chg="add del mod">
+          <ac:chgData name="pascal.poc.pp@gmail.com" userId="S::urn:spo:guest#pascal.poc.pp@gmail.com::" providerId="AD" clId="Web-{54F2D62C-3A25-0C75-26B0-1119EBE2E004}" dt="2019-05-13T14:07:06.791" v="30"/>
+          <ac:picMkLst>
+            <pc:docMk/>
+            <pc:sldMk cId="836733519" sldId="265"/>
+            <ac:picMk id="330" creationId="{042BCB9A-0899-49FF-9258-FD8F4B9B8B4D}"/>
+          </ac:picMkLst>
+        </pc:picChg>
+        <pc:picChg chg="add mod">
+          <ac:chgData name="pascal.poc.pp@gmail.com" userId="S::urn:spo:guest#pascal.poc.pp@gmail.com::" providerId="AD" clId="Web-{54F2D62C-3A25-0C75-26B0-1119EBE2E004}" dt="2019-05-13T14:13:07.289" v="48" actId="1076"/>
+          <ac:picMkLst>
+            <pc:docMk/>
+            <pc:sldMk cId="836733519" sldId="265"/>
+            <ac:picMk id="331" creationId="{853ED335-0968-43B6-9385-7865869F63F1}"/>
+          </ac:picMkLst>
+        </pc:picChg>
+        <pc:picChg chg="add mod">
+          <ac:chgData name="pascal.poc.pp@gmail.com" userId="S::urn:spo:guest#pascal.poc.pp@gmail.com::" providerId="AD" clId="Web-{54F2D62C-3A25-0C75-26B0-1119EBE2E004}" dt="2019-05-13T14:06:50.791" v="28" actId="1076"/>
+          <ac:picMkLst>
+            <pc:docMk/>
+            <pc:sldMk cId="836733519" sldId="265"/>
+            <ac:picMk id="332" creationId="{73D36892-A87C-4EC8-887E-8F49160ABE7D}"/>
+          </ac:picMkLst>
+        </pc:picChg>
+        <pc:picChg chg="add mod">
+          <ac:chgData name="pascal.poc.pp@gmail.com" userId="S::urn:spo:guest#pascal.poc.pp@gmail.com::" providerId="AD" clId="Web-{54F2D62C-3A25-0C75-26B0-1119EBE2E004}" dt="2019-05-13T14:06:55.807" v="29" actId="1076"/>
+          <ac:picMkLst>
+            <pc:docMk/>
+            <pc:sldMk cId="836733519" sldId="265"/>
+            <ac:picMk id="334" creationId="{FF62C545-E97B-4917-8B71-28263D1AFE23}"/>
+          </ac:picMkLst>
+        </pc:picChg>
+        <pc:picChg chg="add mod">
+          <ac:chgData name="pascal.poc.pp@gmail.com" userId="S::urn:spo:guest#pascal.poc.pp@gmail.com::" providerId="AD" clId="Web-{54F2D62C-3A25-0C75-26B0-1119EBE2E004}" dt="2019-05-13T14:06:43.619" v="26" actId="1076"/>
+          <ac:picMkLst>
+            <pc:docMk/>
+            <pc:sldMk cId="836733519" sldId="265"/>
+            <ac:picMk id="336" creationId="{933364B4-9F52-4764-866E-778DD03226C3}"/>
+          </ac:picMkLst>
+        </pc:picChg>
+        <pc:picChg chg="add mod">
+          <ac:chgData name="pascal.poc.pp@gmail.com" userId="S::urn:spo:guest#pascal.poc.pp@gmail.com::" providerId="AD" clId="Web-{54F2D62C-3A25-0C75-26B0-1119EBE2E004}" dt="2019-05-13T14:07:34.588" v="32" actId="1076"/>
+          <ac:picMkLst>
+            <pc:docMk/>
+            <pc:sldMk cId="836733519" sldId="265"/>
+            <ac:picMk id="338" creationId="{73D2A9E5-6A07-44F4-85CD-D7885AD13222}"/>
+          </ac:picMkLst>
+        </pc:picChg>
+        <pc:picChg chg="add mod">
+          <ac:chgData name="pascal.poc.pp@gmail.com" userId="S::urn:spo:guest#pascal.poc.pp@gmail.com::" providerId="AD" clId="Web-{54F2D62C-3A25-0C75-26B0-1119EBE2E004}" dt="2019-05-13T14:07:58.056" v="34" actId="1076"/>
+          <ac:picMkLst>
+            <pc:docMk/>
+            <pc:sldMk cId="836733519" sldId="265"/>
+            <ac:picMk id="340" creationId="{BB704ABF-B671-4ED4-A736-8BF22EEBF660}"/>
+          </ac:picMkLst>
+        </pc:picChg>
+        <pc:picChg chg="add mod">
+          <ac:chgData name="pascal.poc.pp@gmail.com" userId="S::urn:spo:guest#pascal.poc.pp@gmail.com::" providerId="AD" clId="Web-{54F2D62C-3A25-0C75-26B0-1119EBE2E004}" dt="2019-05-13T14:19:28.834" v="50" actId="1076"/>
+          <ac:picMkLst>
+            <pc:docMk/>
+            <pc:sldMk cId="836733519" sldId="265"/>
+            <ac:picMk id="345" creationId="{857AB9BF-1E05-4FA1-B45F-722DCF7FBB7B}"/>
+          </ac:picMkLst>
+        </pc:picChg>
+      </pc:sldChg>
+      <pc:sldChg chg="modSp">
+        <pc:chgData name="pascal.poc.pp@gmail.com" userId="S::urn:spo:guest#pascal.poc.pp@gmail.com::" providerId="AD" clId="Web-{54F2D62C-3A25-0C75-26B0-1119EBE2E004}" dt="2019-05-13T08:10:35.019" v="12" actId="1076"/>
+        <pc:sldMkLst>
+          <pc:docMk/>
+          <pc:sldMk cId="2923162179" sldId="266"/>
+        </pc:sldMkLst>
+        <pc:spChg chg="mod">
+          <ac:chgData name="pascal.poc.pp@gmail.com" userId="S::urn:spo:guest#pascal.poc.pp@gmail.com::" providerId="AD" clId="Web-{54F2D62C-3A25-0C75-26B0-1119EBE2E004}" dt="2019-05-13T08:10:20.598" v="10" actId="20577"/>
+          <ac:spMkLst>
+            <pc:docMk/>
+            <pc:sldMk cId="2923162179" sldId="266"/>
+            <ac:spMk id="2" creationId="{3AFFD6C7-E4F3-4CC2-9977-57E2B563D5DB}"/>
+          </ac:spMkLst>
+        </pc:spChg>
+        <pc:picChg chg="mod">
+          <ac:chgData name="pascal.poc.pp@gmail.com" userId="S::urn:spo:guest#pascal.poc.pp@gmail.com::" providerId="AD" clId="Web-{54F2D62C-3A25-0C75-26B0-1119EBE2E004}" dt="2019-05-13T08:10:35.019" v="12" actId="1076"/>
+          <ac:picMkLst>
+            <pc:docMk/>
+            <pc:sldMk cId="2923162179" sldId="266"/>
+            <ac:picMk id="4" creationId="{6396212C-CC14-42F5-A6C0-F37A60C5A6E9}"/>
+          </ac:picMkLst>
+        </pc:picChg>
+      </pc:sldChg>
+      <pc:sldChg chg="modSp">
+        <pc:chgData name="pascal.poc.pp@gmail.com" userId="S::urn:spo:guest#pascal.poc.pp@gmail.com::" providerId="AD" clId="Web-{54F2D62C-3A25-0C75-26B0-1119EBE2E004}" dt="2019-05-13T13:45:07.548" v="17" actId="20577"/>
+        <pc:sldMkLst>
+          <pc:docMk/>
+          <pc:sldMk cId="3411230145" sldId="273"/>
+        </pc:sldMkLst>
+        <pc:spChg chg="mod">
+          <ac:chgData name="pascal.poc.pp@gmail.com" userId="S::urn:spo:guest#pascal.poc.pp@gmail.com::" providerId="AD" clId="Web-{54F2D62C-3A25-0C75-26B0-1119EBE2E004}" dt="2019-05-13T13:45:07.548" v="17" actId="20577"/>
+          <ac:spMkLst>
+            <pc:docMk/>
+            <pc:sldMk cId="3411230145" sldId="273"/>
+            <ac:spMk id="6" creationId="{0D3C4D43-0167-4BC2-91B0-8DB1F2AE73AE}"/>
+          </ac:spMkLst>
+        </pc:spChg>
+      </pc:sldChg>
+      <pc:sldChg chg="modSp">
+        <pc:chgData name="pascal.poc.pp@gmail.com" userId="S::urn:spo:guest#pascal.poc.pp@gmail.com::" providerId="AD" clId="Web-{54F2D62C-3A25-0C75-26B0-1119EBE2E004}" dt="2019-05-13T11:38:37.773" v="14" actId="20577"/>
+        <pc:sldMkLst>
+          <pc:docMk/>
+          <pc:sldMk cId="1854963377" sldId="277"/>
+        </pc:sldMkLst>
+        <pc:spChg chg="mod">
+          <ac:chgData name="pascal.poc.pp@gmail.com" userId="S::urn:spo:guest#pascal.poc.pp@gmail.com::" providerId="AD" clId="Web-{54F2D62C-3A25-0C75-26B0-1119EBE2E004}" dt="2019-05-13T11:38:37.773" v="14" actId="20577"/>
+          <ac:spMkLst>
+            <pc:docMk/>
+            <pc:sldMk cId="1854963377" sldId="277"/>
+            <ac:spMk id="4" creationId="{54B5F27A-2D10-4490-8D07-17ADF6E63272}"/>
+          </ac:spMkLst>
+        </pc:spChg>
+      </pc:sldChg>
+    </pc:docChg>
+  </pc:docChgLst>
+  <pc:docChgLst>
+    <pc:chgData name="pascal.poc.pp@gmail.com" userId="S::urn:spo:guest#pascal.poc.pp@gmail.com::" providerId="AD" clId="Web-{0570BBE3-6DC8-40D8-BD4A-2B8883141892}"/>
+    <pc:docChg chg="addSld modSld sldOrd modSection">
+      <pc:chgData name="pascal.poc.pp@gmail.com" userId="S::urn:spo:guest#pascal.poc.pp@gmail.com::" providerId="AD" clId="Web-{0570BBE3-6DC8-40D8-BD4A-2B8883141892}" dt="2019-05-11T12:50:03.329" v="69" actId="1076"/>
+      <pc:docMkLst>
+        <pc:docMk/>
+      </pc:docMkLst>
+    </pc:docChg>
+  </pc:docChgLst>
+  <pc:docChgLst>
+    <pc:chgData name="niklas.kronos@gmail.com" userId="S::urn:spo:guest#niklas.kronos@gmail.com::" providerId="AD" clId="Web-{0A60967B-DAF8-A1FE-489D-49D4C2143C79}"/>
+    <pc:docChg chg="modSld">
+      <pc:chgData name="niklas.kronos@gmail.com" userId="S::urn:spo:guest#niklas.kronos@gmail.com::" providerId="AD" clId="Web-{0A60967B-DAF8-A1FE-489D-49D4C2143C79}" dt="2019-05-14T15:17:25.865" v="84" actId="14100"/>
+      <pc:docMkLst>
+        <pc:docMk/>
+      </pc:docMkLst>
+      <pc:sldChg chg="modSp">
+        <pc:chgData name="niklas.kronos@gmail.com" userId="S::urn:spo:guest#niklas.kronos@gmail.com::" providerId="AD" clId="Web-{0A60967B-DAF8-A1FE-489D-49D4C2143C79}" dt="2019-05-14T15:17:25.865" v="84" actId="14100"/>
+        <pc:sldMkLst>
+          <pc:docMk/>
+          <pc:sldMk cId="4044078516" sldId="263"/>
+        </pc:sldMkLst>
+        <pc:spChg chg="mod">
+          <ac:chgData name="niklas.kronos@gmail.com" userId="S::urn:spo:guest#niklas.kronos@gmail.com::" providerId="AD" clId="Web-{0A60967B-DAF8-A1FE-489D-49D4C2143C79}" dt="2019-05-14T15:17:25.865" v="84" actId="14100"/>
+          <ac:spMkLst>
+            <pc:docMk/>
+            <pc:sldMk cId="4044078516" sldId="263"/>
+            <ac:spMk id="6" creationId="{9EABE0BA-7501-4B87-B287-067D38A035BF}"/>
+          </ac:spMkLst>
+        </pc:spChg>
+      </pc:sldChg>
+    </pc:docChg>
+  </pc:docChgLst>
+  <pc:docChgLst>
+    <pc:chgData name="tobias.hub@web.de" userId="S::urn:spo:guest#tobias.hub@web.de::" providerId="AD" clId="Web-{FCF14A56-2CBA-452A-BD1D-B8E2EAA15F3F}"/>
+    <pc:docChg chg="addSld delSld modSld modSection">
+      <pc:chgData name="tobias.hub@web.de" userId="S::urn:spo:guest#tobias.hub@web.de::" providerId="AD" clId="Web-{FCF14A56-2CBA-452A-BD1D-B8E2EAA15F3F}" dt="2019-05-11T15:55:19.583" v="1690" actId="14100"/>
+      <pc:docMkLst>
+        <pc:docMk/>
+      </pc:docMkLst>
+      <pc:sldChg chg="modSp">
+        <pc:chgData name="tobias.hub@web.de" userId="S::urn:spo:guest#tobias.hub@web.de::" providerId="AD" clId="Web-{FCF14A56-2CBA-452A-BD1D-B8E2EAA15F3F}" dt="2019-05-11T12:23:00.808" v="324" actId="20577"/>
+        <pc:sldMkLst>
+          <pc:docMk/>
+          <pc:sldMk cId="2484908466" sldId="256"/>
+        </pc:sldMkLst>
+        <pc:spChg chg="mod">
+          <ac:chgData name="tobias.hub@web.de" userId="S::urn:spo:guest#tobias.hub@web.de::" providerId="AD" clId="Web-{FCF14A56-2CBA-452A-BD1D-B8E2EAA15F3F}" dt="2019-05-11T12:23:00.808" v="324" actId="20577"/>
+          <ac:spMkLst>
+            <pc:docMk/>
+            <pc:sldMk cId="2484908466" sldId="256"/>
+            <ac:spMk id="2" creationId="{1AD6BE74-C148-45F5-A49F-1D57CB38CDC0}"/>
+          </ac:spMkLst>
+        </pc:spChg>
+        <pc:spChg chg="mod">
+          <ac:chgData name="tobias.hub@web.de" userId="S::urn:spo:guest#tobias.hub@web.de::" providerId="AD" clId="Web-{FCF14A56-2CBA-452A-BD1D-B8E2EAA15F3F}" dt="2019-05-11T12:17:36.712" v="214" actId="20577"/>
+          <ac:spMkLst>
+            <pc:docMk/>
+            <pc:sldMk cId="2484908466" sldId="256"/>
+            <ac:spMk id="3" creationId="{81862294-C6C8-4267-9EC4-FCE207C21611}"/>
+          </ac:spMkLst>
+        </pc:spChg>
+      </pc:sldChg>
+      <pc:sldChg chg="addSp delSp modSp new">
+        <pc:chgData name="tobias.hub@web.de" userId="S::urn:spo:guest#tobias.hub@web.de::" providerId="AD" clId="Web-{FCF14A56-2CBA-452A-BD1D-B8E2EAA15F3F}" dt="2019-05-11T15:55:19.583" v="1690" actId="14100"/>
+        <pc:sldMkLst>
+          <pc:docMk/>
+          <pc:sldMk cId="1965533031" sldId="257"/>
+        </pc:sldMkLst>
+        <pc:spChg chg="mod">
+          <ac:chgData name="tobias.hub@web.de" userId="S::urn:spo:guest#tobias.hub@web.de::" providerId="AD" clId="Web-{FCF14A56-2CBA-452A-BD1D-B8E2EAA15F3F}" dt="2019-05-11T15:53:12.098" v="1682" actId="20577"/>
+          <ac:spMkLst>
+            <pc:docMk/>
+            <pc:sldMk cId="1965533031" sldId="257"/>
+            <ac:spMk id="2" creationId="{B008D1D3-9463-48A0-85F8-1984E244CECD}"/>
+          </ac:spMkLst>
+        </pc:spChg>
+        <pc:spChg chg="del mod">
+          <ac:chgData name="tobias.hub@web.de" userId="S::urn:spo:guest#tobias.hub@web.de::" providerId="AD" clId="Web-{FCF14A56-2CBA-452A-BD1D-B8E2EAA15F3F}" dt="2019-05-11T15:38:45.889" v="1644"/>
+          <ac:spMkLst>
+            <pc:docMk/>
+            <pc:sldMk cId="1965533031" sldId="257"/>
+            <ac:spMk id="3" creationId="{C5F468CC-2388-463D-8E99-031E12807CF8}"/>
+          </ac:spMkLst>
+        </pc:spChg>
+        <pc:spChg chg="mod">
+          <ac:chgData name="tobias.hub@web.de" userId="S::urn:spo:guest#tobias.hub@web.de::" providerId="AD" clId="Web-{FCF14A56-2CBA-452A-BD1D-B8E2EAA15F3F}" dt="2019-05-11T15:41:30.828" v="1663" actId="20577"/>
+          <ac:spMkLst>
+            <pc:docMk/>
+            <pc:sldMk cId="1965533031" sldId="257"/>
+            <ac:spMk id="7" creationId="{78F9E495-2FEA-4C7F-AB13-CBD059C11A59}"/>
+          </ac:spMkLst>
+        </pc:spChg>
+        <pc:picChg chg="del mod">
+          <ac:chgData name="tobias.hub@web.de" userId="S::urn:spo:guest#tobias.hub@web.de::" providerId="AD" clId="Web-{FCF14A56-2CBA-452A-BD1D-B8E2EAA15F3F}" dt="2019-05-11T15:38:58.686" v="1647"/>
+          <ac:picMkLst>
+            <pc:docMk/>
+            <pc:sldMk cId="1965533031" sldId="257"/>
+            <ac:picMk id="4" creationId="{80925662-649A-4F0F-9E21-63AF8C92D0B2}"/>
+          </ac:picMkLst>
+        </pc:picChg>
+        <pc:picChg chg="add del mod">
+          <ac:chgData name="tobias.hub@web.de" userId="S::urn:spo:guest#tobias.hub@web.de::" providerId="AD" clId="Web-{FCF14A56-2CBA-452A-BD1D-B8E2EAA15F3F}" dt="2019-05-11T15:29:11.354" v="1625"/>
+          <ac:picMkLst>
+            <pc:docMk/>
+            <pc:sldMk cId="1965533031" sldId="257"/>
+            <ac:picMk id="5" creationId="{1B305D59-AF78-410A-B720-650D62AA2706}"/>
+          </ac:picMkLst>
+        </pc:picChg>
+        <pc:picChg chg="mod">
+          <ac:chgData name="tobias.hub@web.de" userId="S::urn:spo:guest#tobias.hub@web.de::" providerId="AD" clId="Web-{FCF14A56-2CBA-452A-BD1D-B8E2EAA15F3F}" dt="2019-05-11T15:40:52.046" v="1653" actId="14100"/>
+          <ac:picMkLst>
+            <pc:docMk/>
+            <pc:sldMk cId="1965533031" sldId="257"/>
+            <ac:picMk id="6" creationId="{60A2E3FA-4CE7-45BE-81BD-EBF5520FE600}"/>
+          </ac:picMkLst>
+        </pc:picChg>
+        <pc:picChg chg="add del mod ord">
+          <ac:chgData name="tobias.hub@web.de" userId="S::urn:spo:guest#tobias.hub@web.de::" providerId="AD" clId="Web-{FCF14A56-2CBA-452A-BD1D-B8E2EAA15F3F}" dt="2019-05-11T15:55:04.990" v="1686"/>
+          <ac:picMkLst>
+            <pc:docMk/>
+            <pc:sldMk cId="1965533031" sldId="257"/>
+            <ac:picMk id="9" creationId="{5D874A73-5926-4484-BDE9-749DF8EF8614}"/>
+          </ac:picMkLst>
+        </pc:picChg>
+        <pc:picChg chg="add mod">
+          <ac:chgData name="tobias.hub@web.de" userId="S::urn:spo:guest#tobias.hub@web.de::" providerId="AD" clId="Web-{FCF14A56-2CBA-452A-BD1D-B8E2EAA15F3F}" dt="2019-05-11T15:55:19.583" v="1690" actId="14100"/>
+          <ac:picMkLst>
+            <pc:docMk/>
+            <pc:sldMk cId="1965533031" sldId="257"/>
+            <ac:picMk id="11" creationId="{46303D25-7CBE-4883-82DB-08081E075408}"/>
+          </ac:picMkLst>
+        </pc:picChg>
+      </pc:sldChg>
+      <pc:sldChg chg="modSp new">
+        <pc:chgData name="tobias.hub@web.de" userId="S::urn:spo:guest#tobias.hub@web.de::" providerId="AD" clId="Web-{FCF14A56-2CBA-452A-BD1D-B8E2EAA15F3F}" dt="2019-05-11T15:53:03.301" v="1679" actId="20577"/>
+        <pc:sldMkLst>
+          <pc:docMk/>
+          <pc:sldMk cId="3678253361" sldId="258"/>
+        </pc:sldMkLst>
+        <pc:spChg chg="mod">
+          <ac:chgData name="tobias.hub@web.de" userId="S::urn:spo:guest#tobias.hub@web.de::" providerId="AD" clId="Web-{FCF14A56-2CBA-452A-BD1D-B8E2EAA15F3F}" dt="2019-05-11T15:52:40.817" v="1676" actId="20577"/>
+          <ac:spMkLst>
+            <pc:docMk/>
+            <pc:sldMk cId="3678253361" sldId="258"/>
+            <ac:spMk id="2" creationId="{88AF4BB1-C745-4D72-9AAA-5E0278FCF5DB}"/>
+          </ac:spMkLst>
+        </pc:spChg>
+        <pc:spChg chg="mod">
+          <ac:chgData name="tobias.hub@web.de" userId="S::urn:spo:guest#tobias.hub@web.de::" providerId="AD" clId="Web-{FCF14A56-2CBA-452A-BD1D-B8E2EAA15F3F}" dt="2019-05-11T15:53:03.301" v="1679" actId="20577"/>
+          <ac:spMkLst>
+            <pc:docMk/>
+            <pc:sldMk cId="3678253361" sldId="258"/>
+            <ac:spMk id="3" creationId="{9EB5275A-EC7E-4EF8-941F-533224F5BFBC}"/>
+          </ac:spMkLst>
+        </pc:spChg>
+      </pc:sldChg>
+      <pc:sldChg chg="modSp">
+        <pc:chgData name="tobias.hub@web.de" userId="S::urn:spo:guest#tobias.hub@web.de::" providerId="AD" clId="Web-{FCF14A56-2CBA-452A-BD1D-B8E2EAA15F3F}" dt="2019-05-11T13:07:05.607" v="1517" actId="20577"/>
+        <pc:sldMkLst>
+          <pc:docMk/>
+          <pc:sldMk cId="2828272781" sldId="260"/>
+        </pc:sldMkLst>
+        <pc:spChg chg="mod">
+          <ac:chgData name="tobias.hub@web.de" userId="S::urn:spo:guest#tobias.hub@web.de::" providerId="AD" clId="Web-{FCF14A56-2CBA-452A-BD1D-B8E2EAA15F3F}" dt="2019-05-11T13:07:05.607" v="1517" actId="20577"/>
+          <ac:spMkLst>
+            <pc:docMk/>
+            <pc:sldMk cId="2828272781" sldId="260"/>
+            <ac:spMk id="3" creationId="{C246E4BD-1BE0-408D-A950-BB322F35E38E}"/>
+          </ac:spMkLst>
+        </pc:spChg>
+      </pc:sldChg>
+      <pc:sldChg chg="modSp">
+        <pc:chgData name="tobias.hub@web.de" userId="S::urn:spo:guest#tobias.hub@web.de::" providerId="AD" clId="Web-{FCF14A56-2CBA-452A-BD1D-B8E2EAA15F3F}" dt="2019-05-11T14:16:23.885" v="1621" actId="1076"/>
+        <pc:sldMkLst>
+          <pc:docMk/>
+          <pc:sldMk cId="4044078516" sldId="263"/>
+        </pc:sldMkLst>
+        <pc:spChg chg="mod">
+          <ac:chgData name="tobias.hub@web.de" userId="S::urn:spo:guest#tobias.hub@web.de::" providerId="AD" clId="Web-{FCF14A56-2CBA-452A-BD1D-B8E2EAA15F3F}" dt="2019-05-11T14:16:23.885" v="1621" actId="1076"/>
+          <ac:spMkLst>
+            <pc:docMk/>
+            <pc:sldMk cId="4044078516" sldId="263"/>
+            <ac:spMk id="5" creationId="{985CA1E5-977A-4D2C-9571-A3A80E9D6DC5}"/>
+          </ac:spMkLst>
+        </pc:spChg>
+        <pc:picChg chg="mod">
+          <ac:chgData name="tobias.hub@web.de" userId="S::urn:spo:guest#tobias.hub@web.de::" providerId="AD" clId="Web-{FCF14A56-2CBA-452A-BD1D-B8E2EAA15F3F}" dt="2019-05-11T14:16:02.494" v="1612" actId="1076"/>
+          <ac:picMkLst>
+            <pc:docMk/>
+            <pc:sldMk cId="4044078516" sldId="263"/>
+            <ac:picMk id="4" creationId="{9DA69BF4-ECE5-4F93-967D-8C1469EB77E1}"/>
+          </ac:picMkLst>
+        </pc:picChg>
+      </pc:sldChg>
+      <pc:sldChg chg="modSp">
+        <pc:chgData name="tobias.hub@web.de" userId="S::urn:spo:guest#tobias.hub@web.de::" providerId="AD" clId="Web-{FCF14A56-2CBA-452A-BD1D-B8E2EAA15F3F}" dt="2019-05-11T13:46:49.670" v="1607" actId="20577"/>
+        <pc:sldMkLst>
+          <pc:docMk/>
+          <pc:sldMk cId="836733519" sldId="265"/>
+        </pc:sldMkLst>
+        <pc:spChg chg="mod">
+          <ac:chgData name="tobias.hub@web.de" userId="S::urn:spo:guest#tobias.hub@web.de::" providerId="AD" clId="Web-{FCF14A56-2CBA-452A-BD1D-B8E2EAA15F3F}" dt="2019-05-11T13:46:49.670" v="1607" actId="20577"/>
+          <ac:spMkLst>
+            <pc:docMk/>
+            <pc:sldMk cId="836733519" sldId="265"/>
+            <ac:spMk id="6" creationId="{D400EFC7-5CED-4F3C-B4E1-4DAA5A09D939}"/>
+          </ac:spMkLst>
+        </pc:spChg>
+      </pc:sldChg>
+    </pc:docChg>
+  </pc:docChgLst>
+  <pc:docChgLst>
+    <pc:chgData name="tobias.hub@web.de" userId="S::urn:spo:guest#tobias.hub@web.de::" providerId="AD" clId="Web-{0F1670F1-5E66-155C-8EF0-ED34F4265544}"/>
+    <pc:docChg chg="modSld">
+      <pc:chgData name="tobias.hub@web.de" userId="S::urn:spo:guest#tobias.hub@web.de::" providerId="AD" clId="Web-{0F1670F1-5E66-155C-8EF0-ED34F4265544}" dt="2019-05-14T08:36:40.724" v="10"/>
+      <pc:docMkLst>
+        <pc:docMk/>
+      </pc:docMkLst>
+      <pc:sldChg chg="modNotes">
+        <pc:chgData name="tobias.hub@web.de" userId="S::urn:spo:guest#tobias.hub@web.de::" providerId="AD" clId="Web-{0F1670F1-5E66-155C-8EF0-ED34F4265544}" dt="2019-05-14T08:35:26.303" v="6"/>
+        <pc:sldMkLst>
+          <pc:docMk/>
+          <pc:sldMk cId="4044078516" sldId="263"/>
+        </pc:sldMkLst>
+      </pc:sldChg>
+      <pc:sldChg chg="modNotes">
+        <pc:chgData name="tobias.hub@web.de" userId="S::urn:spo:guest#tobias.hub@web.de::" providerId="AD" clId="Web-{0F1670F1-5E66-155C-8EF0-ED34F4265544}" dt="2019-05-14T08:36:40.724" v="10"/>
+        <pc:sldMkLst>
+          <pc:docMk/>
+          <pc:sldMk cId="381550320" sldId="276"/>
+        </pc:sldMkLst>
+      </pc:sldChg>
+    </pc:docChg>
+  </pc:docChgLst>
+  <pc:docChgLst>
+    <pc:chgData name="niklas.kronos@gmail.com" userId="S::urn:spo:guest#niklas.kronos@gmail.com::" providerId="AD" clId="Web-{3F6D7227-3E41-F491-BE90-5409268B28E0}"/>
+    <pc:docChg chg="modSld">
+      <pc:chgData name="niklas.kronos@gmail.com" userId="S::urn:spo:guest#niklas.kronos@gmail.com::" providerId="AD" clId="Web-{3F6D7227-3E41-F491-BE90-5409268B28E0}" dt="2019-05-13T11:32:36.839" v="32" actId="20577"/>
+      <pc:docMkLst>
+        <pc:docMk/>
+      </pc:docMkLst>
+      <pc:sldChg chg="modSp">
+        <pc:chgData name="niklas.kronos@gmail.com" userId="S::urn:spo:guest#niklas.kronos@gmail.com::" providerId="AD" clId="Web-{3F6D7227-3E41-F491-BE90-5409268B28E0}" dt="2019-05-13T11:32:36.839" v="31" actId="20577"/>
+        <pc:sldMkLst>
+          <pc:docMk/>
+          <pc:sldMk cId="381550320" sldId="276"/>
+        </pc:sldMkLst>
+        <pc:spChg chg="mod">
+          <ac:chgData name="niklas.kronos@gmail.com" userId="S::urn:spo:guest#niklas.kronos@gmail.com::" providerId="AD" clId="Web-{3F6D7227-3E41-F491-BE90-5409268B28E0}" dt="2019-05-13T11:32:36.839" v="31" actId="20577"/>
+          <ac:spMkLst>
+            <pc:docMk/>
+            <pc:sldMk cId="381550320" sldId="276"/>
+            <ac:spMk id="8" creationId="{9B50F7CF-113D-47BB-9B2C-8B9E1D976F1C}"/>
+          </ac:spMkLst>
+        </pc:spChg>
+      </pc:sldChg>
+    </pc:docChg>
+  </pc:docChgLst>
+  <pc:docChgLst>
+    <pc:chgData name="niklas.kronos@gmail.com" userId="S::urn:spo:guest#niklas.kronos@gmail.com::" providerId="AD" clId="Web-{4D85818C-7279-3769-2E20-734F408B337C}"/>
+    <pc:docChg chg="addSld delSld modSld modMainMaster modSection">
+      <pc:chgData name="niklas.kronos@gmail.com" userId="S::urn:spo:guest#niklas.kronos@gmail.com::" providerId="AD" clId="Web-{4D85818C-7279-3769-2E20-734F408B337C}" dt="2019-05-11T16:13:19.542" v="733" actId="20577"/>
+      <pc:docMkLst>
+        <pc:docMk/>
+      </pc:docMkLst>
+      <pc:sldChg chg="mod setBg">
+        <pc:chgData name="niklas.kronos@gmail.com" userId="S::urn:spo:guest#niklas.kronos@gmail.com::" providerId="AD" clId="Web-{4D85818C-7279-3769-2E20-734F408B337C}" dt="2019-05-11T16:06:11.983" v="698"/>
+        <pc:sldMkLst>
+          <pc:docMk/>
+          <pc:sldMk cId="2484908466" sldId="256"/>
+        </pc:sldMkLst>
+      </pc:sldChg>
+      <pc:sldChg chg="modSp mod">
+        <pc:chgData name="niklas.kronos@gmail.com" userId="S::urn:spo:guest#niklas.kronos@gmail.com::" providerId="AD" clId="Web-{4D85818C-7279-3769-2E20-734F408B337C}" dt="2019-05-11T16:10:58.007" v="725" actId="20577"/>
+        <pc:sldMkLst>
+          <pc:docMk/>
+          <pc:sldMk cId="1965533031" sldId="257"/>
+        </pc:sldMkLst>
+        <pc:spChg chg="mod">
+          <ac:chgData name="niklas.kronos@gmail.com" userId="S::urn:spo:guest#niklas.kronos@gmail.com::" providerId="AD" clId="Web-{4D85818C-7279-3769-2E20-734F408B337C}" dt="2019-05-11T16:10:58.007" v="725" actId="20577"/>
+          <ac:spMkLst>
+            <pc:docMk/>
+            <pc:sldMk cId="1965533031" sldId="257"/>
+            <ac:spMk id="2" creationId="{B008D1D3-9463-48A0-85F8-1984E244CECD}"/>
+          </ac:spMkLst>
+        </pc:spChg>
+        <pc:picChg chg="mod">
+          <ac:chgData name="niklas.kronos@gmail.com" userId="S::urn:spo:guest#niklas.kronos@gmail.com::" providerId="AD" clId="Web-{4D85818C-7279-3769-2E20-734F408B337C}" dt="2019-05-11T15:43:58.946" v="667" actId="1076"/>
+          <ac:picMkLst>
+            <pc:docMk/>
+            <pc:sldMk cId="1965533031" sldId="257"/>
+            <ac:picMk id="6" creationId="{60A2E3FA-4CE7-45BE-81BD-EBF5520FE600}"/>
+          </ac:picMkLst>
+        </pc:picChg>
+      </pc:sldChg>
+      <pc:sldChg chg="modSp mod">
+        <pc:chgData name="niklas.kronos@gmail.com" userId="S::urn:spo:guest#niklas.kronos@gmail.com::" providerId="AD" clId="Web-{4D85818C-7279-3769-2E20-734F408B337C}" dt="2019-05-11T16:07:56.643" v="702" actId="20577"/>
+        <pc:sldMkLst>
+          <pc:docMk/>
+          <pc:sldMk cId="3678253361" sldId="258"/>
+        </pc:sldMkLst>
+        <pc:spChg chg="mod">
+          <ac:chgData name="niklas.kronos@gmail.com" userId="S::urn:spo:guest#niklas.kronos@gmail.com::" providerId="AD" clId="Web-{4D85818C-7279-3769-2E20-734F408B337C}" dt="2019-05-11T16:07:56.643" v="702" actId="20577"/>
+          <ac:spMkLst>
+            <pc:docMk/>
+            <pc:sldMk cId="3678253361" sldId="258"/>
+            <ac:spMk id="2" creationId="{88AF4BB1-C745-4D72-9AAA-5E0278FCF5DB}"/>
+          </ac:spMkLst>
+        </pc:spChg>
+      </pc:sldChg>
+      <pc:sldChg chg="modSp mod">
+        <pc:chgData name="niklas.kronos@gmail.com" userId="S::urn:spo:guest#niklas.kronos@gmail.com::" providerId="AD" clId="Web-{4D85818C-7279-3769-2E20-734F408B337C}" dt="2019-05-11T16:08:22.940" v="708" actId="20577"/>
+        <pc:sldMkLst>
+          <pc:docMk/>
+          <pc:sldMk cId="2828272781" sldId="260"/>
+        </pc:sldMkLst>
+        <pc:spChg chg="mod">
+          <ac:chgData name="niklas.kronos@gmail.com" userId="S::urn:spo:guest#niklas.kronos@gmail.com::" providerId="AD" clId="Web-{4D85818C-7279-3769-2E20-734F408B337C}" dt="2019-05-11T16:08:22.940" v="708" actId="20577"/>
+          <ac:spMkLst>
+            <pc:docMk/>
+            <pc:sldMk cId="2828272781" sldId="260"/>
+            <ac:spMk id="2" creationId="{D099CFC0-58E8-4594-908D-B69CA1A0976B}"/>
+          </ac:spMkLst>
+        </pc:spChg>
+      </pc:sldChg>
+      <pc:sldChg chg="modSp mod">
+        <pc:chgData name="niklas.kronos@gmail.com" userId="S::urn:spo:guest#niklas.kronos@gmail.com::" providerId="AD" clId="Web-{4D85818C-7279-3769-2E20-734F408B337C}" dt="2019-05-11T16:06:11.983" v="698"/>
+        <pc:sldMkLst>
+          <pc:docMk/>
+          <pc:sldMk cId="4044078516" sldId="263"/>
+        </pc:sldMkLst>
+        <pc:spChg chg="mod">
+          <ac:chgData name="niklas.kronos@gmail.com" userId="S::urn:spo:guest#niklas.kronos@gmail.com::" providerId="AD" clId="Web-{4D85818C-7279-3769-2E20-734F408B337C}" dt="2019-05-11T15:41:50.176" v="664" actId="20577"/>
+          <ac:spMkLst>
+            <pc:docMk/>
+            <pc:sldMk cId="4044078516" sldId="263"/>
+            <ac:spMk id="2" creationId="{DFD99890-61D9-4B87-8189-F7C606B59725}"/>
+          </ac:spMkLst>
+        </pc:spChg>
+      </pc:sldChg>
+      <pc:sldChg chg="mod">
+        <pc:chgData name="niklas.kronos@gmail.com" userId="S::urn:spo:guest#niklas.kronos@gmail.com::" providerId="AD" clId="Web-{4D85818C-7279-3769-2E20-734F408B337C}" dt="2019-05-11T16:06:11.983" v="698"/>
+        <pc:sldMkLst>
+          <pc:docMk/>
+          <pc:sldMk cId="3854328160" sldId="264"/>
+        </pc:sldMkLst>
+      </pc:sldChg>
+      <pc:sldChg chg="modSp mod">
+        <pc:chgData name="niklas.kronos@gmail.com" userId="S::urn:spo:guest#niklas.kronos@gmail.com::" providerId="AD" clId="Web-{4D85818C-7279-3769-2E20-734F408B337C}" dt="2019-05-11T16:08:09.409" v="705" actId="20577"/>
+        <pc:sldMkLst>
+          <pc:docMk/>
+          <pc:sldMk cId="836733519" sldId="265"/>
+        </pc:sldMkLst>
+        <pc:spChg chg="mod">
+          <ac:chgData name="niklas.kronos@gmail.com" userId="S::urn:spo:guest#niklas.kronos@gmail.com::" providerId="AD" clId="Web-{4D85818C-7279-3769-2E20-734F408B337C}" dt="2019-05-11T16:08:09.409" v="705" actId="20577"/>
+          <ac:spMkLst>
+            <pc:docMk/>
+            <pc:sldMk cId="836733519" sldId="265"/>
+            <ac:spMk id="2" creationId="{11DB241C-01F8-4A1A-B493-796A1AD4A31E}"/>
+          </ac:spMkLst>
+        </pc:spChg>
+      </pc:sldChg>
+      <pc:sldChg chg="mod">
+        <pc:chgData name="niklas.kronos@gmail.com" userId="S::urn:spo:guest#niklas.kronos@gmail.com::" providerId="AD" clId="Web-{4D85818C-7279-3769-2E20-734F408B337C}" dt="2019-05-11T16:06:11.983" v="698"/>
+        <pc:sldMkLst>
+          <pc:docMk/>
+          <pc:sldMk cId="2923162179" sldId="266"/>
+        </pc:sldMkLst>
+      </pc:sldChg>
+    </pc:docChg>
+  </pc:docChgLst>
+  <pc:docChgLst>
+    <pc:chgData name="tobias.hub@web.de" userId="S::urn:spo:guest#tobias.hub@web.de::" providerId="AD" clId="Web-{BFF7F638-A37A-55D5-6302-81C8EFF2DF27}"/>
+    <pc:docChg chg="modSld">
+      <pc:chgData name="tobias.hub@web.de" userId="S::urn:spo:guest#tobias.hub@web.de::" providerId="AD" clId="Web-{BFF7F638-A37A-55D5-6302-81C8EFF2DF27}" dt="2019-05-13T16:23:54.549" v="2157" actId="20577"/>
+      <pc:docMkLst>
+        <pc:docMk/>
+      </pc:docMkLst>
+      <pc:sldChg chg="modSp">
+        <pc:chgData name="tobias.hub@web.de" userId="S::urn:spo:guest#tobias.hub@web.de::" providerId="AD" clId="Web-{BFF7F638-A37A-55D5-6302-81C8EFF2DF27}" dt="2019-05-13T15:51:26.177" v="1527" actId="1076"/>
+        <pc:sldMkLst>
+          <pc:docMk/>
+          <pc:sldMk cId="1965533031" sldId="257"/>
+        </pc:sldMkLst>
+        <pc:spChg chg="mod">
+          <ac:chgData name="tobias.hub@web.de" userId="S::urn:spo:guest#tobias.hub@web.de::" providerId="AD" clId="Web-{BFF7F638-A37A-55D5-6302-81C8EFF2DF27}" dt="2019-05-13T15:51:26.177" v="1527" actId="1076"/>
+          <ac:spMkLst>
+            <pc:docMk/>
+            <pc:sldMk cId="1965533031" sldId="257"/>
+            <ac:spMk id="3" creationId="{A3561F8D-9380-41DF-9739-3A0E08468CF6}"/>
+          </ac:spMkLst>
+        </pc:spChg>
+      </pc:sldChg>
+      <pc:sldChg chg="addSp modSp">
+        <pc:chgData name="tobias.hub@web.de" userId="S::urn:spo:guest#tobias.hub@web.de::" providerId="AD" clId="Web-{BFF7F638-A37A-55D5-6302-81C8EFF2DF27}" dt="2019-05-13T15:57:14.304" v="1532" actId="20577"/>
+        <pc:sldMkLst>
+          <pc:docMk/>
+          <pc:sldMk cId="3678253361" sldId="258"/>
+        </pc:sldMkLst>
+        <pc:spChg chg="add mod">
+          <ac:chgData name="tobias.hub@web.de" userId="S::urn:spo:guest#tobias.hub@web.de::" providerId="AD" clId="Web-{BFF7F638-A37A-55D5-6302-81C8EFF2DF27}" dt="2019-05-13T15:57:14.304" v="1532" actId="20577"/>
+          <ac:spMkLst>
+            <pc:docMk/>
+            <pc:sldMk cId="3678253361" sldId="258"/>
+            <ac:spMk id="9" creationId="{3051B073-4B27-4D2F-8EA2-4D83A57733D7}"/>
+          </ac:spMkLst>
+        </pc:spChg>
+      </pc:sldChg>
+      <pc:sldChg chg="modSp">
+        <pc:chgData name="tobias.hub@web.de" userId="S::urn:spo:guest#tobias.hub@web.de::" providerId="AD" clId="Web-{BFF7F638-A37A-55D5-6302-81C8EFF2DF27}" dt="2019-05-13T16:08:25.324" v="1674" actId="20577"/>
+        <pc:sldMkLst>
+          <pc:docMk/>
+          <pc:sldMk cId="4044078516" sldId="263"/>
+        </pc:sldMkLst>
+        <pc:spChg chg="mod">
+          <ac:chgData name="tobias.hub@web.de" userId="S::urn:spo:guest#tobias.hub@web.de::" providerId="AD" clId="Web-{BFF7F638-A37A-55D5-6302-81C8EFF2DF27}" dt="2019-05-13T16:08:25.324" v="1674" actId="20577"/>
+          <ac:spMkLst>
+            <pc:docMk/>
+            <pc:sldMk cId="4044078516" sldId="263"/>
+            <ac:spMk id="6" creationId="{9EABE0BA-7501-4B87-B287-067D38A035BF}"/>
+          </ac:spMkLst>
+        </pc:spChg>
+      </pc:sldChg>
+      <pc:sldChg chg="modSp modNotes">
+        <pc:chgData name="tobias.hub@web.de" userId="S::urn:spo:guest#tobias.hub@web.de::" providerId="AD" clId="Web-{BFF7F638-A37A-55D5-6302-81C8EFF2DF27}" dt="2019-05-13T16:23:52.955" v="2155" actId="20577"/>
+        <pc:sldMkLst>
+          <pc:docMk/>
+          <pc:sldMk cId="3854328160" sldId="264"/>
+        </pc:sldMkLst>
+        <pc:spChg chg="mod">
+          <ac:chgData name="tobias.hub@web.de" userId="S::urn:spo:guest#tobias.hub@web.de::" providerId="AD" clId="Web-{BFF7F638-A37A-55D5-6302-81C8EFF2DF27}" dt="2019-05-13T16:23:52.955" v="2155" actId="20577"/>
+          <ac:spMkLst>
+            <pc:docMk/>
+            <pc:sldMk cId="3854328160" sldId="264"/>
+            <ac:spMk id="3" creationId="{52ECBA23-C101-4F91-8B43-931C93C8877D}"/>
+          </ac:spMkLst>
+        </pc:spChg>
+      </pc:sldChg>
+      <pc:sldChg chg="modSp">
+        <pc:chgData name="tobias.hub@web.de" userId="S::urn:spo:guest#tobias.hub@web.de::" providerId="AD" clId="Web-{BFF7F638-A37A-55D5-6302-81C8EFF2DF27}" dt="2019-05-13T16:05:23.995" v="1610" actId="20577"/>
+        <pc:sldMkLst>
+          <pc:docMk/>
+          <pc:sldMk cId="3411230145" sldId="273"/>
+        </pc:sldMkLst>
+        <pc:spChg chg="mod">
+          <ac:chgData name="tobias.hub@web.de" userId="S::urn:spo:guest#tobias.hub@web.de::" providerId="AD" clId="Web-{BFF7F638-A37A-55D5-6302-81C8EFF2DF27}" dt="2019-05-13T16:05:23.995" v="1610" actId="20577"/>
+          <ac:spMkLst>
+            <pc:docMk/>
+            <pc:sldMk cId="3411230145" sldId="273"/>
+            <ac:spMk id="6" creationId="{0D3C4D43-0167-4BC2-91B0-8DB1F2AE73AE}"/>
+          </ac:spMkLst>
+        </pc:spChg>
+        <pc:grpChg chg="mod">
+          <ac:chgData name="tobias.hub@web.de" userId="S::urn:spo:guest#tobias.hub@web.de::" providerId="AD" clId="Web-{BFF7F638-A37A-55D5-6302-81C8EFF2DF27}" dt="2019-05-13T14:01:18.399" v="99" actId="1076"/>
+          <ac:grpSpMkLst>
+            <pc:docMk/>
+            <pc:sldMk cId="3411230145" sldId="273"/>
+            <ac:grpSpMk id="10" creationId="{79924885-AE3E-40A3-AACF-C3A07E84A7DE}"/>
+          </ac:grpSpMkLst>
+        </pc:grpChg>
+      </pc:sldChg>
+      <pc:sldChg chg="modSp modNotes">
+        <pc:chgData name="tobias.hub@web.de" userId="S::urn:spo:guest#tobias.hub@web.de::" providerId="AD" clId="Web-{BFF7F638-A37A-55D5-6302-81C8EFF2DF27}" dt="2019-05-13T16:15:05.764" v="1989" actId="20577"/>
+        <pc:sldMkLst>
+          <pc:docMk/>
+          <pc:sldMk cId="381550320" sldId="276"/>
+        </pc:sldMkLst>
+        <pc:spChg chg="mod">
+          <ac:chgData name="tobias.hub@web.de" userId="S::urn:spo:guest#tobias.hub@web.de::" providerId="AD" clId="Web-{BFF7F638-A37A-55D5-6302-81C8EFF2DF27}" dt="2019-05-13T16:15:05.764" v="1989" actId="20577"/>
+          <ac:spMkLst>
+            <pc:docMk/>
+            <pc:sldMk cId="381550320" sldId="276"/>
+            <ac:spMk id="8" creationId="{9B50F7CF-113D-47BB-9B2C-8B9E1D976F1C}"/>
+          </ac:spMkLst>
+        </pc:spChg>
+        <pc:graphicFrameChg chg="mod">
+          <ac:chgData name="tobias.hub@web.de" userId="S::urn:spo:guest#tobias.hub@web.de::" providerId="AD" clId="Web-{BFF7F638-A37A-55D5-6302-81C8EFF2DF27}" dt="2019-05-13T14:34:14.452" v="1116" actId="1076"/>
+          <ac:graphicFrameMkLst>
+            <pc:docMk/>
+            <pc:sldMk cId="381550320" sldId="276"/>
+            <ac:graphicFrameMk id="7" creationId="{F1A949C7-C9CF-4C02-BE5E-DA666970FF15}"/>
+          </ac:graphicFrameMkLst>
+        </pc:graphicFrameChg>
+      </pc:sldChg>
+    </pc:docChg>
+  </pc:docChgLst>
+  <pc:docChgLst>
+    <pc:chgData name="niklas.kronos@gmail.com" userId="S::urn:spo:guest#niklas.kronos@gmail.com::" providerId="AD" clId="Web-{9501EFDE-D2BB-C6E8-F3AF-6E526D224B73}"/>
+    <pc:docChg chg="delSld modSld modSection">
+      <pc:chgData name="niklas.kronos@gmail.com" userId="S::urn:spo:guest#niklas.kronos@gmail.com::" providerId="AD" clId="Web-{9501EFDE-D2BB-C6E8-F3AF-6E526D224B73}" dt="2019-05-13T16:30:27.997" v="368" actId="1076"/>
+      <pc:docMkLst>
+        <pc:docMk/>
+      </pc:docMkLst>
+      <pc:sldChg chg="modSp">
+        <pc:chgData name="niklas.kronos@gmail.com" userId="S::urn:spo:guest#niklas.kronos@gmail.com::" providerId="AD" clId="Web-{9501EFDE-D2BB-C6E8-F3AF-6E526D224B73}" dt="2019-05-13T15:51:29.969" v="362" actId="1076"/>
+        <pc:sldMkLst>
+          <pc:docMk/>
+          <pc:sldMk cId="2484908466" sldId="256"/>
+        </pc:sldMkLst>
+        <pc:spChg chg="mod">
+          <ac:chgData name="niklas.kronos@gmail.com" userId="S::urn:spo:guest#niklas.kronos@gmail.com::" providerId="AD" clId="Web-{9501EFDE-D2BB-C6E8-F3AF-6E526D224B73}" dt="2019-05-13T15:51:29.969" v="362" actId="1076"/>
+          <ac:spMkLst>
+            <pc:docMk/>
+            <pc:sldMk cId="2484908466" sldId="256"/>
+            <ac:spMk id="4" creationId="{881BF236-5E18-4066-A6E6-871AA4B9AE8C}"/>
+          </ac:spMkLst>
+        </pc:spChg>
+      </pc:sldChg>
+      <pc:sldChg chg="addSp delSp modSp">
+        <pc:chgData name="niklas.kronos@gmail.com" userId="S::urn:spo:guest#niklas.kronos@gmail.com::" providerId="AD" clId="Web-{9501EFDE-D2BB-C6E8-F3AF-6E526D224B73}" dt="2019-05-13T14:34:32.832" v="360" actId="20577"/>
+        <pc:sldMkLst>
+          <pc:docMk/>
+          <pc:sldMk cId="4044078516" sldId="263"/>
+        </pc:sldMkLst>
+        <pc:spChg chg="del mod">
+          <ac:chgData name="niklas.kronos@gmail.com" userId="S::urn:spo:guest#niklas.kronos@gmail.com::" providerId="AD" clId="Web-{9501EFDE-D2BB-C6E8-F3AF-6E526D224B73}" dt="2019-05-13T14:12:37.382" v="10"/>
+          <ac:spMkLst>
+            <pc:docMk/>
+            <pc:sldMk cId="4044078516" sldId="263"/>
+            <ac:spMk id="5" creationId="{A50493A2-4AD0-4DAC-95CA-DEF04F4085A3}"/>
+          </ac:spMkLst>
+        </pc:spChg>
+        <pc:spChg chg="mod">
+          <ac:chgData name="niklas.kronos@gmail.com" userId="S::urn:spo:guest#niklas.kronos@gmail.com::" providerId="AD" clId="Web-{9501EFDE-D2BB-C6E8-F3AF-6E526D224B73}" dt="2019-05-13T14:34:32.832" v="360" actId="20577"/>
+          <ac:spMkLst>
+            <pc:docMk/>
+            <pc:sldMk cId="4044078516" sldId="263"/>
+            <ac:spMk id="6" creationId="{9EABE0BA-7501-4B87-B287-067D38A035BF}"/>
+          </ac:spMkLst>
+        </pc:spChg>
+        <pc:spChg chg="add mod">
+          <ac:chgData name="niklas.kronos@gmail.com" userId="S::urn:spo:guest#niklas.kronos@gmail.com::" providerId="AD" clId="Web-{9501EFDE-D2BB-C6E8-F3AF-6E526D224B73}" dt="2019-05-13T14:18:26.240" v="173" actId="14100"/>
+          <ac:spMkLst>
+            <pc:docMk/>
+            <pc:sldMk cId="4044078516" sldId="263"/>
+            <ac:spMk id="19" creationId="{E6D2A0BF-E5EF-4DD0-BC19-318ABEC5F47D}"/>
+          </ac:spMkLst>
+        </pc:spChg>
+        <pc:spChg chg="add mod">
+          <ac:chgData name="niklas.kronos@gmail.com" userId="S::urn:spo:guest#niklas.kronos@gmail.com::" providerId="AD" clId="Web-{9501EFDE-D2BB-C6E8-F3AF-6E526D224B73}" dt="2019-05-13T14:18:44.178" v="174" actId="14100"/>
+          <ac:spMkLst>
+            <pc:docMk/>
+            <pc:sldMk cId="4044078516" sldId="263"/>
+            <ac:spMk id="20" creationId="{930FFEB1-7FAD-4C2F-9801-525E442B0F31}"/>
+          </ac:spMkLst>
+        </pc:spChg>
+        <pc:spChg chg="add mod">
+          <ac:chgData name="niklas.kronos@gmail.com" userId="S::urn:spo:guest#niklas.kronos@gmail.com::" providerId="AD" clId="Web-{9501EFDE-D2BB-C6E8-F3AF-6E526D224B73}" dt="2019-05-13T14:18:15.772" v="170" actId="20577"/>
+          <ac:spMkLst>
+            <pc:docMk/>
+            <pc:sldMk cId="4044078516" sldId="263"/>
+            <ac:spMk id="21" creationId="{BA41386F-FF80-4FA8-A50C-7F7FAAEFF622}"/>
+          </ac:spMkLst>
+        </pc:spChg>
+        <pc:spChg chg="add mod">
+          <ac:chgData name="niklas.kronos@gmail.com" userId="S::urn:spo:guest#niklas.kronos@gmail.com::" providerId="AD" clId="Web-{9501EFDE-D2BB-C6E8-F3AF-6E526D224B73}" dt="2019-05-13T14:18:48.553" v="175" actId="1076"/>
+          <ac:spMkLst>
+            <pc:docMk/>
+            <pc:sldMk cId="4044078516" sldId="263"/>
+            <ac:spMk id="22" creationId="{B31E82C5-26CD-47A0-AB75-A9C54363494B}"/>
+          </ac:spMkLst>
+        </pc:spChg>
+        <pc:picChg chg="del">
+          <ac:chgData name="niklas.kronos@gmail.com" userId="S::urn:spo:guest#niklas.kronos@gmail.com::" providerId="AD" clId="Web-{9501EFDE-D2BB-C6E8-F3AF-6E526D224B73}" dt="2019-05-13T14:12:39.398" v="11"/>
+          <ac:picMkLst>
+            <pc:docMk/>
+            <pc:sldMk cId="4044078516" sldId="263"/>
+            <ac:picMk id="3" creationId="{F756ED82-523F-4235-8B64-1586CEDEA374}"/>
+          </ac:picMkLst>
+        </pc:picChg>
+        <pc:picChg chg="del">
+          <ac:chgData name="niklas.kronos@gmail.com" userId="S::urn:spo:guest#niklas.kronos@gmail.com::" providerId="AD" clId="Web-{9501EFDE-D2BB-C6E8-F3AF-6E526D224B73}" dt="2019-05-13T14:12:03.382" v="2"/>
+          <ac:picMkLst>
+            <pc:docMk/>
+            <pc:sldMk cId="4044078516" sldId="263"/>
+            <ac:picMk id="4" creationId="{A053DF1E-D0B7-4C6B-886D-4930CA292F7A}"/>
+          </ac:picMkLst>
+        </pc:picChg>
+        <pc:picChg chg="add mod">
+          <ac:chgData name="niklas.kronos@gmail.com" userId="S::urn:spo:guest#niklas.kronos@gmail.com::" providerId="AD" clId="Web-{9501EFDE-D2BB-C6E8-F3AF-6E526D224B73}" dt="2019-05-13T14:13:05.023" v="14" actId="14100"/>
+          <ac:picMkLst>
+            <pc:docMk/>
+            <pc:sldMk cId="4044078516" sldId="263"/>
+            <ac:picMk id="17" creationId="{452601F3-3C6A-4FA4-91F8-01FE9CA49069}"/>
+          </ac:picMkLst>
+        </pc:picChg>
+      </pc:sldChg>
+      <pc:sldChg chg="modSp">
+        <pc:chgData name="niklas.kronos@gmail.com" userId="S::urn:spo:guest#niklas.kronos@gmail.com::" providerId="AD" clId="Web-{9501EFDE-D2BB-C6E8-F3AF-6E526D224B73}" dt="2019-05-13T16:30:27.997" v="368" actId="1076"/>
+        <pc:sldMkLst>
+          <pc:docMk/>
+          <pc:sldMk cId="2923162179" sldId="266"/>
+        </pc:sldMkLst>
+        <pc:picChg chg="mod">
+          <ac:chgData name="niklas.kronos@gmail.com" userId="S::urn:spo:guest#niklas.kronos@gmail.com::" providerId="AD" clId="Web-{9501EFDE-D2BB-C6E8-F3AF-6E526D224B73}" dt="2019-05-13T16:30:27.997" v="368" actId="1076"/>
+          <ac:picMkLst>
+            <pc:docMk/>
+            <pc:sldMk cId="2923162179" sldId="266"/>
+            <ac:picMk id="10" creationId="{C90D6B81-78E5-40AC-91FA-9B7CAC5D54EF}"/>
+          </ac:picMkLst>
+        </pc:picChg>
+      </pc:sldChg>
+      <pc:sldChg chg="mod modShow">
+        <pc:chgData name="niklas.kronos@gmail.com" userId="S::urn:spo:guest#niklas.kronos@gmail.com::" providerId="AD" clId="Web-{9501EFDE-D2BB-C6E8-F3AF-6E526D224B73}" dt="2019-05-13T16:24:57.513" v="366"/>
+        <pc:sldMkLst>
+          <pc:docMk/>
+          <pc:sldMk cId="4041509991" sldId="271"/>
+        </pc:sldMkLst>
+      </pc:sldChg>
+      <pc:sldChg chg="delSp delAnim">
+        <pc:chgData name="niklas.kronos@gmail.com" userId="S::urn:spo:guest#niklas.kronos@gmail.com::" providerId="AD" clId="Web-{9501EFDE-D2BB-C6E8-F3AF-6E526D224B73}" dt="2019-05-13T14:02:06.399" v="0"/>
+        <pc:sldMkLst>
+          <pc:docMk/>
+          <pc:sldMk cId="3411230145" sldId="273"/>
+        </pc:sldMkLst>
+        <pc:grpChg chg="del">
+          <ac:chgData name="niklas.kronos@gmail.com" userId="S::urn:spo:guest#niklas.kronos@gmail.com::" providerId="AD" clId="Web-{9501EFDE-D2BB-C6E8-F3AF-6E526D224B73}" dt="2019-05-13T14:02:06.399" v="0"/>
+          <ac:grpSpMkLst>
+            <pc:docMk/>
+            <pc:sldMk cId="3411230145" sldId="273"/>
+            <ac:grpSpMk id="10" creationId="{79924885-AE3E-40A3-AACF-C3A07E84A7DE}"/>
+          </ac:grpSpMkLst>
+        </pc:grpChg>
+      </pc:sldChg>
+      <pc:sldChg chg="del">
+        <pc:chgData name="niklas.kronos@gmail.com" userId="S::urn:spo:guest#niklas.kronos@gmail.com::" providerId="AD" clId="Web-{9501EFDE-D2BB-C6E8-F3AF-6E526D224B73}" dt="2019-05-13T16:24:48.185" v="363"/>
+        <pc:sldMkLst>
+          <pc:docMk/>
+          <pc:sldMk cId="3859023442" sldId="275"/>
+        </pc:sldMkLst>
+      </pc:sldChg>
+      <pc:sldChg chg="del">
+        <pc:chgData name="niklas.kronos@gmail.com" userId="S::urn:spo:guest#niklas.kronos@gmail.com::" providerId="AD" clId="Web-{9501EFDE-D2BB-C6E8-F3AF-6E526D224B73}" dt="2019-05-13T16:24:50.529" v="364"/>
+        <pc:sldMkLst>
+          <pc:docMk/>
+          <pc:sldMk cId="622519963" sldId="278"/>
+        </pc:sldMkLst>
+      </pc:sldChg>
+    </pc:docChg>
+  </pc:docChgLst>
+  <pc:docChgLst>
+    <pc:chgData name="niklas.kronos@gmail.com" userId="S::urn:spo:guest#niklas.kronos@gmail.com::" providerId="AD" clId="Web-{58B641C6-6706-2796-64FB-B80CE7A5A7B0}"/>
+    <pc:docChg chg="addSld delSld modSld modSection">
+      <pc:chgData name="niklas.kronos@gmail.com" userId="S::urn:spo:guest#niklas.kronos@gmail.com::" providerId="AD" clId="Web-{58B641C6-6706-2796-64FB-B80CE7A5A7B0}" dt="2019-05-12T19:15:23.675" v="587" actId="20577"/>
+      <pc:docMkLst>
+        <pc:docMk/>
+      </pc:docMkLst>
+      <pc:sldChg chg="modSp">
+        <pc:chgData name="niklas.kronos@gmail.com" userId="S::urn:spo:guest#niklas.kronos@gmail.com::" providerId="AD" clId="Web-{58B641C6-6706-2796-64FB-B80CE7A5A7B0}" dt="2019-05-12T19:14:08.722" v="585" actId="20577"/>
+        <pc:sldMkLst>
+          <pc:docMk/>
+          <pc:sldMk cId="4044078516" sldId="263"/>
+        </pc:sldMkLst>
+        <pc:spChg chg="mod">
+          <ac:chgData name="niklas.kronos@gmail.com" userId="S::urn:spo:guest#niklas.kronos@gmail.com::" providerId="AD" clId="Web-{58B641C6-6706-2796-64FB-B80CE7A5A7B0}" dt="2019-05-12T19:14:08.722" v="585" actId="20577"/>
+          <ac:spMkLst>
+            <pc:docMk/>
+            <pc:sldMk cId="4044078516" sldId="263"/>
+            <ac:spMk id="6" creationId="{9EABE0BA-7501-4B87-B287-067D38A035BF}"/>
+          </ac:spMkLst>
+        </pc:spChg>
+        <pc:picChg chg="mod">
+          <ac:chgData name="niklas.kronos@gmail.com" userId="S::urn:spo:guest#niklas.kronos@gmail.com::" providerId="AD" clId="Web-{58B641C6-6706-2796-64FB-B80CE7A5A7B0}" dt="2019-05-12T19:00:43.859" v="236" actId="1076"/>
+          <ac:picMkLst>
+            <pc:docMk/>
+            <pc:sldMk cId="4044078516" sldId="263"/>
+            <ac:picMk id="3" creationId="{F756ED82-523F-4235-8B64-1586CEDEA374}"/>
+          </ac:picMkLst>
+        </pc:picChg>
+      </pc:sldChg>
+      <pc:sldChg chg="modSp modAnim">
+        <pc:chgData name="niklas.kronos@gmail.com" userId="S::urn:spo:guest#niklas.kronos@gmail.com::" providerId="AD" clId="Web-{58B641C6-6706-2796-64FB-B80CE7A5A7B0}" dt="2019-05-12T18:50:58.294" v="235"/>
+        <pc:sldMkLst>
+          <pc:docMk/>
+          <pc:sldMk cId="3411230145" sldId="273"/>
+        </pc:sldMkLst>
+        <pc:grpChg chg="mod">
+          <ac:chgData name="niklas.kronos@gmail.com" userId="S::urn:spo:guest#niklas.kronos@gmail.com::" providerId="AD" clId="Web-{58B641C6-6706-2796-64FB-B80CE7A5A7B0}" dt="2019-05-12T18:49:57.762" v="233" actId="1076"/>
+          <ac:grpSpMkLst>
+            <pc:docMk/>
+            <pc:sldMk cId="3411230145" sldId="273"/>
+            <ac:grpSpMk id="11" creationId="{412571FD-F39A-466B-BA13-0EB40F9626EC}"/>
+          </ac:grpSpMkLst>
+        </pc:grpChg>
+      </pc:sldChg>
+    </pc:docChg>
+  </pc:docChgLst>
+  <pc:docChgLst>
+    <pc:chgData name="pascal.poc.pp@gmail.com" userId="S::urn:spo:guest#pascal.poc.pp@gmail.com::" providerId="AD" clId="Web-{AA1BFBFF-CA3A-3AEE-F1AB-A3D6F218AA2B}"/>
+    <pc:docChg chg="addSld modSld sldOrd modSection">
+      <pc:chgData name="pascal.poc.pp@gmail.com" userId="S::urn:spo:guest#pascal.poc.pp@gmail.com::" providerId="AD" clId="Web-{AA1BFBFF-CA3A-3AEE-F1AB-A3D6F218AA2B}" dt="2019-05-12T16:27:41.196" v="177" actId="1076"/>
+      <pc:docMkLst>
+        <pc:docMk/>
+      </pc:docMkLst>
+      <pc:sldChg chg="modSp">
+        <pc:chgData name="pascal.poc.pp@gmail.com" userId="S::urn:spo:guest#pascal.poc.pp@gmail.com::" providerId="AD" clId="Web-{AA1BFBFF-CA3A-3AEE-F1AB-A3D6F218AA2B}" dt="2019-05-12T08:37:58.909" v="13" actId="20577"/>
+        <pc:sldMkLst>
+          <pc:docMk/>
+          <pc:sldMk cId="3678253361" sldId="258"/>
+        </pc:sldMkLst>
+        <pc:spChg chg="mod">
+          <ac:chgData name="pascal.poc.pp@gmail.com" userId="S::urn:spo:guest#pascal.poc.pp@gmail.com::" providerId="AD" clId="Web-{AA1BFBFF-CA3A-3AEE-F1AB-A3D6F218AA2B}" dt="2019-05-12T08:37:48.783" v="4" actId="20577"/>
+          <ac:spMkLst>
+            <pc:docMk/>
+            <pc:sldMk cId="3678253361" sldId="258"/>
+            <ac:spMk id="2" creationId="{88AF4BB1-C745-4D72-9AAA-5E0278FCF5DB}"/>
+          </ac:spMkLst>
+        </pc:spChg>
+        <pc:spChg chg="mod">
+          <ac:chgData name="pascal.poc.pp@gmail.com" userId="S::urn:spo:guest#pascal.poc.pp@gmail.com::" providerId="AD" clId="Web-{AA1BFBFF-CA3A-3AEE-F1AB-A3D6F218AA2B}" dt="2019-05-12T08:37:58.909" v="13" actId="20577"/>
+          <ac:spMkLst>
+            <pc:docMk/>
+            <pc:sldMk cId="3678253361" sldId="258"/>
+            <ac:spMk id="3" creationId="{9EB5275A-EC7E-4EF8-941F-533224F5BFBC}"/>
+          </ac:spMkLst>
+        </pc:spChg>
+      </pc:sldChg>
+      <pc:sldChg chg="modSp">
+        <pc:chgData name="pascal.poc.pp@gmail.com" userId="S::urn:spo:guest#pascal.poc.pp@gmail.com::" providerId="AD" clId="Web-{AA1BFBFF-CA3A-3AEE-F1AB-A3D6F218AA2B}" dt="2019-05-12T10:21:45.940" v="17" actId="20577"/>
+        <pc:sldMkLst>
+          <pc:docMk/>
+          <pc:sldMk cId="2828272781" sldId="260"/>
+        </pc:sldMkLst>
+        <pc:spChg chg="mod">
+          <ac:chgData name="pascal.poc.pp@gmail.com" userId="S::urn:spo:guest#pascal.poc.pp@gmail.com::" providerId="AD" clId="Web-{AA1BFBFF-CA3A-3AEE-F1AB-A3D6F218AA2B}" dt="2019-05-12T10:21:45.940" v="17" actId="20577"/>
+          <ac:spMkLst>
+            <pc:docMk/>
+            <pc:sldMk cId="2828272781" sldId="260"/>
+            <ac:spMk id="3" creationId="{C246E4BD-1BE0-408D-A950-BB322F35E38E}"/>
+          </ac:spMkLst>
+        </pc:spChg>
+      </pc:sldChg>
+      <pc:sldChg chg="delSp ord addCm">
+        <pc:chgData name="pascal.poc.pp@gmail.com" userId="S::urn:spo:guest#pascal.poc.pp@gmail.com::" providerId="AD" clId="Web-{AA1BFBFF-CA3A-3AEE-F1AB-A3D6F218AA2B}" dt="2019-05-12T11:30:38.781" v="165"/>
+        <pc:sldMkLst>
+          <pc:docMk/>
+          <pc:sldMk cId="836733519" sldId="265"/>
+        </pc:sldMkLst>
+        <pc:inkChg chg="del">
+          <ac:chgData name="pascal.poc.pp@gmail.com" userId="S::urn:spo:guest#pascal.poc.pp@gmail.com::" providerId="AD" clId="Web-{AA1BFBFF-CA3A-3AEE-F1AB-A3D6F218AA2B}" dt="2019-05-12T08:48:42.867" v="15"/>
+          <ac:inkMkLst>
+            <pc:docMk/>
+            <pc:sldMk cId="836733519" sldId="265"/>
+            <ac:inkMk id="11" creationId="{A82B448E-C8D7-4AE7-A619-4A1B6E1418F5}"/>
+          </ac:inkMkLst>
+        </pc:inkChg>
+        <pc:inkChg chg="del">
+          <ac:chgData name="pascal.poc.pp@gmail.com" userId="S::urn:spo:guest#pascal.poc.pp@gmail.com::" providerId="AD" clId="Web-{AA1BFBFF-CA3A-3AEE-F1AB-A3D6F218AA2B}" dt="2019-05-12T08:48:45.758" v="16"/>
+          <ac:inkMkLst>
+            <pc:docMk/>
+            <pc:sldMk cId="836733519" sldId="265"/>
+            <ac:inkMk id="18" creationId="{8CFCE5A5-3C28-47C1-BB10-5A4CED3881EB}"/>
+          </ac:inkMkLst>
+        </pc:inkChg>
+      </pc:sldChg>
+      <pc:sldChg chg="addSp delSp modSp addCm">
+        <pc:chgData name="pascal.poc.pp@gmail.com" userId="S::urn:spo:guest#pascal.poc.pp@gmail.com::" providerId="AD" clId="Web-{AA1BFBFF-CA3A-3AEE-F1AB-A3D6F218AA2B}" dt="2019-05-12T11:31:50.547" v="166"/>
+        <pc:sldMkLst>
+          <pc:docMk/>
+          <pc:sldMk cId="2923162179" sldId="266"/>
+        </pc:sldMkLst>
+        <pc:spChg chg="mod">
+          <ac:chgData name="pascal.poc.pp@gmail.com" userId="S::urn:spo:guest#pascal.poc.pp@gmail.com::" providerId="AD" clId="Web-{AA1BFBFF-CA3A-3AEE-F1AB-A3D6F218AA2B}" dt="2019-05-12T11:28:55.156" v="164" actId="14100"/>
+          <ac:spMkLst>
+            <pc:docMk/>
+            <pc:sldMk cId="2923162179" sldId="266"/>
+            <ac:spMk id="2" creationId="{3AFFD6C7-E4F3-4CC2-9977-57E2B563D5DB}"/>
+          </ac:spMkLst>
+        </pc:spChg>
+        <pc:spChg chg="add mod">
+          <ac:chgData name="pascal.poc.pp@gmail.com" userId="S::urn:spo:guest#pascal.poc.pp@gmail.com::" providerId="AD" clId="Web-{AA1BFBFF-CA3A-3AEE-F1AB-A3D6F218AA2B}" dt="2019-05-12T11:22:31.875" v="102" actId="1076"/>
+          <ac:spMkLst>
+            <pc:docMk/>
+            <pc:sldMk cId="2923162179" sldId="266"/>
+            <ac:spMk id="3" creationId="{CE8E4A18-CAD6-4EC5-B815-4CDA06E0B1C1}"/>
+          </ac:spMkLst>
+        </pc:spChg>
+        <pc:spChg chg="del">
+          <ac:chgData name="pascal.poc.pp@gmail.com" userId="S::urn:spo:guest#pascal.poc.pp@gmail.com::" providerId="AD" clId="Web-{AA1BFBFF-CA3A-3AEE-F1AB-A3D6F218AA2B}" dt="2019-05-12T11:22:38.391" v="103"/>
+          <ac:spMkLst>
+            <pc:docMk/>
+            <pc:sldMk cId="2923162179" sldId="266"/>
+            <ac:spMk id="5" creationId="{391AAE10-E219-42C0-A4C3-B93314FB7CA1}"/>
+          </ac:spMkLst>
+        </pc:spChg>
+      </pc:sldChg>
+    </pc:docChg>
+  </pc:docChgLst>
+  <pc:docChgLst>
+    <pc:chgData name="niklas.kronos@gmail.com" userId="S::urn:spo:guest#niklas.kronos@gmail.com::" providerId="AD" clId="Web-{A7283F9E-1163-EB7C-55F9-7C9D4E69776D}"/>
+    <pc:docChg chg="modSld">
+      <pc:chgData name="niklas.kronos@gmail.com" userId="S::urn:spo:guest#niklas.kronos@gmail.com::" providerId="AD" clId="Web-{A7283F9E-1163-EB7C-55F9-7C9D4E69776D}" dt="2019-05-13T11:03:43.798" v="245" actId="20577"/>
+      <pc:docMkLst>
+        <pc:docMk/>
+      </pc:docMkLst>
+      <pc:sldChg chg="addSp modSp mod setBg">
+        <pc:chgData name="niklas.kronos@gmail.com" userId="S::urn:spo:guest#niklas.kronos@gmail.com::" providerId="AD" clId="Web-{A7283F9E-1163-EB7C-55F9-7C9D4E69776D}" dt="2019-05-13T08:08:56.505" v="68" actId="1076"/>
+        <pc:sldMkLst>
+          <pc:docMk/>
+          <pc:sldMk cId="2484908466" sldId="256"/>
+        </pc:sldMkLst>
+        <pc:spChg chg="mod">
+          <ac:chgData name="niklas.kronos@gmail.com" userId="S::urn:spo:guest#niklas.kronos@gmail.com::" providerId="AD" clId="Web-{A7283F9E-1163-EB7C-55F9-7C9D4E69776D}" dt="2019-05-13T08:00:27.916" v="11" actId="20577"/>
+          <ac:spMkLst>
+            <pc:docMk/>
+            <pc:sldMk cId="2484908466" sldId="256"/>
+            <ac:spMk id="3" creationId="{81862294-C6C8-4267-9EC4-FCE207C21611}"/>
+          </ac:spMkLst>
+        </pc:spChg>
+        <pc:spChg chg="add mod">
+          <ac:chgData name="niklas.kronos@gmail.com" userId="S::urn:spo:guest#niklas.kronos@gmail.com::" providerId="AD" clId="Web-{A7283F9E-1163-EB7C-55F9-7C9D4E69776D}" dt="2019-05-13T08:08:56.505" v="68" actId="1076"/>
+          <ac:spMkLst>
+            <pc:docMk/>
+            <pc:sldMk cId="2484908466" sldId="256"/>
+            <ac:spMk id="4" creationId="{881BF236-5E18-4066-A6E6-871AA4B9AE8C}"/>
+          </ac:spMkLst>
+        </pc:spChg>
+      </pc:sldChg>
+      <pc:sldChg chg="modSp">
+        <pc:chgData name="niklas.kronos@gmail.com" userId="S::urn:spo:guest#niklas.kronos@gmail.com::" providerId="AD" clId="Web-{A7283F9E-1163-EB7C-55F9-7C9D4E69776D}" dt="2019-05-13T11:03:43.798" v="244" actId="20577"/>
+        <pc:sldMkLst>
+          <pc:docMk/>
+          <pc:sldMk cId="4044078516" sldId="263"/>
+        </pc:sldMkLst>
+        <pc:spChg chg="mod">
+          <ac:chgData name="niklas.kronos@gmail.com" userId="S::urn:spo:guest#niklas.kronos@gmail.com::" providerId="AD" clId="Web-{A7283F9E-1163-EB7C-55F9-7C9D4E69776D}" dt="2019-05-13T11:03:43.798" v="244" actId="20577"/>
+          <ac:spMkLst>
+            <pc:docMk/>
+            <pc:sldMk cId="4044078516" sldId="263"/>
+            <ac:spMk id="6" creationId="{9EABE0BA-7501-4B87-B287-067D38A035BF}"/>
+          </ac:spMkLst>
+        </pc:spChg>
+      </pc:sldChg>
+    </pc:docChg>
+  </pc:docChgLst>
+  <pc:docChgLst>
+    <pc:chgData name="niklas.kronos@gmail.com" userId="S::urn:spo:guest#niklas.kronos@gmail.com::" providerId="AD" clId="Web-{6DDFACA9-CBF4-4764-90C9-54C0BCBDB7E7}"/>
+    <pc:docChg chg="addSld modSld sldOrd modSection">
+      <pc:chgData name="niklas.kronos@gmail.com" userId="S::urn:spo:guest#niklas.kronos@gmail.com::" providerId="AD" clId="Web-{6DDFACA9-CBF4-4764-90C9-54C0BCBDB7E7}" dt="2019-05-11T12:58:17.232" v="461"/>
+      <pc:docMkLst>
+        <pc:docMk/>
+      </pc:docMkLst>
+      <pc:sldChg chg="modSp new">
+        <pc:chgData name="niklas.kronos@gmail.com" userId="S::urn:spo:guest#niklas.kronos@gmail.com::" providerId="AD" clId="Web-{6DDFACA9-CBF4-4764-90C9-54C0BCBDB7E7}" dt="2019-05-11T12:56:59.386" v="453" actId="20577"/>
+        <pc:sldMkLst>
+          <pc:docMk/>
+          <pc:sldMk cId="2828272781" sldId="260"/>
+        </pc:sldMkLst>
+        <pc:spChg chg="mod">
+          <ac:chgData name="niklas.kronos@gmail.com" userId="S::urn:spo:guest#niklas.kronos@gmail.com::" providerId="AD" clId="Web-{6DDFACA9-CBF4-4764-90C9-54C0BCBDB7E7}" dt="2019-05-11T12:56:13.041" v="450" actId="20577"/>
+          <ac:spMkLst>
+            <pc:docMk/>
+            <pc:sldMk cId="2828272781" sldId="260"/>
+            <ac:spMk id="2" creationId="{D099CFC0-58E8-4594-908D-B69CA1A0976B}"/>
+          </ac:spMkLst>
+        </pc:spChg>
+        <pc:spChg chg="mod">
+          <ac:chgData name="niklas.kronos@gmail.com" userId="S::urn:spo:guest#niklas.kronos@gmail.com::" providerId="AD" clId="Web-{6DDFACA9-CBF4-4764-90C9-54C0BCBDB7E7}" dt="2019-05-11T12:56:59.386" v="453" actId="20577"/>
+          <ac:spMkLst>
+            <pc:docMk/>
+            <pc:sldMk cId="2828272781" sldId="260"/>
+            <ac:spMk id="3" creationId="{C246E4BD-1BE0-408D-A950-BB322F35E38E}"/>
+          </ac:spMkLst>
+        </pc:spChg>
+      </pc:sldChg>
+      <pc:sldChg chg="modSp new">
+        <pc:chgData name="niklas.kronos@gmail.com" userId="S::urn:spo:guest#niklas.kronos@gmail.com::" providerId="AD" clId="Web-{6DDFACA9-CBF4-4764-90C9-54C0BCBDB7E7}" dt="2019-05-11T12:57:29.590" v="458" actId="20577"/>
+        <pc:sldMkLst>
+          <pc:docMk/>
+          <pc:sldMk cId="4044078516" sldId="263"/>
+        </pc:sldMkLst>
+        <pc:spChg chg="mod">
+          <ac:chgData name="niklas.kronos@gmail.com" userId="S::urn:spo:guest#niklas.kronos@gmail.com::" providerId="AD" clId="Web-{6DDFACA9-CBF4-4764-90C9-54C0BCBDB7E7}" dt="2019-05-11T12:57:29.590" v="458" actId="20577"/>
+          <ac:spMkLst>
+            <pc:docMk/>
+            <pc:sldMk cId="4044078516" sldId="263"/>
+            <ac:spMk id="2" creationId="{DFD99890-61D9-4B87-8189-F7C606B59725}"/>
+          </ac:spMkLst>
+        </pc:spChg>
+      </pc:sldChg>
+      <pc:sldChg chg="modSp new">
+        <pc:chgData name="niklas.kronos@gmail.com" userId="S::urn:spo:guest#niklas.kronos@gmail.com::" providerId="AD" clId="Web-{6DDFACA9-CBF4-4764-90C9-54C0BCBDB7E7}" dt="2019-05-11T12:52:33.690" v="447" actId="20577"/>
+        <pc:sldMkLst>
+          <pc:docMk/>
+          <pc:sldMk cId="3854328160" sldId="264"/>
+        </pc:sldMkLst>
+        <pc:spChg chg="mod">
+          <ac:chgData name="niklas.kronos@gmail.com" userId="S::urn:spo:guest#niklas.kronos@gmail.com::" providerId="AD" clId="Web-{6DDFACA9-CBF4-4764-90C9-54C0BCBDB7E7}" dt="2019-05-11T12:52:33.690" v="447" actId="20577"/>
+          <ac:spMkLst>
+            <pc:docMk/>
+            <pc:sldMk cId="3854328160" sldId="264"/>
+            <ac:spMk id="2" creationId="{9E101124-9171-45B7-8FA2-3601FA64CB8B}"/>
+          </ac:spMkLst>
+        </pc:spChg>
+      </pc:sldChg>
+    </pc:docChg>
+  </pc:docChgLst>
+  <pc:docChgLst>
+    <pc:chgData name="pascal.poc.pp@gmail.com" userId="S::urn:spo:guest#pascal.poc.pp@gmail.com::" providerId="AD" clId="Web-{56C3E720-CDF3-A010-A1A3-4574DA1E94EA}"/>
+    <pc:docChg chg="modSld">
+      <pc:chgData name="pascal.poc.pp@gmail.com" userId="S::urn:spo:guest#pascal.poc.pp@gmail.com::" providerId="AD" clId="Web-{56C3E720-CDF3-A010-A1A3-4574DA1E94EA}" dt="2019-05-11T15:54:47.577" v="91" actId="20577"/>
+      <pc:docMkLst>
+        <pc:docMk/>
+      </pc:docMkLst>
+      <pc:sldChg chg="addSp delSp modSp">
+        <pc:chgData name="pascal.poc.pp@gmail.com" userId="S::urn:spo:guest#pascal.poc.pp@gmail.com::" providerId="AD" clId="Web-{56C3E720-CDF3-A010-A1A3-4574DA1E94EA}" dt="2019-05-11T13:27:18.818" v="81"/>
+        <pc:sldMkLst>
+          <pc:docMk/>
+          <pc:sldMk cId="2484908466" sldId="256"/>
+        </pc:sldMkLst>
+        <pc:picChg chg="add mod">
+          <ac:chgData name="pascal.poc.pp@gmail.com" userId="S::urn:spo:guest#pascal.poc.pp@gmail.com::" providerId="AD" clId="Web-{56C3E720-CDF3-A010-A1A3-4574DA1E94EA}" dt="2019-05-11T13:26:59.615" v="71"/>
+          <ac:picMkLst>
+            <pc:docMk/>
+            <pc:sldMk cId="2484908466" sldId="256"/>
+            <ac:picMk id="4" creationId="{C728CAA1-EB3A-41AC-9581-451969D49BD6}"/>
+          </ac:picMkLst>
+        </pc:picChg>
+        <pc:picChg chg="add mod">
+          <ac:chgData name="pascal.poc.pp@gmail.com" userId="S::urn:spo:guest#pascal.poc.pp@gmail.com::" providerId="AD" clId="Web-{56C3E720-CDF3-A010-A1A3-4574DA1E94EA}" dt="2019-05-11T13:27:00.724" v="72"/>
+          <ac:picMkLst>
+            <pc:docMk/>
+            <pc:sldMk cId="2484908466" sldId="256"/>
+            <ac:picMk id="6" creationId="{169773D3-B81F-4930-A855-69568BB65473}"/>
+          </ac:picMkLst>
+        </pc:picChg>
+        <pc:picChg chg="add del mod">
+          <ac:chgData name="pascal.poc.pp@gmail.com" userId="S::urn:spo:guest#pascal.poc.pp@gmail.com::" providerId="AD" clId="Web-{56C3E720-CDF3-A010-A1A3-4574DA1E94EA}" dt="2019-05-11T13:27:16.240" v="80"/>
+          <ac:picMkLst>
+            <pc:docMk/>
+            <pc:sldMk cId="2484908466" sldId="256"/>
+            <ac:picMk id="8" creationId="{B96EA895-A9AE-4F2C-A40A-875A522267EB}"/>
+          </ac:picMkLst>
+        </pc:picChg>
+        <pc:picChg chg="add mod">
+          <ac:chgData name="pascal.poc.pp@gmail.com" userId="S::urn:spo:guest#pascal.poc.pp@gmail.com::" providerId="AD" clId="Web-{56C3E720-CDF3-A010-A1A3-4574DA1E94EA}" dt="2019-05-11T13:27:02.490" v="74"/>
+          <ac:picMkLst>
+            <pc:docMk/>
+            <pc:sldMk cId="2484908466" sldId="256"/>
+            <ac:picMk id="10" creationId="{BEC75E34-2625-41DA-9A12-216768360BFF}"/>
+          </ac:picMkLst>
+        </pc:picChg>
+        <pc:picChg chg="add del mod">
+          <ac:chgData name="pascal.poc.pp@gmail.com" userId="S::urn:spo:guest#pascal.poc.pp@gmail.com::" providerId="AD" clId="Web-{56C3E720-CDF3-A010-A1A3-4574DA1E94EA}" dt="2019-05-11T13:27:14.053" v="79"/>
+          <ac:picMkLst>
+            <pc:docMk/>
+            <pc:sldMk cId="2484908466" sldId="256"/>
+            <ac:picMk id="12" creationId="{7279ACA1-E6D7-4F2C-8916-746597108681}"/>
+          </ac:picMkLst>
+        </pc:picChg>
+        <pc:picChg chg="add del mod">
+          <ac:chgData name="pascal.poc.pp@gmail.com" userId="S::urn:spo:guest#pascal.poc.pp@gmail.com::" providerId="AD" clId="Web-{56C3E720-CDF3-A010-A1A3-4574DA1E94EA}" dt="2019-05-11T13:27:18.818" v="81"/>
+          <ac:picMkLst>
+            <pc:docMk/>
+            <pc:sldMk cId="2484908466" sldId="256"/>
+            <ac:picMk id="14" creationId="{4FAA9DE7-277E-4A8D-BB70-3049352958E4}"/>
+          </ac:picMkLst>
+        </pc:picChg>
+        <pc:picChg chg="add mod">
+          <ac:chgData name="pascal.poc.pp@gmail.com" userId="S::urn:spo:guest#pascal.poc.pp@gmail.com::" providerId="AD" clId="Web-{56C3E720-CDF3-A010-A1A3-4574DA1E94EA}" dt="2019-05-11T13:27:03.271" v="77"/>
+          <ac:picMkLst>
+            <pc:docMk/>
+            <pc:sldMk cId="2484908466" sldId="256"/>
+            <ac:picMk id="16" creationId="{2D008AF7-82D1-4E7A-A0C4-EAAA22844CAC}"/>
+          </ac:picMkLst>
+        </pc:picChg>
+        <pc:picChg chg="del">
+          <ac:chgData name="pascal.poc.pp@gmail.com" userId="S::urn:spo:guest#pascal.poc.pp@gmail.com::" providerId="AD" clId="Web-{56C3E720-CDF3-A010-A1A3-4574DA1E94EA}" dt="2019-05-11T13:27:11.615" v="78"/>
+          <ac:picMkLst>
+            <pc:docMk/>
+            <pc:sldMk cId="2484908466" sldId="256"/>
+            <ac:picMk id="59" creationId="{59EC7E78-8577-4C9F-BED9-EDAF7EE0AA9C}"/>
+          </ac:picMkLst>
+        </pc:picChg>
+      </pc:sldChg>
+      <pc:sldChg chg="modSp">
+        <pc:chgData name="pascal.poc.pp@gmail.com" userId="S::urn:spo:guest#pascal.poc.pp@gmail.com::" providerId="AD" clId="Web-{56C3E720-CDF3-A010-A1A3-4574DA1E94EA}" dt="2019-05-11T13:23:51.031" v="67" actId="20577"/>
+        <pc:sldMkLst>
+          <pc:docMk/>
+          <pc:sldMk cId="1965533031" sldId="257"/>
+        </pc:sldMkLst>
+        <pc:spChg chg="mod">
+          <ac:chgData name="pascal.poc.pp@gmail.com" userId="S::urn:spo:guest#pascal.poc.pp@gmail.com::" providerId="AD" clId="Web-{56C3E720-CDF3-A010-A1A3-4574DA1E94EA}" dt="2019-05-11T13:23:07.077" v="63" actId="20577"/>
+          <ac:spMkLst>
+            <pc:docMk/>
+            <pc:sldMk cId="1965533031" sldId="257"/>
+            <ac:spMk id="2" creationId="{B008D1D3-9463-48A0-85F8-1984E244CECD}"/>
+          </ac:spMkLst>
+        </pc:spChg>
+        <pc:spChg chg="mod">
+          <ac:chgData name="pascal.poc.pp@gmail.com" userId="S::urn:spo:guest#pascal.poc.pp@gmail.com::" providerId="AD" clId="Web-{56C3E720-CDF3-A010-A1A3-4574DA1E94EA}" dt="2019-05-11T13:23:51.031" v="67" actId="20577"/>
+          <ac:spMkLst>
+            <pc:docMk/>
+            <pc:sldMk cId="1965533031" sldId="257"/>
+            <ac:spMk id="3" creationId="{C5F468CC-2388-463D-8E99-031E12807CF8}"/>
+          </ac:spMkLst>
+        </pc:spChg>
+      </pc:sldChg>
+      <pc:sldChg chg="modSp">
+        <pc:chgData name="pascal.poc.pp@gmail.com" userId="S::urn:spo:guest#pascal.poc.pp@gmail.com::" providerId="AD" clId="Web-{56C3E720-CDF3-A010-A1A3-4574DA1E94EA}" dt="2019-05-11T15:54:41.358" v="89" actId="20577"/>
+        <pc:sldMkLst>
+          <pc:docMk/>
+          <pc:sldMk cId="836733519" sldId="265"/>
+        </pc:sldMkLst>
+        <pc:spChg chg="mod">
+          <ac:chgData name="pascal.poc.pp@gmail.com" userId="S::urn:spo:guest#pascal.poc.pp@gmail.com::" providerId="AD" clId="Web-{56C3E720-CDF3-A010-A1A3-4574DA1E94EA}" dt="2019-05-11T15:54:07.998" v="86" actId="20577"/>
+          <ac:spMkLst>
+            <pc:docMk/>
+            <pc:sldMk cId="836733519" sldId="265"/>
+            <ac:spMk id="2" creationId="{11DB241C-01F8-4A1A-B493-796A1AD4A31E}"/>
+          </ac:spMkLst>
+        </pc:spChg>
+        <pc:spChg chg="mod">
+          <ac:chgData name="pascal.poc.pp@gmail.com" userId="S::urn:spo:guest#pascal.poc.pp@gmail.com::" providerId="AD" clId="Web-{56C3E720-CDF3-A010-A1A3-4574DA1E94EA}" dt="2019-05-11T15:54:41.358" v="89" actId="20577"/>
+          <ac:spMkLst>
+            <pc:docMk/>
+            <pc:sldMk cId="836733519" sldId="265"/>
+            <ac:spMk id="6" creationId="{D400EFC7-5CED-4F3C-B4E1-4DAA5A09D939}"/>
+          </ac:spMkLst>
+        </pc:spChg>
+      </pc:sldChg>
+      <pc:sldChg chg="modSp">
+        <pc:chgData name="pascal.poc.pp@gmail.com" userId="S::urn:spo:guest#pascal.poc.pp@gmail.com::" providerId="AD" clId="Web-{56C3E720-CDF3-A010-A1A3-4574DA1E94EA}" dt="2019-05-11T15:53:50.935" v="85" actId="1076"/>
+        <pc:sldMkLst>
+          <pc:docMk/>
+          <pc:sldMk cId="2923162179" sldId="266"/>
+        </pc:sldMkLst>
+        <pc:spChg chg="mod">
+          <ac:chgData name="pascal.poc.pp@gmail.com" userId="S::urn:spo:guest#pascal.poc.pp@gmail.com::" providerId="AD" clId="Web-{56C3E720-CDF3-A010-A1A3-4574DA1E94EA}" dt="2019-05-11T15:53:50.935" v="85" actId="1076"/>
+          <ac:spMkLst>
+            <pc:docMk/>
+            <pc:sldMk cId="2923162179" sldId="266"/>
+            <ac:spMk id="5" creationId="{391AAE10-E219-42C0-A4C3-B93314FB7CA1}"/>
+          </ac:spMkLst>
+        </pc:spChg>
+      </pc:sldChg>
+    </pc:docChg>
+  </pc:docChgLst>
+</pc:chgInfo>
 </file>
 
 <file path=ppt/comments/comment1.xml><?xml version="1.0" encoding="utf-8"?>
@@ -499,7 +6522,7 @@
           <a:p>
             <a:fld id="{7A04854A-5F0F-4A05-8D1F-32E1E9A1E1DE}" type="datetimeFigureOut">
               <a:rPr lang="de-DE" smtClean="0"/>
-              <a:t>13.05.2019</a:t>
+              <a:t>14.05.2019</a:t>
             </a:fld>
             <a:endParaRPr lang="de-DE"/>
           </a:p>
@@ -657,7 +6680,7 @@
           <a:p>
             <a:fld id="{522C60E8-D9BA-494E-AAA0-308C1FA27737}" type="slidenum">
               <a:rPr lang="de-DE" smtClean="0"/>
-              <a:t>‹#›</a:t>
+              <a:t>‹Nr.›</a:t>
             </a:fld>
             <a:endParaRPr lang="de-DE"/>
           </a:p>
@@ -895,25 +6918,130 @@
           <a:lstStyle/>
           <a:p>
             <a:r>
-              <a:rPr lang="de-DE"/>
-              <a:t>ID, Primary Disease, </a:t>
-            </a:r>
-            <a:r>
-              <a:rPr lang="de-DE" err="1"/>
-              <a:t>Secondary</a:t>
-            </a:r>
-            <a:r>
-              <a:rPr lang="de-DE"/>
-              <a:t> </a:t>
-            </a:r>
-            <a:r>
-              <a:rPr lang="de-DE" err="1"/>
-              <a:t>Desease</a:t>
-            </a:r>
-            <a:endParaRPr lang="de-DE"/>
+              <a:rPr lang="de-DE" dirty="0" err="1"/>
+              <a:t>SoF</a:t>
+            </a:r>
+            <a:r>
+              <a:rPr lang="de-DE" dirty="0"/>
+              <a:t>:		- </a:t>
+            </a:r>
+            <a:r>
+              <a:rPr lang="de-DE" dirty="0" err="1"/>
+              <a:t>Wilcoxon</a:t>
+            </a:r>
+            <a:r>
+              <a:rPr lang="de-DE" dirty="0"/>
+              <a:t> Sum Rank </a:t>
+            </a:r>
+            <a:r>
+              <a:rPr lang="de-DE" dirty="0" err="1"/>
+              <a:t>test</a:t>
+            </a:r>
+            <a:r>
+              <a:rPr lang="de-DE" dirty="0"/>
+              <a:t> von CNA Werten</a:t>
+            </a:r>
           </a:p>
           <a:p>
-            <a:endParaRPr lang="de-DE"/>
+            <a:r>
+              <a:rPr lang="de-DE" dirty="0"/>
+              <a:t>		- Wenn A inaktiv kann B nicht auch inaktiv sein, da Zelle sonst stirbt</a:t>
+            </a:r>
+          </a:p>
+          <a:p>
+            <a:r>
+              <a:rPr lang="de-DE" dirty="0" err="1"/>
+              <a:t>Functional</a:t>
+            </a:r>
+            <a:r>
+              <a:rPr lang="de-DE" dirty="0"/>
+              <a:t> </a:t>
+            </a:r>
+            <a:r>
+              <a:rPr lang="de-DE" dirty="0" err="1"/>
+              <a:t>examination</a:t>
+            </a:r>
+            <a:r>
+              <a:rPr lang="de-DE" dirty="0"/>
+              <a:t>:	- Knockdown für Gen B wird letal (wird höher) wenn Gen A inaktiv ist</a:t>
+            </a:r>
+          </a:p>
+          <a:p>
+            <a:r>
+              <a:rPr lang="de-DE" dirty="0"/>
+              <a:t>		- </a:t>
+            </a:r>
+            <a:r>
+              <a:rPr lang="de-DE" dirty="0" err="1"/>
+              <a:t>Wilcoxon</a:t>
+            </a:r>
+            <a:r>
+              <a:rPr lang="de-DE" dirty="0"/>
+              <a:t> Sum Rank </a:t>
+            </a:r>
+            <a:r>
+              <a:rPr lang="de-DE" dirty="0" err="1"/>
+              <a:t>test</a:t>
+            </a:r>
+            <a:r>
+              <a:rPr lang="de-DE" dirty="0"/>
+              <a:t> von knockdown Werten</a:t>
+            </a:r>
+          </a:p>
+          <a:p>
+            <a:r>
+              <a:rPr lang="de-DE" dirty="0" err="1"/>
+              <a:t>Pairwise</a:t>
+            </a:r>
+            <a:r>
+              <a:rPr lang="de-DE" dirty="0"/>
+              <a:t> </a:t>
+            </a:r>
+            <a:r>
+              <a:rPr lang="de-DE" dirty="0" err="1"/>
+              <a:t>gene</a:t>
+            </a:r>
+            <a:r>
+              <a:rPr lang="de-DE" dirty="0"/>
+              <a:t> </a:t>
+            </a:r>
+            <a:r>
+              <a:rPr lang="de-DE" dirty="0" err="1"/>
+              <a:t>co</a:t>
+            </a:r>
+            <a:r>
+              <a:rPr lang="de-DE" dirty="0"/>
+              <a:t>-expression:	- </a:t>
+            </a:r>
+            <a:r>
+              <a:rPr lang="de-DE" dirty="0" err="1"/>
+              <a:t>Spearmann</a:t>
+            </a:r>
+            <a:r>
+              <a:rPr lang="de-DE" dirty="0"/>
+              <a:t> </a:t>
+            </a:r>
+            <a:r>
+              <a:rPr lang="de-DE" dirty="0" err="1"/>
+              <a:t>Correlation</a:t>
+            </a:r>
+            <a:r>
+              <a:rPr lang="de-DE" dirty="0"/>
+              <a:t> von </a:t>
+            </a:r>
+            <a:r>
+              <a:rPr lang="de-DE" dirty="0" err="1"/>
+              <a:t>expression</a:t>
+            </a:r>
+            <a:r>
+              <a:rPr lang="de-DE" dirty="0"/>
+              <a:t> </a:t>
+            </a:r>
+            <a:r>
+              <a:rPr lang="de-DE" err="1"/>
+              <a:t>data</a:t>
+            </a:r>
+            <a:endParaRPr lang="de-DE" dirty="0"/>
           </a:p>
         </p:txBody>
       </p:sp>
@@ -934,7 +7062,7 @@
           <a:p>
             <a:fld id="{522C60E8-D9BA-494E-AAA0-308C1FA27737}" type="slidenum">
               <a:rPr lang="de-DE" smtClean="0"/>
-              <a:t>5</a:t>
+              <a:t>4</a:t>
             </a:fld>
             <a:endParaRPr lang="de-DE"/>
           </a:p>
@@ -943,7 +7071,7 @@
     </p:spTree>
     <p:extLst>
       <p:ext uri="{BB962C8B-B14F-4D97-AF65-F5344CB8AC3E}">
-        <p14:creationId xmlns:p14="http://schemas.microsoft.com/office/powerpoint/2010/main" val="3515806219"/>
+        <p14:creationId xmlns:p14="http://schemas.microsoft.com/office/powerpoint/2010/main" val="3764616629"/>
       </p:ext>
     </p:extLst>
   </p:cSld>
@@ -997,7 +7125,26 @@
           <a:bodyPr/>
           <a:lstStyle/>
           <a:p>
-            <a:endParaRPr lang="de-DE" dirty="0"/>
+            <a:r>
+              <a:rPr lang="de-DE"/>
+              <a:t>ID, Primary Disease, </a:t>
+            </a:r>
+            <a:r>
+              <a:rPr lang="de-DE" err="1"/>
+              <a:t>Secondary</a:t>
+            </a:r>
+            <a:r>
+              <a:rPr lang="de-DE"/>
+              <a:t> </a:t>
+            </a:r>
+            <a:r>
+              <a:rPr lang="de-DE" err="1"/>
+              <a:t>Desease</a:t>
+            </a:r>
+            <a:endParaRPr lang="de-DE"/>
+          </a:p>
+          <a:p>
+            <a:endParaRPr lang="de-DE"/>
           </a:p>
         </p:txBody>
       </p:sp>
@@ -1018,7 +7165,7 @@
           <a:p>
             <a:fld id="{522C60E8-D9BA-494E-AAA0-308C1FA27737}" type="slidenum">
               <a:rPr lang="de-DE" smtClean="0"/>
-              <a:t>6</a:t>
+              <a:t>5</a:t>
             </a:fld>
             <a:endParaRPr lang="de-DE"/>
           </a:p>
@@ -1027,7 +7174,7 @@
     </p:spTree>
     <p:extLst>
       <p:ext uri="{BB962C8B-B14F-4D97-AF65-F5344CB8AC3E}">
-        <p14:creationId xmlns:p14="http://schemas.microsoft.com/office/powerpoint/2010/main" val="941975219"/>
+        <p14:creationId xmlns:p14="http://schemas.microsoft.com/office/powerpoint/2010/main" val="3515806219"/>
       </p:ext>
     </p:extLst>
   </p:cSld>
@@ -1081,7 +7228,227 @@
           <a:bodyPr/>
           <a:lstStyle/>
           <a:p>
-            <a:endParaRPr lang="de-DE" dirty="0"/>
+            <a:endParaRPr lang="de-DE"/>
+          </a:p>
+        </p:txBody>
+      </p:sp>
+      <p:sp>
+        <p:nvSpPr>
+          <p:cNvPr id="4" name="Foliennummernplatzhalter 3"/>
+          <p:cNvSpPr>
+            <a:spLocks noGrp="1"/>
+          </p:cNvSpPr>
+          <p:nvPr>
+            <p:ph type="sldNum" sz="quarter" idx="5"/>
+          </p:nvPr>
+        </p:nvSpPr>
+        <p:spPr/>
+        <p:txBody>
+          <a:bodyPr/>
+          <a:lstStyle/>
+          <a:p>
+            <a:fld id="{522C60E8-D9BA-494E-AAA0-308C1FA27737}" type="slidenum">
+              <a:rPr lang="de-DE" smtClean="0"/>
+              <a:t>6</a:t>
+            </a:fld>
+            <a:endParaRPr lang="de-DE"/>
+          </a:p>
+        </p:txBody>
+      </p:sp>
+    </p:spTree>
+    <p:extLst>
+      <p:ext uri="{BB962C8B-B14F-4D97-AF65-F5344CB8AC3E}">
+        <p14:creationId xmlns:p14="http://schemas.microsoft.com/office/powerpoint/2010/main" val="941975219"/>
+      </p:ext>
+    </p:extLst>
+  </p:cSld>
+  <p:clrMapOvr>
+    <a:masterClrMapping/>
+  </p:clrMapOvr>
+</p:notes>
+</file>
+
+<file path=ppt/notesSlides/notesSlide5.xml><?xml version="1.0" encoding="utf-8"?>
+<p:notes xmlns:a="http://schemas.openxmlformats.org/drawingml/2006/main" xmlns:r="http://schemas.openxmlformats.org/officeDocument/2006/relationships" xmlns:p="http://schemas.openxmlformats.org/presentationml/2006/main">
+  <p:cSld>
+    <p:spTree>
+      <p:nvGrpSpPr>
+        <p:cNvPr id="1" name=""/>
+        <p:cNvGrpSpPr/>
+        <p:nvPr/>
+      </p:nvGrpSpPr>
+      <p:grpSpPr>
+        <a:xfrm>
+          <a:off x="0" y="0"/>
+          <a:ext cx="0" cy="0"/>
+          <a:chOff x="0" y="0"/>
+          <a:chExt cx="0" cy="0"/>
+        </a:xfrm>
+      </p:grpSpPr>
+      <p:sp>
+        <p:nvSpPr>
+          <p:cNvPr id="2" name="Folienbildplatzhalter 1"/>
+          <p:cNvSpPr>
+            <a:spLocks noGrp="1" noRot="1" noChangeAspect="1"/>
+          </p:cNvSpPr>
+          <p:nvPr>
+            <p:ph type="sldImg"/>
+          </p:nvPr>
+        </p:nvSpPr>
+        <p:spPr/>
+      </p:sp>
+      <p:sp>
+        <p:nvSpPr>
+          <p:cNvPr id="3" name="Notizenplatzhalter 2"/>
+          <p:cNvSpPr>
+            <a:spLocks noGrp="1"/>
+          </p:cNvSpPr>
+          <p:nvPr>
+            <p:ph type="body" idx="1"/>
+          </p:nvPr>
+        </p:nvSpPr>
+        <p:spPr/>
+        <p:txBody>
+          <a:bodyPr/>
+          <a:lstStyle/>
+          <a:p>
+            <a:r>
+              <a:rPr lang="de-DE"/>
+              <a:t>Can </a:t>
+            </a:r>
+            <a:r>
+              <a:rPr lang="de-DE" err="1"/>
+              <a:t>we</a:t>
+            </a:r>
+            <a:r>
+              <a:rPr lang="de-DE"/>
+              <a:t> </a:t>
+            </a:r>
+            <a:r>
+              <a:rPr lang="de-DE" err="1"/>
+              <a:t>describe</a:t>
+            </a:r>
+            <a:r>
+              <a:rPr lang="de-DE"/>
+              <a:t> </a:t>
+            </a:r>
+            <a:r>
+              <a:rPr lang="de-DE" err="1"/>
+              <a:t>groups</a:t>
+            </a:r>
+            <a:r>
+              <a:rPr lang="de-DE"/>
+              <a:t> </a:t>
+            </a:r>
+            <a:r>
+              <a:rPr lang="de-DE" err="1"/>
+              <a:t>with</a:t>
+            </a:r>
+            <a:r>
+              <a:rPr lang="de-DE"/>
+              <a:t> a high </a:t>
+            </a:r>
+            <a:r>
+              <a:rPr lang="de-DE" err="1"/>
+              <a:t>correlation</a:t>
+            </a:r>
+            <a:r>
+              <a:rPr lang="de-DE"/>
+              <a:t> </a:t>
+            </a:r>
+            <a:r>
+              <a:rPr lang="de-DE" err="1"/>
+              <a:t>between</a:t>
+            </a:r>
+            <a:r>
+              <a:rPr lang="de-DE"/>
+              <a:t> CNA and </a:t>
+            </a:r>
+            <a:r>
+              <a:rPr lang="de-DE" err="1"/>
+              <a:t>expression</a:t>
+            </a:r>
+            <a:r>
+              <a:rPr lang="de-DE"/>
+              <a:t> </a:t>
+            </a:r>
+            <a:r>
+              <a:rPr lang="de-DE" err="1"/>
+              <a:t>values</a:t>
+            </a:r>
+            <a:r>
+              <a:rPr lang="de-DE"/>
+              <a:t> </a:t>
+            </a:r>
+            <a:r>
+              <a:rPr lang="de-DE" err="1"/>
+              <a:t>using</a:t>
+            </a:r>
+            <a:r>
+              <a:rPr lang="de-DE"/>
+              <a:t> a k-</a:t>
+            </a:r>
+            <a:r>
+              <a:rPr lang="de-DE" err="1"/>
+              <a:t>means</a:t>
+            </a:r>
+            <a:r>
+              <a:rPr lang="de-DE"/>
+              <a:t> </a:t>
+            </a:r>
+            <a:r>
+              <a:rPr lang="de-DE" err="1"/>
+              <a:t>cluster</a:t>
+            </a:r>
+            <a:r>
+              <a:rPr lang="de-DE"/>
+              <a:t>, </a:t>
+            </a:r>
+            <a:r>
+              <a:rPr lang="de-DE" err="1"/>
+              <a:t>identifying</a:t>
+            </a:r>
+            <a:r>
+              <a:rPr lang="de-DE"/>
+              <a:t> so </a:t>
+            </a:r>
+            <a:r>
+              <a:rPr lang="de-DE" err="1"/>
+              <a:t>called</a:t>
+            </a:r>
+            <a:r>
+              <a:rPr lang="de-DE"/>
+              <a:t> </a:t>
+            </a:r>
+            <a:r>
+              <a:rPr lang="de-DE" err="1"/>
+              <a:t>gens</a:t>
+            </a:r>
+            <a:r>
+              <a:rPr lang="de-DE"/>
+              <a:t> </a:t>
+            </a:r>
+            <a:r>
+              <a:rPr lang="de-DE" err="1"/>
+              <a:t>of</a:t>
+            </a:r>
+            <a:r>
+              <a:rPr lang="de-DE"/>
+              <a:t> </a:t>
+            </a:r>
+            <a:r>
+              <a:rPr lang="de-DE" err="1"/>
+              <a:t>interest</a:t>
+            </a:r>
+            <a:r>
+              <a:rPr lang="de-DE"/>
+              <a:t> (Gene A)</a:t>
+            </a:r>
+          </a:p>
+          <a:p>
+            <a:endParaRPr lang="de-DE" b="1">
+              <a:cs typeface="Calibri"/>
+            </a:endParaRPr>
           </a:p>
         </p:txBody>
       </p:sp>
@@ -1112,95 +7479,6 @@
     <p:extLst>
       <p:ext uri="{BB962C8B-B14F-4D97-AF65-F5344CB8AC3E}">
         <p14:creationId xmlns:p14="http://schemas.microsoft.com/office/powerpoint/2010/main" val="4017162200"/>
-      </p:ext>
-    </p:extLst>
-  </p:cSld>
-  <p:clrMapOvr>
-    <a:masterClrMapping/>
-  </p:clrMapOvr>
-</p:notes>
-</file>
-
-<file path=ppt/notesSlides/notesSlide5.xml><?xml version="1.0" encoding="utf-8"?>
-<p:notes xmlns:a="http://schemas.openxmlformats.org/drawingml/2006/main" xmlns:r="http://schemas.openxmlformats.org/officeDocument/2006/relationships" xmlns:p="http://schemas.openxmlformats.org/presentationml/2006/main">
-  <p:cSld>
-    <p:spTree>
-      <p:nvGrpSpPr>
-        <p:cNvPr id="1" name=""/>
-        <p:cNvGrpSpPr/>
-        <p:nvPr/>
-      </p:nvGrpSpPr>
-      <p:grpSpPr>
-        <a:xfrm>
-          <a:off x="0" y="0"/>
-          <a:ext cx="0" cy="0"/>
-          <a:chOff x="0" y="0"/>
-          <a:chExt cx="0" cy="0"/>
-        </a:xfrm>
-      </p:grpSpPr>
-      <p:sp>
-        <p:nvSpPr>
-          <p:cNvPr id="2" name="Slide Image Placeholder 1"/>
-          <p:cNvSpPr>
-            <a:spLocks noGrp="1" noRot="1" noChangeAspect="1"/>
-          </p:cNvSpPr>
-          <p:nvPr>
-            <p:ph type="sldImg"/>
-          </p:nvPr>
-        </p:nvSpPr>
-        <p:spPr/>
-      </p:sp>
-      <p:sp>
-        <p:nvSpPr>
-          <p:cNvPr id="3" name="Notes Placeholder 2"/>
-          <p:cNvSpPr>
-            <a:spLocks noGrp="1"/>
-          </p:cNvSpPr>
-          <p:nvPr>
-            <p:ph type="body" idx="1"/>
-          </p:nvPr>
-        </p:nvSpPr>
-        <p:spPr/>
-        <p:txBody>
-          <a:bodyPr/>
-          <a:lstStyle/>
-          <a:p>
-            <a:r>
-              <a:rPr lang="en-US">
-                <a:cs typeface="Calibri"/>
-              </a:rPr>
-              <a:t>Wilcoxon Rank sum test </a:t>
-            </a:r>
-          </a:p>
-        </p:txBody>
-      </p:sp>
-      <p:sp>
-        <p:nvSpPr>
-          <p:cNvPr id="4" name="Slide Number Placeholder 3"/>
-          <p:cNvSpPr>
-            <a:spLocks noGrp="1"/>
-          </p:cNvSpPr>
-          <p:nvPr>
-            <p:ph type="sldNum" sz="quarter" idx="5"/>
-          </p:nvPr>
-        </p:nvSpPr>
-        <p:spPr/>
-        <p:txBody>
-          <a:bodyPr/>
-          <a:lstStyle/>
-          <a:p>
-            <a:fld id="{522C60E8-D9BA-494E-AAA0-308C1FA27737}" type="slidenum">
-              <a:rPr lang="de-DE" smtClean="0"/>
-              <a:t>9</a:t>
-            </a:fld>
-            <a:endParaRPr lang="de-DE"/>
-          </a:p>
-        </p:txBody>
-      </p:sp>
-    </p:spTree>
-    <p:extLst>
-      <p:ext uri="{BB962C8B-B14F-4D97-AF65-F5344CB8AC3E}">
-        <p14:creationId xmlns:p14="http://schemas.microsoft.com/office/powerpoint/2010/main" val="2484188286"/>
       </p:ext>
     </p:extLst>
   </p:cSld>
@@ -1255,11 +7533,258 @@
           <a:lstStyle/>
           <a:p>
             <a:r>
-              <a:rPr lang="en-US">
+              <a:rPr lang="en-US" dirty="0" err="1">
                 <a:cs typeface="Calibri"/>
               </a:rPr>
-              <a:t>Pairwise scatter plot für correlation der variablen</a:t>
-            </a:r>
+              <a:t>Nachdem</a:t>
+            </a:r>
+            <a:r>
+              <a:rPr lang="en-US" dirty="0">
+                <a:cs typeface="Calibri"/>
+              </a:rPr>
+              <a:t> </a:t>
+            </a:r>
+            <a:r>
+              <a:rPr lang="en-US" dirty="0" err="1">
+                <a:cs typeface="Calibri"/>
+              </a:rPr>
+              <a:t>wir</a:t>
+            </a:r>
+            <a:r>
+              <a:rPr lang="en-US" dirty="0">
+                <a:cs typeface="Calibri"/>
+              </a:rPr>
+              <a:t> </a:t>
+            </a:r>
+            <a:r>
+              <a:rPr lang="en-US" dirty="0" err="1">
+                <a:cs typeface="Calibri"/>
+              </a:rPr>
+              <a:t>unsere</a:t>
+            </a:r>
+            <a:r>
+              <a:rPr lang="en-US" dirty="0">
+                <a:cs typeface="Calibri"/>
+              </a:rPr>
+              <a:t> SL/SDL partner </a:t>
+            </a:r>
+            <a:r>
+              <a:rPr lang="en-US" dirty="0" err="1">
+                <a:cs typeface="Calibri"/>
+              </a:rPr>
+              <a:t>gefunden</a:t>
+            </a:r>
+            <a:r>
+              <a:rPr lang="en-US" dirty="0">
+                <a:cs typeface="Calibri"/>
+              </a:rPr>
+              <a:t> </a:t>
+            </a:r>
+            <a:r>
+              <a:rPr lang="en-US" dirty="0" err="1">
+                <a:cs typeface="Calibri"/>
+              </a:rPr>
+              <a:t>haben</a:t>
+            </a:r>
+            <a:r>
+              <a:rPr lang="en-US" dirty="0">
+                <a:cs typeface="Calibri"/>
+              </a:rPr>
+              <a:t> </a:t>
+            </a:r>
+            <a:r>
+              <a:rPr lang="en-US" dirty="0" err="1">
+                <a:cs typeface="Calibri"/>
+              </a:rPr>
+              <a:t>schauen</a:t>
+            </a:r>
+            <a:r>
+              <a:rPr lang="en-US" dirty="0">
+                <a:cs typeface="Calibri"/>
+              </a:rPr>
+              <a:t> </a:t>
+            </a:r>
+            <a:r>
+              <a:rPr lang="en-US" dirty="0" err="1">
+                <a:cs typeface="Calibri"/>
+              </a:rPr>
+              <a:t>wir</a:t>
+            </a:r>
+            <a:r>
+              <a:rPr lang="en-US" dirty="0">
+                <a:cs typeface="Calibri"/>
+              </a:rPr>
+              <a:t> </a:t>
+            </a:r>
+            <a:r>
+              <a:rPr lang="en-US" dirty="0" err="1">
+                <a:cs typeface="Calibri"/>
+              </a:rPr>
+              <a:t>unsere</a:t>
+            </a:r>
+            <a:r>
+              <a:rPr lang="en-US" dirty="0">
+                <a:cs typeface="Calibri"/>
+              </a:rPr>
+              <a:t>  </a:t>
+            </a:r>
+          </a:p>
+          <a:p>
+            <a:endParaRPr lang="en-US" dirty="0">
+              <a:cs typeface="Calibri"/>
+            </a:endParaRPr>
+          </a:p>
+          <a:p>
+            <a:r>
+              <a:rPr lang="en-US" dirty="0">
+                <a:cs typeface="Calibri"/>
+              </a:rPr>
+              <a:t>Wilcoxon Rank Sum Test</a:t>
+            </a:r>
+          </a:p>
+          <a:p>
+            <a:r>
+              <a:rPr lang="en-US" dirty="0" err="1">
+                <a:cs typeface="Calibri"/>
+              </a:rPr>
+              <a:t>Spearmann</a:t>
+            </a:r>
+            <a:r>
+              <a:rPr lang="en-US" dirty="0">
+                <a:cs typeface="Calibri"/>
+              </a:rPr>
+              <a:t> Correlation</a:t>
+            </a:r>
+          </a:p>
+        </p:txBody>
+      </p:sp>
+      <p:sp>
+        <p:nvSpPr>
+          <p:cNvPr id="4" name="Slide Number Placeholder 3"/>
+          <p:cNvSpPr>
+            <a:spLocks noGrp="1"/>
+          </p:cNvSpPr>
+          <p:nvPr>
+            <p:ph type="sldNum" sz="quarter" idx="5"/>
+          </p:nvPr>
+        </p:nvSpPr>
+        <p:spPr/>
+        <p:txBody>
+          <a:bodyPr/>
+          <a:lstStyle/>
+          <a:p>
+            <a:fld id="{522C60E8-D9BA-494E-AAA0-308C1FA27737}" type="slidenum">
+              <a:rPr lang="de-DE" smtClean="0"/>
+              <a:t>9</a:t>
+            </a:fld>
+            <a:endParaRPr lang="de-DE"/>
+          </a:p>
+        </p:txBody>
+      </p:sp>
+    </p:spTree>
+    <p:extLst>
+      <p:ext uri="{BB962C8B-B14F-4D97-AF65-F5344CB8AC3E}">
+        <p14:creationId xmlns:p14="http://schemas.microsoft.com/office/powerpoint/2010/main" val="2484188286"/>
+      </p:ext>
+    </p:extLst>
+  </p:cSld>
+  <p:clrMapOvr>
+    <a:masterClrMapping/>
+  </p:clrMapOvr>
+</p:notes>
+</file>
+
+<file path=ppt/notesSlides/notesSlide7.xml><?xml version="1.0" encoding="utf-8"?>
+<p:notes xmlns:a="http://schemas.openxmlformats.org/drawingml/2006/main" xmlns:r="http://schemas.openxmlformats.org/officeDocument/2006/relationships" xmlns:p="http://schemas.openxmlformats.org/presentationml/2006/main">
+  <p:cSld>
+    <p:spTree>
+      <p:nvGrpSpPr>
+        <p:cNvPr id="1" name=""/>
+        <p:cNvGrpSpPr/>
+        <p:nvPr/>
+      </p:nvGrpSpPr>
+      <p:grpSpPr>
+        <a:xfrm>
+          <a:off x="0" y="0"/>
+          <a:ext cx="0" cy="0"/>
+          <a:chOff x="0" y="0"/>
+          <a:chExt cx="0" cy="0"/>
+        </a:xfrm>
+      </p:grpSpPr>
+      <p:sp>
+        <p:nvSpPr>
+          <p:cNvPr id="2" name="Slide Image Placeholder 1"/>
+          <p:cNvSpPr>
+            <a:spLocks noGrp="1" noRot="1" noChangeAspect="1"/>
+          </p:cNvSpPr>
+          <p:nvPr>
+            <p:ph type="sldImg"/>
+          </p:nvPr>
+        </p:nvSpPr>
+        <p:spPr/>
+      </p:sp>
+      <p:sp>
+        <p:nvSpPr>
+          <p:cNvPr id="3" name="Notes Placeholder 2"/>
+          <p:cNvSpPr>
+            <a:spLocks noGrp="1"/>
+          </p:cNvSpPr>
+          <p:nvPr>
+            <p:ph type="body" idx="1"/>
+          </p:nvPr>
+        </p:nvSpPr>
+        <p:spPr/>
+        <p:txBody>
+          <a:bodyPr/>
+          <a:lstStyle/>
+          <a:p>
+            <a:r>
+              <a:rPr lang="en-US" dirty="0">
+                <a:cs typeface="Calibri"/>
+              </a:rPr>
+              <a:t>Pairwise scatter plot </a:t>
+            </a:r>
+            <a:r>
+              <a:rPr lang="en-US" dirty="0" err="1">
+                <a:cs typeface="Calibri"/>
+              </a:rPr>
+              <a:t>für</a:t>
+            </a:r>
+            <a:r>
+              <a:rPr lang="en-US" dirty="0">
+                <a:cs typeface="Calibri"/>
+              </a:rPr>
+              <a:t> correlation der variable</a:t>
+            </a:r>
+          </a:p>
+          <a:p>
+            <a:r>
+              <a:rPr lang="en-US" dirty="0">
+                <a:cs typeface="Calibri"/>
+              </a:rPr>
+              <a:t>R – squared</a:t>
+            </a:r>
+          </a:p>
+          <a:p>
+            <a:r>
+              <a:rPr lang="en-US" dirty="0">
+                <a:cs typeface="Calibri"/>
+              </a:rPr>
+              <a:t>F Test</a:t>
+            </a:r>
+          </a:p>
+          <a:p>
+            <a:r>
+              <a:rPr lang="en-US" dirty="0">
+                <a:cs typeface="Calibri"/>
+              </a:rPr>
+              <a:t>T test</a:t>
+            </a:r>
+          </a:p>
+          <a:p>
+            <a:endParaRPr lang="en-US" dirty="0">
+              <a:cs typeface="Calibri"/>
+            </a:endParaRPr>
           </a:p>
         </p:txBody>
       </p:sp>
@@ -2044,7 +8569,7 @@
           <a:p>
             <a:fld id="{7AD4A124-43A9-4BFD-AB04-000A3280E8AD}" type="datetimeFigureOut">
               <a:rPr lang="de-DE" smtClean="0"/>
-              <a:t>13.05.2019</a:t>
+              <a:t>14.05.2019</a:t>
             </a:fld>
             <a:endParaRPr lang="de-DE"/>
           </a:p>
@@ -2086,7 +8611,7 @@
           <a:p>
             <a:fld id="{A39798BB-9818-47BF-BDFB-0CC784ECAD63}" type="slidenum">
               <a:rPr lang="de-DE" smtClean="0"/>
-              <a:t>‹#›</a:t>
+              <a:t>‹Nr.›</a:t>
             </a:fld>
             <a:endParaRPr lang="de-DE"/>
           </a:p>
@@ -2295,7 +8820,7 @@
           <a:p>
             <a:fld id="{7AD4A124-43A9-4BFD-AB04-000A3280E8AD}" type="datetimeFigureOut">
               <a:rPr lang="de-DE" smtClean="0"/>
-              <a:t>13.05.2019</a:t>
+              <a:t>14.05.2019</a:t>
             </a:fld>
             <a:endParaRPr lang="de-DE"/>
           </a:p>
@@ -2337,7 +8862,7 @@
           <a:p>
             <a:fld id="{A39798BB-9818-47BF-BDFB-0CC784ECAD63}" type="slidenum">
               <a:rPr lang="de-DE" smtClean="0"/>
-              <a:t>‹#›</a:t>
+              <a:t>‹Nr.›</a:t>
             </a:fld>
             <a:endParaRPr lang="de-DE"/>
           </a:p>
@@ -2609,7 +9134,7 @@
           <a:p>
             <a:fld id="{7AD4A124-43A9-4BFD-AB04-000A3280E8AD}" type="datetimeFigureOut">
               <a:rPr lang="de-DE" smtClean="0"/>
-              <a:t>13.05.2019</a:t>
+              <a:t>14.05.2019</a:t>
             </a:fld>
             <a:endParaRPr lang="de-DE"/>
           </a:p>
@@ -2651,7 +9176,7 @@
           <a:p>
             <a:fld id="{A39798BB-9818-47BF-BDFB-0CC784ECAD63}" type="slidenum">
               <a:rPr lang="de-DE" smtClean="0"/>
-              <a:t>‹#›</a:t>
+              <a:t>‹Nr.›</a:t>
             </a:fld>
             <a:endParaRPr lang="de-DE"/>
           </a:p>
@@ -2942,7 +9467,7 @@
           <a:p>
             <a:fld id="{7AD4A124-43A9-4BFD-AB04-000A3280E8AD}" type="datetimeFigureOut">
               <a:rPr lang="de-DE" smtClean="0"/>
-              <a:t>13.05.2019</a:t>
+              <a:t>14.05.2019</a:t>
             </a:fld>
             <a:endParaRPr lang="de-DE"/>
           </a:p>
@@ -2984,7 +9509,7 @@
           <a:p>
             <a:fld id="{A39798BB-9818-47BF-BDFB-0CC784ECAD63}" type="slidenum">
               <a:rPr lang="de-DE" smtClean="0"/>
-              <a:t>‹#›</a:t>
+              <a:t>‹Nr.›</a:t>
             </a:fld>
             <a:endParaRPr lang="de-DE"/>
           </a:p>
@@ -3256,7 +9781,7 @@
           <a:p>
             <a:fld id="{7AD4A124-43A9-4BFD-AB04-000A3280E8AD}" type="datetimeFigureOut">
               <a:rPr lang="de-DE" smtClean="0"/>
-              <a:t>13.05.2019</a:t>
+              <a:t>14.05.2019</a:t>
             </a:fld>
             <a:endParaRPr lang="de-DE"/>
           </a:p>
@@ -3298,7 +9823,7 @@
           <a:p>
             <a:fld id="{A39798BB-9818-47BF-BDFB-0CC784ECAD63}" type="slidenum">
               <a:rPr lang="de-DE" smtClean="0"/>
-              <a:t>‹#›</a:t>
+              <a:t>‹Nr.›</a:t>
             </a:fld>
             <a:endParaRPr lang="de-DE"/>
           </a:p>
@@ -3649,7 +10174,7 @@
           <a:p>
             <a:fld id="{7AD4A124-43A9-4BFD-AB04-000A3280E8AD}" type="datetimeFigureOut">
               <a:rPr lang="de-DE" smtClean="0"/>
-              <a:t>13.05.2019</a:t>
+              <a:t>14.05.2019</a:t>
             </a:fld>
             <a:endParaRPr lang="de-DE"/>
           </a:p>
@@ -3691,7 +10216,7 @@
           <a:p>
             <a:fld id="{A39798BB-9818-47BF-BDFB-0CC784ECAD63}" type="slidenum">
               <a:rPr lang="de-DE" smtClean="0"/>
-              <a:t>‹#›</a:t>
+              <a:t>‹Nr.›</a:t>
             </a:fld>
             <a:endParaRPr lang="de-DE"/>
           </a:p>
@@ -3819,7 +10344,7 @@
           <a:p>
             <a:fld id="{7AD4A124-43A9-4BFD-AB04-000A3280E8AD}" type="datetimeFigureOut">
               <a:rPr lang="de-DE" smtClean="0"/>
-              <a:t>13.05.2019</a:t>
+              <a:t>14.05.2019</a:t>
             </a:fld>
             <a:endParaRPr lang="de-DE"/>
           </a:p>
@@ -3861,7 +10386,7 @@
           <a:p>
             <a:fld id="{A39798BB-9818-47BF-BDFB-0CC784ECAD63}" type="slidenum">
               <a:rPr lang="de-DE" smtClean="0"/>
-              <a:t>‹#›</a:t>
+              <a:t>‹Nr.›</a:t>
             </a:fld>
             <a:endParaRPr lang="de-DE"/>
           </a:p>
@@ -3999,7 +10524,7 @@
           <a:p>
             <a:fld id="{7AD4A124-43A9-4BFD-AB04-000A3280E8AD}" type="datetimeFigureOut">
               <a:rPr lang="de-DE" smtClean="0"/>
-              <a:t>13.05.2019</a:t>
+              <a:t>14.05.2019</a:t>
             </a:fld>
             <a:endParaRPr lang="de-DE"/>
           </a:p>
@@ -4041,7 +10566,7 @@
           <a:p>
             <a:fld id="{A39798BB-9818-47BF-BDFB-0CC784ECAD63}" type="slidenum">
               <a:rPr lang="de-DE" smtClean="0"/>
-              <a:t>‹#›</a:t>
+              <a:t>‹Nr.›</a:t>
             </a:fld>
             <a:endParaRPr lang="de-DE"/>
           </a:p>
@@ -4169,7 +10694,7 @@
           <a:p>
             <a:fld id="{7AD4A124-43A9-4BFD-AB04-000A3280E8AD}" type="datetimeFigureOut">
               <a:rPr lang="de-DE" smtClean="0"/>
-              <a:t>13.05.2019</a:t>
+              <a:t>14.05.2019</a:t>
             </a:fld>
             <a:endParaRPr lang="de-DE"/>
           </a:p>
@@ -4211,7 +10736,7 @@
           <a:p>
             <a:fld id="{A39798BB-9818-47BF-BDFB-0CC784ECAD63}" type="slidenum">
               <a:rPr lang="de-DE" smtClean="0"/>
-              <a:t>‹#›</a:t>
+              <a:t>‹Nr.›</a:t>
             </a:fld>
             <a:endParaRPr lang="de-DE"/>
           </a:p>
@@ -4416,7 +10941,7 @@
           <a:p>
             <a:fld id="{7AD4A124-43A9-4BFD-AB04-000A3280E8AD}" type="datetimeFigureOut">
               <a:rPr lang="de-DE" smtClean="0"/>
-              <a:t>13.05.2019</a:t>
+              <a:t>14.05.2019</a:t>
             </a:fld>
             <a:endParaRPr lang="de-DE"/>
           </a:p>
@@ -4458,7 +10983,7 @@
           <a:p>
             <a:fld id="{A39798BB-9818-47BF-BDFB-0CC784ECAD63}" type="slidenum">
               <a:rPr lang="de-DE" smtClean="0"/>
-              <a:t>‹#›</a:t>
+              <a:t>‹Nr.›</a:t>
             </a:fld>
             <a:endParaRPr lang="de-DE"/>
           </a:p>
@@ -4648,7 +11173,7 @@
           <a:p>
             <a:fld id="{7AD4A124-43A9-4BFD-AB04-000A3280E8AD}" type="datetimeFigureOut">
               <a:rPr lang="de-DE" smtClean="0"/>
-              <a:t>13.05.2019</a:t>
+              <a:t>14.05.2019</a:t>
             </a:fld>
             <a:endParaRPr lang="de-DE"/>
           </a:p>
@@ -4690,7 +11215,7 @@
           <a:p>
             <a:fld id="{A39798BB-9818-47BF-BDFB-0CC784ECAD63}" type="slidenum">
               <a:rPr lang="de-DE" smtClean="0"/>
-              <a:t>‹#›</a:t>
+              <a:t>‹Nr.›</a:t>
             </a:fld>
             <a:endParaRPr lang="de-DE"/>
           </a:p>
@@ -5022,7 +11547,7 @@
           <a:p>
             <a:fld id="{7AD4A124-43A9-4BFD-AB04-000A3280E8AD}" type="datetimeFigureOut">
               <a:rPr lang="de-DE" smtClean="0"/>
-              <a:t>13.05.2019</a:t>
+              <a:t>14.05.2019</a:t>
             </a:fld>
             <a:endParaRPr lang="de-DE"/>
           </a:p>
@@ -5064,7 +11589,7 @@
           <a:p>
             <a:fld id="{A39798BB-9818-47BF-BDFB-0CC784ECAD63}" type="slidenum">
               <a:rPr lang="de-DE" smtClean="0"/>
-              <a:t>‹#›</a:t>
+              <a:t>‹Nr.›</a:t>
             </a:fld>
             <a:endParaRPr lang="de-DE"/>
           </a:p>
@@ -5145,7 +11670,7 @@
           <a:p>
             <a:fld id="{7AD4A124-43A9-4BFD-AB04-000A3280E8AD}" type="datetimeFigureOut">
               <a:rPr lang="de-DE" smtClean="0"/>
-              <a:t>13.05.2019</a:t>
+              <a:t>14.05.2019</a:t>
             </a:fld>
             <a:endParaRPr lang="de-DE"/>
           </a:p>
@@ -5187,7 +11712,7 @@
           <a:p>
             <a:fld id="{A39798BB-9818-47BF-BDFB-0CC784ECAD63}" type="slidenum">
               <a:rPr lang="de-DE" smtClean="0"/>
-              <a:t>‹#›</a:t>
+              <a:t>‹Nr.›</a:t>
             </a:fld>
             <a:endParaRPr lang="de-DE"/>
           </a:p>
@@ -5240,7 +11765,7 @@
           <a:p>
             <a:fld id="{7AD4A124-43A9-4BFD-AB04-000A3280E8AD}" type="datetimeFigureOut">
               <a:rPr lang="de-DE" smtClean="0"/>
-              <a:t>13.05.2019</a:t>
+              <a:t>14.05.2019</a:t>
             </a:fld>
             <a:endParaRPr lang="de-DE"/>
           </a:p>
@@ -5282,7 +11807,7 @@
           <a:p>
             <a:fld id="{A39798BB-9818-47BF-BDFB-0CC784ECAD63}" type="slidenum">
               <a:rPr lang="de-DE" smtClean="0"/>
-              <a:t>‹#›</a:t>
+              <a:t>‹Nr.›</a:t>
             </a:fld>
             <a:endParaRPr lang="de-DE"/>
           </a:p>
@@ -5495,7 +12020,7 @@
           <a:p>
             <a:fld id="{7AD4A124-43A9-4BFD-AB04-000A3280E8AD}" type="datetimeFigureOut">
               <a:rPr lang="de-DE" smtClean="0"/>
-              <a:t>13.05.2019</a:t>
+              <a:t>14.05.2019</a:t>
             </a:fld>
             <a:endParaRPr lang="de-DE"/>
           </a:p>
@@ -5537,7 +12062,7 @@
           <a:p>
             <a:fld id="{A39798BB-9818-47BF-BDFB-0CC784ECAD63}" type="slidenum">
               <a:rPr lang="de-DE" smtClean="0"/>
-              <a:t>‹#›</a:t>
+              <a:t>‹Nr.›</a:t>
             </a:fld>
             <a:endParaRPr lang="de-DE"/>
           </a:p>
@@ -5777,7 +12302,7 @@
           <a:p>
             <a:fld id="{A39798BB-9818-47BF-BDFB-0CC784ECAD63}" type="slidenum">
               <a:rPr lang="de-DE" smtClean="0"/>
-              <a:t>‹#›</a:t>
+              <a:t>‹Nr.›</a:t>
             </a:fld>
             <a:endParaRPr lang="de-DE"/>
           </a:p>
@@ -5800,7 +12325,7 @@
           <a:p>
             <a:fld id="{7AD4A124-43A9-4BFD-AB04-000A3280E8AD}" type="datetimeFigureOut">
               <a:rPr lang="de-DE" smtClean="0"/>
-              <a:t>13.05.2019</a:t>
+              <a:t>14.05.2019</a:t>
             </a:fld>
             <a:endParaRPr lang="de-DE"/>
           </a:p>
@@ -6502,7 +13027,7 @@
           <a:p>
             <a:fld id="{7AD4A124-43A9-4BFD-AB04-000A3280E8AD}" type="datetimeFigureOut">
               <a:rPr lang="de-DE" smtClean="0"/>
-              <a:t>13.05.2019</a:t>
+              <a:t>14.05.2019</a:t>
             </a:fld>
             <a:endParaRPr lang="de-DE"/>
           </a:p>
@@ -6578,7 +13103,7 @@
           <a:p>
             <a:fld id="{A39798BB-9818-47BF-BDFB-0CC784ECAD63}" type="slidenum">
               <a:rPr lang="de-DE" smtClean="0"/>
-              <a:t>‹#›</a:t>
+              <a:t>‹Nr.›</a:t>
             </a:fld>
             <a:endParaRPr lang="de-DE"/>
           </a:p>
@@ -7288,179 +13813,232 @@
         </p:nvSpPr>
         <p:spPr>
           <a:xfrm>
-            <a:off x="677334" y="2201229"/>
-            <a:ext cx="8596668" cy="3880773"/>
+            <a:off x="634924" y="3131318"/>
+            <a:ext cx="8596668" cy="2748742"/>
           </a:xfrm>
         </p:spPr>
         <p:txBody>
           <a:bodyPr vert="horz" lIns="91440" tIns="45720" rIns="91440" bIns="45720" rtlCol="0" anchor="t">
-            <a:normAutofit/>
+            <a:noAutofit/>
           </a:bodyPr>
           <a:lstStyle/>
           <a:p>
-            <a:r>
-              <a:rPr lang="de-DE" dirty="0">
-                <a:latin typeface="Gill Sans MT"/>
+            <a:pPr marL="285750" indent="-285750"/>
+            <a:r>
+              <a:rPr lang="de-DE" sz="2000" dirty="0">
+                <a:latin typeface="Gill Sans MT" panose="020B0502020104020203" pitchFamily="34" charset="0"/>
+                <a:ea typeface="+mn-lt"/>
+                <a:cs typeface="+mn-lt"/>
               </a:rPr>
-              <a:t>Multiple </a:t>
-            </a:r>
-            <a:r>
-              <a:rPr lang="de-DE" dirty="0" err="1">
-                <a:latin typeface="Gill Sans MT"/>
-              </a:rPr>
-              <a:t>Linaere</a:t>
-            </a:r>
-            <a:r>
-              <a:rPr lang="de-DE" dirty="0">
-                <a:latin typeface="Gill Sans MT"/>
-              </a:rPr>
-              <a:t> Regression</a:t>
+              <a:t>Multiple Lineare Regression</a:t>
             </a:r>
           </a:p>
           <a:p>
-            <a:pPr lvl="1"/>
-            <a:r>
-              <a:rPr lang="de-DE" dirty="0" err="1">
-                <a:latin typeface="Gill Sans MT"/>
+            <a:pPr marL="685800" lvl="1"/>
+            <a:r>
+              <a:rPr lang="de-DE" sz="2000" dirty="0" err="1">
+                <a:latin typeface="Gill Sans MT" panose="020B0502020104020203" pitchFamily="34" charset="0"/>
+                <a:ea typeface="+mn-lt"/>
+                <a:cs typeface="+mn-lt"/>
               </a:rPr>
               <a:t>Examine</a:t>
             </a:r>
             <a:r>
-              <a:rPr lang="de-DE" dirty="0">
-                <a:latin typeface="Gill Sans MT"/>
+              <a:rPr lang="de-DE" sz="2000" dirty="0">
+                <a:latin typeface="Gill Sans MT" panose="020B0502020104020203" pitchFamily="34" charset="0"/>
+                <a:ea typeface="+mn-lt"/>
+                <a:cs typeface="+mn-lt"/>
               </a:rPr>
               <a:t> </a:t>
             </a:r>
             <a:r>
-              <a:rPr lang="de-DE" dirty="0" err="1">
-                <a:latin typeface="Gill Sans MT"/>
+              <a:rPr lang="de-DE" sz="2000" dirty="0" err="1">
+                <a:latin typeface="Gill Sans MT" panose="020B0502020104020203" pitchFamily="34" charset="0"/>
+                <a:ea typeface="+mn-lt"/>
+                <a:cs typeface="+mn-lt"/>
               </a:rPr>
               <a:t>correlation</a:t>
             </a:r>
             <a:r>
-              <a:rPr lang="de-DE" dirty="0">
-                <a:latin typeface="Gill Sans MT"/>
+              <a:rPr lang="de-DE" sz="2000" dirty="0">
+                <a:latin typeface="Gill Sans MT" panose="020B0502020104020203" pitchFamily="34" charset="0"/>
+                <a:ea typeface="+mn-lt"/>
+                <a:cs typeface="+mn-lt"/>
               </a:rPr>
               <a:t> </a:t>
             </a:r>
             <a:r>
-              <a:rPr lang="de-DE" dirty="0" err="1">
-                <a:latin typeface="Gill Sans MT"/>
+              <a:rPr lang="de-DE" sz="2000" dirty="0" err="1">
+                <a:latin typeface="Gill Sans MT" panose="020B0502020104020203" pitchFamily="34" charset="0"/>
+                <a:ea typeface="+mn-lt"/>
+                <a:cs typeface="+mn-lt"/>
               </a:rPr>
               <a:t>between</a:t>
             </a:r>
             <a:r>
-              <a:rPr lang="de-DE" dirty="0">
-                <a:latin typeface="Gill Sans MT"/>
+              <a:rPr lang="de-DE" sz="2000" dirty="0">
+                <a:latin typeface="Gill Sans MT" panose="020B0502020104020203" pitchFamily="34" charset="0"/>
+                <a:ea typeface="+mn-lt"/>
+                <a:cs typeface="+mn-lt"/>
               </a:rPr>
               <a:t> variables</a:t>
             </a:r>
-            <a:endParaRPr lang="en-US" dirty="0">
+            <a:endParaRPr lang="en-US" sz="2000" dirty="0">
+              <a:latin typeface="Gill Sans MT" panose="020B0502020104020203" pitchFamily="34" charset="0"/>
               <a:ea typeface="+mn-lt"/>
               <a:cs typeface="+mn-lt"/>
             </a:endParaRPr>
           </a:p>
           <a:p>
-            <a:pPr lvl="1"/>
-            <a:r>
-              <a:rPr lang="de-DE" dirty="0" err="1">
-                <a:latin typeface="Gill Sans MT"/>
+            <a:pPr marL="685800" lvl="1"/>
+            <a:r>
+              <a:rPr lang="de-DE" sz="2000" dirty="0" err="1">
+                <a:latin typeface="Gill Sans MT" panose="020B0502020104020203" pitchFamily="34" charset="0"/>
+                <a:ea typeface="+mn-lt"/>
+                <a:cs typeface="+mn-lt"/>
               </a:rPr>
-              <a:t>Variance</a:t>
-            </a:r>
-            <a:r>
-              <a:rPr lang="de-DE" dirty="0">
-                <a:latin typeface="Gill Sans MT"/>
+              <a:t>Estimating</a:t>
+            </a:r>
+            <a:r>
+              <a:rPr lang="de-DE" sz="2000" dirty="0">
+                <a:latin typeface="Gill Sans MT" panose="020B0502020104020203" pitchFamily="34" charset="0"/>
+                <a:ea typeface="+mn-lt"/>
+                <a:cs typeface="+mn-lt"/>
               </a:rPr>
-              <a:t> </a:t>
-            </a:r>
-            <a:r>
-              <a:rPr lang="de-DE" dirty="0" err="1">
-                <a:latin typeface="Gill Sans MT"/>
+              <a:t> </a:t>
+            </a:r>
+            <a:r>
+              <a:rPr lang="de-DE" sz="2000" dirty="0" err="1">
+                <a:latin typeface="Gill Sans MT" panose="020B0502020104020203" pitchFamily="34" charset="0"/>
+                <a:ea typeface="+mn-lt"/>
+                <a:cs typeface="+mn-lt"/>
               </a:rPr>
-              <a:t>decomposition</a:t>
-            </a:r>
-            <a:endParaRPr lang="de-DE" dirty="0">
+              <a:t>regression</a:t>
+            </a:r>
+            <a:r>
+              <a:rPr lang="de-DE" sz="2000" dirty="0">
+                <a:latin typeface="Gill Sans MT" panose="020B0502020104020203" pitchFamily="34" charset="0"/>
+                <a:ea typeface="+mn-lt"/>
+                <a:cs typeface="+mn-lt"/>
+              </a:rPr>
+              <a:t> </a:t>
+            </a:r>
+            <a:r>
+              <a:rPr lang="de-DE" sz="2000" dirty="0" err="1">
+                <a:latin typeface="Gill Sans MT" panose="020B0502020104020203" pitchFamily="34" charset="0"/>
+                <a:ea typeface="+mn-lt"/>
+                <a:cs typeface="+mn-lt"/>
+              </a:rPr>
+              <a:t>model</a:t>
+            </a:r>
+            <a:endParaRPr lang="de-DE" sz="2000" dirty="0">
+              <a:latin typeface="Gill Sans MT" panose="020B0502020104020203" pitchFamily="34" charset="0"/>
               <a:ea typeface="+mn-lt"/>
               <a:cs typeface="+mn-lt"/>
             </a:endParaRPr>
           </a:p>
           <a:p>
-            <a:pPr lvl="1"/>
-            <a:r>
-              <a:rPr lang="de-DE" dirty="0">
-                <a:latin typeface="Gill Sans MT"/>
+            <a:pPr marL="685800" lvl="1"/>
+            <a:r>
+              <a:rPr lang="de-DE" sz="2000" dirty="0" err="1">
+                <a:latin typeface="Gill Sans MT" panose="020B0502020104020203" pitchFamily="34" charset="0"/>
+                <a:ea typeface="+mn-lt"/>
+                <a:cs typeface="+mn-lt"/>
               </a:rPr>
-              <a:t>F-test</a:t>
-            </a:r>
-            <a:endParaRPr lang="en-US" dirty="0">
+              <a:t>Evaluating</a:t>
+            </a:r>
+            <a:r>
+              <a:rPr lang="de-DE" sz="2000" dirty="0">
+                <a:latin typeface="Gill Sans MT" panose="020B0502020104020203" pitchFamily="34" charset="0"/>
+                <a:ea typeface="+mn-lt"/>
+                <a:cs typeface="+mn-lt"/>
+              </a:rPr>
+              <a:t> </a:t>
+            </a:r>
+            <a:r>
+              <a:rPr lang="de-DE" sz="2000" dirty="0" err="1">
+                <a:latin typeface="Gill Sans MT" panose="020B0502020104020203" pitchFamily="34" charset="0"/>
+                <a:ea typeface="+mn-lt"/>
+                <a:cs typeface="+mn-lt"/>
+              </a:rPr>
+              <a:t>validity</a:t>
+            </a:r>
+            <a:r>
+              <a:rPr lang="de-DE" sz="2000" dirty="0">
+                <a:latin typeface="Gill Sans MT" panose="020B0502020104020203" pitchFamily="34" charset="0"/>
+                <a:ea typeface="+mn-lt"/>
+                <a:cs typeface="+mn-lt"/>
+              </a:rPr>
+              <a:t> and </a:t>
+            </a:r>
+            <a:r>
+              <a:rPr lang="de-DE" sz="2000" dirty="0" err="1">
+                <a:latin typeface="Gill Sans MT" panose="020B0502020104020203" pitchFamily="34" charset="0"/>
+                <a:ea typeface="+mn-lt"/>
+                <a:cs typeface="+mn-lt"/>
+              </a:rPr>
+              <a:t>usefullness</a:t>
+            </a:r>
+            <a:endParaRPr lang="en-US" sz="2000" dirty="0">
+              <a:latin typeface="Gill Sans MT" panose="020B0502020104020203" pitchFamily="34" charset="0"/>
               <a:ea typeface="+mn-lt"/>
               <a:cs typeface="+mn-lt"/>
             </a:endParaRPr>
           </a:p>
           <a:p>
-            <a:pPr lvl="1"/>
-            <a:r>
-              <a:rPr lang="de-DE" dirty="0">
-                <a:latin typeface="Gill Sans MT"/>
-              </a:rPr>
-              <a:t>T-test of </a:t>
-            </a:r>
-            <a:r>
-              <a:rPr lang="de-DE" dirty="0" err="1">
-                <a:latin typeface="Gill Sans MT"/>
-              </a:rPr>
-              <a:t>each</a:t>
-            </a:r>
-            <a:r>
-              <a:rPr lang="de-DE" dirty="0">
-                <a:latin typeface="Gill Sans MT"/>
-              </a:rPr>
-              <a:t> variable</a:t>
-            </a:r>
-            <a:endParaRPr lang="en-US" dirty="0">
+            <a:pPr marL="685800" lvl="1"/>
+            <a:endParaRPr lang="de-DE" sz="2000" dirty="0">
+              <a:latin typeface="Gill Sans MT" panose="020B0502020104020203" pitchFamily="34" charset="0"/>
               <a:ea typeface="+mn-lt"/>
               <a:cs typeface="+mn-lt"/>
             </a:endParaRPr>
           </a:p>
           <a:p>
-            <a:pPr lvl="1"/>
-            <a:endParaRPr lang="de-DE" dirty="0">
-              <a:latin typeface="Gill Sans MT"/>
+            <a:pPr marL="285750" indent="-285750"/>
+            <a:r>
+              <a:rPr lang="de-DE" sz="2000" dirty="0" err="1">
+                <a:latin typeface="Gill Sans MT" panose="020B0502020104020203" pitchFamily="34" charset="0"/>
+                <a:ea typeface="+mn-lt"/>
+                <a:cs typeface="+mn-lt"/>
+              </a:rPr>
+              <a:t>Compare</a:t>
+            </a:r>
+            <a:r>
+              <a:rPr lang="de-DE" sz="2000" dirty="0">
+                <a:latin typeface="Gill Sans MT" panose="020B0502020104020203" pitchFamily="34" charset="0"/>
+                <a:ea typeface="+mn-lt"/>
+                <a:cs typeface="+mn-lt"/>
+              </a:rPr>
+              <a:t> different </a:t>
+            </a:r>
+            <a:r>
+              <a:rPr lang="de-DE" sz="2000" dirty="0" err="1">
+                <a:latin typeface="Gill Sans MT" panose="020B0502020104020203" pitchFamily="34" charset="0"/>
+                <a:ea typeface="+mn-lt"/>
+                <a:cs typeface="+mn-lt"/>
+              </a:rPr>
+              <a:t>models</a:t>
+            </a:r>
+            <a:endParaRPr lang="de-DE" sz="2000" dirty="0">
+              <a:latin typeface="Gill Sans MT" panose="020B0502020104020203" pitchFamily="34" charset="0"/>
+              <a:ea typeface="+mn-lt"/>
+              <a:cs typeface="+mn-lt"/>
             </a:endParaRPr>
           </a:p>
           <a:p>
-            <a:r>
-              <a:rPr lang="de-DE" dirty="0" err="1">
-                <a:latin typeface="Gill Sans MT"/>
-              </a:rPr>
-              <a:t>Compare</a:t>
-            </a:r>
-            <a:r>
-              <a:rPr lang="de-DE" dirty="0">
-                <a:latin typeface="Gill Sans MT"/>
-              </a:rPr>
-              <a:t> different </a:t>
-            </a:r>
-            <a:r>
-              <a:rPr lang="de-DE" dirty="0" err="1">
-                <a:latin typeface="Gill Sans MT"/>
-              </a:rPr>
-              <a:t>models</a:t>
-            </a:r>
-            <a:endParaRPr lang="de-DE" dirty="0">
-              <a:latin typeface="Gill Sans MT"/>
+            <a:pPr marL="285750" indent="-285750"/>
+            <a:endParaRPr lang="de-DE" sz="2000" dirty="0">
+              <a:latin typeface="Gill Sans MT" panose="020B0502020104020203" pitchFamily="34" charset="0"/>
+              <a:ea typeface="+mn-lt"/>
+              <a:cs typeface="+mn-lt"/>
             </a:endParaRPr>
           </a:p>
           <a:p>
-            <a:endParaRPr lang="de-DE" dirty="0">
+            <a:pPr marL="685800" lvl="1"/>
+            <a:endParaRPr lang="de-DE" sz="2000" dirty="0">
               <a:latin typeface="Gill Sans MT" panose="020B0502020104020203" pitchFamily="34" charset="0"/>
-            </a:endParaRPr>
-          </a:p>
-          <a:p>
-            <a:pPr lvl="1"/>
-            <a:endParaRPr lang="de-DE" dirty="0">
-              <a:latin typeface="Gill Sans MT" panose="020B0502020104020203" pitchFamily="34" charset="0"/>
+              <a:ea typeface="+mn-lt"/>
+              <a:cs typeface="+mn-lt"/>
               <a:sym typeface="Wingdings" panose="05000000000000000000" pitchFamily="2" charset="2"/>
             </a:endParaRPr>
           </a:p>
@@ -7785,19 +14363,7 @@
                 <a:rPr lang="de-DE" sz="2200" kern="1200" dirty="0">
                   <a:latin typeface="Gill Sans MT"/>
                 </a:rPr>
-                <a:t> </a:t>
-              </a:r>
-              <a:r>
-                <a:rPr lang="de-DE" sz="2200" kern="1200" dirty="0" err="1">
-                  <a:latin typeface="Gill Sans MT"/>
-                </a:rPr>
-                <a:t>gens</a:t>
-              </a:r>
-              <a:r>
-                <a:rPr lang="de-DE" sz="2200" kern="1200" dirty="0">
-                  <a:latin typeface="Gill Sans MT"/>
-                </a:rPr>
-                <a:t> of </a:t>
+                <a:t> genes of </a:t>
               </a:r>
               <a:r>
                 <a:rPr lang="de-DE" sz="2200" kern="1200" dirty="0" err="1">
@@ -8109,6 +14675,138 @@
           </p:txBody>
         </p:sp>
       </p:grpSp>
+      <p:sp>
+        <p:nvSpPr>
+          <p:cNvPr id="17" name="Textfeld 16">
+            <a:extLst>
+              <a:ext uri="{FF2B5EF4-FFF2-40B4-BE49-F238E27FC236}">
+                <a16:creationId xmlns:a16="http://schemas.microsoft.com/office/drawing/2014/main" id="{4F6CD179-615F-4455-95D5-3104BC1C7BC4}"/>
+              </a:ext>
+            </a:extLst>
+          </p:cNvPr>
+          <p:cNvSpPr txBox="1"/>
+          <p:nvPr/>
+        </p:nvSpPr>
+        <p:spPr>
+          <a:xfrm>
+            <a:off x="634924" y="1983250"/>
+            <a:ext cx="9135301" cy="876328"/>
+          </a:xfrm>
+          <a:prstGeom prst="rect">
+            <a:avLst/>
+          </a:prstGeom>
+        </p:spPr>
+        <p:txBody>
+          <a:bodyPr vert="horz" lIns="91440" tIns="45720" rIns="91440" bIns="45720" rtlCol="0" anchor="t">
+            <a:normAutofit/>
+          </a:bodyPr>
+          <a:lstStyle>
+            <a:lvl1pPr algn="ctr">
+              <a:spcBef>
+                <a:spcPct val="0"/>
+              </a:spcBef>
+              <a:buNone/>
+              <a:defRPr sz="3600">
+                <a:solidFill>
+                  <a:srgbClr val="1EA4D9"/>
+                </a:solidFill>
+                <a:latin typeface="Gill Sans MT"/>
+                <a:ea typeface="+mj-ea"/>
+                <a:cs typeface="+mj-cs"/>
+              </a:defRPr>
+            </a:lvl1pPr>
+            <a:lvl2pPr>
+              <a:defRPr>
+                <a:solidFill>
+                  <a:schemeClr val="tx2"/>
+                </a:solidFill>
+              </a:defRPr>
+            </a:lvl2pPr>
+            <a:lvl3pPr>
+              <a:defRPr>
+                <a:solidFill>
+                  <a:schemeClr val="tx2"/>
+                </a:solidFill>
+              </a:defRPr>
+            </a:lvl3pPr>
+            <a:lvl4pPr>
+              <a:defRPr>
+                <a:solidFill>
+                  <a:schemeClr val="tx2"/>
+                </a:solidFill>
+              </a:defRPr>
+            </a:lvl4pPr>
+            <a:lvl5pPr>
+              <a:defRPr>
+                <a:solidFill>
+                  <a:schemeClr val="tx2"/>
+                </a:solidFill>
+              </a:defRPr>
+            </a:lvl5pPr>
+            <a:lvl6pPr>
+              <a:defRPr>
+                <a:solidFill>
+                  <a:schemeClr val="tx2"/>
+                </a:solidFill>
+              </a:defRPr>
+            </a:lvl6pPr>
+            <a:lvl7pPr>
+              <a:defRPr>
+                <a:solidFill>
+                  <a:schemeClr val="tx2"/>
+                </a:solidFill>
+              </a:defRPr>
+            </a:lvl7pPr>
+            <a:lvl8pPr>
+              <a:defRPr>
+                <a:solidFill>
+                  <a:schemeClr val="tx2"/>
+                </a:solidFill>
+              </a:defRPr>
+            </a:lvl8pPr>
+            <a:lvl9pPr>
+              <a:defRPr>
+                <a:solidFill>
+                  <a:schemeClr val="tx2"/>
+                </a:solidFill>
+              </a:defRPr>
+            </a:lvl9pPr>
+          </a:lstStyle>
+          <a:p>
+            <a:pPr algn="just"/>
+            <a:r>
+              <a:rPr lang="en-US" sz="2000" dirty="0">
+                <a:solidFill>
+                  <a:srgbClr val="5FCBEF"/>
+                </a:solidFill>
+              </a:rPr>
+              <a:t>Can we predict mutations in head and neck cancer via a multiple linear regression model using expression-, CNA- </a:t>
+            </a:r>
+            <a:r>
+              <a:rPr lang="en-US" sz="2000">
+                <a:solidFill>
+                  <a:srgbClr val="5FCBEF"/>
+                </a:solidFill>
+              </a:rPr>
+              <a:t>and CERES kockdown</a:t>
+            </a:r>
+            <a:r>
+              <a:rPr lang="en-US" sz="2000" dirty="0">
+                <a:solidFill>
+                  <a:srgbClr val="5FCBEF"/>
+                </a:solidFill>
+              </a:rPr>
+              <a:t>-data?</a:t>
+            </a:r>
+            <a:endParaRPr lang="en-US" sz="2000" dirty="0">
+              <a:solidFill>
+                <a:srgbClr val="5FCBEF"/>
+              </a:solidFill>
+              <a:cs typeface="Calibri"/>
+            </a:endParaRPr>
+          </a:p>
+        </p:txBody>
+      </p:sp>
     </p:spTree>
     <p:extLst>
       <p:ext uri="{BB962C8B-B14F-4D97-AF65-F5344CB8AC3E}">
@@ -8182,39 +14880,26 @@
                                   </p:childTnLst>
                                 </p:cTn>
                               </p:par>
+                            </p:childTnLst>
+                          </p:cTn>
+                        </p:par>
+                      </p:childTnLst>
+                    </p:cTn>
+                  </p:par>
+                  <p:par>
+                    <p:cTn id="7" fill="hold">
+                      <p:stCondLst>
+                        <p:cond delay="indefinite"/>
+                      </p:stCondLst>
+                      <p:childTnLst>
+                        <p:par>
+                          <p:cTn id="8" fill="hold">
+                            <p:stCondLst>
+                              <p:cond delay="0"/>
+                            </p:stCondLst>
+                            <p:childTnLst>
                               <p:par>
-                                <p:cTn id="7" presetID="1" presetClass="entr" presetSubtype="0" fill="hold" grpId="0" nodeType="withEffect">
-                                  <p:stCondLst>
-                                    <p:cond delay="0"/>
-                                  </p:stCondLst>
-                                  <p:childTnLst>
-                                    <p:set>
-                                      <p:cBhvr>
-                                        <p:cTn id="8" dur="1" fill="hold">
-                                          <p:stCondLst>
-                                            <p:cond delay="0"/>
-                                          </p:stCondLst>
-                                        </p:cTn>
-                                        <p:tgtEl>
-                                          <p:spTgt spid="3">
-                                            <p:txEl>
-                                              <p:pRg st="1" end="1"/>
-                                            </p:txEl>
-                                          </p:spTgt>
-                                        </p:tgtEl>
-                                        <p:attrNameLst>
-                                          <p:attrName>style.visibility</p:attrName>
-                                        </p:attrNameLst>
-                                      </p:cBhvr>
-                                      <p:to>
-                                        <p:strVal val="visible"/>
-                                      </p:to>
-                                    </p:set>
-                                  </p:childTnLst>
-                                </p:cTn>
-                              </p:par>
-                              <p:par>
-                                <p:cTn id="9" presetID="1" presetClass="entr" presetSubtype="0" fill="hold" grpId="0" nodeType="withEffect">
+                                <p:cTn id="9" presetID="1" presetClass="entr" presetSubtype="0" fill="hold" grpId="0" nodeType="clickEffect">
                                   <p:stCondLst>
                                     <p:cond delay="0"/>
                                   </p:stCondLst>
@@ -8229,7 +14914,7 @@
                                         <p:tgtEl>
                                           <p:spTgt spid="3">
                                             <p:txEl>
-                                              <p:pRg st="2" end="2"/>
+                                              <p:pRg st="1" end="1"/>
                                             </p:txEl>
                                           </p:spTgt>
                                         </p:tgtEl>
@@ -8260,7 +14945,7 @@
                                         <p:tgtEl>
                                           <p:spTgt spid="3">
                                             <p:txEl>
-                                              <p:pRg st="3" end="3"/>
+                                              <p:pRg st="2" end="2"/>
                                             </p:txEl>
                                           </p:spTgt>
                                         </p:tgtEl>
@@ -8291,7 +14976,7 @@
                                         <p:tgtEl>
                                           <p:spTgt spid="3">
                                             <p:txEl>
-                                              <p:pRg st="4" end="4"/>
+                                              <p:pRg st="3" end="3"/>
                                             </p:txEl>
                                           </p:spTgt>
                                         </p:tgtEl>
@@ -8340,7 +15025,7 @@
                                         <p:tgtEl>
                                           <p:spTgt spid="3">
                                             <p:txEl>
-                                              <p:pRg st="6" end="6"/>
+                                              <p:pRg st="5" end="5"/>
                                             </p:txEl>
                                           </p:spTgt>
                                         </p:tgtEl>
@@ -8922,7 +15607,7 @@
     <p:bg>
       <p:bgPr>
         <a:blipFill dpi="0" rotWithShape="1">
-          <a:blip r:embed="rId2">
+          <a:blip r:embed="rId3">
             <a:lum/>
           </a:blip>
           <a:srcRect/>
@@ -9157,7 +15842,7 @@
           <p:nvPr/>
         </p:nvPicPr>
         <p:blipFill>
-          <a:blip r:embed="rId3"/>
+          <a:blip r:embed="rId4"/>
           <a:stretch>
             <a:fillRect/>
           </a:stretch>
@@ -10285,19 +16970,19 @@
           <a:lstStyle/>
           <a:p>
             <a:r>
-              <a:rPr lang="de-DE" dirty="0" err="1"/>
+              <a:rPr lang="de-DE" err="1"/>
               <a:t>Calendar</a:t>
             </a:r>
             <a:r>
-              <a:rPr lang="de-DE" dirty="0"/>
+              <a:rPr lang="de-DE"/>
               <a:t> </a:t>
             </a:r>
             <a:r>
-              <a:rPr lang="de-DE" dirty="0" err="1"/>
+              <a:rPr lang="de-DE" err="1"/>
               <a:t>week</a:t>
             </a:r>
             <a:r>
-              <a:rPr lang="de-DE" dirty="0"/>
+              <a:rPr lang="de-DE"/>
               <a:t> 22</a:t>
             </a:r>
           </a:p>
@@ -10332,19 +17017,19 @@
           <a:lstStyle/>
           <a:p>
             <a:r>
-              <a:rPr lang="de-DE" dirty="0" err="1"/>
+              <a:rPr lang="de-DE" err="1"/>
               <a:t>Calendar</a:t>
             </a:r>
             <a:r>
-              <a:rPr lang="de-DE" dirty="0"/>
+              <a:rPr lang="de-DE"/>
               <a:t> </a:t>
             </a:r>
             <a:r>
-              <a:rPr lang="de-DE" dirty="0" err="1"/>
+              <a:rPr lang="de-DE" err="1"/>
               <a:t>week</a:t>
             </a:r>
             <a:r>
-              <a:rPr lang="de-DE" dirty="0"/>
+              <a:rPr lang="de-DE"/>
               <a:t> 28</a:t>
             </a:r>
           </a:p>
@@ -10379,19 +17064,19 @@
           <a:lstStyle/>
           <a:p>
             <a:r>
-              <a:rPr lang="de-DE" dirty="0" err="1"/>
+              <a:rPr lang="de-DE" err="1"/>
               <a:t>Calendar</a:t>
             </a:r>
             <a:r>
-              <a:rPr lang="de-DE" dirty="0"/>
+              <a:rPr lang="de-DE"/>
               <a:t> </a:t>
             </a:r>
             <a:r>
-              <a:rPr lang="de-DE" dirty="0" err="1"/>
+              <a:rPr lang="de-DE" err="1"/>
               <a:t>week</a:t>
             </a:r>
             <a:r>
-              <a:rPr lang="de-DE" dirty="0"/>
+              <a:rPr lang="de-DE"/>
               <a:t> 26</a:t>
             </a:r>
           </a:p>
@@ -10426,19 +17111,19 @@
           <a:lstStyle/>
           <a:p>
             <a:r>
-              <a:rPr lang="de-DE" dirty="0" err="1"/>
+              <a:rPr lang="de-DE" err="1"/>
               <a:t>Calendar</a:t>
             </a:r>
             <a:r>
-              <a:rPr lang="de-DE" dirty="0"/>
+              <a:rPr lang="de-DE"/>
               <a:t> </a:t>
             </a:r>
             <a:r>
-              <a:rPr lang="de-DE" dirty="0" err="1"/>
+              <a:rPr lang="de-DE" err="1"/>
               <a:t>week</a:t>
             </a:r>
             <a:r>
-              <a:rPr lang="de-DE" dirty="0"/>
+              <a:rPr lang="de-DE"/>
               <a:t> 24</a:t>
             </a:r>
           </a:p>
@@ -10582,7 +17267,7 @@
           <a:p>
             <a:pPr algn="ctr"/>
             <a:r>
-              <a:rPr lang="de-DE" sz="1200" dirty="0">
+              <a:rPr lang="de-DE" sz="1200">
                 <a:latin typeface="Gill Sans MT" panose="020B0502020104020203" pitchFamily="34" charset="0"/>
               </a:rPr>
               <a:t>Annotation</a:t>
@@ -10728,18 +17413,18 @@
           <a:p>
             <a:pPr algn="ctr"/>
             <a:r>
-              <a:rPr lang="de-DE" sz="1200" dirty="0">
+              <a:rPr lang="de-DE" sz="1200">
                 <a:latin typeface="Gill Sans MT" panose="020B0502020104020203" pitchFamily="34" charset="0"/>
               </a:rPr>
               <a:t>Copy number </a:t>
             </a:r>
             <a:r>
-              <a:rPr lang="de-DE" sz="1200" dirty="0" err="1">
+              <a:rPr lang="de-DE" sz="1200" err="1">
                 <a:latin typeface="Gill Sans MT" panose="020B0502020104020203" pitchFamily="34" charset="0"/>
               </a:rPr>
               <a:t>alteration</a:t>
             </a:r>
-            <a:endParaRPr lang="de-DE" sz="1200" dirty="0">
+            <a:endParaRPr lang="de-DE" sz="1200">
               <a:latin typeface="Gill Sans MT" panose="020B0502020104020203" pitchFamily="34" charset="0"/>
             </a:endParaRPr>
           </a:p>
@@ -10883,18 +17568,18 @@
           <a:p>
             <a:pPr algn="ctr"/>
             <a:r>
-              <a:rPr lang="de-DE" sz="1200" dirty="0">
+              <a:rPr lang="de-DE" sz="1200">
                 <a:latin typeface="Gill Sans MT" panose="020B0502020104020203" pitchFamily="34" charset="0"/>
               </a:rPr>
               <a:t>Gene </a:t>
             </a:r>
             <a:r>
-              <a:rPr lang="de-DE" sz="1200" dirty="0" err="1">
+              <a:rPr lang="de-DE" sz="1200" err="1">
                 <a:latin typeface="Gill Sans MT" panose="020B0502020104020203" pitchFamily="34" charset="0"/>
               </a:rPr>
               <a:t>expression</a:t>
             </a:r>
-            <a:endParaRPr lang="de-DE" sz="1200" dirty="0">
+            <a:endParaRPr lang="de-DE" sz="1200">
               <a:latin typeface="Gill Sans MT" panose="020B0502020104020203" pitchFamily="34" charset="0"/>
             </a:endParaRPr>
           </a:p>
@@ -11041,7 +17726,7 @@
           <a:p>
             <a:pPr algn="ctr"/>
             <a:r>
-              <a:rPr lang="de-DE" sz="1200" dirty="0">
+              <a:rPr lang="de-DE" sz="1200">
                 <a:latin typeface="Gill Sans MT" panose="020B0502020104020203" pitchFamily="34" charset="0"/>
               </a:rPr>
               <a:t>Mutation</a:t>
@@ -11187,7 +17872,7 @@
           <a:p>
             <a:pPr algn="ctr"/>
             <a:r>
-              <a:rPr lang="de-DE" sz="1200" dirty="0">
+              <a:rPr lang="de-DE" sz="1200">
                 <a:latin typeface="Gill Sans MT" panose="020B0502020104020203" pitchFamily="34" charset="0"/>
               </a:rPr>
               <a:t>CERES knockdown</a:t>
@@ -11322,42 +18007,42 @@
                 <a:buNone/>
               </a:pPr>
               <a:r>
-                <a:rPr lang="de-DE" sz="2200" kern="1200" dirty="0">
+                <a:rPr lang="de-DE" sz="2200" kern="1200">
                   <a:latin typeface="Gill Sans MT"/>
                 </a:rPr>
                 <a:t>Data </a:t>
               </a:r>
               <a:r>
-                <a:rPr lang="de-DE" sz="2200" kern="1200" dirty="0" err="1">
+                <a:rPr lang="de-DE" sz="2200" kern="1200" err="1">
                   <a:latin typeface="Gill Sans MT"/>
                 </a:rPr>
                 <a:t>Cleanup</a:t>
               </a:r>
               <a:r>
-                <a:rPr lang="de-DE" sz="2200" kern="1200" dirty="0">
+                <a:rPr lang="de-DE" sz="2200" kern="1200">
                   <a:latin typeface="Gill Sans MT"/>
                 </a:rPr>
                 <a:t> &amp; </a:t>
               </a:r>
               <a:r>
-                <a:rPr lang="de-DE" sz="2200" kern="1200" dirty="0" err="1">
+                <a:rPr lang="de-DE" sz="2200" kern="1200" err="1">
                   <a:latin typeface="Gill Sans MT"/>
                 </a:rPr>
                 <a:t>Descriptive</a:t>
               </a:r>
               <a:r>
-                <a:rPr lang="de-DE" sz="2200" kern="1200" dirty="0">
+                <a:rPr lang="de-DE" sz="2200" kern="1200">
                   <a:latin typeface="Gill Sans MT"/>
                 </a:rPr>
                 <a:t> </a:t>
               </a:r>
               <a:r>
-                <a:rPr lang="de-DE" sz="2200" kern="1200" dirty="0" err="1">
+                <a:rPr lang="de-DE" sz="2200" kern="1200" err="1">
                   <a:latin typeface="Gill Sans MT"/>
                 </a:rPr>
                 <a:t>Statistics</a:t>
               </a:r>
-              <a:endParaRPr lang="de-DE" sz="2200" kern="1200" dirty="0">
+              <a:endParaRPr lang="de-DE" sz="2200" kern="1200">
                 <a:latin typeface="Gill Sans MT"/>
               </a:endParaRPr>
             </a:p>
@@ -11491,36 +18176,24 @@
                 <a:buNone/>
               </a:pPr>
               <a:r>
-                <a:rPr lang="de-DE" sz="2200" kern="1200" dirty="0" err="1">
+                <a:rPr lang="de-DE" sz="2200" kern="1200" err="1">
                   <a:latin typeface="Gill Sans MT"/>
                 </a:rPr>
                 <a:t>Identify</a:t>
               </a:r>
               <a:r>
-                <a:rPr lang="de-DE" sz="2200" kern="1200" dirty="0">
+                <a:rPr lang="de-DE" sz="2200" kern="1200">
                   <a:latin typeface="Gill Sans MT"/>
                 </a:rPr>
-                <a:t> </a:t>
+                <a:t> genes of </a:t>
               </a:r>
               <a:r>
-                <a:rPr lang="de-DE" sz="2200" kern="1200" dirty="0" err="1">
-                  <a:latin typeface="Gill Sans MT"/>
-                </a:rPr>
-                <a:t>gens</a:t>
-              </a:r>
-              <a:r>
-                <a:rPr lang="de-DE" sz="2200" kern="1200" dirty="0">
-                  <a:latin typeface="Gill Sans MT"/>
-                </a:rPr>
-                <a:t> of </a:t>
-              </a:r>
-              <a:r>
-                <a:rPr lang="de-DE" sz="2200" kern="1200" dirty="0" err="1">
+                <a:rPr lang="de-DE" sz="2200" kern="1200" err="1">
                   <a:latin typeface="Gill Sans MT"/>
                 </a:rPr>
                 <a:t>interest</a:t>
               </a:r>
-              <a:endParaRPr lang="de-DE" sz="2200" kern="1200" dirty="0">
+              <a:endParaRPr lang="de-DE" sz="2200" kern="1200">
                 <a:latin typeface="Gill Sans MT" panose="020B0502020104020203" pitchFamily="34" charset="0"/>
               </a:endParaRPr>
             </a:p>
@@ -11654,18 +18327,18 @@
                 <a:buNone/>
               </a:pPr>
               <a:r>
-                <a:rPr lang="de-DE" sz="2200" kern="1200" dirty="0">
+                <a:rPr lang="de-DE" sz="2200" kern="1200">
                   <a:latin typeface="Gill Sans MT"/>
                 </a:rPr>
                 <a:t>Find SL/SDL </a:t>
               </a:r>
               <a:r>
-                <a:rPr lang="de-DE" sz="2200" kern="1200" dirty="0" err="1">
+                <a:rPr lang="de-DE" sz="2200" kern="1200" err="1">
                   <a:latin typeface="Gill Sans MT"/>
                 </a:rPr>
                 <a:t>partner</a:t>
               </a:r>
-              <a:endParaRPr lang="de-DE" sz="2200" kern="1200" dirty="0">
+              <a:endParaRPr lang="de-DE" sz="2200" kern="1200">
                 <a:latin typeface="Gill Sans MT"/>
               </a:endParaRPr>
             </a:p>
@@ -11799,18 +18472,18 @@
                 <a:buNone/>
               </a:pPr>
               <a:r>
-                <a:rPr lang="de-DE" sz="2200" kern="1200" dirty="0">
+                <a:rPr lang="de-DE" sz="2200" kern="1200">
                   <a:latin typeface="Gill Sans MT"/>
                 </a:rPr>
                 <a:t>Mutation </a:t>
               </a:r>
               <a:r>
-                <a:rPr lang="de-DE" sz="2200" kern="1200" dirty="0" err="1">
+                <a:rPr lang="de-DE" sz="2200" kern="1200" err="1">
                   <a:latin typeface="Gill Sans MT"/>
                 </a:rPr>
                 <a:t>Prediction</a:t>
               </a:r>
-              <a:endParaRPr lang="de-DE" sz="2200" kern="1200" dirty="0">
+              <a:endParaRPr lang="de-DE" sz="2200" kern="1200">
                 <a:latin typeface="Gill Sans MT"/>
               </a:endParaRPr>
             </a:p>
@@ -11829,7 +18502,7 @@
   </p:clrMapOvr>
   <mc:AlternateContent xmlns:mc="http://schemas.openxmlformats.org/markup-compatibility/2006" xmlns:p159="http://schemas.microsoft.com/office/powerpoint/2015/09/main">
     <mc:Choice Requires="p159">
-      <p:transition xmlns:p14="http://schemas.microsoft.com/office/powerpoint/2010/main" spd="slow" p14:dur="2000">
+      <p:transition xmlns:p14="http://schemas.microsoft.com/office/powerpoint/2010/main" spd="slow" p14:dur="1250">
         <p159:morph option="byWord"/>
       </p:transition>
     </mc:Choice>
@@ -12574,198 +19247,100 @@
           <a:lstStyle/>
           <a:p>
             <a:r>
-              <a:rPr lang="en-GB" sz="2000" err="1">
+              <a:rPr lang="en-GB" sz="2000" dirty="0">
                 <a:latin typeface="Gill Sans MT"/>
                 <a:cs typeface="Calibri"/>
               </a:rPr>
-              <a:t>Filtering</a:t>
-            </a:r>
-            <a:r>
-              <a:rPr lang="en-GB" sz="2000">
-                <a:latin typeface="Gill Sans MT"/>
-                <a:cs typeface="Calibri"/>
-              </a:rPr>
-              <a:t> </a:t>
-            </a:r>
-            <a:r>
-              <a:rPr lang="en-GB" sz="2000" err="1">
-                <a:latin typeface="Gill Sans MT"/>
-                <a:cs typeface="Calibri"/>
-              </a:rPr>
-              <a:t>information</a:t>
-            </a:r>
-            <a:r>
-              <a:rPr lang="en-GB" sz="2000">
-                <a:latin typeface="Gill Sans MT"/>
-                <a:cs typeface="Calibri"/>
-              </a:rPr>
-              <a:t> </a:t>
-            </a:r>
-            <a:r>
-              <a:rPr lang="en-GB" sz="2000" err="1">
-                <a:latin typeface="Gill Sans MT"/>
-                <a:cs typeface="Calibri"/>
-              </a:rPr>
-              <a:t>concerning</a:t>
-            </a:r>
-            <a:r>
-              <a:rPr lang="en-GB" sz="2000">
-                <a:latin typeface="Gill Sans MT"/>
-                <a:cs typeface="Calibri"/>
-              </a:rPr>
-              <a:t> </a:t>
-            </a:r>
-            <a:r>
-              <a:rPr lang="en-GB" sz="2000" err="1">
-                <a:latin typeface="Gill Sans MT"/>
-                <a:cs typeface="Calibri"/>
-              </a:rPr>
-              <a:t>wanted</a:t>
-            </a:r>
-            <a:r>
-              <a:rPr lang="en-GB" sz="2000">
-                <a:latin typeface="Gill Sans MT"/>
-                <a:cs typeface="Calibri"/>
-              </a:rPr>
-              <a:t> </a:t>
-            </a:r>
-            <a:r>
-              <a:rPr lang="en-GB" sz="2000" err="1">
-                <a:latin typeface="Gill Sans MT"/>
-                <a:cs typeface="Calibri"/>
-              </a:rPr>
-              <a:t>objects</a:t>
-            </a:r>
-            <a:r>
-              <a:rPr lang="en-GB" sz="2000">
-                <a:latin typeface="Gill Sans MT"/>
-                <a:cs typeface="Calibri"/>
-              </a:rPr>
-              <a:t> (-ID, Disease, NA)</a:t>
-            </a:r>
-            <a:endParaRPr lang="en-GB">
+              <a:t>Filtering information concerning wanted objects (ID, Disease, NA)</a:t>
+            </a:r>
+            <a:endParaRPr lang="en-GB" dirty="0">
               <a:latin typeface="Gill Sans MT"/>
               <a:cs typeface="Calibri" panose="020F0502020204030204"/>
             </a:endParaRPr>
           </a:p>
           <a:p>
-            <a:endParaRPr lang="en-GB" sz="2000">
+            <a:endParaRPr lang="en-GB" sz="2000" dirty="0">
               <a:latin typeface="Gill Sans MT" panose="020B0502020104020203" pitchFamily="34" charset="0"/>
               <a:cs typeface="Calibri"/>
             </a:endParaRPr>
           </a:p>
           <a:p>
             <a:r>
-              <a:rPr lang="en-GB" sz="2000" err="1">
+              <a:rPr lang="en-GB" sz="2000" dirty="0">
                 <a:latin typeface="Gill Sans MT"/>
                 <a:cs typeface="Calibri"/>
               </a:rPr>
-              <a:t>Investigate</a:t>
-            </a:r>
-            <a:r>
-              <a:rPr lang="en-GB" sz="2000">
-                <a:latin typeface="Gill Sans MT"/>
-                <a:cs typeface="Calibri"/>
-              </a:rPr>
-              <a:t> </a:t>
-            </a:r>
-            <a:r>
-              <a:rPr lang="en-GB" sz="2000" err="1">
-                <a:latin typeface="Gill Sans MT"/>
-                <a:cs typeface="Calibri"/>
-              </a:rPr>
-              <a:t>frequencies</a:t>
-            </a:r>
-            <a:r>
-              <a:rPr lang="en-GB" sz="2000">
-                <a:latin typeface="Gill Sans MT"/>
-                <a:cs typeface="Calibri"/>
-              </a:rPr>
-              <a:t>, </a:t>
-            </a:r>
-            <a:r>
-              <a:rPr lang="en-GB" sz="2000" err="1">
-                <a:latin typeface="Gill Sans MT"/>
-                <a:cs typeface="Calibri"/>
-              </a:rPr>
-              <a:t>expression</a:t>
-            </a:r>
-            <a:r>
-              <a:rPr lang="en-GB" sz="2000">
-                <a:latin typeface="Gill Sans MT"/>
-                <a:cs typeface="Calibri"/>
-              </a:rPr>
-              <a:t> </a:t>
-            </a:r>
-            <a:r>
-              <a:rPr lang="en-GB" sz="2000" err="1">
-                <a:latin typeface="Gill Sans MT"/>
-                <a:cs typeface="Calibri"/>
-              </a:rPr>
-              <a:t>data</a:t>
-            </a:r>
-            <a:r>
-              <a:rPr lang="en-GB" sz="2000">
-                <a:latin typeface="Gill Sans MT"/>
-                <a:cs typeface="Calibri"/>
-              </a:rPr>
-              <a:t> and </a:t>
-            </a:r>
-            <a:r>
-              <a:rPr lang="en-GB" sz="2000" err="1">
-                <a:latin typeface="Gill Sans MT"/>
-                <a:cs typeface="Calibri"/>
-              </a:rPr>
-              <a:t>essentiality</a:t>
-            </a:r>
-            <a:r>
-              <a:rPr lang="en-GB" sz="2000">
-                <a:latin typeface="Gill Sans MT"/>
-                <a:cs typeface="Calibri"/>
-              </a:rPr>
-              <a:t> </a:t>
+              <a:t>Investigate frequencies, expression data and essentiality </a:t>
             </a:r>
           </a:p>
           <a:p>
-            <a:endParaRPr lang="en-GB" sz="2000">
+            <a:endParaRPr lang="en-GB" sz="2000" dirty="0">
               <a:latin typeface="Gill Sans MT" panose="020B0502020104020203" pitchFamily="34" charset="0"/>
               <a:cs typeface="Calibri"/>
             </a:endParaRPr>
           </a:p>
           <a:p>
             <a:r>
-              <a:rPr lang="en-GB" sz="2000">
+              <a:rPr lang="en-GB" sz="2000" dirty="0">
                 <a:latin typeface="Gill Sans MT"/>
                 <a:cs typeface="Calibri"/>
               </a:rPr>
-              <a:t>Plotting interessting data</a:t>
-            </a:r>
-            <a:endParaRPr lang="en-GB" sz="2000">
+              <a:t>Plotting </a:t>
+            </a:r>
+            <a:r>
+              <a:rPr lang="en-GB" sz="2000" dirty="0" err="1">
+                <a:latin typeface="Gill Sans MT"/>
+                <a:cs typeface="Calibri"/>
+              </a:rPr>
+              <a:t>interessting</a:t>
+            </a:r>
+            <a:r>
+              <a:rPr lang="en-GB" sz="2000" dirty="0">
+                <a:latin typeface="Gill Sans MT"/>
+                <a:cs typeface="Calibri"/>
+              </a:rPr>
+              <a:t> data</a:t>
+            </a:r>
+            <a:endParaRPr lang="en-GB" sz="2000" dirty="0">
               <a:latin typeface="Gill Sans MT" panose="020B0502020104020203" pitchFamily="34" charset="0"/>
               <a:cs typeface="Calibri"/>
             </a:endParaRPr>
           </a:p>
           <a:p>
-            <a:endParaRPr lang="en-GB" sz="2000">
+            <a:endParaRPr lang="en-GB" sz="2000" dirty="0">
               <a:latin typeface="Gill Sans MT"/>
               <a:cs typeface="Calibri"/>
             </a:endParaRPr>
           </a:p>
           <a:p>
             <a:r>
-              <a:rPr lang="en-GB" sz="2000">
+              <a:rPr lang="en-GB" sz="2000" dirty="0">
                 <a:latin typeface="Gill Sans MT"/>
                 <a:cs typeface="Calibri"/>
               </a:rPr>
-              <a:t>Compact data overwiev </a:t>
-            </a:r>
-            <a:endParaRPr lang="en-GB" sz="2000">
+              <a:t>Compact data </a:t>
+            </a:r>
+            <a:r>
+              <a:rPr lang="en-GB" sz="2000" dirty="0" err="1">
+                <a:latin typeface="Gill Sans MT"/>
+                <a:cs typeface="Calibri"/>
+              </a:rPr>
+              <a:t>overwiev</a:t>
+            </a:r>
+            <a:r>
+              <a:rPr lang="en-GB" sz="2000" dirty="0">
+                <a:latin typeface="Gill Sans MT"/>
+                <a:cs typeface="Calibri"/>
+              </a:rPr>
+              <a:t> </a:t>
+            </a:r>
+            <a:endParaRPr lang="en-GB" sz="2000" dirty="0">
               <a:latin typeface="Gill Sans MT" panose="020B0502020104020203" pitchFamily="34" charset="0"/>
               <a:cs typeface="Calibri"/>
             </a:endParaRPr>
           </a:p>
           <a:p>
-            <a:endParaRPr lang="en-GB">
+            <a:endParaRPr lang="en-GB" dirty="0">
               <a:latin typeface="Gill Sans MT" panose="020B0502020104020203" pitchFamily="34" charset="0"/>
               <a:cs typeface="Calibri"/>
             </a:endParaRPr>
@@ -13135,19 +19710,7 @@
                 <a:rPr lang="de-DE" sz="2200" kern="1200" dirty="0">
                   <a:latin typeface="Gill Sans MT"/>
                 </a:rPr>
-                <a:t> </a:t>
-              </a:r>
-              <a:r>
-                <a:rPr lang="de-DE" sz="2200" kern="1200" dirty="0" err="1">
-                  <a:latin typeface="Gill Sans MT"/>
-                </a:rPr>
-                <a:t>gens</a:t>
-              </a:r>
-              <a:r>
-                <a:rPr lang="de-DE" sz="2200" kern="1200" dirty="0">
-                  <a:latin typeface="Gill Sans MT"/>
-                </a:rPr>
-                <a:t> of </a:t>
+                <a:t> genes of </a:t>
               </a:r>
               <a:r>
                 <a:rPr lang="de-DE" sz="2200" kern="1200" dirty="0" err="1">
@@ -13814,8 +20377,8 @@
         </p:nvSpPr>
         <p:spPr>
           <a:xfrm>
-            <a:off x="677334" y="2160589"/>
-            <a:ext cx="4398613" cy="3880773"/>
+            <a:off x="664281" y="3342626"/>
+            <a:ext cx="4418196" cy="3177265"/>
           </a:xfrm>
         </p:spPr>
         <p:txBody>
@@ -13878,12 +20441,9 @@
               </a:rPr>
               <a:t>means</a:t>
             </a:r>
-            <a:r>
-              <a:rPr lang="de-DE" sz="2000" dirty="0">
-                <a:latin typeface="Gill Sans MT"/>
-              </a:rPr>
-              <a:t> </a:t>
-            </a:r>
+            <a:endParaRPr lang="de-DE" sz="2000" dirty="0">
+              <a:latin typeface="Gill Sans MT"/>
+            </a:endParaRPr>
           </a:p>
           <a:p>
             <a:pPr marL="0" indent="0">
@@ -13916,7 +20476,7 @@
               <a:rPr lang="de-DE" sz="2000" dirty="0">
                 <a:latin typeface="Gill Sans MT"/>
               </a:rPr>
-              <a:t> of </a:t>
+              <a:t> of </a:t>
             </a:r>
             <a:r>
               <a:rPr lang="de-DE" sz="2000" dirty="0" err="1">
@@ -13935,6 +20495,46 @@
                 <a:latin typeface="Gill Sans MT"/>
               </a:rPr>
               <a:t>mutations</a:t>
+            </a:r>
+            <a:endParaRPr lang="de-DE" sz="2000" dirty="0">
+              <a:latin typeface="Gill Sans MT"/>
+            </a:endParaRPr>
+          </a:p>
+          <a:p>
+            <a:endParaRPr lang="de-DE" sz="2000" dirty="0">
+              <a:latin typeface="Gill Sans MT"/>
+            </a:endParaRPr>
+          </a:p>
+          <a:p>
+            <a:r>
+              <a:rPr lang="de-DE" sz="2000" dirty="0" err="1">
+                <a:latin typeface="Gill Sans MT"/>
+              </a:rPr>
+              <a:t>Comparing</a:t>
+            </a:r>
+            <a:r>
+              <a:rPr lang="de-DE" sz="2000" dirty="0">
+                <a:latin typeface="Gill Sans MT"/>
+              </a:rPr>
+              <a:t> </a:t>
+            </a:r>
+            <a:r>
+              <a:rPr lang="de-DE" sz="2000" dirty="0" err="1">
+                <a:latin typeface="Gill Sans MT"/>
+              </a:rPr>
+              <a:t>GoI</a:t>
+            </a:r>
+            <a:r>
+              <a:rPr lang="de-DE" sz="2000" dirty="0">
+                <a:latin typeface="Gill Sans MT"/>
+              </a:rPr>
+              <a:t> with </a:t>
+            </a:r>
+            <a:r>
+              <a:rPr lang="de-DE" sz="2000" dirty="0" err="1">
+                <a:latin typeface="Gill Sans MT"/>
+              </a:rPr>
+              <a:t>literature</a:t>
             </a:r>
             <a:r>
               <a:rPr lang="de-DE" sz="2000" dirty="0">
@@ -14028,7 +20628,7 @@
             <a:p>
               <a:pPr algn="l"/>
               <a:r>
-                <a:rPr lang="de-DE" sz="1600" dirty="0">
+                <a:rPr lang="de-DE" sz="1600">
                   <a:latin typeface="Gill Sans MT"/>
                 </a:rPr>
                 <a:t>CNA</a:t>
@@ -14069,7 +20669,7 @@
             <a:p>
               <a:pPr algn="l"/>
               <a:r>
-                <a:rPr lang="de-DE" sz="1600" dirty="0">
+                <a:rPr lang="de-DE" sz="1600">
                   <a:latin typeface="Gill Sans MT"/>
                 </a:rPr>
                 <a:t>Expression</a:t>
@@ -14300,42 +20900,42 @@
                 <a:buNone/>
               </a:pPr>
               <a:r>
-                <a:rPr lang="de-DE" sz="2200" kern="1200" dirty="0">
+                <a:rPr lang="de-DE" sz="2200" kern="1200">
                   <a:latin typeface="Gill Sans MT"/>
                 </a:rPr>
                 <a:t>Data </a:t>
               </a:r>
               <a:r>
-                <a:rPr lang="de-DE" sz="2200" kern="1200" dirty="0" err="1">
+                <a:rPr lang="de-DE" sz="2200" kern="1200" err="1">
                   <a:latin typeface="Gill Sans MT"/>
                 </a:rPr>
                 <a:t>Cleanup</a:t>
               </a:r>
               <a:r>
-                <a:rPr lang="de-DE" sz="2200" kern="1200" dirty="0">
+                <a:rPr lang="de-DE" sz="2200" kern="1200">
                   <a:latin typeface="Gill Sans MT"/>
                 </a:rPr>
                 <a:t> &amp; </a:t>
               </a:r>
               <a:r>
-                <a:rPr lang="de-DE" sz="2200" kern="1200" dirty="0" err="1">
+                <a:rPr lang="de-DE" sz="2200" kern="1200" err="1">
                   <a:latin typeface="Gill Sans MT"/>
                 </a:rPr>
                 <a:t>Descriptive</a:t>
               </a:r>
               <a:r>
-                <a:rPr lang="de-DE" sz="2200" kern="1200" dirty="0">
+                <a:rPr lang="de-DE" sz="2200" kern="1200">
                   <a:latin typeface="Gill Sans MT"/>
                 </a:rPr>
                 <a:t> </a:t>
               </a:r>
               <a:r>
-                <a:rPr lang="de-DE" sz="2200" kern="1200" dirty="0" err="1">
+                <a:rPr lang="de-DE" sz="2200" kern="1200" err="1">
                   <a:latin typeface="Gill Sans MT"/>
                 </a:rPr>
                 <a:t>Statistics</a:t>
               </a:r>
-              <a:endParaRPr lang="de-DE" sz="2200" kern="1200" dirty="0">
+              <a:endParaRPr lang="de-DE" sz="2200" kern="1200">
                 <a:latin typeface="Gill Sans MT"/>
               </a:endParaRPr>
             </a:p>
@@ -14469,36 +21069,24 @@
                 <a:buNone/>
               </a:pPr>
               <a:r>
-                <a:rPr lang="de-DE" sz="2200" kern="1200" dirty="0" err="1">
+                <a:rPr lang="de-DE" sz="2200" kern="1200" err="1">
                   <a:latin typeface="Gill Sans MT"/>
                 </a:rPr>
                 <a:t>Identify</a:t>
               </a:r>
               <a:r>
-                <a:rPr lang="de-DE" sz="2200" kern="1200" dirty="0">
+                <a:rPr lang="de-DE" sz="2200" kern="1200">
                   <a:latin typeface="Gill Sans MT"/>
                 </a:rPr>
-                <a:t> </a:t>
+                <a:t> genes of </a:t>
               </a:r>
               <a:r>
-                <a:rPr lang="de-DE" sz="2200" kern="1200" dirty="0" err="1">
-                  <a:latin typeface="Gill Sans MT"/>
-                </a:rPr>
-                <a:t>gens</a:t>
-              </a:r>
-              <a:r>
-                <a:rPr lang="de-DE" sz="2200" kern="1200" dirty="0">
-                  <a:latin typeface="Gill Sans MT"/>
-                </a:rPr>
-                <a:t> of </a:t>
-              </a:r>
-              <a:r>
-                <a:rPr lang="de-DE" sz="2200" kern="1200" dirty="0" err="1">
+                <a:rPr lang="de-DE" sz="2200" kern="1200" err="1">
                   <a:latin typeface="Gill Sans MT"/>
                 </a:rPr>
                 <a:t>interest</a:t>
               </a:r>
-              <a:endParaRPr lang="de-DE" sz="2200" kern="1200" dirty="0">
+              <a:endParaRPr lang="de-DE" sz="2200" kern="1200">
                 <a:latin typeface="Gill Sans MT" panose="020B0502020104020203" pitchFamily="34" charset="0"/>
               </a:endParaRPr>
             </a:p>
@@ -14639,18 +21227,18 @@
                 <a:buNone/>
               </a:pPr>
               <a:r>
-                <a:rPr lang="de-DE" sz="2200" kern="1200" dirty="0">
+                <a:rPr lang="de-DE" sz="2200" kern="1200">
                   <a:latin typeface="Gill Sans MT"/>
                 </a:rPr>
                 <a:t>Find SL/SDL </a:t>
               </a:r>
               <a:r>
-                <a:rPr lang="de-DE" sz="2200" kern="1200" dirty="0" err="1">
+                <a:rPr lang="de-DE" sz="2200" kern="1200" err="1">
                   <a:latin typeface="Gill Sans MT"/>
                 </a:rPr>
                 <a:t>partner</a:t>
               </a:r>
-              <a:endParaRPr lang="de-DE" sz="2200" kern="1200" dirty="0">
+              <a:endParaRPr lang="de-DE" sz="2200" kern="1200">
                 <a:latin typeface="Gill Sans MT"/>
               </a:endParaRPr>
             </a:p>
@@ -14791,24 +21379,358 @@
                 <a:buNone/>
               </a:pPr>
               <a:r>
-                <a:rPr lang="de-DE" sz="2200" kern="1200" dirty="0">
+                <a:rPr lang="de-DE" sz="2200" kern="1200">
                   <a:latin typeface="Gill Sans MT"/>
                 </a:rPr>
                 <a:t>Mutation </a:t>
               </a:r>
               <a:r>
-                <a:rPr lang="de-DE" sz="2200" kern="1200" dirty="0" err="1">
+                <a:rPr lang="de-DE" sz="2200" kern="1200" err="1">
                   <a:latin typeface="Gill Sans MT"/>
                 </a:rPr>
                 <a:t>Prediction</a:t>
               </a:r>
-              <a:endParaRPr lang="de-DE" sz="2200" kern="1200" dirty="0">
+              <a:endParaRPr lang="de-DE" sz="2200" kern="1200">
                 <a:latin typeface="Gill Sans MT"/>
               </a:endParaRPr>
             </a:p>
           </p:txBody>
         </p:sp>
       </p:grpSp>
+      <p:sp>
+        <p:nvSpPr>
+          <p:cNvPr id="2" name="Textfeld 1">
+            <a:extLst>
+              <a:ext uri="{FF2B5EF4-FFF2-40B4-BE49-F238E27FC236}">
+                <a16:creationId xmlns:a16="http://schemas.microsoft.com/office/drawing/2014/main" id="{DFE74C15-1D99-4C8D-B6EC-50127701BE63}"/>
+              </a:ext>
+            </a:extLst>
+          </p:cNvPr>
+          <p:cNvSpPr txBox="1"/>
+          <p:nvPr/>
+        </p:nvSpPr>
+        <p:spPr>
+          <a:xfrm>
+            <a:off x="600223" y="1983250"/>
+            <a:ext cx="4548214" cy="1308590"/>
+          </a:xfrm>
+          <a:prstGeom prst="rect">
+            <a:avLst/>
+          </a:prstGeom>
+        </p:spPr>
+        <p:txBody>
+          <a:bodyPr vert="horz" lIns="91440" tIns="45720" rIns="91440" bIns="45720" rtlCol="0" anchor="t">
+            <a:normAutofit lnSpcReduction="10000"/>
+          </a:bodyPr>
+          <a:lstStyle>
+            <a:lvl1pPr algn="ctr">
+              <a:spcBef>
+                <a:spcPct val="0"/>
+              </a:spcBef>
+              <a:buNone/>
+              <a:defRPr sz="3600">
+                <a:solidFill>
+                  <a:srgbClr val="1EA4D9"/>
+                </a:solidFill>
+                <a:latin typeface="Gill Sans MT"/>
+                <a:ea typeface="+mj-ea"/>
+                <a:cs typeface="+mj-cs"/>
+              </a:defRPr>
+            </a:lvl1pPr>
+            <a:lvl2pPr>
+              <a:defRPr>
+                <a:solidFill>
+                  <a:schemeClr val="tx2"/>
+                </a:solidFill>
+              </a:defRPr>
+            </a:lvl2pPr>
+            <a:lvl3pPr>
+              <a:defRPr>
+                <a:solidFill>
+                  <a:schemeClr val="tx2"/>
+                </a:solidFill>
+              </a:defRPr>
+            </a:lvl3pPr>
+            <a:lvl4pPr>
+              <a:defRPr>
+                <a:solidFill>
+                  <a:schemeClr val="tx2"/>
+                </a:solidFill>
+              </a:defRPr>
+            </a:lvl4pPr>
+            <a:lvl5pPr>
+              <a:defRPr>
+                <a:solidFill>
+                  <a:schemeClr val="tx2"/>
+                </a:solidFill>
+              </a:defRPr>
+            </a:lvl5pPr>
+            <a:lvl6pPr>
+              <a:defRPr>
+                <a:solidFill>
+                  <a:schemeClr val="tx2"/>
+                </a:solidFill>
+              </a:defRPr>
+            </a:lvl6pPr>
+            <a:lvl7pPr>
+              <a:defRPr>
+                <a:solidFill>
+                  <a:schemeClr val="tx2"/>
+                </a:solidFill>
+              </a:defRPr>
+            </a:lvl7pPr>
+            <a:lvl8pPr>
+              <a:defRPr>
+                <a:solidFill>
+                  <a:schemeClr val="tx2"/>
+                </a:solidFill>
+              </a:defRPr>
+            </a:lvl8pPr>
+            <a:lvl9pPr>
+              <a:defRPr>
+                <a:solidFill>
+                  <a:schemeClr val="tx2"/>
+                </a:solidFill>
+              </a:defRPr>
+            </a:lvl9pPr>
+          </a:lstStyle>
+          <a:p>
+            <a:pPr algn="just"/>
+            <a:r>
+              <a:rPr lang="de-DE" sz="2000">
+                <a:solidFill>
+                  <a:srgbClr val="5FCBEF"/>
+                </a:solidFill>
+              </a:rPr>
+              <a:t>Can </a:t>
+            </a:r>
+            <a:r>
+              <a:rPr lang="de-DE" sz="2000" err="1">
+                <a:solidFill>
+                  <a:srgbClr val="5FCBEF"/>
+                </a:solidFill>
+              </a:rPr>
+              <a:t>we</a:t>
+            </a:r>
+            <a:r>
+              <a:rPr lang="de-DE" sz="2000">
+                <a:solidFill>
+                  <a:srgbClr val="5FCBEF"/>
+                </a:solidFill>
+              </a:rPr>
+              <a:t> </a:t>
+            </a:r>
+            <a:r>
+              <a:rPr lang="de-DE" sz="2000" err="1">
+                <a:solidFill>
+                  <a:srgbClr val="5FCBEF"/>
+                </a:solidFill>
+              </a:rPr>
+              <a:t>describe</a:t>
+            </a:r>
+            <a:r>
+              <a:rPr lang="de-DE" sz="2000">
+                <a:solidFill>
+                  <a:srgbClr val="5FCBEF"/>
+                </a:solidFill>
+              </a:rPr>
+              <a:t> </a:t>
+            </a:r>
+            <a:r>
+              <a:rPr lang="de-DE" sz="2000" err="1">
+                <a:solidFill>
+                  <a:srgbClr val="5FCBEF"/>
+                </a:solidFill>
+              </a:rPr>
+              <a:t>highly</a:t>
+            </a:r>
+            <a:r>
+              <a:rPr lang="de-DE" sz="2000">
+                <a:solidFill>
+                  <a:srgbClr val="5FCBEF"/>
+                </a:solidFill>
+              </a:rPr>
+              <a:t> </a:t>
+            </a:r>
+            <a:r>
+              <a:rPr lang="de-DE" sz="2000" err="1">
+                <a:solidFill>
+                  <a:srgbClr val="5FCBEF"/>
+                </a:solidFill>
+              </a:rPr>
+              <a:t>correlating</a:t>
+            </a:r>
+            <a:r>
+              <a:rPr lang="de-DE" sz="2000">
+                <a:solidFill>
+                  <a:srgbClr val="5FCBEF"/>
+                </a:solidFill>
+              </a:rPr>
+              <a:t> </a:t>
+            </a:r>
+            <a:r>
+              <a:rPr lang="de-DE" sz="2000" err="1">
+                <a:solidFill>
+                  <a:srgbClr val="5FCBEF"/>
+                </a:solidFill>
+              </a:rPr>
+              <a:t>groups</a:t>
+            </a:r>
+            <a:r>
+              <a:rPr lang="de-DE" sz="2000">
+                <a:solidFill>
+                  <a:srgbClr val="5FCBEF"/>
+                </a:solidFill>
+              </a:rPr>
+              <a:t> </a:t>
+            </a:r>
+            <a:r>
+              <a:rPr lang="de-DE" sz="2000" err="1">
+                <a:solidFill>
+                  <a:srgbClr val="5FCBEF"/>
+                </a:solidFill>
+              </a:rPr>
+              <a:t>bewteen</a:t>
+            </a:r>
+            <a:r>
+              <a:rPr lang="de-DE" sz="2000">
+                <a:solidFill>
+                  <a:srgbClr val="5FCBEF"/>
+                </a:solidFill>
+              </a:rPr>
+              <a:t> CNA and </a:t>
+            </a:r>
+            <a:r>
+              <a:rPr lang="de-DE" sz="2000" err="1">
+                <a:solidFill>
+                  <a:srgbClr val="5FCBEF"/>
+                </a:solidFill>
+              </a:rPr>
+              <a:t>expression</a:t>
+            </a:r>
+            <a:r>
+              <a:rPr lang="de-DE" sz="2000">
+                <a:solidFill>
+                  <a:srgbClr val="5FCBEF"/>
+                </a:solidFill>
+              </a:rPr>
+              <a:t> </a:t>
+            </a:r>
+            <a:r>
+              <a:rPr lang="de-DE" sz="2000" err="1">
+                <a:solidFill>
+                  <a:srgbClr val="5FCBEF"/>
+                </a:solidFill>
+              </a:rPr>
+              <a:t>values</a:t>
+            </a:r>
+            <a:r>
+              <a:rPr lang="de-DE" sz="2000">
+                <a:solidFill>
+                  <a:srgbClr val="5FCBEF"/>
+                </a:solidFill>
+              </a:rPr>
+              <a:t> </a:t>
+            </a:r>
+            <a:r>
+              <a:rPr lang="de-DE" sz="2000" err="1">
+                <a:solidFill>
+                  <a:srgbClr val="5FCBEF"/>
+                </a:solidFill>
+              </a:rPr>
+              <a:t>using</a:t>
+            </a:r>
+            <a:r>
+              <a:rPr lang="de-DE" sz="2000">
+                <a:solidFill>
+                  <a:srgbClr val="5FCBEF"/>
+                </a:solidFill>
+              </a:rPr>
+              <a:t> a k-</a:t>
+            </a:r>
+            <a:r>
+              <a:rPr lang="de-DE" sz="2000" err="1">
+                <a:solidFill>
+                  <a:srgbClr val="5FCBEF"/>
+                </a:solidFill>
+              </a:rPr>
+              <a:t>means</a:t>
+            </a:r>
+            <a:r>
+              <a:rPr lang="de-DE" sz="2000">
+                <a:solidFill>
+                  <a:srgbClr val="5FCBEF"/>
+                </a:solidFill>
+              </a:rPr>
+              <a:t> </a:t>
+            </a:r>
+            <a:r>
+              <a:rPr lang="de-DE" sz="2000" err="1">
+                <a:solidFill>
+                  <a:srgbClr val="5FCBEF"/>
+                </a:solidFill>
+              </a:rPr>
+              <a:t>cluster</a:t>
+            </a:r>
+            <a:r>
+              <a:rPr lang="de-DE" sz="2000">
+                <a:solidFill>
+                  <a:srgbClr val="5FCBEF"/>
+                </a:solidFill>
+              </a:rPr>
+              <a:t> to </a:t>
+            </a:r>
+            <a:r>
+              <a:rPr lang="de-DE" sz="2000" err="1">
+                <a:solidFill>
+                  <a:srgbClr val="5FCBEF"/>
+                </a:solidFill>
+              </a:rPr>
+              <a:t>identify</a:t>
+            </a:r>
+            <a:r>
+              <a:rPr lang="de-DE" sz="2000">
+                <a:solidFill>
+                  <a:srgbClr val="5FCBEF"/>
+                </a:solidFill>
+              </a:rPr>
+              <a:t> </a:t>
+            </a:r>
+            <a:r>
+              <a:rPr lang="de-DE" sz="2000" err="1">
+                <a:solidFill>
+                  <a:srgbClr val="5FCBEF"/>
+                </a:solidFill>
+              </a:rPr>
+              <a:t>our</a:t>
+            </a:r>
+            <a:r>
+              <a:rPr lang="de-DE" sz="2000">
+                <a:solidFill>
+                  <a:srgbClr val="5FCBEF"/>
+                </a:solidFill>
+              </a:rPr>
+              <a:t> genes of </a:t>
+            </a:r>
+            <a:r>
+              <a:rPr lang="de-DE" sz="2000" err="1">
+                <a:solidFill>
+                  <a:srgbClr val="5FCBEF"/>
+                </a:solidFill>
+              </a:rPr>
+              <a:t>interest</a:t>
+            </a:r>
+            <a:r>
+              <a:rPr lang="de-DE" sz="2000">
+                <a:solidFill>
+                  <a:srgbClr val="5FCBEF"/>
+                </a:solidFill>
+              </a:rPr>
+              <a:t>?</a:t>
+            </a:r>
+          </a:p>
+        </p:txBody>
+      </p:sp>
     </p:spTree>
     <p:extLst>
       <p:ext uri="{BB962C8B-B14F-4D97-AF65-F5344CB8AC3E}">
@@ -14968,6 +21890,55 @@
                       </p:childTnLst>
                     </p:cTn>
                   </p:par>
+                  <p:par>
+                    <p:cTn id="13" fill="hold">
+                      <p:stCondLst>
+                        <p:cond delay="indefinite"/>
+                      </p:stCondLst>
+                      <p:childTnLst>
+                        <p:par>
+                          <p:cTn id="14" fill="hold">
+                            <p:stCondLst>
+                              <p:cond delay="0"/>
+                            </p:stCondLst>
+                            <p:childTnLst>
+                              <p:par>
+                                <p:cTn id="15" presetID="1" presetClass="entr" presetSubtype="0" fill="hold" nodeType="clickEffect">
+                                  <p:stCondLst>
+                                    <p:cond delay="0"/>
+                                  </p:stCondLst>
+                                  <p:childTnLst>
+                                    <p:set>
+                                      <p:cBhvr>
+                                        <p:cTn id="16" dur="1" fill="hold">
+                                          <p:stCondLst>
+                                            <p:cond delay="0"/>
+                                          </p:stCondLst>
+                                        </p:cTn>
+                                        <p:tgtEl>
+                                          <p:spTgt spid="6">
+                                            <p:txEl>
+                                              <p:pRg st="5" end="5"/>
+                                            </p:txEl>
+                                          </p:spTgt>
+                                        </p:tgtEl>
+                                        <p:attrNameLst>
+                                          <p:attrName>style.visibility</p:attrName>
+                                        </p:attrNameLst>
+                                      </p:cBhvr>
+                                      <p:to>
+                                        <p:strVal val="visible"/>
+                                      </p:to>
+                                    </p:set>
+                                  </p:childTnLst>
+                                </p:cTn>
+                              </p:par>
+                            </p:childTnLst>
+                          </p:cTn>
+                        </p:par>
+                      </p:childTnLst>
+                    </p:cTn>
+                  </p:par>
                 </p:childTnLst>
               </p:cTn>
               <p:prevCondLst>
@@ -15040,30 +22011,38 @@
             <p:ph idx="1"/>
           </p:nvPr>
         </p:nvSpPr>
-        <p:spPr/>
+        <p:spPr>
+          <a:xfrm>
+            <a:off x="720388" y="2766297"/>
+            <a:ext cx="10651408" cy="3137413"/>
+          </a:xfrm>
+        </p:spPr>
         <p:txBody>
           <a:bodyPr vert="horz" lIns="91440" tIns="45720" rIns="91440" bIns="45720" rtlCol="0" anchor="t">
-            <a:normAutofit/>
+            <a:noAutofit/>
           </a:bodyPr>
           <a:lstStyle/>
           <a:p>
             <a:pPr marL="285750" indent="-285750"/>
             <a:r>
-              <a:rPr lang="de-DE" dirty="0">
+              <a:rPr lang="de-DE" sz="2000" dirty="0">
+                <a:latin typeface="Gill Sans MT" panose="020B0502020104020203" pitchFamily="34" charset="0"/>
                 <a:ea typeface="+mn-lt"/>
                 <a:cs typeface="+mn-lt"/>
               </a:rPr>
               <a:t>Survival of </a:t>
             </a:r>
             <a:r>
-              <a:rPr lang="de-DE" dirty="0" err="1">
+              <a:rPr lang="de-DE" sz="2000" dirty="0" err="1">
+                <a:latin typeface="Gill Sans MT" panose="020B0502020104020203" pitchFamily="34" charset="0"/>
                 <a:ea typeface="+mn-lt"/>
                 <a:cs typeface="+mn-lt"/>
               </a:rPr>
               <a:t>the</a:t>
             </a:r>
             <a:r>
-              <a:rPr lang="de-DE" dirty="0">
+              <a:rPr lang="de-DE" sz="2000" dirty="0">
+                <a:latin typeface="Gill Sans MT" panose="020B0502020104020203" pitchFamily="34" charset="0"/>
                 <a:ea typeface="+mn-lt"/>
                 <a:cs typeface="+mn-lt"/>
               </a:rPr>
@@ -15073,118 +22052,135 @@
           <a:p>
             <a:pPr marL="685800" lvl="1"/>
             <a:r>
-              <a:rPr lang="de-DE" dirty="0">
+              <a:rPr lang="de-DE" sz="2000" dirty="0">
+                <a:latin typeface="Gill Sans MT" panose="020B0502020104020203" pitchFamily="34" charset="0"/>
                 <a:ea typeface="+mn-lt"/>
                 <a:cs typeface="+mn-lt"/>
               </a:rPr>
               <a:t>H0: </a:t>
             </a:r>
             <a:r>
-              <a:rPr lang="de-DE" dirty="0" err="1">
+              <a:rPr lang="de-DE" sz="2000" dirty="0" err="1">
+                <a:latin typeface="Gill Sans MT" panose="020B0502020104020203" pitchFamily="34" charset="0"/>
                 <a:ea typeface="+mn-lt"/>
                 <a:cs typeface="+mn-lt"/>
               </a:rPr>
               <a:t>no</a:t>
             </a:r>
             <a:r>
-              <a:rPr lang="de-DE" dirty="0">
+              <a:rPr lang="de-DE" sz="2000" dirty="0">
+                <a:latin typeface="Gill Sans MT" panose="020B0502020104020203" pitchFamily="34" charset="0"/>
                 <a:ea typeface="+mn-lt"/>
                 <a:cs typeface="+mn-lt"/>
               </a:rPr>
               <a:t> </a:t>
             </a:r>
             <a:r>
-              <a:rPr lang="de-DE" dirty="0" err="1">
+              <a:rPr lang="de-DE" sz="2000" dirty="0" err="1">
+                <a:latin typeface="Gill Sans MT" panose="020B0502020104020203" pitchFamily="34" charset="0"/>
                 <a:ea typeface="+mn-lt"/>
                 <a:cs typeface="+mn-lt"/>
               </a:rPr>
               <a:t>significant</a:t>
             </a:r>
             <a:r>
-              <a:rPr lang="de-DE" dirty="0">
+              <a:rPr lang="de-DE" sz="2000" dirty="0">
+                <a:latin typeface="Gill Sans MT" panose="020B0502020104020203" pitchFamily="34" charset="0"/>
                 <a:ea typeface="+mn-lt"/>
                 <a:cs typeface="+mn-lt"/>
               </a:rPr>
               <a:t> CNA </a:t>
             </a:r>
             <a:r>
-              <a:rPr lang="de-DE" dirty="0" err="1">
+              <a:rPr lang="de-DE" sz="2000" dirty="0" err="1">
+                <a:latin typeface="Gill Sans MT" panose="020B0502020104020203" pitchFamily="34" charset="0"/>
                 <a:ea typeface="+mn-lt"/>
                 <a:cs typeface="+mn-lt"/>
               </a:rPr>
               <a:t>level</a:t>
             </a:r>
             <a:r>
-              <a:rPr lang="de-DE" dirty="0">
+              <a:rPr lang="de-DE" sz="2000" dirty="0">
+                <a:latin typeface="Gill Sans MT" panose="020B0502020104020203" pitchFamily="34" charset="0"/>
                 <a:ea typeface="+mn-lt"/>
                 <a:cs typeface="+mn-lt"/>
               </a:rPr>
               <a:t> </a:t>
             </a:r>
             <a:r>
-              <a:rPr lang="de-DE" dirty="0" err="1">
+              <a:rPr lang="de-DE" sz="2000" dirty="0" err="1">
+                <a:latin typeface="Gill Sans MT" panose="020B0502020104020203" pitchFamily="34" charset="0"/>
                 <a:ea typeface="+mn-lt"/>
                 <a:cs typeface="+mn-lt"/>
               </a:rPr>
               <a:t>difference</a:t>
             </a:r>
             <a:r>
-              <a:rPr lang="de-DE" dirty="0">
+              <a:rPr lang="de-DE" sz="2000" dirty="0">
+                <a:latin typeface="Gill Sans MT" panose="020B0502020104020203" pitchFamily="34" charset="0"/>
                 <a:ea typeface="+mn-lt"/>
                 <a:cs typeface="+mn-lt"/>
               </a:rPr>
               <a:t> of </a:t>
             </a:r>
             <a:r>
-              <a:rPr lang="de-DE" dirty="0" err="1">
+              <a:rPr lang="de-DE" sz="2000" dirty="0" err="1">
+                <a:latin typeface="Gill Sans MT" panose="020B0502020104020203" pitchFamily="34" charset="0"/>
                 <a:ea typeface="+mn-lt"/>
                 <a:cs typeface="+mn-lt"/>
               </a:rPr>
               <a:t>gene</a:t>
             </a:r>
             <a:r>
-              <a:rPr lang="de-DE" dirty="0">
+              <a:rPr lang="de-DE" sz="2000" dirty="0">
+                <a:latin typeface="Gill Sans MT" panose="020B0502020104020203" pitchFamily="34" charset="0"/>
                 <a:ea typeface="+mn-lt"/>
                 <a:cs typeface="+mn-lt"/>
               </a:rPr>
               <a:t> B while gen A </a:t>
             </a:r>
             <a:r>
-              <a:rPr lang="de-DE" dirty="0" err="1">
+              <a:rPr lang="de-DE" sz="2000" dirty="0" err="1">
+                <a:latin typeface="Gill Sans MT" panose="020B0502020104020203" pitchFamily="34" charset="0"/>
                 <a:ea typeface="+mn-lt"/>
                 <a:cs typeface="+mn-lt"/>
               </a:rPr>
               <a:t>is</a:t>
             </a:r>
             <a:r>
-              <a:rPr lang="de-DE" dirty="0">
+              <a:rPr lang="de-DE" sz="2000" dirty="0">
+                <a:latin typeface="Gill Sans MT" panose="020B0502020104020203" pitchFamily="34" charset="0"/>
                 <a:ea typeface="+mn-lt"/>
                 <a:cs typeface="+mn-lt"/>
               </a:rPr>
               <a:t> </a:t>
             </a:r>
             <a:r>
-              <a:rPr lang="de-DE" dirty="0" err="1">
+              <a:rPr lang="de-DE" sz="2000" dirty="0" err="1">
+                <a:latin typeface="Gill Sans MT" panose="020B0502020104020203" pitchFamily="34" charset="0"/>
                 <a:ea typeface="+mn-lt"/>
                 <a:cs typeface="+mn-lt"/>
               </a:rPr>
               <a:t>inactive</a:t>
             </a:r>
             <a:r>
-              <a:rPr lang="de-DE" dirty="0">
+              <a:rPr lang="de-DE" sz="2000" dirty="0">
+                <a:latin typeface="Gill Sans MT" panose="020B0502020104020203" pitchFamily="34" charset="0"/>
                 <a:ea typeface="+mn-lt"/>
                 <a:cs typeface="+mn-lt"/>
               </a:rPr>
               <a:t>/</a:t>
             </a:r>
             <a:r>
-              <a:rPr lang="de-DE" dirty="0" err="1">
+              <a:rPr lang="de-DE" sz="2000" dirty="0" err="1">
+                <a:latin typeface="Gill Sans MT" panose="020B0502020104020203" pitchFamily="34" charset="0"/>
                 <a:ea typeface="+mn-lt"/>
                 <a:cs typeface="+mn-lt"/>
               </a:rPr>
               <a:t>overactive</a:t>
             </a:r>
-            <a:endParaRPr lang="de-DE" dirty="0">
+            <a:endParaRPr lang="de-DE" sz="2000" dirty="0">
+              <a:latin typeface="Gill Sans MT" panose="020B0502020104020203" pitchFamily="34" charset="0"/>
               <a:ea typeface="+mn-lt"/>
               <a:cs typeface="+mn-lt"/>
             </a:endParaRPr>
@@ -15193,7 +22189,8 @@
             <a:pPr marL="400050" lvl="1" indent="0">
               <a:buNone/>
             </a:pPr>
-            <a:endParaRPr lang="de-DE" dirty="0">
+            <a:endParaRPr lang="de-DE" sz="2000" dirty="0">
+              <a:latin typeface="Gill Sans MT" panose="020B0502020104020203" pitchFamily="34" charset="0"/>
               <a:ea typeface="+mn-lt"/>
               <a:cs typeface="+mn-lt"/>
             </a:endParaRPr>
@@ -15201,27 +22198,31 @@
           <a:p>
             <a:pPr marL="285750" indent="-285750"/>
             <a:r>
-              <a:rPr lang="de-DE" dirty="0" err="1">
+              <a:rPr lang="de-DE" sz="2000" dirty="0" err="1">
+                <a:latin typeface="Gill Sans MT" panose="020B0502020104020203" pitchFamily="34" charset="0"/>
                 <a:ea typeface="+mn-lt"/>
                 <a:cs typeface="+mn-lt"/>
               </a:rPr>
               <a:t>Functional</a:t>
             </a:r>
             <a:r>
-              <a:rPr lang="de-DE" dirty="0">
+              <a:rPr lang="de-DE" sz="2000" dirty="0">
+                <a:latin typeface="Gill Sans MT" panose="020B0502020104020203" pitchFamily="34" charset="0"/>
                 <a:ea typeface="+mn-lt"/>
                 <a:cs typeface="+mn-lt"/>
               </a:rPr>
               <a:t> </a:t>
             </a:r>
             <a:r>
-              <a:rPr lang="de-DE" dirty="0" err="1">
+              <a:rPr lang="de-DE" sz="2000" dirty="0" err="1">
+                <a:latin typeface="Gill Sans MT" panose="020B0502020104020203" pitchFamily="34" charset="0"/>
                 <a:ea typeface="+mn-lt"/>
                 <a:cs typeface="+mn-lt"/>
               </a:rPr>
               <a:t>examination</a:t>
             </a:r>
-            <a:endParaRPr lang="de-DE" dirty="0">
+            <a:endParaRPr lang="de-DE" sz="2000" dirty="0">
+              <a:latin typeface="Gill Sans MT" panose="020B0502020104020203" pitchFamily="34" charset="0"/>
               <a:ea typeface="+mn-lt"/>
               <a:cs typeface="+mn-lt"/>
             </a:endParaRPr>
@@ -15229,132 +22230,151 @@
           <a:p>
             <a:pPr marL="685800" lvl="1"/>
             <a:r>
-              <a:rPr lang="de-DE" dirty="0">
+              <a:rPr lang="de-DE" sz="2000" dirty="0">
+                <a:latin typeface="Gill Sans MT" panose="020B0502020104020203" pitchFamily="34" charset="0"/>
                 <a:ea typeface="+mn-lt"/>
                 <a:cs typeface="+mn-lt"/>
               </a:rPr>
               <a:t>H0: </a:t>
             </a:r>
             <a:r>
-              <a:rPr lang="de-DE" dirty="0" err="1">
+              <a:rPr lang="de-DE" sz="2000" dirty="0" err="1">
+                <a:latin typeface="Gill Sans MT" panose="020B0502020104020203" pitchFamily="34" charset="0"/>
                 <a:ea typeface="+mn-lt"/>
                 <a:cs typeface="+mn-lt"/>
               </a:rPr>
               <a:t>no</a:t>
             </a:r>
             <a:r>
-              <a:rPr lang="de-DE" dirty="0">
+              <a:rPr lang="de-DE" sz="2000" dirty="0">
+                <a:latin typeface="Gill Sans MT" panose="020B0502020104020203" pitchFamily="34" charset="0"/>
                 <a:ea typeface="+mn-lt"/>
                 <a:cs typeface="+mn-lt"/>
               </a:rPr>
               <a:t> </a:t>
             </a:r>
             <a:r>
-              <a:rPr lang="de-DE" dirty="0" err="1">
+              <a:rPr lang="de-DE" sz="2000" dirty="0" err="1">
+                <a:latin typeface="Gill Sans MT" panose="020B0502020104020203" pitchFamily="34" charset="0"/>
                 <a:ea typeface="+mn-lt"/>
                 <a:cs typeface="+mn-lt"/>
               </a:rPr>
               <a:t>significant</a:t>
             </a:r>
             <a:r>
-              <a:rPr lang="de-DE" dirty="0">
+              <a:rPr lang="de-DE" sz="2000" dirty="0">
+                <a:latin typeface="Gill Sans MT" panose="020B0502020104020203" pitchFamily="34" charset="0"/>
                 <a:ea typeface="+mn-lt"/>
                 <a:cs typeface="+mn-lt"/>
               </a:rPr>
               <a:t> </a:t>
             </a:r>
             <a:r>
-              <a:rPr lang="de-DE" dirty="0" err="1">
+              <a:rPr lang="de-DE" sz="2000" dirty="0" err="1">
+                <a:latin typeface="Gill Sans MT" panose="020B0502020104020203" pitchFamily="34" charset="0"/>
                 <a:ea typeface="+mn-lt"/>
                 <a:cs typeface="+mn-lt"/>
               </a:rPr>
               <a:t>difference</a:t>
             </a:r>
             <a:r>
-              <a:rPr lang="de-DE" dirty="0">
+              <a:rPr lang="de-DE" sz="2000" dirty="0">
+                <a:latin typeface="Gill Sans MT" panose="020B0502020104020203" pitchFamily="34" charset="0"/>
                 <a:ea typeface="+mn-lt"/>
                 <a:cs typeface="+mn-lt"/>
               </a:rPr>
               <a:t> in knockdown </a:t>
             </a:r>
             <a:r>
-              <a:rPr lang="de-DE" dirty="0" err="1">
+              <a:rPr lang="de-DE" sz="2000" dirty="0" err="1">
+                <a:latin typeface="Gill Sans MT" panose="020B0502020104020203" pitchFamily="34" charset="0"/>
                 <a:ea typeface="+mn-lt"/>
                 <a:cs typeface="+mn-lt"/>
               </a:rPr>
               <a:t>levels</a:t>
             </a:r>
             <a:r>
-              <a:rPr lang="de-DE" dirty="0">
+              <a:rPr lang="de-DE" sz="2000" dirty="0">
+                <a:latin typeface="Gill Sans MT" panose="020B0502020104020203" pitchFamily="34" charset="0"/>
                 <a:ea typeface="+mn-lt"/>
                 <a:cs typeface="+mn-lt"/>
               </a:rPr>
               <a:t> of </a:t>
             </a:r>
             <a:r>
-              <a:rPr lang="de-DE" dirty="0" err="1">
+              <a:rPr lang="de-DE" sz="2000" dirty="0" err="1">
+                <a:latin typeface="Gill Sans MT" panose="020B0502020104020203" pitchFamily="34" charset="0"/>
                 <a:ea typeface="+mn-lt"/>
                 <a:cs typeface="+mn-lt"/>
               </a:rPr>
               <a:t>gene</a:t>
             </a:r>
             <a:r>
-              <a:rPr lang="de-DE" dirty="0">
+              <a:rPr lang="de-DE" sz="2000" dirty="0">
+                <a:latin typeface="Gill Sans MT" panose="020B0502020104020203" pitchFamily="34" charset="0"/>
                 <a:ea typeface="+mn-lt"/>
                 <a:cs typeface="+mn-lt"/>
               </a:rPr>
               <a:t> B while </a:t>
             </a:r>
             <a:r>
-              <a:rPr lang="de-DE" dirty="0" err="1">
+              <a:rPr lang="de-DE" sz="2000" dirty="0" err="1">
+                <a:latin typeface="Gill Sans MT" panose="020B0502020104020203" pitchFamily="34" charset="0"/>
                 <a:ea typeface="+mn-lt"/>
                 <a:cs typeface="+mn-lt"/>
               </a:rPr>
               <a:t>gene</a:t>
             </a:r>
             <a:r>
-              <a:rPr lang="de-DE" dirty="0">
+              <a:rPr lang="de-DE" sz="2000" dirty="0">
+                <a:latin typeface="Gill Sans MT" panose="020B0502020104020203" pitchFamily="34" charset="0"/>
                 <a:ea typeface="+mn-lt"/>
                 <a:cs typeface="+mn-lt"/>
               </a:rPr>
               <a:t> A </a:t>
             </a:r>
             <a:r>
-              <a:rPr lang="de-DE" dirty="0" err="1">
+              <a:rPr lang="de-DE" sz="2000" dirty="0" err="1">
+                <a:latin typeface="Gill Sans MT" panose="020B0502020104020203" pitchFamily="34" charset="0"/>
                 <a:ea typeface="+mn-lt"/>
                 <a:cs typeface="+mn-lt"/>
               </a:rPr>
               <a:t>is</a:t>
             </a:r>
             <a:r>
-              <a:rPr lang="de-DE" dirty="0">
+              <a:rPr lang="de-DE" sz="2000" dirty="0">
+                <a:latin typeface="Gill Sans MT" panose="020B0502020104020203" pitchFamily="34" charset="0"/>
                 <a:ea typeface="+mn-lt"/>
                 <a:cs typeface="+mn-lt"/>
               </a:rPr>
               <a:t> </a:t>
             </a:r>
             <a:r>
-              <a:rPr lang="de-DE" dirty="0" err="1">
+              <a:rPr lang="de-DE" sz="2000" dirty="0" err="1">
+                <a:latin typeface="Gill Sans MT" panose="020B0502020104020203" pitchFamily="34" charset="0"/>
                 <a:ea typeface="+mn-lt"/>
                 <a:cs typeface="+mn-lt"/>
               </a:rPr>
               <a:t>inactive</a:t>
             </a:r>
             <a:r>
-              <a:rPr lang="de-DE" dirty="0">
+              <a:rPr lang="de-DE" sz="2000" dirty="0">
+                <a:latin typeface="Gill Sans MT" panose="020B0502020104020203" pitchFamily="34" charset="0"/>
                 <a:ea typeface="+mn-lt"/>
                 <a:cs typeface="+mn-lt"/>
               </a:rPr>
               <a:t>/</a:t>
             </a:r>
             <a:r>
-              <a:rPr lang="de-DE" dirty="0" err="1">
+              <a:rPr lang="de-DE" sz="2000" dirty="0" err="1">
+                <a:latin typeface="Gill Sans MT" panose="020B0502020104020203" pitchFamily="34" charset="0"/>
                 <a:ea typeface="+mn-lt"/>
                 <a:cs typeface="+mn-lt"/>
               </a:rPr>
               <a:t>overactive</a:t>
             </a:r>
-            <a:endParaRPr lang="de-DE" dirty="0">
+            <a:endParaRPr lang="de-DE" sz="2000" dirty="0">
+              <a:latin typeface="Gill Sans MT" panose="020B0502020104020203" pitchFamily="34" charset="0"/>
               <a:ea typeface="+mn-lt"/>
               <a:cs typeface="+mn-lt"/>
             </a:endParaRPr>
@@ -15363,7 +22383,8 @@
             <a:pPr marL="400050" lvl="1" indent="0">
               <a:buNone/>
             </a:pPr>
-            <a:endParaRPr lang="de-DE" dirty="0">
+            <a:endParaRPr lang="de-DE" sz="2000" dirty="0">
+              <a:latin typeface="Gill Sans MT" panose="020B0502020104020203" pitchFamily="34" charset="0"/>
               <a:ea typeface="+mn-lt"/>
               <a:cs typeface="+mn-lt"/>
             </a:endParaRPr>
@@ -15371,20 +22392,23 @@
           <a:p>
             <a:pPr marL="285750" indent="-285750"/>
             <a:r>
-              <a:rPr lang="de-DE" dirty="0">
+              <a:rPr lang="de-DE" sz="2000" dirty="0">
+                <a:latin typeface="Gill Sans MT" panose="020B0502020104020203" pitchFamily="34" charset="0"/>
                 <a:ea typeface="+mn-lt"/>
                 <a:cs typeface="+mn-lt"/>
               </a:rPr>
               <a:t>Gen </a:t>
             </a:r>
             <a:r>
-              <a:rPr lang="de-DE" dirty="0" err="1">
+              <a:rPr lang="de-DE" sz="2000" dirty="0" err="1">
+                <a:latin typeface="Gill Sans MT" panose="020B0502020104020203" pitchFamily="34" charset="0"/>
                 <a:ea typeface="+mn-lt"/>
                 <a:cs typeface="+mn-lt"/>
               </a:rPr>
               <a:t>coexpression</a:t>
             </a:r>
-            <a:endParaRPr lang="de-DE" dirty="0">
+            <a:endParaRPr lang="de-DE" sz="2000" dirty="0">
+              <a:latin typeface="Gill Sans MT" panose="020B0502020104020203" pitchFamily="34" charset="0"/>
               <a:ea typeface="+mn-lt"/>
               <a:cs typeface="+mn-lt"/>
             </a:endParaRPr>
@@ -15392,84 +22416,96 @@
           <a:p>
             <a:pPr marL="685800" lvl="1"/>
             <a:r>
-              <a:rPr lang="de-DE" dirty="0" err="1">
+              <a:rPr lang="de-DE" sz="2000" dirty="0" err="1">
+                <a:latin typeface="Gill Sans MT" panose="020B0502020104020203" pitchFamily="34" charset="0"/>
                 <a:ea typeface="+mn-lt"/>
                 <a:cs typeface="+mn-lt"/>
               </a:rPr>
               <a:t>correlation</a:t>
             </a:r>
             <a:r>
-              <a:rPr lang="de-DE" dirty="0">
+              <a:rPr lang="de-DE" sz="2000" dirty="0">
+                <a:latin typeface="Gill Sans MT" panose="020B0502020104020203" pitchFamily="34" charset="0"/>
                 <a:ea typeface="+mn-lt"/>
                 <a:cs typeface="+mn-lt"/>
               </a:rPr>
               <a:t> </a:t>
             </a:r>
             <a:r>
-              <a:rPr lang="de-DE" dirty="0" err="1">
+              <a:rPr lang="de-DE" sz="2000" dirty="0" err="1">
+                <a:latin typeface="Gill Sans MT" panose="020B0502020104020203" pitchFamily="34" charset="0"/>
                 <a:ea typeface="+mn-lt"/>
                 <a:cs typeface="+mn-lt"/>
               </a:rPr>
               <a:t>between</a:t>
             </a:r>
             <a:r>
-              <a:rPr lang="de-DE" dirty="0">
+              <a:rPr lang="de-DE" sz="2000" dirty="0">
+                <a:latin typeface="Gill Sans MT" panose="020B0502020104020203" pitchFamily="34" charset="0"/>
                 <a:ea typeface="+mn-lt"/>
                 <a:cs typeface="+mn-lt"/>
               </a:rPr>
               <a:t> </a:t>
             </a:r>
             <a:r>
-              <a:rPr lang="de-DE" dirty="0" err="1">
+              <a:rPr lang="de-DE" sz="2000" dirty="0" err="1">
+                <a:latin typeface="Gill Sans MT" panose="020B0502020104020203" pitchFamily="34" charset="0"/>
                 <a:ea typeface="+mn-lt"/>
                 <a:cs typeface="+mn-lt"/>
               </a:rPr>
               <a:t>expression</a:t>
             </a:r>
             <a:r>
-              <a:rPr lang="de-DE" dirty="0">
+              <a:rPr lang="de-DE" sz="2000" dirty="0">
+                <a:latin typeface="Gill Sans MT" panose="020B0502020104020203" pitchFamily="34" charset="0"/>
                 <a:ea typeface="+mn-lt"/>
                 <a:cs typeface="+mn-lt"/>
               </a:rPr>
               <a:t> </a:t>
             </a:r>
             <a:r>
-              <a:rPr lang="de-DE" dirty="0" err="1">
+              <a:rPr lang="de-DE" sz="2000" dirty="0" err="1">
+                <a:latin typeface="Gill Sans MT" panose="020B0502020104020203" pitchFamily="34" charset="0"/>
                 <a:ea typeface="+mn-lt"/>
                 <a:cs typeface="+mn-lt"/>
               </a:rPr>
               <a:t>data</a:t>
             </a:r>
             <a:r>
-              <a:rPr lang="de-DE" dirty="0">
+              <a:rPr lang="de-DE" sz="2000" dirty="0">
+                <a:latin typeface="Gill Sans MT" panose="020B0502020104020203" pitchFamily="34" charset="0"/>
                 <a:ea typeface="+mn-lt"/>
                 <a:cs typeface="+mn-lt"/>
               </a:rPr>
               <a:t> of </a:t>
             </a:r>
             <a:r>
-              <a:rPr lang="de-DE" dirty="0" err="1">
+              <a:rPr lang="de-DE" sz="2000" dirty="0" err="1">
+                <a:latin typeface="Gill Sans MT" panose="020B0502020104020203" pitchFamily="34" charset="0"/>
                 <a:ea typeface="+mn-lt"/>
                 <a:cs typeface="+mn-lt"/>
               </a:rPr>
               <a:t>two</a:t>
             </a:r>
             <a:r>
-              <a:rPr lang="de-DE" dirty="0">
+              <a:rPr lang="de-DE" sz="2000" dirty="0">
+                <a:latin typeface="Gill Sans MT" panose="020B0502020104020203" pitchFamily="34" charset="0"/>
                 <a:ea typeface="+mn-lt"/>
                 <a:cs typeface="+mn-lt"/>
               </a:rPr>
               <a:t> </a:t>
             </a:r>
             <a:r>
-              <a:rPr lang="de-DE" dirty="0" err="1">
+              <a:rPr lang="de-DE" sz="2000" dirty="0" err="1">
+                <a:latin typeface="Gill Sans MT" panose="020B0502020104020203" pitchFamily="34" charset="0"/>
                 <a:ea typeface="+mn-lt"/>
                 <a:cs typeface="+mn-lt"/>
               </a:rPr>
               <a:t>gens</a:t>
             </a:r>
             <a:r>
-              <a:rPr lang="de-DE" dirty="0">
+              <a:rPr lang="de-DE" sz="2000" dirty="0">
+                <a:latin typeface="Gill Sans MT" panose="020B0502020104020203" pitchFamily="34" charset="0"/>
                 <a:ea typeface="+mn-lt"/>
                 <a:cs typeface="+mn-lt"/>
               </a:rPr>
@@ -15478,14 +22514,16 @@
           </a:p>
           <a:p>
             <a:pPr marL="285750" indent="-285750"/>
-            <a:endParaRPr lang="de-DE" dirty="0">
+            <a:endParaRPr lang="de-DE" sz="2000" dirty="0">
+              <a:latin typeface="Gill Sans MT" panose="020B0502020104020203" pitchFamily="34" charset="0"/>
               <a:ea typeface="+mn-lt"/>
               <a:cs typeface="+mn-lt"/>
             </a:endParaRPr>
           </a:p>
           <a:p>
             <a:pPr marL="285750" indent="-285750"/>
-            <a:endParaRPr lang="de-DE" dirty="0">
+            <a:endParaRPr lang="de-DE" sz="2000" dirty="0">
+              <a:latin typeface="Gill Sans MT" panose="020B0502020104020203" pitchFamily="34" charset="0"/>
               <a:ea typeface="+mn-lt"/>
               <a:cs typeface="+mn-lt"/>
             </a:endParaRPr>
@@ -15811,19 +22849,7 @@
                 <a:rPr lang="de-DE" sz="2200" kern="1200" dirty="0">
                   <a:latin typeface="Gill Sans MT"/>
                 </a:rPr>
-                <a:t> </a:t>
-              </a:r>
-              <a:r>
-                <a:rPr lang="de-DE" sz="2200" kern="1200" dirty="0" err="1">
-                  <a:latin typeface="Gill Sans MT"/>
-                </a:rPr>
-                <a:t>gens</a:t>
-              </a:r>
-              <a:r>
-                <a:rPr lang="de-DE" sz="2200" kern="1200" dirty="0">
-                  <a:latin typeface="Gill Sans MT"/>
-                </a:rPr>
-                <a:t> of </a:t>
+                <a:t> genes of </a:t>
               </a:r>
               <a:r>
                 <a:rPr lang="de-DE" sz="2200" kern="1200" dirty="0" err="1">
@@ -16135,6 +23161,138 @@
           </p:txBody>
         </p:sp>
       </p:grpSp>
+      <p:sp>
+        <p:nvSpPr>
+          <p:cNvPr id="18" name="Textfeld 17">
+            <a:extLst>
+              <a:ext uri="{FF2B5EF4-FFF2-40B4-BE49-F238E27FC236}">
+                <a16:creationId xmlns:a16="http://schemas.microsoft.com/office/drawing/2014/main" id="{EE100CF8-C7C5-4AC1-A535-AA626C2F31BE}"/>
+              </a:ext>
+            </a:extLst>
+          </p:cNvPr>
+          <p:cNvSpPr txBox="1"/>
+          <p:nvPr/>
+        </p:nvSpPr>
+        <p:spPr>
+          <a:xfrm>
+            <a:off x="634924" y="1983250"/>
+            <a:ext cx="9135301" cy="876328"/>
+          </a:xfrm>
+          <a:prstGeom prst="rect">
+            <a:avLst/>
+          </a:prstGeom>
+        </p:spPr>
+        <p:txBody>
+          <a:bodyPr vert="horz" lIns="91440" tIns="45720" rIns="91440" bIns="45720" rtlCol="0" anchor="t">
+            <a:normAutofit/>
+          </a:bodyPr>
+          <a:lstStyle>
+            <a:lvl1pPr algn="ctr">
+              <a:spcBef>
+                <a:spcPct val="0"/>
+              </a:spcBef>
+              <a:buNone/>
+              <a:defRPr sz="3600">
+                <a:solidFill>
+                  <a:srgbClr val="1EA4D9"/>
+                </a:solidFill>
+                <a:latin typeface="Gill Sans MT"/>
+                <a:ea typeface="+mj-ea"/>
+                <a:cs typeface="+mj-cs"/>
+              </a:defRPr>
+            </a:lvl1pPr>
+            <a:lvl2pPr>
+              <a:defRPr>
+                <a:solidFill>
+                  <a:schemeClr val="tx2"/>
+                </a:solidFill>
+              </a:defRPr>
+            </a:lvl2pPr>
+            <a:lvl3pPr>
+              <a:defRPr>
+                <a:solidFill>
+                  <a:schemeClr val="tx2"/>
+                </a:solidFill>
+              </a:defRPr>
+            </a:lvl3pPr>
+            <a:lvl4pPr>
+              <a:defRPr>
+                <a:solidFill>
+                  <a:schemeClr val="tx2"/>
+                </a:solidFill>
+              </a:defRPr>
+            </a:lvl4pPr>
+            <a:lvl5pPr>
+              <a:defRPr>
+                <a:solidFill>
+                  <a:schemeClr val="tx2"/>
+                </a:solidFill>
+              </a:defRPr>
+            </a:lvl5pPr>
+            <a:lvl6pPr>
+              <a:defRPr>
+                <a:solidFill>
+                  <a:schemeClr val="tx2"/>
+                </a:solidFill>
+              </a:defRPr>
+            </a:lvl6pPr>
+            <a:lvl7pPr>
+              <a:defRPr>
+                <a:solidFill>
+                  <a:schemeClr val="tx2"/>
+                </a:solidFill>
+              </a:defRPr>
+            </a:lvl7pPr>
+            <a:lvl8pPr>
+              <a:defRPr>
+                <a:solidFill>
+                  <a:schemeClr val="tx2"/>
+                </a:solidFill>
+              </a:defRPr>
+            </a:lvl8pPr>
+            <a:lvl9pPr>
+              <a:defRPr>
+                <a:solidFill>
+                  <a:schemeClr val="tx2"/>
+                </a:solidFill>
+              </a:defRPr>
+            </a:lvl9pPr>
+          </a:lstStyle>
+          <a:p>
+            <a:pPr algn="just"/>
+            <a:r>
+              <a:rPr lang="en-US" sz="2000" dirty="0">
+                <a:solidFill>
+                  <a:srgbClr val="5FCBEF"/>
+                </a:solidFill>
+              </a:rPr>
+              <a:t>Can we identify SL- and SDL-partners by testing </a:t>
+            </a:r>
+            <a:r>
+              <a:rPr lang="en-US" sz="2000" dirty="0" err="1">
+                <a:solidFill>
+                  <a:srgbClr val="5FCBEF"/>
+                </a:solidFill>
+              </a:rPr>
+              <a:t>SoF</a:t>
+            </a:r>
+            <a:r>
+              <a:rPr lang="en-US" sz="2000" dirty="0">
+                <a:solidFill>
+                  <a:srgbClr val="5FCBEF"/>
+                </a:solidFill>
+              </a:rPr>
+              <a:t>, functional examination and gene co-expression using statistical tests?</a:t>
+            </a:r>
+            <a:endParaRPr lang="en-US" sz="2000" dirty="0">
+              <a:solidFill>
+                <a:srgbClr val="5FCBEF"/>
+              </a:solidFill>
+              <a:cs typeface="Calibri"/>
+            </a:endParaRPr>
+          </a:p>
+        </p:txBody>
+      </p:sp>
     </p:spTree>
     <p:extLst>
       <p:ext uri="{BB962C8B-B14F-4D97-AF65-F5344CB8AC3E}">

--- a/Project Proposal.pptx
+++ b/Project Proposal.pptx
@@ -5,7 +5,7 @@
     <p:sldMasterId id="2147483985" r:id="rId1"/>
   </p:sldMasterIdLst>
   <p:notesMasterIdLst>
-    <p:notesMasterId r:id="rId12"/>
+    <p:notesMasterId r:id="rId13"/>
   </p:notesMasterIdLst>
   <p:sldIdLst>
     <p:sldId id="256" r:id="rId2"/>
@@ -15,9 +15,10 @@
     <p:sldId id="265" r:id="rId6"/>
     <p:sldId id="260" r:id="rId7"/>
     <p:sldId id="273" r:id="rId8"/>
-    <p:sldId id="263" r:id="rId9"/>
+    <p:sldId id="277" r:id="rId9"/>
     <p:sldId id="276" r:id="rId10"/>
     <p:sldId id="264" r:id="rId11"/>
+    <p:sldId id="280" r:id="rId12"/>
   </p:sldIdLst>
   <p:sldSz cx="12192000" cy="6858000"/>
   <p:notesSz cx="6858000" cy="9144000"/>
@@ -144,9 +145,10 @@
           <p14:sldIdLst>
             <p14:sldId id="260"/>
             <p14:sldId id="273"/>
-            <p14:sldId id="263"/>
+            <p14:sldId id="277"/>
             <p14:sldId id="276"/>
             <p14:sldId id="264"/>
+            <p14:sldId id="280"/>
           </p14:sldIdLst>
         </p14:section>
       </p14:sectionLst>
@@ -181,7 +183,8 @@
 <p1510:revInfo xmlns:a="http://schemas.openxmlformats.org/drawingml/2006/main" xmlns:r="http://schemas.openxmlformats.org/officeDocument/2006/relationships" xmlns:p1510="http://schemas.microsoft.com/office/powerpoint/2015/10/main">
   <p1510:revLst>
     <p1510:client id="{0A60967B-DAF8-A1FE-489D-49D4C2143C79}" v="42" dt="2019-05-14T15:17:25.865"/>
-    <p1510:client id="{FEE5CBDF-FE29-4F9F-99B9-949F0817748B}" v="4653" dt="2019-05-14T19:09:23.766"/>
+    <p1510:client id="{FEE5CBDF-FE29-4F9F-99B9-949F0817748B}" v="5081" dt="2019-05-15T09:02:35.085"/>
+    <p1510:client id="{D379BF8A-BE76-E467-2798-A142A7104027}" v="34" dt="2019-05-14T19:50:33.846"/>
   </p1510:revLst>
 </p1510:revInfo>
 </file>
@@ -189,9 +192,305 @@
 <file path=ppt/changesInfos/changesInfo1.xml><?xml version="1.0" encoding="utf-8"?>
 <pc:chgInfo xmlns:a="http://schemas.openxmlformats.org/drawingml/2006/main" xmlns:r="http://schemas.openxmlformats.org/officeDocument/2006/relationships" xmlns:ac="http://schemas.microsoft.com/office/drawing/2013/main/command" xmlns:pc="http://schemas.microsoft.com/office/powerpoint/2013/main/command">
   <pc:docChgLst>
+    <pc:chgData name="tobias.hub@web.de" userId="S::urn:spo:guest#tobias.hub@web.de::" providerId="AD" clId="Web-{BFF7F638-A37A-55D5-6302-81C8EFF2DF27}"/>
+    <pc:docChg chg="modSld">
+      <pc:chgData name="tobias.hub@web.de" userId="S::urn:spo:guest#tobias.hub@web.de::" providerId="AD" clId="Web-{BFF7F638-A37A-55D5-6302-81C8EFF2DF27}" dt="2019-05-13T16:23:54.549" v="2157" actId="20577"/>
+      <pc:docMkLst>
+        <pc:docMk/>
+      </pc:docMkLst>
+      <pc:sldChg chg="modSp">
+        <pc:chgData name="tobias.hub@web.de" userId="S::urn:spo:guest#tobias.hub@web.de::" providerId="AD" clId="Web-{BFF7F638-A37A-55D5-6302-81C8EFF2DF27}" dt="2019-05-13T15:51:26.177" v="1527" actId="1076"/>
+        <pc:sldMkLst>
+          <pc:docMk/>
+          <pc:sldMk cId="1965533031" sldId="257"/>
+        </pc:sldMkLst>
+        <pc:spChg chg="mod">
+          <ac:chgData name="tobias.hub@web.de" userId="S::urn:spo:guest#tobias.hub@web.de::" providerId="AD" clId="Web-{BFF7F638-A37A-55D5-6302-81C8EFF2DF27}" dt="2019-05-13T15:51:26.177" v="1527" actId="1076"/>
+          <ac:spMkLst>
+            <pc:docMk/>
+            <pc:sldMk cId="1965533031" sldId="257"/>
+            <ac:spMk id="3" creationId="{A3561F8D-9380-41DF-9739-3A0E08468CF6}"/>
+          </ac:spMkLst>
+        </pc:spChg>
+      </pc:sldChg>
+      <pc:sldChg chg="addSp modSp">
+        <pc:chgData name="tobias.hub@web.de" userId="S::urn:spo:guest#tobias.hub@web.de::" providerId="AD" clId="Web-{BFF7F638-A37A-55D5-6302-81C8EFF2DF27}" dt="2019-05-13T15:57:14.304" v="1532" actId="20577"/>
+        <pc:sldMkLst>
+          <pc:docMk/>
+          <pc:sldMk cId="3678253361" sldId="258"/>
+        </pc:sldMkLst>
+        <pc:spChg chg="add mod">
+          <ac:chgData name="tobias.hub@web.de" userId="S::urn:spo:guest#tobias.hub@web.de::" providerId="AD" clId="Web-{BFF7F638-A37A-55D5-6302-81C8EFF2DF27}" dt="2019-05-13T15:57:14.304" v="1532" actId="20577"/>
+          <ac:spMkLst>
+            <pc:docMk/>
+            <pc:sldMk cId="3678253361" sldId="258"/>
+            <ac:spMk id="9" creationId="{3051B073-4B27-4D2F-8EA2-4D83A57733D7}"/>
+          </ac:spMkLst>
+        </pc:spChg>
+      </pc:sldChg>
+      <pc:sldChg chg="modSp modNotes">
+        <pc:chgData name="tobias.hub@web.de" userId="S::urn:spo:guest#tobias.hub@web.de::" providerId="AD" clId="Web-{BFF7F638-A37A-55D5-6302-81C8EFF2DF27}" dt="2019-05-13T16:23:52.955" v="2155" actId="20577"/>
+        <pc:sldMkLst>
+          <pc:docMk/>
+          <pc:sldMk cId="3854328160" sldId="264"/>
+        </pc:sldMkLst>
+        <pc:spChg chg="mod">
+          <ac:chgData name="tobias.hub@web.de" userId="S::urn:spo:guest#tobias.hub@web.de::" providerId="AD" clId="Web-{BFF7F638-A37A-55D5-6302-81C8EFF2DF27}" dt="2019-05-13T16:23:52.955" v="2155" actId="20577"/>
+          <ac:spMkLst>
+            <pc:docMk/>
+            <pc:sldMk cId="3854328160" sldId="264"/>
+            <ac:spMk id="3" creationId="{52ECBA23-C101-4F91-8B43-931C93C8877D}"/>
+          </ac:spMkLst>
+        </pc:spChg>
+      </pc:sldChg>
+      <pc:sldChg chg="modSp">
+        <pc:chgData name="tobias.hub@web.de" userId="S::urn:spo:guest#tobias.hub@web.de::" providerId="AD" clId="Web-{BFF7F638-A37A-55D5-6302-81C8EFF2DF27}" dt="2019-05-13T16:05:23.995" v="1610" actId="20577"/>
+        <pc:sldMkLst>
+          <pc:docMk/>
+          <pc:sldMk cId="3411230145" sldId="273"/>
+        </pc:sldMkLst>
+        <pc:spChg chg="mod">
+          <ac:chgData name="tobias.hub@web.de" userId="S::urn:spo:guest#tobias.hub@web.de::" providerId="AD" clId="Web-{BFF7F638-A37A-55D5-6302-81C8EFF2DF27}" dt="2019-05-13T16:05:23.995" v="1610" actId="20577"/>
+          <ac:spMkLst>
+            <pc:docMk/>
+            <pc:sldMk cId="3411230145" sldId="273"/>
+            <ac:spMk id="6" creationId="{0D3C4D43-0167-4BC2-91B0-8DB1F2AE73AE}"/>
+          </ac:spMkLst>
+        </pc:spChg>
+        <pc:grpChg chg="mod">
+          <ac:chgData name="tobias.hub@web.de" userId="S::urn:spo:guest#tobias.hub@web.de::" providerId="AD" clId="Web-{BFF7F638-A37A-55D5-6302-81C8EFF2DF27}" dt="2019-05-13T14:01:18.399" v="99" actId="1076"/>
+          <ac:grpSpMkLst>
+            <pc:docMk/>
+            <pc:sldMk cId="3411230145" sldId="273"/>
+            <ac:grpSpMk id="10" creationId="{79924885-AE3E-40A3-AACF-C3A07E84A7DE}"/>
+          </ac:grpSpMkLst>
+        </pc:grpChg>
+      </pc:sldChg>
+      <pc:sldChg chg="modSp modNotes">
+        <pc:chgData name="tobias.hub@web.de" userId="S::urn:spo:guest#tobias.hub@web.de::" providerId="AD" clId="Web-{BFF7F638-A37A-55D5-6302-81C8EFF2DF27}" dt="2019-05-13T16:15:05.764" v="1989" actId="20577"/>
+        <pc:sldMkLst>
+          <pc:docMk/>
+          <pc:sldMk cId="381550320" sldId="276"/>
+        </pc:sldMkLst>
+        <pc:spChg chg="mod">
+          <ac:chgData name="tobias.hub@web.de" userId="S::urn:spo:guest#tobias.hub@web.de::" providerId="AD" clId="Web-{BFF7F638-A37A-55D5-6302-81C8EFF2DF27}" dt="2019-05-13T16:15:05.764" v="1989" actId="20577"/>
+          <ac:spMkLst>
+            <pc:docMk/>
+            <pc:sldMk cId="381550320" sldId="276"/>
+            <ac:spMk id="8" creationId="{9B50F7CF-113D-47BB-9B2C-8B9E1D976F1C}"/>
+          </ac:spMkLst>
+        </pc:spChg>
+        <pc:graphicFrameChg chg="mod">
+          <ac:chgData name="tobias.hub@web.de" userId="S::urn:spo:guest#tobias.hub@web.de::" providerId="AD" clId="Web-{BFF7F638-A37A-55D5-6302-81C8EFF2DF27}" dt="2019-05-13T14:34:14.452" v="1116" actId="1076"/>
+          <ac:graphicFrameMkLst>
+            <pc:docMk/>
+            <pc:sldMk cId="381550320" sldId="276"/>
+            <ac:graphicFrameMk id="7" creationId="{F1A949C7-C9CF-4C02-BE5E-DA666970FF15}"/>
+          </ac:graphicFrameMkLst>
+        </pc:graphicFrameChg>
+      </pc:sldChg>
+    </pc:docChg>
+  </pc:docChgLst>
+  <pc:docChgLst>
+    <pc:chgData name="niklas.kronos@gmail.com" userId="S::urn:spo:guest#niklas.kronos@gmail.com::" providerId="AD" clId="Web-{58B641C6-6706-2796-64FB-B80CE7A5A7B0}"/>
+    <pc:docChg chg="addSld delSld modSld modSection">
+      <pc:chgData name="niklas.kronos@gmail.com" userId="S::urn:spo:guest#niklas.kronos@gmail.com::" providerId="AD" clId="Web-{58B641C6-6706-2796-64FB-B80CE7A5A7B0}" dt="2019-05-12T19:15:23.675" v="587" actId="20577"/>
+      <pc:docMkLst>
+        <pc:docMk/>
+      </pc:docMkLst>
+      <pc:sldChg chg="modSp modAnim">
+        <pc:chgData name="niklas.kronos@gmail.com" userId="S::urn:spo:guest#niklas.kronos@gmail.com::" providerId="AD" clId="Web-{58B641C6-6706-2796-64FB-B80CE7A5A7B0}" dt="2019-05-12T18:50:58.294" v="235"/>
+        <pc:sldMkLst>
+          <pc:docMk/>
+          <pc:sldMk cId="3411230145" sldId="273"/>
+        </pc:sldMkLst>
+        <pc:grpChg chg="mod">
+          <ac:chgData name="niklas.kronos@gmail.com" userId="S::urn:spo:guest#niklas.kronos@gmail.com::" providerId="AD" clId="Web-{58B641C6-6706-2796-64FB-B80CE7A5A7B0}" dt="2019-05-12T18:49:57.762" v="233" actId="1076"/>
+          <ac:grpSpMkLst>
+            <pc:docMk/>
+            <pc:sldMk cId="3411230145" sldId="273"/>
+            <ac:grpSpMk id="11" creationId="{412571FD-F39A-466B-BA13-0EB40F9626EC}"/>
+          </ac:grpSpMkLst>
+        </pc:grpChg>
+      </pc:sldChg>
+    </pc:docChg>
+  </pc:docChgLst>
+  <pc:docChgLst>
+    <pc:chgData name="niklas.kronos@gmail.com" userId="S::urn:spo:guest#niklas.kronos@gmail.com::" providerId="AD" clId="Web-{3F6D7227-3E41-F491-BE90-5409268B28E0}"/>
+    <pc:docChg chg="modSld">
+      <pc:chgData name="niklas.kronos@gmail.com" userId="S::urn:spo:guest#niklas.kronos@gmail.com::" providerId="AD" clId="Web-{3F6D7227-3E41-F491-BE90-5409268B28E0}" dt="2019-05-13T11:32:36.839" v="32" actId="20577"/>
+      <pc:docMkLst>
+        <pc:docMk/>
+      </pc:docMkLst>
+      <pc:sldChg chg="modSp">
+        <pc:chgData name="niklas.kronos@gmail.com" userId="S::urn:spo:guest#niklas.kronos@gmail.com::" providerId="AD" clId="Web-{3F6D7227-3E41-F491-BE90-5409268B28E0}" dt="2019-05-13T11:32:36.839" v="31" actId="20577"/>
+        <pc:sldMkLst>
+          <pc:docMk/>
+          <pc:sldMk cId="381550320" sldId="276"/>
+        </pc:sldMkLst>
+        <pc:spChg chg="mod">
+          <ac:chgData name="niklas.kronos@gmail.com" userId="S::urn:spo:guest#niklas.kronos@gmail.com::" providerId="AD" clId="Web-{3F6D7227-3E41-F491-BE90-5409268B28E0}" dt="2019-05-13T11:32:36.839" v="31" actId="20577"/>
+          <ac:spMkLst>
+            <pc:docMk/>
+            <pc:sldMk cId="381550320" sldId="276"/>
+            <ac:spMk id="8" creationId="{9B50F7CF-113D-47BB-9B2C-8B9E1D976F1C}"/>
+          </ac:spMkLst>
+        </pc:spChg>
+      </pc:sldChg>
+    </pc:docChg>
+  </pc:docChgLst>
+  <pc:docChgLst>
+    <pc:chgData name="pascal.poc.pp@gmail.com" userId="S::urn:spo:guest#pascal.poc.pp@gmail.com::" providerId="AD" clId="Web-{AA1BFBFF-CA3A-3AEE-F1AB-A3D6F218AA2B}"/>
+    <pc:docChg chg="addSld modSld sldOrd modSection">
+      <pc:chgData name="pascal.poc.pp@gmail.com" userId="S::urn:spo:guest#pascal.poc.pp@gmail.com::" providerId="AD" clId="Web-{AA1BFBFF-CA3A-3AEE-F1AB-A3D6F218AA2B}" dt="2019-05-12T16:27:41.196" v="177" actId="1076"/>
+      <pc:docMkLst>
+        <pc:docMk/>
+      </pc:docMkLst>
+      <pc:sldChg chg="modSp">
+        <pc:chgData name="pascal.poc.pp@gmail.com" userId="S::urn:spo:guest#pascal.poc.pp@gmail.com::" providerId="AD" clId="Web-{AA1BFBFF-CA3A-3AEE-F1AB-A3D6F218AA2B}" dt="2019-05-12T08:37:58.909" v="13" actId="20577"/>
+        <pc:sldMkLst>
+          <pc:docMk/>
+          <pc:sldMk cId="3678253361" sldId="258"/>
+        </pc:sldMkLst>
+        <pc:spChg chg="mod">
+          <ac:chgData name="pascal.poc.pp@gmail.com" userId="S::urn:spo:guest#pascal.poc.pp@gmail.com::" providerId="AD" clId="Web-{AA1BFBFF-CA3A-3AEE-F1AB-A3D6F218AA2B}" dt="2019-05-12T08:37:48.783" v="4" actId="20577"/>
+          <ac:spMkLst>
+            <pc:docMk/>
+            <pc:sldMk cId="3678253361" sldId="258"/>
+            <ac:spMk id="2" creationId="{88AF4BB1-C745-4D72-9AAA-5E0278FCF5DB}"/>
+          </ac:spMkLst>
+        </pc:spChg>
+        <pc:spChg chg="mod">
+          <ac:chgData name="pascal.poc.pp@gmail.com" userId="S::urn:spo:guest#pascal.poc.pp@gmail.com::" providerId="AD" clId="Web-{AA1BFBFF-CA3A-3AEE-F1AB-A3D6F218AA2B}" dt="2019-05-12T08:37:58.909" v="13" actId="20577"/>
+          <ac:spMkLst>
+            <pc:docMk/>
+            <pc:sldMk cId="3678253361" sldId="258"/>
+            <ac:spMk id="3" creationId="{9EB5275A-EC7E-4EF8-941F-533224F5BFBC}"/>
+          </ac:spMkLst>
+        </pc:spChg>
+      </pc:sldChg>
+      <pc:sldChg chg="modSp">
+        <pc:chgData name="pascal.poc.pp@gmail.com" userId="S::urn:spo:guest#pascal.poc.pp@gmail.com::" providerId="AD" clId="Web-{AA1BFBFF-CA3A-3AEE-F1AB-A3D6F218AA2B}" dt="2019-05-12T10:21:45.940" v="17" actId="20577"/>
+        <pc:sldMkLst>
+          <pc:docMk/>
+          <pc:sldMk cId="2828272781" sldId="260"/>
+        </pc:sldMkLst>
+        <pc:spChg chg="mod">
+          <ac:chgData name="pascal.poc.pp@gmail.com" userId="S::urn:spo:guest#pascal.poc.pp@gmail.com::" providerId="AD" clId="Web-{AA1BFBFF-CA3A-3AEE-F1AB-A3D6F218AA2B}" dt="2019-05-12T10:21:45.940" v="17" actId="20577"/>
+          <ac:spMkLst>
+            <pc:docMk/>
+            <pc:sldMk cId="2828272781" sldId="260"/>
+            <ac:spMk id="3" creationId="{C246E4BD-1BE0-408D-A950-BB322F35E38E}"/>
+          </ac:spMkLst>
+        </pc:spChg>
+      </pc:sldChg>
+      <pc:sldChg chg="delSp ord addCm">
+        <pc:chgData name="pascal.poc.pp@gmail.com" userId="S::urn:spo:guest#pascal.poc.pp@gmail.com::" providerId="AD" clId="Web-{AA1BFBFF-CA3A-3AEE-F1AB-A3D6F218AA2B}" dt="2019-05-12T11:30:38.781" v="165"/>
+        <pc:sldMkLst>
+          <pc:docMk/>
+          <pc:sldMk cId="836733519" sldId="265"/>
+        </pc:sldMkLst>
+        <pc:inkChg chg="del">
+          <ac:chgData name="pascal.poc.pp@gmail.com" userId="S::urn:spo:guest#pascal.poc.pp@gmail.com::" providerId="AD" clId="Web-{AA1BFBFF-CA3A-3AEE-F1AB-A3D6F218AA2B}" dt="2019-05-12T08:48:42.867" v="15"/>
+          <ac:inkMkLst>
+            <pc:docMk/>
+            <pc:sldMk cId="836733519" sldId="265"/>
+            <ac:inkMk id="11" creationId="{A82B448E-C8D7-4AE7-A619-4A1B6E1418F5}"/>
+          </ac:inkMkLst>
+        </pc:inkChg>
+        <pc:inkChg chg="del">
+          <ac:chgData name="pascal.poc.pp@gmail.com" userId="S::urn:spo:guest#pascal.poc.pp@gmail.com::" providerId="AD" clId="Web-{AA1BFBFF-CA3A-3AEE-F1AB-A3D6F218AA2B}" dt="2019-05-12T08:48:45.758" v="16"/>
+          <ac:inkMkLst>
+            <pc:docMk/>
+            <pc:sldMk cId="836733519" sldId="265"/>
+            <ac:inkMk id="18" creationId="{8CFCE5A5-3C28-47C1-BB10-5A4CED3881EB}"/>
+          </ac:inkMkLst>
+        </pc:inkChg>
+      </pc:sldChg>
+      <pc:sldChg chg="addSp delSp modSp addCm">
+        <pc:chgData name="pascal.poc.pp@gmail.com" userId="S::urn:spo:guest#pascal.poc.pp@gmail.com::" providerId="AD" clId="Web-{AA1BFBFF-CA3A-3AEE-F1AB-A3D6F218AA2B}" dt="2019-05-12T11:31:50.547" v="166"/>
+        <pc:sldMkLst>
+          <pc:docMk/>
+          <pc:sldMk cId="2923162179" sldId="266"/>
+        </pc:sldMkLst>
+        <pc:spChg chg="mod">
+          <ac:chgData name="pascal.poc.pp@gmail.com" userId="S::urn:spo:guest#pascal.poc.pp@gmail.com::" providerId="AD" clId="Web-{AA1BFBFF-CA3A-3AEE-F1AB-A3D6F218AA2B}" dt="2019-05-12T11:28:55.156" v="164" actId="14100"/>
+          <ac:spMkLst>
+            <pc:docMk/>
+            <pc:sldMk cId="2923162179" sldId="266"/>
+            <ac:spMk id="2" creationId="{3AFFD6C7-E4F3-4CC2-9977-57E2B563D5DB}"/>
+          </ac:spMkLst>
+        </pc:spChg>
+        <pc:spChg chg="add mod">
+          <ac:chgData name="pascal.poc.pp@gmail.com" userId="S::urn:spo:guest#pascal.poc.pp@gmail.com::" providerId="AD" clId="Web-{AA1BFBFF-CA3A-3AEE-F1AB-A3D6F218AA2B}" dt="2019-05-12T11:22:31.875" v="102" actId="1076"/>
+          <ac:spMkLst>
+            <pc:docMk/>
+            <pc:sldMk cId="2923162179" sldId="266"/>
+            <ac:spMk id="3" creationId="{CE8E4A18-CAD6-4EC5-B815-4CDA06E0B1C1}"/>
+          </ac:spMkLst>
+        </pc:spChg>
+        <pc:spChg chg="del">
+          <ac:chgData name="pascal.poc.pp@gmail.com" userId="S::urn:spo:guest#pascal.poc.pp@gmail.com::" providerId="AD" clId="Web-{AA1BFBFF-CA3A-3AEE-F1AB-A3D6F218AA2B}" dt="2019-05-12T11:22:38.391" v="103"/>
+          <ac:spMkLst>
+            <pc:docMk/>
+            <pc:sldMk cId="2923162179" sldId="266"/>
+            <ac:spMk id="5" creationId="{391AAE10-E219-42C0-A4C3-B93314FB7CA1}"/>
+          </ac:spMkLst>
+        </pc:spChg>
+      </pc:sldChg>
+    </pc:docChg>
+  </pc:docChgLst>
+  <pc:docChgLst>
+    <pc:chgData name="niklas.kronos@gmail.com" userId="S::urn:spo:guest#niklas.kronos@gmail.com::" providerId="AD" clId="Web-{6DDFACA9-CBF4-4764-90C9-54C0BCBDB7E7}"/>
+    <pc:docChg chg="addSld modSld sldOrd modSection">
+      <pc:chgData name="niklas.kronos@gmail.com" userId="S::urn:spo:guest#niklas.kronos@gmail.com::" providerId="AD" clId="Web-{6DDFACA9-CBF4-4764-90C9-54C0BCBDB7E7}" dt="2019-05-11T12:58:17.232" v="461"/>
+      <pc:docMkLst>
+        <pc:docMk/>
+      </pc:docMkLst>
+      <pc:sldChg chg="modSp new">
+        <pc:chgData name="niklas.kronos@gmail.com" userId="S::urn:spo:guest#niklas.kronos@gmail.com::" providerId="AD" clId="Web-{6DDFACA9-CBF4-4764-90C9-54C0BCBDB7E7}" dt="2019-05-11T12:56:59.386" v="453" actId="20577"/>
+        <pc:sldMkLst>
+          <pc:docMk/>
+          <pc:sldMk cId="2828272781" sldId="260"/>
+        </pc:sldMkLst>
+        <pc:spChg chg="mod">
+          <ac:chgData name="niklas.kronos@gmail.com" userId="S::urn:spo:guest#niklas.kronos@gmail.com::" providerId="AD" clId="Web-{6DDFACA9-CBF4-4764-90C9-54C0BCBDB7E7}" dt="2019-05-11T12:56:13.041" v="450" actId="20577"/>
+          <ac:spMkLst>
+            <pc:docMk/>
+            <pc:sldMk cId="2828272781" sldId="260"/>
+            <ac:spMk id="2" creationId="{D099CFC0-58E8-4594-908D-B69CA1A0976B}"/>
+          </ac:spMkLst>
+        </pc:spChg>
+        <pc:spChg chg="mod">
+          <ac:chgData name="niklas.kronos@gmail.com" userId="S::urn:spo:guest#niklas.kronos@gmail.com::" providerId="AD" clId="Web-{6DDFACA9-CBF4-4764-90C9-54C0BCBDB7E7}" dt="2019-05-11T12:56:59.386" v="453" actId="20577"/>
+          <ac:spMkLst>
+            <pc:docMk/>
+            <pc:sldMk cId="2828272781" sldId="260"/>
+            <ac:spMk id="3" creationId="{C246E4BD-1BE0-408D-A950-BB322F35E38E}"/>
+          </ac:spMkLst>
+        </pc:spChg>
+      </pc:sldChg>
+      <pc:sldChg chg="modSp new">
+        <pc:chgData name="niklas.kronos@gmail.com" userId="S::urn:spo:guest#niklas.kronos@gmail.com::" providerId="AD" clId="Web-{6DDFACA9-CBF4-4764-90C9-54C0BCBDB7E7}" dt="2019-05-11T12:52:33.690" v="447" actId="20577"/>
+        <pc:sldMkLst>
+          <pc:docMk/>
+          <pc:sldMk cId="3854328160" sldId="264"/>
+        </pc:sldMkLst>
+        <pc:spChg chg="mod">
+          <ac:chgData name="niklas.kronos@gmail.com" userId="S::urn:spo:guest#niklas.kronos@gmail.com::" providerId="AD" clId="Web-{6DDFACA9-CBF4-4764-90C9-54C0BCBDB7E7}" dt="2019-05-11T12:52:33.690" v="447" actId="20577"/>
+          <ac:spMkLst>
+            <pc:docMk/>
+            <pc:sldMk cId="3854328160" sldId="264"/>
+            <ac:spMk id="2" creationId="{9E101124-9171-45B7-8FA2-3601FA64CB8B}"/>
+          </ac:spMkLst>
+        </pc:spChg>
+      </pc:sldChg>
+    </pc:docChg>
+  </pc:docChgLst>
+  <pc:docChgLst>
     <pc:chgData name="Nils Mechtel" userId="d365a3c7-8594-435f-9872-5455ceefc78f" providerId="ADAL" clId="{FEE5CBDF-FE29-4F9F-99B9-949F0817748B}"/>
     <pc:docChg chg="undo redo custSel mod addSld delSld modSld sldOrd delSection modSection">
-      <pc:chgData name="Nils Mechtel" userId="d365a3c7-8594-435f-9872-5455ceefc78f" providerId="ADAL" clId="{FEE5CBDF-FE29-4F9F-99B9-949F0817748B}" dt="2019-05-14T19:09:23.766" v="5456" actId="20577"/>
+      <pc:chgData name="Nils Mechtel" userId="d365a3c7-8594-435f-9872-5455ceefc78f" providerId="ADAL" clId="{FEE5CBDF-FE29-4F9F-99B9-949F0817748B}" dt="2019-05-15T11:44:43.362" v="6009" actId="1592"/>
       <pc:docMkLst>
         <pc:docMk/>
       </pc:docMkLst>
@@ -890,8 +1189,8 @@
           </ac:cxnSpMkLst>
         </pc:cxnChg>
       </pc:sldChg>
-      <pc:sldChg chg="addSp delSp modSp mod ord setBg modAnim addCm modCm modNotesTx">
-        <pc:chgData name="Nils Mechtel" userId="d365a3c7-8594-435f-9872-5455ceefc78f" providerId="ADAL" clId="{FEE5CBDF-FE29-4F9F-99B9-949F0817748B}" dt="2019-05-13T07:57:21.424" v="2451"/>
+      <pc:sldChg chg="addSp delSp modSp mod ord modTransition setBg modAnim addCm delCm modCm modNotesTx">
+        <pc:chgData name="Nils Mechtel" userId="d365a3c7-8594-435f-9872-5455ceefc78f" providerId="ADAL" clId="{FEE5CBDF-FE29-4F9F-99B9-949F0817748B}" dt="2019-05-15T11:42:49.918" v="5997" actId="1592"/>
         <pc:sldMkLst>
           <pc:docMk/>
           <pc:sldMk cId="1965533031" sldId="257"/>
@@ -978,7 +1277,7 @@
         </pc:picChg>
       </pc:sldChg>
       <pc:sldChg chg="addSp delSp modSp setBg">
-        <pc:chgData name="Nils Mechtel" userId="d365a3c7-8594-435f-9872-5455ceefc78f" providerId="ADAL" clId="{FEE5CBDF-FE29-4F9F-99B9-949F0817748B}" dt="2019-05-13T12:40:31.247" v="3019" actId="1076"/>
+        <pc:chgData name="Nils Mechtel" userId="d365a3c7-8594-435f-9872-5455ceefc78f" providerId="ADAL" clId="{FEE5CBDF-FE29-4F9F-99B9-949F0817748B}" dt="2019-05-14T19:16:06.487" v="5539" actId="1076"/>
         <pc:sldMkLst>
           <pc:docMk/>
           <pc:sldMk cId="3678253361" sldId="258"/>
@@ -1016,7 +1315,7 @@
           </ac:spMkLst>
         </pc:spChg>
         <pc:spChg chg="add mod">
-          <ac:chgData name="Nils Mechtel" userId="d365a3c7-8594-435f-9872-5455ceefc78f" providerId="ADAL" clId="{FEE5CBDF-FE29-4F9F-99B9-949F0817748B}" dt="2019-05-13T12:40:26.034" v="3018" actId="1076"/>
+          <ac:chgData name="Nils Mechtel" userId="d365a3c7-8594-435f-9872-5455ceefc78f" providerId="ADAL" clId="{FEE5CBDF-FE29-4F9F-99B9-949F0817748B}" dt="2019-05-14T19:16:06.487" v="5539" actId="1076"/>
           <ac:spMkLst>
             <pc:docMk/>
             <pc:sldMk cId="3678253361" sldId="258"/>
@@ -1024,15 +1323,23 @@
           </ac:spMkLst>
         </pc:spChg>
         <pc:spChg chg="add mod">
-          <ac:chgData name="Nils Mechtel" userId="d365a3c7-8594-435f-9872-5455ceefc78f" providerId="ADAL" clId="{FEE5CBDF-FE29-4F9F-99B9-949F0817748B}" dt="2019-05-13T12:40:31.247" v="3019" actId="1076"/>
+          <ac:chgData name="Nils Mechtel" userId="d365a3c7-8594-435f-9872-5455ceefc78f" providerId="ADAL" clId="{FEE5CBDF-FE29-4F9F-99B9-949F0817748B}" dt="2019-05-14T19:16:06.487" v="5539" actId="1076"/>
           <ac:spMkLst>
             <pc:docMk/>
             <pc:sldMk cId="3678253361" sldId="258"/>
             <ac:spMk id="8" creationId="{41F96F25-D8B4-4DB8-B960-4A00E53B472B}"/>
           </ac:spMkLst>
         </pc:spChg>
+        <pc:spChg chg="mod">
+          <ac:chgData name="Nils Mechtel" userId="d365a3c7-8594-435f-9872-5455ceefc78f" providerId="ADAL" clId="{FEE5CBDF-FE29-4F9F-99B9-949F0817748B}" dt="2019-05-14T19:16:06.487" v="5539" actId="1076"/>
+          <ac:spMkLst>
+            <pc:docMk/>
+            <pc:sldMk cId="3678253361" sldId="258"/>
+            <ac:spMk id="9" creationId="{3051B073-4B27-4D2F-8EA2-4D83A57733D7}"/>
+          </ac:spMkLst>
+        </pc:spChg>
         <pc:picChg chg="add mod">
-          <ac:chgData name="Nils Mechtel" userId="d365a3c7-8594-435f-9872-5455ceefc78f" providerId="ADAL" clId="{FEE5CBDF-FE29-4F9F-99B9-949F0817748B}" dt="2019-05-13T08:30:38.155" v="2674" actId="1076"/>
+          <ac:chgData name="Nils Mechtel" userId="d365a3c7-8594-435f-9872-5455ceefc78f" providerId="ADAL" clId="{FEE5CBDF-FE29-4F9F-99B9-949F0817748B}" dt="2019-05-14T19:15:46.415" v="5537" actId="1076"/>
           <ac:picMkLst>
             <pc:docMk/>
             <pc:sldMk cId="3678253361" sldId="258"/>
@@ -1040,8 +1347,8 @@
           </ac:picMkLst>
         </pc:picChg>
       </pc:sldChg>
-      <pc:sldChg chg="addSp delSp modSp modTransition setBg addAnim delAnim modAnim addCm modCm">
-        <pc:chgData name="Nils Mechtel" userId="d365a3c7-8594-435f-9872-5455ceefc78f" providerId="ADAL" clId="{FEE5CBDF-FE29-4F9F-99B9-949F0817748B}" dt="2019-05-14T13:01:38.387" v="4565" actId="20577"/>
+      <pc:sldChg chg="addSp delSp modSp modTransition setBg addAnim delAnim modAnim addCm delCm modCm">
+        <pc:chgData name="Nils Mechtel" userId="d365a3c7-8594-435f-9872-5455ceefc78f" providerId="ADAL" clId="{FEE5CBDF-FE29-4F9F-99B9-949F0817748B}" dt="2019-05-15T11:43:42.163" v="6001" actId="1592"/>
         <pc:sldMkLst>
           <pc:docMk/>
           <pc:sldMk cId="2828272781" sldId="260"/>
@@ -2007,8 +2314,8 @@
           </ac:inkMkLst>
         </pc:inkChg>
       </pc:sldChg>
-      <pc:sldChg chg="addSp delSp modSp add del modTransition setBg modAnim addCm modCm">
-        <pc:chgData name="Nils Mechtel" userId="d365a3c7-8594-435f-9872-5455ceefc78f" providerId="ADAL" clId="{FEE5CBDF-FE29-4F9F-99B9-949F0817748B}" dt="2019-05-14T16:37:50.750" v="5443" actId="1076"/>
+      <pc:sldChg chg="addSp delSp modSp add del modTransition setBg delAnim modAnim addCm modCm modNotesTx">
+        <pc:chgData name="Nils Mechtel" userId="d365a3c7-8594-435f-9872-5455ceefc78f" providerId="ADAL" clId="{FEE5CBDF-FE29-4F9F-99B9-949F0817748B}" dt="2019-05-14T19:27:23.593" v="5599" actId="2696"/>
         <pc:sldMkLst>
           <pc:docMk/>
           <pc:sldMk cId="4044078516" sldId="263"/>
@@ -2022,7 +2329,7 @@
           </ac:spMkLst>
         </pc:spChg>
         <pc:spChg chg="add mod">
-          <ac:chgData name="Nils Mechtel" userId="d365a3c7-8594-435f-9872-5455ceefc78f" providerId="ADAL" clId="{FEE5CBDF-FE29-4F9F-99B9-949F0817748B}" dt="2019-05-14T13:11:51.832" v="4609" actId="20577"/>
+          <ac:chgData name="Nils Mechtel" userId="d365a3c7-8594-435f-9872-5455ceefc78f" providerId="ADAL" clId="{FEE5CBDF-FE29-4F9F-99B9-949F0817748B}" dt="2019-05-14T19:22:42.986" v="5572" actId="14100"/>
           <ac:spMkLst>
             <pc:docMk/>
             <pc:sldMk cId="4044078516" sldId="263"/>
@@ -2038,6 +2345,14 @@
           </ac:spMkLst>
         </pc:spChg>
         <pc:spChg chg="add del mod">
+          <ac:chgData name="Nils Mechtel" userId="d365a3c7-8594-435f-9872-5455ceefc78f" providerId="ADAL" clId="{FEE5CBDF-FE29-4F9F-99B9-949F0817748B}" dt="2019-05-14T19:22:28.381" v="5568" actId="478"/>
+          <ac:spMkLst>
+            <pc:docMk/>
+            <pc:sldMk cId="4044078516" sldId="263"/>
+            <ac:spMk id="4" creationId="{7DE8D0A3-0E48-4DD2-9179-C41BD6A8E587}"/>
+          </ac:spMkLst>
+        </pc:spChg>
+        <pc:spChg chg="add del mod">
           <ac:chgData name="Nils Mechtel" userId="d365a3c7-8594-435f-9872-5455ceefc78f" providerId="ADAL" clId="{FEE5CBDF-FE29-4F9F-99B9-949F0817748B}" dt="2019-05-11T15:20:05.762" v="898"/>
           <ac:spMkLst>
             <pc:docMk/>
@@ -2053,8 +2368,8 @@
             <ac:spMk id="5" creationId="{A50493A2-4AD0-4DAC-95CA-DEF04F4085A3}"/>
           </ac:spMkLst>
         </pc:spChg>
-        <pc:spChg chg="add mod">
-          <ac:chgData name="Nils Mechtel" userId="d365a3c7-8594-435f-9872-5455ceefc78f" providerId="ADAL" clId="{FEE5CBDF-FE29-4F9F-99B9-949F0817748B}" dt="2019-05-14T16:37:50.750" v="5443" actId="1076"/>
+        <pc:spChg chg="add del mod">
+          <ac:chgData name="Nils Mechtel" userId="d365a3c7-8594-435f-9872-5455ceefc78f" providerId="ADAL" clId="{FEE5CBDF-FE29-4F9F-99B9-949F0817748B}" dt="2019-05-14T19:22:25.907" v="5567" actId="478"/>
           <ac:spMkLst>
             <pc:docMk/>
             <pc:sldMk cId="4044078516" sldId="263"/>
@@ -2141,8 +2456,8 @@
             <ac:grpSpMk id="20" creationId="{C66B09B6-7DFB-414A-B35B-3FADE3D650AC}"/>
           </ac:grpSpMkLst>
         </pc:grpChg>
-        <pc:grpChg chg="add mod">
-          <ac:chgData name="Nils Mechtel" userId="d365a3c7-8594-435f-9872-5455ceefc78f" providerId="ADAL" clId="{FEE5CBDF-FE29-4F9F-99B9-949F0817748B}" dt="2019-05-13T14:22:00.803" v="3405" actId="1076"/>
+        <pc:grpChg chg="add del mod">
+          <ac:chgData name="Nils Mechtel" userId="d365a3c7-8594-435f-9872-5455ceefc78f" providerId="ADAL" clId="{FEE5CBDF-FE29-4F9F-99B9-949F0817748B}" dt="2019-05-14T19:22:21.169" v="5566" actId="478"/>
           <ac:grpSpMkLst>
             <pc:docMk/>
             <pc:sldMk cId="4044078516" sldId="263"/>
@@ -2310,8 +2625,8 @@
           </ac:cxnSpMkLst>
         </pc:cxnChg>
       </pc:sldChg>
-      <pc:sldChg chg="addSp delSp modSp modTransition setBg modAnim addCm modCm modNotesTx">
-        <pc:chgData name="Nils Mechtel" userId="d365a3c7-8594-435f-9872-5455ceefc78f" providerId="ADAL" clId="{FEE5CBDF-FE29-4F9F-99B9-949F0817748B}" dt="2019-05-14T19:09:23.766" v="5456" actId="20577"/>
+      <pc:sldChg chg="addSp delSp modSp modTransition setBg modAnim addCm delCm modCm modNotesTx">
+        <pc:chgData name="Nils Mechtel" userId="d365a3c7-8594-435f-9872-5455ceefc78f" providerId="ADAL" clId="{FEE5CBDF-FE29-4F9F-99B9-949F0817748B}" dt="2019-05-15T11:44:43.362" v="6009" actId="1592"/>
         <pc:sldMkLst>
           <pc:docMk/>
           <pc:sldMk cId="3854328160" sldId="264"/>
@@ -2325,7 +2640,7 @@
           </ac:spMkLst>
         </pc:spChg>
         <pc:spChg chg="mod">
-          <ac:chgData name="Nils Mechtel" userId="d365a3c7-8594-435f-9872-5455ceefc78f" providerId="ADAL" clId="{FEE5CBDF-FE29-4F9F-99B9-949F0817748B}" dt="2019-05-14T15:17:11.315" v="4943" actId="108"/>
+          <ac:chgData name="Nils Mechtel" userId="d365a3c7-8594-435f-9872-5455ceefc78f" providerId="ADAL" clId="{FEE5CBDF-FE29-4F9F-99B9-949F0817748B}" dt="2019-05-14T20:55:46.922" v="5918" actId="313"/>
           <ac:spMkLst>
             <pc:docMk/>
             <pc:sldMk cId="3854328160" sldId="264"/>
@@ -2341,11 +2656,35 @@
           </ac:spMkLst>
         </pc:spChg>
         <pc:spChg chg="mod">
-          <ac:chgData name="Nils Mechtel" userId="d365a3c7-8594-435f-9872-5455ceefc78f" providerId="ADAL" clId="{FEE5CBDF-FE29-4F9F-99B9-949F0817748B}" dt="2019-05-14T13:01:34.091" v="4564" actId="20577"/>
+          <ac:chgData name="Nils Mechtel" userId="d365a3c7-8594-435f-9872-5455ceefc78f" providerId="ADAL" clId="{FEE5CBDF-FE29-4F9F-99B9-949F0817748B}" dt="2019-05-14T20:55:17.566" v="5916" actId="790"/>
+          <ac:spMkLst>
+            <pc:docMk/>
+            <pc:sldMk cId="3854328160" sldId="264"/>
+            <ac:spMk id="7" creationId="{6AADC546-FB9D-4E44-B69B-D5DD7ED4DE1F}"/>
+          </ac:spMkLst>
+        </pc:spChg>
+        <pc:spChg chg="mod">
+          <ac:chgData name="Nils Mechtel" userId="d365a3c7-8594-435f-9872-5455ceefc78f" providerId="ADAL" clId="{FEE5CBDF-FE29-4F9F-99B9-949F0817748B}" dt="2019-05-14T20:55:17.566" v="5916" actId="790"/>
           <ac:spMkLst>
             <pc:docMk/>
             <pc:sldMk cId="3854328160" sldId="264"/>
             <ac:spMk id="10" creationId="{694EEF47-A28F-49B6-949E-B60C63EE1992}"/>
+          </ac:spMkLst>
+        </pc:spChg>
+        <pc:spChg chg="mod">
+          <ac:chgData name="Nils Mechtel" userId="d365a3c7-8594-435f-9872-5455ceefc78f" providerId="ADAL" clId="{FEE5CBDF-FE29-4F9F-99B9-949F0817748B}" dt="2019-05-14T20:55:17.566" v="5916" actId="790"/>
+          <ac:spMkLst>
+            <pc:docMk/>
+            <pc:sldMk cId="3854328160" sldId="264"/>
+            <ac:spMk id="13" creationId="{82552D81-9050-48B9-83ED-0E589B37F8F6}"/>
+          </ac:spMkLst>
+        </pc:spChg>
+        <pc:spChg chg="mod">
+          <ac:chgData name="Nils Mechtel" userId="d365a3c7-8594-435f-9872-5455ceefc78f" providerId="ADAL" clId="{FEE5CBDF-FE29-4F9F-99B9-949F0817748B}" dt="2019-05-14T20:55:17.566" v="5916" actId="790"/>
+          <ac:spMkLst>
+            <pc:docMk/>
+            <pc:sldMk cId="3854328160" sldId="264"/>
+            <ac:spMk id="16" creationId="{92049864-8C01-48A1-823D-E3DE364ED32F}"/>
           </ac:spMkLst>
         </pc:spChg>
         <pc:spChg chg="add mod">
@@ -2354,6 +2693,22 @@
             <pc:docMk/>
             <pc:sldMk cId="3854328160" sldId="264"/>
             <ac:spMk id="17" creationId="{4F6CD179-615F-4455-95D5-3104BC1C7BC4}"/>
+          </ac:spMkLst>
+        </pc:spChg>
+        <pc:spChg chg="add del mod">
+          <ac:chgData name="Nils Mechtel" userId="d365a3c7-8594-435f-9872-5455ceefc78f" providerId="ADAL" clId="{FEE5CBDF-FE29-4F9F-99B9-949F0817748B}" dt="2019-05-14T20:14:04.041" v="5808" actId="478"/>
+          <ac:spMkLst>
+            <pc:docMk/>
+            <pc:sldMk cId="3854328160" sldId="264"/>
+            <ac:spMk id="20" creationId="{08C046E2-22C5-437F-9A5B-331A97A2D75A}"/>
+          </ac:spMkLst>
+        </pc:spChg>
+        <pc:spChg chg="add mod">
+          <ac:chgData name="Nils Mechtel" userId="d365a3c7-8594-435f-9872-5455ceefc78f" providerId="ADAL" clId="{FEE5CBDF-FE29-4F9F-99B9-949F0817748B}" dt="2019-05-14T20:15:03.545" v="5855" actId="1076"/>
+          <ac:spMkLst>
+            <pc:docMk/>
+            <pc:sldMk cId="3854328160" sldId="264"/>
+            <ac:spMk id="21" creationId="{80E8317C-FE6F-4911-8613-6718D046F7AB}"/>
           </ac:spMkLst>
         </pc:spChg>
         <pc:grpChg chg="add mod">
@@ -2404,9 +2759,25 @@
             <ac:graphicFrameMk id="6" creationId="{38A45C4B-AA75-4F65-BAFF-9F212EA28FBA}"/>
           </ac:graphicFrameMkLst>
         </pc:graphicFrameChg>
+        <pc:graphicFrameChg chg="add del mod">
+          <ac:chgData name="Nils Mechtel" userId="d365a3c7-8594-435f-9872-5455ceefc78f" providerId="ADAL" clId="{FEE5CBDF-FE29-4F9F-99B9-949F0817748B}" dt="2019-05-14T20:10:21.816" v="5657" actId="478"/>
+          <ac:graphicFrameMkLst>
+            <pc:docMk/>
+            <pc:sldMk cId="3854328160" sldId="264"/>
+            <ac:graphicFrameMk id="18" creationId="{EFFDF5F7-A5AA-4857-B6E3-7F3D6DD6E849}"/>
+          </ac:graphicFrameMkLst>
+        </pc:graphicFrameChg>
+        <pc:graphicFrameChg chg="add mod">
+          <ac:chgData name="Nils Mechtel" userId="d365a3c7-8594-435f-9872-5455ceefc78f" providerId="ADAL" clId="{FEE5CBDF-FE29-4F9F-99B9-949F0817748B}" dt="2019-05-14T20:55:43.429" v="5917" actId="313"/>
+          <ac:graphicFrameMkLst>
+            <pc:docMk/>
+            <pc:sldMk cId="3854328160" sldId="264"/>
+            <ac:graphicFrameMk id="19" creationId="{2416E5F6-411F-45F0-92E4-2DCC36A7BD49}"/>
+          </ac:graphicFrameMkLst>
+        </pc:graphicFrameChg>
       </pc:sldChg>
-      <pc:sldChg chg="addSp delSp modSp add setBg addCm modCm modNotesTx">
-        <pc:chgData name="Nils Mechtel" userId="d365a3c7-8594-435f-9872-5455ceefc78f" providerId="ADAL" clId="{FEE5CBDF-FE29-4F9F-99B9-949F0817748B}" dt="2019-05-13T14:46:20.982" v="3702" actId="165"/>
+      <pc:sldChg chg="addSp delSp modSp add setBg addCm delCm modCm modNotesTx">
+        <pc:chgData name="Nils Mechtel" userId="d365a3c7-8594-435f-9872-5455ceefc78f" providerId="ADAL" clId="{FEE5CBDF-FE29-4F9F-99B9-949F0817748B}" dt="2019-05-15T11:43:26.462" v="5999" actId="1592"/>
         <pc:sldMkLst>
           <pc:docMk/>
           <pc:sldMk cId="836733519" sldId="265"/>
@@ -2868,8 +3239,8 @@
           </ac:inkMkLst>
         </pc:inkChg>
       </pc:sldChg>
-      <pc:sldChg chg="addSp delSp modSp add setBg delAnim modAnim addCm modCm modNotesTx">
-        <pc:chgData name="Nils Mechtel" userId="d365a3c7-8594-435f-9872-5455ceefc78f" providerId="ADAL" clId="{FEE5CBDF-FE29-4F9F-99B9-949F0817748B}" dt="2019-05-14T16:28:12.702" v="5439" actId="20577"/>
+      <pc:sldChg chg="addSp delSp modSp add setBg delAnim modAnim addCm delCm modCm modNotesTx">
+        <pc:chgData name="Nils Mechtel" userId="d365a3c7-8594-435f-9872-5455ceefc78f" providerId="ADAL" clId="{FEE5CBDF-FE29-4F9F-99B9-949F0817748B}" dt="2019-05-15T11:43:12.525" v="5998" actId="1592"/>
         <pc:sldMkLst>
           <pc:docMk/>
           <pc:sldMk cId="2923162179" sldId="266"/>
@@ -2995,7 +3366,7 @@
           </ac:picMkLst>
         </pc:picChg>
         <pc:picChg chg="add mod">
-          <ac:chgData name="Nils Mechtel" userId="d365a3c7-8594-435f-9872-5455ceefc78f" providerId="ADAL" clId="{FEE5CBDF-FE29-4F9F-99B9-949F0817748B}" dt="2019-05-13T11:43:23.641" v="2999" actId="14100"/>
+          <ac:chgData name="Nils Mechtel" userId="d365a3c7-8594-435f-9872-5455ceefc78f" providerId="ADAL" clId="{FEE5CBDF-FE29-4F9F-99B9-949F0817748B}" dt="2019-05-14T19:17:19.289" v="5542" actId="1076"/>
           <ac:picMkLst>
             <pc:docMk/>
             <pc:sldMk cId="2923162179" sldId="266"/>
@@ -3051,1068 +3422,8 @@
           </ac:inkMkLst>
         </pc:inkChg>
       </pc:sldChg>
-      <pc:sldChg chg="modSp del setBg">
-        <pc:chgData name="Nils Mechtel" userId="d365a3c7-8594-435f-9872-5455ceefc78f" providerId="ADAL" clId="{FEE5CBDF-FE29-4F9F-99B9-949F0817748B}" dt="2019-05-13T11:46:46.334" v="3000" actId="2696"/>
-        <pc:sldMkLst>
-          <pc:docMk/>
-          <pc:sldMk cId="1409348059" sldId="267"/>
-        </pc:sldMkLst>
-        <pc:spChg chg="mod">
-          <ac:chgData name="Nils Mechtel" userId="d365a3c7-8594-435f-9872-5455ceefc78f" providerId="ADAL" clId="{FEE5CBDF-FE29-4F9F-99B9-949F0817748B}" dt="2019-05-13T07:50:53.440" v="2433" actId="2711"/>
-          <ac:spMkLst>
-            <pc:docMk/>
-            <pc:sldMk cId="1409348059" sldId="267"/>
-            <ac:spMk id="2" creationId="{962E61EA-DBA2-4E80-83C7-06C5EF22F758}"/>
-          </ac:spMkLst>
-        </pc:spChg>
-      </pc:sldChg>
-      <pc:sldChg chg="addSp delSp add del modTransition setBg">
-        <pc:chgData name="Nils Mechtel" userId="d365a3c7-8594-435f-9872-5455ceefc78f" providerId="ADAL" clId="{FEE5CBDF-FE29-4F9F-99B9-949F0817748B}" dt="2019-05-13T08:43:51.194" v="2720" actId="2696"/>
-        <pc:sldMkLst>
-          <pc:docMk/>
-          <pc:sldMk cId="92394746" sldId="269"/>
-        </pc:sldMkLst>
-        <pc:inkChg chg="add del">
-          <ac:chgData name="Nils Mechtel" userId="d365a3c7-8594-435f-9872-5455ceefc78f" providerId="ADAL" clId="{FEE5CBDF-FE29-4F9F-99B9-949F0817748B}" dt="2019-05-12T16:33:17.074" v="1290"/>
-          <ac:inkMkLst>
-            <pc:docMk/>
-            <pc:sldMk cId="92394746" sldId="269"/>
-            <ac:inkMk id="3" creationId="{79F151EB-7434-41E0-8EDF-134D460C105F}"/>
-          </ac:inkMkLst>
-        </pc:inkChg>
-        <pc:inkChg chg="add del">
-          <ac:chgData name="Nils Mechtel" userId="d365a3c7-8594-435f-9872-5455ceefc78f" providerId="ADAL" clId="{FEE5CBDF-FE29-4F9F-99B9-949F0817748B}" dt="2019-05-12T16:33:24.752" v="1295"/>
-          <ac:inkMkLst>
-            <pc:docMk/>
-            <pc:sldMk cId="92394746" sldId="269"/>
-            <ac:inkMk id="4" creationId="{3D536AB5-D989-49BC-BE7A-CFAE8C29B4CC}"/>
-          </ac:inkMkLst>
-        </pc:inkChg>
-        <pc:inkChg chg="add del">
-          <ac:chgData name="Nils Mechtel" userId="d365a3c7-8594-435f-9872-5455ceefc78f" providerId="ADAL" clId="{FEE5CBDF-FE29-4F9F-99B9-949F0817748B}" dt="2019-05-12T16:33:24.752" v="1295"/>
-          <ac:inkMkLst>
-            <pc:docMk/>
-            <pc:sldMk cId="92394746" sldId="269"/>
-            <ac:inkMk id="5" creationId="{CDA67F92-E4B1-4495-95A3-F0163128B1FA}"/>
-          </ac:inkMkLst>
-        </pc:inkChg>
-        <pc:inkChg chg="add del">
-          <ac:chgData name="Nils Mechtel" userId="d365a3c7-8594-435f-9872-5455ceefc78f" providerId="ADAL" clId="{FEE5CBDF-FE29-4F9F-99B9-949F0817748B}" dt="2019-05-12T16:33:24.752" v="1295"/>
-          <ac:inkMkLst>
-            <pc:docMk/>
-            <pc:sldMk cId="92394746" sldId="269"/>
-            <ac:inkMk id="6" creationId="{5B0A36F5-1691-4DB4-985A-04F2661AF952}"/>
-          </ac:inkMkLst>
-        </pc:inkChg>
-        <pc:inkChg chg="add del">
-          <ac:chgData name="Nils Mechtel" userId="d365a3c7-8594-435f-9872-5455ceefc78f" providerId="ADAL" clId="{FEE5CBDF-FE29-4F9F-99B9-949F0817748B}" dt="2019-05-12T16:33:24.752" v="1295"/>
-          <ac:inkMkLst>
-            <pc:docMk/>
-            <pc:sldMk cId="92394746" sldId="269"/>
-            <ac:inkMk id="7" creationId="{A3F6B545-890D-4362-9A39-7DB7ECA3DBCC}"/>
-          </ac:inkMkLst>
-        </pc:inkChg>
-        <pc:inkChg chg="add del">
-          <ac:chgData name="Nils Mechtel" userId="d365a3c7-8594-435f-9872-5455ceefc78f" providerId="ADAL" clId="{FEE5CBDF-FE29-4F9F-99B9-949F0817748B}" dt="2019-05-12T16:33:28.237" v="1299"/>
-          <ac:inkMkLst>
-            <pc:docMk/>
-            <pc:sldMk cId="92394746" sldId="269"/>
-            <ac:inkMk id="8" creationId="{3FE7AAB8-BCD9-43E5-AC6D-388BCB00B152}"/>
-          </ac:inkMkLst>
-        </pc:inkChg>
-        <pc:inkChg chg="add del">
-          <ac:chgData name="Nils Mechtel" userId="d365a3c7-8594-435f-9872-5455ceefc78f" providerId="ADAL" clId="{FEE5CBDF-FE29-4F9F-99B9-949F0817748B}" dt="2019-05-12T16:33:28.237" v="1299"/>
-          <ac:inkMkLst>
-            <pc:docMk/>
-            <pc:sldMk cId="92394746" sldId="269"/>
-            <ac:inkMk id="9" creationId="{63B90B6D-9F5B-4B78-9B88-A087BCC160AF}"/>
-          </ac:inkMkLst>
-        </pc:inkChg>
-        <pc:inkChg chg="add del">
-          <ac:chgData name="Nils Mechtel" userId="d365a3c7-8594-435f-9872-5455ceefc78f" providerId="ADAL" clId="{FEE5CBDF-FE29-4F9F-99B9-949F0817748B}" dt="2019-05-12T16:33:28.237" v="1299"/>
-          <ac:inkMkLst>
-            <pc:docMk/>
-            <pc:sldMk cId="92394746" sldId="269"/>
-            <ac:inkMk id="10" creationId="{0EE60935-B88A-4BD6-80F6-560FCBBE75A1}"/>
-          </ac:inkMkLst>
-        </pc:inkChg>
-        <pc:inkChg chg="add del">
-          <ac:chgData name="Nils Mechtel" userId="d365a3c7-8594-435f-9872-5455ceefc78f" providerId="ADAL" clId="{FEE5CBDF-FE29-4F9F-99B9-949F0817748B}" dt="2019-05-12T16:33:28.237" v="1299"/>
-          <ac:inkMkLst>
-            <pc:docMk/>
-            <pc:sldMk cId="92394746" sldId="269"/>
-            <ac:inkMk id="11" creationId="{95AB4A76-B87A-48A0-9AF4-E318105EB524}"/>
-          </ac:inkMkLst>
-        </pc:inkChg>
-        <pc:inkChg chg="add del">
-          <ac:chgData name="Nils Mechtel" userId="d365a3c7-8594-435f-9872-5455ceefc78f" providerId="ADAL" clId="{FEE5CBDF-FE29-4F9F-99B9-949F0817748B}" dt="2019-05-12T16:33:43.561" v="1306"/>
-          <ac:inkMkLst>
-            <pc:docMk/>
-            <pc:sldMk cId="92394746" sldId="269"/>
-            <ac:inkMk id="12" creationId="{1C53BA47-8884-4FD0-91B4-CF33B7298A3B}"/>
-          </ac:inkMkLst>
-        </pc:inkChg>
-        <pc:inkChg chg="add del">
-          <ac:chgData name="Nils Mechtel" userId="d365a3c7-8594-435f-9872-5455ceefc78f" providerId="ADAL" clId="{FEE5CBDF-FE29-4F9F-99B9-949F0817748B}" dt="2019-05-12T16:33:39.899" v="1302"/>
-          <ac:inkMkLst>
-            <pc:docMk/>
-            <pc:sldMk cId="92394746" sldId="269"/>
-            <ac:inkMk id="13" creationId="{879BBDF7-55FA-49FE-B507-B04136EC82DA}"/>
-          </ac:inkMkLst>
-        </pc:inkChg>
-        <pc:inkChg chg="add del">
-          <ac:chgData name="Nils Mechtel" userId="d365a3c7-8594-435f-9872-5455ceefc78f" providerId="ADAL" clId="{FEE5CBDF-FE29-4F9F-99B9-949F0817748B}" dt="2019-05-12T16:33:39.899" v="1302"/>
-          <ac:inkMkLst>
-            <pc:docMk/>
-            <pc:sldMk cId="92394746" sldId="269"/>
-            <ac:inkMk id="14" creationId="{BEC0477C-793D-4FB9-81BD-F9C526B478C0}"/>
-          </ac:inkMkLst>
-        </pc:inkChg>
-        <pc:inkChg chg="add del">
-          <ac:chgData name="Nils Mechtel" userId="d365a3c7-8594-435f-9872-5455ceefc78f" providerId="ADAL" clId="{FEE5CBDF-FE29-4F9F-99B9-949F0817748B}" dt="2019-05-12T16:33:43.561" v="1306"/>
-          <ac:inkMkLst>
-            <pc:docMk/>
-            <pc:sldMk cId="92394746" sldId="269"/>
-            <ac:inkMk id="15" creationId="{8329EA85-955B-453A-9875-82ED5B49487E}"/>
-          </ac:inkMkLst>
-        </pc:inkChg>
-        <pc:inkChg chg="add del">
-          <ac:chgData name="Nils Mechtel" userId="d365a3c7-8594-435f-9872-5455ceefc78f" providerId="ADAL" clId="{FEE5CBDF-FE29-4F9F-99B9-949F0817748B}" dt="2019-05-12T16:33:43.561" v="1306"/>
-          <ac:inkMkLst>
-            <pc:docMk/>
-            <pc:sldMk cId="92394746" sldId="269"/>
-            <ac:inkMk id="16" creationId="{C824DFB5-DBBF-43D3-8790-2F03EA4EC6B8}"/>
-          </ac:inkMkLst>
-        </pc:inkChg>
-        <pc:inkChg chg="add del">
-          <ac:chgData name="Nils Mechtel" userId="d365a3c7-8594-435f-9872-5455ceefc78f" providerId="ADAL" clId="{FEE5CBDF-FE29-4F9F-99B9-949F0817748B}" dt="2019-05-12T16:33:43.561" v="1306"/>
-          <ac:inkMkLst>
-            <pc:docMk/>
-            <pc:sldMk cId="92394746" sldId="269"/>
-            <ac:inkMk id="17" creationId="{6DCD3F53-99F2-49E8-986C-80E3EEB74080}"/>
-          </ac:inkMkLst>
-        </pc:inkChg>
-        <pc:inkChg chg="add del">
-          <ac:chgData name="Nils Mechtel" userId="d365a3c7-8594-435f-9872-5455ceefc78f" providerId="ADAL" clId="{FEE5CBDF-FE29-4F9F-99B9-949F0817748B}" dt="2019-05-12T16:33:43.561" v="1306"/>
-          <ac:inkMkLst>
-            <pc:docMk/>
-            <pc:sldMk cId="92394746" sldId="269"/>
-            <ac:inkMk id="18" creationId="{9C0742DD-55F6-4B20-BD36-8DF1E58593A0}"/>
-          </ac:inkMkLst>
-        </pc:inkChg>
-        <pc:inkChg chg="add">
-          <ac:chgData name="Nils Mechtel" userId="d365a3c7-8594-435f-9872-5455ceefc78f" providerId="ADAL" clId="{FEE5CBDF-FE29-4F9F-99B9-949F0817748B}" dt="2019-05-12T16:33:43.561" v="1306"/>
-          <ac:inkMkLst>
-            <pc:docMk/>
-            <pc:sldMk cId="92394746" sldId="269"/>
-            <ac:inkMk id="19" creationId="{DEFDBD3D-2805-4B6B-8140-F09549253279}"/>
-          </ac:inkMkLst>
-        </pc:inkChg>
-        <pc:inkChg chg="add del">
-          <ac:chgData name="Nils Mechtel" userId="d365a3c7-8594-435f-9872-5455ceefc78f" providerId="ADAL" clId="{FEE5CBDF-FE29-4F9F-99B9-949F0817748B}" dt="2019-05-12T16:33:51" v="1313"/>
-          <ac:inkMkLst>
-            <pc:docMk/>
-            <pc:sldMk cId="92394746" sldId="269"/>
-            <ac:inkMk id="20" creationId="{39B6F718-899F-4FB2-A130-862C0B169582}"/>
-          </ac:inkMkLst>
-        </pc:inkChg>
-        <pc:inkChg chg="add del">
-          <ac:chgData name="Nils Mechtel" userId="d365a3c7-8594-435f-9872-5455ceefc78f" providerId="ADAL" clId="{FEE5CBDF-FE29-4F9F-99B9-949F0817748B}" dt="2019-05-12T16:33:51" v="1313"/>
-          <ac:inkMkLst>
-            <pc:docMk/>
-            <pc:sldMk cId="92394746" sldId="269"/>
-            <ac:inkMk id="21" creationId="{31DCF803-14FB-4EFA-9FDB-9FB450DE310F}"/>
-          </ac:inkMkLst>
-        </pc:inkChg>
-        <pc:inkChg chg="add del">
-          <ac:chgData name="Nils Mechtel" userId="d365a3c7-8594-435f-9872-5455ceefc78f" providerId="ADAL" clId="{FEE5CBDF-FE29-4F9F-99B9-949F0817748B}" dt="2019-05-12T16:33:51" v="1313"/>
-          <ac:inkMkLst>
-            <pc:docMk/>
-            <pc:sldMk cId="92394746" sldId="269"/>
-            <ac:inkMk id="22" creationId="{B0487E37-00BB-4ECB-A480-C0A41EB2A5DE}"/>
-          </ac:inkMkLst>
-        </pc:inkChg>
-        <pc:inkChg chg="add del">
-          <ac:chgData name="Nils Mechtel" userId="d365a3c7-8594-435f-9872-5455ceefc78f" providerId="ADAL" clId="{FEE5CBDF-FE29-4F9F-99B9-949F0817748B}" dt="2019-05-12T16:33:51" v="1313"/>
-          <ac:inkMkLst>
-            <pc:docMk/>
-            <pc:sldMk cId="92394746" sldId="269"/>
-            <ac:inkMk id="23" creationId="{B881658F-4417-42B8-A206-84817C5CD5A2}"/>
-          </ac:inkMkLst>
-        </pc:inkChg>
-        <pc:inkChg chg="add del">
-          <ac:chgData name="Nils Mechtel" userId="d365a3c7-8594-435f-9872-5455ceefc78f" providerId="ADAL" clId="{FEE5CBDF-FE29-4F9F-99B9-949F0817748B}" dt="2019-05-12T16:33:51" v="1313"/>
-          <ac:inkMkLst>
-            <pc:docMk/>
-            <pc:sldMk cId="92394746" sldId="269"/>
-            <ac:inkMk id="24" creationId="{260D04DF-19A1-4AA9-BE5D-23351DDB6E27}"/>
-          </ac:inkMkLst>
-        </pc:inkChg>
-        <pc:inkChg chg="add del">
-          <ac:chgData name="Nils Mechtel" userId="d365a3c7-8594-435f-9872-5455ceefc78f" providerId="ADAL" clId="{FEE5CBDF-FE29-4F9F-99B9-949F0817748B}" dt="2019-05-12T16:33:51" v="1313"/>
-          <ac:inkMkLst>
-            <pc:docMk/>
-            <pc:sldMk cId="92394746" sldId="269"/>
-            <ac:inkMk id="25" creationId="{7B906FAF-7F88-44DF-80ED-E978F9A5FD02}"/>
-          </ac:inkMkLst>
-        </pc:inkChg>
-        <pc:inkChg chg="add">
-          <ac:chgData name="Nils Mechtel" userId="d365a3c7-8594-435f-9872-5455ceefc78f" providerId="ADAL" clId="{FEE5CBDF-FE29-4F9F-99B9-949F0817748B}" dt="2019-05-12T16:33:51" v="1313"/>
-          <ac:inkMkLst>
-            <pc:docMk/>
-            <pc:sldMk cId="92394746" sldId="269"/>
-            <ac:inkMk id="26" creationId="{17BFD54E-12DA-4B54-9423-049C1F9FC3A6}"/>
-          </ac:inkMkLst>
-        </pc:inkChg>
-        <pc:inkChg chg="add del">
-          <ac:chgData name="Nils Mechtel" userId="d365a3c7-8594-435f-9872-5455ceefc78f" providerId="ADAL" clId="{FEE5CBDF-FE29-4F9F-99B9-949F0817748B}" dt="2019-05-12T16:33:56.739" v="1316"/>
-          <ac:inkMkLst>
-            <pc:docMk/>
-            <pc:sldMk cId="92394746" sldId="269"/>
-            <ac:inkMk id="27" creationId="{A90703FC-282F-43D9-ABA0-95E483E2DD18}"/>
-          </ac:inkMkLst>
-        </pc:inkChg>
-        <pc:inkChg chg="add del">
-          <ac:chgData name="Nils Mechtel" userId="d365a3c7-8594-435f-9872-5455ceefc78f" providerId="ADAL" clId="{FEE5CBDF-FE29-4F9F-99B9-949F0817748B}" dt="2019-05-12T16:33:56.739" v="1316"/>
-          <ac:inkMkLst>
-            <pc:docMk/>
-            <pc:sldMk cId="92394746" sldId="269"/>
-            <ac:inkMk id="28" creationId="{2353C550-8293-4183-808C-60F52471062D}"/>
-          </ac:inkMkLst>
-        </pc:inkChg>
-        <pc:inkChg chg="add">
-          <ac:chgData name="Nils Mechtel" userId="d365a3c7-8594-435f-9872-5455ceefc78f" providerId="ADAL" clId="{FEE5CBDF-FE29-4F9F-99B9-949F0817748B}" dt="2019-05-12T16:33:56.739" v="1316"/>
-          <ac:inkMkLst>
-            <pc:docMk/>
-            <pc:sldMk cId="92394746" sldId="269"/>
-            <ac:inkMk id="29" creationId="{044CC6CA-5D1F-44BE-9C87-53F48E491442}"/>
-          </ac:inkMkLst>
-        </pc:inkChg>
-        <pc:inkChg chg="add">
-          <ac:chgData name="Nils Mechtel" userId="d365a3c7-8594-435f-9872-5455ceefc78f" providerId="ADAL" clId="{FEE5CBDF-FE29-4F9F-99B9-949F0817748B}" dt="2019-05-12T16:33:59.199" v="1317" actId="9405"/>
-          <ac:inkMkLst>
-            <pc:docMk/>
-            <pc:sldMk cId="92394746" sldId="269"/>
-            <ac:inkMk id="30" creationId="{4974E588-047E-42E3-8792-A5F504165BAF}"/>
-          </ac:inkMkLst>
-        </pc:inkChg>
-        <pc:inkChg chg="add del">
-          <ac:chgData name="Nils Mechtel" userId="d365a3c7-8594-435f-9872-5455ceefc78f" providerId="ADAL" clId="{FEE5CBDF-FE29-4F9F-99B9-949F0817748B}" dt="2019-05-12T16:34:15.838" v="1335"/>
-          <ac:inkMkLst>
-            <pc:docMk/>
-            <pc:sldMk cId="92394746" sldId="269"/>
-            <ac:inkMk id="31" creationId="{0C878EC2-713F-4017-A984-BD5AAF902328}"/>
-          </ac:inkMkLst>
-        </pc:inkChg>
-        <pc:inkChg chg="add del">
-          <ac:chgData name="Nils Mechtel" userId="d365a3c7-8594-435f-9872-5455ceefc78f" providerId="ADAL" clId="{FEE5CBDF-FE29-4F9F-99B9-949F0817748B}" dt="2019-05-12T16:34:15.838" v="1335"/>
-          <ac:inkMkLst>
-            <pc:docMk/>
-            <pc:sldMk cId="92394746" sldId="269"/>
-            <ac:inkMk id="32" creationId="{FF7934C7-E5BB-41BE-B612-251EC9302616}"/>
-          </ac:inkMkLst>
-        </pc:inkChg>
-        <pc:inkChg chg="add del">
-          <ac:chgData name="Nils Mechtel" userId="d365a3c7-8594-435f-9872-5455ceefc78f" providerId="ADAL" clId="{FEE5CBDF-FE29-4F9F-99B9-949F0817748B}" dt="2019-05-12T16:34:15.838" v="1335"/>
-          <ac:inkMkLst>
-            <pc:docMk/>
-            <pc:sldMk cId="92394746" sldId="269"/>
-            <ac:inkMk id="33" creationId="{609B0BF0-0182-42FC-8B26-F9C0D89D2581}"/>
-          </ac:inkMkLst>
-        </pc:inkChg>
-        <pc:inkChg chg="add del">
-          <ac:chgData name="Nils Mechtel" userId="d365a3c7-8594-435f-9872-5455ceefc78f" providerId="ADAL" clId="{FEE5CBDF-FE29-4F9F-99B9-949F0817748B}" dt="2019-05-12T16:34:15.838" v="1335"/>
-          <ac:inkMkLst>
-            <pc:docMk/>
-            <pc:sldMk cId="92394746" sldId="269"/>
-            <ac:inkMk id="34" creationId="{C14ADF84-BB40-4E0E-A135-37508A014EC9}"/>
-          </ac:inkMkLst>
-        </pc:inkChg>
-        <pc:inkChg chg="add del">
-          <ac:chgData name="Nils Mechtel" userId="d365a3c7-8594-435f-9872-5455ceefc78f" providerId="ADAL" clId="{FEE5CBDF-FE29-4F9F-99B9-949F0817748B}" dt="2019-05-12T16:34:15.838" v="1335"/>
-          <ac:inkMkLst>
-            <pc:docMk/>
-            <pc:sldMk cId="92394746" sldId="269"/>
-            <ac:inkMk id="35" creationId="{B4BA99A6-35CD-4A8D-8CD6-32443C63DEFF}"/>
-          </ac:inkMkLst>
-        </pc:inkChg>
-        <pc:inkChg chg="add del">
-          <ac:chgData name="Nils Mechtel" userId="d365a3c7-8594-435f-9872-5455ceefc78f" providerId="ADAL" clId="{FEE5CBDF-FE29-4F9F-99B9-949F0817748B}" dt="2019-05-12T16:34:15.838" v="1335"/>
-          <ac:inkMkLst>
-            <pc:docMk/>
-            <pc:sldMk cId="92394746" sldId="269"/>
-            <ac:inkMk id="36" creationId="{2A101F61-0F35-4492-9648-ECF104BFF7E9}"/>
-          </ac:inkMkLst>
-        </pc:inkChg>
-        <pc:inkChg chg="add del">
-          <ac:chgData name="Nils Mechtel" userId="d365a3c7-8594-435f-9872-5455ceefc78f" providerId="ADAL" clId="{FEE5CBDF-FE29-4F9F-99B9-949F0817748B}" dt="2019-05-12T16:34:15.838" v="1335"/>
-          <ac:inkMkLst>
-            <pc:docMk/>
-            <pc:sldMk cId="92394746" sldId="269"/>
-            <ac:inkMk id="37" creationId="{1F529ABC-367A-4F0D-9775-49A34DF7D5C3}"/>
-          </ac:inkMkLst>
-        </pc:inkChg>
-        <pc:inkChg chg="add del">
-          <ac:chgData name="Nils Mechtel" userId="d365a3c7-8594-435f-9872-5455ceefc78f" providerId="ADAL" clId="{FEE5CBDF-FE29-4F9F-99B9-949F0817748B}" dt="2019-05-12T16:34:15.838" v="1335"/>
-          <ac:inkMkLst>
-            <pc:docMk/>
-            <pc:sldMk cId="92394746" sldId="269"/>
-            <ac:inkMk id="38" creationId="{FADD86E6-7F47-4A15-BA74-9484E3BF71BD}"/>
-          </ac:inkMkLst>
-        </pc:inkChg>
-        <pc:inkChg chg="add del">
-          <ac:chgData name="Nils Mechtel" userId="d365a3c7-8594-435f-9872-5455ceefc78f" providerId="ADAL" clId="{FEE5CBDF-FE29-4F9F-99B9-949F0817748B}" dt="2019-05-12T16:34:15.838" v="1335"/>
-          <ac:inkMkLst>
-            <pc:docMk/>
-            <pc:sldMk cId="92394746" sldId="269"/>
-            <ac:inkMk id="39" creationId="{C694035B-97ED-4196-AB91-A0C58DD1120E}"/>
-          </ac:inkMkLst>
-        </pc:inkChg>
-        <pc:inkChg chg="add del">
-          <ac:chgData name="Nils Mechtel" userId="d365a3c7-8594-435f-9872-5455ceefc78f" providerId="ADAL" clId="{FEE5CBDF-FE29-4F9F-99B9-949F0817748B}" dt="2019-05-12T16:34:15.838" v="1335"/>
-          <ac:inkMkLst>
-            <pc:docMk/>
-            <pc:sldMk cId="92394746" sldId="269"/>
-            <ac:inkMk id="40" creationId="{FAEDC52C-4BF6-4DD5-BECF-74A13A023272}"/>
-          </ac:inkMkLst>
-        </pc:inkChg>
-        <pc:inkChg chg="add del">
-          <ac:chgData name="Nils Mechtel" userId="d365a3c7-8594-435f-9872-5455ceefc78f" providerId="ADAL" clId="{FEE5CBDF-FE29-4F9F-99B9-949F0817748B}" dt="2019-05-12T16:34:15.838" v="1335"/>
-          <ac:inkMkLst>
-            <pc:docMk/>
-            <pc:sldMk cId="92394746" sldId="269"/>
-            <ac:inkMk id="41" creationId="{47B97D8F-0C83-4489-9616-D97C98D23FC8}"/>
-          </ac:inkMkLst>
-        </pc:inkChg>
-        <pc:inkChg chg="add del">
-          <ac:chgData name="Nils Mechtel" userId="d365a3c7-8594-435f-9872-5455ceefc78f" providerId="ADAL" clId="{FEE5CBDF-FE29-4F9F-99B9-949F0817748B}" dt="2019-05-12T16:34:15.838" v="1335"/>
-          <ac:inkMkLst>
-            <pc:docMk/>
-            <pc:sldMk cId="92394746" sldId="269"/>
-            <ac:inkMk id="42" creationId="{51B13B85-AA87-4E61-87CF-BABBC4B7F23E}"/>
-          </ac:inkMkLst>
-        </pc:inkChg>
-        <pc:inkChg chg="add del">
-          <ac:chgData name="Nils Mechtel" userId="d365a3c7-8594-435f-9872-5455ceefc78f" providerId="ADAL" clId="{FEE5CBDF-FE29-4F9F-99B9-949F0817748B}" dt="2019-05-12T16:34:15.838" v="1335"/>
-          <ac:inkMkLst>
-            <pc:docMk/>
-            <pc:sldMk cId="92394746" sldId="269"/>
-            <ac:inkMk id="43" creationId="{9EE16745-2316-4D78-A895-4B55494E3663}"/>
-          </ac:inkMkLst>
-        </pc:inkChg>
-        <pc:inkChg chg="add del">
-          <ac:chgData name="Nils Mechtel" userId="d365a3c7-8594-435f-9872-5455ceefc78f" providerId="ADAL" clId="{FEE5CBDF-FE29-4F9F-99B9-949F0817748B}" dt="2019-05-12T16:34:15.838" v="1335"/>
-          <ac:inkMkLst>
-            <pc:docMk/>
-            <pc:sldMk cId="92394746" sldId="269"/>
-            <ac:inkMk id="44" creationId="{055BD476-0D81-419A-B598-8F3A5D2C9320}"/>
-          </ac:inkMkLst>
-        </pc:inkChg>
-        <pc:inkChg chg="add del">
-          <ac:chgData name="Nils Mechtel" userId="d365a3c7-8594-435f-9872-5455ceefc78f" providerId="ADAL" clId="{FEE5CBDF-FE29-4F9F-99B9-949F0817748B}" dt="2019-05-12T16:34:15.838" v="1335"/>
-          <ac:inkMkLst>
-            <pc:docMk/>
-            <pc:sldMk cId="92394746" sldId="269"/>
-            <ac:inkMk id="45" creationId="{8CE89FD9-74CD-4B95-917E-B6DEA79D9C23}"/>
-          </ac:inkMkLst>
-        </pc:inkChg>
-        <pc:inkChg chg="add del">
-          <ac:chgData name="Nils Mechtel" userId="d365a3c7-8594-435f-9872-5455ceefc78f" providerId="ADAL" clId="{FEE5CBDF-FE29-4F9F-99B9-949F0817748B}" dt="2019-05-12T16:34:15.838" v="1335"/>
-          <ac:inkMkLst>
-            <pc:docMk/>
-            <pc:sldMk cId="92394746" sldId="269"/>
-            <ac:inkMk id="46" creationId="{164A86F7-A738-42CC-84C8-94EDFCA3978A}"/>
-          </ac:inkMkLst>
-        </pc:inkChg>
-        <pc:inkChg chg="add del">
-          <ac:chgData name="Nils Mechtel" userId="d365a3c7-8594-435f-9872-5455ceefc78f" providerId="ADAL" clId="{FEE5CBDF-FE29-4F9F-99B9-949F0817748B}" dt="2019-05-12T16:34:15.838" v="1335"/>
-          <ac:inkMkLst>
-            <pc:docMk/>
-            <pc:sldMk cId="92394746" sldId="269"/>
-            <ac:inkMk id="47" creationId="{5437D22D-8613-4E7B-9A03-7F8C58AF81A4}"/>
-          </ac:inkMkLst>
-        </pc:inkChg>
-        <pc:inkChg chg="add del">
-          <ac:chgData name="Nils Mechtel" userId="d365a3c7-8594-435f-9872-5455ceefc78f" providerId="ADAL" clId="{FEE5CBDF-FE29-4F9F-99B9-949F0817748B}" dt="2019-05-12T16:34:22.569" v="1338"/>
-          <ac:inkMkLst>
-            <pc:docMk/>
-            <pc:sldMk cId="92394746" sldId="269"/>
-            <ac:inkMk id="48" creationId="{C43DD4A4-4257-4068-9AC8-0645C5D5D1D3}"/>
-          </ac:inkMkLst>
-        </pc:inkChg>
-        <pc:inkChg chg="add del">
-          <ac:chgData name="Nils Mechtel" userId="d365a3c7-8594-435f-9872-5455ceefc78f" providerId="ADAL" clId="{FEE5CBDF-FE29-4F9F-99B9-949F0817748B}" dt="2019-05-12T16:34:22.569" v="1338"/>
-          <ac:inkMkLst>
-            <pc:docMk/>
-            <pc:sldMk cId="92394746" sldId="269"/>
-            <ac:inkMk id="49" creationId="{109C1EDC-49A7-4186-83F4-1C7204AA7E73}"/>
-          </ac:inkMkLst>
-        </pc:inkChg>
-        <pc:inkChg chg="add del">
-          <ac:chgData name="Nils Mechtel" userId="d365a3c7-8594-435f-9872-5455ceefc78f" providerId="ADAL" clId="{FEE5CBDF-FE29-4F9F-99B9-949F0817748B}" dt="2019-05-12T16:34:22.569" v="1338"/>
-          <ac:inkMkLst>
-            <pc:docMk/>
-            <pc:sldMk cId="92394746" sldId="269"/>
-            <ac:inkMk id="50" creationId="{1F01A99C-E9A2-4327-ACEB-B7669302B8A8}"/>
-          </ac:inkMkLst>
-        </pc:inkChg>
-        <pc:inkChg chg="add del">
-          <ac:chgData name="Nils Mechtel" userId="d365a3c7-8594-435f-9872-5455ceefc78f" providerId="ADAL" clId="{FEE5CBDF-FE29-4F9F-99B9-949F0817748B}" dt="2019-05-12T16:34:26.306" v="1343"/>
-          <ac:inkMkLst>
-            <pc:docMk/>
-            <pc:sldMk cId="92394746" sldId="269"/>
-            <ac:inkMk id="51" creationId="{B2797BB7-50F4-45CD-ABCA-437B7863FF5F}"/>
-          </ac:inkMkLst>
-        </pc:inkChg>
-        <pc:inkChg chg="add del">
-          <ac:chgData name="Nils Mechtel" userId="d365a3c7-8594-435f-9872-5455ceefc78f" providerId="ADAL" clId="{FEE5CBDF-FE29-4F9F-99B9-949F0817748B}" dt="2019-05-12T16:34:26.306" v="1343"/>
-          <ac:inkMkLst>
-            <pc:docMk/>
-            <pc:sldMk cId="92394746" sldId="269"/>
-            <ac:inkMk id="52" creationId="{1D4F1580-8B7A-468A-8E3A-DBD67C9A95C2}"/>
-          </ac:inkMkLst>
-        </pc:inkChg>
-        <pc:inkChg chg="add del">
-          <ac:chgData name="Nils Mechtel" userId="d365a3c7-8594-435f-9872-5455ceefc78f" providerId="ADAL" clId="{FEE5CBDF-FE29-4F9F-99B9-949F0817748B}" dt="2019-05-12T16:34:26.306" v="1343"/>
-          <ac:inkMkLst>
-            <pc:docMk/>
-            <pc:sldMk cId="92394746" sldId="269"/>
-            <ac:inkMk id="53" creationId="{A9B15BB1-84FA-49D9-A844-7B43AEEC276B}"/>
-          </ac:inkMkLst>
-        </pc:inkChg>
-        <pc:inkChg chg="add del">
-          <ac:chgData name="Nils Mechtel" userId="d365a3c7-8594-435f-9872-5455ceefc78f" providerId="ADAL" clId="{FEE5CBDF-FE29-4F9F-99B9-949F0817748B}" dt="2019-05-12T16:34:26.306" v="1343"/>
-          <ac:inkMkLst>
-            <pc:docMk/>
-            <pc:sldMk cId="92394746" sldId="269"/>
-            <ac:inkMk id="54" creationId="{B11A9424-6065-4955-AE40-BF59300FF094}"/>
-          </ac:inkMkLst>
-        </pc:inkChg>
-        <pc:inkChg chg="add del">
-          <ac:chgData name="Nils Mechtel" userId="d365a3c7-8594-435f-9872-5455ceefc78f" providerId="ADAL" clId="{FEE5CBDF-FE29-4F9F-99B9-949F0817748B}" dt="2019-05-12T16:34:26.306" v="1343"/>
-          <ac:inkMkLst>
-            <pc:docMk/>
-            <pc:sldMk cId="92394746" sldId="269"/>
-            <ac:inkMk id="55" creationId="{3D971CCE-95CC-4390-987D-94E3EAE69593}"/>
-          </ac:inkMkLst>
-        </pc:inkChg>
-        <pc:inkChg chg="add">
-          <ac:chgData name="Nils Mechtel" userId="d365a3c7-8594-435f-9872-5455ceefc78f" providerId="ADAL" clId="{FEE5CBDF-FE29-4F9F-99B9-949F0817748B}" dt="2019-05-12T16:34:26.306" v="1343"/>
-          <ac:inkMkLst>
-            <pc:docMk/>
-            <pc:sldMk cId="92394746" sldId="269"/>
-            <ac:inkMk id="56" creationId="{2E7888CF-E31B-4A3F-A23C-61BE11982A9B}"/>
-          </ac:inkMkLst>
-        </pc:inkChg>
-        <pc:inkChg chg="add del">
-          <ac:chgData name="Nils Mechtel" userId="d365a3c7-8594-435f-9872-5455ceefc78f" providerId="ADAL" clId="{FEE5CBDF-FE29-4F9F-99B9-949F0817748B}" dt="2019-05-12T16:35:28.793" v="1349"/>
-          <ac:inkMkLst>
-            <pc:docMk/>
-            <pc:sldMk cId="92394746" sldId="269"/>
-            <ac:inkMk id="57" creationId="{7865C920-681F-4E42-ACD1-1C0C2F2AE6C1}"/>
-          </ac:inkMkLst>
-        </pc:inkChg>
-        <pc:inkChg chg="add del">
-          <ac:chgData name="Nils Mechtel" userId="d365a3c7-8594-435f-9872-5455ceefc78f" providerId="ADAL" clId="{FEE5CBDF-FE29-4F9F-99B9-949F0817748B}" dt="2019-05-12T16:35:28.793" v="1349"/>
-          <ac:inkMkLst>
-            <pc:docMk/>
-            <pc:sldMk cId="92394746" sldId="269"/>
-            <ac:inkMk id="58" creationId="{DD41F6E3-FE04-4B45-B333-52C85CC8DA0F}"/>
-          </ac:inkMkLst>
-        </pc:inkChg>
-        <pc:inkChg chg="add del">
-          <ac:chgData name="Nils Mechtel" userId="d365a3c7-8594-435f-9872-5455ceefc78f" providerId="ADAL" clId="{FEE5CBDF-FE29-4F9F-99B9-949F0817748B}" dt="2019-05-12T16:35:28.793" v="1349"/>
-          <ac:inkMkLst>
-            <pc:docMk/>
-            <pc:sldMk cId="92394746" sldId="269"/>
-            <ac:inkMk id="59" creationId="{15CA9FB8-B806-4A73-8DA1-9547ECA25527}"/>
-          </ac:inkMkLst>
-        </pc:inkChg>
-        <pc:inkChg chg="add del">
-          <ac:chgData name="Nils Mechtel" userId="d365a3c7-8594-435f-9872-5455ceefc78f" providerId="ADAL" clId="{FEE5CBDF-FE29-4F9F-99B9-949F0817748B}" dt="2019-05-12T16:35:28.793" v="1349"/>
-          <ac:inkMkLst>
-            <pc:docMk/>
-            <pc:sldMk cId="92394746" sldId="269"/>
-            <ac:inkMk id="60" creationId="{E0D48B61-107A-48C7-B87E-BA26281E0EA8}"/>
-          </ac:inkMkLst>
-        </pc:inkChg>
-        <pc:inkChg chg="add del">
-          <ac:chgData name="Nils Mechtel" userId="d365a3c7-8594-435f-9872-5455ceefc78f" providerId="ADAL" clId="{FEE5CBDF-FE29-4F9F-99B9-949F0817748B}" dt="2019-05-12T16:35:28.793" v="1349"/>
-          <ac:inkMkLst>
-            <pc:docMk/>
-            <pc:sldMk cId="92394746" sldId="269"/>
-            <ac:inkMk id="61" creationId="{19861668-E092-4A54-A5F9-68E7B9C2C351}"/>
-          </ac:inkMkLst>
-        </pc:inkChg>
-        <pc:inkChg chg="add del">
-          <ac:chgData name="Nils Mechtel" userId="d365a3c7-8594-435f-9872-5455ceefc78f" providerId="ADAL" clId="{FEE5CBDF-FE29-4F9F-99B9-949F0817748B}" dt="2019-05-12T16:35:32.690" v="1352"/>
-          <ac:inkMkLst>
-            <pc:docMk/>
-            <pc:sldMk cId="92394746" sldId="269"/>
-            <ac:inkMk id="62" creationId="{AE637774-4546-4E35-BADA-DCE8A47EEB4E}"/>
-          </ac:inkMkLst>
-        </pc:inkChg>
-        <pc:inkChg chg="add del">
-          <ac:chgData name="Nils Mechtel" userId="d365a3c7-8594-435f-9872-5455ceefc78f" providerId="ADAL" clId="{FEE5CBDF-FE29-4F9F-99B9-949F0817748B}" dt="2019-05-12T16:35:32.690" v="1352"/>
-          <ac:inkMkLst>
-            <pc:docMk/>
-            <pc:sldMk cId="92394746" sldId="269"/>
-            <ac:inkMk id="63" creationId="{D8847127-C5C2-4267-8D31-31A7A6BF9B58}"/>
-          </ac:inkMkLst>
-        </pc:inkChg>
-        <pc:inkChg chg="add del">
-          <ac:chgData name="Nils Mechtel" userId="d365a3c7-8594-435f-9872-5455ceefc78f" providerId="ADAL" clId="{FEE5CBDF-FE29-4F9F-99B9-949F0817748B}" dt="2019-05-12T16:35:32.690" v="1352"/>
-          <ac:inkMkLst>
-            <pc:docMk/>
-            <pc:sldMk cId="92394746" sldId="269"/>
-            <ac:inkMk id="64" creationId="{48CCD30F-A072-4593-B9CE-71B29206F070}"/>
-          </ac:inkMkLst>
-        </pc:inkChg>
-        <pc:inkChg chg="add del">
-          <ac:chgData name="Nils Mechtel" userId="d365a3c7-8594-435f-9872-5455ceefc78f" providerId="ADAL" clId="{FEE5CBDF-FE29-4F9F-99B9-949F0817748B}" dt="2019-05-12T16:35:34.694" v="1357"/>
-          <ac:inkMkLst>
-            <pc:docMk/>
-            <pc:sldMk cId="92394746" sldId="269"/>
-            <ac:inkMk id="65" creationId="{9C582756-8F9E-4D86-AC8C-71F2B3C9ABA9}"/>
-          </ac:inkMkLst>
-        </pc:inkChg>
-        <pc:inkChg chg="add del">
-          <ac:chgData name="Nils Mechtel" userId="d365a3c7-8594-435f-9872-5455ceefc78f" providerId="ADAL" clId="{FEE5CBDF-FE29-4F9F-99B9-949F0817748B}" dt="2019-05-12T16:35:34.694" v="1357"/>
-          <ac:inkMkLst>
-            <pc:docMk/>
-            <pc:sldMk cId="92394746" sldId="269"/>
-            <ac:inkMk id="66" creationId="{4967414A-70D6-4583-A7C0-39C280DD0F9A}"/>
-          </ac:inkMkLst>
-        </pc:inkChg>
-        <pc:inkChg chg="add del">
-          <ac:chgData name="Nils Mechtel" userId="d365a3c7-8594-435f-9872-5455ceefc78f" providerId="ADAL" clId="{FEE5CBDF-FE29-4F9F-99B9-949F0817748B}" dt="2019-05-12T16:35:34.694" v="1357"/>
-          <ac:inkMkLst>
-            <pc:docMk/>
-            <pc:sldMk cId="92394746" sldId="269"/>
-            <ac:inkMk id="67" creationId="{091AC376-443A-4BE4-ACF3-544B4CA8F3E6}"/>
-          </ac:inkMkLst>
-        </pc:inkChg>
-        <pc:inkChg chg="add del">
-          <ac:chgData name="Nils Mechtel" userId="d365a3c7-8594-435f-9872-5455ceefc78f" providerId="ADAL" clId="{FEE5CBDF-FE29-4F9F-99B9-949F0817748B}" dt="2019-05-12T16:35:34.694" v="1357"/>
-          <ac:inkMkLst>
-            <pc:docMk/>
-            <pc:sldMk cId="92394746" sldId="269"/>
-            <ac:inkMk id="68" creationId="{96E8AEF5-136F-44C6-A6B8-5A487398EB68}"/>
-          </ac:inkMkLst>
-        </pc:inkChg>
-        <pc:inkChg chg="add del">
-          <ac:chgData name="Nils Mechtel" userId="d365a3c7-8594-435f-9872-5455ceefc78f" providerId="ADAL" clId="{FEE5CBDF-FE29-4F9F-99B9-949F0817748B}" dt="2019-05-12T16:35:41.096" v="1362"/>
-          <ac:inkMkLst>
-            <pc:docMk/>
-            <pc:sldMk cId="92394746" sldId="269"/>
-            <ac:inkMk id="69" creationId="{CFE9118C-F6BA-4105-8E3A-7064022EDD5A}"/>
-          </ac:inkMkLst>
-        </pc:inkChg>
-        <pc:inkChg chg="add del">
-          <ac:chgData name="Nils Mechtel" userId="d365a3c7-8594-435f-9872-5455ceefc78f" providerId="ADAL" clId="{FEE5CBDF-FE29-4F9F-99B9-949F0817748B}" dt="2019-05-12T16:35:41.096" v="1362"/>
-          <ac:inkMkLst>
-            <pc:docMk/>
-            <pc:sldMk cId="92394746" sldId="269"/>
-            <ac:inkMk id="70" creationId="{DA1DE4DC-A442-4769-909D-12A2D20EE2FC}"/>
-          </ac:inkMkLst>
-        </pc:inkChg>
-        <pc:inkChg chg="add del">
-          <ac:chgData name="Nils Mechtel" userId="d365a3c7-8594-435f-9872-5455ceefc78f" providerId="ADAL" clId="{FEE5CBDF-FE29-4F9F-99B9-949F0817748B}" dt="2019-05-12T16:35:41.096" v="1362"/>
-          <ac:inkMkLst>
-            <pc:docMk/>
-            <pc:sldMk cId="92394746" sldId="269"/>
-            <ac:inkMk id="71" creationId="{AAE45A4E-9D22-45D9-83D9-7B1DBC6DDAEF}"/>
-          </ac:inkMkLst>
-        </pc:inkChg>
-        <pc:inkChg chg="add del">
-          <ac:chgData name="Nils Mechtel" userId="d365a3c7-8594-435f-9872-5455ceefc78f" providerId="ADAL" clId="{FEE5CBDF-FE29-4F9F-99B9-949F0817748B}" dt="2019-05-12T16:35:41.096" v="1362"/>
-          <ac:inkMkLst>
-            <pc:docMk/>
-            <pc:sldMk cId="92394746" sldId="269"/>
-            <ac:inkMk id="72" creationId="{483C043B-32B5-4966-98DC-FAE227F9D1DC}"/>
-          </ac:inkMkLst>
-        </pc:inkChg>
-        <pc:inkChg chg="add del">
-          <ac:chgData name="Nils Mechtel" userId="d365a3c7-8594-435f-9872-5455ceefc78f" providerId="ADAL" clId="{FEE5CBDF-FE29-4F9F-99B9-949F0817748B}" dt="2019-05-12T16:35:41.096" v="1362"/>
-          <ac:inkMkLst>
-            <pc:docMk/>
-            <pc:sldMk cId="92394746" sldId="269"/>
-            <ac:inkMk id="73" creationId="{43FBD72B-084D-4709-B412-63D9AE2F4E36}"/>
-          </ac:inkMkLst>
-        </pc:inkChg>
-        <pc:inkChg chg="add del">
-          <ac:chgData name="Nils Mechtel" userId="d365a3c7-8594-435f-9872-5455ceefc78f" providerId="ADAL" clId="{FEE5CBDF-FE29-4F9F-99B9-949F0817748B}" dt="2019-05-12T16:35:41.096" v="1362"/>
-          <ac:inkMkLst>
-            <pc:docMk/>
-            <pc:sldMk cId="92394746" sldId="269"/>
-            <ac:inkMk id="74" creationId="{012125A6-773C-48D0-88FF-96A59712ACBB}"/>
-          </ac:inkMkLst>
-        </pc:inkChg>
-        <pc:inkChg chg="add del">
-          <ac:chgData name="Nils Mechtel" userId="d365a3c7-8594-435f-9872-5455ceefc78f" providerId="ADAL" clId="{FEE5CBDF-FE29-4F9F-99B9-949F0817748B}" dt="2019-05-12T16:35:47.667" v="1373"/>
-          <ac:inkMkLst>
-            <pc:docMk/>
-            <pc:sldMk cId="92394746" sldId="269"/>
-            <ac:inkMk id="75" creationId="{DDDBDD5D-F9C5-462D-A18D-7BCA473DBB5C}"/>
-          </ac:inkMkLst>
-        </pc:inkChg>
-        <pc:inkChg chg="add del">
-          <ac:chgData name="Nils Mechtel" userId="d365a3c7-8594-435f-9872-5455ceefc78f" providerId="ADAL" clId="{FEE5CBDF-FE29-4F9F-99B9-949F0817748B}" dt="2019-05-12T16:35:47.667" v="1373"/>
-          <ac:inkMkLst>
-            <pc:docMk/>
-            <pc:sldMk cId="92394746" sldId="269"/>
-            <ac:inkMk id="76" creationId="{1F025F40-31E0-426A-92B2-AA1EAE0ABECE}"/>
-          </ac:inkMkLst>
-        </pc:inkChg>
-        <pc:inkChg chg="add del">
-          <ac:chgData name="Nils Mechtel" userId="d365a3c7-8594-435f-9872-5455ceefc78f" providerId="ADAL" clId="{FEE5CBDF-FE29-4F9F-99B9-949F0817748B}" dt="2019-05-12T16:35:47.667" v="1373"/>
-          <ac:inkMkLst>
-            <pc:docMk/>
-            <pc:sldMk cId="92394746" sldId="269"/>
-            <ac:inkMk id="77" creationId="{760FCA85-9E82-4CD6-A4CC-6E117A670259}"/>
-          </ac:inkMkLst>
-        </pc:inkChg>
-        <pc:inkChg chg="add del">
-          <ac:chgData name="Nils Mechtel" userId="d365a3c7-8594-435f-9872-5455ceefc78f" providerId="ADAL" clId="{FEE5CBDF-FE29-4F9F-99B9-949F0817748B}" dt="2019-05-12T16:35:47.667" v="1373"/>
-          <ac:inkMkLst>
-            <pc:docMk/>
-            <pc:sldMk cId="92394746" sldId="269"/>
-            <ac:inkMk id="78" creationId="{5C020E61-1DD2-4BDB-B534-8E8DF14E5F6D}"/>
-          </ac:inkMkLst>
-        </pc:inkChg>
-        <pc:inkChg chg="add del">
-          <ac:chgData name="Nils Mechtel" userId="d365a3c7-8594-435f-9872-5455ceefc78f" providerId="ADAL" clId="{FEE5CBDF-FE29-4F9F-99B9-949F0817748B}" dt="2019-05-12T16:35:47.667" v="1373"/>
-          <ac:inkMkLst>
-            <pc:docMk/>
-            <pc:sldMk cId="92394746" sldId="269"/>
-            <ac:inkMk id="79" creationId="{93206CE7-E454-49E0-BC79-ACD8A93DCB2F}"/>
-          </ac:inkMkLst>
-        </pc:inkChg>
-        <pc:inkChg chg="add del">
-          <ac:chgData name="Nils Mechtel" userId="d365a3c7-8594-435f-9872-5455ceefc78f" providerId="ADAL" clId="{FEE5CBDF-FE29-4F9F-99B9-949F0817748B}" dt="2019-05-12T16:35:47.667" v="1373"/>
-          <ac:inkMkLst>
-            <pc:docMk/>
-            <pc:sldMk cId="92394746" sldId="269"/>
-            <ac:inkMk id="80" creationId="{1155F133-3789-4EEF-BF27-6AA12FE7DBF9}"/>
-          </ac:inkMkLst>
-        </pc:inkChg>
-        <pc:inkChg chg="add del">
-          <ac:chgData name="Nils Mechtel" userId="d365a3c7-8594-435f-9872-5455ceefc78f" providerId="ADAL" clId="{FEE5CBDF-FE29-4F9F-99B9-949F0817748B}" dt="2019-05-12T16:35:47.667" v="1373"/>
-          <ac:inkMkLst>
-            <pc:docMk/>
-            <pc:sldMk cId="92394746" sldId="269"/>
-            <ac:inkMk id="81" creationId="{23BB34A0-1F92-49DD-A576-53FC5EACB7D2}"/>
-          </ac:inkMkLst>
-        </pc:inkChg>
-        <pc:inkChg chg="add del">
-          <ac:chgData name="Nils Mechtel" userId="d365a3c7-8594-435f-9872-5455ceefc78f" providerId="ADAL" clId="{FEE5CBDF-FE29-4F9F-99B9-949F0817748B}" dt="2019-05-12T16:35:47.667" v="1373"/>
-          <ac:inkMkLst>
-            <pc:docMk/>
-            <pc:sldMk cId="92394746" sldId="269"/>
-            <ac:inkMk id="82" creationId="{B23474DB-BE66-4463-B895-8C1BFB52EB23}"/>
-          </ac:inkMkLst>
-        </pc:inkChg>
-        <pc:inkChg chg="add del">
-          <ac:chgData name="Nils Mechtel" userId="d365a3c7-8594-435f-9872-5455ceefc78f" providerId="ADAL" clId="{FEE5CBDF-FE29-4F9F-99B9-949F0817748B}" dt="2019-05-12T16:35:47.667" v="1373"/>
-          <ac:inkMkLst>
-            <pc:docMk/>
-            <pc:sldMk cId="92394746" sldId="269"/>
-            <ac:inkMk id="83" creationId="{9219573C-9874-4F7F-A05D-2F9C0A195452}"/>
-          </ac:inkMkLst>
-        </pc:inkChg>
-        <pc:inkChg chg="add del">
-          <ac:chgData name="Nils Mechtel" userId="d365a3c7-8594-435f-9872-5455ceefc78f" providerId="ADAL" clId="{FEE5CBDF-FE29-4F9F-99B9-949F0817748B}" dt="2019-05-12T16:35:47.667" v="1373"/>
-          <ac:inkMkLst>
-            <pc:docMk/>
-            <pc:sldMk cId="92394746" sldId="269"/>
-            <ac:inkMk id="84" creationId="{DA7D0380-78F5-43B4-8E48-933A2FA19B8B}"/>
-          </ac:inkMkLst>
-        </pc:inkChg>
-        <pc:inkChg chg="add del">
-          <ac:chgData name="Nils Mechtel" userId="d365a3c7-8594-435f-9872-5455ceefc78f" providerId="ADAL" clId="{FEE5CBDF-FE29-4F9F-99B9-949F0817748B}" dt="2019-05-12T16:35:47.667" v="1373"/>
-          <ac:inkMkLst>
-            <pc:docMk/>
-            <pc:sldMk cId="92394746" sldId="269"/>
-            <ac:inkMk id="85" creationId="{A9FF5525-55B9-49A0-B7F1-F20D7D9D2786}"/>
-          </ac:inkMkLst>
-        </pc:inkChg>
-        <pc:inkChg chg="add del">
-          <ac:chgData name="Nils Mechtel" userId="d365a3c7-8594-435f-9872-5455ceefc78f" providerId="ADAL" clId="{FEE5CBDF-FE29-4F9F-99B9-949F0817748B}" dt="2019-05-12T16:35:50.093" v="1376"/>
-          <ac:inkMkLst>
-            <pc:docMk/>
-            <pc:sldMk cId="92394746" sldId="269"/>
-            <ac:inkMk id="86" creationId="{CF21698F-4785-4CB3-B9E6-DE21B7517BB3}"/>
-          </ac:inkMkLst>
-        </pc:inkChg>
-        <pc:inkChg chg="add del">
-          <ac:chgData name="Nils Mechtel" userId="d365a3c7-8594-435f-9872-5455ceefc78f" providerId="ADAL" clId="{FEE5CBDF-FE29-4F9F-99B9-949F0817748B}" dt="2019-05-12T16:35:50.093" v="1376"/>
-          <ac:inkMkLst>
-            <pc:docMk/>
-            <pc:sldMk cId="92394746" sldId="269"/>
-            <ac:inkMk id="87" creationId="{730CFB3B-0201-4087-8DAB-ADDE9BFD616F}"/>
-          </ac:inkMkLst>
-        </pc:inkChg>
-        <pc:inkChg chg="add del">
-          <ac:chgData name="Nils Mechtel" userId="d365a3c7-8594-435f-9872-5455ceefc78f" providerId="ADAL" clId="{FEE5CBDF-FE29-4F9F-99B9-949F0817748B}" dt="2019-05-12T16:35:50.093" v="1376"/>
-          <ac:inkMkLst>
-            <pc:docMk/>
-            <pc:sldMk cId="92394746" sldId="269"/>
-            <ac:inkMk id="88" creationId="{AD3EA207-1240-469A-99AF-20330A3E7873}"/>
-          </ac:inkMkLst>
-        </pc:inkChg>
-        <pc:inkChg chg="add del">
-          <ac:chgData name="Nils Mechtel" userId="d365a3c7-8594-435f-9872-5455ceefc78f" providerId="ADAL" clId="{FEE5CBDF-FE29-4F9F-99B9-949F0817748B}" dt="2019-05-12T16:35:51.820" v="1378"/>
-          <ac:inkMkLst>
-            <pc:docMk/>
-            <pc:sldMk cId="92394746" sldId="269"/>
-            <ac:inkMk id="89" creationId="{2C4D30E8-7A00-44B2-9AE5-5EE97C6A7A9E}"/>
-          </ac:inkMkLst>
-        </pc:inkChg>
-        <pc:inkChg chg="add del">
-          <ac:chgData name="Nils Mechtel" userId="d365a3c7-8594-435f-9872-5455ceefc78f" providerId="ADAL" clId="{FEE5CBDF-FE29-4F9F-99B9-949F0817748B}" dt="2019-05-12T16:35:51.820" v="1378"/>
-          <ac:inkMkLst>
-            <pc:docMk/>
-            <pc:sldMk cId="92394746" sldId="269"/>
-            <ac:inkMk id="90" creationId="{017FD047-D844-4C4C-86CE-584CFCA5F01F}"/>
-          </ac:inkMkLst>
-        </pc:inkChg>
-        <pc:inkChg chg="add del">
-          <ac:chgData name="Nils Mechtel" userId="d365a3c7-8594-435f-9872-5455ceefc78f" providerId="ADAL" clId="{FEE5CBDF-FE29-4F9F-99B9-949F0817748B}" dt="2019-05-12T16:35:54.952" v="1385"/>
-          <ac:inkMkLst>
-            <pc:docMk/>
-            <pc:sldMk cId="92394746" sldId="269"/>
-            <ac:inkMk id="91" creationId="{A09D300E-0A4B-4DCF-A8E2-554F312A4C34}"/>
-          </ac:inkMkLst>
-        </pc:inkChg>
-        <pc:inkChg chg="add del">
-          <ac:chgData name="Nils Mechtel" userId="d365a3c7-8594-435f-9872-5455ceefc78f" providerId="ADAL" clId="{FEE5CBDF-FE29-4F9F-99B9-949F0817748B}" dt="2019-05-12T16:35:54.952" v="1385"/>
-          <ac:inkMkLst>
-            <pc:docMk/>
-            <pc:sldMk cId="92394746" sldId="269"/>
-            <ac:inkMk id="92" creationId="{2AFA9A55-9A25-475D-BBF7-3BA7D33CBD89}"/>
-          </ac:inkMkLst>
-        </pc:inkChg>
-        <pc:inkChg chg="add del">
-          <ac:chgData name="Nils Mechtel" userId="d365a3c7-8594-435f-9872-5455ceefc78f" providerId="ADAL" clId="{FEE5CBDF-FE29-4F9F-99B9-949F0817748B}" dt="2019-05-12T16:35:54.952" v="1385"/>
-          <ac:inkMkLst>
-            <pc:docMk/>
-            <pc:sldMk cId="92394746" sldId="269"/>
-            <ac:inkMk id="93" creationId="{505872B0-F4E9-4927-BECC-4E4854A569F2}"/>
-          </ac:inkMkLst>
-        </pc:inkChg>
-        <pc:inkChg chg="add del">
-          <ac:chgData name="Nils Mechtel" userId="d365a3c7-8594-435f-9872-5455ceefc78f" providerId="ADAL" clId="{FEE5CBDF-FE29-4F9F-99B9-949F0817748B}" dt="2019-05-12T16:35:54.952" v="1385"/>
-          <ac:inkMkLst>
-            <pc:docMk/>
-            <pc:sldMk cId="92394746" sldId="269"/>
-            <ac:inkMk id="94" creationId="{A5E30680-98AD-4027-8D0A-8ECD211EEA33}"/>
-          </ac:inkMkLst>
-        </pc:inkChg>
-        <pc:inkChg chg="add del">
-          <ac:chgData name="Nils Mechtel" userId="d365a3c7-8594-435f-9872-5455ceefc78f" providerId="ADAL" clId="{FEE5CBDF-FE29-4F9F-99B9-949F0817748B}" dt="2019-05-12T16:35:54.952" v="1385"/>
-          <ac:inkMkLst>
-            <pc:docMk/>
-            <pc:sldMk cId="92394746" sldId="269"/>
-            <ac:inkMk id="95" creationId="{8C5D4687-BCB2-4AE1-B47B-FBCDD3F9E62F}"/>
-          </ac:inkMkLst>
-        </pc:inkChg>
-        <pc:inkChg chg="add del">
-          <ac:chgData name="Nils Mechtel" userId="d365a3c7-8594-435f-9872-5455ceefc78f" providerId="ADAL" clId="{FEE5CBDF-FE29-4F9F-99B9-949F0817748B}" dt="2019-05-12T16:35:54.952" v="1385"/>
-          <ac:inkMkLst>
-            <pc:docMk/>
-            <pc:sldMk cId="92394746" sldId="269"/>
-            <ac:inkMk id="96" creationId="{E407A17A-DFC4-4AA2-98A3-A24DCDFDB944}"/>
-          </ac:inkMkLst>
-        </pc:inkChg>
-        <pc:inkChg chg="add del">
-          <ac:chgData name="Nils Mechtel" userId="d365a3c7-8594-435f-9872-5455ceefc78f" providerId="ADAL" clId="{FEE5CBDF-FE29-4F9F-99B9-949F0817748B}" dt="2019-05-12T16:35:54.952" v="1385"/>
-          <ac:inkMkLst>
-            <pc:docMk/>
-            <pc:sldMk cId="92394746" sldId="269"/>
-            <ac:inkMk id="97" creationId="{3ABA3B88-2A5E-4626-B6BE-1D84E712E4CE}"/>
-          </ac:inkMkLst>
-        </pc:inkChg>
-        <pc:inkChg chg="add del">
-          <ac:chgData name="Nils Mechtel" userId="d365a3c7-8594-435f-9872-5455ceefc78f" providerId="ADAL" clId="{FEE5CBDF-FE29-4F9F-99B9-949F0817748B}" dt="2019-05-12T16:35:57.767" v="1389"/>
-          <ac:inkMkLst>
-            <pc:docMk/>
-            <pc:sldMk cId="92394746" sldId="269"/>
-            <ac:inkMk id="98" creationId="{C67CDB82-437A-495D-88BF-FE04E9EBDC92}"/>
-          </ac:inkMkLst>
-        </pc:inkChg>
-        <pc:inkChg chg="add del">
-          <ac:chgData name="Nils Mechtel" userId="d365a3c7-8594-435f-9872-5455ceefc78f" providerId="ADAL" clId="{FEE5CBDF-FE29-4F9F-99B9-949F0817748B}" dt="2019-05-12T16:35:57.767" v="1389"/>
-          <ac:inkMkLst>
-            <pc:docMk/>
-            <pc:sldMk cId="92394746" sldId="269"/>
-            <ac:inkMk id="99" creationId="{6D8BA13A-2599-41B2-8F89-22BC63E45666}"/>
-          </ac:inkMkLst>
-        </pc:inkChg>
-        <pc:inkChg chg="add del">
-          <ac:chgData name="Nils Mechtel" userId="d365a3c7-8594-435f-9872-5455ceefc78f" providerId="ADAL" clId="{FEE5CBDF-FE29-4F9F-99B9-949F0817748B}" dt="2019-05-12T16:35:57.767" v="1389"/>
-          <ac:inkMkLst>
-            <pc:docMk/>
-            <pc:sldMk cId="92394746" sldId="269"/>
-            <ac:inkMk id="100" creationId="{564C6D81-4C6F-4B5E-90AD-324299A0B1B0}"/>
-          </ac:inkMkLst>
-        </pc:inkChg>
-        <pc:inkChg chg="add del">
-          <ac:chgData name="Nils Mechtel" userId="d365a3c7-8594-435f-9872-5455ceefc78f" providerId="ADAL" clId="{FEE5CBDF-FE29-4F9F-99B9-949F0817748B}" dt="2019-05-12T16:35:57.767" v="1389"/>
-          <ac:inkMkLst>
-            <pc:docMk/>
-            <pc:sldMk cId="92394746" sldId="269"/>
-            <ac:inkMk id="101" creationId="{6ED9AF92-F564-483D-9E6C-EF13E177E33D}"/>
-          </ac:inkMkLst>
-        </pc:inkChg>
-        <pc:inkChg chg="add del">
-          <ac:chgData name="Nils Mechtel" userId="d365a3c7-8594-435f-9872-5455ceefc78f" providerId="ADAL" clId="{FEE5CBDF-FE29-4F9F-99B9-949F0817748B}" dt="2019-05-12T16:36:10.952" v="1395"/>
-          <ac:inkMkLst>
-            <pc:docMk/>
-            <pc:sldMk cId="92394746" sldId="269"/>
-            <ac:inkMk id="102" creationId="{A762FB60-616E-40D6-98F8-422A5886AAF9}"/>
-          </ac:inkMkLst>
-        </pc:inkChg>
-        <pc:inkChg chg="add del">
-          <ac:chgData name="Nils Mechtel" userId="d365a3c7-8594-435f-9872-5455ceefc78f" providerId="ADAL" clId="{FEE5CBDF-FE29-4F9F-99B9-949F0817748B}" dt="2019-05-12T16:36:08.668" v="1392"/>
-          <ac:inkMkLst>
-            <pc:docMk/>
-            <pc:sldMk cId="92394746" sldId="269"/>
-            <ac:inkMk id="103" creationId="{FCE5F654-AFF9-407E-8B33-E0655A160BEE}"/>
-          </ac:inkMkLst>
-        </pc:inkChg>
-        <pc:inkChg chg="add del">
-          <ac:chgData name="Nils Mechtel" userId="d365a3c7-8594-435f-9872-5455ceefc78f" providerId="ADAL" clId="{FEE5CBDF-FE29-4F9F-99B9-949F0817748B}" dt="2019-05-12T16:36:08.668" v="1392"/>
-          <ac:inkMkLst>
-            <pc:docMk/>
-            <pc:sldMk cId="92394746" sldId="269"/>
-            <ac:inkMk id="104" creationId="{AE87E488-A196-4422-BE5E-3FCAF14C8FA7}"/>
-          </ac:inkMkLst>
-        </pc:inkChg>
-        <pc:inkChg chg="add del">
-          <ac:chgData name="Nils Mechtel" userId="d365a3c7-8594-435f-9872-5455ceefc78f" providerId="ADAL" clId="{FEE5CBDF-FE29-4F9F-99B9-949F0817748B}" dt="2019-05-12T16:36:10.952" v="1395"/>
-          <ac:inkMkLst>
-            <pc:docMk/>
-            <pc:sldMk cId="92394746" sldId="269"/>
-            <ac:inkMk id="105" creationId="{69A361E2-701B-4D7D-93AB-E14D1B6C7004}"/>
-          </ac:inkMkLst>
-        </pc:inkChg>
-        <pc:inkChg chg="add del">
-          <ac:chgData name="Nils Mechtel" userId="d365a3c7-8594-435f-9872-5455ceefc78f" providerId="ADAL" clId="{FEE5CBDF-FE29-4F9F-99B9-949F0817748B}" dt="2019-05-12T16:36:10.952" v="1395"/>
-          <ac:inkMkLst>
-            <pc:docMk/>
-            <pc:sldMk cId="92394746" sldId="269"/>
-            <ac:inkMk id="106" creationId="{BD7C373F-619A-45FA-BA5B-492FEB2C37B9}"/>
-          </ac:inkMkLst>
-        </pc:inkChg>
-        <pc:inkChg chg="add del">
-          <ac:chgData name="Nils Mechtel" userId="d365a3c7-8594-435f-9872-5455ceefc78f" providerId="ADAL" clId="{FEE5CBDF-FE29-4F9F-99B9-949F0817748B}" dt="2019-05-12T16:36:10.952" v="1395"/>
-          <ac:inkMkLst>
-            <pc:docMk/>
-            <pc:sldMk cId="92394746" sldId="269"/>
-            <ac:inkMk id="107" creationId="{432F74C6-02F6-4B42-9144-B1F9E3F1B742}"/>
-          </ac:inkMkLst>
-        </pc:inkChg>
-        <pc:inkChg chg="add del">
-          <ac:chgData name="Nils Mechtel" userId="d365a3c7-8594-435f-9872-5455ceefc78f" providerId="ADAL" clId="{FEE5CBDF-FE29-4F9F-99B9-949F0817748B}" dt="2019-05-12T16:36:14.999" v="1400"/>
-          <ac:inkMkLst>
-            <pc:docMk/>
-            <pc:sldMk cId="92394746" sldId="269"/>
-            <ac:inkMk id="108" creationId="{BB73298A-D468-4ACE-8477-6CD5583AEEB5}"/>
-          </ac:inkMkLst>
-        </pc:inkChg>
-        <pc:inkChg chg="add del">
-          <ac:chgData name="Nils Mechtel" userId="d365a3c7-8594-435f-9872-5455ceefc78f" providerId="ADAL" clId="{FEE5CBDF-FE29-4F9F-99B9-949F0817748B}" dt="2019-05-12T16:36:14.999" v="1400"/>
-          <ac:inkMkLst>
-            <pc:docMk/>
-            <pc:sldMk cId="92394746" sldId="269"/>
-            <ac:inkMk id="109" creationId="{09212F85-8870-4F26-B888-D0402A8201A3}"/>
-          </ac:inkMkLst>
-        </pc:inkChg>
-        <pc:inkChg chg="add del">
-          <ac:chgData name="Nils Mechtel" userId="d365a3c7-8594-435f-9872-5455ceefc78f" providerId="ADAL" clId="{FEE5CBDF-FE29-4F9F-99B9-949F0817748B}" dt="2019-05-12T16:36:14.999" v="1400"/>
-          <ac:inkMkLst>
-            <pc:docMk/>
-            <pc:sldMk cId="92394746" sldId="269"/>
-            <ac:inkMk id="110" creationId="{9C48BC4F-ACFF-4D8D-B323-CF5D62328982}"/>
-          </ac:inkMkLst>
-        </pc:inkChg>
-        <pc:inkChg chg="add del">
-          <ac:chgData name="Nils Mechtel" userId="d365a3c7-8594-435f-9872-5455ceefc78f" providerId="ADAL" clId="{FEE5CBDF-FE29-4F9F-99B9-949F0817748B}" dt="2019-05-12T16:36:14.999" v="1400"/>
-          <ac:inkMkLst>
-            <pc:docMk/>
-            <pc:sldMk cId="92394746" sldId="269"/>
-            <ac:inkMk id="111" creationId="{87E35410-E9B6-456A-BC8A-D03D21F3D56C}"/>
-          </ac:inkMkLst>
-        </pc:inkChg>
-        <pc:inkChg chg="add del">
-          <ac:chgData name="Nils Mechtel" userId="d365a3c7-8594-435f-9872-5455ceefc78f" providerId="ADAL" clId="{FEE5CBDF-FE29-4F9F-99B9-949F0817748B}" dt="2019-05-12T16:36:14.999" v="1400"/>
-          <ac:inkMkLst>
-            <pc:docMk/>
-            <pc:sldMk cId="92394746" sldId="269"/>
-            <ac:inkMk id="112" creationId="{25FDBC8E-E3A6-454B-8A41-FD4404A430A0}"/>
-          </ac:inkMkLst>
-        </pc:inkChg>
-        <pc:inkChg chg="add">
-          <ac:chgData name="Nils Mechtel" userId="d365a3c7-8594-435f-9872-5455ceefc78f" providerId="ADAL" clId="{FEE5CBDF-FE29-4F9F-99B9-949F0817748B}" dt="2019-05-12T16:36:14.999" v="1400"/>
-          <ac:inkMkLst>
-            <pc:docMk/>
-            <pc:sldMk cId="92394746" sldId="269"/>
-            <ac:inkMk id="113" creationId="{7902E532-BDA0-454F-8E4C-F7D3D477AB0E}"/>
-          </ac:inkMkLst>
-        </pc:inkChg>
-        <pc:inkChg chg="add del">
-          <ac:chgData name="Nils Mechtel" userId="d365a3c7-8594-435f-9872-5455ceefc78f" providerId="ADAL" clId="{FEE5CBDF-FE29-4F9F-99B9-949F0817748B}" dt="2019-05-12T16:36:25.861" v="1407"/>
-          <ac:inkMkLst>
-            <pc:docMk/>
-            <pc:sldMk cId="92394746" sldId="269"/>
-            <ac:inkMk id="114" creationId="{073D9D13-959B-4407-8A2A-FEF45EBCF900}"/>
-          </ac:inkMkLst>
-        </pc:inkChg>
-        <pc:inkChg chg="add del">
-          <ac:chgData name="Nils Mechtel" userId="d365a3c7-8594-435f-9872-5455ceefc78f" providerId="ADAL" clId="{FEE5CBDF-FE29-4F9F-99B9-949F0817748B}" dt="2019-05-12T16:36:25.861" v="1407"/>
-          <ac:inkMkLst>
-            <pc:docMk/>
-            <pc:sldMk cId="92394746" sldId="269"/>
-            <ac:inkMk id="115" creationId="{57C4D692-3CB0-44EE-99DA-6087CCA7F813}"/>
-          </ac:inkMkLst>
-        </pc:inkChg>
-        <pc:inkChg chg="add del">
-          <ac:chgData name="Nils Mechtel" userId="d365a3c7-8594-435f-9872-5455ceefc78f" providerId="ADAL" clId="{FEE5CBDF-FE29-4F9F-99B9-949F0817748B}" dt="2019-05-12T16:36:25.861" v="1407"/>
-          <ac:inkMkLst>
-            <pc:docMk/>
-            <pc:sldMk cId="92394746" sldId="269"/>
-            <ac:inkMk id="116" creationId="{4620D2E4-EB1D-46FD-A88C-F981EB8EC8C5}"/>
-          </ac:inkMkLst>
-        </pc:inkChg>
-        <pc:inkChg chg="add del">
-          <ac:chgData name="Nils Mechtel" userId="d365a3c7-8594-435f-9872-5455ceefc78f" providerId="ADAL" clId="{FEE5CBDF-FE29-4F9F-99B9-949F0817748B}" dt="2019-05-12T16:36:25.861" v="1407"/>
-          <ac:inkMkLst>
-            <pc:docMk/>
-            <pc:sldMk cId="92394746" sldId="269"/>
-            <ac:inkMk id="117" creationId="{39802306-D425-4354-9909-FF0145CAE5E8}"/>
-          </ac:inkMkLst>
-        </pc:inkChg>
-        <pc:inkChg chg="add del">
-          <ac:chgData name="Nils Mechtel" userId="d365a3c7-8594-435f-9872-5455ceefc78f" providerId="ADAL" clId="{FEE5CBDF-FE29-4F9F-99B9-949F0817748B}" dt="2019-05-12T16:36:25.861" v="1407"/>
-          <ac:inkMkLst>
-            <pc:docMk/>
-            <pc:sldMk cId="92394746" sldId="269"/>
-            <ac:inkMk id="118" creationId="{DF4632AB-8185-49AB-98FD-A4AFABFD82BA}"/>
-          </ac:inkMkLst>
-        </pc:inkChg>
-        <pc:inkChg chg="add del">
-          <ac:chgData name="Nils Mechtel" userId="d365a3c7-8594-435f-9872-5455ceefc78f" providerId="ADAL" clId="{FEE5CBDF-FE29-4F9F-99B9-949F0817748B}" dt="2019-05-12T16:36:25.861" v="1407"/>
-          <ac:inkMkLst>
-            <pc:docMk/>
-            <pc:sldMk cId="92394746" sldId="269"/>
-            <ac:inkMk id="119" creationId="{72BD41C7-3DFF-4A91-A90B-152B47DC282F}"/>
-          </ac:inkMkLst>
-        </pc:inkChg>
-        <pc:inkChg chg="add">
-          <ac:chgData name="Nils Mechtel" userId="d365a3c7-8594-435f-9872-5455ceefc78f" providerId="ADAL" clId="{FEE5CBDF-FE29-4F9F-99B9-949F0817748B}" dt="2019-05-12T16:36:25.861" v="1407"/>
-          <ac:inkMkLst>
-            <pc:docMk/>
-            <pc:sldMk cId="92394746" sldId="269"/>
-            <ac:inkMk id="120" creationId="{33E5CB3E-D29A-4B9C-B646-23F6963E64AB}"/>
-          </ac:inkMkLst>
-        </pc:inkChg>
-      </pc:sldChg>
-      <pc:sldChg chg="modSp add del setBg">
-        <pc:chgData name="Nils Mechtel" userId="d365a3c7-8594-435f-9872-5455ceefc78f" providerId="ADAL" clId="{FEE5CBDF-FE29-4F9F-99B9-949F0817748B}" dt="2019-05-13T07:54:25.888" v="2434" actId="2696"/>
-        <pc:sldMkLst>
-          <pc:docMk/>
-          <pc:sldMk cId="3352574116" sldId="270"/>
-        </pc:sldMkLst>
-        <pc:spChg chg="mod">
-          <ac:chgData name="Nils Mechtel" userId="d365a3c7-8594-435f-9872-5455ceefc78f" providerId="ADAL" clId="{FEE5CBDF-FE29-4F9F-99B9-949F0817748B}" dt="2019-05-13T07:50:37.930" v="2431" actId="2711"/>
-          <ac:spMkLst>
-            <pc:docMk/>
-            <pc:sldMk cId="3352574116" sldId="270"/>
-            <ac:spMk id="2" creationId="{B4E234EC-93B9-47D1-9869-E8BB99DCF03F}"/>
-          </ac:spMkLst>
-        </pc:spChg>
-      </pc:sldChg>
-      <pc:sldChg chg="addSp delSp modSp add del mod modTransition setBg setFolMasterObjs">
-        <pc:chgData name="Nils Mechtel" userId="d365a3c7-8594-435f-9872-5455ceefc78f" providerId="ADAL" clId="{FEE5CBDF-FE29-4F9F-99B9-949F0817748B}" dt="2019-05-13T17:31:05.549" v="3969" actId="2696"/>
-        <pc:sldMkLst>
-          <pc:docMk/>
-          <pc:sldMk cId="4041509991" sldId="271"/>
-        </pc:sldMkLst>
-        <pc:spChg chg="add del">
-          <ac:chgData name="Nils Mechtel" userId="d365a3c7-8594-435f-9872-5455ceefc78f" providerId="ADAL" clId="{FEE5CBDF-FE29-4F9F-99B9-949F0817748B}" dt="2019-05-12T16:58:54.060" v="1431" actId="26606"/>
-          <ac:spMkLst>
-            <pc:docMk/>
-            <pc:sldMk cId="4041509991" sldId="271"/>
-            <ac:spMk id="2" creationId="{8ED353C0-6871-411D-9884-8C6823E063FA}"/>
-          </ac:spMkLst>
-        </pc:spChg>
-        <pc:spChg chg="del">
-          <ac:chgData name="Nils Mechtel" userId="d365a3c7-8594-435f-9872-5455ceefc78f" providerId="ADAL" clId="{FEE5CBDF-FE29-4F9F-99B9-949F0817748B}" dt="2019-05-12T16:58:44.418" v="1429"/>
-          <ac:spMkLst>
-            <pc:docMk/>
-            <pc:sldMk cId="4041509991" sldId="271"/>
-            <ac:spMk id="3" creationId="{69A5FBC5-87C7-4958-BFE4-43BCB31A64EF}"/>
-          </ac:spMkLst>
-        </pc:spChg>
-        <pc:spChg chg="add del">
-          <ac:chgData name="Nils Mechtel" userId="d365a3c7-8594-435f-9872-5455ceefc78f" providerId="ADAL" clId="{FEE5CBDF-FE29-4F9F-99B9-949F0817748B}" dt="2019-05-12T16:58:54.060" v="1431" actId="26606"/>
-          <ac:spMkLst>
-            <pc:docMk/>
-            <pc:sldMk cId="4041509991" sldId="271"/>
-            <ac:spMk id="21" creationId="{85C2136B-77EC-41E9-BDB6-58A4AE1429B7}"/>
-          </ac:spMkLst>
-        </pc:spChg>
-        <pc:spChg chg="add del">
-          <ac:chgData name="Nils Mechtel" userId="d365a3c7-8594-435f-9872-5455ceefc78f" providerId="ADAL" clId="{FEE5CBDF-FE29-4F9F-99B9-949F0817748B}" dt="2019-05-12T16:58:54.060" v="1431" actId="26606"/>
-          <ac:spMkLst>
-            <pc:docMk/>
-            <pc:sldMk cId="4041509991" sldId="271"/>
-            <ac:spMk id="27" creationId="{7FBCF2A6-1F18-4B68-B5D2-5B763ED4159A}"/>
-          </ac:spMkLst>
-        </pc:spChg>
-        <pc:spChg chg="add del">
-          <ac:chgData name="Nils Mechtel" userId="d365a3c7-8594-435f-9872-5455ceefc78f" providerId="ADAL" clId="{FEE5CBDF-FE29-4F9F-99B9-949F0817748B}" dt="2019-05-12T16:58:54.060" v="1431" actId="26606"/>
-          <ac:spMkLst>
-            <pc:docMk/>
-            <pc:sldMk cId="4041509991" sldId="271"/>
-            <ac:spMk id="29" creationId="{FF3A27FB-A693-4A75-951E-0C77CD98F032}"/>
-          </ac:spMkLst>
-        </pc:spChg>
-        <pc:grpChg chg="add del">
-          <ac:chgData name="Nils Mechtel" userId="d365a3c7-8594-435f-9872-5455ceefc78f" providerId="ADAL" clId="{FEE5CBDF-FE29-4F9F-99B9-949F0817748B}" dt="2019-05-12T16:58:54.060" v="1431" actId="26606"/>
-          <ac:grpSpMkLst>
-            <pc:docMk/>
-            <pc:sldMk cId="4041509991" sldId="271"/>
-            <ac:grpSpMk id="9" creationId="{6CE6E43D-FC44-4F15-89C6-7C08E9BDC3FF}"/>
-          </ac:grpSpMkLst>
-        </pc:grpChg>
-        <pc:picChg chg="add mod">
-          <ac:chgData name="Nils Mechtel" userId="d365a3c7-8594-435f-9872-5455ceefc78f" providerId="ADAL" clId="{FEE5CBDF-FE29-4F9F-99B9-949F0817748B}" dt="2019-05-12T16:58:54.060" v="1431" actId="26606"/>
-          <ac:picMkLst>
-            <pc:docMk/>
-            <pc:sldMk cId="4041509991" sldId="271"/>
-            <ac:picMk id="4" creationId="{0F275397-CCE1-4857-BD3F-C66ABA3D0B5B}"/>
-          </ac:picMkLst>
-        </pc:picChg>
-        <pc:cxnChg chg="add del">
-          <ac:chgData name="Nils Mechtel" userId="d365a3c7-8594-435f-9872-5455ceefc78f" providerId="ADAL" clId="{FEE5CBDF-FE29-4F9F-99B9-949F0817748B}" dt="2019-05-12T16:58:54.060" v="1431" actId="26606"/>
-          <ac:cxnSpMkLst>
-            <pc:docMk/>
-            <pc:sldMk cId="4041509991" sldId="271"/>
-            <ac:cxnSpMk id="23" creationId="{E55891F3-A5E2-4418-8950-25FA2B731209}"/>
-          </ac:cxnSpMkLst>
-        </pc:cxnChg>
-        <pc:cxnChg chg="add del">
-          <ac:chgData name="Nils Mechtel" userId="d365a3c7-8594-435f-9872-5455ceefc78f" providerId="ADAL" clId="{FEE5CBDF-FE29-4F9F-99B9-949F0817748B}" dt="2019-05-12T16:58:54.060" v="1431" actId="26606"/>
-          <ac:cxnSpMkLst>
-            <pc:docMk/>
-            <pc:sldMk cId="4041509991" sldId="271"/>
-            <ac:cxnSpMk id="25" creationId="{FB1FCEB1-A7E1-417C-A7EF-AA30D5A0859F}"/>
-          </ac:cxnSpMkLst>
-        </pc:cxnChg>
-      </pc:sldChg>
-      <pc:sldChg chg="addSp delSp modSp add ord modTransition modAnim">
-        <pc:chgData name="Nils Mechtel" userId="d365a3c7-8594-435f-9872-5455ceefc78f" providerId="ADAL" clId="{FEE5CBDF-FE29-4F9F-99B9-949F0817748B}" dt="2019-05-14T16:36:41.593" v="5440" actId="20577"/>
+      <pc:sldChg chg="addSp delSp modSp add ord modTransition modAnim delCm">
+        <pc:chgData name="Nils Mechtel" userId="d365a3c7-8594-435f-9872-5455ceefc78f" providerId="ADAL" clId="{FEE5CBDF-FE29-4F9F-99B9-949F0817748B}" dt="2019-05-15T11:43:47.870" v="6002" actId="1592"/>
         <pc:sldMkLst>
           <pc:docMk/>
           <pc:sldMk cId="3411230145" sldId="273"/>
@@ -4142,7 +3453,7 @@
           </ac:spMkLst>
         </pc:spChg>
         <pc:spChg chg="mod">
-          <ac:chgData name="Nils Mechtel" userId="d365a3c7-8594-435f-9872-5455ceefc78f" providerId="ADAL" clId="{FEE5CBDF-FE29-4F9F-99B9-949F0817748B}" dt="2019-05-14T16:36:41.593" v="5440" actId="20577"/>
+          <ac:chgData name="Nils Mechtel" userId="d365a3c7-8594-435f-9872-5455ceefc78f" providerId="ADAL" clId="{FEE5CBDF-FE29-4F9F-99B9-949F0817748B}" dt="2019-05-14T20:54:32.190" v="5914" actId="313"/>
           <ac:spMkLst>
             <pc:docMk/>
             <pc:sldMk cId="3411230145" sldId="273"/>
@@ -4438,389 +3749,8 @@
           </ac:inkMkLst>
         </pc:inkChg>
       </pc:sldChg>
-      <pc:sldChg chg="add del">
-        <pc:chgData name="Nils Mechtel" userId="d365a3c7-8594-435f-9872-5455ceefc78f" providerId="ADAL" clId="{FEE5CBDF-FE29-4F9F-99B9-949F0817748B}" dt="2019-05-13T08:43:46.053" v="2719" actId="2696"/>
-        <pc:sldMkLst>
-          <pc:docMk/>
-          <pc:sldMk cId="706650341" sldId="274"/>
-        </pc:sldMkLst>
-      </pc:sldChg>
-      <pc:sldChg chg="addSp modSp add del modTransition">
-        <pc:chgData name="Nils Mechtel" userId="d365a3c7-8594-435f-9872-5455ceefc78f" providerId="ADAL" clId="{FEE5CBDF-FE29-4F9F-99B9-949F0817748B}" dt="2019-05-13T08:36:31.542" v="2716" actId="2696"/>
-        <pc:sldMkLst>
-          <pc:docMk/>
-          <pc:sldMk cId="4166315608" sldId="274"/>
-        </pc:sldMkLst>
-        <pc:picChg chg="add mod">
-          <ac:chgData name="Nils Mechtel" userId="d365a3c7-8594-435f-9872-5455ceefc78f" providerId="ADAL" clId="{FEE5CBDF-FE29-4F9F-99B9-949F0817748B}" dt="2019-05-13T08:28:15.105" v="2654" actId="1076"/>
-          <ac:picMkLst>
-            <pc:docMk/>
-            <pc:sldMk cId="4166315608" sldId="274"/>
-            <ac:picMk id="4" creationId="{89F1B2B6-59A9-4DA7-AEB4-E77ED3D283E0}"/>
-          </ac:picMkLst>
-        </pc:picChg>
-        <pc:picChg chg="add mod">
-          <ac:chgData name="Nils Mechtel" userId="d365a3c7-8594-435f-9872-5455ceefc78f" providerId="ADAL" clId="{FEE5CBDF-FE29-4F9F-99B9-949F0817748B}" dt="2019-05-13T08:28:20.109" v="2655" actId="1076"/>
-          <ac:picMkLst>
-            <pc:docMk/>
-            <pc:sldMk cId="4166315608" sldId="274"/>
-            <ac:picMk id="5" creationId="{4014EEF6-26B9-472E-879B-496DFF0BD2F8}"/>
-          </ac:picMkLst>
-        </pc:picChg>
-      </pc:sldChg>
-      <pc:sldChg chg="addSp delSp modSp add ord setBg modNotesTx">
-        <pc:chgData name="Nils Mechtel" userId="d365a3c7-8594-435f-9872-5455ceefc78f" providerId="ADAL" clId="{FEE5CBDF-FE29-4F9F-99B9-949F0817748B}" dt="2019-05-13T13:49:06.385" v="3152"/>
-        <pc:sldMkLst>
-          <pc:docMk/>
-          <pc:sldMk cId="3859023442" sldId="275"/>
-        </pc:sldMkLst>
-        <pc:spChg chg="mod topLvl">
-          <ac:chgData name="Nils Mechtel" userId="d365a3c7-8594-435f-9872-5455ceefc78f" providerId="ADAL" clId="{FEE5CBDF-FE29-4F9F-99B9-949F0817748B}" dt="2019-05-13T11:49:07.222" v="3005" actId="1076"/>
-          <ac:spMkLst>
-            <pc:docMk/>
-            <pc:sldMk cId="3859023442" sldId="275"/>
-            <ac:spMk id="4" creationId="{AB8CD774-2EE5-4D0D-9F57-154613169C3A}"/>
-          </ac:spMkLst>
-        </pc:spChg>
-        <pc:spChg chg="mod topLvl">
-          <ac:chgData name="Nils Mechtel" userId="d365a3c7-8594-435f-9872-5455ceefc78f" providerId="ADAL" clId="{FEE5CBDF-FE29-4F9F-99B9-949F0817748B}" dt="2019-05-13T11:49:02.017" v="3004" actId="165"/>
-          <ac:spMkLst>
-            <pc:docMk/>
-            <pc:sldMk cId="3859023442" sldId="275"/>
-            <ac:spMk id="8" creationId="{B95904D2-B399-47BE-83A2-7AE3F7E1CF17}"/>
-          </ac:spMkLst>
-        </pc:spChg>
-        <pc:spChg chg="mod topLvl">
-          <ac:chgData name="Nils Mechtel" userId="d365a3c7-8594-435f-9872-5455ceefc78f" providerId="ADAL" clId="{FEE5CBDF-FE29-4F9F-99B9-949F0817748B}" dt="2019-05-13T11:49:02.017" v="3004" actId="165"/>
-          <ac:spMkLst>
-            <pc:docMk/>
-            <pc:sldMk cId="3859023442" sldId="275"/>
-            <ac:spMk id="9" creationId="{AE5E99DB-372B-4D00-B5B6-AC086AD8FF57}"/>
-          </ac:spMkLst>
-        </pc:spChg>
-        <pc:spChg chg="mod topLvl">
-          <ac:chgData name="Nils Mechtel" userId="d365a3c7-8594-435f-9872-5455ceefc78f" providerId="ADAL" clId="{FEE5CBDF-FE29-4F9F-99B9-949F0817748B}" dt="2019-05-13T11:49:02.017" v="3004" actId="165"/>
-          <ac:spMkLst>
-            <pc:docMk/>
-            <pc:sldMk cId="3859023442" sldId="275"/>
-            <ac:spMk id="14" creationId="{416DF10D-9DF1-4285-AEAF-07DD6F9A51E2}"/>
-          </ac:spMkLst>
-        </pc:spChg>
-        <pc:spChg chg="mod topLvl">
-          <ac:chgData name="Nils Mechtel" userId="d365a3c7-8594-435f-9872-5455ceefc78f" providerId="ADAL" clId="{FEE5CBDF-FE29-4F9F-99B9-949F0817748B}" dt="2019-05-13T11:49:10.962" v="3006" actId="1076"/>
-          <ac:spMkLst>
-            <pc:docMk/>
-            <pc:sldMk cId="3859023442" sldId="275"/>
-            <ac:spMk id="17" creationId="{3C639F17-3468-4003-B151-2DBD20B6F607}"/>
-          </ac:spMkLst>
-        </pc:spChg>
-        <pc:spChg chg="mod topLvl">
-          <ac:chgData name="Nils Mechtel" userId="d365a3c7-8594-435f-9872-5455ceefc78f" providerId="ADAL" clId="{FEE5CBDF-FE29-4F9F-99B9-949F0817748B}" dt="2019-05-13T11:49:02.017" v="3004" actId="165"/>
-          <ac:spMkLst>
-            <pc:docMk/>
-            <pc:sldMk cId="3859023442" sldId="275"/>
-            <ac:spMk id="20" creationId="{6A9C7BD8-E24E-4E71-8214-4D9E8DA42D03}"/>
-          </ac:spMkLst>
-        </pc:spChg>
-        <pc:spChg chg="mod">
-          <ac:chgData name="Nils Mechtel" userId="d365a3c7-8594-435f-9872-5455ceefc78f" providerId="ADAL" clId="{FEE5CBDF-FE29-4F9F-99B9-949F0817748B}" dt="2019-05-13T09:01:43.317" v="2836" actId="1076"/>
-          <ac:spMkLst>
-            <pc:docMk/>
-            <pc:sldMk cId="3859023442" sldId="275"/>
-            <ac:spMk id="30" creationId="{996A8290-0FFA-4D89-9086-240DA9AFA2A3}"/>
-          </ac:spMkLst>
-        </pc:spChg>
-        <pc:spChg chg="mod topLvl">
-          <ac:chgData name="Nils Mechtel" userId="d365a3c7-8594-435f-9872-5455ceefc78f" providerId="ADAL" clId="{FEE5CBDF-FE29-4F9F-99B9-949F0817748B}" dt="2019-05-13T11:49:02.017" v="3004" actId="165"/>
-          <ac:spMkLst>
-            <pc:docMk/>
-            <pc:sldMk cId="3859023442" sldId="275"/>
-            <ac:spMk id="42" creationId="{958CF174-C6DB-46D8-9C45-DE79477B174A}"/>
-          </ac:spMkLst>
-        </pc:spChg>
-        <pc:spChg chg="del mod">
-          <ac:chgData name="Nils Mechtel" userId="d365a3c7-8594-435f-9872-5455ceefc78f" providerId="ADAL" clId="{FEE5CBDF-FE29-4F9F-99B9-949F0817748B}" dt="2019-05-13T12:03:37.396" v="3016" actId="478"/>
-          <ac:spMkLst>
-            <pc:docMk/>
-            <pc:sldMk cId="3859023442" sldId="275"/>
-            <ac:spMk id="51" creationId="{DF9C419B-406A-4FD0-A9DF-078F83B4CDBE}"/>
-          </ac:spMkLst>
-        </pc:spChg>
-        <pc:spChg chg="del mod">
-          <ac:chgData name="Nils Mechtel" userId="d365a3c7-8594-435f-9872-5455ceefc78f" providerId="ADAL" clId="{FEE5CBDF-FE29-4F9F-99B9-949F0817748B}" dt="2019-05-13T12:03:40.397" v="3017" actId="478"/>
-          <ac:spMkLst>
-            <pc:docMk/>
-            <pc:sldMk cId="3859023442" sldId="275"/>
-            <ac:spMk id="52" creationId="{762FFB00-BE03-43E2-98FD-B78E0111F24E}"/>
-          </ac:spMkLst>
-        </pc:spChg>
-        <pc:spChg chg="mod topLvl">
-          <ac:chgData name="Nils Mechtel" userId="d365a3c7-8594-435f-9872-5455ceefc78f" providerId="ADAL" clId="{FEE5CBDF-FE29-4F9F-99B9-949F0817748B}" dt="2019-05-13T11:49:18.072" v="3007" actId="1076"/>
-          <ac:spMkLst>
-            <pc:docMk/>
-            <pc:sldMk cId="3859023442" sldId="275"/>
-            <ac:spMk id="53" creationId="{6F236959-558A-447A-97BB-CC802BA86BF6}"/>
-          </ac:spMkLst>
-        </pc:spChg>
-        <pc:spChg chg="del mod topLvl">
-          <ac:chgData name="Nils Mechtel" userId="d365a3c7-8594-435f-9872-5455ceefc78f" providerId="ADAL" clId="{FEE5CBDF-FE29-4F9F-99B9-949F0817748B}" dt="2019-05-13T11:55:48.455" v="3013" actId="478"/>
-          <ac:spMkLst>
-            <pc:docMk/>
-            <pc:sldMk cId="3859023442" sldId="275"/>
-            <ac:spMk id="59" creationId="{D1A7F209-3890-4AF7-8875-3CF00E84EB8B}"/>
-          </ac:spMkLst>
-        </pc:spChg>
-        <pc:spChg chg="del mod topLvl">
-          <ac:chgData name="Nils Mechtel" userId="d365a3c7-8594-435f-9872-5455ceefc78f" providerId="ADAL" clId="{FEE5CBDF-FE29-4F9F-99B9-949F0817748B}" dt="2019-05-13T11:55:54.181" v="3015" actId="478"/>
-          <ac:spMkLst>
-            <pc:docMk/>
-            <pc:sldMk cId="3859023442" sldId="275"/>
-            <ac:spMk id="60" creationId="{A3727CBC-ADA0-40F7-A7E6-7B1763AE4AAF}"/>
-          </ac:spMkLst>
-        </pc:spChg>
-        <pc:spChg chg="add mod">
-          <ac:chgData name="Nils Mechtel" userId="d365a3c7-8594-435f-9872-5455ceefc78f" providerId="ADAL" clId="{FEE5CBDF-FE29-4F9F-99B9-949F0817748B}" dt="2019-05-13T09:02:18.123" v="2841" actId="1076"/>
-          <ac:spMkLst>
-            <pc:docMk/>
-            <pc:sldMk cId="3859023442" sldId="275"/>
-            <ac:spMk id="96" creationId="{B53C6DC6-0C54-4D62-825B-3C2A4240AE84}"/>
-          </ac:spMkLst>
-        </pc:spChg>
-        <pc:grpChg chg="mod">
-          <ac:chgData name="Nils Mechtel" userId="d365a3c7-8594-435f-9872-5455ceefc78f" providerId="ADAL" clId="{FEE5CBDF-FE29-4F9F-99B9-949F0817748B}" dt="2019-05-13T11:48:51.340" v="3002" actId="1076"/>
-          <ac:grpSpMkLst>
-            <pc:docMk/>
-            <pc:sldMk cId="3859023442" sldId="275"/>
-            <ac:grpSpMk id="3" creationId="{760F76D1-CF85-4840-B4E3-ED2F2C1247F7}"/>
-          </ac:grpSpMkLst>
-        </pc:grpChg>
-        <pc:grpChg chg="add del mod">
-          <ac:chgData name="Nils Mechtel" userId="d365a3c7-8594-435f-9872-5455ceefc78f" providerId="ADAL" clId="{FEE5CBDF-FE29-4F9F-99B9-949F0817748B}" dt="2019-05-13T11:49:02.017" v="3004" actId="165"/>
-          <ac:grpSpMkLst>
-            <pc:docMk/>
-            <pc:sldMk cId="3859023442" sldId="275"/>
-            <ac:grpSpMk id="94" creationId="{4CFDF392-8E3B-49F7-A13C-5FD3526934EA}"/>
-          </ac:grpSpMkLst>
-        </pc:grpChg>
-        <pc:picChg chg="mod topLvl">
-          <ac:chgData name="Nils Mechtel" userId="d365a3c7-8594-435f-9872-5455ceefc78f" providerId="ADAL" clId="{FEE5CBDF-FE29-4F9F-99B9-949F0817748B}" dt="2019-05-13T11:49:26.841" v="3011" actId="1076"/>
-          <ac:picMkLst>
-            <pc:docMk/>
-            <pc:sldMk cId="3859023442" sldId="275"/>
-            <ac:picMk id="28" creationId="{E3AA5955-273E-462E-9856-58937AE75AB9}"/>
-          </ac:picMkLst>
-        </pc:picChg>
-        <pc:picChg chg="mod">
-          <ac:chgData name="Nils Mechtel" userId="d365a3c7-8594-435f-9872-5455ceefc78f" providerId="ADAL" clId="{FEE5CBDF-FE29-4F9F-99B9-949F0817748B}" dt="2019-05-13T08:55:41.391" v="2798" actId="208"/>
-          <ac:picMkLst>
-            <pc:docMk/>
-            <pc:sldMk cId="3859023442" sldId="275"/>
-            <ac:picMk id="29" creationId="{44EC5A5C-5286-41CB-AC65-5EA4CADF6E47}"/>
-          </ac:picMkLst>
-        </pc:picChg>
-        <pc:picChg chg="mod">
-          <ac:chgData name="Nils Mechtel" userId="d365a3c7-8594-435f-9872-5455ceefc78f" providerId="ADAL" clId="{FEE5CBDF-FE29-4F9F-99B9-949F0817748B}" dt="2019-05-13T08:55:41.391" v="2798" actId="208"/>
-          <ac:picMkLst>
-            <pc:docMk/>
-            <pc:sldMk cId="3859023442" sldId="275"/>
-            <ac:picMk id="34" creationId="{C8A37FBD-7A45-4F91-A0B3-646995B44768}"/>
-          </ac:picMkLst>
-        </pc:picChg>
-        <pc:picChg chg="mod topLvl">
-          <ac:chgData name="Nils Mechtel" userId="d365a3c7-8594-435f-9872-5455ceefc78f" providerId="ADAL" clId="{FEE5CBDF-FE29-4F9F-99B9-949F0817748B}" dt="2019-05-13T11:49:02.017" v="3004" actId="165"/>
-          <ac:picMkLst>
-            <pc:docMk/>
-            <pc:sldMk cId="3859023442" sldId="275"/>
-            <ac:picMk id="36" creationId="{627443A3-97A1-48DE-8D51-EB75B3EF556A}"/>
-          </ac:picMkLst>
-        </pc:picChg>
-        <pc:picChg chg="mod topLvl">
-          <ac:chgData name="Nils Mechtel" userId="d365a3c7-8594-435f-9872-5455ceefc78f" providerId="ADAL" clId="{FEE5CBDF-FE29-4F9F-99B9-949F0817748B}" dt="2019-05-13T11:49:02.017" v="3004" actId="165"/>
-          <ac:picMkLst>
-            <pc:docMk/>
-            <pc:sldMk cId="3859023442" sldId="275"/>
-            <ac:picMk id="37" creationId="{5A7BAE3C-32EC-405C-9298-A6FD36C7AF34}"/>
-          </ac:picMkLst>
-        </pc:picChg>
-        <pc:picChg chg="mod">
-          <ac:chgData name="Nils Mechtel" userId="d365a3c7-8594-435f-9872-5455ceefc78f" providerId="ADAL" clId="{FEE5CBDF-FE29-4F9F-99B9-949F0817748B}" dt="2019-05-13T08:55:41.391" v="2798" actId="208"/>
-          <ac:picMkLst>
-            <pc:docMk/>
-            <pc:sldMk cId="3859023442" sldId="275"/>
-            <ac:picMk id="44" creationId="{CB095B4C-5E14-4E15-97C1-65AE60646DFD}"/>
-          </ac:picMkLst>
-        </pc:picChg>
-        <pc:picChg chg="mod topLvl">
-          <ac:chgData name="Nils Mechtel" userId="d365a3c7-8594-435f-9872-5455ceefc78f" providerId="ADAL" clId="{FEE5CBDF-FE29-4F9F-99B9-949F0817748B}" dt="2019-05-13T11:49:02.017" v="3004" actId="165"/>
-          <ac:picMkLst>
-            <pc:docMk/>
-            <pc:sldMk cId="3859023442" sldId="275"/>
-            <ac:picMk id="49" creationId="{9123CA9B-8F51-4823-93F3-F3B9352D0944}"/>
-          </ac:picMkLst>
-        </pc:picChg>
-        <pc:picChg chg="mod topLvl">
-          <ac:chgData name="Nils Mechtel" userId="d365a3c7-8594-435f-9872-5455ceefc78f" providerId="ADAL" clId="{FEE5CBDF-FE29-4F9F-99B9-949F0817748B}" dt="2019-05-13T11:49:02.017" v="3004" actId="165"/>
-          <ac:picMkLst>
-            <pc:docMk/>
-            <pc:sldMk cId="3859023442" sldId="275"/>
-            <ac:picMk id="50" creationId="{E5F5D3E1-3AF8-43A4-AA33-D75A994647E6}"/>
-          </ac:picMkLst>
-        </pc:picChg>
-        <pc:picChg chg="mod topLvl">
-          <ac:chgData name="Nils Mechtel" userId="d365a3c7-8594-435f-9872-5455ceefc78f" providerId="ADAL" clId="{FEE5CBDF-FE29-4F9F-99B9-949F0817748B}" dt="2019-05-13T11:49:24.613" v="3010" actId="1076"/>
-          <ac:picMkLst>
-            <pc:docMk/>
-            <pc:sldMk cId="3859023442" sldId="275"/>
-            <ac:picMk id="58" creationId="{B2D1194D-B0DF-4BC0-9371-91472EBFB020}"/>
-          </ac:picMkLst>
-        </pc:picChg>
-        <pc:cxnChg chg="add mod topLvl">
-          <ac:chgData name="Nils Mechtel" userId="d365a3c7-8594-435f-9872-5455ceefc78f" providerId="ADAL" clId="{FEE5CBDF-FE29-4F9F-99B9-949F0817748B}" dt="2019-05-13T11:49:07.222" v="3005" actId="1076"/>
-          <ac:cxnSpMkLst>
-            <pc:docMk/>
-            <pc:sldMk cId="3859023442" sldId="275"/>
-            <ac:cxnSpMk id="6" creationId="{E8F8772C-8256-4962-BE56-A3B529B657BF}"/>
-          </ac:cxnSpMkLst>
-        </pc:cxnChg>
-        <pc:cxnChg chg="add del mod topLvl">
-          <ac:chgData name="Nils Mechtel" userId="d365a3c7-8594-435f-9872-5455ceefc78f" providerId="ADAL" clId="{FEE5CBDF-FE29-4F9F-99B9-949F0817748B}" dt="2019-05-13T11:55:50.293" v="3014" actId="478"/>
-          <ac:cxnSpMkLst>
-            <pc:docMk/>
-            <pc:sldMk cId="3859023442" sldId="275"/>
-            <ac:cxnSpMk id="10" creationId="{5C642347-E588-4046-9C49-5028EC7FE811}"/>
-          </ac:cxnSpMkLst>
-        </pc:cxnChg>
-        <pc:cxnChg chg="del">
-          <ac:chgData name="Nils Mechtel" userId="d365a3c7-8594-435f-9872-5455ceefc78f" providerId="ADAL" clId="{FEE5CBDF-FE29-4F9F-99B9-949F0817748B}" dt="2019-05-13T08:44:12.002" v="2725" actId="478"/>
-          <ac:cxnSpMkLst>
-            <pc:docMk/>
-            <pc:sldMk cId="3859023442" sldId="275"/>
-            <ac:cxnSpMk id="11" creationId="{28B0593F-3996-4C87-87A8-73353DDAEC99}"/>
-          </ac:cxnSpMkLst>
-        </pc:cxnChg>
-        <pc:cxnChg chg="add del mod">
-          <ac:chgData name="Nils Mechtel" userId="d365a3c7-8594-435f-9872-5455ceefc78f" providerId="ADAL" clId="{FEE5CBDF-FE29-4F9F-99B9-949F0817748B}" dt="2019-05-13T08:48:35.157" v="2755" actId="478"/>
-          <ac:cxnSpMkLst>
-            <pc:docMk/>
-            <pc:sldMk cId="3859023442" sldId="275"/>
-            <ac:cxnSpMk id="13" creationId="{1B313973-300E-4616-99E4-B0F7BC5E6F60}"/>
-          </ac:cxnSpMkLst>
-        </pc:cxnChg>
-        <pc:cxnChg chg="del">
-          <ac:chgData name="Nils Mechtel" userId="d365a3c7-8594-435f-9872-5455ceefc78f" providerId="ADAL" clId="{FEE5CBDF-FE29-4F9F-99B9-949F0817748B}" dt="2019-05-13T08:44:10.281" v="2724" actId="478"/>
-          <ac:cxnSpMkLst>
-            <pc:docMk/>
-            <pc:sldMk cId="3859023442" sldId="275"/>
-            <ac:cxnSpMk id="16" creationId="{BC4617ED-9E57-4803-8BBB-2EF8E0A68FF0}"/>
-          </ac:cxnSpMkLst>
-        </pc:cxnChg>
-        <pc:cxnChg chg="del mod">
-          <ac:chgData name="Nils Mechtel" userId="d365a3c7-8594-435f-9872-5455ceefc78f" providerId="ADAL" clId="{FEE5CBDF-FE29-4F9F-99B9-949F0817748B}" dt="2019-05-13T08:44:06.681" v="2722" actId="478"/>
-          <ac:cxnSpMkLst>
-            <pc:docMk/>
-            <pc:sldMk cId="3859023442" sldId="275"/>
-            <ac:cxnSpMk id="19" creationId="{8D281F27-FA96-40A6-BC32-A1189623CFE1}"/>
-          </ac:cxnSpMkLst>
-        </pc:cxnChg>
-        <pc:cxnChg chg="add del mod topLvl">
-          <ac:chgData name="Nils Mechtel" userId="d365a3c7-8594-435f-9872-5455ceefc78f" providerId="ADAL" clId="{FEE5CBDF-FE29-4F9F-99B9-949F0817748B}" dt="2019-05-13T11:49:22.001" v="3009" actId="478"/>
-          <ac:cxnSpMkLst>
-            <pc:docMk/>
-            <pc:sldMk cId="3859023442" sldId="275"/>
-            <ac:cxnSpMk id="22" creationId="{D5A3100C-EA21-49C0-AE60-70C9F37BBD26}"/>
-          </ac:cxnSpMkLst>
-        </pc:cxnChg>
-        <pc:cxnChg chg="mod topLvl">
-          <ac:chgData name="Nils Mechtel" userId="d365a3c7-8594-435f-9872-5455ceefc78f" providerId="ADAL" clId="{FEE5CBDF-FE29-4F9F-99B9-949F0817748B}" dt="2019-05-13T11:49:02.017" v="3004" actId="165"/>
-          <ac:cxnSpMkLst>
-            <pc:docMk/>
-            <pc:sldMk cId="3859023442" sldId="275"/>
-            <ac:cxnSpMk id="24" creationId="{69FAAED9-A7C1-4793-BB8B-21DBFEC3F3F7}"/>
-          </ac:cxnSpMkLst>
-        </pc:cxnChg>
-        <pc:cxnChg chg="add del mod topLvl">
-          <ac:chgData name="Nils Mechtel" userId="d365a3c7-8594-435f-9872-5455ceefc78f" providerId="ADAL" clId="{FEE5CBDF-FE29-4F9F-99B9-949F0817748B}" dt="2019-05-13T11:49:19.971" v="3008" actId="478"/>
-          <ac:cxnSpMkLst>
-            <pc:docMk/>
-            <pc:sldMk cId="3859023442" sldId="275"/>
-            <ac:cxnSpMk id="25" creationId="{C0FAD949-6E27-4C77-AB9E-C71A271AABFF}"/>
-          </ac:cxnSpMkLst>
-        </pc:cxnChg>
-        <pc:cxnChg chg="mod topLvl">
-          <ac:chgData name="Nils Mechtel" userId="d365a3c7-8594-435f-9872-5455ceefc78f" providerId="ADAL" clId="{FEE5CBDF-FE29-4F9F-99B9-949F0817748B}" dt="2019-05-13T11:49:02.017" v="3004" actId="165"/>
-          <ac:cxnSpMkLst>
-            <pc:docMk/>
-            <pc:sldMk cId="3859023442" sldId="275"/>
-            <ac:cxnSpMk id="26" creationId="{950F54E5-6F31-47A3-BB01-6F9F52FC2054}"/>
-          </ac:cxnSpMkLst>
-        </pc:cxnChg>
-        <pc:cxnChg chg="mod">
-          <ac:chgData name="Nils Mechtel" userId="d365a3c7-8594-435f-9872-5455ceefc78f" providerId="ADAL" clId="{FEE5CBDF-FE29-4F9F-99B9-949F0817748B}" dt="2019-05-13T08:55:41.391" v="2798" actId="208"/>
-          <ac:cxnSpMkLst>
-            <pc:docMk/>
-            <pc:sldMk cId="3859023442" sldId="275"/>
-            <ac:cxnSpMk id="32" creationId="{E02EE72E-52D7-4CE2-BF9D-7E7F43C6112B}"/>
-          </ac:cxnSpMkLst>
-        </pc:cxnChg>
-        <pc:cxnChg chg="mod">
-          <ac:chgData name="Nils Mechtel" userId="d365a3c7-8594-435f-9872-5455ceefc78f" providerId="ADAL" clId="{FEE5CBDF-FE29-4F9F-99B9-949F0817748B}" dt="2019-05-13T09:01:32.020" v="2832" actId="14100"/>
-          <ac:cxnSpMkLst>
-            <pc:docMk/>
-            <pc:sldMk cId="3859023442" sldId="275"/>
-            <ac:cxnSpMk id="39" creationId="{EA1D788D-1E38-4E71-B47E-DC8D6874A315}"/>
-          </ac:cxnSpMkLst>
-        </pc:cxnChg>
-        <pc:cxnChg chg="add mod topLvl">
-          <ac:chgData name="Nils Mechtel" userId="d365a3c7-8594-435f-9872-5455ceefc78f" providerId="ADAL" clId="{FEE5CBDF-FE29-4F9F-99B9-949F0817748B}" dt="2019-05-13T11:49:02.017" v="3004" actId="165"/>
-          <ac:cxnSpMkLst>
-            <pc:docMk/>
-            <pc:sldMk cId="3859023442" sldId="275"/>
-            <ac:cxnSpMk id="45" creationId="{AD840FB6-0BF0-4B3F-A60E-5581312F6BC4}"/>
-          </ac:cxnSpMkLst>
-        </pc:cxnChg>
-        <pc:cxnChg chg="mod topLvl">
-          <ac:chgData name="Nils Mechtel" userId="d365a3c7-8594-435f-9872-5455ceefc78f" providerId="ADAL" clId="{FEE5CBDF-FE29-4F9F-99B9-949F0817748B}" dt="2019-05-13T11:49:02.017" v="3004" actId="165"/>
-          <ac:cxnSpMkLst>
-            <pc:docMk/>
-            <pc:sldMk cId="3859023442" sldId="275"/>
-            <ac:cxnSpMk id="46" creationId="{D24BD6EB-D27C-4D23-BDE6-1959C6FA7AAC}"/>
-          </ac:cxnSpMkLst>
-        </pc:cxnChg>
-        <pc:cxnChg chg="mod topLvl">
-          <ac:chgData name="Nils Mechtel" userId="d365a3c7-8594-435f-9872-5455ceefc78f" providerId="ADAL" clId="{FEE5CBDF-FE29-4F9F-99B9-949F0817748B}" dt="2019-05-13T11:49:02.017" v="3004" actId="165"/>
-          <ac:cxnSpMkLst>
-            <pc:docMk/>
-            <pc:sldMk cId="3859023442" sldId="275"/>
-            <ac:cxnSpMk id="48" creationId="{46C88C13-CA61-41FF-A098-55FF5ACFD1AD}"/>
-          </ac:cxnSpMkLst>
-        </pc:cxnChg>
-        <pc:cxnChg chg="add mod topLvl">
-          <ac:chgData name="Nils Mechtel" userId="d365a3c7-8594-435f-9872-5455ceefc78f" providerId="ADAL" clId="{FEE5CBDF-FE29-4F9F-99B9-949F0817748B}" dt="2019-05-13T11:49:02.017" v="3004" actId="165"/>
-          <ac:cxnSpMkLst>
-            <pc:docMk/>
-            <pc:sldMk cId="3859023442" sldId="275"/>
-            <ac:cxnSpMk id="54" creationId="{237A3F4B-2BE1-4E7A-A58F-844C4E85778B}"/>
-          </ac:cxnSpMkLst>
-        </pc:cxnChg>
-        <pc:cxnChg chg="del mod">
-          <ac:chgData name="Nils Mechtel" userId="d365a3c7-8594-435f-9872-5455ceefc78f" providerId="ADAL" clId="{FEE5CBDF-FE29-4F9F-99B9-949F0817748B}" dt="2019-05-13T08:44:08.330" v="2723" actId="478"/>
-          <ac:cxnSpMkLst>
-            <pc:docMk/>
-            <pc:sldMk cId="3859023442" sldId="275"/>
-            <ac:cxnSpMk id="57" creationId="{DFC98FB2-D1C2-4093-843A-C531B6D86FD8}"/>
-          </ac:cxnSpMkLst>
-        </pc:cxnChg>
-        <pc:cxnChg chg="add mod topLvl">
-          <ac:chgData name="Nils Mechtel" userId="d365a3c7-8594-435f-9872-5455ceefc78f" providerId="ADAL" clId="{FEE5CBDF-FE29-4F9F-99B9-949F0817748B}" dt="2019-05-13T11:49:02.017" v="3004" actId="165"/>
-          <ac:cxnSpMkLst>
-            <pc:docMk/>
-            <pc:sldMk cId="3859023442" sldId="275"/>
-            <ac:cxnSpMk id="63" creationId="{592BB4A1-9F5C-4809-B4D7-E3EEF6B377E7}"/>
-          </ac:cxnSpMkLst>
-        </pc:cxnChg>
-      </pc:sldChg>
-      <pc:sldChg chg="addSp delSp modSp add modTransition modAnim modNotesTx">
-        <pc:chgData name="Nils Mechtel" userId="d365a3c7-8594-435f-9872-5455ceefc78f" providerId="ADAL" clId="{FEE5CBDF-FE29-4F9F-99B9-949F0817748B}" dt="2019-05-14T15:43:28.465" v="5033" actId="20577"/>
+      <pc:sldChg chg="addSp delSp modSp add modTransition modAnim delCm modNotesTx">
+        <pc:chgData name="Nils Mechtel" userId="d365a3c7-8594-435f-9872-5455ceefc78f" providerId="ADAL" clId="{FEE5CBDF-FE29-4F9F-99B9-949F0817748B}" dt="2019-05-15T11:44:32.979" v="6008" actId="1592"/>
         <pc:sldMkLst>
           <pc:docMk/>
           <pc:sldMk cId="381550320" sldId="276"/>
@@ -4842,7 +3772,7 @@
           </ac:spMkLst>
         </pc:spChg>
         <pc:spChg chg="add mod">
-          <ac:chgData name="Nils Mechtel" userId="d365a3c7-8594-435f-9872-5455ceefc78f" providerId="ADAL" clId="{FEE5CBDF-FE29-4F9F-99B9-949F0817748B}" dt="2019-05-14T15:16:27.888" v="4941" actId="2711"/>
+          <ac:chgData name="Nils Mechtel" userId="d365a3c7-8594-435f-9872-5455ceefc78f" providerId="ADAL" clId="{FEE5CBDF-FE29-4F9F-99B9-949F0817748B}" dt="2019-05-14T21:13:46.198" v="5980" actId="20577"/>
           <ac:spMkLst>
             <pc:docMk/>
             <pc:sldMk cId="381550320" sldId="276"/>
@@ -4858,11 +3788,19 @@
           </ac:spMkLst>
         </pc:spChg>
         <pc:spChg chg="add mod">
-          <ac:chgData name="Nils Mechtel" userId="d365a3c7-8594-435f-9872-5455ceefc78f" providerId="ADAL" clId="{FEE5CBDF-FE29-4F9F-99B9-949F0817748B}" dt="2019-05-14T13:15:01.572" v="4614" actId="14100"/>
+          <ac:chgData name="Nils Mechtel" userId="d365a3c7-8594-435f-9872-5455ceefc78f" providerId="ADAL" clId="{FEE5CBDF-FE29-4F9F-99B9-949F0817748B}" dt="2019-05-15T08:34:40.230" v="5993" actId="14100"/>
           <ac:spMkLst>
             <pc:docMk/>
             <pc:sldMk cId="381550320" sldId="276"/>
             <ac:spMk id="18" creationId="{EE100CF8-C7C5-4AC1-A535-AA626C2F31BE}"/>
+          </ac:spMkLst>
+        </pc:spChg>
+        <pc:spChg chg="add mod">
+          <ac:chgData name="Nils Mechtel" userId="d365a3c7-8594-435f-9872-5455ceefc78f" providerId="ADAL" clId="{FEE5CBDF-FE29-4F9F-99B9-949F0817748B}" dt="2019-05-14T19:55:40.590" v="5633" actId="1076"/>
+          <ac:spMkLst>
+            <pc:docMk/>
+            <pc:sldMk cId="381550320" sldId="276"/>
+            <ac:spMk id="19" creationId="{B9B66A64-7773-4F85-8514-6AC7A9689207}"/>
           </ac:spMkLst>
         </pc:spChg>
         <pc:grpChg chg="add mod">
@@ -4905,6 +3843,22 @@
             <ac:graphicFrameMk id="7" creationId="{F1A949C7-C9CF-4C02-BE5E-DA666970FF15}"/>
           </ac:graphicFrameMkLst>
         </pc:graphicFrameChg>
+        <pc:picChg chg="add del mod ord">
+          <ac:chgData name="Nils Mechtel" userId="d365a3c7-8594-435f-9872-5455ceefc78f" providerId="ADAL" clId="{FEE5CBDF-FE29-4F9F-99B9-949F0817748B}" dt="2019-05-14T19:53:37.717" v="5626" actId="478"/>
+          <ac:picMkLst>
+            <pc:docMk/>
+            <pc:sldMk cId="381550320" sldId="276"/>
+            <ac:picMk id="2" creationId="{56B25342-1DB6-4E81-A26D-D8B9F485FC55}"/>
+          </ac:picMkLst>
+        </pc:picChg>
+        <pc:picChg chg="add mod">
+          <ac:chgData name="Nils Mechtel" userId="d365a3c7-8594-435f-9872-5455ceefc78f" providerId="ADAL" clId="{FEE5CBDF-FE29-4F9F-99B9-949F0817748B}" dt="2019-05-14T19:54:56.878" v="5631" actId="14100"/>
+          <ac:picMkLst>
+            <pc:docMk/>
+            <pc:sldMk cId="381550320" sldId="276"/>
+            <ac:picMk id="3" creationId="{9D9FCB56-88B2-44D7-8F52-19F4865DC823}"/>
+          </ac:picMkLst>
+        </pc:picChg>
         <pc:picChg chg="del">
           <ac:chgData name="Nils Mechtel" userId="d365a3c7-8594-435f-9872-5455ceefc78f" providerId="ADAL" clId="{FEE5CBDF-FE29-4F9F-99B9-949F0817748B}" dt="2019-05-13T11:18:18.556" v="2987" actId="478"/>
           <ac:picMkLst>
@@ -4922,284 +3876,228 @@
           </ac:picMkLst>
         </pc:picChg>
       </pc:sldChg>
-      <pc:sldChg chg="addSp delSp modSp add del">
-        <pc:chgData name="Nils Mechtel" userId="d365a3c7-8594-435f-9872-5455ceefc78f" providerId="ADAL" clId="{FEE5CBDF-FE29-4F9F-99B9-949F0817748B}" dt="2019-05-13T13:49:07.952" v="3153" actId="2696"/>
+      <pc:sldChg chg="modSp add modTransition modAnim delCm modNotesTx">
+        <pc:chgData name="Nils Mechtel" userId="d365a3c7-8594-435f-9872-5455ceefc78f" providerId="ADAL" clId="{FEE5CBDF-FE29-4F9F-99B9-949F0817748B}" dt="2019-05-15T11:44:19.806" v="6006" actId="113"/>
         <pc:sldMkLst>
           <pc:docMk/>
-          <pc:sldMk cId="1854963377" sldId="277"/>
+          <pc:sldMk cId="3789531484" sldId="277"/>
         </pc:sldMkLst>
-        <pc:spChg chg="del">
-          <ac:chgData name="Nils Mechtel" userId="d365a3c7-8594-435f-9872-5455ceefc78f" providerId="ADAL" clId="{FEE5CBDF-FE29-4F9F-99B9-949F0817748B}" dt="2019-05-13T11:38:11.542" v="2998" actId="478"/>
+        <pc:spChg chg="mod">
+          <ac:chgData name="Nils Mechtel" userId="d365a3c7-8594-435f-9872-5455ceefc78f" providerId="ADAL" clId="{FEE5CBDF-FE29-4F9F-99B9-949F0817748B}" dt="2019-05-14T20:54:43.184" v="5915" actId="790"/>
           <ac:spMkLst>
             <pc:docMk/>
-            <pc:sldMk cId="1854963377" sldId="277"/>
-            <ac:spMk id="2" creationId="{12E45446-BD9F-4A4E-BACE-DF052EED0DCC}"/>
+            <pc:sldMk cId="3789531484" sldId="277"/>
+            <ac:spMk id="2" creationId="{DFE74C15-1D99-4C8D-B6EC-50127701BE63}"/>
           </ac:spMkLst>
         </pc:spChg>
-        <pc:spChg chg="del mod">
-          <ac:chgData name="Nils Mechtel" userId="d365a3c7-8594-435f-9872-5455ceefc78f" providerId="ADAL" clId="{FEE5CBDF-FE29-4F9F-99B9-949F0817748B}" dt="2019-05-13T11:38:03.216" v="2996" actId="478"/>
+        <pc:spChg chg="mod">
+          <ac:chgData name="Nils Mechtel" userId="d365a3c7-8594-435f-9872-5455ceefc78f" providerId="ADAL" clId="{FEE5CBDF-FE29-4F9F-99B9-949F0817748B}" dt="2019-05-15T07:48:06.884" v="5990" actId="20577"/>
           <ac:spMkLst>
             <pc:docMk/>
-            <pc:sldMk cId="1854963377" sldId="277"/>
-            <ac:spMk id="3" creationId="{5621D2A5-4471-4929-8512-D6397DDDA612}"/>
-          </ac:spMkLst>
-        </pc:spChg>
-        <pc:spChg chg="add">
-          <ac:chgData name="Nils Mechtel" userId="d365a3c7-8594-435f-9872-5455ceefc78f" providerId="ADAL" clId="{FEE5CBDF-FE29-4F9F-99B9-949F0817748B}" dt="2019-05-13T11:38:04.341" v="2997"/>
-          <ac:spMkLst>
-            <pc:docMk/>
-            <pc:sldMk cId="1854963377" sldId="277"/>
-            <ac:spMk id="4" creationId="{54B5F27A-2D10-4490-8D07-17ADF6E63272}"/>
+            <pc:sldMk cId="3789531484" sldId="277"/>
+            <ac:spMk id="6" creationId="{9EABE0BA-7501-4B87-B287-067D38A035BF}"/>
           </ac:spMkLst>
         </pc:spChg>
       </pc:sldChg>
-      <pc:sldChg chg="addSp delSp modSp add del">
-        <pc:chgData name="Nils Mechtel" userId="d365a3c7-8594-435f-9872-5455ceefc78f" providerId="ADAL" clId="{FEE5CBDF-FE29-4F9F-99B9-949F0817748B}" dt="2019-05-13T11:15:48.419" v="2976" actId="2696"/>
+      <pc:sldChg chg="add del setBg">
+        <pc:chgData name="Nils Mechtel" userId="d365a3c7-8594-435f-9872-5455ceefc78f" providerId="ADAL" clId="{FEE5CBDF-FE29-4F9F-99B9-949F0817748B}" dt="2019-05-14T20:05:54.090" v="5637" actId="2696"/>
         <pc:sldMkLst>
           <pc:docMk/>
-          <pc:sldMk cId="2024527701" sldId="277"/>
+          <pc:sldMk cId="1925517690" sldId="278"/>
+        </pc:sldMkLst>
+      </pc:sldChg>
+      <pc:sldChg chg="addSp delSp modSp add del ord">
+        <pc:chgData name="Nils Mechtel" userId="d365a3c7-8594-435f-9872-5455ceefc78f" providerId="ADAL" clId="{FEE5CBDF-FE29-4F9F-99B9-949F0817748B}" dt="2019-05-14T20:06:55.631" v="5644" actId="2696"/>
+        <pc:sldMkLst>
+          <pc:docMk/>
+          <pc:sldMk cId="1280696803" sldId="279"/>
         </pc:sldMkLst>
         <pc:spChg chg="del">
-          <ac:chgData name="Nils Mechtel" userId="d365a3c7-8594-435f-9872-5455ceefc78f" providerId="ADAL" clId="{FEE5CBDF-FE29-4F9F-99B9-949F0817748B}" dt="2019-05-13T11:14:11.188" v="2958"/>
+          <ac:chgData name="Nils Mechtel" userId="d365a3c7-8594-435f-9872-5455ceefc78f" providerId="ADAL" clId="{FEE5CBDF-FE29-4F9F-99B9-949F0817748B}" dt="2019-05-14T20:06:06.237" v="5638" actId="478"/>
           <ac:spMkLst>
             <pc:docMk/>
-            <pc:sldMk cId="2024527701" sldId="277"/>
-            <ac:spMk id="3" creationId="{95D95872-AF1B-464B-A68D-13DB97496F36}"/>
-          </ac:spMkLst>
-        </pc:spChg>
-        <pc:picChg chg="add mod">
-          <ac:chgData name="Nils Mechtel" userId="d365a3c7-8594-435f-9872-5455ceefc78f" providerId="ADAL" clId="{FEE5CBDF-FE29-4F9F-99B9-949F0817748B}" dt="2019-05-13T11:15:20.571" v="2972" actId="1076"/>
-          <ac:picMkLst>
-            <pc:docMk/>
-            <pc:sldMk cId="2024527701" sldId="277"/>
-            <ac:picMk id="5" creationId="{ADBC6A84-1FE4-4406-BCDB-C975BD72C787}"/>
-          </ac:picMkLst>
-        </pc:picChg>
-      </pc:sldChg>
-      <pc:sldChg chg="addSp modSp add del modTransition">
-        <pc:chgData name="Nils Mechtel" userId="d365a3c7-8594-435f-9872-5455ceefc78f" providerId="ADAL" clId="{FEE5CBDF-FE29-4F9F-99B9-949F0817748B}" dt="2019-05-13T11:15:48.386" v="2975" actId="2696"/>
-        <pc:sldMkLst>
-          <pc:docMk/>
-          <pc:sldMk cId="202214275" sldId="278"/>
-        </pc:sldMkLst>
-        <pc:picChg chg="add mod">
-          <ac:chgData name="Nils Mechtel" userId="d365a3c7-8594-435f-9872-5455ceefc78f" providerId="ADAL" clId="{FEE5CBDF-FE29-4F9F-99B9-949F0817748B}" dt="2019-05-13T11:15:24.287" v="2974" actId="1076"/>
-          <ac:picMkLst>
-            <pc:docMk/>
-            <pc:sldMk cId="202214275" sldId="278"/>
-            <ac:picMk id="4" creationId="{5EC626C8-5945-4169-A517-194086FB82F2}"/>
-          </ac:picMkLst>
-        </pc:picChg>
-      </pc:sldChg>
-      <pc:sldChg chg="add ord">
-        <pc:chgData name="Nils Mechtel" userId="d365a3c7-8594-435f-9872-5455ceefc78f" providerId="ADAL" clId="{FEE5CBDF-FE29-4F9F-99B9-949F0817748B}" dt="2019-05-13T13:49:12.815" v="3154"/>
-        <pc:sldMkLst>
-          <pc:docMk/>
-          <pc:sldMk cId="622519963" sldId="278"/>
-        </pc:sldMkLst>
-      </pc:sldChg>
-    </pc:docChg>
-  </pc:docChgLst>
-  <pc:docChgLst>
-    <pc:chgData name="pascal.poc.pp@gmail.com" userId="S::urn:spo:guest#pascal.poc.pp@gmail.com::" providerId="AD" clId="Web-{54F2D62C-3A25-0C75-26B0-1119EBE2E004}"/>
-    <pc:docChg chg="modSld">
-      <pc:chgData name="pascal.poc.pp@gmail.com" userId="S::urn:spo:guest#pascal.poc.pp@gmail.com::" providerId="AD" clId="Web-{54F2D62C-3A25-0C75-26B0-1119EBE2E004}" dt="2019-05-13T14:19:28.834" v="50" actId="1076"/>
-      <pc:docMkLst>
-        <pc:docMk/>
-      </pc:docMkLst>
-      <pc:sldChg chg="modSp">
-        <pc:chgData name="pascal.poc.pp@gmail.com" userId="S::urn:spo:guest#pascal.poc.pp@gmail.com::" providerId="AD" clId="Web-{54F2D62C-3A25-0C75-26B0-1119EBE2E004}" dt="2019-05-13T08:02:32.366" v="6" actId="20577"/>
-        <pc:sldMkLst>
-          <pc:docMk/>
-          <pc:sldMk cId="2484908466" sldId="256"/>
-        </pc:sldMkLst>
-        <pc:spChg chg="mod">
-          <ac:chgData name="pascal.poc.pp@gmail.com" userId="S::urn:spo:guest#pascal.poc.pp@gmail.com::" providerId="AD" clId="Web-{54F2D62C-3A25-0C75-26B0-1119EBE2E004}" dt="2019-05-13T08:02:32.366" v="6" actId="20577"/>
-          <ac:spMkLst>
-            <pc:docMk/>
-            <pc:sldMk cId="2484908466" sldId="256"/>
+            <pc:sldMk cId="1280696803" sldId="279"/>
             <ac:spMk id="2" creationId="{1AD6BE74-C148-45F5-A49F-1D57CB38CDC0}"/>
           </ac:spMkLst>
         </pc:spChg>
-      </pc:sldChg>
-      <pc:sldChg chg="addSp delSp modSp">
-        <pc:chgData name="pascal.poc.pp@gmail.com" userId="S::urn:spo:guest#pascal.poc.pp@gmail.com::" providerId="AD" clId="Web-{54F2D62C-3A25-0C75-26B0-1119EBE2E004}" dt="2019-05-13T14:19:28.834" v="50" actId="1076"/>
-        <pc:sldMkLst>
-          <pc:docMk/>
-          <pc:sldMk cId="836733519" sldId="265"/>
-        </pc:sldMkLst>
-        <pc:picChg chg="add del mod">
-          <ac:chgData name="pascal.poc.pp@gmail.com" userId="S::urn:spo:guest#pascal.poc.pp@gmail.com::" providerId="AD" clId="Web-{54F2D62C-3A25-0C75-26B0-1119EBE2E004}" dt="2019-05-13T14:11:19.587" v="38"/>
-          <ac:picMkLst>
-            <pc:docMk/>
-            <pc:sldMk cId="836733519" sldId="265"/>
-            <ac:picMk id="325" creationId="{25B10FD8-3342-493F-BE4D-F853A27BBB69}"/>
-          </ac:picMkLst>
-        </pc:picChg>
-        <pc:picChg chg="add del mod">
-          <ac:chgData name="pascal.poc.pp@gmail.com" userId="S::urn:spo:guest#pascal.poc.pp@gmail.com::" providerId="AD" clId="Web-{54F2D62C-3A25-0C75-26B0-1119EBE2E004}" dt="2019-05-13T14:12:30.180" v="46"/>
-          <ac:picMkLst>
-            <pc:docMk/>
-            <pc:sldMk cId="836733519" sldId="265"/>
-            <ac:picMk id="327" creationId="{D49C6E22-4ED3-4F4A-A2CD-1E41B86E2E64}"/>
-          </ac:picMkLst>
-        </pc:picChg>
-        <pc:picChg chg="add del mod">
-          <ac:chgData name="pascal.poc.pp@gmail.com" userId="S::urn:spo:guest#pascal.poc.pp@gmail.com::" providerId="AD" clId="Web-{54F2D62C-3A25-0C75-26B0-1119EBE2E004}" dt="2019-05-13T14:12:27.977" v="45"/>
-          <ac:picMkLst>
-            <pc:docMk/>
-            <pc:sldMk cId="836733519" sldId="265"/>
-            <ac:picMk id="329" creationId="{F049CDC3-8C1D-4045-B57B-CBCDC8089A56}"/>
-          </ac:picMkLst>
-        </pc:picChg>
-        <pc:picChg chg="add del mod">
-          <ac:chgData name="pascal.poc.pp@gmail.com" userId="S::urn:spo:guest#pascal.poc.pp@gmail.com::" providerId="AD" clId="Web-{54F2D62C-3A25-0C75-26B0-1119EBE2E004}" dt="2019-05-13T14:07:06.791" v="30"/>
-          <ac:picMkLst>
-            <pc:docMk/>
-            <pc:sldMk cId="836733519" sldId="265"/>
-            <ac:picMk id="330" creationId="{042BCB9A-0899-49FF-9258-FD8F4B9B8B4D}"/>
-          </ac:picMkLst>
-        </pc:picChg>
-        <pc:picChg chg="add mod">
-          <ac:chgData name="pascal.poc.pp@gmail.com" userId="S::urn:spo:guest#pascal.poc.pp@gmail.com::" providerId="AD" clId="Web-{54F2D62C-3A25-0C75-26B0-1119EBE2E004}" dt="2019-05-13T14:13:07.289" v="48" actId="1076"/>
-          <ac:picMkLst>
-            <pc:docMk/>
-            <pc:sldMk cId="836733519" sldId="265"/>
-            <ac:picMk id="331" creationId="{853ED335-0968-43B6-9385-7865869F63F1}"/>
-          </ac:picMkLst>
-        </pc:picChg>
-        <pc:picChg chg="add mod">
-          <ac:chgData name="pascal.poc.pp@gmail.com" userId="S::urn:spo:guest#pascal.poc.pp@gmail.com::" providerId="AD" clId="Web-{54F2D62C-3A25-0C75-26B0-1119EBE2E004}" dt="2019-05-13T14:06:50.791" v="28" actId="1076"/>
-          <ac:picMkLst>
-            <pc:docMk/>
-            <pc:sldMk cId="836733519" sldId="265"/>
-            <ac:picMk id="332" creationId="{73D36892-A87C-4EC8-887E-8F49160ABE7D}"/>
-          </ac:picMkLst>
-        </pc:picChg>
-        <pc:picChg chg="add mod">
-          <ac:chgData name="pascal.poc.pp@gmail.com" userId="S::urn:spo:guest#pascal.poc.pp@gmail.com::" providerId="AD" clId="Web-{54F2D62C-3A25-0C75-26B0-1119EBE2E004}" dt="2019-05-13T14:06:55.807" v="29" actId="1076"/>
-          <ac:picMkLst>
-            <pc:docMk/>
-            <pc:sldMk cId="836733519" sldId="265"/>
-            <ac:picMk id="334" creationId="{FF62C545-E97B-4917-8B71-28263D1AFE23}"/>
-          </ac:picMkLst>
-        </pc:picChg>
-        <pc:picChg chg="add mod">
-          <ac:chgData name="pascal.poc.pp@gmail.com" userId="S::urn:spo:guest#pascal.poc.pp@gmail.com::" providerId="AD" clId="Web-{54F2D62C-3A25-0C75-26B0-1119EBE2E004}" dt="2019-05-13T14:06:43.619" v="26" actId="1076"/>
-          <ac:picMkLst>
-            <pc:docMk/>
-            <pc:sldMk cId="836733519" sldId="265"/>
-            <ac:picMk id="336" creationId="{933364B4-9F52-4764-866E-778DD03226C3}"/>
-          </ac:picMkLst>
-        </pc:picChg>
-        <pc:picChg chg="add mod">
-          <ac:chgData name="pascal.poc.pp@gmail.com" userId="S::urn:spo:guest#pascal.poc.pp@gmail.com::" providerId="AD" clId="Web-{54F2D62C-3A25-0C75-26B0-1119EBE2E004}" dt="2019-05-13T14:07:34.588" v="32" actId="1076"/>
-          <ac:picMkLst>
-            <pc:docMk/>
-            <pc:sldMk cId="836733519" sldId="265"/>
-            <ac:picMk id="338" creationId="{73D2A9E5-6A07-44F4-85CD-D7885AD13222}"/>
-          </ac:picMkLst>
-        </pc:picChg>
-        <pc:picChg chg="add mod">
-          <ac:chgData name="pascal.poc.pp@gmail.com" userId="S::urn:spo:guest#pascal.poc.pp@gmail.com::" providerId="AD" clId="Web-{54F2D62C-3A25-0C75-26B0-1119EBE2E004}" dt="2019-05-13T14:07:58.056" v="34" actId="1076"/>
-          <ac:picMkLst>
-            <pc:docMk/>
-            <pc:sldMk cId="836733519" sldId="265"/>
-            <ac:picMk id="340" creationId="{BB704ABF-B671-4ED4-A736-8BF22EEBF660}"/>
-          </ac:picMkLst>
-        </pc:picChg>
-        <pc:picChg chg="add mod">
-          <ac:chgData name="pascal.poc.pp@gmail.com" userId="S::urn:spo:guest#pascal.poc.pp@gmail.com::" providerId="AD" clId="Web-{54F2D62C-3A25-0C75-26B0-1119EBE2E004}" dt="2019-05-13T14:19:28.834" v="50" actId="1076"/>
-          <ac:picMkLst>
-            <pc:docMk/>
-            <pc:sldMk cId="836733519" sldId="265"/>
-            <ac:picMk id="345" creationId="{857AB9BF-1E05-4FA1-B45F-722DCF7FBB7B}"/>
-          </ac:picMkLst>
-        </pc:picChg>
-      </pc:sldChg>
-      <pc:sldChg chg="modSp">
-        <pc:chgData name="pascal.poc.pp@gmail.com" userId="S::urn:spo:guest#pascal.poc.pp@gmail.com::" providerId="AD" clId="Web-{54F2D62C-3A25-0C75-26B0-1119EBE2E004}" dt="2019-05-13T08:10:35.019" v="12" actId="1076"/>
-        <pc:sldMkLst>
-          <pc:docMk/>
-          <pc:sldMk cId="2923162179" sldId="266"/>
-        </pc:sldMkLst>
         <pc:spChg chg="mod">
-          <ac:chgData name="pascal.poc.pp@gmail.com" userId="S::urn:spo:guest#pascal.poc.pp@gmail.com::" providerId="AD" clId="Web-{54F2D62C-3A25-0C75-26B0-1119EBE2E004}" dt="2019-05-13T08:10:20.598" v="10" actId="20577"/>
+          <ac:chgData name="Nils Mechtel" userId="d365a3c7-8594-435f-9872-5455ceefc78f" providerId="ADAL" clId="{FEE5CBDF-FE29-4F9F-99B9-949F0817748B}" dt="2019-05-14T20:06:28.480" v="5641" actId="1076"/>
           <ac:spMkLst>
             <pc:docMk/>
-            <pc:sldMk cId="2923162179" sldId="266"/>
-            <ac:spMk id="2" creationId="{3AFFD6C7-E4F3-4CC2-9977-57E2B563D5DB}"/>
+            <pc:sldMk cId="1280696803" sldId="279"/>
+            <ac:spMk id="3" creationId="{81862294-C6C8-4267-9EC4-FCE207C21611}"/>
           </ac:spMkLst>
         </pc:spChg>
-        <pc:picChg chg="mod">
-          <ac:chgData name="pascal.poc.pp@gmail.com" userId="S::urn:spo:guest#pascal.poc.pp@gmail.com::" providerId="AD" clId="Web-{54F2D62C-3A25-0C75-26B0-1119EBE2E004}" dt="2019-05-13T08:10:35.019" v="12" actId="1076"/>
-          <ac:picMkLst>
-            <pc:docMk/>
-            <pc:sldMk cId="2923162179" sldId="266"/>
-            <ac:picMk id="4" creationId="{6396212C-CC14-42F5-A6C0-F37A60C5A6E9}"/>
-          </ac:picMkLst>
-        </pc:picChg>
-      </pc:sldChg>
-      <pc:sldChg chg="modSp">
-        <pc:chgData name="pascal.poc.pp@gmail.com" userId="S::urn:spo:guest#pascal.poc.pp@gmail.com::" providerId="AD" clId="Web-{54F2D62C-3A25-0C75-26B0-1119EBE2E004}" dt="2019-05-13T13:45:07.548" v="17" actId="20577"/>
-        <pc:sldMkLst>
-          <pc:docMk/>
-          <pc:sldMk cId="3411230145" sldId="273"/>
-        </pc:sldMkLst>
-        <pc:spChg chg="mod">
-          <ac:chgData name="pascal.poc.pp@gmail.com" userId="S::urn:spo:guest#pascal.poc.pp@gmail.com::" providerId="AD" clId="Web-{54F2D62C-3A25-0C75-26B0-1119EBE2E004}" dt="2019-05-13T13:45:07.548" v="17" actId="20577"/>
+        <pc:spChg chg="add del mod">
+          <ac:chgData name="Nils Mechtel" userId="d365a3c7-8594-435f-9872-5455ceefc78f" providerId="ADAL" clId="{FEE5CBDF-FE29-4F9F-99B9-949F0817748B}" dt="2019-05-14T20:06:16.041" v="5640" actId="478"/>
           <ac:spMkLst>
             <pc:docMk/>
-            <pc:sldMk cId="3411230145" sldId="273"/>
-            <ac:spMk id="6" creationId="{0D3C4D43-0167-4BC2-91B0-8DB1F2AE73AE}"/>
+            <pc:sldMk cId="1280696803" sldId="279"/>
+            <ac:spMk id="6" creationId="{FDF71A40-FC89-43CA-8C4A-3450B2682105}"/>
           </ac:spMkLst>
         </pc:spChg>
       </pc:sldChg>
-      <pc:sldChg chg="modSp">
-        <pc:chgData name="pascal.poc.pp@gmail.com" userId="S::urn:spo:guest#pascal.poc.pp@gmail.com::" providerId="AD" clId="Web-{54F2D62C-3A25-0C75-26B0-1119EBE2E004}" dt="2019-05-13T11:38:37.773" v="14" actId="20577"/>
+      <pc:sldChg chg="delSp modSp add ord modTransition">
+        <pc:chgData name="Nils Mechtel" userId="d365a3c7-8594-435f-9872-5455ceefc78f" providerId="ADAL" clId="{FEE5CBDF-FE29-4F9F-99B9-949F0817748B}" dt="2019-05-14T20:19:25.695" v="5869"/>
         <pc:sldMkLst>
           <pc:docMk/>
-          <pc:sldMk cId="1854963377" sldId="277"/>
+          <pc:sldMk cId="2813258137" sldId="280"/>
         </pc:sldMkLst>
+        <pc:spChg chg="del mod">
+          <ac:chgData name="Nils Mechtel" userId="d365a3c7-8594-435f-9872-5455ceefc78f" providerId="ADAL" clId="{FEE5CBDF-FE29-4F9F-99B9-949F0817748B}" dt="2019-05-14T20:07:11.351" v="5650" actId="478"/>
+          <ac:spMkLst>
+            <pc:docMk/>
+            <pc:sldMk cId="2813258137" sldId="280"/>
+            <ac:spMk id="2" creationId="{1AD6BE74-C148-45F5-A49F-1D57CB38CDC0}"/>
+          </ac:spMkLst>
+        </pc:spChg>
         <pc:spChg chg="mod">
-          <ac:chgData name="pascal.poc.pp@gmail.com" userId="S::urn:spo:guest#pascal.poc.pp@gmail.com::" providerId="AD" clId="Web-{54F2D62C-3A25-0C75-26B0-1119EBE2E004}" dt="2019-05-13T11:38:37.773" v="14" actId="20577"/>
+          <ac:chgData name="Nils Mechtel" userId="d365a3c7-8594-435f-9872-5455ceefc78f" providerId="ADAL" clId="{FEE5CBDF-FE29-4F9F-99B9-949F0817748B}" dt="2019-05-14T20:17:42.663" v="5860" actId="1076"/>
           <ac:spMkLst>
             <pc:docMk/>
-            <pc:sldMk cId="1854963377" sldId="277"/>
-            <ac:spMk id="4" creationId="{54B5F27A-2D10-4490-8D07-17ADF6E63272}"/>
+            <pc:sldMk cId="2813258137" sldId="280"/>
+            <ac:spMk id="3" creationId="{81862294-C6C8-4267-9EC4-FCE207C21611}"/>
           </ac:spMkLst>
         </pc:spChg>
       </pc:sldChg>
     </pc:docChg>
   </pc:docChgLst>
   <pc:docChgLst>
-    <pc:chgData name="pascal.poc.pp@gmail.com" userId="S::urn:spo:guest#pascal.poc.pp@gmail.com::" providerId="AD" clId="Web-{0570BBE3-6DC8-40D8-BD4A-2B8883141892}"/>
-    <pc:docChg chg="addSld modSld sldOrd modSection">
-      <pc:chgData name="pascal.poc.pp@gmail.com" userId="S::urn:spo:guest#pascal.poc.pp@gmail.com::" providerId="AD" clId="Web-{0570BBE3-6DC8-40D8-BD4A-2B8883141892}" dt="2019-05-11T12:50:03.329" v="69" actId="1076"/>
+    <pc:chgData name="pascal.poc.pp@gmail.com" userId="S::urn:spo:guest#pascal.poc.pp@gmail.com::" providerId="AD" clId="Web-{56C3E720-CDF3-A010-A1A3-4574DA1E94EA}"/>
+    <pc:docChg chg="modSld">
+      <pc:chgData name="pascal.poc.pp@gmail.com" userId="S::urn:spo:guest#pascal.poc.pp@gmail.com::" providerId="AD" clId="Web-{56C3E720-CDF3-A010-A1A3-4574DA1E94EA}" dt="2019-05-11T15:54:47.577" v="91" actId="20577"/>
       <pc:docMkLst>
         <pc:docMk/>
       </pc:docMkLst>
-    </pc:docChg>
-  </pc:docChgLst>
-  <pc:docChgLst>
-    <pc:chgData name="niklas.kronos@gmail.com" userId="S::urn:spo:guest#niklas.kronos@gmail.com::" providerId="AD" clId="Web-{0A60967B-DAF8-A1FE-489D-49D4C2143C79}"/>
-    <pc:docChg chg="modSld">
-      <pc:chgData name="niklas.kronos@gmail.com" userId="S::urn:spo:guest#niklas.kronos@gmail.com::" providerId="AD" clId="Web-{0A60967B-DAF8-A1FE-489D-49D4C2143C79}" dt="2019-05-14T15:17:25.865" v="84" actId="14100"/>
-      <pc:docMkLst>
-        <pc:docMk/>
-      </pc:docMkLst>
-      <pc:sldChg chg="modSp">
-        <pc:chgData name="niklas.kronos@gmail.com" userId="S::urn:spo:guest#niklas.kronos@gmail.com::" providerId="AD" clId="Web-{0A60967B-DAF8-A1FE-489D-49D4C2143C79}" dt="2019-05-14T15:17:25.865" v="84" actId="14100"/>
+      <pc:sldChg chg="addSp delSp modSp">
+        <pc:chgData name="pascal.poc.pp@gmail.com" userId="S::urn:spo:guest#pascal.poc.pp@gmail.com::" providerId="AD" clId="Web-{56C3E720-CDF3-A010-A1A3-4574DA1E94EA}" dt="2019-05-11T13:27:18.818" v="81"/>
         <pc:sldMkLst>
           <pc:docMk/>
-          <pc:sldMk cId="4044078516" sldId="263"/>
+          <pc:sldMk cId="2484908466" sldId="256"/>
+        </pc:sldMkLst>
+        <pc:picChg chg="add mod">
+          <ac:chgData name="pascal.poc.pp@gmail.com" userId="S::urn:spo:guest#pascal.poc.pp@gmail.com::" providerId="AD" clId="Web-{56C3E720-CDF3-A010-A1A3-4574DA1E94EA}" dt="2019-05-11T13:26:59.615" v="71"/>
+          <ac:picMkLst>
+            <pc:docMk/>
+            <pc:sldMk cId="2484908466" sldId="256"/>
+            <ac:picMk id="4" creationId="{C728CAA1-EB3A-41AC-9581-451969D49BD6}"/>
+          </ac:picMkLst>
+        </pc:picChg>
+        <pc:picChg chg="add mod">
+          <ac:chgData name="pascal.poc.pp@gmail.com" userId="S::urn:spo:guest#pascal.poc.pp@gmail.com::" providerId="AD" clId="Web-{56C3E720-CDF3-A010-A1A3-4574DA1E94EA}" dt="2019-05-11T13:27:00.724" v="72"/>
+          <ac:picMkLst>
+            <pc:docMk/>
+            <pc:sldMk cId="2484908466" sldId="256"/>
+            <ac:picMk id="6" creationId="{169773D3-B81F-4930-A855-69568BB65473}"/>
+          </ac:picMkLst>
+        </pc:picChg>
+        <pc:picChg chg="add del mod">
+          <ac:chgData name="pascal.poc.pp@gmail.com" userId="S::urn:spo:guest#pascal.poc.pp@gmail.com::" providerId="AD" clId="Web-{56C3E720-CDF3-A010-A1A3-4574DA1E94EA}" dt="2019-05-11T13:27:16.240" v="80"/>
+          <ac:picMkLst>
+            <pc:docMk/>
+            <pc:sldMk cId="2484908466" sldId="256"/>
+            <ac:picMk id="8" creationId="{B96EA895-A9AE-4F2C-A40A-875A522267EB}"/>
+          </ac:picMkLst>
+        </pc:picChg>
+        <pc:picChg chg="add mod">
+          <ac:chgData name="pascal.poc.pp@gmail.com" userId="S::urn:spo:guest#pascal.poc.pp@gmail.com::" providerId="AD" clId="Web-{56C3E720-CDF3-A010-A1A3-4574DA1E94EA}" dt="2019-05-11T13:27:02.490" v="74"/>
+          <ac:picMkLst>
+            <pc:docMk/>
+            <pc:sldMk cId="2484908466" sldId="256"/>
+            <ac:picMk id="10" creationId="{BEC75E34-2625-41DA-9A12-216768360BFF}"/>
+          </ac:picMkLst>
+        </pc:picChg>
+        <pc:picChg chg="add del mod">
+          <ac:chgData name="pascal.poc.pp@gmail.com" userId="S::urn:spo:guest#pascal.poc.pp@gmail.com::" providerId="AD" clId="Web-{56C3E720-CDF3-A010-A1A3-4574DA1E94EA}" dt="2019-05-11T13:27:14.053" v="79"/>
+          <ac:picMkLst>
+            <pc:docMk/>
+            <pc:sldMk cId="2484908466" sldId="256"/>
+            <ac:picMk id="12" creationId="{7279ACA1-E6D7-4F2C-8916-746597108681}"/>
+          </ac:picMkLst>
+        </pc:picChg>
+        <pc:picChg chg="add del mod">
+          <ac:chgData name="pascal.poc.pp@gmail.com" userId="S::urn:spo:guest#pascal.poc.pp@gmail.com::" providerId="AD" clId="Web-{56C3E720-CDF3-A010-A1A3-4574DA1E94EA}" dt="2019-05-11T13:27:18.818" v="81"/>
+          <ac:picMkLst>
+            <pc:docMk/>
+            <pc:sldMk cId="2484908466" sldId="256"/>
+            <ac:picMk id="14" creationId="{4FAA9DE7-277E-4A8D-BB70-3049352958E4}"/>
+          </ac:picMkLst>
+        </pc:picChg>
+        <pc:picChg chg="add mod">
+          <ac:chgData name="pascal.poc.pp@gmail.com" userId="S::urn:spo:guest#pascal.poc.pp@gmail.com::" providerId="AD" clId="Web-{56C3E720-CDF3-A010-A1A3-4574DA1E94EA}" dt="2019-05-11T13:27:03.271" v="77"/>
+          <ac:picMkLst>
+            <pc:docMk/>
+            <pc:sldMk cId="2484908466" sldId="256"/>
+            <ac:picMk id="16" creationId="{2D008AF7-82D1-4E7A-A0C4-EAAA22844CAC}"/>
+          </ac:picMkLst>
+        </pc:picChg>
+        <pc:picChg chg="del">
+          <ac:chgData name="pascal.poc.pp@gmail.com" userId="S::urn:spo:guest#pascal.poc.pp@gmail.com::" providerId="AD" clId="Web-{56C3E720-CDF3-A010-A1A3-4574DA1E94EA}" dt="2019-05-11T13:27:11.615" v="78"/>
+          <ac:picMkLst>
+            <pc:docMk/>
+            <pc:sldMk cId="2484908466" sldId="256"/>
+            <ac:picMk id="59" creationId="{59EC7E78-8577-4C9F-BED9-EDAF7EE0AA9C}"/>
+          </ac:picMkLst>
+        </pc:picChg>
+      </pc:sldChg>
+      <pc:sldChg chg="modSp">
+        <pc:chgData name="pascal.poc.pp@gmail.com" userId="S::urn:spo:guest#pascal.poc.pp@gmail.com::" providerId="AD" clId="Web-{56C3E720-CDF3-A010-A1A3-4574DA1E94EA}" dt="2019-05-11T13:23:51.031" v="67" actId="20577"/>
+        <pc:sldMkLst>
+          <pc:docMk/>
+          <pc:sldMk cId="1965533031" sldId="257"/>
         </pc:sldMkLst>
         <pc:spChg chg="mod">
-          <ac:chgData name="niklas.kronos@gmail.com" userId="S::urn:spo:guest#niklas.kronos@gmail.com::" providerId="AD" clId="Web-{0A60967B-DAF8-A1FE-489D-49D4C2143C79}" dt="2019-05-14T15:17:25.865" v="84" actId="14100"/>
+          <ac:chgData name="pascal.poc.pp@gmail.com" userId="S::urn:spo:guest#pascal.poc.pp@gmail.com::" providerId="AD" clId="Web-{56C3E720-CDF3-A010-A1A3-4574DA1E94EA}" dt="2019-05-11T13:23:07.077" v="63" actId="20577"/>
           <ac:spMkLst>
             <pc:docMk/>
-            <pc:sldMk cId="4044078516" sldId="263"/>
-            <ac:spMk id="6" creationId="{9EABE0BA-7501-4B87-B287-067D38A035BF}"/>
+            <pc:sldMk cId="1965533031" sldId="257"/>
+            <ac:spMk id="2" creationId="{B008D1D3-9463-48A0-85F8-1984E244CECD}"/>
+          </ac:spMkLst>
+        </pc:spChg>
+        <pc:spChg chg="mod">
+          <ac:chgData name="pascal.poc.pp@gmail.com" userId="S::urn:spo:guest#pascal.poc.pp@gmail.com::" providerId="AD" clId="Web-{56C3E720-CDF3-A010-A1A3-4574DA1E94EA}" dt="2019-05-11T13:23:51.031" v="67" actId="20577"/>
+          <ac:spMkLst>
+            <pc:docMk/>
+            <pc:sldMk cId="1965533031" sldId="257"/>
+            <ac:spMk id="3" creationId="{C5F468CC-2388-463D-8E99-031E12807CF8}"/>
+          </ac:spMkLst>
+        </pc:spChg>
+      </pc:sldChg>
+      <pc:sldChg chg="modSp">
+        <pc:chgData name="pascal.poc.pp@gmail.com" userId="S::urn:spo:guest#pascal.poc.pp@gmail.com::" providerId="AD" clId="Web-{56C3E720-CDF3-A010-A1A3-4574DA1E94EA}" dt="2019-05-11T15:54:41.358" v="89" actId="20577"/>
+        <pc:sldMkLst>
+          <pc:docMk/>
+          <pc:sldMk cId="836733519" sldId="265"/>
+        </pc:sldMkLst>
+        <pc:spChg chg="mod">
+          <ac:chgData name="pascal.poc.pp@gmail.com" userId="S::urn:spo:guest#pascal.poc.pp@gmail.com::" providerId="AD" clId="Web-{56C3E720-CDF3-A010-A1A3-4574DA1E94EA}" dt="2019-05-11T15:54:07.998" v="86" actId="20577"/>
+          <ac:spMkLst>
+            <pc:docMk/>
+            <pc:sldMk cId="836733519" sldId="265"/>
+            <ac:spMk id="2" creationId="{11DB241C-01F8-4A1A-B493-796A1AD4A31E}"/>
+          </ac:spMkLst>
+        </pc:spChg>
+        <pc:spChg chg="mod">
+          <ac:chgData name="pascal.poc.pp@gmail.com" userId="S::urn:spo:guest#pascal.poc.pp@gmail.com::" providerId="AD" clId="Web-{56C3E720-CDF3-A010-A1A3-4574DA1E94EA}" dt="2019-05-11T15:54:41.358" v="89" actId="20577"/>
+          <ac:spMkLst>
+            <pc:docMk/>
+            <pc:sldMk cId="836733519" sldId="265"/>
+            <ac:spMk id="6" creationId="{D400EFC7-5CED-4F3C-B4E1-4DAA5A09D939}"/>
+          </ac:spMkLst>
+        </pc:spChg>
+      </pc:sldChg>
+      <pc:sldChg chg="modSp">
+        <pc:chgData name="pascal.poc.pp@gmail.com" userId="S::urn:spo:guest#pascal.poc.pp@gmail.com::" providerId="AD" clId="Web-{56C3E720-CDF3-A010-A1A3-4574DA1E94EA}" dt="2019-05-11T15:53:50.935" v="85" actId="1076"/>
+        <pc:sldMkLst>
+          <pc:docMk/>
+          <pc:sldMk cId="2923162179" sldId="266"/>
+        </pc:sldMkLst>
+        <pc:spChg chg="mod">
+          <ac:chgData name="pascal.poc.pp@gmail.com" userId="S::urn:spo:guest#pascal.poc.pp@gmail.com::" providerId="AD" clId="Web-{56C3E720-CDF3-A010-A1A3-4574DA1E94EA}" dt="2019-05-11T15:53:50.935" v="85" actId="1076"/>
+          <ac:spMkLst>
+            <pc:docMk/>
+            <pc:sldMk cId="2923162179" sldId="266"/>
+            <ac:spMk id="5" creationId="{391AAE10-E219-42C0-A4C3-B93314FB7CA1}"/>
           </ac:spMkLst>
         </pc:spChg>
       </pc:sldChg>
@@ -5345,29 +4243,6 @@
         </pc:spChg>
       </pc:sldChg>
       <pc:sldChg chg="modSp">
-        <pc:chgData name="tobias.hub@web.de" userId="S::urn:spo:guest#tobias.hub@web.de::" providerId="AD" clId="Web-{FCF14A56-2CBA-452A-BD1D-B8E2EAA15F3F}" dt="2019-05-11T14:16:23.885" v="1621" actId="1076"/>
-        <pc:sldMkLst>
-          <pc:docMk/>
-          <pc:sldMk cId="4044078516" sldId="263"/>
-        </pc:sldMkLst>
-        <pc:spChg chg="mod">
-          <ac:chgData name="tobias.hub@web.de" userId="S::urn:spo:guest#tobias.hub@web.de::" providerId="AD" clId="Web-{FCF14A56-2CBA-452A-BD1D-B8E2EAA15F3F}" dt="2019-05-11T14:16:23.885" v="1621" actId="1076"/>
-          <ac:spMkLst>
-            <pc:docMk/>
-            <pc:sldMk cId="4044078516" sldId="263"/>
-            <ac:spMk id="5" creationId="{985CA1E5-977A-4D2C-9571-A3A80E9D6DC5}"/>
-          </ac:spMkLst>
-        </pc:spChg>
-        <pc:picChg chg="mod">
-          <ac:chgData name="tobias.hub@web.de" userId="S::urn:spo:guest#tobias.hub@web.de::" providerId="AD" clId="Web-{FCF14A56-2CBA-452A-BD1D-B8E2EAA15F3F}" dt="2019-05-11T14:16:02.494" v="1612" actId="1076"/>
-          <ac:picMkLst>
-            <pc:docMk/>
-            <pc:sldMk cId="4044078516" sldId="263"/>
-            <ac:picMk id="4" creationId="{9DA69BF4-ECE5-4F93-967D-8C1469EB77E1}"/>
-          </ac:picMkLst>
-        </pc:picChg>
-      </pc:sldChg>
-      <pc:sldChg chg="modSp">
         <pc:chgData name="tobias.hub@web.de" userId="S::urn:spo:guest#tobias.hub@web.de::" providerId="AD" clId="Web-{FCF14A56-2CBA-452A-BD1D-B8E2EAA15F3F}" dt="2019-05-11T13:46:49.670" v="1607" actId="20577"/>
         <pc:sldMkLst>
           <pc:docMk/>
@@ -5385,47 +4260,181 @@
     </pc:docChg>
   </pc:docChgLst>
   <pc:docChgLst>
-    <pc:chgData name="tobias.hub@web.de" userId="S::urn:spo:guest#tobias.hub@web.de::" providerId="AD" clId="Web-{0F1670F1-5E66-155C-8EF0-ED34F4265544}"/>
+    <pc:chgData name="pascal.poc.pp@gmail.com" userId="S::urn:spo:guest#pascal.poc.pp@gmail.com::" providerId="AD" clId="Web-{54F2D62C-3A25-0C75-26B0-1119EBE2E004}"/>
     <pc:docChg chg="modSld">
-      <pc:chgData name="tobias.hub@web.de" userId="S::urn:spo:guest#tobias.hub@web.de::" providerId="AD" clId="Web-{0F1670F1-5E66-155C-8EF0-ED34F4265544}" dt="2019-05-14T08:36:40.724" v="10"/>
+      <pc:chgData name="pascal.poc.pp@gmail.com" userId="S::urn:spo:guest#pascal.poc.pp@gmail.com::" providerId="AD" clId="Web-{54F2D62C-3A25-0C75-26B0-1119EBE2E004}" dt="2019-05-13T14:19:28.834" v="50" actId="1076"/>
       <pc:docMkLst>
         <pc:docMk/>
       </pc:docMkLst>
-      <pc:sldChg chg="modNotes">
-        <pc:chgData name="tobias.hub@web.de" userId="S::urn:spo:guest#tobias.hub@web.de::" providerId="AD" clId="Web-{0F1670F1-5E66-155C-8EF0-ED34F4265544}" dt="2019-05-14T08:35:26.303" v="6"/>
+      <pc:sldChg chg="modSp">
+        <pc:chgData name="pascal.poc.pp@gmail.com" userId="S::urn:spo:guest#pascal.poc.pp@gmail.com::" providerId="AD" clId="Web-{54F2D62C-3A25-0C75-26B0-1119EBE2E004}" dt="2019-05-13T08:02:32.366" v="6" actId="20577"/>
         <pc:sldMkLst>
           <pc:docMk/>
-          <pc:sldMk cId="4044078516" sldId="263"/>
+          <pc:sldMk cId="2484908466" sldId="256"/>
         </pc:sldMkLst>
+        <pc:spChg chg="mod">
+          <ac:chgData name="pascal.poc.pp@gmail.com" userId="S::urn:spo:guest#pascal.poc.pp@gmail.com::" providerId="AD" clId="Web-{54F2D62C-3A25-0C75-26B0-1119EBE2E004}" dt="2019-05-13T08:02:32.366" v="6" actId="20577"/>
+          <ac:spMkLst>
+            <pc:docMk/>
+            <pc:sldMk cId="2484908466" sldId="256"/>
+            <ac:spMk id="2" creationId="{1AD6BE74-C148-45F5-A49F-1D57CB38CDC0}"/>
+          </ac:spMkLst>
+        </pc:spChg>
       </pc:sldChg>
-      <pc:sldChg chg="modNotes">
-        <pc:chgData name="tobias.hub@web.de" userId="S::urn:spo:guest#tobias.hub@web.de::" providerId="AD" clId="Web-{0F1670F1-5E66-155C-8EF0-ED34F4265544}" dt="2019-05-14T08:36:40.724" v="10"/>
+      <pc:sldChg chg="addSp delSp modSp">
+        <pc:chgData name="pascal.poc.pp@gmail.com" userId="S::urn:spo:guest#pascal.poc.pp@gmail.com::" providerId="AD" clId="Web-{54F2D62C-3A25-0C75-26B0-1119EBE2E004}" dt="2019-05-13T14:19:28.834" v="50" actId="1076"/>
         <pc:sldMkLst>
           <pc:docMk/>
-          <pc:sldMk cId="381550320" sldId="276"/>
+          <pc:sldMk cId="836733519" sldId="265"/>
         </pc:sldMkLst>
+        <pc:picChg chg="add del mod">
+          <ac:chgData name="pascal.poc.pp@gmail.com" userId="S::urn:spo:guest#pascal.poc.pp@gmail.com::" providerId="AD" clId="Web-{54F2D62C-3A25-0C75-26B0-1119EBE2E004}" dt="2019-05-13T14:11:19.587" v="38"/>
+          <ac:picMkLst>
+            <pc:docMk/>
+            <pc:sldMk cId="836733519" sldId="265"/>
+            <ac:picMk id="325" creationId="{25B10FD8-3342-493F-BE4D-F853A27BBB69}"/>
+          </ac:picMkLst>
+        </pc:picChg>
+        <pc:picChg chg="add del mod">
+          <ac:chgData name="pascal.poc.pp@gmail.com" userId="S::urn:spo:guest#pascal.poc.pp@gmail.com::" providerId="AD" clId="Web-{54F2D62C-3A25-0C75-26B0-1119EBE2E004}" dt="2019-05-13T14:12:30.180" v="46"/>
+          <ac:picMkLst>
+            <pc:docMk/>
+            <pc:sldMk cId="836733519" sldId="265"/>
+            <ac:picMk id="327" creationId="{D49C6E22-4ED3-4F4A-A2CD-1E41B86E2E64}"/>
+          </ac:picMkLst>
+        </pc:picChg>
+        <pc:picChg chg="add del mod">
+          <ac:chgData name="pascal.poc.pp@gmail.com" userId="S::urn:spo:guest#pascal.poc.pp@gmail.com::" providerId="AD" clId="Web-{54F2D62C-3A25-0C75-26B0-1119EBE2E004}" dt="2019-05-13T14:12:27.977" v="45"/>
+          <ac:picMkLst>
+            <pc:docMk/>
+            <pc:sldMk cId="836733519" sldId="265"/>
+            <ac:picMk id="329" creationId="{F049CDC3-8C1D-4045-B57B-CBCDC8089A56}"/>
+          </ac:picMkLst>
+        </pc:picChg>
+        <pc:picChg chg="add del mod">
+          <ac:chgData name="pascal.poc.pp@gmail.com" userId="S::urn:spo:guest#pascal.poc.pp@gmail.com::" providerId="AD" clId="Web-{54F2D62C-3A25-0C75-26B0-1119EBE2E004}" dt="2019-05-13T14:07:06.791" v="30"/>
+          <ac:picMkLst>
+            <pc:docMk/>
+            <pc:sldMk cId="836733519" sldId="265"/>
+            <ac:picMk id="330" creationId="{042BCB9A-0899-49FF-9258-FD8F4B9B8B4D}"/>
+          </ac:picMkLst>
+        </pc:picChg>
+        <pc:picChg chg="add mod">
+          <ac:chgData name="pascal.poc.pp@gmail.com" userId="S::urn:spo:guest#pascal.poc.pp@gmail.com::" providerId="AD" clId="Web-{54F2D62C-3A25-0C75-26B0-1119EBE2E004}" dt="2019-05-13T14:13:07.289" v="48" actId="1076"/>
+          <ac:picMkLst>
+            <pc:docMk/>
+            <pc:sldMk cId="836733519" sldId="265"/>
+            <ac:picMk id="331" creationId="{853ED335-0968-43B6-9385-7865869F63F1}"/>
+          </ac:picMkLst>
+        </pc:picChg>
+        <pc:picChg chg="add mod">
+          <ac:chgData name="pascal.poc.pp@gmail.com" userId="S::urn:spo:guest#pascal.poc.pp@gmail.com::" providerId="AD" clId="Web-{54F2D62C-3A25-0C75-26B0-1119EBE2E004}" dt="2019-05-13T14:06:50.791" v="28" actId="1076"/>
+          <ac:picMkLst>
+            <pc:docMk/>
+            <pc:sldMk cId="836733519" sldId="265"/>
+            <ac:picMk id="332" creationId="{73D36892-A87C-4EC8-887E-8F49160ABE7D}"/>
+          </ac:picMkLst>
+        </pc:picChg>
+        <pc:picChg chg="add mod">
+          <ac:chgData name="pascal.poc.pp@gmail.com" userId="S::urn:spo:guest#pascal.poc.pp@gmail.com::" providerId="AD" clId="Web-{54F2D62C-3A25-0C75-26B0-1119EBE2E004}" dt="2019-05-13T14:06:55.807" v="29" actId="1076"/>
+          <ac:picMkLst>
+            <pc:docMk/>
+            <pc:sldMk cId="836733519" sldId="265"/>
+            <ac:picMk id="334" creationId="{FF62C545-E97B-4917-8B71-28263D1AFE23}"/>
+          </ac:picMkLst>
+        </pc:picChg>
+        <pc:picChg chg="add mod">
+          <ac:chgData name="pascal.poc.pp@gmail.com" userId="S::urn:spo:guest#pascal.poc.pp@gmail.com::" providerId="AD" clId="Web-{54F2D62C-3A25-0C75-26B0-1119EBE2E004}" dt="2019-05-13T14:06:43.619" v="26" actId="1076"/>
+          <ac:picMkLst>
+            <pc:docMk/>
+            <pc:sldMk cId="836733519" sldId="265"/>
+            <ac:picMk id="336" creationId="{933364B4-9F52-4764-866E-778DD03226C3}"/>
+          </ac:picMkLst>
+        </pc:picChg>
+        <pc:picChg chg="add mod">
+          <ac:chgData name="pascal.poc.pp@gmail.com" userId="S::urn:spo:guest#pascal.poc.pp@gmail.com::" providerId="AD" clId="Web-{54F2D62C-3A25-0C75-26B0-1119EBE2E004}" dt="2019-05-13T14:07:34.588" v="32" actId="1076"/>
+          <ac:picMkLst>
+            <pc:docMk/>
+            <pc:sldMk cId="836733519" sldId="265"/>
+            <ac:picMk id="338" creationId="{73D2A9E5-6A07-44F4-85CD-D7885AD13222}"/>
+          </ac:picMkLst>
+        </pc:picChg>
+        <pc:picChg chg="add mod">
+          <ac:chgData name="pascal.poc.pp@gmail.com" userId="S::urn:spo:guest#pascal.poc.pp@gmail.com::" providerId="AD" clId="Web-{54F2D62C-3A25-0C75-26B0-1119EBE2E004}" dt="2019-05-13T14:07:58.056" v="34" actId="1076"/>
+          <ac:picMkLst>
+            <pc:docMk/>
+            <pc:sldMk cId="836733519" sldId="265"/>
+            <ac:picMk id="340" creationId="{BB704ABF-B671-4ED4-A736-8BF22EEBF660}"/>
+          </ac:picMkLst>
+        </pc:picChg>
+        <pc:picChg chg="add mod">
+          <ac:chgData name="pascal.poc.pp@gmail.com" userId="S::urn:spo:guest#pascal.poc.pp@gmail.com::" providerId="AD" clId="Web-{54F2D62C-3A25-0C75-26B0-1119EBE2E004}" dt="2019-05-13T14:19:28.834" v="50" actId="1076"/>
+          <ac:picMkLst>
+            <pc:docMk/>
+            <pc:sldMk cId="836733519" sldId="265"/>
+            <ac:picMk id="345" creationId="{857AB9BF-1E05-4FA1-B45F-722DCF7FBB7B}"/>
+          </ac:picMkLst>
+        </pc:picChg>
+      </pc:sldChg>
+      <pc:sldChg chg="modSp">
+        <pc:chgData name="pascal.poc.pp@gmail.com" userId="S::urn:spo:guest#pascal.poc.pp@gmail.com::" providerId="AD" clId="Web-{54F2D62C-3A25-0C75-26B0-1119EBE2E004}" dt="2019-05-13T08:10:35.019" v="12" actId="1076"/>
+        <pc:sldMkLst>
+          <pc:docMk/>
+          <pc:sldMk cId="2923162179" sldId="266"/>
+        </pc:sldMkLst>
+        <pc:spChg chg="mod">
+          <ac:chgData name="pascal.poc.pp@gmail.com" userId="S::urn:spo:guest#pascal.poc.pp@gmail.com::" providerId="AD" clId="Web-{54F2D62C-3A25-0C75-26B0-1119EBE2E004}" dt="2019-05-13T08:10:20.598" v="10" actId="20577"/>
+          <ac:spMkLst>
+            <pc:docMk/>
+            <pc:sldMk cId="2923162179" sldId="266"/>
+            <ac:spMk id="2" creationId="{3AFFD6C7-E4F3-4CC2-9977-57E2B563D5DB}"/>
+          </ac:spMkLst>
+        </pc:spChg>
+        <pc:picChg chg="mod">
+          <ac:chgData name="pascal.poc.pp@gmail.com" userId="S::urn:spo:guest#pascal.poc.pp@gmail.com::" providerId="AD" clId="Web-{54F2D62C-3A25-0C75-26B0-1119EBE2E004}" dt="2019-05-13T08:10:35.019" v="12" actId="1076"/>
+          <ac:picMkLst>
+            <pc:docMk/>
+            <pc:sldMk cId="2923162179" sldId="266"/>
+            <ac:picMk id="4" creationId="{6396212C-CC14-42F5-A6C0-F37A60C5A6E9}"/>
+          </ac:picMkLst>
+        </pc:picChg>
+      </pc:sldChg>
+      <pc:sldChg chg="modSp">
+        <pc:chgData name="pascal.poc.pp@gmail.com" userId="S::urn:spo:guest#pascal.poc.pp@gmail.com::" providerId="AD" clId="Web-{54F2D62C-3A25-0C75-26B0-1119EBE2E004}" dt="2019-05-13T13:45:07.548" v="17" actId="20577"/>
+        <pc:sldMkLst>
+          <pc:docMk/>
+          <pc:sldMk cId="3411230145" sldId="273"/>
+        </pc:sldMkLst>
+        <pc:spChg chg="mod">
+          <ac:chgData name="pascal.poc.pp@gmail.com" userId="S::urn:spo:guest#pascal.poc.pp@gmail.com::" providerId="AD" clId="Web-{54F2D62C-3A25-0C75-26B0-1119EBE2E004}" dt="2019-05-13T13:45:07.548" v="17" actId="20577"/>
+          <ac:spMkLst>
+            <pc:docMk/>
+            <pc:sldMk cId="3411230145" sldId="273"/>
+            <ac:spMk id="6" creationId="{0D3C4D43-0167-4BC2-91B0-8DB1F2AE73AE}"/>
+          </ac:spMkLst>
+        </pc:spChg>
       </pc:sldChg>
     </pc:docChg>
   </pc:docChgLst>
   <pc:docChgLst>
-    <pc:chgData name="niklas.kronos@gmail.com" userId="S::urn:spo:guest#niklas.kronos@gmail.com::" providerId="AD" clId="Web-{3F6D7227-3E41-F491-BE90-5409268B28E0}"/>
+    <pc:chgData name="niklas.kronos@gmail.com" userId="S::urn:spo:guest#niklas.kronos@gmail.com::" providerId="AD" clId="Web-{D379BF8A-BE76-E467-2798-A142A7104027}"/>
     <pc:docChg chg="modSld">
-      <pc:chgData name="niklas.kronos@gmail.com" userId="S::urn:spo:guest#niklas.kronos@gmail.com::" providerId="AD" clId="Web-{3F6D7227-3E41-F491-BE90-5409268B28E0}" dt="2019-05-13T11:32:36.839" v="32" actId="20577"/>
+      <pc:chgData name="niklas.kronos@gmail.com" userId="S::urn:spo:guest#niklas.kronos@gmail.com::" providerId="AD" clId="Web-{D379BF8A-BE76-E467-2798-A142A7104027}" dt="2019-05-14T19:51:31.877" v="36"/>
       <pc:docMkLst>
         <pc:docMk/>
       </pc:docMkLst>
-      <pc:sldChg chg="modSp">
-        <pc:chgData name="niklas.kronos@gmail.com" userId="S::urn:spo:guest#niklas.kronos@gmail.com::" providerId="AD" clId="Web-{3F6D7227-3E41-F491-BE90-5409268B28E0}" dt="2019-05-13T11:32:36.839" v="31" actId="20577"/>
+      <pc:sldChg chg="addSp modSp addAnim modAnim">
+        <pc:chgData name="niklas.kronos@gmail.com" userId="S::urn:spo:guest#niklas.kronos@gmail.com::" providerId="AD" clId="Web-{D379BF8A-BE76-E467-2798-A142A7104027}" dt="2019-05-14T19:51:31.877" v="36"/>
         <pc:sldMkLst>
           <pc:docMk/>
-          <pc:sldMk cId="381550320" sldId="276"/>
+          <pc:sldMk cId="3789531484" sldId="277"/>
         </pc:sldMkLst>
-        <pc:spChg chg="mod">
-          <ac:chgData name="niklas.kronos@gmail.com" userId="S::urn:spo:guest#niklas.kronos@gmail.com::" providerId="AD" clId="Web-{3F6D7227-3E41-F491-BE90-5409268B28E0}" dt="2019-05-13T11:32:36.839" v="31" actId="20577"/>
+        <pc:spChg chg="add mod">
+          <ac:chgData name="niklas.kronos@gmail.com" userId="S::urn:spo:guest#niklas.kronos@gmail.com::" providerId="AD" clId="Web-{D379BF8A-BE76-E467-2798-A142A7104027}" dt="2019-05-14T19:50:33.846" v="34" actId="1076"/>
           <ac:spMkLst>
             <pc:docMk/>
-            <pc:sldMk cId="381550320" sldId="276"/>
-            <ac:spMk id="8" creationId="{9B50F7CF-113D-47BB-9B2C-8B9E1D976F1C}"/>
+            <pc:sldMk cId="3789531484" sldId="277"/>
+            <ac:spMk id="3" creationId="{41D62092-D107-43EB-A8A0-77404DF5FF21}"/>
           </ac:spMkLst>
         </pc:spChg>
       </pc:sldChg>
@@ -5498,21 +4507,6 @@
           </ac:spMkLst>
         </pc:spChg>
       </pc:sldChg>
-      <pc:sldChg chg="modSp mod">
-        <pc:chgData name="niklas.kronos@gmail.com" userId="S::urn:spo:guest#niklas.kronos@gmail.com::" providerId="AD" clId="Web-{4D85818C-7279-3769-2E20-734F408B337C}" dt="2019-05-11T16:06:11.983" v="698"/>
-        <pc:sldMkLst>
-          <pc:docMk/>
-          <pc:sldMk cId="4044078516" sldId="263"/>
-        </pc:sldMkLst>
-        <pc:spChg chg="mod">
-          <ac:chgData name="niklas.kronos@gmail.com" userId="S::urn:spo:guest#niklas.kronos@gmail.com::" providerId="AD" clId="Web-{4D85818C-7279-3769-2E20-734F408B337C}" dt="2019-05-11T15:41:50.176" v="664" actId="20577"/>
-          <ac:spMkLst>
-            <pc:docMk/>
-            <pc:sldMk cId="4044078516" sldId="263"/>
-            <ac:spMk id="2" creationId="{DFD99890-61D9-4B87-8189-F7C606B59725}"/>
-          </ac:spMkLst>
-        </pc:spChg>
-      </pc:sldChg>
       <pc:sldChg chg="mod">
         <pc:chgData name="niklas.kronos@gmail.com" userId="S::urn:spo:guest#niklas.kronos@gmail.com::" providerId="AD" clId="Web-{4D85818C-7279-3769-2E20-734F408B337C}" dt="2019-05-11T16:06:11.983" v="698"/>
         <pc:sldMkLst>
@@ -5545,50 +4539,43 @@
     </pc:docChg>
   </pc:docChgLst>
   <pc:docChgLst>
-    <pc:chgData name="tobias.hub@web.de" userId="S::urn:spo:guest#tobias.hub@web.de::" providerId="AD" clId="Web-{BFF7F638-A37A-55D5-6302-81C8EFF2DF27}"/>
+    <pc:chgData name="tobias.hub@web.de" userId="S::urn:spo:guest#tobias.hub@web.de::" providerId="AD" clId="Web-{0F1670F1-5E66-155C-8EF0-ED34F4265544}"/>
     <pc:docChg chg="modSld">
-      <pc:chgData name="tobias.hub@web.de" userId="S::urn:spo:guest#tobias.hub@web.de::" providerId="AD" clId="Web-{BFF7F638-A37A-55D5-6302-81C8EFF2DF27}" dt="2019-05-13T16:23:54.549" v="2157" actId="20577"/>
+      <pc:chgData name="tobias.hub@web.de" userId="S::urn:spo:guest#tobias.hub@web.de::" providerId="AD" clId="Web-{0F1670F1-5E66-155C-8EF0-ED34F4265544}" dt="2019-05-14T08:36:40.724" v="10"/>
+      <pc:docMkLst>
+        <pc:docMk/>
+      </pc:docMkLst>
+      <pc:sldChg chg="modNotes">
+        <pc:chgData name="tobias.hub@web.de" userId="S::urn:spo:guest#tobias.hub@web.de::" providerId="AD" clId="Web-{0F1670F1-5E66-155C-8EF0-ED34F4265544}" dt="2019-05-14T08:35:26.303" v="6"/>
+        <pc:sldMkLst>
+          <pc:docMk/>
+          <pc:sldMk cId="4044078516" sldId="263"/>
+        </pc:sldMkLst>
+      </pc:sldChg>
+      <pc:sldChg chg="modNotes">
+        <pc:chgData name="tobias.hub@web.de" userId="S::urn:spo:guest#tobias.hub@web.de::" providerId="AD" clId="Web-{0F1670F1-5E66-155C-8EF0-ED34F4265544}" dt="2019-05-14T08:36:40.724" v="10"/>
+        <pc:sldMkLst>
+          <pc:docMk/>
+          <pc:sldMk cId="381550320" sldId="276"/>
+        </pc:sldMkLst>
+      </pc:sldChg>
+    </pc:docChg>
+  </pc:docChgLst>
+  <pc:docChgLst>
+    <pc:chgData name="niklas.kronos@gmail.com" userId="S::urn:spo:guest#niklas.kronos@gmail.com::" providerId="AD" clId="Web-{0A60967B-DAF8-A1FE-489D-49D4C2143C79}"/>
+    <pc:docChg chg="modSld">
+      <pc:chgData name="niklas.kronos@gmail.com" userId="S::urn:spo:guest#niklas.kronos@gmail.com::" providerId="AD" clId="Web-{0A60967B-DAF8-A1FE-489D-49D4C2143C79}" dt="2019-05-14T15:17:25.865" v="84" actId="14100"/>
       <pc:docMkLst>
         <pc:docMk/>
       </pc:docMkLst>
       <pc:sldChg chg="modSp">
-        <pc:chgData name="tobias.hub@web.de" userId="S::urn:spo:guest#tobias.hub@web.de::" providerId="AD" clId="Web-{BFF7F638-A37A-55D5-6302-81C8EFF2DF27}" dt="2019-05-13T15:51:26.177" v="1527" actId="1076"/>
-        <pc:sldMkLst>
-          <pc:docMk/>
-          <pc:sldMk cId="1965533031" sldId="257"/>
-        </pc:sldMkLst>
-        <pc:spChg chg="mod">
-          <ac:chgData name="tobias.hub@web.de" userId="S::urn:spo:guest#tobias.hub@web.de::" providerId="AD" clId="Web-{BFF7F638-A37A-55D5-6302-81C8EFF2DF27}" dt="2019-05-13T15:51:26.177" v="1527" actId="1076"/>
-          <ac:spMkLst>
-            <pc:docMk/>
-            <pc:sldMk cId="1965533031" sldId="257"/>
-            <ac:spMk id="3" creationId="{A3561F8D-9380-41DF-9739-3A0E08468CF6}"/>
-          </ac:spMkLst>
-        </pc:spChg>
-      </pc:sldChg>
-      <pc:sldChg chg="addSp modSp">
-        <pc:chgData name="tobias.hub@web.de" userId="S::urn:spo:guest#tobias.hub@web.de::" providerId="AD" clId="Web-{BFF7F638-A37A-55D5-6302-81C8EFF2DF27}" dt="2019-05-13T15:57:14.304" v="1532" actId="20577"/>
-        <pc:sldMkLst>
-          <pc:docMk/>
-          <pc:sldMk cId="3678253361" sldId="258"/>
-        </pc:sldMkLst>
-        <pc:spChg chg="add mod">
-          <ac:chgData name="tobias.hub@web.de" userId="S::urn:spo:guest#tobias.hub@web.de::" providerId="AD" clId="Web-{BFF7F638-A37A-55D5-6302-81C8EFF2DF27}" dt="2019-05-13T15:57:14.304" v="1532" actId="20577"/>
-          <ac:spMkLst>
-            <pc:docMk/>
-            <pc:sldMk cId="3678253361" sldId="258"/>
-            <ac:spMk id="9" creationId="{3051B073-4B27-4D2F-8EA2-4D83A57733D7}"/>
-          </ac:spMkLst>
-        </pc:spChg>
-      </pc:sldChg>
-      <pc:sldChg chg="modSp">
-        <pc:chgData name="tobias.hub@web.de" userId="S::urn:spo:guest#tobias.hub@web.de::" providerId="AD" clId="Web-{BFF7F638-A37A-55D5-6302-81C8EFF2DF27}" dt="2019-05-13T16:08:25.324" v="1674" actId="20577"/>
+        <pc:chgData name="niklas.kronos@gmail.com" userId="S::urn:spo:guest#niklas.kronos@gmail.com::" providerId="AD" clId="Web-{0A60967B-DAF8-A1FE-489D-49D4C2143C79}" dt="2019-05-14T15:17:25.865" v="84" actId="14100"/>
         <pc:sldMkLst>
           <pc:docMk/>
           <pc:sldMk cId="4044078516" sldId="263"/>
         </pc:sldMkLst>
         <pc:spChg chg="mod">
-          <ac:chgData name="tobias.hub@web.de" userId="S::urn:spo:guest#tobias.hub@web.de::" providerId="AD" clId="Web-{BFF7F638-A37A-55D5-6302-81C8EFF2DF27}" dt="2019-05-13T16:08:25.324" v="1674" actId="20577"/>
+          <ac:chgData name="niklas.kronos@gmail.com" userId="S::urn:spo:guest#niklas.kronos@gmail.com::" providerId="AD" clId="Web-{0A60967B-DAF8-A1FE-489D-49D4C2143C79}" dt="2019-05-14T15:17:25.865" v="84" actId="14100"/>
           <ac:spMkLst>
             <pc:docMk/>
             <pc:sldMk cId="4044078516" sldId="263"/>
@@ -5596,67 +4583,15 @@
           </ac:spMkLst>
         </pc:spChg>
       </pc:sldChg>
-      <pc:sldChg chg="modSp modNotes">
-        <pc:chgData name="tobias.hub@web.de" userId="S::urn:spo:guest#tobias.hub@web.de::" providerId="AD" clId="Web-{BFF7F638-A37A-55D5-6302-81C8EFF2DF27}" dt="2019-05-13T16:23:52.955" v="2155" actId="20577"/>
-        <pc:sldMkLst>
-          <pc:docMk/>
-          <pc:sldMk cId="3854328160" sldId="264"/>
-        </pc:sldMkLst>
-        <pc:spChg chg="mod">
-          <ac:chgData name="tobias.hub@web.de" userId="S::urn:spo:guest#tobias.hub@web.de::" providerId="AD" clId="Web-{BFF7F638-A37A-55D5-6302-81C8EFF2DF27}" dt="2019-05-13T16:23:52.955" v="2155" actId="20577"/>
-          <ac:spMkLst>
-            <pc:docMk/>
-            <pc:sldMk cId="3854328160" sldId="264"/>
-            <ac:spMk id="3" creationId="{52ECBA23-C101-4F91-8B43-931C93C8877D}"/>
-          </ac:spMkLst>
-        </pc:spChg>
-      </pc:sldChg>
-      <pc:sldChg chg="modSp">
-        <pc:chgData name="tobias.hub@web.de" userId="S::urn:spo:guest#tobias.hub@web.de::" providerId="AD" clId="Web-{BFF7F638-A37A-55D5-6302-81C8EFF2DF27}" dt="2019-05-13T16:05:23.995" v="1610" actId="20577"/>
-        <pc:sldMkLst>
-          <pc:docMk/>
-          <pc:sldMk cId="3411230145" sldId="273"/>
-        </pc:sldMkLst>
-        <pc:spChg chg="mod">
-          <ac:chgData name="tobias.hub@web.de" userId="S::urn:spo:guest#tobias.hub@web.de::" providerId="AD" clId="Web-{BFF7F638-A37A-55D5-6302-81C8EFF2DF27}" dt="2019-05-13T16:05:23.995" v="1610" actId="20577"/>
-          <ac:spMkLst>
-            <pc:docMk/>
-            <pc:sldMk cId="3411230145" sldId="273"/>
-            <ac:spMk id="6" creationId="{0D3C4D43-0167-4BC2-91B0-8DB1F2AE73AE}"/>
-          </ac:spMkLst>
-        </pc:spChg>
-        <pc:grpChg chg="mod">
-          <ac:chgData name="tobias.hub@web.de" userId="S::urn:spo:guest#tobias.hub@web.de::" providerId="AD" clId="Web-{BFF7F638-A37A-55D5-6302-81C8EFF2DF27}" dt="2019-05-13T14:01:18.399" v="99" actId="1076"/>
-          <ac:grpSpMkLst>
-            <pc:docMk/>
-            <pc:sldMk cId="3411230145" sldId="273"/>
-            <ac:grpSpMk id="10" creationId="{79924885-AE3E-40A3-AACF-C3A07E84A7DE}"/>
-          </ac:grpSpMkLst>
-        </pc:grpChg>
-      </pc:sldChg>
-      <pc:sldChg chg="modSp modNotes">
-        <pc:chgData name="tobias.hub@web.de" userId="S::urn:spo:guest#tobias.hub@web.de::" providerId="AD" clId="Web-{BFF7F638-A37A-55D5-6302-81C8EFF2DF27}" dt="2019-05-13T16:15:05.764" v="1989" actId="20577"/>
-        <pc:sldMkLst>
-          <pc:docMk/>
-          <pc:sldMk cId="381550320" sldId="276"/>
-        </pc:sldMkLst>
-        <pc:spChg chg="mod">
-          <ac:chgData name="tobias.hub@web.de" userId="S::urn:spo:guest#tobias.hub@web.de::" providerId="AD" clId="Web-{BFF7F638-A37A-55D5-6302-81C8EFF2DF27}" dt="2019-05-13T16:15:05.764" v="1989" actId="20577"/>
-          <ac:spMkLst>
-            <pc:docMk/>
-            <pc:sldMk cId="381550320" sldId="276"/>
-            <ac:spMk id="8" creationId="{9B50F7CF-113D-47BB-9B2C-8B9E1D976F1C}"/>
-          </ac:spMkLst>
-        </pc:spChg>
-        <pc:graphicFrameChg chg="mod">
-          <ac:chgData name="tobias.hub@web.de" userId="S::urn:spo:guest#tobias.hub@web.de::" providerId="AD" clId="Web-{BFF7F638-A37A-55D5-6302-81C8EFF2DF27}" dt="2019-05-13T14:34:14.452" v="1116" actId="1076"/>
-          <ac:graphicFrameMkLst>
-            <pc:docMk/>
-            <pc:sldMk cId="381550320" sldId="276"/>
-            <ac:graphicFrameMk id="7" creationId="{F1A949C7-C9CF-4C02-BE5E-DA666970FF15}"/>
-          </ac:graphicFrameMkLst>
-        </pc:graphicFrameChg>
-      </pc:sldChg>
+    </pc:docChg>
+  </pc:docChgLst>
+  <pc:docChgLst>
+    <pc:chgData name="pascal.poc.pp@gmail.com" userId="S::urn:spo:guest#pascal.poc.pp@gmail.com::" providerId="AD" clId="Web-{0570BBE3-6DC8-40D8-BD4A-2B8883141892}"/>
+    <pc:docChg chg="addSld modSld sldOrd modSection">
+      <pc:chgData name="pascal.poc.pp@gmail.com" userId="S::urn:spo:guest#pascal.poc.pp@gmail.com::" providerId="AD" clId="Web-{0570BBE3-6DC8-40D8-BD4A-2B8883141892}" dt="2019-05-11T12:50:03.329" v="69" actId="1076"/>
+      <pc:docMkLst>
+        <pc:docMk/>
+      </pc:docMkLst>
     </pc:docChg>
   </pc:docChgLst>
   <pc:docChgLst>
@@ -5681,85 +4616,6 @@
           </ac:spMkLst>
         </pc:spChg>
       </pc:sldChg>
-      <pc:sldChg chg="addSp delSp modSp">
-        <pc:chgData name="niklas.kronos@gmail.com" userId="S::urn:spo:guest#niklas.kronos@gmail.com::" providerId="AD" clId="Web-{9501EFDE-D2BB-C6E8-F3AF-6E526D224B73}" dt="2019-05-13T14:34:32.832" v="360" actId="20577"/>
-        <pc:sldMkLst>
-          <pc:docMk/>
-          <pc:sldMk cId="4044078516" sldId="263"/>
-        </pc:sldMkLst>
-        <pc:spChg chg="del mod">
-          <ac:chgData name="niklas.kronos@gmail.com" userId="S::urn:spo:guest#niklas.kronos@gmail.com::" providerId="AD" clId="Web-{9501EFDE-D2BB-C6E8-F3AF-6E526D224B73}" dt="2019-05-13T14:12:37.382" v="10"/>
-          <ac:spMkLst>
-            <pc:docMk/>
-            <pc:sldMk cId="4044078516" sldId="263"/>
-            <ac:spMk id="5" creationId="{A50493A2-4AD0-4DAC-95CA-DEF04F4085A3}"/>
-          </ac:spMkLst>
-        </pc:spChg>
-        <pc:spChg chg="mod">
-          <ac:chgData name="niklas.kronos@gmail.com" userId="S::urn:spo:guest#niklas.kronos@gmail.com::" providerId="AD" clId="Web-{9501EFDE-D2BB-C6E8-F3AF-6E526D224B73}" dt="2019-05-13T14:34:32.832" v="360" actId="20577"/>
-          <ac:spMkLst>
-            <pc:docMk/>
-            <pc:sldMk cId="4044078516" sldId="263"/>
-            <ac:spMk id="6" creationId="{9EABE0BA-7501-4B87-B287-067D38A035BF}"/>
-          </ac:spMkLst>
-        </pc:spChg>
-        <pc:spChg chg="add mod">
-          <ac:chgData name="niklas.kronos@gmail.com" userId="S::urn:spo:guest#niklas.kronos@gmail.com::" providerId="AD" clId="Web-{9501EFDE-D2BB-C6E8-F3AF-6E526D224B73}" dt="2019-05-13T14:18:26.240" v="173" actId="14100"/>
-          <ac:spMkLst>
-            <pc:docMk/>
-            <pc:sldMk cId="4044078516" sldId="263"/>
-            <ac:spMk id="19" creationId="{E6D2A0BF-E5EF-4DD0-BC19-318ABEC5F47D}"/>
-          </ac:spMkLst>
-        </pc:spChg>
-        <pc:spChg chg="add mod">
-          <ac:chgData name="niklas.kronos@gmail.com" userId="S::urn:spo:guest#niklas.kronos@gmail.com::" providerId="AD" clId="Web-{9501EFDE-D2BB-C6E8-F3AF-6E526D224B73}" dt="2019-05-13T14:18:44.178" v="174" actId="14100"/>
-          <ac:spMkLst>
-            <pc:docMk/>
-            <pc:sldMk cId="4044078516" sldId="263"/>
-            <ac:spMk id="20" creationId="{930FFEB1-7FAD-4C2F-9801-525E442B0F31}"/>
-          </ac:spMkLst>
-        </pc:spChg>
-        <pc:spChg chg="add mod">
-          <ac:chgData name="niklas.kronos@gmail.com" userId="S::urn:spo:guest#niklas.kronos@gmail.com::" providerId="AD" clId="Web-{9501EFDE-D2BB-C6E8-F3AF-6E526D224B73}" dt="2019-05-13T14:18:15.772" v="170" actId="20577"/>
-          <ac:spMkLst>
-            <pc:docMk/>
-            <pc:sldMk cId="4044078516" sldId="263"/>
-            <ac:spMk id="21" creationId="{BA41386F-FF80-4FA8-A50C-7F7FAAEFF622}"/>
-          </ac:spMkLst>
-        </pc:spChg>
-        <pc:spChg chg="add mod">
-          <ac:chgData name="niklas.kronos@gmail.com" userId="S::urn:spo:guest#niklas.kronos@gmail.com::" providerId="AD" clId="Web-{9501EFDE-D2BB-C6E8-F3AF-6E526D224B73}" dt="2019-05-13T14:18:48.553" v="175" actId="1076"/>
-          <ac:spMkLst>
-            <pc:docMk/>
-            <pc:sldMk cId="4044078516" sldId="263"/>
-            <ac:spMk id="22" creationId="{B31E82C5-26CD-47A0-AB75-A9C54363494B}"/>
-          </ac:spMkLst>
-        </pc:spChg>
-        <pc:picChg chg="del">
-          <ac:chgData name="niklas.kronos@gmail.com" userId="S::urn:spo:guest#niklas.kronos@gmail.com::" providerId="AD" clId="Web-{9501EFDE-D2BB-C6E8-F3AF-6E526D224B73}" dt="2019-05-13T14:12:39.398" v="11"/>
-          <ac:picMkLst>
-            <pc:docMk/>
-            <pc:sldMk cId="4044078516" sldId="263"/>
-            <ac:picMk id="3" creationId="{F756ED82-523F-4235-8B64-1586CEDEA374}"/>
-          </ac:picMkLst>
-        </pc:picChg>
-        <pc:picChg chg="del">
-          <ac:chgData name="niklas.kronos@gmail.com" userId="S::urn:spo:guest#niklas.kronos@gmail.com::" providerId="AD" clId="Web-{9501EFDE-D2BB-C6E8-F3AF-6E526D224B73}" dt="2019-05-13T14:12:03.382" v="2"/>
-          <ac:picMkLst>
-            <pc:docMk/>
-            <pc:sldMk cId="4044078516" sldId="263"/>
-            <ac:picMk id="4" creationId="{A053DF1E-D0B7-4C6B-886D-4930CA292F7A}"/>
-          </ac:picMkLst>
-        </pc:picChg>
-        <pc:picChg chg="add mod">
-          <ac:chgData name="niklas.kronos@gmail.com" userId="S::urn:spo:guest#niklas.kronos@gmail.com::" providerId="AD" clId="Web-{9501EFDE-D2BB-C6E8-F3AF-6E526D224B73}" dt="2019-05-13T14:13:05.023" v="14" actId="14100"/>
-          <ac:picMkLst>
-            <pc:docMk/>
-            <pc:sldMk cId="4044078516" sldId="263"/>
-            <ac:picMk id="17" creationId="{452601F3-3C6A-4FA4-91F8-01FE9CA49069}"/>
-          </ac:picMkLst>
-        </pc:picChg>
-      </pc:sldChg>
       <pc:sldChg chg="modSp">
         <pc:chgData name="niklas.kronos@gmail.com" userId="S::urn:spo:guest#niklas.kronos@gmail.com::" providerId="AD" clId="Web-{9501EFDE-D2BB-C6E8-F3AF-6E526D224B73}" dt="2019-05-13T16:30:27.997" v="368" actId="1076"/>
         <pc:sldMkLst>
@@ -5774,13 +4630,6 @@
             <ac:picMk id="10" creationId="{C90D6B81-78E5-40AC-91FA-9B7CAC5D54EF}"/>
           </ac:picMkLst>
         </pc:picChg>
-      </pc:sldChg>
-      <pc:sldChg chg="mod modShow">
-        <pc:chgData name="niklas.kronos@gmail.com" userId="S::urn:spo:guest#niklas.kronos@gmail.com::" providerId="AD" clId="Web-{9501EFDE-D2BB-C6E8-F3AF-6E526D224B73}" dt="2019-05-13T16:24:57.513" v="366"/>
-        <pc:sldMkLst>
-          <pc:docMk/>
-          <pc:sldMk cId="4041509991" sldId="271"/>
-        </pc:sldMkLst>
       </pc:sldChg>
       <pc:sldChg chg="delSp delAnim">
         <pc:chgData name="niklas.kronos@gmail.com" userId="S::urn:spo:guest#niklas.kronos@gmail.com::" providerId="AD" clId="Web-{9501EFDE-D2BB-C6E8-F3AF-6E526D224B73}" dt="2019-05-13T14:02:06.399" v="0"/>
@@ -5796,168 +4645,6 @@
             <ac:grpSpMk id="10" creationId="{79924885-AE3E-40A3-AACF-C3A07E84A7DE}"/>
           </ac:grpSpMkLst>
         </pc:grpChg>
-      </pc:sldChg>
-      <pc:sldChg chg="del">
-        <pc:chgData name="niklas.kronos@gmail.com" userId="S::urn:spo:guest#niklas.kronos@gmail.com::" providerId="AD" clId="Web-{9501EFDE-D2BB-C6E8-F3AF-6E526D224B73}" dt="2019-05-13T16:24:48.185" v="363"/>
-        <pc:sldMkLst>
-          <pc:docMk/>
-          <pc:sldMk cId="3859023442" sldId="275"/>
-        </pc:sldMkLst>
-      </pc:sldChg>
-      <pc:sldChg chg="del">
-        <pc:chgData name="niklas.kronos@gmail.com" userId="S::urn:spo:guest#niklas.kronos@gmail.com::" providerId="AD" clId="Web-{9501EFDE-D2BB-C6E8-F3AF-6E526D224B73}" dt="2019-05-13T16:24:50.529" v="364"/>
-        <pc:sldMkLst>
-          <pc:docMk/>
-          <pc:sldMk cId="622519963" sldId="278"/>
-        </pc:sldMkLst>
-      </pc:sldChg>
-    </pc:docChg>
-  </pc:docChgLst>
-  <pc:docChgLst>
-    <pc:chgData name="niklas.kronos@gmail.com" userId="S::urn:spo:guest#niklas.kronos@gmail.com::" providerId="AD" clId="Web-{58B641C6-6706-2796-64FB-B80CE7A5A7B0}"/>
-    <pc:docChg chg="addSld delSld modSld modSection">
-      <pc:chgData name="niklas.kronos@gmail.com" userId="S::urn:spo:guest#niklas.kronos@gmail.com::" providerId="AD" clId="Web-{58B641C6-6706-2796-64FB-B80CE7A5A7B0}" dt="2019-05-12T19:15:23.675" v="587" actId="20577"/>
-      <pc:docMkLst>
-        <pc:docMk/>
-      </pc:docMkLst>
-      <pc:sldChg chg="modSp">
-        <pc:chgData name="niklas.kronos@gmail.com" userId="S::urn:spo:guest#niklas.kronos@gmail.com::" providerId="AD" clId="Web-{58B641C6-6706-2796-64FB-B80CE7A5A7B0}" dt="2019-05-12T19:14:08.722" v="585" actId="20577"/>
-        <pc:sldMkLst>
-          <pc:docMk/>
-          <pc:sldMk cId="4044078516" sldId="263"/>
-        </pc:sldMkLst>
-        <pc:spChg chg="mod">
-          <ac:chgData name="niklas.kronos@gmail.com" userId="S::urn:spo:guest#niklas.kronos@gmail.com::" providerId="AD" clId="Web-{58B641C6-6706-2796-64FB-B80CE7A5A7B0}" dt="2019-05-12T19:14:08.722" v="585" actId="20577"/>
-          <ac:spMkLst>
-            <pc:docMk/>
-            <pc:sldMk cId="4044078516" sldId="263"/>
-            <ac:spMk id="6" creationId="{9EABE0BA-7501-4B87-B287-067D38A035BF}"/>
-          </ac:spMkLst>
-        </pc:spChg>
-        <pc:picChg chg="mod">
-          <ac:chgData name="niklas.kronos@gmail.com" userId="S::urn:spo:guest#niklas.kronos@gmail.com::" providerId="AD" clId="Web-{58B641C6-6706-2796-64FB-B80CE7A5A7B0}" dt="2019-05-12T19:00:43.859" v="236" actId="1076"/>
-          <ac:picMkLst>
-            <pc:docMk/>
-            <pc:sldMk cId="4044078516" sldId="263"/>
-            <ac:picMk id="3" creationId="{F756ED82-523F-4235-8B64-1586CEDEA374}"/>
-          </ac:picMkLst>
-        </pc:picChg>
-      </pc:sldChg>
-      <pc:sldChg chg="modSp modAnim">
-        <pc:chgData name="niklas.kronos@gmail.com" userId="S::urn:spo:guest#niklas.kronos@gmail.com::" providerId="AD" clId="Web-{58B641C6-6706-2796-64FB-B80CE7A5A7B0}" dt="2019-05-12T18:50:58.294" v="235"/>
-        <pc:sldMkLst>
-          <pc:docMk/>
-          <pc:sldMk cId="3411230145" sldId="273"/>
-        </pc:sldMkLst>
-        <pc:grpChg chg="mod">
-          <ac:chgData name="niklas.kronos@gmail.com" userId="S::urn:spo:guest#niklas.kronos@gmail.com::" providerId="AD" clId="Web-{58B641C6-6706-2796-64FB-B80CE7A5A7B0}" dt="2019-05-12T18:49:57.762" v="233" actId="1076"/>
-          <ac:grpSpMkLst>
-            <pc:docMk/>
-            <pc:sldMk cId="3411230145" sldId="273"/>
-            <ac:grpSpMk id="11" creationId="{412571FD-F39A-466B-BA13-0EB40F9626EC}"/>
-          </ac:grpSpMkLst>
-        </pc:grpChg>
-      </pc:sldChg>
-    </pc:docChg>
-  </pc:docChgLst>
-  <pc:docChgLst>
-    <pc:chgData name="pascal.poc.pp@gmail.com" userId="S::urn:spo:guest#pascal.poc.pp@gmail.com::" providerId="AD" clId="Web-{AA1BFBFF-CA3A-3AEE-F1AB-A3D6F218AA2B}"/>
-    <pc:docChg chg="addSld modSld sldOrd modSection">
-      <pc:chgData name="pascal.poc.pp@gmail.com" userId="S::urn:spo:guest#pascal.poc.pp@gmail.com::" providerId="AD" clId="Web-{AA1BFBFF-CA3A-3AEE-F1AB-A3D6F218AA2B}" dt="2019-05-12T16:27:41.196" v="177" actId="1076"/>
-      <pc:docMkLst>
-        <pc:docMk/>
-      </pc:docMkLst>
-      <pc:sldChg chg="modSp">
-        <pc:chgData name="pascal.poc.pp@gmail.com" userId="S::urn:spo:guest#pascal.poc.pp@gmail.com::" providerId="AD" clId="Web-{AA1BFBFF-CA3A-3AEE-F1AB-A3D6F218AA2B}" dt="2019-05-12T08:37:58.909" v="13" actId="20577"/>
-        <pc:sldMkLst>
-          <pc:docMk/>
-          <pc:sldMk cId="3678253361" sldId="258"/>
-        </pc:sldMkLst>
-        <pc:spChg chg="mod">
-          <ac:chgData name="pascal.poc.pp@gmail.com" userId="S::urn:spo:guest#pascal.poc.pp@gmail.com::" providerId="AD" clId="Web-{AA1BFBFF-CA3A-3AEE-F1AB-A3D6F218AA2B}" dt="2019-05-12T08:37:48.783" v="4" actId="20577"/>
-          <ac:spMkLst>
-            <pc:docMk/>
-            <pc:sldMk cId="3678253361" sldId="258"/>
-            <ac:spMk id="2" creationId="{88AF4BB1-C745-4D72-9AAA-5E0278FCF5DB}"/>
-          </ac:spMkLst>
-        </pc:spChg>
-        <pc:spChg chg="mod">
-          <ac:chgData name="pascal.poc.pp@gmail.com" userId="S::urn:spo:guest#pascal.poc.pp@gmail.com::" providerId="AD" clId="Web-{AA1BFBFF-CA3A-3AEE-F1AB-A3D6F218AA2B}" dt="2019-05-12T08:37:58.909" v="13" actId="20577"/>
-          <ac:spMkLst>
-            <pc:docMk/>
-            <pc:sldMk cId="3678253361" sldId="258"/>
-            <ac:spMk id="3" creationId="{9EB5275A-EC7E-4EF8-941F-533224F5BFBC}"/>
-          </ac:spMkLst>
-        </pc:spChg>
-      </pc:sldChg>
-      <pc:sldChg chg="modSp">
-        <pc:chgData name="pascal.poc.pp@gmail.com" userId="S::urn:spo:guest#pascal.poc.pp@gmail.com::" providerId="AD" clId="Web-{AA1BFBFF-CA3A-3AEE-F1AB-A3D6F218AA2B}" dt="2019-05-12T10:21:45.940" v="17" actId="20577"/>
-        <pc:sldMkLst>
-          <pc:docMk/>
-          <pc:sldMk cId="2828272781" sldId="260"/>
-        </pc:sldMkLst>
-        <pc:spChg chg="mod">
-          <ac:chgData name="pascal.poc.pp@gmail.com" userId="S::urn:spo:guest#pascal.poc.pp@gmail.com::" providerId="AD" clId="Web-{AA1BFBFF-CA3A-3AEE-F1AB-A3D6F218AA2B}" dt="2019-05-12T10:21:45.940" v="17" actId="20577"/>
-          <ac:spMkLst>
-            <pc:docMk/>
-            <pc:sldMk cId="2828272781" sldId="260"/>
-            <ac:spMk id="3" creationId="{C246E4BD-1BE0-408D-A950-BB322F35E38E}"/>
-          </ac:spMkLst>
-        </pc:spChg>
-      </pc:sldChg>
-      <pc:sldChg chg="delSp ord addCm">
-        <pc:chgData name="pascal.poc.pp@gmail.com" userId="S::urn:spo:guest#pascal.poc.pp@gmail.com::" providerId="AD" clId="Web-{AA1BFBFF-CA3A-3AEE-F1AB-A3D6F218AA2B}" dt="2019-05-12T11:30:38.781" v="165"/>
-        <pc:sldMkLst>
-          <pc:docMk/>
-          <pc:sldMk cId="836733519" sldId="265"/>
-        </pc:sldMkLst>
-        <pc:inkChg chg="del">
-          <ac:chgData name="pascal.poc.pp@gmail.com" userId="S::urn:spo:guest#pascal.poc.pp@gmail.com::" providerId="AD" clId="Web-{AA1BFBFF-CA3A-3AEE-F1AB-A3D6F218AA2B}" dt="2019-05-12T08:48:42.867" v="15"/>
-          <ac:inkMkLst>
-            <pc:docMk/>
-            <pc:sldMk cId="836733519" sldId="265"/>
-            <ac:inkMk id="11" creationId="{A82B448E-C8D7-4AE7-A619-4A1B6E1418F5}"/>
-          </ac:inkMkLst>
-        </pc:inkChg>
-        <pc:inkChg chg="del">
-          <ac:chgData name="pascal.poc.pp@gmail.com" userId="S::urn:spo:guest#pascal.poc.pp@gmail.com::" providerId="AD" clId="Web-{AA1BFBFF-CA3A-3AEE-F1AB-A3D6F218AA2B}" dt="2019-05-12T08:48:45.758" v="16"/>
-          <ac:inkMkLst>
-            <pc:docMk/>
-            <pc:sldMk cId="836733519" sldId="265"/>
-            <ac:inkMk id="18" creationId="{8CFCE5A5-3C28-47C1-BB10-5A4CED3881EB}"/>
-          </ac:inkMkLst>
-        </pc:inkChg>
-      </pc:sldChg>
-      <pc:sldChg chg="addSp delSp modSp addCm">
-        <pc:chgData name="pascal.poc.pp@gmail.com" userId="S::urn:spo:guest#pascal.poc.pp@gmail.com::" providerId="AD" clId="Web-{AA1BFBFF-CA3A-3AEE-F1AB-A3D6F218AA2B}" dt="2019-05-12T11:31:50.547" v="166"/>
-        <pc:sldMkLst>
-          <pc:docMk/>
-          <pc:sldMk cId="2923162179" sldId="266"/>
-        </pc:sldMkLst>
-        <pc:spChg chg="mod">
-          <ac:chgData name="pascal.poc.pp@gmail.com" userId="S::urn:spo:guest#pascal.poc.pp@gmail.com::" providerId="AD" clId="Web-{AA1BFBFF-CA3A-3AEE-F1AB-A3D6F218AA2B}" dt="2019-05-12T11:28:55.156" v="164" actId="14100"/>
-          <ac:spMkLst>
-            <pc:docMk/>
-            <pc:sldMk cId="2923162179" sldId="266"/>
-            <ac:spMk id="2" creationId="{3AFFD6C7-E4F3-4CC2-9977-57E2B563D5DB}"/>
-          </ac:spMkLst>
-        </pc:spChg>
-        <pc:spChg chg="add mod">
-          <ac:chgData name="pascal.poc.pp@gmail.com" userId="S::urn:spo:guest#pascal.poc.pp@gmail.com::" providerId="AD" clId="Web-{AA1BFBFF-CA3A-3AEE-F1AB-A3D6F218AA2B}" dt="2019-05-12T11:22:31.875" v="102" actId="1076"/>
-          <ac:spMkLst>
-            <pc:docMk/>
-            <pc:sldMk cId="2923162179" sldId="266"/>
-            <ac:spMk id="3" creationId="{CE8E4A18-CAD6-4EC5-B815-4CDA06E0B1C1}"/>
-          </ac:spMkLst>
-        </pc:spChg>
-        <pc:spChg chg="del">
-          <ac:chgData name="pascal.poc.pp@gmail.com" userId="S::urn:spo:guest#pascal.poc.pp@gmail.com::" providerId="AD" clId="Web-{AA1BFBFF-CA3A-3AEE-F1AB-A3D6F218AA2B}" dt="2019-05-12T11:22:38.391" v="103"/>
-          <ac:spMkLst>
-            <pc:docMk/>
-            <pc:sldMk cId="2923162179" sldId="266"/>
-            <ac:spMk id="5" creationId="{391AAE10-E219-42C0-A4C3-B93314FB7CA1}"/>
-          </ac:spMkLst>
-        </pc:spChg>
       </pc:sldChg>
     </pc:docChg>
   </pc:docChgLst>
@@ -5991,422 +4678,2551 @@
           </ac:spMkLst>
         </pc:spChg>
       </pc:sldChg>
-      <pc:sldChg chg="modSp">
-        <pc:chgData name="niklas.kronos@gmail.com" userId="S::urn:spo:guest#niklas.kronos@gmail.com::" providerId="AD" clId="Web-{A7283F9E-1163-EB7C-55F9-7C9D4E69776D}" dt="2019-05-13T11:03:43.798" v="244" actId="20577"/>
-        <pc:sldMkLst>
-          <pc:docMk/>
-          <pc:sldMk cId="4044078516" sldId="263"/>
-        </pc:sldMkLst>
-        <pc:spChg chg="mod">
-          <ac:chgData name="niklas.kronos@gmail.com" userId="S::urn:spo:guest#niklas.kronos@gmail.com::" providerId="AD" clId="Web-{A7283F9E-1163-EB7C-55F9-7C9D4E69776D}" dt="2019-05-13T11:03:43.798" v="244" actId="20577"/>
-          <ac:spMkLst>
-            <pc:docMk/>
-            <pc:sldMk cId="4044078516" sldId="263"/>
-            <ac:spMk id="6" creationId="{9EABE0BA-7501-4B87-B287-067D38A035BF}"/>
-          </ac:spMkLst>
-        </pc:spChg>
-      </pc:sldChg>
-    </pc:docChg>
-  </pc:docChgLst>
-  <pc:docChgLst>
-    <pc:chgData name="niklas.kronos@gmail.com" userId="S::urn:spo:guest#niklas.kronos@gmail.com::" providerId="AD" clId="Web-{6DDFACA9-CBF4-4764-90C9-54C0BCBDB7E7}"/>
-    <pc:docChg chg="addSld modSld sldOrd modSection">
-      <pc:chgData name="niklas.kronos@gmail.com" userId="S::urn:spo:guest#niklas.kronos@gmail.com::" providerId="AD" clId="Web-{6DDFACA9-CBF4-4764-90C9-54C0BCBDB7E7}" dt="2019-05-11T12:58:17.232" v="461"/>
-      <pc:docMkLst>
-        <pc:docMk/>
-      </pc:docMkLst>
-      <pc:sldChg chg="modSp new">
-        <pc:chgData name="niklas.kronos@gmail.com" userId="S::urn:spo:guest#niklas.kronos@gmail.com::" providerId="AD" clId="Web-{6DDFACA9-CBF4-4764-90C9-54C0BCBDB7E7}" dt="2019-05-11T12:56:59.386" v="453" actId="20577"/>
-        <pc:sldMkLst>
-          <pc:docMk/>
-          <pc:sldMk cId="2828272781" sldId="260"/>
-        </pc:sldMkLst>
-        <pc:spChg chg="mod">
-          <ac:chgData name="niklas.kronos@gmail.com" userId="S::urn:spo:guest#niklas.kronos@gmail.com::" providerId="AD" clId="Web-{6DDFACA9-CBF4-4764-90C9-54C0BCBDB7E7}" dt="2019-05-11T12:56:13.041" v="450" actId="20577"/>
-          <ac:spMkLst>
-            <pc:docMk/>
-            <pc:sldMk cId="2828272781" sldId="260"/>
-            <ac:spMk id="2" creationId="{D099CFC0-58E8-4594-908D-B69CA1A0976B}"/>
-          </ac:spMkLst>
-        </pc:spChg>
-        <pc:spChg chg="mod">
-          <ac:chgData name="niklas.kronos@gmail.com" userId="S::urn:spo:guest#niklas.kronos@gmail.com::" providerId="AD" clId="Web-{6DDFACA9-CBF4-4764-90C9-54C0BCBDB7E7}" dt="2019-05-11T12:56:59.386" v="453" actId="20577"/>
-          <ac:spMkLst>
-            <pc:docMk/>
-            <pc:sldMk cId="2828272781" sldId="260"/>
-            <ac:spMk id="3" creationId="{C246E4BD-1BE0-408D-A950-BB322F35E38E}"/>
-          </ac:spMkLst>
-        </pc:spChg>
-      </pc:sldChg>
-      <pc:sldChg chg="modSp new">
-        <pc:chgData name="niklas.kronos@gmail.com" userId="S::urn:spo:guest#niklas.kronos@gmail.com::" providerId="AD" clId="Web-{6DDFACA9-CBF4-4764-90C9-54C0BCBDB7E7}" dt="2019-05-11T12:57:29.590" v="458" actId="20577"/>
-        <pc:sldMkLst>
-          <pc:docMk/>
-          <pc:sldMk cId="4044078516" sldId="263"/>
-        </pc:sldMkLst>
-        <pc:spChg chg="mod">
-          <ac:chgData name="niklas.kronos@gmail.com" userId="S::urn:spo:guest#niklas.kronos@gmail.com::" providerId="AD" clId="Web-{6DDFACA9-CBF4-4764-90C9-54C0BCBDB7E7}" dt="2019-05-11T12:57:29.590" v="458" actId="20577"/>
-          <ac:spMkLst>
-            <pc:docMk/>
-            <pc:sldMk cId="4044078516" sldId="263"/>
-            <ac:spMk id="2" creationId="{DFD99890-61D9-4B87-8189-F7C606B59725}"/>
-          </ac:spMkLst>
-        </pc:spChg>
-      </pc:sldChg>
-      <pc:sldChg chg="modSp new">
-        <pc:chgData name="niklas.kronos@gmail.com" userId="S::urn:spo:guest#niklas.kronos@gmail.com::" providerId="AD" clId="Web-{6DDFACA9-CBF4-4764-90C9-54C0BCBDB7E7}" dt="2019-05-11T12:52:33.690" v="447" actId="20577"/>
-        <pc:sldMkLst>
-          <pc:docMk/>
-          <pc:sldMk cId="3854328160" sldId="264"/>
-        </pc:sldMkLst>
-        <pc:spChg chg="mod">
-          <ac:chgData name="niklas.kronos@gmail.com" userId="S::urn:spo:guest#niklas.kronos@gmail.com::" providerId="AD" clId="Web-{6DDFACA9-CBF4-4764-90C9-54C0BCBDB7E7}" dt="2019-05-11T12:52:33.690" v="447" actId="20577"/>
-          <ac:spMkLst>
-            <pc:docMk/>
-            <pc:sldMk cId="3854328160" sldId="264"/>
-            <ac:spMk id="2" creationId="{9E101124-9171-45B7-8FA2-3601FA64CB8B}"/>
-          </ac:spMkLst>
-        </pc:spChg>
-      </pc:sldChg>
-    </pc:docChg>
-  </pc:docChgLst>
-  <pc:docChgLst>
-    <pc:chgData name="pascal.poc.pp@gmail.com" userId="S::urn:spo:guest#pascal.poc.pp@gmail.com::" providerId="AD" clId="Web-{56C3E720-CDF3-A010-A1A3-4574DA1E94EA}"/>
-    <pc:docChg chg="modSld">
-      <pc:chgData name="pascal.poc.pp@gmail.com" userId="S::urn:spo:guest#pascal.poc.pp@gmail.com::" providerId="AD" clId="Web-{56C3E720-CDF3-A010-A1A3-4574DA1E94EA}" dt="2019-05-11T15:54:47.577" v="91" actId="20577"/>
-      <pc:docMkLst>
-        <pc:docMk/>
-      </pc:docMkLst>
-      <pc:sldChg chg="addSp delSp modSp">
-        <pc:chgData name="pascal.poc.pp@gmail.com" userId="S::urn:spo:guest#pascal.poc.pp@gmail.com::" providerId="AD" clId="Web-{56C3E720-CDF3-A010-A1A3-4574DA1E94EA}" dt="2019-05-11T13:27:18.818" v="81"/>
-        <pc:sldMkLst>
-          <pc:docMk/>
-          <pc:sldMk cId="2484908466" sldId="256"/>
-        </pc:sldMkLst>
-        <pc:picChg chg="add mod">
-          <ac:chgData name="pascal.poc.pp@gmail.com" userId="S::urn:spo:guest#pascal.poc.pp@gmail.com::" providerId="AD" clId="Web-{56C3E720-CDF3-A010-A1A3-4574DA1E94EA}" dt="2019-05-11T13:26:59.615" v="71"/>
-          <ac:picMkLst>
-            <pc:docMk/>
-            <pc:sldMk cId="2484908466" sldId="256"/>
-            <ac:picMk id="4" creationId="{C728CAA1-EB3A-41AC-9581-451969D49BD6}"/>
-          </ac:picMkLst>
-        </pc:picChg>
-        <pc:picChg chg="add mod">
-          <ac:chgData name="pascal.poc.pp@gmail.com" userId="S::urn:spo:guest#pascal.poc.pp@gmail.com::" providerId="AD" clId="Web-{56C3E720-CDF3-A010-A1A3-4574DA1E94EA}" dt="2019-05-11T13:27:00.724" v="72"/>
-          <ac:picMkLst>
-            <pc:docMk/>
-            <pc:sldMk cId="2484908466" sldId="256"/>
-            <ac:picMk id="6" creationId="{169773D3-B81F-4930-A855-69568BB65473}"/>
-          </ac:picMkLst>
-        </pc:picChg>
-        <pc:picChg chg="add del mod">
-          <ac:chgData name="pascal.poc.pp@gmail.com" userId="S::urn:spo:guest#pascal.poc.pp@gmail.com::" providerId="AD" clId="Web-{56C3E720-CDF3-A010-A1A3-4574DA1E94EA}" dt="2019-05-11T13:27:16.240" v="80"/>
-          <ac:picMkLst>
-            <pc:docMk/>
-            <pc:sldMk cId="2484908466" sldId="256"/>
-            <ac:picMk id="8" creationId="{B96EA895-A9AE-4F2C-A40A-875A522267EB}"/>
-          </ac:picMkLst>
-        </pc:picChg>
-        <pc:picChg chg="add mod">
-          <ac:chgData name="pascal.poc.pp@gmail.com" userId="S::urn:spo:guest#pascal.poc.pp@gmail.com::" providerId="AD" clId="Web-{56C3E720-CDF3-A010-A1A3-4574DA1E94EA}" dt="2019-05-11T13:27:02.490" v="74"/>
-          <ac:picMkLst>
-            <pc:docMk/>
-            <pc:sldMk cId="2484908466" sldId="256"/>
-            <ac:picMk id="10" creationId="{BEC75E34-2625-41DA-9A12-216768360BFF}"/>
-          </ac:picMkLst>
-        </pc:picChg>
-        <pc:picChg chg="add del mod">
-          <ac:chgData name="pascal.poc.pp@gmail.com" userId="S::urn:spo:guest#pascal.poc.pp@gmail.com::" providerId="AD" clId="Web-{56C3E720-CDF3-A010-A1A3-4574DA1E94EA}" dt="2019-05-11T13:27:14.053" v="79"/>
-          <ac:picMkLst>
-            <pc:docMk/>
-            <pc:sldMk cId="2484908466" sldId="256"/>
-            <ac:picMk id="12" creationId="{7279ACA1-E6D7-4F2C-8916-746597108681}"/>
-          </ac:picMkLst>
-        </pc:picChg>
-        <pc:picChg chg="add del mod">
-          <ac:chgData name="pascal.poc.pp@gmail.com" userId="S::urn:spo:guest#pascal.poc.pp@gmail.com::" providerId="AD" clId="Web-{56C3E720-CDF3-A010-A1A3-4574DA1E94EA}" dt="2019-05-11T13:27:18.818" v="81"/>
-          <ac:picMkLst>
-            <pc:docMk/>
-            <pc:sldMk cId="2484908466" sldId="256"/>
-            <ac:picMk id="14" creationId="{4FAA9DE7-277E-4A8D-BB70-3049352958E4}"/>
-          </ac:picMkLst>
-        </pc:picChg>
-        <pc:picChg chg="add mod">
-          <ac:chgData name="pascal.poc.pp@gmail.com" userId="S::urn:spo:guest#pascal.poc.pp@gmail.com::" providerId="AD" clId="Web-{56C3E720-CDF3-A010-A1A3-4574DA1E94EA}" dt="2019-05-11T13:27:03.271" v="77"/>
-          <ac:picMkLst>
-            <pc:docMk/>
-            <pc:sldMk cId="2484908466" sldId="256"/>
-            <ac:picMk id="16" creationId="{2D008AF7-82D1-4E7A-A0C4-EAAA22844CAC}"/>
-          </ac:picMkLst>
-        </pc:picChg>
-        <pc:picChg chg="del">
-          <ac:chgData name="pascal.poc.pp@gmail.com" userId="S::urn:spo:guest#pascal.poc.pp@gmail.com::" providerId="AD" clId="Web-{56C3E720-CDF3-A010-A1A3-4574DA1E94EA}" dt="2019-05-11T13:27:11.615" v="78"/>
-          <ac:picMkLst>
-            <pc:docMk/>
-            <pc:sldMk cId="2484908466" sldId="256"/>
-            <ac:picMk id="59" creationId="{59EC7E78-8577-4C9F-BED9-EDAF7EE0AA9C}"/>
-          </ac:picMkLst>
-        </pc:picChg>
-      </pc:sldChg>
-      <pc:sldChg chg="modSp">
-        <pc:chgData name="pascal.poc.pp@gmail.com" userId="S::urn:spo:guest#pascal.poc.pp@gmail.com::" providerId="AD" clId="Web-{56C3E720-CDF3-A010-A1A3-4574DA1E94EA}" dt="2019-05-11T13:23:51.031" v="67" actId="20577"/>
-        <pc:sldMkLst>
-          <pc:docMk/>
-          <pc:sldMk cId="1965533031" sldId="257"/>
-        </pc:sldMkLst>
-        <pc:spChg chg="mod">
-          <ac:chgData name="pascal.poc.pp@gmail.com" userId="S::urn:spo:guest#pascal.poc.pp@gmail.com::" providerId="AD" clId="Web-{56C3E720-CDF3-A010-A1A3-4574DA1E94EA}" dt="2019-05-11T13:23:07.077" v="63" actId="20577"/>
-          <ac:spMkLst>
-            <pc:docMk/>
-            <pc:sldMk cId="1965533031" sldId="257"/>
-            <ac:spMk id="2" creationId="{B008D1D3-9463-48A0-85F8-1984E244CECD}"/>
-          </ac:spMkLst>
-        </pc:spChg>
-        <pc:spChg chg="mod">
-          <ac:chgData name="pascal.poc.pp@gmail.com" userId="S::urn:spo:guest#pascal.poc.pp@gmail.com::" providerId="AD" clId="Web-{56C3E720-CDF3-A010-A1A3-4574DA1E94EA}" dt="2019-05-11T13:23:51.031" v="67" actId="20577"/>
-          <ac:spMkLst>
-            <pc:docMk/>
-            <pc:sldMk cId="1965533031" sldId="257"/>
-            <ac:spMk id="3" creationId="{C5F468CC-2388-463D-8E99-031E12807CF8}"/>
-          </ac:spMkLst>
-        </pc:spChg>
-      </pc:sldChg>
-      <pc:sldChg chg="modSp">
-        <pc:chgData name="pascal.poc.pp@gmail.com" userId="S::urn:spo:guest#pascal.poc.pp@gmail.com::" providerId="AD" clId="Web-{56C3E720-CDF3-A010-A1A3-4574DA1E94EA}" dt="2019-05-11T15:54:41.358" v="89" actId="20577"/>
-        <pc:sldMkLst>
-          <pc:docMk/>
-          <pc:sldMk cId="836733519" sldId="265"/>
-        </pc:sldMkLst>
-        <pc:spChg chg="mod">
-          <ac:chgData name="pascal.poc.pp@gmail.com" userId="S::urn:spo:guest#pascal.poc.pp@gmail.com::" providerId="AD" clId="Web-{56C3E720-CDF3-A010-A1A3-4574DA1E94EA}" dt="2019-05-11T15:54:07.998" v="86" actId="20577"/>
-          <ac:spMkLst>
-            <pc:docMk/>
-            <pc:sldMk cId="836733519" sldId="265"/>
-            <ac:spMk id="2" creationId="{11DB241C-01F8-4A1A-B493-796A1AD4A31E}"/>
-          </ac:spMkLst>
-        </pc:spChg>
-        <pc:spChg chg="mod">
-          <ac:chgData name="pascal.poc.pp@gmail.com" userId="S::urn:spo:guest#pascal.poc.pp@gmail.com::" providerId="AD" clId="Web-{56C3E720-CDF3-A010-A1A3-4574DA1E94EA}" dt="2019-05-11T15:54:41.358" v="89" actId="20577"/>
-          <ac:spMkLst>
-            <pc:docMk/>
-            <pc:sldMk cId="836733519" sldId="265"/>
-            <ac:spMk id="6" creationId="{D400EFC7-5CED-4F3C-B4E1-4DAA5A09D939}"/>
-          </ac:spMkLst>
-        </pc:spChg>
-      </pc:sldChg>
-      <pc:sldChg chg="modSp">
-        <pc:chgData name="pascal.poc.pp@gmail.com" userId="S::urn:spo:guest#pascal.poc.pp@gmail.com::" providerId="AD" clId="Web-{56C3E720-CDF3-A010-A1A3-4574DA1E94EA}" dt="2019-05-11T15:53:50.935" v="85" actId="1076"/>
-        <pc:sldMkLst>
-          <pc:docMk/>
-          <pc:sldMk cId="2923162179" sldId="266"/>
-        </pc:sldMkLst>
-        <pc:spChg chg="mod">
-          <ac:chgData name="pascal.poc.pp@gmail.com" userId="S::urn:spo:guest#pascal.poc.pp@gmail.com::" providerId="AD" clId="Web-{56C3E720-CDF3-A010-A1A3-4574DA1E94EA}" dt="2019-05-11T15:53:50.935" v="85" actId="1076"/>
-          <ac:spMkLst>
-            <pc:docMk/>
-            <pc:sldMk cId="2923162179" sldId="266"/>
-            <ac:spMk id="5" creationId="{391AAE10-E219-42C0-A4C3-B93314FB7CA1}"/>
-          </ac:spMkLst>
-        </pc:spChg>
-      </pc:sldChg>
     </pc:docChg>
   </pc:docChgLst>
 </pc:chgInfo>
 </file>
 
-<file path=ppt/comments/comment1.xml><?xml version="1.0" encoding="utf-8"?>
-<p:cmLst xmlns:a="http://schemas.openxmlformats.org/drawingml/2006/main" xmlns:r="http://schemas.openxmlformats.org/officeDocument/2006/relationships" xmlns:p="http://schemas.openxmlformats.org/presentationml/2006/main">
-  <p:cm authorId="1" dt="2019-05-11T16:16:15.345" idx="1">
-    <p:pos x="10" y="10"/>
-    <p:text>Tobi macht den Bar Plot</p:text>
-    <p:extLst>
-      <p:ext uri="{C676402C-5697-4E1C-873F-D02D1690AC5C}">
-        <p15:threadingInfo xmlns:p15="http://schemas.microsoft.com/office/powerpoint/2012/main" timeZoneBias="-120"/>
-      </p:ext>
-    </p:extLst>
-  </p:cm>
-</p:cmLst>
+<file path=ppt/diagrams/colors1.xml><?xml version="1.0" encoding="utf-8"?>
+<dgm:colorsDef xmlns:dgm="http://schemas.openxmlformats.org/drawingml/2006/diagram" xmlns:a="http://schemas.openxmlformats.org/drawingml/2006/main" uniqueId="urn:microsoft.com/office/officeart/2005/8/colors/accent1_2">
+  <dgm:title val=""/>
+  <dgm:desc val=""/>
+  <dgm:catLst>
+    <dgm:cat type="accent1" pri="11200"/>
+  </dgm:catLst>
+  <dgm:styleLbl name="node0">
+    <dgm:fillClrLst meth="repeat">
+      <a:schemeClr val="accent1"/>
+    </dgm:fillClrLst>
+    <dgm:linClrLst meth="repeat">
+      <a:schemeClr val="lt1"/>
+    </dgm:linClrLst>
+    <dgm:effectClrLst/>
+    <dgm:txLinClrLst/>
+    <dgm:txFillClrLst/>
+    <dgm:txEffectClrLst/>
+  </dgm:styleLbl>
+  <dgm:styleLbl name="alignNode1">
+    <dgm:fillClrLst meth="repeat">
+      <a:schemeClr val="accent1"/>
+    </dgm:fillClrLst>
+    <dgm:linClrLst meth="repeat">
+      <a:schemeClr val="accent1"/>
+    </dgm:linClrLst>
+    <dgm:effectClrLst/>
+    <dgm:txLinClrLst/>
+    <dgm:txFillClrLst/>
+    <dgm:txEffectClrLst/>
+  </dgm:styleLbl>
+  <dgm:styleLbl name="node1">
+    <dgm:fillClrLst meth="repeat">
+      <a:schemeClr val="accent1"/>
+    </dgm:fillClrLst>
+    <dgm:linClrLst meth="repeat">
+      <a:schemeClr val="lt1"/>
+    </dgm:linClrLst>
+    <dgm:effectClrLst/>
+    <dgm:txLinClrLst/>
+    <dgm:txFillClrLst/>
+    <dgm:txEffectClrLst/>
+  </dgm:styleLbl>
+  <dgm:styleLbl name="lnNode1">
+    <dgm:fillClrLst meth="repeat">
+      <a:schemeClr val="accent1"/>
+    </dgm:fillClrLst>
+    <dgm:linClrLst meth="repeat">
+      <a:schemeClr val="lt1"/>
+    </dgm:linClrLst>
+    <dgm:effectClrLst/>
+    <dgm:txLinClrLst/>
+    <dgm:txFillClrLst/>
+    <dgm:txEffectClrLst/>
+  </dgm:styleLbl>
+  <dgm:styleLbl name="vennNode1">
+    <dgm:fillClrLst meth="repeat">
+      <a:schemeClr val="accent1">
+        <a:alpha val="50000"/>
+      </a:schemeClr>
+    </dgm:fillClrLst>
+    <dgm:linClrLst meth="repeat">
+      <a:schemeClr val="lt1"/>
+    </dgm:linClrLst>
+    <dgm:effectClrLst/>
+    <dgm:txLinClrLst/>
+    <dgm:txFillClrLst/>
+    <dgm:txEffectClrLst/>
+  </dgm:styleLbl>
+  <dgm:styleLbl name="node2">
+    <dgm:fillClrLst meth="repeat">
+      <a:schemeClr val="accent1"/>
+    </dgm:fillClrLst>
+    <dgm:linClrLst meth="repeat">
+      <a:schemeClr val="lt1"/>
+    </dgm:linClrLst>
+    <dgm:effectClrLst/>
+    <dgm:txLinClrLst/>
+    <dgm:txFillClrLst/>
+    <dgm:txEffectClrLst/>
+  </dgm:styleLbl>
+  <dgm:styleLbl name="node3">
+    <dgm:fillClrLst meth="repeat">
+      <a:schemeClr val="accent1"/>
+    </dgm:fillClrLst>
+    <dgm:linClrLst meth="repeat">
+      <a:schemeClr val="lt1"/>
+    </dgm:linClrLst>
+    <dgm:effectClrLst/>
+    <dgm:txLinClrLst/>
+    <dgm:txFillClrLst/>
+    <dgm:txEffectClrLst/>
+  </dgm:styleLbl>
+  <dgm:styleLbl name="node4">
+    <dgm:fillClrLst meth="repeat">
+      <a:schemeClr val="accent1"/>
+    </dgm:fillClrLst>
+    <dgm:linClrLst meth="repeat">
+      <a:schemeClr val="lt1"/>
+    </dgm:linClrLst>
+    <dgm:effectClrLst/>
+    <dgm:txLinClrLst/>
+    <dgm:txFillClrLst/>
+    <dgm:txEffectClrLst/>
+  </dgm:styleLbl>
+  <dgm:styleLbl name="fgImgPlace1">
+    <dgm:fillClrLst meth="repeat">
+      <a:schemeClr val="accent1">
+        <a:tint val="50000"/>
+      </a:schemeClr>
+    </dgm:fillClrLst>
+    <dgm:linClrLst meth="repeat">
+      <a:schemeClr val="lt1"/>
+    </dgm:linClrLst>
+    <dgm:effectClrLst/>
+    <dgm:txLinClrLst/>
+    <dgm:txFillClrLst meth="repeat">
+      <a:schemeClr val="lt1"/>
+    </dgm:txFillClrLst>
+    <dgm:txEffectClrLst/>
+  </dgm:styleLbl>
+  <dgm:styleLbl name="alignImgPlace1">
+    <dgm:fillClrLst meth="repeat">
+      <a:schemeClr val="accent1">
+        <a:tint val="50000"/>
+      </a:schemeClr>
+    </dgm:fillClrLst>
+    <dgm:linClrLst meth="repeat">
+      <a:schemeClr val="lt1"/>
+    </dgm:linClrLst>
+    <dgm:effectClrLst/>
+    <dgm:txLinClrLst/>
+    <dgm:txFillClrLst meth="repeat">
+      <a:schemeClr val="lt1"/>
+    </dgm:txFillClrLst>
+    <dgm:txEffectClrLst/>
+  </dgm:styleLbl>
+  <dgm:styleLbl name="bgImgPlace1">
+    <dgm:fillClrLst meth="repeat">
+      <a:schemeClr val="accent1">
+        <a:tint val="50000"/>
+      </a:schemeClr>
+    </dgm:fillClrLst>
+    <dgm:linClrLst meth="repeat">
+      <a:schemeClr val="lt1"/>
+    </dgm:linClrLst>
+    <dgm:effectClrLst/>
+    <dgm:txLinClrLst/>
+    <dgm:txFillClrLst meth="repeat">
+      <a:schemeClr val="lt1"/>
+    </dgm:txFillClrLst>
+    <dgm:txEffectClrLst/>
+  </dgm:styleLbl>
+  <dgm:styleLbl name="sibTrans2D1">
+    <dgm:fillClrLst meth="repeat">
+      <a:schemeClr val="accent1">
+        <a:tint val="60000"/>
+      </a:schemeClr>
+    </dgm:fillClrLst>
+    <dgm:linClrLst meth="repeat">
+      <a:schemeClr val="accent1">
+        <a:tint val="60000"/>
+      </a:schemeClr>
+    </dgm:linClrLst>
+    <dgm:effectClrLst/>
+    <dgm:txLinClrLst/>
+    <dgm:txFillClrLst/>
+    <dgm:txEffectClrLst/>
+  </dgm:styleLbl>
+  <dgm:styleLbl name="fgSibTrans2D1">
+    <dgm:fillClrLst meth="repeat">
+      <a:schemeClr val="accent1">
+        <a:tint val="60000"/>
+      </a:schemeClr>
+    </dgm:fillClrLst>
+    <dgm:linClrLst meth="repeat">
+      <a:schemeClr val="accent1">
+        <a:tint val="60000"/>
+      </a:schemeClr>
+    </dgm:linClrLst>
+    <dgm:effectClrLst/>
+    <dgm:txLinClrLst/>
+    <dgm:txFillClrLst/>
+    <dgm:txEffectClrLst/>
+  </dgm:styleLbl>
+  <dgm:styleLbl name="bgSibTrans2D1">
+    <dgm:fillClrLst meth="repeat">
+      <a:schemeClr val="accent1">
+        <a:tint val="60000"/>
+      </a:schemeClr>
+    </dgm:fillClrLst>
+    <dgm:linClrLst meth="repeat">
+      <a:schemeClr val="accent1">
+        <a:tint val="60000"/>
+      </a:schemeClr>
+    </dgm:linClrLst>
+    <dgm:effectClrLst/>
+    <dgm:txLinClrLst/>
+    <dgm:txFillClrLst/>
+    <dgm:txEffectClrLst/>
+  </dgm:styleLbl>
+  <dgm:styleLbl name="sibTrans1D1">
+    <dgm:fillClrLst meth="repeat">
+      <a:schemeClr val="accent1"/>
+    </dgm:fillClrLst>
+    <dgm:linClrLst meth="repeat">
+      <a:schemeClr val="accent1"/>
+    </dgm:linClrLst>
+    <dgm:effectClrLst/>
+    <dgm:txLinClrLst/>
+    <dgm:txFillClrLst meth="repeat">
+      <a:schemeClr val="tx1"/>
+    </dgm:txFillClrLst>
+    <dgm:txEffectClrLst/>
+  </dgm:styleLbl>
+  <dgm:styleLbl name="callout">
+    <dgm:fillClrLst meth="repeat">
+      <a:schemeClr val="accent1"/>
+    </dgm:fillClrLst>
+    <dgm:linClrLst meth="repeat">
+      <a:schemeClr val="accent1">
+        <a:tint val="50000"/>
+      </a:schemeClr>
+    </dgm:linClrLst>
+    <dgm:effectClrLst/>
+    <dgm:txLinClrLst/>
+    <dgm:txFillClrLst meth="repeat">
+      <a:schemeClr val="tx1"/>
+    </dgm:txFillClrLst>
+    <dgm:txEffectClrLst/>
+  </dgm:styleLbl>
+  <dgm:styleLbl name="asst0">
+    <dgm:fillClrLst meth="repeat">
+      <a:schemeClr val="accent1"/>
+    </dgm:fillClrLst>
+    <dgm:linClrLst meth="repeat">
+      <a:schemeClr val="lt1"/>
+    </dgm:linClrLst>
+    <dgm:effectClrLst/>
+    <dgm:txLinClrLst/>
+    <dgm:txFillClrLst/>
+    <dgm:txEffectClrLst/>
+  </dgm:styleLbl>
+  <dgm:styleLbl name="asst1">
+    <dgm:fillClrLst meth="repeat">
+      <a:schemeClr val="accent1"/>
+    </dgm:fillClrLst>
+    <dgm:linClrLst meth="repeat">
+      <a:schemeClr val="lt1"/>
+    </dgm:linClrLst>
+    <dgm:effectClrLst/>
+    <dgm:txLinClrLst/>
+    <dgm:txFillClrLst/>
+    <dgm:txEffectClrLst/>
+  </dgm:styleLbl>
+  <dgm:styleLbl name="asst2">
+    <dgm:fillClrLst meth="repeat">
+      <a:schemeClr val="accent1"/>
+    </dgm:fillClrLst>
+    <dgm:linClrLst meth="repeat">
+      <a:schemeClr val="lt1"/>
+    </dgm:linClrLst>
+    <dgm:effectClrLst/>
+    <dgm:txLinClrLst/>
+    <dgm:txFillClrLst/>
+    <dgm:txEffectClrLst/>
+  </dgm:styleLbl>
+  <dgm:styleLbl name="asst3">
+    <dgm:fillClrLst meth="repeat">
+      <a:schemeClr val="accent1"/>
+    </dgm:fillClrLst>
+    <dgm:linClrLst meth="repeat">
+      <a:schemeClr val="lt1"/>
+    </dgm:linClrLst>
+    <dgm:effectClrLst/>
+    <dgm:txLinClrLst/>
+    <dgm:txFillClrLst/>
+    <dgm:txEffectClrLst/>
+  </dgm:styleLbl>
+  <dgm:styleLbl name="asst4">
+    <dgm:fillClrLst meth="repeat">
+      <a:schemeClr val="accent1"/>
+    </dgm:fillClrLst>
+    <dgm:linClrLst meth="repeat">
+      <a:schemeClr val="lt1"/>
+    </dgm:linClrLst>
+    <dgm:effectClrLst/>
+    <dgm:txLinClrLst/>
+    <dgm:txFillClrLst/>
+    <dgm:txEffectClrLst/>
+  </dgm:styleLbl>
+  <dgm:styleLbl name="parChTrans2D1">
+    <dgm:fillClrLst meth="repeat">
+      <a:schemeClr val="accent1">
+        <a:tint val="60000"/>
+      </a:schemeClr>
+    </dgm:fillClrLst>
+    <dgm:linClrLst meth="repeat">
+      <a:schemeClr val="accent1">
+        <a:tint val="60000"/>
+      </a:schemeClr>
+    </dgm:linClrLst>
+    <dgm:effectClrLst/>
+    <dgm:txLinClrLst/>
+    <dgm:txFillClrLst meth="repeat">
+      <a:schemeClr val="lt1"/>
+    </dgm:txFillClrLst>
+    <dgm:txEffectClrLst/>
+  </dgm:styleLbl>
+  <dgm:styleLbl name="parChTrans2D2">
+    <dgm:fillClrLst meth="repeat">
+      <a:schemeClr val="accent1"/>
+    </dgm:fillClrLst>
+    <dgm:linClrLst meth="repeat">
+      <a:schemeClr val="accent1"/>
+    </dgm:linClrLst>
+    <dgm:effectClrLst/>
+    <dgm:txLinClrLst/>
+    <dgm:txFillClrLst meth="repeat">
+      <a:schemeClr val="lt1"/>
+    </dgm:txFillClrLst>
+    <dgm:txEffectClrLst/>
+  </dgm:styleLbl>
+  <dgm:styleLbl name="parChTrans2D3">
+    <dgm:fillClrLst meth="repeat">
+      <a:schemeClr val="accent1"/>
+    </dgm:fillClrLst>
+    <dgm:linClrLst meth="repeat">
+      <a:schemeClr val="accent1"/>
+    </dgm:linClrLst>
+    <dgm:effectClrLst/>
+    <dgm:txLinClrLst/>
+    <dgm:txFillClrLst meth="repeat">
+      <a:schemeClr val="lt1"/>
+    </dgm:txFillClrLst>
+    <dgm:txEffectClrLst/>
+  </dgm:styleLbl>
+  <dgm:styleLbl name="parChTrans2D4">
+    <dgm:fillClrLst meth="repeat">
+      <a:schemeClr val="accent1"/>
+    </dgm:fillClrLst>
+    <dgm:linClrLst meth="repeat">
+      <a:schemeClr val="accent1"/>
+    </dgm:linClrLst>
+    <dgm:effectClrLst/>
+    <dgm:txLinClrLst/>
+    <dgm:txFillClrLst meth="repeat">
+      <a:schemeClr val="lt1"/>
+    </dgm:txFillClrLst>
+    <dgm:txEffectClrLst/>
+  </dgm:styleLbl>
+  <dgm:styleLbl name="parChTrans1D1">
+    <dgm:fillClrLst meth="repeat">
+      <a:schemeClr val="accent1"/>
+    </dgm:fillClrLst>
+    <dgm:linClrLst meth="repeat">
+      <a:schemeClr val="accent1">
+        <a:shade val="60000"/>
+      </a:schemeClr>
+    </dgm:linClrLst>
+    <dgm:effectClrLst/>
+    <dgm:txLinClrLst/>
+    <dgm:txFillClrLst meth="repeat">
+      <a:schemeClr val="tx1"/>
+    </dgm:txFillClrLst>
+    <dgm:txEffectClrLst/>
+  </dgm:styleLbl>
+  <dgm:styleLbl name="parChTrans1D2">
+    <dgm:fillClrLst meth="repeat">
+      <a:schemeClr val="accent1"/>
+    </dgm:fillClrLst>
+    <dgm:linClrLst meth="repeat">
+      <a:schemeClr val="accent1">
+        <a:shade val="60000"/>
+      </a:schemeClr>
+    </dgm:linClrLst>
+    <dgm:effectClrLst/>
+    <dgm:txLinClrLst/>
+    <dgm:txFillClrLst meth="repeat">
+      <a:schemeClr val="tx1"/>
+    </dgm:txFillClrLst>
+    <dgm:txEffectClrLst/>
+  </dgm:styleLbl>
+  <dgm:styleLbl name="parChTrans1D3">
+    <dgm:fillClrLst meth="repeat">
+      <a:schemeClr val="accent1"/>
+    </dgm:fillClrLst>
+    <dgm:linClrLst meth="repeat">
+      <a:schemeClr val="accent1">
+        <a:shade val="80000"/>
+      </a:schemeClr>
+    </dgm:linClrLst>
+    <dgm:effectClrLst/>
+    <dgm:txLinClrLst/>
+    <dgm:txFillClrLst meth="repeat">
+      <a:schemeClr val="tx1"/>
+    </dgm:txFillClrLst>
+    <dgm:txEffectClrLst/>
+  </dgm:styleLbl>
+  <dgm:styleLbl name="parChTrans1D4">
+    <dgm:fillClrLst meth="repeat">
+      <a:schemeClr val="accent1"/>
+    </dgm:fillClrLst>
+    <dgm:linClrLst meth="repeat">
+      <a:schemeClr val="accent1">
+        <a:shade val="80000"/>
+      </a:schemeClr>
+    </dgm:linClrLst>
+    <dgm:effectClrLst/>
+    <dgm:txLinClrLst/>
+    <dgm:txFillClrLst meth="repeat">
+      <a:schemeClr val="tx1"/>
+    </dgm:txFillClrLst>
+    <dgm:txEffectClrLst/>
+  </dgm:styleLbl>
+  <dgm:styleLbl name="fgAcc1">
+    <dgm:fillClrLst meth="repeat">
+      <a:schemeClr val="lt1">
+        <a:alpha val="90000"/>
+      </a:schemeClr>
+    </dgm:fillClrLst>
+    <dgm:linClrLst meth="repeat">
+      <a:schemeClr val="accent1"/>
+    </dgm:linClrLst>
+    <dgm:effectClrLst/>
+    <dgm:txLinClrLst/>
+    <dgm:txFillClrLst meth="repeat">
+      <a:schemeClr val="dk1"/>
+    </dgm:txFillClrLst>
+    <dgm:txEffectClrLst/>
+  </dgm:styleLbl>
+  <dgm:styleLbl name="conFgAcc1">
+    <dgm:fillClrLst meth="repeat">
+      <a:schemeClr val="lt1">
+        <a:alpha val="90000"/>
+      </a:schemeClr>
+    </dgm:fillClrLst>
+    <dgm:linClrLst meth="repeat">
+      <a:schemeClr val="accent1"/>
+    </dgm:linClrLst>
+    <dgm:effectClrLst/>
+    <dgm:txLinClrLst/>
+    <dgm:txFillClrLst meth="repeat">
+      <a:schemeClr val="dk1"/>
+    </dgm:txFillClrLst>
+    <dgm:txEffectClrLst/>
+  </dgm:styleLbl>
+  <dgm:styleLbl name="alignAcc1">
+    <dgm:fillClrLst meth="repeat">
+      <a:schemeClr val="lt1">
+        <a:alpha val="90000"/>
+      </a:schemeClr>
+    </dgm:fillClrLst>
+    <dgm:linClrLst meth="repeat">
+      <a:schemeClr val="accent1"/>
+    </dgm:linClrLst>
+    <dgm:effectClrLst/>
+    <dgm:txLinClrLst/>
+    <dgm:txFillClrLst meth="repeat">
+      <a:schemeClr val="dk1"/>
+    </dgm:txFillClrLst>
+    <dgm:txEffectClrLst/>
+  </dgm:styleLbl>
+  <dgm:styleLbl name="trAlignAcc1">
+    <dgm:fillClrLst meth="repeat">
+      <a:schemeClr val="lt1">
+        <a:alpha val="40000"/>
+      </a:schemeClr>
+    </dgm:fillClrLst>
+    <dgm:linClrLst meth="repeat">
+      <a:schemeClr val="accent1"/>
+    </dgm:linClrLst>
+    <dgm:effectClrLst/>
+    <dgm:txLinClrLst/>
+    <dgm:txFillClrLst meth="repeat">
+      <a:schemeClr val="dk1"/>
+    </dgm:txFillClrLst>
+    <dgm:txEffectClrLst/>
+  </dgm:styleLbl>
+  <dgm:styleLbl name="bgAcc1">
+    <dgm:fillClrLst meth="repeat">
+      <a:schemeClr val="lt1">
+        <a:alpha val="90000"/>
+      </a:schemeClr>
+    </dgm:fillClrLst>
+    <dgm:linClrLst meth="repeat">
+      <a:schemeClr val="accent1"/>
+    </dgm:linClrLst>
+    <dgm:effectClrLst/>
+    <dgm:txLinClrLst/>
+    <dgm:txFillClrLst meth="repeat">
+      <a:schemeClr val="dk1"/>
+    </dgm:txFillClrLst>
+    <dgm:txEffectClrLst/>
+  </dgm:styleLbl>
+  <dgm:styleLbl name="solidFgAcc1">
+    <dgm:fillClrLst meth="repeat">
+      <a:schemeClr val="lt1"/>
+    </dgm:fillClrLst>
+    <dgm:linClrLst meth="repeat">
+      <a:schemeClr val="accent1"/>
+    </dgm:linClrLst>
+    <dgm:effectClrLst/>
+    <dgm:txLinClrLst/>
+    <dgm:txFillClrLst meth="repeat">
+      <a:schemeClr val="dk1"/>
+    </dgm:txFillClrLst>
+    <dgm:txEffectClrLst/>
+  </dgm:styleLbl>
+  <dgm:styleLbl name="solidAlignAcc1">
+    <dgm:fillClrLst meth="repeat">
+      <a:schemeClr val="lt1"/>
+    </dgm:fillClrLst>
+    <dgm:linClrLst meth="repeat">
+      <a:schemeClr val="accent1"/>
+    </dgm:linClrLst>
+    <dgm:effectClrLst/>
+    <dgm:txLinClrLst/>
+    <dgm:txFillClrLst meth="repeat">
+      <a:schemeClr val="dk1"/>
+    </dgm:txFillClrLst>
+    <dgm:txEffectClrLst/>
+  </dgm:styleLbl>
+  <dgm:styleLbl name="solidBgAcc1">
+    <dgm:fillClrLst meth="repeat">
+      <a:schemeClr val="lt1"/>
+    </dgm:fillClrLst>
+    <dgm:linClrLst meth="repeat">
+      <a:schemeClr val="accent1"/>
+    </dgm:linClrLst>
+    <dgm:effectClrLst/>
+    <dgm:txLinClrLst/>
+    <dgm:txFillClrLst meth="repeat">
+      <a:schemeClr val="dk1"/>
+    </dgm:txFillClrLst>
+    <dgm:txEffectClrLst/>
+  </dgm:styleLbl>
+  <dgm:styleLbl name="fgAccFollowNode1">
+    <dgm:fillClrLst meth="repeat">
+      <a:schemeClr val="accent1">
+        <a:alpha val="90000"/>
+        <a:tint val="40000"/>
+      </a:schemeClr>
+    </dgm:fillClrLst>
+    <dgm:linClrLst meth="repeat">
+      <a:schemeClr val="accent1">
+        <a:alpha val="90000"/>
+        <a:tint val="40000"/>
+      </a:schemeClr>
+    </dgm:linClrLst>
+    <dgm:effectClrLst/>
+    <dgm:txLinClrLst/>
+    <dgm:txFillClrLst meth="repeat">
+      <a:schemeClr val="dk1"/>
+    </dgm:txFillClrLst>
+    <dgm:txEffectClrLst/>
+  </dgm:styleLbl>
+  <dgm:styleLbl name="alignAccFollowNode1">
+    <dgm:fillClrLst meth="repeat">
+      <a:schemeClr val="accent1">
+        <a:alpha val="90000"/>
+        <a:tint val="40000"/>
+      </a:schemeClr>
+    </dgm:fillClrLst>
+    <dgm:linClrLst meth="repeat">
+      <a:schemeClr val="accent1">
+        <a:alpha val="90000"/>
+        <a:tint val="40000"/>
+      </a:schemeClr>
+    </dgm:linClrLst>
+    <dgm:effectClrLst/>
+    <dgm:txLinClrLst/>
+    <dgm:txFillClrLst meth="repeat">
+      <a:schemeClr val="dk1"/>
+    </dgm:txFillClrLst>
+    <dgm:txEffectClrLst/>
+  </dgm:styleLbl>
+  <dgm:styleLbl name="bgAccFollowNode1">
+    <dgm:fillClrLst meth="repeat">
+      <a:schemeClr val="accent1">
+        <a:alpha val="90000"/>
+        <a:tint val="40000"/>
+      </a:schemeClr>
+    </dgm:fillClrLst>
+    <dgm:linClrLst meth="repeat">
+      <a:schemeClr val="accent1">
+        <a:alpha val="90000"/>
+        <a:tint val="40000"/>
+      </a:schemeClr>
+    </dgm:linClrLst>
+    <dgm:effectClrLst/>
+    <dgm:txLinClrLst/>
+    <dgm:txFillClrLst meth="repeat">
+      <a:schemeClr val="dk1"/>
+    </dgm:txFillClrLst>
+    <dgm:txEffectClrLst/>
+  </dgm:styleLbl>
+  <dgm:styleLbl name="fgAcc0">
+    <dgm:fillClrLst meth="repeat">
+      <a:schemeClr val="lt1">
+        <a:alpha val="90000"/>
+      </a:schemeClr>
+    </dgm:fillClrLst>
+    <dgm:linClrLst meth="repeat">
+      <a:schemeClr val="accent1"/>
+    </dgm:linClrLst>
+    <dgm:effectClrLst/>
+    <dgm:txLinClrLst/>
+    <dgm:txFillClrLst meth="repeat">
+      <a:schemeClr val="dk1"/>
+    </dgm:txFillClrLst>
+    <dgm:txEffectClrLst/>
+  </dgm:styleLbl>
+  <dgm:styleLbl name="fgAcc2">
+    <dgm:fillClrLst meth="repeat">
+      <a:schemeClr val="lt1">
+        <a:alpha val="90000"/>
+      </a:schemeClr>
+    </dgm:fillClrLst>
+    <dgm:linClrLst meth="repeat">
+      <a:schemeClr val="accent1"/>
+    </dgm:linClrLst>
+    <dgm:effectClrLst/>
+    <dgm:txLinClrLst/>
+    <dgm:txFillClrLst meth="repeat">
+      <a:schemeClr val="dk1"/>
+    </dgm:txFillClrLst>
+    <dgm:txEffectClrLst/>
+  </dgm:styleLbl>
+  <dgm:styleLbl name="fgAcc3">
+    <dgm:fillClrLst meth="repeat">
+      <a:schemeClr val="lt1">
+        <a:alpha val="90000"/>
+      </a:schemeClr>
+    </dgm:fillClrLst>
+    <dgm:linClrLst meth="repeat">
+      <a:schemeClr val="accent1"/>
+    </dgm:linClrLst>
+    <dgm:effectClrLst/>
+    <dgm:txLinClrLst/>
+    <dgm:txFillClrLst meth="repeat">
+      <a:schemeClr val="dk1"/>
+    </dgm:txFillClrLst>
+    <dgm:txEffectClrLst/>
+  </dgm:styleLbl>
+  <dgm:styleLbl name="fgAcc4">
+    <dgm:fillClrLst meth="repeat">
+      <a:schemeClr val="lt1">
+        <a:alpha val="90000"/>
+      </a:schemeClr>
+    </dgm:fillClrLst>
+    <dgm:linClrLst meth="repeat">
+      <a:schemeClr val="accent1"/>
+    </dgm:linClrLst>
+    <dgm:effectClrLst/>
+    <dgm:txLinClrLst/>
+    <dgm:txFillClrLst meth="repeat">
+      <a:schemeClr val="dk1"/>
+    </dgm:txFillClrLst>
+    <dgm:txEffectClrLst/>
+  </dgm:styleLbl>
+  <dgm:styleLbl name="bgShp">
+    <dgm:fillClrLst meth="repeat">
+      <a:schemeClr val="accent1">
+        <a:tint val="40000"/>
+      </a:schemeClr>
+    </dgm:fillClrLst>
+    <dgm:linClrLst meth="repeat">
+      <a:schemeClr val="accent1"/>
+    </dgm:linClrLst>
+    <dgm:effectClrLst/>
+    <dgm:txLinClrLst/>
+    <dgm:txFillClrLst meth="repeat">
+      <a:schemeClr val="dk1"/>
+    </dgm:txFillClrLst>
+    <dgm:txEffectClrLst/>
+  </dgm:styleLbl>
+  <dgm:styleLbl name="dkBgShp">
+    <dgm:fillClrLst meth="repeat">
+      <a:schemeClr val="accent1">
+        <a:shade val="80000"/>
+      </a:schemeClr>
+    </dgm:fillClrLst>
+    <dgm:linClrLst meth="repeat">
+      <a:schemeClr val="accent1"/>
+    </dgm:linClrLst>
+    <dgm:effectClrLst/>
+    <dgm:txLinClrLst/>
+    <dgm:txFillClrLst meth="repeat">
+      <a:schemeClr val="lt1"/>
+    </dgm:txFillClrLst>
+    <dgm:txEffectClrLst/>
+  </dgm:styleLbl>
+  <dgm:styleLbl name="trBgShp">
+    <dgm:fillClrLst meth="repeat">
+      <a:schemeClr val="accent1">
+        <a:tint val="50000"/>
+        <a:alpha val="40000"/>
+      </a:schemeClr>
+    </dgm:fillClrLst>
+    <dgm:linClrLst meth="repeat">
+      <a:schemeClr val="accent1"/>
+    </dgm:linClrLst>
+    <dgm:effectClrLst/>
+    <dgm:txLinClrLst/>
+    <dgm:txFillClrLst meth="repeat">
+      <a:schemeClr val="lt1"/>
+    </dgm:txFillClrLst>
+    <dgm:txEffectClrLst/>
+  </dgm:styleLbl>
+  <dgm:styleLbl name="fgShp">
+    <dgm:fillClrLst meth="repeat">
+      <a:schemeClr val="accent1">
+        <a:tint val="60000"/>
+      </a:schemeClr>
+    </dgm:fillClrLst>
+    <dgm:linClrLst meth="repeat">
+      <a:schemeClr val="lt1"/>
+    </dgm:linClrLst>
+    <dgm:effectClrLst/>
+    <dgm:txLinClrLst/>
+    <dgm:txFillClrLst meth="repeat">
+      <a:schemeClr val="dk1"/>
+    </dgm:txFillClrLst>
+    <dgm:txEffectClrLst/>
+  </dgm:styleLbl>
+  <dgm:styleLbl name="revTx">
+    <dgm:fillClrLst meth="repeat">
+      <a:schemeClr val="lt1">
+        <a:alpha val="0"/>
+      </a:schemeClr>
+    </dgm:fillClrLst>
+    <dgm:linClrLst meth="repeat">
+      <a:schemeClr val="dk1">
+        <a:alpha val="0"/>
+      </a:schemeClr>
+    </dgm:linClrLst>
+    <dgm:effectClrLst/>
+    <dgm:txLinClrLst/>
+    <dgm:txFillClrLst meth="repeat">
+      <a:schemeClr val="tx1"/>
+    </dgm:txFillClrLst>
+    <dgm:txEffectClrLst/>
+  </dgm:styleLbl>
+</dgm:colorsDef>
 </file>
 
-<file path=ppt/comments/comment2.xml><?xml version="1.0" encoding="utf-8"?>
-<p:cmLst xmlns:a="http://schemas.openxmlformats.org/drawingml/2006/main" xmlns:r="http://schemas.openxmlformats.org/officeDocument/2006/relationships" xmlns:p="http://schemas.openxmlformats.org/presentationml/2006/main">
-  <p:cm authorId="2" dt="2019-05-12T04:31:50.547" idx="2">
-    <p:pos x="6067" y="380"/>
-    <p:text>Jemand ne Idee für en Titel, bzw was wollen wir mit der Folie überhaupt alles abdecken?</p:text>
-    <p:extLst>
-      <p:ext uri="{C676402C-5697-4E1C-873F-D02D1690AC5C}">
-        <p15:threadingInfo xmlns:p15="http://schemas.microsoft.com/office/powerpoint/2012/main" timeZoneBias="420"/>
-      </p:ext>
-    </p:extLst>
-  </p:cm>
-  <p:cm authorId="1" dt="2019-05-12T21:37:38.320" idx="11">
-    <p:pos x="6067" y="516"/>
-    <p:text>gute Frage</p:text>
-    <p:extLst>
-      <p:ext uri="{C676402C-5697-4E1C-873F-D02D1690AC5C}">
-        <p15:threadingInfo xmlns:p15="http://schemas.microsoft.com/office/powerpoint/2012/main" timeZoneBias="-120">
-          <p15:parentCm authorId="2" idx="2"/>
-        </p15:threadingInfo>
-      </p:ext>
-    </p:extLst>
-  </p:cm>
-  <p:cm authorId="1" dt="2019-05-12T21:37:45.672" idx="12">
-    <p:pos x="6067" y="652"/>
-    <p:text>haha ^^</p:text>
-    <p:extLst>
-      <p:ext uri="{C676402C-5697-4E1C-873F-D02D1690AC5C}">
-        <p15:threadingInfo xmlns:p15="http://schemas.microsoft.com/office/powerpoint/2012/main" timeZoneBias="-120">
-          <p15:parentCm authorId="2" idx="2"/>
-        </p15:threadingInfo>
-      </p:ext>
-    </p:extLst>
-  </p:cm>
-</p:cmLst>
+<file path=ppt/diagrams/data1.xml><?xml version="1.0" encoding="utf-8"?>
+<dgm:dataModel xmlns:dgm="http://schemas.openxmlformats.org/drawingml/2006/diagram" xmlns:a="http://schemas.openxmlformats.org/drawingml/2006/main">
+  <dgm:ptLst>
+    <dgm:pt modelId="{1A53D9B7-8E8A-4F44-9B9F-A4DA8D7CDF9C}" type="doc">
+      <dgm:prSet loTypeId="urn:microsoft.com/office/officeart/2005/8/layout/process1" loCatId="process" qsTypeId="urn:microsoft.com/office/officeart/2005/8/quickstyle/simple1" qsCatId="simple" csTypeId="urn:microsoft.com/office/officeart/2005/8/colors/accent1_2" csCatId="accent1" phldr="1"/>
+      <dgm:spPr/>
+    </dgm:pt>
+    <dgm:pt modelId="{78E23777-F3B3-4BF1-BB14-802AA1B3B53C}">
+      <dgm:prSet phldrT="[Text]" custT="1"/>
+      <dgm:spPr/>
+      <dgm:t>
+        <a:bodyPr/>
+        <a:lstStyle/>
+        <a:p>
+          <a:pPr algn="ctr"/>
+          <a:r>
+            <a:rPr lang="en-GB" sz="1800" noProof="0" dirty="0">
+              <a:latin typeface="Gill Sans MT" panose="020B0502020104020203" pitchFamily="34" charset="0"/>
+            </a:rPr>
+            <a:t>1. Examine correlation between variables</a:t>
+          </a:r>
+        </a:p>
+      </dgm:t>
+    </dgm:pt>
+    <dgm:pt modelId="{E29E36CF-7094-4C7E-AC16-92F3AC01AAB6}" type="parTrans" cxnId="{260CA76D-4C98-4585-ACD9-904D89A2BCA0}">
+      <dgm:prSet/>
+      <dgm:spPr/>
+      <dgm:t>
+        <a:bodyPr/>
+        <a:lstStyle/>
+        <a:p>
+          <a:endParaRPr lang="en-GB" sz="1800" noProof="0" dirty="0">
+            <a:latin typeface="Gill Sans MT" panose="020B0502020104020203" pitchFamily="34" charset="0"/>
+          </a:endParaRPr>
+        </a:p>
+      </dgm:t>
+    </dgm:pt>
+    <dgm:pt modelId="{6575CDC7-720E-405D-A73C-51B940474276}" type="sibTrans" cxnId="{260CA76D-4C98-4585-ACD9-904D89A2BCA0}">
+      <dgm:prSet custT="1"/>
+      <dgm:spPr/>
+      <dgm:t>
+        <a:bodyPr/>
+        <a:lstStyle/>
+        <a:p>
+          <a:endParaRPr lang="en-GB" sz="1800" noProof="0" dirty="0">
+            <a:latin typeface="Gill Sans MT" panose="020B0502020104020203" pitchFamily="34" charset="0"/>
+          </a:endParaRPr>
+        </a:p>
+      </dgm:t>
+    </dgm:pt>
+    <dgm:pt modelId="{9DD62B53-F59E-4EF5-934F-89E94644A353}">
+      <dgm:prSet phldrT="[Text]" custT="1"/>
+      <dgm:spPr/>
+      <dgm:t>
+        <a:bodyPr/>
+        <a:lstStyle/>
+        <a:p>
+          <a:pPr algn="ctr"/>
+          <a:r>
+            <a:rPr lang="en-GB" sz="1800" noProof="0" dirty="0">
+              <a:latin typeface="Gill Sans MT" panose="020B0502020104020203" pitchFamily="34" charset="0"/>
+            </a:rPr>
+            <a:t>2. Estimating regression model</a:t>
+          </a:r>
+        </a:p>
+      </dgm:t>
+    </dgm:pt>
+    <dgm:pt modelId="{4C2AC14A-AA89-427F-8A7C-56D74B287D0B}" type="parTrans" cxnId="{C1ACA696-C2B9-46C7-9FAC-EE611A03DC3E}">
+      <dgm:prSet/>
+      <dgm:spPr/>
+      <dgm:t>
+        <a:bodyPr/>
+        <a:lstStyle/>
+        <a:p>
+          <a:endParaRPr lang="en-GB" sz="1800" noProof="0" dirty="0">
+            <a:latin typeface="Gill Sans MT" panose="020B0502020104020203" pitchFamily="34" charset="0"/>
+          </a:endParaRPr>
+        </a:p>
+      </dgm:t>
+    </dgm:pt>
+    <dgm:pt modelId="{A4B1C727-AAC8-4775-A2DC-C0BD3E5518E7}" type="sibTrans" cxnId="{C1ACA696-C2B9-46C7-9FAC-EE611A03DC3E}">
+      <dgm:prSet custT="1"/>
+      <dgm:spPr/>
+      <dgm:t>
+        <a:bodyPr/>
+        <a:lstStyle/>
+        <a:p>
+          <a:endParaRPr lang="en-GB" sz="1800" noProof="0" dirty="0">
+            <a:latin typeface="Gill Sans MT" panose="020B0502020104020203" pitchFamily="34" charset="0"/>
+          </a:endParaRPr>
+        </a:p>
+      </dgm:t>
+    </dgm:pt>
+    <dgm:pt modelId="{43058350-153E-490D-9838-2ABA1ADBEB46}">
+      <dgm:prSet phldrT="[Text]" custT="1"/>
+      <dgm:spPr/>
+      <dgm:t>
+        <a:bodyPr/>
+        <a:lstStyle/>
+        <a:p>
+          <a:pPr algn="ctr"/>
+          <a:r>
+            <a:rPr lang="en-GB" sz="1800" noProof="0" dirty="0">
+              <a:latin typeface="Gill Sans MT" panose="020B0502020104020203" pitchFamily="34" charset="0"/>
+            </a:rPr>
+            <a:t>3. Evaluating validity and usefulness</a:t>
+          </a:r>
+        </a:p>
+      </dgm:t>
+    </dgm:pt>
+    <dgm:pt modelId="{4D981DDA-0DF9-4C43-BF5B-B693B5A95FE1}" type="parTrans" cxnId="{90399A91-30FD-454C-A233-202D0CE73444}">
+      <dgm:prSet/>
+      <dgm:spPr/>
+      <dgm:t>
+        <a:bodyPr/>
+        <a:lstStyle/>
+        <a:p>
+          <a:endParaRPr lang="en-GB" sz="1800" noProof="0" dirty="0">
+            <a:latin typeface="Gill Sans MT" panose="020B0502020104020203" pitchFamily="34" charset="0"/>
+          </a:endParaRPr>
+        </a:p>
+      </dgm:t>
+    </dgm:pt>
+    <dgm:pt modelId="{B13CA9F0-4D80-427F-AB54-79B8B0E15C42}" type="sibTrans" cxnId="{90399A91-30FD-454C-A233-202D0CE73444}">
+      <dgm:prSet/>
+      <dgm:spPr/>
+      <dgm:t>
+        <a:bodyPr/>
+        <a:lstStyle/>
+        <a:p>
+          <a:endParaRPr lang="en-GB" sz="1800" noProof="0" dirty="0">
+            <a:latin typeface="Gill Sans MT" panose="020B0502020104020203" pitchFamily="34" charset="0"/>
+          </a:endParaRPr>
+        </a:p>
+      </dgm:t>
+    </dgm:pt>
+    <dgm:pt modelId="{36F610E1-2042-449F-A5F6-CEE5AA532215}" type="pres">
+      <dgm:prSet presAssocID="{1A53D9B7-8E8A-4F44-9B9F-A4DA8D7CDF9C}" presName="Name0" presStyleCnt="0">
+        <dgm:presLayoutVars>
+          <dgm:dir/>
+          <dgm:resizeHandles val="exact"/>
+        </dgm:presLayoutVars>
+      </dgm:prSet>
+      <dgm:spPr/>
+    </dgm:pt>
+    <dgm:pt modelId="{A7614D06-9363-4372-BDAA-1F86EB7E2341}" type="pres">
+      <dgm:prSet presAssocID="{78E23777-F3B3-4BF1-BB14-802AA1B3B53C}" presName="node" presStyleLbl="node1" presStyleIdx="0" presStyleCnt="3">
+        <dgm:presLayoutVars>
+          <dgm:bulletEnabled val="1"/>
+        </dgm:presLayoutVars>
+      </dgm:prSet>
+      <dgm:spPr/>
+    </dgm:pt>
+    <dgm:pt modelId="{569F7B44-B864-405E-8089-B2F6CBBEDFD5}" type="pres">
+      <dgm:prSet presAssocID="{6575CDC7-720E-405D-A73C-51B940474276}" presName="sibTrans" presStyleLbl="sibTrans2D1" presStyleIdx="0" presStyleCnt="2"/>
+      <dgm:spPr/>
+    </dgm:pt>
+    <dgm:pt modelId="{55818B23-A729-4741-9B17-CA8FBB3747E6}" type="pres">
+      <dgm:prSet presAssocID="{6575CDC7-720E-405D-A73C-51B940474276}" presName="connectorText" presStyleLbl="sibTrans2D1" presStyleIdx="0" presStyleCnt="2"/>
+      <dgm:spPr/>
+    </dgm:pt>
+    <dgm:pt modelId="{4E37F832-B9CC-440F-AF5A-4AE84BA8EC88}" type="pres">
+      <dgm:prSet presAssocID="{9DD62B53-F59E-4EF5-934F-89E94644A353}" presName="node" presStyleLbl="node1" presStyleIdx="1" presStyleCnt="3">
+        <dgm:presLayoutVars>
+          <dgm:bulletEnabled val="1"/>
+        </dgm:presLayoutVars>
+      </dgm:prSet>
+      <dgm:spPr/>
+    </dgm:pt>
+    <dgm:pt modelId="{C8DC6736-9B33-4562-8977-0B500610E016}" type="pres">
+      <dgm:prSet presAssocID="{A4B1C727-AAC8-4775-A2DC-C0BD3E5518E7}" presName="sibTrans" presStyleLbl="sibTrans2D1" presStyleIdx="1" presStyleCnt="2"/>
+      <dgm:spPr/>
+    </dgm:pt>
+    <dgm:pt modelId="{4987FCAA-4D8B-44E6-B2BD-76199D636280}" type="pres">
+      <dgm:prSet presAssocID="{A4B1C727-AAC8-4775-A2DC-C0BD3E5518E7}" presName="connectorText" presStyleLbl="sibTrans2D1" presStyleIdx="1" presStyleCnt="2"/>
+      <dgm:spPr/>
+    </dgm:pt>
+    <dgm:pt modelId="{069E33E8-21EE-451F-83B2-394258ED9234}" type="pres">
+      <dgm:prSet presAssocID="{43058350-153E-490D-9838-2ABA1ADBEB46}" presName="node" presStyleLbl="node1" presStyleIdx="2" presStyleCnt="3">
+        <dgm:presLayoutVars>
+          <dgm:bulletEnabled val="1"/>
+        </dgm:presLayoutVars>
+      </dgm:prSet>
+      <dgm:spPr/>
+    </dgm:pt>
+  </dgm:ptLst>
+  <dgm:cxnLst>
+    <dgm:cxn modelId="{01CBBE1B-FE19-4494-BD91-3C52306B5A8A}" type="presOf" srcId="{6575CDC7-720E-405D-A73C-51B940474276}" destId="{55818B23-A729-4741-9B17-CA8FBB3747E6}" srcOrd="1" destOrd="0" presId="urn:microsoft.com/office/officeart/2005/8/layout/process1"/>
+    <dgm:cxn modelId="{4FAAD02B-570B-4FB6-B468-80AFD51AA2AB}" type="presOf" srcId="{43058350-153E-490D-9838-2ABA1ADBEB46}" destId="{069E33E8-21EE-451F-83B2-394258ED9234}" srcOrd="0" destOrd="0" presId="urn:microsoft.com/office/officeart/2005/8/layout/process1"/>
+    <dgm:cxn modelId="{8B0F826C-83E5-4EF5-9664-DC6932E157B5}" type="presOf" srcId="{A4B1C727-AAC8-4775-A2DC-C0BD3E5518E7}" destId="{C8DC6736-9B33-4562-8977-0B500610E016}" srcOrd="0" destOrd="0" presId="urn:microsoft.com/office/officeart/2005/8/layout/process1"/>
+    <dgm:cxn modelId="{260CA76D-4C98-4585-ACD9-904D89A2BCA0}" srcId="{1A53D9B7-8E8A-4F44-9B9F-A4DA8D7CDF9C}" destId="{78E23777-F3B3-4BF1-BB14-802AA1B3B53C}" srcOrd="0" destOrd="0" parTransId="{E29E36CF-7094-4C7E-AC16-92F3AC01AAB6}" sibTransId="{6575CDC7-720E-405D-A73C-51B940474276}"/>
+    <dgm:cxn modelId="{77F9E16E-927C-4E56-8D55-9300D1932A3A}" type="presOf" srcId="{A4B1C727-AAC8-4775-A2DC-C0BD3E5518E7}" destId="{4987FCAA-4D8B-44E6-B2BD-76199D636280}" srcOrd="1" destOrd="0" presId="urn:microsoft.com/office/officeart/2005/8/layout/process1"/>
+    <dgm:cxn modelId="{A17E4051-3966-40EA-94FD-AD9E695B59A1}" type="presOf" srcId="{6575CDC7-720E-405D-A73C-51B940474276}" destId="{569F7B44-B864-405E-8089-B2F6CBBEDFD5}" srcOrd="0" destOrd="0" presId="urn:microsoft.com/office/officeart/2005/8/layout/process1"/>
+    <dgm:cxn modelId="{06907180-3F0C-418F-B4D2-7F641E363D0C}" type="presOf" srcId="{1A53D9B7-8E8A-4F44-9B9F-A4DA8D7CDF9C}" destId="{36F610E1-2042-449F-A5F6-CEE5AA532215}" srcOrd="0" destOrd="0" presId="urn:microsoft.com/office/officeart/2005/8/layout/process1"/>
+    <dgm:cxn modelId="{90399A91-30FD-454C-A233-202D0CE73444}" srcId="{1A53D9B7-8E8A-4F44-9B9F-A4DA8D7CDF9C}" destId="{43058350-153E-490D-9838-2ABA1ADBEB46}" srcOrd="2" destOrd="0" parTransId="{4D981DDA-0DF9-4C43-BF5B-B693B5A95FE1}" sibTransId="{B13CA9F0-4D80-427F-AB54-79B8B0E15C42}"/>
+    <dgm:cxn modelId="{C1ACA696-C2B9-46C7-9FAC-EE611A03DC3E}" srcId="{1A53D9B7-8E8A-4F44-9B9F-A4DA8D7CDF9C}" destId="{9DD62B53-F59E-4EF5-934F-89E94644A353}" srcOrd="1" destOrd="0" parTransId="{4C2AC14A-AA89-427F-8A7C-56D74B287D0B}" sibTransId="{A4B1C727-AAC8-4775-A2DC-C0BD3E5518E7}"/>
+    <dgm:cxn modelId="{F35DABAA-1F50-4079-8DD8-54611E2C2DBD}" type="presOf" srcId="{9DD62B53-F59E-4EF5-934F-89E94644A353}" destId="{4E37F832-B9CC-440F-AF5A-4AE84BA8EC88}" srcOrd="0" destOrd="0" presId="urn:microsoft.com/office/officeart/2005/8/layout/process1"/>
+    <dgm:cxn modelId="{50A15BDD-CEE7-473E-9F4B-D65C0A44960E}" type="presOf" srcId="{78E23777-F3B3-4BF1-BB14-802AA1B3B53C}" destId="{A7614D06-9363-4372-BDAA-1F86EB7E2341}" srcOrd="0" destOrd="0" presId="urn:microsoft.com/office/officeart/2005/8/layout/process1"/>
+    <dgm:cxn modelId="{9A4D9B9D-76D7-4DCD-A2A8-C0B4DDB58650}" type="presParOf" srcId="{36F610E1-2042-449F-A5F6-CEE5AA532215}" destId="{A7614D06-9363-4372-BDAA-1F86EB7E2341}" srcOrd="0" destOrd="0" presId="urn:microsoft.com/office/officeart/2005/8/layout/process1"/>
+    <dgm:cxn modelId="{F65B3AA7-78E9-4357-AD06-30565D0FA04E}" type="presParOf" srcId="{36F610E1-2042-449F-A5F6-CEE5AA532215}" destId="{569F7B44-B864-405E-8089-B2F6CBBEDFD5}" srcOrd="1" destOrd="0" presId="urn:microsoft.com/office/officeart/2005/8/layout/process1"/>
+    <dgm:cxn modelId="{E9B60B34-3834-4C26-AB57-C91466518E36}" type="presParOf" srcId="{569F7B44-B864-405E-8089-B2F6CBBEDFD5}" destId="{55818B23-A729-4741-9B17-CA8FBB3747E6}" srcOrd="0" destOrd="0" presId="urn:microsoft.com/office/officeart/2005/8/layout/process1"/>
+    <dgm:cxn modelId="{3D4FD10B-039F-4AC8-BBB3-853F1FEEBD4D}" type="presParOf" srcId="{36F610E1-2042-449F-A5F6-CEE5AA532215}" destId="{4E37F832-B9CC-440F-AF5A-4AE84BA8EC88}" srcOrd="2" destOrd="0" presId="urn:microsoft.com/office/officeart/2005/8/layout/process1"/>
+    <dgm:cxn modelId="{28493EF7-6684-4764-8C44-F028E3D01E0A}" type="presParOf" srcId="{36F610E1-2042-449F-A5F6-CEE5AA532215}" destId="{C8DC6736-9B33-4562-8977-0B500610E016}" srcOrd="3" destOrd="0" presId="urn:microsoft.com/office/officeart/2005/8/layout/process1"/>
+    <dgm:cxn modelId="{56667A4C-2441-47DB-9D83-FEA8F4D32A92}" type="presParOf" srcId="{C8DC6736-9B33-4562-8977-0B500610E016}" destId="{4987FCAA-4D8B-44E6-B2BD-76199D636280}" srcOrd="0" destOrd="0" presId="urn:microsoft.com/office/officeart/2005/8/layout/process1"/>
+    <dgm:cxn modelId="{96F1CB5E-0E1F-4A97-9B3E-0CCD193FF302}" type="presParOf" srcId="{36F610E1-2042-449F-A5F6-CEE5AA532215}" destId="{069E33E8-21EE-451F-83B2-394258ED9234}" srcOrd="4" destOrd="0" presId="urn:microsoft.com/office/officeart/2005/8/layout/process1"/>
+  </dgm:cxnLst>
+  <dgm:bg/>
+  <dgm:whole/>
+  <dgm:extLst>
+    <a:ext uri="http://schemas.microsoft.com/office/drawing/2008/diagram">
+      <dsp:dataModelExt xmlns:dsp="http://schemas.microsoft.com/office/drawing/2008/diagram" relId="rId8" minVer="http://schemas.openxmlformats.org/drawingml/2006/diagram"/>
+    </a:ext>
+  </dgm:extLst>
+</dgm:dataModel>
 </file>
 
-<file path=ppt/comments/comment3.xml><?xml version="1.0" encoding="utf-8"?>
-<p:cmLst xmlns:a="http://schemas.openxmlformats.org/drawingml/2006/main" xmlns:r="http://schemas.openxmlformats.org/officeDocument/2006/relationships" xmlns:p="http://schemas.openxmlformats.org/presentationml/2006/main">
-  <p:cm authorId="1" dt="2019-05-11T16:17:42.626" idx="2">
-    <p:pos x="10" y="10"/>
-    <p:text>Pascal überlegt sich was</p:text>
-    <p:extLst>
-      <p:ext uri="{C676402C-5697-4E1C-873F-D02D1690AC5C}">
-        <p15:threadingInfo xmlns:p15="http://schemas.microsoft.com/office/powerpoint/2012/main" timeZoneBias="-120"/>
-      </p:ext>
-    </p:extLst>
-  </p:cm>
-  <p:cm authorId="2" dt="2019-05-12T04:30:38.781" idx="1">
-    <p:pos x="10" y="106"/>
-    <p:text>wurde zu Folie 5, kann gelöscht werden wenn OK
-</p:text>
-    <p:extLst>
-      <p:ext uri="{C676402C-5697-4E1C-873F-D02D1690AC5C}">
-        <p15:threadingInfo xmlns:p15="http://schemas.microsoft.com/office/powerpoint/2012/main" timeZoneBias="420">
-          <p15:parentCm authorId="1" idx="2"/>
-        </p15:threadingInfo>
-      </p:ext>
-    </p:extLst>
-  </p:cm>
-</p:cmLst>
+<file path=ppt/diagrams/drawing1.xml><?xml version="1.0" encoding="utf-8"?>
+<dsp:drawing xmlns:dgm="http://schemas.openxmlformats.org/drawingml/2006/diagram" xmlns:dsp="http://schemas.microsoft.com/office/drawing/2008/diagram" xmlns:a="http://schemas.openxmlformats.org/drawingml/2006/main">
+  <dsp:spTree>
+    <dsp:nvGrpSpPr>
+      <dsp:cNvPr id="0" name=""/>
+      <dsp:cNvGrpSpPr/>
+    </dsp:nvGrpSpPr>
+    <dsp:grpSpPr/>
+    <dsp:sp modelId="{A7614D06-9363-4372-BDAA-1F86EB7E2341}">
+      <dsp:nvSpPr>
+        <dsp:cNvPr id="0" name=""/>
+        <dsp:cNvSpPr/>
+      </dsp:nvSpPr>
+      <dsp:spPr>
+        <a:xfrm>
+          <a:off x="11120" y="0"/>
+          <a:ext cx="2135995" cy="876328"/>
+        </a:xfrm>
+        <a:prstGeom prst="roundRect">
+          <a:avLst>
+            <a:gd name="adj" fmla="val 10000"/>
+          </a:avLst>
+        </a:prstGeom>
+        <a:solidFill>
+          <a:schemeClr val="accent1">
+            <a:hueOff val="0"/>
+            <a:satOff val="0"/>
+            <a:lumOff val="0"/>
+            <a:alphaOff val="0"/>
+          </a:schemeClr>
+        </a:solidFill>
+        <a:ln w="19050" cap="rnd" cmpd="sng" algn="ctr">
+          <a:solidFill>
+            <a:schemeClr val="lt1">
+              <a:hueOff val="0"/>
+              <a:satOff val="0"/>
+              <a:lumOff val="0"/>
+              <a:alphaOff val="0"/>
+            </a:schemeClr>
+          </a:solidFill>
+          <a:prstDash val="solid"/>
+        </a:ln>
+        <a:effectLst/>
+      </dsp:spPr>
+      <dsp:style>
+        <a:lnRef idx="2">
+          <a:scrgbClr r="0" g="0" b="0"/>
+        </a:lnRef>
+        <a:fillRef idx="1">
+          <a:scrgbClr r="0" g="0" b="0"/>
+        </a:fillRef>
+        <a:effectRef idx="0">
+          <a:scrgbClr r="0" g="0" b="0"/>
+        </a:effectRef>
+        <a:fontRef idx="minor">
+          <a:schemeClr val="lt1"/>
+        </a:fontRef>
+      </dsp:style>
+      <dsp:txBody>
+        <a:bodyPr spcFirstLastPara="0" vert="horz" wrap="square" lIns="68580" tIns="68580" rIns="68580" bIns="68580" numCol="1" spcCol="1270" anchor="ctr" anchorCtr="0">
+          <a:noAutofit/>
+        </a:bodyPr>
+        <a:lstStyle/>
+        <a:p>
+          <a:pPr marL="0" lvl="0" indent="0" algn="ctr" defTabSz="800100">
+            <a:lnSpc>
+              <a:spcPct val="90000"/>
+            </a:lnSpc>
+            <a:spcBef>
+              <a:spcPct val="0"/>
+            </a:spcBef>
+            <a:spcAft>
+              <a:spcPct val="35000"/>
+            </a:spcAft>
+            <a:buNone/>
+          </a:pPr>
+          <a:r>
+            <a:rPr lang="en-GB" sz="1800" kern="1200" noProof="0" dirty="0">
+              <a:latin typeface="Gill Sans MT" panose="020B0502020104020203" pitchFamily="34" charset="0"/>
+            </a:rPr>
+            <a:t>1. Examine correlation between variables</a:t>
+          </a:r>
+        </a:p>
+      </dsp:txBody>
+      <dsp:txXfrm>
+        <a:off x="36787" y="25667"/>
+        <a:ext cx="2084661" cy="824994"/>
+      </dsp:txXfrm>
+    </dsp:sp>
+    <dsp:sp modelId="{569F7B44-B864-405E-8089-B2F6CBBEDFD5}">
+      <dsp:nvSpPr>
+        <dsp:cNvPr id="0" name=""/>
+        <dsp:cNvSpPr/>
+      </dsp:nvSpPr>
+      <dsp:spPr>
+        <a:xfrm>
+          <a:off x="2360715" y="173300"/>
+          <a:ext cx="452831" cy="529726"/>
+        </a:xfrm>
+        <a:prstGeom prst="rightArrow">
+          <a:avLst>
+            <a:gd name="adj1" fmla="val 60000"/>
+            <a:gd name="adj2" fmla="val 50000"/>
+          </a:avLst>
+        </a:prstGeom>
+        <a:solidFill>
+          <a:schemeClr val="accent1">
+            <a:tint val="60000"/>
+            <a:hueOff val="0"/>
+            <a:satOff val="0"/>
+            <a:lumOff val="0"/>
+            <a:alphaOff val="0"/>
+          </a:schemeClr>
+        </a:solidFill>
+        <a:ln>
+          <a:noFill/>
+        </a:ln>
+        <a:effectLst/>
+      </dsp:spPr>
+      <dsp:style>
+        <a:lnRef idx="0">
+          <a:scrgbClr r="0" g="0" b="0"/>
+        </a:lnRef>
+        <a:fillRef idx="1">
+          <a:scrgbClr r="0" g="0" b="0"/>
+        </a:fillRef>
+        <a:effectRef idx="0">
+          <a:scrgbClr r="0" g="0" b="0"/>
+        </a:effectRef>
+        <a:fontRef idx="minor">
+          <a:schemeClr val="lt1"/>
+        </a:fontRef>
+      </dsp:style>
+      <dsp:txBody>
+        <a:bodyPr spcFirstLastPara="0" vert="horz" wrap="square" lIns="0" tIns="0" rIns="0" bIns="0" numCol="1" spcCol="1270" anchor="ctr" anchorCtr="0">
+          <a:noAutofit/>
+        </a:bodyPr>
+        <a:lstStyle/>
+        <a:p>
+          <a:pPr marL="0" lvl="0" indent="0" algn="ctr" defTabSz="800100">
+            <a:lnSpc>
+              <a:spcPct val="90000"/>
+            </a:lnSpc>
+            <a:spcBef>
+              <a:spcPct val="0"/>
+            </a:spcBef>
+            <a:spcAft>
+              <a:spcPct val="35000"/>
+            </a:spcAft>
+            <a:buNone/>
+          </a:pPr>
+          <a:endParaRPr lang="en-GB" sz="1800" kern="1200" noProof="0" dirty="0">
+            <a:latin typeface="Gill Sans MT" panose="020B0502020104020203" pitchFamily="34" charset="0"/>
+          </a:endParaRPr>
+        </a:p>
+      </dsp:txBody>
+      <dsp:txXfrm>
+        <a:off x="2360715" y="279245"/>
+        <a:ext cx="316982" cy="317836"/>
+      </dsp:txXfrm>
+    </dsp:sp>
+    <dsp:sp modelId="{4E37F832-B9CC-440F-AF5A-4AE84BA8EC88}">
+      <dsp:nvSpPr>
+        <dsp:cNvPr id="0" name=""/>
+        <dsp:cNvSpPr/>
+      </dsp:nvSpPr>
+      <dsp:spPr>
+        <a:xfrm>
+          <a:off x="3001514" y="0"/>
+          <a:ext cx="2135995" cy="876328"/>
+        </a:xfrm>
+        <a:prstGeom prst="roundRect">
+          <a:avLst>
+            <a:gd name="adj" fmla="val 10000"/>
+          </a:avLst>
+        </a:prstGeom>
+        <a:solidFill>
+          <a:schemeClr val="accent1">
+            <a:hueOff val="0"/>
+            <a:satOff val="0"/>
+            <a:lumOff val="0"/>
+            <a:alphaOff val="0"/>
+          </a:schemeClr>
+        </a:solidFill>
+        <a:ln w="19050" cap="rnd" cmpd="sng" algn="ctr">
+          <a:solidFill>
+            <a:schemeClr val="lt1">
+              <a:hueOff val="0"/>
+              <a:satOff val="0"/>
+              <a:lumOff val="0"/>
+              <a:alphaOff val="0"/>
+            </a:schemeClr>
+          </a:solidFill>
+          <a:prstDash val="solid"/>
+        </a:ln>
+        <a:effectLst/>
+      </dsp:spPr>
+      <dsp:style>
+        <a:lnRef idx="2">
+          <a:scrgbClr r="0" g="0" b="0"/>
+        </a:lnRef>
+        <a:fillRef idx="1">
+          <a:scrgbClr r="0" g="0" b="0"/>
+        </a:fillRef>
+        <a:effectRef idx="0">
+          <a:scrgbClr r="0" g="0" b="0"/>
+        </a:effectRef>
+        <a:fontRef idx="minor">
+          <a:schemeClr val="lt1"/>
+        </a:fontRef>
+      </dsp:style>
+      <dsp:txBody>
+        <a:bodyPr spcFirstLastPara="0" vert="horz" wrap="square" lIns="68580" tIns="68580" rIns="68580" bIns="68580" numCol="1" spcCol="1270" anchor="ctr" anchorCtr="0">
+          <a:noAutofit/>
+        </a:bodyPr>
+        <a:lstStyle/>
+        <a:p>
+          <a:pPr marL="0" lvl="0" indent="0" algn="ctr" defTabSz="800100">
+            <a:lnSpc>
+              <a:spcPct val="90000"/>
+            </a:lnSpc>
+            <a:spcBef>
+              <a:spcPct val="0"/>
+            </a:spcBef>
+            <a:spcAft>
+              <a:spcPct val="35000"/>
+            </a:spcAft>
+            <a:buNone/>
+          </a:pPr>
+          <a:r>
+            <a:rPr lang="en-GB" sz="1800" kern="1200" noProof="0" dirty="0">
+              <a:latin typeface="Gill Sans MT" panose="020B0502020104020203" pitchFamily="34" charset="0"/>
+            </a:rPr>
+            <a:t>2. Estimating regression model</a:t>
+          </a:r>
+        </a:p>
+      </dsp:txBody>
+      <dsp:txXfrm>
+        <a:off x="3027181" y="25667"/>
+        <a:ext cx="2084661" cy="824994"/>
+      </dsp:txXfrm>
+    </dsp:sp>
+    <dsp:sp modelId="{C8DC6736-9B33-4562-8977-0B500610E016}">
+      <dsp:nvSpPr>
+        <dsp:cNvPr id="0" name=""/>
+        <dsp:cNvSpPr/>
+      </dsp:nvSpPr>
+      <dsp:spPr>
+        <a:xfrm>
+          <a:off x="5351109" y="173300"/>
+          <a:ext cx="452831" cy="529726"/>
+        </a:xfrm>
+        <a:prstGeom prst="rightArrow">
+          <a:avLst>
+            <a:gd name="adj1" fmla="val 60000"/>
+            <a:gd name="adj2" fmla="val 50000"/>
+          </a:avLst>
+        </a:prstGeom>
+        <a:solidFill>
+          <a:schemeClr val="accent1">
+            <a:tint val="60000"/>
+            <a:hueOff val="0"/>
+            <a:satOff val="0"/>
+            <a:lumOff val="0"/>
+            <a:alphaOff val="0"/>
+          </a:schemeClr>
+        </a:solidFill>
+        <a:ln>
+          <a:noFill/>
+        </a:ln>
+        <a:effectLst/>
+      </dsp:spPr>
+      <dsp:style>
+        <a:lnRef idx="0">
+          <a:scrgbClr r="0" g="0" b="0"/>
+        </a:lnRef>
+        <a:fillRef idx="1">
+          <a:scrgbClr r="0" g="0" b="0"/>
+        </a:fillRef>
+        <a:effectRef idx="0">
+          <a:scrgbClr r="0" g="0" b="0"/>
+        </a:effectRef>
+        <a:fontRef idx="minor">
+          <a:schemeClr val="lt1"/>
+        </a:fontRef>
+      </dsp:style>
+      <dsp:txBody>
+        <a:bodyPr spcFirstLastPara="0" vert="horz" wrap="square" lIns="0" tIns="0" rIns="0" bIns="0" numCol="1" spcCol="1270" anchor="ctr" anchorCtr="0">
+          <a:noAutofit/>
+        </a:bodyPr>
+        <a:lstStyle/>
+        <a:p>
+          <a:pPr marL="0" lvl="0" indent="0" algn="ctr" defTabSz="800100">
+            <a:lnSpc>
+              <a:spcPct val="90000"/>
+            </a:lnSpc>
+            <a:spcBef>
+              <a:spcPct val="0"/>
+            </a:spcBef>
+            <a:spcAft>
+              <a:spcPct val="35000"/>
+            </a:spcAft>
+            <a:buNone/>
+          </a:pPr>
+          <a:endParaRPr lang="en-GB" sz="1800" kern="1200" noProof="0" dirty="0">
+            <a:latin typeface="Gill Sans MT" panose="020B0502020104020203" pitchFamily="34" charset="0"/>
+          </a:endParaRPr>
+        </a:p>
+      </dsp:txBody>
+      <dsp:txXfrm>
+        <a:off x="5351109" y="279245"/>
+        <a:ext cx="316982" cy="317836"/>
+      </dsp:txXfrm>
+    </dsp:sp>
+    <dsp:sp modelId="{069E33E8-21EE-451F-83B2-394258ED9234}">
+      <dsp:nvSpPr>
+        <dsp:cNvPr id="0" name=""/>
+        <dsp:cNvSpPr/>
+      </dsp:nvSpPr>
+      <dsp:spPr>
+        <a:xfrm>
+          <a:off x="5991907" y="0"/>
+          <a:ext cx="2135995" cy="876328"/>
+        </a:xfrm>
+        <a:prstGeom prst="roundRect">
+          <a:avLst>
+            <a:gd name="adj" fmla="val 10000"/>
+          </a:avLst>
+        </a:prstGeom>
+        <a:solidFill>
+          <a:schemeClr val="accent1">
+            <a:hueOff val="0"/>
+            <a:satOff val="0"/>
+            <a:lumOff val="0"/>
+            <a:alphaOff val="0"/>
+          </a:schemeClr>
+        </a:solidFill>
+        <a:ln w="19050" cap="rnd" cmpd="sng" algn="ctr">
+          <a:solidFill>
+            <a:schemeClr val="lt1">
+              <a:hueOff val="0"/>
+              <a:satOff val="0"/>
+              <a:lumOff val="0"/>
+              <a:alphaOff val="0"/>
+            </a:schemeClr>
+          </a:solidFill>
+          <a:prstDash val="solid"/>
+        </a:ln>
+        <a:effectLst/>
+      </dsp:spPr>
+      <dsp:style>
+        <a:lnRef idx="2">
+          <a:scrgbClr r="0" g="0" b="0"/>
+        </a:lnRef>
+        <a:fillRef idx="1">
+          <a:scrgbClr r="0" g="0" b="0"/>
+        </a:fillRef>
+        <a:effectRef idx="0">
+          <a:scrgbClr r="0" g="0" b="0"/>
+        </a:effectRef>
+        <a:fontRef idx="minor">
+          <a:schemeClr val="lt1"/>
+        </a:fontRef>
+      </dsp:style>
+      <dsp:txBody>
+        <a:bodyPr spcFirstLastPara="0" vert="horz" wrap="square" lIns="68580" tIns="68580" rIns="68580" bIns="68580" numCol="1" spcCol="1270" anchor="ctr" anchorCtr="0">
+          <a:noAutofit/>
+        </a:bodyPr>
+        <a:lstStyle/>
+        <a:p>
+          <a:pPr marL="0" lvl="0" indent="0" algn="ctr" defTabSz="800100">
+            <a:lnSpc>
+              <a:spcPct val="90000"/>
+            </a:lnSpc>
+            <a:spcBef>
+              <a:spcPct val="0"/>
+            </a:spcBef>
+            <a:spcAft>
+              <a:spcPct val="35000"/>
+            </a:spcAft>
+            <a:buNone/>
+          </a:pPr>
+          <a:r>
+            <a:rPr lang="en-GB" sz="1800" kern="1200" noProof="0" dirty="0">
+              <a:latin typeface="Gill Sans MT" panose="020B0502020104020203" pitchFamily="34" charset="0"/>
+            </a:rPr>
+            <a:t>3. Evaluating validity and usefulness</a:t>
+          </a:r>
+        </a:p>
+      </dsp:txBody>
+      <dsp:txXfrm>
+        <a:off x="6017574" y="25667"/>
+        <a:ext cx="2084661" cy="824994"/>
+      </dsp:txXfrm>
+    </dsp:sp>
+  </dsp:spTree>
+</dsp:drawing>
 </file>
 
-<file path=ppt/comments/comment4.xml><?xml version="1.0" encoding="utf-8"?>
-<p:cmLst xmlns:a="http://schemas.openxmlformats.org/drawingml/2006/main" xmlns:r="http://schemas.openxmlformats.org/officeDocument/2006/relationships" xmlns:p="http://schemas.openxmlformats.org/presentationml/2006/main">
-  <p:cm authorId="1" dt="2019-05-11T16:18:10.908" idx="3">
-    <p:pos x="10" y="10"/>
-    <p:text>Zeitachse</p:text>
-    <p:extLst>
-      <p:ext uri="{C676402C-5697-4E1C-873F-D02D1690AC5C}">
-        <p15:threadingInfo xmlns:p15="http://schemas.microsoft.com/office/powerpoint/2012/main" timeZoneBias="-120"/>
-      </p:ext>
-    </p:extLst>
-  </p:cm>
-  <p:cm authorId="1" dt="2019-05-11T16:18:34.450" idx="4">
-    <p:pos x="10" y="146"/>
-    <p:text>Smart Art</p:text>
-    <p:extLst>
-      <p:ext uri="{C676402C-5697-4E1C-873F-D02D1690AC5C}">
-        <p15:threadingInfo xmlns:p15="http://schemas.microsoft.com/office/powerpoint/2012/main" timeZoneBias="-120">
-          <p15:parentCm authorId="1" idx="3"/>
-        </p15:threadingInfo>
-      </p:ext>
-    </p:extLst>
-  </p:cm>
-  <p:cm authorId="1" dt="2019-05-11T16:22:16.528" idx="5">
-    <p:pos x="10" y="282"/>
-    <p:text>größere Schrift</p:text>
-    <p:extLst>
-      <p:ext uri="{C676402C-5697-4E1C-873F-D02D1690AC5C}">
-        <p15:threadingInfo xmlns:p15="http://schemas.microsoft.com/office/powerpoint/2012/main" timeZoneBias="-120">
-          <p15:parentCm authorId="1" idx="3"/>
-        </p15:threadingInfo>
-      </p:ext>
-    </p:extLst>
-  </p:cm>
-  <p:cm authorId="1" dt="2019-05-11T17:38:33.204" idx="10">
-    <p:pos x="146" y="146"/>
-    <p:text>Nils</p:text>
-    <p:extLst>
-      <p:ext uri="{C676402C-5697-4E1C-873F-D02D1690AC5C}">
-        <p15:threadingInfo xmlns:p15="http://schemas.microsoft.com/office/powerpoint/2012/main" timeZoneBias="-120"/>
-      </p:ext>
-    </p:extLst>
-  </p:cm>
-</p:cmLst>
+<file path=ppt/diagrams/layout1.xml><?xml version="1.0" encoding="utf-8"?>
+<dgm:layoutDef xmlns:dgm="http://schemas.openxmlformats.org/drawingml/2006/diagram" xmlns:a="http://schemas.openxmlformats.org/drawingml/2006/main" uniqueId="urn:microsoft.com/office/officeart/2005/8/layout/process1">
+  <dgm:title val=""/>
+  <dgm:desc val=""/>
+  <dgm:catLst>
+    <dgm:cat type="process" pri="1000"/>
+    <dgm:cat type="convert" pri="15000"/>
+  </dgm:catLst>
+  <dgm:sampData useDef="1">
+    <dgm:dataModel>
+      <dgm:ptLst/>
+      <dgm:bg/>
+      <dgm:whole/>
+    </dgm:dataModel>
+  </dgm:sampData>
+  <dgm:styleData>
+    <dgm:dataModel>
+      <dgm:ptLst>
+        <dgm:pt modelId="0" type="doc"/>
+        <dgm:pt modelId="1"/>
+        <dgm:pt modelId="2"/>
+      </dgm:ptLst>
+      <dgm:cxnLst>
+        <dgm:cxn modelId="3" srcId="0" destId="1" srcOrd="0" destOrd="0"/>
+        <dgm:cxn modelId="4" srcId="0" destId="2" srcOrd="1" destOrd="0"/>
+      </dgm:cxnLst>
+      <dgm:bg/>
+      <dgm:whole/>
+    </dgm:dataModel>
+  </dgm:styleData>
+  <dgm:clrData>
+    <dgm:dataModel>
+      <dgm:ptLst>
+        <dgm:pt modelId="0" type="doc"/>
+        <dgm:pt modelId="1"/>
+        <dgm:pt modelId="2"/>
+        <dgm:pt modelId="3"/>
+        <dgm:pt modelId="4"/>
+      </dgm:ptLst>
+      <dgm:cxnLst>
+        <dgm:cxn modelId="5" srcId="0" destId="1" srcOrd="0" destOrd="0"/>
+        <dgm:cxn modelId="6" srcId="0" destId="2" srcOrd="1" destOrd="0"/>
+        <dgm:cxn modelId="7" srcId="0" destId="3" srcOrd="2" destOrd="0"/>
+        <dgm:cxn modelId="8" srcId="0" destId="4" srcOrd="3" destOrd="0"/>
+      </dgm:cxnLst>
+      <dgm:bg/>
+      <dgm:whole/>
+    </dgm:dataModel>
+  </dgm:clrData>
+  <dgm:layoutNode name="Name0">
+    <dgm:varLst>
+      <dgm:dir/>
+      <dgm:resizeHandles val="exact"/>
+    </dgm:varLst>
+    <dgm:choose name="Name1">
+      <dgm:if name="Name2" func="var" arg="dir" op="equ" val="norm">
+        <dgm:alg type="lin"/>
+      </dgm:if>
+      <dgm:else name="Name3">
+        <dgm:alg type="lin">
+          <dgm:param type="linDir" val="fromR"/>
+        </dgm:alg>
+      </dgm:else>
+    </dgm:choose>
+    <dgm:shape xmlns:r="http://schemas.openxmlformats.org/officeDocument/2006/relationships" r:blip="">
+      <dgm:adjLst/>
+    </dgm:shape>
+    <dgm:presOf/>
+    <dgm:constrLst>
+      <dgm:constr type="w" for="ch" ptType="node" refType="w"/>
+      <dgm:constr type="h" for="ch" ptType="node" op="equ"/>
+      <dgm:constr type="primFontSz" for="ch" ptType="node" op="equ" val="65"/>
+      <dgm:constr type="w" for="ch" ptType="sibTrans" refType="w" refFor="ch" refPtType="node" op="equ" fact="0.4"/>
+      <dgm:constr type="h" for="ch" ptType="sibTrans" op="equ"/>
+      <dgm:constr type="primFontSz" for="des" forName="connectorText" op="equ" val="55"/>
+      <dgm:constr type="primFontSz" for="des" forName="connectorText" refType="primFontSz" refFor="ch" refPtType="node" op="lte" fact="0.8"/>
+    </dgm:constrLst>
+    <dgm:ruleLst/>
+    <dgm:forEach name="nodesForEach" axis="ch" ptType="node">
+      <dgm:layoutNode name="node">
+        <dgm:varLst>
+          <dgm:bulletEnabled val="1"/>
+        </dgm:varLst>
+        <dgm:alg type="tx"/>
+        <dgm:shape xmlns:r="http://schemas.openxmlformats.org/officeDocument/2006/relationships" type="roundRect" r:blip="">
+          <dgm:adjLst>
+            <dgm:adj idx="1" val="0.1"/>
+          </dgm:adjLst>
+        </dgm:shape>
+        <dgm:presOf axis="desOrSelf" ptType="node"/>
+        <dgm:constrLst>
+          <dgm:constr type="h" refType="w" fact="0.6"/>
+          <dgm:constr type="tMarg" refType="primFontSz" fact="0.3"/>
+          <dgm:constr type="bMarg" refType="primFontSz" fact="0.3"/>
+          <dgm:constr type="lMarg" refType="primFontSz" fact="0.3"/>
+          <dgm:constr type="rMarg" refType="primFontSz" fact="0.3"/>
+        </dgm:constrLst>
+        <dgm:ruleLst>
+          <dgm:rule type="primFontSz" val="18" fact="NaN" max="NaN"/>
+          <dgm:rule type="h" val="NaN" fact="1.5" max="NaN"/>
+          <dgm:rule type="primFontSz" val="5" fact="NaN" max="NaN"/>
+          <dgm:rule type="h" val="INF" fact="NaN" max="NaN"/>
+        </dgm:ruleLst>
+      </dgm:layoutNode>
+      <dgm:forEach name="sibTransForEach" axis="followSib" ptType="sibTrans" cnt="1">
+        <dgm:layoutNode name="sibTrans">
+          <dgm:alg type="conn">
+            <dgm:param type="begPts" val="auto"/>
+            <dgm:param type="endPts" val="auto"/>
+          </dgm:alg>
+          <dgm:shape xmlns:r="http://schemas.openxmlformats.org/officeDocument/2006/relationships" type="conn" r:blip="">
+            <dgm:adjLst/>
+          </dgm:shape>
+          <dgm:presOf axis="self"/>
+          <dgm:constrLst>
+            <dgm:constr type="h" refType="w" fact="0.62"/>
+            <dgm:constr type="connDist"/>
+            <dgm:constr type="begPad" refType="connDist" fact="0.25"/>
+            <dgm:constr type="endPad" refType="connDist" fact="0.22"/>
+          </dgm:constrLst>
+          <dgm:ruleLst/>
+          <dgm:layoutNode name="connectorText">
+            <dgm:alg type="tx">
+              <dgm:param type="autoTxRot" val="grav"/>
+            </dgm:alg>
+            <dgm:shape xmlns:r="http://schemas.openxmlformats.org/officeDocument/2006/relationships" type="conn" r:blip="" hideGeom="1">
+              <dgm:adjLst/>
+            </dgm:shape>
+            <dgm:presOf axis="self"/>
+            <dgm:constrLst>
+              <dgm:constr type="lMarg"/>
+              <dgm:constr type="rMarg"/>
+              <dgm:constr type="tMarg"/>
+              <dgm:constr type="bMarg"/>
+            </dgm:constrLst>
+            <dgm:ruleLst>
+              <dgm:rule type="primFontSz" val="5" fact="NaN" max="NaN"/>
+            </dgm:ruleLst>
+          </dgm:layoutNode>
+        </dgm:layoutNode>
+      </dgm:forEach>
+    </dgm:forEach>
+  </dgm:layoutNode>
+</dgm:layoutDef>
 </file>
 
-<file path=ppt/comments/comment5.xml><?xml version="1.0" encoding="utf-8"?>
-<p:cmLst xmlns:a="http://schemas.openxmlformats.org/drawingml/2006/main" xmlns:r="http://schemas.openxmlformats.org/officeDocument/2006/relationships" xmlns:p="http://schemas.openxmlformats.org/presentationml/2006/main">
-  <p:cm authorId="1" dt="2019-05-11T17:38:19.219" idx="8">
-    <p:pos x="10" y="10"/>
-    <p:text>Niklas</p:text>
-    <p:extLst>
-      <p:ext uri="{C676402C-5697-4E1C-873F-D02D1690AC5C}">
-        <p15:threadingInfo xmlns:p15="http://schemas.microsoft.com/office/powerpoint/2012/main" timeZoneBias="-120"/>
-      </p:ext>
-    </p:extLst>
-  </p:cm>
-</p:cmLst>
-</file>
-
-<file path=ppt/comments/comment6.xml><?xml version="1.0" encoding="utf-8"?>
-<p:cmLst xmlns:a="http://schemas.openxmlformats.org/drawingml/2006/main" xmlns:r="http://schemas.openxmlformats.org/officeDocument/2006/relationships" xmlns:p="http://schemas.openxmlformats.org/presentationml/2006/main">
-  <p:cm authorId="1" dt="2019-05-11T17:16:06.999" idx="6">
-    <p:pos x="10" y="10"/>
-    <p:text>Dimension reduction --&gt; k-means</p:text>
-    <p:extLst>
-      <p:ext uri="{C676402C-5697-4E1C-873F-D02D1690AC5C}">
-        <p15:threadingInfo xmlns:p15="http://schemas.microsoft.com/office/powerpoint/2012/main" timeZoneBias="-120"/>
-      </p:ext>
-    </p:extLst>
-  </p:cm>
-  <p:cm authorId="1" dt="2019-05-11T17:38:26.783" idx="9">
-    <p:pos x="146" y="146"/>
-    <p:text>Niklas</p:text>
-    <p:extLst>
-      <p:ext uri="{C676402C-5697-4E1C-873F-D02D1690AC5C}">
-        <p15:threadingInfo xmlns:p15="http://schemas.microsoft.com/office/powerpoint/2012/main" timeZoneBias="-120"/>
-      </p:ext>
-    </p:extLst>
-  </p:cm>
-</p:cmLst>
-</file>
-
-<file path=ppt/comments/comment7.xml><?xml version="1.0" encoding="utf-8"?>
-<p:cmLst xmlns:a="http://schemas.openxmlformats.org/drawingml/2006/main" xmlns:r="http://schemas.openxmlformats.org/officeDocument/2006/relationships" xmlns:p="http://schemas.openxmlformats.org/presentationml/2006/main">
-  <p:cm authorId="1" dt="2019-05-11T17:16:06.999" idx="6">
-    <p:pos x="10" y="10"/>
-    <p:text>Dimension reduction --&gt; k-means</p:text>
-    <p:extLst>
-      <p:ext uri="{C676402C-5697-4E1C-873F-D02D1690AC5C}">
-        <p15:threadingInfo xmlns:p15="http://schemas.microsoft.com/office/powerpoint/2012/main" timeZoneBias="-120"/>
-      </p:ext>
-    </p:extLst>
-  </p:cm>
-  <p:cm authorId="1" dt="2019-05-11T17:38:26.783" idx="9">
-    <p:pos x="146" y="146"/>
-    <p:text>Niklas</p:text>
-    <p:extLst>
-      <p:ext uri="{C676402C-5697-4E1C-873F-D02D1690AC5C}">
-        <p15:threadingInfo xmlns:p15="http://schemas.microsoft.com/office/powerpoint/2012/main" timeZoneBias="-120"/>
-      </p:ext>
-    </p:extLst>
-  </p:cm>
-</p:cmLst>
-</file>
-
-<file path=ppt/comments/comment8.xml><?xml version="1.0" encoding="utf-8"?>
-<p:cmLst xmlns:a="http://schemas.openxmlformats.org/drawingml/2006/main" xmlns:r="http://schemas.openxmlformats.org/officeDocument/2006/relationships" xmlns:p="http://schemas.openxmlformats.org/presentationml/2006/main">
-  <p:cm authorId="1" dt="2019-05-11T17:38:13.050" idx="7">
-    <p:pos x="10" y="10"/>
-    <p:text>Nils</p:text>
-    <p:extLst>
-      <p:ext uri="{C676402C-5697-4E1C-873F-D02D1690AC5C}">
-        <p15:threadingInfo xmlns:p15="http://schemas.microsoft.com/office/powerpoint/2012/main" timeZoneBias="-120"/>
-      </p:ext>
-    </p:extLst>
-  </p:cm>
-</p:cmLst>
+<file path=ppt/diagrams/quickStyle1.xml><?xml version="1.0" encoding="utf-8"?>
+<dgm:styleDef xmlns:dgm="http://schemas.openxmlformats.org/drawingml/2006/diagram" xmlns:a="http://schemas.openxmlformats.org/drawingml/2006/main" uniqueId="urn:microsoft.com/office/officeart/2005/8/quickstyle/simple1">
+  <dgm:title val=""/>
+  <dgm:desc val=""/>
+  <dgm:catLst>
+    <dgm:cat type="simple" pri="10100"/>
+  </dgm:catLst>
+  <dgm:scene3d>
+    <a:camera prst="orthographicFront"/>
+    <a:lightRig rig="threePt" dir="t"/>
+  </dgm:scene3d>
+  <dgm:styleLbl name="node0">
+    <dgm:scene3d>
+      <a:camera prst="orthographicFront"/>
+      <a:lightRig rig="threePt" dir="t"/>
+    </dgm:scene3d>
+    <dgm:sp3d/>
+    <dgm:txPr/>
+    <dgm:style>
+      <a:lnRef idx="2">
+        <a:scrgbClr r="0" g="0" b="0"/>
+      </a:lnRef>
+      <a:fillRef idx="1">
+        <a:scrgbClr r="0" g="0" b="0"/>
+      </a:fillRef>
+      <a:effectRef idx="0">
+        <a:scrgbClr r="0" g="0" b="0"/>
+      </a:effectRef>
+      <a:fontRef idx="minor">
+        <a:schemeClr val="lt1"/>
+      </a:fontRef>
+    </dgm:style>
+  </dgm:styleLbl>
+  <dgm:styleLbl name="lnNode1">
+    <dgm:scene3d>
+      <a:camera prst="orthographicFront"/>
+      <a:lightRig rig="threePt" dir="t"/>
+    </dgm:scene3d>
+    <dgm:sp3d/>
+    <dgm:txPr/>
+    <dgm:style>
+      <a:lnRef idx="2">
+        <a:scrgbClr r="0" g="0" b="0"/>
+      </a:lnRef>
+      <a:fillRef idx="1">
+        <a:scrgbClr r="0" g="0" b="0"/>
+      </a:fillRef>
+      <a:effectRef idx="0">
+        <a:scrgbClr r="0" g="0" b="0"/>
+      </a:effectRef>
+      <a:fontRef idx="minor">
+        <a:schemeClr val="lt1"/>
+      </a:fontRef>
+    </dgm:style>
+  </dgm:styleLbl>
+  <dgm:styleLbl name="vennNode1">
+    <dgm:scene3d>
+      <a:camera prst="orthographicFront"/>
+      <a:lightRig rig="threePt" dir="t"/>
+    </dgm:scene3d>
+    <dgm:sp3d/>
+    <dgm:txPr/>
+    <dgm:style>
+      <a:lnRef idx="2">
+        <a:scrgbClr r="0" g="0" b="0"/>
+      </a:lnRef>
+      <a:fillRef idx="1">
+        <a:scrgbClr r="0" g="0" b="0"/>
+      </a:fillRef>
+      <a:effectRef idx="0">
+        <a:scrgbClr r="0" g="0" b="0"/>
+      </a:effectRef>
+      <a:fontRef idx="minor">
+        <a:schemeClr val="tx1"/>
+      </a:fontRef>
+    </dgm:style>
+  </dgm:styleLbl>
+  <dgm:styleLbl name="alignNode1">
+    <dgm:scene3d>
+      <a:camera prst="orthographicFront"/>
+      <a:lightRig rig="threePt" dir="t"/>
+    </dgm:scene3d>
+    <dgm:sp3d/>
+    <dgm:txPr/>
+    <dgm:style>
+      <a:lnRef idx="2">
+        <a:scrgbClr r="0" g="0" b="0"/>
+      </a:lnRef>
+      <a:fillRef idx="1">
+        <a:scrgbClr r="0" g="0" b="0"/>
+      </a:fillRef>
+      <a:effectRef idx="0">
+        <a:scrgbClr r="0" g="0" b="0"/>
+      </a:effectRef>
+      <a:fontRef idx="minor">
+        <a:schemeClr val="lt1"/>
+      </a:fontRef>
+    </dgm:style>
+  </dgm:styleLbl>
+  <dgm:styleLbl name="node1">
+    <dgm:scene3d>
+      <a:camera prst="orthographicFront"/>
+      <a:lightRig rig="threePt" dir="t"/>
+    </dgm:scene3d>
+    <dgm:sp3d/>
+    <dgm:txPr/>
+    <dgm:style>
+      <a:lnRef idx="2">
+        <a:scrgbClr r="0" g="0" b="0"/>
+      </a:lnRef>
+      <a:fillRef idx="1">
+        <a:scrgbClr r="0" g="0" b="0"/>
+      </a:fillRef>
+      <a:effectRef idx="0">
+        <a:scrgbClr r="0" g="0" b="0"/>
+      </a:effectRef>
+      <a:fontRef idx="minor">
+        <a:schemeClr val="lt1"/>
+      </a:fontRef>
+    </dgm:style>
+  </dgm:styleLbl>
+  <dgm:styleLbl name="node2">
+    <dgm:scene3d>
+      <a:camera prst="orthographicFront"/>
+      <a:lightRig rig="threePt" dir="t"/>
+    </dgm:scene3d>
+    <dgm:sp3d/>
+    <dgm:txPr/>
+    <dgm:style>
+      <a:lnRef idx="2">
+        <a:scrgbClr r="0" g="0" b="0"/>
+      </a:lnRef>
+      <a:fillRef idx="1">
+        <a:scrgbClr r="0" g="0" b="0"/>
+      </a:fillRef>
+      <a:effectRef idx="0">
+        <a:scrgbClr r="0" g="0" b="0"/>
+      </a:effectRef>
+      <a:fontRef idx="minor">
+        <a:schemeClr val="lt1"/>
+      </a:fontRef>
+    </dgm:style>
+  </dgm:styleLbl>
+  <dgm:styleLbl name="node3">
+    <dgm:scene3d>
+      <a:camera prst="orthographicFront"/>
+      <a:lightRig rig="threePt" dir="t"/>
+    </dgm:scene3d>
+    <dgm:sp3d/>
+    <dgm:txPr/>
+    <dgm:style>
+      <a:lnRef idx="2">
+        <a:scrgbClr r="0" g="0" b="0"/>
+      </a:lnRef>
+      <a:fillRef idx="1">
+        <a:scrgbClr r="0" g="0" b="0"/>
+      </a:fillRef>
+      <a:effectRef idx="0">
+        <a:scrgbClr r="0" g="0" b="0"/>
+      </a:effectRef>
+      <a:fontRef idx="minor">
+        <a:schemeClr val="lt1"/>
+      </a:fontRef>
+    </dgm:style>
+  </dgm:styleLbl>
+  <dgm:styleLbl name="node4">
+    <dgm:scene3d>
+      <a:camera prst="orthographicFront"/>
+      <a:lightRig rig="threePt" dir="t"/>
+    </dgm:scene3d>
+    <dgm:sp3d/>
+    <dgm:txPr/>
+    <dgm:style>
+      <a:lnRef idx="2">
+        <a:scrgbClr r="0" g="0" b="0"/>
+      </a:lnRef>
+      <a:fillRef idx="1">
+        <a:scrgbClr r="0" g="0" b="0"/>
+      </a:fillRef>
+      <a:effectRef idx="0">
+        <a:scrgbClr r="0" g="0" b="0"/>
+      </a:effectRef>
+      <a:fontRef idx="minor">
+        <a:schemeClr val="lt1"/>
+      </a:fontRef>
+    </dgm:style>
+  </dgm:styleLbl>
+  <dgm:styleLbl name="fgImgPlace1">
+    <dgm:scene3d>
+      <a:camera prst="orthographicFront"/>
+      <a:lightRig rig="threePt" dir="t"/>
+    </dgm:scene3d>
+    <dgm:sp3d/>
+    <dgm:txPr/>
+    <dgm:style>
+      <a:lnRef idx="2">
+        <a:scrgbClr r="0" g="0" b="0"/>
+      </a:lnRef>
+      <a:fillRef idx="1">
+        <a:scrgbClr r="0" g="0" b="0"/>
+      </a:fillRef>
+      <a:effectRef idx="0">
+        <a:scrgbClr r="0" g="0" b="0"/>
+      </a:effectRef>
+      <a:fontRef idx="minor"/>
+    </dgm:style>
+  </dgm:styleLbl>
+  <dgm:styleLbl name="alignImgPlace1">
+    <dgm:scene3d>
+      <a:camera prst="orthographicFront"/>
+      <a:lightRig rig="threePt" dir="t"/>
+    </dgm:scene3d>
+    <dgm:sp3d/>
+    <dgm:txPr/>
+    <dgm:style>
+      <a:lnRef idx="2">
+        <a:scrgbClr r="0" g="0" b="0"/>
+      </a:lnRef>
+      <a:fillRef idx="1">
+        <a:scrgbClr r="0" g="0" b="0"/>
+      </a:fillRef>
+      <a:effectRef idx="0">
+        <a:scrgbClr r="0" g="0" b="0"/>
+      </a:effectRef>
+      <a:fontRef idx="minor"/>
+    </dgm:style>
+  </dgm:styleLbl>
+  <dgm:styleLbl name="bgImgPlace1">
+    <dgm:scene3d>
+      <a:camera prst="orthographicFront"/>
+      <a:lightRig rig="threePt" dir="t"/>
+    </dgm:scene3d>
+    <dgm:sp3d/>
+    <dgm:txPr/>
+    <dgm:style>
+      <a:lnRef idx="2">
+        <a:scrgbClr r="0" g="0" b="0"/>
+      </a:lnRef>
+      <a:fillRef idx="1">
+        <a:scrgbClr r="0" g="0" b="0"/>
+      </a:fillRef>
+      <a:effectRef idx="0">
+        <a:scrgbClr r="0" g="0" b="0"/>
+      </a:effectRef>
+      <a:fontRef idx="minor"/>
+    </dgm:style>
+  </dgm:styleLbl>
+  <dgm:styleLbl name="sibTrans2D1">
+    <dgm:scene3d>
+      <a:camera prst="orthographicFront"/>
+      <a:lightRig rig="threePt" dir="t"/>
+    </dgm:scene3d>
+    <dgm:sp3d/>
+    <dgm:txPr/>
+    <dgm:style>
+      <a:lnRef idx="0">
+        <a:scrgbClr r="0" g="0" b="0"/>
+      </a:lnRef>
+      <a:fillRef idx="1">
+        <a:scrgbClr r="0" g="0" b="0"/>
+      </a:fillRef>
+      <a:effectRef idx="0">
+        <a:scrgbClr r="0" g="0" b="0"/>
+      </a:effectRef>
+      <a:fontRef idx="minor">
+        <a:schemeClr val="lt1"/>
+      </a:fontRef>
+    </dgm:style>
+  </dgm:styleLbl>
+  <dgm:styleLbl name="fgSibTrans2D1">
+    <dgm:scene3d>
+      <a:camera prst="orthographicFront"/>
+      <a:lightRig rig="threePt" dir="t"/>
+    </dgm:scene3d>
+    <dgm:sp3d/>
+    <dgm:txPr/>
+    <dgm:style>
+      <a:lnRef idx="0">
+        <a:scrgbClr r="0" g="0" b="0"/>
+      </a:lnRef>
+      <a:fillRef idx="1">
+        <a:scrgbClr r="0" g="0" b="0"/>
+      </a:fillRef>
+      <a:effectRef idx="0">
+        <a:scrgbClr r="0" g="0" b="0"/>
+      </a:effectRef>
+      <a:fontRef idx="minor">
+        <a:schemeClr val="lt1"/>
+      </a:fontRef>
+    </dgm:style>
+  </dgm:styleLbl>
+  <dgm:styleLbl name="bgSibTrans2D1">
+    <dgm:scene3d>
+      <a:camera prst="orthographicFront"/>
+      <a:lightRig rig="threePt" dir="t"/>
+    </dgm:scene3d>
+    <dgm:sp3d/>
+    <dgm:txPr/>
+    <dgm:style>
+      <a:lnRef idx="0">
+        <a:scrgbClr r="0" g="0" b="0"/>
+      </a:lnRef>
+      <a:fillRef idx="1">
+        <a:scrgbClr r="0" g="0" b="0"/>
+      </a:fillRef>
+      <a:effectRef idx="0">
+        <a:scrgbClr r="0" g="0" b="0"/>
+      </a:effectRef>
+      <a:fontRef idx="minor">
+        <a:schemeClr val="lt1"/>
+      </a:fontRef>
+    </dgm:style>
+  </dgm:styleLbl>
+  <dgm:styleLbl name="sibTrans1D1">
+    <dgm:scene3d>
+      <a:camera prst="orthographicFront"/>
+      <a:lightRig rig="threePt" dir="t"/>
+    </dgm:scene3d>
+    <dgm:sp3d/>
+    <dgm:txPr/>
+    <dgm:style>
+      <a:lnRef idx="1">
+        <a:scrgbClr r="0" g="0" b="0"/>
+      </a:lnRef>
+      <a:fillRef idx="0">
+        <a:scrgbClr r="0" g="0" b="0"/>
+      </a:fillRef>
+      <a:effectRef idx="0">
+        <a:scrgbClr r="0" g="0" b="0"/>
+      </a:effectRef>
+      <a:fontRef idx="minor"/>
+    </dgm:style>
+  </dgm:styleLbl>
+  <dgm:styleLbl name="callout">
+    <dgm:scene3d>
+      <a:camera prst="orthographicFront"/>
+      <a:lightRig rig="threePt" dir="t"/>
+    </dgm:scene3d>
+    <dgm:sp3d/>
+    <dgm:txPr/>
+    <dgm:style>
+      <a:lnRef idx="2">
+        <a:scrgbClr r="0" g="0" b="0"/>
+      </a:lnRef>
+      <a:fillRef idx="1">
+        <a:scrgbClr r="0" g="0" b="0"/>
+      </a:fillRef>
+      <a:effectRef idx="0">
+        <a:scrgbClr r="0" g="0" b="0"/>
+      </a:effectRef>
+      <a:fontRef idx="minor"/>
+    </dgm:style>
+  </dgm:styleLbl>
+  <dgm:styleLbl name="asst0">
+    <dgm:scene3d>
+      <a:camera prst="orthographicFront"/>
+      <a:lightRig rig="threePt" dir="t"/>
+    </dgm:scene3d>
+    <dgm:sp3d/>
+    <dgm:txPr/>
+    <dgm:style>
+      <a:lnRef idx="2">
+        <a:scrgbClr r="0" g="0" b="0"/>
+      </a:lnRef>
+      <a:fillRef idx="1">
+        <a:scrgbClr r="0" g="0" b="0"/>
+      </a:fillRef>
+      <a:effectRef idx="0">
+        <a:scrgbClr r="0" g="0" b="0"/>
+      </a:effectRef>
+      <a:fontRef idx="minor">
+        <a:schemeClr val="lt1"/>
+      </a:fontRef>
+    </dgm:style>
+  </dgm:styleLbl>
+  <dgm:styleLbl name="asst1">
+    <dgm:scene3d>
+      <a:camera prst="orthographicFront"/>
+      <a:lightRig rig="threePt" dir="t"/>
+    </dgm:scene3d>
+    <dgm:sp3d/>
+    <dgm:txPr/>
+    <dgm:style>
+      <a:lnRef idx="2">
+        <a:scrgbClr r="0" g="0" b="0"/>
+      </a:lnRef>
+      <a:fillRef idx="1">
+        <a:scrgbClr r="0" g="0" b="0"/>
+      </a:fillRef>
+      <a:effectRef idx="0">
+        <a:scrgbClr r="0" g="0" b="0"/>
+      </a:effectRef>
+      <a:fontRef idx="minor">
+        <a:schemeClr val="lt1"/>
+      </a:fontRef>
+    </dgm:style>
+  </dgm:styleLbl>
+  <dgm:styleLbl name="asst2">
+    <dgm:scene3d>
+      <a:camera prst="orthographicFront"/>
+      <a:lightRig rig="threePt" dir="t"/>
+    </dgm:scene3d>
+    <dgm:sp3d/>
+    <dgm:txPr/>
+    <dgm:style>
+      <a:lnRef idx="2">
+        <a:scrgbClr r="0" g="0" b="0"/>
+      </a:lnRef>
+      <a:fillRef idx="1">
+        <a:scrgbClr r="0" g="0" b="0"/>
+      </a:fillRef>
+      <a:effectRef idx="0">
+        <a:scrgbClr r="0" g="0" b="0"/>
+      </a:effectRef>
+      <a:fontRef idx="minor">
+        <a:schemeClr val="lt1"/>
+      </a:fontRef>
+    </dgm:style>
+  </dgm:styleLbl>
+  <dgm:styleLbl name="asst3">
+    <dgm:scene3d>
+      <a:camera prst="orthographicFront"/>
+      <a:lightRig rig="threePt" dir="t"/>
+    </dgm:scene3d>
+    <dgm:sp3d/>
+    <dgm:txPr/>
+    <dgm:style>
+      <a:lnRef idx="2">
+        <a:scrgbClr r="0" g="0" b="0"/>
+      </a:lnRef>
+      <a:fillRef idx="1">
+        <a:scrgbClr r="0" g="0" b="0"/>
+      </a:fillRef>
+      <a:effectRef idx="0">
+        <a:scrgbClr r="0" g="0" b="0"/>
+      </a:effectRef>
+      <a:fontRef idx="minor">
+        <a:schemeClr val="lt1"/>
+      </a:fontRef>
+    </dgm:style>
+  </dgm:styleLbl>
+  <dgm:styleLbl name="asst4">
+    <dgm:scene3d>
+      <a:camera prst="orthographicFront"/>
+      <a:lightRig rig="threePt" dir="t"/>
+    </dgm:scene3d>
+    <dgm:sp3d/>
+    <dgm:txPr/>
+    <dgm:style>
+      <a:lnRef idx="2">
+        <a:scrgbClr r="0" g="0" b="0"/>
+      </a:lnRef>
+      <a:fillRef idx="1">
+        <a:scrgbClr r="0" g="0" b="0"/>
+      </a:fillRef>
+      <a:effectRef idx="0">
+        <a:scrgbClr r="0" g="0" b="0"/>
+      </a:effectRef>
+      <a:fontRef idx="minor">
+        <a:schemeClr val="lt1"/>
+      </a:fontRef>
+    </dgm:style>
+  </dgm:styleLbl>
+  <dgm:styleLbl name="parChTrans2D1">
+    <dgm:scene3d>
+      <a:camera prst="orthographicFront"/>
+      <a:lightRig rig="threePt" dir="t"/>
+    </dgm:scene3d>
+    <dgm:sp3d/>
+    <dgm:txPr/>
+    <dgm:style>
+      <a:lnRef idx="2">
+        <a:scrgbClr r="0" g="0" b="0"/>
+      </a:lnRef>
+      <a:fillRef idx="1">
+        <a:scrgbClr r="0" g="0" b="0"/>
+      </a:fillRef>
+      <a:effectRef idx="0">
+        <a:scrgbClr r="0" g="0" b="0"/>
+      </a:effectRef>
+      <a:fontRef idx="minor">
+        <a:schemeClr val="lt1"/>
+      </a:fontRef>
+    </dgm:style>
+  </dgm:styleLbl>
+  <dgm:styleLbl name="parChTrans2D2">
+    <dgm:scene3d>
+      <a:camera prst="orthographicFront"/>
+      <a:lightRig rig="threePt" dir="t"/>
+    </dgm:scene3d>
+    <dgm:sp3d/>
+    <dgm:txPr/>
+    <dgm:style>
+      <a:lnRef idx="2">
+        <a:scrgbClr r="0" g="0" b="0"/>
+      </a:lnRef>
+      <a:fillRef idx="1">
+        <a:scrgbClr r="0" g="0" b="0"/>
+      </a:fillRef>
+      <a:effectRef idx="0">
+        <a:scrgbClr r="0" g="0" b="0"/>
+      </a:effectRef>
+      <a:fontRef idx="minor">
+        <a:schemeClr val="lt1"/>
+      </a:fontRef>
+    </dgm:style>
+  </dgm:styleLbl>
+  <dgm:styleLbl name="parChTrans2D3">
+    <dgm:scene3d>
+      <a:camera prst="orthographicFront"/>
+      <a:lightRig rig="threePt" dir="t"/>
+    </dgm:scene3d>
+    <dgm:sp3d/>
+    <dgm:txPr/>
+    <dgm:style>
+      <a:lnRef idx="2">
+        <a:scrgbClr r="0" g="0" b="0"/>
+      </a:lnRef>
+      <a:fillRef idx="1">
+        <a:scrgbClr r="0" g="0" b="0"/>
+      </a:fillRef>
+      <a:effectRef idx="0">
+        <a:scrgbClr r="0" g="0" b="0"/>
+      </a:effectRef>
+      <a:fontRef idx="minor">
+        <a:schemeClr val="lt1"/>
+      </a:fontRef>
+    </dgm:style>
+  </dgm:styleLbl>
+  <dgm:styleLbl name="parChTrans2D4">
+    <dgm:scene3d>
+      <a:camera prst="orthographicFront"/>
+      <a:lightRig rig="threePt" dir="t"/>
+    </dgm:scene3d>
+    <dgm:sp3d/>
+    <dgm:txPr/>
+    <dgm:style>
+      <a:lnRef idx="2">
+        <a:scrgbClr r="0" g="0" b="0"/>
+      </a:lnRef>
+      <a:fillRef idx="1">
+        <a:scrgbClr r="0" g="0" b="0"/>
+      </a:fillRef>
+      <a:effectRef idx="0">
+        <a:scrgbClr r="0" g="0" b="0"/>
+      </a:effectRef>
+      <a:fontRef idx="minor">
+        <a:schemeClr val="lt1"/>
+      </a:fontRef>
+    </dgm:style>
+  </dgm:styleLbl>
+  <dgm:styleLbl name="parChTrans1D1">
+    <dgm:scene3d>
+      <a:camera prst="orthographicFront"/>
+      <a:lightRig rig="threePt" dir="t"/>
+    </dgm:scene3d>
+    <dgm:sp3d/>
+    <dgm:txPr/>
+    <dgm:style>
+      <a:lnRef idx="2">
+        <a:scrgbClr r="0" g="0" b="0"/>
+      </a:lnRef>
+      <a:fillRef idx="0">
+        <a:scrgbClr r="0" g="0" b="0"/>
+      </a:fillRef>
+      <a:effectRef idx="0">
+        <a:scrgbClr r="0" g="0" b="0"/>
+      </a:effectRef>
+      <a:fontRef idx="minor"/>
+    </dgm:style>
+  </dgm:styleLbl>
+  <dgm:styleLbl name="parChTrans1D2">
+    <dgm:scene3d>
+      <a:camera prst="orthographicFront"/>
+      <a:lightRig rig="threePt" dir="t"/>
+    </dgm:scene3d>
+    <dgm:sp3d/>
+    <dgm:txPr/>
+    <dgm:style>
+      <a:lnRef idx="2">
+        <a:scrgbClr r="0" g="0" b="0"/>
+      </a:lnRef>
+      <a:fillRef idx="0">
+        <a:scrgbClr r="0" g="0" b="0"/>
+      </a:fillRef>
+      <a:effectRef idx="0">
+        <a:scrgbClr r="0" g="0" b="0"/>
+      </a:effectRef>
+      <a:fontRef idx="minor"/>
+    </dgm:style>
+  </dgm:styleLbl>
+  <dgm:styleLbl name="parChTrans1D3">
+    <dgm:scene3d>
+      <a:camera prst="orthographicFront"/>
+      <a:lightRig rig="threePt" dir="t"/>
+    </dgm:scene3d>
+    <dgm:sp3d/>
+    <dgm:txPr/>
+    <dgm:style>
+      <a:lnRef idx="2">
+        <a:scrgbClr r="0" g="0" b="0"/>
+      </a:lnRef>
+      <a:fillRef idx="0">
+        <a:scrgbClr r="0" g="0" b="0"/>
+      </a:fillRef>
+      <a:effectRef idx="0">
+        <a:scrgbClr r="0" g="0" b="0"/>
+      </a:effectRef>
+      <a:fontRef idx="minor"/>
+    </dgm:style>
+  </dgm:styleLbl>
+  <dgm:styleLbl name="parChTrans1D4">
+    <dgm:scene3d>
+      <a:camera prst="orthographicFront"/>
+      <a:lightRig rig="threePt" dir="t"/>
+    </dgm:scene3d>
+    <dgm:sp3d/>
+    <dgm:txPr/>
+    <dgm:style>
+      <a:lnRef idx="2">
+        <a:scrgbClr r="0" g="0" b="0"/>
+      </a:lnRef>
+      <a:fillRef idx="0">
+        <a:scrgbClr r="0" g="0" b="0"/>
+      </a:fillRef>
+      <a:effectRef idx="0">
+        <a:scrgbClr r="0" g="0" b="0"/>
+      </a:effectRef>
+      <a:fontRef idx="minor"/>
+    </dgm:style>
+  </dgm:styleLbl>
+  <dgm:styleLbl name="fgAcc1">
+    <dgm:scene3d>
+      <a:camera prst="orthographicFront"/>
+      <a:lightRig rig="threePt" dir="t"/>
+    </dgm:scene3d>
+    <dgm:sp3d/>
+    <dgm:txPr/>
+    <dgm:style>
+      <a:lnRef idx="2">
+        <a:scrgbClr r="0" g="0" b="0"/>
+      </a:lnRef>
+      <a:fillRef idx="1">
+        <a:scrgbClr r="0" g="0" b="0"/>
+      </a:fillRef>
+      <a:effectRef idx="0">
+        <a:scrgbClr r="0" g="0" b="0"/>
+      </a:effectRef>
+      <a:fontRef idx="minor"/>
+    </dgm:style>
+  </dgm:styleLbl>
+  <dgm:styleLbl name="conFgAcc1">
+    <dgm:scene3d>
+      <a:camera prst="orthographicFront"/>
+      <a:lightRig rig="threePt" dir="t"/>
+    </dgm:scene3d>
+    <dgm:sp3d/>
+    <dgm:txPr/>
+    <dgm:style>
+      <a:lnRef idx="2">
+        <a:scrgbClr r="0" g="0" b="0"/>
+      </a:lnRef>
+      <a:fillRef idx="1">
+        <a:scrgbClr r="0" g="0" b="0"/>
+      </a:fillRef>
+      <a:effectRef idx="0">
+        <a:scrgbClr r="0" g="0" b="0"/>
+      </a:effectRef>
+      <a:fontRef idx="minor"/>
+    </dgm:style>
+  </dgm:styleLbl>
+  <dgm:styleLbl name="alignAcc1">
+    <dgm:scene3d>
+      <a:camera prst="orthographicFront"/>
+      <a:lightRig rig="threePt" dir="t"/>
+    </dgm:scene3d>
+    <dgm:sp3d/>
+    <dgm:txPr/>
+    <dgm:style>
+      <a:lnRef idx="2">
+        <a:scrgbClr r="0" g="0" b="0"/>
+      </a:lnRef>
+      <a:fillRef idx="1">
+        <a:scrgbClr r="0" g="0" b="0"/>
+      </a:fillRef>
+      <a:effectRef idx="0">
+        <a:scrgbClr r="0" g="0" b="0"/>
+      </a:effectRef>
+      <a:fontRef idx="minor"/>
+    </dgm:style>
+  </dgm:styleLbl>
+  <dgm:styleLbl name="trAlignAcc1">
+    <dgm:scene3d>
+      <a:camera prst="orthographicFront"/>
+      <a:lightRig rig="threePt" dir="t"/>
+    </dgm:scene3d>
+    <dgm:sp3d/>
+    <dgm:txPr/>
+    <dgm:style>
+      <a:lnRef idx="1">
+        <a:scrgbClr r="0" g="0" b="0"/>
+      </a:lnRef>
+      <a:fillRef idx="1">
+        <a:scrgbClr r="0" g="0" b="0"/>
+      </a:fillRef>
+      <a:effectRef idx="0">
+        <a:scrgbClr r="0" g="0" b="0"/>
+      </a:effectRef>
+      <a:fontRef idx="minor"/>
+    </dgm:style>
+  </dgm:styleLbl>
+  <dgm:styleLbl name="bgAcc1">
+    <dgm:scene3d>
+      <a:camera prst="orthographicFront"/>
+      <a:lightRig rig="threePt" dir="t"/>
+    </dgm:scene3d>
+    <dgm:sp3d/>
+    <dgm:txPr/>
+    <dgm:style>
+      <a:lnRef idx="2">
+        <a:scrgbClr r="0" g="0" b="0"/>
+      </a:lnRef>
+      <a:fillRef idx="1">
+        <a:scrgbClr r="0" g="0" b="0"/>
+      </a:fillRef>
+      <a:effectRef idx="0">
+        <a:scrgbClr r="0" g="0" b="0"/>
+      </a:effectRef>
+      <a:fontRef idx="minor"/>
+    </dgm:style>
+  </dgm:styleLbl>
+  <dgm:styleLbl name="solidFgAcc1">
+    <dgm:scene3d>
+      <a:camera prst="orthographicFront"/>
+      <a:lightRig rig="threePt" dir="t"/>
+    </dgm:scene3d>
+    <dgm:sp3d/>
+    <dgm:txPr/>
+    <dgm:style>
+      <a:lnRef idx="2">
+        <a:scrgbClr r="0" g="0" b="0"/>
+      </a:lnRef>
+      <a:fillRef idx="1">
+        <a:scrgbClr r="0" g="0" b="0"/>
+      </a:fillRef>
+      <a:effectRef idx="0">
+        <a:scrgbClr r="0" g="0" b="0"/>
+      </a:effectRef>
+      <a:fontRef idx="minor"/>
+    </dgm:style>
+  </dgm:styleLbl>
+  <dgm:styleLbl name="solidAlignAcc1">
+    <dgm:scene3d>
+      <a:camera prst="orthographicFront"/>
+      <a:lightRig rig="threePt" dir="t"/>
+    </dgm:scene3d>
+    <dgm:sp3d/>
+    <dgm:txPr/>
+    <dgm:style>
+      <a:lnRef idx="2">
+        <a:scrgbClr r="0" g="0" b="0"/>
+      </a:lnRef>
+      <a:fillRef idx="1">
+        <a:scrgbClr r="0" g="0" b="0"/>
+      </a:fillRef>
+      <a:effectRef idx="0">
+        <a:scrgbClr r="0" g="0" b="0"/>
+      </a:effectRef>
+      <a:fontRef idx="minor"/>
+    </dgm:style>
+  </dgm:styleLbl>
+  <dgm:styleLbl name="solidBgAcc1">
+    <dgm:scene3d>
+      <a:camera prst="orthographicFront"/>
+      <a:lightRig rig="threePt" dir="t"/>
+    </dgm:scene3d>
+    <dgm:sp3d/>
+    <dgm:txPr/>
+    <dgm:style>
+      <a:lnRef idx="2">
+        <a:scrgbClr r="0" g="0" b="0"/>
+      </a:lnRef>
+      <a:fillRef idx="1">
+        <a:scrgbClr r="0" g="0" b="0"/>
+      </a:fillRef>
+      <a:effectRef idx="0">
+        <a:scrgbClr r="0" g="0" b="0"/>
+      </a:effectRef>
+      <a:fontRef idx="minor"/>
+    </dgm:style>
+  </dgm:styleLbl>
+  <dgm:styleLbl name="fgAccFollowNode1">
+    <dgm:scene3d>
+      <a:camera prst="orthographicFront"/>
+      <a:lightRig rig="threePt" dir="t"/>
+    </dgm:scene3d>
+    <dgm:sp3d/>
+    <dgm:txPr/>
+    <dgm:style>
+      <a:lnRef idx="2">
+        <a:scrgbClr r="0" g="0" b="0"/>
+      </a:lnRef>
+      <a:fillRef idx="1">
+        <a:scrgbClr r="0" g="0" b="0"/>
+      </a:fillRef>
+      <a:effectRef idx="0">
+        <a:scrgbClr r="0" g="0" b="0"/>
+      </a:effectRef>
+      <a:fontRef idx="minor"/>
+    </dgm:style>
+  </dgm:styleLbl>
+  <dgm:styleLbl name="alignAccFollowNode1">
+    <dgm:scene3d>
+      <a:camera prst="orthographicFront"/>
+      <a:lightRig rig="threePt" dir="t"/>
+    </dgm:scene3d>
+    <dgm:sp3d/>
+    <dgm:txPr/>
+    <dgm:style>
+      <a:lnRef idx="2">
+        <a:scrgbClr r="0" g="0" b="0"/>
+      </a:lnRef>
+      <a:fillRef idx="1">
+        <a:scrgbClr r="0" g="0" b="0"/>
+      </a:fillRef>
+      <a:effectRef idx="0">
+        <a:scrgbClr r="0" g="0" b="0"/>
+      </a:effectRef>
+      <a:fontRef idx="minor"/>
+    </dgm:style>
+  </dgm:styleLbl>
+  <dgm:styleLbl name="bgAccFollowNode1">
+    <dgm:scene3d>
+      <a:camera prst="orthographicFront"/>
+      <a:lightRig rig="threePt" dir="t"/>
+    </dgm:scene3d>
+    <dgm:sp3d/>
+    <dgm:txPr/>
+    <dgm:style>
+      <a:lnRef idx="2">
+        <a:scrgbClr r="0" g="0" b="0"/>
+      </a:lnRef>
+      <a:fillRef idx="1">
+        <a:scrgbClr r="0" g="0" b="0"/>
+      </a:fillRef>
+      <a:effectRef idx="0">
+        <a:scrgbClr r="0" g="0" b="0"/>
+      </a:effectRef>
+      <a:fontRef idx="minor"/>
+    </dgm:style>
+  </dgm:styleLbl>
+  <dgm:styleLbl name="fgAcc0">
+    <dgm:scene3d>
+      <a:camera prst="orthographicFront"/>
+      <a:lightRig rig="threePt" dir="t"/>
+    </dgm:scene3d>
+    <dgm:sp3d/>
+    <dgm:txPr/>
+    <dgm:style>
+      <a:lnRef idx="2">
+        <a:scrgbClr r="0" g="0" b="0"/>
+      </a:lnRef>
+      <a:fillRef idx="1">
+        <a:scrgbClr r="0" g="0" b="0"/>
+      </a:fillRef>
+      <a:effectRef idx="0">
+        <a:scrgbClr r="0" g="0" b="0"/>
+      </a:effectRef>
+      <a:fontRef idx="minor"/>
+    </dgm:style>
+  </dgm:styleLbl>
+  <dgm:styleLbl name="fgAcc2">
+    <dgm:scene3d>
+      <a:camera prst="orthographicFront"/>
+      <a:lightRig rig="threePt" dir="t"/>
+    </dgm:scene3d>
+    <dgm:sp3d/>
+    <dgm:txPr/>
+    <dgm:style>
+      <a:lnRef idx="2">
+        <a:scrgbClr r="0" g="0" b="0"/>
+      </a:lnRef>
+      <a:fillRef idx="1">
+        <a:scrgbClr r="0" g="0" b="0"/>
+      </a:fillRef>
+      <a:effectRef idx="0">
+        <a:scrgbClr r="0" g="0" b="0"/>
+      </a:effectRef>
+      <a:fontRef idx="minor"/>
+    </dgm:style>
+  </dgm:styleLbl>
+  <dgm:styleLbl name="fgAcc3">
+    <dgm:scene3d>
+      <a:camera prst="orthographicFront"/>
+      <a:lightRig rig="threePt" dir="t"/>
+    </dgm:scene3d>
+    <dgm:sp3d/>
+    <dgm:txPr/>
+    <dgm:style>
+      <a:lnRef idx="2">
+        <a:scrgbClr r="0" g="0" b="0"/>
+      </a:lnRef>
+      <a:fillRef idx="1">
+        <a:scrgbClr r="0" g="0" b="0"/>
+      </a:fillRef>
+      <a:effectRef idx="0">
+        <a:scrgbClr r="0" g="0" b="0"/>
+      </a:effectRef>
+      <a:fontRef idx="minor"/>
+    </dgm:style>
+  </dgm:styleLbl>
+  <dgm:styleLbl name="fgAcc4">
+    <dgm:scene3d>
+      <a:camera prst="orthographicFront"/>
+      <a:lightRig rig="threePt" dir="t"/>
+    </dgm:scene3d>
+    <dgm:sp3d/>
+    <dgm:txPr/>
+    <dgm:style>
+      <a:lnRef idx="2">
+        <a:scrgbClr r="0" g="0" b="0"/>
+      </a:lnRef>
+      <a:fillRef idx="1">
+        <a:scrgbClr r="0" g="0" b="0"/>
+      </a:fillRef>
+      <a:effectRef idx="0">
+        <a:scrgbClr r="0" g="0" b="0"/>
+      </a:effectRef>
+      <a:fontRef idx="minor"/>
+    </dgm:style>
+  </dgm:styleLbl>
+  <dgm:styleLbl name="bgShp">
+    <dgm:scene3d>
+      <a:camera prst="orthographicFront"/>
+      <a:lightRig rig="threePt" dir="t"/>
+    </dgm:scene3d>
+    <dgm:sp3d/>
+    <dgm:txPr/>
+    <dgm:style>
+      <a:lnRef idx="0">
+        <a:scrgbClr r="0" g="0" b="0"/>
+      </a:lnRef>
+      <a:fillRef idx="1">
+        <a:scrgbClr r="0" g="0" b="0"/>
+      </a:fillRef>
+      <a:effectRef idx="0">
+        <a:scrgbClr r="0" g="0" b="0"/>
+      </a:effectRef>
+      <a:fontRef idx="minor"/>
+    </dgm:style>
+  </dgm:styleLbl>
+  <dgm:styleLbl name="dkBgShp">
+    <dgm:scene3d>
+      <a:camera prst="orthographicFront"/>
+      <a:lightRig rig="threePt" dir="t"/>
+    </dgm:scene3d>
+    <dgm:sp3d/>
+    <dgm:txPr/>
+    <dgm:style>
+      <a:lnRef idx="0">
+        <a:scrgbClr r="0" g="0" b="0"/>
+      </a:lnRef>
+      <a:fillRef idx="1">
+        <a:scrgbClr r="0" g="0" b="0"/>
+      </a:fillRef>
+      <a:effectRef idx="0">
+        <a:scrgbClr r="0" g="0" b="0"/>
+      </a:effectRef>
+      <a:fontRef idx="minor"/>
+    </dgm:style>
+  </dgm:styleLbl>
+  <dgm:styleLbl name="trBgShp">
+    <dgm:scene3d>
+      <a:camera prst="orthographicFront"/>
+      <a:lightRig rig="threePt" dir="t"/>
+    </dgm:scene3d>
+    <dgm:sp3d/>
+    <dgm:txPr/>
+    <dgm:style>
+      <a:lnRef idx="0">
+        <a:scrgbClr r="0" g="0" b="0"/>
+      </a:lnRef>
+      <a:fillRef idx="1">
+        <a:scrgbClr r="0" g="0" b="0"/>
+      </a:fillRef>
+      <a:effectRef idx="0">
+        <a:scrgbClr r="0" g="0" b="0"/>
+      </a:effectRef>
+      <a:fontRef idx="minor"/>
+    </dgm:style>
+  </dgm:styleLbl>
+  <dgm:styleLbl name="fgShp">
+    <dgm:scene3d>
+      <a:camera prst="orthographicFront"/>
+      <a:lightRig rig="threePt" dir="t"/>
+    </dgm:scene3d>
+    <dgm:sp3d/>
+    <dgm:txPr/>
+    <dgm:style>
+      <a:lnRef idx="2">
+        <a:scrgbClr r="0" g="0" b="0"/>
+      </a:lnRef>
+      <a:fillRef idx="1">
+        <a:scrgbClr r="0" g="0" b="0"/>
+      </a:fillRef>
+      <a:effectRef idx="0">
+        <a:scrgbClr r="0" g="0" b="0"/>
+      </a:effectRef>
+      <a:fontRef idx="minor"/>
+    </dgm:style>
+  </dgm:styleLbl>
+  <dgm:styleLbl name="revTx">
+    <dgm:scene3d>
+      <a:camera prst="orthographicFront"/>
+      <a:lightRig rig="threePt" dir="t"/>
+    </dgm:scene3d>
+    <dgm:sp3d/>
+    <dgm:txPr/>
+    <dgm:style>
+      <a:lnRef idx="0">
+        <a:scrgbClr r="0" g="0" b="0"/>
+      </a:lnRef>
+      <a:fillRef idx="0">
+        <a:scrgbClr r="0" g="0" b="0"/>
+      </a:fillRef>
+      <a:effectRef idx="0">
+        <a:scrgbClr r="0" g="0" b="0"/>
+      </a:effectRef>
+      <a:fontRef idx="minor"/>
+    </dgm:style>
+  </dgm:styleLbl>
+</dgm:styleDef>
 </file>
 
 <file path=ppt/ink/ink1.xml><?xml version="1.0" encoding="utf-8"?>
@@ -6522,7 +7338,7 @@
           <a:p>
             <a:fld id="{7A04854A-5F0F-4A05-8D1F-32E1E9A1E1DE}" type="datetimeFigureOut">
               <a:rPr lang="de-DE" smtClean="0"/>
-              <a:t>14.05.2019</a:t>
+              <a:t>15.05.2019</a:t>
             </a:fld>
             <a:endParaRPr lang="de-DE"/>
           </a:p>
@@ -7038,7 +7854,7 @@
               <a:t> </a:t>
             </a:r>
             <a:r>
-              <a:rPr lang="de-DE" err="1"/>
+              <a:rPr lang="de-DE" dirty="0" err="1"/>
               <a:t>data</a:t>
             </a:r>
             <a:endParaRPr lang="de-DE" dirty="0"/>
@@ -7312,141 +8128,7 @@
           <a:bodyPr/>
           <a:lstStyle/>
           <a:p>
-            <a:r>
-              <a:rPr lang="de-DE"/>
-              <a:t>Can </a:t>
-            </a:r>
-            <a:r>
-              <a:rPr lang="de-DE" err="1"/>
-              <a:t>we</a:t>
-            </a:r>
-            <a:r>
-              <a:rPr lang="de-DE"/>
-              <a:t> </a:t>
-            </a:r>
-            <a:r>
-              <a:rPr lang="de-DE" err="1"/>
-              <a:t>describe</a:t>
-            </a:r>
-            <a:r>
-              <a:rPr lang="de-DE"/>
-              <a:t> </a:t>
-            </a:r>
-            <a:r>
-              <a:rPr lang="de-DE" err="1"/>
-              <a:t>groups</a:t>
-            </a:r>
-            <a:r>
-              <a:rPr lang="de-DE"/>
-              <a:t> </a:t>
-            </a:r>
-            <a:r>
-              <a:rPr lang="de-DE" err="1"/>
-              <a:t>with</a:t>
-            </a:r>
-            <a:r>
-              <a:rPr lang="de-DE"/>
-              <a:t> a high </a:t>
-            </a:r>
-            <a:r>
-              <a:rPr lang="de-DE" err="1"/>
-              <a:t>correlation</a:t>
-            </a:r>
-            <a:r>
-              <a:rPr lang="de-DE"/>
-              <a:t> </a:t>
-            </a:r>
-            <a:r>
-              <a:rPr lang="de-DE" err="1"/>
-              <a:t>between</a:t>
-            </a:r>
-            <a:r>
-              <a:rPr lang="de-DE"/>
-              <a:t> CNA and </a:t>
-            </a:r>
-            <a:r>
-              <a:rPr lang="de-DE" err="1"/>
-              <a:t>expression</a:t>
-            </a:r>
-            <a:r>
-              <a:rPr lang="de-DE"/>
-              <a:t> </a:t>
-            </a:r>
-            <a:r>
-              <a:rPr lang="de-DE" err="1"/>
-              <a:t>values</a:t>
-            </a:r>
-            <a:r>
-              <a:rPr lang="de-DE"/>
-              <a:t> </a:t>
-            </a:r>
-            <a:r>
-              <a:rPr lang="de-DE" err="1"/>
-              <a:t>using</a:t>
-            </a:r>
-            <a:r>
-              <a:rPr lang="de-DE"/>
-              <a:t> a k-</a:t>
-            </a:r>
-            <a:r>
-              <a:rPr lang="de-DE" err="1"/>
-              <a:t>means</a:t>
-            </a:r>
-            <a:r>
-              <a:rPr lang="de-DE"/>
-              <a:t> </a:t>
-            </a:r>
-            <a:r>
-              <a:rPr lang="de-DE" err="1"/>
-              <a:t>cluster</a:t>
-            </a:r>
-            <a:r>
-              <a:rPr lang="de-DE"/>
-              <a:t>, </a:t>
-            </a:r>
-            <a:r>
-              <a:rPr lang="de-DE" err="1"/>
-              <a:t>identifying</a:t>
-            </a:r>
-            <a:r>
-              <a:rPr lang="de-DE"/>
-              <a:t> so </a:t>
-            </a:r>
-            <a:r>
-              <a:rPr lang="de-DE" err="1"/>
-              <a:t>called</a:t>
-            </a:r>
-            <a:r>
-              <a:rPr lang="de-DE"/>
-              <a:t> </a:t>
-            </a:r>
-            <a:r>
-              <a:rPr lang="de-DE" err="1"/>
-              <a:t>gens</a:t>
-            </a:r>
-            <a:r>
-              <a:rPr lang="de-DE"/>
-              <a:t> </a:t>
-            </a:r>
-            <a:r>
-              <a:rPr lang="de-DE" err="1"/>
-              <a:t>of</a:t>
-            </a:r>
-            <a:r>
-              <a:rPr lang="de-DE"/>
-              <a:t> </a:t>
-            </a:r>
-            <a:r>
-              <a:rPr lang="de-DE" err="1"/>
-              <a:t>interest</a:t>
-            </a:r>
-            <a:r>
-              <a:rPr lang="de-DE"/>
-              <a:t> (Gene A)</a:t>
-            </a:r>
-          </a:p>
-          <a:p>
-            <a:endParaRPr lang="de-DE" b="1">
+            <a:endParaRPr lang="de-DE" b="0" dirty="0">
               <a:cs typeface="Calibri"/>
             </a:endParaRPr>
           </a:p>
@@ -7478,7 +8160,7 @@
     </p:spTree>
     <p:extLst>
       <p:ext uri="{BB962C8B-B14F-4D97-AF65-F5344CB8AC3E}">
-        <p14:creationId xmlns:p14="http://schemas.microsoft.com/office/powerpoint/2010/main" val="4017162200"/>
+        <p14:creationId xmlns:p14="http://schemas.microsoft.com/office/powerpoint/2010/main" val="873259315"/>
       </p:ext>
     </p:extLst>
   </p:cSld>
@@ -7533,10 +8215,16 @@
           <a:lstStyle/>
           <a:p>
             <a:r>
+              <a:rPr lang="en-US" dirty="0">
+                <a:cs typeface="Calibri"/>
+              </a:rPr>
+              <a:t>SL/SDL partner </a:t>
+            </a:r>
+            <a:r>
               <a:rPr lang="en-US" dirty="0" err="1">
                 <a:cs typeface="Calibri"/>
               </a:rPr>
-              <a:t>Nachdem</a:t>
+              <a:t>gefunden</a:t>
             </a:r>
             <a:r>
               <a:rPr lang="en-US" dirty="0">
@@ -7545,10 +8233,35 @@
               <a:t> </a:t>
             </a:r>
             <a:r>
+              <a:rPr lang="en-US" dirty="0">
+                <a:cs typeface="Calibri"/>
+                <a:sym typeface="Wingdings" panose="05000000000000000000" pitchFamily="2" charset="2"/>
+              </a:rPr>
+              <a:t> </a:t>
+            </a:r>
+            <a:r>
+              <a:rPr lang="en-US" b="1" dirty="0">
+                <a:cs typeface="Calibri"/>
+              </a:rPr>
+              <a:t>knockdown probability</a:t>
+            </a:r>
+            <a:r>
+              <a:rPr lang="en-US" b="0" dirty="0">
+                <a:cs typeface="Calibri"/>
+              </a:rPr>
+              <a:t>, um </a:t>
+            </a:r>
+            <a:r>
+              <a:rPr lang="en-US" dirty="0">
+                <a:cs typeface="Calibri"/>
+              </a:rPr>
+              <a:t>auf die </a:t>
+            </a:r>
+            <a:r>
               <a:rPr lang="en-US" dirty="0" err="1">
                 <a:cs typeface="Calibri"/>
               </a:rPr>
-              <a:t>wir</a:t>
+              <a:t>Signifikanz</a:t>
             </a:r>
             <a:r>
               <a:rPr lang="en-US" dirty="0">
@@ -7560,19 +8273,7 @@
               <a:rPr lang="en-US" dirty="0" err="1">
                 <a:cs typeface="Calibri"/>
               </a:rPr>
-              <a:t>unsere</a:t>
-            </a:r>
-            <a:r>
-              <a:rPr lang="en-US" dirty="0">
-                <a:cs typeface="Calibri"/>
-              </a:rPr>
-              <a:t> SL/SDL partner </a:t>
-            </a:r>
-            <a:r>
-              <a:rPr lang="en-US" dirty="0" err="1">
-                <a:cs typeface="Calibri"/>
-              </a:rPr>
-              <a:t>gefunden</a:t>
+              <a:t>zu</a:t>
             </a:r>
             <a:r>
               <a:rPr lang="en-US" dirty="0">
@@ -7584,50 +8285,11 @@
               <a:rPr lang="en-US" dirty="0" err="1">
                 <a:cs typeface="Calibri"/>
               </a:rPr>
-              <a:t>haben</a:t>
-            </a:r>
-            <a:r>
-              <a:rPr lang="en-US" dirty="0">
-                <a:cs typeface="Calibri"/>
-              </a:rPr>
-              <a:t> </a:t>
-            </a:r>
-            <a:r>
-              <a:rPr lang="en-US" dirty="0" err="1">
-                <a:cs typeface="Calibri"/>
-              </a:rPr>
-              <a:t>schauen</a:t>
-            </a:r>
-            <a:r>
-              <a:rPr lang="en-US" dirty="0">
-                <a:cs typeface="Calibri"/>
-              </a:rPr>
-              <a:t> </a:t>
-            </a:r>
-            <a:r>
-              <a:rPr lang="en-US" dirty="0" err="1">
-                <a:cs typeface="Calibri"/>
-              </a:rPr>
-              <a:t>wir</a:t>
-            </a:r>
-            <a:r>
-              <a:rPr lang="en-US" dirty="0">
-                <a:cs typeface="Calibri"/>
-              </a:rPr>
-              <a:t> </a:t>
-            </a:r>
-            <a:r>
-              <a:rPr lang="en-US" dirty="0" err="1">
-                <a:cs typeface="Calibri"/>
-              </a:rPr>
-              <a:t>unsere</a:t>
-            </a:r>
-            <a:r>
-              <a:rPr lang="en-US" dirty="0">
-                <a:cs typeface="Calibri"/>
-              </a:rPr>
-              <a:t>  </a:t>
-            </a:r>
+              <a:t>schließen</a:t>
+            </a:r>
+            <a:endParaRPr lang="en-US" dirty="0">
+              <a:cs typeface="Calibri"/>
+            </a:endParaRPr>
           </a:p>
           <a:p>
             <a:endParaRPr lang="en-US" dirty="0">
@@ -7636,25 +8298,130 @@
           </a:p>
           <a:p>
             <a:r>
-              <a:rPr lang="en-US" dirty="0">
-                <a:cs typeface="Calibri"/>
-              </a:rPr>
-              <a:t>Wilcoxon Rank Sum Test</a:t>
+              <a:rPr lang="de-DE" dirty="0" err="1"/>
+              <a:t>SoF</a:t>
+            </a:r>
+            <a:r>
+              <a:rPr lang="de-DE" dirty="0"/>
+              <a:t>:		- </a:t>
+            </a:r>
+            <a:r>
+              <a:rPr lang="de-DE" dirty="0" err="1"/>
+              <a:t>Wilcoxon</a:t>
+            </a:r>
+            <a:r>
+              <a:rPr lang="de-DE" dirty="0"/>
+              <a:t> Rank Sum </a:t>
+            </a:r>
+            <a:r>
+              <a:rPr lang="de-DE" dirty="0" err="1"/>
+              <a:t>test</a:t>
+            </a:r>
+            <a:r>
+              <a:rPr lang="de-DE" dirty="0"/>
+              <a:t> von CNA Werten</a:t>
             </a:r>
           </a:p>
           <a:p>
             <a:r>
-              <a:rPr lang="en-US" dirty="0" err="1">
-                <a:cs typeface="Calibri"/>
-              </a:rPr>
+              <a:rPr lang="de-DE" dirty="0"/>
+              <a:t>		- Wenn A inaktiv kann B nicht auch inaktiv sein, da Zelle sonst stirbt</a:t>
+            </a:r>
+          </a:p>
+          <a:p>
+            <a:r>
+              <a:rPr lang="de-DE" dirty="0" err="1"/>
+              <a:t>Functional</a:t>
+            </a:r>
+            <a:r>
+              <a:rPr lang="de-DE" dirty="0"/>
+              <a:t> </a:t>
+            </a:r>
+            <a:r>
+              <a:rPr lang="de-DE" dirty="0" err="1"/>
+              <a:t>examination</a:t>
+            </a:r>
+            <a:r>
+              <a:rPr lang="de-DE" dirty="0"/>
+              <a:t>:	- Knockdown für Gen B wird letal (wird höher) wenn Gen A inaktiv ist</a:t>
+            </a:r>
+          </a:p>
+          <a:p>
+            <a:r>
+              <a:rPr lang="de-DE" dirty="0"/>
+              <a:t>		- </a:t>
+            </a:r>
+            <a:r>
+              <a:rPr lang="de-DE" dirty="0" err="1"/>
+              <a:t>Wilcoxon</a:t>
+            </a:r>
+            <a:r>
+              <a:rPr lang="de-DE" dirty="0"/>
+              <a:t> Rank Sum </a:t>
+            </a:r>
+            <a:r>
+              <a:rPr lang="de-DE" dirty="0" err="1"/>
+              <a:t>test</a:t>
+            </a:r>
+            <a:r>
+              <a:rPr lang="de-DE" dirty="0"/>
+              <a:t> von knockdown Werten</a:t>
+            </a:r>
+          </a:p>
+          <a:p>
+            <a:r>
+              <a:rPr lang="de-DE" dirty="0" err="1"/>
+              <a:t>Pairwise</a:t>
+            </a:r>
+            <a:r>
+              <a:rPr lang="de-DE" dirty="0"/>
+              <a:t> </a:t>
+            </a:r>
+            <a:r>
+              <a:rPr lang="de-DE" dirty="0" err="1"/>
+              <a:t>gene</a:t>
+            </a:r>
+            <a:r>
+              <a:rPr lang="de-DE" dirty="0"/>
+              <a:t> </a:t>
+            </a:r>
+            <a:r>
+              <a:rPr lang="de-DE" dirty="0" err="1"/>
+              <a:t>co</a:t>
+            </a:r>
+            <a:r>
+              <a:rPr lang="de-DE" dirty="0"/>
+              <a:t>-expression:	- </a:t>
+            </a:r>
+            <a:r>
+              <a:rPr lang="de-DE" dirty="0" err="1"/>
               <a:t>Spearmann</a:t>
             </a:r>
             <a:r>
-              <a:rPr lang="en-US" dirty="0">
-                <a:cs typeface="Calibri"/>
-              </a:rPr>
-              <a:t> Correlation</a:t>
-            </a:r>
+              <a:rPr lang="de-DE" dirty="0"/>
+              <a:t> </a:t>
+            </a:r>
+            <a:r>
+              <a:rPr lang="de-DE" dirty="0" err="1"/>
+              <a:t>Correlation</a:t>
+            </a:r>
+            <a:r>
+              <a:rPr lang="de-DE" dirty="0"/>
+              <a:t> von </a:t>
+            </a:r>
+            <a:r>
+              <a:rPr lang="de-DE" dirty="0" err="1"/>
+              <a:t>expression</a:t>
+            </a:r>
+            <a:r>
+              <a:rPr lang="de-DE" dirty="0"/>
+              <a:t> </a:t>
+            </a:r>
+            <a:r>
+              <a:rPr lang="de-DE" dirty="0" err="1"/>
+              <a:t>data</a:t>
+            </a:r>
+            <a:endParaRPr lang="de-DE" dirty="0"/>
           </a:p>
         </p:txBody>
       </p:sp>
@@ -8569,7 +9336,7 @@
           <a:p>
             <a:fld id="{7AD4A124-43A9-4BFD-AB04-000A3280E8AD}" type="datetimeFigureOut">
               <a:rPr lang="de-DE" smtClean="0"/>
-              <a:t>14.05.2019</a:t>
+              <a:t>15.05.2019</a:t>
             </a:fld>
             <a:endParaRPr lang="de-DE"/>
           </a:p>
@@ -8820,7 +9587,7 @@
           <a:p>
             <a:fld id="{7AD4A124-43A9-4BFD-AB04-000A3280E8AD}" type="datetimeFigureOut">
               <a:rPr lang="de-DE" smtClean="0"/>
-              <a:t>14.05.2019</a:t>
+              <a:t>15.05.2019</a:t>
             </a:fld>
             <a:endParaRPr lang="de-DE"/>
           </a:p>
@@ -9134,7 +9901,7 @@
           <a:p>
             <a:fld id="{7AD4A124-43A9-4BFD-AB04-000A3280E8AD}" type="datetimeFigureOut">
               <a:rPr lang="de-DE" smtClean="0"/>
-              <a:t>14.05.2019</a:t>
+              <a:t>15.05.2019</a:t>
             </a:fld>
             <a:endParaRPr lang="de-DE"/>
           </a:p>
@@ -9467,7 +10234,7 @@
           <a:p>
             <a:fld id="{7AD4A124-43A9-4BFD-AB04-000A3280E8AD}" type="datetimeFigureOut">
               <a:rPr lang="de-DE" smtClean="0"/>
-              <a:t>14.05.2019</a:t>
+              <a:t>15.05.2019</a:t>
             </a:fld>
             <a:endParaRPr lang="de-DE"/>
           </a:p>
@@ -9781,7 +10548,7 @@
           <a:p>
             <a:fld id="{7AD4A124-43A9-4BFD-AB04-000A3280E8AD}" type="datetimeFigureOut">
               <a:rPr lang="de-DE" smtClean="0"/>
-              <a:t>14.05.2019</a:t>
+              <a:t>15.05.2019</a:t>
             </a:fld>
             <a:endParaRPr lang="de-DE"/>
           </a:p>
@@ -10174,7 +10941,7 @@
           <a:p>
             <a:fld id="{7AD4A124-43A9-4BFD-AB04-000A3280E8AD}" type="datetimeFigureOut">
               <a:rPr lang="de-DE" smtClean="0"/>
-              <a:t>14.05.2019</a:t>
+              <a:t>15.05.2019</a:t>
             </a:fld>
             <a:endParaRPr lang="de-DE"/>
           </a:p>
@@ -10344,7 +11111,7 @@
           <a:p>
             <a:fld id="{7AD4A124-43A9-4BFD-AB04-000A3280E8AD}" type="datetimeFigureOut">
               <a:rPr lang="de-DE" smtClean="0"/>
-              <a:t>14.05.2019</a:t>
+              <a:t>15.05.2019</a:t>
             </a:fld>
             <a:endParaRPr lang="de-DE"/>
           </a:p>
@@ -10524,7 +11291,7 @@
           <a:p>
             <a:fld id="{7AD4A124-43A9-4BFD-AB04-000A3280E8AD}" type="datetimeFigureOut">
               <a:rPr lang="de-DE" smtClean="0"/>
-              <a:t>14.05.2019</a:t>
+              <a:t>15.05.2019</a:t>
             </a:fld>
             <a:endParaRPr lang="de-DE"/>
           </a:p>
@@ -10694,7 +11461,7 @@
           <a:p>
             <a:fld id="{7AD4A124-43A9-4BFD-AB04-000A3280E8AD}" type="datetimeFigureOut">
               <a:rPr lang="de-DE" smtClean="0"/>
-              <a:t>14.05.2019</a:t>
+              <a:t>15.05.2019</a:t>
             </a:fld>
             <a:endParaRPr lang="de-DE"/>
           </a:p>
@@ -10941,7 +11708,7 @@
           <a:p>
             <a:fld id="{7AD4A124-43A9-4BFD-AB04-000A3280E8AD}" type="datetimeFigureOut">
               <a:rPr lang="de-DE" smtClean="0"/>
-              <a:t>14.05.2019</a:t>
+              <a:t>15.05.2019</a:t>
             </a:fld>
             <a:endParaRPr lang="de-DE"/>
           </a:p>
@@ -11173,7 +11940,7 @@
           <a:p>
             <a:fld id="{7AD4A124-43A9-4BFD-AB04-000A3280E8AD}" type="datetimeFigureOut">
               <a:rPr lang="de-DE" smtClean="0"/>
-              <a:t>14.05.2019</a:t>
+              <a:t>15.05.2019</a:t>
             </a:fld>
             <a:endParaRPr lang="de-DE"/>
           </a:p>
@@ -11547,7 +12314,7 @@
           <a:p>
             <a:fld id="{7AD4A124-43A9-4BFD-AB04-000A3280E8AD}" type="datetimeFigureOut">
               <a:rPr lang="de-DE" smtClean="0"/>
-              <a:t>14.05.2019</a:t>
+              <a:t>15.05.2019</a:t>
             </a:fld>
             <a:endParaRPr lang="de-DE"/>
           </a:p>
@@ -11670,7 +12437,7 @@
           <a:p>
             <a:fld id="{7AD4A124-43A9-4BFD-AB04-000A3280E8AD}" type="datetimeFigureOut">
               <a:rPr lang="de-DE" smtClean="0"/>
-              <a:t>14.05.2019</a:t>
+              <a:t>15.05.2019</a:t>
             </a:fld>
             <a:endParaRPr lang="de-DE"/>
           </a:p>
@@ -11765,7 +12532,7 @@
           <a:p>
             <a:fld id="{7AD4A124-43A9-4BFD-AB04-000A3280E8AD}" type="datetimeFigureOut">
               <a:rPr lang="de-DE" smtClean="0"/>
-              <a:t>14.05.2019</a:t>
+              <a:t>15.05.2019</a:t>
             </a:fld>
             <a:endParaRPr lang="de-DE"/>
           </a:p>
@@ -12020,7 +12787,7 @@
           <a:p>
             <a:fld id="{7AD4A124-43A9-4BFD-AB04-000A3280E8AD}" type="datetimeFigureOut">
               <a:rPr lang="de-DE" smtClean="0"/>
-              <a:t>14.05.2019</a:t>
+              <a:t>15.05.2019</a:t>
             </a:fld>
             <a:endParaRPr lang="de-DE"/>
           </a:p>
@@ -12325,7 +13092,7 @@
           <a:p>
             <a:fld id="{7AD4A124-43A9-4BFD-AB04-000A3280E8AD}" type="datetimeFigureOut">
               <a:rPr lang="de-DE" smtClean="0"/>
-              <a:t>14.05.2019</a:t>
+              <a:t>15.05.2019</a:t>
             </a:fld>
             <a:endParaRPr lang="de-DE"/>
           </a:p>
@@ -13027,7 +13794,7 @@
           <a:p>
             <a:fld id="{7AD4A124-43A9-4BFD-AB04-000A3280E8AD}" type="datetimeFigureOut">
               <a:rPr lang="de-DE" smtClean="0"/>
-              <a:t>14.05.2019</a:t>
+              <a:t>15.05.2019</a:t>
             </a:fld>
             <a:endParaRPr lang="de-DE"/>
           </a:p>
@@ -13813,8 +14580,8 @@
         </p:nvSpPr>
         <p:spPr>
           <a:xfrm>
-            <a:off x="634924" y="3131318"/>
-            <a:ext cx="8596668" cy="2748742"/>
+            <a:off x="1338599" y="2967097"/>
+            <a:ext cx="5671874" cy="492086"/>
           </a:xfrm>
         </p:spPr>
         <p:txBody>
@@ -13825,169 +14592,17 @@
           <a:p>
             <a:pPr marL="285750" indent="-285750"/>
             <a:r>
-              <a:rPr lang="de-DE" sz="2000" dirty="0">
+              <a:rPr lang="en-GB" sz="2000" dirty="0">
                 <a:latin typeface="Gill Sans MT" panose="020B0502020104020203" pitchFamily="34" charset="0"/>
                 <a:ea typeface="+mn-lt"/>
                 <a:cs typeface="+mn-lt"/>
               </a:rPr>
-              <a:t>Multiple Lineare Regression</a:t>
+              <a:t>Multiple Linear Regression</a:t>
             </a:r>
           </a:p>
           <a:p>
-            <a:pPr marL="685800" lvl="1"/>
-            <a:r>
-              <a:rPr lang="de-DE" sz="2000" dirty="0" err="1">
-                <a:latin typeface="Gill Sans MT" panose="020B0502020104020203" pitchFamily="34" charset="0"/>
-                <a:ea typeface="+mn-lt"/>
-                <a:cs typeface="+mn-lt"/>
-              </a:rPr>
-              <a:t>Examine</a:t>
-            </a:r>
-            <a:r>
-              <a:rPr lang="de-DE" sz="2000" dirty="0">
-                <a:latin typeface="Gill Sans MT" panose="020B0502020104020203" pitchFamily="34" charset="0"/>
-                <a:ea typeface="+mn-lt"/>
-                <a:cs typeface="+mn-lt"/>
-              </a:rPr>
-              <a:t> </a:t>
-            </a:r>
-            <a:r>
-              <a:rPr lang="de-DE" sz="2000" dirty="0" err="1">
-                <a:latin typeface="Gill Sans MT" panose="020B0502020104020203" pitchFamily="34" charset="0"/>
-                <a:ea typeface="+mn-lt"/>
-                <a:cs typeface="+mn-lt"/>
-              </a:rPr>
-              <a:t>correlation</a:t>
-            </a:r>
-            <a:r>
-              <a:rPr lang="de-DE" sz="2000" dirty="0">
-                <a:latin typeface="Gill Sans MT" panose="020B0502020104020203" pitchFamily="34" charset="0"/>
-                <a:ea typeface="+mn-lt"/>
-                <a:cs typeface="+mn-lt"/>
-              </a:rPr>
-              <a:t> </a:t>
-            </a:r>
-            <a:r>
-              <a:rPr lang="de-DE" sz="2000" dirty="0" err="1">
-                <a:latin typeface="Gill Sans MT" panose="020B0502020104020203" pitchFamily="34" charset="0"/>
-                <a:ea typeface="+mn-lt"/>
-                <a:cs typeface="+mn-lt"/>
-              </a:rPr>
-              <a:t>between</a:t>
-            </a:r>
-            <a:r>
-              <a:rPr lang="de-DE" sz="2000" dirty="0">
-                <a:latin typeface="Gill Sans MT" panose="020B0502020104020203" pitchFamily="34" charset="0"/>
-                <a:ea typeface="+mn-lt"/>
-                <a:cs typeface="+mn-lt"/>
-              </a:rPr>
-              <a:t> variables</a:t>
-            </a:r>
-            <a:endParaRPr lang="en-US" sz="2000" dirty="0">
-              <a:latin typeface="Gill Sans MT" panose="020B0502020104020203" pitchFamily="34" charset="0"/>
-              <a:ea typeface="+mn-lt"/>
-              <a:cs typeface="+mn-lt"/>
-            </a:endParaRPr>
-          </a:p>
-          <a:p>
-            <a:pPr marL="685800" lvl="1"/>
-            <a:r>
-              <a:rPr lang="de-DE" sz="2000" dirty="0" err="1">
-                <a:latin typeface="Gill Sans MT" panose="020B0502020104020203" pitchFamily="34" charset="0"/>
-                <a:ea typeface="+mn-lt"/>
-                <a:cs typeface="+mn-lt"/>
-              </a:rPr>
-              <a:t>Estimating</a:t>
-            </a:r>
-            <a:r>
-              <a:rPr lang="de-DE" sz="2000" dirty="0">
-                <a:latin typeface="Gill Sans MT" panose="020B0502020104020203" pitchFamily="34" charset="0"/>
-                <a:ea typeface="+mn-lt"/>
-                <a:cs typeface="+mn-lt"/>
-              </a:rPr>
-              <a:t> </a:t>
-            </a:r>
-            <a:r>
-              <a:rPr lang="de-DE" sz="2000" dirty="0" err="1">
-                <a:latin typeface="Gill Sans MT" panose="020B0502020104020203" pitchFamily="34" charset="0"/>
-                <a:ea typeface="+mn-lt"/>
-                <a:cs typeface="+mn-lt"/>
-              </a:rPr>
-              <a:t>regression</a:t>
-            </a:r>
-            <a:r>
-              <a:rPr lang="de-DE" sz="2000" dirty="0">
-                <a:latin typeface="Gill Sans MT" panose="020B0502020104020203" pitchFamily="34" charset="0"/>
-                <a:ea typeface="+mn-lt"/>
-                <a:cs typeface="+mn-lt"/>
-              </a:rPr>
-              <a:t> </a:t>
-            </a:r>
-            <a:r>
-              <a:rPr lang="de-DE" sz="2000" dirty="0" err="1">
-                <a:latin typeface="Gill Sans MT" panose="020B0502020104020203" pitchFamily="34" charset="0"/>
-                <a:ea typeface="+mn-lt"/>
-                <a:cs typeface="+mn-lt"/>
-              </a:rPr>
-              <a:t>model</a:t>
-            </a:r>
-            <a:endParaRPr lang="de-DE" sz="2000" dirty="0">
-              <a:latin typeface="Gill Sans MT" panose="020B0502020104020203" pitchFamily="34" charset="0"/>
-              <a:ea typeface="+mn-lt"/>
-              <a:cs typeface="+mn-lt"/>
-            </a:endParaRPr>
-          </a:p>
-          <a:p>
-            <a:pPr marL="685800" lvl="1"/>
-            <a:r>
-              <a:rPr lang="de-DE" sz="2000" dirty="0" err="1">
-                <a:latin typeface="Gill Sans MT" panose="020B0502020104020203" pitchFamily="34" charset="0"/>
-                <a:ea typeface="+mn-lt"/>
-                <a:cs typeface="+mn-lt"/>
-              </a:rPr>
-              <a:t>Evaluating</a:t>
-            </a:r>
-            <a:r>
-              <a:rPr lang="de-DE" sz="2000" dirty="0">
-                <a:latin typeface="Gill Sans MT" panose="020B0502020104020203" pitchFamily="34" charset="0"/>
-                <a:ea typeface="+mn-lt"/>
-                <a:cs typeface="+mn-lt"/>
-              </a:rPr>
-              <a:t> </a:t>
-            </a:r>
-            <a:r>
-              <a:rPr lang="de-DE" sz="2000" dirty="0" err="1">
-                <a:latin typeface="Gill Sans MT" panose="020B0502020104020203" pitchFamily="34" charset="0"/>
-                <a:ea typeface="+mn-lt"/>
-                <a:cs typeface="+mn-lt"/>
-              </a:rPr>
-              <a:t>validity</a:t>
-            </a:r>
-            <a:r>
-              <a:rPr lang="de-DE" sz="2000" dirty="0">
-                <a:latin typeface="Gill Sans MT" panose="020B0502020104020203" pitchFamily="34" charset="0"/>
-                <a:ea typeface="+mn-lt"/>
-                <a:cs typeface="+mn-lt"/>
-              </a:rPr>
-              <a:t> and </a:t>
-            </a:r>
-            <a:r>
-              <a:rPr lang="de-DE" sz="2000" dirty="0" err="1">
-                <a:latin typeface="Gill Sans MT" panose="020B0502020104020203" pitchFamily="34" charset="0"/>
-                <a:ea typeface="+mn-lt"/>
-                <a:cs typeface="+mn-lt"/>
-              </a:rPr>
-              <a:t>usefullness</a:t>
-            </a:r>
-            <a:endParaRPr lang="en-US" sz="2000" dirty="0">
-              <a:latin typeface="Gill Sans MT" panose="020B0502020104020203" pitchFamily="34" charset="0"/>
-              <a:ea typeface="+mn-lt"/>
-              <a:cs typeface="+mn-lt"/>
-            </a:endParaRPr>
-          </a:p>
-          <a:p>
-            <a:pPr marL="685800" lvl="1"/>
-            <a:endParaRPr lang="de-DE" sz="2000" dirty="0">
+            <a:pPr marL="285750" indent="-285750"/>
+            <a:endParaRPr lang="en-GB" sz="2000" dirty="0">
               <a:latin typeface="Gill Sans MT" panose="020B0502020104020203" pitchFamily="34" charset="0"/>
               <a:ea typeface="+mn-lt"/>
               <a:cs typeface="+mn-lt"/>
@@ -13995,51 +14610,10 @@
           </a:p>
           <a:p>
             <a:pPr marL="285750" indent="-285750"/>
-            <a:r>
-              <a:rPr lang="de-DE" sz="2000" dirty="0" err="1">
-                <a:latin typeface="Gill Sans MT" panose="020B0502020104020203" pitchFamily="34" charset="0"/>
-                <a:ea typeface="+mn-lt"/>
-                <a:cs typeface="+mn-lt"/>
-              </a:rPr>
-              <a:t>Compare</a:t>
-            </a:r>
-            <a:r>
-              <a:rPr lang="de-DE" sz="2000" dirty="0">
-                <a:latin typeface="Gill Sans MT" panose="020B0502020104020203" pitchFamily="34" charset="0"/>
-                <a:ea typeface="+mn-lt"/>
-                <a:cs typeface="+mn-lt"/>
-              </a:rPr>
-              <a:t> different </a:t>
-            </a:r>
-            <a:r>
-              <a:rPr lang="de-DE" sz="2000" dirty="0" err="1">
-                <a:latin typeface="Gill Sans MT" panose="020B0502020104020203" pitchFamily="34" charset="0"/>
-                <a:ea typeface="+mn-lt"/>
-                <a:cs typeface="+mn-lt"/>
-              </a:rPr>
-              <a:t>models</a:t>
-            </a:r>
-            <a:endParaRPr lang="de-DE" sz="2000" dirty="0">
+            <a:endParaRPr lang="en-GB" sz="2000" dirty="0">
               <a:latin typeface="Gill Sans MT" panose="020B0502020104020203" pitchFamily="34" charset="0"/>
               <a:ea typeface="+mn-lt"/>
               <a:cs typeface="+mn-lt"/>
-            </a:endParaRPr>
-          </a:p>
-          <a:p>
-            <a:pPr marL="285750" indent="-285750"/>
-            <a:endParaRPr lang="de-DE" sz="2000" dirty="0">
-              <a:latin typeface="Gill Sans MT" panose="020B0502020104020203" pitchFamily="34" charset="0"/>
-              <a:ea typeface="+mn-lt"/>
-              <a:cs typeface="+mn-lt"/>
-            </a:endParaRPr>
-          </a:p>
-          <a:p>
-            <a:pPr marL="685800" lvl="1"/>
-            <a:endParaRPr lang="de-DE" sz="2000" dirty="0">
-              <a:latin typeface="Gill Sans MT" panose="020B0502020104020203" pitchFamily="34" charset="0"/>
-              <a:ea typeface="+mn-lt"/>
-              <a:cs typeface="+mn-lt"/>
-              <a:sym typeface="Wingdings" panose="05000000000000000000" pitchFamily="2" charset="2"/>
             </a:endParaRPr>
           </a:p>
         </p:txBody>
@@ -14178,44 +14752,11 @@
                 <a:buNone/>
               </a:pPr>
               <a:r>
-                <a:rPr lang="de-DE" sz="2200" kern="1200" dirty="0">
+                <a:rPr lang="en-GB" sz="2200" kern="1200">
                   <a:latin typeface="Gill Sans MT"/>
                 </a:rPr>
-                <a:t>Data </a:t>
+                <a:t>Data Cleanup &amp; Descriptive Statistics</a:t>
               </a:r>
-              <a:r>
-                <a:rPr lang="de-DE" sz="2200" kern="1200" dirty="0" err="1">
-                  <a:latin typeface="Gill Sans MT"/>
-                </a:rPr>
-                <a:t>Cleanup</a:t>
-              </a:r>
-              <a:r>
-                <a:rPr lang="de-DE" sz="2200" kern="1200" dirty="0">
-                  <a:latin typeface="Gill Sans MT"/>
-                </a:rPr>
-                <a:t> &amp; </a:t>
-              </a:r>
-              <a:r>
-                <a:rPr lang="de-DE" sz="2200" kern="1200" dirty="0" err="1">
-                  <a:latin typeface="Gill Sans MT"/>
-                </a:rPr>
-                <a:t>Descriptive</a:t>
-              </a:r>
-              <a:r>
-                <a:rPr lang="de-DE" sz="2200" kern="1200" dirty="0">
-                  <a:latin typeface="Gill Sans MT"/>
-                </a:rPr>
-                <a:t> </a:t>
-              </a:r>
-              <a:r>
-                <a:rPr lang="de-DE" sz="2200" kern="1200" dirty="0" err="1">
-                  <a:latin typeface="Gill Sans MT"/>
-                </a:rPr>
-                <a:t>Statistics</a:t>
-              </a:r>
-              <a:endParaRPr lang="de-DE" sz="2200" kern="1200" dirty="0">
-                <a:latin typeface="Gill Sans MT"/>
-              </a:endParaRPr>
             </a:p>
           </p:txBody>
         </p:sp>
@@ -14354,24 +14895,12 @@
                 <a:buNone/>
               </a:pPr>
               <a:r>
-                <a:rPr lang="de-DE" sz="2200" kern="1200" dirty="0" err="1">
+                <a:rPr lang="en-GB" sz="2200" kern="1200">
                   <a:latin typeface="Gill Sans MT"/>
                 </a:rPr>
-                <a:t>Identify</a:t>
+                <a:t>Identify genes of interest</a:t>
               </a:r>
-              <a:r>
-                <a:rPr lang="de-DE" sz="2200" kern="1200" dirty="0">
-                  <a:latin typeface="Gill Sans MT"/>
-                </a:rPr>
-                <a:t> genes of </a:t>
-              </a:r>
-              <a:r>
-                <a:rPr lang="de-DE" sz="2200" kern="1200" dirty="0" err="1">
-                  <a:latin typeface="Gill Sans MT"/>
-                </a:rPr>
-                <a:t>interest</a:t>
-              </a:r>
-              <a:endParaRPr lang="de-DE" sz="2200" kern="1200" dirty="0">
+              <a:endParaRPr lang="en-GB" sz="2200" kern="1200">
                 <a:latin typeface="Gill Sans MT" panose="020B0502020104020203" pitchFamily="34" charset="0"/>
               </a:endParaRPr>
             </a:p>
@@ -14512,20 +15041,11 @@
                 <a:buNone/>
               </a:pPr>
               <a:r>
-                <a:rPr lang="de-DE" sz="2200" kern="1200" dirty="0">
+                <a:rPr lang="en-GB" sz="2200" kern="1200">
                   <a:latin typeface="Gill Sans MT"/>
                 </a:rPr>
-                <a:t>Find SL/SDL </a:t>
+                <a:t>Find SL/SDL partner</a:t>
               </a:r>
-              <a:r>
-                <a:rPr lang="de-DE" sz="2200" kern="1200" dirty="0" err="1">
-                  <a:latin typeface="Gill Sans MT"/>
-                </a:rPr>
-                <a:t>partner</a:t>
-              </a:r>
-              <a:endParaRPr lang="de-DE" sz="2200" kern="1200" dirty="0">
-                <a:latin typeface="Gill Sans MT"/>
-              </a:endParaRPr>
             </a:p>
           </p:txBody>
         </p:sp>
@@ -14657,20 +15177,11 @@
                 <a:buNone/>
               </a:pPr>
               <a:r>
-                <a:rPr lang="de-DE" sz="2200" kern="1200" dirty="0">
+                <a:rPr lang="en-GB" sz="2200" kern="1200">
                   <a:latin typeface="Gill Sans MT"/>
                 </a:rPr>
-                <a:t>Mutation </a:t>
+                <a:t>Mutation Prediction</a:t>
               </a:r>
-              <a:r>
-                <a:rPr lang="de-DE" sz="2200" kern="1200" dirty="0" err="1">
-                  <a:latin typeface="Gill Sans MT"/>
-                </a:rPr>
-                <a:t>Prediction</a:t>
-              </a:r>
-              <a:endParaRPr lang="de-DE" sz="2200" kern="1200" dirty="0">
-                <a:latin typeface="Gill Sans MT"/>
-              </a:endParaRPr>
             </a:p>
           </p:txBody>
         </p:sp>
@@ -14807,6 +15318,317 @@
           </a:p>
         </p:txBody>
       </p:sp>
+      <p:graphicFrame>
+        <p:nvGraphicFramePr>
+          <p:cNvPr id="19" name="Diagramm 18">
+            <a:extLst>
+              <a:ext uri="{FF2B5EF4-FFF2-40B4-BE49-F238E27FC236}">
+                <a16:creationId xmlns:a16="http://schemas.microsoft.com/office/drawing/2014/main" id="{2416E5F6-411F-45F0-92E4-2DCC36A7BD49}"/>
+              </a:ext>
+            </a:extLst>
+          </p:cNvPr>
+          <p:cNvGraphicFramePr/>
+          <p:nvPr>
+            <p:extLst>
+              <p:ext uri="{D42A27DB-BD31-4B8C-83A1-F6EECF244321}">
+                <p14:modId xmlns:p14="http://schemas.microsoft.com/office/powerpoint/2010/main" val="965089243"/>
+              </p:ext>
+            </p:extLst>
+          </p:nvPr>
+        </p:nvGraphicFramePr>
+        <p:xfrm>
+          <a:off x="1892080" y="3585761"/>
+          <a:ext cx="8139024" cy="876328"/>
+        </p:xfrm>
+        <a:graphic>
+          <a:graphicData uri="http://schemas.openxmlformats.org/drawingml/2006/diagram">
+            <dgm:relIds xmlns:dgm="http://schemas.openxmlformats.org/drawingml/2006/diagram" xmlns:r="http://schemas.openxmlformats.org/officeDocument/2006/relationships" r:dm="rId4" r:lo="rId5" r:qs="rId6" r:cs="rId7"/>
+          </a:graphicData>
+        </a:graphic>
+      </p:graphicFrame>
+      <p:sp>
+        <p:nvSpPr>
+          <p:cNvPr id="21" name="Content Placeholder 2">
+            <a:extLst>
+              <a:ext uri="{FF2B5EF4-FFF2-40B4-BE49-F238E27FC236}">
+                <a16:creationId xmlns:a16="http://schemas.microsoft.com/office/drawing/2014/main" id="{80E8317C-FE6F-4911-8613-6718D046F7AB}"/>
+              </a:ext>
+            </a:extLst>
+          </p:cNvPr>
+          <p:cNvSpPr txBox="1">
+            <a:spLocks/>
+          </p:cNvSpPr>
+          <p:nvPr/>
+        </p:nvSpPr>
+        <p:spPr>
+          <a:xfrm>
+            <a:off x="1338599" y="5090007"/>
+            <a:ext cx="5671874" cy="492086"/>
+          </a:xfrm>
+          <a:prstGeom prst="rect">
+            <a:avLst/>
+          </a:prstGeom>
+        </p:spPr>
+        <p:txBody>
+          <a:bodyPr vert="horz" lIns="91440" tIns="45720" rIns="91440" bIns="45720" rtlCol="0" anchor="t">
+            <a:noAutofit/>
+          </a:bodyPr>
+          <a:lstStyle>
+            <a:lvl1pPr marL="342900" indent="-342900" algn="l" defTabSz="457200" rtl="0" eaLnBrk="1" latinLnBrk="0" hangingPunct="1">
+              <a:spcBef>
+                <a:spcPts val="1000"/>
+              </a:spcBef>
+              <a:spcAft>
+                <a:spcPts val="0"/>
+              </a:spcAft>
+              <a:buClr>
+                <a:schemeClr val="accent1"/>
+              </a:buClr>
+              <a:buSzPct val="80000"/>
+              <a:buFont typeface="Wingdings 3" charset="2"/>
+              <a:buChar char=""/>
+              <a:defRPr sz="1800" kern="1200">
+                <a:solidFill>
+                  <a:schemeClr val="tx1">
+                    <a:lumMod val="75000"/>
+                    <a:lumOff val="25000"/>
+                  </a:schemeClr>
+                </a:solidFill>
+                <a:latin typeface="+mn-lt"/>
+                <a:ea typeface="+mn-ea"/>
+                <a:cs typeface="+mn-cs"/>
+              </a:defRPr>
+            </a:lvl1pPr>
+            <a:lvl2pPr marL="742950" indent="-285750" algn="l" defTabSz="457200" rtl="0" eaLnBrk="1" latinLnBrk="0" hangingPunct="1">
+              <a:spcBef>
+                <a:spcPts val="1000"/>
+              </a:spcBef>
+              <a:spcAft>
+                <a:spcPts val="0"/>
+              </a:spcAft>
+              <a:buClr>
+                <a:schemeClr val="accent1"/>
+              </a:buClr>
+              <a:buSzPct val="80000"/>
+              <a:buFont typeface="Wingdings 3" charset="2"/>
+              <a:buChar char=""/>
+              <a:defRPr sz="1600" kern="1200">
+                <a:solidFill>
+                  <a:schemeClr val="tx1">
+                    <a:lumMod val="75000"/>
+                    <a:lumOff val="25000"/>
+                  </a:schemeClr>
+                </a:solidFill>
+                <a:latin typeface="+mn-lt"/>
+                <a:ea typeface="+mn-ea"/>
+                <a:cs typeface="+mn-cs"/>
+              </a:defRPr>
+            </a:lvl2pPr>
+            <a:lvl3pPr marL="1143000" indent="-228600" algn="l" defTabSz="457200" rtl="0" eaLnBrk="1" latinLnBrk="0" hangingPunct="1">
+              <a:spcBef>
+                <a:spcPts val="1000"/>
+              </a:spcBef>
+              <a:spcAft>
+                <a:spcPts val="0"/>
+              </a:spcAft>
+              <a:buClr>
+                <a:schemeClr val="accent1"/>
+              </a:buClr>
+              <a:buSzPct val="80000"/>
+              <a:buFont typeface="Wingdings 3" charset="2"/>
+              <a:buChar char=""/>
+              <a:defRPr sz="1400" kern="1200">
+                <a:solidFill>
+                  <a:schemeClr val="tx1">
+                    <a:lumMod val="75000"/>
+                    <a:lumOff val="25000"/>
+                  </a:schemeClr>
+                </a:solidFill>
+                <a:latin typeface="+mn-lt"/>
+                <a:ea typeface="+mn-ea"/>
+                <a:cs typeface="+mn-cs"/>
+              </a:defRPr>
+            </a:lvl3pPr>
+            <a:lvl4pPr marL="1600200" indent="-228600" algn="l" defTabSz="457200" rtl="0" eaLnBrk="1" latinLnBrk="0" hangingPunct="1">
+              <a:spcBef>
+                <a:spcPts val="1000"/>
+              </a:spcBef>
+              <a:spcAft>
+                <a:spcPts val="0"/>
+              </a:spcAft>
+              <a:buClr>
+                <a:schemeClr val="accent1"/>
+              </a:buClr>
+              <a:buSzPct val="80000"/>
+              <a:buFont typeface="Wingdings 3" charset="2"/>
+              <a:buChar char=""/>
+              <a:defRPr sz="1200" kern="1200">
+                <a:solidFill>
+                  <a:schemeClr val="tx1">
+                    <a:lumMod val="75000"/>
+                    <a:lumOff val="25000"/>
+                  </a:schemeClr>
+                </a:solidFill>
+                <a:latin typeface="+mn-lt"/>
+                <a:ea typeface="+mn-ea"/>
+                <a:cs typeface="+mn-cs"/>
+              </a:defRPr>
+            </a:lvl4pPr>
+            <a:lvl5pPr marL="2057400" indent="-228600" algn="l" defTabSz="457200" rtl="0" eaLnBrk="1" latinLnBrk="0" hangingPunct="1">
+              <a:spcBef>
+                <a:spcPts val="1000"/>
+              </a:spcBef>
+              <a:spcAft>
+                <a:spcPts val="0"/>
+              </a:spcAft>
+              <a:buClr>
+                <a:schemeClr val="accent1"/>
+              </a:buClr>
+              <a:buSzPct val="80000"/>
+              <a:buFont typeface="Wingdings 3" charset="2"/>
+              <a:buChar char=""/>
+              <a:defRPr sz="1200" kern="1200">
+                <a:solidFill>
+                  <a:schemeClr val="tx1">
+                    <a:lumMod val="75000"/>
+                    <a:lumOff val="25000"/>
+                  </a:schemeClr>
+                </a:solidFill>
+                <a:latin typeface="+mn-lt"/>
+                <a:ea typeface="+mn-ea"/>
+                <a:cs typeface="+mn-cs"/>
+              </a:defRPr>
+            </a:lvl5pPr>
+            <a:lvl6pPr marL="2514600" indent="-228600" algn="l" defTabSz="457200" rtl="0" eaLnBrk="1" latinLnBrk="0" hangingPunct="1">
+              <a:spcBef>
+                <a:spcPts val="1000"/>
+              </a:spcBef>
+              <a:spcAft>
+                <a:spcPts val="0"/>
+              </a:spcAft>
+              <a:buClr>
+                <a:schemeClr val="accent1"/>
+              </a:buClr>
+              <a:buSzPct val="80000"/>
+              <a:buFont typeface="Wingdings 3" charset="2"/>
+              <a:buChar char=""/>
+              <a:defRPr sz="1200" kern="1200">
+                <a:solidFill>
+                  <a:schemeClr val="tx1">
+                    <a:lumMod val="75000"/>
+                    <a:lumOff val="25000"/>
+                  </a:schemeClr>
+                </a:solidFill>
+                <a:latin typeface="+mn-lt"/>
+                <a:ea typeface="+mn-ea"/>
+                <a:cs typeface="+mn-cs"/>
+              </a:defRPr>
+            </a:lvl6pPr>
+            <a:lvl7pPr marL="2971800" indent="-228600" algn="l" defTabSz="457200" rtl="0" eaLnBrk="1" latinLnBrk="0" hangingPunct="1">
+              <a:spcBef>
+                <a:spcPts val="1000"/>
+              </a:spcBef>
+              <a:spcAft>
+                <a:spcPts val="0"/>
+              </a:spcAft>
+              <a:buClr>
+                <a:schemeClr val="accent1"/>
+              </a:buClr>
+              <a:buSzPct val="80000"/>
+              <a:buFont typeface="Wingdings 3" charset="2"/>
+              <a:buChar char=""/>
+              <a:defRPr sz="1200" kern="1200">
+                <a:solidFill>
+                  <a:schemeClr val="tx1">
+                    <a:lumMod val="75000"/>
+                    <a:lumOff val="25000"/>
+                  </a:schemeClr>
+                </a:solidFill>
+                <a:latin typeface="+mn-lt"/>
+                <a:ea typeface="+mn-ea"/>
+                <a:cs typeface="+mn-cs"/>
+              </a:defRPr>
+            </a:lvl7pPr>
+            <a:lvl8pPr marL="3429000" indent="-228600" algn="l" defTabSz="457200" rtl="0" eaLnBrk="1" latinLnBrk="0" hangingPunct="1">
+              <a:spcBef>
+                <a:spcPts val="1000"/>
+              </a:spcBef>
+              <a:spcAft>
+                <a:spcPts val="0"/>
+              </a:spcAft>
+              <a:buClr>
+                <a:schemeClr val="accent1"/>
+              </a:buClr>
+              <a:buSzPct val="80000"/>
+              <a:buFont typeface="Wingdings 3" charset="2"/>
+              <a:buChar char=""/>
+              <a:defRPr sz="1200" kern="1200">
+                <a:solidFill>
+                  <a:schemeClr val="tx1">
+                    <a:lumMod val="75000"/>
+                    <a:lumOff val="25000"/>
+                  </a:schemeClr>
+                </a:solidFill>
+                <a:latin typeface="+mn-lt"/>
+                <a:ea typeface="+mn-ea"/>
+                <a:cs typeface="+mn-cs"/>
+              </a:defRPr>
+            </a:lvl8pPr>
+            <a:lvl9pPr marL="3886200" indent="-228600" algn="l" defTabSz="457200" rtl="0" eaLnBrk="1" latinLnBrk="0" hangingPunct="1">
+              <a:spcBef>
+                <a:spcPts val="1000"/>
+              </a:spcBef>
+              <a:spcAft>
+                <a:spcPts val="0"/>
+              </a:spcAft>
+              <a:buClr>
+                <a:schemeClr val="accent1"/>
+              </a:buClr>
+              <a:buSzPct val="80000"/>
+              <a:buFont typeface="Wingdings 3" charset="2"/>
+              <a:buChar char=""/>
+              <a:defRPr sz="1200" kern="1200">
+                <a:solidFill>
+                  <a:schemeClr val="tx1">
+                    <a:lumMod val="75000"/>
+                    <a:lumOff val="25000"/>
+                  </a:schemeClr>
+                </a:solidFill>
+                <a:latin typeface="+mn-lt"/>
+                <a:ea typeface="+mn-ea"/>
+                <a:cs typeface="+mn-cs"/>
+              </a:defRPr>
+            </a:lvl9pPr>
+          </a:lstStyle>
+          <a:p>
+            <a:pPr marL="285750" indent="-285750"/>
+            <a:r>
+              <a:rPr lang="en-GB" sz="2000" dirty="0">
+                <a:latin typeface="Gill Sans MT" panose="020B0502020104020203" pitchFamily="34" charset="0"/>
+                <a:ea typeface="+mn-lt"/>
+                <a:cs typeface="+mn-lt"/>
+              </a:rPr>
+              <a:t>Compare different models</a:t>
+            </a:r>
+          </a:p>
+          <a:p>
+            <a:pPr marL="285750" indent="-285750"/>
+            <a:endParaRPr lang="en-GB" sz="2000" dirty="0">
+              <a:latin typeface="Gill Sans MT" panose="020B0502020104020203" pitchFamily="34" charset="0"/>
+              <a:ea typeface="+mn-lt"/>
+              <a:cs typeface="+mn-lt"/>
+            </a:endParaRPr>
+          </a:p>
+          <a:p>
+            <a:pPr marL="285750" indent="-285750"/>
+            <a:endParaRPr lang="en-GB" sz="2000" dirty="0">
+              <a:latin typeface="Gill Sans MT" panose="020B0502020104020203" pitchFamily="34" charset="0"/>
+              <a:ea typeface="+mn-lt"/>
+              <a:cs typeface="+mn-lt"/>
+            </a:endParaRPr>
+          </a:p>
+        </p:txBody>
+      </p:sp>
     </p:spTree>
     <p:extLst>
       <p:ext uri="{BB962C8B-B14F-4D97-AF65-F5344CB8AC3E}">
@@ -14819,7 +15641,7 @@
   </p:clrMapOvr>
   <mc:AlternateContent xmlns:mc="http://schemas.openxmlformats.org/markup-compatibility/2006" xmlns:p159="http://schemas.microsoft.com/office/powerpoint/2015/09/main">
     <mc:Choice Requires="p159">
-      <p:transition xmlns:p14="http://schemas.microsoft.com/office/powerpoint/2010/main" spd="slow" p14:dur="2000">
+      <p:transition xmlns:p14="http://schemas.microsoft.com/office/powerpoint/2010/main" spd="slow" p14:dur="1500">
         <p159:morph option="byObject"/>
       </p:transition>
     </mc:Choice>
@@ -14912,72 +15734,10 @@
                                           </p:stCondLst>
                                         </p:cTn>
                                         <p:tgtEl>
-                                          <p:spTgt spid="3">
-                                            <p:txEl>
-                                              <p:pRg st="1" end="1"/>
-                                            </p:txEl>
-                                          </p:spTgt>
-                                        </p:tgtEl>
-                                        <p:attrNameLst>
-                                          <p:attrName>style.visibility</p:attrName>
-                                        </p:attrNameLst>
-                                      </p:cBhvr>
-                                      <p:to>
-                                        <p:strVal val="visible"/>
-                                      </p:to>
-                                    </p:set>
-                                  </p:childTnLst>
-                                </p:cTn>
-                              </p:par>
-                              <p:par>
-                                <p:cTn id="11" presetID="1" presetClass="entr" presetSubtype="0" fill="hold" grpId="0" nodeType="withEffect">
-                                  <p:stCondLst>
-                                    <p:cond delay="0"/>
-                                  </p:stCondLst>
-                                  <p:childTnLst>
-                                    <p:set>
-                                      <p:cBhvr>
-                                        <p:cTn id="12" dur="1" fill="hold">
-                                          <p:stCondLst>
-                                            <p:cond delay="0"/>
-                                          </p:stCondLst>
-                                        </p:cTn>
-                                        <p:tgtEl>
-                                          <p:spTgt spid="3">
-                                            <p:txEl>
-                                              <p:pRg st="2" end="2"/>
-                                            </p:txEl>
-                                          </p:spTgt>
-                                        </p:tgtEl>
-                                        <p:attrNameLst>
-                                          <p:attrName>style.visibility</p:attrName>
-                                        </p:attrNameLst>
-                                      </p:cBhvr>
-                                      <p:to>
-                                        <p:strVal val="visible"/>
-                                      </p:to>
-                                    </p:set>
-                                  </p:childTnLst>
-                                </p:cTn>
-                              </p:par>
-                              <p:par>
-                                <p:cTn id="13" presetID="1" presetClass="entr" presetSubtype="0" fill="hold" grpId="0" nodeType="withEffect">
-                                  <p:stCondLst>
-                                    <p:cond delay="0"/>
-                                  </p:stCondLst>
-                                  <p:childTnLst>
-                                    <p:set>
-                                      <p:cBhvr>
-                                        <p:cTn id="14" dur="1" fill="hold">
-                                          <p:stCondLst>
-                                            <p:cond delay="0"/>
-                                          </p:stCondLst>
-                                        </p:cTn>
-                                        <p:tgtEl>
-                                          <p:spTgt spid="3">
-                                            <p:txEl>
-                                              <p:pRg st="3" end="3"/>
-                                            </p:txEl>
+                                          <p:spTgt spid="19">
+                                            <p:graphicEl>
+                                              <a:dgm id="{A7614D06-9363-4372-BDAA-1F86EB7E2341}"/>
+                                            </p:graphicEl>
                                           </p:spTgt>
                                         </p:tgtEl>
                                         <p:attrNameLst>
@@ -14998,34 +15758,194 @@
                     </p:cTn>
                   </p:par>
                   <p:par>
-                    <p:cTn id="15" fill="hold">
+                    <p:cTn id="11" fill="hold">
                       <p:stCondLst>
                         <p:cond delay="indefinite"/>
                       </p:stCondLst>
                       <p:childTnLst>
                         <p:par>
-                          <p:cTn id="16" fill="hold">
+                          <p:cTn id="12" fill="hold">
                             <p:stCondLst>
                               <p:cond delay="0"/>
                             </p:stCondLst>
                             <p:childTnLst>
                               <p:par>
-                                <p:cTn id="17" presetID="1" presetClass="entr" presetSubtype="0" fill="hold" grpId="0" nodeType="clickEffect">
+                                <p:cTn id="13" presetID="1" presetClass="entr" presetSubtype="0" fill="hold" grpId="0" nodeType="clickEffect">
                                   <p:stCondLst>
                                     <p:cond delay="0"/>
                                   </p:stCondLst>
                                   <p:childTnLst>
                                     <p:set>
                                       <p:cBhvr>
-                                        <p:cTn id="18" dur="1" fill="hold">
+                                        <p:cTn id="14" dur="1" fill="hold">
                                           <p:stCondLst>
                                             <p:cond delay="0"/>
                                           </p:stCondLst>
                                         </p:cTn>
                                         <p:tgtEl>
-                                          <p:spTgt spid="3">
+                                          <p:spTgt spid="19">
+                                            <p:graphicEl>
+                                              <a:dgm id="{569F7B44-B864-405E-8089-B2F6CBBEDFD5}"/>
+                                            </p:graphicEl>
+                                          </p:spTgt>
+                                        </p:tgtEl>
+                                        <p:attrNameLst>
+                                          <p:attrName>style.visibility</p:attrName>
+                                        </p:attrNameLst>
+                                      </p:cBhvr>
+                                      <p:to>
+                                        <p:strVal val="visible"/>
+                                      </p:to>
+                                    </p:set>
+                                  </p:childTnLst>
+                                </p:cTn>
+                              </p:par>
+                              <p:par>
+                                <p:cTn id="15" presetID="1" presetClass="entr" presetSubtype="0" fill="hold" grpId="0" nodeType="withEffect">
+                                  <p:stCondLst>
+                                    <p:cond delay="0"/>
+                                  </p:stCondLst>
+                                  <p:childTnLst>
+                                    <p:set>
+                                      <p:cBhvr>
+                                        <p:cTn id="16" dur="1" fill="hold">
+                                          <p:stCondLst>
+                                            <p:cond delay="0"/>
+                                          </p:stCondLst>
+                                        </p:cTn>
+                                        <p:tgtEl>
+                                          <p:spTgt spid="19">
+                                            <p:graphicEl>
+                                              <a:dgm id="{4E37F832-B9CC-440F-AF5A-4AE84BA8EC88}"/>
+                                            </p:graphicEl>
+                                          </p:spTgt>
+                                        </p:tgtEl>
+                                        <p:attrNameLst>
+                                          <p:attrName>style.visibility</p:attrName>
+                                        </p:attrNameLst>
+                                      </p:cBhvr>
+                                      <p:to>
+                                        <p:strVal val="visible"/>
+                                      </p:to>
+                                    </p:set>
+                                  </p:childTnLst>
+                                </p:cTn>
+                              </p:par>
+                            </p:childTnLst>
+                          </p:cTn>
+                        </p:par>
+                      </p:childTnLst>
+                    </p:cTn>
+                  </p:par>
+                  <p:par>
+                    <p:cTn id="17" fill="hold">
+                      <p:stCondLst>
+                        <p:cond delay="indefinite"/>
+                      </p:stCondLst>
+                      <p:childTnLst>
+                        <p:par>
+                          <p:cTn id="18" fill="hold">
+                            <p:stCondLst>
+                              <p:cond delay="0"/>
+                            </p:stCondLst>
+                            <p:childTnLst>
+                              <p:par>
+                                <p:cTn id="19" presetID="1" presetClass="entr" presetSubtype="0" fill="hold" grpId="0" nodeType="clickEffect">
+                                  <p:stCondLst>
+                                    <p:cond delay="0"/>
+                                  </p:stCondLst>
+                                  <p:childTnLst>
+                                    <p:set>
+                                      <p:cBhvr>
+                                        <p:cTn id="20" dur="1" fill="hold">
+                                          <p:stCondLst>
+                                            <p:cond delay="0"/>
+                                          </p:stCondLst>
+                                        </p:cTn>
+                                        <p:tgtEl>
+                                          <p:spTgt spid="19">
+                                            <p:graphicEl>
+                                              <a:dgm id="{C8DC6736-9B33-4562-8977-0B500610E016}"/>
+                                            </p:graphicEl>
+                                          </p:spTgt>
+                                        </p:tgtEl>
+                                        <p:attrNameLst>
+                                          <p:attrName>style.visibility</p:attrName>
+                                        </p:attrNameLst>
+                                      </p:cBhvr>
+                                      <p:to>
+                                        <p:strVal val="visible"/>
+                                      </p:to>
+                                    </p:set>
+                                  </p:childTnLst>
+                                </p:cTn>
+                              </p:par>
+                              <p:par>
+                                <p:cTn id="21" presetID="1" presetClass="entr" presetSubtype="0" fill="hold" grpId="0" nodeType="withEffect">
+                                  <p:stCondLst>
+                                    <p:cond delay="0"/>
+                                  </p:stCondLst>
+                                  <p:childTnLst>
+                                    <p:set>
+                                      <p:cBhvr>
+                                        <p:cTn id="22" dur="1" fill="hold">
+                                          <p:stCondLst>
+                                            <p:cond delay="0"/>
+                                          </p:stCondLst>
+                                        </p:cTn>
+                                        <p:tgtEl>
+                                          <p:spTgt spid="19">
+                                            <p:graphicEl>
+                                              <a:dgm id="{069E33E8-21EE-451F-83B2-394258ED9234}"/>
+                                            </p:graphicEl>
+                                          </p:spTgt>
+                                        </p:tgtEl>
+                                        <p:attrNameLst>
+                                          <p:attrName>style.visibility</p:attrName>
+                                        </p:attrNameLst>
+                                      </p:cBhvr>
+                                      <p:to>
+                                        <p:strVal val="visible"/>
+                                      </p:to>
+                                    </p:set>
+                                  </p:childTnLst>
+                                </p:cTn>
+                              </p:par>
+                            </p:childTnLst>
+                          </p:cTn>
+                        </p:par>
+                      </p:childTnLst>
+                    </p:cTn>
+                  </p:par>
+                  <p:par>
+                    <p:cTn id="23" fill="hold">
+                      <p:stCondLst>
+                        <p:cond delay="indefinite"/>
+                      </p:stCondLst>
+                      <p:childTnLst>
+                        <p:par>
+                          <p:cTn id="24" fill="hold">
+                            <p:stCondLst>
+                              <p:cond delay="0"/>
+                            </p:stCondLst>
+                            <p:childTnLst>
+                              <p:par>
+                                <p:cTn id="25" presetID="1" presetClass="entr" presetSubtype="0" fill="hold" grpId="0" nodeType="clickEffect">
+                                  <p:stCondLst>
+                                    <p:cond delay="0"/>
+                                  </p:stCondLst>
+                                  <p:childTnLst>
+                                    <p:set>
+                                      <p:cBhvr>
+                                        <p:cTn id="26" dur="1" fill="hold">
+                                          <p:stCondLst>
+                                            <p:cond delay="0"/>
+                                          </p:stCondLst>
+                                        </p:cTn>
+                                        <p:tgtEl>
+                                          <p:spTgt spid="21">
                                             <p:txEl>
-                                              <p:pRg st="5" end="5"/>
+                                              <p:pRg st="0" end="0"/>
                                             </p:txEl>
                                           </p:spTgt>
                                         </p:tgtEl>
@@ -15069,8 +15989,156 @@
     </p:tnLst>
     <p:bldLst>
       <p:bldP spid="3" grpId="0" uiExpand="1" build="allAtOnce"/>
+      <p:bldGraphic spid="19" grpId="0" uiExpand="1">
+        <p:bldSub>
+          <a:bldDgm bld="one"/>
+        </p:bldSub>
+      </p:bldGraphic>
+      <p:bldP spid="21" grpId="0" uiExpand="1" build="allAtOnce"/>
     </p:bldLst>
   </p:timing>
+</p:sld>
+</file>
+
+<file path=ppt/slides/slide11.xml><?xml version="1.0" encoding="utf-8"?>
+<p:sld xmlns:a="http://schemas.openxmlformats.org/drawingml/2006/main" xmlns:r="http://schemas.openxmlformats.org/officeDocument/2006/relationships" xmlns:p="http://schemas.openxmlformats.org/presentationml/2006/main">
+  <p:cSld>
+    <p:bg>
+      <p:bgPr>
+        <a:blipFill>
+          <a:blip r:embed="rId2"/>
+          <a:stretch>
+            <a:fillRect t="-17000" b="-17000"/>
+          </a:stretch>
+        </a:blipFill>
+        <a:effectLst/>
+      </p:bgPr>
+    </p:bg>
+    <p:spTree>
+      <p:nvGrpSpPr>
+        <p:cNvPr id="1" name=""/>
+        <p:cNvGrpSpPr/>
+        <p:nvPr/>
+      </p:nvGrpSpPr>
+      <p:grpSpPr>
+        <a:xfrm>
+          <a:off x="0" y="0"/>
+          <a:ext cx="0" cy="0"/>
+          <a:chOff x="0" y="0"/>
+          <a:chExt cx="0" cy="0"/>
+        </a:xfrm>
+      </p:grpSpPr>
+      <p:sp>
+        <p:nvSpPr>
+          <p:cNvPr id="3" name="Untertitel 2">
+            <a:extLst>
+              <a:ext uri="{FF2B5EF4-FFF2-40B4-BE49-F238E27FC236}">
+                <a16:creationId xmlns:a16="http://schemas.microsoft.com/office/drawing/2014/main" id="{81862294-C6C8-4267-9EC4-FCE207C21611}"/>
+              </a:ext>
+            </a:extLst>
+          </p:cNvPr>
+          <p:cNvSpPr>
+            <a:spLocks noGrp="1"/>
+          </p:cNvSpPr>
+          <p:nvPr>
+            <p:ph type="subTitle" idx="1"/>
+          </p:nvPr>
+        </p:nvSpPr>
+        <p:spPr>
+          <a:xfrm>
+            <a:off x="-66323" y="2666054"/>
+            <a:ext cx="5764261" cy="1096899"/>
+          </a:xfrm>
+        </p:spPr>
+        <p:txBody>
+          <a:bodyPr vert="horz" lIns="91440" tIns="45720" rIns="91440" bIns="45720" rtlCol="0">
+            <a:normAutofit/>
+          </a:bodyPr>
+          <a:lstStyle/>
+          <a:p>
+            <a:pPr algn="ctr"/>
+            <a:r>
+              <a:rPr lang="de-DE" dirty="0">
+                <a:latin typeface="Gill Sans MT"/>
+                <a:cs typeface="Calibri"/>
+              </a:rPr>
+              <a:t>Tobias Hub, Nils Mechtel,</a:t>
+            </a:r>
+          </a:p>
+          <a:p>
+            <a:pPr algn="ctr"/>
+            <a:r>
+              <a:rPr lang="de-DE" dirty="0">
+                <a:latin typeface="Gill Sans MT"/>
+                <a:cs typeface="Calibri"/>
+              </a:rPr>
+              <a:t>Pascal Poc, Niklas Urbanek</a:t>
+            </a:r>
+            <a:endParaRPr lang="de-DE" dirty="0">
+              <a:latin typeface="Gill Sans MT" panose="020B0502020104020203" pitchFamily="34" charset="0"/>
+            </a:endParaRPr>
+          </a:p>
+        </p:txBody>
+      </p:sp>
+      <p:sp>
+        <p:nvSpPr>
+          <p:cNvPr id="4" name="TextBox 3">
+            <a:extLst>
+              <a:ext uri="{FF2B5EF4-FFF2-40B4-BE49-F238E27FC236}">
+                <a16:creationId xmlns:a16="http://schemas.microsoft.com/office/drawing/2014/main" id="{881BF236-5E18-4066-A6E6-871AA4B9AE8C}"/>
+              </a:ext>
+            </a:extLst>
+          </p:cNvPr>
+          <p:cNvSpPr txBox="1"/>
+          <p:nvPr/>
+        </p:nvSpPr>
+        <p:spPr>
+          <a:xfrm>
+            <a:off x="-66323" y="6601177"/>
+            <a:ext cx="9297810" cy="507831"/>
+          </a:xfrm>
+          <a:prstGeom prst="rect">
+            <a:avLst/>
+          </a:prstGeom>
+          <a:noFill/>
+        </p:spPr>
+        <p:txBody>
+          <a:bodyPr rot="0" spcFirstLastPara="0" vertOverflow="overflow" horzOverflow="overflow" vert="horz" wrap="square" lIns="91440" tIns="45720" rIns="91440" bIns="45720" numCol="1" spcCol="0" rtlCol="0" fromWordArt="0" anchor="t" anchorCtr="0" forceAA="0" compatLnSpc="1">
+            <a:prstTxWarp prst="textNoShape">
+              <a:avLst/>
+            </a:prstTxWarp>
+            <a:spAutoFit/>
+          </a:bodyPr>
+          <a:lstStyle/>
+          <a:p>
+            <a:r>
+              <a:rPr lang="de-DE" sz="800">
+                <a:latin typeface="Gill Sans MT"/>
+                <a:ea typeface="+mn-lt"/>
+                <a:cs typeface="+mn-lt"/>
+              </a:rPr>
+              <a:t>https://www.benzinga.com/analyst-ratings/analyst-color/12/11/3071761/seattle-genetics-falls-after-q3-results-and-analyst-down</a:t>
+            </a:r>
+            <a:endParaRPr lang="de-DE" sz="800">
+              <a:latin typeface="Gill Sans MT"/>
+            </a:endParaRPr>
+          </a:p>
+          <a:p>
+            <a:pPr algn="l"/>
+            <a:endParaRPr lang="de-DE"/>
+          </a:p>
+        </p:txBody>
+      </p:sp>
+    </p:spTree>
+    <p:extLst>
+      <p:ext uri="{BB962C8B-B14F-4D97-AF65-F5344CB8AC3E}">
+        <p14:creationId xmlns:p14="http://schemas.microsoft.com/office/powerpoint/2010/main" val="2813258137"/>
+      </p:ext>
+    </p:extLst>
+  </p:cSld>
+  <p:clrMapOvr>
+    <a:masterClrMapping/>
+  </p:clrMapOvr>
 </p:sld>
 </file>
 
@@ -15421,7 +16489,7 @@
         </p:blipFill>
         <p:spPr>
           <a:xfrm>
-            <a:off x="2639138" y="1138209"/>
+            <a:off x="3272404" y="1099353"/>
             <a:ext cx="5169284" cy="4856315"/>
           </a:xfrm>
           <a:prstGeom prst="rect">
@@ -15458,24 +16526,24 @@
           <a:lstStyle/>
           <a:p>
             <a:r>
-              <a:rPr lang="en-US" sz="1000">
+              <a:rPr lang="en-US" sz="1000" dirty="0">
                 <a:latin typeface="Gill Sans MT" panose="020B0502020104020203" pitchFamily="34" charset="0"/>
               </a:rPr>
               <a:t>O’Neil, Nigel J., Melanie L. Bailey, and Philip </a:t>
             </a:r>
             <a:r>
-              <a:rPr lang="en-US" sz="1000" err="1">
+              <a:rPr lang="en-US" sz="1000" dirty="0" err="1">
                 <a:latin typeface="Gill Sans MT" panose="020B0502020104020203" pitchFamily="34" charset="0"/>
               </a:rPr>
               <a:t>Hieter</a:t>
             </a:r>
             <a:r>
-              <a:rPr lang="en-US" sz="1000">
+              <a:rPr lang="en-US" sz="1000" dirty="0">
                 <a:latin typeface="Gill Sans MT" panose="020B0502020104020203" pitchFamily="34" charset="0"/>
               </a:rPr>
               <a:t>. “Synthetic lethality and cancer.” Nature Reviews Genetics 18.10 (2017): 613.</a:t>
             </a:r>
-            <a:endParaRPr lang="de-DE" sz="1000">
+            <a:endParaRPr lang="de-DE" sz="1000" dirty="0">
               <a:latin typeface="Gill Sans MT" panose="020B0502020104020203" pitchFamily="34" charset="0"/>
             </a:endParaRPr>
           </a:p>
@@ -15495,7 +16563,7 @@
         </p:nvSpPr>
         <p:spPr>
           <a:xfrm>
-            <a:off x="5065490" y="5955669"/>
+            <a:off x="5697592" y="5955668"/>
             <a:ext cx="457200" cy="369332"/>
           </a:xfrm>
           <a:prstGeom prst="rect">
@@ -15510,7 +16578,7 @@
           <a:lstStyle/>
           <a:p>
             <a:r>
-              <a:rPr lang="de-DE"/>
+              <a:rPr lang="de-DE" dirty="0"/>
               <a:t>SL</a:t>
             </a:r>
           </a:p>
@@ -15530,7 +16598,7 @@
         </p:nvSpPr>
         <p:spPr>
           <a:xfrm>
-            <a:off x="6669312" y="5955669"/>
+            <a:off x="7301414" y="5955668"/>
             <a:ext cx="565265" cy="369332"/>
           </a:xfrm>
           <a:prstGeom prst="rect">
@@ -15565,7 +16633,7 @@
         </p:nvSpPr>
         <p:spPr>
           <a:xfrm>
-            <a:off x="3455631" y="5955668"/>
+            <a:off x="4086309" y="5955667"/>
             <a:ext cx="457200" cy="369332"/>
           </a:xfrm>
           <a:prstGeom prst="rect">
@@ -15580,7 +16648,7 @@
           <a:lstStyle/>
           <a:p>
             <a:r>
-              <a:rPr lang="de-DE">
+              <a:rPr lang="de-DE" dirty="0">
                 <a:latin typeface="Gill Sans MT"/>
               </a:rPr>
               <a:t>SL</a:t>
@@ -15849,8 +16917,8 @@
         </p:blipFill>
         <p:spPr>
           <a:xfrm>
-            <a:off x="2477797" y="1098409"/>
-            <a:ext cx="6906755" cy="5278870"/>
+            <a:off x="2701093" y="1165915"/>
+            <a:ext cx="6789813" cy="5189491"/>
           </a:xfrm>
           <a:prstGeom prst="rect">
             <a:avLst/>
@@ -19285,21 +20353,7 @@
                 <a:latin typeface="Gill Sans MT"/>
                 <a:cs typeface="Calibri"/>
               </a:rPr>
-              <a:t>Plotting </a:t>
-            </a:r>
-            <a:r>
-              <a:rPr lang="en-GB" sz="2000" dirty="0" err="1">
-                <a:latin typeface="Gill Sans MT"/>
-                <a:cs typeface="Calibri"/>
-              </a:rPr>
-              <a:t>interessting</a:t>
-            </a:r>
-            <a:r>
-              <a:rPr lang="en-GB" sz="2000" dirty="0">
-                <a:latin typeface="Gill Sans MT"/>
-                <a:cs typeface="Calibri"/>
-              </a:rPr>
-              <a:t> data</a:t>
+              <a:t>Plotting interesting data</a:t>
             </a:r>
             <a:endParaRPr lang="en-GB" sz="2000" dirty="0">
               <a:latin typeface="Gill Sans MT" panose="020B0502020104020203" pitchFamily="34" charset="0"/>
@@ -20041,7 +21095,7 @@
   </p:clrMapOvr>
   <mc:AlternateContent xmlns:mc="http://schemas.openxmlformats.org/markup-compatibility/2006" xmlns:p159="http://schemas.microsoft.com/office/powerpoint/2015/09/main">
     <mc:Choice Requires="p159">
-      <p:transition xmlns:p14="http://schemas.microsoft.com/office/powerpoint/2010/main" spd="slow" p14:dur="2000">
+      <p:transition xmlns:p14="http://schemas.microsoft.com/office/powerpoint/2010/main" spd="slow" p14:dur="1500">
         <p159:morph option="byChar"/>
       </p:transition>
     </mc:Choice>
@@ -20072,7 +21126,7 @@
                             </p:stCondLst>
                             <p:childTnLst>
                               <p:par>
-                                <p:cTn id="5" presetID="1" presetClass="entr" presetSubtype="0" fill="hold" grpId="0" nodeType="clickEffect">
+                                <p:cTn id="5" presetID="1" presetClass="entr" presetSubtype="0" fill="hold" nodeType="clickEffect">
                                   <p:stCondLst>
                                     <p:cond delay="0"/>
                                   </p:stCondLst>
@@ -20121,7 +21175,7 @@
                             </p:stCondLst>
                             <p:childTnLst>
                               <p:par>
-                                <p:cTn id="9" presetID="1" presetClass="entr" presetSubtype="0" fill="hold" grpId="0" nodeType="clickEffect">
+                                <p:cTn id="9" presetID="1" presetClass="entr" presetSubtype="0" fill="hold" nodeType="clickEffect">
                                   <p:stCondLst>
                                     <p:cond delay="0"/>
                                   </p:stCondLst>
@@ -20170,7 +21224,7 @@
                             </p:stCondLst>
                             <p:childTnLst>
                               <p:par>
-                                <p:cTn id="13" presetID="1" presetClass="entr" presetSubtype="0" fill="hold" grpId="0" nodeType="clickEffect">
+                                <p:cTn id="13" presetID="1" presetClass="entr" presetSubtype="0" fill="hold" nodeType="clickEffect">
                                   <p:stCondLst>
                                     <p:cond delay="0"/>
                                   </p:stCondLst>
@@ -20200,6 +21254,41 @@
                                   </p:childTnLst>
                                 </p:cTn>
                               </p:par>
+                              <p:par>
+                                <p:cTn id="15" presetID="10" presetClass="entr" presetSubtype="0" fill="hold" nodeType="withEffect">
+                                  <p:stCondLst>
+                                    <p:cond delay="0"/>
+                                  </p:stCondLst>
+                                  <p:childTnLst>
+                                    <p:set>
+                                      <p:cBhvr>
+                                        <p:cTn id="16" dur="1" fill="hold">
+                                          <p:stCondLst>
+                                            <p:cond delay="0"/>
+                                          </p:stCondLst>
+                                        </p:cTn>
+                                        <p:tgtEl>
+                                          <p:spTgt spid="2"/>
+                                        </p:tgtEl>
+                                        <p:attrNameLst>
+                                          <p:attrName>style.visibility</p:attrName>
+                                        </p:attrNameLst>
+                                      </p:cBhvr>
+                                      <p:to>
+                                        <p:strVal val="visible"/>
+                                      </p:to>
+                                    </p:set>
+                                    <p:animEffect transition="in" filter="fade">
+                                      <p:cBhvr>
+                                        <p:cTn id="17" dur="500"/>
+                                        <p:tgtEl>
+                                          <p:spTgt spid="2"/>
+                                        </p:tgtEl>
+                                      </p:cBhvr>
+                                    </p:animEffect>
+                                  </p:childTnLst>
+                                </p:cTn>
+                              </p:par>
                             </p:childTnLst>
                           </p:cTn>
                         </p:par>
@@ -20207,26 +21296,26 @@
                     </p:cTn>
                   </p:par>
                   <p:par>
-                    <p:cTn id="15" fill="hold">
+                    <p:cTn id="18" fill="hold">
                       <p:stCondLst>
                         <p:cond delay="indefinite"/>
                       </p:stCondLst>
                       <p:childTnLst>
                         <p:par>
-                          <p:cTn id="16" fill="hold">
+                          <p:cTn id="19" fill="hold">
                             <p:stCondLst>
                               <p:cond delay="0"/>
                             </p:stCondLst>
                             <p:childTnLst>
                               <p:par>
-                                <p:cTn id="17" presetID="1" presetClass="entr" presetSubtype="0" fill="hold" grpId="0" nodeType="clickEffect">
+                                <p:cTn id="20" presetID="1" presetClass="entr" presetSubtype="0" fill="hold" nodeType="clickEffect">
                                   <p:stCondLst>
                                     <p:cond delay="0"/>
                                   </p:stCondLst>
                                   <p:childTnLst>
                                     <p:set>
                                       <p:cBhvr>
-                                        <p:cTn id="18" dur="1" fill="hold">
+                                        <p:cTn id="21" dur="1" fill="hold">
                                           <p:stCondLst>
                                             <p:cond delay="0"/>
                                           </p:stCondLst>
@@ -20237,51 +21326,6 @@
                                               <p:pRg st="6" end="6"/>
                                             </p:txEl>
                                           </p:spTgt>
-                                        </p:tgtEl>
-                                        <p:attrNameLst>
-                                          <p:attrName>style.visibility</p:attrName>
-                                        </p:attrNameLst>
-                                      </p:cBhvr>
-                                      <p:to>
-                                        <p:strVal val="visible"/>
-                                      </p:to>
-                                    </p:set>
-                                  </p:childTnLst>
-                                </p:cTn>
-                              </p:par>
-                            </p:childTnLst>
-                          </p:cTn>
-                        </p:par>
-                      </p:childTnLst>
-                    </p:cTn>
-                  </p:par>
-                  <p:par>
-                    <p:cTn id="19" fill="hold">
-                      <p:stCondLst>
-                        <p:cond delay="indefinite"/>
-                      </p:stCondLst>
-                      <p:childTnLst>
-                        <p:par>
-                          <p:cTn id="20" fill="hold">
-                            <p:stCondLst>
-                              <p:cond delay="0"/>
-                            </p:stCondLst>
-                            <p:childTnLst>
-                              <p:par>
-                                <p:cTn id="21" presetID="1" presetClass="entr" presetSubtype="0" fill="hold" nodeType="clickEffect">
-                                  <p:stCondLst>
-                                    <p:cond delay="0"/>
-                                  </p:stCondLst>
-                                  <p:childTnLst>
-                                    <p:set>
-                                      <p:cBhvr>
-                                        <p:cTn id="22" dur="1" fill="hold">
-                                          <p:stCondLst>
-                                            <p:cond delay="0"/>
-                                          </p:stCondLst>
-                                        </p:cTn>
-                                        <p:tgtEl>
-                                          <p:spTgt spid="2"/>
                                         </p:tgtEl>
                                         <p:attrNameLst>
                                           <p:attrName>style.visibility</p:attrName>
@@ -20321,9 +21365,6 @@
         </p:cTn>
       </p:par>
     </p:tnLst>
-    <p:bldLst>
-      <p:bldP spid="6" grpId="0" build="p"/>
-    </p:bldLst>
   </p:timing>
 </p:sld>
 </file>
@@ -20388,159 +21429,48 @@
           <a:lstStyle/>
           <a:p>
             <a:r>
-              <a:rPr lang="de-DE" sz="2000" dirty="0">
+              <a:rPr lang="en-GB" sz="2000" dirty="0">
                 <a:latin typeface="Gill Sans MT"/>
               </a:rPr>
-              <a:t>Dimensional </a:t>
-            </a:r>
-            <a:r>
-              <a:rPr lang="de-DE" sz="2000" dirty="0" err="1">
-                <a:latin typeface="Gill Sans MT"/>
-              </a:rPr>
-              <a:t>reduction</a:t>
-            </a:r>
-            <a:r>
-              <a:rPr lang="de-DE" sz="2000" dirty="0">
-                <a:latin typeface="Gill Sans MT"/>
-              </a:rPr>
-              <a:t>: </a:t>
-            </a:r>
-            <a:r>
-              <a:rPr lang="de-DE" sz="2000" dirty="0" err="1">
-                <a:latin typeface="Gill Sans MT"/>
-              </a:rPr>
-              <a:t>plotting</a:t>
-            </a:r>
-            <a:r>
-              <a:rPr lang="de-DE" sz="2000" dirty="0">
-                <a:latin typeface="Gill Sans MT"/>
-              </a:rPr>
-              <a:t> CNA and </a:t>
-            </a:r>
-            <a:r>
-              <a:rPr lang="de-DE" sz="2000" dirty="0" err="1">
-                <a:latin typeface="Gill Sans MT"/>
-              </a:rPr>
-              <a:t>overexpression</a:t>
-            </a:r>
-            <a:endParaRPr lang="de-DE" sz="2000" dirty="0">
-              <a:latin typeface="Gill Sans MT"/>
-            </a:endParaRPr>
+              <a:t>Dimensional reduction: plotting CNA and overexpression</a:t>
+            </a:r>
           </a:p>
           <a:p>
             <a:pPr lvl="1"/>
             <a:r>
-              <a:rPr lang="de-DE" sz="2000" dirty="0">
+              <a:rPr lang="en-GB" sz="2000" dirty="0">
                 <a:latin typeface="Gill Sans MT"/>
               </a:rPr>
-              <a:t>k-</a:t>
-            </a:r>
-            <a:r>
-              <a:rPr lang="de-DE" sz="2000" dirty="0" err="1">
-                <a:latin typeface="Gill Sans MT"/>
-              </a:rPr>
-              <a:t>means</a:t>
-            </a:r>
-            <a:endParaRPr lang="de-DE" sz="2000" dirty="0">
-              <a:latin typeface="Gill Sans MT"/>
-            </a:endParaRPr>
+              <a:t>k-means</a:t>
+            </a:r>
           </a:p>
           <a:p>
             <a:pPr marL="0" indent="0">
               <a:buNone/>
             </a:pPr>
-            <a:endParaRPr lang="de-DE" sz="2000" dirty="0">
+            <a:endParaRPr lang="en-GB" sz="2000" dirty="0">
               <a:latin typeface="Gill Sans MT"/>
             </a:endParaRPr>
           </a:p>
           <a:p>
             <a:r>
-              <a:rPr lang="de-DE" sz="2000" dirty="0" err="1">
+              <a:rPr lang="en-GB" sz="2000" dirty="0">
                 <a:latin typeface="Gill Sans MT"/>
               </a:rPr>
-              <a:t>Investigate</a:t>
-            </a:r>
-            <a:r>
-              <a:rPr lang="de-DE" sz="2000" dirty="0">
-                <a:latin typeface="Gill Sans MT"/>
-              </a:rPr>
-              <a:t> high </a:t>
-            </a:r>
-            <a:r>
-              <a:rPr lang="de-DE" sz="2000" dirty="0" err="1">
-                <a:latin typeface="Gill Sans MT"/>
-              </a:rPr>
-              <a:t>frequencies</a:t>
-            </a:r>
-            <a:r>
-              <a:rPr lang="de-DE" sz="2000" dirty="0">
-                <a:latin typeface="Gill Sans MT"/>
-              </a:rPr>
-              <a:t> of </a:t>
-            </a:r>
-            <a:r>
-              <a:rPr lang="de-DE" sz="2000" dirty="0" err="1">
-                <a:latin typeface="Gill Sans MT"/>
-              </a:rPr>
-              <a:t>deleterious</a:t>
-            </a:r>
-            <a:r>
-              <a:rPr lang="de-DE" sz="2000" dirty="0">
-                <a:latin typeface="Gill Sans MT"/>
-              </a:rPr>
-              <a:t> </a:t>
-            </a:r>
-            <a:r>
-              <a:rPr lang="de-DE" sz="2000" dirty="0" err="1">
-                <a:latin typeface="Gill Sans MT"/>
-              </a:rPr>
-              <a:t>mutations</a:t>
-            </a:r>
-            <a:endParaRPr lang="de-DE" sz="2000" dirty="0">
+              <a:t>Investigate high frequencies of deleterious mutations</a:t>
+            </a:r>
+          </a:p>
+          <a:p>
+            <a:endParaRPr lang="en-GB" sz="2000" dirty="0">
               <a:latin typeface="Gill Sans MT"/>
             </a:endParaRPr>
           </a:p>
           <a:p>
-            <a:endParaRPr lang="de-DE" sz="2000" dirty="0">
-              <a:latin typeface="Gill Sans MT"/>
-            </a:endParaRPr>
-          </a:p>
-          <a:p>
-            <a:r>
-              <a:rPr lang="de-DE" sz="2000" dirty="0" err="1">
+            <a:r>
+              <a:rPr lang="en-GB" sz="2000" dirty="0">
                 <a:latin typeface="Gill Sans MT"/>
               </a:rPr>
-              <a:t>Comparing</a:t>
-            </a:r>
-            <a:r>
-              <a:rPr lang="de-DE" sz="2000" dirty="0">
-                <a:latin typeface="Gill Sans MT"/>
-              </a:rPr>
-              <a:t> </a:t>
-            </a:r>
-            <a:r>
-              <a:rPr lang="de-DE" sz="2000" dirty="0" err="1">
-                <a:latin typeface="Gill Sans MT"/>
-              </a:rPr>
-              <a:t>GoI</a:t>
-            </a:r>
-            <a:r>
-              <a:rPr lang="de-DE" sz="2000" dirty="0">
-                <a:latin typeface="Gill Sans MT"/>
-              </a:rPr>
-              <a:t> with </a:t>
-            </a:r>
-            <a:r>
-              <a:rPr lang="de-DE" sz="2000" dirty="0" err="1">
-                <a:latin typeface="Gill Sans MT"/>
-              </a:rPr>
-              <a:t>literature</a:t>
-            </a:r>
-            <a:r>
-              <a:rPr lang="de-DE" sz="2000" dirty="0">
-                <a:latin typeface="Gill Sans MT"/>
-              </a:rPr>
-              <a:t> </a:t>
+              <a:t>Comparing GOI with literature </a:t>
             </a:r>
           </a:p>
         </p:txBody>
@@ -21497,95 +22427,15 @@
           <a:p>
             <a:pPr algn="just"/>
             <a:r>
-              <a:rPr lang="de-DE" sz="2000">
+              <a:rPr lang="en-GB" sz="2000" dirty="0">
                 <a:solidFill>
                   <a:srgbClr val="5FCBEF"/>
                 </a:solidFill>
               </a:rPr>
-              <a:t>Can </a:t>
-            </a:r>
-            <a:r>
-              <a:rPr lang="de-DE" sz="2000" err="1">
-                <a:solidFill>
-                  <a:srgbClr val="5FCBEF"/>
-                </a:solidFill>
-              </a:rPr>
-              <a:t>we</a:t>
-            </a:r>
-            <a:r>
-              <a:rPr lang="de-DE" sz="2000">
-                <a:solidFill>
-                  <a:srgbClr val="5FCBEF"/>
-                </a:solidFill>
-              </a:rPr>
-              <a:t> </a:t>
-            </a:r>
-            <a:r>
-              <a:rPr lang="de-DE" sz="2000" err="1">
-                <a:solidFill>
-                  <a:srgbClr val="5FCBEF"/>
-                </a:solidFill>
-              </a:rPr>
-              <a:t>describe</a:t>
-            </a:r>
-            <a:r>
-              <a:rPr lang="de-DE" sz="2000">
-                <a:solidFill>
-                  <a:srgbClr val="5FCBEF"/>
-                </a:solidFill>
-              </a:rPr>
-              <a:t> </a:t>
-            </a:r>
-            <a:r>
-              <a:rPr lang="de-DE" sz="2000" err="1">
-                <a:solidFill>
-                  <a:srgbClr val="5FCBEF"/>
-                </a:solidFill>
-              </a:rPr>
-              <a:t>highly</a:t>
-            </a:r>
-            <a:r>
-              <a:rPr lang="de-DE" sz="2000">
-                <a:solidFill>
-                  <a:srgbClr val="5FCBEF"/>
-                </a:solidFill>
-              </a:rPr>
-              <a:t> </a:t>
-            </a:r>
-            <a:r>
-              <a:rPr lang="de-DE" sz="2000" err="1">
-                <a:solidFill>
-                  <a:srgbClr val="5FCBEF"/>
-                </a:solidFill>
-              </a:rPr>
-              <a:t>correlating</a:t>
-            </a:r>
-            <a:r>
-              <a:rPr lang="de-DE" sz="2000">
-                <a:solidFill>
-                  <a:srgbClr val="5FCBEF"/>
-                </a:solidFill>
-              </a:rPr>
-              <a:t> </a:t>
-            </a:r>
-            <a:r>
-              <a:rPr lang="de-DE" sz="2000" err="1">
-                <a:solidFill>
-                  <a:srgbClr val="5FCBEF"/>
-                </a:solidFill>
-              </a:rPr>
-              <a:t>groups</a:t>
-            </a:r>
-            <a:r>
-              <a:rPr lang="de-DE" sz="2000">
-                <a:solidFill>
-                  <a:srgbClr val="5FCBEF"/>
-                </a:solidFill>
-              </a:rPr>
-              <a:t> </a:t>
-            </a:r>
-            <a:r>
-              <a:rPr lang="de-DE" sz="2000" err="1">
+              <a:t>Can we describe highly correlating groups </a:t>
+            </a:r>
+            <a:r>
+              <a:rPr lang="en-GB" sz="2000" dirty="0" err="1">
                 <a:solidFill>
                   <a:srgbClr val="5FCBEF"/>
                 </a:solidFill>
@@ -21593,148 +22443,63 @@
               <a:t>bewteen</a:t>
             </a:r>
             <a:r>
-              <a:rPr lang="de-DE" sz="2000">
+              <a:rPr lang="en-GB" sz="2000" dirty="0">
                 <a:solidFill>
                   <a:srgbClr val="5FCBEF"/>
                 </a:solidFill>
               </a:rPr>
-              <a:t> CNA and </a:t>
-            </a:r>
-            <a:r>
-              <a:rPr lang="de-DE" sz="2000" err="1">
-                <a:solidFill>
-                  <a:srgbClr val="5FCBEF"/>
-                </a:solidFill>
+              <a:t> CNA and expression values using a k-means cluster to identify our genes of interest?</a:t>
+            </a:r>
+          </a:p>
+        </p:txBody>
+      </p:sp>
+      <p:sp>
+        <p:nvSpPr>
+          <p:cNvPr id="3" name="TextBox 2">
+            <a:extLst>
+              <a:ext uri="{FF2B5EF4-FFF2-40B4-BE49-F238E27FC236}">
+                <a16:creationId xmlns:a16="http://schemas.microsoft.com/office/drawing/2014/main" id="{41D62092-D107-43EB-A8A0-77404DF5FF21}"/>
+              </a:ext>
+            </a:extLst>
+          </p:cNvPr>
+          <p:cNvSpPr txBox="1"/>
+          <p:nvPr/>
+        </p:nvSpPr>
+        <p:spPr>
+          <a:xfrm>
+            <a:off x="5734050" y="6172200"/>
+            <a:ext cx="4514850" cy="400110"/>
+          </a:xfrm>
+          <a:prstGeom prst="rect">
+            <a:avLst/>
+          </a:prstGeom>
+          <a:noFill/>
+        </p:spPr>
+        <p:txBody>
+          <a:bodyPr rot="0" spcFirstLastPara="0" vertOverflow="overflow" horzOverflow="overflow" vert="horz" wrap="square" lIns="91440" tIns="45720" rIns="91440" bIns="45720" numCol="1" spcCol="0" rtlCol="0" fromWordArt="0" anchor="t" anchorCtr="0" forceAA="0" compatLnSpc="1">
+            <a:prstTxWarp prst="textNoShape">
+              <a:avLst/>
+            </a:prstTxWarp>
+            <a:spAutoFit/>
+          </a:bodyPr>
+          <a:lstStyle/>
+          <a:p>
+            <a:pPr algn="l"/>
+            <a:r>
+              <a:rPr lang="de-DE" sz="1000">
+                <a:ea typeface="+mn-lt"/>
+                <a:cs typeface="+mn-lt"/>
               </a:rPr>
-              <a:t>expression</a:t>
-            </a:r>
-            <a:r>
-              <a:rPr lang="de-DE" sz="2000">
-                <a:solidFill>
-                  <a:srgbClr val="5FCBEF"/>
-                </a:solidFill>
-              </a:rPr>
-              <a:t> </a:t>
-            </a:r>
-            <a:r>
-              <a:rPr lang="de-DE" sz="2000" err="1">
-                <a:solidFill>
-                  <a:srgbClr val="5FCBEF"/>
-                </a:solidFill>
-              </a:rPr>
-              <a:t>values</a:t>
-            </a:r>
-            <a:r>
-              <a:rPr lang="de-DE" sz="2000">
-                <a:solidFill>
-                  <a:srgbClr val="5FCBEF"/>
-                </a:solidFill>
-              </a:rPr>
-              <a:t> </a:t>
-            </a:r>
-            <a:r>
-              <a:rPr lang="de-DE" sz="2000" err="1">
-                <a:solidFill>
-                  <a:srgbClr val="5FCBEF"/>
-                </a:solidFill>
-              </a:rPr>
-              <a:t>using</a:t>
-            </a:r>
-            <a:r>
-              <a:rPr lang="de-DE" sz="2000">
-                <a:solidFill>
-                  <a:srgbClr val="5FCBEF"/>
-                </a:solidFill>
-              </a:rPr>
-              <a:t> a k-</a:t>
-            </a:r>
-            <a:r>
-              <a:rPr lang="de-DE" sz="2000" err="1">
-                <a:solidFill>
-                  <a:srgbClr val="5FCBEF"/>
-                </a:solidFill>
-              </a:rPr>
-              <a:t>means</a:t>
-            </a:r>
-            <a:r>
-              <a:rPr lang="de-DE" sz="2000">
-                <a:solidFill>
-                  <a:srgbClr val="5FCBEF"/>
-                </a:solidFill>
-              </a:rPr>
-              <a:t> </a:t>
-            </a:r>
-            <a:r>
-              <a:rPr lang="de-DE" sz="2000" err="1">
-                <a:solidFill>
-                  <a:srgbClr val="5FCBEF"/>
-                </a:solidFill>
-              </a:rPr>
-              <a:t>cluster</a:t>
-            </a:r>
-            <a:r>
-              <a:rPr lang="de-DE" sz="2000">
-                <a:solidFill>
-                  <a:srgbClr val="5FCBEF"/>
-                </a:solidFill>
-              </a:rPr>
-              <a:t> to </a:t>
-            </a:r>
-            <a:r>
-              <a:rPr lang="de-DE" sz="2000" err="1">
-                <a:solidFill>
-                  <a:srgbClr val="5FCBEF"/>
-                </a:solidFill>
-              </a:rPr>
-              <a:t>identify</a:t>
-            </a:r>
-            <a:r>
-              <a:rPr lang="de-DE" sz="2000">
-                <a:solidFill>
-                  <a:srgbClr val="5FCBEF"/>
-                </a:solidFill>
-              </a:rPr>
-              <a:t> </a:t>
-            </a:r>
-            <a:r>
-              <a:rPr lang="de-DE" sz="2000" err="1">
-                <a:solidFill>
-                  <a:srgbClr val="5FCBEF"/>
-                </a:solidFill>
-              </a:rPr>
-              <a:t>our</a:t>
-            </a:r>
-            <a:r>
-              <a:rPr lang="de-DE" sz="2000">
-                <a:solidFill>
-                  <a:srgbClr val="5FCBEF"/>
-                </a:solidFill>
-              </a:rPr>
-              <a:t> genes of </a:t>
-            </a:r>
-            <a:r>
-              <a:rPr lang="de-DE" sz="2000" err="1">
-                <a:solidFill>
-                  <a:srgbClr val="5FCBEF"/>
-                </a:solidFill>
-              </a:rPr>
-              <a:t>interest</a:t>
-            </a:r>
-            <a:r>
-              <a:rPr lang="de-DE" sz="2000">
-                <a:solidFill>
-                  <a:srgbClr val="5FCBEF"/>
-                </a:solidFill>
-              </a:rPr>
-              <a:t>?</a:t>
-            </a:r>
+              <a:t>https://dsp.stackexchange.com/questions/23662/k-means-for-2d-point-clustering-in-python</a:t>
+            </a:r>
+            <a:endParaRPr lang="de-DE" sz="1000"/>
           </a:p>
         </p:txBody>
       </p:sp>
     </p:spTree>
     <p:extLst>
       <p:ext uri="{BB962C8B-B14F-4D97-AF65-F5344CB8AC3E}">
-        <p14:creationId xmlns:p14="http://schemas.microsoft.com/office/powerpoint/2010/main" val="4044078516"/>
+        <p14:creationId xmlns:p14="http://schemas.microsoft.com/office/powerpoint/2010/main" val="3789531484"/>
       </p:ext>
     </p:extLst>
   </p:cSld>
@@ -21835,6 +22600,68 @@
                                   </p:childTnLst>
                                 </p:cTn>
                               </p:par>
+                              <p:par>
+                                <p:cTn id="9" presetID="10" presetClass="entr" presetSubtype="0" fill="hold" nodeType="withEffect">
+                                  <p:stCondLst>
+                                    <p:cond delay="0"/>
+                                  </p:stCondLst>
+                                  <p:childTnLst>
+                                    <p:set>
+                                      <p:cBhvr>
+                                        <p:cTn id="10" dur="1" fill="hold">
+                                          <p:stCondLst>
+                                            <p:cond delay="0"/>
+                                          </p:stCondLst>
+                                        </p:cTn>
+                                        <p:tgtEl>
+                                          <p:spTgt spid="27"/>
+                                        </p:tgtEl>
+                                        <p:attrNameLst>
+                                          <p:attrName>style.visibility</p:attrName>
+                                        </p:attrNameLst>
+                                      </p:cBhvr>
+                                      <p:to>
+                                        <p:strVal val="visible"/>
+                                      </p:to>
+                                    </p:set>
+                                    <p:animEffect transition="in" filter="fade">
+                                      <p:cBhvr>
+                                        <p:cTn id="11" dur="500"/>
+                                        <p:tgtEl>
+                                          <p:spTgt spid="27"/>
+                                        </p:tgtEl>
+                                      </p:cBhvr>
+                                    </p:animEffect>
+                                  </p:childTnLst>
+                                </p:cTn>
+                              </p:par>
+                              <p:par>
+                                <p:cTn id="12" presetID="1" presetClass="entr" presetSubtype="0" fill="hold" grpId="0" nodeType="withEffect">
+                                  <p:stCondLst>
+                                    <p:cond delay="0"/>
+                                  </p:stCondLst>
+                                  <p:childTnLst>
+                                    <p:set>
+                                      <p:cBhvr>
+                                        <p:cTn id="13" dur="1" fill="hold">
+                                          <p:stCondLst>
+                                            <p:cond delay="0"/>
+                                          </p:stCondLst>
+                                        </p:cTn>
+                                        <p:tgtEl>
+                                          <p:spTgt spid="3"/>
+                                        </p:tgtEl>
+                                        <p:attrNameLst>
+                                          <p:attrName>style.visibility</p:attrName>
+                                        </p:attrNameLst>
+                                      </p:cBhvr>
+                                      <p:to>
+                                        <p:strVal val="visible"/>
+                                      </p:to>
+                                    </p:set>
+                                  </p:childTnLst>
+                                </p:cTn>
+                              </p:par>
                             </p:childTnLst>
                           </p:cTn>
                         </p:par>
@@ -21842,26 +22669,26 @@
                     </p:cTn>
                   </p:par>
                   <p:par>
-                    <p:cTn id="9" fill="hold">
+                    <p:cTn id="14" fill="hold">
                       <p:stCondLst>
                         <p:cond delay="indefinite"/>
                       </p:stCondLst>
                       <p:childTnLst>
                         <p:par>
-                          <p:cTn id="10" fill="hold">
+                          <p:cTn id="15" fill="hold">
                             <p:stCondLst>
                               <p:cond delay="0"/>
                             </p:stCondLst>
                             <p:childTnLst>
                               <p:par>
-                                <p:cTn id="11" presetID="1" presetClass="entr" presetSubtype="0" fill="hold" nodeType="clickEffect">
+                                <p:cTn id="16" presetID="1" presetClass="entr" presetSubtype="0" fill="hold" nodeType="clickEffect">
                                   <p:stCondLst>
                                     <p:cond delay="0"/>
                                   </p:stCondLst>
                                   <p:childTnLst>
                                     <p:set>
                                       <p:cBhvr>
-                                        <p:cTn id="12" dur="1" fill="hold">
+                                        <p:cTn id="17" dur="1" fill="hold">
                                           <p:stCondLst>
                                             <p:cond delay="0"/>
                                           </p:stCondLst>
@@ -21891,26 +22718,26 @@
                     </p:cTn>
                   </p:par>
                   <p:par>
-                    <p:cTn id="13" fill="hold">
+                    <p:cTn id="18" fill="hold">
                       <p:stCondLst>
                         <p:cond delay="indefinite"/>
                       </p:stCondLst>
                       <p:childTnLst>
                         <p:par>
-                          <p:cTn id="14" fill="hold">
+                          <p:cTn id="19" fill="hold">
                             <p:stCondLst>
                               <p:cond delay="0"/>
                             </p:stCondLst>
                             <p:childTnLst>
                               <p:par>
-                                <p:cTn id="15" presetID="1" presetClass="entr" presetSubtype="0" fill="hold" nodeType="clickEffect">
+                                <p:cTn id="20" presetID="1" presetClass="entr" presetSubtype="0" fill="hold" nodeType="clickEffect">
                                   <p:stCondLst>
                                     <p:cond delay="0"/>
                                   </p:stCondLst>
                                   <p:childTnLst>
                                     <p:set>
                                       <p:cBhvr>
-                                        <p:cTn id="16" dur="1" fill="hold">
+                                        <p:cTn id="21" dur="1" fill="hold">
                                           <p:stCondLst>
                                             <p:cond delay="0"/>
                                           </p:stCondLst>
@@ -21960,6 +22787,9 @@
         </p:cTn>
       </p:par>
     </p:tnLst>
+    <p:bldLst>
+      <p:bldP spid="3" grpId="0"/>
+    </p:bldLst>
   </p:timing>
 </p:sld>
 </file>
@@ -22014,7 +22844,7 @@
         <p:spPr>
           <a:xfrm>
             <a:off x="720388" y="2766297"/>
-            <a:ext cx="10651408" cy="3137413"/>
+            <a:ext cx="8043123" cy="3886987"/>
           </a:xfrm>
         </p:spPr>
         <p:txBody>
@@ -22025,171 +22855,49 @@
           <a:p>
             <a:pPr marL="285750" indent="-285750"/>
             <a:r>
-              <a:rPr lang="de-DE" sz="2000" dirty="0">
+              <a:rPr lang="en-GB" sz="2000" dirty="0">
                 <a:latin typeface="Gill Sans MT" panose="020B0502020104020203" pitchFamily="34" charset="0"/>
                 <a:ea typeface="+mn-lt"/>
                 <a:cs typeface="+mn-lt"/>
               </a:rPr>
-              <a:t>Survival of </a:t>
-            </a:r>
-            <a:r>
-              <a:rPr lang="de-DE" sz="2000" dirty="0" err="1">
+              <a:t>Survival of the fittest</a:t>
+            </a:r>
+          </a:p>
+          <a:p>
+            <a:pPr marL="685800" lvl="1"/>
+            <a:r>
+              <a:rPr lang="en-GB" sz="2000" dirty="0">
                 <a:latin typeface="Gill Sans MT" panose="020B0502020104020203" pitchFamily="34" charset="0"/>
                 <a:ea typeface="+mn-lt"/>
                 <a:cs typeface="+mn-lt"/>
               </a:rPr>
-              <a:t>the</a:t>
-            </a:r>
-            <a:r>
-              <a:rPr lang="de-DE" sz="2000" dirty="0">
+              <a:t>H</a:t>
+            </a:r>
+            <a:r>
+              <a:rPr lang="en-GB" sz="2000" baseline="-25000" dirty="0">
                 <a:latin typeface="Gill Sans MT" panose="020B0502020104020203" pitchFamily="34" charset="0"/>
                 <a:ea typeface="+mn-lt"/>
                 <a:cs typeface="+mn-lt"/>
               </a:rPr>
-              <a:t> fittest</a:t>
-            </a:r>
-          </a:p>
-          <a:p>
-            <a:pPr marL="685800" lvl="1"/>
-            <a:r>
-              <a:rPr lang="de-DE" sz="2000" dirty="0">
+              <a:t>0</a:t>
+            </a:r>
+            <a:r>
+              <a:rPr lang="en-GB" sz="2000" dirty="0">
                 <a:latin typeface="Gill Sans MT" panose="020B0502020104020203" pitchFamily="34" charset="0"/>
                 <a:ea typeface="+mn-lt"/>
                 <a:cs typeface="+mn-lt"/>
               </a:rPr>
-              <a:t>H0: </a:t>
-            </a:r>
-            <a:r>
-              <a:rPr lang="de-DE" sz="2000" dirty="0" err="1">
-                <a:latin typeface="Gill Sans MT" panose="020B0502020104020203" pitchFamily="34" charset="0"/>
-                <a:ea typeface="+mn-lt"/>
-                <a:cs typeface="+mn-lt"/>
-              </a:rPr>
-              <a:t>no</a:t>
-            </a:r>
-            <a:r>
-              <a:rPr lang="de-DE" sz="2000" dirty="0">
-                <a:latin typeface="Gill Sans MT" panose="020B0502020104020203" pitchFamily="34" charset="0"/>
-                <a:ea typeface="+mn-lt"/>
-                <a:cs typeface="+mn-lt"/>
-              </a:rPr>
-              <a:t> </a:t>
-            </a:r>
-            <a:r>
-              <a:rPr lang="de-DE" sz="2000" dirty="0" err="1">
-                <a:latin typeface="Gill Sans MT" panose="020B0502020104020203" pitchFamily="34" charset="0"/>
-                <a:ea typeface="+mn-lt"/>
-                <a:cs typeface="+mn-lt"/>
-              </a:rPr>
-              <a:t>significant</a:t>
-            </a:r>
-            <a:r>
-              <a:rPr lang="de-DE" sz="2000" dirty="0">
-                <a:latin typeface="Gill Sans MT" panose="020B0502020104020203" pitchFamily="34" charset="0"/>
-                <a:ea typeface="+mn-lt"/>
-                <a:cs typeface="+mn-lt"/>
-              </a:rPr>
-              <a:t> CNA </a:t>
-            </a:r>
-            <a:r>
-              <a:rPr lang="de-DE" sz="2000" dirty="0" err="1">
-                <a:latin typeface="Gill Sans MT" panose="020B0502020104020203" pitchFamily="34" charset="0"/>
-                <a:ea typeface="+mn-lt"/>
-                <a:cs typeface="+mn-lt"/>
-              </a:rPr>
-              <a:t>level</a:t>
-            </a:r>
-            <a:r>
-              <a:rPr lang="de-DE" sz="2000" dirty="0">
-                <a:latin typeface="Gill Sans MT" panose="020B0502020104020203" pitchFamily="34" charset="0"/>
-                <a:ea typeface="+mn-lt"/>
-                <a:cs typeface="+mn-lt"/>
-              </a:rPr>
-              <a:t> </a:t>
-            </a:r>
-            <a:r>
-              <a:rPr lang="de-DE" sz="2000" dirty="0" err="1">
-                <a:latin typeface="Gill Sans MT" panose="020B0502020104020203" pitchFamily="34" charset="0"/>
-                <a:ea typeface="+mn-lt"/>
-                <a:cs typeface="+mn-lt"/>
-              </a:rPr>
-              <a:t>difference</a:t>
-            </a:r>
-            <a:r>
-              <a:rPr lang="de-DE" sz="2000" dirty="0">
-                <a:latin typeface="Gill Sans MT" panose="020B0502020104020203" pitchFamily="34" charset="0"/>
-                <a:ea typeface="+mn-lt"/>
-                <a:cs typeface="+mn-lt"/>
-              </a:rPr>
-              <a:t> of </a:t>
-            </a:r>
-            <a:r>
-              <a:rPr lang="de-DE" sz="2000" dirty="0" err="1">
-                <a:latin typeface="Gill Sans MT" panose="020B0502020104020203" pitchFamily="34" charset="0"/>
-                <a:ea typeface="+mn-lt"/>
-                <a:cs typeface="+mn-lt"/>
-              </a:rPr>
-              <a:t>gene</a:t>
-            </a:r>
-            <a:r>
-              <a:rPr lang="de-DE" sz="2000" dirty="0">
-                <a:latin typeface="Gill Sans MT" panose="020B0502020104020203" pitchFamily="34" charset="0"/>
-                <a:ea typeface="+mn-lt"/>
-                <a:cs typeface="+mn-lt"/>
-              </a:rPr>
-              <a:t> B while gen A </a:t>
-            </a:r>
-            <a:r>
-              <a:rPr lang="de-DE" sz="2000" dirty="0" err="1">
-                <a:latin typeface="Gill Sans MT" panose="020B0502020104020203" pitchFamily="34" charset="0"/>
-                <a:ea typeface="+mn-lt"/>
-                <a:cs typeface="+mn-lt"/>
-              </a:rPr>
-              <a:t>is</a:t>
-            </a:r>
-            <a:r>
-              <a:rPr lang="de-DE" sz="2000" dirty="0">
-                <a:latin typeface="Gill Sans MT" panose="020B0502020104020203" pitchFamily="34" charset="0"/>
-                <a:ea typeface="+mn-lt"/>
-                <a:cs typeface="+mn-lt"/>
-              </a:rPr>
-              <a:t> </a:t>
-            </a:r>
-            <a:r>
-              <a:rPr lang="de-DE" sz="2000" dirty="0" err="1">
-                <a:latin typeface="Gill Sans MT" panose="020B0502020104020203" pitchFamily="34" charset="0"/>
-                <a:ea typeface="+mn-lt"/>
-                <a:cs typeface="+mn-lt"/>
-              </a:rPr>
-              <a:t>inactive</a:t>
-            </a:r>
-            <a:r>
-              <a:rPr lang="de-DE" sz="2000" dirty="0">
-                <a:latin typeface="Gill Sans MT" panose="020B0502020104020203" pitchFamily="34" charset="0"/>
-                <a:ea typeface="+mn-lt"/>
-                <a:cs typeface="+mn-lt"/>
-              </a:rPr>
-              <a:t>/</a:t>
-            </a:r>
-            <a:r>
-              <a:rPr lang="de-DE" sz="2000" dirty="0" err="1">
-                <a:latin typeface="Gill Sans MT" panose="020B0502020104020203" pitchFamily="34" charset="0"/>
-                <a:ea typeface="+mn-lt"/>
-                <a:cs typeface="+mn-lt"/>
-              </a:rPr>
-              <a:t>overactive</a:t>
-            </a:r>
-            <a:endParaRPr lang="de-DE" sz="2000" dirty="0">
-              <a:latin typeface="Gill Sans MT" panose="020B0502020104020203" pitchFamily="34" charset="0"/>
-              <a:ea typeface="+mn-lt"/>
-              <a:cs typeface="+mn-lt"/>
-            </a:endParaRPr>
+              <a:t>: no significant CNA level difference of gene B while gen A is inactive/overactive</a:t>
+            </a:r>
           </a:p>
           <a:p>
             <a:pPr marL="400050" lvl="1" indent="0">
+              <a:spcBef>
+                <a:spcPts val="0"/>
+              </a:spcBef>
               <a:buNone/>
             </a:pPr>
-            <a:endParaRPr lang="de-DE" sz="2000" dirty="0">
+            <a:endParaRPr lang="en-GB" sz="2000" dirty="0">
               <a:latin typeface="Gill Sans MT" panose="020B0502020104020203" pitchFamily="34" charset="0"/>
               <a:ea typeface="+mn-lt"/>
               <a:cs typeface="+mn-lt"/>
@@ -22198,192 +22906,49 @@
           <a:p>
             <a:pPr marL="285750" indent="-285750"/>
             <a:r>
-              <a:rPr lang="de-DE" sz="2000" dirty="0" err="1">
+              <a:rPr lang="en-GB" sz="2000" dirty="0">
                 <a:latin typeface="Gill Sans MT" panose="020B0502020104020203" pitchFamily="34" charset="0"/>
                 <a:ea typeface="+mn-lt"/>
                 <a:cs typeface="+mn-lt"/>
               </a:rPr>
-              <a:t>Functional</a:t>
-            </a:r>
-            <a:r>
-              <a:rPr lang="de-DE" sz="2000" dirty="0">
+              <a:t>Functional examination</a:t>
+            </a:r>
+          </a:p>
+          <a:p>
+            <a:pPr marL="685800" lvl="1"/>
+            <a:r>
+              <a:rPr lang="en-GB" sz="2000" dirty="0">
                 <a:latin typeface="Gill Sans MT" panose="020B0502020104020203" pitchFamily="34" charset="0"/>
                 <a:ea typeface="+mn-lt"/>
                 <a:cs typeface="+mn-lt"/>
               </a:rPr>
-              <a:t> </a:t>
-            </a:r>
-            <a:r>
-              <a:rPr lang="de-DE" sz="2000" dirty="0" err="1">
+              <a:t>H</a:t>
+            </a:r>
+            <a:r>
+              <a:rPr lang="en-GB" sz="2000" baseline="-25000" dirty="0">
                 <a:latin typeface="Gill Sans MT" panose="020B0502020104020203" pitchFamily="34" charset="0"/>
                 <a:ea typeface="+mn-lt"/>
                 <a:cs typeface="+mn-lt"/>
               </a:rPr>
-              <a:t>examination</a:t>
-            </a:r>
-            <a:endParaRPr lang="de-DE" sz="2000" dirty="0">
-              <a:latin typeface="Gill Sans MT" panose="020B0502020104020203" pitchFamily="34" charset="0"/>
-              <a:ea typeface="+mn-lt"/>
-              <a:cs typeface="+mn-lt"/>
-            </a:endParaRPr>
-          </a:p>
-          <a:p>
-            <a:pPr marL="685800" lvl="1"/>
-            <a:r>
-              <a:rPr lang="de-DE" sz="2000" dirty="0">
+              <a:t>0</a:t>
+            </a:r>
+            <a:r>
+              <a:rPr lang="en-GB" sz="2000" dirty="0">
                 <a:latin typeface="Gill Sans MT" panose="020B0502020104020203" pitchFamily="34" charset="0"/>
                 <a:ea typeface="+mn-lt"/>
                 <a:cs typeface="+mn-lt"/>
               </a:rPr>
-              <a:t>H0: </a:t>
-            </a:r>
-            <a:r>
-              <a:rPr lang="de-DE" sz="2000" dirty="0" err="1">
-                <a:latin typeface="Gill Sans MT" panose="020B0502020104020203" pitchFamily="34" charset="0"/>
-                <a:ea typeface="+mn-lt"/>
-                <a:cs typeface="+mn-lt"/>
-              </a:rPr>
-              <a:t>no</a:t>
-            </a:r>
-            <a:r>
-              <a:rPr lang="de-DE" sz="2000" dirty="0">
-                <a:latin typeface="Gill Sans MT" panose="020B0502020104020203" pitchFamily="34" charset="0"/>
-                <a:ea typeface="+mn-lt"/>
-                <a:cs typeface="+mn-lt"/>
-              </a:rPr>
-              <a:t> </a:t>
-            </a:r>
-            <a:r>
-              <a:rPr lang="de-DE" sz="2000" dirty="0" err="1">
-                <a:latin typeface="Gill Sans MT" panose="020B0502020104020203" pitchFamily="34" charset="0"/>
-                <a:ea typeface="+mn-lt"/>
-                <a:cs typeface="+mn-lt"/>
-              </a:rPr>
-              <a:t>significant</a:t>
-            </a:r>
-            <a:r>
-              <a:rPr lang="de-DE" sz="2000" dirty="0">
-                <a:latin typeface="Gill Sans MT" panose="020B0502020104020203" pitchFamily="34" charset="0"/>
-                <a:ea typeface="+mn-lt"/>
-                <a:cs typeface="+mn-lt"/>
-              </a:rPr>
-              <a:t> </a:t>
-            </a:r>
-            <a:r>
-              <a:rPr lang="de-DE" sz="2000" dirty="0" err="1">
-                <a:latin typeface="Gill Sans MT" panose="020B0502020104020203" pitchFamily="34" charset="0"/>
-                <a:ea typeface="+mn-lt"/>
-                <a:cs typeface="+mn-lt"/>
-              </a:rPr>
-              <a:t>difference</a:t>
-            </a:r>
-            <a:r>
-              <a:rPr lang="de-DE" sz="2000" dirty="0">
-                <a:latin typeface="Gill Sans MT" panose="020B0502020104020203" pitchFamily="34" charset="0"/>
-                <a:ea typeface="+mn-lt"/>
-                <a:cs typeface="+mn-lt"/>
-              </a:rPr>
-              <a:t> in knockdown </a:t>
-            </a:r>
-            <a:r>
-              <a:rPr lang="de-DE" sz="2000" dirty="0" err="1">
-                <a:latin typeface="Gill Sans MT" panose="020B0502020104020203" pitchFamily="34" charset="0"/>
-                <a:ea typeface="+mn-lt"/>
-                <a:cs typeface="+mn-lt"/>
-              </a:rPr>
-              <a:t>levels</a:t>
-            </a:r>
-            <a:r>
-              <a:rPr lang="de-DE" sz="2000" dirty="0">
-                <a:latin typeface="Gill Sans MT" panose="020B0502020104020203" pitchFamily="34" charset="0"/>
-                <a:ea typeface="+mn-lt"/>
-                <a:cs typeface="+mn-lt"/>
-              </a:rPr>
-              <a:t> of </a:t>
-            </a:r>
-            <a:r>
-              <a:rPr lang="de-DE" sz="2000" dirty="0" err="1">
-                <a:latin typeface="Gill Sans MT" panose="020B0502020104020203" pitchFamily="34" charset="0"/>
-                <a:ea typeface="+mn-lt"/>
-                <a:cs typeface="+mn-lt"/>
-              </a:rPr>
-              <a:t>gene</a:t>
-            </a:r>
-            <a:r>
-              <a:rPr lang="de-DE" sz="2000" dirty="0">
-                <a:latin typeface="Gill Sans MT" panose="020B0502020104020203" pitchFamily="34" charset="0"/>
-                <a:ea typeface="+mn-lt"/>
-                <a:cs typeface="+mn-lt"/>
-              </a:rPr>
-              <a:t> B while </a:t>
-            </a:r>
-            <a:r>
-              <a:rPr lang="de-DE" sz="2000" dirty="0" err="1">
-                <a:latin typeface="Gill Sans MT" panose="020B0502020104020203" pitchFamily="34" charset="0"/>
-                <a:ea typeface="+mn-lt"/>
-                <a:cs typeface="+mn-lt"/>
-              </a:rPr>
-              <a:t>gene</a:t>
-            </a:r>
-            <a:r>
-              <a:rPr lang="de-DE" sz="2000" dirty="0">
-                <a:latin typeface="Gill Sans MT" panose="020B0502020104020203" pitchFamily="34" charset="0"/>
-                <a:ea typeface="+mn-lt"/>
-                <a:cs typeface="+mn-lt"/>
-              </a:rPr>
-              <a:t> A </a:t>
-            </a:r>
-            <a:r>
-              <a:rPr lang="de-DE" sz="2000" dirty="0" err="1">
-                <a:latin typeface="Gill Sans MT" panose="020B0502020104020203" pitchFamily="34" charset="0"/>
-                <a:ea typeface="+mn-lt"/>
-                <a:cs typeface="+mn-lt"/>
-              </a:rPr>
-              <a:t>is</a:t>
-            </a:r>
-            <a:r>
-              <a:rPr lang="de-DE" sz="2000" dirty="0">
-                <a:latin typeface="Gill Sans MT" panose="020B0502020104020203" pitchFamily="34" charset="0"/>
-                <a:ea typeface="+mn-lt"/>
-                <a:cs typeface="+mn-lt"/>
-              </a:rPr>
-              <a:t> </a:t>
-            </a:r>
-            <a:r>
-              <a:rPr lang="de-DE" sz="2000" dirty="0" err="1">
-                <a:latin typeface="Gill Sans MT" panose="020B0502020104020203" pitchFamily="34" charset="0"/>
-                <a:ea typeface="+mn-lt"/>
-                <a:cs typeface="+mn-lt"/>
-              </a:rPr>
-              <a:t>inactive</a:t>
-            </a:r>
-            <a:r>
-              <a:rPr lang="de-DE" sz="2000" dirty="0">
-                <a:latin typeface="Gill Sans MT" panose="020B0502020104020203" pitchFamily="34" charset="0"/>
-                <a:ea typeface="+mn-lt"/>
-                <a:cs typeface="+mn-lt"/>
-              </a:rPr>
-              <a:t>/</a:t>
-            </a:r>
-            <a:r>
-              <a:rPr lang="de-DE" sz="2000" dirty="0" err="1">
-                <a:latin typeface="Gill Sans MT" panose="020B0502020104020203" pitchFamily="34" charset="0"/>
-                <a:ea typeface="+mn-lt"/>
-                <a:cs typeface="+mn-lt"/>
-              </a:rPr>
-              <a:t>overactive</a:t>
-            </a:r>
-            <a:endParaRPr lang="de-DE" sz="2000" dirty="0">
-              <a:latin typeface="Gill Sans MT" panose="020B0502020104020203" pitchFamily="34" charset="0"/>
-              <a:ea typeface="+mn-lt"/>
-              <a:cs typeface="+mn-lt"/>
-            </a:endParaRPr>
+              <a:t>: no significant difference in knockdown levels of gene B while gene A is inactive/overactive</a:t>
+            </a:r>
           </a:p>
           <a:p>
             <a:pPr marL="400050" lvl="1" indent="0">
+              <a:spcBef>
+                <a:spcPts val="0"/>
+              </a:spcBef>
               <a:buNone/>
             </a:pPr>
-            <a:endParaRPr lang="de-DE" sz="2000" dirty="0">
+            <a:endParaRPr lang="en-GB" sz="2000" dirty="0">
               <a:latin typeface="Gill Sans MT" panose="020B0502020104020203" pitchFamily="34" charset="0"/>
               <a:ea typeface="+mn-lt"/>
               <a:cs typeface="+mn-lt"/>
@@ -22392,129 +22957,28 @@
           <a:p>
             <a:pPr marL="285750" indent="-285750"/>
             <a:r>
-              <a:rPr lang="de-DE" sz="2000" dirty="0">
+              <a:rPr lang="en-GB" sz="2000" dirty="0">
                 <a:latin typeface="Gill Sans MT" panose="020B0502020104020203" pitchFamily="34" charset="0"/>
                 <a:ea typeface="+mn-lt"/>
                 <a:cs typeface="+mn-lt"/>
               </a:rPr>
-              <a:t>Gen </a:t>
-            </a:r>
-            <a:r>
-              <a:rPr lang="de-DE" sz="2000" dirty="0" err="1">
+              <a:t>Gene co-expression</a:t>
+            </a:r>
+          </a:p>
+          <a:p>
+            <a:pPr marL="685800" lvl="1"/>
+            <a:r>
+              <a:rPr lang="en-GB" sz="2000" dirty="0">
                 <a:latin typeface="Gill Sans MT" panose="020B0502020104020203" pitchFamily="34" charset="0"/>
                 <a:ea typeface="+mn-lt"/>
                 <a:cs typeface="+mn-lt"/>
               </a:rPr>
-              <a:t>coexpression</a:t>
-            </a:r>
-            <a:endParaRPr lang="de-DE" sz="2000" dirty="0">
-              <a:latin typeface="Gill Sans MT" panose="020B0502020104020203" pitchFamily="34" charset="0"/>
-              <a:ea typeface="+mn-lt"/>
-              <a:cs typeface="+mn-lt"/>
-            </a:endParaRPr>
-          </a:p>
-          <a:p>
-            <a:pPr marL="685800" lvl="1"/>
-            <a:r>
-              <a:rPr lang="de-DE" sz="2000" dirty="0" err="1">
-                <a:latin typeface="Gill Sans MT" panose="020B0502020104020203" pitchFamily="34" charset="0"/>
-                <a:ea typeface="+mn-lt"/>
-                <a:cs typeface="+mn-lt"/>
-              </a:rPr>
-              <a:t>correlation</a:t>
-            </a:r>
-            <a:r>
-              <a:rPr lang="de-DE" sz="2000" dirty="0">
-                <a:latin typeface="Gill Sans MT" panose="020B0502020104020203" pitchFamily="34" charset="0"/>
-                <a:ea typeface="+mn-lt"/>
-                <a:cs typeface="+mn-lt"/>
-              </a:rPr>
-              <a:t> </a:t>
-            </a:r>
-            <a:r>
-              <a:rPr lang="de-DE" sz="2000" dirty="0" err="1">
-                <a:latin typeface="Gill Sans MT" panose="020B0502020104020203" pitchFamily="34" charset="0"/>
-                <a:ea typeface="+mn-lt"/>
-                <a:cs typeface="+mn-lt"/>
-              </a:rPr>
-              <a:t>between</a:t>
-            </a:r>
-            <a:r>
-              <a:rPr lang="de-DE" sz="2000" dirty="0">
-                <a:latin typeface="Gill Sans MT" panose="020B0502020104020203" pitchFamily="34" charset="0"/>
-                <a:ea typeface="+mn-lt"/>
-                <a:cs typeface="+mn-lt"/>
-              </a:rPr>
-              <a:t> </a:t>
-            </a:r>
-            <a:r>
-              <a:rPr lang="de-DE" sz="2000" dirty="0" err="1">
-                <a:latin typeface="Gill Sans MT" panose="020B0502020104020203" pitchFamily="34" charset="0"/>
-                <a:ea typeface="+mn-lt"/>
-                <a:cs typeface="+mn-lt"/>
-              </a:rPr>
-              <a:t>expression</a:t>
-            </a:r>
-            <a:r>
-              <a:rPr lang="de-DE" sz="2000" dirty="0">
-                <a:latin typeface="Gill Sans MT" panose="020B0502020104020203" pitchFamily="34" charset="0"/>
-                <a:ea typeface="+mn-lt"/>
-                <a:cs typeface="+mn-lt"/>
-              </a:rPr>
-              <a:t> </a:t>
-            </a:r>
-            <a:r>
-              <a:rPr lang="de-DE" sz="2000" dirty="0" err="1">
-                <a:latin typeface="Gill Sans MT" panose="020B0502020104020203" pitchFamily="34" charset="0"/>
-                <a:ea typeface="+mn-lt"/>
-                <a:cs typeface="+mn-lt"/>
-              </a:rPr>
-              <a:t>data</a:t>
-            </a:r>
-            <a:r>
-              <a:rPr lang="de-DE" sz="2000" dirty="0">
-                <a:latin typeface="Gill Sans MT" panose="020B0502020104020203" pitchFamily="34" charset="0"/>
-                <a:ea typeface="+mn-lt"/>
-                <a:cs typeface="+mn-lt"/>
-              </a:rPr>
-              <a:t> of </a:t>
-            </a:r>
-            <a:r>
-              <a:rPr lang="de-DE" sz="2000" dirty="0" err="1">
-                <a:latin typeface="Gill Sans MT" panose="020B0502020104020203" pitchFamily="34" charset="0"/>
-                <a:ea typeface="+mn-lt"/>
-                <a:cs typeface="+mn-lt"/>
-              </a:rPr>
-              <a:t>two</a:t>
-            </a:r>
-            <a:r>
-              <a:rPr lang="de-DE" sz="2000" dirty="0">
-                <a:latin typeface="Gill Sans MT" panose="020B0502020104020203" pitchFamily="34" charset="0"/>
-                <a:ea typeface="+mn-lt"/>
-                <a:cs typeface="+mn-lt"/>
-              </a:rPr>
-              <a:t> </a:t>
-            </a:r>
-            <a:r>
-              <a:rPr lang="de-DE" sz="2000" dirty="0" err="1">
-                <a:latin typeface="Gill Sans MT" panose="020B0502020104020203" pitchFamily="34" charset="0"/>
-                <a:ea typeface="+mn-lt"/>
-                <a:cs typeface="+mn-lt"/>
-              </a:rPr>
-              <a:t>gens</a:t>
-            </a:r>
-            <a:r>
-              <a:rPr lang="de-DE" sz="2000" dirty="0">
-                <a:latin typeface="Gill Sans MT" panose="020B0502020104020203" pitchFamily="34" charset="0"/>
-                <a:ea typeface="+mn-lt"/>
-                <a:cs typeface="+mn-lt"/>
-              </a:rPr>
-              <a:t> </a:t>
+              <a:t>correlation between expression data of gene A and B</a:t>
             </a:r>
           </a:p>
           <a:p>
             <a:pPr marL="285750" indent="-285750"/>
-            <a:endParaRPr lang="de-DE" sz="2000" dirty="0">
+            <a:endParaRPr lang="en-GB" sz="2000" dirty="0">
               <a:latin typeface="Gill Sans MT" panose="020B0502020104020203" pitchFamily="34" charset="0"/>
               <a:ea typeface="+mn-lt"/>
               <a:cs typeface="+mn-lt"/>
@@ -23175,8 +23639,8 @@
         </p:nvSpPr>
         <p:spPr>
           <a:xfrm>
-            <a:off x="634924" y="1983250"/>
-            <a:ext cx="9135301" cy="876328"/>
+            <a:off x="634925" y="1983250"/>
+            <a:ext cx="8736142" cy="876328"/>
           </a:xfrm>
           <a:prstGeom prst="rect">
             <a:avLst/>
@@ -23293,6 +23757,88 @@
           </a:p>
         </p:txBody>
       </p:sp>
+      <p:pic>
+        <p:nvPicPr>
+          <p:cNvPr id="3" name="Grafik 2">
+            <a:extLst>
+              <a:ext uri="{FF2B5EF4-FFF2-40B4-BE49-F238E27FC236}">
+                <a16:creationId xmlns:a16="http://schemas.microsoft.com/office/drawing/2014/main" id="{9D9FCB56-88B2-44D7-8F52-19F4865DC823}"/>
+              </a:ext>
+            </a:extLst>
+          </p:cNvPr>
+          <p:cNvPicPr>
+            <a:picLocks noChangeAspect="1"/>
+          </p:cNvPicPr>
+          <p:nvPr/>
+        </p:nvPicPr>
+        <p:blipFill>
+          <a:blip r:embed="rId4"/>
+          <a:stretch>
+            <a:fillRect/>
+          </a:stretch>
+        </p:blipFill>
+        <p:spPr>
+          <a:xfrm>
+            <a:off x="8333496" y="2620357"/>
+            <a:ext cx="3316100" cy="1714645"/>
+          </a:xfrm>
+          <a:prstGeom prst="rect">
+            <a:avLst/>
+          </a:prstGeom>
+        </p:spPr>
+      </p:pic>
+      <p:sp>
+        <p:nvSpPr>
+          <p:cNvPr id="19" name="Textfeld 18">
+            <a:extLst>
+              <a:ext uri="{FF2B5EF4-FFF2-40B4-BE49-F238E27FC236}">
+                <a16:creationId xmlns:a16="http://schemas.microsoft.com/office/drawing/2014/main" id="{B9B66A64-7773-4F85-8514-6AC7A9689207}"/>
+              </a:ext>
+            </a:extLst>
+          </p:cNvPr>
+          <p:cNvSpPr txBox="1"/>
+          <p:nvPr/>
+        </p:nvSpPr>
+        <p:spPr>
+          <a:xfrm>
+            <a:off x="7631168" y="6400662"/>
+            <a:ext cx="4854632" cy="400110"/>
+          </a:xfrm>
+          <a:prstGeom prst="rect">
+            <a:avLst/>
+          </a:prstGeom>
+          <a:noFill/>
+        </p:spPr>
+        <p:txBody>
+          <a:bodyPr wrap="square" rtlCol="0">
+            <a:spAutoFit/>
+          </a:bodyPr>
+          <a:lstStyle/>
+          <a:p>
+            <a:r>
+              <a:rPr lang="en-US" sz="1000" dirty="0">
+                <a:latin typeface="Gill Sans MT" panose="020B0502020104020203" pitchFamily="34" charset="0"/>
+              </a:rPr>
+              <a:t>O’Neil, Nigel J., Melanie L. Bailey, and Philip </a:t>
+            </a:r>
+            <a:r>
+              <a:rPr lang="en-US" sz="1000" dirty="0" err="1">
+                <a:latin typeface="Gill Sans MT" panose="020B0502020104020203" pitchFamily="34" charset="0"/>
+              </a:rPr>
+              <a:t>Hieter</a:t>
+            </a:r>
+            <a:r>
+              <a:rPr lang="en-US" sz="1000" dirty="0">
+                <a:latin typeface="Gill Sans MT" panose="020B0502020104020203" pitchFamily="34" charset="0"/>
+              </a:rPr>
+              <a:t>. “Synthetic lethality and cancer.” Nature Reviews Genetics 18.10 (2017): 613.</a:t>
+            </a:r>
+            <a:endParaRPr lang="de-DE" sz="1000" dirty="0">
+              <a:latin typeface="Gill Sans MT" panose="020B0502020104020203" pitchFamily="34" charset="0"/>
+            </a:endParaRPr>
+          </a:p>
+        </p:txBody>
+      </p:sp>
     </p:spTree>
     <p:extLst>
       <p:ext uri="{BB962C8B-B14F-4D97-AF65-F5344CB8AC3E}">
@@ -23305,7 +23851,7 @@
   </p:clrMapOvr>
   <mc:AlternateContent xmlns:mc="http://schemas.openxmlformats.org/markup-compatibility/2006" xmlns:p159="http://schemas.microsoft.com/office/powerpoint/2015/09/main">
     <mc:Choice Requires="p159">
-      <p:transition xmlns:p14="http://schemas.microsoft.com/office/powerpoint/2010/main" spd="slow" p14:dur="2000">
+      <p:transition xmlns:p14="http://schemas.microsoft.com/office/powerpoint/2010/main" spd="slow" p14:dur="1500">
         <p159:morph option="byObject"/>
       </p:transition>
     </mc:Choice>
@@ -23369,61 +23915,12 @@
                               <p:par>
                                 <p:cTn id="7" presetID="1" presetClass="entr" presetSubtype="0" fill="hold" nodeType="withEffect">
                                   <p:stCondLst>
-                                    <p:cond delay="0"/>
+                                    <p:cond delay="1250"/>
                                   </p:stCondLst>
                                   <p:childTnLst>
                                     <p:set>
                                       <p:cBhvr>
                                         <p:cTn id="8" dur="1" fill="hold">
-                                          <p:stCondLst>
-                                            <p:cond delay="0"/>
-                                          </p:stCondLst>
-                                        </p:cTn>
-                                        <p:tgtEl>
-                                          <p:spTgt spid="8">
-                                            <p:txEl>
-                                              <p:pRg st="1" end="1"/>
-                                            </p:txEl>
-                                          </p:spTgt>
-                                        </p:tgtEl>
-                                        <p:attrNameLst>
-                                          <p:attrName>style.visibility</p:attrName>
-                                        </p:attrNameLst>
-                                      </p:cBhvr>
-                                      <p:to>
-                                        <p:strVal val="visible"/>
-                                      </p:to>
-                                    </p:set>
-                                  </p:childTnLst>
-                                </p:cTn>
-                              </p:par>
-                            </p:childTnLst>
-                          </p:cTn>
-                        </p:par>
-                      </p:childTnLst>
-                    </p:cTn>
-                  </p:par>
-                  <p:par>
-                    <p:cTn id="9" fill="hold">
-                      <p:stCondLst>
-                        <p:cond delay="indefinite"/>
-                      </p:stCondLst>
-                      <p:childTnLst>
-                        <p:par>
-                          <p:cTn id="10" fill="hold">
-                            <p:stCondLst>
-                              <p:cond delay="0"/>
-                            </p:stCondLst>
-                            <p:childTnLst>
-                              <p:par>
-                                <p:cTn id="11" presetID="1" presetClass="entr" presetSubtype="0" fill="hold" nodeType="clickEffect">
-                                  <p:stCondLst>
-                                    <p:cond delay="0"/>
-                                  </p:stCondLst>
-                                  <p:childTnLst>
-                                    <p:set>
-                                      <p:cBhvr>
-                                        <p:cTn id="12" dur="1" fill="hold">
                                           <p:stCondLst>
                                             <p:cond delay="0"/>
                                           </p:stCondLst>
@@ -23447,7 +23944,56 @@
                                 </p:cTn>
                               </p:par>
                               <p:par>
-                                <p:cTn id="13" presetID="1" presetClass="entr" presetSubtype="0" fill="hold" nodeType="withEffect">
+                                <p:cTn id="9" presetID="1" presetClass="entr" presetSubtype="0" fill="hold" nodeType="withEffect">
+                                  <p:stCondLst>
+                                    <p:cond delay="2500"/>
+                                  </p:stCondLst>
+                                  <p:childTnLst>
+                                    <p:set>
+                                      <p:cBhvr>
+                                        <p:cTn id="10" dur="1" fill="hold">
+                                          <p:stCondLst>
+                                            <p:cond delay="0"/>
+                                          </p:stCondLst>
+                                        </p:cTn>
+                                        <p:tgtEl>
+                                          <p:spTgt spid="8">
+                                            <p:txEl>
+                                              <p:pRg st="6" end="6"/>
+                                            </p:txEl>
+                                          </p:spTgt>
+                                        </p:tgtEl>
+                                        <p:attrNameLst>
+                                          <p:attrName>style.visibility</p:attrName>
+                                        </p:attrNameLst>
+                                      </p:cBhvr>
+                                      <p:to>
+                                        <p:strVal val="visible"/>
+                                      </p:to>
+                                    </p:set>
+                                  </p:childTnLst>
+                                </p:cTn>
+                              </p:par>
+                            </p:childTnLst>
+                          </p:cTn>
+                        </p:par>
+                      </p:childTnLst>
+                    </p:cTn>
+                  </p:par>
+                  <p:par>
+                    <p:cTn id="11" fill="hold">
+                      <p:stCondLst>
+                        <p:cond delay="indefinite"/>
+                      </p:stCondLst>
+                      <p:childTnLst>
+                        <p:par>
+                          <p:cTn id="12" fill="hold">
+                            <p:stCondLst>
+                              <p:cond delay="0"/>
+                            </p:stCondLst>
+                            <p:childTnLst>
+                              <p:par>
+                                <p:cTn id="13" presetID="1" presetClass="entr" presetSubtype="0" fill="hold" nodeType="clickEffect">
                                   <p:stCondLst>
                                     <p:cond delay="0"/>
                                   </p:stCondLst>
@@ -23462,7 +24008,7 @@
                                         <p:tgtEl>
                                           <p:spTgt spid="8">
                                             <p:txEl>
-                                              <p:pRg st="4" end="4"/>
+                                              <p:pRg st="1" end="1"/>
                                             </p:txEl>
                                           </p:spTgt>
                                         </p:tgtEl>
@@ -23511,7 +24057,7 @@
                                         <p:tgtEl>
                                           <p:spTgt spid="8">
                                             <p:txEl>
-                                              <p:pRg st="6" end="6"/>
+                                              <p:pRg st="4" end="4"/>
                                             </p:txEl>
                                           </p:spTgt>
                                         </p:tgtEl>
@@ -23526,15 +24072,33 @@
                                   </p:childTnLst>
                                 </p:cTn>
                               </p:par>
+                            </p:childTnLst>
+                          </p:cTn>
+                        </p:par>
+                      </p:childTnLst>
+                    </p:cTn>
+                  </p:par>
+                  <p:par>
+                    <p:cTn id="19" fill="hold">
+                      <p:stCondLst>
+                        <p:cond delay="indefinite"/>
+                      </p:stCondLst>
+                      <p:childTnLst>
+                        <p:par>
+                          <p:cTn id="20" fill="hold">
+                            <p:stCondLst>
+                              <p:cond delay="0"/>
+                            </p:stCondLst>
+                            <p:childTnLst>
                               <p:par>
-                                <p:cTn id="19" presetID="1" presetClass="entr" presetSubtype="0" fill="hold" nodeType="withEffect">
+                                <p:cTn id="21" presetID="1" presetClass="entr" presetSubtype="0" fill="hold" nodeType="clickEffect">
                                   <p:stCondLst>
                                     <p:cond delay="0"/>
                                   </p:stCondLst>
                                   <p:childTnLst>
                                     <p:set>
                                       <p:cBhvr>
-                                        <p:cTn id="20" dur="1" fill="hold">
+                                        <p:cTn id="22" dur="1" fill="hold">
                                           <p:stCondLst>
                                             <p:cond delay="0"/>
                                           </p:stCondLst>

--- a/Project Proposal.pptx
+++ b/Project Proposal.pptx
@@ -182,9 +182,7 @@
 <file path=ppt/revisionInfo.xml><?xml version="1.0" encoding="utf-8"?>
 <p1510:revInfo xmlns:a="http://schemas.openxmlformats.org/drawingml/2006/main" xmlns:r="http://schemas.openxmlformats.org/officeDocument/2006/relationships" xmlns:p1510="http://schemas.microsoft.com/office/powerpoint/2015/10/main">
   <p1510:revLst>
-    <p1510:client id="{0A60967B-DAF8-A1FE-489D-49D4C2143C79}" v="42" dt="2019-05-14T15:17:25.865"/>
-    <p1510:client id="{FEE5CBDF-FE29-4F9F-99B9-949F0817748B}" v="5081" dt="2019-05-15T09:02:35.085"/>
-    <p1510:client id="{D379BF8A-BE76-E467-2798-A142A7104027}" v="34" dt="2019-05-14T19:50:33.846"/>
+    <p1510:client id="{81CDA804-D030-44AE-AD5B-4DD392FC7401}" v="24" dt="2019-06-11T20:08:42.496"/>
   </p1510:revLst>
 </p1510:revInfo>
 </file>
@@ -192,102 +190,3608 @@
 <file path=ppt/changesInfos/changesInfo1.xml><?xml version="1.0" encoding="utf-8"?>
 <pc:chgInfo xmlns:a="http://schemas.openxmlformats.org/drawingml/2006/main" xmlns:r="http://schemas.openxmlformats.org/officeDocument/2006/relationships" xmlns:ac="http://schemas.microsoft.com/office/drawing/2013/main/command" xmlns:pc="http://schemas.microsoft.com/office/powerpoint/2013/main/command">
   <pc:docChgLst>
-    <pc:chgData name="tobias.hub@web.de" userId="S::urn:spo:guest#tobias.hub@web.de::" providerId="AD" clId="Web-{BFF7F638-A37A-55D5-6302-81C8EFF2DF27}"/>
+    <pc:chgData name="tobias.hub@web.de" userId="S::urn:spo:guest#tobias.hub@web.de::" providerId="AD" clId="Web-{0F1670F1-5E66-155C-8EF0-ED34F4265544}"/>
     <pc:docChg chg="modSld">
-      <pc:chgData name="tobias.hub@web.de" userId="S::urn:spo:guest#tobias.hub@web.de::" providerId="AD" clId="Web-{BFF7F638-A37A-55D5-6302-81C8EFF2DF27}" dt="2019-05-13T16:23:54.549" v="2157" actId="20577"/>
+      <pc:chgData name="tobias.hub@web.de" userId="S::urn:spo:guest#tobias.hub@web.de::" providerId="AD" clId="Web-{0F1670F1-5E66-155C-8EF0-ED34F4265544}" dt="2019-05-14T08:36:40.724" v="10"/>
+      <pc:docMkLst>
+        <pc:docMk/>
+      </pc:docMkLst>
+      <pc:sldChg chg="modNotes">
+        <pc:chgData name="tobias.hub@web.de" userId="S::urn:spo:guest#tobias.hub@web.de::" providerId="AD" clId="Web-{0F1670F1-5E66-155C-8EF0-ED34F4265544}" dt="2019-05-14T08:36:40.724" v="10"/>
+        <pc:sldMkLst>
+          <pc:docMk/>
+          <pc:sldMk cId="381550320" sldId="276"/>
+        </pc:sldMkLst>
+      </pc:sldChg>
+    </pc:docChg>
+  </pc:docChgLst>
+  <pc:docChgLst>
+    <pc:chgData name="pascal.poc.pp@gmail.com" userId="S::urn:spo:guest#pascal.poc.pp@gmail.com::" providerId="AD" clId="Web-{54F2D62C-3A25-0C75-26B0-1119EBE2E004}"/>
+    <pc:docChg chg="modSld">
+      <pc:chgData name="pascal.poc.pp@gmail.com" userId="S::urn:spo:guest#pascal.poc.pp@gmail.com::" providerId="AD" clId="Web-{54F2D62C-3A25-0C75-26B0-1119EBE2E004}" dt="2019-05-13T14:19:28.834" v="50" actId="1076"/>
       <pc:docMkLst>
         <pc:docMk/>
       </pc:docMkLst>
       <pc:sldChg chg="modSp">
-        <pc:chgData name="tobias.hub@web.de" userId="S::urn:spo:guest#tobias.hub@web.de::" providerId="AD" clId="Web-{BFF7F638-A37A-55D5-6302-81C8EFF2DF27}" dt="2019-05-13T15:51:26.177" v="1527" actId="1076"/>
+        <pc:chgData name="pascal.poc.pp@gmail.com" userId="S::urn:spo:guest#pascal.poc.pp@gmail.com::" providerId="AD" clId="Web-{54F2D62C-3A25-0C75-26B0-1119EBE2E004}" dt="2019-05-13T08:02:32.366" v="6" actId="20577"/>
+        <pc:sldMkLst>
+          <pc:docMk/>
+          <pc:sldMk cId="2484908466" sldId="256"/>
+        </pc:sldMkLst>
+        <pc:spChg chg="mod">
+          <ac:chgData name="pascal.poc.pp@gmail.com" userId="S::urn:spo:guest#pascal.poc.pp@gmail.com::" providerId="AD" clId="Web-{54F2D62C-3A25-0C75-26B0-1119EBE2E004}" dt="2019-05-13T08:02:32.366" v="6" actId="20577"/>
+          <ac:spMkLst>
+            <pc:docMk/>
+            <pc:sldMk cId="2484908466" sldId="256"/>
+            <ac:spMk id="2" creationId="{1AD6BE74-C148-45F5-A49F-1D57CB38CDC0}"/>
+          </ac:spMkLst>
+        </pc:spChg>
+      </pc:sldChg>
+      <pc:sldChg chg="addSp delSp modSp">
+        <pc:chgData name="pascal.poc.pp@gmail.com" userId="S::urn:spo:guest#pascal.poc.pp@gmail.com::" providerId="AD" clId="Web-{54F2D62C-3A25-0C75-26B0-1119EBE2E004}" dt="2019-05-13T14:19:28.834" v="50" actId="1076"/>
+        <pc:sldMkLst>
+          <pc:docMk/>
+          <pc:sldMk cId="836733519" sldId="265"/>
+        </pc:sldMkLst>
+        <pc:picChg chg="add del mod">
+          <ac:chgData name="pascal.poc.pp@gmail.com" userId="S::urn:spo:guest#pascal.poc.pp@gmail.com::" providerId="AD" clId="Web-{54F2D62C-3A25-0C75-26B0-1119EBE2E004}" dt="2019-05-13T14:11:19.587" v="38"/>
+          <ac:picMkLst>
+            <pc:docMk/>
+            <pc:sldMk cId="836733519" sldId="265"/>
+            <ac:picMk id="325" creationId="{25B10FD8-3342-493F-BE4D-F853A27BBB69}"/>
+          </ac:picMkLst>
+        </pc:picChg>
+        <pc:picChg chg="add del mod">
+          <ac:chgData name="pascal.poc.pp@gmail.com" userId="S::urn:spo:guest#pascal.poc.pp@gmail.com::" providerId="AD" clId="Web-{54F2D62C-3A25-0C75-26B0-1119EBE2E004}" dt="2019-05-13T14:12:30.180" v="46"/>
+          <ac:picMkLst>
+            <pc:docMk/>
+            <pc:sldMk cId="836733519" sldId="265"/>
+            <ac:picMk id="327" creationId="{D49C6E22-4ED3-4F4A-A2CD-1E41B86E2E64}"/>
+          </ac:picMkLst>
+        </pc:picChg>
+        <pc:picChg chg="add del mod">
+          <ac:chgData name="pascal.poc.pp@gmail.com" userId="S::urn:spo:guest#pascal.poc.pp@gmail.com::" providerId="AD" clId="Web-{54F2D62C-3A25-0C75-26B0-1119EBE2E004}" dt="2019-05-13T14:12:27.977" v="45"/>
+          <ac:picMkLst>
+            <pc:docMk/>
+            <pc:sldMk cId="836733519" sldId="265"/>
+            <ac:picMk id="329" creationId="{F049CDC3-8C1D-4045-B57B-CBCDC8089A56}"/>
+          </ac:picMkLst>
+        </pc:picChg>
+        <pc:picChg chg="add del mod">
+          <ac:chgData name="pascal.poc.pp@gmail.com" userId="S::urn:spo:guest#pascal.poc.pp@gmail.com::" providerId="AD" clId="Web-{54F2D62C-3A25-0C75-26B0-1119EBE2E004}" dt="2019-05-13T14:07:06.791" v="30"/>
+          <ac:picMkLst>
+            <pc:docMk/>
+            <pc:sldMk cId="836733519" sldId="265"/>
+            <ac:picMk id="330" creationId="{042BCB9A-0899-49FF-9258-FD8F4B9B8B4D}"/>
+          </ac:picMkLst>
+        </pc:picChg>
+        <pc:picChg chg="add mod">
+          <ac:chgData name="pascal.poc.pp@gmail.com" userId="S::urn:spo:guest#pascal.poc.pp@gmail.com::" providerId="AD" clId="Web-{54F2D62C-3A25-0C75-26B0-1119EBE2E004}" dt="2019-05-13T14:13:07.289" v="48" actId="1076"/>
+          <ac:picMkLst>
+            <pc:docMk/>
+            <pc:sldMk cId="836733519" sldId="265"/>
+            <ac:picMk id="331" creationId="{853ED335-0968-43B6-9385-7865869F63F1}"/>
+          </ac:picMkLst>
+        </pc:picChg>
+        <pc:picChg chg="add mod">
+          <ac:chgData name="pascal.poc.pp@gmail.com" userId="S::urn:spo:guest#pascal.poc.pp@gmail.com::" providerId="AD" clId="Web-{54F2D62C-3A25-0C75-26B0-1119EBE2E004}" dt="2019-05-13T14:06:50.791" v="28" actId="1076"/>
+          <ac:picMkLst>
+            <pc:docMk/>
+            <pc:sldMk cId="836733519" sldId="265"/>
+            <ac:picMk id="332" creationId="{73D36892-A87C-4EC8-887E-8F49160ABE7D}"/>
+          </ac:picMkLst>
+        </pc:picChg>
+        <pc:picChg chg="add mod">
+          <ac:chgData name="pascal.poc.pp@gmail.com" userId="S::urn:spo:guest#pascal.poc.pp@gmail.com::" providerId="AD" clId="Web-{54F2D62C-3A25-0C75-26B0-1119EBE2E004}" dt="2019-05-13T14:06:55.807" v="29" actId="1076"/>
+          <ac:picMkLst>
+            <pc:docMk/>
+            <pc:sldMk cId="836733519" sldId="265"/>
+            <ac:picMk id="334" creationId="{FF62C545-E97B-4917-8B71-28263D1AFE23}"/>
+          </ac:picMkLst>
+        </pc:picChg>
+        <pc:picChg chg="add mod">
+          <ac:chgData name="pascal.poc.pp@gmail.com" userId="S::urn:spo:guest#pascal.poc.pp@gmail.com::" providerId="AD" clId="Web-{54F2D62C-3A25-0C75-26B0-1119EBE2E004}" dt="2019-05-13T14:06:43.619" v="26" actId="1076"/>
+          <ac:picMkLst>
+            <pc:docMk/>
+            <pc:sldMk cId="836733519" sldId="265"/>
+            <ac:picMk id="336" creationId="{933364B4-9F52-4764-866E-778DD03226C3}"/>
+          </ac:picMkLst>
+        </pc:picChg>
+        <pc:picChg chg="add mod">
+          <ac:chgData name="pascal.poc.pp@gmail.com" userId="S::urn:spo:guest#pascal.poc.pp@gmail.com::" providerId="AD" clId="Web-{54F2D62C-3A25-0C75-26B0-1119EBE2E004}" dt="2019-05-13T14:07:34.588" v="32" actId="1076"/>
+          <ac:picMkLst>
+            <pc:docMk/>
+            <pc:sldMk cId="836733519" sldId="265"/>
+            <ac:picMk id="338" creationId="{73D2A9E5-6A07-44F4-85CD-D7885AD13222}"/>
+          </ac:picMkLst>
+        </pc:picChg>
+        <pc:picChg chg="add mod">
+          <ac:chgData name="pascal.poc.pp@gmail.com" userId="S::urn:spo:guest#pascal.poc.pp@gmail.com::" providerId="AD" clId="Web-{54F2D62C-3A25-0C75-26B0-1119EBE2E004}" dt="2019-05-13T14:07:58.056" v="34" actId="1076"/>
+          <ac:picMkLst>
+            <pc:docMk/>
+            <pc:sldMk cId="836733519" sldId="265"/>
+            <ac:picMk id="340" creationId="{BB704ABF-B671-4ED4-A736-8BF22EEBF660}"/>
+          </ac:picMkLst>
+        </pc:picChg>
+        <pc:picChg chg="add mod">
+          <ac:chgData name="pascal.poc.pp@gmail.com" userId="S::urn:spo:guest#pascal.poc.pp@gmail.com::" providerId="AD" clId="Web-{54F2D62C-3A25-0C75-26B0-1119EBE2E004}" dt="2019-05-13T14:19:28.834" v="50" actId="1076"/>
+          <ac:picMkLst>
+            <pc:docMk/>
+            <pc:sldMk cId="836733519" sldId="265"/>
+            <ac:picMk id="345" creationId="{857AB9BF-1E05-4FA1-B45F-722DCF7FBB7B}"/>
+          </ac:picMkLst>
+        </pc:picChg>
+      </pc:sldChg>
+      <pc:sldChg chg="modSp">
+        <pc:chgData name="pascal.poc.pp@gmail.com" userId="S::urn:spo:guest#pascal.poc.pp@gmail.com::" providerId="AD" clId="Web-{54F2D62C-3A25-0C75-26B0-1119EBE2E004}" dt="2019-05-13T08:10:35.019" v="12" actId="1076"/>
+        <pc:sldMkLst>
+          <pc:docMk/>
+          <pc:sldMk cId="2923162179" sldId="266"/>
+        </pc:sldMkLst>
+        <pc:spChg chg="mod">
+          <ac:chgData name="pascal.poc.pp@gmail.com" userId="S::urn:spo:guest#pascal.poc.pp@gmail.com::" providerId="AD" clId="Web-{54F2D62C-3A25-0C75-26B0-1119EBE2E004}" dt="2019-05-13T08:10:20.598" v="10" actId="20577"/>
+          <ac:spMkLst>
+            <pc:docMk/>
+            <pc:sldMk cId="2923162179" sldId="266"/>
+            <ac:spMk id="2" creationId="{3AFFD6C7-E4F3-4CC2-9977-57E2B563D5DB}"/>
+          </ac:spMkLst>
+        </pc:spChg>
+        <pc:picChg chg="mod">
+          <ac:chgData name="pascal.poc.pp@gmail.com" userId="S::urn:spo:guest#pascal.poc.pp@gmail.com::" providerId="AD" clId="Web-{54F2D62C-3A25-0C75-26B0-1119EBE2E004}" dt="2019-05-13T08:10:35.019" v="12" actId="1076"/>
+          <ac:picMkLst>
+            <pc:docMk/>
+            <pc:sldMk cId="2923162179" sldId="266"/>
+            <ac:picMk id="4" creationId="{6396212C-CC14-42F5-A6C0-F37A60C5A6E9}"/>
+          </ac:picMkLst>
+        </pc:picChg>
+      </pc:sldChg>
+      <pc:sldChg chg="modSp">
+        <pc:chgData name="pascal.poc.pp@gmail.com" userId="S::urn:spo:guest#pascal.poc.pp@gmail.com::" providerId="AD" clId="Web-{54F2D62C-3A25-0C75-26B0-1119EBE2E004}" dt="2019-05-13T13:45:07.548" v="17" actId="20577"/>
+        <pc:sldMkLst>
+          <pc:docMk/>
+          <pc:sldMk cId="3411230145" sldId="273"/>
+        </pc:sldMkLst>
+        <pc:spChg chg="mod">
+          <ac:chgData name="pascal.poc.pp@gmail.com" userId="S::urn:spo:guest#pascal.poc.pp@gmail.com::" providerId="AD" clId="Web-{54F2D62C-3A25-0C75-26B0-1119EBE2E004}" dt="2019-05-13T13:45:07.548" v="17" actId="20577"/>
+          <ac:spMkLst>
+            <pc:docMk/>
+            <pc:sldMk cId="3411230145" sldId="273"/>
+            <ac:spMk id="6" creationId="{0D3C4D43-0167-4BC2-91B0-8DB1F2AE73AE}"/>
+          </ac:spMkLst>
+        </pc:spChg>
+      </pc:sldChg>
+    </pc:docChg>
+  </pc:docChgLst>
+  <pc:docChgLst>
+    <pc:chgData name="Nils Mechtel" userId="d365a3c7-8594-435f-9872-5455ceefc78f" providerId="ADAL" clId="{FEE5CBDF-FE29-4F9F-99B9-949F0817748B}"/>
+    <pc:docChg chg="undo redo custSel mod addSld delSld modSld sldOrd delSection modSection">
+      <pc:chgData name="Nils Mechtel" userId="d365a3c7-8594-435f-9872-5455ceefc78f" providerId="ADAL" clId="{FEE5CBDF-FE29-4F9F-99B9-949F0817748B}" dt="2019-05-15T11:44:43.362" v="6009" actId="1592"/>
+      <pc:docMkLst>
+        <pc:docMk/>
+      </pc:docMkLst>
+      <pc:sldChg chg="addSp delSp modSp mod setBg setClrOvrMap delDesignElem">
+        <pc:chgData name="Nils Mechtel" userId="d365a3c7-8594-435f-9872-5455ceefc78f" providerId="ADAL" clId="{FEE5CBDF-FE29-4F9F-99B9-949F0817748B}" dt="2019-05-13T08:04:07.109" v="2486" actId="1076"/>
+        <pc:sldMkLst>
+          <pc:docMk/>
+          <pc:sldMk cId="2484908466" sldId="256"/>
+        </pc:sldMkLst>
+        <pc:spChg chg="mod ord">
+          <ac:chgData name="Nils Mechtel" userId="d365a3c7-8594-435f-9872-5455ceefc78f" providerId="ADAL" clId="{FEE5CBDF-FE29-4F9F-99B9-949F0817748B}" dt="2019-05-13T08:04:07.109" v="2486" actId="1076"/>
+          <ac:spMkLst>
+            <pc:docMk/>
+            <pc:sldMk cId="2484908466" sldId="256"/>
+            <ac:spMk id="2" creationId="{1AD6BE74-C148-45F5-A49F-1D57CB38CDC0}"/>
+          </ac:spMkLst>
+        </pc:spChg>
+        <pc:spChg chg="mod ord">
+          <ac:chgData name="Nils Mechtel" userId="d365a3c7-8594-435f-9872-5455ceefc78f" providerId="ADAL" clId="{FEE5CBDF-FE29-4F9F-99B9-949F0817748B}" dt="2019-05-13T08:04:07.109" v="2486" actId="1076"/>
+          <ac:spMkLst>
+            <pc:docMk/>
+            <pc:sldMk cId="2484908466" sldId="256"/>
+            <ac:spMk id="3" creationId="{81862294-C6C8-4267-9EC4-FCE207C21611}"/>
+          </ac:spMkLst>
+        </pc:spChg>
+        <pc:spChg chg="add del">
+          <ac:chgData name="Nils Mechtel" userId="d365a3c7-8594-435f-9872-5455ceefc78f" providerId="ADAL" clId="{FEE5CBDF-FE29-4F9F-99B9-949F0817748B}" dt="2019-05-11T12:32:07.297" v="270" actId="26606"/>
+          <ac:spMkLst>
+            <pc:docMk/>
+            <pc:sldMk cId="2484908466" sldId="256"/>
+            <ac:spMk id="5" creationId="{9179DE42-5613-4B35-A1E6-6CCBAA13C743}"/>
+          </ac:spMkLst>
+        </pc:spChg>
+        <pc:spChg chg="add del">
+          <ac:chgData name="Nils Mechtel" userId="d365a3c7-8594-435f-9872-5455ceefc78f" providerId="ADAL" clId="{FEE5CBDF-FE29-4F9F-99B9-949F0817748B}" dt="2019-05-11T12:25:47.432" v="6" actId="26606"/>
+          <ac:spMkLst>
+            <pc:docMk/>
+            <pc:sldMk cId="2484908466" sldId="256"/>
+            <ac:spMk id="8" creationId="{27577DEC-D9A5-404D-9789-702F4319BEC8}"/>
+          </ac:spMkLst>
+        </pc:spChg>
+        <pc:spChg chg="add del">
+          <ac:chgData name="Nils Mechtel" userId="d365a3c7-8594-435f-9872-5455ceefc78f" providerId="ADAL" clId="{FEE5CBDF-FE29-4F9F-99B9-949F0817748B}" dt="2019-05-11T12:32:07.297" v="270" actId="26606"/>
+          <ac:spMkLst>
+            <pc:docMk/>
+            <pc:sldMk cId="2484908466" sldId="256"/>
+            <ac:spMk id="9" creationId="{52FB45E9-914E-4471-AC87-E475CD51767D}"/>
+          </ac:spMkLst>
+        </pc:spChg>
+        <pc:spChg chg="add del">
+          <ac:chgData name="Nils Mechtel" userId="d365a3c7-8594-435f-9872-5455ceefc78f" providerId="ADAL" clId="{FEE5CBDF-FE29-4F9F-99B9-949F0817748B}" dt="2019-05-11T12:32:07.297" v="270" actId="26606"/>
+          <ac:spMkLst>
+            <pc:docMk/>
+            <pc:sldMk cId="2484908466" sldId="256"/>
+            <ac:spMk id="11" creationId="{C310626D-5743-49D4-8F7D-88C4F8F05774}"/>
+          </ac:spMkLst>
+        </pc:spChg>
+        <pc:spChg chg="add del">
+          <ac:chgData name="Nils Mechtel" userId="d365a3c7-8594-435f-9872-5455ceefc78f" providerId="ADAL" clId="{FEE5CBDF-FE29-4F9F-99B9-949F0817748B}" dt="2019-05-11T12:32:07.297" v="270" actId="26606"/>
+          <ac:spMkLst>
+            <pc:docMk/>
+            <pc:sldMk cId="2484908466" sldId="256"/>
+            <ac:spMk id="13" creationId="{3C195FC1-B568-4C72-9902-34CB35DDD7A1}"/>
+          </ac:spMkLst>
+        </pc:spChg>
+        <pc:spChg chg="add del">
+          <ac:chgData name="Nils Mechtel" userId="d365a3c7-8594-435f-9872-5455ceefc78f" providerId="ADAL" clId="{FEE5CBDF-FE29-4F9F-99B9-949F0817748B}" dt="2019-05-11T12:26:01.497" v="9"/>
+          <ac:spMkLst>
+            <pc:docMk/>
+            <pc:sldMk cId="2484908466" sldId="256"/>
+            <ac:spMk id="14" creationId="{52FB45E9-914E-4471-AC87-E475CD51767D}"/>
+          </ac:spMkLst>
+        </pc:spChg>
+        <pc:spChg chg="add del">
+          <ac:chgData name="Nils Mechtel" userId="d365a3c7-8594-435f-9872-5455ceefc78f" providerId="ADAL" clId="{FEE5CBDF-FE29-4F9F-99B9-949F0817748B}" dt="2019-05-11T12:32:07.297" v="270" actId="26606"/>
+          <ac:spMkLst>
+            <pc:docMk/>
+            <pc:sldMk cId="2484908466" sldId="256"/>
+            <ac:spMk id="15" creationId="{EF2BDF77-362C-43F0-8CBB-A969EC2AE0C4}"/>
+          </ac:spMkLst>
+        </pc:spChg>
+        <pc:spChg chg="add del">
+          <ac:chgData name="Nils Mechtel" userId="d365a3c7-8594-435f-9872-5455ceefc78f" providerId="ADAL" clId="{FEE5CBDF-FE29-4F9F-99B9-949F0817748B}" dt="2019-05-11T12:26:01.497" v="9"/>
+          <ac:spMkLst>
+            <pc:docMk/>
+            <pc:sldMk cId="2484908466" sldId="256"/>
+            <ac:spMk id="16" creationId="{C310626D-5743-49D4-8F7D-88C4F8F05774}"/>
+          </ac:spMkLst>
+        </pc:spChg>
+        <pc:spChg chg="add del">
+          <ac:chgData name="Nils Mechtel" userId="d365a3c7-8594-435f-9872-5455ceefc78f" providerId="ADAL" clId="{FEE5CBDF-FE29-4F9F-99B9-949F0817748B}" dt="2019-05-11T12:32:07.297" v="270" actId="26606"/>
+          <ac:spMkLst>
+            <pc:docMk/>
+            <pc:sldMk cId="2484908466" sldId="256"/>
+            <ac:spMk id="17" creationId="{4BE96B01-3929-432D-B8C2-ADBCB74C2EF4}"/>
+          </ac:spMkLst>
+        </pc:spChg>
+        <pc:spChg chg="add del">
+          <ac:chgData name="Nils Mechtel" userId="d365a3c7-8594-435f-9872-5455ceefc78f" providerId="ADAL" clId="{FEE5CBDF-FE29-4F9F-99B9-949F0817748B}" dt="2019-05-11T12:26:01.497" v="9"/>
+          <ac:spMkLst>
+            <pc:docMk/>
+            <pc:sldMk cId="2484908466" sldId="256"/>
+            <ac:spMk id="18" creationId="{3C195FC1-B568-4C72-9902-34CB35DDD7A1}"/>
+          </ac:spMkLst>
+        </pc:spChg>
+        <pc:spChg chg="add del">
+          <ac:chgData name="Nils Mechtel" userId="d365a3c7-8594-435f-9872-5455ceefc78f" providerId="ADAL" clId="{FEE5CBDF-FE29-4F9F-99B9-949F0817748B}" dt="2019-05-11T12:32:07.297" v="270" actId="26606"/>
+          <ac:spMkLst>
+            <pc:docMk/>
+            <pc:sldMk cId="2484908466" sldId="256"/>
+            <ac:spMk id="19" creationId="{2A6FCDE6-CDE2-4C51-B18E-A95CFB679714}"/>
+          </ac:spMkLst>
+        </pc:spChg>
+        <pc:spChg chg="add del">
+          <ac:chgData name="Nils Mechtel" userId="d365a3c7-8594-435f-9872-5455ceefc78f" providerId="ADAL" clId="{FEE5CBDF-FE29-4F9F-99B9-949F0817748B}" dt="2019-05-11T12:26:01.497" v="9"/>
+          <ac:spMkLst>
+            <pc:docMk/>
+            <pc:sldMk cId="2484908466" sldId="256"/>
+            <ac:spMk id="20" creationId="{EF2BDF77-362C-43F0-8CBB-A969EC2AE0C4}"/>
+          </ac:spMkLst>
+        </pc:spChg>
+        <pc:spChg chg="add del">
+          <ac:chgData name="Nils Mechtel" userId="d365a3c7-8594-435f-9872-5455ceefc78f" providerId="ADAL" clId="{FEE5CBDF-FE29-4F9F-99B9-949F0817748B}" dt="2019-05-11T12:26:01.497" v="9"/>
+          <ac:spMkLst>
+            <pc:docMk/>
+            <pc:sldMk cId="2484908466" sldId="256"/>
+            <ac:spMk id="21" creationId="{9179DE42-5613-4B35-A1E6-6CCBAA13C743}"/>
+          </ac:spMkLst>
+        </pc:spChg>
+        <pc:spChg chg="add del">
+          <ac:chgData name="Nils Mechtel" userId="d365a3c7-8594-435f-9872-5455ceefc78f" providerId="ADAL" clId="{FEE5CBDF-FE29-4F9F-99B9-949F0817748B}" dt="2019-05-11T12:26:01.497" v="9"/>
+          <ac:spMkLst>
+            <pc:docMk/>
+            <pc:sldMk cId="2484908466" sldId="256"/>
+            <ac:spMk id="22" creationId="{4BE96B01-3929-432D-B8C2-ADBCB74C2EF4}"/>
+          </ac:spMkLst>
+        </pc:spChg>
+        <pc:spChg chg="add del">
+          <ac:chgData name="Nils Mechtel" userId="d365a3c7-8594-435f-9872-5455ceefc78f" providerId="ADAL" clId="{FEE5CBDF-FE29-4F9F-99B9-949F0817748B}" dt="2019-05-11T12:26:01.497" v="9"/>
+          <ac:spMkLst>
+            <pc:docMk/>
+            <pc:sldMk cId="2484908466" sldId="256"/>
+            <ac:spMk id="24" creationId="{2A6FCDE6-CDE2-4C51-B18E-A95CFB679714}"/>
+          </ac:spMkLst>
+        </pc:spChg>
+        <pc:spChg chg="add del">
+          <ac:chgData name="Nils Mechtel" userId="d365a3c7-8594-435f-9872-5455ceefc78f" providerId="ADAL" clId="{FEE5CBDF-FE29-4F9F-99B9-949F0817748B}" dt="2019-05-11T12:32:07.297" v="270" actId="26606"/>
+          <ac:spMkLst>
+            <pc:docMk/>
+            <pc:sldMk cId="2484908466" sldId="256"/>
+            <ac:spMk id="25" creationId="{9D2E8756-2465-473A-BA2A-2DB1D6224745}"/>
+          </ac:spMkLst>
+        </pc:spChg>
+        <pc:spChg chg="add del">
+          <ac:chgData name="Nils Mechtel" userId="d365a3c7-8594-435f-9872-5455ceefc78f" providerId="ADAL" clId="{FEE5CBDF-FE29-4F9F-99B9-949F0817748B}" dt="2019-05-11T12:26:01.497" v="9"/>
+          <ac:spMkLst>
+            <pc:docMk/>
+            <pc:sldMk cId="2484908466" sldId="256"/>
+            <ac:spMk id="26" creationId="{9D2E8756-2465-473A-BA2A-2DB1D6224745}"/>
+          </ac:spMkLst>
+        </pc:spChg>
+        <pc:spChg chg="add del">
+          <ac:chgData name="Nils Mechtel" userId="d365a3c7-8594-435f-9872-5455ceefc78f" providerId="ADAL" clId="{FEE5CBDF-FE29-4F9F-99B9-949F0817748B}" dt="2019-05-11T12:33:12.502" v="281"/>
+          <ac:spMkLst>
+            <pc:docMk/>
+            <pc:sldMk cId="2484908466" sldId="256"/>
+            <ac:spMk id="27" creationId="{0ADFFC45-3DC9-4433-926F-043E879D9DFC}"/>
+          </ac:spMkLst>
+        </pc:spChg>
+        <pc:spChg chg="add del">
+          <ac:chgData name="Nils Mechtel" userId="d365a3c7-8594-435f-9872-5455ceefc78f" providerId="ADAL" clId="{FEE5CBDF-FE29-4F9F-99B9-949F0817748B}" dt="2019-05-11T12:33:20.007" v="283" actId="26606"/>
+          <ac:spMkLst>
+            <pc:docMk/>
+            <pc:sldMk cId="2484908466" sldId="256"/>
+            <ac:spMk id="29" creationId="{9179DE42-5613-4B35-A1E6-6CCBAA13C743}"/>
+          </ac:spMkLst>
+        </pc:spChg>
+        <pc:spChg chg="add del">
+          <ac:chgData name="Nils Mechtel" userId="d365a3c7-8594-435f-9872-5455ceefc78f" providerId="ADAL" clId="{FEE5CBDF-FE29-4F9F-99B9-949F0817748B}" dt="2019-05-11T13:29:26.943" v="480" actId="26606"/>
+          <ac:spMkLst>
+            <pc:docMk/>
+            <pc:sldMk cId="2484908466" sldId="256"/>
+            <ac:spMk id="31" creationId="{0ADFFC45-3DC9-4433-926F-043E879D9DFC}"/>
+          </ac:spMkLst>
+        </pc:spChg>
+        <pc:spChg chg="add del">
+          <ac:chgData name="Nils Mechtel" userId="d365a3c7-8594-435f-9872-5455ceefc78f" providerId="ADAL" clId="{FEE5CBDF-FE29-4F9F-99B9-949F0817748B}" dt="2019-05-11T12:33:12.502" v="281"/>
+          <ac:spMkLst>
+            <pc:docMk/>
+            <pc:sldMk cId="2484908466" sldId="256"/>
+            <ac:spMk id="36" creationId="{69370F01-B8C9-4CE4-824C-92B2792E6ED0}"/>
+          </ac:spMkLst>
+        </pc:spChg>
+        <pc:spChg chg="add del">
+          <ac:chgData name="Nils Mechtel" userId="d365a3c7-8594-435f-9872-5455ceefc78f" providerId="ADAL" clId="{FEE5CBDF-FE29-4F9F-99B9-949F0817748B}" dt="2019-05-11T12:33:20.007" v="283" actId="26606"/>
+          <ac:spMkLst>
+            <pc:docMk/>
+            <pc:sldMk cId="2484908466" sldId="256"/>
+            <ac:spMk id="38" creationId="{52FB45E9-914E-4471-AC87-E475CD51767D}"/>
+          </ac:spMkLst>
+        </pc:spChg>
+        <pc:spChg chg="add del">
+          <ac:chgData name="Nils Mechtel" userId="d365a3c7-8594-435f-9872-5455ceefc78f" providerId="ADAL" clId="{FEE5CBDF-FE29-4F9F-99B9-949F0817748B}" dt="2019-05-11T12:33:20.007" v="283" actId="26606"/>
+          <ac:spMkLst>
+            <pc:docMk/>
+            <pc:sldMk cId="2484908466" sldId="256"/>
+            <ac:spMk id="39" creationId="{C310626D-5743-49D4-8F7D-88C4F8F05774}"/>
+          </ac:spMkLst>
+        </pc:spChg>
+        <pc:spChg chg="add del">
+          <ac:chgData name="Nils Mechtel" userId="d365a3c7-8594-435f-9872-5455ceefc78f" providerId="ADAL" clId="{FEE5CBDF-FE29-4F9F-99B9-949F0817748B}" dt="2019-05-11T12:33:20.007" v="283" actId="26606"/>
+          <ac:spMkLst>
+            <pc:docMk/>
+            <pc:sldMk cId="2484908466" sldId="256"/>
+            <ac:spMk id="40" creationId="{3C195FC1-B568-4C72-9902-34CB35DDD7A1}"/>
+          </ac:spMkLst>
+        </pc:spChg>
+        <pc:spChg chg="add del">
+          <ac:chgData name="Nils Mechtel" userId="d365a3c7-8594-435f-9872-5455ceefc78f" providerId="ADAL" clId="{FEE5CBDF-FE29-4F9F-99B9-949F0817748B}" dt="2019-05-11T12:33:20.007" v="283" actId="26606"/>
+          <ac:spMkLst>
+            <pc:docMk/>
+            <pc:sldMk cId="2484908466" sldId="256"/>
+            <ac:spMk id="41" creationId="{EF2BDF77-362C-43F0-8CBB-A969EC2AE0C4}"/>
+          </ac:spMkLst>
+        </pc:spChg>
+        <pc:spChg chg="add del">
+          <ac:chgData name="Nils Mechtel" userId="d365a3c7-8594-435f-9872-5455ceefc78f" providerId="ADAL" clId="{FEE5CBDF-FE29-4F9F-99B9-949F0817748B}" dt="2019-05-11T12:33:20.007" v="283" actId="26606"/>
+          <ac:spMkLst>
+            <pc:docMk/>
+            <pc:sldMk cId="2484908466" sldId="256"/>
+            <ac:spMk id="42" creationId="{4BE96B01-3929-432D-B8C2-ADBCB74C2EF4}"/>
+          </ac:spMkLst>
+        </pc:spChg>
+        <pc:spChg chg="add del">
+          <ac:chgData name="Nils Mechtel" userId="d365a3c7-8594-435f-9872-5455ceefc78f" providerId="ADAL" clId="{FEE5CBDF-FE29-4F9F-99B9-949F0817748B}" dt="2019-05-11T12:33:20.007" v="283" actId="26606"/>
+          <ac:spMkLst>
+            <pc:docMk/>
+            <pc:sldMk cId="2484908466" sldId="256"/>
+            <ac:spMk id="43" creationId="{2A6FCDE6-CDE2-4C51-B18E-A95CFB679714}"/>
+          </ac:spMkLst>
+        </pc:spChg>
+        <pc:spChg chg="add del">
+          <ac:chgData name="Nils Mechtel" userId="d365a3c7-8594-435f-9872-5455ceefc78f" providerId="ADAL" clId="{FEE5CBDF-FE29-4F9F-99B9-949F0817748B}" dt="2019-05-11T12:33:20.007" v="283" actId="26606"/>
+          <ac:spMkLst>
+            <pc:docMk/>
+            <pc:sldMk cId="2484908466" sldId="256"/>
+            <ac:spMk id="44" creationId="{9D2E8756-2465-473A-BA2A-2DB1D6224745}"/>
+          </ac:spMkLst>
+        </pc:spChg>
+        <pc:spChg chg="add del">
+          <ac:chgData name="Nils Mechtel" userId="d365a3c7-8594-435f-9872-5455ceefc78f" providerId="ADAL" clId="{FEE5CBDF-FE29-4F9F-99B9-949F0817748B}" dt="2019-05-11T13:26:55.716" v="465" actId="26606"/>
+          <ac:spMkLst>
+            <pc:docMk/>
+            <pc:sldMk cId="2484908466" sldId="256"/>
+            <ac:spMk id="46" creationId="{2783C067-F8BF-4755-B516-8A0CD74CF60C}"/>
+          </ac:spMkLst>
+        </pc:spChg>
+        <pc:spChg chg="add del">
+          <ac:chgData name="Nils Mechtel" userId="d365a3c7-8594-435f-9872-5455ceefc78f" providerId="ADAL" clId="{FEE5CBDF-FE29-4F9F-99B9-949F0817748B}" dt="2019-05-11T13:26:55.716" v="465" actId="26606"/>
+          <ac:spMkLst>
+            <pc:docMk/>
+            <pc:sldMk cId="2484908466" sldId="256"/>
+            <ac:spMk id="47" creationId="{2ED796EC-E7FF-46DB-B912-FB08BF12AA6E}"/>
+          </ac:spMkLst>
+        </pc:spChg>
+        <pc:spChg chg="add del">
+          <ac:chgData name="Nils Mechtel" userId="d365a3c7-8594-435f-9872-5455ceefc78f" providerId="ADAL" clId="{FEE5CBDF-FE29-4F9F-99B9-949F0817748B}" dt="2019-05-11T13:26:55.716" v="465" actId="26606"/>
+          <ac:spMkLst>
+            <pc:docMk/>
+            <pc:sldMk cId="2484908466" sldId="256"/>
+            <ac:spMk id="48" creationId="{549A2DAB-B431-487D-95AD-BB0FECB49E57}"/>
+          </ac:spMkLst>
+        </pc:spChg>
+        <pc:spChg chg="add del">
+          <ac:chgData name="Nils Mechtel" userId="d365a3c7-8594-435f-9872-5455ceefc78f" providerId="ADAL" clId="{FEE5CBDF-FE29-4F9F-99B9-949F0817748B}" dt="2019-05-11T13:26:55.716" v="465" actId="26606"/>
+          <ac:spMkLst>
+            <pc:docMk/>
+            <pc:sldMk cId="2484908466" sldId="256"/>
+            <ac:spMk id="51" creationId="{0819F787-32B4-46A8-BC57-C6571BCEE243}"/>
+          </ac:spMkLst>
+        </pc:spChg>
+        <pc:spChg chg="add del">
+          <ac:chgData name="Nils Mechtel" userId="d365a3c7-8594-435f-9872-5455ceefc78f" providerId="ADAL" clId="{FEE5CBDF-FE29-4F9F-99B9-949F0817748B}" dt="2019-05-11T12:54:12.696" v="380" actId="26606"/>
+          <ac:spMkLst>
+            <pc:docMk/>
+            <pc:sldMk cId="2484908466" sldId="256"/>
+            <ac:spMk id="58" creationId="{DC99427B-A97E-40A3-B1FD-4557346C6A91}"/>
+          </ac:spMkLst>
+        </pc:spChg>
+        <pc:spChg chg="add del">
+          <ac:chgData name="Nils Mechtel" userId="d365a3c7-8594-435f-9872-5455ceefc78f" providerId="ADAL" clId="{FEE5CBDF-FE29-4F9F-99B9-949F0817748B}" dt="2019-05-11T12:54:16.850" v="382" actId="26606"/>
+          <ac:spMkLst>
+            <pc:docMk/>
+            <pc:sldMk cId="2484908466" sldId="256"/>
+            <ac:spMk id="60" creationId="{DC99427B-A97E-40A3-B1FD-4557346C6A91}"/>
+          </ac:spMkLst>
+        </pc:spChg>
+        <pc:spChg chg="add del">
+          <ac:chgData name="Nils Mechtel" userId="d365a3c7-8594-435f-9872-5455ceefc78f" providerId="ADAL" clId="{FEE5CBDF-FE29-4F9F-99B9-949F0817748B}" dt="2019-05-11T13:29:26.943" v="480" actId="26606"/>
+          <ac:spMkLst>
+            <pc:docMk/>
+            <pc:sldMk cId="2484908466" sldId="256"/>
+            <ac:spMk id="63" creationId="{69370F01-B8C9-4CE4-824C-92B2792E6ED0}"/>
+          </ac:spMkLst>
+        </pc:spChg>
+        <pc:spChg chg="add del">
+          <ac:chgData name="Nils Mechtel" userId="d365a3c7-8594-435f-9872-5455ceefc78f" providerId="ADAL" clId="{FEE5CBDF-FE29-4F9F-99B9-949F0817748B}" dt="2019-05-11T15:39:31.536" v="1000"/>
+          <ac:spMkLst>
+            <pc:docMk/>
+            <pc:sldMk cId="2484908466" sldId="256"/>
+            <ac:spMk id="65" creationId="{2783C067-F8BF-4755-B516-8A0CD74CF60C}"/>
+          </ac:spMkLst>
+        </pc:spChg>
+        <pc:spChg chg="add del">
+          <ac:chgData name="Nils Mechtel" userId="d365a3c7-8594-435f-9872-5455ceefc78f" providerId="ADAL" clId="{FEE5CBDF-FE29-4F9F-99B9-949F0817748B}" dt="2019-05-11T15:39:31.536" v="1000"/>
+          <ac:spMkLst>
+            <pc:docMk/>
+            <pc:sldMk cId="2484908466" sldId="256"/>
+            <ac:spMk id="67" creationId="{2ED796EC-E7FF-46DB-B912-FB08BF12AA6E}"/>
+          </ac:spMkLst>
+        </pc:spChg>
+        <pc:spChg chg="add del">
+          <ac:chgData name="Nils Mechtel" userId="d365a3c7-8594-435f-9872-5455ceefc78f" providerId="ADAL" clId="{FEE5CBDF-FE29-4F9F-99B9-949F0817748B}" dt="2019-05-11T13:27:33.698" v="474" actId="26606"/>
+          <ac:spMkLst>
+            <pc:docMk/>
+            <pc:sldMk cId="2484908466" sldId="256"/>
+            <ac:spMk id="68" creationId="{66D61E08-70C3-48D8-BEA0-787111DC30DA}"/>
+          </ac:spMkLst>
+        </pc:spChg>
+        <pc:spChg chg="add del">
+          <ac:chgData name="Nils Mechtel" userId="d365a3c7-8594-435f-9872-5455ceefc78f" providerId="ADAL" clId="{FEE5CBDF-FE29-4F9F-99B9-949F0817748B}" dt="2019-05-11T15:39:31.536" v="1000"/>
+          <ac:spMkLst>
+            <pc:docMk/>
+            <pc:sldMk cId="2484908466" sldId="256"/>
+            <ac:spMk id="69" creationId="{549A2DAB-B431-487D-95AD-BB0FECB49E57}"/>
+          </ac:spMkLst>
+        </pc:spChg>
+        <pc:spChg chg="add del">
+          <ac:chgData name="Nils Mechtel" userId="d365a3c7-8594-435f-9872-5455ceefc78f" providerId="ADAL" clId="{FEE5CBDF-FE29-4F9F-99B9-949F0817748B}" dt="2019-05-11T13:27:33.698" v="474" actId="26606"/>
+          <ac:spMkLst>
+            <pc:docMk/>
+            <pc:sldMk cId="2484908466" sldId="256"/>
+            <ac:spMk id="70" creationId="{FC55298F-0AE5-478E-AD2B-03C2614C5833}"/>
+          </ac:spMkLst>
+        </pc:spChg>
+        <pc:spChg chg="add del">
+          <ac:chgData name="Nils Mechtel" userId="d365a3c7-8594-435f-9872-5455ceefc78f" providerId="ADAL" clId="{FEE5CBDF-FE29-4F9F-99B9-949F0817748B}" dt="2019-05-11T13:27:33.698" v="474" actId="26606"/>
+          <ac:spMkLst>
+            <pc:docMk/>
+            <pc:sldMk cId="2484908466" sldId="256"/>
+            <ac:spMk id="72" creationId="{C180E4EA-0B63-4779-A895-7E90E71088F3}"/>
+          </ac:spMkLst>
+        </pc:spChg>
+        <pc:spChg chg="add del">
+          <ac:chgData name="Nils Mechtel" userId="d365a3c7-8594-435f-9872-5455ceefc78f" providerId="ADAL" clId="{FEE5CBDF-FE29-4F9F-99B9-949F0817748B}" dt="2019-05-11T13:27:33.698" v="474" actId="26606"/>
+          <ac:spMkLst>
+            <pc:docMk/>
+            <pc:sldMk cId="2484908466" sldId="256"/>
+            <ac:spMk id="74" creationId="{CEE01D9D-3DE8-4EED-B0D3-8F3C79CC7673}"/>
+          </ac:spMkLst>
+        </pc:spChg>
+        <pc:spChg chg="add del">
+          <ac:chgData name="Nils Mechtel" userId="d365a3c7-8594-435f-9872-5455ceefc78f" providerId="ADAL" clId="{FEE5CBDF-FE29-4F9F-99B9-949F0817748B}" dt="2019-05-11T15:39:31.536" v="1000"/>
+          <ac:spMkLst>
+            <pc:docMk/>
+            <pc:sldMk cId="2484908466" sldId="256"/>
+            <ac:spMk id="75" creationId="{0819F787-32B4-46A8-BC57-C6571BCEE243}"/>
+          </ac:spMkLst>
+        </pc:spChg>
+        <pc:spChg chg="add del">
+          <ac:chgData name="Nils Mechtel" userId="d365a3c7-8594-435f-9872-5455ceefc78f" providerId="ADAL" clId="{FEE5CBDF-FE29-4F9F-99B9-949F0817748B}" dt="2019-05-11T13:27:33.698" v="474" actId="26606"/>
+          <ac:spMkLst>
+            <pc:docMk/>
+            <pc:sldMk cId="2484908466" sldId="256"/>
+            <ac:spMk id="76" creationId="{89AF5CE9-607F-43F4-8983-DCD6DA4051FD}"/>
+          </ac:spMkLst>
+        </pc:spChg>
+        <pc:spChg chg="add del">
+          <ac:chgData name="Nils Mechtel" userId="d365a3c7-8594-435f-9872-5455ceefc78f" providerId="ADAL" clId="{FEE5CBDF-FE29-4F9F-99B9-949F0817748B}" dt="2019-05-11T13:27:33.698" v="474" actId="26606"/>
+          <ac:spMkLst>
+            <pc:docMk/>
+            <pc:sldMk cId="2484908466" sldId="256"/>
+            <ac:spMk id="78" creationId="{6EEA2DBD-9E1E-4521-8C01-F32AD18A89E3}"/>
+          </ac:spMkLst>
+        </pc:spChg>
+        <pc:spChg chg="add del">
+          <ac:chgData name="Nils Mechtel" userId="d365a3c7-8594-435f-9872-5455ceefc78f" providerId="ADAL" clId="{FEE5CBDF-FE29-4F9F-99B9-949F0817748B}" dt="2019-05-11T13:27:33.698" v="474" actId="26606"/>
+          <ac:spMkLst>
+            <pc:docMk/>
+            <pc:sldMk cId="2484908466" sldId="256"/>
+            <ac:spMk id="80" creationId="{15BBD2C1-BA9B-46A9-A27A-33498B169272}"/>
+          </ac:spMkLst>
+        </pc:spChg>
+        <pc:spChg chg="add del">
+          <ac:chgData name="Nils Mechtel" userId="d365a3c7-8594-435f-9872-5455ceefc78f" providerId="ADAL" clId="{FEE5CBDF-FE29-4F9F-99B9-949F0817748B}" dt="2019-05-11T13:27:33.639" v="473" actId="26606"/>
+          <ac:spMkLst>
+            <pc:docMk/>
+            <pc:sldMk cId="2484908466" sldId="256"/>
+            <ac:spMk id="85" creationId="{53FCF47F-C2D5-40D2-BB9E-EB0634228135}"/>
+          </ac:spMkLst>
+        </pc:spChg>
+        <pc:spChg chg="add del">
+          <ac:chgData name="Nils Mechtel" userId="d365a3c7-8594-435f-9872-5455ceefc78f" providerId="ADAL" clId="{FEE5CBDF-FE29-4F9F-99B9-949F0817748B}" dt="2019-05-11T13:27:33.639" v="473" actId="26606"/>
+          <ac:spMkLst>
+            <pc:docMk/>
+            <pc:sldMk cId="2484908466" sldId="256"/>
+            <ac:spMk id="91" creationId="{677AD1FD-34AE-437D-8CDC-28626ED9A8B0}"/>
+          </ac:spMkLst>
+        </pc:spChg>
+        <pc:spChg chg="add del">
+          <ac:chgData name="Nils Mechtel" userId="d365a3c7-8594-435f-9872-5455ceefc78f" providerId="ADAL" clId="{FEE5CBDF-FE29-4F9F-99B9-949F0817748B}" dt="2019-05-11T13:27:33.639" v="473" actId="26606"/>
+          <ac:spMkLst>
+            <pc:docMk/>
+            <pc:sldMk cId="2484908466" sldId="256"/>
+            <ac:spMk id="93" creationId="{B07774B8-04E2-436D-B983-B885D6F0F659}"/>
+          </ac:spMkLst>
+        </pc:spChg>
+        <pc:spChg chg="add del">
+          <ac:chgData name="Nils Mechtel" userId="d365a3c7-8594-435f-9872-5455ceefc78f" providerId="ADAL" clId="{FEE5CBDF-FE29-4F9F-99B9-949F0817748B}" dt="2019-05-11T13:27:33.639" v="473" actId="26606"/>
+          <ac:spMkLst>
+            <pc:docMk/>
+            <pc:sldMk cId="2484908466" sldId="256"/>
+            <ac:spMk id="95" creationId="{CE493F13-8130-4A50-9898-8AFD98F5E1FB}"/>
+          </ac:spMkLst>
+        </pc:spChg>
+        <pc:spChg chg="add del">
+          <ac:chgData name="Nils Mechtel" userId="d365a3c7-8594-435f-9872-5455ceefc78f" providerId="ADAL" clId="{FEE5CBDF-FE29-4F9F-99B9-949F0817748B}" dt="2019-05-11T13:27:33.639" v="473" actId="26606"/>
+          <ac:spMkLst>
+            <pc:docMk/>
+            <pc:sldMk cId="2484908466" sldId="256"/>
+            <ac:spMk id="97" creationId="{5C83F2E6-2324-4A53-85E7-4D74B6586E0C}"/>
+          </ac:spMkLst>
+        </pc:spChg>
+        <pc:spChg chg="add del">
+          <ac:chgData name="Nils Mechtel" userId="d365a3c7-8594-435f-9872-5455ceefc78f" providerId="ADAL" clId="{FEE5CBDF-FE29-4F9F-99B9-949F0817748B}" dt="2019-05-11T13:27:33.639" v="473" actId="26606"/>
+          <ac:spMkLst>
+            <pc:docMk/>
+            <pc:sldMk cId="2484908466" sldId="256"/>
+            <ac:spMk id="99" creationId="{62C79599-4635-4903-B028-E3331034BF2F}"/>
+          </ac:spMkLst>
+        </pc:spChg>
+        <pc:spChg chg="add del">
+          <ac:chgData name="Nils Mechtel" userId="d365a3c7-8594-435f-9872-5455ceefc78f" providerId="ADAL" clId="{FEE5CBDF-FE29-4F9F-99B9-949F0817748B}" dt="2019-05-11T13:27:33.639" v="473" actId="26606"/>
+          <ac:spMkLst>
+            <pc:docMk/>
+            <pc:sldMk cId="2484908466" sldId="256"/>
+            <ac:spMk id="101" creationId="{64581993-8E43-4AF4-9AF1-A39EF777280B}"/>
+          </ac:spMkLst>
+        </pc:spChg>
+        <pc:spChg chg="add del">
+          <ac:chgData name="Nils Mechtel" userId="d365a3c7-8594-435f-9872-5455ceefc78f" providerId="ADAL" clId="{FEE5CBDF-FE29-4F9F-99B9-949F0817748B}" dt="2019-05-11T13:29:16.003" v="478"/>
+          <ac:spMkLst>
+            <pc:docMk/>
+            <pc:sldMk cId="2484908466" sldId="256"/>
+            <ac:spMk id="103" creationId="{7815DC60-3142-4171-B7AD-13B6FD265C6B}"/>
+          </ac:spMkLst>
+        </pc:spChg>
+        <pc:spChg chg="add del">
+          <ac:chgData name="Nils Mechtel" userId="d365a3c7-8594-435f-9872-5455ceefc78f" providerId="ADAL" clId="{FEE5CBDF-FE29-4F9F-99B9-949F0817748B}" dt="2019-05-11T13:29:16.003" v="478"/>
+          <ac:spMkLst>
+            <pc:docMk/>
+            <pc:sldMk cId="2484908466" sldId="256"/>
+            <ac:spMk id="104" creationId="{3A459D44-E95C-4AB2-9D79-7C182560C4A9}"/>
+          </ac:spMkLst>
+        </pc:spChg>
+        <pc:grpChg chg="add del">
+          <ac:chgData name="Nils Mechtel" userId="d365a3c7-8594-435f-9872-5455ceefc78f" providerId="ADAL" clId="{FEE5CBDF-FE29-4F9F-99B9-949F0817748B}" dt="2019-05-11T12:25:47.432" v="6" actId="26606"/>
+          <ac:grpSpMkLst>
+            <pc:docMk/>
+            <pc:sldMk cId="2484908466" sldId="256"/>
+            <ac:grpSpMk id="10" creationId="{CEEA9366-CEA8-4F23-B065-4337F0D836FE}"/>
+          </ac:grpSpMkLst>
+        </pc:grpChg>
+        <pc:grpChg chg="add del">
+          <ac:chgData name="Nils Mechtel" userId="d365a3c7-8594-435f-9872-5455ceefc78f" providerId="ADAL" clId="{FEE5CBDF-FE29-4F9F-99B9-949F0817748B}" dt="2019-05-11T12:33:12.502" v="281"/>
+          <ac:grpSpMkLst>
+            <pc:docMk/>
+            <pc:sldMk cId="2484908466" sldId="256"/>
+            <ac:grpSpMk id="28" creationId="{B5F26A87-0610-435F-AA13-BD658385C9D9}"/>
+          </ac:grpSpMkLst>
+        </pc:grpChg>
+        <pc:grpChg chg="add del">
+          <ac:chgData name="Nils Mechtel" userId="d365a3c7-8594-435f-9872-5455ceefc78f" providerId="ADAL" clId="{FEE5CBDF-FE29-4F9F-99B9-949F0817748B}" dt="2019-05-11T13:29:26.943" v="480" actId="26606"/>
+          <ac:grpSpMkLst>
+            <pc:docMk/>
+            <pc:sldMk cId="2484908466" sldId="256"/>
+            <ac:grpSpMk id="32" creationId="{B5F26A87-0610-435F-AA13-BD658385C9D9}"/>
+          </ac:grpSpMkLst>
+        </pc:grpChg>
+        <pc:picChg chg="del mod ord">
+          <ac:chgData name="Nils Mechtel" userId="d365a3c7-8594-435f-9872-5455ceefc78f" providerId="ADAL" clId="{FEE5CBDF-FE29-4F9F-99B9-949F0817748B}" dt="2019-05-11T13:28:19.528" v="475" actId="478"/>
+          <ac:picMkLst>
+            <pc:docMk/>
+            <pc:sldMk cId="2484908466" sldId="256"/>
+            <ac:picMk id="4" creationId="{C728CAA1-EB3A-41AC-9581-451969D49BD6}"/>
+          </ac:picMkLst>
+        </pc:picChg>
+        <pc:picChg chg="del mod">
+          <ac:chgData name="Nils Mechtel" userId="d365a3c7-8594-435f-9872-5455ceefc78f" providerId="ADAL" clId="{FEE5CBDF-FE29-4F9F-99B9-949F0817748B}" dt="2019-05-11T13:28:21.431" v="476" actId="478"/>
+          <ac:picMkLst>
+            <pc:docMk/>
+            <pc:sldMk cId="2484908466" sldId="256"/>
+            <ac:picMk id="6" creationId="{169773D3-B81F-4930-A855-69568BB65473}"/>
+          </ac:picMkLst>
+        </pc:picChg>
+        <pc:picChg chg="del">
+          <ac:chgData name="Nils Mechtel" userId="d365a3c7-8594-435f-9872-5455ceefc78f" providerId="ADAL" clId="{FEE5CBDF-FE29-4F9F-99B9-949F0817748B}" dt="2019-05-11T13:27:04.203" v="466" actId="478"/>
+          <ac:picMkLst>
+            <pc:docMk/>
+            <pc:sldMk cId="2484908466" sldId="256"/>
+            <ac:picMk id="10" creationId="{BEC75E34-2625-41DA-9A12-216768360BFF}"/>
+          </ac:picMkLst>
+        </pc:picChg>
+        <pc:picChg chg="mod">
+          <ac:chgData name="Nils Mechtel" userId="d365a3c7-8594-435f-9872-5455ceefc78f" providerId="ADAL" clId="{FEE5CBDF-FE29-4F9F-99B9-949F0817748B}" dt="2019-05-11T13:27:15.190" v="469" actId="1076"/>
+          <ac:picMkLst>
+            <pc:docMk/>
+            <pc:sldMk cId="2484908466" sldId="256"/>
+            <ac:picMk id="14" creationId="{4FAA9DE7-277E-4A8D-BB70-3049352958E4}"/>
+          </ac:picMkLst>
+        </pc:picChg>
+        <pc:picChg chg="add del">
+          <ac:chgData name="Nils Mechtel" userId="d365a3c7-8594-435f-9872-5455ceefc78f" providerId="ADAL" clId="{FEE5CBDF-FE29-4F9F-99B9-949F0817748B}" dt="2019-05-11T13:27:24.420" v="471" actId="478"/>
+          <ac:picMkLst>
+            <pc:docMk/>
+            <pc:sldMk cId="2484908466" sldId="256"/>
+            <ac:picMk id="16" creationId="{2D008AF7-82D1-4E7A-A0C4-EAAA22844CAC}"/>
+          </ac:picMkLst>
+        </pc:picChg>
+        <pc:picChg chg="add del">
+          <ac:chgData name="Nils Mechtel" userId="d365a3c7-8594-435f-9872-5455ceefc78f" providerId="ADAL" clId="{FEE5CBDF-FE29-4F9F-99B9-949F0817748B}" dt="2019-05-11T12:54:12.696" v="380" actId="26606"/>
+          <ac:picMkLst>
+            <pc:docMk/>
+            <pc:sldMk cId="2484908466" sldId="256"/>
+            <ac:picMk id="55" creationId="{E22725E6-6F3D-48B1-925D-77D33497836A}"/>
+          </ac:picMkLst>
+        </pc:picChg>
+        <pc:picChg chg="add mod">
+          <ac:chgData name="Nils Mechtel" userId="d365a3c7-8594-435f-9872-5455ceefc78f" providerId="ADAL" clId="{FEE5CBDF-FE29-4F9F-99B9-949F0817748B}" dt="2019-05-11T13:26:55.716" v="465" actId="26606"/>
+          <ac:picMkLst>
+            <pc:docMk/>
+            <pc:sldMk cId="2484908466" sldId="256"/>
+            <ac:picMk id="59" creationId="{59EC7E78-8577-4C9F-BED9-EDAF7EE0AA9C}"/>
+          </ac:picMkLst>
+        </pc:picChg>
+        <pc:picChg chg="add del">
+          <ac:chgData name="Nils Mechtel" userId="d365a3c7-8594-435f-9872-5455ceefc78f" providerId="ADAL" clId="{FEE5CBDF-FE29-4F9F-99B9-949F0817748B}" dt="2019-05-11T12:54:16.850" v="382" actId="26606"/>
+          <ac:picMkLst>
+            <pc:docMk/>
+            <pc:sldMk cId="2484908466" sldId="256"/>
+            <ac:picMk id="61" creationId="{1FFB0AB4-9501-4C5B-B02B-2E158973CD9F}"/>
+          </ac:picMkLst>
+        </pc:picChg>
+        <pc:inkChg chg="add del">
+          <ac:chgData name="Nils Mechtel" userId="d365a3c7-8594-435f-9872-5455ceefc78f" providerId="ADAL" clId="{FEE5CBDF-FE29-4F9F-99B9-949F0817748B}" dt="2019-05-11T12:34:58.331" v="301"/>
+          <ac:inkMkLst>
+            <pc:docMk/>
+            <pc:sldMk cId="2484908466" sldId="256"/>
+            <ac:inkMk id="4" creationId="{1CA40A39-9C10-4130-9898-442043675862}"/>
+          </ac:inkMkLst>
+        </pc:inkChg>
+        <pc:inkChg chg="add del">
+          <ac:chgData name="Nils Mechtel" userId="d365a3c7-8594-435f-9872-5455ceefc78f" providerId="ADAL" clId="{FEE5CBDF-FE29-4F9F-99B9-949F0817748B}" dt="2019-05-11T12:34:58.331" v="301"/>
+          <ac:inkMkLst>
+            <pc:docMk/>
+            <pc:sldMk cId="2484908466" sldId="256"/>
+            <ac:inkMk id="45" creationId="{B4537788-BA8A-470B-9872-54C07A08CA76}"/>
+          </ac:inkMkLst>
+        </pc:inkChg>
+        <pc:inkChg chg="add del">
+          <ac:chgData name="Nils Mechtel" userId="d365a3c7-8594-435f-9872-5455ceefc78f" providerId="ADAL" clId="{FEE5CBDF-FE29-4F9F-99B9-949F0817748B}" dt="2019-05-11T12:34:58.331" v="301"/>
+          <ac:inkMkLst>
+            <pc:docMk/>
+            <pc:sldMk cId="2484908466" sldId="256"/>
+            <ac:inkMk id="52" creationId="{1CE05F07-8287-4AE1-9411-A4DE96B63412}"/>
+          </ac:inkMkLst>
+        </pc:inkChg>
+        <pc:inkChg chg="add del">
+          <ac:chgData name="Nils Mechtel" userId="d365a3c7-8594-435f-9872-5455ceefc78f" providerId="ADAL" clId="{FEE5CBDF-FE29-4F9F-99B9-949F0817748B}" dt="2019-05-11T12:35:03.122" v="302"/>
+          <ac:inkMkLst>
+            <pc:docMk/>
+            <pc:sldMk cId="2484908466" sldId="256"/>
+            <ac:inkMk id="53" creationId="{52E66FC3-F013-4324-8BA0-897E7D7C1E31}"/>
+          </ac:inkMkLst>
+        </pc:inkChg>
+        <pc:cxnChg chg="add del">
+          <ac:chgData name="Nils Mechtel" userId="d365a3c7-8594-435f-9872-5455ceefc78f" providerId="ADAL" clId="{FEE5CBDF-FE29-4F9F-99B9-949F0817748B}" dt="2019-05-11T12:32:07.297" v="270" actId="26606"/>
+          <ac:cxnSpMkLst>
+            <pc:docMk/>
+            <pc:sldMk cId="2484908466" sldId="256"/>
+            <ac:cxnSpMk id="6" creationId="{EB898B32-3891-4C3A-8F58-C5969D2E9033}"/>
+          </ac:cxnSpMkLst>
+        </pc:cxnChg>
+        <pc:cxnChg chg="add del">
+          <ac:chgData name="Nils Mechtel" userId="d365a3c7-8594-435f-9872-5455ceefc78f" providerId="ADAL" clId="{FEE5CBDF-FE29-4F9F-99B9-949F0817748B}" dt="2019-05-11T12:32:07.297" v="270" actId="26606"/>
+          <ac:cxnSpMkLst>
+            <pc:docMk/>
+            <pc:sldMk cId="2484908466" sldId="256"/>
+            <ac:cxnSpMk id="7" creationId="{4AE4806D-B8F9-4679-A68A-9BD21C01A301}"/>
+          </ac:cxnSpMkLst>
+        </pc:cxnChg>
+        <pc:cxnChg chg="add del">
+          <ac:chgData name="Nils Mechtel" userId="d365a3c7-8594-435f-9872-5455ceefc78f" providerId="ADAL" clId="{FEE5CBDF-FE29-4F9F-99B9-949F0817748B}" dt="2019-05-11T12:26:01.497" v="9"/>
+          <ac:cxnSpMkLst>
+            <pc:docMk/>
+            <pc:sldMk cId="2484908466" sldId="256"/>
+            <ac:cxnSpMk id="12" creationId="{4AE4806D-B8F9-4679-A68A-9BD21C01A301}"/>
+          </ac:cxnSpMkLst>
+        </pc:cxnChg>
+        <pc:cxnChg chg="add del">
+          <ac:chgData name="Nils Mechtel" userId="d365a3c7-8594-435f-9872-5455ceefc78f" providerId="ADAL" clId="{FEE5CBDF-FE29-4F9F-99B9-949F0817748B}" dt="2019-05-11T12:26:01.497" v="9"/>
+          <ac:cxnSpMkLst>
+            <pc:docMk/>
+            <pc:sldMk cId="2484908466" sldId="256"/>
+            <ac:cxnSpMk id="23" creationId="{EB898B32-3891-4C3A-8F58-C5969D2E9033}"/>
+          </ac:cxnSpMkLst>
+        </pc:cxnChg>
+        <pc:cxnChg chg="add del">
+          <ac:chgData name="Nils Mechtel" userId="d365a3c7-8594-435f-9872-5455ceefc78f" providerId="ADAL" clId="{FEE5CBDF-FE29-4F9F-99B9-949F0817748B}" dt="2019-05-11T12:33:20.007" v="283" actId="26606"/>
+          <ac:cxnSpMkLst>
+            <pc:docMk/>
+            <pc:sldMk cId="2484908466" sldId="256"/>
+            <ac:cxnSpMk id="30" creationId="{EB898B32-3891-4C3A-8F58-C5969D2E9033}"/>
+          </ac:cxnSpMkLst>
+        </pc:cxnChg>
+        <pc:cxnChg chg="add del">
+          <ac:chgData name="Nils Mechtel" userId="d365a3c7-8594-435f-9872-5455ceefc78f" providerId="ADAL" clId="{FEE5CBDF-FE29-4F9F-99B9-949F0817748B}" dt="2019-05-11T12:33:20.007" v="283" actId="26606"/>
+          <ac:cxnSpMkLst>
+            <pc:docMk/>
+            <pc:sldMk cId="2484908466" sldId="256"/>
+            <ac:cxnSpMk id="37" creationId="{4AE4806D-B8F9-4679-A68A-9BD21C01A301}"/>
+          </ac:cxnSpMkLst>
+        </pc:cxnChg>
+        <pc:cxnChg chg="add del">
+          <ac:chgData name="Nils Mechtel" userId="d365a3c7-8594-435f-9872-5455ceefc78f" providerId="ADAL" clId="{FEE5CBDF-FE29-4F9F-99B9-949F0817748B}" dt="2019-05-11T13:26:55.716" v="465" actId="26606"/>
+          <ac:cxnSpMkLst>
+            <pc:docMk/>
+            <pc:sldMk cId="2484908466" sldId="256"/>
+            <ac:cxnSpMk id="49" creationId="{C5ECDEE1-7093-418F-9CF5-24EEB115C1C1}"/>
+          </ac:cxnSpMkLst>
+        </pc:cxnChg>
+        <pc:cxnChg chg="add del">
+          <ac:chgData name="Nils Mechtel" userId="d365a3c7-8594-435f-9872-5455ceefc78f" providerId="ADAL" clId="{FEE5CBDF-FE29-4F9F-99B9-949F0817748B}" dt="2019-05-11T13:26:55.716" v="465" actId="26606"/>
+          <ac:cxnSpMkLst>
+            <pc:docMk/>
+            <pc:sldMk cId="2484908466" sldId="256"/>
+            <ac:cxnSpMk id="50" creationId="{045062AF-EB11-4651-BC4A-4DA21768DE8E}"/>
+          </ac:cxnSpMkLst>
+        </pc:cxnChg>
+        <pc:cxnChg chg="add del">
+          <ac:chgData name="Nils Mechtel" userId="d365a3c7-8594-435f-9872-5455ceefc78f" providerId="ADAL" clId="{FEE5CBDF-FE29-4F9F-99B9-949F0817748B}" dt="2019-05-11T13:27:33.698" v="474" actId="26606"/>
+          <ac:cxnSpMkLst>
+            <pc:docMk/>
+            <pc:sldMk cId="2484908466" sldId="256"/>
+            <ac:cxnSpMk id="64" creationId="{A57C1A16-B8AB-4D99-A195-A38F556A6486}"/>
+          </ac:cxnSpMkLst>
+        </pc:cxnChg>
+        <pc:cxnChg chg="add del">
+          <ac:chgData name="Nils Mechtel" userId="d365a3c7-8594-435f-9872-5455ceefc78f" providerId="ADAL" clId="{FEE5CBDF-FE29-4F9F-99B9-949F0817748B}" dt="2019-05-11T13:27:33.698" v="474" actId="26606"/>
+          <ac:cxnSpMkLst>
+            <pc:docMk/>
+            <pc:sldMk cId="2484908466" sldId="256"/>
+            <ac:cxnSpMk id="66" creationId="{F8A9B20B-D1DD-4573-B5EC-558029519236}"/>
+          </ac:cxnSpMkLst>
+        </pc:cxnChg>
+        <pc:cxnChg chg="add del">
+          <ac:chgData name="Nils Mechtel" userId="d365a3c7-8594-435f-9872-5455ceefc78f" providerId="ADAL" clId="{FEE5CBDF-FE29-4F9F-99B9-949F0817748B}" dt="2019-05-11T15:39:31.536" v="1000"/>
+          <ac:cxnSpMkLst>
+            <pc:docMk/>
+            <pc:sldMk cId="2484908466" sldId="256"/>
+            <ac:cxnSpMk id="71" creationId="{C5ECDEE1-7093-418F-9CF5-24EEB115C1C1}"/>
+          </ac:cxnSpMkLst>
+        </pc:cxnChg>
+        <pc:cxnChg chg="add del">
+          <ac:chgData name="Nils Mechtel" userId="d365a3c7-8594-435f-9872-5455ceefc78f" providerId="ADAL" clId="{FEE5CBDF-FE29-4F9F-99B9-949F0817748B}" dt="2019-05-11T15:39:31.536" v="1000"/>
+          <ac:cxnSpMkLst>
+            <pc:docMk/>
+            <pc:sldMk cId="2484908466" sldId="256"/>
+            <ac:cxnSpMk id="73" creationId="{045062AF-EB11-4651-BC4A-4DA21768DE8E}"/>
+          </ac:cxnSpMkLst>
+        </pc:cxnChg>
+        <pc:cxnChg chg="add del">
+          <ac:chgData name="Nils Mechtel" userId="d365a3c7-8594-435f-9872-5455ceefc78f" providerId="ADAL" clId="{FEE5CBDF-FE29-4F9F-99B9-949F0817748B}" dt="2019-05-11T13:27:33.639" v="473" actId="26606"/>
+          <ac:cxnSpMkLst>
+            <pc:docMk/>
+            <pc:sldMk cId="2484908466" sldId="256"/>
+            <ac:cxnSpMk id="87" creationId="{FBB82796-3A6E-4FCF-8027-03F8520497BE}"/>
+          </ac:cxnSpMkLst>
+        </pc:cxnChg>
+        <pc:cxnChg chg="add del">
+          <ac:chgData name="Nils Mechtel" userId="d365a3c7-8594-435f-9872-5455ceefc78f" providerId="ADAL" clId="{FEE5CBDF-FE29-4F9F-99B9-949F0817748B}" dt="2019-05-11T13:27:33.639" v="473" actId="26606"/>
+          <ac:cxnSpMkLst>
+            <pc:docMk/>
+            <pc:sldMk cId="2484908466" sldId="256"/>
+            <ac:cxnSpMk id="89" creationId="{B103BA84-D5B0-4695-89D5-80EA89FAE1AB}"/>
+          </ac:cxnSpMkLst>
+        </pc:cxnChg>
+      </pc:sldChg>
+      <pc:sldChg chg="addSp delSp modSp mod ord modTransition setBg modAnim addCm delCm modCm modNotesTx">
+        <pc:chgData name="Nils Mechtel" userId="d365a3c7-8594-435f-9872-5455ceefc78f" providerId="ADAL" clId="{FEE5CBDF-FE29-4F9F-99B9-949F0817748B}" dt="2019-05-15T11:42:49.918" v="5997" actId="1592"/>
+        <pc:sldMkLst>
+          <pc:docMk/>
+          <pc:sldMk cId="1965533031" sldId="257"/>
+        </pc:sldMkLst>
+        <pc:spChg chg="mod ord">
+          <ac:chgData name="Nils Mechtel" userId="d365a3c7-8594-435f-9872-5455ceefc78f" providerId="ADAL" clId="{FEE5CBDF-FE29-4F9F-99B9-949F0817748B}" dt="2019-05-11T16:19:40.910" v="1241" actId="26606"/>
+          <ac:spMkLst>
+            <pc:docMk/>
+            <pc:sldMk cId="1965533031" sldId="257"/>
+            <ac:spMk id="2" creationId="{B008D1D3-9463-48A0-85F8-1984E244CECD}"/>
+          </ac:spMkLst>
+        </pc:spChg>
+        <pc:spChg chg="add mod">
+          <ac:chgData name="Nils Mechtel" userId="d365a3c7-8594-435f-9872-5455ceefc78f" providerId="ADAL" clId="{FEE5CBDF-FE29-4F9F-99B9-949F0817748B}" dt="2019-05-13T07:56:48.157" v="2449" actId="1076"/>
+          <ac:spMkLst>
+            <pc:docMk/>
+            <pc:sldMk cId="1965533031" sldId="257"/>
+            <ac:spMk id="3" creationId="{A3561F8D-9380-41DF-9739-3A0E08468CF6}"/>
+          </ac:spMkLst>
+        </pc:spChg>
+        <pc:spChg chg="mod">
+          <ac:chgData name="Nils Mechtel" userId="d365a3c7-8594-435f-9872-5455ceefc78f" providerId="ADAL" clId="{FEE5CBDF-FE29-4F9F-99B9-949F0817748B}" dt="2019-05-11T13:23:57.155" v="426" actId="20577"/>
+          <ac:spMkLst>
+            <pc:docMk/>
+            <pc:sldMk cId="1965533031" sldId="257"/>
+            <ac:spMk id="3" creationId="{C5F468CC-2388-463D-8E99-031E12807CF8}"/>
+          </ac:spMkLst>
+        </pc:spChg>
+        <pc:spChg chg="add del mod ord">
+          <ac:chgData name="Nils Mechtel" userId="d365a3c7-8594-435f-9872-5455ceefc78f" providerId="ADAL" clId="{FEE5CBDF-FE29-4F9F-99B9-949F0817748B}" dt="2019-05-13T07:55:07.862" v="2441"/>
+          <ac:spMkLst>
+            <pc:docMk/>
+            <pc:sldMk cId="1965533031" sldId="257"/>
+            <ac:spMk id="7" creationId="{78F9E495-2FEA-4C7F-AB13-CBD059C11A59}"/>
+          </ac:spMkLst>
+        </pc:spChg>
+        <pc:spChg chg="add del">
+          <ac:chgData name="Nils Mechtel" userId="d365a3c7-8594-435f-9872-5455ceefc78f" providerId="ADAL" clId="{FEE5CBDF-FE29-4F9F-99B9-949F0817748B}" dt="2019-05-11T16:18:56.374" v="1234" actId="26606"/>
+          <ac:spMkLst>
+            <pc:docMk/>
+            <pc:sldMk cId="1965533031" sldId="257"/>
+            <ac:spMk id="16" creationId="{4BE9D4C4-9FA3-4885-A769-301639CC7AD4}"/>
+          </ac:spMkLst>
+        </pc:spChg>
+        <pc:spChg chg="add del">
+          <ac:chgData name="Nils Mechtel" userId="d365a3c7-8594-435f-9872-5455ceefc78f" providerId="ADAL" clId="{FEE5CBDF-FE29-4F9F-99B9-949F0817748B}" dt="2019-05-11T16:18:56.374" v="1234" actId="26606"/>
+          <ac:spMkLst>
+            <pc:docMk/>
+            <pc:sldMk cId="1965533031" sldId="257"/>
+            <ac:spMk id="18" creationId="{7EB6695E-BED5-4DA3-8C9B-AD301AEF4776}"/>
+          </ac:spMkLst>
+        </pc:spChg>
+        <pc:picChg chg="add mod">
+          <ac:chgData name="Nils Mechtel" userId="d365a3c7-8594-435f-9872-5455ceefc78f" providerId="ADAL" clId="{FEE5CBDF-FE29-4F9F-99B9-949F0817748B}" dt="2019-05-11T14:16:08.356" v="691" actId="1076"/>
+          <ac:picMkLst>
+            <pc:docMk/>
+            <pc:sldMk cId="1965533031" sldId="257"/>
+            <ac:picMk id="4" creationId="{80925662-649A-4F0F-9E21-63AF8C92D0B2}"/>
+          </ac:picMkLst>
+        </pc:picChg>
+        <pc:picChg chg="add mod">
+          <ac:chgData name="Nils Mechtel" userId="d365a3c7-8594-435f-9872-5455ceefc78f" providerId="ADAL" clId="{FEE5CBDF-FE29-4F9F-99B9-949F0817748B}" dt="2019-05-13T07:54:41.877" v="2437" actId="1076"/>
+          <ac:picMkLst>
+            <pc:docMk/>
+            <pc:sldMk cId="1965533031" sldId="257"/>
+            <ac:picMk id="6" creationId="{60A2E3FA-4CE7-45BE-81BD-EBF5520FE600}"/>
+          </ac:picMkLst>
+        </pc:picChg>
+        <pc:picChg chg="mod ord">
+          <ac:chgData name="Nils Mechtel" userId="d365a3c7-8594-435f-9872-5455ceefc78f" providerId="ADAL" clId="{FEE5CBDF-FE29-4F9F-99B9-949F0817748B}" dt="2019-05-13T07:54:36.982" v="2436" actId="1076"/>
+          <ac:picMkLst>
+            <pc:docMk/>
+            <pc:sldMk cId="1965533031" sldId="257"/>
+            <ac:picMk id="11" creationId="{46303D25-7CBE-4883-82DB-08081E075408}"/>
+          </ac:picMkLst>
+        </pc:picChg>
+        <pc:picChg chg="add del mod ord">
+          <ac:chgData name="Nils Mechtel" userId="d365a3c7-8594-435f-9872-5455ceefc78f" providerId="ADAL" clId="{FEE5CBDF-FE29-4F9F-99B9-949F0817748B}" dt="2019-05-11T16:19:42.517" v="1242"/>
+          <ac:picMkLst>
+            <pc:docMk/>
+            <pc:sldMk cId="1965533031" sldId="257"/>
+            <ac:picMk id="12" creationId="{72D34532-627E-4E91-8194-38683447C42B}"/>
+          </ac:picMkLst>
+        </pc:picChg>
+      </pc:sldChg>
+      <pc:sldChg chg="addSp delSp modSp setBg">
+        <pc:chgData name="Nils Mechtel" userId="d365a3c7-8594-435f-9872-5455ceefc78f" providerId="ADAL" clId="{FEE5CBDF-FE29-4F9F-99B9-949F0817748B}" dt="2019-05-14T19:16:06.487" v="5539" actId="1076"/>
+        <pc:sldMkLst>
+          <pc:docMk/>
+          <pc:sldMk cId="3678253361" sldId="258"/>
+        </pc:sldMkLst>
+        <pc:spChg chg="mod">
+          <ac:chgData name="Nils Mechtel" userId="d365a3c7-8594-435f-9872-5455ceefc78f" providerId="ADAL" clId="{FEE5CBDF-FE29-4F9F-99B9-949F0817748B}" dt="2019-05-13T08:17:08.100" v="2603" actId="1076"/>
+          <ac:spMkLst>
+            <pc:docMk/>
+            <pc:sldMk cId="3678253361" sldId="258"/>
+            <ac:spMk id="2" creationId="{88AF4BB1-C745-4D72-9AAA-5E0278FCF5DB}"/>
+          </ac:spMkLst>
+        </pc:spChg>
+        <pc:spChg chg="del mod">
+          <ac:chgData name="Nils Mechtel" userId="d365a3c7-8594-435f-9872-5455ceefc78f" providerId="ADAL" clId="{FEE5CBDF-FE29-4F9F-99B9-949F0817748B}" dt="2019-05-13T08:27:57.261" v="2648"/>
+          <ac:spMkLst>
+            <pc:docMk/>
+            <pc:sldMk cId="3678253361" sldId="258"/>
+            <ac:spMk id="3" creationId="{9EB5275A-EC7E-4EF8-941F-533224F5BFBC}"/>
+          </ac:spMkLst>
+        </pc:spChg>
+        <pc:spChg chg="add mod">
+          <ac:chgData name="Nils Mechtel" userId="d365a3c7-8594-435f-9872-5455ceefc78f" providerId="ADAL" clId="{FEE5CBDF-FE29-4F9F-99B9-949F0817748B}" dt="2019-05-13T08:28:56.003" v="2660" actId="1076"/>
+          <ac:spMkLst>
+            <pc:docMk/>
+            <pc:sldMk cId="3678253361" sldId="258"/>
+            <ac:spMk id="5" creationId="{D0AAFE05-3F01-4A14-8188-57CE5A8CD71E}"/>
+          </ac:spMkLst>
+        </pc:spChg>
+        <pc:spChg chg="add del mod">
+          <ac:chgData name="Nils Mechtel" userId="d365a3c7-8594-435f-9872-5455ceefc78f" providerId="ADAL" clId="{FEE5CBDF-FE29-4F9F-99B9-949F0817748B}" dt="2019-05-13T08:28:00.253" v="2649" actId="478"/>
+          <ac:spMkLst>
+            <pc:docMk/>
+            <pc:sldMk cId="3678253361" sldId="258"/>
+            <ac:spMk id="6" creationId="{279DBCD1-7C5C-46CC-B563-B972292EBFA2}"/>
+          </ac:spMkLst>
+        </pc:spChg>
+        <pc:spChg chg="add mod">
+          <ac:chgData name="Nils Mechtel" userId="d365a3c7-8594-435f-9872-5455ceefc78f" providerId="ADAL" clId="{FEE5CBDF-FE29-4F9F-99B9-949F0817748B}" dt="2019-05-14T19:16:06.487" v="5539" actId="1076"/>
+          <ac:spMkLst>
+            <pc:docMk/>
+            <pc:sldMk cId="3678253361" sldId="258"/>
+            <ac:spMk id="7" creationId="{62F29A01-F4B1-4F85-A116-A9CD291D8816}"/>
+          </ac:spMkLst>
+        </pc:spChg>
+        <pc:spChg chg="add mod">
+          <ac:chgData name="Nils Mechtel" userId="d365a3c7-8594-435f-9872-5455ceefc78f" providerId="ADAL" clId="{FEE5CBDF-FE29-4F9F-99B9-949F0817748B}" dt="2019-05-14T19:16:06.487" v="5539" actId="1076"/>
+          <ac:spMkLst>
+            <pc:docMk/>
+            <pc:sldMk cId="3678253361" sldId="258"/>
+            <ac:spMk id="8" creationId="{41F96F25-D8B4-4DB8-B960-4A00E53B472B}"/>
+          </ac:spMkLst>
+        </pc:spChg>
+        <pc:spChg chg="mod">
+          <ac:chgData name="Nils Mechtel" userId="d365a3c7-8594-435f-9872-5455ceefc78f" providerId="ADAL" clId="{FEE5CBDF-FE29-4F9F-99B9-949F0817748B}" dt="2019-05-14T19:16:06.487" v="5539" actId="1076"/>
+          <ac:spMkLst>
+            <pc:docMk/>
+            <pc:sldMk cId="3678253361" sldId="258"/>
+            <ac:spMk id="9" creationId="{3051B073-4B27-4D2F-8EA2-4D83A57733D7}"/>
+          </ac:spMkLst>
+        </pc:spChg>
+        <pc:picChg chg="add mod">
+          <ac:chgData name="Nils Mechtel" userId="d365a3c7-8594-435f-9872-5455ceefc78f" providerId="ADAL" clId="{FEE5CBDF-FE29-4F9F-99B9-949F0817748B}" dt="2019-05-14T19:15:46.415" v="5537" actId="1076"/>
+          <ac:picMkLst>
+            <pc:docMk/>
+            <pc:sldMk cId="3678253361" sldId="258"/>
+            <ac:picMk id="4" creationId="{F2F50BCD-C94F-4B9B-8BF7-398EA9DCD782}"/>
+          </ac:picMkLst>
+        </pc:picChg>
+      </pc:sldChg>
+      <pc:sldChg chg="addSp delSp modSp modTransition setBg addAnim delAnim modAnim addCm delCm modCm">
+        <pc:chgData name="Nils Mechtel" userId="d365a3c7-8594-435f-9872-5455ceefc78f" providerId="ADAL" clId="{FEE5CBDF-FE29-4F9F-99B9-949F0817748B}" dt="2019-05-15T11:43:42.163" v="6001" actId="1592"/>
+        <pc:sldMkLst>
+          <pc:docMk/>
+          <pc:sldMk cId="2828272781" sldId="260"/>
+        </pc:sldMkLst>
+        <pc:spChg chg="mod">
+          <ac:chgData name="Nils Mechtel" userId="d365a3c7-8594-435f-9872-5455ceefc78f" providerId="ADAL" clId="{FEE5CBDF-FE29-4F9F-99B9-949F0817748B}" dt="2019-05-12T18:43:33.377" v="1889" actId="14100"/>
+          <ac:spMkLst>
+            <pc:docMk/>
+            <pc:sldMk cId="2828272781" sldId="260"/>
+            <ac:spMk id="2" creationId="{D099CFC0-58E8-4594-908D-B69CA1A0976B}"/>
+          </ac:spMkLst>
+        </pc:spChg>
+        <pc:spChg chg="del mod">
+          <ac:chgData name="Nils Mechtel" userId="d365a3c7-8594-435f-9872-5455ceefc78f" providerId="ADAL" clId="{FEE5CBDF-FE29-4F9F-99B9-949F0817748B}" dt="2019-05-12T18:11:27.147" v="1585"/>
+          <ac:spMkLst>
+            <pc:docMk/>
+            <pc:sldMk cId="2828272781" sldId="260"/>
+            <ac:spMk id="3" creationId="{C246E4BD-1BE0-408D-A950-BB322F35E38E}"/>
+          </ac:spMkLst>
+        </pc:spChg>
+        <pc:spChg chg="add del mod">
+          <ac:chgData name="Nils Mechtel" userId="d365a3c7-8594-435f-9872-5455ceefc78f" providerId="ADAL" clId="{FEE5CBDF-FE29-4F9F-99B9-949F0817748B}" dt="2019-05-12T18:11:43.209" v="1590" actId="478"/>
+          <ac:spMkLst>
+            <pc:docMk/>
+            <pc:sldMk cId="2828272781" sldId="260"/>
+            <ac:spMk id="4" creationId="{8DB027BE-02CD-4D1F-89EF-C3F0A64E25D8}"/>
+          </ac:spMkLst>
+        </pc:spChg>
+        <pc:spChg chg="add mod topLvl">
+          <ac:chgData name="Nils Mechtel" userId="d365a3c7-8594-435f-9872-5455ceefc78f" providerId="ADAL" clId="{FEE5CBDF-FE29-4F9F-99B9-949F0817748B}" dt="2019-05-13T17:12:44.700" v="3787" actId="165"/>
+          <ac:spMkLst>
+            <pc:docMk/>
+            <pc:sldMk cId="2828272781" sldId="260"/>
+            <ac:spMk id="7" creationId="{45369BA3-A9C8-4C19-8AC5-C57EE1B0E869}"/>
+          </ac:spMkLst>
+        </pc:spChg>
+        <pc:spChg chg="add mod topLvl">
+          <ac:chgData name="Nils Mechtel" userId="d365a3c7-8594-435f-9872-5455ceefc78f" providerId="ADAL" clId="{FEE5CBDF-FE29-4F9F-99B9-949F0817748B}" dt="2019-05-13T17:12:44.700" v="3787" actId="165"/>
+          <ac:spMkLst>
+            <pc:docMk/>
+            <pc:sldMk cId="2828272781" sldId="260"/>
+            <ac:spMk id="8" creationId="{8B3389BD-14E0-4B18-AA3D-C9CA05D81DE3}"/>
+          </ac:spMkLst>
+        </pc:spChg>
+        <pc:spChg chg="add del mod">
+          <ac:chgData name="Nils Mechtel" userId="d365a3c7-8594-435f-9872-5455ceefc78f" providerId="ADAL" clId="{FEE5CBDF-FE29-4F9F-99B9-949F0817748B}" dt="2019-05-12T18:33:13.970" v="1779" actId="478"/>
+          <ac:spMkLst>
+            <pc:docMk/>
+            <pc:sldMk cId="2828272781" sldId="260"/>
+            <ac:spMk id="8" creationId="{C1292762-4044-4A6A-8599-699295D09B3B}"/>
+          </ac:spMkLst>
+        </pc:spChg>
+        <pc:spChg chg="add del mod">
+          <ac:chgData name="Nils Mechtel" userId="d365a3c7-8594-435f-9872-5455ceefc78f" providerId="ADAL" clId="{FEE5CBDF-FE29-4F9F-99B9-949F0817748B}" dt="2019-05-12T18:33:24.079" v="1783" actId="478"/>
+          <ac:spMkLst>
+            <pc:docMk/>
+            <pc:sldMk cId="2828272781" sldId="260"/>
+            <ac:spMk id="9" creationId="{1D4EB516-48C0-40BF-9DDB-61243BE75C00}"/>
+          </ac:spMkLst>
+        </pc:spChg>
+        <pc:spChg chg="add mod">
+          <ac:chgData name="Nils Mechtel" userId="d365a3c7-8594-435f-9872-5455ceefc78f" providerId="ADAL" clId="{FEE5CBDF-FE29-4F9F-99B9-949F0817748B}" dt="2019-05-13T14:29:48.032" v="3461" actId="164"/>
+          <ac:spMkLst>
+            <pc:docMk/>
+            <pc:sldMk cId="2828272781" sldId="260"/>
+            <ac:spMk id="9" creationId="{D37F5B7C-EB54-4BDA-BFAA-74FC794A47B0}"/>
+          </ac:spMkLst>
+        </pc:spChg>
+        <pc:spChg chg="add mod topLvl">
+          <ac:chgData name="Nils Mechtel" userId="d365a3c7-8594-435f-9872-5455ceefc78f" providerId="ADAL" clId="{FEE5CBDF-FE29-4F9F-99B9-949F0817748B}" dt="2019-05-13T17:12:44.700" v="3787" actId="165"/>
+          <ac:spMkLst>
+            <pc:docMk/>
+            <pc:sldMk cId="2828272781" sldId="260"/>
+            <ac:spMk id="10" creationId="{C823F53C-52E4-409F-98E8-E31A23D44A36}"/>
+          </ac:spMkLst>
+        </pc:spChg>
+        <pc:spChg chg="add mod topLvl">
+          <ac:chgData name="Nils Mechtel" userId="d365a3c7-8594-435f-9872-5455ceefc78f" providerId="ADAL" clId="{FEE5CBDF-FE29-4F9F-99B9-949F0817748B}" dt="2019-05-13T17:12:44.700" v="3787" actId="165"/>
+          <ac:spMkLst>
+            <pc:docMk/>
+            <pc:sldMk cId="2828272781" sldId="260"/>
+            <ac:spMk id="11" creationId="{66B42854-487F-49DC-8209-9DD0923CED26}"/>
+          </ac:spMkLst>
+        </pc:spChg>
+        <pc:spChg chg="add mod">
+          <ac:chgData name="Nils Mechtel" userId="d365a3c7-8594-435f-9872-5455ceefc78f" providerId="ADAL" clId="{FEE5CBDF-FE29-4F9F-99B9-949F0817748B}" dt="2019-05-13T14:29:34.491" v="3459" actId="164"/>
+          <ac:spMkLst>
+            <pc:docMk/>
+            <pc:sldMk cId="2828272781" sldId="260"/>
+            <ac:spMk id="12" creationId="{387E4205-1187-4964-90E8-D30204E10B65}"/>
+          </ac:spMkLst>
+        </pc:spChg>
+        <pc:spChg chg="add mod">
+          <ac:chgData name="Nils Mechtel" userId="d365a3c7-8594-435f-9872-5455ceefc78f" providerId="ADAL" clId="{FEE5CBDF-FE29-4F9F-99B9-949F0817748B}" dt="2019-05-13T14:29:41.106" v="3460" actId="164"/>
+          <ac:spMkLst>
+            <pc:docMk/>
+            <pc:sldMk cId="2828272781" sldId="260"/>
+            <ac:spMk id="13" creationId="{EB07AB33-E0D6-40AD-8622-0F281402981F}"/>
+          </ac:spMkLst>
+        </pc:spChg>
+        <pc:spChg chg="add mod">
+          <ac:chgData name="Nils Mechtel" userId="d365a3c7-8594-435f-9872-5455ceefc78f" providerId="ADAL" clId="{FEE5CBDF-FE29-4F9F-99B9-949F0817748B}" dt="2019-05-13T14:30:25.460" v="3470" actId="164"/>
+          <ac:spMkLst>
+            <pc:docMk/>
+            <pc:sldMk cId="2828272781" sldId="260"/>
+            <ac:spMk id="14" creationId="{4F7A4A79-C09A-47C9-A1CC-355E1E6F4EC2}"/>
+          </ac:spMkLst>
+        </pc:spChg>
+        <pc:spChg chg="add mod">
+          <ac:chgData name="Nils Mechtel" userId="d365a3c7-8594-435f-9872-5455ceefc78f" providerId="ADAL" clId="{FEE5CBDF-FE29-4F9F-99B9-949F0817748B}" dt="2019-05-13T14:30:01.735" v="3463" actId="164"/>
+          <ac:spMkLst>
+            <pc:docMk/>
+            <pc:sldMk cId="2828272781" sldId="260"/>
+            <ac:spMk id="15" creationId="{570844D6-1BB6-4FA0-9A81-D1FEDE89FC3B}"/>
+          </ac:spMkLst>
+        </pc:spChg>
+        <pc:spChg chg="add mod ord">
+          <ac:chgData name="Nils Mechtel" userId="d365a3c7-8594-435f-9872-5455ceefc78f" providerId="ADAL" clId="{FEE5CBDF-FE29-4F9F-99B9-949F0817748B}" dt="2019-05-13T14:30:32.137" v="3471" actId="164"/>
+          <ac:spMkLst>
+            <pc:docMk/>
+            <pc:sldMk cId="2828272781" sldId="260"/>
+            <ac:spMk id="31" creationId="{FEABBD9F-F3A0-4C2A-9231-A3AD21D8E819}"/>
+          </ac:spMkLst>
+        </pc:spChg>
+        <pc:spChg chg="add mod">
+          <ac:chgData name="Nils Mechtel" userId="d365a3c7-8594-435f-9872-5455ceefc78f" providerId="ADAL" clId="{FEE5CBDF-FE29-4F9F-99B9-949F0817748B}" dt="2019-05-13T14:40:10.810" v="3599" actId="122"/>
+          <ac:spMkLst>
+            <pc:docMk/>
+            <pc:sldMk cId="2828272781" sldId="260"/>
+            <ac:spMk id="40" creationId="{943C2B7C-D87E-4C5C-8AE5-6ABFC23D212A}"/>
+          </ac:spMkLst>
+        </pc:spChg>
+        <pc:spChg chg="add mod">
+          <ac:chgData name="Nils Mechtel" userId="d365a3c7-8594-435f-9872-5455ceefc78f" providerId="ADAL" clId="{FEE5CBDF-FE29-4F9F-99B9-949F0817748B}" dt="2019-05-13T14:40:38.071" v="3604" actId="164"/>
+          <ac:spMkLst>
+            <pc:docMk/>
+            <pc:sldMk cId="2828272781" sldId="260"/>
+            <ac:spMk id="41" creationId="{93C41828-EB2B-4F62-AF84-F408B6F943EC}"/>
+          </ac:spMkLst>
+        </pc:spChg>
+        <pc:spChg chg="add del mod">
+          <ac:chgData name="Nils Mechtel" userId="d365a3c7-8594-435f-9872-5455ceefc78f" providerId="ADAL" clId="{FEE5CBDF-FE29-4F9F-99B9-949F0817748B}" dt="2019-05-13T14:39:35.961" v="3592" actId="478"/>
+          <ac:spMkLst>
+            <pc:docMk/>
+            <pc:sldMk cId="2828272781" sldId="260"/>
+            <ac:spMk id="42" creationId="{0FC10C2A-5176-477D-85AC-6C545F8D6BE5}"/>
+          </ac:spMkLst>
+        </pc:spChg>
+        <pc:spChg chg="add del mod">
+          <ac:chgData name="Nils Mechtel" userId="d365a3c7-8594-435f-9872-5455ceefc78f" providerId="ADAL" clId="{FEE5CBDF-FE29-4F9F-99B9-949F0817748B}" dt="2019-05-13T17:33:00.793" v="3976"/>
+          <ac:spMkLst>
+            <pc:docMk/>
+            <pc:sldMk cId="2828272781" sldId="260"/>
+            <ac:spMk id="42" creationId="{C615170F-CDB8-4056-B87C-CE18B8881CDF}"/>
+          </ac:spMkLst>
+        </pc:spChg>
+        <pc:spChg chg="add mod">
+          <ac:chgData name="Nils Mechtel" userId="d365a3c7-8594-435f-9872-5455ceefc78f" providerId="ADAL" clId="{FEE5CBDF-FE29-4F9F-99B9-949F0817748B}" dt="2019-05-13T14:40:25.363" v="3602" actId="164"/>
+          <ac:spMkLst>
+            <pc:docMk/>
+            <pc:sldMk cId="2828272781" sldId="260"/>
+            <ac:spMk id="43" creationId="{DA873C14-8B3A-4548-8B8C-36EB7D725E69}"/>
+          </ac:spMkLst>
+        </pc:spChg>
+        <pc:spChg chg="add mod">
+          <ac:chgData name="Nils Mechtel" userId="d365a3c7-8594-435f-9872-5455ceefc78f" providerId="ADAL" clId="{FEE5CBDF-FE29-4F9F-99B9-949F0817748B}" dt="2019-05-13T14:40:06.027" v="3597" actId="122"/>
+          <ac:spMkLst>
+            <pc:docMk/>
+            <pc:sldMk cId="2828272781" sldId="260"/>
+            <ac:spMk id="44" creationId="{E61A8728-BA14-4C0D-89B9-00A8FAEF962A}"/>
+          </ac:spMkLst>
+        </pc:spChg>
+        <pc:spChg chg="add mod">
+          <ac:chgData name="Nils Mechtel" userId="d365a3c7-8594-435f-9872-5455ceefc78f" providerId="ADAL" clId="{FEE5CBDF-FE29-4F9F-99B9-949F0817748B}" dt="2019-05-13T14:40:08.366" v="3598" actId="122"/>
+          <ac:spMkLst>
+            <pc:docMk/>
+            <pc:sldMk cId="2828272781" sldId="260"/>
+            <ac:spMk id="45" creationId="{7C07FF60-18EF-461B-8A37-6AF6F1F9292A}"/>
+          </ac:spMkLst>
+        </pc:spChg>
+        <pc:spChg chg="add del">
+          <ac:chgData name="Nils Mechtel" userId="d365a3c7-8594-435f-9872-5455ceefc78f" providerId="ADAL" clId="{FEE5CBDF-FE29-4F9F-99B9-949F0817748B}" dt="2019-05-13T14:36:28.359" v="3523"/>
+          <ac:spMkLst>
+            <pc:docMk/>
+            <pc:sldMk cId="2828272781" sldId="260"/>
+            <ac:spMk id="46" creationId="{454774B2-533C-4111-9C28-F665017FBF0F}"/>
+          </ac:spMkLst>
+        </pc:spChg>
+        <pc:spChg chg="add del mod">
+          <ac:chgData name="Nils Mechtel" userId="d365a3c7-8594-435f-9872-5455ceefc78f" providerId="ADAL" clId="{FEE5CBDF-FE29-4F9F-99B9-949F0817748B}" dt="2019-05-13T17:36:34.157" v="3995" actId="478"/>
+          <ac:spMkLst>
+            <pc:docMk/>
+            <pc:sldMk cId="2828272781" sldId="260"/>
+            <ac:spMk id="46" creationId="{650C63CA-8039-4C13-A25B-D372E4510923}"/>
+          </ac:spMkLst>
+        </pc:spChg>
+        <pc:spChg chg="add mod">
+          <ac:chgData name="Nils Mechtel" userId="d365a3c7-8594-435f-9872-5455ceefc78f" providerId="ADAL" clId="{FEE5CBDF-FE29-4F9F-99B9-949F0817748B}" dt="2019-05-13T14:40:31.816" v="3603" actId="164"/>
+          <ac:spMkLst>
+            <pc:docMk/>
+            <pc:sldMk cId="2828272781" sldId="260"/>
+            <ac:spMk id="47" creationId="{5EB173C0-677E-4BD7-9FB1-A4EA89279B4F}"/>
+          </ac:spMkLst>
+        </pc:spChg>
+        <pc:spChg chg="add del mod">
+          <ac:chgData name="Nils Mechtel" userId="d365a3c7-8594-435f-9872-5455ceefc78f" providerId="ADAL" clId="{FEE5CBDF-FE29-4F9F-99B9-949F0817748B}" dt="2019-05-13T17:36:34.157" v="3995" actId="478"/>
+          <ac:spMkLst>
+            <pc:docMk/>
+            <pc:sldMk cId="2828272781" sldId="260"/>
+            <ac:spMk id="50" creationId="{9D9F170D-A057-44CB-9E5B-0082B3625C3D}"/>
+          </ac:spMkLst>
+        </pc:spChg>
+        <pc:spChg chg="add del mod topLvl">
+          <ac:chgData name="Nils Mechtel" userId="d365a3c7-8594-435f-9872-5455ceefc78f" providerId="ADAL" clId="{FEE5CBDF-FE29-4F9F-99B9-949F0817748B}" dt="2019-05-13T17:26:49.454" v="3938" actId="478"/>
+          <ac:spMkLst>
+            <pc:docMk/>
+            <pc:sldMk cId="2828272781" sldId="260"/>
+            <ac:spMk id="72" creationId="{528DCE4C-B15D-492C-8AA1-66AF73EF6101}"/>
+          </ac:spMkLst>
+        </pc:spChg>
+        <pc:spChg chg="add del mod topLvl">
+          <ac:chgData name="Nils Mechtel" userId="d365a3c7-8594-435f-9872-5455ceefc78f" providerId="ADAL" clId="{FEE5CBDF-FE29-4F9F-99B9-949F0817748B}" dt="2019-05-13T17:24:18.644" v="3915" actId="478"/>
+          <ac:spMkLst>
+            <pc:docMk/>
+            <pc:sldMk cId="2828272781" sldId="260"/>
+            <ac:spMk id="73" creationId="{21BDB14A-CC91-4748-B5B0-60A9FE6D36C3}"/>
+          </ac:spMkLst>
+        </pc:spChg>
+        <pc:spChg chg="add mod topLvl">
+          <ac:chgData name="Nils Mechtel" userId="d365a3c7-8594-435f-9872-5455ceefc78f" providerId="ADAL" clId="{FEE5CBDF-FE29-4F9F-99B9-949F0817748B}" dt="2019-05-13T17:24:26.153" v="3916" actId="1076"/>
+          <ac:spMkLst>
+            <pc:docMk/>
+            <pc:sldMk cId="2828272781" sldId="260"/>
+            <ac:spMk id="74" creationId="{BDBD06EB-CF0E-434A-8B05-AB78613463D7}"/>
+          </ac:spMkLst>
+        </pc:spChg>
+        <pc:spChg chg="add mod topLvl">
+          <ac:chgData name="Nils Mechtel" userId="d365a3c7-8594-435f-9872-5455ceefc78f" providerId="ADAL" clId="{FEE5CBDF-FE29-4F9F-99B9-949F0817748B}" dt="2019-05-13T17:24:26.153" v="3916" actId="1076"/>
+          <ac:spMkLst>
+            <pc:docMk/>
+            <pc:sldMk cId="2828272781" sldId="260"/>
+            <ac:spMk id="75" creationId="{8FDAA598-DAB4-4D72-8E94-C955D5311933}"/>
+          </ac:spMkLst>
+        </pc:spChg>
+        <pc:spChg chg="add mod topLvl">
+          <ac:chgData name="Nils Mechtel" userId="d365a3c7-8594-435f-9872-5455ceefc78f" providerId="ADAL" clId="{FEE5CBDF-FE29-4F9F-99B9-949F0817748B}" dt="2019-05-13T17:24:26.153" v="3916" actId="1076"/>
+          <ac:spMkLst>
+            <pc:docMk/>
+            <pc:sldMk cId="2828272781" sldId="260"/>
+            <ac:spMk id="76" creationId="{E429C31A-0F8C-4128-B676-EC88DE3EBC35}"/>
+          </ac:spMkLst>
+        </pc:spChg>
+        <pc:spChg chg="add del mod topLvl">
+          <ac:chgData name="Nils Mechtel" userId="d365a3c7-8594-435f-9872-5455ceefc78f" providerId="ADAL" clId="{FEE5CBDF-FE29-4F9F-99B9-949F0817748B}" dt="2019-05-13T17:26:49.454" v="3938" actId="478"/>
+          <ac:spMkLst>
+            <pc:docMk/>
+            <pc:sldMk cId="2828272781" sldId="260"/>
+            <ac:spMk id="77" creationId="{A7763519-6DBD-4A9A-8FFF-7333D43FB9D3}"/>
+          </ac:spMkLst>
+        </pc:spChg>
+        <pc:spChg chg="add">
+          <ac:chgData name="Nils Mechtel" userId="d365a3c7-8594-435f-9872-5455ceefc78f" providerId="ADAL" clId="{FEE5CBDF-FE29-4F9F-99B9-949F0817748B}" dt="2019-05-13T17:14:18.222" v="3800"/>
+          <ac:spMkLst>
+            <pc:docMk/>
+            <pc:sldMk cId="2828272781" sldId="260"/>
+            <ac:spMk id="79" creationId="{97C49E0C-8588-4F91-AA4F-BA44F6581F78}"/>
+          </ac:spMkLst>
+        </pc:spChg>
+        <pc:spChg chg="add">
+          <ac:chgData name="Nils Mechtel" userId="d365a3c7-8594-435f-9872-5455ceefc78f" providerId="ADAL" clId="{FEE5CBDF-FE29-4F9F-99B9-949F0817748B}" dt="2019-05-13T17:14:18.222" v="3800"/>
+          <ac:spMkLst>
+            <pc:docMk/>
+            <pc:sldMk cId="2828272781" sldId="260"/>
+            <ac:spMk id="80" creationId="{09A410C0-2454-448F-9027-9901693FFCD2}"/>
+          </ac:spMkLst>
+        </pc:spChg>
+        <pc:spChg chg="add">
+          <ac:chgData name="Nils Mechtel" userId="d365a3c7-8594-435f-9872-5455ceefc78f" providerId="ADAL" clId="{FEE5CBDF-FE29-4F9F-99B9-949F0817748B}" dt="2019-05-13T17:15:27.526" v="3810"/>
+          <ac:spMkLst>
+            <pc:docMk/>
+            <pc:sldMk cId="2828272781" sldId="260"/>
+            <ac:spMk id="82" creationId="{F61A9C48-68D2-4869-8C10-505525A3ECA6}"/>
+          </ac:spMkLst>
+        </pc:spChg>
+        <pc:spChg chg="add">
+          <ac:chgData name="Nils Mechtel" userId="d365a3c7-8594-435f-9872-5455ceefc78f" providerId="ADAL" clId="{FEE5CBDF-FE29-4F9F-99B9-949F0817748B}" dt="2019-05-13T17:15:27.526" v="3810"/>
+          <ac:spMkLst>
+            <pc:docMk/>
+            <pc:sldMk cId="2828272781" sldId="260"/>
+            <ac:spMk id="83" creationId="{45A6DD7A-5DFF-46AA-A587-884C89F42B49}"/>
+          </ac:spMkLst>
+        </pc:spChg>
+        <pc:spChg chg="add">
+          <ac:chgData name="Nils Mechtel" userId="d365a3c7-8594-435f-9872-5455ceefc78f" providerId="ADAL" clId="{FEE5CBDF-FE29-4F9F-99B9-949F0817748B}" dt="2019-05-13T17:15:33.694" v="3811"/>
+          <ac:spMkLst>
+            <pc:docMk/>
+            <pc:sldMk cId="2828272781" sldId="260"/>
+            <ac:spMk id="85" creationId="{5E76ECEC-BDF5-4691-B443-DCF39CA7BA0D}"/>
+          </ac:spMkLst>
+        </pc:spChg>
+        <pc:spChg chg="add mod">
+          <ac:chgData name="Nils Mechtel" userId="d365a3c7-8594-435f-9872-5455ceefc78f" providerId="ADAL" clId="{FEE5CBDF-FE29-4F9F-99B9-949F0817748B}" dt="2019-05-14T13:01:38.387" v="4565" actId="20577"/>
+          <ac:spMkLst>
+            <pc:docMk/>
+            <pc:sldMk cId="2828272781" sldId="260"/>
+            <ac:spMk id="86" creationId="{036CCB68-DCA3-48D6-94A3-5758F961E283}"/>
+          </ac:spMkLst>
+        </pc:spChg>
+        <pc:spChg chg="add mod">
+          <ac:chgData name="Nils Mechtel" userId="d365a3c7-8594-435f-9872-5455ceefc78f" providerId="ADAL" clId="{FEE5CBDF-FE29-4F9F-99B9-949F0817748B}" dt="2019-05-13T17:16:05.393" v="3818" actId="1076"/>
+          <ac:spMkLst>
+            <pc:docMk/>
+            <pc:sldMk cId="2828272781" sldId="260"/>
+            <ac:spMk id="88" creationId="{28F95600-93EF-4E06-BBAC-992AB46B0C3B}"/>
+          </ac:spMkLst>
+        </pc:spChg>
+        <pc:spChg chg="add mod">
+          <ac:chgData name="Nils Mechtel" userId="d365a3c7-8594-435f-9872-5455ceefc78f" providerId="ADAL" clId="{FEE5CBDF-FE29-4F9F-99B9-949F0817748B}" dt="2019-05-13T17:16:01.593" v="3816" actId="1076"/>
+          <ac:spMkLst>
+            <pc:docMk/>
+            <pc:sldMk cId="2828272781" sldId="260"/>
+            <ac:spMk id="89" creationId="{5C5BB0BE-6C68-46B0-8F3F-11A9E087D9BB}"/>
+          </ac:spMkLst>
+        </pc:spChg>
+        <pc:spChg chg="add">
+          <ac:chgData name="Nils Mechtel" userId="d365a3c7-8594-435f-9872-5455ceefc78f" providerId="ADAL" clId="{FEE5CBDF-FE29-4F9F-99B9-949F0817748B}" dt="2019-05-13T17:15:46.108" v="3813"/>
+          <ac:spMkLst>
+            <pc:docMk/>
+            <pc:sldMk cId="2828272781" sldId="260"/>
+            <ac:spMk id="91" creationId="{C4A410BE-6298-44D7-9399-4D5A0F96ABD6}"/>
+          </ac:spMkLst>
+        </pc:spChg>
+        <pc:spChg chg="add">
+          <ac:chgData name="Nils Mechtel" userId="d365a3c7-8594-435f-9872-5455ceefc78f" providerId="ADAL" clId="{FEE5CBDF-FE29-4F9F-99B9-949F0817748B}" dt="2019-05-13T17:15:46.108" v="3813"/>
+          <ac:spMkLst>
+            <pc:docMk/>
+            <pc:sldMk cId="2828272781" sldId="260"/>
+            <ac:spMk id="92" creationId="{D41611DF-02DF-4696-A087-2BF88B845CEC}"/>
+          </ac:spMkLst>
+        </pc:spChg>
+        <pc:grpChg chg="add del mod">
+          <ac:chgData name="Nils Mechtel" userId="d365a3c7-8594-435f-9872-5455ceefc78f" providerId="ADAL" clId="{FEE5CBDF-FE29-4F9F-99B9-949F0817748B}" dt="2019-05-13T17:12:44.700" v="3787" actId="165"/>
+          <ac:grpSpMkLst>
+            <pc:docMk/>
+            <pc:sldMk cId="2828272781" sldId="260"/>
+            <ac:grpSpMk id="3" creationId="{E86FF885-5B8C-4C93-A44B-B14E1D722EB9}"/>
+          </ac:grpSpMkLst>
+        </pc:grpChg>
+        <pc:grpChg chg="add del mod">
+          <ac:chgData name="Nils Mechtel" userId="d365a3c7-8594-435f-9872-5455ceefc78f" providerId="ADAL" clId="{FEE5CBDF-FE29-4F9F-99B9-949F0817748B}" dt="2019-05-13T14:39:35.961" v="3592" actId="478"/>
+          <ac:grpSpMkLst>
+            <pc:docMk/>
+            <pc:sldMk cId="2828272781" sldId="260"/>
+            <ac:grpSpMk id="4" creationId="{2EA0C8C4-4548-4B16-A1B2-D0691F1C3869}"/>
+          </ac:grpSpMkLst>
+        </pc:grpChg>
+        <pc:grpChg chg="add mod">
+          <ac:chgData name="Nils Mechtel" userId="d365a3c7-8594-435f-9872-5455ceefc78f" providerId="ADAL" clId="{FEE5CBDF-FE29-4F9F-99B9-949F0817748B}" dt="2019-05-13T14:40:25.363" v="3602" actId="164"/>
+          <ac:grpSpMkLst>
+            <pc:docMk/>
+            <pc:sldMk cId="2828272781" sldId="260"/>
+            <ac:grpSpMk id="6" creationId="{134FDC5C-1487-4BF5-9B5E-BBEF8BECDE7C}"/>
+          </ac:grpSpMkLst>
+        </pc:grpChg>
+        <pc:grpChg chg="add mod">
+          <ac:chgData name="Nils Mechtel" userId="d365a3c7-8594-435f-9872-5455ceefc78f" providerId="ADAL" clId="{FEE5CBDF-FE29-4F9F-99B9-949F0817748B}" dt="2019-05-13T14:39:52.705" v="3594" actId="164"/>
+          <ac:grpSpMkLst>
+            <pc:docMk/>
+            <pc:sldMk cId="2828272781" sldId="260"/>
+            <ac:grpSpMk id="29" creationId="{03AEBC68-5387-4EE9-B1C5-C059FEA49662}"/>
+          </ac:grpSpMkLst>
+        </pc:grpChg>
+        <pc:grpChg chg="add mod">
+          <ac:chgData name="Nils Mechtel" userId="d365a3c7-8594-435f-9872-5455ceefc78f" providerId="ADAL" clId="{FEE5CBDF-FE29-4F9F-99B9-949F0817748B}" dt="2019-05-13T14:40:31.816" v="3603" actId="164"/>
+          <ac:grpSpMkLst>
+            <pc:docMk/>
+            <pc:sldMk cId="2828272781" sldId="260"/>
+            <ac:grpSpMk id="30" creationId="{EA0F3B40-1A15-46A1-AA48-92784D4144BB}"/>
+          </ac:grpSpMkLst>
+        </pc:grpChg>
+        <pc:grpChg chg="add mod">
+          <ac:chgData name="Nils Mechtel" userId="d365a3c7-8594-435f-9872-5455ceefc78f" providerId="ADAL" clId="{FEE5CBDF-FE29-4F9F-99B9-949F0817748B}" dt="2019-05-13T14:40:38.071" v="3604" actId="164"/>
+          <ac:grpSpMkLst>
+            <pc:docMk/>
+            <pc:sldMk cId="2828272781" sldId="260"/>
+            <ac:grpSpMk id="32" creationId="{BCCB78A2-CD37-41E9-A186-6055EA6D1D96}"/>
+          </ac:grpSpMkLst>
+        </pc:grpChg>
+        <pc:grpChg chg="add mod">
+          <ac:chgData name="Nils Mechtel" userId="d365a3c7-8594-435f-9872-5455ceefc78f" providerId="ADAL" clId="{FEE5CBDF-FE29-4F9F-99B9-949F0817748B}" dt="2019-05-13T14:39:46.824" v="3593" actId="164"/>
+          <ac:grpSpMkLst>
+            <pc:docMk/>
+            <pc:sldMk cId="2828272781" sldId="260"/>
+            <ac:grpSpMk id="33" creationId="{E6188689-0825-4A08-90C9-E737579337C7}"/>
+          </ac:grpSpMkLst>
+        </pc:grpChg>
+        <pc:grpChg chg="add del mod">
+          <ac:chgData name="Nils Mechtel" userId="d365a3c7-8594-435f-9872-5455ceefc78f" providerId="ADAL" clId="{FEE5CBDF-FE29-4F9F-99B9-949F0817748B}" dt="2019-05-13T14:35:33.807" v="3501" actId="478"/>
+          <ac:grpSpMkLst>
+            <pc:docMk/>
+            <pc:sldMk cId="2828272781" sldId="260"/>
+            <ac:grpSpMk id="34" creationId="{FAC2C433-3B5C-4B05-BE12-6C3628696DAA}"/>
+          </ac:grpSpMkLst>
+        </pc:grpChg>
+        <pc:grpChg chg="add mod">
+          <ac:chgData name="Nils Mechtel" userId="d365a3c7-8594-435f-9872-5455ceefc78f" providerId="ADAL" clId="{FEE5CBDF-FE29-4F9F-99B9-949F0817748B}" dt="2019-05-13T14:39:57.856" v="3595" actId="164"/>
+          <ac:grpSpMkLst>
+            <pc:docMk/>
+            <pc:sldMk cId="2828272781" sldId="260"/>
+            <ac:grpSpMk id="37" creationId="{6CEE06B5-4255-430E-87DC-C0D185FA105D}"/>
+          </ac:grpSpMkLst>
+        </pc:grpChg>
+        <pc:grpChg chg="add del mod">
+          <ac:chgData name="Nils Mechtel" userId="d365a3c7-8594-435f-9872-5455ceefc78f" providerId="ADAL" clId="{FEE5CBDF-FE29-4F9F-99B9-949F0817748B}" dt="2019-05-13T17:33:00.793" v="3976"/>
+          <ac:grpSpMkLst>
+            <pc:docMk/>
+            <pc:sldMk cId="2828272781" sldId="260"/>
+            <ac:grpSpMk id="39" creationId="{BFDBED2A-4B52-466B-BD2B-56F13456B836}"/>
+          </ac:grpSpMkLst>
+        </pc:grpChg>
+        <pc:grpChg chg="add del mod">
+          <ac:chgData name="Nils Mechtel" userId="d365a3c7-8594-435f-9872-5455ceefc78f" providerId="ADAL" clId="{FEE5CBDF-FE29-4F9F-99B9-949F0817748B}" dt="2019-05-13T17:36:34.157" v="3995" actId="478"/>
+          <ac:grpSpMkLst>
+            <pc:docMk/>
+            <pc:sldMk cId="2828272781" sldId="260"/>
+            <ac:grpSpMk id="43" creationId="{D0D5269A-45B8-4794-B4AA-6234AB805DBC}"/>
+          </ac:grpSpMkLst>
+        </pc:grpChg>
+        <pc:grpChg chg="add del mod">
+          <ac:chgData name="Nils Mechtel" userId="d365a3c7-8594-435f-9872-5455ceefc78f" providerId="ADAL" clId="{FEE5CBDF-FE29-4F9F-99B9-949F0817748B}" dt="2019-05-13T17:36:34.157" v="3995" actId="478"/>
+          <ac:grpSpMkLst>
+            <pc:docMk/>
+            <pc:sldMk cId="2828272781" sldId="260"/>
+            <ac:grpSpMk id="47" creationId="{4CC6EE38-B479-4F8B-AD7F-31A8B14386A0}"/>
+          </ac:grpSpMkLst>
+        </pc:grpChg>
+        <pc:grpChg chg="add del mod">
+          <ac:chgData name="Nils Mechtel" userId="d365a3c7-8594-435f-9872-5455ceefc78f" providerId="ADAL" clId="{FEE5CBDF-FE29-4F9F-99B9-949F0817748B}" dt="2019-05-13T14:47:25.664" v="3708" actId="478"/>
+          <ac:grpSpMkLst>
+            <pc:docMk/>
+            <pc:sldMk cId="2828272781" sldId="260"/>
+            <ac:grpSpMk id="48" creationId="{582347D5-E105-4FBD-9E09-4EF49A7778FC}"/>
+          </ac:grpSpMkLst>
+        </pc:grpChg>
+        <pc:grpChg chg="add del mod">
+          <ac:chgData name="Nils Mechtel" userId="d365a3c7-8594-435f-9872-5455ceefc78f" providerId="ADAL" clId="{FEE5CBDF-FE29-4F9F-99B9-949F0817748B}" dt="2019-05-13T14:47:25.664" v="3708" actId="478"/>
+          <ac:grpSpMkLst>
+            <pc:docMk/>
+            <pc:sldMk cId="2828272781" sldId="260"/>
+            <ac:grpSpMk id="49" creationId="{F8176D8A-FADF-470F-AD28-48639D03083F}"/>
+          </ac:grpSpMkLst>
+        </pc:grpChg>
+        <pc:grpChg chg="add del mod">
+          <ac:chgData name="Nils Mechtel" userId="d365a3c7-8594-435f-9872-5455ceefc78f" providerId="ADAL" clId="{FEE5CBDF-FE29-4F9F-99B9-949F0817748B}" dt="2019-05-13T14:47:25.664" v="3708" actId="478"/>
+          <ac:grpSpMkLst>
+            <pc:docMk/>
+            <pc:sldMk cId="2828272781" sldId="260"/>
+            <ac:grpSpMk id="50" creationId="{781DBBC8-FE0C-4189-8B9D-21FF2A2FE341}"/>
+          </ac:grpSpMkLst>
+        </pc:grpChg>
+        <pc:grpChg chg="add del mod">
+          <ac:chgData name="Nils Mechtel" userId="d365a3c7-8594-435f-9872-5455ceefc78f" providerId="ADAL" clId="{FEE5CBDF-FE29-4F9F-99B9-949F0817748B}" dt="2019-05-13T14:47:25.664" v="3708" actId="478"/>
+          <ac:grpSpMkLst>
+            <pc:docMk/>
+            <pc:sldMk cId="2828272781" sldId="260"/>
+            <ac:grpSpMk id="51" creationId="{8A44C692-67AA-4B13-85F1-91F6D041BC75}"/>
+          </ac:grpSpMkLst>
+        </pc:grpChg>
+        <pc:grpChg chg="add del mod">
+          <ac:chgData name="Nils Mechtel" userId="d365a3c7-8594-435f-9872-5455ceefc78f" providerId="ADAL" clId="{FEE5CBDF-FE29-4F9F-99B9-949F0817748B}" dt="2019-05-13T14:47:25.664" v="3708" actId="478"/>
+          <ac:grpSpMkLst>
+            <pc:docMk/>
+            <pc:sldMk cId="2828272781" sldId="260"/>
+            <ac:grpSpMk id="52" creationId="{737F35D4-5932-4796-8967-905B709797BD}"/>
+          </ac:grpSpMkLst>
+        </pc:grpChg>
+        <pc:grpChg chg="add del mod">
+          <ac:chgData name="Nils Mechtel" userId="d365a3c7-8594-435f-9872-5455ceefc78f" providerId="ADAL" clId="{FEE5CBDF-FE29-4F9F-99B9-949F0817748B}" dt="2019-05-13T14:47:25.664" v="3708" actId="478"/>
+          <ac:grpSpMkLst>
+            <pc:docMk/>
+            <pc:sldMk cId="2828272781" sldId="260"/>
+            <ac:grpSpMk id="53" creationId="{8301CC79-A883-41B6-89B9-2032306F5F1A}"/>
+          </ac:grpSpMkLst>
+        </pc:grpChg>
+        <pc:grpChg chg="add del mod topLvl">
+          <ac:chgData name="Nils Mechtel" userId="d365a3c7-8594-435f-9872-5455ceefc78f" providerId="ADAL" clId="{FEE5CBDF-FE29-4F9F-99B9-949F0817748B}" dt="2019-05-13T17:26:49.454" v="3938" actId="478"/>
+          <ac:grpSpMkLst>
+            <pc:docMk/>
+            <pc:sldMk cId="2828272781" sldId="260"/>
+            <ac:grpSpMk id="54" creationId="{575F70CC-AE76-42C5-9F7F-E02F53208A40}"/>
+          </ac:grpSpMkLst>
+        </pc:grpChg>
+        <pc:grpChg chg="add del mod topLvl">
+          <ac:chgData name="Nils Mechtel" userId="d365a3c7-8594-435f-9872-5455ceefc78f" providerId="ADAL" clId="{FEE5CBDF-FE29-4F9F-99B9-949F0817748B}" dt="2019-05-13T17:24:18.644" v="3915" actId="478"/>
+          <ac:grpSpMkLst>
+            <pc:docMk/>
+            <pc:sldMk cId="2828272781" sldId="260"/>
+            <ac:grpSpMk id="57" creationId="{9E1BB2CB-67F6-4934-9792-55F322A57083}"/>
+          </ac:grpSpMkLst>
+        </pc:grpChg>
+        <pc:grpChg chg="add mod topLvl">
+          <ac:chgData name="Nils Mechtel" userId="d365a3c7-8594-435f-9872-5455ceefc78f" providerId="ADAL" clId="{FEE5CBDF-FE29-4F9F-99B9-949F0817748B}" dt="2019-05-13T17:24:26.153" v="3916" actId="1076"/>
+          <ac:grpSpMkLst>
+            <pc:docMk/>
+            <pc:sldMk cId="2828272781" sldId="260"/>
+            <ac:grpSpMk id="60" creationId="{A41C6986-50E5-4E5C-8134-2440D81140AF}"/>
+          </ac:grpSpMkLst>
+        </pc:grpChg>
+        <pc:grpChg chg="add mod topLvl">
+          <ac:chgData name="Nils Mechtel" userId="d365a3c7-8594-435f-9872-5455ceefc78f" providerId="ADAL" clId="{FEE5CBDF-FE29-4F9F-99B9-949F0817748B}" dt="2019-05-13T17:24:26.153" v="3916" actId="1076"/>
+          <ac:grpSpMkLst>
+            <pc:docMk/>
+            <pc:sldMk cId="2828272781" sldId="260"/>
+            <ac:grpSpMk id="63" creationId="{FBF9E737-0259-4427-B545-7ACE0F405151}"/>
+          </ac:grpSpMkLst>
+        </pc:grpChg>
+        <pc:grpChg chg="add mod topLvl">
+          <ac:chgData name="Nils Mechtel" userId="d365a3c7-8594-435f-9872-5455ceefc78f" providerId="ADAL" clId="{FEE5CBDF-FE29-4F9F-99B9-949F0817748B}" dt="2019-05-13T17:24:26.153" v="3916" actId="1076"/>
+          <ac:grpSpMkLst>
+            <pc:docMk/>
+            <pc:sldMk cId="2828272781" sldId="260"/>
+            <ac:grpSpMk id="66" creationId="{CF1BA079-56DB-42E1-9BE7-120D39CECF0C}"/>
+          </ac:grpSpMkLst>
+        </pc:grpChg>
+        <pc:grpChg chg="add del mod topLvl">
+          <ac:chgData name="Nils Mechtel" userId="d365a3c7-8594-435f-9872-5455ceefc78f" providerId="ADAL" clId="{FEE5CBDF-FE29-4F9F-99B9-949F0817748B}" dt="2019-05-13T17:26:49.454" v="3938" actId="478"/>
+          <ac:grpSpMkLst>
+            <pc:docMk/>
+            <pc:sldMk cId="2828272781" sldId="260"/>
+            <ac:grpSpMk id="69" creationId="{43259D6A-FC6F-46CF-9A85-4191B7B63129}"/>
+          </ac:grpSpMkLst>
+        </pc:grpChg>
+        <pc:grpChg chg="add mod">
+          <ac:chgData name="Nils Mechtel" userId="d365a3c7-8594-435f-9872-5455ceefc78f" providerId="ADAL" clId="{FEE5CBDF-FE29-4F9F-99B9-949F0817748B}" dt="2019-05-13T17:14:27.888" v="3801"/>
+          <ac:grpSpMkLst>
+            <pc:docMk/>
+            <pc:sldMk cId="2828272781" sldId="260"/>
+            <ac:grpSpMk id="78" creationId="{FEC93503-4762-481D-95F1-60D9DB2EC944}"/>
+          </ac:grpSpMkLst>
+        </pc:grpChg>
+        <pc:grpChg chg="add mod">
+          <ac:chgData name="Nils Mechtel" userId="d365a3c7-8594-435f-9872-5455ceefc78f" providerId="ADAL" clId="{FEE5CBDF-FE29-4F9F-99B9-949F0817748B}" dt="2019-05-13T17:17:24.138" v="3828" actId="1076"/>
+          <ac:grpSpMkLst>
+            <pc:docMk/>
+            <pc:sldMk cId="2828272781" sldId="260"/>
+            <ac:grpSpMk id="81" creationId="{3150976C-B9B7-40FB-8290-82141889F356}"/>
+          </ac:grpSpMkLst>
+        </pc:grpChg>
+        <pc:grpChg chg="add mod">
+          <ac:chgData name="Nils Mechtel" userId="d365a3c7-8594-435f-9872-5455ceefc78f" providerId="ADAL" clId="{FEE5CBDF-FE29-4F9F-99B9-949F0817748B}" dt="2019-05-13T17:16:56.344" v="3823" actId="1076"/>
+          <ac:grpSpMkLst>
+            <pc:docMk/>
+            <pc:sldMk cId="2828272781" sldId="260"/>
+            <ac:grpSpMk id="84" creationId="{FF968A16-CCEC-4339-854B-6E68D45FC672}"/>
+          </ac:grpSpMkLst>
+        </pc:grpChg>
+        <pc:grpChg chg="add mod">
+          <ac:chgData name="Nils Mechtel" userId="d365a3c7-8594-435f-9872-5455ceefc78f" providerId="ADAL" clId="{FEE5CBDF-FE29-4F9F-99B9-949F0817748B}" dt="2019-05-13T17:17:12.679" v="3826" actId="1076"/>
+          <ac:grpSpMkLst>
+            <pc:docMk/>
+            <pc:sldMk cId="2828272781" sldId="260"/>
+            <ac:grpSpMk id="87" creationId="{170173FB-4774-4AA2-900C-E14BFD6DC64E}"/>
+          </ac:grpSpMkLst>
+        </pc:grpChg>
+        <pc:grpChg chg="add mod">
+          <ac:chgData name="Nils Mechtel" userId="d365a3c7-8594-435f-9872-5455ceefc78f" providerId="ADAL" clId="{FEE5CBDF-FE29-4F9F-99B9-949F0817748B}" dt="2019-05-13T17:17:16.132" v="3827" actId="1076"/>
+          <ac:grpSpMkLst>
+            <pc:docMk/>
+            <pc:sldMk cId="2828272781" sldId="260"/>
+            <ac:grpSpMk id="90" creationId="{26DBF00E-31E2-4A76-AB13-BBAD06253D7B}"/>
+          </ac:grpSpMkLst>
+        </pc:grpChg>
+        <pc:grpChg chg="add del mod">
+          <ac:chgData name="Nils Mechtel" userId="d365a3c7-8594-435f-9872-5455ceefc78f" providerId="ADAL" clId="{FEE5CBDF-FE29-4F9F-99B9-949F0817748B}" dt="2019-05-13T17:19:07.709" v="3861"/>
+          <ac:grpSpMkLst>
+            <pc:docMk/>
+            <pc:sldMk cId="2828272781" sldId="260"/>
+            <ac:grpSpMk id="93" creationId="{B829A988-278F-4D8C-B0F1-ACD7BDC0DCBE}"/>
+          </ac:grpSpMkLst>
+        </pc:grpChg>
+        <pc:grpChg chg="add del mod">
+          <ac:chgData name="Nils Mechtel" userId="d365a3c7-8594-435f-9872-5455ceefc78f" providerId="ADAL" clId="{FEE5CBDF-FE29-4F9F-99B9-949F0817748B}" dt="2019-05-13T17:23:37.640" v="3907" actId="165"/>
+          <ac:grpSpMkLst>
+            <pc:docMk/>
+            <pc:sldMk cId="2828272781" sldId="260"/>
+            <ac:grpSpMk id="96" creationId="{C19D4427-91D9-4229-92C5-15C561D7FB33}"/>
+          </ac:grpSpMkLst>
+        </pc:grpChg>
+        <pc:grpChg chg="add del mod">
+          <ac:chgData name="Nils Mechtel" userId="d365a3c7-8594-435f-9872-5455ceefc78f" providerId="ADAL" clId="{FEE5CBDF-FE29-4F9F-99B9-949F0817748B}" dt="2019-05-13T17:23:41.639" v="3908" actId="165"/>
+          <ac:grpSpMkLst>
+            <pc:docMk/>
+            <pc:sldMk cId="2828272781" sldId="260"/>
+            <ac:grpSpMk id="97" creationId="{59F45F35-51E0-432B-B090-E975041F7AC5}"/>
+          </ac:grpSpMkLst>
+        </pc:grpChg>
+        <pc:grpChg chg="add del mod ord">
+          <ac:chgData name="Nils Mechtel" userId="d365a3c7-8594-435f-9872-5455ceefc78f" providerId="ADAL" clId="{FEE5CBDF-FE29-4F9F-99B9-949F0817748B}" dt="2019-05-13T17:23:49.316" v="3911" actId="165"/>
+          <ac:grpSpMkLst>
+            <pc:docMk/>
+            <pc:sldMk cId="2828272781" sldId="260"/>
+            <ac:grpSpMk id="98" creationId="{515DFC31-E362-4589-94DA-82A3ACE2DF4C}"/>
+          </ac:grpSpMkLst>
+        </pc:grpChg>
+        <pc:grpChg chg="add del mod">
+          <ac:chgData name="Nils Mechtel" userId="d365a3c7-8594-435f-9872-5455ceefc78f" providerId="ADAL" clId="{FEE5CBDF-FE29-4F9F-99B9-949F0817748B}" dt="2019-05-13T17:23:52.358" v="3912" actId="165"/>
+          <ac:grpSpMkLst>
+            <pc:docMk/>
+            <pc:sldMk cId="2828272781" sldId="260"/>
+            <ac:grpSpMk id="99" creationId="{6B143082-DBAF-45DF-BEA7-31C28FAD131B}"/>
+          </ac:grpSpMkLst>
+        </pc:grpChg>
+        <pc:grpChg chg="add del mod">
+          <ac:chgData name="Nils Mechtel" userId="d365a3c7-8594-435f-9872-5455ceefc78f" providerId="ADAL" clId="{FEE5CBDF-FE29-4F9F-99B9-949F0817748B}" dt="2019-05-13T17:23:55.119" v="3913" actId="165"/>
+          <ac:grpSpMkLst>
+            <pc:docMk/>
+            <pc:sldMk cId="2828272781" sldId="260"/>
+            <ac:grpSpMk id="100" creationId="{771B2057-A694-41FC-AE0D-96806FB52220}"/>
+          </ac:grpSpMkLst>
+        </pc:grpChg>
+        <pc:grpChg chg="add del mod">
+          <ac:chgData name="Nils Mechtel" userId="d365a3c7-8594-435f-9872-5455ceefc78f" providerId="ADAL" clId="{FEE5CBDF-FE29-4F9F-99B9-949F0817748B}" dt="2019-05-13T17:23:58.285" v="3914" actId="165"/>
+          <ac:grpSpMkLst>
+            <pc:docMk/>
+            <pc:sldMk cId="2828272781" sldId="260"/>
+            <ac:grpSpMk id="101" creationId="{B3EAD259-DD5B-4D7B-AC47-47981EEEA968}"/>
+          </ac:grpSpMkLst>
+        </pc:grpChg>
+        <pc:graphicFrameChg chg="add del mod">
+          <ac:chgData name="Nils Mechtel" userId="d365a3c7-8594-435f-9872-5455ceefc78f" providerId="ADAL" clId="{FEE5CBDF-FE29-4F9F-99B9-949F0817748B}" dt="2019-05-13T17:16:39.974" v="3822" actId="478"/>
+          <ac:graphicFrameMkLst>
+            <pc:docMk/>
+            <pc:sldMk cId="2828272781" sldId="260"/>
+            <ac:graphicFrameMk id="5" creationId="{D4C4B1BA-D16D-4282-A0AC-0BE8729A13B2}"/>
+          </ac:graphicFrameMkLst>
+        </pc:graphicFrameChg>
+        <pc:graphicFrameChg chg="add del mod">
+          <ac:chgData name="Nils Mechtel" userId="d365a3c7-8594-435f-9872-5455ceefc78f" providerId="ADAL" clId="{FEE5CBDF-FE29-4F9F-99B9-949F0817748B}" dt="2019-05-12T18:32:02.734" v="1741" actId="478"/>
+          <ac:graphicFrameMkLst>
+            <pc:docMk/>
+            <pc:sldMk cId="2828272781" sldId="260"/>
+            <ac:graphicFrameMk id="6" creationId="{BC5E4AF0-08CE-442C-ACB7-B3FB93A8C59C}"/>
+          </ac:graphicFrameMkLst>
+        </pc:graphicFrameChg>
+        <pc:picChg chg="add del mod">
+          <ac:chgData name="Nils Mechtel" userId="d365a3c7-8594-435f-9872-5455ceefc78f" providerId="ADAL" clId="{FEE5CBDF-FE29-4F9F-99B9-949F0817748B}" dt="2019-05-13T14:27:21.555" v="3444" actId="478"/>
+          <ac:picMkLst>
+            <pc:docMk/>
+            <pc:sldMk cId="2828272781" sldId="260"/>
+            <ac:picMk id="16" creationId="{D53D2D01-4C24-4814-9172-A24DD58C49B9}"/>
+          </ac:picMkLst>
+        </pc:picChg>
+        <pc:picChg chg="add del">
+          <ac:chgData name="Nils Mechtel" userId="d365a3c7-8594-435f-9872-5455ceefc78f" providerId="ADAL" clId="{FEE5CBDF-FE29-4F9F-99B9-949F0817748B}" dt="2019-05-13T14:27:19.804" v="3443"/>
+          <ac:picMkLst>
+            <pc:docMk/>
+            <pc:sldMk cId="2828272781" sldId="260"/>
+            <ac:picMk id="17" creationId="{19A07DBC-4792-475F-9216-9697421B9A04}"/>
+          </ac:picMkLst>
+        </pc:picChg>
+        <pc:picChg chg="add del">
+          <ac:chgData name="Nils Mechtel" userId="d365a3c7-8594-435f-9872-5455ceefc78f" providerId="ADAL" clId="{FEE5CBDF-FE29-4F9F-99B9-949F0817748B}" dt="2019-05-13T14:27:19.804" v="3443"/>
+          <ac:picMkLst>
+            <pc:docMk/>
+            <pc:sldMk cId="2828272781" sldId="260"/>
+            <ac:picMk id="18" creationId="{30BE49A2-E27C-4F36-A0D4-83616A20F966}"/>
+          </ac:picMkLst>
+        </pc:picChg>
+        <pc:picChg chg="add del">
+          <ac:chgData name="Nils Mechtel" userId="d365a3c7-8594-435f-9872-5455ceefc78f" providerId="ADAL" clId="{FEE5CBDF-FE29-4F9F-99B9-949F0817748B}" dt="2019-05-13T14:27:19.804" v="3443"/>
+          <ac:picMkLst>
+            <pc:docMk/>
+            <pc:sldMk cId="2828272781" sldId="260"/>
+            <ac:picMk id="19" creationId="{11EFE225-3FB5-4183-9A45-E6EAC59ECE53}"/>
+          </ac:picMkLst>
+        </pc:picChg>
+        <pc:picChg chg="add del">
+          <ac:chgData name="Nils Mechtel" userId="d365a3c7-8594-435f-9872-5455ceefc78f" providerId="ADAL" clId="{FEE5CBDF-FE29-4F9F-99B9-949F0817748B}" dt="2019-05-13T14:27:19.804" v="3443"/>
+          <ac:picMkLst>
+            <pc:docMk/>
+            <pc:sldMk cId="2828272781" sldId="260"/>
+            <ac:picMk id="20" creationId="{C5576562-53AA-451F-92CA-9F44E1619774}"/>
+          </ac:picMkLst>
+        </pc:picChg>
+        <pc:picChg chg="add del">
+          <ac:chgData name="Nils Mechtel" userId="d365a3c7-8594-435f-9872-5455ceefc78f" providerId="ADAL" clId="{FEE5CBDF-FE29-4F9F-99B9-949F0817748B}" dt="2019-05-13T14:27:19.804" v="3443"/>
+          <ac:picMkLst>
+            <pc:docMk/>
+            <pc:sldMk cId="2828272781" sldId="260"/>
+            <ac:picMk id="21" creationId="{769DF3DB-EC03-4BA1-8E9C-09500F08EAE1}"/>
+          </ac:picMkLst>
+        </pc:picChg>
+        <pc:picChg chg="add del">
+          <ac:chgData name="Nils Mechtel" userId="d365a3c7-8594-435f-9872-5455ceefc78f" providerId="ADAL" clId="{FEE5CBDF-FE29-4F9F-99B9-949F0817748B}" dt="2019-05-13T14:27:19.804" v="3443"/>
+          <ac:picMkLst>
+            <pc:docMk/>
+            <pc:sldMk cId="2828272781" sldId="260"/>
+            <ac:picMk id="22" creationId="{16BCEF55-1DD7-42C1-A770-9B0A33ED02B6}"/>
+          </ac:picMkLst>
+        </pc:picChg>
+        <pc:picChg chg="add mod">
+          <ac:chgData name="Nils Mechtel" userId="d365a3c7-8594-435f-9872-5455ceefc78f" providerId="ADAL" clId="{FEE5CBDF-FE29-4F9F-99B9-949F0817748B}" dt="2019-05-13T14:30:01.735" v="3463" actId="164"/>
+          <ac:picMkLst>
+            <pc:docMk/>
+            <pc:sldMk cId="2828272781" sldId="260"/>
+            <ac:picMk id="23" creationId="{D22C079B-AE4B-437F-B5E9-1D1A65975E05}"/>
+          </ac:picMkLst>
+        </pc:picChg>
+        <pc:picChg chg="add mod">
+          <ac:chgData name="Nils Mechtel" userId="d365a3c7-8594-435f-9872-5455ceefc78f" providerId="ADAL" clId="{FEE5CBDF-FE29-4F9F-99B9-949F0817748B}" dt="2019-05-13T14:29:34.491" v="3459" actId="164"/>
+          <ac:picMkLst>
+            <pc:docMk/>
+            <pc:sldMk cId="2828272781" sldId="260"/>
+            <ac:picMk id="24" creationId="{6C618A20-EFDA-4FC8-9314-D320BF61C1F4}"/>
+          </ac:picMkLst>
+        </pc:picChg>
+        <pc:picChg chg="add mod">
+          <ac:chgData name="Nils Mechtel" userId="d365a3c7-8594-435f-9872-5455ceefc78f" providerId="ADAL" clId="{FEE5CBDF-FE29-4F9F-99B9-949F0817748B}" dt="2019-05-13T14:30:32.137" v="3471" actId="164"/>
+          <ac:picMkLst>
+            <pc:docMk/>
+            <pc:sldMk cId="2828272781" sldId="260"/>
+            <ac:picMk id="25" creationId="{2557807F-8C45-4B1F-AA96-9DADD705ED2A}"/>
+          </ac:picMkLst>
+        </pc:picChg>
+        <pc:picChg chg="add mod">
+          <ac:chgData name="Nils Mechtel" userId="d365a3c7-8594-435f-9872-5455ceefc78f" providerId="ADAL" clId="{FEE5CBDF-FE29-4F9F-99B9-949F0817748B}" dt="2019-05-13T14:29:41.106" v="3460" actId="164"/>
+          <ac:picMkLst>
+            <pc:docMk/>
+            <pc:sldMk cId="2828272781" sldId="260"/>
+            <ac:picMk id="26" creationId="{ACC84770-31C5-47CC-8C87-65CD77C5E1A3}"/>
+          </ac:picMkLst>
+        </pc:picChg>
+        <pc:picChg chg="add mod">
+          <ac:chgData name="Nils Mechtel" userId="d365a3c7-8594-435f-9872-5455ceefc78f" providerId="ADAL" clId="{FEE5CBDF-FE29-4F9F-99B9-949F0817748B}" dt="2019-05-13T14:29:48.032" v="3461" actId="164"/>
+          <ac:picMkLst>
+            <pc:docMk/>
+            <pc:sldMk cId="2828272781" sldId="260"/>
+            <ac:picMk id="27" creationId="{720C639A-FCE8-41A5-84A8-7C6FAE15DF0C}"/>
+          </ac:picMkLst>
+        </pc:picChg>
+        <pc:picChg chg="add mod">
+          <ac:chgData name="Nils Mechtel" userId="d365a3c7-8594-435f-9872-5455ceefc78f" providerId="ADAL" clId="{FEE5CBDF-FE29-4F9F-99B9-949F0817748B}" dt="2019-05-13T14:30:25.460" v="3470" actId="164"/>
+          <ac:picMkLst>
+            <pc:docMk/>
+            <pc:sldMk cId="2828272781" sldId="260"/>
+            <ac:picMk id="28" creationId="{170E8B23-75D9-403B-9BAE-CF0BEE5866A8}"/>
+          </ac:picMkLst>
+        </pc:picChg>
+        <pc:inkChg chg="add del">
+          <ac:chgData name="Nils Mechtel" userId="d365a3c7-8594-435f-9872-5455ceefc78f" providerId="ADAL" clId="{FEE5CBDF-FE29-4F9F-99B9-949F0817748B}" dt="2019-05-11T14:22:46.902" v="803"/>
+          <ac:inkMkLst>
+            <pc:docMk/>
+            <pc:sldMk cId="2828272781" sldId="260"/>
+            <ac:inkMk id="4" creationId="{9AD985C7-D668-443A-A23F-7ADEE6C7F80A}"/>
+          </ac:inkMkLst>
+        </pc:inkChg>
+        <pc:inkChg chg="add del">
+          <ac:chgData name="Nils Mechtel" userId="d365a3c7-8594-435f-9872-5455ceefc78f" providerId="ADAL" clId="{FEE5CBDF-FE29-4F9F-99B9-949F0817748B}" dt="2019-05-11T14:22:46.902" v="803"/>
+          <ac:inkMkLst>
+            <pc:docMk/>
+            <pc:sldMk cId="2828272781" sldId="260"/>
+            <ac:inkMk id="5" creationId="{F17DC707-4A0B-47F5-A0D4-4391AF260B1A}"/>
+          </ac:inkMkLst>
+        </pc:inkChg>
+        <pc:inkChg chg="add del">
+          <ac:chgData name="Nils Mechtel" userId="d365a3c7-8594-435f-9872-5455ceefc78f" providerId="ADAL" clId="{FEE5CBDF-FE29-4F9F-99B9-949F0817748B}" dt="2019-05-11T14:22:46.902" v="803"/>
+          <ac:inkMkLst>
+            <pc:docMk/>
+            <pc:sldMk cId="2828272781" sldId="260"/>
+            <ac:inkMk id="6" creationId="{25B71310-2EB0-4F42-9246-7D0ED44F60AF}"/>
+          </ac:inkMkLst>
+        </pc:inkChg>
+        <pc:inkChg chg="add del">
+          <ac:chgData name="Nils Mechtel" userId="d365a3c7-8594-435f-9872-5455ceefc78f" providerId="ADAL" clId="{FEE5CBDF-FE29-4F9F-99B9-949F0817748B}" dt="2019-05-11T14:22:46.902" v="803"/>
+          <ac:inkMkLst>
+            <pc:docMk/>
+            <pc:sldMk cId="2828272781" sldId="260"/>
+            <ac:inkMk id="7" creationId="{CDB577A1-32D4-4B28-B284-BD2D65EFD3F3}"/>
+          </ac:inkMkLst>
+        </pc:inkChg>
+        <pc:inkChg chg="add del">
+          <ac:chgData name="Nils Mechtel" userId="d365a3c7-8594-435f-9872-5455ceefc78f" providerId="ADAL" clId="{FEE5CBDF-FE29-4F9F-99B9-949F0817748B}" dt="2019-05-11T14:22:51.055" v="808"/>
+          <ac:inkMkLst>
+            <pc:docMk/>
+            <pc:sldMk cId="2828272781" sldId="260"/>
+            <ac:inkMk id="8" creationId="{324A0ABD-9120-41E0-8F40-6E836AF3BE46}"/>
+          </ac:inkMkLst>
+        </pc:inkChg>
+        <pc:inkChg chg="add del">
+          <ac:chgData name="Nils Mechtel" userId="d365a3c7-8594-435f-9872-5455ceefc78f" providerId="ADAL" clId="{FEE5CBDF-FE29-4F9F-99B9-949F0817748B}" dt="2019-05-11T14:22:51.055" v="808"/>
+          <ac:inkMkLst>
+            <pc:docMk/>
+            <pc:sldMk cId="2828272781" sldId="260"/>
+            <ac:inkMk id="9" creationId="{CDE71015-D5FA-4C42-BD74-1212099F1C8B}"/>
+          </ac:inkMkLst>
+        </pc:inkChg>
+        <pc:inkChg chg="add del">
+          <ac:chgData name="Nils Mechtel" userId="d365a3c7-8594-435f-9872-5455ceefc78f" providerId="ADAL" clId="{FEE5CBDF-FE29-4F9F-99B9-949F0817748B}" dt="2019-05-11T14:22:51.055" v="808"/>
+          <ac:inkMkLst>
+            <pc:docMk/>
+            <pc:sldMk cId="2828272781" sldId="260"/>
+            <ac:inkMk id="10" creationId="{F3FAAE6B-29AA-4810-AA47-CECA1771CA63}"/>
+          </ac:inkMkLst>
+        </pc:inkChg>
+        <pc:inkChg chg="add del">
+          <ac:chgData name="Nils Mechtel" userId="d365a3c7-8594-435f-9872-5455ceefc78f" providerId="ADAL" clId="{FEE5CBDF-FE29-4F9F-99B9-949F0817748B}" dt="2019-05-11T14:22:51.055" v="808"/>
+          <ac:inkMkLst>
+            <pc:docMk/>
+            <pc:sldMk cId="2828272781" sldId="260"/>
+            <ac:inkMk id="11" creationId="{860FA142-BF96-4BBF-921F-11BDBF30AECA}"/>
+          </ac:inkMkLst>
+        </pc:inkChg>
+        <pc:inkChg chg="add del">
+          <ac:chgData name="Nils Mechtel" userId="d365a3c7-8594-435f-9872-5455ceefc78f" providerId="ADAL" clId="{FEE5CBDF-FE29-4F9F-99B9-949F0817748B}" dt="2019-05-11T14:22:51.055" v="808"/>
+          <ac:inkMkLst>
+            <pc:docMk/>
+            <pc:sldMk cId="2828272781" sldId="260"/>
+            <ac:inkMk id="12" creationId="{7F82A57D-41FB-473D-88E3-33A90482F6B0}"/>
+          </ac:inkMkLst>
+        </pc:inkChg>
+        <pc:inkChg chg="add del">
+          <ac:chgData name="Nils Mechtel" userId="d365a3c7-8594-435f-9872-5455ceefc78f" providerId="ADAL" clId="{FEE5CBDF-FE29-4F9F-99B9-949F0817748B}" dt="2019-05-11T14:22:54.119" v="812"/>
+          <ac:inkMkLst>
+            <pc:docMk/>
+            <pc:sldMk cId="2828272781" sldId="260"/>
+            <ac:inkMk id="13" creationId="{8F1D7616-D642-4CE0-A6C1-5EF7C9154A92}"/>
+          </ac:inkMkLst>
+        </pc:inkChg>
+        <pc:inkChg chg="add del">
+          <ac:chgData name="Nils Mechtel" userId="d365a3c7-8594-435f-9872-5455ceefc78f" providerId="ADAL" clId="{FEE5CBDF-FE29-4F9F-99B9-949F0817748B}" dt="2019-05-11T14:22:54.119" v="812"/>
+          <ac:inkMkLst>
+            <pc:docMk/>
+            <pc:sldMk cId="2828272781" sldId="260"/>
+            <ac:inkMk id="14" creationId="{E75BE0B0-92B6-4364-B04B-10FF00A88312}"/>
+          </ac:inkMkLst>
+        </pc:inkChg>
+        <pc:inkChg chg="add del">
+          <ac:chgData name="Nils Mechtel" userId="d365a3c7-8594-435f-9872-5455ceefc78f" providerId="ADAL" clId="{FEE5CBDF-FE29-4F9F-99B9-949F0817748B}" dt="2019-05-11T14:22:54.119" v="812"/>
+          <ac:inkMkLst>
+            <pc:docMk/>
+            <pc:sldMk cId="2828272781" sldId="260"/>
+            <ac:inkMk id="15" creationId="{56CB9EE4-02B7-4058-9265-8B4AB68EE100}"/>
+          </ac:inkMkLst>
+        </pc:inkChg>
+        <pc:inkChg chg="add del">
+          <ac:chgData name="Nils Mechtel" userId="d365a3c7-8594-435f-9872-5455ceefc78f" providerId="ADAL" clId="{FEE5CBDF-FE29-4F9F-99B9-949F0817748B}" dt="2019-05-11T14:22:54.119" v="812"/>
+          <ac:inkMkLst>
+            <pc:docMk/>
+            <pc:sldMk cId="2828272781" sldId="260"/>
+            <ac:inkMk id="16" creationId="{9F541EB7-0B9F-4F1D-8779-87E74AED8D9D}"/>
+          </ac:inkMkLst>
+        </pc:inkChg>
+        <pc:inkChg chg="add del">
+          <ac:chgData name="Nils Mechtel" userId="d365a3c7-8594-435f-9872-5455ceefc78f" providerId="ADAL" clId="{FEE5CBDF-FE29-4F9F-99B9-949F0817748B}" dt="2019-05-11T14:22:55.719" v="815"/>
+          <ac:inkMkLst>
+            <pc:docMk/>
+            <pc:sldMk cId="2828272781" sldId="260"/>
+            <ac:inkMk id="17" creationId="{DFA0DAF3-0F41-430D-9E46-84A1C140D4F3}"/>
+          </ac:inkMkLst>
+        </pc:inkChg>
+        <pc:inkChg chg="add del">
+          <ac:chgData name="Nils Mechtel" userId="d365a3c7-8594-435f-9872-5455ceefc78f" providerId="ADAL" clId="{FEE5CBDF-FE29-4F9F-99B9-949F0817748B}" dt="2019-05-11T14:22:55.719" v="815"/>
+          <ac:inkMkLst>
+            <pc:docMk/>
+            <pc:sldMk cId="2828272781" sldId="260"/>
+            <ac:inkMk id="18" creationId="{6CB322AF-C4F1-40C0-9CD7-BEA9D395ECEE}"/>
+          </ac:inkMkLst>
+        </pc:inkChg>
+        <pc:inkChg chg="add del">
+          <ac:chgData name="Nils Mechtel" userId="d365a3c7-8594-435f-9872-5455ceefc78f" providerId="ADAL" clId="{FEE5CBDF-FE29-4F9F-99B9-949F0817748B}" dt="2019-05-11T14:22:55.719" v="815"/>
+          <ac:inkMkLst>
+            <pc:docMk/>
+            <pc:sldMk cId="2828272781" sldId="260"/>
+            <ac:inkMk id="19" creationId="{C4EC5CF1-FDDF-4BE9-9852-ED550AD8BEAE}"/>
+          </ac:inkMkLst>
+        </pc:inkChg>
+        <pc:inkChg chg="add del">
+          <ac:chgData name="Nils Mechtel" userId="d365a3c7-8594-435f-9872-5455ceefc78f" providerId="ADAL" clId="{FEE5CBDF-FE29-4F9F-99B9-949F0817748B}" dt="2019-05-11T14:22:57.540" v="817"/>
+          <ac:inkMkLst>
+            <pc:docMk/>
+            <pc:sldMk cId="2828272781" sldId="260"/>
+            <ac:inkMk id="20" creationId="{E5B3D2B9-325E-49B6-AB44-299EEFC410E8}"/>
+          </ac:inkMkLst>
+        </pc:inkChg>
+        <pc:inkChg chg="add del">
+          <ac:chgData name="Nils Mechtel" userId="d365a3c7-8594-435f-9872-5455ceefc78f" providerId="ADAL" clId="{FEE5CBDF-FE29-4F9F-99B9-949F0817748B}" dt="2019-05-11T14:22:57.540" v="817"/>
+          <ac:inkMkLst>
+            <pc:docMk/>
+            <pc:sldMk cId="2828272781" sldId="260"/>
+            <ac:inkMk id="21" creationId="{FDB6B424-CF24-4D9F-8486-F963B8CE2BEB}"/>
+          </ac:inkMkLst>
+        </pc:inkChg>
+        <pc:inkChg chg="add del">
+          <ac:chgData name="Nils Mechtel" userId="d365a3c7-8594-435f-9872-5455ceefc78f" providerId="ADAL" clId="{FEE5CBDF-FE29-4F9F-99B9-949F0817748B}" dt="2019-05-11T14:23:01.926" v="825"/>
+          <ac:inkMkLst>
+            <pc:docMk/>
+            <pc:sldMk cId="2828272781" sldId="260"/>
+            <ac:inkMk id="22" creationId="{0681828B-EBD8-4E0D-9403-324CA97D6072}"/>
+          </ac:inkMkLst>
+        </pc:inkChg>
+        <pc:inkChg chg="add del">
+          <ac:chgData name="Nils Mechtel" userId="d365a3c7-8594-435f-9872-5455ceefc78f" providerId="ADAL" clId="{FEE5CBDF-FE29-4F9F-99B9-949F0817748B}" dt="2019-05-11T14:23:01.926" v="825"/>
+          <ac:inkMkLst>
+            <pc:docMk/>
+            <pc:sldMk cId="2828272781" sldId="260"/>
+            <ac:inkMk id="23" creationId="{B54EA138-EB01-41EB-9948-DFA90D2FF8C4}"/>
+          </ac:inkMkLst>
+        </pc:inkChg>
+        <pc:inkChg chg="add del">
+          <ac:chgData name="Nils Mechtel" userId="d365a3c7-8594-435f-9872-5455ceefc78f" providerId="ADAL" clId="{FEE5CBDF-FE29-4F9F-99B9-949F0817748B}" dt="2019-05-11T14:23:01.926" v="825"/>
+          <ac:inkMkLst>
+            <pc:docMk/>
+            <pc:sldMk cId="2828272781" sldId="260"/>
+            <ac:inkMk id="24" creationId="{7B02FAD6-66D6-4BD5-A735-F8394D09866D}"/>
+          </ac:inkMkLst>
+        </pc:inkChg>
+        <pc:inkChg chg="add del">
+          <ac:chgData name="Nils Mechtel" userId="d365a3c7-8594-435f-9872-5455ceefc78f" providerId="ADAL" clId="{FEE5CBDF-FE29-4F9F-99B9-949F0817748B}" dt="2019-05-11T14:23:01.926" v="825"/>
+          <ac:inkMkLst>
+            <pc:docMk/>
+            <pc:sldMk cId="2828272781" sldId="260"/>
+            <ac:inkMk id="25" creationId="{D3DDB643-A471-4170-88E4-439C8D8DBC79}"/>
+          </ac:inkMkLst>
+        </pc:inkChg>
+        <pc:inkChg chg="add del">
+          <ac:chgData name="Nils Mechtel" userId="d365a3c7-8594-435f-9872-5455ceefc78f" providerId="ADAL" clId="{FEE5CBDF-FE29-4F9F-99B9-949F0817748B}" dt="2019-05-11T14:23:01.926" v="825"/>
+          <ac:inkMkLst>
+            <pc:docMk/>
+            <pc:sldMk cId="2828272781" sldId="260"/>
+            <ac:inkMk id="26" creationId="{66F5D31E-4995-46B5-A01A-CBE1913B7564}"/>
+          </ac:inkMkLst>
+        </pc:inkChg>
+        <pc:inkChg chg="add del">
+          <ac:chgData name="Nils Mechtel" userId="d365a3c7-8594-435f-9872-5455ceefc78f" providerId="ADAL" clId="{FEE5CBDF-FE29-4F9F-99B9-949F0817748B}" dt="2019-05-11T14:23:01.926" v="825"/>
+          <ac:inkMkLst>
+            <pc:docMk/>
+            <pc:sldMk cId="2828272781" sldId="260"/>
+            <ac:inkMk id="27" creationId="{4A0D0166-1529-47A1-9DFA-471E539E7637}"/>
+          </ac:inkMkLst>
+        </pc:inkChg>
+        <pc:inkChg chg="add del">
+          <ac:chgData name="Nils Mechtel" userId="d365a3c7-8594-435f-9872-5455ceefc78f" providerId="ADAL" clId="{FEE5CBDF-FE29-4F9F-99B9-949F0817748B}" dt="2019-05-11T14:23:01.926" v="825"/>
+          <ac:inkMkLst>
+            <pc:docMk/>
+            <pc:sldMk cId="2828272781" sldId="260"/>
+            <ac:inkMk id="28" creationId="{31CE3908-5873-4331-A76E-E328039EE9A0}"/>
+          </ac:inkMkLst>
+        </pc:inkChg>
+        <pc:inkChg chg="add del">
+          <ac:chgData name="Nils Mechtel" userId="d365a3c7-8594-435f-9872-5455ceefc78f" providerId="ADAL" clId="{FEE5CBDF-FE29-4F9F-99B9-949F0817748B}" dt="2019-05-11T14:23:01.926" v="825"/>
+          <ac:inkMkLst>
+            <pc:docMk/>
+            <pc:sldMk cId="2828272781" sldId="260"/>
+            <ac:inkMk id="29" creationId="{4EA77869-8695-4436-885C-B5BD39F3603C}"/>
+          </ac:inkMkLst>
+        </pc:inkChg>
+        <pc:inkChg chg="add del">
+          <ac:chgData name="Nils Mechtel" userId="d365a3c7-8594-435f-9872-5455ceefc78f" providerId="ADAL" clId="{FEE5CBDF-FE29-4F9F-99B9-949F0817748B}" dt="2019-05-11T14:28:16.360" v="826"/>
+          <ac:inkMkLst>
+            <pc:docMk/>
+            <pc:sldMk cId="2828272781" sldId="260"/>
+            <ac:inkMk id="30" creationId="{24C4EEAD-3B07-406B-9099-6387E2C4C4EE}"/>
+          </ac:inkMkLst>
+        </pc:inkChg>
+      </pc:sldChg>
+      <pc:sldChg chg="addSp delSp modSp modTransition setBg modAnim addCm delCm modCm modNotesTx">
+        <pc:chgData name="Nils Mechtel" userId="d365a3c7-8594-435f-9872-5455ceefc78f" providerId="ADAL" clId="{FEE5CBDF-FE29-4F9F-99B9-949F0817748B}" dt="2019-05-15T11:44:43.362" v="6009" actId="1592"/>
+        <pc:sldMkLst>
+          <pc:docMk/>
+          <pc:sldMk cId="3854328160" sldId="264"/>
+        </pc:sldMkLst>
+        <pc:spChg chg="del mod">
+          <ac:chgData name="Nils Mechtel" userId="d365a3c7-8594-435f-9872-5455ceefc78f" providerId="ADAL" clId="{FEE5CBDF-FE29-4F9F-99B9-949F0817748B}" dt="2019-05-12T18:23:27.418" v="1673" actId="478"/>
+          <ac:spMkLst>
+            <pc:docMk/>
+            <pc:sldMk cId="3854328160" sldId="264"/>
+            <ac:spMk id="2" creationId="{9E101124-9171-45B7-8FA2-3601FA64CB8B}"/>
+          </ac:spMkLst>
+        </pc:spChg>
+        <pc:spChg chg="mod">
+          <ac:chgData name="Nils Mechtel" userId="d365a3c7-8594-435f-9872-5455ceefc78f" providerId="ADAL" clId="{FEE5CBDF-FE29-4F9F-99B9-949F0817748B}" dt="2019-05-14T20:55:46.922" v="5918" actId="313"/>
+          <ac:spMkLst>
+            <pc:docMk/>
+            <pc:sldMk cId="3854328160" sldId="264"/>
+            <ac:spMk id="3" creationId="{52ECBA23-C101-4F91-8B43-931C93C8877D}"/>
+          </ac:spMkLst>
+        </pc:spChg>
+        <pc:spChg chg="add del mod">
+          <ac:chgData name="Nils Mechtel" userId="d365a3c7-8594-435f-9872-5455ceefc78f" providerId="ADAL" clId="{FEE5CBDF-FE29-4F9F-99B9-949F0817748B}" dt="2019-05-12T18:23:30.187" v="1674" actId="478"/>
+          <ac:spMkLst>
+            <pc:docMk/>
+            <pc:sldMk cId="3854328160" sldId="264"/>
+            <ac:spMk id="5" creationId="{5789FC88-0EF3-4DC6-A97D-13637ADFFCCE}"/>
+          </ac:spMkLst>
+        </pc:spChg>
+        <pc:spChg chg="mod">
+          <ac:chgData name="Nils Mechtel" userId="d365a3c7-8594-435f-9872-5455ceefc78f" providerId="ADAL" clId="{FEE5CBDF-FE29-4F9F-99B9-949F0817748B}" dt="2019-05-14T20:55:17.566" v="5916" actId="790"/>
+          <ac:spMkLst>
+            <pc:docMk/>
+            <pc:sldMk cId="3854328160" sldId="264"/>
+            <ac:spMk id="7" creationId="{6AADC546-FB9D-4E44-B69B-D5DD7ED4DE1F}"/>
+          </ac:spMkLst>
+        </pc:spChg>
+        <pc:spChg chg="mod">
+          <ac:chgData name="Nils Mechtel" userId="d365a3c7-8594-435f-9872-5455ceefc78f" providerId="ADAL" clId="{FEE5CBDF-FE29-4F9F-99B9-949F0817748B}" dt="2019-05-14T20:55:17.566" v="5916" actId="790"/>
+          <ac:spMkLst>
+            <pc:docMk/>
+            <pc:sldMk cId="3854328160" sldId="264"/>
+            <ac:spMk id="10" creationId="{694EEF47-A28F-49B6-949E-B60C63EE1992}"/>
+          </ac:spMkLst>
+        </pc:spChg>
+        <pc:spChg chg="mod">
+          <ac:chgData name="Nils Mechtel" userId="d365a3c7-8594-435f-9872-5455ceefc78f" providerId="ADAL" clId="{FEE5CBDF-FE29-4F9F-99B9-949F0817748B}" dt="2019-05-14T20:55:17.566" v="5916" actId="790"/>
+          <ac:spMkLst>
+            <pc:docMk/>
+            <pc:sldMk cId="3854328160" sldId="264"/>
+            <ac:spMk id="13" creationId="{82552D81-9050-48B9-83ED-0E589B37F8F6}"/>
+          </ac:spMkLst>
+        </pc:spChg>
+        <pc:spChg chg="mod">
+          <ac:chgData name="Nils Mechtel" userId="d365a3c7-8594-435f-9872-5455ceefc78f" providerId="ADAL" clId="{FEE5CBDF-FE29-4F9F-99B9-949F0817748B}" dt="2019-05-14T20:55:17.566" v="5916" actId="790"/>
+          <ac:spMkLst>
+            <pc:docMk/>
+            <pc:sldMk cId="3854328160" sldId="264"/>
+            <ac:spMk id="16" creationId="{92049864-8C01-48A1-823D-E3DE364ED32F}"/>
+          </ac:spMkLst>
+        </pc:spChg>
+        <pc:spChg chg="add mod">
+          <ac:chgData name="Nils Mechtel" userId="d365a3c7-8594-435f-9872-5455ceefc78f" providerId="ADAL" clId="{FEE5CBDF-FE29-4F9F-99B9-949F0817748B}" dt="2019-05-14T19:09:23.766" v="5456" actId="20577"/>
+          <ac:spMkLst>
+            <pc:docMk/>
+            <pc:sldMk cId="3854328160" sldId="264"/>
+            <ac:spMk id="17" creationId="{4F6CD179-615F-4455-95D5-3104BC1C7BC4}"/>
+          </ac:spMkLst>
+        </pc:spChg>
+        <pc:spChg chg="add del mod">
+          <ac:chgData name="Nils Mechtel" userId="d365a3c7-8594-435f-9872-5455ceefc78f" providerId="ADAL" clId="{FEE5CBDF-FE29-4F9F-99B9-949F0817748B}" dt="2019-05-14T20:14:04.041" v="5808" actId="478"/>
+          <ac:spMkLst>
+            <pc:docMk/>
+            <pc:sldMk cId="3854328160" sldId="264"/>
+            <ac:spMk id="20" creationId="{08C046E2-22C5-437F-9A5B-331A97A2D75A}"/>
+          </ac:spMkLst>
+        </pc:spChg>
+        <pc:spChg chg="add mod">
+          <ac:chgData name="Nils Mechtel" userId="d365a3c7-8594-435f-9872-5455ceefc78f" providerId="ADAL" clId="{FEE5CBDF-FE29-4F9F-99B9-949F0817748B}" dt="2019-05-14T20:15:03.545" v="5855" actId="1076"/>
+          <ac:spMkLst>
+            <pc:docMk/>
+            <pc:sldMk cId="3854328160" sldId="264"/>
+            <ac:spMk id="21" creationId="{80E8317C-FE6F-4911-8613-6718D046F7AB}"/>
+          </ac:spMkLst>
+        </pc:spChg>
+        <pc:grpChg chg="add mod">
+          <ac:chgData name="Nils Mechtel" userId="d365a3c7-8594-435f-9872-5455ceefc78f" providerId="ADAL" clId="{FEE5CBDF-FE29-4F9F-99B9-949F0817748B}" dt="2019-05-13T17:43:59.974" v="4041" actId="207"/>
+          <ac:grpSpMkLst>
+            <pc:docMk/>
+            <pc:sldMk cId="3854328160" sldId="264"/>
+            <ac:grpSpMk id="5" creationId="{B90BFA5D-211B-472C-932D-14B6D1D4E36C}"/>
+          </ac:grpSpMkLst>
+        </pc:grpChg>
+        <pc:grpChg chg="add mod">
+          <ac:chgData name="Nils Mechtel" userId="d365a3c7-8594-435f-9872-5455ceefc78f" providerId="ADAL" clId="{FEE5CBDF-FE29-4F9F-99B9-949F0817748B}" dt="2019-05-13T17:43:59.974" v="4041" actId="207"/>
+          <ac:grpSpMkLst>
+            <pc:docMk/>
+            <pc:sldMk cId="3854328160" sldId="264"/>
+            <ac:grpSpMk id="8" creationId="{CAA27968-C11F-4A3C-80D9-92B55A62246D}"/>
+          </ac:grpSpMkLst>
+        </pc:grpChg>
+        <pc:grpChg chg="add mod">
+          <ac:chgData name="Nils Mechtel" userId="d365a3c7-8594-435f-9872-5455ceefc78f" providerId="ADAL" clId="{FEE5CBDF-FE29-4F9F-99B9-949F0817748B}" dt="2019-05-13T17:43:59.974" v="4041" actId="207"/>
+          <ac:grpSpMkLst>
+            <pc:docMk/>
+            <pc:sldMk cId="3854328160" sldId="264"/>
+            <ac:grpSpMk id="11" creationId="{24AF01EC-6151-4BB9-B9FF-3E37E7B94EC5}"/>
+          </ac:grpSpMkLst>
+        </pc:grpChg>
+        <pc:grpChg chg="add">
+          <ac:chgData name="Nils Mechtel" userId="d365a3c7-8594-435f-9872-5455ceefc78f" providerId="ADAL" clId="{FEE5CBDF-FE29-4F9F-99B9-949F0817748B}" dt="2019-05-13T17:43:23.353" v="4036"/>
+          <ac:grpSpMkLst>
+            <pc:docMk/>
+            <pc:sldMk cId="3854328160" sldId="264"/>
+            <ac:grpSpMk id="14" creationId="{833C6A36-8341-442A-A0B7-434D4F74C9CE}"/>
+          </ac:grpSpMkLst>
+        </pc:grpChg>
+        <pc:graphicFrameChg chg="add del mod">
+          <ac:chgData name="Nils Mechtel" userId="d365a3c7-8594-435f-9872-5455ceefc78f" providerId="ADAL" clId="{FEE5CBDF-FE29-4F9F-99B9-949F0817748B}" dt="2019-05-13T17:43:22.517" v="4035" actId="478"/>
+          <ac:graphicFrameMkLst>
+            <pc:docMk/>
+            <pc:sldMk cId="3854328160" sldId="264"/>
+            <ac:graphicFrameMk id="4" creationId="{9D5F5CDD-1599-4948-B7E4-8594F71A5210}"/>
+          </ac:graphicFrameMkLst>
+        </pc:graphicFrameChg>
+        <pc:graphicFrameChg chg="add del mod">
+          <ac:chgData name="Nils Mechtel" userId="d365a3c7-8594-435f-9872-5455ceefc78f" providerId="ADAL" clId="{FEE5CBDF-FE29-4F9F-99B9-949F0817748B}" dt="2019-05-13T11:07:51.728" v="2938" actId="478"/>
+          <ac:graphicFrameMkLst>
+            <pc:docMk/>
+            <pc:sldMk cId="3854328160" sldId="264"/>
+            <ac:graphicFrameMk id="6" creationId="{38A45C4B-AA75-4F65-BAFF-9F212EA28FBA}"/>
+          </ac:graphicFrameMkLst>
+        </pc:graphicFrameChg>
+        <pc:graphicFrameChg chg="add del mod">
+          <ac:chgData name="Nils Mechtel" userId="d365a3c7-8594-435f-9872-5455ceefc78f" providerId="ADAL" clId="{FEE5CBDF-FE29-4F9F-99B9-949F0817748B}" dt="2019-05-14T20:10:21.816" v="5657" actId="478"/>
+          <ac:graphicFrameMkLst>
+            <pc:docMk/>
+            <pc:sldMk cId="3854328160" sldId="264"/>
+            <ac:graphicFrameMk id="18" creationId="{EFFDF5F7-A5AA-4857-B6E3-7F3D6DD6E849}"/>
+          </ac:graphicFrameMkLst>
+        </pc:graphicFrameChg>
+        <pc:graphicFrameChg chg="add mod">
+          <ac:chgData name="Nils Mechtel" userId="d365a3c7-8594-435f-9872-5455ceefc78f" providerId="ADAL" clId="{FEE5CBDF-FE29-4F9F-99B9-949F0817748B}" dt="2019-05-14T20:55:43.429" v="5917" actId="313"/>
+          <ac:graphicFrameMkLst>
+            <pc:docMk/>
+            <pc:sldMk cId="3854328160" sldId="264"/>
+            <ac:graphicFrameMk id="19" creationId="{2416E5F6-411F-45F0-92E4-2DCC36A7BD49}"/>
+          </ac:graphicFrameMkLst>
+        </pc:graphicFrameChg>
+      </pc:sldChg>
+      <pc:sldChg chg="addSp delSp modSp add setBg addCm delCm modCm modNotesTx">
+        <pc:chgData name="Nils Mechtel" userId="d365a3c7-8594-435f-9872-5455ceefc78f" providerId="ADAL" clId="{FEE5CBDF-FE29-4F9F-99B9-949F0817748B}" dt="2019-05-15T11:43:26.462" v="5999" actId="1592"/>
+        <pc:sldMkLst>
+          <pc:docMk/>
+          <pc:sldMk cId="836733519" sldId="265"/>
+        </pc:sldMkLst>
+        <pc:spChg chg="mod">
+          <ac:chgData name="Nils Mechtel" userId="d365a3c7-8594-435f-9872-5455ceefc78f" providerId="ADAL" clId="{FEE5CBDF-FE29-4F9F-99B9-949F0817748B}" dt="2019-05-13T14:02:43.321" v="3362" actId="1076"/>
+          <ac:spMkLst>
+            <pc:docMk/>
+            <pc:sldMk cId="836733519" sldId="265"/>
+            <ac:spMk id="2" creationId="{11DB241C-01F8-4A1A-B493-796A1AD4A31E}"/>
+          </ac:spMkLst>
+        </pc:spChg>
+        <pc:spChg chg="del">
+          <ac:chgData name="Nils Mechtel" userId="d365a3c7-8594-435f-9872-5455ceefc78f" providerId="ADAL" clId="{FEE5CBDF-FE29-4F9F-99B9-949F0817748B}" dt="2019-05-11T13:25:40.451" v="453"/>
+          <ac:spMkLst>
+            <pc:docMk/>
+            <pc:sldMk cId="836733519" sldId="265"/>
+            <ac:spMk id="3" creationId="{F7BFF461-ECBF-43AC-AD10-E83BFF8871E7}"/>
+          </ac:spMkLst>
+        </pc:spChg>
+        <pc:spChg chg="add del mod">
+          <ac:chgData name="Nils Mechtel" userId="d365a3c7-8594-435f-9872-5455ceefc78f" providerId="ADAL" clId="{FEE5CBDF-FE29-4F9F-99B9-949F0817748B}" dt="2019-05-13T13:51:33.053" v="3340" actId="478"/>
+          <ac:spMkLst>
+            <pc:docMk/>
+            <pc:sldMk cId="836733519" sldId="265"/>
+            <ac:spMk id="6" creationId="{D400EFC7-5CED-4F3C-B4E1-4DAA5A09D939}"/>
+          </ac:spMkLst>
+        </pc:spChg>
+        <pc:spChg chg="add del mod">
+          <ac:chgData name="Nils Mechtel" userId="d365a3c7-8594-435f-9872-5455ceefc78f" providerId="ADAL" clId="{FEE5CBDF-FE29-4F9F-99B9-949F0817748B}" dt="2019-05-13T13:51:35.146" v="3341" actId="478"/>
+          <ac:spMkLst>
+            <pc:docMk/>
+            <pc:sldMk cId="836733519" sldId="265"/>
+            <ac:spMk id="18" creationId="{CF9492CE-98EC-4D6C-866E-EF9CBD135F51}"/>
+          </ac:spMkLst>
+        </pc:spChg>
+        <pc:spChg chg="mod topLvl">
+          <ac:chgData name="Nils Mechtel" userId="d365a3c7-8594-435f-9872-5455ceefc78f" providerId="ADAL" clId="{FEE5CBDF-FE29-4F9F-99B9-949F0817748B}" dt="2019-05-13T14:46:20.982" v="3702" actId="165"/>
+          <ac:spMkLst>
+            <pc:docMk/>
+            <pc:sldMk cId="836733519" sldId="265"/>
+            <ac:spMk id="20" creationId="{31AA5B62-C311-4618-8A89-2D208C2A4B0B}"/>
+          </ac:spMkLst>
+        </pc:spChg>
+        <pc:spChg chg="mod topLvl">
+          <ac:chgData name="Nils Mechtel" userId="d365a3c7-8594-435f-9872-5455ceefc78f" providerId="ADAL" clId="{FEE5CBDF-FE29-4F9F-99B9-949F0817748B}" dt="2019-05-13T14:46:20.982" v="3702" actId="165"/>
+          <ac:spMkLst>
+            <pc:docMk/>
+            <pc:sldMk cId="836733519" sldId="265"/>
+            <ac:spMk id="25" creationId="{5C6180D2-4115-4914-ACCB-823A4614BE52}"/>
+          </ac:spMkLst>
+        </pc:spChg>
+        <pc:spChg chg="mod topLvl">
+          <ac:chgData name="Nils Mechtel" userId="d365a3c7-8594-435f-9872-5455ceefc78f" providerId="ADAL" clId="{FEE5CBDF-FE29-4F9F-99B9-949F0817748B}" dt="2019-05-13T14:46:20.982" v="3702" actId="165"/>
+          <ac:spMkLst>
+            <pc:docMk/>
+            <pc:sldMk cId="836733519" sldId="265"/>
+            <ac:spMk id="30" creationId="{62D3C2EC-A0D8-468D-AF52-66D8A510F893}"/>
+          </ac:spMkLst>
+        </pc:spChg>
+        <pc:spChg chg="mod topLvl">
+          <ac:chgData name="Nils Mechtel" userId="d365a3c7-8594-435f-9872-5455ceefc78f" providerId="ADAL" clId="{FEE5CBDF-FE29-4F9F-99B9-949F0817748B}" dt="2019-05-13T14:46:20.982" v="3702" actId="165"/>
+          <ac:spMkLst>
+            <pc:docMk/>
+            <pc:sldMk cId="836733519" sldId="265"/>
+            <ac:spMk id="35" creationId="{44EFB211-6C29-449D-A580-298B6A45F6D7}"/>
+          </ac:spMkLst>
+        </pc:spChg>
+        <pc:spChg chg="mod topLvl">
+          <ac:chgData name="Nils Mechtel" userId="d365a3c7-8594-435f-9872-5455ceefc78f" providerId="ADAL" clId="{FEE5CBDF-FE29-4F9F-99B9-949F0817748B}" dt="2019-05-13T14:46:20.982" v="3702" actId="165"/>
+          <ac:spMkLst>
+            <pc:docMk/>
+            <pc:sldMk cId="836733519" sldId="265"/>
+            <ac:spMk id="40" creationId="{8AB3C1F3-CEC4-4540-AB7A-5CDE078BBD46}"/>
+          </ac:spMkLst>
+        </pc:spChg>
+        <pc:spChg chg="mod topLvl">
+          <ac:chgData name="Nils Mechtel" userId="d365a3c7-8594-435f-9872-5455ceefc78f" providerId="ADAL" clId="{FEE5CBDF-FE29-4F9F-99B9-949F0817748B}" dt="2019-05-13T14:46:20.982" v="3702" actId="165"/>
+          <ac:spMkLst>
+            <pc:docMk/>
+            <pc:sldMk cId="836733519" sldId="265"/>
+            <ac:spMk id="45" creationId="{2A52C933-6C35-4BEB-B4B5-46E10477BBBF}"/>
+          </ac:spMkLst>
+        </pc:spChg>
+        <pc:grpChg chg="add del mod">
+          <ac:chgData name="Nils Mechtel" userId="d365a3c7-8594-435f-9872-5455ceefc78f" providerId="ADAL" clId="{FEE5CBDF-FE29-4F9F-99B9-949F0817748B}" dt="2019-05-13T14:46:20.982" v="3702" actId="165"/>
+          <ac:grpSpMkLst>
+            <pc:docMk/>
+            <pc:sldMk cId="836733519" sldId="265"/>
+            <ac:grpSpMk id="18" creationId="{3B45AE0E-56DB-494A-8B0A-71B29E945E55}"/>
+          </ac:grpSpMkLst>
+        </pc:grpChg>
+        <pc:grpChg chg="mod topLvl">
+          <ac:chgData name="Nils Mechtel" userId="d365a3c7-8594-435f-9872-5455ceefc78f" providerId="ADAL" clId="{FEE5CBDF-FE29-4F9F-99B9-949F0817748B}" dt="2019-05-13T14:46:20.982" v="3702" actId="165"/>
+          <ac:grpSpMkLst>
+            <pc:docMk/>
+            <pc:sldMk cId="836733519" sldId="265"/>
+            <ac:grpSpMk id="19" creationId="{2397B40A-EE96-4748-8A82-169D30F7EEB6}"/>
+          </ac:grpSpMkLst>
+        </pc:grpChg>
+        <pc:grpChg chg="add del mod">
+          <ac:chgData name="Nils Mechtel" userId="d365a3c7-8594-435f-9872-5455ceefc78f" providerId="ADAL" clId="{FEE5CBDF-FE29-4F9F-99B9-949F0817748B}" dt="2019-05-13T14:46:20.982" v="3702" actId="165"/>
+          <ac:grpSpMkLst>
+            <pc:docMk/>
+            <pc:sldMk cId="836733519" sldId="265"/>
+            <ac:grpSpMk id="23" creationId="{E0D2A471-F36A-425E-8287-D197457A6AD5}"/>
+          </ac:grpSpMkLst>
+        </pc:grpChg>
+        <pc:grpChg chg="mod topLvl">
+          <ac:chgData name="Nils Mechtel" userId="d365a3c7-8594-435f-9872-5455ceefc78f" providerId="ADAL" clId="{FEE5CBDF-FE29-4F9F-99B9-949F0817748B}" dt="2019-05-13T14:46:20.982" v="3702" actId="165"/>
+          <ac:grpSpMkLst>
+            <pc:docMk/>
+            <pc:sldMk cId="836733519" sldId="265"/>
+            <ac:grpSpMk id="24" creationId="{7844CA4D-A5D3-438A-A107-222ADFB86095}"/>
+          </ac:grpSpMkLst>
+        </pc:grpChg>
+        <pc:grpChg chg="add del mod">
+          <ac:chgData name="Nils Mechtel" userId="d365a3c7-8594-435f-9872-5455ceefc78f" providerId="ADAL" clId="{FEE5CBDF-FE29-4F9F-99B9-949F0817748B}" dt="2019-05-13T14:46:20.982" v="3702" actId="165"/>
+          <ac:grpSpMkLst>
+            <pc:docMk/>
+            <pc:sldMk cId="836733519" sldId="265"/>
+            <ac:grpSpMk id="28" creationId="{47DC5EF8-CE80-4F2C-9FA7-EBBA0056FAF5}"/>
+          </ac:grpSpMkLst>
+        </pc:grpChg>
+        <pc:grpChg chg="mod topLvl">
+          <ac:chgData name="Nils Mechtel" userId="d365a3c7-8594-435f-9872-5455ceefc78f" providerId="ADAL" clId="{FEE5CBDF-FE29-4F9F-99B9-949F0817748B}" dt="2019-05-13T14:46:20.982" v="3702" actId="165"/>
+          <ac:grpSpMkLst>
+            <pc:docMk/>
+            <pc:sldMk cId="836733519" sldId="265"/>
+            <ac:grpSpMk id="29" creationId="{75525F42-E405-4DE1-9718-8755768D6F59}"/>
+          </ac:grpSpMkLst>
+        </pc:grpChg>
+        <pc:grpChg chg="add del mod">
+          <ac:chgData name="Nils Mechtel" userId="d365a3c7-8594-435f-9872-5455ceefc78f" providerId="ADAL" clId="{FEE5CBDF-FE29-4F9F-99B9-949F0817748B}" dt="2019-05-13T14:46:20.982" v="3702" actId="165"/>
+          <ac:grpSpMkLst>
+            <pc:docMk/>
+            <pc:sldMk cId="836733519" sldId="265"/>
+            <ac:grpSpMk id="33" creationId="{51895D85-B2E3-473E-9BA3-4C1DCBC58456}"/>
+          </ac:grpSpMkLst>
+        </pc:grpChg>
+        <pc:grpChg chg="mod topLvl">
+          <ac:chgData name="Nils Mechtel" userId="d365a3c7-8594-435f-9872-5455ceefc78f" providerId="ADAL" clId="{FEE5CBDF-FE29-4F9F-99B9-949F0817748B}" dt="2019-05-13T14:46:20.982" v="3702" actId="165"/>
+          <ac:grpSpMkLst>
+            <pc:docMk/>
+            <pc:sldMk cId="836733519" sldId="265"/>
+            <ac:grpSpMk id="34" creationId="{0995A5E7-8CF8-4993-AB9E-F04FFCAD162C}"/>
+          </ac:grpSpMkLst>
+        </pc:grpChg>
+        <pc:grpChg chg="add del mod">
+          <ac:chgData name="Nils Mechtel" userId="d365a3c7-8594-435f-9872-5455ceefc78f" providerId="ADAL" clId="{FEE5CBDF-FE29-4F9F-99B9-949F0817748B}" dt="2019-05-13T14:46:20.982" v="3702" actId="165"/>
+          <ac:grpSpMkLst>
+            <pc:docMk/>
+            <pc:sldMk cId="836733519" sldId="265"/>
+            <ac:grpSpMk id="38" creationId="{E8F54087-9B83-47F3-BC37-7B451ED4C2CD}"/>
+          </ac:grpSpMkLst>
+        </pc:grpChg>
+        <pc:grpChg chg="mod topLvl">
+          <ac:chgData name="Nils Mechtel" userId="d365a3c7-8594-435f-9872-5455ceefc78f" providerId="ADAL" clId="{FEE5CBDF-FE29-4F9F-99B9-949F0817748B}" dt="2019-05-13T14:46:20.982" v="3702" actId="165"/>
+          <ac:grpSpMkLst>
+            <pc:docMk/>
+            <pc:sldMk cId="836733519" sldId="265"/>
+            <ac:grpSpMk id="39" creationId="{8DF99FC4-B4EE-4188-85BC-130F11C2AEF2}"/>
+          </ac:grpSpMkLst>
+        </pc:grpChg>
+        <pc:grpChg chg="add del mod">
+          <ac:chgData name="Nils Mechtel" userId="d365a3c7-8594-435f-9872-5455ceefc78f" providerId="ADAL" clId="{FEE5CBDF-FE29-4F9F-99B9-949F0817748B}" dt="2019-05-13T14:46:20.982" v="3702" actId="165"/>
+          <ac:grpSpMkLst>
+            <pc:docMk/>
+            <pc:sldMk cId="836733519" sldId="265"/>
+            <ac:grpSpMk id="43" creationId="{8E5D2E85-B43A-45BC-8FBE-6D49BCCCCF59}"/>
+          </ac:grpSpMkLst>
+        </pc:grpChg>
+        <pc:grpChg chg="mod topLvl">
+          <ac:chgData name="Nils Mechtel" userId="d365a3c7-8594-435f-9872-5455ceefc78f" providerId="ADAL" clId="{FEE5CBDF-FE29-4F9F-99B9-949F0817748B}" dt="2019-05-13T14:46:20.982" v="3702" actId="165"/>
+          <ac:grpSpMkLst>
+            <pc:docMk/>
+            <pc:sldMk cId="836733519" sldId="265"/>
+            <ac:grpSpMk id="44" creationId="{4EEF96DF-C40B-4D8E-B6CA-047267036A72}"/>
+          </ac:grpSpMkLst>
+        </pc:grpChg>
+        <pc:graphicFrameChg chg="add del mod">
+          <ac:chgData name="Nils Mechtel" userId="d365a3c7-8594-435f-9872-5455ceefc78f" providerId="ADAL" clId="{FEE5CBDF-FE29-4F9F-99B9-949F0817748B}" dt="2019-05-13T14:42:31.234" v="3670" actId="478"/>
+          <ac:graphicFrameMkLst>
+            <pc:docMk/>
+            <pc:sldMk cId="836733519" sldId="265"/>
+            <ac:graphicFrameMk id="16" creationId="{4A8015BA-5555-4CD7-8484-A910EC21DB46}"/>
+          </ac:graphicFrameMkLst>
+        </pc:graphicFrameChg>
+        <pc:picChg chg="add del mod">
+          <ac:chgData name="Nils Mechtel" userId="d365a3c7-8594-435f-9872-5455ceefc78f" providerId="ADAL" clId="{FEE5CBDF-FE29-4F9F-99B9-949F0817748B}" dt="2019-05-13T14:13:18.835" v="3370" actId="478"/>
+          <ac:picMkLst>
+            <pc:docMk/>
+            <pc:sldMk cId="836733519" sldId="265"/>
+            <ac:picMk id="4" creationId="{64BEA6B0-5BCC-46A0-A13C-8A35AB52AD5A}"/>
+          </ac:picMkLst>
+        </pc:picChg>
+        <pc:picChg chg="add del mod">
+          <ac:chgData name="Nils Mechtel" userId="d365a3c7-8594-435f-9872-5455ceefc78f" providerId="ADAL" clId="{FEE5CBDF-FE29-4F9F-99B9-949F0817748B}" dt="2019-05-11T13:25:46.406" v="454" actId="478"/>
+          <ac:picMkLst>
+            <pc:docMk/>
+            <pc:sldMk cId="836733519" sldId="265"/>
+            <ac:picMk id="4" creationId="{A5A467D8-4DCA-4513-9212-E9753C1CDD12}"/>
+          </ac:picMkLst>
+        </pc:picChg>
+        <pc:picChg chg="add del mod">
+          <ac:chgData name="Nils Mechtel" userId="d365a3c7-8594-435f-9872-5455ceefc78f" providerId="ADAL" clId="{FEE5CBDF-FE29-4F9F-99B9-949F0817748B}" dt="2019-05-13T14:41:48.346" v="3617" actId="478"/>
+          <ac:picMkLst>
+            <pc:docMk/>
+            <pc:sldMk cId="836733519" sldId="265"/>
+            <ac:picMk id="6" creationId="{566907E1-3B18-4EAF-8A12-B7D6A4B5CA7A}"/>
+          </ac:picMkLst>
+        </pc:picChg>
+        <pc:picChg chg="del">
+          <ac:chgData name="Nils Mechtel" userId="d365a3c7-8594-435f-9872-5455ceefc78f" providerId="ADAL" clId="{FEE5CBDF-FE29-4F9F-99B9-949F0817748B}" dt="2019-05-13T14:17:06.603" v="3376" actId="478"/>
+          <ac:picMkLst>
+            <pc:docMk/>
+            <pc:sldMk cId="836733519" sldId="265"/>
+            <ac:picMk id="331" creationId="{853ED335-0968-43B6-9385-7865869F63F1}"/>
+          </ac:picMkLst>
+        </pc:picChg>
+        <pc:picChg chg="del mod">
+          <ac:chgData name="Nils Mechtel" userId="d365a3c7-8594-435f-9872-5455ceefc78f" providerId="ADAL" clId="{FEE5CBDF-FE29-4F9F-99B9-949F0817748B}" dt="2019-05-13T14:41:48.346" v="3617" actId="478"/>
+          <ac:picMkLst>
+            <pc:docMk/>
+            <pc:sldMk cId="836733519" sldId="265"/>
+            <ac:picMk id="332" creationId="{73D36892-A87C-4EC8-887E-8F49160ABE7D}"/>
+          </ac:picMkLst>
+        </pc:picChg>
+        <pc:picChg chg="del">
+          <ac:chgData name="Nils Mechtel" userId="d365a3c7-8594-435f-9872-5455ceefc78f" providerId="ADAL" clId="{FEE5CBDF-FE29-4F9F-99B9-949F0817748B}" dt="2019-05-13T14:41:48.346" v="3617" actId="478"/>
+          <ac:picMkLst>
+            <pc:docMk/>
+            <pc:sldMk cId="836733519" sldId="265"/>
+            <ac:picMk id="334" creationId="{FF62C545-E97B-4917-8B71-28263D1AFE23}"/>
+          </ac:picMkLst>
+        </pc:picChg>
+        <pc:picChg chg="del mod">
+          <ac:chgData name="Nils Mechtel" userId="d365a3c7-8594-435f-9872-5455ceefc78f" providerId="ADAL" clId="{FEE5CBDF-FE29-4F9F-99B9-949F0817748B}" dt="2019-05-13T14:41:48.346" v="3617" actId="478"/>
+          <ac:picMkLst>
+            <pc:docMk/>
+            <pc:sldMk cId="836733519" sldId="265"/>
+            <ac:picMk id="336" creationId="{933364B4-9F52-4764-866E-778DD03226C3}"/>
+          </ac:picMkLst>
+        </pc:picChg>
+        <pc:picChg chg="del">
+          <ac:chgData name="Nils Mechtel" userId="d365a3c7-8594-435f-9872-5455ceefc78f" providerId="ADAL" clId="{FEE5CBDF-FE29-4F9F-99B9-949F0817748B}" dt="2019-05-13T14:41:48.346" v="3617" actId="478"/>
+          <ac:picMkLst>
+            <pc:docMk/>
+            <pc:sldMk cId="836733519" sldId="265"/>
+            <ac:picMk id="338" creationId="{73D2A9E5-6A07-44F4-85CD-D7885AD13222}"/>
+          </ac:picMkLst>
+        </pc:picChg>
+        <pc:picChg chg="del mod">
+          <ac:chgData name="Nils Mechtel" userId="d365a3c7-8594-435f-9872-5455ceefc78f" providerId="ADAL" clId="{FEE5CBDF-FE29-4F9F-99B9-949F0817748B}" dt="2019-05-13T14:16:39.049" v="3372" actId="478"/>
+          <ac:picMkLst>
+            <pc:docMk/>
+            <pc:sldMk cId="836733519" sldId="265"/>
+            <ac:picMk id="340" creationId="{BB704ABF-B671-4ED4-A736-8BF22EEBF660}"/>
+          </ac:picMkLst>
+        </pc:picChg>
+        <pc:picChg chg="del">
+          <ac:chgData name="Nils Mechtel" userId="d365a3c7-8594-435f-9872-5455ceefc78f" providerId="ADAL" clId="{FEE5CBDF-FE29-4F9F-99B9-949F0817748B}" dt="2019-05-13T14:41:48.346" v="3617" actId="478"/>
+          <ac:picMkLst>
+            <pc:docMk/>
+            <pc:sldMk cId="836733519" sldId="265"/>
+            <ac:picMk id="345" creationId="{857AB9BF-1E05-4FA1-B45F-722DCF7FBB7B}"/>
+          </ac:picMkLst>
+        </pc:picChg>
+        <pc:inkChg chg="add del">
+          <ac:chgData name="Nils Mechtel" userId="d365a3c7-8594-435f-9872-5455ceefc78f" providerId="ADAL" clId="{FEE5CBDF-FE29-4F9F-99B9-949F0817748B}" dt="2019-05-13T13:47:45.098" v="3148"/>
+          <ac:inkMkLst>
+            <pc:docMk/>
+            <pc:sldMk cId="836733519" sldId="265"/>
+            <ac:inkMk id="3" creationId="{94CE48CC-E4B0-40E3-9AB5-980B8FC9446F}"/>
+          </ac:inkMkLst>
+        </pc:inkChg>
+        <pc:inkChg chg="add del">
+          <ac:chgData name="Nils Mechtel" userId="d365a3c7-8594-435f-9872-5455ceefc78f" providerId="ADAL" clId="{FEE5CBDF-FE29-4F9F-99B9-949F0817748B}" dt="2019-05-13T13:47:45.098" v="3148"/>
+          <ac:inkMkLst>
+            <pc:docMk/>
+            <pc:sldMk cId="836733519" sldId="265"/>
+            <ac:inkMk id="4" creationId="{3D4B72B7-FA0F-453F-82E5-CE60656BC528}"/>
+          </ac:inkMkLst>
+        </pc:inkChg>
+        <pc:inkChg chg="add del">
+          <ac:chgData name="Nils Mechtel" userId="d365a3c7-8594-435f-9872-5455ceefc78f" providerId="ADAL" clId="{FEE5CBDF-FE29-4F9F-99B9-949F0817748B}" dt="2019-05-13T13:47:45.098" v="3148"/>
+          <ac:inkMkLst>
+            <pc:docMk/>
+            <pc:sldMk cId="836733519" sldId="265"/>
+            <ac:inkMk id="5" creationId="{BF36569E-EF89-4AD0-8E72-8C7050B23BD2}"/>
+          </ac:inkMkLst>
+        </pc:inkChg>
+        <pc:inkChg chg="add del">
+          <ac:chgData name="Nils Mechtel" userId="d365a3c7-8594-435f-9872-5455ceefc78f" providerId="ADAL" clId="{FEE5CBDF-FE29-4F9F-99B9-949F0817748B}" dt="2019-05-11T14:06:31.277" v="683"/>
+          <ac:inkMkLst>
+            <pc:docMk/>
+            <pc:sldMk cId="836733519" sldId="265"/>
+            <ac:inkMk id="7" creationId="{2BD9D093-C545-439C-B40F-7B1FACE16EB5}"/>
+          </ac:inkMkLst>
+        </pc:inkChg>
+        <pc:inkChg chg="add del">
+          <ac:chgData name="Nils Mechtel" userId="d365a3c7-8594-435f-9872-5455ceefc78f" providerId="ADAL" clId="{FEE5CBDF-FE29-4F9F-99B9-949F0817748B}" dt="2019-05-13T13:47:45.098" v="3148"/>
+          <ac:inkMkLst>
+            <pc:docMk/>
+            <pc:sldMk cId="836733519" sldId="265"/>
+            <ac:inkMk id="7" creationId="{531A6121-6ED5-4C26-B02A-F896099EE679}"/>
+          </ac:inkMkLst>
+        </pc:inkChg>
+        <pc:inkChg chg="add del">
+          <ac:chgData name="Nils Mechtel" userId="d365a3c7-8594-435f-9872-5455ceefc78f" providerId="ADAL" clId="{FEE5CBDF-FE29-4F9F-99B9-949F0817748B}" dt="2019-05-13T13:47:45.098" v="3148"/>
+          <ac:inkMkLst>
+            <pc:docMk/>
+            <pc:sldMk cId="836733519" sldId="265"/>
+            <ac:inkMk id="8" creationId="{21F25A4A-134A-41B5-841F-82A58EC20E91}"/>
+          </ac:inkMkLst>
+        </pc:inkChg>
+        <pc:inkChg chg="add del">
+          <ac:chgData name="Nils Mechtel" userId="d365a3c7-8594-435f-9872-5455ceefc78f" providerId="ADAL" clId="{FEE5CBDF-FE29-4F9F-99B9-949F0817748B}" dt="2019-05-11T14:06:31.277" v="683"/>
+          <ac:inkMkLst>
+            <pc:docMk/>
+            <pc:sldMk cId="836733519" sldId="265"/>
+            <ac:inkMk id="8" creationId="{BD64C7FC-0D9E-4773-B4CE-DCF3AA9E8B0D}"/>
+          </ac:inkMkLst>
+        </pc:inkChg>
+        <pc:inkChg chg="add del">
+          <ac:chgData name="Nils Mechtel" userId="d365a3c7-8594-435f-9872-5455ceefc78f" providerId="ADAL" clId="{FEE5CBDF-FE29-4F9F-99B9-949F0817748B}" dt="2019-05-13T13:47:45.098" v="3148"/>
+          <ac:inkMkLst>
+            <pc:docMk/>
+            <pc:sldMk cId="836733519" sldId="265"/>
+            <ac:inkMk id="9" creationId="{2AB1AE35-7BDA-4F1B-940A-85702D39D800}"/>
+          </ac:inkMkLst>
+        </pc:inkChg>
+        <pc:inkChg chg="add del">
+          <ac:chgData name="Nils Mechtel" userId="d365a3c7-8594-435f-9872-5455ceefc78f" providerId="ADAL" clId="{FEE5CBDF-FE29-4F9F-99B9-949F0817748B}" dt="2019-05-11T14:06:31.277" v="683"/>
+          <ac:inkMkLst>
+            <pc:docMk/>
+            <pc:sldMk cId="836733519" sldId="265"/>
+            <ac:inkMk id="9" creationId="{ADAE1CE7-ED73-4A6A-A891-A795D31E3F5F}"/>
+          </ac:inkMkLst>
+        </pc:inkChg>
+        <pc:inkChg chg="add del">
+          <ac:chgData name="Nils Mechtel" userId="d365a3c7-8594-435f-9872-5455ceefc78f" providerId="ADAL" clId="{FEE5CBDF-FE29-4F9F-99B9-949F0817748B}" dt="2019-05-11T14:06:31.277" v="683"/>
+          <ac:inkMkLst>
+            <pc:docMk/>
+            <pc:sldMk cId="836733519" sldId="265"/>
+            <ac:inkMk id="10" creationId="{14E37112-58B2-4F8A-863E-91004AF3D32F}"/>
+          </ac:inkMkLst>
+        </pc:inkChg>
+        <pc:inkChg chg="add del">
+          <ac:chgData name="Nils Mechtel" userId="d365a3c7-8594-435f-9872-5455ceefc78f" providerId="ADAL" clId="{FEE5CBDF-FE29-4F9F-99B9-949F0817748B}" dt="2019-05-13T13:47:45.098" v="3148"/>
+          <ac:inkMkLst>
+            <pc:docMk/>
+            <pc:sldMk cId="836733519" sldId="265"/>
+            <ac:inkMk id="10" creationId="{ECA3C75F-88B7-419E-AFD2-03229AB8FE1C}"/>
+          </ac:inkMkLst>
+        </pc:inkChg>
+        <pc:inkChg chg="add del">
+          <ac:chgData name="Nils Mechtel" userId="d365a3c7-8594-435f-9872-5455ceefc78f" providerId="ADAL" clId="{FEE5CBDF-FE29-4F9F-99B9-949F0817748B}" dt="2019-05-13T13:47:45.098" v="3148"/>
+          <ac:inkMkLst>
+            <pc:docMk/>
+            <pc:sldMk cId="836733519" sldId="265"/>
+            <ac:inkMk id="11" creationId="{6DE99024-494D-4280-A63A-EF3390E43F1C}"/>
+          </ac:inkMkLst>
+        </pc:inkChg>
+        <pc:inkChg chg="add">
+          <ac:chgData name="Nils Mechtel" userId="d365a3c7-8594-435f-9872-5455ceefc78f" providerId="ADAL" clId="{FEE5CBDF-FE29-4F9F-99B9-949F0817748B}" dt="2019-05-11T14:06:31.277" v="683"/>
+          <ac:inkMkLst>
+            <pc:docMk/>
+            <pc:sldMk cId="836733519" sldId="265"/>
+            <ac:inkMk id="11" creationId="{A82B448E-C8D7-4AE7-A619-4A1B6E1418F5}"/>
+          </ac:inkMkLst>
+        </pc:inkChg>
+        <pc:inkChg chg="add del">
+          <ac:chgData name="Nils Mechtel" userId="d365a3c7-8594-435f-9872-5455ceefc78f" providerId="ADAL" clId="{FEE5CBDF-FE29-4F9F-99B9-949F0817748B}" dt="2019-05-11T14:06:34.713" v="685"/>
+          <ac:inkMkLst>
+            <pc:docMk/>
+            <pc:sldMk cId="836733519" sldId="265"/>
+            <ac:inkMk id="12" creationId="{61162615-D7A1-4A55-A90F-0BE32B28B90E}"/>
+          </ac:inkMkLst>
+        </pc:inkChg>
+        <pc:inkChg chg="add del">
+          <ac:chgData name="Nils Mechtel" userId="d365a3c7-8594-435f-9872-5455ceefc78f" providerId="ADAL" clId="{FEE5CBDF-FE29-4F9F-99B9-949F0817748B}" dt="2019-05-13T13:47:45.098" v="3148"/>
+          <ac:inkMkLst>
+            <pc:docMk/>
+            <pc:sldMk cId="836733519" sldId="265"/>
+            <ac:inkMk id="12" creationId="{6F64B90D-44C2-4224-9FEA-C669E67C082E}"/>
+          </ac:inkMkLst>
+        </pc:inkChg>
+        <pc:inkChg chg="add del">
+          <ac:chgData name="Nils Mechtel" userId="d365a3c7-8594-435f-9872-5455ceefc78f" providerId="ADAL" clId="{FEE5CBDF-FE29-4F9F-99B9-949F0817748B}" dt="2019-05-13T13:47:46.356" v="3150"/>
+          <ac:inkMkLst>
+            <pc:docMk/>
+            <pc:sldMk cId="836733519" sldId="265"/>
+            <ac:inkMk id="13" creationId="{2D228C65-5677-4D82-ADE2-DDBF5D237CB4}"/>
+          </ac:inkMkLst>
+        </pc:inkChg>
+        <pc:inkChg chg="add del">
+          <ac:chgData name="Nils Mechtel" userId="d365a3c7-8594-435f-9872-5455ceefc78f" providerId="ADAL" clId="{FEE5CBDF-FE29-4F9F-99B9-949F0817748B}" dt="2019-05-11T14:06:39.043" v="690"/>
+          <ac:inkMkLst>
+            <pc:docMk/>
+            <pc:sldMk cId="836733519" sldId="265"/>
+            <ac:inkMk id="13" creationId="{30495528-855A-41CA-ABE0-DB797A7BEF4E}"/>
+          </ac:inkMkLst>
+        </pc:inkChg>
+        <pc:inkChg chg="add del">
+          <ac:chgData name="Nils Mechtel" userId="d365a3c7-8594-435f-9872-5455ceefc78f" providerId="ADAL" clId="{FEE5CBDF-FE29-4F9F-99B9-949F0817748B}" dt="2019-05-13T13:47:46.356" v="3150"/>
+          <ac:inkMkLst>
+            <pc:docMk/>
+            <pc:sldMk cId="836733519" sldId="265"/>
+            <ac:inkMk id="14" creationId="{29894852-0227-4C82-B822-C12F68A0D038}"/>
+          </ac:inkMkLst>
+        </pc:inkChg>
+        <pc:inkChg chg="add del">
+          <ac:chgData name="Nils Mechtel" userId="d365a3c7-8594-435f-9872-5455ceefc78f" providerId="ADAL" clId="{FEE5CBDF-FE29-4F9F-99B9-949F0817748B}" dt="2019-05-11T14:06:39.043" v="690"/>
+          <ac:inkMkLst>
+            <pc:docMk/>
+            <pc:sldMk cId="836733519" sldId="265"/>
+            <ac:inkMk id="14" creationId="{CCCA5758-C377-4BF9-B5B4-06E068707938}"/>
+          </ac:inkMkLst>
+        </pc:inkChg>
+        <pc:inkChg chg="add del">
+          <ac:chgData name="Nils Mechtel" userId="d365a3c7-8594-435f-9872-5455ceefc78f" providerId="ADAL" clId="{FEE5CBDF-FE29-4F9F-99B9-949F0817748B}" dt="2019-05-11T14:06:39.043" v="690"/>
+          <ac:inkMkLst>
+            <pc:docMk/>
+            <pc:sldMk cId="836733519" sldId="265"/>
+            <ac:inkMk id="15" creationId="{13786C8B-E21E-46B2-95CA-B360C5D9370A}"/>
+          </ac:inkMkLst>
+        </pc:inkChg>
+        <pc:inkChg chg="add del">
+          <ac:chgData name="Nils Mechtel" userId="d365a3c7-8594-435f-9872-5455ceefc78f" providerId="ADAL" clId="{FEE5CBDF-FE29-4F9F-99B9-949F0817748B}" dt="2019-05-13T13:48:24.528" v="3151"/>
+          <ac:inkMkLst>
+            <pc:docMk/>
+            <pc:sldMk cId="836733519" sldId="265"/>
+            <ac:inkMk id="15" creationId="{61E3F1BE-7DAF-4DC2-9A13-AA94DCB5D1B8}"/>
+          </ac:inkMkLst>
+        </pc:inkChg>
+        <pc:inkChg chg="add del">
+          <ac:chgData name="Nils Mechtel" userId="d365a3c7-8594-435f-9872-5455ceefc78f" providerId="ADAL" clId="{FEE5CBDF-FE29-4F9F-99B9-949F0817748B}" dt="2019-05-11T14:06:39.043" v="690"/>
+          <ac:inkMkLst>
+            <pc:docMk/>
+            <pc:sldMk cId="836733519" sldId="265"/>
+            <ac:inkMk id="16" creationId="{D1903AF9-1DDF-4223-82D7-59F5D0EF24CF}"/>
+          </ac:inkMkLst>
+        </pc:inkChg>
+        <pc:inkChg chg="add del">
+          <ac:chgData name="Nils Mechtel" userId="d365a3c7-8594-435f-9872-5455ceefc78f" providerId="ADAL" clId="{FEE5CBDF-FE29-4F9F-99B9-949F0817748B}" dt="2019-05-11T14:06:39.043" v="690"/>
+          <ac:inkMkLst>
+            <pc:docMk/>
+            <pc:sldMk cId="836733519" sldId="265"/>
+            <ac:inkMk id="17" creationId="{36F26937-AF0C-4D1A-8824-A8E9C9AB25CF}"/>
+          </ac:inkMkLst>
+        </pc:inkChg>
+        <pc:inkChg chg="add">
+          <ac:chgData name="Nils Mechtel" userId="d365a3c7-8594-435f-9872-5455ceefc78f" providerId="ADAL" clId="{FEE5CBDF-FE29-4F9F-99B9-949F0817748B}" dt="2019-05-11T14:06:39.043" v="690"/>
+          <ac:inkMkLst>
+            <pc:docMk/>
+            <pc:sldMk cId="836733519" sldId="265"/>
+            <ac:inkMk id="18" creationId="{8CFCE5A5-3C28-47C1-BB10-5A4CED3881EB}"/>
+          </ac:inkMkLst>
+        </pc:inkChg>
+      </pc:sldChg>
+      <pc:sldChg chg="addSp delSp modSp add setBg delAnim modAnim addCm delCm modCm modNotesTx">
+        <pc:chgData name="Nils Mechtel" userId="d365a3c7-8594-435f-9872-5455ceefc78f" providerId="ADAL" clId="{FEE5CBDF-FE29-4F9F-99B9-949F0817748B}" dt="2019-05-15T11:43:12.525" v="5998" actId="1592"/>
+        <pc:sldMkLst>
+          <pc:docMk/>
+          <pc:sldMk cId="2923162179" sldId="266"/>
+        </pc:sldMkLst>
+        <pc:spChg chg="mod">
+          <ac:chgData name="Nils Mechtel" userId="d365a3c7-8594-435f-9872-5455ceefc78f" providerId="ADAL" clId="{FEE5CBDF-FE29-4F9F-99B9-949F0817748B}" dt="2019-05-13T14:18:12.510" v="3380" actId="1076"/>
+          <ac:spMkLst>
+            <pc:docMk/>
+            <pc:sldMk cId="2923162179" sldId="266"/>
+            <ac:spMk id="2" creationId="{3AFFD6C7-E4F3-4CC2-9977-57E2B563D5DB}"/>
+          </ac:spMkLst>
+        </pc:spChg>
+        <pc:spChg chg="mod">
+          <ac:chgData name="Nils Mechtel" userId="d365a3c7-8594-435f-9872-5455ceefc78f" providerId="ADAL" clId="{FEE5CBDF-FE29-4F9F-99B9-949F0817748B}" dt="2019-05-13T08:14:58.008" v="2530" actId="1076"/>
+          <ac:spMkLst>
+            <pc:docMk/>
+            <pc:sldMk cId="2923162179" sldId="266"/>
+            <ac:spMk id="3" creationId="{CE8E4A18-CAD6-4EC5-B815-4CDA06E0B1C1}"/>
+          </ac:spMkLst>
+        </pc:spChg>
+        <pc:spChg chg="del">
+          <ac:chgData name="Nils Mechtel" userId="d365a3c7-8594-435f-9872-5455ceefc78f" providerId="ADAL" clId="{FEE5CBDF-FE29-4F9F-99B9-949F0817748B}" dt="2019-05-11T15:17:22.067" v="894"/>
+          <ac:spMkLst>
+            <pc:docMk/>
+            <pc:sldMk cId="2923162179" sldId="266"/>
+            <ac:spMk id="3" creationId="{DFC7119F-0080-43E1-AF85-48A81DC7B886}"/>
+          </ac:spMkLst>
+        </pc:spChg>
+        <pc:spChg chg="add mod">
+          <ac:chgData name="Nils Mechtel" userId="d365a3c7-8594-435f-9872-5455ceefc78f" providerId="ADAL" clId="{FEE5CBDF-FE29-4F9F-99B9-949F0817748B}" dt="2019-05-11T15:20:12.656" v="900" actId="1076"/>
+          <ac:spMkLst>
+            <pc:docMk/>
+            <pc:sldMk cId="2923162179" sldId="266"/>
+            <ac:spMk id="5" creationId="{391AAE10-E219-42C0-A4C3-B93314FB7CA1}"/>
+          </ac:spMkLst>
+        </pc:spChg>
+        <pc:spChg chg="add del mod">
+          <ac:chgData name="Nils Mechtel" userId="d365a3c7-8594-435f-9872-5455ceefc78f" providerId="ADAL" clId="{FEE5CBDF-FE29-4F9F-99B9-949F0817748B}" dt="2019-05-13T20:54:09.020" v="4269" actId="478"/>
+          <ac:spMkLst>
+            <pc:docMk/>
+            <pc:sldMk cId="2923162179" sldId="266"/>
+            <ac:spMk id="5" creationId="{A13A7F91-825D-4348-82E8-AC83738CD09C}"/>
+          </ac:spMkLst>
+        </pc:spChg>
+        <pc:spChg chg="add del mod">
+          <ac:chgData name="Nils Mechtel" userId="d365a3c7-8594-435f-9872-5455ceefc78f" providerId="ADAL" clId="{FEE5CBDF-FE29-4F9F-99B9-949F0817748B}" dt="2019-05-13T08:11:36.194" v="2517"/>
+          <ac:spMkLst>
+            <pc:docMk/>
+            <pc:sldMk cId="2923162179" sldId="266"/>
+            <ac:spMk id="6" creationId="{BF9A34DC-680A-48D6-B65C-2EF52FD50C4E}"/>
+          </ac:spMkLst>
+        </pc:spChg>
+        <pc:spChg chg="add del mod">
+          <ac:chgData name="Nils Mechtel" userId="d365a3c7-8594-435f-9872-5455ceefc78f" providerId="ADAL" clId="{FEE5CBDF-FE29-4F9F-99B9-949F0817748B}" dt="2019-05-13T20:54:09.020" v="4269" actId="478"/>
+          <ac:spMkLst>
+            <pc:docMk/>
+            <pc:sldMk cId="2923162179" sldId="266"/>
+            <ac:spMk id="7" creationId="{E1B1844F-FF51-491D-85AB-839D1AC412A6}"/>
+          </ac:spMkLst>
+        </pc:spChg>
+        <pc:spChg chg="add del mod">
+          <ac:chgData name="Nils Mechtel" userId="d365a3c7-8594-435f-9872-5455ceefc78f" providerId="ADAL" clId="{FEE5CBDF-FE29-4F9F-99B9-949F0817748B}" dt="2019-05-13T20:54:09.020" v="4269" actId="478"/>
+          <ac:spMkLst>
+            <pc:docMk/>
+            <pc:sldMk cId="2923162179" sldId="266"/>
+            <ac:spMk id="8" creationId="{C3A5ED18-66FB-4EF8-99AB-1DB9AD9367C6}"/>
+          </ac:spMkLst>
+        </pc:spChg>
+        <pc:spChg chg="add del mod">
+          <ac:chgData name="Nils Mechtel" userId="d365a3c7-8594-435f-9872-5455ceefc78f" providerId="ADAL" clId="{FEE5CBDF-FE29-4F9F-99B9-949F0817748B}" dt="2019-05-13T08:35:53.900" v="2713" actId="478"/>
+          <ac:spMkLst>
+            <pc:docMk/>
+            <pc:sldMk cId="2923162179" sldId="266"/>
+            <ac:spMk id="11" creationId="{29E26154-4956-46F4-A88D-7C05EF0A2E27}"/>
+          </ac:spMkLst>
+        </pc:spChg>
+        <pc:spChg chg="add del mod">
+          <ac:chgData name="Nils Mechtel" userId="d365a3c7-8594-435f-9872-5455ceefc78f" providerId="ADAL" clId="{FEE5CBDF-FE29-4F9F-99B9-949F0817748B}" dt="2019-05-13T08:28:26.219" v="2656" actId="478"/>
+          <ac:spMkLst>
+            <pc:docMk/>
+            <pc:sldMk cId="2923162179" sldId="266"/>
+            <ac:spMk id="12" creationId="{91CC9944-1275-4A9C-BAFC-FF2A0F047297}"/>
+          </ac:spMkLst>
+        </pc:spChg>
+        <pc:picChg chg="add del">
+          <ac:chgData name="Nils Mechtel" userId="d365a3c7-8594-435f-9872-5455ceefc78f" providerId="ADAL" clId="{FEE5CBDF-FE29-4F9F-99B9-949F0817748B}" dt="2019-05-13T08:10:44.338" v="2516" actId="478"/>
+          <ac:picMkLst>
+            <pc:docMk/>
+            <pc:sldMk cId="2923162179" sldId="266"/>
+            <ac:picMk id="4" creationId="{6396212C-CC14-42F5-A6C0-F37A60C5A6E9}"/>
+          </ac:picMkLst>
+        </pc:picChg>
+        <pc:picChg chg="add del mod">
+          <ac:chgData name="Nils Mechtel" userId="d365a3c7-8594-435f-9872-5455ceefc78f" providerId="ADAL" clId="{FEE5CBDF-FE29-4F9F-99B9-949F0817748B}" dt="2019-05-13T20:48:26.694" v="4049" actId="478"/>
+          <ac:picMkLst>
+            <pc:docMk/>
+            <pc:sldMk cId="2923162179" sldId="266"/>
+            <ac:picMk id="4" creationId="{725048CC-F287-4B5B-AF3F-A7E38A54B2FB}"/>
+          </ac:picMkLst>
+        </pc:picChg>
+        <pc:picChg chg="add del mod">
+          <ac:chgData name="Nils Mechtel" userId="d365a3c7-8594-435f-9872-5455ceefc78f" providerId="ADAL" clId="{FEE5CBDF-FE29-4F9F-99B9-949F0817748B}" dt="2019-05-13T08:28:07.398" v="2651"/>
+          <ac:picMkLst>
+            <pc:docMk/>
+            <pc:sldMk cId="2923162179" sldId="266"/>
+            <ac:picMk id="7" creationId="{87CF0913-7ABD-4618-8EB4-DFD23505600B}"/>
+          </ac:picMkLst>
+        </pc:picChg>
+        <pc:picChg chg="add del">
+          <ac:chgData name="Nils Mechtel" userId="d365a3c7-8594-435f-9872-5455ceefc78f" providerId="ADAL" clId="{FEE5CBDF-FE29-4F9F-99B9-949F0817748B}" dt="2019-05-13T08:12:07.223" v="2519"/>
+          <ac:picMkLst>
+            <pc:docMk/>
+            <pc:sldMk cId="2923162179" sldId="266"/>
+            <ac:picMk id="8" creationId="{E3DB1BFF-DCDE-4D89-8927-73554E8AECE9}"/>
+          </ac:picMkLst>
+        </pc:picChg>
+        <pc:picChg chg="add del mod">
+          <ac:chgData name="Nils Mechtel" userId="d365a3c7-8594-435f-9872-5455ceefc78f" providerId="ADAL" clId="{FEE5CBDF-FE29-4F9F-99B9-949F0817748B}" dt="2019-05-13T08:28:07.398" v="2651"/>
+          <ac:picMkLst>
+            <pc:docMk/>
+            <pc:sldMk cId="2923162179" sldId="266"/>
+            <ac:picMk id="9" creationId="{75A2D577-4985-4DB1-AA59-6F3EC678637A}"/>
+          </ac:picMkLst>
+        </pc:picChg>
+        <pc:picChg chg="add mod">
+          <ac:chgData name="Nils Mechtel" userId="d365a3c7-8594-435f-9872-5455ceefc78f" providerId="ADAL" clId="{FEE5CBDF-FE29-4F9F-99B9-949F0817748B}" dt="2019-05-14T19:17:19.289" v="5542" actId="1076"/>
+          <ac:picMkLst>
+            <pc:docMk/>
+            <pc:sldMk cId="2923162179" sldId="266"/>
+            <ac:picMk id="10" creationId="{C90D6B81-78E5-40AC-91FA-9B7CAC5D54EF}"/>
+          </ac:picMkLst>
+        </pc:picChg>
+        <pc:inkChg chg="add del">
+          <ac:chgData name="Nils Mechtel" userId="d365a3c7-8594-435f-9872-5455ceefc78f" providerId="ADAL" clId="{FEE5CBDF-FE29-4F9F-99B9-949F0817748B}" dt="2019-05-13T08:35:20.886" v="2704"/>
+          <ac:inkMkLst>
+            <pc:docMk/>
+            <pc:sldMk cId="2923162179" sldId="266"/>
+            <ac:inkMk id="13" creationId="{E89DBCD1-C9B0-442E-81B8-7925E2585A2B}"/>
+          </ac:inkMkLst>
+        </pc:inkChg>
+        <pc:inkChg chg="add del">
+          <ac:chgData name="Nils Mechtel" userId="d365a3c7-8594-435f-9872-5455ceefc78f" providerId="ADAL" clId="{FEE5CBDF-FE29-4F9F-99B9-949F0817748B}" dt="2019-05-13T08:35:20.889" v="2705"/>
+          <ac:inkMkLst>
+            <pc:docMk/>
+            <pc:sldMk cId="2923162179" sldId="266"/>
+            <ac:inkMk id="14" creationId="{93BAD413-941C-4413-BA3D-719774813141}"/>
+          </ac:inkMkLst>
+        </pc:inkChg>
+        <pc:inkChg chg="add del">
+          <ac:chgData name="Nils Mechtel" userId="d365a3c7-8594-435f-9872-5455ceefc78f" providerId="ADAL" clId="{FEE5CBDF-FE29-4F9F-99B9-949F0817748B}" dt="2019-05-13T08:35:20.890" v="2706"/>
+          <ac:inkMkLst>
+            <pc:docMk/>
+            <pc:sldMk cId="2923162179" sldId="266"/>
+            <ac:inkMk id="15" creationId="{17286D3B-5482-4472-B712-0447D270CB4E}"/>
+          </ac:inkMkLst>
+        </pc:inkChg>
+        <pc:inkChg chg="add del">
+          <ac:chgData name="Nils Mechtel" userId="d365a3c7-8594-435f-9872-5455ceefc78f" providerId="ADAL" clId="{FEE5CBDF-FE29-4F9F-99B9-949F0817748B}" dt="2019-05-13T08:35:28.166" v="2711"/>
+          <ac:inkMkLst>
+            <pc:docMk/>
+            <pc:sldMk cId="2923162179" sldId="266"/>
+            <ac:inkMk id="16" creationId="{A26C963B-B308-450A-B7D1-BF78786CC4D6}"/>
+          </ac:inkMkLst>
+        </pc:inkChg>
+        <pc:inkChg chg="add del">
+          <ac:chgData name="Nils Mechtel" userId="d365a3c7-8594-435f-9872-5455ceefc78f" providerId="ADAL" clId="{FEE5CBDF-FE29-4F9F-99B9-949F0817748B}" dt="2019-05-13T08:35:28.163" v="2710"/>
+          <ac:inkMkLst>
+            <pc:docMk/>
+            <pc:sldMk cId="2923162179" sldId="266"/>
+            <ac:inkMk id="17" creationId="{638C1446-E48D-449B-9347-40759A8F9A32}"/>
+          </ac:inkMkLst>
+        </pc:inkChg>
+        <pc:inkChg chg="add del">
+          <ac:chgData name="Nils Mechtel" userId="d365a3c7-8594-435f-9872-5455ceefc78f" providerId="ADAL" clId="{FEE5CBDF-FE29-4F9F-99B9-949F0817748B}" dt="2019-05-13T08:35:28.167" v="2712"/>
+          <ac:inkMkLst>
+            <pc:docMk/>
+            <pc:sldMk cId="2923162179" sldId="266"/>
+            <ac:inkMk id="18" creationId="{EE11650F-9DF4-4808-B100-AAB9E84D0A5B}"/>
+          </ac:inkMkLst>
+        </pc:inkChg>
+      </pc:sldChg>
+      <pc:sldChg chg="addSp delSp modSp add ord modTransition modAnim delCm">
+        <pc:chgData name="Nils Mechtel" userId="d365a3c7-8594-435f-9872-5455ceefc78f" providerId="ADAL" clId="{FEE5CBDF-FE29-4F9F-99B9-949F0817748B}" dt="2019-05-15T11:43:47.870" v="6002" actId="1592"/>
+        <pc:sldMkLst>
+          <pc:docMk/>
+          <pc:sldMk cId="3411230145" sldId="273"/>
+        </pc:sldMkLst>
+        <pc:spChg chg="del">
+          <ac:chgData name="Nils Mechtel" userId="d365a3c7-8594-435f-9872-5455ceefc78f" providerId="ADAL" clId="{FEE5CBDF-FE29-4F9F-99B9-949F0817748B}" dt="2019-05-12T18:13:56.343" v="1603" actId="478"/>
+          <ac:spMkLst>
+            <pc:docMk/>
+            <pc:sldMk cId="3411230145" sldId="273"/>
+            <ac:spMk id="2" creationId="{B8A928F4-921B-4AAC-ACFF-A2A2676A3602}"/>
+          </ac:spMkLst>
+        </pc:spChg>
+        <pc:spChg chg="mod">
+          <ac:chgData name="Nils Mechtel" userId="d365a3c7-8594-435f-9872-5455ceefc78f" providerId="ADAL" clId="{FEE5CBDF-FE29-4F9F-99B9-949F0817748B}" dt="2019-05-12T18:39:28.031" v="1860" actId="164"/>
+          <ac:spMkLst>
+            <pc:docMk/>
+            <pc:sldMk cId="3411230145" sldId="273"/>
+            <ac:spMk id="3" creationId="{C7721A79-9C5D-4C3E-BE47-C0C4A391C0AF}"/>
+          </ac:spMkLst>
+        </pc:spChg>
+        <pc:spChg chg="mod ord">
+          <ac:chgData name="Nils Mechtel" userId="d365a3c7-8594-435f-9872-5455ceefc78f" providerId="ADAL" clId="{FEE5CBDF-FE29-4F9F-99B9-949F0817748B}" dt="2019-05-12T18:58:40.491" v="1999" actId="14100"/>
+          <ac:spMkLst>
+            <pc:docMk/>
+            <pc:sldMk cId="3411230145" sldId="273"/>
+            <ac:spMk id="5" creationId="{B87C55DA-F258-4A89-83E2-18B249843B44}"/>
+          </ac:spMkLst>
+        </pc:spChg>
+        <pc:spChg chg="mod">
+          <ac:chgData name="Nils Mechtel" userId="d365a3c7-8594-435f-9872-5455ceefc78f" providerId="ADAL" clId="{FEE5CBDF-FE29-4F9F-99B9-949F0817748B}" dt="2019-05-14T20:54:32.190" v="5914" actId="313"/>
+          <ac:spMkLst>
+            <pc:docMk/>
+            <pc:sldMk cId="3411230145" sldId="273"/>
+            <ac:spMk id="6" creationId="{0D3C4D43-0167-4BC2-91B0-8DB1F2AE73AE}"/>
+          </ac:spMkLst>
+        </pc:spChg>
+        <pc:spChg chg="mod">
+          <ac:chgData name="Nils Mechtel" userId="d365a3c7-8594-435f-9872-5455ceefc78f" providerId="ADAL" clId="{FEE5CBDF-FE29-4F9F-99B9-949F0817748B}" dt="2019-05-12T18:53:54.779" v="1951" actId="164"/>
+          <ac:spMkLst>
+            <pc:docMk/>
+            <pc:sldMk cId="3411230145" sldId="273"/>
+            <ac:spMk id="7" creationId="{DD9EDB6F-FD49-4E0F-8B88-56194C19A4A0}"/>
+          </ac:spMkLst>
+        </pc:spChg>
+        <pc:spChg chg="add del mod">
+          <ac:chgData name="Nils Mechtel" userId="d365a3c7-8594-435f-9872-5455ceefc78f" providerId="ADAL" clId="{FEE5CBDF-FE29-4F9F-99B9-949F0817748B}" dt="2019-05-12T18:13:58.863" v="1604" actId="478"/>
+          <ac:spMkLst>
+            <pc:docMk/>
+            <pc:sldMk cId="3411230145" sldId="273"/>
+            <ac:spMk id="9" creationId="{89741C91-7C74-4ADC-8504-62B690AFAC14}"/>
+          </ac:spMkLst>
+        </pc:spChg>
+        <pc:spChg chg="add mod ord">
+          <ac:chgData name="Nils Mechtel" userId="d365a3c7-8594-435f-9872-5455ceefc78f" providerId="ADAL" clId="{FEE5CBDF-FE29-4F9F-99B9-949F0817748B}" dt="2019-05-12T19:01:19.142" v="2012" actId="164"/>
+          <ac:spMkLst>
+            <pc:docMk/>
+            <pc:sldMk cId="3411230145" sldId="273"/>
+            <ac:spMk id="9" creationId="{B00DAE00-C4FA-409B-8975-71AAD9D2603E}"/>
+          </ac:spMkLst>
+        </pc:spChg>
+        <pc:spChg chg="mod">
+          <ac:chgData name="Nils Mechtel" userId="d365a3c7-8594-435f-9872-5455ceefc78f" providerId="ADAL" clId="{FEE5CBDF-FE29-4F9F-99B9-949F0817748B}" dt="2019-05-12T18:39:28.031" v="1860" actId="164"/>
+          <ac:spMkLst>
+            <pc:docMk/>
+            <pc:sldMk cId="3411230145" sldId="273"/>
+            <ac:spMk id="16" creationId="{016ED284-7640-4118-8748-FB0B7DED2170}"/>
+          </ac:spMkLst>
+        </pc:spChg>
+        <pc:spChg chg="add">
+          <ac:chgData name="Nils Mechtel" userId="d365a3c7-8594-435f-9872-5455ceefc78f" providerId="ADAL" clId="{FEE5CBDF-FE29-4F9F-99B9-949F0817748B}" dt="2019-05-12T18:14:10.699" v="1605"/>
+          <ac:spMkLst>
+            <pc:docMk/>
+            <pc:sldMk cId="3411230145" sldId="273"/>
+            <ac:spMk id="20" creationId="{355E2B8D-7456-4A04-BFEF-F31015A92DD3}"/>
+          </ac:spMkLst>
+        </pc:spChg>
+        <pc:spChg chg="add">
+          <ac:chgData name="Nils Mechtel" userId="d365a3c7-8594-435f-9872-5455ceefc78f" providerId="ADAL" clId="{FEE5CBDF-FE29-4F9F-99B9-949F0817748B}" dt="2019-05-12T18:14:10.699" v="1605"/>
+          <ac:spMkLst>
+            <pc:docMk/>
+            <pc:sldMk cId="3411230145" sldId="273"/>
+            <ac:spMk id="21" creationId="{CBDB0E70-1F35-4FE3-8AC1-9B7EBE2F2FC6}"/>
+          </ac:spMkLst>
+        </pc:spChg>
+        <pc:spChg chg="add">
+          <ac:chgData name="Nils Mechtel" userId="d365a3c7-8594-435f-9872-5455ceefc78f" providerId="ADAL" clId="{FEE5CBDF-FE29-4F9F-99B9-949F0817748B}" dt="2019-05-12T18:14:10.699" v="1605"/>
+          <ac:spMkLst>
+            <pc:docMk/>
+            <pc:sldMk cId="3411230145" sldId="273"/>
+            <ac:spMk id="22" creationId="{8E5D0958-2A75-4CEC-A32A-7355B23674E3}"/>
+          </ac:spMkLst>
+        </pc:spChg>
+        <pc:spChg chg="add">
+          <ac:chgData name="Nils Mechtel" userId="d365a3c7-8594-435f-9872-5455ceefc78f" providerId="ADAL" clId="{FEE5CBDF-FE29-4F9F-99B9-949F0817748B}" dt="2019-05-12T18:14:10.699" v="1605"/>
+          <ac:spMkLst>
+            <pc:docMk/>
+            <pc:sldMk cId="3411230145" sldId="273"/>
+            <ac:spMk id="23" creationId="{38F3CE0A-69D7-49C7-A9BA-7F482B9F824F}"/>
+          </ac:spMkLst>
+        </pc:spChg>
+        <pc:spChg chg="add">
+          <ac:chgData name="Nils Mechtel" userId="d365a3c7-8594-435f-9872-5455ceefc78f" providerId="ADAL" clId="{FEE5CBDF-FE29-4F9F-99B9-949F0817748B}" dt="2019-05-12T18:14:10.699" v="1605"/>
+          <ac:spMkLst>
+            <pc:docMk/>
+            <pc:sldMk cId="3411230145" sldId="273"/>
+            <ac:spMk id="24" creationId="{E6EF458C-4C89-4071-901F-F8C7550E551D}"/>
+          </ac:spMkLst>
+        </pc:spChg>
+        <pc:spChg chg="add">
+          <ac:chgData name="Nils Mechtel" userId="d365a3c7-8594-435f-9872-5455ceefc78f" providerId="ADAL" clId="{FEE5CBDF-FE29-4F9F-99B9-949F0817748B}" dt="2019-05-12T18:14:10.699" v="1605"/>
+          <ac:spMkLst>
+            <pc:docMk/>
+            <pc:sldMk cId="3411230145" sldId="273"/>
+            <ac:spMk id="25" creationId="{00E0E179-B638-4814-A4A8-045E86F23971}"/>
+          </ac:spMkLst>
+        </pc:spChg>
+        <pc:spChg chg="mod">
+          <ac:chgData name="Nils Mechtel" userId="d365a3c7-8594-435f-9872-5455ceefc78f" providerId="ADAL" clId="{FEE5CBDF-FE29-4F9F-99B9-949F0817748B}" dt="2019-05-14T13:01:46.731" v="4566" actId="20577"/>
+          <ac:spMkLst>
+            <pc:docMk/>
+            <pc:sldMk cId="3411230145" sldId="273"/>
+            <ac:spMk id="27" creationId="{1D4E9F6D-80A5-4092-AB39-864550306221}"/>
+          </ac:spMkLst>
+        </pc:spChg>
+        <pc:spChg chg="mod">
+          <ac:chgData name="Nils Mechtel" userId="d365a3c7-8594-435f-9872-5455ceefc78f" providerId="ADAL" clId="{FEE5CBDF-FE29-4F9F-99B9-949F0817748B}" dt="2019-05-12T18:39:28.031" v="1860" actId="164"/>
+          <ac:spMkLst>
+            <pc:docMk/>
+            <pc:sldMk cId="3411230145" sldId="273"/>
+            <ac:spMk id="33" creationId="{66BE9B96-1BA1-48EF-910F-C86919A04CCA}"/>
+          </ac:spMkLst>
+        </pc:spChg>
+        <pc:spChg chg="mod">
+          <ac:chgData name="Nils Mechtel" userId="d365a3c7-8594-435f-9872-5455ceefc78f" providerId="ADAL" clId="{FEE5CBDF-FE29-4F9F-99B9-949F0817748B}" dt="2019-05-12T18:39:28.031" v="1860" actId="164"/>
+          <ac:spMkLst>
+            <pc:docMk/>
+            <pc:sldMk cId="3411230145" sldId="273"/>
+            <ac:spMk id="34" creationId="{F11ECD49-EE8B-4BED-A36B-B4FBD1DBE16F}"/>
+          </ac:spMkLst>
+        </pc:spChg>
+        <pc:spChg chg="mod">
+          <ac:chgData name="Nils Mechtel" userId="d365a3c7-8594-435f-9872-5455ceefc78f" providerId="ADAL" clId="{FEE5CBDF-FE29-4F9F-99B9-949F0817748B}" dt="2019-05-12T18:39:28.031" v="1860" actId="164"/>
+          <ac:spMkLst>
+            <pc:docMk/>
+            <pc:sldMk cId="3411230145" sldId="273"/>
+            <ac:spMk id="35" creationId="{7E4BE2D5-563B-4627-9197-F8FF20E6E123}"/>
+          </ac:spMkLst>
+        </pc:spChg>
+        <pc:grpChg chg="add mod ord">
+          <ac:chgData name="Nils Mechtel" userId="d365a3c7-8594-435f-9872-5455ceefc78f" providerId="ADAL" clId="{FEE5CBDF-FE29-4F9F-99B9-949F0817748B}" dt="2019-05-12T18:59:44.644" v="2002" actId="167"/>
+          <ac:grpSpMkLst>
+            <pc:docMk/>
+            <pc:sldMk cId="3411230145" sldId="273"/>
+            <ac:grpSpMk id="2" creationId="{615B8D96-7A10-4A07-BF40-69658023BDF8}"/>
+          </ac:grpSpMkLst>
+        </pc:grpChg>
+        <pc:grpChg chg="add mod">
+          <ac:chgData name="Nils Mechtel" userId="d365a3c7-8594-435f-9872-5455ceefc78f" providerId="ADAL" clId="{FEE5CBDF-FE29-4F9F-99B9-949F0817748B}" dt="2019-05-12T19:01:19.142" v="2012" actId="164"/>
+          <ac:grpSpMkLst>
+            <pc:docMk/>
+            <pc:sldMk cId="3411230145" sldId="273"/>
+            <ac:grpSpMk id="8" creationId="{AF98AE2C-870D-4214-92FF-129D6716931E}"/>
+          </ac:grpSpMkLst>
+        </pc:grpChg>
+        <pc:grpChg chg="add del mod">
+          <ac:chgData name="Nils Mechtel" userId="d365a3c7-8594-435f-9872-5455ceefc78f" providerId="ADAL" clId="{FEE5CBDF-FE29-4F9F-99B9-949F0817748B}" dt="2019-05-13T17:42:46.949" v="4027"/>
+          <ac:grpSpMkLst>
+            <pc:docMk/>
+            <pc:sldMk cId="3411230145" sldId="273"/>
+            <ac:grpSpMk id="8" creationId="{BC2409BE-A63F-4DD5-9286-D7312B46A7C4}"/>
+          </ac:grpSpMkLst>
+        </pc:grpChg>
+        <pc:grpChg chg="add del mod">
+          <ac:chgData name="Nils Mechtel" userId="d365a3c7-8594-435f-9872-5455ceefc78f" providerId="ADAL" clId="{FEE5CBDF-FE29-4F9F-99B9-949F0817748B}" dt="2019-05-13T11:34:34.827" v="2990"/>
+          <ac:grpSpMkLst>
+            <pc:docMk/>
+            <pc:sldMk cId="3411230145" sldId="273"/>
+            <ac:grpSpMk id="10" creationId="{79924885-AE3E-40A3-AACF-C3A07E84A7DE}"/>
+          </ac:grpSpMkLst>
+        </pc:grpChg>
+        <pc:grpChg chg="add mod ord">
+          <ac:chgData name="Nils Mechtel" userId="d365a3c7-8594-435f-9872-5455ceefc78f" providerId="ADAL" clId="{FEE5CBDF-FE29-4F9F-99B9-949F0817748B}" dt="2019-05-12T18:55:15.896" v="1964" actId="164"/>
+          <ac:grpSpMkLst>
+            <pc:docMk/>
+            <pc:sldMk cId="3411230145" sldId="273"/>
+            <ac:grpSpMk id="11" creationId="{412571FD-F39A-466B-BA13-0EB40F9626EC}"/>
+          </ac:grpSpMkLst>
+        </pc:grpChg>
+        <pc:grpChg chg="add del mod">
+          <ac:chgData name="Nils Mechtel" userId="d365a3c7-8594-435f-9872-5455ceefc78f" providerId="ADAL" clId="{FEE5CBDF-FE29-4F9F-99B9-949F0817748B}" dt="2019-05-13T17:42:46.949" v="4027"/>
+          <ac:grpSpMkLst>
+            <pc:docMk/>
+            <pc:sldMk cId="3411230145" sldId="273"/>
+            <ac:grpSpMk id="11" creationId="{422370E7-28DA-4E72-9C6F-5990E7BDA6E9}"/>
+          </ac:grpSpMkLst>
+        </pc:grpChg>
+        <pc:grpChg chg="add del mod">
+          <ac:chgData name="Nils Mechtel" userId="d365a3c7-8594-435f-9872-5455ceefc78f" providerId="ADAL" clId="{FEE5CBDF-FE29-4F9F-99B9-949F0817748B}" dt="2019-05-13T17:42:46.949" v="4027"/>
+          <ac:grpSpMkLst>
+            <pc:docMk/>
+            <pc:sldMk cId="3411230145" sldId="273"/>
+            <ac:grpSpMk id="15" creationId="{D4FC7923-3C38-445F-86C4-EC0DAD393A24}"/>
+          </ac:grpSpMkLst>
+        </pc:grpChg>
+        <pc:grpChg chg="add del mod">
+          <ac:chgData name="Nils Mechtel" userId="d365a3c7-8594-435f-9872-5455ceefc78f" providerId="ADAL" clId="{FEE5CBDF-FE29-4F9F-99B9-949F0817748B}" dt="2019-05-12T18:19:19.053" v="1643" actId="478"/>
+          <ac:grpSpMkLst>
+            <pc:docMk/>
+            <pc:sldMk cId="3411230145" sldId="273"/>
+            <ac:grpSpMk id="17" creationId="{65F38F4B-9C8D-42D8-A56F-C207614023AD}"/>
+          </ac:grpSpMkLst>
+        </pc:grpChg>
+        <pc:grpChg chg="add del mod">
+          <ac:chgData name="Nils Mechtel" userId="d365a3c7-8594-435f-9872-5455ceefc78f" providerId="ADAL" clId="{FEE5CBDF-FE29-4F9F-99B9-949F0817748B}" dt="2019-05-13T17:42:46.949" v="4027"/>
+          <ac:grpSpMkLst>
+            <pc:docMk/>
+            <pc:sldMk cId="3411230145" sldId="273"/>
+            <ac:grpSpMk id="18" creationId="{1E2F72D5-4BC5-4DF4-AD27-BC085AE6FBBD}"/>
+          </ac:grpSpMkLst>
+        </pc:grpChg>
+        <pc:grpChg chg="add del mod">
+          <ac:chgData name="Nils Mechtel" userId="d365a3c7-8594-435f-9872-5455ceefc78f" providerId="ADAL" clId="{FEE5CBDF-FE29-4F9F-99B9-949F0817748B}" dt="2019-05-12T18:19:19.053" v="1643" actId="478"/>
+          <ac:grpSpMkLst>
+            <pc:docMk/>
+            <pc:sldMk cId="3411230145" sldId="273"/>
+            <ac:grpSpMk id="18" creationId="{79BC3948-D24F-40A3-A418-C325CA763443}"/>
+          </ac:grpSpMkLst>
+        </pc:grpChg>
+        <pc:grpChg chg="add del mod">
+          <ac:chgData name="Nils Mechtel" userId="d365a3c7-8594-435f-9872-5455ceefc78f" providerId="ADAL" clId="{FEE5CBDF-FE29-4F9F-99B9-949F0817748B}" dt="2019-05-12T18:19:19.053" v="1643" actId="478"/>
+          <ac:grpSpMkLst>
+            <pc:docMk/>
+            <pc:sldMk cId="3411230145" sldId="273"/>
+            <ac:grpSpMk id="19" creationId="{AFAAE7B4-602E-4454-B8B8-1C39B66B440E}"/>
+          </ac:grpSpMkLst>
+        </pc:grpChg>
+        <pc:grpChg chg="add mod">
+          <ac:chgData name="Nils Mechtel" userId="d365a3c7-8594-435f-9872-5455ceefc78f" providerId="ADAL" clId="{FEE5CBDF-FE29-4F9F-99B9-949F0817748B}" dt="2019-05-13T17:42:54.867" v="4029" actId="1076"/>
+          <ac:grpSpMkLst>
+            <pc:docMk/>
+            <pc:sldMk cId="3411230145" sldId="273"/>
+            <ac:grpSpMk id="22" creationId="{C41DAF9E-531A-4795-9827-B604A1DCE29F}"/>
+          </ac:grpSpMkLst>
+        </pc:grpChg>
+        <pc:grpChg chg="add mod">
+          <ac:chgData name="Nils Mechtel" userId="d365a3c7-8594-435f-9872-5455ceefc78f" providerId="ADAL" clId="{FEE5CBDF-FE29-4F9F-99B9-949F0817748B}" dt="2019-05-13T17:43:36.222" v="4038" actId="207"/>
+          <ac:grpSpMkLst>
+            <pc:docMk/>
+            <pc:sldMk cId="3411230145" sldId="273"/>
+            <ac:grpSpMk id="25" creationId="{A55C85E5-C0B2-4FB4-BCD9-7EA702EAE2AD}"/>
+          </ac:grpSpMkLst>
+        </pc:grpChg>
+        <pc:grpChg chg="add mod">
+          <ac:chgData name="Nils Mechtel" userId="d365a3c7-8594-435f-9872-5455ceefc78f" providerId="ADAL" clId="{FEE5CBDF-FE29-4F9F-99B9-949F0817748B}" dt="2019-05-13T17:43:36.222" v="4038" actId="207"/>
+          <ac:grpSpMkLst>
+            <pc:docMk/>
+            <pc:sldMk cId="3411230145" sldId="273"/>
+            <ac:grpSpMk id="28" creationId="{3E9AC1B6-5908-491E-85D9-A943A7AF06CE}"/>
+          </ac:grpSpMkLst>
+        </pc:grpChg>
+        <pc:grpChg chg="add mod">
+          <ac:chgData name="Nils Mechtel" userId="d365a3c7-8594-435f-9872-5455ceefc78f" providerId="ADAL" clId="{FEE5CBDF-FE29-4F9F-99B9-949F0817748B}" dt="2019-05-13T17:43:36.222" v="4038" actId="207"/>
+          <ac:grpSpMkLst>
+            <pc:docMk/>
+            <pc:sldMk cId="3411230145" sldId="273"/>
+            <ac:grpSpMk id="31" creationId="{F5027BF5-5BF3-4EAE-BE4A-7FEFAA1E54D9}"/>
+          </ac:grpSpMkLst>
+        </pc:grpChg>
+        <pc:graphicFrameChg chg="add del mod">
+          <ac:chgData name="Nils Mechtel" userId="d365a3c7-8594-435f-9872-5455ceefc78f" providerId="ADAL" clId="{FEE5CBDF-FE29-4F9F-99B9-949F0817748B}" dt="2019-05-12T18:20:13.500" v="1654" actId="478"/>
+          <ac:graphicFrameMkLst>
+            <pc:docMk/>
+            <pc:sldMk cId="3411230145" sldId="273"/>
+            <ac:graphicFrameMk id="10" creationId="{9E6F7D7A-BB00-4D7F-B827-28C353786F15}"/>
+          </ac:graphicFrameMkLst>
+        </pc:graphicFrameChg>
+        <pc:graphicFrameChg chg="add del mod">
+          <ac:chgData name="Nils Mechtel" userId="d365a3c7-8594-435f-9872-5455ceefc78f" providerId="ADAL" clId="{FEE5CBDF-FE29-4F9F-99B9-949F0817748B}" dt="2019-05-13T17:42:58.098" v="4030" actId="478"/>
+          <ac:graphicFrameMkLst>
+            <pc:docMk/>
+            <pc:sldMk cId="3411230145" sldId="273"/>
+            <ac:graphicFrameMk id="19" creationId="{3F5E2AB5-EFA4-4675-93F6-6E42E5962DD0}"/>
+          </ac:graphicFrameMkLst>
+        </pc:graphicFrameChg>
+        <pc:graphicFrameChg chg="add del mod">
+          <ac:chgData name="Nils Mechtel" userId="d365a3c7-8594-435f-9872-5455ceefc78f" providerId="ADAL" clId="{FEE5CBDF-FE29-4F9F-99B9-949F0817748B}" dt="2019-05-12T18:22:57.316" v="1668" actId="478"/>
+          <ac:graphicFrameMkLst>
+            <pc:docMk/>
+            <pc:sldMk cId="3411230145" sldId="273"/>
+            <ac:graphicFrameMk id="26" creationId="{19CF3D7D-2935-4527-9C95-7E7BE55779F3}"/>
+          </ac:graphicFrameMkLst>
+        </pc:graphicFrameChg>
+        <pc:graphicFrameChg chg="add del mod">
+          <ac:chgData name="Nils Mechtel" userId="d365a3c7-8594-435f-9872-5455ceefc78f" providerId="ADAL" clId="{FEE5CBDF-FE29-4F9F-99B9-949F0817748B}" dt="2019-05-13T11:06:37.183" v="2929" actId="478"/>
+          <ac:graphicFrameMkLst>
+            <pc:docMk/>
+            <pc:sldMk cId="3411230145" sldId="273"/>
+            <ac:graphicFrameMk id="27" creationId="{F5786443-EC85-4C9A-BFDE-3628153A11CD}"/>
+          </ac:graphicFrameMkLst>
+        </pc:graphicFrameChg>
+        <pc:picChg chg="mod">
+          <ac:chgData name="Nils Mechtel" userId="d365a3c7-8594-435f-9872-5455ceefc78f" providerId="ADAL" clId="{FEE5CBDF-FE29-4F9F-99B9-949F0817748B}" dt="2019-05-12T18:53:54.779" v="1951" actId="164"/>
+          <ac:picMkLst>
+            <pc:docMk/>
+            <pc:sldMk cId="3411230145" sldId="273"/>
+            <ac:picMk id="4" creationId="{CCBAA50D-C4B0-4644-A51E-8BCA1BB33D23}"/>
+          </ac:picMkLst>
+        </pc:picChg>
+        <pc:picChg chg="add del mod">
+          <ac:chgData name="Nils Mechtel" userId="d365a3c7-8594-435f-9872-5455ceefc78f" providerId="ADAL" clId="{FEE5CBDF-FE29-4F9F-99B9-949F0817748B}" dt="2019-05-12T18:56:23.318" v="1982" actId="1076"/>
+          <ac:picMkLst>
+            <pc:docMk/>
+            <pc:sldMk cId="3411230145" sldId="273"/>
+            <ac:picMk id="15" creationId="{04103547-35DB-46E5-80B5-C2C74F5EF020}"/>
+          </ac:picMkLst>
+        </pc:picChg>
+        <pc:inkChg chg="mod">
+          <ac:chgData name="Nils Mechtel" userId="d365a3c7-8594-435f-9872-5455ceefc78f" providerId="ADAL" clId="{FEE5CBDF-FE29-4F9F-99B9-949F0817748B}" dt="2019-05-12T18:30:34.233" v="1731" actId="1076"/>
+          <ac:inkMkLst>
+            <pc:docMk/>
+            <pc:sldMk cId="3411230145" sldId="273"/>
+            <ac:inkMk id="14" creationId="{E289F72B-A0C0-4451-9F0F-81F1731DBDC5}"/>
+          </ac:inkMkLst>
+        </pc:inkChg>
+      </pc:sldChg>
+      <pc:sldChg chg="addSp delSp modSp add modTransition modAnim delCm modNotesTx">
+        <pc:chgData name="Nils Mechtel" userId="d365a3c7-8594-435f-9872-5455ceefc78f" providerId="ADAL" clId="{FEE5CBDF-FE29-4F9F-99B9-949F0817748B}" dt="2019-05-15T11:44:32.979" v="6008" actId="1592"/>
+        <pc:sldMkLst>
+          <pc:docMk/>
+          <pc:sldMk cId="381550320" sldId="276"/>
+        </pc:sldMkLst>
+        <pc:spChg chg="del">
+          <ac:chgData name="Nils Mechtel" userId="d365a3c7-8594-435f-9872-5455ceefc78f" providerId="ADAL" clId="{FEE5CBDF-FE29-4F9F-99B9-949F0817748B}" dt="2019-05-13T11:18:22.436" v="2988" actId="478"/>
+          <ac:spMkLst>
+            <pc:docMk/>
+            <pc:sldMk cId="381550320" sldId="276"/>
+            <ac:spMk id="5" creationId="{A50493A2-4AD0-4DAC-95CA-DEF04F4085A3}"/>
+          </ac:spMkLst>
+        </pc:spChg>
+        <pc:spChg chg="del">
+          <ac:chgData name="Nils Mechtel" userId="d365a3c7-8594-435f-9872-5455ceefc78f" providerId="ADAL" clId="{FEE5CBDF-FE29-4F9F-99B9-949F0817748B}" dt="2019-05-13T11:18:15.465" v="2986" actId="478"/>
+          <ac:spMkLst>
+            <pc:docMk/>
+            <pc:sldMk cId="381550320" sldId="276"/>
+            <ac:spMk id="6" creationId="{9EABE0BA-7501-4B87-B287-067D38A035BF}"/>
+          </ac:spMkLst>
+        </pc:spChg>
+        <pc:spChg chg="add mod">
+          <ac:chgData name="Nils Mechtel" userId="d365a3c7-8594-435f-9872-5455ceefc78f" providerId="ADAL" clId="{FEE5CBDF-FE29-4F9F-99B9-949F0817748B}" dt="2019-05-14T21:13:46.198" v="5980" actId="20577"/>
+          <ac:spMkLst>
+            <pc:docMk/>
+            <pc:sldMk cId="381550320" sldId="276"/>
+            <ac:spMk id="8" creationId="{9B50F7CF-113D-47BB-9B2C-8B9E1D976F1C}"/>
+          </ac:spMkLst>
+        </pc:spChg>
+        <pc:spChg chg="mod">
+          <ac:chgData name="Nils Mechtel" userId="d365a3c7-8594-435f-9872-5455ceefc78f" providerId="ADAL" clId="{FEE5CBDF-FE29-4F9F-99B9-949F0817748B}" dt="2019-05-14T13:01:26.188" v="4562" actId="20577"/>
+          <ac:spMkLst>
+            <pc:docMk/>
+            <pc:sldMk cId="381550320" sldId="276"/>
+            <ac:spMk id="11" creationId="{8BE02F4C-8A0F-44AD-8060-D42969FC82C5}"/>
+          </ac:spMkLst>
+        </pc:spChg>
+        <pc:spChg chg="add mod">
+          <ac:chgData name="Nils Mechtel" userId="d365a3c7-8594-435f-9872-5455ceefc78f" providerId="ADAL" clId="{FEE5CBDF-FE29-4F9F-99B9-949F0817748B}" dt="2019-05-15T08:34:40.230" v="5993" actId="14100"/>
+          <ac:spMkLst>
+            <pc:docMk/>
+            <pc:sldMk cId="381550320" sldId="276"/>
+            <ac:spMk id="18" creationId="{EE100CF8-C7C5-4AC1-A535-AA626C2F31BE}"/>
+          </ac:spMkLst>
+        </pc:spChg>
+        <pc:spChg chg="add mod">
+          <ac:chgData name="Nils Mechtel" userId="d365a3c7-8594-435f-9872-5455ceefc78f" providerId="ADAL" clId="{FEE5CBDF-FE29-4F9F-99B9-949F0817748B}" dt="2019-05-14T19:55:40.590" v="5633" actId="1076"/>
+          <ac:spMkLst>
+            <pc:docMk/>
+            <pc:sldMk cId="381550320" sldId="276"/>
+            <ac:spMk id="19" creationId="{B9B66A64-7773-4F85-8514-6AC7A9689207}"/>
+          </ac:spMkLst>
+        </pc:spChg>
+        <pc:grpChg chg="add mod">
+          <ac:chgData name="Nils Mechtel" userId="d365a3c7-8594-435f-9872-5455ceefc78f" providerId="ADAL" clId="{FEE5CBDF-FE29-4F9F-99B9-949F0817748B}" dt="2019-05-13T17:43:53.054" v="4040" actId="207"/>
+          <ac:grpSpMkLst>
+            <pc:docMk/>
+            <pc:sldMk cId="381550320" sldId="276"/>
+            <ac:grpSpMk id="4" creationId="{D4E0FDD8-FC08-49B8-B838-ECD3494D68C4}"/>
+          </ac:grpSpMkLst>
+        </pc:grpChg>
+        <pc:grpChg chg="add mod">
+          <ac:chgData name="Nils Mechtel" userId="d365a3c7-8594-435f-9872-5455ceefc78f" providerId="ADAL" clId="{FEE5CBDF-FE29-4F9F-99B9-949F0817748B}" dt="2019-05-13T17:45:15.885" v="4046" actId="1076"/>
+          <ac:grpSpMkLst>
+            <pc:docMk/>
+            <pc:sldMk cId="381550320" sldId="276"/>
+            <ac:grpSpMk id="9" creationId="{B2D2BA94-8470-41B4-B22C-8575B177D6DF}"/>
+          </ac:grpSpMkLst>
+        </pc:grpChg>
+        <pc:grpChg chg="add">
+          <ac:chgData name="Nils Mechtel" userId="d365a3c7-8594-435f-9872-5455ceefc78f" providerId="ADAL" clId="{FEE5CBDF-FE29-4F9F-99B9-949F0817748B}" dt="2019-05-13T17:43:25.215" v="4037"/>
+          <ac:grpSpMkLst>
+            <pc:docMk/>
+            <pc:sldMk cId="381550320" sldId="276"/>
+            <ac:grpSpMk id="12" creationId="{D699A00E-9769-4FFA-8107-F478AB37F638}"/>
+          </ac:grpSpMkLst>
+        </pc:grpChg>
+        <pc:grpChg chg="add mod">
+          <ac:chgData name="Nils Mechtel" userId="d365a3c7-8594-435f-9872-5455ceefc78f" providerId="ADAL" clId="{FEE5CBDF-FE29-4F9F-99B9-949F0817748B}" dt="2019-05-13T17:43:53.054" v="4040" actId="207"/>
+          <ac:grpSpMkLst>
+            <pc:docMk/>
+            <pc:sldMk cId="381550320" sldId="276"/>
+            <ac:grpSpMk id="15" creationId="{AEEF9130-B604-4D2E-8C65-521B04C3A9D1}"/>
+          </ac:grpSpMkLst>
+        </pc:grpChg>
+        <pc:graphicFrameChg chg="del mod">
+          <ac:chgData name="Nils Mechtel" userId="d365a3c7-8594-435f-9872-5455ceefc78f" providerId="ADAL" clId="{FEE5CBDF-FE29-4F9F-99B9-949F0817748B}" dt="2019-05-13T17:43:17.544" v="4034" actId="478"/>
+          <ac:graphicFrameMkLst>
+            <pc:docMk/>
+            <pc:sldMk cId="381550320" sldId="276"/>
+            <ac:graphicFrameMk id="7" creationId="{F1A949C7-C9CF-4C02-BE5E-DA666970FF15}"/>
+          </ac:graphicFrameMkLst>
+        </pc:graphicFrameChg>
+        <pc:picChg chg="add del mod ord">
+          <ac:chgData name="Nils Mechtel" userId="d365a3c7-8594-435f-9872-5455ceefc78f" providerId="ADAL" clId="{FEE5CBDF-FE29-4F9F-99B9-949F0817748B}" dt="2019-05-14T19:53:37.717" v="5626" actId="478"/>
+          <ac:picMkLst>
+            <pc:docMk/>
+            <pc:sldMk cId="381550320" sldId="276"/>
+            <ac:picMk id="2" creationId="{56B25342-1DB6-4E81-A26D-D8B9F485FC55}"/>
+          </ac:picMkLst>
+        </pc:picChg>
+        <pc:picChg chg="add mod">
+          <ac:chgData name="Nils Mechtel" userId="d365a3c7-8594-435f-9872-5455ceefc78f" providerId="ADAL" clId="{FEE5CBDF-FE29-4F9F-99B9-949F0817748B}" dt="2019-05-14T19:54:56.878" v="5631" actId="14100"/>
+          <ac:picMkLst>
+            <pc:docMk/>
+            <pc:sldMk cId="381550320" sldId="276"/>
+            <ac:picMk id="3" creationId="{9D9FCB56-88B2-44D7-8F52-19F4865DC823}"/>
+          </ac:picMkLst>
+        </pc:picChg>
+        <pc:picChg chg="del">
+          <ac:chgData name="Nils Mechtel" userId="d365a3c7-8594-435f-9872-5455ceefc78f" providerId="ADAL" clId="{FEE5CBDF-FE29-4F9F-99B9-949F0817748B}" dt="2019-05-13T11:18:18.556" v="2987" actId="478"/>
+          <ac:picMkLst>
+            <pc:docMk/>
+            <pc:sldMk cId="381550320" sldId="276"/>
+            <ac:picMk id="3" creationId="{F756ED82-523F-4235-8B64-1586CEDEA374}"/>
+          </ac:picMkLst>
+        </pc:picChg>
+        <pc:picChg chg="del">
+          <ac:chgData name="Nils Mechtel" userId="d365a3c7-8594-435f-9872-5455ceefc78f" providerId="ADAL" clId="{FEE5CBDF-FE29-4F9F-99B9-949F0817748B}" dt="2019-05-13T11:18:22.436" v="2988" actId="478"/>
+          <ac:picMkLst>
+            <pc:docMk/>
+            <pc:sldMk cId="381550320" sldId="276"/>
+            <ac:picMk id="4" creationId="{A053DF1E-D0B7-4C6B-886D-4930CA292F7A}"/>
+          </ac:picMkLst>
+        </pc:picChg>
+      </pc:sldChg>
+      <pc:sldChg chg="modSp add modTransition modAnim delCm modNotesTx">
+        <pc:chgData name="Nils Mechtel" userId="d365a3c7-8594-435f-9872-5455ceefc78f" providerId="ADAL" clId="{FEE5CBDF-FE29-4F9F-99B9-949F0817748B}" dt="2019-05-15T11:44:19.806" v="6006" actId="113"/>
+        <pc:sldMkLst>
+          <pc:docMk/>
+          <pc:sldMk cId="3789531484" sldId="277"/>
+        </pc:sldMkLst>
+        <pc:spChg chg="mod">
+          <ac:chgData name="Nils Mechtel" userId="d365a3c7-8594-435f-9872-5455ceefc78f" providerId="ADAL" clId="{FEE5CBDF-FE29-4F9F-99B9-949F0817748B}" dt="2019-05-14T20:54:43.184" v="5915" actId="790"/>
+          <ac:spMkLst>
+            <pc:docMk/>
+            <pc:sldMk cId="3789531484" sldId="277"/>
+            <ac:spMk id="2" creationId="{DFE74C15-1D99-4C8D-B6EC-50127701BE63}"/>
+          </ac:spMkLst>
+        </pc:spChg>
+        <pc:spChg chg="mod">
+          <ac:chgData name="Nils Mechtel" userId="d365a3c7-8594-435f-9872-5455ceefc78f" providerId="ADAL" clId="{FEE5CBDF-FE29-4F9F-99B9-949F0817748B}" dt="2019-05-15T07:48:06.884" v="5990" actId="20577"/>
+          <ac:spMkLst>
+            <pc:docMk/>
+            <pc:sldMk cId="3789531484" sldId="277"/>
+            <ac:spMk id="6" creationId="{9EABE0BA-7501-4B87-B287-067D38A035BF}"/>
+          </ac:spMkLst>
+        </pc:spChg>
+      </pc:sldChg>
+      <pc:sldChg chg="delSp modSp add ord modTransition">
+        <pc:chgData name="Nils Mechtel" userId="d365a3c7-8594-435f-9872-5455ceefc78f" providerId="ADAL" clId="{FEE5CBDF-FE29-4F9F-99B9-949F0817748B}" dt="2019-05-14T20:19:25.695" v="5869"/>
+        <pc:sldMkLst>
+          <pc:docMk/>
+          <pc:sldMk cId="2813258137" sldId="280"/>
+        </pc:sldMkLst>
+        <pc:spChg chg="del mod">
+          <ac:chgData name="Nils Mechtel" userId="d365a3c7-8594-435f-9872-5455ceefc78f" providerId="ADAL" clId="{FEE5CBDF-FE29-4F9F-99B9-949F0817748B}" dt="2019-05-14T20:07:11.351" v="5650" actId="478"/>
+          <ac:spMkLst>
+            <pc:docMk/>
+            <pc:sldMk cId="2813258137" sldId="280"/>
+            <ac:spMk id="2" creationId="{1AD6BE74-C148-45F5-A49F-1D57CB38CDC0}"/>
+          </ac:spMkLst>
+        </pc:spChg>
+        <pc:spChg chg="mod">
+          <ac:chgData name="Nils Mechtel" userId="d365a3c7-8594-435f-9872-5455ceefc78f" providerId="ADAL" clId="{FEE5CBDF-FE29-4F9F-99B9-949F0817748B}" dt="2019-05-14T20:17:42.663" v="5860" actId="1076"/>
+          <ac:spMkLst>
+            <pc:docMk/>
+            <pc:sldMk cId="2813258137" sldId="280"/>
+            <ac:spMk id="3" creationId="{81862294-C6C8-4267-9EC4-FCE207C21611}"/>
+          </ac:spMkLst>
+        </pc:spChg>
+      </pc:sldChg>
+    </pc:docChg>
+  </pc:docChgLst>
+  <pc:docChgLst>
+    <pc:chgData name="niklas.kronos@gmail.com" userId="S::urn:spo:guest#niklas.kronos@gmail.com::" providerId="AD" clId="Web-{D379BF8A-BE76-E467-2798-A142A7104027}"/>
+    <pc:docChg chg="modSld">
+      <pc:chgData name="niklas.kronos@gmail.com" userId="S::urn:spo:guest#niklas.kronos@gmail.com::" providerId="AD" clId="Web-{D379BF8A-BE76-E467-2798-A142A7104027}" dt="2019-05-14T19:51:31.877" v="36"/>
+      <pc:docMkLst>
+        <pc:docMk/>
+      </pc:docMkLst>
+      <pc:sldChg chg="addSp modSp addAnim modAnim">
+        <pc:chgData name="niklas.kronos@gmail.com" userId="S::urn:spo:guest#niklas.kronos@gmail.com::" providerId="AD" clId="Web-{D379BF8A-BE76-E467-2798-A142A7104027}" dt="2019-05-14T19:51:31.877" v="36"/>
+        <pc:sldMkLst>
+          <pc:docMk/>
+          <pc:sldMk cId="3789531484" sldId="277"/>
+        </pc:sldMkLst>
+        <pc:spChg chg="add mod">
+          <ac:chgData name="niklas.kronos@gmail.com" userId="S::urn:spo:guest#niklas.kronos@gmail.com::" providerId="AD" clId="Web-{D379BF8A-BE76-E467-2798-A142A7104027}" dt="2019-05-14T19:50:33.846" v="34" actId="1076"/>
+          <ac:spMkLst>
+            <pc:docMk/>
+            <pc:sldMk cId="3789531484" sldId="277"/>
+            <ac:spMk id="3" creationId="{41D62092-D107-43EB-A8A0-77404DF5FF21}"/>
+          </ac:spMkLst>
+        </pc:spChg>
+      </pc:sldChg>
+    </pc:docChg>
+  </pc:docChgLst>
+  <pc:docChgLst>
+    <pc:chgData name="niklas.kronos@gmail.com" userId="S::urn:spo:guest#niklas.kronos@gmail.com::" providerId="AD" clId="Web-{6DDFACA9-CBF4-4764-90C9-54C0BCBDB7E7}"/>
+    <pc:docChg chg="addSld modSld sldOrd modSection">
+      <pc:chgData name="niklas.kronos@gmail.com" userId="S::urn:spo:guest#niklas.kronos@gmail.com::" providerId="AD" clId="Web-{6DDFACA9-CBF4-4764-90C9-54C0BCBDB7E7}" dt="2019-05-11T12:58:17.232" v="461"/>
+      <pc:docMkLst>
+        <pc:docMk/>
+      </pc:docMkLst>
+      <pc:sldChg chg="modSp new">
+        <pc:chgData name="niklas.kronos@gmail.com" userId="S::urn:spo:guest#niklas.kronos@gmail.com::" providerId="AD" clId="Web-{6DDFACA9-CBF4-4764-90C9-54C0BCBDB7E7}" dt="2019-05-11T12:56:59.386" v="453" actId="20577"/>
+        <pc:sldMkLst>
+          <pc:docMk/>
+          <pc:sldMk cId="2828272781" sldId="260"/>
+        </pc:sldMkLst>
+        <pc:spChg chg="mod">
+          <ac:chgData name="niklas.kronos@gmail.com" userId="S::urn:spo:guest#niklas.kronos@gmail.com::" providerId="AD" clId="Web-{6DDFACA9-CBF4-4764-90C9-54C0BCBDB7E7}" dt="2019-05-11T12:56:13.041" v="450" actId="20577"/>
+          <ac:spMkLst>
+            <pc:docMk/>
+            <pc:sldMk cId="2828272781" sldId="260"/>
+            <ac:spMk id="2" creationId="{D099CFC0-58E8-4594-908D-B69CA1A0976B}"/>
+          </ac:spMkLst>
+        </pc:spChg>
+        <pc:spChg chg="mod">
+          <ac:chgData name="niklas.kronos@gmail.com" userId="S::urn:spo:guest#niklas.kronos@gmail.com::" providerId="AD" clId="Web-{6DDFACA9-CBF4-4764-90C9-54C0BCBDB7E7}" dt="2019-05-11T12:56:59.386" v="453" actId="20577"/>
+          <ac:spMkLst>
+            <pc:docMk/>
+            <pc:sldMk cId="2828272781" sldId="260"/>
+            <ac:spMk id="3" creationId="{C246E4BD-1BE0-408D-A950-BB322F35E38E}"/>
+          </ac:spMkLst>
+        </pc:spChg>
+      </pc:sldChg>
+      <pc:sldChg chg="modSp new">
+        <pc:chgData name="niklas.kronos@gmail.com" userId="S::urn:spo:guest#niklas.kronos@gmail.com::" providerId="AD" clId="Web-{6DDFACA9-CBF4-4764-90C9-54C0BCBDB7E7}" dt="2019-05-11T12:52:33.690" v="447" actId="20577"/>
+        <pc:sldMkLst>
+          <pc:docMk/>
+          <pc:sldMk cId="3854328160" sldId="264"/>
+        </pc:sldMkLst>
+        <pc:spChg chg="mod">
+          <ac:chgData name="niklas.kronos@gmail.com" userId="S::urn:spo:guest#niklas.kronos@gmail.com::" providerId="AD" clId="Web-{6DDFACA9-CBF4-4764-90C9-54C0BCBDB7E7}" dt="2019-05-11T12:52:33.690" v="447" actId="20577"/>
+          <ac:spMkLst>
+            <pc:docMk/>
+            <pc:sldMk cId="3854328160" sldId="264"/>
+            <ac:spMk id="2" creationId="{9E101124-9171-45B7-8FA2-3601FA64CB8B}"/>
+          </ac:spMkLst>
+        </pc:spChg>
+      </pc:sldChg>
+    </pc:docChg>
+  </pc:docChgLst>
+  <pc:docChgLst>
+    <pc:chgData name="niklas.kronos@gmail.com" userId="S::urn:spo:guest#niklas.kronos@gmail.com::" providerId="AD" clId="Web-{9501EFDE-D2BB-C6E8-F3AF-6E526D224B73}"/>
+    <pc:docChg chg="delSld modSld modSection">
+      <pc:chgData name="niklas.kronos@gmail.com" userId="S::urn:spo:guest#niklas.kronos@gmail.com::" providerId="AD" clId="Web-{9501EFDE-D2BB-C6E8-F3AF-6E526D224B73}" dt="2019-05-13T16:30:27.997" v="368" actId="1076"/>
+      <pc:docMkLst>
+        <pc:docMk/>
+      </pc:docMkLst>
+      <pc:sldChg chg="modSp">
+        <pc:chgData name="niklas.kronos@gmail.com" userId="S::urn:spo:guest#niklas.kronos@gmail.com::" providerId="AD" clId="Web-{9501EFDE-D2BB-C6E8-F3AF-6E526D224B73}" dt="2019-05-13T15:51:29.969" v="362" actId="1076"/>
+        <pc:sldMkLst>
+          <pc:docMk/>
+          <pc:sldMk cId="2484908466" sldId="256"/>
+        </pc:sldMkLst>
+        <pc:spChg chg="mod">
+          <ac:chgData name="niklas.kronos@gmail.com" userId="S::urn:spo:guest#niklas.kronos@gmail.com::" providerId="AD" clId="Web-{9501EFDE-D2BB-C6E8-F3AF-6E526D224B73}" dt="2019-05-13T15:51:29.969" v="362" actId="1076"/>
+          <ac:spMkLst>
+            <pc:docMk/>
+            <pc:sldMk cId="2484908466" sldId="256"/>
+            <ac:spMk id="4" creationId="{881BF236-5E18-4066-A6E6-871AA4B9AE8C}"/>
+          </ac:spMkLst>
+        </pc:spChg>
+      </pc:sldChg>
+      <pc:sldChg chg="modSp">
+        <pc:chgData name="niklas.kronos@gmail.com" userId="S::urn:spo:guest#niklas.kronos@gmail.com::" providerId="AD" clId="Web-{9501EFDE-D2BB-C6E8-F3AF-6E526D224B73}" dt="2019-05-13T16:30:27.997" v="368" actId="1076"/>
+        <pc:sldMkLst>
+          <pc:docMk/>
+          <pc:sldMk cId="2923162179" sldId="266"/>
+        </pc:sldMkLst>
+        <pc:picChg chg="mod">
+          <ac:chgData name="niklas.kronos@gmail.com" userId="S::urn:spo:guest#niklas.kronos@gmail.com::" providerId="AD" clId="Web-{9501EFDE-D2BB-C6E8-F3AF-6E526D224B73}" dt="2019-05-13T16:30:27.997" v="368" actId="1076"/>
+          <ac:picMkLst>
+            <pc:docMk/>
+            <pc:sldMk cId="2923162179" sldId="266"/>
+            <ac:picMk id="10" creationId="{C90D6B81-78E5-40AC-91FA-9B7CAC5D54EF}"/>
+          </ac:picMkLst>
+        </pc:picChg>
+      </pc:sldChg>
+      <pc:sldChg chg="delSp delAnim">
+        <pc:chgData name="niklas.kronos@gmail.com" userId="S::urn:spo:guest#niklas.kronos@gmail.com::" providerId="AD" clId="Web-{9501EFDE-D2BB-C6E8-F3AF-6E526D224B73}" dt="2019-05-13T14:02:06.399" v="0"/>
+        <pc:sldMkLst>
+          <pc:docMk/>
+          <pc:sldMk cId="3411230145" sldId="273"/>
+        </pc:sldMkLst>
+        <pc:grpChg chg="del">
+          <ac:chgData name="niklas.kronos@gmail.com" userId="S::urn:spo:guest#niklas.kronos@gmail.com::" providerId="AD" clId="Web-{9501EFDE-D2BB-C6E8-F3AF-6E526D224B73}" dt="2019-05-13T14:02:06.399" v="0"/>
+          <ac:grpSpMkLst>
+            <pc:docMk/>
+            <pc:sldMk cId="3411230145" sldId="273"/>
+            <ac:grpSpMk id="10" creationId="{79924885-AE3E-40A3-AACF-C3A07E84A7DE}"/>
+          </ac:grpSpMkLst>
+        </pc:grpChg>
+      </pc:sldChg>
+    </pc:docChg>
+  </pc:docChgLst>
+  <pc:docChgLst>
+    <pc:chgData name="pascal.poc.pp@gmail.com" userId="S::urn:spo:guest#pascal.poc.pp@gmail.com::" providerId="AD" clId="Web-{0570BBE3-6DC8-40D8-BD4A-2B8883141892}"/>
+    <pc:docChg chg="addSld modSld sldOrd modSection">
+      <pc:chgData name="pascal.poc.pp@gmail.com" userId="S::urn:spo:guest#pascal.poc.pp@gmail.com::" providerId="AD" clId="Web-{0570BBE3-6DC8-40D8-BD4A-2B8883141892}" dt="2019-05-11T12:50:03.329" v="69" actId="1076"/>
+      <pc:docMkLst>
+        <pc:docMk/>
+      </pc:docMkLst>
+    </pc:docChg>
+  </pc:docChgLst>
+  <pc:docChgLst>
+    <pc:chgData name="pascal.poc.pp@gmail.com" userId="S::urn:spo:guest#pascal.poc.pp@gmail.com::" providerId="AD" clId="Web-{56C3E720-CDF3-A010-A1A3-4574DA1E94EA}"/>
+    <pc:docChg chg="modSld">
+      <pc:chgData name="pascal.poc.pp@gmail.com" userId="S::urn:spo:guest#pascal.poc.pp@gmail.com::" providerId="AD" clId="Web-{56C3E720-CDF3-A010-A1A3-4574DA1E94EA}" dt="2019-05-11T15:54:47.577" v="91" actId="20577"/>
+      <pc:docMkLst>
+        <pc:docMk/>
+      </pc:docMkLst>
+      <pc:sldChg chg="addSp delSp modSp">
+        <pc:chgData name="pascal.poc.pp@gmail.com" userId="S::urn:spo:guest#pascal.poc.pp@gmail.com::" providerId="AD" clId="Web-{56C3E720-CDF3-A010-A1A3-4574DA1E94EA}" dt="2019-05-11T13:27:18.818" v="81"/>
+        <pc:sldMkLst>
+          <pc:docMk/>
+          <pc:sldMk cId="2484908466" sldId="256"/>
+        </pc:sldMkLst>
+        <pc:picChg chg="add mod">
+          <ac:chgData name="pascal.poc.pp@gmail.com" userId="S::urn:spo:guest#pascal.poc.pp@gmail.com::" providerId="AD" clId="Web-{56C3E720-CDF3-A010-A1A3-4574DA1E94EA}" dt="2019-05-11T13:26:59.615" v="71"/>
+          <ac:picMkLst>
+            <pc:docMk/>
+            <pc:sldMk cId="2484908466" sldId="256"/>
+            <ac:picMk id="4" creationId="{C728CAA1-EB3A-41AC-9581-451969D49BD6}"/>
+          </ac:picMkLst>
+        </pc:picChg>
+        <pc:picChg chg="add mod">
+          <ac:chgData name="pascal.poc.pp@gmail.com" userId="S::urn:spo:guest#pascal.poc.pp@gmail.com::" providerId="AD" clId="Web-{56C3E720-CDF3-A010-A1A3-4574DA1E94EA}" dt="2019-05-11T13:27:00.724" v="72"/>
+          <ac:picMkLst>
+            <pc:docMk/>
+            <pc:sldMk cId="2484908466" sldId="256"/>
+            <ac:picMk id="6" creationId="{169773D3-B81F-4930-A855-69568BB65473}"/>
+          </ac:picMkLst>
+        </pc:picChg>
+        <pc:picChg chg="add del mod">
+          <ac:chgData name="pascal.poc.pp@gmail.com" userId="S::urn:spo:guest#pascal.poc.pp@gmail.com::" providerId="AD" clId="Web-{56C3E720-CDF3-A010-A1A3-4574DA1E94EA}" dt="2019-05-11T13:27:16.240" v="80"/>
+          <ac:picMkLst>
+            <pc:docMk/>
+            <pc:sldMk cId="2484908466" sldId="256"/>
+            <ac:picMk id="8" creationId="{B96EA895-A9AE-4F2C-A40A-875A522267EB}"/>
+          </ac:picMkLst>
+        </pc:picChg>
+        <pc:picChg chg="add mod">
+          <ac:chgData name="pascal.poc.pp@gmail.com" userId="S::urn:spo:guest#pascal.poc.pp@gmail.com::" providerId="AD" clId="Web-{56C3E720-CDF3-A010-A1A3-4574DA1E94EA}" dt="2019-05-11T13:27:02.490" v="74"/>
+          <ac:picMkLst>
+            <pc:docMk/>
+            <pc:sldMk cId="2484908466" sldId="256"/>
+            <ac:picMk id="10" creationId="{BEC75E34-2625-41DA-9A12-216768360BFF}"/>
+          </ac:picMkLst>
+        </pc:picChg>
+        <pc:picChg chg="add del mod">
+          <ac:chgData name="pascal.poc.pp@gmail.com" userId="S::urn:spo:guest#pascal.poc.pp@gmail.com::" providerId="AD" clId="Web-{56C3E720-CDF3-A010-A1A3-4574DA1E94EA}" dt="2019-05-11T13:27:14.053" v="79"/>
+          <ac:picMkLst>
+            <pc:docMk/>
+            <pc:sldMk cId="2484908466" sldId="256"/>
+            <ac:picMk id="12" creationId="{7279ACA1-E6D7-4F2C-8916-746597108681}"/>
+          </ac:picMkLst>
+        </pc:picChg>
+        <pc:picChg chg="add del mod">
+          <ac:chgData name="pascal.poc.pp@gmail.com" userId="S::urn:spo:guest#pascal.poc.pp@gmail.com::" providerId="AD" clId="Web-{56C3E720-CDF3-A010-A1A3-4574DA1E94EA}" dt="2019-05-11T13:27:18.818" v="81"/>
+          <ac:picMkLst>
+            <pc:docMk/>
+            <pc:sldMk cId="2484908466" sldId="256"/>
+            <ac:picMk id="14" creationId="{4FAA9DE7-277E-4A8D-BB70-3049352958E4}"/>
+          </ac:picMkLst>
+        </pc:picChg>
+        <pc:picChg chg="add mod">
+          <ac:chgData name="pascal.poc.pp@gmail.com" userId="S::urn:spo:guest#pascal.poc.pp@gmail.com::" providerId="AD" clId="Web-{56C3E720-CDF3-A010-A1A3-4574DA1E94EA}" dt="2019-05-11T13:27:03.271" v="77"/>
+          <ac:picMkLst>
+            <pc:docMk/>
+            <pc:sldMk cId="2484908466" sldId="256"/>
+            <ac:picMk id="16" creationId="{2D008AF7-82D1-4E7A-A0C4-EAAA22844CAC}"/>
+          </ac:picMkLst>
+        </pc:picChg>
+        <pc:picChg chg="del">
+          <ac:chgData name="pascal.poc.pp@gmail.com" userId="S::urn:spo:guest#pascal.poc.pp@gmail.com::" providerId="AD" clId="Web-{56C3E720-CDF3-A010-A1A3-4574DA1E94EA}" dt="2019-05-11T13:27:11.615" v="78"/>
+          <ac:picMkLst>
+            <pc:docMk/>
+            <pc:sldMk cId="2484908466" sldId="256"/>
+            <ac:picMk id="59" creationId="{59EC7E78-8577-4C9F-BED9-EDAF7EE0AA9C}"/>
+          </ac:picMkLst>
+        </pc:picChg>
+      </pc:sldChg>
+      <pc:sldChg chg="modSp">
+        <pc:chgData name="pascal.poc.pp@gmail.com" userId="S::urn:spo:guest#pascal.poc.pp@gmail.com::" providerId="AD" clId="Web-{56C3E720-CDF3-A010-A1A3-4574DA1E94EA}" dt="2019-05-11T13:23:51.031" v="67" actId="20577"/>
         <pc:sldMkLst>
           <pc:docMk/>
           <pc:sldMk cId="1965533031" sldId="257"/>
         </pc:sldMkLst>
         <pc:spChg chg="mod">
-          <ac:chgData name="tobias.hub@web.de" userId="S::urn:spo:guest#tobias.hub@web.de::" providerId="AD" clId="Web-{BFF7F638-A37A-55D5-6302-81C8EFF2DF27}" dt="2019-05-13T15:51:26.177" v="1527" actId="1076"/>
+          <ac:chgData name="pascal.poc.pp@gmail.com" userId="S::urn:spo:guest#pascal.poc.pp@gmail.com::" providerId="AD" clId="Web-{56C3E720-CDF3-A010-A1A3-4574DA1E94EA}" dt="2019-05-11T13:23:07.077" v="63" actId="20577"/>
           <ac:spMkLst>
             <pc:docMk/>
             <pc:sldMk cId="1965533031" sldId="257"/>
-            <ac:spMk id="3" creationId="{A3561F8D-9380-41DF-9739-3A0E08468CF6}"/>
+            <ac:spMk id="2" creationId="{B008D1D3-9463-48A0-85F8-1984E244CECD}"/>
           </ac:spMkLst>
         </pc:spChg>
-      </pc:sldChg>
-      <pc:sldChg chg="addSp modSp">
-        <pc:chgData name="tobias.hub@web.de" userId="S::urn:spo:guest#tobias.hub@web.de::" providerId="AD" clId="Web-{BFF7F638-A37A-55D5-6302-81C8EFF2DF27}" dt="2019-05-13T15:57:14.304" v="1532" actId="20577"/>
-        <pc:sldMkLst>
-          <pc:docMk/>
-          <pc:sldMk cId="3678253361" sldId="258"/>
-        </pc:sldMkLst>
-        <pc:spChg chg="add mod">
-          <ac:chgData name="tobias.hub@web.de" userId="S::urn:spo:guest#tobias.hub@web.de::" providerId="AD" clId="Web-{BFF7F638-A37A-55D5-6302-81C8EFF2DF27}" dt="2019-05-13T15:57:14.304" v="1532" actId="20577"/>
+        <pc:spChg chg="mod">
+          <ac:chgData name="pascal.poc.pp@gmail.com" userId="S::urn:spo:guest#pascal.poc.pp@gmail.com::" providerId="AD" clId="Web-{56C3E720-CDF3-A010-A1A3-4574DA1E94EA}" dt="2019-05-11T13:23:51.031" v="67" actId="20577"/>
           <ac:spMkLst>
             <pc:docMk/>
-            <pc:sldMk cId="3678253361" sldId="258"/>
-            <ac:spMk id="9" creationId="{3051B073-4B27-4D2F-8EA2-4D83A57733D7}"/>
-          </ac:spMkLst>
-        </pc:spChg>
-      </pc:sldChg>
-      <pc:sldChg chg="modSp modNotes">
-        <pc:chgData name="tobias.hub@web.de" userId="S::urn:spo:guest#tobias.hub@web.de::" providerId="AD" clId="Web-{BFF7F638-A37A-55D5-6302-81C8EFF2DF27}" dt="2019-05-13T16:23:52.955" v="2155" actId="20577"/>
-        <pc:sldMkLst>
-          <pc:docMk/>
-          <pc:sldMk cId="3854328160" sldId="264"/>
-        </pc:sldMkLst>
-        <pc:spChg chg="mod">
-          <ac:chgData name="tobias.hub@web.de" userId="S::urn:spo:guest#tobias.hub@web.de::" providerId="AD" clId="Web-{BFF7F638-A37A-55D5-6302-81C8EFF2DF27}" dt="2019-05-13T16:23:52.955" v="2155" actId="20577"/>
-          <ac:spMkLst>
-            <pc:docMk/>
-            <pc:sldMk cId="3854328160" sldId="264"/>
-            <ac:spMk id="3" creationId="{52ECBA23-C101-4F91-8B43-931C93C8877D}"/>
+            <pc:sldMk cId="1965533031" sldId="257"/>
+            <ac:spMk id="3" creationId="{C5F468CC-2388-463D-8E99-031E12807CF8}"/>
           </ac:spMkLst>
         </pc:spChg>
       </pc:sldChg>
       <pc:sldChg chg="modSp">
-        <pc:chgData name="tobias.hub@web.de" userId="S::urn:spo:guest#tobias.hub@web.de::" providerId="AD" clId="Web-{BFF7F638-A37A-55D5-6302-81C8EFF2DF27}" dt="2019-05-13T16:05:23.995" v="1610" actId="20577"/>
+        <pc:chgData name="pascal.poc.pp@gmail.com" userId="S::urn:spo:guest#pascal.poc.pp@gmail.com::" providerId="AD" clId="Web-{56C3E720-CDF3-A010-A1A3-4574DA1E94EA}" dt="2019-05-11T15:54:41.358" v="89" actId="20577"/>
         <pc:sldMkLst>
           <pc:docMk/>
-          <pc:sldMk cId="3411230145" sldId="273"/>
+          <pc:sldMk cId="836733519" sldId="265"/>
         </pc:sldMkLst>
         <pc:spChg chg="mod">
-          <ac:chgData name="tobias.hub@web.de" userId="S::urn:spo:guest#tobias.hub@web.de::" providerId="AD" clId="Web-{BFF7F638-A37A-55D5-6302-81C8EFF2DF27}" dt="2019-05-13T16:05:23.995" v="1610" actId="20577"/>
+          <ac:chgData name="pascal.poc.pp@gmail.com" userId="S::urn:spo:guest#pascal.poc.pp@gmail.com::" providerId="AD" clId="Web-{56C3E720-CDF3-A010-A1A3-4574DA1E94EA}" dt="2019-05-11T15:54:07.998" v="86" actId="20577"/>
           <ac:spMkLst>
             <pc:docMk/>
-            <pc:sldMk cId="3411230145" sldId="273"/>
-            <ac:spMk id="6" creationId="{0D3C4D43-0167-4BC2-91B0-8DB1F2AE73AE}"/>
+            <pc:sldMk cId="836733519" sldId="265"/>
+            <ac:spMk id="2" creationId="{11DB241C-01F8-4A1A-B493-796A1AD4A31E}"/>
           </ac:spMkLst>
         </pc:spChg>
-        <pc:grpChg chg="mod">
-          <ac:chgData name="tobias.hub@web.de" userId="S::urn:spo:guest#tobias.hub@web.de::" providerId="AD" clId="Web-{BFF7F638-A37A-55D5-6302-81C8EFF2DF27}" dt="2019-05-13T14:01:18.399" v="99" actId="1076"/>
-          <ac:grpSpMkLst>
-            <pc:docMk/>
-            <pc:sldMk cId="3411230145" sldId="273"/>
-            <ac:grpSpMk id="10" creationId="{79924885-AE3E-40A3-AACF-C3A07E84A7DE}"/>
-          </ac:grpSpMkLst>
-        </pc:grpChg>
+        <pc:spChg chg="mod">
+          <ac:chgData name="pascal.poc.pp@gmail.com" userId="S::urn:spo:guest#pascal.poc.pp@gmail.com::" providerId="AD" clId="Web-{56C3E720-CDF3-A010-A1A3-4574DA1E94EA}" dt="2019-05-11T15:54:41.358" v="89" actId="20577"/>
+          <ac:spMkLst>
+            <pc:docMk/>
+            <pc:sldMk cId="836733519" sldId="265"/>
+            <ac:spMk id="6" creationId="{D400EFC7-5CED-4F3C-B4E1-4DAA5A09D939}"/>
+          </ac:spMkLst>
+        </pc:spChg>
       </pc:sldChg>
-      <pc:sldChg chg="modSp modNotes">
-        <pc:chgData name="tobias.hub@web.de" userId="S::urn:spo:guest#tobias.hub@web.de::" providerId="AD" clId="Web-{BFF7F638-A37A-55D5-6302-81C8EFF2DF27}" dt="2019-05-13T16:15:05.764" v="1989" actId="20577"/>
+      <pc:sldChg chg="modSp">
+        <pc:chgData name="pascal.poc.pp@gmail.com" userId="S::urn:spo:guest#pascal.poc.pp@gmail.com::" providerId="AD" clId="Web-{56C3E720-CDF3-A010-A1A3-4574DA1E94EA}" dt="2019-05-11T15:53:50.935" v="85" actId="1076"/>
         <pc:sldMkLst>
           <pc:docMk/>
-          <pc:sldMk cId="381550320" sldId="276"/>
+          <pc:sldMk cId="2923162179" sldId="266"/>
         </pc:sldMkLst>
         <pc:spChg chg="mod">
-          <ac:chgData name="tobias.hub@web.de" userId="S::urn:spo:guest#tobias.hub@web.de::" providerId="AD" clId="Web-{BFF7F638-A37A-55D5-6302-81C8EFF2DF27}" dt="2019-05-13T16:15:05.764" v="1989" actId="20577"/>
+          <ac:chgData name="pascal.poc.pp@gmail.com" userId="S::urn:spo:guest#pascal.poc.pp@gmail.com::" providerId="AD" clId="Web-{56C3E720-CDF3-A010-A1A3-4574DA1E94EA}" dt="2019-05-11T15:53:50.935" v="85" actId="1076"/>
           <ac:spMkLst>
             <pc:docMk/>
-            <pc:sldMk cId="381550320" sldId="276"/>
-            <ac:spMk id="8" creationId="{9B50F7CF-113D-47BB-9B2C-8B9E1D976F1C}"/>
+            <pc:sldMk cId="2923162179" sldId="266"/>
+            <ac:spMk id="5" creationId="{391AAE10-E219-42C0-A4C3-B93314FB7CA1}"/>
           </ac:spMkLst>
         </pc:spChg>
-        <pc:graphicFrameChg chg="mod">
-          <ac:chgData name="tobias.hub@web.de" userId="S::urn:spo:guest#tobias.hub@web.de::" providerId="AD" clId="Web-{BFF7F638-A37A-55D5-6302-81C8EFF2DF27}" dt="2019-05-13T14:34:14.452" v="1116" actId="1076"/>
-          <ac:graphicFrameMkLst>
-            <pc:docMk/>
-            <pc:sldMk cId="381550320" sldId="276"/>
-            <ac:graphicFrameMk id="7" creationId="{F1A949C7-C9CF-4C02-BE5E-DA666970FF15}"/>
-          </ac:graphicFrameMkLst>
-        </pc:graphicFrameChg>
+      </pc:sldChg>
+    </pc:docChg>
+  </pc:docChgLst>
+  <pc:docChgLst>
+    <pc:chgData name="niklas.kronos@gmail.com" userId="S::urn:spo:guest#niklas.kronos@gmail.com::" providerId="AD" clId="Web-{A7283F9E-1163-EB7C-55F9-7C9D4E69776D}"/>
+    <pc:docChg chg="modSld">
+      <pc:chgData name="niklas.kronos@gmail.com" userId="S::urn:spo:guest#niklas.kronos@gmail.com::" providerId="AD" clId="Web-{A7283F9E-1163-EB7C-55F9-7C9D4E69776D}" dt="2019-05-13T11:03:43.798" v="245" actId="20577"/>
+      <pc:docMkLst>
+        <pc:docMk/>
+      </pc:docMkLst>
+      <pc:sldChg chg="addSp modSp mod setBg">
+        <pc:chgData name="niklas.kronos@gmail.com" userId="S::urn:spo:guest#niklas.kronos@gmail.com::" providerId="AD" clId="Web-{A7283F9E-1163-EB7C-55F9-7C9D4E69776D}" dt="2019-05-13T08:08:56.505" v="68" actId="1076"/>
+        <pc:sldMkLst>
+          <pc:docMk/>
+          <pc:sldMk cId="2484908466" sldId="256"/>
+        </pc:sldMkLst>
+        <pc:spChg chg="mod">
+          <ac:chgData name="niklas.kronos@gmail.com" userId="S::urn:spo:guest#niklas.kronos@gmail.com::" providerId="AD" clId="Web-{A7283F9E-1163-EB7C-55F9-7C9D4E69776D}" dt="2019-05-13T08:00:27.916" v="11" actId="20577"/>
+          <ac:spMkLst>
+            <pc:docMk/>
+            <pc:sldMk cId="2484908466" sldId="256"/>
+            <ac:spMk id="3" creationId="{81862294-C6C8-4267-9EC4-FCE207C21611}"/>
+          </ac:spMkLst>
+        </pc:spChg>
+        <pc:spChg chg="add mod">
+          <ac:chgData name="niklas.kronos@gmail.com" userId="S::urn:spo:guest#niklas.kronos@gmail.com::" providerId="AD" clId="Web-{A7283F9E-1163-EB7C-55F9-7C9D4E69776D}" dt="2019-05-13T08:08:56.505" v="68" actId="1076"/>
+          <ac:spMkLst>
+            <pc:docMk/>
+            <pc:sldMk cId="2484908466" sldId="256"/>
+            <ac:spMk id="4" creationId="{881BF236-5E18-4066-A6E6-871AA4B9AE8C}"/>
+          </ac:spMkLst>
+        </pc:spChg>
       </pc:sldChg>
     </pc:docChg>
   </pc:docChgLst>
@@ -340,3767 +3844,12 @@
     </pc:docChg>
   </pc:docChgLst>
   <pc:docChgLst>
-    <pc:chgData name="pascal.poc.pp@gmail.com" userId="S::urn:spo:guest#pascal.poc.pp@gmail.com::" providerId="AD" clId="Web-{AA1BFBFF-CA3A-3AEE-F1AB-A3D6F218AA2B}"/>
-    <pc:docChg chg="addSld modSld sldOrd modSection">
-      <pc:chgData name="pascal.poc.pp@gmail.com" userId="S::urn:spo:guest#pascal.poc.pp@gmail.com::" providerId="AD" clId="Web-{AA1BFBFF-CA3A-3AEE-F1AB-A3D6F218AA2B}" dt="2019-05-12T16:27:41.196" v="177" actId="1076"/>
+    <pc:chgData name="niklas.kronos@gmail.com" userId="S::urn:spo:guest#niklas.kronos@gmail.com::" providerId="AD" clId="Web-{0A60967B-DAF8-A1FE-489D-49D4C2143C79}"/>
+    <pc:docChg chg="modSld">
+      <pc:chgData name="niklas.kronos@gmail.com" userId="S::urn:spo:guest#niklas.kronos@gmail.com::" providerId="AD" clId="Web-{0A60967B-DAF8-A1FE-489D-49D4C2143C79}" dt="2019-05-14T15:17:25.865" v="84" actId="14100"/>
       <pc:docMkLst>
         <pc:docMk/>
       </pc:docMkLst>
-      <pc:sldChg chg="modSp">
-        <pc:chgData name="pascal.poc.pp@gmail.com" userId="S::urn:spo:guest#pascal.poc.pp@gmail.com::" providerId="AD" clId="Web-{AA1BFBFF-CA3A-3AEE-F1AB-A3D6F218AA2B}" dt="2019-05-12T08:37:58.909" v="13" actId="20577"/>
-        <pc:sldMkLst>
-          <pc:docMk/>
-          <pc:sldMk cId="3678253361" sldId="258"/>
-        </pc:sldMkLst>
-        <pc:spChg chg="mod">
-          <ac:chgData name="pascal.poc.pp@gmail.com" userId="S::urn:spo:guest#pascal.poc.pp@gmail.com::" providerId="AD" clId="Web-{AA1BFBFF-CA3A-3AEE-F1AB-A3D6F218AA2B}" dt="2019-05-12T08:37:48.783" v="4" actId="20577"/>
-          <ac:spMkLst>
-            <pc:docMk/>
-            <pc:sldMk cId="3678253361" sldId="258"/>
-            <ac:spMk id="2" creationId="{88AF4BB1-C745-4D72-9AAA-5E0278FCF5DB}"/>
-          </ac:spMkLst>
-        </pc:spChg>
-        <pc:spChg chg="mod">
-          <ac:chgData name="pascal.poc.pp@gmail.com" userId="S::urn:spo:guest#pascal.poc.pp@gmail.com::" providerId="AD" clId="Web-{AA1BFBFF-CA3A-3AEE-F1AB-A3D6F218AA2B}" dt="2019-05-12T08:37:58.909" v="13" actId="20577"/>
-          <ac:spMkLst>
-            <pc:docMk/>
-            <pc:sldMk cId="3678253361" sldId="258"/>
-            <ac:spMk id="3" creationId="{9EB5275A-EC7E-4EF8-941F-533224F5BFBC}"/>
-          </ac:spMkLst>
-        </pc:spChg>
-      </pc:sldChg>
-      <pc:sldChg chg="modSp">
-        <pc:chgData name="pascal.poc.pp@gmail.com" userId="S::urn:spo:guest#pascal.poc.pp@gmail.com::" providerId="AD" clId="Web-{AA1BFBFF-CA3A-3AEE-F1AB-A3D6F218AA2B}" dt="2019-05-12T10:21:45.940" v="17" actId="20577"/>
-        <pc:sldMkLst>
-          <pc:docMk/>
-          <pc:sldMk cId="2828272781" sldId="260"/>
-        </pc:sldMkLst>
-        <pc:spChg chg="mod">
-          <ac:chgData name="pascal.poc.pp@gmail.com" userId="S::urn:spo:guest#pascal.poc.pp@gmail.com::" providerId="AD" clId="Web-{AA1BFBFF-CA3A-3AEE-F1AB-A3D6F218AA2B}" dt="2019-05-12T10:21:45.940" v="17" actId="20577"/>
-          <ac:spMkLst>
-            <pc:docMk/>
-            <pc:sldMk cId="2828272781" sldId="260"/>
-            <ac:spMk id="3" creationId="{C246E4BD-1BE0-408D-A950-BB322F35E38E}"/>
-          </ac:spMkLst>
-        </pc:spChg>
-      </pc:sldChg>
-      <pc:sldChg chg="delSp ord addCm">
-        <pc:chgData name="pascal.poc.pp@gmail.com" userId="S::urn:spo:guest#pascal.poc.pp@gmail.com::" providerId="AD" clId="Web-{AA1BFBFF-CA3A-3AEE-F1AB-A3D6F218AA2B}" dt="2019-05-12T11:30:38.781" v="165"/>
-        <pc:sldMkLst>
-          <pc:docMk/>
-          <pc:sldMk cId="836733519" sldId="265"/>
-        </pc:sldMkLst>
-        <pc:inkChg chg="del">
-          <ac:chgData name="pascal.poc.pp@gmail.com" userId="S::urn:spo:guest#pascal.poc.pp@gmail.com::" providerId="AD" clId="Web-{AA1BFBFF-CA3A-3AEE-F1AB-A3D6F218AA2B}" dt="2019-05-12T08:48:42.867" v="15"/>
-          <ac:inkMkLst>
-            <pc:docMk/>
-            <pc:sldMk cId="836733519" sldId="265"/>
-            <ac:inkMk id="11" creationId="{A82B448E-C8D7-4AE7-A619-4A1B6E1418F5}"/>
-          </ac:inkMkLst>
-        </pc:inkChg>
-        <pc:inkChg chg="del">
-          <ac:chgData name="pascal.poc.pp@gmail.com" userId="S::urn:spo:guest#pascal.poc.pp@gmail.com::" providerId="AD" clId="Web-{AA1BFBFF-CA3A-3AEE-F1AB-A3D6F218AA2B}" dt="2019-05-12T08:48:45.758" v="16"/>
-          <ac:inkMkLst>
-            <pc:docMk/>
-            <pc:sldMk cId="836733519" sldId="265"/>
-            <ac:inkMk id="18" creationId="{8CFCE5A5-3C28-47C1-BB10-5A4CED3881EB}"/>
-          </ac:inkMkLst>
-        </pc:inkChg>
-      </pc:sldChg>
-      <pc:sldChg chg="addSp delSp modSp addCm">
-        <pc:chgData name="pascal.poc.pp@gmail.com" userId="S::urn:spo:guest#pascal.poc.pp@gmail.com::" providerId="AD" clId="Web-{AA1BFBFF-CA3A-3AEE-F1AB-A3D6F218AA2B}" dt="2019-05-12T11:31:50.547" v="166"/>
-        <pc:sldMkLst>
-          <pc:docMk/>
-          <pc:sldMk cId="2923162179" sldId="266"/>
-        </pc:sldMkLst>
-        <pc:spChg chg="mod">
-          <ac:chgData name="pascal.poc.pp@gmail.com" userId="S::urn:spo:guest#pascal.poc.pp@gmail.com::" providerId="AD" clId="Web-{AA1BFBFF-CA3A-3AEE-F1AB-A3D6F218AA2B}" dt="2019-05-12T11:28:55.156" v="164" actId="14100"/>
-          <ac:spMkLst>
-            <pc:docMk/>
-            <pc:sldMk cId="2923162179" sldId="266"/>
-            <ac:spMk id="2" creationId="{3AFFD6C7-E4F3-4CC2-9977-57E2B563D5DB}"/>
-          </ac:spMkLst>
-        </pc:spChg>
-        <pc:spChg chg="add mod">
-          <ac:chgData name="pascal.poc.pp@gmail.com" userId="S::urn:spo:guest#pascal.poc.pp@gmail.com::" providerId="AD" clId="Web-{AA1BFBFF-CA3A-3AEE-F1AB-A3D6F218AA2B}" dt="2019-05-12T11:22:31.875" v="102" actId="1076"/>
-          <ac:spMkLst>
-            <pc:docMk/>
-            <pc:sldMk cId="2923162179" sldId="266"/>
-            <ac:spMk id="3" creationId="{CE8E4A18-CAD6-4EC5-B815-4CDA06E0B1C1}"/>
-          </ac:spMkLst>
-        </pc:spChg>
-        <pc:spChg chg="del">
-          <ac:chgData name="pascal.poc.pp@gmail.com" userId="S::urn:spo:guest#pascal.poc.pp@gmail.com::" providerId="AD" clId="Web-{AA1BFBFF-CA3A-3AEE-F1AB-A3D6F218AA2B}" dt="2019-05-12T11:22:38.391" v="103"/>
-          <ac:spMkLst>
-            <pc:docMk/>
-            <pc:sldMk cId="2923162179" sldId="266"/>
-            <ac:spMk id="5" creationId="{391AAE10-E219-42C0-A4C3-B93314FB7CA1}"/>
-          </ac:spMkLst>
-        </pc:spChg>
-      </pc:sldChg>
-    </pc:docChg>
-  </pc:docChgLst>
-  <pc:docChgLst>
-    <pc:chgData name="niklas.kronos@gmail.com" userId="S::urn:spo:guest#niklas.kronos@gmail.com::" providerId="AD" clId="Web-{6DDFACA9-CBF4-4764-90C9-54C0BCBDB7E7}"/>
-    <pc:docChg chg="addSld modSld sldOrd modSection">
-      <pc:chgData name="niklas.kronos@gmail.com" userId="S::urn:spo:guest#niklas.kronos@gmail.com::" providerId="AD" clId="Web-{6DDFACA9-CBF4-4764-90C9-54C0BCBDB7E7}" dt="2019-05-11T12:58:17.232" v="461"/>
-      <pc:docMkLst>
-        <pc:docMk/>
-      </pc:docMkLst>
-      <pc:sldChg chg="modSp new">
-        <pc:chgData name="niklas.kronos@gmail.com" userId="S::urn:spo:guest#niklas.kronos@gmail.com::" providerId="AD" clId="Web-{6DDFACA9-CBF4-4764-90C9-54C0BCBDB7E7}" dt="2019-05-11T12:56:59.386" v="453" actId="20577"/>
-        <pc:sldMkLst>
-          <pc:docMk/>
-          <pc:sldMk cId="2828272781" sldId="260"/>
-        </pc:sldMkLst>
-        <pc:spChg chg="mod">
-          <ac:chgData name="niklas.kronos@gmail.com" userId="S::urn:spo:guest#niklas.kronos@gmail.com::" providerId="AD" clId="Web-{6DDFACA9-CBF4-4764-90C9-54C0BCBDB7E7}" dt="2019-05-11T12:56:13.041" v="450" actId="20577"/>
-          <ac:spMkLst>
-            <pc:docMk/>
-            <pc:sldMk cId="2828272781" sldId="260"/>
-            <ac:spMk id="2" creationId="{D099CFC0-58E8-4594-908D-B69CA1A0976B}"/>
-          </ac:spMkLst>
-        </pc:spChg>
-        <pc:spChg chg="mod">
-          <ac:chgData name="niklas.kronos@gmail.com" userId="S::urn:spo:guest#niklas.kronos@gmail.com::" providerId="AD" clId="Web-{6DDFACA9-CBF4-4764-90C9-54C0BCBDB7E7}" dt="2019-05-11T12:56:59.386" v="453" actId="20577"/>
-          <ac:spMkLst>
-            <pc:docMk/>
-            <pc:sldMk cId="2828272781" sldId="260"/>
-            <ac:spMk id="3" creationId="{C246E4BD-1BE0-408D-A950-BB322F35E38E}"/>
-          </ac:spMkLst>
-        </pc:spChg>
-      </pc:sldChg>
-      <pc:sldChg chg="modSp new">
-        <pc:chgData name="niklas.kronos@gmail.com" userId="S::urn:spo:guest#niklas.kronos@gmail.com::" providerId="AD" clId="Web-{6DDFACA9-CBF4-4764-90C9-54C0BCBDB7E7}" dt="2019-05-11T12:52:33.690" v="447" actId="20577"/>
-        <pc:sldMkLst>
-          <pc:docMk/>
-          <pc:sldMk cId="3854328160" sldId="264"/>
-        </pc:sldMkLst>
-        <pc:spChg chg="mod">
-          <ac:chgData name="niklas.kronos@gmail.com" userId="S::urn:spo:guest#niklas.kronos@gmail.com::" providerId="AD" clId="Web-{6DDFACA9-CBF4-4764-90C9-54C0BCBDB7E7}" dt="2019-05-11T12:52:33.690" v="447" actId="20577"/>
-          <ac:spMkLst>
-            <pc:docMk/>
-            <pc:sldMk cId="3854328160" sldId="264"/>
-            <ac:spMk id="2" creationId="{9E101124-9171-45B7-8FA2-3601FA64CB8B}"/>
-          </ac:spMkLst>
-        </pc:spChg>
-      </pc:sldChg>
-    </pc:docChg>
-  </pc:docChgLst>
-  <pc:docChgLst>
-    <pc:chgData name="Nils Mechtel" userId="d365a3c7-8594-435f-9872-5455ceefc78f" providerId="ADAL" clId="{FEE5CBDF-FE29-4F9F-99B9-949F0817748B}"/>
-    <pc:docChg chg="undo redo custSel mod addSld delSld modSld sldOrd delSection modSection">
-      <pc:chgData name="Nils Mechtel" userId="d365a3c7-8594-435f-9872-5455ceefc78f" providerId="ADAL" clId="{FEE5CBDF-FE29-4F9F-99B9-949F0817748B}" dt="2019-05-15T11:44:43.362" v="6009" actId="1592"/>
-      <pc:docMkLst>
-        <pc:docMk/>
-      </pc:docMkLst>
-      <pc:sldChg chg="addSp delSp modSp mod setBg setClrOvrMap delDesignElem">
-        <pc:chgData name="Nils Mechtel" userId="d365a3c7-8594-435f-9872-5455ceefc78f" providerId="ADAL" clId="{FEE5CBDF-FE29-4F9F-99B9-949F0817748B}" dt="2019-05-13T08:04:07.109" v="2486" actId="1076"/>
-        <pc:sldMkLst>
-          <pc:docMk/>
-          <pc:sldMk cId="2484908466" sldId="256"/>
-        </pc:sldMkLst>
-        <pc:spChg chg="mod ord">
-          <ac:chgData name="Nils Mechtel" userId="d365a3c7-8594-435f-9872-5455ceefc78f" providerId="ADAL" clId="{FEE5CBDF-FE29-4F9F-99B9-949F0817748B}" dt="2019-05-13T08:04:07.109" v="2486" actId="1076"/>
-          <ac:spMkLst>
-            <pc:docMk/>
-            <pc:sldMk cId="2484908466" sldId="256"/>
-            <ac:spMk id="2" creationId="{1AD6BE74-C148-45F5-A49F-1D57CB38CDC0}"/>
-          </ac:spMkLst>
-        </pc:spChg>
-        <pc:spChg chg="mod ord">
-          <ac:chgData name="Nils Mechtel" userId="d365a3c7-8594-435f-9872-5455ceefc78f" providerId="ADAL" clId="{FEE5CBDF-FE29-4F9F-99B9-949F0817748B}" dt="2019-05-13T08:04:07.109" v="2486" actId="1076"/>
-          <ac:spMkLst>
-            <pc:docMk/>
-            <pc:sldMk cId="2484908466" sldId="256"/>
-            <ac:spMk id="3" creationId="{81862294-C6C8-4267-9EC4-FCE207C21611}"/>
-          </ac:spMkLst>
-        </pc:spChg>
-        <pc:spChg chg="add del">
-          <ac:chgData name="Nils Mechtel" userId="d365a3c7-8594-435f-9872-5455ceefc78f" providerId="ADAL" clId="{FEE5CBDF-FE29-4F9F-99B9-949F0817748B}" dt="2019-05-11T12:32:07.297" v="270" actId="26606"/>
-          <ac:spMkLst>
-            <pc:docMk/>
-            <pc:sldMk cId="2484908466" sldId="256"/>
-            <ac:spMk id="5" creationId="{9179DE42-5613-4B35-A1E6-6CCBAA13C743}"/>
-          </ac:spMkLst>
-        </pc:spChg>
-        <pc:spChg chg="add del">
-          <ac:chgData name="Nils Mechtel" userId="d365a3c7-8594-435f-9872-5455ceefc78f" providerId="ADAL" clId="{FEE5CBDF-FE29-4F9F-99B9-949F0817748B}" dt="2019-05-11T12:25:47.432" v="6" actId="26606"/>
-          <ac:spMkLst>
-            <pc:docMk/>
-            <pc:sldMk cId="2484908466" sldId="256"/>
-            <ac:spMk id="8" creationId="{27577DEC-D9A5-404D-9789-702F4319BEC8}"/>
-          </ac:spMkLst>
-        </pc:spChg>
-        <pc:spChg chg="add del">
-          <ac:chgData name="Nils Mechtel" userId="d365a3c7-8594-435f-9872-5455ceefc78f" providerId="ADAL" clId="{FEE5CBDF-FE29-4F9F-99B9-949F0817748B}" dt="2019-05-11T12:32:07.297" v="270" actId="26606"/>
-          <ac:spMkLst>
-            <pc:docMk/>
-            <pc:sldMk cId="2484908466" sldId="256"/>
-            <ac:spMk id="9" creationId="{52FB45E9-914E-4471-AC87-E475CD51767D}"/>
-          </ac:spMkLst>
-        </pc:spChg>
-        <pc:spChg chg="add del">
-          <ac:chgData name="Nils Mechtel" userId="d365a3c7-8594-435f-9872-5455ceefc78f" providerId="ADAL" clId="{FEE5CBDF-FE29-4F9F-99B9-949F0817748B}" dt="2019-05-11T12:32:07.297" v="270" actId="26606"/>
-          <ac:spMkLst>
-            <pc:docMk/>
-            <pc:sldMk cId="2484908466" sldId="256"/>
-            <ac:spMk id="11" creationId="{C310626D-5743-49D4-8F7D-88C4F8F05774}"/>
-          </ac:spMkLst>
-        </pc:spChg>
-        <pc:spChg chg="add del">
-          <ac:chgData name="Nils Mechtel" userId="d365a3c7-8594-435f-9872-5455ceefc78f" providerId="ADAL" clId="{FEE5CBDF-FE29-4F9F-99B9-949F0817748B}" dt="2019-05-11T12:32:07.297" v="270" actId="26606"/>
-          <ac:spMkLst>
-            <pc:docMk/>
-            <pc:sldMk cId="2484908466" sldId="256"/>
-            <ac:spMk id="13" creationId="{3C195FC1-B568-4C72-9902-34CB35DDD7A1}"/>
-          </ac:spMkLst>
-        </pc:spChg>
-        <pc:spChg chg="add del">
-          <ac:chgData name="Nils Mechtel" userId="d365a3c7-8594-435f-9872-5455ceefc78f" providerId="ADAL" clId="{FEE5CBDF-FE29-4F9F-99B9-949F0817748B}" dt="2019-05-11T12:26:01.497" v="9"/>
-          <ac:spMkLst>
-            <pc:docMk/>
-            <pc:sldMk cId="2484908466" sldId="256"/>
-            <ac:spMk id="14" creationId="{52FB45E9-914E-4471-AC87-E475CD51767D}"/>
-          </ac:spMkLst>
-        </pc:spChg>
-        <pc:spChg chg="add del">
-          <ac:chgData name="Nils Mechtel" userId="d365a3c7-8594-435f-9872-5455ceefc78f" providerId="ADAL" clId="{FEE5CBDF-FE29-4F9F-99B9-949F0817748B}" dt="2019-05-11T12:32:07.297" v="270" actId="26606"/>
-          <ac:spMkLst>
-            <pc:docMk/>
-            <pc:sldMk cId="2484908466" sldId="256"/>
-            <ac:spMk id="15" creationId="{EF2BDF77-362C-43F0-8CBB-A969EC2AE0C4}"/>
-          </ac:spMkLst>
-        </pc:spChg>
-        <pc:spChg chg="add del">
-          <ac:chgData name="Nils Mechtel" userId="d365a3c7-8594-435f-9872-5455ceefc78f" providerId="ADAL" clId="{FEE5CBDF-FE29-4F9F-99B9-949F0817748B}" dt="2019-05-11T12:26:01.497" v="9"/>
-          <ac:spMkLst>
-            <pc:docMk/>
-            <pc:sldMk cId="2484908466" sldId="256"/>
-            <ac:spMk id="16" creationId="{C310626D-5743-49D4-8F7D-88C4F8F05774}"/>
-          </ac:spMkLst>
-        </pc:spChg>
-        <pc:spChg chg="add del">
-          <ac:chgData name="Nils Mechtel" userId="d365a3c7-8594-435f-9872-5455ceefc78f" providerId="ADAL" clId="{FEE5CBDF-FE29-4F9F-99B9-949F0817748B}" dt="2019-05-11T12:32:07.297" v="270" actId="26606"/>
-          <ac:spMkLst>
-            <pc:docMk/>
-            <pc:sldMk cId="2484908466" sldId="256"/>
-            <ac:spMk id="17" creationId="{4BE96B01-3929-432D-B8C2-ADBCB74C2EF4}"/>
-          </ac:spMkLst>
-        </pc:spChg>
-        <pc:spChg chg="add del">
-          <ac:chgData name="Nils Mechtel" userId="d365a3c7-8594-435f-9872-5455ceefc78f" providerId="ADAL" clId="{FEE5CBDF-FE29-4F9F-99B9-949F0817748B}" dt="2019-05-11T12:26:01.497" v="9"/>
-          <ac:spMkLst>
-            <pc:docMk/>
-            <pc:sldMk cId="2484908466" sldId="256"/>
-            <ac:spMk id="18" creationId="{3C195FC1-B568-4C72-9902-34CB35DDD7A1}"/>
-          </ac:spMkLst>
-        </pc:spChg>
-        <pc:spChg chg="add del">
-          <ac:chgData name="Nils Mechtel" userId="d365a3c7-8594-435f-9872-5455ceefc78f" providerId="ADAL" clId="{FEE5CBDF-FE29-4F9F-99B9-949F0817748B}" dt="2019-05-11T12:32:07.297" v="270" actId="26606"/>
-          <ac:spMkLst>
-            <pc:docMk/>
-            <pc:sldMk cId="2484908466" sldId="256"/>
-            <ac:spMk id="19" creationId="{2A6FCDE6-CDE2-4C51-B18E-A95CFB679714}"/>
-          </ac:spMkLst>
-        </pc:spChg>
-        <pc:spChg chg="add del">
-          <ac:chgData name="Nils Mechtel" userId="d365a3c7-8594-435f-9872-5455ceefc78f" providerId="ADAL" clId="{FEE5CBDF-FE29-4F9F-99B9-949F0817748B}" dt="2019-05-11T12:26:01.497" v="9"/>
-          <ac:spMkLst>
-            <pc:docMk/>
-            <pc:sldMk cId="2484908466" sldId="256"/>
-            <ac:spMk id="20" creationId="{EF2BDF77-362C-43F0-8CBB-A969EC2AE0C4}"/>
-          </ac:spMkLst>
-        </pc:spChg>
-        <pc:spChg chg="add del">
-          <ac:chgData name="Nils Mechtel" userId="d365a3c7-8594-435f-9872-5455ceefc78f" providerId="ADAL" clId="{FEE5CBDF-FE29-4F9F-99B9-949F0817748B}" dt="2019-05-11T12:26:01.497" v="9"/>
-          <ac:spMkLst>
-            <pc:docMk/>
-            <pc:sldMk cId="2484908466" sldId="256"/>
-            <ac:spMk id="21" creationId="{9179DE42-5613-4B35-A1E6-6CCBAA13C743}"/>
-          </ac:spMkLst>
-        </pc:spChg>
-        <pc:spChg chg="add del">
-          <ac:chgData name="Nils Mechtel" userId="d365a3c7-8594-435f-9872-5455ceefc78f" providerId="ADAL" clId="{FEE5CBDF-FE29-4F9F-99B9-949F0817748B}" dt="2019-05-11T12:26:01.497" v="9"/>
-          <ac:spMkLst>
-            <pc:docMk/>
-            <pc:sldMk cId="2484908466" sldId="256"/>
-            <ac:spMk id="22" creationId="{4BE96B01-3929-432D-B8C2-ADBCB74C2EF4}"/>
-          </ac:spMkLst>
-        </pc:spChg>
-        <pc:spChg chg="add del">
-          <ac:chgData name="Nils Mechtel" userId="d365a3c7-8594-435f-9872-5455ceefc78f" providerId="ADAL" clId="{FEE5CBDF-FE29-4F9F-99B9-949F0817748B}" dt="2019-05-11T12:26:01.497" v="9"/>
-          <ac:spMkLst>
-            <pc:docMk/>
-            <pc:sldMk cId="2484908466" sldId="256"/>
-            <ac:spMk id="24" creationId="{2A6FCDE6-CDE2-4C51-B18E-A95CFB679714}"/>
-          </ac:spMkLst>
-        </pc:spChg>
-        <pc:spChg chg="add del">
-          <ac:chgData name="Nils Mechtel" userId="d365a3c7-8594-435f-9872-5455ceefc78f" providerId="ADAL" clId="{FEE5CBDF-FE29-4F9F-99B9-949F0817748B}" dt="2019-05-11T12:32:07.297" v="270" actId="26606"/>
-          <ac:spMkLst>
-            <pc:docMk/>
-            <pc:sldMk cId="2484908466" sldId="256"/>
-            <ac:spMk id="25" creationId="{9D2E8756-2465-473A-BA2A-2DB1D6224745}"/>
-          </ac:spMkLst>
-        </pc:spChg>
-        <pc:spChg chg="add del">
-          <ac:chgData name="Nils Mechtel" userId="d365a3c7-8594-435f-9872-5455ceefc78f" providerId="ADAL" clId="{FEE5CBDF-FE29-4F9F-99B9-949F0817748B}" dt="2019-05-11T12:26:01.497" v="9"/>
-          <ac:spMkLst>
-            <pc:docMk/>
-            <pc:sldMk cId="2484908466" sldId="256"/>
-            <ac:spMk id="26" creationId="{9D2E8756-2465-473A-BA2A-2DB1D6224745}"/>
-          </ac:spMkLst>
-        </pc:spChg>
-        <pc:spChg chg="add del">
-          <ac:chgData name="Nils Mechtel" userId="d365a3c7-8594-435f-9872-5455ceefc78f" providerId="ADAL" clId="{FEE5CBDF-FE29-4F9F-99B9-949F0817748B}" dt="2019-05-11T12:33:12.502" v="281"/>
-          <ac:spMkLst>
-            <pc:docMk/>
-            <pc:sldMk cId="2484908466" sldId="256"/>
-            <ac:spMk id="27" creationId="{0ADFFC45-3DC9-4433-926F-043E879D9DFC}"/>
-          </ac:spMkLst>
-        </pc:spChg>
-        <pc:spChg chg="add del">
-          <ac:chgData name="Nils Mechtel" userId="d365a3c7-8594-435f-9872-5455ceefc78f" providerId="ADAL" clId="{FEE5CBDF-FE29-4F9F-99B9-949F0817748B}" dt="2019-05-11T12:33:20.007" v="283" actId="26606"/>
-          <ac:spMkLst>
-            <pc:docMk/>
-            <pc:sldMk cId="2484908466" sldId="256"/>
-            <ac:spMk id="29" creationId="{9179DE42-5613-4B35-A1E6-6CCBAA13C743}"/>
-          </ac:spMkLst>
-        </pc:spChg>
-        <pc:spChg chg="add del">
-          <ac:chgData name="Nils Mechtel" userId="d365a3c7-8594-435f-9872-5455ceefc78f" providerId="ADAL" clId="{FEE5CBDF-FE29-4F9F-99B9-949F0817748B}" dt="2019-05-11T13:29:26.943" v="480" actId="26606"/>
-          <ac:spMkLst>
-            <pc:docMk/>
-            <pc:sldMk cId="2484908466" sldId="256"/>
-            <ac:spMk id="31" creationId="{0ADFFC45-3DC9-4433-926F-043E879D9DFC}"/>
-          </ac:spMkLst>
-        </pc:spChg>
-        <pc:spChg chg="add del">
-          <ac:chgData name="Nils Mechtel" userId="d365a3c7-8594-435f-9872-5455ceefc78f" providerId="ADAL" clId="{FEE5CBDF-FE29-4F9F-99B9-949F0817748B}" dt="2019-05-11T12:33:12.502" v="281"/>
-          <ac:spMkLst>
-            <pc:docMk/>
-            <pc:sldMk cId="2484908466" sldId="256"/>
-            <ac:spMk id="36" creationId="{69370F01-B8C9-4CE4-824C-92B2792E6ED0}"/>
-          </ac:spMkLst>
-        </pc:spChg>
-        <pc:spChg chg="add del">
-          <ac:chgData name="Nils Mechtel" userId="d365a3c7-8594-435f-9872-5455ceefc78f" providerId="ADAL" clId="{FEE5CBDF-FE29-4F9F-99B9-949F0817748B}" dt="2019-05-11T12:33:20.007" v="283" actId="26606"/>
-          <ac:spMkLst>
-            <pc:docMk/>
-            <pc:sldMk cId="2484908466" sldId="256"/>
-            <ac:spMk id="38" creationId="{52FB45E9-914E-4471-AC87-E475CD51767D}"/>
-          </ac:spMkLst>
-        </pc:spChg>
-        <pc:spChg chg="add del">
-          <ac:chgData name="Nils Mechtel" userId="d365a3c7-8594-435f-9872-5455ceefc78f" providerId="ADAL" clId="{FEE5CBDF-FE29-4F9F-99B9-949F0817748B}" dt="2019-05-11T12:33:20.007" v="283" actId="26606"/>
-          <ac:spMkLst>
-            <pc:docMk/>
-            <pc:sldMk cId="2484908466" sldId="256"/>
-            <ac:spMk id="39" creationId="{C310626D-5743-49D4-8F7D-88C4F8F05774}"/>
-          </ac:spMkLst>
-        </pc:spChg>
-        <pc:spChg chg="add del">
-          <ac:chgData name="Nils Mechtel" userId="d365a3c7-8594-435f-9872-5455ceefc78f" providerId="ADAL" clId="{FEE5CBDF-FE29-4F9F-99B9-949F0817748B}" dt="2019-05-11T12:33:20.007" v="283" actId="26606"/>
-          <ac:spMkLst>
-            <pc:docMk/>
-            <pc:sldMk cId="2484908466" sldId="256"/>
-            <ac:spMk id="40" creationId="{3C195FC1-B568-4C72-9902-34CB35DDD7A1}"/>
-          </ac:spMkLst>
-        </pc:spChg>
-        <pc:spChg chg="add del">
-          <ac:chgData name="Nils Mechtel" userId="d365a3c7-8594-435f-9872-5455ceefc78f" providerId="ADAL" clId="{FEE5CBDF-FE29-4F9F-99B9-949F0817748B}" dt="2019-05-11T12:33:20.007" v="283" actId="26606"/>
-          <ac:spMkLst>
-            <pc:docMk/>
-            <pc:sldMk cId="2484908466" sldId="256"/>
-            <ac:spMk id="41" creationId="{EF2BDF77-362C-43F0-8CBB-A969EC2AE0C4}"/>
-          </ac:spMkLst>
-        </pc:spChg>
-        <pc:spChg chg="add del">
-          <ac:chgData name="Nils Mechtel" userId="d365a3c7-8594-435f-9872-5455ceefc78f" providerId="ADAL" clId="{FEE5CBDF-FE29-4F9F-99B9-949F0817748B}" dt="2019-05-11T12:33:20.007" v="283" actId="26606"/>
-          <ac:spMkLst>
-            <pc:docMk/>
-            <pc:sldMk cId="2484908466" sldId="256"/>
-            <ac:spMk id="42" creationId="{4BE96B01-3929-432D-B8C2-ADBCB74C2EF4}"/>
-          </ac:spMkLst>
-        </pc:spChg>
-        <pc:spChg chg="add del">
-          <ac:chgData name="Nils Mechtel" userId="d365a3c7-8594-435f-9872-5455ceefc78f" providerId="ADAL" clId="{FEE5CBDF-FE29-4F9F-99B9-949F0817748B}" dt="2019-05-11T12:33:20.007" v="283" actId="26606"/>
-          <ac:spMkLst>
-            <pc:docMk/>
-            <pc:sldMk cId="2484908466" sldId="256"/>
-            <ac:spMk id="43" creationId="{2A6FCDE6-CDE2-4C51-B18E-A95CFB679714}"/>
-          </ac:spMkLst>
-        </pc:spChg>
-        <pc:spChg chg="add del">
-          <ac:chgData name="Nils Mechtel" userId="d365a3c7-8594-435f-9872-5455ceefc78f" providerId="ADAL" clId="{FEE5CBDF-FE29-4F9F-99B9-949F0817748B}" dt="2019-05-11T12:33:20.007" v="283" actId="26606"/>
-          <ac:spMkLst>
-            <pc:docMk/>
-            <pc:sldMk cId="2484908466" sldId="256"/>
-            <ac:spMk id="44" creationId="{9D2E8756-2465-473A-BA2A-2DB1D6224745}"/>
-          </ac:spMkLst>
-        </pc:spChg>
-        <pc:spChg chg="add del">
-          <ac:chgData name="Nils Mechtel" userId="d365a3c7-8594-435f-9872-5455ceefc78f" providerId="ADAL" clId="{FEE5CBDF-FE29-4F9F-99B9-949F0817748B}" dt="2019-05-11T13:26:55.716" v="465" actId="26606"/>
-          <ac:spMkLst>
-            <pc:docMk/>
-            <pc:sldMk cId="2484908466" sldId="256"/>
-            <ac:spMk id="46" creationId="{2783C067-F8BF-4755-B516-8A0CD74CF60C}"/>
-          </ac:spMkLst>
-        </pc:spChg>
-        <pc:spChg chg="add del">
-          <ac:chgData name="Nils Mechtel" userId="d365a3c7-8594-435f-9872-5455ceefc78f" providerId="ADAL" clId="{FEE5CBDF-FE29-4F9F-99B9-949F0817748B}" dt="2019-05-11T13:26:55.716" v="465" actId="26606"/>
-          <ac:spMkLst>
-            <pc:docMk/>
-            <pc:sldMk cId="2484908466" sldId="256"/>
-            <ac:spMk id="47" creationId="{2ED796EC-E7FF-46DB-B912-FB08BF12AA6E}"/>
-          </ac:spMkLst>
-        </pc:spChg>
-        <pc:spChg chg="add del">
-          <ac:chgData name="Nils Mechtel" userId="d365a3c7-8594-435f-9872-5455ceefc78f" providerId="ADAL" clId="{FEE5CBDF-FE29-4F9F-99B9-949F0817748B}" dt="2019-05-11T13:26:55.716" v="465" actId="26606"/>
-          <ac:spMkLst>
-            <pc:docMk/>
-            <pc:sldMk cId="2484908466" sldId="256"/>
-            <ac:spMk id="48" creationId="{549A2DAB-B431-487D-95AD-BB0FECB49E57}"/>
-          </ac:spMkLst>
-        </pc:spChg>
-        <pc:spChg chg="add del">
-          <ac:chgData name="Nils Mechtel" userId="d365a3c7-8594-435f-9872-5455ceefc78f" providerId="ADAL" clId="{FEE5CBDF-FE29-4F9F-99B9-949F0817748B}" dt="2019-05-11T13:26:55.716" v="465" actId="26606"/>
-          <ac:spMkLst>
-            <pc:docMk/>
-            <pc:sldMk cId="2484908466" sldId="256"/>
-            <ac:spMk id="51" creationId="{0819F787-32B4-46A8-BC57-C6571BCEE243}"/>
-          </ac:spMkLst>
-        </pc:spChg>
-        <pc:spChg chg="add del">
-          <ac:chgData name="Nils Mechtel" userId="d365a3c7-8594-435f-9872-5455ceefc78f" providerId="ADAL" clId="{FEE5CBDF-FE29-4F9F-99B9-949F0817748B}" dt="2019-05-11T12:54:12.696" v="380" actId="26606"/>
-          <ac:spMkLst>
-            <pc:docMk/>
-            <pc:sldMk cId="2484908466" sldId="256"/>
-            <ac:spMk id="58" creationId="{DC99427B-A97E-40A3-B1FD-4557346C6A91}"/>
-          </ac:spMkLst>
-        </pc:spChg>
-        <pc:spChg chg="add del">
-          <ac:chgData name="Nils Mechtel" userId="d365a3c7-8594-435f-9872-5455ceefc78f" providerId="ADAL" clId="{FEE5CBDF-FE29-4F9F-99B9-949F0817748B}" dt="2019-05-11T12:54:16.850" v="382" actId="26606"/>
-          <ac:spMkLst>
-            <pc:docMk/>
-            <pc:sldMk cId="2484908466" sldId="256"/>
-            <ac:spMk id="60" creationId="{DC99427B-A97E-40A3-B1FD-4557346C6A91}"/>
-          </ac:spMkLst>
-        </pc:spChg>
-        <pc:spChg chg="add del">
-          <ac:chgData name="Nils Mechtel" userId="d365a3c7-8594-435f-9872-5455ceefc78f" providerId="ADAL" clId="{FEE5CBDF-FE29-4F9F-99B9-949F0817748B}" dt="2019-05-11T13:29:26.943" v="480" actId="26606"/>
-          <ac:spMkLst>
-            <pc:docMk/>
-            <pc:sldMk cId="2484908466" sldId="256"/>
-            <ac:spMk id="63" creationId="{69370F01-B8C9-4CE4-824C-92B2792E6ED0}"/>
-          </ac:spMkLst>
-        </pc:spChg>
-        <pc:spChg chg="add del">
-          <ac:chgData name="Nils Mechtel" userId="d365a3c7-8594-435f-9872-5455ceefc78f" providerId="ADAL" clId="{FEE5CBDF-FE29-4F9F-99B9-949F0817748B}" dt="2019-05-11T15:39:31.536" v="1000"/>
-          <ac:spMkLst>
-            <pc:docMk/>
-            <pc:sldMk cId="2484908466" sldId="256"/>
-            <ac:spMk id="65" creationId="{2783C067-F8BF-4755-B516-8A0CD74CF60C}"/>
-          </ac:spMkLst>
-        </pc:spChg>
-        <pc:spChg chg="add del">
-          <ac:chgData name="Nils Mechtel" userId="d365a3c7-8594-435f-9872-5455ceefc78f" providerId="ADAL" clId="{FEE5CBDF-FE29-4F9F-99B9-949F0817748B}" dt="2019-05-11T15:39:31.536" v="1000"/>
-          <ac:spMkLst>
-            <pc:docMk/>
-            <pc:sldMk cId="2484908466" sldId="256"/>
-            <ac:spMk id="67" creationId="{2ED796EC-E7FF-46DB-B912-FB08BF12AA6E}"/>
-          </ac:spMkLst>
-        </pc:spChg>
-        <pc:spChg chg="add del">
-          <ac:chgData name="Nils Mechtel" userId="d365a3c7-8594-435f-9872-5455ceefc78f" providerId="ADAL" clId="{FEE5CBDF-FE29-4F9F-99B9-949F0817748B}" dt="2019-05-11T13:27:33.698" v="474" actId="26606"/>
-          <ac:spMkLst>
-            <pc:docMk/>
-            <pc:sldMk cId="2484908466" sldId="256"/>
-            <ac:spMk id="68" creationId="{66D61E08-70C3-48D8-BEA0-787111DC30DA}"/>
-          </ac:spMkLst>
-        </pc:spChg>
-        <pc:spChg chg="add del">
-          <ac:chgData name="Nils Mechtel" userId="d365a3c7-8594-435f-9872-5455ceefc78f" providerId="ADAL" clId="{FEE5CBDF-FE29-4F9F-99B9-949F0817748B}" dt="2019-05-11T15:39:31.536" v="1000"/>
-          <ac:spMkLst>
-            <pc:docMk/>
-            <pc:sldMk cId="2484908466" sldId="256"/>
-            <ac:spMk id="69" creationId="{549A2DAB-B431-487D-95AD-BB0FECB49E57}"/>
-          </ac:spMkLst>
-        </pc:spChg>
-        <pc:spChg chg="add del">
-          <ac:chgData name="Nils Mechtel" userId="d365a3c7-8594-435f-9872-5455ceefc78f" providerId="ADAL" clId="{FEE5CBDF-FE29-4F9F-99B9-949F0817748B}" dt="2019-05-11T13:27:33.698" v="474" actId="26606"/>
-          <ac:spMkLst>
-            <pc:docMk/>
-            <pc:sldMk cId="2484908466" sldId="256"/>
-            <ac:spMk id="70" creationId="{FC55298F-0AE5-478E-AD2B-03C2614C5833}"/>
-          </ac:spMkLst>
-        </pc:spChg>
-        <pc:spChg chg="add del">
-          <ac:chgData name="Nils Mechtel" userId="d365a3c7-8594-435f-9872-5455ceefc78f" providerId="ADAL" clId="{FEE5CBDF-FE29-4F9F-99B9-949F0817748B}" dt="2019-05-11T13:27:33.698" v="474" actId="26606"/>
-          <ac:spMkLst>
-            <pc:docMk/>
-            <pc:sldMk cId="2484908466" sldId="256"/>
-            <ac:spMk id="72" creationId="{C180E4EA-0B63-4779-A895-7E90E71088F3}"/>
-          </ac:spMkLst>
-        </pc:spChg>
-        <pc:spChg chg="add del">
-          <ac:chgData name="Nils Mechtel" userId="d365a3c7-8594-435f-9872-5455ceefc78f" providerId="ADAL" clId="{FEE5CBDF-FE29-4F9F-99B9-949F0817748B}" dt="2019-05-11T13:27:33.698" v="474" actId="26606"/>
-          <ac:spMkLst>
-            <pc:docMk/>
-            <pc:sldMk cId="2484908466" sldId="256"/>
-            <ac:spMk id="74" creationId="{CEE01D9D-3DE8-4EED-B0D3-8F3C79CC7673}"/>
-          </ac:spMkLst>
-        </pc:spChg>
-        <pc:spChg chg="add del">
-          <ac:chgData name="Nils Mechtel" userId="d365a3c7-8594-435f-9872-5455ceefc78f" providerId="ADAL" clId="{FEE5CBDF-FE29-4F9F-99B9-949F0817748B}" dt="2019-05-11T15:39:31.536" v="1000"/>
-          <ac:spMkLst>
-            <pc:docMk/>
-            <pc:sldMk cId="2484908466" sldId="256"/>
-            <ac:spMk id="75" creationId="{0819F787-32B4-46A8-BC57-C6571BCEE243}"/>
-          </ac:spMkLst>
-        </pc:spChg>
-        <pc:spChg chg="add del">
-          <ac:chgData name="Nils Mechtel" userId="d365a3c7-8594-435f-9872-5455ceefc78f" providerId="ADAL" clId="{FEE5CBDF-FE29-4F9F-99B9-949F0817748B}" dt="2019-05-11T13:27:33.698" v="474" actId="26606"/>
-          <ac:spMkLst>
-            <pc:docMk/>
-            <pc:sldMk cId="2484908466" sldId="256"/>
-            <ac:spMk id="76" creationId="{89AF5CE9-607F-43F4-8983-DCD6DA4051FD}"/>
-          </ac:spMkLst>
-        </pc:spChg>
-        <pc:spChg chg="add del">
-          <ac:chgData name="Nils Mechtel" userId="d365a3c7-8594-435f-9872-5455ceefc78f" providerId="ADAL" clId="{FEE5CBDF-FE29-4F9F-99B9-949F0817748B}" dt="2019-05-11T13:27:33.698" v="474" actId="26606"/>
-          <ac:spMkLst>
-            <pc:docMk/>
-            <pc:sldMk cId="2484908466" sldId="256"/>
-            <ac:spMk id="78" creationId="{6EEA2DBD-9E1E-4521-8C01-F32AD18A89E3}"/>
-          </ac:spMkLst>
-        </pc:spChg>
-        <pc:spChg chg="add del">
-          <ac:chgData name="Nils Mechtel" userId="d365a3c7-8594-435f-9872-5455ceefc78f" providerId="ADAL" clId="{FEE5CBDF-FE29-4F9F-99B9-949F0817748B}" dt="2019-05-11T13:27:33.698" v="474" actId="26606"/>
-          <ac:spMkLst>
-            <pc:docMk/>
-            <pc:sldMk cId="2484908466" sldId="256"/>
-            <ac:spMk id="80" creationId="{15BBD2C1-BA9B-46A9-A27A-33498B169272}"/>
-          </ac:spMkLst>
-        </pc:spChg>
-        <pc:spChg chg="add del">
-          <ac:chgData name="Nils Mechtel" userId="d365a3c7-8594-435f-9872-5455ceefc78f" providerId="ADAL" clId="{FEE5CBDF-FE29-4F9F-99B9-949F0817748B}" dt="2019-05-11T13:27:33.639" v="473" actId="26606"/>
-          <ac:spMkLst>
-            <pc:docMk/>
-            <pc:sldMk cId="2484908466" sldId="256"/>
-            <ac:spMk id="85" creationId="{53FCF47F-C2D5-40D2-BB9E-EB0634228135}"/>
-          </ac:spMkLst>
-        </pc:spChg>
-        <pc:spChg chg="add del">
-          <ac:chgData name="Nils Mechtel" userId="d365a3c7-8594-435f-9872-5455ceefc78f" providerId="ADAL" clId="{FEE5CBDF-FE29-4F9F-99B9-949F0817748B}" dt="2019-05-11T13:27:33.639" v="473" actId="26606"/>
-          <ac:spMkLst>
-            <pc:docMk/>
-            <pc:sldMk cId="2484908466" sldId="256"/>
-            <ac:spMk id="91" creationId="{677AD1FD-34AE-437D-8CDC-28626ED9A8B0}"/>
-          </ac:spMkLst>
-        </pc:spChg>
-        <pc:spChg chg="add del">
-          <ac:chgData name="Nils Mechtel" userId="d365a3c7-8594-435f-9872-5455ceefc78f" providerId="ADAL" clId="{FEE5CBDF-FE29-4F9F-99B9-949F0817748B}" dt="2019-05-11T13:27:33.639" v="473" actId="26606"/>
-          <ac:spMkLst>
-            <pc:docMk/>
-            <pc:sldMk cId="2484908466" sldId="256"/>
-            <ac:spMk id="93" creationId="{B07774B8-04E2-436D-B983-B885D6F0F659}"/>
-          </ac:spMkLst>
-        </pc:spChg>
-        <pc:spChg chg="add del">
-          <ac:chgData name="Nils Mechtel" userId="d365a3c7-8594-435f-9872-5455ceefc78f" providerId="ADAL" clId="{FEE5CBDF-FE29-4F9F-99B9-949F0817748B}" dt="2019-05-11T13:27:33.639" v="473" actId="26606"/>
-          <ac:spMkLst>
-            <pc:docMk/>
-            <pc:sldMk cId="2484908466" sldId="256"/>
-            <ac:spMk id="95" creationId="{CE493F13-8130-4A50-9898-8AFD98F5E1FB}"/>
-          </ac:spMkLst>
-        </pc:spChg>
-        <pc:spChg chg="add del">
-          <ac:chgData name="Nils Mechtel" userId="d365a3c7-8594-435f-9872-5455ceefc78f" providerId="ADAL" clId="{FEE5CBDF-FE29-4F9F-99B9-949F0817748B}" dt="2019-05-11T13:27:33.639" v="473" actId="26606"/>
-          <ac:spMkLst>
-            <pc:docMk/>
-            <pc:sldMk cId="2484908466" sldId="256"/>
-            <ac:spMk id="97" creationId="{5C83F2E6-2324-4A53-85E7-4D74B6586E0C}"/>
-          </ac:spMkLst>
-        </pc:spChg>
-        <pc:spChg chg="add del">
-          <ac:chgData name="Nils Mechtel" userId="d365a3c7-8594-435f-9872-5455ceefc78f" providerId="ADAL" clId="{FEE5CBDF-FE29-4F9F-99B9-949F0817748B}" dt="2019-05-11T13:27:33.639" v="473" actId="26606"/>
-          <ac:spMkLst>
-            <pc:docMk/>
-            <pc:sldMk cId="2484908466" sldId="256"/>
-            <ac:spMk id="99" creationId="{62C79599-4635-4903-B028-E3331034BF2F}"/>
-          </ac:spMkLst>
-        </pc:spChg>
-        <pc:spChg chg="add del">
-          <ac:chgData name="Nils Mechtel" userId="d365a3c7-8594-435f-9872-5455ceefc78f" providerId="ADAL" clId="{FEE5CBDF-FE29-4F9F-99B9-949F0817748B}" dt="2019-05-11T13:27:33.639" v="473" actId="26606"/>
-          <ac:spMkLst>
-            <pc:docMk/>
-            <pc:sldMk cId="2484908466" sldId="256"/>
-            <ac:spMk id="101" creationId="{64581993-8E43-4AF4-9AF1-A39EF777280B}"/>
-          </ac:spMkLst>
-        </pc:spChg>
-        <pc:spChg chg="add del">
-          <ac:chgData name="Nils Mechtel" userId="d365a3c7-8594-435f-9872-5455ceefc78f" providerId="ADAL" clId="{FEE5CBDF-FE29-4F9F-99B9-949F0817748B}" dt="2019-05-11T13:29:16.003" v="478"/>
-          <ac:spMkLst>
-            <pc:docMk/>
-            <pc:sldMk cId="2484908466" sldId="256"/>
-            <ac:spMk id="103" creationId="{7815DC60-3142-4171-B7AD-13B6FD265C6B}"/>
-          </ac:spMkLst>
-        </pc:spChg>
-        <pc:spChg chg="add del">
-          <ac:chgData name="Nils Mechtel" userId="d365a3c7-8594-435f-9872-5455ceefc78f" providerId="ADAL" clId="{FEE5CBDF-FE29-4F9F-99B9-949F0817748B}" dt="2019-05-11T13:29:16.003" v="478"/>
-          <ac:spMkLst>
-            <pc:docMk/>
-            <pc:sldMk cId="2484908466" sldId="256"/>
-            <ac:spMk id="104" creationId="{3A459D44-E95C-4AB2-9D79-7C182560C4A9}"/>
-          </ac:spMkLst>
-        </pc:spChg>
-        <pc:grpChg chg="add del">
-          <ac:chgData name="Nils Mechtel" userId="d365a3c7-8594-435f-9872-5455ceefc78f" providerId="ADAL" clId="{FEE5CBDF-FE29-4F9F-99B9-949F0817748B}" dt="2019-05-11T12:25:47.432" v="6" actId="26606"/>
-          <ac:grpSpMkLst>
-            <pc:docMk/>
-            <pc:sldMk cId="2484908466" sldId="256"/>
-            <ac:grpSpMk id="10" creationId="{CEEA9366-CEA8-4F23-B065-4337F0D836FE}"/>
-          </ac:grpSpMkLst>
-        </pc:grpChg>
-        <pc:grpChg chg="add del">
-          <ac:chgData name="Nils Mechtel" userId="d365a3c7-8594-435f-9872-5455ceefc78f" providerId="ADAL" clId="{FEE5CBDF-FE29-4F9F-99B9-949F0817748B}" dt="2019-05-11T12:33:12.502" v="281"/>
-          <ac:grpSpMkLst>
-            <pc:docMk/>
-            <pc:sldMk cId="2484908466" sldId="256"/>
-            <ac:grpSpMk id="28" creationId="{B5F26A87-0610-435F-AA13-BD658385C9D9}"/>
-          </ac:grpSpMkLst>
-        </pc:grpChg>
-        <pc:grpChg chg="add del">
-          <ac:chgData name="Nils Mechtel" userId="d365a3c7-8594-435f-9872-5455ceefc78f" providerId="ADAL" clId="{FEE5CBDF-FE29-4F9F-99B9-949F0817748B}" dt="2019-05-11T13:29:26.943" v="480" actId="26606"/>
-          <ac:grpSpMkLst>
-            <pc:docMk/>
-            <pc:sldMk cId="2484908466" sldId="256"/>
-            <ac:grpSpMk id="32" creationId="{B5F26A87-0610-435F-AA13-BD658385C9D9}"/>
-          </ac:grpSpMkLst>
-        </pc:grpChg>
-        <pc:picChg chg="del mod ord">
-          <ac:chgData name="Nils Mechtel" userId="d365a3c7-8594-435f-9872-5455ceefc78f" providerId="ADAL" clId="{FEE5CBDF-FE29-4F9F-99B9-949F0817748B}" dt="2019-05-11T13:28:19.528" v="475" actId="478"/>
-          <ac:picMkLst>
-            <pc:docMk/>
-            <pc:sldMk cId="2484908466" sldId="256"/>
-            <ac:picMk id="4" creationId="{C728CAA1-EB3A-41AC-9581-451969D49BD6}"/>
-          </ac:picMkLst>
-        </pc:picChg>
-        <pc:picChg chg="del mod">
-          <ac:chgData name="Nils Mechtel" userId="d365a3c7-8594-435f-9872-5455ceefc78f" providerId="ADAL" clId="{FEE5CBDF-FE29-4F9F-99B9-949F0817748B}" dt="2019-05-11T13:28:21.431" v="476" actId="478"/>
-          <ac:picMkLst>
-            <pc:docMk/>
-            <pc:sldMk cId="2484908466" sldId="256"/>
-            <ac:picMk id="6" creationId="{169773D3-B81F-4930-A855-69568BB65473}"/>
-          </ac:picMkLst>
-        </pc:picChg>
-        <pc:picChg chg="del">
-          <ac:chgData name="Nils Mechtel" userId="d365a3c7-8594-435f-9872-5455ceefc78f" providerId="ADAL" clId="{FEE5CBDF-FE29-4F9F-99B9-949F0817748B}" dt="2019-05-11T13:27:04.203" v="466" actId="478"/>
-          <ac:picMkLst>
-            <pc:docMk/>
-            <pc:sldMk cId="2484908466" sldId="256"/>
-            <ac:picMk id="10" creationId="{BEC75E34-2625-41DA-9A12-216768360BFF}"/>
-          </ac:picMkLst>
-        </pc:picChg>
-        <pc:picChg chg="mod">
-          <ac:chgData name="Nils Mechtel" userId="d365a3c7-8594-435f-9872-5455ceefc78f" providerId="ADAL" clId="{FEE5CBDF-FE29-4F9F-99B9-949F0817748B}" dt="2019-05-11T13:27:15.190" v="469" actId="1076"/>
-          <ac:picMkLst>
-            <pc:docMk/>
-            <pc:sldMk cId="2484908466" sldId="256"/>
-            <ac:picMk id="14" creationId="{4FAA9DE7-277E-4A8D-BB70-3049352958E4}"/>
-          </ac:picMkLst>
-        </pc:picChg>
-        <pc:picChg chg="add del">
-          <ac:chgData name="Nils Mechtel" userId="d365a3c7-8594-435f-9872-5455ceefc78f" providerId="ADAL" clId="{FEE5CBDF-FE29-4F9F-99B9-949F0817748B}" dt="2019-05-11T13:27:24.420" v="471" actId="478"/>
-          <ac:picMkLst>
-            <pc:docMk/>
-            <pc:sldMk cId="2484908466" sldId="256"/>
-            <ac:picMk id="16" creationId="{2D008AF7-82D1-4E7A-A0C4-EAAA22844CAC}"/>
-          </ac:picMkLst>
-        </pc:picChg>
-        <pc:picChg chg="add del">
-          <ac:chgData name="Nils Mechtel" userId="d365a3c7-8594-435f-9872-5455ceefc78f" providerId="ADAL" clId="{FEE5CBDF-FE29-4F9F-99B9-949F0817748B}" dt="2019-05-11T12:54:12.696" v="380" actId="26606"/>
-          <ac:picMkLst>
-            <pc:docMk/>
-            <pc:sldMk cId="2484908466" sldId="256"/>
-            <ac:picMk id="55" creationId="{E22725E6-6F3D-48B1-925D-77D33497836A}"/>
-          </ac:picMkLst>
-        </pc:picChg>
-        <pc:picChg chg="add mod">
-          <ac:chgData name="Nils Mechtel" userId="d365a3c7-8594-435f-9872-5455ceefc78f" providerId="ADAL" clId="{FEE5CBDF-FE29-4F9F-99B9-949F0817748B}" dt="2019-05-11T13:26:55.716" v="465" actId="26606"/>
-          <ac:picMkLst>
-            <pc:docMk/>
-            <pc:sldMk cId="2484908466" sldId="256"/>
-            <ac:picMk id="59" creationId="{59EC7E78-8577-4C9F-BED9-EDAF7EE0AA9C}"/>
-          </ac:picMkLst>
-        </pc:picChg>
-        <pc:picChg chg="add del">
-          <ac:chgData name="Nils Mechtel" userId="d365a3c7-8594-435f-9872-5455ceefc78f" providerId="ADAL" clId="{FEE5CBDF-FE29-4F9F-99B9-949F0817748B}" dt="2019-05-11T12:54:16.850" v="382" actId="26606"/>
-          <ac:picMkLst>
-            <pc:docMk/>
-            <pc:sldMk cId="2484908466" sldId="256"/>
-            <ac:picMk id="61" creationId="{1FFB0AB4-9501-4C5B-B02B-2E158973CD9F}"/>
-          </ac:picMkLst>
-        </pc:picChg>
-        <pc:inkChg chg="add del">
-          <ac:chgData name="Nils Mechtel" userId="d365a3c7-8594-435f-9872-5455ceefc78f" providerId="ADAL" clId="{FEE5CBDF-FE29-4F9F-99B9-949F0817748B}" dt="2019-05-11T12:34:58.331" v="301"/>
-          <ac:inkMkLst>
-            <pc:docMk/>
-            <pc:sldMk cId="2484908466" sldId="256"/>
-            <ac:inkMk id="4" creationId="{1CA40A39-9C10-4130-9898-442043675862}"/>
-          </ac:inkMkLst>
-        </pc:inkChg>
-        <pc:inkChg chg="add del">
-          <ac:chgData name="Nils Mechtel" userId="d365a3c7-8594-435f-9872-5455ceefc78f" providerId="ADAL" clId="{FEE5CBDF-FE29-4F9F-99B9-949F0817748B}" dt="2019-05-11T12:34:58.331" v="301"/>
-          <ac:inkMkLst>
-            <pc:docMk/>
-            <pc:sldMk cId="2484908466" sldId="256"/>
-            <ac:inkMk id="45" creationId="{B4537788-BA8A-470B-9872-54C07A08CA76}"/>
-          </ac:inkMkLst>
-        </pc:inkChg>
-        <pc:inkChg chg="add del">
-          <ac:chgData name="Nils Mechtel" userId="d365a3c7-8594-435f-9872-5455ceefc78f" providerId="ADAL" clId="{FEE5CBDF-FE29-4F9F-99B9-949F0817748B}" dt="2019-05-11T12:34:58.331" v="301"/>
-          <ac:inkMkLst>
-            <pc:docMk/>
-            <pc:sldMk cId="2484908466" sldId="256"/>
-            <ac:inkMk id="52" creationId="{1CE05F07-8287-4AE1-9411-A4DE96B63412}"/>
-          </ac:inkMkLst>
-        </pc:inkChg>
-        <pc:inkChg chg="add del">
-          <ac:chgData name="Nils Mechtel" userId="d365a3c7-8594-435f-9872-5455ceefc78f" providerId="ADAL" clId="{FEE5CBDF-FE29-4F9F-99B9-949F0817748B}" dt="2019-05-11T12:35:03.122" v="302"/>
-          <ac:inkMkLst>
-            <pc:docMk/>
-            <pc:sldMk cId="2484908466" sldId="256"/>
-            <ac:inkMk id="53" creationId="{52E66FC3-F013-4324-8BA0-897E7D7C1E31}"/>
-          </ac:inkMkLst>
-        </pc:inkChg>
-        <pc:cxnChg chg="add del">
-          <ac:chgData name="Nils Mechtel" userId="d365a3c7-8594-435f-9872-5455ceefc78f" providerId="ADAL" clId="{FEE5CBDF-FE29-4F9F-99B9-949F0817748B}" dt="2019-05-11T12:32:07.297" v="270" actId="26606"/>
-          <ac:cxnSpMkLst>
-            <pc:docMk/>
-            <pc:sldMk cId="2484908466" sldId="256"/>
-            <ac:cxnSpMk id="6" creationId="{EB898B32-3891-4C3A-8F58-C5969D2E9033}"/>
-          </ac:cxnSpMkLst>
-        </pc:cxnChg>
-        <pc:cxnChg chg="add del">
-          <ac:chgData name="Nils Mechtel" userId="d365a3c7-8594-435f-9872-5455ceefc78f" providerId="ADAL" clId="{FEE5CBDF-FE29-4F9F-99B9-949F0817748B}" dt="2019-05-11T12:32:07.297" v="270" actId="26606"/>
-          <ac:cxnSpMkLst>
-            <pc:docMk/>
-            <pc:sldMk cId="2484908466" sldId="256"/>
-            <ac:cxnSpMk id="7" creationId="{4AE4806D-B8F9-4679-A68A-9BD21C01A301}"/>
-          </ac:cxnSpMkLst>
-        </pc:cxnChg>
-        <pc:cxnChg chg="add del">
-          <ac:chgData name="Nils Mechtel" userId="d365a3c7-8594-435f-9872-5455ceefc78f" providerId="ADAL" clId="{FEE5CBDF-FE29-4F9F-99B9-949F0817748B}" dt="2019-05-11T12:26:01.497" v="9"/>
-          <ac:cxnSpMkLst>
-            <pc:docMk/>
-            <pc:sldMk cId="2484908466" sldId="256"/>
-            <ac:cxnSpMk id="12" creationId="{4AE4806D-B8F9-4679-A68A-9BD21C01A301}"/>
-          </ac:cxnSpMkLst>
-        </pc:cxnChg>
-        <pc:cxnChg chg="add del">
-          <ac:chgData name="Nils Mechtel" userId="d365a3c7-8594-435f-9872-5455ceefc78f" providerId="ADAL" clId="{FEE5CBDF-FE29-4F9F-99B9-949F0817748B}" dt="2019-05-11T12:26:01.497" v="9"/>
-          <ac:cxnSpMkLst>
-            <pc:docMk/>
-            <pc:sldMk cId="2484908466" sldId="256"/>
-            <ac:cxnSpMk id="23" creationId="{EB898B32-3891-4C3A-8F58-C5969D2E9033}"/>
-          </ac:cxnSpMkLst>
-        </pc:cxnChg>
-        <pc:cxnChg chg="add del">
-          <ac:chgData name="Nils Mechtel" userId="d365a3c7-8594-435f-9872-5455ceefc78f" providerId="ADAL" clId="{FEE5CBDF-FE29-4F9F-99B9-949F0817748B}" dt="2019-05-11T12:33:20.007" v="283" actId="26606"/>
-          <ac:cxnSpMkLst>
-            <pc:docMk/>
-            <pc:sldMk cId="2484908466" sldId="256"/>
-            <ac:cxnSpMk id="30" creationId="{EB898B32-3891-4C3A-8F58-C5969D2E9033}"/>
-          </ac:cxnSpMkLst>
-        </pc:cxnChg>
-        <pc:cxnChg chg="add del">
-          <ac:chgData name="Nils Mechtel" userId="d365a3c7-8594-435f-9872-5455ceefc78f" providerId="ADAL" clId="{FEE5CBDF-FE29-4F9F-99B9-949F0817748B}" dt="2019-05-11T12:33:20.007" v="283" actId="26606"/>
-          <ac:cxnSpMkLst>
-            <pc:docMk/>
-            <pc:sldMk cId="2484908466" sldId="256"/>
-            <ac:cxnSpMk id="37" creationId="{4AE4806D-B8F9-4679-A68A-9BD21C01A301}"/>
-          </ac:cxnSpMkLst>
-        </pc:cxnChg>
-        <pc:cxnChg chg="add del">
-          <ac:chgData name="Nils Mechtel" userId="d365a3c7-8594-435f-9872-5455ceefc78f" providerId="ADAL" clId="{FEE5CBDF-FE29-4F9F-99B9-949F0817748B}" dt="2019-05-11T13:26:55.716" v="465" actId="26606"/>
-          <ac:cxnSpMkLst>
-            <pc:docMk/>
-            <pc:sldMk cId="2484908466" sldId="256"/>
-            <ac:cxnSpMk id="49" creationId="{C5ECDEE1-7093-418F-9CF5-24EEB115C1C1}"/>
-          </ac:cxnSpMkLst>
-        </pc:cxnChg>
-        <pc:cxnChg chg="add del">
-          <ac:chgData name="Nils Mechtel" userId="d365a3c7-8594-435f-9872-5455ceefc78f" providerId="ADAL" clId="{FEE5CBDF-FE29-4F9F-99B9-949F0817748B}" dt="2019-05-11T13:26:55.716" v="465" actId="26606"/>
-          <ac:cxnSpMkLst>
-            <pc:docMk/>
-            <pc:sldMk cId="2484908466" sldId="256"/>
-            <ac:cxnSpMk id="50" creationId="{045062AF-EB11-4651-BC4A-4DA21768DE8E}"/>
-          </ac:cxnSpMkLst>
-        </pc:cxnChg>
-        <pc:cxnChg chg="add del">
-          <ac:chgData name="Nils Mechtel" userId="d365a3c7-8594-435f-9872-5455ceefc78f" providerId="ADAL" clId="{FEE5CBDF-FE29-4F9F-99B9-949F0817748B}" dt="2019-05-11T13:27:33.698" v="474" actId="26606"/>
-          <ac:cxnSpMkLst>
-            <pc:docMk/>
-            <pc:sldMk cId="2484908466" sldId="256"/>
-            <ac:cxnSpMk id="64" creationId="{A57C1A16-B8AB-4D99-A195-A38F556A6486}"/>
-          </ac:cxnSpMkLst>
-        </pc:cxnChg>
-        <pc:cxnChg chg="add del">
-          <ac:chgData name="Nils Mechtel" userId="d365a3c7-8594-435f-9872-5455ceefc78f" providerId="ADAL" clId="{FEE5CBDF-FE29-4F9F-99B9-949F0817748B}" dt="2019-05-11T13:27:33.698" v="474" actId="26606"/>
-          <ac:cxnSpMkLst>
-            <pc:docMk/>
-            <pc:sldMk cId="2484908466" sldId="256"/>
-            <ac:cxnSpMk id="66" creationId="{F8A9B20B-D1DD-4573-B5EC-558029519236}"/>
-          </ac:cxnSpMkLst>
-        </pc:cxnChg>
-        <pc:cxnChg chg="add del">
-          <ac:chgData name="Nils Mechtel" userId="d365a3c7-8594-435f-9872-5455ceefc78f" providerId="ADAL" clId="{FEE5CBDF-FE29-4F9F-99B9-949F0817748B}" dt="2019-05-11T15:39:31.536" v="1000"/>
-          <ac:cxnSpMkLst>
-            <pc:docMk/>
-            <pc:sldMk cId="2484908466" sldId="256"/>
-            <ac:cxnSpMk id="71" creationId="{C5ECDEE1-7093-418F-9CF5-24EEB115C1C1}"/>
-          </ac:cxnSpMkLst>
-        </pc:cxnChg>
-        <pc:cxnChg chg="add del">
-          <ac:chgData name="Nils Mechtel" userId="d365a3c7-8594-435f-9872-5455ceefc78f" providerId="ADAL" clId="{FEE5CBDF-FE29-4F9F-99B9-949F0817748B}" dt="2019-05-11T15:39:31.536" v="1000"/>
-          <ac:cxnSpMkLst>
-            <pc:docMk/>
-            <pc:sldMk cId="2484908466" sldId="256"/>
-            <ac:cxnSpMk id="73" creationId="{045062AF-EB11-4651-BC4A-4DA21768DE8E}"/>
-          </ac:cxnSpMkLst>
-        </pc:cxnChg>
-        <pc:cxnChg chg="add del">
-          <ac:chgData name="Nils Mechtel" userId="d365a3c7-8594-435f-9872-5455ceefc78f" providerId="ADAL" clId="{FEE5CBDF-FE29-4F9F-99B9-949F0817748B}" dt="2019-05-11T13:27:33.639" v="473" actId="26606"/>
-          <ac:cxnSpMkLst>
-            <pc:docMk/>
-            <pc:sldMk cId="2484908466" sldId="256"/>
-            <ac:cxnSpMk id="87" creationId="{FBB82796-3A6E-4FCF-8027-03F8520497BE}"/>
-          </ac:cxnSpMkLst>
-        </pc:cxnChg>
-        <pc:cxnChg chg="add del">
-          <ac:chgData name="Nils Mechtel" userId="d365a3c7-8594-435f-9872-5455ceefc78f" providerId="ADAL" clId="{FEE5CBDF-FE29-4F9F-99B9-949F0817748B}" dt="2019-05-11T13:27:33.639" v="473" actId="26606"/>
-          <ac:cxnSpMkLst>
-            <pc:docMk/>
-            <pc:sldMk cId="2484908466" sldId="256"/>
-            <ac:cxnSpMk id="89" creationId="{B103BA84-D5B0-4695-89D5-80EA89FAE1AB}"/>
-          </ac:cxnSpMkLst>
-        </pc:cxnChg>
-      </pc:sldChg>
-      <pc:sldChg chg="addSp delSp modSp mod ord modTransition setBg modAnim addCm delCm modCm modNotesTx">
-        <pc:chgData name="Nils Mechtel" userId="d365a3c7-8594-435f-9872-5455ceefc78f" providerId="ADAL" clId="{FEE5CBDF-FE29-4F9F-99B9-949F0817748B}" dt="2019-05-15T11:42:49.918" v="5997" actId="1592"/>
-        <pc:sldMkLst>
-          <pc:docMk/>
-          <pc:sldMk cId="1965533031" sldId="257"/>
-        </pc:sldMkLst>
-        <pc:spChg chg="mod ord">
-          <ac:chgData name="Nils Mechtel" userId="d365a3c7-8594-435f-9872-5455ceefc78f" providerId="ADAL" clId="{FEE5CBDF-FE29-4F9F-99B9-949F0817748B}" dt="2019-05-11T16:19:40.910" v="1241" actId="26606"/>
-          <ac:spMkLst>
-            <pc:docMk/>
-            <pc:sldMk cId="1965533031" sldId="257"/>
-            <ac:spMk id="2" creationId="{B008D1D3-9463-48A0-85F8-1984E244CECD}"/>
-          </ac:spMkLst>
-        </pc:spChg>
-        <pc:spChg chg="add mod">
-          <ac:chgData name="Nils Mechtel" userId="d365a3c7-8594-435f-9872-5455ceefc78f" providerId="ADAL" clId="{FEE5CBDF-FE29-4F9F-99B9-949F0817748B}" dt="2019-05-13T07:56:48.157" v="2449" actId="1076"/>
-          <ac:spMkLst>
-            <pc:docMk/>
-            <pc:sldMk cId="1965533031" sldId="257"/>
-            <ac:spMk id="3" creationId="{A3561F8D-9380-41DF-9739-3A0E08468CF6}"/>
-          </ac:spMkLst>
-        </pc:spChg>
-        <pc:spChg chg="mod">
-          <ac:chgData name="Nils Mechtel" userId="d365a3c7-8594-435f-9872-5455ceefc78f" providerId="ADAL" clId="{FEE5CBDF-FE29-4F9F-99B9-949F0817748B}" dt="2019-05-11T13:23:57.155" v="426" actId="20577"/>
-          <ac:spMkLst>
-            <pc:docMk/>
-            <pc:sldMk cId="1965533031" sldId="257"/>
-            <ac:spMk id="3" creationId="{C5F468CC-2388-463D-8E99-031E12807CF8}"/>
-          </ac:spMkLst>
-        </pc:spChg>
-        <pc:spChg chg="add del mod ord">
-          <ac:chgData name="Nils Mechtel" userId="d365a3c7-8594-435f-9872-5455ceefc78f" providerId="ADAL" clId="{FEE5CBDF-FE29-4F9F-99B9-949F0817748B}" dt="2019-05-13T07:55:07.862" v="2441"/>
-          <ac:spMkLst>
-            <pc:docMk/>
-            <pc:sldMk cId="1965533031" sldId="257"/>
-            <ac:spMk id="7" creationId="{78F9E495-2FEA-4C7F-AB13-CBD059C11A59}"/>
-          </ac:spMkLst>
-        </pc:spChg>
-        <pc:spChg chg="add del">
-          <ac:chgData name="Nils Mechtel" userId="d365a3c7-8594-435f-9872-5455ceefc78f" providerId="ADAL" clId="{FEE5CBDF-FE29-4F9F-99B9-949F0817748B}" dt="2019-05-11T16:18:56.374" v="1234" actId="26606"/>
-          <ac:spMkLst>
-            <pc:docMk/>
-            <pc:sldMk cId="1965533031" sldId="257"/>
-            <ac:spMk id="16" creationId="{4BE9D4C4-9FA3-4885-A769-301639CC7AD4}"/>
-          </ac:spMkLst>
-        </pc:spChg>
-        <pc:spChg chg="add del">
-          <ac:chgData name="Nils Mechtel" userId="d365a3c7-8594-435f-9872-5455ceefc78f" providerId="ADAL" clId="{FEE5CBDF-FE29-4F9F-99B9-949F0817748B}" dt="2019-05-11T16:18:56.374" v="1234" actId="26606"/>
-          <ac:spMkLst>
-            <pc:docMk/>
-            <pc:sldMk cId="1965533031" sldId="257"/>
-            <ac:spMk id="18" creationId="{7EB6695E-BED5-4DA3-8C9B-AD301AEF4776}"/>
-          </ac:spMkLst>
-        </pc:spChg>
-        <pc:picChg chg="add mod">
-          <ac:chgData name="Nils Mechtel" userId="d365a3c7-8594-435f-9872-5455ceefc78f" providerId="ADAL" clId="{FEE5CBDF-FE29-4F9F-99B9-949F0817748B}" dt="2019-05-11T14:16:08.356" v="691" actId="1076"/>
-          <ac:picMkLst>
-            <pc:docMk/>
-            <pc:sldMk cId="1965533031" sldId="257"/>
-            <ac:picMk id="4" creationId="{80925662-649A-4F0F-9E21-63AF8C92D0B2}"/>
-          </ac:picMkLst>
-        </pc:picChg>
-        <pc:picChg chg="add mod">
-          <ac:chgData name="Nils Mechtel" userId="d365a3c7-8594-435f-9872-5455ceefc78f" providerId="ADAL" clId="{FEE5CBDF-FE29-4F9F-99B9-949F0817748B}" dt="2019-05-13T07:54:41.877" v="2437" actId="1076"/>
-          <ac:picMkLst>
-            <pc:docMk/>
-            <pc:sldMk cId="1965533031" sldId="257"/>
-            <ac:picMk id="6" creationId="{60A2E3FA-4CE7-45BE-81BD-EBF5520FE600}"/>
-          </ac:picMkLst>
-        </pc:picChg>
-        <pc:picChg chg="mod ord">
-          <ac:chgData name="Nils Mechtel" userId="d365a3c7-8594-435f-9872-5455ceefc78f" providerId="ADAL" clId="{FEE5CBDF-FE29-4F9F-99B9-949F0817748B}" dt="2019-05-13T07:54:36.982" v="2436" actId="1076"/>
-          <ac:picMkLst>
-            <pc:docMk/>
-            <pc:sldMk cId="1965533031" sldId="257"/>
-            <ac:picMk id="11" creationId="{46303D25-7CBE-4883-82DB-08081E075408}"/>
-          </ac:picMkLst>
-        </pc:picChg>
-        <pc:picChg chg="add del mod ord">
-          <ac:chgData name="Nils Mechtel" userId="d365a3c7-8594-435f-9872-5455ceefc78f" providerId="ADAL" clId="{FEE5CBDF-FE29-4F9F-99B9-949F0817748B}" dt="2019-05-11T16:19:42.517" v="1242"/>
-          <ac:picMkLst>
-            <pc:docMk/>
-            <pc:sldMk cId="1965533031" sldId="257"/>
-            <ac:picMk id="12" creationId="{72D34532-627E-4E91-8194-38683447C42B}"/>
-          </ac:picMkLst>
-        </pc:picChg>
-      </pc:sldChg>
-      <pc:sldChg chg="addSp delSp modSp setBg">
-        <pc:chgData name="Nils Mechtel" userId="d365a3c7-8594-435f-9872-5455ceefc78f" providerId="ADAL" clId="{FEE5CBDF-FE29-4F9F-99B9-949F0817748B}" dt="2019-05-14T19:16:06.487" v="5539" actId="1076"/>
-        <pc:sldMkLst>
-          <pc:docMk/>
-          <pc:sldMk cId="3678253361" sldId="258"/>
-        </pc:sldMkLst>
-        <pc:spChg chg="mod">
-          <ac:chgData name="Nils Mechtel" userId="d365a3c7-8594-435f-9872-5455ceefc78f" providerId="ADAL" clId="{FEE5CBDF-FE29-4F9F-99B9-949F0817748B}" dt="2019-05-13T08:17:08.100" v="2603" actId="1076"/>
-          <ac:spMkLst>
-            <pc:docMk/>
-            <pc:sldMk cId="3678253361" sldId="258"/>
-            <ac:spMk id="2" creationId="{88AF4BB1-C745-4D72-9AAA-5E0278FCF5DB}"/>
-          </ac:spMkLst>
-        </pc:spChg>
-        <pc:spChg chg="del mod">
-          <ac:chgData name="Nils Mechtel" userId="d365a3c7-8594-435f-9872-5455ceefc78f" providerId="ADAL" clId="{FEE5CBDF-FE29-4F9F-99B9-949F0817748B}" dt="2019-05-13T08:27:57.261" v="2648"/>
-          <ac:spMkLst>
-            <pc:docMk/>
-            <pc:sldMk cId="3678253361" sldId="258"/>
-            <ac:spMk id="3" creationId="{9EB5275A-EC7E-4EF8-941F-533224F5BFBC}"/>
-          </ac:spMkLst>
-        </pc:spChg>
-        <pc:spChg chg="add mod">
-          <ac:chgData name="Nils Mechtel" userId="d365a3c7-8594-435f-9872-5455ceefc78f" providerId="ADAL" clId="{FEE5CBDF-FE29-4F9F-99B9-949F0817748B}" dt="2019-05-13T08:28:56.003" v="2660" actId="1076"/>
-          <ac:spMkLst>
-            <pc:docMk/>
-            <pc:sldMk cId="3678253361" sldId="258"/>
-            <ac:spMk id="5" creationId="{D0AAFE05-3F01-4A14-8188-57CE5A8CD71E}"/>
-          </ac:spMkLst>
-        </pc:spChg>
-        <pc:spChg chg="add del mod">
-          <ac:chgData name="Nils Mechtel" userId="d365a3c7-8594-435f-9872-5455ceefc78f" providerId="ADAL" clId="{FEE5CBDF-FE29-4F9F-99B9-949F0817748B}" dt="2019-05-13T08:28:00.253" v="2649" actId="478"/>
-          <ac:spMkLst>
-            <pc:docMk/>
-            <pc:sldMk cId="3678253361" sldId="258"/>
-            <ac:spMk id="6" creationId="{279DBCD1-7C5C-46CC-B563-B972292EBFA2}"/>
-          </ac:spMkLst>
-        </pc:spChg>
-        <pc:spChg chg="add mod">
-          <ac:chgData name="Nils Mechtel" userId="d365a3c7-8594-435f-9872-5455ceefc78f" providerId="ADAL" clId="{FEE5CBDF-FE29-4F9F-99B9-949F0817748B}" dt="2019-05-14T19:16:06.487" v="5539" actId="1076"/>
-          <ac:spMkLst>
-            <pc:docMk/>
-            <pc:sldMk cId="3678253361" sldId="258"/>
-            <ac:spMk id="7" creationId="{62F29A01-F4B1-4F85-A116-A9CD291D8816}"/>
-          </ac:spMkLst>
-        </pc:spChg>
-        <pc:spChg chg="add mod">
-          <ac:chgData name="Nils Mechtel" userId="d365a3c7-8594-435f-9872-5455ceefc78f" providerId="ADAL" clId="{FEE5CBDF-FE29-4F9F-99B9-949F0817748B}" dt="2019-05-14T19:16:06.487" v="5539" actId="1076"/>
-          <ac:spMkLst>
-            <pc:docMk/>
-            <pc:sldMk cId="3678253361" sldId="258"/>
-            <ac:spMk id="8" creationId="{41F96F25-D8B4-4DB8-B960-4A00E53B472B}"/>
-          </ac:spMkLst>
-        </pc:spChg>
-        <pc:spChg chg="mod">
-          <ac:chgData name="Nils Mechtel" userId="d365a3c7-8594-435f-9872-5455ceefc78f" providerId="ADAL" clId="{FEE5CBDF-FE29-4F9F-99B9-949F0817748B}" dt="2019-05-14T19:16:06.487" v="5539" actId="1076"/>
-          <ac:spMkLst>
-            <pc:docMk/>
-            <pc:sldMk cId="3678253361" sldId="258"/>
-            <ac:spMk id="9" creationId="{3051B073-4B27-4D2F-8EA2-4D83A57733D7}"/>
-          </ac:spMkLst>
-        </pc:spChg>
-        <pc:picChg chg="add mod">
-          <ac:chgData name="Nils Mechtel" userId="d365a3c7-8594-435f-9872-5455ceefc78f" providerId="ADAL" clId="{FEE5CBDF-FE29-4F9F-99B9-949F0817748B}" dt="2019-05-14T19:15:46.415" v="5537" actId="1076"/>
-          <ac:picMkLst>
-            <pc:docMk/>
-            <pc:sldMk cId="3678253361" sldId="258"/>
-            <ac:picMk id="4" creationId="{F2F50BCD-C94F-4B9B-8BF7-398EA9DCD782}"/>
-          </ac:picMkLst>
-        </pc:picChg>
-      </pc:sldChg>
-      <pc:sldChg chg="addSp delSp modSp modTransition setBg addAnim delAnim modAnim addCm delCm modCm">
-        <pc:chgData name="Nils Mechtel" userId="d365a3c7-8594-435f-9872-5455ceefc78f" providerId="ADAL" clId="{FEE5CBDF-FE29-4F9F-99B9-949F0817748B}" dt="2019-05-15T11:43:42.163" v="6001" actId="1592"/>
-        <pc:sldMkLst>
-          <pc:docMk/>
-          <pc:sldMk cId="2828272781" sldId="260"/>
-        </pc:sldMkLst>
-        <pc:spChg chg="mod">
-          <ac:chgData name="Nils Mechtel" userId="d365a3c7-8594-435f-9872-5455ceefc78f" providerId="ADAL" clId="{FEE5CBDF-FE29-4F9F-99B9-949F0817748B}" dt="2019-05-12T18:43:33.377" v="1889" actId="14100"/>
-          <ac:spMkLst>
-            <pc:docMk/>
-            <pc:sldMk cId="2828272781" sldId="260"/>
-            <ac:spMk id="2" creationId="{D099CFC0-58E8-4594-908D-B69CA1A0976B}"/>
-          </ac:spMkLst>
-        </pc:spChg>
-        <pc:spChg chg="del mod">
-          <ac:chgData name="Nils Mechtel" userId="d365a3c7-8594-435f-9872-5455ceefc78f" providerId="ADAL" clId="{FEE5CBDF-FE29-4F9F-99B9-949F0817748B}" dt="2019-05-12T18:11:27.147" v="1585"/>
-          <ac:spMkLst>
-            <pc:docMk/>
-            <pc:sldMk cId="2828272781" sldId="260"/>
-            <ac:spMk id="3" creationId="{C246E4BD-1BE0-408D-A950-BB322F35E38E}"/>
-          </ac:spMkLst>
-        </pc:spChg>
-        <pc:spChg chg="add del mod">
-          <ac:chgData name="Nils Mechtel" userId="d365a3c7-8594-435f-9872-5455ceefc78f" providerId="ADAL" clId="{FEE5CBDF-FE29-4F9F-99B9-949F0817748B}" dt="2019-05-12T18:11:43.209" v="1590" actId="478"/>
-          <ac:spMkLst>
-            <pc:docMk/>
-            <pc:sldMk cId="2828272781" sldId="260"/>
-            <ac:spMk id="4" creationId="{8DB027BE-02CD-4D1F-89EF-C3F0A64E25D8}"/>
-          </ac:spMkLst>
-        </pc:spChg>
-        <pc:spChg chg="add mod topLvl">
-          <ac:chgData name="Nils Mechtel" userId="d365a3c7-8594-435f-9872-5455ceefc78f" providerId="ADAL" clId="{FEE5CBDF-FE29-4F9F-99B9-949F0817748B}" dt="2019-05-13T17:12:44.700" v="3787" actId="165"/>
-          <ac:spMkLst>
-            <pc:docMk/>
-            <pc:sldMk cId="2828272781" sldId="260"/>
-            <ac:spMk id="7" creationId="{45369BA3-A9C8-4C19-8AC5-C57EE1B0E869}"/>
-          </ac:spMkLst>
-        </pc:spChg>
-        <pc:spChg chg="add mod topLvl">
-          <ac:chgData name="Nils Mechtel" userId="d365a3c7-8594-435f-9872-5455ceefc78f" providerId="ADAL" clId="{FEE5CBDF-FE29-4F9F-99B9-949F0817748B}" dt="2019-05-13T17:12:44.700" v="3787" actId="165"/>
-          <ac:spMkLst>
-            <pc:docMk/>
-            <pc:sldMk cId="2828272781" sldId="260"/>
-            <ac:spMk id="8" creationId="{8B3389BD-14E0-4B18-AA3D-C9CA05D81DE3}"/>
-          </ac:spMkLst>
-        </pc:spChg>
-        <pc:spChg chg="add del mod">
-          <ac:chgData name="Nils Mechtel" userId="d365a3c7-8594-435f-9872-5455ceefc78f" providerId="ADAL" clId="{FEE5CBDF-FE29-4F9F-99B9-949F0817748B}" dt="2019-05-12T18:33:13.970" v="1779" actId="478"/>
-          <ac:spMkLst>
-            <pc:docMk/>
-            <pc:sldMk cId="2828272781" sldId="260"/>
-            <ac:spMk id="8" creationId="{C1292762-4044-4A6A-8599-699295D09B3B}"/>
-          </ac:spMkLst>
-        </pc:spChg>
-        <pc:spChg chg="add del mod">
-          <ac:chgData name="Nils Mechtel" userId="d365a3c7-8594-435f-9872-5455ceefc78f" providerId="ADAL" clId="{FEE5CBDF-FE29-4F9F-99B9-949F0817748B}" dt="2019-05-12T18:33:24.079" v="1783" actId="478"/>
-          <ac:spMkLst>
-            <pc:docMk/>
-            <pc:sldMk cId="2828272781" sldId="260"/>
-            <ac:spMk id="9" creationId="{1D4EB516-48C0-40BF-9DDB-61243BE75C00}"/>
-          </ac:spMkLst>
-        </pc:spChg>
-        <pc:spChg chg="add mod">
-          <ac:chgData name="Nils Mechtel" userId="d365a3c7-8594-435f-9872-5455ceefc78f" providerId="ADAL" clId="{FEE5CBDF-FE29-4F9F-99B9-949F0817748B}" dt="2019-05-13T14:29:48.032" v="3461" actId="164"/>
-          <ac:spMkLst>
-            <pc:docMk/>
-            <pc:sldMk cId="2828272781" sldId="260"/>
-            <ac:spMk id="9" creationId="{D37F5B7C-EB54-4BDA-BFAA-74FC794A47B0}"/>
-          </ac:spMkLst>
-        </pc:spChg>
-        <pc:spChg chg="add mod topLvl">
-          <ac:chgData name="Nils Mechtel" userId="d365a3c7-8594-435f-9872-5455ceefc78f" providerId="ADAL" clId="{FEE5CBDF-FE29-4F9F-99B9-949F0817748B}" dt="2019-05-13T17:12:44.700" v="3787" actId="165"/>
-          <ac:spMkLst>
-            <pc:docMk/>
-            <pc:sldMk cId="2828272781" sldId="260"/>
-            <ac:spMk id="10" creationId="{C823F53C-52E4-409F-98E8-E31A23D44A36}"/>
-          </ac:spMkLst>
-        </pc:spChg>
-        <pc:spChg chg="add mod topLvl">
-          <ac:chgData name="Nils Mechtel" userId="d365a3c7-8594-435f-9872-5455ceefc78f" providerId="ADAL" clId="{FEE5CBDF-FE29-4F9F-99B9-949F0817748B}" dt="2019-05-13T17:12:44.700" v="3787" actId="165"/>
-          <ac:spMkLst>
-            <pc:docMk/>
-            <pc:sldMk cId="2828272781" sldId="260"/>
-            <ac:spMk id="11" creationId="{66B42854-487F-49DC-8209-9DD0923CED26}"/>
-          </ac:spMkLst>
-        </pc:spChg>
-        <pc:spChg chg="add mod">
-          <ac:chgData name="Nils Mechtel" userId="d365a3c7-8594-435f-9872-5455ceefc78f" providerId="ADAL" clId="{FEE5CBDF-FE29-4F9F-99B9-949F0817748B}" dt="2019-05-13T14:29:34.491" v="3459" actId="164"/>
-          <ac:spMkLst>
-            <pc:docMk/>
-            <pc:sldMk cId="2828272781" sldId="260"/>
-            <ac:spMk id="12" creationId="{387E4205-1187-4964-90E8-D30204E10B65}"/>
-          </ac:spMkLst>
-        </pc:spChg>
-        <pc:spChg chg="add mod">
-          <ac:chgData name="Nils Mechtel" userId="d365a3c7-8594-435f-9872-5455ceefc78f" providerId="ADAL" clId="{FEE5CBDF-FE29-4F9F-99B9-949F0817748B}" dt="2019-05-13T14:29:41.106" v="3460" actId="164"/>
-          <ac:spMkLst>
-            <pc:docMk/>
-            <pc:sldMk cId="2828272781" sldId="260"/>
-            <ac:spMk id="13" creationId="{EB07AB33-E0D6-40AD-8622-0F281402981F}"/>
-          </ac:spMkLst>
-        </pc:spChg>
-        <pc:spChg chg="add mod">
-          <ac:chgData name="Nils Mechtel" userId="d365a3c7-8594-435f-9872-5455ceefc78f" providerId="ADAL" clId="{FEE5CBDF-FE29-4F9F-99B9-949F0817748B}" dt="2019-05-13T14:30:25.460" v="3470" actId="164"/>
-          <ac:spMkLst>
-            <pc:docMk/>
-            <pc:sldMk cId="2828272781" sldId="260"/>
-            <ac:spMk id="14" creationId="{4F7A4A79-C09A-47C9-A1CC-355E1E6F4EC2}"/>
-          </ac:spMkLst>
-        </pc:spChg>
-        <pc:spChg chg="add mod">
-          <ac:chgData name="Nils Mechtel" userId="d365a3c7-8594-435f-9872-5455ceefc78f" providerId="ADAL" clId="{FEE5CBDF-FE29-4F9F-99B9-949F0817748B}" dt="2019-05-13T14:30:01.735" v="3463" actId="164"/>
-          <ac:spMkLst>
-            <pc:docMk/>
-            <pc:sldMk cId="2828272781" sldId="260"/>
-            <ac:spMk id="15" creationId="{570844D6-1BB6-4FA0-9A81-D1FEDE89FC3B}"/>
-          </ac:spMkLst>
-        </pc:spChg>
-        <pc:spChg chg="add mod ord">
-          <ac:chgData name="Nils Mechtel" userId="d365a3c7-8594-435f-9872-5455ceefc78f" providerId="ADAL" clId="{FEE5CBDF-FE29-4F9F-99B9-949F0817748B}" dt="2019-05-13T14:30:32.137" v="3471" actId="164"/>
-          <ac:spMkLst>
-            <pc:docMk/>
-            <pc:sldMk cId="2828272781" sldId="260"/>
-            <ac:spMk id="31" creationId="{FEABBD9F-F3A0-4C2A-9231-A3AD21D8E819}"/>
-          </ac:spMkLst>
-        </pc:spChg>
-        <pc:spChg chg="add mod">
-          <ac:chgData name="Nils Mechtel" userId="d365a3c7-8594-435f-9872-5455ceefc78f" providerId="ADAL" clId="{FEE5CBDF-FE29-4F9F-99B9-949F0817748B}" dt="2019-05-13T14:40:10.810" v="3599" actId="122"/>
-          <ac:spMkLst>
-            <pc:docMk/>
-            <pc:sldMk cId="2828272781" sldId="260"/>
-            <ac:spMk id="40" creationId="{943C2B7C-D87E-4C5C-8AE5-6ABFC23D212A}"/>
-          </ac:spMkLst>
-        </pc:spChg>
-        <pc:spChg chg="add mod">
-          <ac:chgData name="Nils Mechtel" userId="d365a3c7-8594-435f-9872-5455ceefc78f" providerId="ADAL" clId="{FEE5CBDF-FE29-4F9F-99B9-949F0817748B}" dt="2019-05-13T14:40:38.071" v="3604" actId="164"/>
-          <ac:spMkLst>
-            <pc:docMk/>
-            <pc:sldMk cId="2828272781" sldId="260"/>
-            <ac:spMk id="41" creationId="{93C41828-EB2B-4F62-AF84-F408B6F943EC}"/>
-          </ac:spMkLst>
-        </pc:spChg>
-        <pc:spChg chg="add del mod">
-          <ac:chgData name="Nils Mechtel" userId="d365a3c7-8594-435f-9872-5455ceefc78f" providerId="ADAL" clId="{FEE5CBDF-FE29-4F9F-99B9-949F0817748B}" dt="2019-05-13T14:39:35.961" v="3592" actId="478"/>
-          <ac:spMkLst>
-            <pc:docMk/>
-            <pc:sldMk cId="2828272781" sldId="260"/>
-            <ac:spMk id="42" creationId="{0FC10C2A-5176-477D-85AC-6C545F8D6BE5}"/>
-          </ac:spMkLst>
-        </pc:spChg>
-        <pc:spChg chg="add del mod">
-          <ac:chgData name="Nils Mechtel" userId="d365a3c7-8594-435f-9872-5455ceefc78f" providerId="ADAL" clId="{FEE5CBDF-FE29-4F9F-99B9-949F0817748B}" dt="2019-05-13T17:33:00.793" v="3976"/>
-          <ac:spMkLst>
-            <pc:docMk/>
-            <pc:sldMk cId="2828272781" sldId="260"/>
-            <ac:spMk id="42" creationId="{C615170F-CDB8-4056-B87C-CE18B8881CDF}"/>
-          </ac:spMkLst>
-        </pc:spChg>
-        <pc:spChg chg="add mod">
-          <ac:chgData name="Nils Mechtel" userId="d365a3c7-8594-435f-9872-5455ceefc78f" providerId="ADAL" clId="{FEE5CBDF-FE29-4F9F-99B9-949F0817748B}" dt="2019-05-13T14:40:25.363" v="3602" actId="164"/>
-          <ac:spMkLst>
-            <pc:docMk/>
-            <pc:sldMk cId="2828272781" sldId="260"/>
-            <ac:spMk id="43" creationId="{DA873C14-8B3A-4548-8B8C-36EB7D725E69}"/>
-          </ac:spMkLst>
-        </pc:spChg>
-        <pc:spChg chg="add mod">
-          <ac:chgData name="Nils Mechtel" userId="d365a3c7-8594-435f-9872-5455ceefc78f" providerId="ADAL" clId="{FEE5CBDF-FE29-4F9F-99B9-949F0817748B}" dt="2019-05-13T14:40:06.027" v="3597" actId="122"/>
-          <ac:spMkLst>
-            <pc:docMk/>
-            <pc:sldMk cId="2828272781" sldId="260"/>
-            <ac:spMk id="44" creationId="{E61A8728-BA14-4C0D-89B9-00A8FAEF962A}"/>
-          </ac:spMkLst>
-        </pc:spChg>
-        <pc:spChg chg="add mod">
-          <ac:chgData name="Nils Mechtel" userId="d365a3c7-8594-435f-9872-5455ceefc78f" providerId="ADAL" clId="{FEE5CBDF-FE29-4F9F-99B9-949F0817748B}" dt="2019-05-13T14:40:08.366" v="3598" actId="122"/>
-          <ac:spMkLst>
-            <pc:docMk/>
-            <pc:sldMk cId="2828272781" sldId="260"/>
-            <ac:spMk id="45" creationId="{7C07FF60-18EF-461B-8A37-6AF6F1F9292A}"/>
-          </ac:spMkLst>
-        </pc:spChg>
-        <pc:spChg chg="add del">
-          <ac:chgData name="Nils Mechtel" userId="d365a3c7-8594-435f-9872-5455ceefc78f" providerId="ADAL" clId="{FEE5CBDF-FE29-4F9F-99B9-949F0817748B}" dt="2019-05-13T14:36:28.359" v="3523"/>
-          <ac:spMkLst>
-            <pc:docMk/>
-            <pc:sldMk cId="2828272781" sldId="260"/>
-            <ac:spMk id="46" creationId="{454774B2-533C-4111-9C28-F665017FBF0F}"/>
-          </ac:spMkLst>
-        </pc:spChg>
-        <pc:spChg chg="add del mod">
-          <ac:chgData name="Nils Mechtel" userId="d365a3c7-8594-435f-9872-5455ceefc78f" providerId="ADAL" clId="{FEE5CBDF-FE29-4F9F-99B9-949F0817748B}" dt="2019-05-13T17:36:34.157" v="3995" actId="478"/>
-          <ac:spMkLst>
-            <pc:docMk/>
-            <pc:sldMk cId="2828272781" sldId="260"/>
-            <ac:spMk id="46" creationId="{650C63CA-8039-4C13-A25B-D372E4510923}"/>
-          </ac:spMkLst>
-        </pc:spChg>
-        <pc:spChg chg="add mod">
-          <ac:chgData name="Nils Mechtel" userId="d365a3c7-8594-435f-9872-5455ceefc78f" providerId="ADAL" clId="{FEE5CBDF-FE29-4F9F-99B9-949F0817748B}" dt="2019-05-13T14:40:31.816" v="3603" actId="164"/>
-          <ac:spMkLst>
-            <pc:docMk/>
-            <pc:sldMk cId="2828272781" sldId="260"/>
-            <ac:spMk id="47" creationId="{5EB173C0-677E-4BD7-9FB1-A4EA89279B4F}"/>
-          </ac:spMkLst>
-        </pc:spChg>
-        <pc:spChg chg="add del mod">
-          <ac:chgData name="Nils Mechtel" userId="d365a3c7-8594-435f-9872-5455ceefc78f" providerId="ADAL" clId="{FEE5CBDF-FE29-4F9F-99B9-949F0817748B}" dt="2019-05-13T17:36:34.157" v="3995" actId="478"/>
-          <ac:spMkLst>
-            <pc:docMk/>
-            <pc:sldMk cId="2828272781" sldId="260"/>
-            <ac:spMk id="50" creationId="{9D9F170D-A057-44CB-9E5B-0082B3625C3D}"/>
-          </ac:spMkLst>
-        </pc:spChg>
-        <pc:spChg chg="add del mod topLvl">
-          <ac:chgData name="Nils Mechtel" userId="d365a3c7-8594-435f-9872-5455ceefc78f" providerId="ADAL" clId="{FEE5CBDF-FE29-4F9F-99B9-949F0817748B}" dt="2019-05-13T17:26:49.454" v="3938" actId="478"/>
-          <ac:spMkLst>
-            <pc:docMk/>
-            <pc:sldMk cId="2828272781" sldId="260"/>
-            <ac:spMk id="72" creationId="{528DCE4C-B15D-492C-8AA1-66AF73EF6101}"/>
-          </ac:spMkLst>
-        </pc:spChg>
-        <pc:spChg chg="add del mod topLvl">
-          <ac:chgData name="Nils Mechtel" userId="d365a3c7-8594-435f-9872-5455ceefc78f" providerId="ADAL" clId="{FEE5CBDF-FE29-4F9F-99B9-949F0817748B}" dt="2019-05-13T17:24:18.644" v="3915" actId="478"/>
-          <ac:spMkLst>
-            <pc:docMk/>
-            <pc:sldMk cId="2828272781" sldId="260"/>
-            <ac:spMk id="73" creationId="{21BDB14A-CC91-4748-B5B0-60A9FE6D36C3}"/>
-          </ac:spMkLst>
-        </pc:spChg>
-        <pc:spChg chg="add mod topLvl">
-          <ac:chgData name="Nils Mechtel" userId="d365a3c7-8594-435f-9872-5455ceefc78f" providerId="ADAL" clId="{FEE5CBDF-FE29-4F9F-99B9-949F0817748B}" dt="2019-05-13T17:24:26.153" v="3916" actId="1076"/>
-          <ac:spMkLst>
-            <pc:docMk/>
-            <pc:sldMk cId="2828272781" sldId="260"/>
-            <ac:spMk id="74" creationId="{BDBD06EB-CF0E-434A-8B05-AB78613463D7}"/>
-          </ac:spMkLst>
-        </pc:spChg>
-        <pc:spChg chg="add mod topLvl">
-          <ac:chgData name="Nils Mechtel" userId="d365a3c7-8594-435f-9872-5455ceefc78f" providerId="ADAL" clId="{FEE5CBDF-FE29-4F9F-99B9-949F0817748B}" dt="2019-05-13T17:24:26.153" v="3916" actId="1076"/>
-          <ac:spMkLst>
-            <pc:docMk/>
-            <pc:sldMk cId="2828272781" sldId="260"/>
-            <ac:spMk id="75" creationId="{8FDAA598-DAB4-4D72-8E94-C955D5311933}"/>
-          </ac:spMkLst>
-        </pc:spChg>
-        <pc:spChg chg="add mod topLvl">
-          <ac:chgData name="Nils Mechtel" userId="d365a3c7-8594-435f-9872-5455ceefc78f" providerId="ADAL" clId="{FEE5CBDF-FE29-4F9F-99B9-949F0817748B}" dt="2019-05-13T17:24:26.153" v="3916" actId="1076"/>
-          <ac:spMkLst>
-            <pc:docMk/>
-            <pc:sldMk cId="2828272781" sldId="260"/>
-            <ac:spMk id="76" creationId="{E429C31A-0F8C-4128-B676-EC88DE3EBC35}"/>
-          </ac:spMkLst>
-        </pc:spChg>
-        <pc:spChg chg="add del mod topLvl">
-          <ac:chgData name="Nils Mechtel" userId="d365a3c7-8594-435f-9872-5455ceefc78f" providerId="ADAL" clId="{FEE5CBDF-FE29-4F9F-99B9-949F0817748B}" dt="2019-05-13T17:26:49.454" v="3938" actId="478"/>
-          <ac:spMkLst>
-            <pc:docMk/>
-            <pc:sldMk cId="2828272781" sldId="260"/>
-            <ac:spMk id="77" creationId="{A7763519-6DBD-4A9A-8FFF-7333D43FB9D3}"/>
-          </ac:spMkLst>
-        </pc:spChg>
-        <pc:spChg chg="add">
-          <ac:chgData name="Nils Mechtel" userId="d365a3c7-8594-435f-9872-5455ceefc78f" providerId="ADAL" clId="{FEE5CBDF-FE29-4F9F-99B9-949F0817748B}" dt="2019-05-13T17:14:18.222" v="3800"/>
-          <ac:spMkLst>
-            <pc:docMk/>
-            <pc:sldMk cId="2828272781" sldId="260"/>
-            <ac:spMk id="79" creationId="{97C49E0C-8588-4F91-AA4F-BA44F6581F78}"/>
-          </ac:spMkLst>
-        </pc:spChg>
-        <pc:spChg chg="add">
-          <ac:chgData name="Nils Mechtel" userId="d365a3c7-8594-435f-9872-5455ceefc78f" providerId="ADAL" clId="{FEE5CBDF-FE29-4F9F-99B9-949F0817748B}" dt="2019-05-13T17:14:18.222" v="3800"/>
-          <ac:spMkLst>
-            <pc:docMk/>
-            <pc:sldMk cId="2828272781" sldId="260"/>
-            <ac:spMk id="80" creationId="{09A410C0-2454-448F-9027-9901693FFCD2}"/>
-          </ac:spMkLst>
-        </pc:spChg>
-        <pc:spChg chg="add">
-          <ac:chgData name="Nils Mechtel" userId="d365a3c7-8594-435f-9872-5455ceefc78f" providerId="ADAL" clId="{FEE5CBDF-FE29-4F9F-99B9-949F0817748B}" dt="2019-05-13T17:15:27.526" v="3810"/>
-          <ac:spMkLst>
-            <pc:docMk/>
-            <pc:sldMk cId="2828272781" sldId="260"/>
-            <ac:spMk id="82" creationId="{F61A9C48-68D2-4869-8C10-505525A3ECA6}"/>
-          </ac:spMkLst>
-        </pc:spChg>
-        <pc:spChg chg="add">
-          <ac:chgData name="Nils Mechtel" userId="d365a3c7-8594-435f-9872-5455ceefc78f" providerId="ADAL" clId="{FEE5CBDF-FE29-4F9F-99B9-949F0817748B}" dt="2019-05-13T17:15:27.526" v="3810"/>
-          <ac:spMkLst>
-            <pc:docMk/>
-            <pc:sldMk cId="2828272781" sldId="260"/>
-            <ac:spMk id="83" creationId="{45A6DD7A-5DFF-46AA-A587-884C89F42B49}"/>
-          </ac:spMkLst>
-        </pc:spChg>
-        <pc:spChg chg="add">
-          <ac:chgData name="Nils Mechtel" userId="d365a3c7-8594-435f-9872-5455ceefc78f" providerId="ADAL" clId="{FEE5CBDF-FE29-4F9F-99B9-949F0817748B}" dt="2019-05-13T17:15:33.694" v="3811"/>
-          <ac:spMkLst>
-            <pc:docMk/>
-            <pc:sldMk cId="2828272781" sldId="260"/>
-            <ac:spMk id="85" creationId="{5E76ECEC-BDF5-4691-B443-DCF39CA7BA0D}"/>
-          </ac:spMkLst>
-        </pc:spChg>
-        <pc:spChg chg="add mod">
-          <ac:chgData name="Nils Mechtel" userId="d365a3c7-8594-435f-9872-5455ceefc78f" providerId="ADAL" clId="{FEE5CBDF-FE29-4F9F-99B9-949F0817748B}" dt="2019-05-14T13:01:38.387" v="4565" actId="20577"/>
-          <ac:spMkLst>
-            <pc:docMk/>
-            <pc:sldMk cId="2828272781" sldId="260"/>
-            <ac:spMk id="86" creationId="{036CCB68-DCA3-48D6-94A3-5758F961E283}"/>
-          </ac:spMkLst>
-        </pc:spChg>
-        <pc:spChg chg="add mod">
-          <ac:chgData name="Nils Mechtel" userId="d365a3c7-8594-435f-9872-5455ceefc78f" providerId="ADAL" clId="{FEE5CBDF-FE29-4F9F-99B9-949F0817748B}" dt="2019-05-13T17:16:05.393" v="3818" actId="1076"/>
-          <ac:spMkLst>
-            <pc:docMk/>
-            <pc:sldMk cId="2828272781" sldId="260"/>
-            <ac:spMk id="88" creationId="{28F95600-93EF-4E06-BBAC-992AB46B0C3B}"/>
-          </ac:spMkLst>
-        </pc:spChg>
-        <pc:spChg chg="add mod">
-          <ac:chgData name="Nils Mechtel" userId="d365a3c7-8594-435f-9872-5455ceefc78f" providerId="ADAL" clId="{FEE5CBDF-FE29-4F9F-99B9-949F0817748B}" dt="2019-05-13T17:16:01.593" v="3816" actId="1076"/>
-          <ac:spMkLst>
-            <pc:docMk/>
-            <pc:sldMk cId="2828272781" sldId="260"/>
-            <ac:spMk id="89" creationId="{5C5BB0BE-6C68-46B0-8F3F-11A9E087D9BB}"/>
-          </ac:spMkLst>
-        </pc:spChg>
-        <pc:spChg chg="add">
-          <ac:chgData name="Nils Mechtel" userId="d365a3c7-8594-435f-9872-5455ceefc78f" providerId="ADAL" clId="{FEE5CBDF-FE29-4F9F-99B9-949F0817748B}" dt="2019-05-13T17:15:46.108" v="3813"/>
-          <ac:spMkLst>
-            <pc:docMk/>
-            <pc:sldMk cId="2828272781" sldId="260"/>
-            <ac:spMk id="91" creationId="{C4A410BE-6298-44D7-9399-4D5A0F96ABD6}"/>
-          </ac:spMkLst>
-        </pc:spChg>
-        <pc:spChg chg="add">
-          <ac:chgData name="Nils Mechtel" userId="d365a3c7-8594-435f-9872-5455ceefc78f" providerId="ADAL" clId="{FEE5CBDF-FE29-4F9F-99B9-949F0817748B}" dt="2019-05-13T17:15:46.108" v="3813"/>
-          <ac:spMkLst>
-            <pc:docMk/>
-            <pc:sldMk cId="2828272781" sldId="260"/>
-            <ac:spMk id="92" creationId="{D41611DF-02DF-4696-A087-2BF88B845CEC}"/>
-          </ac:spMkLst>
-        </pc:spChg>
-        <pc:grpChg chg="add del mod">
-          <ac:chgData name="Nils Mechtel" userId="d365a3c7-8594-435f-9872-5455ceefc78f" providerId="ADAL" clId="{FEE5CBDF-FE29-4F9F-99B9-949F0817748B}" dt="2019-05-13T17:12:44.700" v="3787" actId="165"/>
-          <ac:grpSpMkLst>
-            <pc:docMk/>
-            <pc:sldMk cId="2828272781" sldId="260"/>
-            <ac:grpSpMk id="3" creationId="{E86FF885-5B8C-4C93-A44B-B14E1D722EB9}"/>
-          </ac:grpSpMkLst>
-        </pc:grpChg>
-        <pc:grpChg chg="add del mod">
-          <ac:chgData name="Nils Mechtel" userId="d365a3c7-8594-435f-9872-5455ceefc78f" providerId="ADAL" clId="{FEE5CBDF-FE29-4F9F-99B9-949F0817748B}" dt="2019-05-13T14:39:35.961" v="3592" actId="478"/>
-          <ac:grpSpMkLst>
-            <pc:docMk/>
-            <pc:sldMk cId="2828272781" sldId="260"/>
-            <ac:grpSpMk id="4" creationId="{2EA0C8C4-4548-4B16-A1B2-D0691F1C3869}"/>
-          </ac:grpSpMkLst>
-        </pc:grpChg>
-        <pc:grpChg chg="add mod">
-          <ac:chgData name="Nils Mechtel" userId="d365a3c7-8594-435f-9872-5455ceefc78f" providerId="ADAL" clId="{FEE5CBDF-FE29-4F9F-99B9-949F0817748B}" dt="2019-05-13T14:40:25.363" v="3602" actId="164"/>
-          <ac:grpSpMkLst>
-            <pc:docMk/>
-            <pc:sldMk cId="2828272781" sldId="260"/>
-            <ac:grpSpMk id="6" creationId="{134FDC5C-1487-4BF5-9B5E-BBEF8BECDE7C}"/>
-          </ac:grpSpMkLst>
-        </pc:grpChg>
-        <pc:grpChg chg="add mod">
-          <ac:chgData name="Nils Mechtel" userId="d365a3c7-8594-435f-9872-5455ceefc78f" providerId="ADAL" clId="{FEE5CBDF-FE29-4F9F-99B9-949F0817748B}" dt="2019-05-13T14:39:52.705" v="3594" actId="164"/>
-          <ac:grpSpMkLst>
-            <pc:docMk/>
-            <pc:sldMk cId="2828272781" sldId="260"/>
-            <ac:grpSpMk id="29" creationId="{03AEBC68-5387-4EE9-B1C5-C059FEA49662}"/>
-          </ac:grpSpMkLst>
-        </pc:grpChg>
-        <pc:grpChg chg="add mod">
-          <ac:chgData name="Nils Mechtel" userId="d365a3c7-8594-435f-9872-5455ceefc78f" providerId="ADAL" clId="{FEE5CBDF-FE29-4F9F-99B9-949F0817748B}" dt="2019-05-13T14:40:31.816" v="3603" actId="164"/>
-          <ac:grpSpMkLst>
-            <pc:docMk/>
-            <pc:sldMk cId="2828272781" sldId="260"/>
-            <ac:grpSpMk id="30" creationId="{EA0F3B40-1A15-46A1-AA48-92784D4144BB}"/>
-          </ac:grpSpMkLst>
-        </pc:grpChg>
-        <pc:grpChg chg="add mod">
-          <ac:chgData name="Nils Mechtel" userId="d365a3c7-8594-435f-9872-5455ceefc78f" providerId="ADAL" clId="{FEE5CBDF-FE29-4F9F-99B9-949F0817748B}" dt="2019-05-13T14:40:38.071" v="3604" actId="164"/>
-          <ac:grpSpMkLst>
-            <pc:docMk/>
-            <pc:sldMk cId="2828272781" sldId="260"/>
-            <ac:grpSpMk id="32" creationId="{BCCB78A2-CD37-41E9-A186-6055EA6D1D96}"/>
-          </ac:grpSpMkLst>
-        </pc:grpChg>
-        <pc:grpChg chg="add mod">
-          <ac:chgData name="Nils Mechtel" userId="d365a3c7-8594-435f-9872-5455ceefc78f" providerId="ADAL" clId="{FEE5CBDF-FE29-4F9F-99B9-949F0817748B}" dt="2019-05-13T14:39:46.824" v="3593" actId="164"/>
-          <ac:grpSpMkLst>
-            <pc:docMk/>
-            <pc:sldMk cId="2828272781" sldId="260"/>
-            <ac:grpSpMk id="33" creationId="{E6188689-0825-4A08-90C9-E737579337C7}"/>
-          </ac:grpSpMkLst>
-        </pc:grpChg>
-        <pc:grpChg chg="add del mod">
-          <ac:chgData name="Nils Mechtel" userId="d365a3c7-8594-435f-9872-5455ceefc78f" providerId="ADAL" clId="{FEE5CBDF-FE29-4F9F-99B9-949F0817748B}" dt="2019-05-13T14:35:33.807" v="3501" actId="478"/>
-          <ac:grpSpMkLst>
-            <pc:docMk/>
-            <pc:sldMk cId="2828272781" sldId="260"/>
-            <ac:grpSpMk id="34" creationId="{FAC2C433-3B5C-4B05-BE12-6C3628696DAA}"/>
-          </ac:grpSpMkLst>
-        </pc:grpChg>
-        <pc:grpChg chg="add mod">
-          <ac:chgData name="Nils Mechtel" userId="d365a3c7-8594-435f-9872-5455ceefc78f" providerId="ADAL" clId="{FEE5CBDF-FE29-4F9F-99B9-949F0817748B}" dt="2019-05-13T14:39:57.856" v="3595" actId="164"/>
-          <ac:grpSpMkLst>
-            <pc:docMk/>
-            <pc:sldMk cId="2828272781" sldId="260"/>
-            <ac:grpSpMk id="37" creationId="{6CEE06B5-4255-430E-87DC-C0D185FA105D}"/>
-          </ac:grpSpMkLst>
-        </pc:grpChg>
-        <pc:grpChg chg="add del mod">
-          <ac:chgData name="Nils Mechtel" userId="d365a3c7-8594-435f-9872-5455ceefc78f" providerId="ADAL" clId="{FEE5CBDF-FE29-4F9F-99B9-949F0817748B}" dt="2019-05-13T17:33:00.793" v="3976"/>
-          <ac:grpSpMkLst>
-            <pc:docMk/>
-            <pc:sldMk cId="2828272781" sldId="260"/>
-            <ac:grpSpMk id="39" creationId="{BFDBED2A-4B52-466B-BD2B-56F13456B836}"/>
-          </ac:grpSpMkLst>
-        </pc:grpChg>
-        <pc:grpChg chg="add del mod">
-          <ac:chgData name="Nils Mechtel" userId="d365a3c7-8594-435f-9872-5455ceefc78f" providerId="ADAL" clId="{FEE5CBDF-FE29-4F9F-99B9-949F0817748B}" dt="2019-05-13T17:36:34.157" v="3995" actId="478"/>
-          <ac:grpSpMkLst>
-            <pc:docMk/>
-            <pc:sldMk cId="2828272781" sldId="260"/>
-            <ac:grpSpMk id="43" creationId="{D0D5269A-45B8-4794-B4AA-6234AB805DBC}"/>
-          </ac:grpSpMkLst>
-        </pc:grpChg>
-        <pc:grpChg chg="add del mod">
-          <ac:chgData name="Nils Mechtel" userId="d365a3c7-8594-435f-9872-5455ceefc78f" providerId="ADAL" clId="{FEE5CBDF-FE29-4F9F-99B9-949F0817748B}" dt="2019-05-13T17:36:34.157" v="3995" actId="478"/>
-          <ac:grpSpMkLst>
-            <pc:docMk/>
-            <pc:sldMk cId="2828272781" sldId="260"/>
-            <ac:grpSpMk id="47" creationId="{4CC6EE38-B479-4F8B-AD7F-31A8B14386A0}"/>
-          </ac:grpSpMkLst>
-        </pc:grpChg>
-        <pc:grpChg chg="add del mod">
-          <ac:chgData name="Nils Mechtel" userId="d365a3c7-8594-435f-9872-5455ceefc78f" providerId="ADAL" clId="{FEE5CBDF-FE29-4F9F-99B9-949F0817748B}" dt="2019-05-13T14:47:25.664" v="3708" actId="478"/>
-          <ac:grpSpMkLst>
-            <pc:docMk/>
-            <pc:sldMk cId="2828272781" sldId="260"/>
-            <ac:grpSpMk id="48" creationId="{582347D5-E105-4FBD-9E09-4EF49A7778FC}"/>
-          </ac:grpSpMkLst>
-        </pc:grpChg>
-        <pc:grpChg chg="add del mod">
-          <ac:chgData name="Nils Mechtel" userId="d365a3c7-8594-435f-9872-5455ceefc78f" providerId="ADAL" clId="{FEE5CBDF-FE29-4F9F-99B9-949F0817748B}" dt="2019-05-13T14:47:25.664" v="3708" actId="478"/>
-          <ac:grpSpMkLst>
-            <pc:docMk/>
-            <pc:sldMk cId="2828272781" sldId="260"/>
-            <ac:grpSpMk id="49" creationId="{F8176D8A-FADF-470F-AD28-48639D03083F}"/>
-          </ac:grpSpMkLst>
-        </pc:grpChg>
-        <pc:grpChg chg="add del mod">
-          <ac:chgData name="Nils Mechtel" userId="d365a3c7-8594-435f-9872-5455ceefc78f" providerId="ADAL" clId="{FEE5CBDF-FE29-4F9F-99B9-949F0817748B}" dt="2019-05-13T14:47:25.664" v="3708" actId="478"/>
-          <ac:grpSpMkLst>
-            <pc:docMk/>
-            <pc:sldMk cId="2828272781" sldId="260"/>
-            <ac:grpSpMk id="50" creationId="{781DBBC8-FE0C-4189-8B9D-21FF2A2FE341}"/>
-          </ac:grpSpMkLst>
-        </pc:grpChg>
-        <pc:grpChg chg="add del mod">
-          <ac:chgData name="Nils Mechtel" userId="d365a3c7-8594-435f-9872-5455ceefc78f" providerId="ADAL" clId="{FEE5CBDF-FE29-4F9F-99B9-949F0817748B}" dt="2019-05-13T14:47:25.664" v="3708" actId="478"/>
-          <ac:grpSpMkLst>
-            <pc:docMk/>
-            <pc:sldMk cId="2828272781" sldId="260"/>
-            <ac:grpSpMk id="51" creationId="{8A44C692-67AA-4B13-85F1-91F6D041BC75}"/>
-          </ac:grpSpMkLst>
-        </pc:grpChg>
-        <pc:grpChg chg="add del mod">
-          <ac:chgData name="Nils Mechtel" userId="d365a3c7-8594-435f-9872-5455ceefc78f" providerId="ADAL" clId="{FEE5CBDF-FE29-4F9F-99B9-949F0817748B}" dt="2019-05-13T14:47:25.664" v="3708" actId="478"/>
-          <ac:grpSpMkLst>
-            <pc:docMk/>
-            <pc:sldMk cId="2828272781" sldId="260"/>
-            <ac:grpSpMk id="52" creationId="{737F35D4-5932-4796-8967-905B709797BD}"/>
-          </ac:grpSpMkLst>
-        </pc:grpChg>
-        <pc:grpChg chg="add del mod">
-          <ac:chgData name="Nils Mechtel" userId="d365a3c7-8594-435f-9872-5455ceefc78f" providerId="ADAL" clId="{FEE5CBDF-FE29-4F9F-99B9-949F0817748B}" dt="2019-05-13T14:47:25.664" v="3708" actId="478"/>
-          <ac:grpSpMkLst>
-            <pc:docMk/>
-            <pc:sldMk cId="2828272781" sldId="260"/>
-            <ac:grpSpMk id="53" creationId="{8301CC79-A883-41B6-89B9-2032306F5F1A}"/>
-          </ac:grpSpMkLst>
-        </pc:grpChg>
-        <pc:grpChg chg="add del mod topLvl">
-          <ac:chgData name="Nils Mechtel" userId="d365a3c7-8594-435f-9872-5455ceefc78f" providerId="ADAL" clId="{FEE5CBDF-FE29-4F9F-99B9-949F0817748B}" dt="2019-05-13T17:26:49.454" v="3938" actId="478"/>
-          <ac:grpSpMkLst>
-            <pc:docMk/>
-            <pc:sldMk cId="2828272781" sldId="260"/>
-            <ac:grpSpMk id="54" creationId="{575F70CC-AE76-42C5-9F7F-E02F53208A40}"/>
-          </ac:grpSpMkLst>
-        </pc:grpChg>
-        <pc:grpChg chg="add del mod topLvl">
-          <ac:chgData name="Nils Mechtel" userId="d365a3c7-8594-435f-9872-5455ceefc78f" providerId="ADAL" clId="{FEE5CBDF-FE29-4F9F-99B9-949F0817748B}" dt="2019-05-13T17:24:18.644" v="3915" actId="478"/>
-          <ac:grpSpMkLst>
-            <pc:docMk/>
-            <pc:sldMk cId="2828272781" sldId="260"/>
-            <ac:grpSpMk id="57" creationId="{9E1BB2CB-67F6-4934-9792-55F322A57083}"/>
-          </ac:grpSpMkLst>
-        </pc:grpChg>
-        <pc:grpChg chg="add mod topLvl">
-          <ac:chgData name="Nils Mechtel" userId="d365a3c7-8594-435f-9872-5455ceefc78f" providerId="ADAL" clId="{FEE5CBDF-FE29-4F9F-99B9-949F0817748B}" dt="2019-05-13T17:24:26.153" v="3916" actId="1076"/>
-          <ac:grpSpMkLst>
-            <pc:docMk/>
-            <pc:sldMk cId="2828272781" sldId="260"/>
-            <ac:grpSpMk id="60" creationId="{A41C6986-50E5-4E5C-8134-2440D81140AF}"/>
-          </ac:grpSpMkLst>
-        </pc:grpChg>
-        <pc:grpChg chg="add mod topLvl">
-          <ac:chgData name="Nils Mechtel" userId="d365a3c7-8594-435f-9872-5455ceefc78f" providerId="ADAL" clId="{FEE5CBDF-FE29-4F9F-99B9-949F0817748B}" dt="2019-05-13T17:24:26.153" v="3916" actId="1076"/>
-          <ac:grpSpMkLst>
-            <pc:docMk/>
-            <pc:sldMk cId="2828272781" sldId="260"/>
-            <ac:grpSpMk id="63" creationId="{FBF9E737-0259-4427-B545-7ACE0F405151}"/>
-          </ac:grpSpMkLst>
-        </pc:grpChg>
-        <pc:grpChg chg="add mod topLvl">
-          <ac:chgData name="Nils Mechtel" userId="d365a3c7-8594-435f-9872-5455ceefc78f" providerId="ADAL" clId="{FEE5CBDF-FE29-4F9F-99B9-949F0817748B}" dt="2019-05-13T17:24:26.153" v="3916" actId="1076"/>
-          <ac:grpSpMkLst>
-            <pc:docMk/>
-            <pc:sldMk cId="2828272781" sldId="260"/>
-            <ac:grpSpMk id="66" creationId="{CF1BA079-56DB-42E1-9BE7-120D39CECF0C}"/>
-          </ac:grpSpMkLst>
-        </pc:grpChg>
-        <pc:grpChg chg="add del mod topLvl">
-          <ac:chgData name="Nils Mechtel" userId="d365a3c7-8594-435f-9872-5455ceefc78f" providerId="ADAL" clId="{FEE5CBDF-FE29-4F9F-99B9-949F0817748B}" dt="2019-05-13T17:26:49.454" v="3938" actId="478"/>
-          <ac:grpSpMkLst>
-            <pc:docMk/>
-            <pc:sldMk cId="2828272781" sldId="260"/>
-            <ac:grpSpMk id="69" creationId="{43259D6A-FC6F-46CF-9A85-4191B7B63129}"/>
-          </ac:grpSpMkLst>
-        </pc:grpChg>
-        <pc:grpChg chg="add mod">
-          <ac:chgData name="Nils Mechtel" userId="d365a3c7-8594-435f-9872-5455ceefc78f" providerId="ADAL" clId="{FEE5CBDF-FE29-4F9F-99B9-949F0817748B}" dt="2019-05-13T17:14:27.888" v="3801"/>
-          <ac:grpSpMkLst>
-            <pc:docMk/>
-            <pc:sldMk cId="2828272781" sldId="260"/>
-            <ac:grpSpMk id="78" creationId="{FEC93503-4762-481D-95F1-60D9DB2EC944}"/>
-          </ac:grpSpMkLst>
-        </pc:grpChg>
-        <pc:grpChg chg="add mod">
-          <ac:chgData name="Nils Mechtel" userId="d365a3c7-8594-435f-9872-5455ceefc78f" providerId="ADAL" clId="{FEE5CBDF-FE29-4F9F-99B9-949F0817748B}" dt="2019-05-13T17:17:24.138" v="3828" actId="1076"/>
-          <ac:grpSpMkLst>
-            <pc:docMk/>
-            <pc:sldMk cId="2828272781" sldId="260"/>
-            <ac:grpSpMk id="81" creationId="{3150976C-B9B7-40FB-8290-82141889F356}"/>
-          </ac:grpSpMkLst>
-        </pc:grpChg>
-        <pc:grpChg chg="add mod">
-          <ac:chgData name="Nils Mechtel" userId="d365a3c7-8594-435f-9872-5455ceefc78f" providerId="ADAL" clId="{FEE5CBDF-FE29-4F9F-99B9-949F0817748B}" dt="2019-05-13T17:16:56.344" v="3823" actId="1076"/>
-          <ac:grpSpMkLst>
-            <pc:docMk/>
-            <pc:sldMk cId="2828272781" sldId="260"/>
-            <ac:grpSpMk id="84" creationId="{FF968A16-CCEC-4339-854B-6E68D45FC672}"/>
-          </ac:grpSpMkLst>
-        </pc:grpChg>
-        <pc:grpChg chg="add mod">
-          <ac:chgData name="Nils Mechtel" userId="d365a3c7-8594-435f-9872-5455ceefc78f" providerId="ADAL" clId="{FEE5CBDF-FE29-4F9F-99B9-949F0817748B}" dt="2019-05-13T17:17:12.679" v="3826" actId="1076"/>
-          <ac:grpSpMkLst>
-            <pc:docMk/>
-            <pc:sldMk cId="2828272781" sldId="260"/>
-            <ac:grpSpMk id="87" creationId="{170173FB-4774-4AA2-900C-E14BFD6DC64E}"/>
-          </ac:grpSpMkLst>
-        </pc:grpChg>
-        <pc:grpChg chg="add mod">
-          <ac:chgData name="Nils Mechtel" userId="d365a3c7-8594-435f-9872-5455ceefc78f" providerId="ADAL" clId="{FEE5CBDF-FE29-4F9F-99B9-949F0817748B}" dt="2019-05-13T17:17:16.132" v="3827" actId="1076"/>
-          <ac:grpSpMkLst>
-            <pc:docMk/>
-            <pc:sldMk cId="2828272781" sldId="260"/>
-            <ac:grpSpMk id="90" creationId="{26DBF00E-31E2-4A76-AB13-BBAD06253D7B}"/>
-          </ac:grpSpMkLst>
-        </pc:grpChg>
-        <pc:grpChg chg="add del mod">
-          <ac:chgData name="Nils Mechtel" userId="d365a3c7-8594-435f-9872-5455ceefc78f" providerId="ADAL" clId="{FEE5CBDF-FE29-4F9F-99B9-949F0817748B}" dt="2019-05-13T17:19:07.709" v="3861"/>
-          <ac:grpSpMkLst>
-            <pc:docMk/>
-            <pc:sldMk cId="2828272781" sldId="260"/>
-            <ac:grpSpMk id="93" creationId="{B829A988-278F-4D8C-B0F1-ACD7BDC0DCBE}"/>
-          </ac:grpSpMkLst>
-        </pc:grpChg>
-        <pc:grpChg chg="add del mod">
-          <ac:chgData name="Nils Mechtel" userId="d365a3c7-8594-435f-9872-5455ceefc78f" providerId="ADAL" clId="{FEE5CBDF-FE29-4F9F-99B9-949F0817748B}" dt="2019-05-13T17:23:37.640" v="3907" actId="165"/>
-          <ac:grpSpMkLst>
-            <pc:docMk/>
-            <pc:sldMk cId="2828272781" sldId="260"/>
-            <ac:grpSpMk id="96" creationId="{C19D4427-91D9-4229-92C5-15C561D7FB33}"/>
-          </ac:grpSpMkLst>
-        </pc:grpChg>
-        <pc:grpChg chg="add del mod">
-          <ac:chgData name="Nils Mechtel" userId="d365a3c7-8594-435f-9872-5455ceefc78f" providerId="ADAL" clId="{FEE5CBDF-FE29-4F9F-99B9-949F0817748B}" dt="2019-05-13T17:23:41.639" v="3908" actId="165"/>
-          <ac:grpSpMkLst>
-            <pc:docMk/>
-            <pc:sldMk cId="2828272781" sldId="260"/>
-            <ac:grpSpMk id="97" creationId="{59F45F35-51E0-432B-B090-E975041F7AC5}"/>
-          </ac:grpSpMkLst>
-        </pc:grpChg>
-        <pc:grpChg chg="add del mod ord">
-          <ac:chgData name="Nils Mechtel" userId="d365a3c7-8594-435f-9872-5455ceefc78f" providerId="ADAL" clId="{FEE5CBDF-FE29-4F9F-99B9-949F0817748B}" dt="2019-05-13T17:23:49.316" v="3911" actId="165"/>
-          <ac:grpSpMkLst>
-            <pc:docMk/>
-            <pc:sldMk cId="2828272781" sldId="260"/>
-            <ac:grpSpMk id="98" creationId="{515DFC31-E362-4589-94DA-82A3ACE2DF4C}"/>
-          </ac:grpSpMkLst>
-        </pc:grpChg>
-        <pc:grpChg chg="add del mod">
-          <ac:chgData name="Nils Mechtel" userId="d365a3c7-8594-435f-9872-5455ceefc78f" providerId="ADAL" clId="{FEE5CBDF-FE29-4F9F-99B9-949F0817748B}" dt="2019-05-13T17:23:52.358" v="3912" actId="165"/>
-          <ac:grpSpMkLst>
-            <pc:docMk/>
-            <pc:sldMk cId="2828272781" sldId="260"/>
-            <ac:grpSpMk id="99" creationId="{6B143082-DBAF-45DF-BEA7-31C28FAD131B}"/>
-          </ac:grpSpMkLst>
-        </pc:grpChg>
-        <pc:grpChg chg="add del mod">
-          <ac:chgData name="Nils Mechtel" userId="d365a3c7-8594-435f-9872-5455ceefc78f" providerId="ADAL" clId="{FEE5CBDF-FE29-4F9F-99B9-949F0817748B}" dt="2019-05-13T17:23:55.119" v="3913" actId="165"/>
-          <ac:grpSpMkLst>
-            <pc:docMk/>
-            <pc:sldMk cId="2828272781" sldId="260"/>
-            <ac:grpSpMk id="100" creationId="{771B2057-A694-41FC-AE0D-96806FB52220}"/>
-          </ac:grpSpMkLst>
-        </pc:grpChg>
-        <pc:grpChg chg="add del mod">
-          <ac:chgData name="Nils Mechtel" userId="d365a3c7-8594-435f-9872-5455ceefc78f" providerId="ADAL" clId="{FEE5CBDF-FE29-4F9F-99B9-949F0817748B}" dt="2019-05-13T17:23:58.285" v="3914" actId="165"/>
-          <ac:grpSpMkLst>
-            <pc:docMk/>
-            <pc:sldMk cId="2828272781" sldId="260"/>
-            <ac:grpSpMk id="101" creationId="{B3EAD259-DD5B-4D7B-AC47-47981EEEA968}"/>
-          </ac:grpSpMkLst>
-        </pc:grpChg>
-        <pc:graphicFrameChg chg="add del mod">
-          <ac:chgData name="Nils Mechtel" userId="d365a3c7-8594-435f-9872-5455ceefc78f" providerId="ADAL" clId="{FEE5CBDF-FE29-4F9F-99B9-949F0817748B}" dt="2019-05-13T17:16:39.974" v="3822" actId="478"/>
-          <ac:graphicFrameMkLst>
-            <pc:docMk/>
-            <pc:sldMk cId="2828272781" sldId="260"/>
-            <ac:graphicFrameMk id="5" creationId="{D4C4B1BA-D16D-4282-A0AC-0BE8729A13B2}"/>
-          </ac:graphicFrameMkLst>
-        </pc:graphicFrameChg>
-        <pc:graphicFrameChg chg="add del mod">
-          <ac:chgData name="Nils Mechtel" userId="d365a3c7-8594-435f-9872-5455ceefc78f" providerId="ADAL" clId="{FEE5CBDF-FE29-4F9F-99B9-949F0817748B}" dt="2019-05-12T18:32:02.734" v="1741" actId="478"/>
-          <ac:graphicFrameMkLst>
-            <pc:docMk/>
-            <pc:sldMk cId="2828272781" sldId="260"/>
-            <ac:graphicFrameMk id="6" creationId="{BC5E4AF0-08CE-442C-ACB7-B3FB93A8C59C}"/>
-          </ac:graphicFrameMkLst>
-        </pc:graphicFrameChg>
-        <pc:picChg chg="add del mod">
-          <ac:chgData name="Nils Mechtel" userId="d365a3c7-8594-435f-9872-5455ceefc78f" providerId="ADAL" clId="{FEE5CBDF-FE29-4F9F-99B9-949F0817748B}" dt="2019-05-13T14:27:21.555" v="3444" actId="478"/>
-          <ac:picMkLst>
-            <pc:docMk/>
-            <pc:sldMk cId="2828272781" sldId="260"/>
-            <ac:picMk id="16" creationId="{D53D2D01-4C24-4814-9172-A24DD58C49B9}"/>
-          </ac:picMkLst>
-        </pc:picChg>
-        <pc:picChg chg="add del">
-          <ac:chgData name="Nils Mechtel" userId="d365a3c7-8594-435f-9872-5455ceefc78f" providerId="ADAL" clId="{FEE5CBDF-FE29-4F9F-99B9-949F0817748B}" dt="2019-05-13T14:27:19.804" v="3443"/>
-          <ac:picMkLst>
-            <pc:docMk/>
-            <pc:sldMk cId="2828272781" sldId="260"/>
-            <ac:picMk id="17" creationId="{19A07DBC-4792-475F-9216-9697421B9A04}"/>
-          </ac:picMkLst>
-        </pc:picChg>
-        <pc:picChg chg="add del">
-          <ac:chgData name="Nils Mechtel" userId="d365a3c7-8594-435f-9872-5455ceefc78f" providerId="ADAL" clId="{FEE5CBDF-FE29-4F9F-99B9-949F0817748B}" dt="2019-05-13T14:27:19.804" v="3443"/>
-          <ac:picMkLst>
-            <pc:docMk/>
-            <pc:sldMk cId="2828272781" sldId="260"/>
-            <ac:picMk id="18" creationId="{30BE49A2-E27C-4F36-A0D4-83616A20F966}"/>
-          </ac:picMkLst>
-        </pc:picChg>
-        <pc:picChg chg="add del">
-          <ac:chgData name="Nils Mechtel" userId="d365a3c7-8594-435f-9872-5455ceefc78f" providerId="ADAL" clId="{FEE5CBDF-FE29-4F9F-99B9-949F0817748B}" dt="2019-05-13T14:27:19.804" v="3443"/>
-          <ac:picMkLst>
-            <pc:docMk/>
-            <pc:sldMk cId="2828272781" sldId="260"/>
-            <ac:picMk id="19" creationId="{11EFE225-3FB5-4183-9A45-E6EAC59ECE53}"/>
-          </ac:picMkLst>
-        </pc:picChg>
-        <pc:picChg chg="add del">
-          <ac:chgData name="Nils Mechtel" userId="d365a3c7-8594-435f-9872-5455ceefc78f" providerId="ADAL" clId="{FEE5CBDF-FE29-4F9F-99B9-949F0817748B}" dt="2019-05-13T14:27:19.804" v="3443"/>
-          <ac:picMkLst>
-            <pc:docMk/>
-            <pc:sldMk cId="2828272781" sldId="260"/>
-            <ac:picMk id="20" creationId="{C5576562-53AA-451F-92CA-9F44E1619774}"/>
-          </ac:picMkLst>
-        </pc:picChg>
-        <pc:picChg chg="add del">
-          <ac:chgData name="Nils Mechtel" userId="d365a3c7-8594-435f-9872-5455ceefc78f" providerId="ADAL" clId="{FEE5CBDF-FE29-4F9F-99B9-949F0817748B}" dt="2019-05-13T14:27:19.804" v="3443"/>
-          <ac:picMkLst>
-            <pc:docMk/>
-            <pc:sldMk cId="2828272781" sldId="260"/>
-            <ac:picMk id="21" creationId="{769DF3DB-EC03-4BA1-8E9C-09500F08EAE1}"/>
-          </ac:picMkLst>
-        </pc:picChg>
-        <pc:picChg chg="add del">
-          <ac:chgData name="Nils Mechtel" userId="d365a3c7-8594-435f-9872-5455ceefc78f" providerId="ADAL" clId="{FEE5CBDF-FE29-4F9F-99B9-949F0817748B}" dt="2019-05-13T14:27:19.804" v="3443"/>
-          <ac:picMkLst>
-            <pc:docMk/>
-            <pc:sldMk cId="2828272781" sldId="260"/>
-            <ac:picMk id="22" creationId="{16BCEF55-1DD7-42C1-A770-9B0A33ED02B6}"/>
-          </ac:picMkLst>
-        </pc:picChg>
-        <pc:picChg chg="add mod">
-          <ac:chgData name="Nils Mechtel" userId="d365a3c7-8594-435f-9872-5455ceefc78f" providerId="ADAL" clId="{FEE5CBDF-FE29-4F9F-99B9-949F0817748B}" dt="2019-05-13T14:30:01.735" v="3463" actId="164"/>
-          <ac:picMkLst>
-            <pc:docMk/>
-            <pc:sldMk cId="2828272781" sldId="260"/>
-            <ac:picMk id="23" creationId="{D22C079B-AE4B-437F-B5E9-1D1A65975E05}"/>
-          </ac:picMkLst>
-        </pc:picChg>
-        <pc:picChg chg="add mod">
-          <ac:chgData name="Nils Mechtel" userId="d365a3c7-8594-435f-9872-5455ceefc78f" providerId="ADAL" clId="{FEE5CBDF-FE29-4F9F-99B9-949F0817748B}" dt="2019-05-13T14:29:34.491" v="3459" actId="164"/>
-          <ac:picMkLst>
-            <pc:docMk/>
-            <pc:sldMk cId="2828272781" sldId="260"/>
-            <ac:picMk id="24" creationId="{6C618A20-EFDA-4FC8-9314-D320BF61C1F4}"/>
-          </ac:picMkLst>
-        </pc:picChg>
-        <pc:picChg chg="add mod">
-          <ac:chgData name="Nils Mechtel" userId="d365a3c7-8594-435f-9872-5455ceefc78f" providerId="ADAL" clId="{FEE5CBDF-FE29-4F9F-99B9-949F0817748B}" dt="2019-05-13T14:30:32.137" v="3471" actId="164"/>
-          <ac:picMkLst>
-            <pc:docMk/>
-            <pc:sldMk cId="2828272781" sldId="260"/>
-            <ac:picMk id="25" creationId="{2557807F-8C45-4B1F-AA96-9DADD705ED2A}"/>
-          </ac:picMkLst>
-        </pc:picChg>
-        <pc:picChg chg="add mod">
-          <ac:chgData name="Nils Mechtel" userId="d365a3c7-8594-435f-9872-5455ceefc78f" providerId="ADAL" clId="{FEE5CBDF-FE29-4F9F-99B9-949F0817748B}" dt="2019-05-13T14:29:41.106" v="3460" actId="164"/>
-          <ac:picMkLst>
-            <pc:docMk/>
-            <pc:sldMk cId="2828272781" sldId="260"/>
-            <ac:picMk id="26" creationId="{ACC84770-31C5-47CC-8C87-65CD77C5E1A3}"/>
-          </ac:picMkLst>
-        </pc:picChg>
-        <pc:picChg chg="add mod">
-          <ac:chgData name="Nils Mechtel" userId="d365a3c7-8594-435f-9872-5455ceefc78f" providerId="ADAL" clId="{FEE5CBDF-FE29-4F9F-99B9-949F0817748B}" dt="2019-05-13T14:29:48.032" v="3461" actId="164"/>
-          <ac:picMkLst>
-            <pc:docMk/>
-            <pc:sldMk cId="2828272781" sldId="260"/>
-            <ac:picMk id="27" creationId="{720C639A-FCE8-41A5-84A8-7C6FAE15DF0C}"/>
-          </ac:picMkLst>
-        </pc:picChg>
-        <pc:picChg chg="add mod">
-          <ac:chgData name="Nils Mechtel" userId="d365a3c7-8594-435f-9872-5455ceefc78f" providerId="ADAL" clId="{FEE5CBDF-FE29-4F9F-99B9-949F0817748B}" dt="2019-05-13T14:30:25.460" v="3470" actId="164"/>
-          <ac:picMkLst>
-            <pc:docMk/>
-            <pc:sldMk cId="2828272781" sldId="260"/>
-            <ac:picMk id="28" creationId="{170E8B23-75D9-403B-9BAE-CF0BEE5866A8}"/>
-          </ac:picMkLst>
-        </pc:picChg>
-        <pc:inkChg chg="add del">
-          <ac:chgData name="Nils Mechtel" userId="d365a3c7-8594-435f-9872-5455ceefc78f" providerId="ADAL" clId="{FEE5CBDF-FE29-4F9F-99B9-949F0817748B}" dt="2019-05-11T14:22:46.902" v="803"/>
-          <ac:inkMkLst>
-            <pc:docMk/>
-            <pc:sldMk cId="2828272781" sldId="260"/>
-            <ac:inkMk id="4" creationId="{9AD985C7-D668-443A-A23F-7ADEE6C7F80A}"/>
-          </ac:inkMkLst>
-        </pc:inkChg>
-        <pc:inkChg chg="add del">
-          <ac:chgData name="Nils Mechtel" userId="d365a3c7-8594-435f-9872-5455ceefc78f" providerId="ADAL" clId="{FEE5CBDF-FE29-4F9F-99B9-949F0817748B}" dt="2019-05-11T14:22:46.902" v="803"/>
-          <ac:inkMkLst>
-            <pc:docMk/>
-            <pc:sldMk cId="2828272781" sldId="260"/>
-            <ac:inkMk id="5" creationId="{F17DC707-4A0B-47F5-A0D4-4391AF260B1A}"/>
-          </ac:inkMkLst>
-        </pc:inkChg>
-        <pc:inkChg chg="add del">
-          <ac:chgData name="Nils Mechtel" userId="d365a3c7-8594-435f-9872-5455ceefc78f" providerId="ADAL" clId="{FEE5CBDF-FE29-4F9F-99B9-949F0817748B}" dt="2019-05-11T14:22:46.902" v="803"/>
-          <ac:inkMkLst>
-            <pc:docMk/>
-            <pc:sldMk cId="2828272781" sldId="260"/>
-            <ac:inkMk id="6" creationId="{25B71310-2EB0-4F42-9246-7D0ED44F60AF}"/>
-          </ac:inkMkLst>
-        </pc:inkChg>
-        <pc:inkChg chg="add del">
-          <ac:chgData name="Nils Mechtel" userId="d365a3c7-8594-435f-9872-5455ceefc78f" providerId="ADAL" clId="{FEE5CBDF-FE29-4F9F-99B9-949F0817748B}" dt="2019-05-11T14:22:46.902" v="803"/>
-          <ac:inkMkLst>
-            <pc:docMk/>
-            <pc:sldMk cId="2828272781" sldId="260"/>
-            <ac:inkMk id="7" creationId="{CDB577A1-32D4-4B28-B284-BD2D65EFD3F3}"/>
-          </ac:inkMkLst>
-        </pc:inkChg>
-        <pc:inkChg chg="add del">
-          <ac:chgData name="Nils Mechtel" userId="d365a3c7-8594-435f-9872-5455ceefc78f" providerId="ADAL" clId="{FEE5CBDF-FE29-4F9F-99B9-949F0817748B}" dt="2019-05-11T14:22:51.055" v="808"/>
-          <ac:inkMkLst>
-            <pc:docMk/>
-            <pc:sldMk cId="2828272781" sldId="260"/>
-            <ac:inkMk id="8" creationId="{324A0ABD-9120-41E0-8F40-6E836AF3BE46}"/>
-          </ac:inkMkLst>
-        </pc:inkChg>
-        <pc:inkChg chg="add del">
-          <ac:chgData name="Nils Mechtel" userId="d365a3c7-8594-435f-9872-5455ceefc78f" providerId="ADAL" clId="{FEE5CBDF-FE29-4F9F-99B9-949F0817748B}" dt="2019-05-11T14:22:51.055" v="808"/>
-          <ac:inkMkLst>
-            <pc:docMk/>
-            <pc:sldMk cId="2828272781" sldId="260"/>
-            <ac:inkMk id="9" creationId="{CDE71015-D5FA-4C42-BD74-1212099F1C8B}"/>
-          </ac:inkMkLst>
-        </pc:inkChg>
-        <pc:inkChg chg="add del">
-          <ac:chgData name="Nils Mechtel" userId="d365a3c7-8594-435f-9872-5455ceefc78f" providerId="ADAL" clId="{FEE5CBDF-FE29-4F9F-99B9-949F0817748B}" dt="2019-05-11T14:22:51.055" v="808"/>
-          <ac:inkMkLst>
-            <pc:docMk/>
-            <pc:sldMk cId="2828272781" sldId="260"/>
-            <ac:inkMk id="10" creationId="{F3FAAE6B-29AA-4810-AA47-CECA1771CA63}"/>
-          </ac:inkMkLst>
-        </pc:inkChg>
-        <pc:inkChg chg="add del">
-          <ac:chgData name="Nils Mechtel" userId="d365a3c7-8594-435f-9872-5455ceefc78f" providerId="ADAL" clId="{FEE5CBDF-FE29-4F9F-99B9-949F0817748B}" dt="2019-05-11T14:22:51.055" v="808"/>
-          <ac:inkMkLst>
-            <pc:docMk/>
-            <pc:sldMk cId="2828272781" sldId="260"/>
-            <ac:inkMk id="11" creationId="{860FA142-BF96-4BBF-921F-11BDBF30AECA}"/>
-          </ac:inkMkLst>
-        </pc:inkChg>
-        <pc:inkChg chg="add del">
-          <ac:chgData name="Nils Mechtel" userId="d365a3c7-8594-435f-9872-5455ceefc78f" providerId="ADAL" clId="{FEE5CBDF-FE29-4F9F-99B9-949F0817748B}" dt="2019-05-11T14:22:51.055" v="808"/>
-          <ac:inkMkLst>
-            <pc:docMk/>
-            <pc:sldMk cId="2828272781" sldId="260"/>
-            <ac:inkMk id="12" creationId="{7F82A57D-41FB-473D-88E3-33A90482F6B0}"/>
-          </ac:inkMkLst>
-        </pc:inkChg>
-        <pc:inkChg chg="add del">
-          <ac:chgData name="Nils Mechtel" userId="d365a3c7-8594-435f-9872-5455ceefc78f" providerId="ADAL" clId="{FEE5CBDF-FE29-4F9F-99B9-949F0817748B}" dt="2019-05-11T14:22:54.119" v="812"/>
-          <ac:inkMkLst>
-            <pc:docMk/>
-            <pc:sldMk cId="2828272781" sldId="260"/>
-            <ac:inkMk id="13" creationId="{8F1D7616-D642-4CE0-A6C1-5EF7C9154A92}"/>
-          </ac:inkMkLst>
-        </pc:inkChg>
-        <pc:inkChg chg="add del">
-          <ac:chgData name="Nils Mechtel" userId="d365a3c7-8594-435f-9872-5455ceefc78f" providerId="ADAL" clId="{FEE5CBDF-FE29-4F9F-99B9-949F0817748B}" dt="2019-05-11T14:22:54.119" v="812"/>
-          <ac:inkMkLst>
-            <pc:docMk/>
-            <pc:sldMk cId="2828272781" sldId="260"/>
-            <ac:inkMk id="14" creationId="{E75BE0B0-92B6-4364-B04B-10FF00A88312}"/>
-          </ac:inkMkLst>
-        </pc:inkChg>
-        <pc:inkChg chg="add del">
-          <ac:chgData name="Nils Mechtel" userId="d365a3c7-8594-435f-9872-5455ceefc78f" providerId="ADAL" clId="{FEE5CBDF-FE29-4F9F-99B9-949F0817748B}" dt="2019-05-11T14:22:54.119" v="812"/>
-          <ac:inkMkLst>
-            <pc:docMk/>
-            <pc:sldMk cId="2828272781" sldId="260"/>
-            <ac:inkMk id="15" creationId="{56CB9EE4-02B7-4058-9265-8B4AB68EE100}"/>
-          </ac:inkMkLst>
-        </pc:inkChg>
-        <pc:inkChg chg="add del">
-          <ac:chgData name="Nils Mechtel" userId="d365a3c7-8594-435f-9872-5455ceefc78f" providerId="ADAL" clId="{FEE5CBDF-FE29-4F9F-99B9-949F0817748B}" dt="2019-05-11T14:22:54.119" v="812"/>
-          <ac:inkMkLst>
-            <pc:docMk/>
-            <pc:sldMk cId="2828272781" sldId="260"/>
-            <ac:inkMk id="16" creationId="{9F541EB7-0B9F-4F1D-8779-87E74AED8D9D}"/>
-          </ac:inkMkLst>
-        </pc:inkChg>
-        <pc:inkChg chg="add del">
-          <ac:chgData name="Nils Mechtel" userId="d365a3c7-8594-435f-9872-5455ceefc78f" providerId="ADAL" clId="{FEE5CBDF-FE29-4F9F-99B9-949F0817748B}" dt="2019-05-11T14:22:55.719" v="815"/>
-          <ac:inkMkLst>
-            <pc:docMk/>
-            <pc:sldMk cId="2828272781" sldId="260"/>
-            <ac:inkMk id="17" creationId="{DFA0DAF3-0F41-430D-9E46-84A1C140D4F3}"/>
-          </ac:inkMkLst>
-        </pc:inkChg>
-        <pc:inkChg chg="add del">
-          <ac:chgData name="Nils Mechtel" userId="d365a3c7-8594-435f-9872-5455ceefc78f" providerId="ADAL" clId="{FEE5CBDF-FE29-4F9F-99B9-949F0817748B}" dt="2019-05-11T14:22:55.719" v="815"/>
-          <ac:inkMkLst>
-            <pc:docMk/>
-            <pc:sldMk cId="2828272781" sldId="260"/>
-            <ac:inkMk id="18" creationId="{6CB322AF-C4F1-40C0-9CD7-BEA9D395ECEE}"/>
-          </ac:inkMkLst>
-        </pc:inkChg>
-        <pc:inkChg chg="add del">
-          <ac:chgData name="Nils Mechtel" userId="d365a3c7-8594-435f-9872-5455ceefc78f" providerId="ADAL" clId="{FEE5CBDF-FE29-4F9F-99B9-949F0817748B}" dt="2019-05-11T14:22:55.719" v="815"/>
-          <ac:inkMkLst>
-            <pc:docMk/>
-            <pc:sldMk cId="2828272781" sldId="260"/>
-            <ac:inkMk id="19" creationId="{C4EC5CF1-FDDF-4BE9-9852-ED550AD8BEAE}"/>
-          </ac:inkMkLst>
-        </pc:inkChg>
-        <pc:inkChg chg="add del">
-          <ac:chgData name="Nils Mechtel" userId="d365a3c7-8594-435f-9872-5455ceefc78f" providerId="ADAL" clId="{FEE5CBDF-FE29-4F9F-99B9-949F0817748B}" dt="2019-05-11T14:22:57.540" v="817"/>
-          <ac:inkMkLst>
-            <pc:docMk/>
-            <pc:sldMk cId="2828272781" sldId="260"/>
-            <ac:inkMk id="20" creationId="{E5B3D2B9-325E-49B6-AB44-299EEFC410E8}"/>
-          </ac:inkMkLst>
-        </pc:inkChg>
-        <pc:inkChg chg="add del">
-          <ac:chgData name="Nils Mechtel" userId="d365a3c7-8594-435f-9872-5455ceefc78f" providerId="ADAL" clId="{FEE5CBDF-FE29-4F9F-99B9-949F0817748B}" dt="2019-05-11T14:22:57.540" v="817"/>
-          <ac:inkMkLst>
-            <pc:docMk/>
-            <pc:sldMk cId="2828272781" sldId="260"/>
-            <ac:inkMk id="21" creationId="{FDB6B424-CF24-4D9F-8486-F963B8CE2BEB}"/>
-          </ac:inkMkLst>
-        </pc:inkChg>
-        <pc:inkChg chg="add del">
-          <ac:chgData name="Nils Mechtel" userId="d365a3c7-8594-435f-9872-5455ceefc78f" providerId="ADAL" clId="{FEE5CBDF-FE29-4F9F-99B9-949F0817748B}" dt="2019-05-11T14:23:01.926" v="825"/>
-          <ac:inkMkLst>
-            <pc:docMk/>
-            <pc:sldMk cId="2828272781" sldId="260"/>
-            <ac:inkMk id="22" creationId="{0681828B-EBD8-4E0D-9403-324CA97D6072}"/>
-          </ac:inkMkLst>
-        </pc:inkChg>
-        <pc:inkChg chg="add del">
-          <ac:chgData name="Nils Mechtel" userId="d365a3c7-8594-435f-9872-5455ceefc78f" providerId="ADAL" clId="{FEE5CBDF-FE29-4F9F-99B9-949F0817748B}" dt="2019-05-11T14:23:01.926" v="825"/>
-          <ac:inkMkLst>
-            <pc:docMk/>
-            <pc:sldMk cId="2828272781" sldId="260"/>
-            <ac:inkMk id="23" creationId="{B54EA138-EB01-41EB-9948-DFA90D2FF8C4}"/>
-          </ac:inkMkLst>
-        </pc:inkChg>
-        <pc:inkChg chg="add del">
-          <ac:chgData name="Nils Mechtel" userId="d365a3c7-8594-435f-9872-5455ceefc78f" providerId="ADAL" clId="{FEE5CBDF-FE29-4F9F-99B9-949F0817748B}" dt="2019-05-11T14:23:01.926" v="825"/>
-          <ac:inkMkLst>
-            <pc:docMk/>
-            <pc:sldMk cId="2828272781" sldId="260"/>
-            <ac:inkMk id="24" creationId="{7B02FAD6-66D6-4BD5-A735-F8394D09866D}"/>
-          </ac:inkMkLst>
-        </pc:inkChg>
-        <pc:inkChg chg="add del">
-          <ac:chgData name="Nils Mechtel" userId="d365a3c7-8594-435f-9872-5455ceefc78f" providerId="ADAL" clId="{FEE5CBDF-FE29-4F9F-99B9-949F0817748B}" dt="2019-05-11T14:23:01.926" v="825"/>
-          <ac:inkMkLst>
-            <pc:docMk/>
-            <pc:sldMk cId="2828272781" sldId="260"/>
-            <ac:inkMk id="25" creationId="{D3DDB643-A471-4170-88E4-439C8D8DBC79}"/>
-          </ac:inkMkLst>
-        </pc:inkChg>
-        <pc:inkChg chg="add del">
-          <ac:chgData name="Nils Mechtel" userId="d365a3c7-8594-435f-9872-5455ceefc78f" providerId="ADAL" clId="{FEE5CBDF-FE29-4F9F-99B9-949F0817748B}" dt="2019-05-11T14:23:01.926" v="825"/>
-          <ac:inkMkLst>
-            <pc:docMk/>
-            <pc:sldMk cId="2828272781" sldId="260"/>
-            <ac:inkMk id="26" creationId="{66F5D31E-4995-46B5-A01A-CBE1913B7564}"/>
-          </ac:inkMkLst>
-        </pc:inkChg>
-        <pc:inkChg chg="add del">
-          <ac:chgData name="Nils Mechtel" userId="d365a3c7-8594-435f-9872-5455ceefc78f" providerId="ADAL" clId="{FEE5CBDF-FE29-4F9F-99B9-949F0817748B}" dt="2019-05-11T14:23:01.926" v="825"/>
-          <ac:inkMkLst>
-            <pc:docMk/>
-            <pc:sldMk cId="2828272781" sldId="260"/>
-            <ac:inkMk id="27" creationId="{4A0D0166-1529-47A1-9DFA-471E539E7637}"/>
-          </ac:inkMkLst>
-        </pc:inkChg>
-        <pc:inkChg chg="add del">
-          <ac:chgData name="Nils Mechtel" userId="d365a3c7-8594-435f-9872-5455ceefc78f" providerId="ADAL" clId="{FEE5CBDF-FE29-4F9F-99B9-949F0817748B}" dt="2019-05-11T14:23:01.926" v="825"/>
-          <ac:inkMkLst>
-            <pc:docMk/>
-            <pc:sldMk cId="2828272781" sldId="260"/>
-            <ac:inkMk id="28" creationId="{31CE3908-5873-4331-A76E-E328039EE9A0}"/>
-          </ac:inkMkLst>
-        </pc:inkChg>
-        <pc:inkChg chg="add del">
-          <ac:chgData name="Nils Mechtel" userId="d365a3c7-8594-435f-9872-5455ceefc78f" providerId="ADAL" clId="{FEE5CBDF-FE29-4F9F-99B9-949F0817748B}" dt="2019-05-11T14:23:01.926" v="825"/>
-          <ac:inkMkLst>
-            <pc:docMk/>
-            <pc:sldMk cId="2828272781" sldId="260"/>
-            <ac:inkMk id="29" creationId="{4EA77869-8695-4436-885C-B5BD39F3603C}"/>
-          </ac:inkMkLst>
-        </pc:inkChg>
-        <pc:inkChg chg="add del">
-          <ac:chgData name="Nils Mechtel" userId="d365a3c7-8594-435f-9872-5455ceefc78f" providerId="ADAL" clId="{FEE5CBDF-FE29-4F9F-99B9-949F0817748B}" dt="2019-05-11T14:28:16.360" v="826"/>
-          <ac:inkMkLst>
-            <pc:docMk/>
-            <pc:sldMk cId="2828272781" sldId="260"/>
-            <ac:inkMk id="30" creationId="{24C4EEAD-3B07-406B-9099-6387E2C4C4EE}"/>
-          </ac:inkMkLst>
-        </pc:inkChg>
-      </pc:sldChg>
-      <pc:sldChg chg="addSp delSp modSp add del modTransition setBg delAnim modAnim addCm modCm modNotesTx">
-        <pc:chgData name="Nils Mechtel" userId="d365a3c7-8594-435f-9872-5455ceefc78f" providerId="ADAL" clId="{FEE5CBDF-FE29-4F9F-99B9-949F0817748B}" dt="2019-05-14T19:27:23.593" v="5599" actId="2696"/>
-        <pc:sldMkLst>
-          <pc:docMk/>
-          <pc:sldMk cId="4044078516" sldId="263"/>
-        </pc:sldMkLst>
-        <pc:spChg chg="del mod">
-          <ac:chgData name="Nils Mechtel" userId="d365a3c7-8594-435f-9872-5455ceefc78f" providerId="ADAL" clId="{FEE5CBDF-FE29-4F9F-99B9-949F0817748B}" dt="2019-05-12T18:22:26.496" v="1665" actId="478"/>
-          <ac:spMkLst>
-            <pc:docMk/>
-            <pc:sldMk cId="4044078516" sldId="263"/>
-            <ac:spMk id="2" creationId="{DFD99890-61D9-4B87-8189-F7C606B59725}"/>
-          </ac:spMkLst>
-        </pc:spChg>
-        <pc:spChg chg="add mod">
-          <ac:chgData name="Nils Mechtel" userId="d365a3c7-8594-435f-9872-5455ceefc78f" providerId="ADAL" clId="{FEE5CBDF-FE29-4F9F-99B9-949F0817748B}" dt="2019-05-14T19:22:42.986" v="5572" actId="14100"/>
-          <ac:spMkLst>
-            <pc:docMk/>
-            <pc:sldMk cId="4044078516" sldId="263"/>
-            <ac:spMk id="2" creationId="{DFE74C15-1D99-4C8D-B6EC-50127701BE63}"/>
-          </ac:spMkLst>
-        </pc:spChg>
-        <pc:spChg chg="del mod">
-          <ac:chgData name="Nils Mechtel" userId="d365a3c7-8594-435f-9872-5455ceefc78f" providerId="ADAL" clId="{FEE5CBDF-FE29-4F9F-99B9-949F0817748B}" dt="2019-05-11T13:06:53.081" v="401"/>
-          <ac:spMkLst>
-            <pc:docMk/>
-            <pc:sldMk cId="4044078516" sldId="263"/>
-            <ac:spMk id="3" creationId="{31C08492-9CFD-4FFA-9FF2-19FDEFAF7959}"/>
-          </ac:spMkLst>
-        </pc:spChg>
-        <pc:spChg chg="add del mod">
-          <ac:chgData name="Nils Mechtel" userId="d365a3c7-8594-435f-9872-5455ceefc78f" providerId="ADAL" clId="{FEE5CBDF-FE29-4F9F-99B9-949F0817748B}" dt="2019-05-14T19:22:28.381" v="5568" actId="478"/>
-          <ac:spMkLst>
-            <pc:docMk/>
-            <pc:sldMk cId="4044078516" sldId="263"/>
-            <ac:spMk id="4" creationId="{7DE8D0A3-0E48-4DD2-9179-C41BD6A8E587}"/>
-          </ac:spMkLst>
-        </pc:spChg>
-        <pc:spChg chg="add del mod">
-          <ac:chgData name="Nils Mechtel" userId="d365a3c7-8594-435f-9872-5455ceefc78f" providerId="ADAL" clId="{FEE5CBDF-FE29-4F9F-99B9-949F0817748B}" dt="2019-05-11T15:20:05.762" v="898"/>
-          <ac:spMkLst>
-            <pc:docMk/>
-            <pc:sldMk cId="4044078516" sldId="263"/>
-            <ac:spMk id="5" creationId="{985CA1E5-977A-4D2C-9571-A3A80E9D6DC5}"/>
-          </ac:spMkLst>
-        </pc:spChg>
-        <pc:spChg chg="add mod">
-          <ac:chgData name="Nils Mechtel" userId="d365a3c7-8594-435f-9872-5455ceefc78f" providerId="ADAL" clId="{FEE5CBDF-FE29-4F9F-99B9-949F0817748B}" dt="2019-05-12T18:22:22.427" v="1664" actId="1076"/>
-          <ac:spMkLst>
-            <pc:docMk/>
-            <pc:sldMk cId="4044078516" sldId="263"/>
-            <ac:spMk id="5" creationId="{A50493A2-4AD0-4DAC-95CA-DEF04F4085A3}"/>
-          </ac:spMkLst>
-        </pc:spChg>
-        <pc:spChg chg="add del mod">
-          <ac:chgData name="Nils Mechtel" userId="d365a3c7-8594-435f-9872-5455ceefc78f" providerId="ADAL" clId="{FEE5CBDF-FE29-4F9F-99B9-949F0817748B}" dt="2019-05-14T19:22:25.907" v="5567" actId="478"/>
-          <ac:spMkLst>
-            <pc:docMk/>
-            <pc:sldMk cId="4044078516" sldId="263"/>
-            <ac:spMk id="6" creationId="{9EABE0BA-7501-4B87-B287-067D38A035BF}"/>
-          </ac:spMkLst>
-        </pc:spChg>
-        <pc:spChg chg="add del mod">
-          <ac:chgData name="Nils Mechtel" userId="d365a3c7-8594-435f-9872-5455ceefc78f" providerId="ADAL" clId="{FEE5CBDF-FE29-4F9F-99B9-949F0817748B}" dt="2019-05-12T18:23:10.577" v="1670" actId="478"/>
-          <ac:spMkLst>
-            <pc:docMk/>
-            <pc:sldMk cId="4044078516" sldId="263"/>
-            <ac:spMk id="8" creationId="{466759C2-FED9-4F02-A251-F5D2E3FC4DC3}"/>
-          </ac:spMkLst>
-        </pc:spChg>
-        <pc:spChg chg="mod">
-          <ac:chgData name="Nils Mechtel" userId="d365a3c7-8594-435f-9872-5455ceefc78f" providerId="ADAL" clId="{FEE5CBDF-FE29-4F9F-99B9-949F0817748B}" dt="2019-05-14T13:01:30.100" v="4563" actId="20577"/>
-          <ac:spMkLst>
-            <pc:docMk/>
-            <pc:sldMk cId="4044078516" sldId="263"/>
-            <ac:spMk id="15" creationId="{66696C9E-3E55-4B4A-B281-6BEACF1466CA}"/>
-          </ac:spMkLst>
-        </pc:spChg>
-        <pc:spChg chg="del">
-          <ac:chgData name="Nils Mechtel" userId="d365a3c7-8594-435f-9872-5455ceefc78f" providerId="ADAL" clId="{FEE5CBDF-FE29-4F9F-99B9-949F0817748B}" dt="2019-05-13T14:19:59.250" v="3385" actId="478"/>
-          <ac:spMkLst>
-            <pc:docMk/>
-            <pc:sldMk cId="4044078516" sldId="263"/>
-            <ac:spMk id="19" creationId="{E6D2A0BF-E5EF-4DD0-BC19-318ABEC5F47D}"/>
-          </ac:spMkLst>
-        </pc:spChg>
-        <pc:spChg chg="del">
-          <ac:chgData name="Nils Mechtel" userId="d365a3c7-8594-435f-9872-5455ceefc78f" providerId="ADAL" clId="{FEE5CBDF-FE29-4F9F-99B9-949F0817748B}" dt="2019-05-13T14:20:01.461" v="3386" actId="478"/>
-          <ac:spMkLst>
-            <pc:docMk/>
-            <pc:sldMk cId="4044078516" sldId="263"/>
-            <ac:spMk id="20" creationId="{930FFEB1-7FAD-4C2F-9801-525E442B0F31}"/>
-          </ac:spMkLst>
-        </pc:spChg>
-        <pc:spChg chg="mod">
-          <ac:chgData name="Nils Mechtel" userId="d365a3c7-8594-435f-9872-5455ceefc78f" providerId="ADAL" clId="{FEE5CBDF-FE29-4F9F-99B9-949F0817748B}" dt="2019-05-13T14:21:58.019" v="3404" actId="164"/>
-          <ac:spMkLst>
-            <pc:docMk/>
-            <pc:sldMk cId="4044078516" sldId="263"/>
-            <ac:spMk id="21" creationId="{BA41386F-FF80-4FA8-A50C-7F7FAAEFF622}"/>
-          </ac:spMkLst>
-        </pc:spChg>
-        <pc:spChg chg="mod">
-          <ac:chgData name="Nils Mechtel" userId="d365a3c7-8594-435f-9872-5455ceefc78f" providerId="ADAL" clId="{FEE5CBDF-FE29-4F9F-99B9-949F0817748B}" dt="2019-05-13T14:21:58.019" v="3404" actId="164"/>
-          <ac:spMkLst>
-            <pc:docMk/>
-            <pc:sldMk cId="4044078516" sldId="263"/>
-            <ac:spMk id="22" creationId="{B31E82C5-26CD-47A0-AB75-A9C54363494B}"/>
-          </ac:spMkLst>
-        </pc:spChg>
-        <pc:grpChg chg="add mod">
-          <ac:chgData name="Nils Mechtel" userId="d365a3c7-8594-435f-9872-5455ceefc78f" providerId="ADAL" clId="{FEE5CBDF-FE29-4F9F-99B9-949F0817748B}" dt="2019-05-13T17:43:44.735" v="4039" actId="207"/>
-          <ac:grpSpMkLst>
-            <pc:docMk/>
-            <pc:sldMk cId="4044078516" sldId="263"/>
-            <ac:grpSpMk id="10" creationId="{CB561383-2B04-47C9-B312-534EFF79F205}"/>
-          </ac:grpSpMkLst>
-        </pc:grpChg>
-        <pc:grpChg chg="add">
-          <ac:chgData name="Nils Mechtel" userId="d365a3c7-8594-435f-9872-5455ceefc78f" providerId="ADAL" clId="{FEE5CBDF-FE29-4F9F-99B9-949F0817748B}" dt="2019-05-13T17:43:13.033" v="4033"/>
-          <ac:grpSpMkLst>
-            <pc:docMk/>
-            <pc:sldMk cId="4044078516" sldId="263"/>
-            <ac:grpSpMk id="13" creationId="{6AE4FD83-8239-4CE2-B802-D4BEC4A57EB7}"/>
-          </ac:grpSpMkLst>
-        </pc:grpChg>
-        <pc:grpChg chg="add mod">
-          <ac:chgData name="Nils Mechtel" userId="d365a3c7-8594-435f-9872-5455ceefc78f" providerId="ADAL" clId="{FEE5CBDF-FE29-4F9F-99B9-949F0817748B}" dt="2019-05-13T17:43:44.735" v="4039" actId="207"/>
-          <ac:grpSpMkLst>
-            <pc:docMk/>
-            <pc:sldMk cId="4044078516" sldId="263"/>
-            <ac:grpSpMk id="16" creationId="{4D159FCC-AB9B-49BE-9F77-87D5907FB6E5}"/>
-          </ac:grpSpMkLst>
-        </pc:grpChg>
-        <pc:grpChg chg="add mod">
-          <ac:chgData name="Nils Mechtel" userId="d365a3c7-8594-435f-9872-5455ceefc78f" providerId="ADAL" clId="{FEE5CBDF-FE29-4F9F-99B9-949F0817748B}" dt="2019-05-13T17:43:44.735" v="4039" actId="207"/>
-          <ac:grpSpMkLst>
-            <pc:docMk/>
-            <pc:sldMk cId="4044078516" sldId="263"/>
-            <ac:grpSpMk id="20" creationId="{C66B09B6-7DFB-414A-B35B-3FADE3D650AC}"/>
-          </ac:grpSpMkLst>
-        </pc:grpChg>
-        <pc:grpChg chg="add del mod">
-          <ac:chgData name="Nils Mechtel" userId="d365a3c7-8594-435f-9872-5455ceefc78f" providerId="ADAL" clId="{FEE5CBDF-FE29-4F9F-99B9-949F0817748B}" dt="2019-05-14T19:22:21.169" v="5566" actId="478"/>
-          <ac:grpSpMkLst>
-            <pc:docMk/>
-            <pc:sldMk cId="4044078516" sldId="263"/>
-            <ac:grpSpMk id="27" creationId="{0F9EC99B-52F4-4F6E-8DB0-299EE818B425}"/>
-          </ac:grpSpMkLst>
-        </pc:grpChg>
-        <pc:graphicFrameChg chg="add del mod">
-          <ac:chgData name="Nils Mechtel" userId="d365a3c7-8594-435f-9872-5455ceefc78f" providerId="ADAL" clId="{FEE5CBDF-FE29-4F9F-99B9-949F0817748B}" dt="2019-05-13T17:43:12.407" v="4032" actId="478"/>
-          <ac:graphicFrameMkLst>
-            <pc:docMk/>
-            <pc:sldMk cId="4044078516" sldId="263"/>
-            <ac:graphicFrameMk id="7" creationId="{F1A949C7-C9CF-4C02-BE5E-DA666970FF15}"/>
-          </ac:graphicFrameMkLst>
-        </pc:graphicFrameChg>
-        <pc:graphicFrameChg chg="add del mod">
-          <ac:chgData name="Nils Mechtel" userId="d365a3c7-8594-435f-9872-5455ceefc78f" providerId="ADAL" clId="{FEE5CBDF-FE29-4F9F-99B9-949F0817748B}" dt="2019-05-12T18:23:06.012" v="1669"/>
-          <ac:graphicFrameMkLst>
-            <pc:docMk/>
-            <pc:sldMk cId="4044078516" sldId="263"/>
-            <ac:graphicFrameMk id="11" creationId="{A46AC6F5-31E6-486D-BCBA-D9450B92EE4B}"/>
-          </ac:graphicFrameMkLst>
-        </pc:graphicFrameChg>
-        <pc:graphicFrameChg chg="add del mod">
-          <ac:chgData name="Nils Mechtel" userId="d365a3c7-8594-435f-9872-5455ceefc78f" providerId="ADAL" clId="{FEE5CBDF-FE29-4F9F-99B9-949F0817748B}" dt="2019-05-13T11:07:42.426" v="2936" actId="478"/>
-          <ac:graphicFrameMkLst>
-            <pc:docMk/>
-            <pc:sldMk cId="4044078516" sldId="263"/>
-            <ac:graphicFrameMk id="12" creationId="{3FD3A8A4-9624-478F-A083-B173298832C4}"/>
-          </ac:graphicFrameMkLst>
-        </pc:graphicFrameChg>
-        <pc:picChg chg="add mod">
-          <ac:chgData name="Nils Mechtel" userId="d365a3c7-8594-435f-9872-5455ceefc78f" providerId="ADAL" clId="{FEE5CBDF-FE29-4F9F-99B9-949F0817748B}" dt="2019-05-11T15:01:05.850" v="873" actId="1076"/>
-          <ac:picMkLst>
-            <pc:docMk/>
-            <pc:sldMk cId="4044078516" sldId="263"/>
-            <ac:picMk id="3" creationId="{F756ED82-523F-4235-8B64-1586CEDEA374}"/>
-          </ac:picMkLst>
-        </pc:picChg>
-        <pc:picChg chg="add del mod">
-          <ac:chgData name="Nils Mechtel" userId="d365a3c7-8594-435f-9872-5455ceefc78f" providerId="ADAL" clId="{FEE5CBDF-FE29-4F9F-99B9-949F0817748B}" dt="2019-05-11T15:17:02.202" v="892"/>
-          <ac:picMkLst>
-            <pc:docMk/>
-            <pc:sldMk cId="4044078516" sldId="263"/>
-            <ac:picMk id="4" creationId="{9DA69BF4-ECE5-4F93-967D-8C1469EB77E1}"/>
-          </ac:picMkLst>
-        </pc:picChg>
-        <pc:picChg chg="add mod">
-          <ac:chgData name="Nils Mechtel" userId="d365a3c7-8594-435f-9872-5455ceefc78f" providerId="ADAL" clId="{FEE5CBDF-FE29-4F9F-99B9-949F0817748B}" dt="2019-05-12T18:22:22.427" v="1664" actId="1076"/>
-          <ac:picMkLst>
-            <pc:docMk/>
-            <pc:sldMk cId="4044078516" sldId="263"/>
-            <ac:picMk id="4" creationId="{A053DF1E-D0B7-4C6B-886D-4930CA292F7A}"/>
-          </ac:picMkLst>
-        </pc:picChg>
-        <pc:picChg chg="mod">
-          <ac:chgData name="Nils Mechtel" userId="d365a3c7-8594-435f-9872-5455ceefc78f" providerId="ADAL" clId="{FEE5CBDF-FE29-4F9F-99B9-949F0817748B}" dt="2019-05-13T14:21:58.019" v="3404" actId="164"/>
-          <ac:picMkLst>
-            <pc:docMk/>
-            <pc:sldMk cId="4044078516" sldId="263"/>
-            <ac:picMk id="17" creationId="{452601F3-3C6A-4FA4-91F8-01FE9CA49069}"/>
-          </ac:picMkLst>
-        </pc:picChg>
-        <pc:inkChg chg="add del">
-          <ac:chgData name="Nils Mechtel" userId="d365a3c7-8594-435f-9872-5455ceefc78f" providerId="ADAL" clId="{FEE5CBDF-FE29-4F9F-99B9-949F0817748B}" dt="2019-05-11T16:00:43.294" v="1083"/>
-          <ac:inkMkLst>
-            <pc:docMk/>
-            <pc:sldMk cId="4044078516" sldId="263"/>
-            <ac:inkMk id="7" creationId="{0DD951E4-CFED-401F-84E3-F18587744447}"/>
-          </ac:inkMkLst>
-        </pc:inkChg>
-        <pc:inkChg chg="add del">
-          <ac:chgData name="Nils Mechtel" userId="d365a3c7-8594-435f-9872-5455ceefc78f" providerId="ADAL" clId="{FEE5CBDF-FE29-4F9F-99B9-949F0817748B}" dt="2019-05-11T16:00:48.327" v="1089"/>
-          <ac:inkMkLst>
-            <pc:docMk/>
-            <pc:sldMk cId="4044078516" sldId="263"/>
-            <ac:inkMk id="8" creationId="{9BA5FD19-20D2-4D25-86B7-F67D01686476}"/>
-          </ac:inkMkLst>
-        </pc:inkChg>
-        <pc:inkChg chg="add del">
-          <ac:chgData name="Nils Mechtel" userId="d365a3c7-8594-435f-9872-5455ceefc78f" providerId="ADAL" clId="{FEE5CBDF-FE29-4F9F-99B9-949F0817748B}" dt="2019-05-11T16:00:48.327" v="1089"/>
-          <ac:inkMkLst>
-            <pc:docMk/>
-            <pc:sldMk cId="4044078516" sldId="263"/>
-            <ac:inkMk id="9" creationId="{0F7942E4-A519-4A90-80BA-916EF7C5BE98}"/>
-          </ac:inkMkLst>
-        </pc:inkChg>
-        <pc:inkChg chg="add del">
-          <ac:chgData name="Nils Mechtel" userId="d365a3c7-8594-435f-9872-5455ceefc78f" providerId="ADAL" clId="{FEE5CBDF-FE29-4F9F-99B9-949F0817748B}" dt="2019-05-11T16:00:48.327" v="1089"/>
-          <ac:inkMkLst>
-            <pc:docMk/>
-            <pc:sldMk cId="4044078516" sldId="263"/>
-            <ac:inkMk id="10" creationId="{D9DCA84A-F15B-475A-B146-13C202628F1D}"/>
-          </ac:inkMkLst>
-        </pc:inkChg>
-        <pc:inkChg chg="add del">
-          <ac:chgData name="Nils Mechtel" userId="d365a3c7-8594-435f-9872-5455ceefc78f" providerId="ADAL" clId="{FEE5CBDF-FE29-4F9F-99B9-949F0817748B}" dt="2019-05-11T16:00:48.327" v="1089"/>
-          <ac:inkMkLst>
-            <pc:docMk/>
-            <pc:sldMk cId="4044078516" sldId="263"/>
-            <ac:inkMk id="11" creationId="{525F22E4-2798-4287-B811-9CBD26A6E850}"/>
-          </ac:inkMkLst>
-        </pc:inkChg>
-        <pc:inkChg chg="add del">
-          <ac:chgData name="Nils Mechtel" userId="d365a3c7-8594-435f-9872-5455ceefc78f" providerId="ADAL" clId="{FEE5CBDF-FE29-4F9F-99B9-949F0817748B}" dt="2019-05-11T16:00:48.327" v="1089"/>
-          <ac:inkMkLst>
-            <pc:docMk/>
-            <pc:sldMk cId="4044078516" sldId="263"/>
-            <ac:inkMk id="12" creationId="{E6381B17-4BA0-4EE8-BD6D-5BE214A218F9}"/>
-          </ac:inkMkLst>
-        </pc:inkChg>
-        <pc:inkChg chg="add del mod">
-          <ac:chgData name="Nils Mechtel" userId="d365a3c7-8594-435f-9872-5455ceefc78f" providerId="ADAL" clId="{FEE5CBDF-FE29-4F9F-99B9-949F0817748B}" dt="2019-05-12T19:05:14.949" v="2015"/>
-          <ac:inkMkLst>
-            <pc:docMk/>
-            <pc:sldMk cId="4044078516" sldId="263"/>
-            <ac:inkMk id="13" creationId="{F7A5D16D-1ECE-4E33-A9F8-0FCAE1C46A4B}"/>
-          </ac:inkMkLst>
-        </pc:inkChg>
-        <pc:inkChg chg="add del">
-          <ac:chgData name="Nils Mechtel" userId="d365a3c7-8594-435f-9872-5455ceefc78f" providerId="ADAL" clId="{FEE5CBDF-FE29-4F9F-99B9-949F0817748B}" dt="2019-05-11T16:00:52.581" v="1093"/>
-          <ac:inkMkLst>
-            <pc:docMk/>
-            <pc:sldMk cId="4044078516" sldId="263"/>
-            <ac:inkMk id="14" creationId="{B481B44B-9EB6-415C-B69B-F5D4AE690518}"/>
-          </ac:inkMkLst>
-        </pc:inkChg>
-        <pc:inkChg chg="add del">
-          <ac:chgData name="Nils Mechtel" userId="d365a3c7-8594-435f-9872-5455ceefc78f" providerId="ADAL" clId="{FEE5CBDF-FE29-4F9F-99B9-949F0817748B}" dt="2019-05-11T16:00:52.581" v="1093"/>
-          <ac:inkMkLst>
-            <pc:docMk/>
-            <pc:sldMk cId="4044078516" sldId="263"/>
-            <ac:inkMk id="15" creationId="{67D8054A-3E44-4C7F-956F-3D2B83D28258}"/>
-          </ac:inkMkLst>
-        </pc:inkChg>
-        <pc:inkChg chg="add del">
-          <ac:chgData name="Nils Mechtel" userId="d365a3c7-8594-435f-9872-5455ceefc78f" providerId="ADAL" clId="{FEE5CBDF-FE29-4F9F-99B9-949F0817748B}" dt="2019-05-11T16:00:52.581" v="1093"/>
-          <ac:inkMkLst>
-            <pc:docMk/>
-            <pc:sldMk cId="4044078516" sldId="263"/>
-            <ac:inkMk id="16" creationId="{2BE7A35B-8CBB-4CA9-80F7-B83E21F5EB9A}"/>
-          </ac:inkMkLst>
-        </pc:inkChg>
-        <pc:inkChg chg="add del mod">
-          <ac:chgData name="Nils Mechtel" userId="d365a3c7-8594-435f-9872-5455ceefc78f" providerId="ADAL" clId="{FEE5CBDF-FE29-4F9F-99B9-949F0817748B}" dt="2019-05-12T19:05:14.938" v="2014"/>
-          <ac:inkMkLst>
-            <pc:docMk/>
-            <pc:sldMk cId="4044078516" sldId="263"/>
-            <ac:inkMk id="17" creationId="{C5C69410-AE5F-4EC2-AE73-2E61A3CB9630}"/>
-          </ac:inkMkLst>
-        </pc:inkChg>
-        <pc:cxnChg chg="add mod">
-          <ac:chgData name="Nils Mechtel" userId="d365a3c7-8594-435f-9872-5455ceefc78f" providerId="ADAL" clId="{FEE5CBDF-FE29-4F9F-99B9-949F0817748B}" dt="2019-05-13T14:21:58.019" v="3404" actId="164"/>
-          <ac:cxnSpMkLst>
-            <pc:docMk/>
-            <pc:sldMk cId="4044078516" sldId="263"/>
-            <ac:cxnSpMk id="8" creationId="{E3A9DCD4-AFFF-4EBC-AFB8-1DDD56D55053}"/>
-          </ac:cxnSpMkLst>
-        </pc:cxnChg>
-        <pc:cxnChg chg="add mod">
-          <ac:chgData name="Nils Mechtel" userId="d365a3c7-8594-435f-9872-5455ceefc78f" providerId="ADAL" clId="{FEE5CBDF-FE29-4F9F-99B9-949F0817748B}" dt="2019-05-13T14:21:58.019" v="3404" actId="164"/>
-          <ac:cxnSpMkLst>
-            <pc:docMk/>
-            <pc:sldMk cId="4044078516" sldId="263"/>
-            <ac:cxnSpMk id="23" creationId="{646712BB-1DC3-4776-9A6C-EFDBA08D496F}"/>
-          </ac:cxnSpMkLst>
-        </pc:cxnChg>
-      </pc:sldChg>
-      <pc:sldChg chg="addSp delSp modSp modTransition setBg modAnim addCm delCm modCm modNotesTx">
-        <pc:chgData name="Nils Mechtel" userId="d365a3c7-8594-435f-9872-5455ceefc78f" providerId="ADAL" clId="{FEE5CBDF-FE29-4F9F-99B9-949F0817748B}" dt="2019-05-15T11:44:43.362" v="6009" actId="1592"/>
-        <pc:sldMkLst>
-          <pc:docMk/>
-          <pc:sldMk cId="3854328160" sldId="264"/>
-        </pc:sldMkLst>
-        <pc:spChg chg="del mod">
-          <ac:chgData name="Nils Mechtel" userId="d365a3c7-8594-435f-9872-5455ceefc78f" providerId="ADAL" clId="{FEE5CBDF-FE29-4F9F-99B9-949F0817748B}" dt="2019-05-12T18:23:27.418" v="1673" actId="478"/>
-          <ac:spMkLst>
-            <pc:docMk/>
-            <pc:sldMk cId="3854328160" sldId="264"/>
-            <ac:spMk id="2" creationId="{9E101124-9171-45B7-8FA2-3601FA64CB8B}"/>
-          </ac:spMkLst>
-        </pc:spChg>
-        <pc:spChg chg="mod">
-          <ac:chgData name="Nils Mechtel" userId="d365a3c7-8594-435f-9872-5455ceefc78f" providerId="ADAL" clId="{FEE5CBDF-FE29-4F9F-99B9-949F0817748B}" dt="2019-05-14T20:55:46.922" v="5918" actId="313"/>
-          <ac:spMkLst>
-            <pc:docMk/>
-            <pc:sldMk cId="3854328160" sldId="264"/>
-            <ac:spMk id="3" creationId="{52ECBA23-C101-4F91-8B43-931C93C8877D}"/>
-          </ac:spMkLst>
-        </pc:spChg>
-        <pc:spChg chg="add del mod">
-          <ac:chgData name="Nils Mechtel" userId="d365a3c7-8594-435f-9872-5455ceefc78f" providerId="ADAL" clId="{FEE5CBDF-FE29-4F9F-99B9-949F0817748B}" dt="2019-05-12T18:23:30.187" v="1674" actId="478"/>
-          <ac:spMkLst>
-            <pc:docMk/>
-            <pc:sldMk cId="3854328160" sldId="264"/>
-            <ac:spMk id="5" creationId="{5789FC88-0EF3-4DC6-A97D-13637ADFFCCE}"/>
-          </ac:spMkLst>
-        </pc:spChg>
-        <pc:spChg chg="mod">
-          <ac:chgData name="Nils Mechtel" userId="d365a3c7-8594-435f-9872-5455ceefc78f" providerId="ADAL" clId="{FEE5CBDF-FE29-4F9F-99B9-949F0817748B}" dt="2019-05-14T20:55:17.566" v="5916" actId="790"/>
-          <ac:spMkLst>
-            <pc:docMk/>
-            <pc:sldMk cId="3854328160" sldId="264"/>
-            <ac:spMk id="7" creationId="{6AADC546-FB9D-4E44-B69B-D5DD7ED4DE1F}"/>
-          </ac:spMkLst>
-        </pc:spChg>
-        <pc:spChg chg="mod">
-          <ac:chgData name="Nils Mechtel" userId="d365a3c7-8594-435f-9872-5455ceefc78f" providerId="ADAL" clId="{FEE5CBDF-FE29-4F9F-99B9-949F0817748B}" dt="2019-05-14T20:55:17.566" v="5916" actId="790"/>
-          <ac:spMkLst>
-            <pc:docMk/>
-            <pc:sldMk cId="3854328160" sldId="264"/>
-            <ac:spMk id="10" creationId="{694EEF47-A28F-49B6-949E-B60C63EE1992}"/>
-          </ac:spMkLst>
-        </pc:spChg>
-        <pc:spChg chg="mod">
-          <ac:chgData name="Nils Mechtel" userId="d365a3c7-8594-435f-9872-5455ceefc78f" providerId="ADAL" clId="{FEE5CBDF-FE29-4F9F-99B9-949F0817748B}" dt="2019-05-14T20:55:17.566" v="5916" actId="790"/>
-          <ac:spMkLst>
-            <pc:docMk/>
-            <pc:sldMk cId="3854328160" sldId="264"/>
-            <ac:spMk id="13" creationId="{82552D81-9050-48B9-83ED-0E589B37F8F6}"/>
-          </ac:spMkLst>
-        </pc:spChg>
-        <pc:spChg chg="mod">
-          <ac:chgData name="Nils Mechtel" userId="d365a3c7-8594-435f-9872-5455ceefc78f" providerId="ADAL" clId="{FEE5CBDF-FE29-4F9F-99B9-949F0817748B}" dt="2019-05-14T20:55:17.566" v="5916" actId="790"/>
-          <ac:spMkLst>
-            <pc:docMk/>
-            <pc:sldMk cId="3854328160" sldId="264"/>
-            <ac:spMk id="16" creationId="{92049864-8C01-48A1-823D-E3DE364ED32F}"/>
-          </ac:spMkLst>
-        </pc:spChg>
-        <pc:spChg chg="add mod">
-          <ac:chgData name="Nils Mechtel" userId="d365a3c7-8594-435f-9872-5455ceefc78f" providerId="ADAL" clId="{FEE5CBDF-FE29-4F9F-99B9-949F0817748B}" dt="2019-05-14T19:09:23.766" v="5456" actId="20577"/>
-          <ac:spMkLst>
-            <pc:docMk/>
-            <pc:sldMk cId="3854328160" sldId="264"/>
-            <ac:spMk id="17" creationId="{4F6CD179-615F-4455-95D5-3104BC1C7BC4}"/>
-          </ac:spMkLst>
-        </pc:spChg>
-        <pc:spChg chg="add del mod">
-          <ac:chgData name="Nils Mechtel" userId="d365a3c7-8594-435f-9872-5455ceefc78f" providerId="ADAL" clId="{FEE5CBDF-FE29-4F9F-99B9-949F0817748B}" dt="2019-05-14T20:14:04.041" v="5808" actId="478"/>
-          <ac:spMkLst>
-            <pc:docMk/>
-            <pc:sldMk cId="3854328160" sldId="264"/>
-            <ac:spMk id="20" creationId="{08C046E2-22C5-437F-9A5B-331A97A2D75A}"/>
-          </ac:spMkLst>
-        </pc:spChg>
-        <pc:spChg chg="add mod">
-          <ac:chgData name="Nils Mechtel" userId="d365a3c7-8594-435f-9872-5455ceefc78f" providerId="ADAL" clId="{FEE5CBDF-FE29-4F9F-99B9-949F0817748B}" dt="2019-05-14T20:15:03.545" v="5855" actId="1076"/>
-          <ac:spMkLst>
-            <pc:docMk/>
-            <pc:sldMk cId="3854328160" sldId="264"/>
-            <ac:spMk id="21" creationId="{80E8317C-FE6F-4911-8613-6718D046F7AB}"/>
-          </ac:spMkLst>
-        </pc:spChg>
-        <pc:grpChg chg="add mod">
-          <ac:chgData name="Nils Mechtel" userId="d365a3c7-8594-435f-9872-5455ceefc78f" providerId="ADAL" clId="{FEE5CBDF-FE29-4F9F-99B9-949F0817748B}" dt="2019-05-13T17:43:59.974" v="4041" actId="207"/>
-          <ac:grpSpMkLst>
-            <pc:docMk/>
-            <pc:sldMk cId="3854328160" sldId="264"/>
-            <ac:grpSpMk id="5" creationId="{B90BFA5D-211B-472C-932D-14B6D1D4E36C}"/>
-          </ac:grpSpMkLst>
-        </pc:grpChg>
-        <pc:grpChg chg="add mod">
-          <ac:chgData name="Nils Mechtel" userId="d365a3c7-8594-435f-9872-5455ceefc78f" providerId="ADAL" clId="{FEE5CBDF-FE29-4F9F-99B9-949F0817748B}" dt="2019-05-13T17:43:59.974" v="4041" actId="207"/>
-          <ac:grpSpMkLst>
-            <pc:docMk/>
-            <pc:sldMk cId="3854328160" sldId="264"/>
-            <ac:grpSpMk id="8" creationId="{CAA27968-C11F-4A3C-80D9-92B55A62246D}"/>
-          </ac:grpSpMkLst>
-        </pc:grpChg>
-        <pc:grpChg chg="add mod">
-          <ac:chgData name="Nils Mechtel" userId="d365a3c7-8594-435f-9872-5455ceefc78f" providerId="ADAL" clId="{FEE5CBDF-FE29-4F9F-99B9-949F0817748B}" dt="2019-05-13T17:43:59.974" v="4041" actId="207"/>
-          <ac:grpSpMkLst>
-            <pc:docMk/>
-            <pc:sldMk cId="3854328160" sldId="264"/>
-            <ac:grpSpMk id="11" creationId="{24AF01EC-6151-4BB9-B9FF-3E37E7B94EC5}"/>
-          </ac:grpSpMkLst>
-        </pc:grpChg>
-        <pc:grpChg chg="add">
-          <ac:chgData name="Nils Mechtel" userId="d365a3c7-8594-435f-9872-5455ceefc78f" providerId="ADAL" clId="{FEE5CBDF-FE29-4F9F-99B9-949F0817748B}" dt="2019-05-13T17:43:23.353" v="4036"/>
-          <ac:grpSpMkLst>
-            <pc:docMk/>
-            <pc:sldMk cId="3854328160" sldId="264"/>
-            <ac:grpSpMk id="14" creationId="{833C6A36-8341-442A-A0B7-434D4F74C9CE}"/>
-          </ac:grpSpMkLst>
-        </pc:grpChg>
-        <pc:graphicFrameChg chg="add del mod">
-          <ac:chgData name="Nils Mechtel" userId="d365a3c7-8594-435f-9872-5455ceefc78f" providerId="ADAL" clId="{FEE5CBDF-FE29-4F9F-99B9-949F0817748B}" dt="2019-05-13T17:43:22.517" v="4035" actId="478"/>
-          <ac:graphicFrameMkLst>
-            <pc:docMk/>
-            <pc:sldMk cId="3854328160" sldId="264"/>
-            <ac:graphicFrameMk id="4" creationId="{9D5F5CDD-1599-4948-B7E4-8594F71A5210}"/>
-          </ac:graphicFrameMkLst>
-        </pc:graphicFrameChg>
-        <pc:graphicFrameChg chg="add del mod">
-          <ac:chgData name="Nils Mechtel" userId="d365a3c7-8594-435f-9872-5455ceefc78f" providerId="ADAL" clId="{FEE5CBDF-FE29-4F9F-99B9-949F0817748B}" dt="2019-05-13T11:07:51.728" v="2938" actId="478"/>
-          <ac:graphicFrameMkLst>
-            <pc:docMk/>
-            <pc:sldMk cId="3854328160" sldId="264"/>
-            <ac:graphicFrameMk id="6" creationId="{38A45C4B-AA75-4F65-BAFF-9F212EA28FBA}"/>
-          </ac:graphicFrameMkLst>
-        </pc:graphicFrameChg>
-        <pc:graphicFrameChg chg="add del mod">
-          <ac:chgData name="Nils Mechtel" userId="d365a3c7-8594-435f-9872-5455ceefc78f" providerId="ADAL" clId="{FEE5CBDF-FE29-4F9F-99B9-949F0817748B}" dt="2019-05-14T20:10:21.816" v="5657" actId="478"/>
-          <ac:graphicFrameMkLst>
-            <pc:docMk/>
-            <pc:sldMk cId="3854328160" sldId="264"/>
-            <ac:graphicFrameMk id="18" creationId="{EFFDF5F7-A5AA-4857-B6E3-7F3D6DD6E849}"/>
-          </ac:graphicFrameMkLst>
-        </pc:graphicFrameChg>
-        <pc:graphicFrameChg chg="add mod">
-          <ac:chgData name="Nils Mechtel" userId="d365a3c7-8594-435f-9872-5455ceefc78f" providerId="ADAL" clId="{FEE5CBDF-FE29-4F9F-99B9-949F0817748B}" dt="2019-05-14T20:55:43.429" v="5917" actId="313"/>
-          <ac:graphicFrameMkLst>
-            <pc:docMk/>
-            <pc:sldMk cId="3854328160" sldId="264"/>
-            <ac:graphicFrameMk id="19" creationId="{2416E5F6-411F-45F0-92E4-2DCC36A7BD49}"/>
-          </ac:graphicFrameMkLst>
-        </pc:graphicFrameChg>
-      </pc:sldChg>
-      <pc:sldChg chg="addSp delSp modSp add setBg addCm delCm modCm modNotesTx">
-        <pc:chgData name="Nils Mechtel" userId="d365a3c7-8594-435f-9872-5455ceefc78f" providerId="ADAL" clId="{FEE5CBDF-FE29-4F9F-99B9-949F0817748B}" dt="2019-05-15T11:43:26.462" v="5999" actId="1592"/>
-        <pc:sldMkLst>
-          <pc:docMk/>
-          <pc:sldMk cId="836733519" sldId="265"/>
-        </pc:sldMkLst>
-        <pc:spChg chg="mod">
-          <ac:chgData name="Nils Mechtel" userId="d365a3c7-8594-435f-9872-5455ceefc78f" providerId="ADAL" clId="{FEE5CBDF-FE29-4F9F-99B9-949F0817748B}" dt="2019-05-13T14:02:43.321" v="3362" actId="1076"/>
-          <ac:spMkLst>
-            <pc:docMk/>
-            <pc:sldMk cId="836733519" sldId="265"/>
-            <ac:spMk id="2" creationId="{11DB241C-01F8-4A1A-B493-796A1AD4A31E}"/>
-          </ac:spMkLst>
-        </pc:spChg>
-        <pc:spChg chg="del">
-          <ac:chgData name="Nils Mechtel" userId="d365a3c7-8594-435f-9872-5455ceefc78f" providerId="ADAL" clId="{FEE5CBDF-FE29-4F9F-99B9-949F0817748B}" dt="2019-05-11T13:25:40.451" v="453"/>
-          <ac:spMkLst>
-            <pc:docMk/>
-            <pc:sldMk cId="836733519" sldId="265"/>
-            <ac:spMk id="3" creationId="{F7BFF461-ECBF-43AC-AD10-E83BFF8871E7}"/>
-          </ac:spMkLst>
-        </pc:spChg>
-        <pc:spChg chg="add del mod">
-          <ac:chgData name="Nils Mechtel" userId="d365a3c7-8594-435f-9872-5455ceefc78f" providerId="ADAL" clId="{FEE5CBDF-FE29-4F9F-99B9-949F0817748B}" dt="2019-05-13T13:51:33.053" v="3340" actId="478"/>
-          <ac:spMkLst>
-            <pc:docMk/>
-            <pc:sldMk cId="836733519" sldId="265"/>
-            <ac:spMk id="6" creationId="{D400EFC7-5CED-4F3C-B4E1-4DAA5A09D939}"/>
-          </ac:spMkLst>
-        </pc:spChg>
-        <pc:spChg chg="add del mod">
-          <ac:chgData name="Nils Mechtel" userId="d365a3c7-8594-435f-9872-5455ceefc78f" providerId="ADAL" clId="{FEE5CBDF-FE29-4F9F-99B9-949F0817748B}" dt="2019-05-13T13:51:35.146" v="3341" actId="478"/>
-          <ac:spMkLst>
-            <pc:docMk/>
-            <pc:sldMk cId="836733519" sldId="265"/>
-            <ac:spMk id="18" creationId="{CF9492CE-98EC-4D6C-866E-EF9CBD135F51}"/>
-          </ac:spMkLst>
-        </pc:spChg>
-        <pc:spChg chg="mod topLvl">
-          <ac:chgData name="Nils Mechtel" userId="d365a3c7-8594-435f-9872-5455ceefc78f" providerId="ADAL" clId="{FEE5CBDF-FE29-4F9F-99B9-949F0817748B}" dt="2019-05-13T14:46:20.982" v="3702" actId="165"/>
-          <ac:spMkLst>
-            <pc:docMk/>
-            <pc:sldMk cId="836733519" sldId="265"/>
-            <ac:spMk id="20" creationId="{31AA5B62-C311-4618-8A89-2D208C2A4B0B}"/>
-          </ac:spMkLst>
-        </pc:spChg>
-        <pc:spChg chg="mod topLvl">
-          <ac:chgData name="Nils Mechtel" userId="d365a3c7-8594-435f-9872-5455ceefc78f" providerId="ADAL" clId="{FEE5CBDF-FE29-4F9F-99B9-949F0817748B}" dt="2019-05-13T14:46:20.982" v="3702" actId="165"/>
-          <ac:spMkLst>
-            <pc:docMk/>
-            <pc:sldMk cId="836733519" sldId="265"/>
-            <ac:spMk id="25" creationId="{5C6180D2-4115-4914-ACCB-823A4614BE52}"/>
-          </ac:spMkLst>
-        </pc:spChg>
-        <pc:spChg chg="mod topLvl">
-          <ac:chgData name="Nils Mechtel" userId="d365a3c7-8594-435f-9872-5455ceefc78f" providerId="ADAL" clId="{FEE5CBDF-FE29-4F9F-99B9-949F0817748B}" dt="2019-05-13T14:46:20.982" v="3702" actId="165"/>
-          <ac:spMkLst>
-            <pc:docMk/>
-            <pc:sldMk cId="836733519" sldId="265"/>
-            <ac:spMk id="30" creationId="{62D3C2EC-A0D8-468D-AF52-66D8A510F893}"/>
-          </ac:spMkLst>
-        </pc:spChg>
-        <pc:spChg chg="mod topLvl">
-          <ac:chgData name="Nils Mechtel" userId="d365a3c7-8594-435f-9872-5455ceefc78f" providerId="ADAL" clId="{FEE5CBDF-FE29-4F9F-99B9-949F0817748B}" dt="2019-05-13T14:46:20.982" v="3702" actId="165"/>
-          <ac:spMkLst>
-            <pc:docMk/>
-            <pc:sldMk cId="836733519" sldId="265"/>
-            <ac:spMk id="35" creationId="{44EFB211-6C29-449D-A580-298B6A45F6D7}"/>
-          </ac:spMkLst>
-        </pc:spChg>
-        <pc:spChg chg="mod topLvl">
-          <ac:chgData name="Nils Mechtel" userId="d365a3c7-8594-435f-9872-5455ceefc78f" providerId="ADAL" clId="{FEE5CBDF-FE29-4F9F-99B9-949F0817748B}" dt="2019-05-13T14:46:20.982" v="3702" actId="165"/>
-          <ac:spMkLst>
-            <pc:docMk/>
-            <pc:sldMk cId="836733519" sldId="265"/>
-            <ac:spMk id="40" creationId="{8AB3C1F3-CEC4-4540-AB7A-5CDE078BBD46}"/>
-          </ac:spMkLst>
-        </pc:spChg>
-        <pc:spChg chg="mod topLvl">
-          <ac:chgData name="Nils Mechtel" userId="d365a3c7-8594-435f-9872-5455ceefc78f" providerId="ADAL" clId="{FEE5CBDF-FE29-4F9F-99B9-949F0817748B}" dt="2019-05-13T14:46:20.982" v="3702" actId="165"/>
-          <ac:spMkLst>
-            <pc:docMk/>
-            <pc:sldMk cId="836733519" sldId="265"/>
-            <ac:spMk id="45" creationId="{2A52C933-6C35-4BEB-B4B5-46E10477BBBF}"/>
-          </ac:spMkLst>
-        </pc:spChg>
-        <pc:grpChg chg="add del mod">
-          <ac:chgData name="Nils Mechtel" userId="d365a3c7-8594-435f-9872-5455ceefc78f" providerId="ADAL" clId="{FEE5CBDF-FE29-4F9F-99B9-949F0817748B}" dt="2019-05-13T14:46:20.982" v="3702" actId="165"/>
-          <ac:grpSpMkLst>
-            <pc:docMk/>
-            <pc:sldMk cId="836733519" sldId="265"/>
-            <ac:grpSpMk id="18" creationId="{3B45AE0E-56DB-494A-8B0A-71B29E945E55}"/>
-          </ac:grpSpMkLst>
-        </pc:grpChg>
-        <pc:grpChg chg="mod topLvl">
-          <ac:chgData name="Nils Mechtel" userId="d365a3c7-8594-435f-9872-5455ceefc78f" providerId="ADAL" clId="{FEE5CBDF-FE29-4F9F-99B9-949F0817748B}" dt="2019-05-13T14:46:20.982" v="3702" actId="165"/>
-          <ac:grpSpMkLst>
-            <pc:docMk/>
-            <pc:sldMk cId="836733519" sldId="265"/>
-            <ac:grpSpMk id="19" creationId="{2397B40A-EE96-4748-8A82-169D30F7EEB6}"/>
-          </ac:grpSpMkLst>
-        </pc:grpChg>
-        <pc:grpChg chg="add del mod">
-          <ac:chgData name="Nils Mechtel" userId="d365a3c7-8594-435f-9872-5455ceefc78f" providerId="ADAL" clId="{FEE5CBDF-FE29-4F9F-99B9-949F0817748B}" dt="2019-05-13T14:46:20.982" v="3702" actId="165"/>
-          <ac:grpSpMkLst>
-            <pc:docMk/>
-            <pc:sldMk cId="836733519" sldId="265"/>
-            <ac:grpSpMk id="23" creationId="{E0D2A471-F36A-425E-8287-D197457A6AD5}"/>
-          </ac:grpSpMkLst>
-        </pc:grpChg>
-        <pc:grpChg chg="mod topLvl">
-          <ac:chgData name="Nils Mechtel" userId="d365a3c7-8594-435f-9872-5455ceefc78f" providerId="ADAL" clId="{FEE5CBDF-FE29-4F9F-99B9-949F0817748B}" dt="2019-05-13T14:46:20.982" v="3702" actId="165"/>
-          <ac:grpSpMkLst>
-            <pc:docMk/>
-            <pc:sldMk cId="836733519" sldId="265"/>
-            <ac:grpSpMk id="24" creationId="{7844CA4D-A5D3-438A-A107-222ADFB86095}"/>
-          </ac:grpSpMkLst>
-        </pc:grpChg>
-        <pc:grpChg chg="add del mod">
-          <ac:chgData name="Nils Mechtel" userId="d365a3c7-8594-435f-9872-5455ceefc78f" providerId="ADAL" clId="{FEE5CBDF-FE29-4F9F-99B9-949F0817748B}" dt="2019-05-13T14:46:20.982" v="3702" actId="165"/>
-          <ac:grpSpMkLst>
-            <pc:docMk/>
-            <pc:sldMk cId="836733519" sldId="265"/>
-            <ac:grpSpMk id="28" creationId="{47DC5EF8-CE80-4F2C-9FA7-EBBA0056FAF5}"/>
-          </ac:grpSpMkLst>
-        </pc:grpChg>
-        <pc:grpChg chg="mod topLvl">
-          <ac:chgData name="Nils Mechtel" userId="d365a3c7-8594-435f-9872-5455ceefc78f" providerId="ADAL" clId="{FEE5CBDF-FE29-4F9F-99B9-949F0817748B}" dt="2019-05-13T14:46:20.982" v="3702" actId="165"/>
-          <ac:grpSpMkLst>
-            <pc:docMk/>
-            <pc:sldMk cId="836733519" sldId="265"/>
-            <ac:grpSpMk id="29" creationId="{75525F42-E405-4DE1-9718-8755768D6F59}"/>
-          </ac:grpSpMkLst>
-        </pc:grpChg>
-        <pc:grpChg chg="add del mod">
-          <ac:chgData name="Nils Mechtel" userId="d365a3c7-8594-435f-9872-5455ceefc78f" providerId="ADAL" clId="{FEE5CBDF-FE29-4F9F-99B9-949F0817748B}" dt="2019-05-13T14:46:20.982" v="3702" actId="165"/>
-          <ac:grpSpMkLst>
-            <pc:docMk/>
-            <pc:sldMk cId="836733519" sldId="265"/>
-            <ac:grpSpMk id="33" creationId="{51895D85-B2E3-473E-9BA3-4C1DCBC58456}"/>
-          </ac:grpSpMkLst>
-        </pc:grpChg>
-        <pc:grpChg chg="mod topLvl">
-          <ac:chgData name="Nils Mechtel" userId="d365a3c7-8594-435f-9872-5455ceefc78f" providerId="ADAL" clId="{FEE5CBDF-FE29-4F9F-99B9-949F0817748B}" dt="2019-05-13T14:46:20.982" v="3702" actId="165"/>
-          <ac:grpSpMkLst>
-            <pc:docMk/>
-            <pc:sldMk cId="836733519" sldId="265"/>
-            <ac:grpSpMk id="34" creationId="{0995A5E7-8CF8-4993-AB9E-F04FFCAD162C}"/>
-          </ac:grpSpMkLst>
-        </pc:grpChg>
-        <pc:grpChg chg="add del mod">
-          <ac:chgData name="Nils Mechtel" userId="d365a3c7-8594-435f-9872-5455ceefc78f" providerId="ADAL" clId="{FEE5CBDF-FE29-4F9F-99B9-949F0817748B}" dt="2019-05-13T14:46:20.982" v="3702" actId="165"/>
-          <ac:grpSpMkLst>
-            <pc:docMk/>
-            <pc:sldMk cId="836733519" sldId="265"/>
-            <ac:grpSpMk id="38" creationId="{E8F54087-9B83-47F3-BC37-7B451ED4C2CD}"/>
-          </ac:grpSpMkLst>
-        </pc:grpChg>
-        <pc:grpChg chg="mod topLvl">
-          <ac:chgData name="Nils Mechtel" userId="d365a3c7-8594-435f-9872-5455ceefc78f" providerId="ADAL" clId="{FEE5CBDF-FE29-4F9F-99B9-949F0817748B}" dt="2019-05-13T14:46:20.982" v="3702" actId="165"/>
-          <ac:grpSpMkLst>
-            <pc:docMk/>
-            <pc:sldMk cId="836733519" sldId="265"/>
-            <ac:grpSpMk id="39" creationId="{8DF99FC4-B4EE-4188-85BC-130F11C2AEF2}"/>
-          </ac:grpSpMkLst>
-        </pc:grpChg>
-        <pc:grpChg chg="add del mod">
-          <ac:chgData name="Nils Mechtel" userId="d365a3c7-8594-435f-9872-5455ceefc78f" providerId="ADAL" clId="{FEE5CBDF-FE29-4F9F-99B9-949F0817748B}" dt="2019-05-13T14:46:20.982" v="3702" actId="165"/>
-          <ac:grpSpMkLst>
-            <pc:docMk/>
-            <pc:sldMk cId="836733519" sldId="265"/>
-            <ac:grpSpMk id="43" creationId="{8E5D2E85-B43A-45BC-8FBE-6D49BCCCCF59}"/>
-          </ac:grpSpMkLst>
-        </pc:grpChg>
-        <pc:grpChg chg="mod topLvl">
-          <ac:chgData name="Nils Mechtel" userId="d365a3c7-8594-435f-9872-5455ceefc78f" providerId="ADAL" clId="{FEE5CBDF-FE29-4F9F-99B9-949F0817748B}" dt="2019-05-13T14:46:20.982" v="3702" actId="165"/>
-          <ac:grpSpMkLst>
-            <pc:docMk/>
-            <pc:sldMk cId="836733519" sldId="265"/>
-            <ac:grpSpMk id="44" creationId="{4EEF96DF-C40B-4D8E-B6CA-047267036A72}"/>
-          </ac:grpSpMkLst>
-        </pc:grpChg>
-        <pc:graphicFrameChg chg="add del mod">
-          <ac:chgData name="Nils Mechtel" userId="d365a3c7-8594-435f-9872-5455ceefc78f" providerId="ADAL" clId="{FEE5CBDF-FE29-4F9F-99B9-949F0817748B}" dt="2019-05-13T14:42:31.234" v="3670" actId="478"/>
-          <ac:graphicFrameMkLst>
-            <pc:docMk/>
-            <pc:sldMk cId="836733519" sldId="265"/>
-            <ac:graphicFrameMk id="16" creationId="{4A8015BA-5555-4CD7-8484-A910EC21DB46}"/>
-          </ac:graphicFrameMkLst>
-        </pc:graphicFrameChg>
-        <pc:picChg chg="add del mod">
-          <ac:chgData name="Nils Mechtel" userId="d365a3c7-8594-435f-9872-5455ceefc78f" providerId="ADAL" clId="{FEE5CBDF-FE29-4F9F-99B9-949F0817748B}" dt="2019-05-13T14:13:18.835" v="3370" actId="478"/>
-          <ac:picMkLst>
-            <pc:docMk/>
-            <pc:sldMk cId="836733519" sldId="265"/>
-            <ac:picMk id="4" creationId="{64BEA6B0-5BCC-46A0-A13C-8A35AB52AD5A}"/>
-          </ac:picMkLst>
-        </pc:picChg>
-        <pc:picChg chg="add del mod">
-          <ac:chgData name="Nils Mechtel" userId="d365a3c7-8594-435f-9872-5455ceefc78f" providerId="ADAL" clId="{FEE5CBDF-FE29-4F9F-99B9-949F0817748B}" dt="2019-05-11T13:25:46.406" v="454" actId="478"/>
-          <ac:picMkLst>
-            <pc:docMk/>
-            <pc:sldMk cId="836733519" sldId="265"/>
-            <ac:picMk id="4" creationId="{A5A467D8-4DCA-4513-9212-E9753C1CDD12}"/>
-          </ac:picMkLst>
-        </pc:picChg>
-        <pc:picChg chg="add del mod">
-          <ac:chgData name="Nils Mechtel" userId="d365a3c7-8594-435f-9872-5455ceefc78f" providerId="ADAL" clId="{FEE5CBDF-FE29-4F9F-99B9-949F0817748B}" dt="2019-05-13T14:41:48.346" v="3617" actId="478"/>
-          <ac:picMkLst>
-            <pc:docMk/>
-            <pc:sldMk cId="836733519" sldId="265"/>
-            <ac:picMk id="6" creationId="{566907E1-3B18-4EAF-8A12-B7D6A4B5CA7A}"/>
-          </ac:picMkLst>
-        </pc:picChg>
-        <pc:picChg chg="del">
-          <ac:chgData name="Nils Mechtel" userId="d365a3c7-8594-435f-9872-5455ceefc78f" providerId="ADAL" clId="{FEE5CBDF-FE29-4F9F-99B9-949F0817748B}" dt="2019-05-13T14:17:06.603" v="3376" actId="478"/>
-          <ac:picMkLst>
-            <pc:docMk/>
-            <pc:sldMk cId="836733519" sldId="265"/>
-            <ac:picMk id="331" creationId="{853ED335-0968-43B6-9385-7865869F63F1}"/>
-          </ac:picMkLst>
-        </pc:picChg>
-        <pc:picChg chg="del mod">
-          <ac:chgData name="Nils Mechtel" userId="d365a3c7-8594-435f-9872-5455ceefc78f" providerId="ADAL" clId="{FEE5CBDF-FE29-4F9F-99B9-949F0817748B}" dt="2019-05-13T14:41:48.346" v="3617" actId="478"/>
-          <ac:picMkLst>
-            <pc:docMk/>
-            <pc:sldMk cId="836733519" sldId="265"/>
-            <ac:picMk id="332" creationId="{73D36892-A87C-4EC8-887E-8F49160ABE7D}"/>
-          </ac:picMkLst>
-        </pc:picChg>
-        <pc:picChg chg="del">
-          <ac:chgData name="Nils Mechtel" userId="d365a3c7-8594-435f-9872-5455ceefc78f" providerId="ADAL" clId="{FEE5CBDF-FE29-4F9F-99B9-949F0817748B}" dt="2019-05-13T14:41:48.346" v="3617" actId="478"/>
-          <ac:picMkLst>
-            <pc:docMk/>
-            <pc:sldMk cId="836733519" sldId="265"/>
-            <ac:picMk id="334" creationId="{FF62C545-E97B-4917-8B71-28263D1AFE23}"/>
-          </ac:picMkLst>
-        </pc:picChg>
-        <pc:picChg chg="del mod">
-          <ac:chgData name="Nils Mechtel" userId="d365a3c7-8594-435f-9872-5455ceefc78f" providerId="ADAL" clId="{FEE5CBDF-FE29-4F9F-99B9-949F0817748B}" dt="2019-05-13T14:41:48.346" v="3617" actId="478"/>
-          <ac:picMkLst>
-            <pc:docMk/>
-            <pc:sldMk cId="836733519" sldId="265"/>
-            <ac:picMk id="336" creationId="{933364B4-9F52-4764-866E-778DD03226C3}"/>
-          </ac:picMkLst>
-        </pc:picChg>
-        <pc:picChg chg="del">
-          <ac:chgData name="Nils Mechtel" userId="d365a3c7-8594-435f-9872-5455ceefc78f" providerId="ADAL" clId="{FEE5CBDF-FE29-4F9F-99B9-949F0817748B}" dt="2019-05-13T14:41:48.346" v="3617" actId="478"/>
-          <ac:picMkLst>
-            <pc:docMk/>
-            <pc:sldMk cId="836733519" sldId="265"/>
-            <ac:picMk id="338" creationId="{73D2A9E5-6A07-44F4-85CD-D7885AD13222}"/>
-          </ac:picMkLst>
-        </pc:picChg>
-        <pc:picChg chg="del mod">
-          <ac:chgData name="Nils Mechtel" userId="d365a3c7-8594-435f-9872-5455ceefc78f" providerId="ADAL" clId="{FEE5CBDF-FE29-4F9F-99B9-949F0817748B}" dt="2019-05-13T14:16:39.049" v="3372" actId="478"/>
-          <ac:picMkLst>
-            <pc:docMk/>
-            <pc:sldMk cId="836733519" sldId="265"/>
-            <ac:picMk id="340" creationId="{BB704ABF-B671-4ED4-A736-8BF22EEBF660}"/>
-          </ac:picMkLst>
-        </pc:picChg>
-        <pc:picChg chg="del">
-          <ac:chgData name="Nils Mechtel" userId="d365a3c7-8594-435f-9872-5455ceefc78f" providerId="ADAL" clId="{FEE5CBDF-FE29-4F9F-99B9-949F0817748B}" dt="2019-05-13T14:41:48.346" v="3617" actId="478"/>
-          <ac:picMkLst>
-            <pc:docMk/>
-            <pc:sldMk cId="836733519" sldId="265"/>
-            <ac:picMk id="345" creationId="{857AB9BF-1E05-4FA1-B45F-722DCF7FBB7B}"/>
-          </ac:picMkLst>
-        </pc:picChg>
-        <pc:inkChg chg="add del">
-          <ac:chgData name="Nils Mechtel" userId="d365a3c7-8594-435f-9872-5455ceefc78f" providerId="ADAL" clId="{FEE5CBDF-FE29-4F9F-99B9-949F0817748B}" dt="2019-05-13T13:47:45.098" v="3148"/>
-          <ac:inkMkLst>
-            <pc:docMk/>
-            <pc:sldMk cId="836733519" sldId="265"/>
-            <ac:inkMk id="3" creationId="{94CE48CC-E4B0-40E3-9AB5-980B8FC9446F}"/>
-          </ac:inkMkLst>
-        </pc:inkChg>
-        <pc:inkChg chg="add del">
-          <ac:chgData name="Nils Mechtel" userId="d365a3c7-8594-435f-9872-5455ceefc78f" providerId="ADAL" clId="{FEE5CBDF-FE29-4F9F-99B9-949F0817748B}" dt="2019-05-13T13:47:45.098" v="3148"/>
-          <ac:inkMkLst>
-            <pc:docMk/>
-            <pc:sldMk cId="836733519" sldId="265"/>
-            <ac:inkMk id="4" creationId="{3D4B72B7-FA0F-453F-82E5-CE60656BC528}"/>
-          </ac:inkMkLst>
-        </pc:inkChg>
-        <pc:inkChg chg="add del">
-          <ac:chgData name="Nils Mechtel" userId="d365a3c7-8594-435f-9872-5455ceefc78f" providerId="ADAL" clId="{FEE5CBDF-FE29-4F9F-99B9-949F0817748B}" dt="2019-05-13T13:47:45.098" v="3148"/>
-          <ac:inkMkLst>
-            <pc:docMk/>
-            <pc:sldMk cId="836733519" sldId="265"/>
-            <ac:inkMk id="5" creationId="{BF36569E-EF89-4AD0-8E72-8C7050B23BD2}"/>
-          </ac:inkMkLst>
-        </pc:inkChg>
-        <pc:inkChg chg="add del">
-          <ac:chgData name="Nils Mechtel" userId="d365a3c7-8594-435f-9872-5455ceefc78f" providerId="ADAL" clId="{FEE5CBDF-FE29-4F9F-99B9-949F0817748B}" dt="2019-05-11T14:06:31.277" v="683"/>
-          <ac:inkMkLst>
-            <pc:docMk/>
-            <pc:sldMk cId="836733519" sldId="265"/>
-            <ac:inkMk id="7" creationId="{2BD9D093-C545-439C-B40F-7B1FACE16EB5}"/>
-          </ac:inkMkLst>
-        </pc:inkChg>
-        <pc:inkChg chg="add del">
-          <ac:chgData name="Nils Mechtel" userId="d365a3c7-8594-435f-9872-5455ceefc78f" providerId="ADAL" clId="{FEE5CBDF-FE29-4F9F-99B9-949F0817748B}" dt="2019-05-13T13:47:45.098" v="3148"/>
-          <ac:inkMkLst>
-            <pc:docMk/>
-            <pc:sldMk cId="836733519" sldId="265"/>
-            <ac:inkMk id="7" creationId="{531A6121-6ED5-4C26-B02A-F896099EE679}"/>
-          </ac:inkMkLst>
-        </pc:inkChg>
-        <pc:inkChg chg="add del">
-          <ac:chgData name="Nils Mechtel" userId="d365a3c7-8594-435f-9872-5455ceefc78f" providerId="ADAL" clId="{FEE5CBDF-FE29-4F9F-99B9-949F0817748B}" dt="2019-05-13T13:47:45.098" v="3148"/>
-          <ac:inkMkLst>
-            <pc:docMk/>
-            <pc:sldMk cId="836733519" sldId="265"/>
-            <ac:inkMk id="8" creationId="{21F25A4A-134A-41B5-841F-82A58EC20E91}"/>
-          </ac:inkMkLst>
-        </pc:inkChg>
-        <pc:inkChg chg="add del">
-          <ac:chgData name="Nils Mechtel" userId="d365a3c7-8594-435f-9872-5455ceefc78f" providerId="ADAL" clId="{FEE5CBDF-FE29-4F9F-99B9-949F0817748B}" dt="2019-05-11T14:06:31.277" v="683"/>
-          <ac:inkMkLst>
-            <pc:docMk/>
-            <pc:sldMk cId="836733519" sldId="265"/>
-            <ac:inkMk id="8" creationId="{BD64C7FC-0D9E-4773-B4CE-DCF3AA9E8B0D}"/>
-          </ac:inkMkLst>
-        </pc:inkChg>
-        <pc:inkChg chg="add del">
-          <ac:chgData name="Nils Mechtel" userId="d365a3c7-8594-435f-9872-5455ceefc78f" providerId="ADAL" clId="{FEE5CBDF-FE29-4F9F-99B9-949F0817748B}" dt="2019-05-13T13:47:45.098" v="3148"/>
-          <ac:inkMkLst>
-            <pc:docMk/>
-            <pc:sldMk cId="836733519" sldId="265"/>
-            <ac:inkMk id="9" creationId="{2AB1AE35-7BDA-4F1B-940A-85702D39D800}"/>
-          </ac:inkMkLst>
-        </pc:inkChg>
-        <pc:inkChg chg="add del">
-          <ac:chgData name="Nils Mechtel" userId="d365a3c7-8594-435f-9872-5455ceefc78f" providerId="ADAL" clId="{FEE5CBDF-FE29-4F9F-99B9-949F0817748B}" dt="2019-05-11T14:06:31.277" v="683"/>
-          <ac:inkMkLst>
-            <pc:docMk/>
-            <pc:sldMk cId="836733519" sldId="265"/>
-            <ac:inkMk id="9" creationId="{ADAE1CE7-ED73-4A6A-A891-A795D31E3F5F}"/>
-          </ac:inkMkLst>
-        </pc:inkChg>
-        <pc:inkChg chg="add del">
-          <ac:chgData name="Nils Mechtel" userId="d365a3c7-8594-435f-9872-5455ceefc78f" providerId="ADAL" clId="{FEE5CBDF-FE29-4F9F-99B9-949F0817748B}" dt="2019-05-11T14:06:31.277" v="683"/>
-          <ac:inkMkLst>
-            <pc:docMk/>
-            <pc:sldMk cId="836733519" sldId="265"/>
-            <ac:inkMk id="10" creationId="{14E37112-58B2-4F8A-863E-91004AF3D32F}"/>
-          </ac:inkMkLst>
-        </pc:inkChg>
-        <pc:inkChg chg="add del">
-          <ac:chgData name="Nils Mechtel" userId="d365a3c7-8594-435f-9872-5455ceefc78f" providerId="ADAL" clId="{FEE5CBDF-FE29-4F9F-99B9-949F0817748B}" dt="2019-05-13T13:47:45.098" v="3148"/>
-          <ac:inkMkLst>
-            <pc:docMk/>
-            <pc:sldMk cId="836733519" sldId="265"/>
-            <ac:inkMk id="10" creationId="{ECA3C75F-88B7-419E-AFD2-03229AB8FE1C}"/>
-          </ac:inkMkLst>
-        </pc:inkChg>
-        <pc:inkChg chg="add del">
-          <ac:chgData name="Nils Mechtel" userId="d365a3c7-8594-435f-9872-5455ceefc78f" providerId="ADAL" clId="{FEE5CBDF-FE29-4F9F-99B9-949F0817748B}" dt="2019-05-13T13:47:45.098" v="3148"/>
-          <ac:inkMkLst>
-            <pc:docMk/>
-            <pc:sldMk cId="836733519" sldId="265"/>
-            <ac:inkMk id="11" creationId="{6DE99024-494D-4280-A63A-EF3390E43F1C}"/>
-          </ac:inkMkLst>
-        </pc:inkChg>
-        <pc:inkChg chg="add">
-          <ac:chgData name="Nils Mechtel" userId="d365a3c7-8594-435f-9872-5455ceefc78f" providerId="ADAL" clId="{FEE5CBDF-FE29-4F9F-99B9-949F0817748B}" dt="2019-05-11T14:06:31.277" v="683"/>
-          <ac:inkMkLst>
-            <pc:docMk/>
-            <pc:sldMk cId="836733519" sldId="265"/>
-            <ac:inkMk id="11" creationId="{A82B448E-C8D7-4AE7-A619-4A1B6E1418F5}"/>
-          </ac:inkMkLst>
-        </pc:inkChg>
-        <pc:inkChg chg="add del">
-          <ac:chgData name="Nils Mechtel" userId="d365a3c7-8594-435f-9872-5455ceefc78f" providerId="ADAL" clId="{FEE5CBDF-FE29-4F9F-99B9-949F0817748B}" dt="2019-05-11T14:06:34.713" v="685"/>
-          <ac:inkMkLst>
-            <pc:docMk/>
-            <pc:sldMk cId="836733519" sldId="265"/>
-            <ac:inkMk id="12" creationId="{61162615-D7A1-4A55-A90F-0BE32B28B90E}"/>
-          </ac:inkMkLst>
-        </pc:inkChg>
-        <pc:inkChg chg="add del">
-          <ac:chgData name="Nils Mechtel" userId="d365a3c7-8594-435f-9872-5455ceefc78f" providerId="ADAL" clId="{FEE5CBDF-FE29-4F9F-99B9-949F0817748B}" dt="2019-05-13T13:47:45.098" v="3148"/>
-          <ac:inkMkLst>
-            <pc:docMk/>
-            <pc:sldMk cId="836733519" sldId="265"/>
-            <ac:inkMk id="12" creationId="{6F64B90D-44C2-4224-9FEA-C669E67C082E}"/>
-          </ac:inkMkLst>
-        </pc:inkChg>
-        <pc:inkChg chg="add del">
-          <ac:chgData name="Nils Mechtel" userId="d365a3c7-8594-435f-9872-5455ceefc78f" providerId="ADAL" clId="{FEE5CBDF-FE29-4F9F-99B9-949F0817748B}" dt="2019-05-13T13:47:46.356" v="3150"/>
-          <ac:inkMkLst>
-            <pc:docMk/>
-            <pc:sldMk cId="836733519" sldId="265"/>
-            <ac:inkMk id="13" creationId="{2D228C65-5677-4D82-ADE2-DDBF5D237CB4}"/>
-          </ac:inkMkLst>
-        </pc:inkChg>
-        <pc:inkChg chg="add del">
-          <ac:chgData name="Nils Mechtel" userId="d365a3c7-8594-435f-9872-5455ceefc78f" providerId="ADAL" clId="{FEE5CBDF-FE29-4F9F-99B9-949F0817748B}" dt="2019-05-11T14:06:39.043" v="690"/>
-          <ac:inkMkLst>
-            <pc:docMk/>
-            <pc:sldMk cId="836733519" sldId="265"/>
-            <ac:inkMk id="13" creationId="{30495528-855A-41CA-ABE0-DB797A7BEF4E}"/>
-          </ac:inkMkLst>
-        </pc:inkChg>
-        <pc:inkChg chg="add del">
-          <ac:chgData name="Nils Mechtel" userId="d365a3c7-8594-435f-9872-5455ceefc78f" providerId="ADAL" clId="{FEE5CBDF-FE29-4F9F-99B9-949F0817748B}" dt="2019-05-13T13:47:46.356" v="3150"/>
-          <ac:inkMkLst>
-            <pc:docMk/>
-            <pc:sldMk cId="836733519" sldId="265"/>
-            <ac:inkMk id="14" creationId="{29894852-0227-4C82-B822-C12F68A0D038}"/>
-          </ac:inkMkLst>
-        </pc:inkChg>
-        <pc:inkChg chg="add del">
-          <ac:chgData name="Nils Mechtel" userId="d365a3c7-8594-435f-9872-5455ceefc78f" providerId="ADAL" clId="{FEE5CBDF-FE29-4F9F-99B9-949F0817748B}" dt="2019-05-11T14:06:39.043" v="690"/>
-          <ac:inkMkLst>
-            <pc:docMk/>
-            <pc:sldMk cId="836733519" sldId="265"/>
-            <ac:inkMk id="14" creationId="{CCCA5758-C377-4BF9-B5B4-06E068707938}"/>
-          </ac:inkMkLst>
-        </pc:inkChg>
-        <pc:inkChg chg="add del">
-          <ac:chgData name="Nils Mechtel" userId="d365a3c7-8594-435f-9872-5455ceefc78f" providerId="ADAL" clId="{FEE5CBDF-FE29-4F9F-99B9-949F0817748B}" dt="2019-05-11T14:06:39.043" v="690"/>
-          <ac:inkMkLst>
-            <pc:docMk/>
-            <pc:sldMk cId="836733519" sldId="265"/>
-            <ac:inkMk id="15" creationId="{13786C8B-E21E-46B2-95CA-B360C5D9370A}"/>
-          </ac:inkMkLst>
-        </pc:inkChg>
-        <pc:inkChg chg="add del">
-          <ac:chgData name="Nils Mechtel" userId="d365a3c7-8594-435f-9872-5455ceefc78f" providerId="ADAL" clId="{FEE5CBDF-FE29-4F9F-99B9-949F0817748B}" dt="2019-05-13T13:48:24.528" v="3151"/>
-          <ac:inkMkLst>
-            <pc:docMk/>
-            <pc:sldMk cId="836733519" sldId="265"/>
-            <ac:inkMk id="15" creationId="{61E3F1BE-7DAF-4DC2-9A13-AA94DCB5D1B8}"/>
-          </ac:inkMkLst>
-        </pc:inkChg>
-        <pc:inkChg chg="add del">
-          <ac:chgData name="Nils Mechtel" userId="d365a3c7-8594-435f-9872-5455ceefc78f" providerId="ADAL" clId="{FEE5CBDF-FE29-4F9F-99B9-949F0817748B}" dt="2019-05-11T14:06:39.043" v="690"/>
-          <ac:inkMkLst>
-            <pc:docMk/>
-            <pc:sldMk cId="836733519" sldId="265"/>
-            <ac:inkMk id="16" creationId="{D1903AF9-1DDF-4223-82D7-59F5D0EF24CF}"/>
-          </ac:inkMkLst>
-        </pc:inkChg>
-        <pc:inkChg chg="add del">
-          <ac:chgData name="Nils Mechtel" userId="d365a3c7-8594-435f-9872-5455ceefc78f" providerId="ADAL" clId="{FEE5CBDF-FE29-4F9F-99B9-949F0817748B}" dt="2019-05-11T14:06:39.043" v="690"/>
-          <ac:inkMkLst>
-            <pc:docMk/>
-            <pc:sldMk cId="836733519" sldId="265"/>
-            <ac:inkMk id="17" creationId="{36F26937-AF0C-4D1A-8824-A8E9C9AB25CF}"/>
-          </ac:inkMkLst>
-        </pc:inkChg>
-        <pc:inkChg chg="add">
-          <ac:chgData name="Nils Mechtel" userId="d365a3c7-8594-435f-9872-5455ceefc78f" providerId="ADAL" clId="{FEE5CBDF-FE29-4F9F-99B9-949F0817748B}" dt="2019-05-11T14:06:39.043" v="690"/>
-          <ac:inkMkLst>
-            <pc:docMk/>
-            <pc:sldMk cId="836733519" sldId="265"/>
-            <ac:inkMk id="18" creationId="{8CFCE5A5-3C28-47C1-BB10-5A4CED3881EB}"/>
-          </ac:inkMkLst>
-        </pc:inkChg>
-      </pc:sldChg>
-      <pc:sldChg chg="addSp delSp modSp add setBg delAnim modAnim addCm delCm modCm modNotesTx">
-        <pc:chgData name="Nils Mechtel" userId="d365a3c7-8594-435f-9872-5455ceefc78f" providerId="ADAL" clId="{FEE5CBDF-FE29-4F9F-99B9-949F0817748B}" dt="2019-05-15T11:43:12.525" v="5998" actId="1592"/>
-        <pc:sldMkLst>
-          <pc:docMk/>
-          <pc:sldMk cId="2923162179" sldId="266"/>
-        </pc:sldMkLst>
-        <pc:spChg chg="mod">
-          <ac:chgData name="Nils Mechtel" userId="d365a3c7-8594-435f-9872-5455ceefc78f" providerId="ADAL" clId="{FEE5CBDF-FE29-4F9F-99B9-949F0817748B}" dt="2019-05-13T14:18:12.510" v="3380" actId="1076"/>
-          <ac:spMkLst>
-            <pc:docMk/>
-            <pc:sldMk cId="2923162179" sldId="266"/>
-            <ac:spMk id="2" creationId="{3AFFD6C7-E4F3-4CC2-9977-57E2B563D5DB}"/>
-          </ac:spMkLst>
-        </pc:spChg>
-        <pc:spChg chg="mod">
-          <ac:chgData name="Nils Mechtel" userId="d365a3c7-8594-435f-9872-5455ceefc78f" providerId="ADAL" clId="{FEE5CBDF-FE29-4F9F-99B9-949F0817748B}" dt="2019-05-13T08:14:58.008" v="2530" actId="1076"/>
-          <ac:spMkLst>
-            <pc:docMk/>
-            <pc:sldMk cId="2923162179" sldId="266"/>
-            <ac:spMk id="3" creationId="{CE8E4A18-CAD6-4EC5-B815-4CDA06E0B1C1}"/>
-          </ac:spMkLst>
-        </pc:spChg>
-        <pc:spChg chg="del">
-          <ac:chgData name="Nils Mechtel" userId="d365a3c7-8594-435f-9872-5455ceefc78f" providerId="ADAL" clId="{FEE5CBDF-FE29-4F9F-99B9-949F0817748B}" dt="2019-05-11T15:17:22.067" v="894"/>
-          <ac:spMkLst>
-            <pc:docMk/>
-            <pc:sldMk cId="2923162179" sldId="266"/>
-            <ac:spMk id="3" creationId="{DFC7119F-0080-43E1-AF85-48A81DC7B886}"/>
-          </ac:spMkLst>
-        </pc:spChg>
-        <pc:spChg chg="add mod">
-          <ac:chgData name="Nils Mechtel" userId="d365a3c7-8594-435f-9872-5455ceefc78f" providerId="ADAL" clId="{FEE5CBDF-FE29-4F9F-99B9-949F0817748B}" dt="2019-05-11T15:20:12.656" v="900" actId="1076"/>
-          <ac:spMkLst>
-            <pc:docMk/>
-            <pc:sldMk cId="2923162179" sldId="266"/>
-            <ac:spMk id="5" creationId="{391AAE10-E219-42C0-A4C3-B93314FB7CA1}"/>
-          </ac:spMkLst>
-        </pc:spChg>
-        <pc:spChg chg="add del mod">
-          <ac:chgData name="Nils Mechtel" userId="d365a3c7-8594-435f-9872-5455ceefc78f" providerId="ADAL" clId="{FEE5CBDF-FE29-4F9F-99B9-949F0817748B}" dt="2019-05-13T20:54:09.020" v="4269" actId="478"/>
-          <ac:spMkLst>
-            <pc:docMk/>
-            <pc:sldMk cId="2923162179" sldId="266"/>
-            <ac:spMk id="5" creationId="{A13A7F91-825D-4348-82E8-AC83738CD09C}"/>
-          </ac:spMkLst>
-        </pc:spChg>
-        <pc:spChg chg="add del mod">
-          <ac:chgData name="Nils Mechtel" userId="d365a3c7-8594-435f-9872-5455ceefc78f" providerId="ADAL" clId="{FEE5CBDF-FE29-4F9F-99B9-949F0817748B}" dt="2019-05-13T08:11:36.194" v="2517"/>
-          <ac:spMkLst>
-            <pc:docMk/>
-            <pc:sldMk cId="2923162179" sldId="266"/>
-            <ac:spMk id="6" creationId="{BF9A34DC-680A-48D6-B65C-2EF52FD50C4E}"/>
-          </ac:spMkLst>
-        </pc:spChg>
-        <pc:spChg chg="add del mod">
-          <ac:chgData name="Nils Mechtel" userId="d365a3c7-8594-435f-9872-5455ceefc78f" providerId="ADAL" clId="{FEE5CBDF-FE29-4F9F-99B9-949F0817748B}" dt="2019-05-13T20:54:09.020" v="4269" actId="478"/>
-          <ac:spMkLst>
-            <pc:docMk/>
-            <pc:sldMk cId="2923162179" sldId="266"/>
-            <ac:spMk id="7" creationId="{E1B1844F-FF51-491D-85AB-839D1AC412A6}"/>
-          </ac:spMkLst>
-        </pc:spChg>
-        <pc:spChg chg="add del mod">
-          <ac:chgData name="Nils Mechtel" userId="d365a3c7-8594-435f-9872-5455ceefc78f" providerId="ADAL" clId="{FEE5CBDF-FE29-4F9F-99B9-949F0817748B}" dt="2019-05-13T20:54:09.020" v="4269" actId="478"/>
-          <ac:spMkLst>
-            <pc:docMk/>
-            <pc:sldMk cId="2923162179" sldId="266"/>
-            <ac:spMk id="8" creationId="{C3A5ED18-66FB-4EF8-99AB-1DB9AD9367C6}"/>
-          </ac:spMkLst>
-        </pc:spChg>
-        <pc:spChg chg="add del mod">
-          <ac:chgData name="Nils Mechtel" userId="d365a3c7-8594-435f-9872-5455ceefc78f" providerId="ADAL" clId="{FEE5CBDF-FE29-4F9F-99B9-949F0817748B}" dt="2019-05-13T08:35:53.900" v="2713" actId="478"/>
-          <ac:spMkLst>
-            <pc:docMk/>
-            <pc:sldMk cId="2923162179" sldId="266"/>
-            <ac:spMk id="11" creationId="{29E26154-4956-46F4-A88D-7C05EF0A2E27}"/>
-          </ac:spMkLst>
-        </pc:spChg>
-        <pc:spChg chg="add del mod">
-          <ac:chgData name="Nils Mechtel" userId="d365a3c7-8594-435f-9872-5455ceefc78f" providerId="ADAL" clId="{FEE5CBDF-FE29-4F9F-99B9-949F0817748B}" dt="2019-05-13T08:28:26.219" v="2656" actId="478"/>
-          <ac:spMkLst>
-            <pc:docMk/>
-            <pc:sldMk cId="2923162179" sldId="266"/>
-            <ac:spMk id="12" creationId="{91CC9944-1275-4A9C-BAFC-FF2A0F047297}"/>
-          </ac:spMkLst>
-        </pc:spChg>
-        <pc:picChg chg="add del">
-          <ac:chgData name="Nils Mechtel" userId="d365a3c7-8594-435f-9872-5455ceefc78f" providerId="ADAL" clId="{FEE5CBDF-FE29-4F9F-99B9-949F0817748B}" dt="2019-05-13T08:10:44.338" v="2516" actId="478"/>
-          <ac:picMkLst>
-            <pc:docMk/>
-            <pc:sldMk cId="2923162179" sldId="266"/>
-            <ac:picMk id="4" creationId="{6396212C-CC14-42F5-A6C0-F37A60C5A6E9}"/>
-          </ac:picMkLst>
-        </pc:picChg>
-        <pc:picChg chg="add del mod">
-          <ac:chgData name="Nils Mechtel" userId="d365a3c7-8594-435f-9872-5455ceefc78f" providerId="ADAL" clId="{FEE5CBDF-FE29-4F9F-99B9-949F0817748B}" dt="2019-05-13T20:48:26.694" v="4049" actId="478"/>
-          <ac:picMkLst>
-            <pc:docMk/>
-            <pc:sldMk cId="2923162179" sldId="266"/>
-            <ac:picMk id="4" creationId="{725048CC-F287-4B5B-AF3F-A7E38A54B2FB}"/>
-          </ac:picMkLst>
-        </pc:picChg>
-        <pc:picChg chg="add del mod">
-          <ac:chgData name="Nils Mechtel" userId="d365a3c7-8594-435f-9872-5455ceefc78f" providerId="ADAL" clId="{FEE5CBDF-FE29-4F9F-99B9-949F0817748B}" dt="2019-05-13T08:28:07.398" v="2651"/>
-          <ac:picMkLst>
-            <pc:docMk/>
-            <pc:sldMk cId="2923162179" sldId="266"/>
-            <ac:picMk id="7" creationId="{87CF0913-7ABD-4618-8EB4-DFD23505600B}"/>
-          </ac:picMkLst>
-        </pc:picChg>
-        <pc:picChg chg="add del">
-          <ac:chgData name="Nils Mechtel" userId="d365a3c7-8594-435f-9872-5455ceefc78f" providerId="ADAL" clId="{FEE5CBDF-FE29-4F9F-99B9-949F0817748B}" dt="2019-05-13T08:12:07.223" v="2519"/>
-          <ac:picMkLst>
-            <pc:docMk/>
-            <pc:sldMk cId="2923162179" sldId="266"/>
-            <ac:picMk id="8" creationId="{E3DB1BFF-DCDE-4D89-8927-73554E8AECE9}"/>
-          </ac:picMkLst>
-        </pc:picChg>
-        <pc:picChg chg="add del mod">
-          <ac:chgData name="Nils Mechtel" userId="d365a3c7-8594-435f-9872-5455ceefc78f" providerId="ADAL" clId="{FEE5CBDF-FE29-4F9F-99B9-949F0817748B}" dt="2019-05-13T08:28:07.398" v="2651"/>
-          <ac:picMkLst>
-            <pc:docMk/>
-            <pc:sldMk cId="2923162179" sldId="266"/>
-            <ac:picMk id="9" creationId="{75A2D577-4985-4DB1-AA59-6F3EC678637A}"/>
-          </ac:picMkLst>
-        </pc:picChg>
-        <pc:picChg chg="add mod">
-          <ac:chgData name="Nils Mechtel" userId="d365a3c7-8594-435f-9872-5455ceefc78f" providerId="ADAL" clId="{FEE5CBDF-FE29-4F9F-99B9-949F0817748B}" dt="2019-05-14T19:17:19.289" v="5542" actId="1076"/>
-          <ac:picMkLst>
-            <pc:docMk/>
-            <pc:sldMk cId="2923162179" sldId="266"/>
-            <ac:picMk id="10" creationId="{C90D6B81-78E5-40AC-91FA-9B7CAC5D54EF}"/>
-          </ac:picMkLst>
-        </pc:picChg>
-        <pc:inkChg chg="add del">
-          <ac:chgData name="Nils Mechtel" userId="d365a3c7-8594-435f-9872-5455ceefc78f" providerId="ADAL" clId="{FEE5CBDF-FE29-4F9F-99B9-949F0817748B}" dt="2019-05-13T08:35:20.886" v="2704"/>
-          <ac:inkMkLst>
-            <pc:docMk/>
-            <pc:sldMk cId="2923162179" sldId="266"/>
-            <ac:inkMk id="13" creationId="{E89DBCD1-C9B0-442E-81B8-7925E2585A2B}"/>
-          </ac:inkMkLst>
-        </pc:inkChg>
-        <pc:inkChg chg="add del">
-          <ac:chgData name="Nils Mechtel" userId="d365a3c7-8594-435f-9872-5455ceefc78f" providerId="ADAL" clId="{FEE5CBDF-FE29-4F9F-99B9-949F0817748B}" dt="2019-05-13T08:35:20.889" v="2705"/>
-          <ac:inkMkLst>
-            <pc:docMk/>
-            <pc:sldMk cId="2923162179" sldId="266"/>
-            <ac:inkMk id="14" creationId="{93BAD413-941C-4413-BA3D-719774813141}"/>
-          </ac:inkMkLst>
-        </pc:inkChg>
-        <pc:inkChg chg="add del">
-          <ac:chgData name="Nils Mechtel" userId="d365a3c7-8594-435f-9872-5455ceefc78f" providerId="ADAL" clId="{FEE5CBDF-FE29-4F9F-99B9-949F0817748B}" dt="2019-05-13T08:35:20.890" v="2706"/>
-          <ac:inkMkLst>
-            <pc:docMk/>
-            <pc:sldMk cId="2923162179" sldId="266"/>
-            <ac:inkMk id="15" creationId="{17286D3B-5482-4472-B712-0447D270CB4E}"/>
-          </ac:inkMkLst>
-        </pc:inkChg>
-        <pc:inkChg chg="add del">
-          <ac:chgData name="Nils Mechtel" userId="d365a3c7-8594-435f-9872-5455ceefc78f" providerId="ADAL" clId="{FEE5CBDF-FE29-4F9F-99B9-949F0817748B}" dt="2019-05-13T08:35:28.166" v="2711"/>
-          <ac:inkMkLst>
-            <pc:docMk/>
-            <pc:sldMk cId="2923162179" sldId="266"/>
-            <ac:inkMk id="16" creationId="{A26C963B-B308-450A-B7D1-BF78786CC4D6}"/>
-          </ac:inkMkLst>
-        </pc:inkChg>
-        <pc:inkChg chg="add del">
-          <ac:chgData name="Nils Mechtel" userId="d365a3c7-8594-435f-9872-5455ceefc78f" providerId="ADAL" clId="{FEE5CBDF-FE29-4F9F-99B9-949F0817748B}" dt="2019-05-13T08:35:28.163" v="2710"/>
-          <ac:inkMkLst>
-            <pc:docMk/>
-            <pc:sldMk cId="2923162179" sldId="266"/>
-            <ac:inkMk id="17" creationId="{638C1446-E48D-449B-9347-40759A8F9A32}"/>
-          </ac:inkMkLst>
-        </pc:inkChg>
-        <pc:inkChg chg="add del">
-          <ac:chgData name="Nils Mechtel" userId="d365a3c7-8594-435f-9872-5455ceefc78f" providerId="ADAL" clId="{FEE5CBDF-FE29-4F9F-99B9-949F0817748B}" dt="2019-05-13T08:35:28.167" v="2712"/>
-          <ac:inkMkLst>
-            <pc:docMk/>
-            <pc:sldMk cId="2923162179" sldId="266"/>
-            <ac:inkMk id="18" creationId="{EE11650F-9DF4-4808-B100-AAB9E84D0A5B}"/>
-          </ac:inkMkLst>
-        </pc:inkChg>
-      </pc:sldChg>
-      <pc:sldChg chg="addSp delSp modSp add ord modTransition modAnim delCm">
-        <pc:chgData name="Nils Mechtel" userId="d365a3c7-8594-435f-9872-5455ceefc78f" providerId="ADAL" clId="{FEE5CBDF-FE29-4F9F-99B9-949F0817748B}" dt="2019-05-15T11:43:47.870" v="6002" actId="1592"/>
-        <pc:sldMkLst>
-          <pc:docMk/>
-          <pc:sldMk cId="3411230145" sldId="273"/>
-        </pc:sldMkLst>
-        <pc:spChg chg="del">
-          <ac:chgData name="Nils Mechtel" userId="d365a3c7-8594-435f-9872-5455ceefc78f" providerId="ADAL" clId="{FEE5CBDF-FE29-4F9F-99B9-949F0817748B}" dt="2019-05-12T18:13:56.343" v="1603" actId="478"/>
-          <ac:spMkLst>
-            <pc:docMk/>
-            <pc:sldMk cId="3411230145" sldId="273"/>
-            <ac:spMk id="2" creationId="{B8A928F4-921B-4AAC-ACFF-A2A2676A3602}"/>
-          </ac:spMkLst>
-        </pc:spChg>
-        <pc:spChg chg="mod">
-          <ac:chgData name="Nils Mechtel" userId="d365a3c7-8594-435f-9872-5455ceefc78f" providerId="ADAL" clId="{FEE5CBDF-FE29-4F9F-99B9-949F0817748B}" dt="2019-05-12T18:39:28.031" v="1860" actId="164"/>
-          <ac:spMkLst>
-            <pc:docMk/>
-            <pc:sldMk cId="3411230145" sldId="273"/>
-            <ac:spMk id="3" creationId="{C7721A79-9C5D-4C3E-BE47-C0C4A391C0AF}"/>
-          </ac:spMkLst>
-        </pc:spChg>
-        <pc:spChg chg="mod ord">
-          <ac:chgData name="Nils Mechtel" userId="d365a3c7-8594-435f-9872-5455ceefc78f" providerId="ADAL" clId="{FEE5CBDF-FE29-4F9F-99B9-949F0817748B}" dt="2019-05-12T18:58:40.491" v="1999" actId="14100"/>
-          <ac:spMkLst>
-            <pc:docMk/>
-            <pc:sldMk cId="3411230145" sldId="273"/>
-            <ac:spMk id="5" creationId="{B87C55DA-F258-4A89-83E2-18B249843B44}"/>
-          </ac:spMkLst>
-        </pc:spChg>
-        <pc:spChg chg="mod">
-          <ac:chgData name="Nils Mechtel" userId="d365a3c7-8594-435f-9872-5455ceefc78f" providerId="ADAL" clId="{FEE5CBDF-FE29-4F9F-99B9-949F0817748B}" dt="2019-05-14T20:54:32.190" v="5914" actId="313"/>
-          <ac:spMkLst>
-            <pc:docMk/>
-            <pc:sldMk cId="3411230145" sldId="273"/>
-            <ac:spMk id="6" creationId="{0D3C4D43-0167-4BC2-91B0-8DB1F2AE73AE}"/>
-          </ac:spMkLst>
-        </pc:spChg>
-        <pc:spChg chg="mod">
-          <ac:chgData name="Nils Mechtel" userId="d365a3c7-8594-435f-9872-5455ceefc78f" providerId="ADAL" clId="{FEE5CBDF-FE29-4F9F-99B9-949F0817748B}" dt="2019-05-12T18:53:54.779" v="1951" actId="164"/>
-          <ac:spMkLst>
-            <pc:docMk/>
-            <pc:sldMk cId="3411230145" sldId="273"/>
-            <ac:spMk id="7" creationId="{DD9EDB6F-FD49-4E0F-8B88-56194C19A4A0}"/>
-          </ac:spMkLst>
-        </pc:spChg>
-        <pc:spChg chg="add del mod">
-          <ac:chgData name="Nils Mechtel" userId="d365a3c7-8594-435f-9872-5455ceefc78f" providerId="ADAL" clId="{FEE5CBDF-FE29-4F9F-99B9-949F0817748B}" dt="2019-05-12T18:13:58.863" v="1604" actId="478"/>
-          <ac:spMkLst>
-            <pc:docMk/>
-            <pc:sldMk cId="3411230145" sldId="273"/>
-            <ac:spMk id="9" creationId="{89741C91-7C74-4ADC-8504-62B690AFAC14}"/>
-          </ac:spMkLst>
-        </pc:spChg>
-        <pc:spChg chg="add mod ord">
-          <ac:chgData name="Nils Mechtel" userId="d365a3c7-8594-435f-9872-5455ceefc78f" providerId="ADAL" clId="{FEE5CBDF-FE29-4F9F-99B9-949F0817748B}" dt="2019-05-12T19:01:19.142" v="2012" actId="164"/>
-          <ac:spMkLst>
-            <pc:docMk/>
-            <pc:sldMk cId="3411230145" sldId="273"/>
-            <ac:spMk id="9" creationId="{B00DAE00-C4FA-409B-8975-71AAD9D2603E}"/>
-          </ac:spMkLst>
-        </pc:spChg>
-        <pc:spChg chg="mod">
-          <ac:chgData name="Nils Mechtel" userId="d365a3c7-8594-435f-9872-5455ceefc78f" providerId="ADAL" clId="{FEE5CBDF-FE29-4F9F-99B9-949F0817748B}" dt="2019-05-12T18:39:28.031" v="1860" actId="164"/>
-          <ac:spMkLst>
-            <pc:docMk/>
-            <pc:sldMk cId="3411230145" sldId="273"/>
-            <ac:spMk id="16" creationId="{016ED284-7640-4118-8748-FB0B7DED2170}"/>
-          </ac:spMkLst>
-        </pc:spChg>
-        <pc:spChg chg="add">
-          <ac:chgData name="Nils Mechtel" userId="d365a3c7-8594-435f-9872-5455ceefc78f" providerId="ADAL" clId="{FEE5CBDF-FE29-4F9F-99B9-949F0817748B}" dt="2019-05-12T18:14:10.699" v="1605"/>
-          <ac:spMkLst>
-            <pc:docMk/>
-            <pc:sldMk cId="3411230145" sldId="273"/>
-            <ac:spMk id="20" creationId="{355E2B8D-7456-4A04-BFEF-F31015A92DD3}"/>
-          </ac:spMkLst>
-        </pc:spChg>
-        <pc:spChg chg="add">
-          <ac:chgData name="Nils Mechtel" userId="d365a3c7-8594-435f-9872-5455ceefc78f" providerId="ADAL" clId="{FEE5CBDF-FE29-4F9F-99B9-949F0817748B}" dt="2019-05-12T18:14:10.699" v="1605"/>
-          <ac:spMkLst>
-            <pc:docMk/>
-            <pc:sldMk cId="3411230145" sldId="273"/>
-            <ac:spMk id="21" creationId="{CBDB0E70-1F35-4FE3-8AC1-9B7EBE2F2FC6}"/>
-          </ac:spMkLst>
-        </pc:spChg>
-        <pc:spChg chg="add">
-          <ac:chgData name="Nils Mechtel" userId="d365a3c7-8594-435f-9872-5455ceefc78f" providerId="ADAL" clId="{FEE5CBDF-FE29-4F9F-99B9-949F0817748B}" dt="2019-05-12T18:14:10.699" v="1605"/>
-          <ac:spMkLst>
-            <pc:docMk/>
-            <pc:sldMk cId="3411230145" sldId="273"/>
-            <ac:spMk id="22" creationId="{8E5D0958-2A75-4CEC-A32A-7355B23674E3}"/>
-          </ac:spMkLst>
-        </pc:spChg>
-        <pc:spChg chg="add">
-          <ac:chgData name="Nils Mechtel" userId="d365a3c7-8594-435f-9872-5455ceefc78f" providerId="ADAL" clId="{FEE5CBDF-FE29-4F9F-99B9-949F0817748B}" dt="2019-05-12T18:14:10.699" v="1605"/>
-          <ac:spMkLst>
-            <pc:docMk/>
-            <pc:sldMk cId="3411230145" sldId="273"/>
-            <ac:spMk id="23" creationId="{38F3CE0A-69D7-49C7-A9BA-7F482B9F824F}"/>
-          </ac:spMkLst>
-        </pc:spChg>
-        <pc:spChg chg="add">
-          <ac:chgData name="Nils Mechtel" userId="d365a3c7-8594-435f-9872-5455ceefc78f" providerId="ADAL" clId="{FEE5CBDF-FE29-4F9F-99B9-949F0817748B}" dt="2019-05-12T18:14:10.699" v="1605"/>
-          <ac:spMkLst>
-            <pc:docMk/>
-            <pc:sldMk cId="3411230145" sldId="273"/>
-            <ac:spMk id="24" creationId="{E6EF458C-4C89-4071-901F-F8C7550E551D}"/>
-          </ac:spMkLst>
-        </pc:spChg>
-        <pc:spChg chg="add">
-          <ac:chgData name="Nils Mechtel" userId="d365a3c7-8594-435f-9872-5455ceefc78f" providerId="ADAL" clId="{FEE5CBDF-FE29-4F9F-99B9-949F0817748B}" dt="2019-05-12T18:14:10.699" v="1605"/>
-          <ac:spMkLst>
-            <pc:docMk/>
-            <pc:sldMk cId="3411230145" sldId="273"/>
-            <ac:spMk id="25" creationId="{00E0E179-B638-4814-A4A8-045E86F23971}"/>
-          </ac:spMkLst>
-        </pc:spChg>
-        <pc:spChg chg="mod">
-          <ac:chgData name="Nils Mechtel" userId="d365a3c7-8594-435f-9872-5455ceefc78f" providerId="ADAL" clId="{FEE5CBDF-FE29-4F9F-99B9-949F0817748B}" dt="2019-05-14T13:01:46.731" v="4566" actId="20577"/>
-          <ac:spMkLst>
-            <pc:docMk/>
-            <pc:sldMk cId="3411230145" sldId="273"/>
-            <ac:spMk id="27" creationId="{1D4E9F6D-80A5-4092-AB39-864550306221}"/>
-          </ac:spMkLst>
-        </pc:spChg>
-        <pc:spChg chg="mod">
-          <ac:chgData name="Nils Mechtel" userId="d365a3c7-8594-435f-9872-5455ceefc78f" providerId="ADAL" clId="{FEE5CBDF-FE29-4F9F-99B9-949F0817748B}" dt="2019-05-12T18:39:28.031" v="1860" actId="164"/>
-          <ac:spMkLst>
-            <pc:docMk/>
-            <pc:sldMk cId="3411230145" sldId="273"/>
-            <ac:spMk id="33" creationId="{66BE9B96-1BA1-48EF-910F-C86919A04CCA}"/>
-          </ac:spMkLst>
-        </pc:spChg>
-        <pc:spChg chg="mod">
-          <ac:chgData name="Nils Mechtel" userId="d365a3c7-8594-435f-9872-5455ceefc78f" providerId="ADAL" clId="{FEE5CBDF-FE29-4F9F-99B9-949F0817748B}" dt="2019-05-12T18:39:28.031" v="1860" actId="164"/>
-          <ac:spMkLst>
-            <pc:docMk/>
-            <pc:sldMk cId="3411230145" sldId="273"/>
-            <ac:spMk id="34" creationId="{F11ECD49-EE8B-4BED-A36B-B4FBD1DBE16F}"/>
-          </ac:spMkLst>
-        </pc:spChg>
-        <pc:spChg chg="mod">
-          <ac:chgData name="Nils Mechtel" userId="d365a3c7-8594-435f-9872-5455ceefc78f" providerId="ADAL" clId="{FEE5CBDF-FE29-4F9F-99B9-949F0817748B}" dt="2019-05-12T18:39:28.031" v="1860" actId="164"/>
-          <ac:spMkLst>
-            <pc:docMk/>
-            <pc:sldMk cId="3411230145" sldId="273"/>
-            <ac:spMk id="35" creationId="{7E4BE2D5-563B-4627-9197-F8FF20E6E123}"/>
-          </ac:spMkLst>
-        </pc:spChg>
-        <pc:grpChg chg="add mod ord">
-          <ac:chgData name="Nils Mechtel" userId="d365a3c7-8594-435f-9872-5455ceefc78f" providerId="ADAL" clId="{FEE5CBDF-FE29-4F9F-99B9-949F0817748B}" dt="2019-05-12T18:59:44.644" v="2002" actId="167"/>
-          <ac:grpSpMkLst>
-            <pc:docMk/>
-            <pc:sldMk cId="3411230145" sldId="273"/>
-            <ac:grpSpMk id="2" creationId="{615B8D96-7A10-4A07-BF40-69658023BDF8}"/>
-          </ac:grpSpMkLst>
-        </pc:grpChg>
-        <pc:grpChg chg="add mod">
-          <ac:chgData name="Nils Mechtel" userId="d365a3c7-8594-435f-9872-5455ceefc78f" providerId="ADAL" clId="{FEE5CBDF-FE29-4F9F-99B9-949F0817748B}" dt="2019-05-12T19:01:19.142" v="2012" actId="164"/>
-          <ac:grpSpMkLst>
-            <pc:docMk/>
-            <pc:sldMk cId="3411230145" sldId="273"/>
-            <ac:grpSpMk id="8" creationId="{AF98AE2C-870D-4214-92FF-129D6716931E}"/>
-          </ac:grpSpMkLst>
-        </pc:grpChg>
-        <pc:grpChg chg="add del mod">
-          <ac:chgData name="Nils Mechtel" userId="d365a3c7-8594-435f-9872-5455ceefc78f" providerId="ADAL" clId="{FEE5CBDF-FE29-4F9F-99B9-949F0817748B}" dt="2019-05-13T17:42:46.949" v="4027"/>
-          <ac:grpSpMkLst>
-            <pc:docMk/>
-            <pc:sldMk cId="3411230145" sldId="273"/>
-            <ac:grpSpMk id="8" creationId="{BC2409BE-A63F-4DD5-9286-D7312B46A7C4}"/>
-          </ac:grpSpMkLst>
-        </pc:grpChg>
-        <pc:grpChg chg="add del mod">
-          <ac:chgData name="Nils Mechtel" userId="d365a3c7-8594-435f-9872-5455ceefc78f" providerId="ADAL" clId="{FEE5CBDF-FE29-4F9F-99B9-949F0817748B}" dt="2019-05-13T11:34:34.827" v="2990"/>
-          <ac:grpSpMkLst>
-            <pc:docMk/>
-            <pc:sldMk cId="3411230145" sldId="273"/>
-            <ac:grpSpMk id="10" creationId="{79924885-AE3E-40A3-AACF-C3A07E84A7DE}"/>
-          </ac:grpSpMkLst>
-        </pc:grpChg>
-        <pc:grpChg chg="add mod ord">
-          <ac:chgData name="Nils Mechtel" userId="d365a3c7-8594-435f-9872-5455ceefc78f" providerId="ADAL" clId="{FEE5CBDF-FE29-4F9F-99B9-949F0817748B}" dt="2019-05-12T18:55:15.896" v="1964" actId="164"/>
-          <ac:grpSpMkLst>
-            <pc:docMk/>
-            <pc:sldMk cId="3411230145" sldId="273"/>
-            <ac:grpSpMk id="11" creationId="{412571FD-F39A-466B-BA13-0EB40F9626EC}"/>
-          </ac:grpSpMkLst>
-        </pc:grpChg>
-        <pc:grpChg chg="add del mod">
-          <ac:chgData name="Nils Mechtel" userId="d365a3c7-8594-435f-9872-5455ceefc78f" providerId="ADAL" clId="{FEE5CBDF-FE29-4F9F-99B9-949F0817748B}" dt="2019-05-13T17:42:46.949" v="4027"/>
-          <ac:grpSpMkLst>
-            <pc:docMk/>
-            <pc:sldMk cId="3411230145" sldId="273"/>
-            <ac:grpSpMk id="11" creationId="{422370E7-28DA-4E72-9C6F-5990E7BDA6E9}"/>
-          </ac:grpSpMkLst>
-        </pc:grpChg>
-        <pc:grpChg chg="add del mod">
-          <ac:chgData name="Nils Mechtel" userId="d365a3c7-8594-435f-9872-5455ceefc78f" providerId="ADAL" clId="{FEE5CBDF-FE29-4F9F-99B9-949F0817748B}" dt="2019-05-13T17:42:46.949" v="4027"/>
-          <ac:grpSpMkLst>
-            <pc:docMk/>
-            <pc:sldMk cId="3411230145" sldId="273"/>
-            <ac:grpSpMk id="15" creationId="{D4FC7923-3C38-445F-86C4-EC0DAD393A24}"/>
-          </ac:grpSpMkLst>
-        </pc:grpChg>
-        <pc:grpChg chg="add del mod">
-          <ac:chgData name="Nils Mechtel" userId="d365a3c7-8594-435f-9872-5455ceefc78f" providerId="ADAL" clId="{FEE5CBDF-FE29-4F9F-99B9-949F0817748B}" dt="2019-05-12T18:19:19.053" v="1643" actId="478"/>
-          <ac:grpSpMkLst>
-            <pc:docMk/>
-            <pc:sldMk cId="3411230145" sldId="273"/>
-            <ac:grpSpMk id="17" creationId="{65F38F4B-9C8D-42D8-A56F-C207614023AD}"/>
-          </ac:grpSpMkLst>
-        </pc:grpChg>
-        <pc:grpChg chg="add del mod">
-          <ac:chgData name="Nils Mechtel" userId="d365a3c7-8594-435f-9872-5455ceefc78f" providerId="ADAL" clId="{FEE5CBDF-FE29-4F9F-99B9-949F0817748B}" dt="2019-05-13T17:42:46.949" v="4027"/>
-          <ac:grpSpMkLst>
-            <pc:docMk/>
-            <pc:sldMk cId="3411230145" sldId="273"/>
-            <ac:grpSpMk id="18" creationId="{1E2F72D5-4BC5-4DF4-AD27-BC085AE6FBBD}"/>
-          </ac:grpSpMkLst>
-        </pc:grpChg>
-        <pc:grpChg chg="add del mod">
-          <ac:chgData name="Nils Mechtel" userId="d365a3c7-8594-435f-9872-5455ceefc78f" providerId="ADAL" clId="{FEE5CBDF-FE29-4F9F-99B9-949F0817748B}" dt="2019-05-12T18:19:19.053" v="1643" actId="478"/>
-          <ac:grpSpMkLst>
-            <pc:docMk/>
-            <pc:sldMk cId="3411230145" sldId="273"/>
-            <ac:grpSpMk id="18" creationId="{79BC3948-D24F-40A3-A418-C325CA763443}"/>
-          </ac:grpSpMkLst>
-        </pc:grpChg>
-        <pc:grpChg chg="add del mod">
-          <ac:chgData name="Nils Mechtel" userId="d365a3c7-8594-435f-9872-5455ceefc78f" providerId="ADAL" clId="{FEE5CBDF-FE29-4F9F-99B9-949F0817748B}" dt="2019-05-12T18:19:19.053" v="1643" actId="478"/>
-          <ac:grpSpMkLst>
-            <pc:docMk/>
-            <pc:sldMk cId="3411230145" sldId="273"/>
-            <ac:grpSpMk id="19" creationId="{AFAAE7B4-602E-4454-B8B8-1C39B66B440E}"/>
-          </ac:grpSpMkLst>
-        </pc:grpChg>
-        <pc:grpChg chg="add mod">
-          <ac:chgData name="Nils Mechtel" userId="d365a3c7-8594-435f-9872-5455ceefc78f" providerId="ADAL" clId="{FEE5CBDF-FE29-4F9F-99B9-949F0817748B}" dt="2019-05-13T17:42:54.867" v="4029" actId="1076"/>
-          <ac:grpSpMkLst>
-            <pc:docMk/>
-            <pc:sldMk cId="3411230145" sldId="273"/>
-            <ac:grpSpMk id="22" creationId="{C41DAF9E-531A-4795-9827-B604A1DCE29F}"/>
-          </ac:grpSpMkLst>
-        </pc:grpChg>
-        <pc:grpChg chg="add mod">
-          <ac:chgData name="Nils Mechtel" userId="d365a3c7-8594-435f-9872-5455ceefc78f" providerId="ADAL" clId="{FEE5CBDF-FE29-4F9F-99B9-949F0817748B}" dt="2019-05-13T17:43:36.222" v="4038" actId="207"/>
-          <ac:grpSpMkLst>
-            <pc:docMk/>
-            <pc:sldMk cId="3411230145" sldId="273"/>
-            <ac:grpSpMk id="25" creationId="{A55C85E5-C0B2-4FB4-BCD9-7EA702EAE2AD}"/>
-          </ac:grpSpMkLst>
-        </pc:grpChg>
-        <pc:grpChg chg="add mod">
-          <ac:chgData name="Nils Mechtel" userId="d365a3c7-8594-435f-9872-5455ceefc78f" providerId="ADAL" clId="{FEE5CBDF-FE29-4F9F-99B9-949F0817748B}" dt="2019-05-13T17:43:36.222" v="4038" actId="207"/>
-          <ac:grpSpMkLst>
-            <pc:docMk/>
-            <pc:sldMk cId="3411230145" sldId="273"/>
-            <ac:grpSpMk id="28" creationId="{3E9AC1B6-5908-491E-85D9-A943A7AF06CE}"/>
-          </ac:grpSpMkLst>
-        </pc:grpChg>
-        <pc:grpChg chg="add mod">
-          <ac:chgData name="Nils Mechtel" userId="d365a3c7-8594-435f-9872-5455ceefc78f" providerId="ADAL" clId="{FEE5CBDF-FE29-4F9F-99B9-949F0817748B}" dt="2019-05-13T17:43:36.222" v="4038" actId="207"/>
-          <ac:grpSpMkLst>
-            <pc:docMk/>
-            <pc:sldMk cId="3411230145" sldId="273"/>
-            <ac:grpSpMk id="31" creationId="{F5027BF5-5BF3-4EAE-BE4A-7FEFAA1E54D9}"/>
-          </ac:grpSpMkLst>
-        </pc:grpChg>
-        <pc:graphicFrameChg chg="add del mod">
-          <ac:chgData name="Nils Mechtel" userId="d365a3c7-8594-435f-9872-5455ceefc78f" providerId="ADAL" clId="{FEE5CBDF-FE29-4F9F-99B9-949F0817748B}" dt="2019-05-12T18:20:13.500" v="1654" actId="478"/>
-          <ac:graphicFrameMkLst>
-            <pc:docMk/>
-            <pc:sldMk cId="3411230145" sldId="273"/>
-            <ac:graphicFrameMk id="10" creationId="{9E6F7D7A-BB00-4D7F-B827-28C353786F15}"/>
-          </ac:graphicFrameMkLst>
-        </pc:graphicFrameChg>
-        <pc:graphicFrameChg chg="add del mod">
-          <ac:chgData name="Nils Mechtel" userId="d365a3c7-8594-435f-9872-5455ceefc78f" providerId="ADAL" clId="{FEE5CBDF-FE29-4F9F-99B9-949F0817748B}" dt="2019-05-13T17:42:58.098" v="4030" actId="478"/>
-          <ac:graphicFrameMkLst>
-            <pc:docMk/>
-            <pc:sldMk cId="3411230145" sldId="273"/>
-            <ac:graphicFrameMk id="19" creationId="{3F5E2AB5-EFA4-4675-93F6-6E42E5962DD0}"/>
-          </ac:graphicFrameMkLst>
-        </pc:graphicFrameChg>
-        <pc:graphicFrameChg chg="add del mod">
-          <ac:chgData name="Nils Mechtel" userId="d365a3c7-8594-435f-9872-5455ceefc78f" providerId="ADAL" clId="{FEE5CBDF-FE29-4F9F-99B9-949F0817748B}" dt="2019-05-12T18:22:57.316" v="1668" actId="478"/>
-          <ac:graphicFrameMkLst>
-            <pc:docMk/>
-            <pc:sldMk cId="3411230145" sldId="273"/>
-            <ac:graphicFrameMk id="26" creationId="{19CF3D7D-2935-4527-9C95-7E7BE55779F3}"/>
-          </ac:graphicFrameMkLst>
-        </pc:graphicFrameChg>
-        <pc:graphicFrameChg chg="add del mod">
-          <ac:chgData name="Nils Mechtel" userId="d365a3c7-8594-435f-9872-5455ceefc78f" providerId="ADAL" clId="{FEE5CBDF-FE29-4F9F-99B9-949F0817748B}" dt="2019-05-13T11:06:37.183" v="2929" actId="478"/>
-          <ac:graphicFrameMkLst>
-            <pc:docMk/>
-            <pc:sldMk cId="3411230145" sldId="273"/>
-            <ac:graphicFrameMk id="27" creationId="{F5786443-EC85-4C9A-BFDE-3628153A11CD}"/>
-          </ac:graphicFrameMkLst>
-        </pc:graphicFrameChg>
-        <pc:picChg chg="mod">
-          <ac:chgData name="Nils Mechtel" userId="d365a3c7-8594-435f-9872-5455ceefc78f" providerId="ADAL" clId="{FEE5CBDF-FE29-4F9F-99B9-949F0817748B}" dt="2019-05-12T18:53:54.779" v="1951" actId="164"/>
-          <ac:picMkLst>
-            <pc:docMk/>
-            <pc:sldMk cId="3411230145" sldId="273"/>
-            <ac:picMk id="4" creationId="{CCBAA50D-C4B0-4644-A51E-8BCA1BB33D23}"/>
-          </ac:picMkLst>
-        </pc:picChg>
-        <pc:picChg chg="add del mod">
-          <ac:chgData name="Nils Mechtel" userId="d365a3c7-8594-435f-9872-5455ceefc78f" providerId="ADAL" clId="{FEE5CBDF-FE29-4F9F-99B9-949F0817748B}" dt="2019-05-12T18:56:23.318" v="1982" actId="1076"/>
-          <ac:picMkLst>
-            <pc:docMk/>
-            <pc:sldMk cId="3411230145" sldId="273"/>
-            <ac:picMk id="15" creationId="{04103547-35DB-46E5-80B5-C2C74F5EF020}"/>
-          </ac:picMkLst>
-        </pc:picChg>
-        <pc:inkChg chg="mod">
-          <ac:chgData name="Nils Mechtel" userId="d365a3c7-8594-435f-9872-5455ceefc78f" providerId="ADAL" clId="{FEE5CBDF-FE29-4F9F-99B9-949F0817748B}" dt="2019-05-12T18:30:34.233" v="1731" actId="1076"/>
-          <ac:inkMkLst>
-            <pc:docMk/>
-            <pc:sldMk cId="3411230145" sldId="273"/>
-            <ac:inkMk id="14" creationId="{E289F72B-A0C0-4451-9F0F-81F1731DBDC5}"/>
-          </ac:inkMkLst>
-        </pc:inkChg>
-      </pc:sldChg>
-      <pc:sldChg chg="addSp delSp modSp add modTransition modAnim delCm modNotesTx">
-        <pc:chgData name="Nils Mechtel" userId="d365a3c7-8594-435f-9872-5455ceefc78f" providerId="ADAL" clId="{FEE5CBDF-FE29-4F9F-99B9-949F0817748B}" dt="2019-05-15T11:44:32.979" v="6008" actId="1592"/>
-        <pc:sldMkLst>
-          <pc:docMk/>
-          <pc:sldMk cId="381550320" sldId="276"/>
-        </pc:sldMkLst>
-        <pc:spChg chg="del">
-          <ac:chgData name="Nils Mechtel" userId="d365a3c7-8594-435f-9872-5455ceefc78f" providerId="ADAL" clId="{FEE5CBDF-FE29-4F9F-99B9-949F0817748B}" dt="2019-05-13T11:18:22.436" v="2988" actId="478"/>
-          <ac:spMkLst>
-            <pc:docMk/>
-            <pc:sldMk cId="381550320" sldId="276"/>
-            <ac:spMk id="5" creationId="{A50493A2-4AD0-4DAC-95CA-DEF04F4085A3}"/>
-          </ac:spMkLst>
-        </pc:spChg>
-        <pc:spChg chg="del">
-          <ac:chgData name="Nils Mechtel" userId="d365a3c7-8594-435f-9872-5455ceefc78f" providerId="ADAL" clId="{FEE5CBDF-FE29-4F9F-99B9-949F0817748B}" dt="2019-05-13T11:18:15.465" v="2986" actId="478"/>
-          <ac:spMkLst>
-            <pc:docMk/>
-            <pc:sldMk cId="381550320" sldId="276"/>
-            <ac:spMk id="6" creationId="{9EABE0BA-7501-4B87-B287-067D38A035BF}"/>
-          </ac:spMkLst>
-        </pc:spChg>
-        <pc:spChg chg="add mod">
-          <ac:chgData name="Nils Mechtel" userId="d365a3c7-8594-435f-9872-5455ceefc78f" providerId="ADAL" clId="{FEE5CBDF-FE29-4F9F-99B9-949F0817748B}" dt="2019-05-14T21:13:46.198" v="5980" actId="20577"/>
-          <ac:spMkLst>
-            <pc:docMk/>
-            <pc:sldMk cId="381550320" sldId="276"/>
-            <ac:spMk id="8" creationId="{9B50F7CF-113D-47BB-9B2C-8B9E1D976F1C}"/>
-          </ac:spMkLst>
-        </pc:spChg>
-        <pc:spChg chg="mod">
-          <ac:chgData name="Nils Mechtel" userId="d365a3c7-8594-435f-9872-5455ceefc78f" providerId="ADAL" clId="{FEE5CBDF-FE29-4F9F-99B9-949F0817748B}" dt="2019-05-14T13:01:26.188" v="4562" actId="20577"/>
-          <ac:spMkLst>
-            <pc:docMk/>
-            <pc:sldMk cId="381550320" sldId="276"/>
-            <ac:spMk id="11" creationId="{8BE02F4C-8A0F-44AD-8060-D42969FC82C5}"/>
-          </ac:spMkLst>
-        </pc:spChg>
-        <pc:spChg chg="add mod">
-          <ac:chgData name="Nils Mechtel" userId="d365a3c7-8594-435f-9872-5455ceefc78f" providerId="ADAL" clId="{FEE5CBDF-FE29-4F9F-99B9-949F0817748B}" dt="2019-05-15T08:34:40.230" v="5993" actId="14100"/>
-          <ac:spMkLst>
-            <pc:docMk/>
-            <pc:sldMk cId="381550320" sldId="276"/>
-            <ac:spMk id="18" creationId="{EE100CF8-C7C5-4AC1-A535-AA626C2F31BE}"/>
-          </ac:spMkLst>
-        </pc:spChg>
-        <pc:spChg chg="add mod">
-          <ac:chgData name="Nils Mechtel" userId="d365a3c7-8594-435f-9872-5455ceefc78f" providerId="ADAL" clId="{FEE5CBDF-FE29-4F9F-99B9-949F0817748B}" dt="2019-05-14T19:55:40.590" v="5633" actId="1076"/>
-          <ac:spMkLst>
-            <pc:docMk/>
-            <pc:sldMk cId="381550320" sldId="276"/>
-            <ac:spMk id="19" creationId="{B9B66A64-7773-4F85-8514-6AC7A9689207}"/>
-          </ac:spMkLst>
-        </pc:spChg>
-        <pc:grpChg chg="add mod">
-          <ac:chgData name="Nils Mechtel" userId="d365a3c7-8594-435f-9872-5455ceefc78f" providerId="ADAL" clId="{FEE5CBDF-FE29-4F9F-99B9-949F0817748B}" dt="2019-05-13T17:43:53.054" v="4040" actId="207"/>
-          <ac:grpSpMkLst>
-            <pc:docMk/>
-            <pc:sldMk cId="381550320" sldId="276"/>
-            <ac:grpSpMk id="4" creationId="{D4E0FDD8-FC08-49B8-B838-ECD3494D68C4}"/>
-          </ac:grpSpMkLst>
-        </pc:grpChg>
-        <pc:grpChg chg="add mod">
-          <ac:chgData name="Nils Mechtel" userId="d365a3c7-8594-435f-9872-5455ceefc78f" providerId="ADAL" clId="{FEE5CBDF-FE29-4F9F-99B9-949F0817748B}" dt="2019-05-13T17:45:15.885" v="4046" actId="1076"/>
-          <ac:grpSpMkLst>
-            <pc:docMk/>
-            <pc:sldMk cId="381550320" sldId="276"/>
-            <ac:grpSpMk id="9" creationId="{B2D2BA94-8470-41B4-B22C-8575B177D6DF}"/>
-          </ac:grpSpMkLst>
-        </pc:grpChg>
-        <pc:grpChg chg="add">
-          <ac:chgData name="Nils Mechtel" userId="d365a3c7-8594-435f-9872-5455ceefc78f" providerId="ADAL" clId="{FEE5CBDF-FE29-4F9F-99B9-949F0817748B}" dt="2019-05-13T17:43:25.215" v="4037"/>
-          <ac:grpSpMkLst>
-            <pc:docMk/>
-            <pc:sldMk cId="381550320" sldId="276"/>
-            <ac:grpSpMk id="12" creationId="{D699A00E-9769-4FFA-8107-F478AB37F638}"/>
-          </ac:grpSpMkLst>
-        </pc:grpChg>
-        <pc:grpChg chg="add mod">
-          <ac:chgData name="Nils Mechtel" userId="d365a3c7-8594-435f-9872-5455ceefc78f" providerId="ADAL" clId="{FEE5CBDF-FE29-4F9F-99B9-949F0817748B}" dt="2019-05-13T17:43:53.054" v="4040" actId="207"/>
-          <ac:grpSpMkLst>
-            <pc:docMk/>
-            <pc:sldMk cId="381550320" sldId="276"/>
-            <ac:grpSpMk id="15" creationId="{AEEF9130-B604-4D2E-8C65-521B04C3A9D1}"/>
-          </ac:grpSpMkLst>
-        </pc:grpChg>
-        <pc:graphicFrameChg chg="del mod">
-          <ac:chgData name="Nils Mechtel" userId="d365a3c7-8594-435f-9872-5455ceefc78f" providerId="ADAL" clId="{FEE5CBDF-FE29-4F9F-99B9-949F0817748B}" dt="2019-05-13T17:43:17.544" v="4034" actId="478"/>
-          <ac:graphicFrameMkLst>
-            <pc:docMk/>
-            <pc:sldMk cId="381550320" sldId="276"/>
-            <ac:graphicFrameMk id="7" creationId="{F1A949C7-C9CF-4C02-BE5E-DA666970FF15}"/>
-          </ac:graphicFrameMkLst>
-        </pc:graphicFrameChg>
-        <pc:picChg chg="add del mod ord">
-          <ac:chgData name="Nils Mechtel" userId="d365a3c7-8594-435f-9872-5455ceefc78f" providerId="ADAL" clId="{FEE5CBDF-FE29-4F9F-99B9-949F0817748B}" dt="2019-05-14T19:53:37.717" v="5626" actId="478"/>
-          <ac:picMkLst>
-            <pc:docMk/>
-            <pc:sldMk cId="381550320" sldId="276"/>
-            <ac:picMk id="2" creationId="{56B25342-1DB6-4E81-A26D-D8B9F485FC55}"/>
-          </ac:picMkLst>
-        </pc:picChg>
-        <pc:picChg chg="add mod">
-          <ac:chgData name="Nils Mechtel" userId="d365a3c7-8594-435f-9872-5455ceefc78f" providerId="ADAL" clId="{FEE5CBDF-FE29-4F9F-99B9-949F0817748B}" dt="2019-05-14T19:54:56.878" v="5631" actId="14100"/>
-          <ac:picMkLst>
-            <pc:docMk/>
-            <pc:sldMk cId="381550320" sldId="276"/>
-            <ac:picMk id="3" creationId="{9D9FCB56-88B2-44D7-8F52-19F4865DC823}"/>
-          </ac:picMkLst>
-        </pc:picChg>
-        <pc:picChg chg="del">
-          <ac:chgData name="Nils Mechtel" userId="d365a3c7-8594-435f-9872-5455ceefc78f" providerId="ADAL" clId="{FEE5CBDF-FE29-4F9F-99B9-949F0817748B}" dt="2019-05-13T11:18:18.556" v="2987" actId="478"/>
-          <ac:picMkLst>
-            <pc:docMk/>
-            <pc:sldMk cId="381550320" sldId="276"/>
-            <ac:picMk id="3" creationId="{F756ED82-523F-4235-8B64-1586CEDEA374}"/>
-          </ac:picMkLst>
-        </pc:picChg>
-        <pc:picChg chg="del">
-          <ac:chgData name="Nils Mechtel" userId="d365a3c7-8594-435f-9872-5455ceefc78f" providerId="ADAL" clId="{FEE5CBDF-FE29-4F9F-99B9-949F0817748B}" dt="2019-05-13T11:18:22.436" v="2988" actId="478"/>
-          <ac:picMkLst>
-            <pc:docMk/>
-            <pc:sldMk cId="381550320" sldId="276"/>
-            <ac:picMk id="4" creationId="{A053DF1E-D0B7-4C6B-886D-4930CA292F7A}"/>
-          </ac:picMkLst>
-        </pc:picChg>
-      </pc:sldChg>
-      <pc:sldChg chg="modSp add modTransition modAnim delCm modNotesTx">
-        <pc:chgData name="Nils Mechtel" userId="d365a3c7-8594-435f-9872-5455ceefc78f" providerId="ADAL" clId="{FEE5CBDF-FE29-4F9F-99B9-949F0817748B}" dt="2019-05-15T11:44:19.806" v="6006" actId="113"/>
-        <pc:sldMkLst>
-          <pc:docMk/>
-          <pc:sldMk cId="3789531484" sldId="277"/>
-        </pc:sldMkLst>
-        <pc:spChg chg="mod">
-          <ac:chgData name="Nils Mechtel" userId="d365a3c7-8594-435f-9872-5455ceefc78f" providerId="ADAL" clId="{FEE5CBDF-FE29-4F9F-99B9-949F0817748B}" dt="2019-05-14T20:54:43.184" v="5915" actId="790"/>
-          <ac:spMkLst>
-            <pc:docMk/>
-            <pc:sldMk cId="3789531484" sldId="277"/>
-            <ac:spMk id="2" creationId="{DFE74C15-1D99-4C8D-B6EC-50127701BE63}"/>
-          </ac:spMkLst>
-        </pc:spChg>
-        <pc:spChg chg="mod">
-          <ac:chgData name="Nils Mechtel" userId="d365a3c7-8594-435f-9872-5455ceefc78f" providerId="ADAL" clId="{FEE5CBDF-FE29-4F9F-99B9-949F0817748B}" dt="2019-05-15T07:48:06.884" v="5990" actId="20577"/>
-          <ac:spMkLst>
-            <pc:docMk/>
-            <pc:sldMk cId="3789531484" sldId="277"/>
-            <ac:spMk id="6" creationId="{9EABE0BA-7501-4B87-B287-067D38A035BF}"/>
-          </ac:spMkLst>
-        </pc:spChg>
-      </pc:sldChg>
-      <pc:sldChg chg="add del setBg">
-        <pc:chgData name="Nils Mechtel" userId="d365a3c7-8594-435f-9872-5455ceefc78f" providerId="ADAL" clId="{FEE5CBDF-FE29-4F9F-99B9-949F0817748B}" dt="2019-05-14T20:05:54.090" v="5637" actId="2696"/>
-        <pc:sldMkLst>
-          <pc:docMk/>
-          <pc:sldMk cId="1925517690" sldId="278"/>
-        </pc:sldMkLst>
-      </pc:sldChg>
-      <pc:sldChg chg="addSp delSp modSp add del ord">
-        <pc:chgData name="Nils Mechtel" userId="d365a3c7-8594-435f-9872-5455ceefc78f" providerId="ADAL" clId="{FEE5CBDF-FE29-4F9F-99B9-949F0817748B}" dt="2019-05-14T20:06:55.631" v="5644" actId="2696"/>
-        <pc:sldMkLst>
-          <pc:docMk/>
-          <pc:sldMk cId="1280696803" sldId="279"/>
-        </pc:sldMkLst>
-        <pc:spChg chg="del">
-          <ac:chgData name="Nils Mechtel" userId="d365a3c7-8594-435f-9872-5455ceefc78f" providerId="ADAL" clId="{FEE5CBDF-FE29-4F9F-99B9-949F0817748B}" dt="2019-05-14T20:06:06.237" v="5638" actId="478"/>
-          <ac:spMkLst>
-            <pc:docMk/>
-            <pc:sldMk cId="1280696803" sldId="279"/>
-            <ac:spMk id="2" creationId="{1AD6BE74-C148-45F5-A49F-1D57CB38CDC0}"/>
-          </ac:spMkLst>
-        </pc:spChg>
-        <pc:spChg chg="mod">
-          <ac:chgData name="Nils Mechtel" userId="d365a3c7-8594-435f-9872-5455ceefc78f" providerId="ADAL" clId="{FEE5CBDF-FE29-4F9F-99B9-949F0817748B}" dt="2019-05-14T20:06:28.480" v="5641" actId="1076"/>
-          <ac:spMkLst>
-            <pc:docMk/>
-            <pc:sldMk cId="1280696803" sldId="279"/>
-            <ac:spMk id="3" creationId="{81862294-C6C8-4267-9EC4-FCE207C21611}"/>
-          </ac:spMkLst>
-        </pc:spChg>
-        <pc:spChg chg="add del mod">
-          <ac:chgData name="Nils Mechtel" userId="d365a3c7-8594-435f-9872-5455ceefc78f" providerId="ADAL" clId="{FEE5CBDF-FE29-4F9F-99B9-949F0817748B}" dt="2019-05-14T20:06:16.041" v="5640" actId="478"/>
-          <ac:spMkLst>
-            <pc:docMk/>
-            <pc:sldMk cId="1280696803" sldId="279"/>
-            <ac:spMk id="6" creationId="{FDF71A40-FC89-43CA-8C4A-3450B2682105}"/>
-          </ac:spMkLst>
-        </pc:spChg>
-      </pc:sldChg>
-      <pc:sldChg chg="delSp modSp add ord modTransition">
-        <pc:chgData name="Nils Mechtel" userId="d365a3c7-8594-435f-9872-5455ceefc78f" providerId="ADAL" clId="{FEE5CBDF-FE29-4F9F-99B9-949F0817748B}" dt="2019-05-14T20:19:25.695" v="5869"/>
-        <pc:sldMkLst>
-          <pc:docMk/>
-          <pc:sldMk cId="2813258137" sldId="280"/>
-        </pc:sldMkLst>
-        <pc:spChg chg="del mod">
-          <ac:chgData name="Nils Mechtel" userId="d365a3c7-8594-435f-9872-5455ceefc78f" providerId="ADAL" clId="{FEE5CBDF-FE29-4F9F-99B9-949F0817748B}" dt="2019-05-14T20:07:11.351" v="5650" actId="478"/>
-          <ac:spMkLst>
-            <pc:docMk/>
-            <pc:sldMk cId="2813258137" sldId="280"/>
-            <ac:spMk id="2" creationId="{1AD6BE74-C148-45F5-A49F-1D57CB38CDC0}"/>
-          </ac:spMkLst>
-        </pc:spChg>
-        <pc:spChg chg="mod">
-          <ac:chgData name="Nils Mechtel" userId="d365a3c7-8594-435f-9872-5455ceefc78f" providerId="ADAL" clId="{FEE5CBDF-FE29-4F9F-99B9-949F0817748B}" dt="2019-05-14T20:17:42.663" v="5860" actId="1076"/>
-          <ac:spMkLst>
-            <pc:docMk/>
-            <pc:sldMk cId="2813258137" sldId="280"/>
-            <ac:spMk id="3" creationId="{81862294-C6C8-4267-9EC4-FCE207C21611}"/>
-          </ac:spMkLst>
-        </pc:spChg>
-      </pc:sldChg>
-    </pc:docChg>
-  </pc:docChgLst>
-  <pc:docChgLst>
-    <pc:chgData name="pascal.poc.pp@gmail.com" userId="S::urn:spo:guest#pascal.poc.pp@gmail.com::" providerId="AD" clId="Web-{56C3E720-CDF3-A010-A1A3-4574DA1E94EA}"/>
-    <pc:docChg chg="modSld">
-      <pc:chgData name="pascal.poc.pp@gmail.com" userId="S::urn:spo:guest#pascal.poc.pp@gmail.com::" providerId="AD" clId="Web-{56C3E720-CDF3-A010-A1A3-4574DA1E94EA}" dt="2019-05-11T15:54:47.577" v="91" actId="20577"/>
-      <pc:docMkLst>
-        <pc:docMk/>
-      </pc:docMkLst>
-      <pc:sldChg chg="addSp delSp modSp">
-        <pc:chgData name="pascal.poc.pp@gmail.com" userId="S::urn:spo:guest#pascal.poc.pp@gmail.com::" providerId="AD" clId="Web-{56C3E720-CDF3-A010-A1A3-4574DA1E94EA}" dt="2019-05-11T13:27:18.818" v="81"/>
-        <pc:sldMkLst>
-          <pc:docMk/>
-          <pc:sldMk cId="2484908466" sldId="256"/>
-        </pc:sldMkLst>
-        <pc:picChg chg="add mod">
-          <ac:chgData name="pascal.poc.pp@gmail.com" userId="S::urn:spo:guest#pascal.poc.pp@gmail.com::" providerId="AD" clId="Web-{56C3E720-CDF3-A010-A1A3-4574DA1E94EA}" dt="2019-05-11T13:26:59.615" v="71"/>
-          <ac:picMkLst>
-            <pc:docMk/>
-            <pc:sldMk cId="2484908466" sldId="256"/>
-            <ac:picMk id="4" creationId="{C728CAA1-EB3A-41AC-9581-451969D49BD6}"/>
-          </ac:picMkLst>
-        </pc:picChg>
-        <pc:picChg chg="add mod">
-          <ac:chgData name="pascal.poc.pp@gmail.com" userId="S::urn:spo:guest#pascal.poc.pp@gmail.com::" providerId="AD" clId="Web-{56C3E720-CDF3-A010-A1A3-4574DA1E94EA}" dt="2019-05-11T13:27:00.724" v="72"/>
-          <ac:picMkLst>
-            <pc:docMk/>
-            <pc:sldMk cId="2484908466" sldId="256"/>
-            <ac:picMk id="6" creationId="{169773D3-B81F-4930-A855-69568BB65473}"/>
-          </ac:picMkLst>
-        </pc:picChg>
-        <pc:picChg chg="add del mod">
-          <ac:chgData name="pascal.poc.pp@gmail.com" userId="S::urn:spo:guest#pascal.poc.pp@gmail.com::" providerId="AD" clId="Web-{56C3E720-CDF3-A010-A1A3-4574DA1E94EA}" dt="2019-05-11T13:27:16.240" v="80"/>
-          <ac:picMkLst>
-            <pc:docMk/>
-            <pc:sldMk cId="2484908466" sldId="256"/>
-            <ac:picMk id="8" creationId="{B96EA895-A9AE-4F2C-A40A-875A522267EB}"/>
-          </ac:picMkLst>
-        </pc:picChg>
-        <pc:picChg chg="add mod">
-          <ac:chgData name="pascal.poc.pp@gmail.com" userId="S::urn:spo:guest#pascal.poc.pp@gmail.com::" providerId="AD" clId="Web-{56C3E720-CDF3-A010-A1A3-4574DA1E94EA}" dt="2019-05-11T13:27:02.490" v="74"/>
-          <ac:picMkLst>
-            <pc:docMk/>
-            <pc:sldMk cId="2484908466" sldId="256"/>
-            <ac:picMk id="10" creationId="{BEC75E34-2625-41DA-9A12-216768360BFF}"/>
-          </ac:picMkLst>
-        </pc:picChg>
-        <pc:picChg chg="add del mod">
-          <ac:chgData name="pascal.poc.pp@gmail.com" userId="S::urn:spo:guest#pascal.poc.pp@gmail.com::" providerId="AD" clId="Web-{56C3E720-CDF3-A010-A1A3-4574DA1E94EA}" dt="2019-05-11T13:27:14.053" v="79"/>
-          <ac:picMkLst>
-            <pc:docMk/>
-            <pc:sldMk cId="2484908466" sldId="256"/>
-            <ac:picMk id="12" creationId="{7279ACA1-E6D7-4F2C-8916-746597108681}"/>
-          </ac:picMkLst>
-        </pc:picChg>
-        <pc:picChg chg="add del mod">
-          <ac:chgData name="pascal.poc.pp@gmail.com" userId="S::urn:spo:guest#pascal.poc.pp@gmail.com::" providerId="AD" clId="Web-{56C3E720-CDF3-A010-A1A3-4574DA1E94EA}" dt="2019-05-11T13:27:18.818" v="81"/>
-          <ac:picMkLst>
-            <pc:docMk/>
-            <pc:sldMk cId="2484908466" sldId="256"/>
-            <ac:picMk id="14" creationId="{4FAA9DE7-277E-4A8D-BB70-3049352958E4}"/>
-          </ac:picMkLst>
-        </pc:picChg>
-        <pc:picChg chg="add mod">
-          <ac:chgData name="pascal.poc.pp@gmail.com" userId="S::urn:spo:guest#pascal.poc.pp@gmail.com::" providerId="AD" clId="Web-{56C3E720-CDF3-A010-A1A3-4574DA1E94EA}" dt="2019-05-11T13:27:03.271" v="77"/>
-          <ac:picMkLst>
-            <pc:docMk/>
-            <pc:sldMk cId="2484908466" sldId="256"/>
-            <ac:picMk id="16" creationId="{2D008AF7-82D1-4E7A-A0C4-EAAA22844CAC}"/>
-          </ac:picMkLst>
-        </pc:picChg>
-        <pc:picChg chg="del">
-          <ac:chgData name="pascal.poc.pp@gmail.com" userId="S::urn:spo:guest#pascal.poc.pp@gmail.com::" providerId="AD" clId="Web-{56C3E720-CDF3-A010-A1A3-4574DA1E94EA}" dt="2019-05-11T13:27:11.615" v="78"/>
-          <ac:picMkLst>
-            <pc:docMk/>
-            <pc:sldMk cId="2484908466" sldId="256"/>
-            <ac:picMk id="59" creationId="{59EC7E78-8577-4C9F-BED9-EDAF7EE0AA9C}"/>
-          </ac:picMkLst>
-        </pc:picChg>
-      </pc:sldChg>
-      <pc:sldChg chg="modSp">
-        <pc:chgData name="pascal.poc.pp@gmail.com" userId="S::urn:spo:guest#pascal.poc.pp@gmail.com::" providerId="AD" clId="Web-{56C3E720-CDF3-A010-A1A3-4574DA1E94EA}" dt="2019-05-11T13:23:51.031" v="67" actId="20577"/>
-        <pc:sldMkLst>
-          <pc:docMk/>
-          <pc:sldMk cId="1965533031" sldId="257"/>
-        </pc:sldMkLst>
-        <pc:spChg chg="mod">
-          <ac:chgData name="pascal.poc.pp@gmail.com" userId="S::urn:spo:guest#pascal.poc.pp@gmail.com::" providerId="AD" clId="Web-{56C3E720-CDF3-A010-A1A3-4574DA1E94EA}" dt="2019-05-11T13:23:07.077" v="63" actId="20577"/>
-          <ac:spMkLst>
-            <pc:docMk/>
-            <pc:sldMk cId="1965533031" sldId="257"/>
-            <ac:spMk id="2" creationId="{B008D1D3-9463-48A0-85F8-1984E244CECD}"/>
-          </ac:spMkLst>
-        </pc:spChg>
-        <pc:spChg chg="mod">
-          <ac:chgData name="pascal.poc.pp@gmail.com" userId="S::urn:spo:guest#pascal.poc.pp@gmail.com::" providerId="AD" clId="Web-{56C3E720-CDF3-A010-A1A3-4574DA1E94EA}" dt="2019-05-11T13:23:51.031" v="67" actId="20577"/>
-          <ac:spMkLst>
-            <pc:docMk/>
-            <pc:sldMk cId="1965533031" sldId="257"/>
-            <ac:spMk id="3" creationId="{C5F468CC-2388-463D-8E99-031E12807CF8}"/>
-          </ac:spMkLst>
-        </pc:spChg>
-      </pc:sldChg>
-      <pc:sldChg chg="modSp">
-        <pc:chgData name="pascal.poc.pp@gmail.com" userId="S::urn:spo:guest#pascal.poc.pp@gmail.com::" providerId="AD" clId="Web-{56C3E720-CDF3-A010-A1A3-4574DA1E94EA}" dt="2019-05-11T15:54:41.358" v="89" actId="20577"/>
-        <pc:sldMkLst>
-          <pc:docMk/>
-          <pc:sldMk cId="836733519" sldId="265"/>
-        </pc:sldMkLst>
-        <pc:spChg chg="mod">
-          <ac:chgData name="pascal.poc.pp@gmail.com" userId="S::urn:spo:guest#pascal.poc.pp@gmail.com::" providerId="AD" clId="Web-{56C3E720-CDF3-A010-A1A3-4574DA1E94EA}" dt="2019-05-11T15:54:07.998" v="86" actId="20577"/>
-          <ac:spMkLst>
-            <pc:docMk/>
-            <pc:sldMk cId="836733519" sldId="265"/>
-            <ac:spMk id="2" creationId="{11DB241C-01F8-4A1A-B493-796A1AD4A31E}"/>
-          </ac:spMkLst>
-        </pc:spChg>
-        <pc:spChg chg="mod">
-          <ac:chgData name="pascal.poc.pp@gmail.com" userId="S::urn:spo:guest#pascal.poc.pp@gmail.com::" providerId="AD" clId="Web-{56C3E720-CDF3-A010-A1A3-4574DA1E94EA}" dt="2019-05-11T15:54:41.358" v="89" actId="20577"/>
-          <ac:spMkLst>
-            <pc:docMk/>
-            <pc:sldMk cId="836733519" sldId="265"/>
-            <ac:spMk id="6" creationId="{D400EFC7-5CED-4F3C-B4E1-4DAA5A09D939}"/>
-          </ac:spMkLst>
-        </pc:spChg>
-      </pc:sldChg>
-      <pc:sldChg chg="modSp">
-        <pc:chgData name="pascal.poc.pp@gmail.com" userId="S::urn:spo:guest#pascal.poc.pp@gmail.com::" providerId="AD" clId="Web-{56C3E720-CDF3-A010-A1A3-4574DA1E94EA}" dt="2019-05-11T15:53:50.935" v="85" actId="1076"/>
-        <pc:sldMkLst>
-          <pc:docMk/>
-          <pc:sldMk cId="2923162179" sldId="266"/>
-        </pc:sldMkLst>
-        <pc:spChg chg="mod">
-          <ac:chgData name="pascal.poc.pp@gmail.com" userId="S::urn:spo:guest#pascal.poc.pp@gmail.com::" providerId="AD" clId="Web-{56C3E720-CDF3-A010-A1A3-4574DA1E94EA}" dt="2019-05-11T15:53:50.935" v="85" actId="1076"/>
-          <ac:spMkLst>
-            <pc:docMk/>
-            <pc:sldMk cId="2923162179" sldId="266"/>
-            <ac:spMk id="5" creationId="{391AAE10-E219-42C0-A4C3-B93314FB7CA1}"/>
-          </ac:spMkLst>
-        </pc:spChg>
-      </pc:sldChg>
     </pc:docChg>
   </pc:docChgLst>
   <pc:docChgLst>
@@ -4260,181 +4009,233 @@
     </pc:docChg>
   </pc:docChgLst>
   <pc:docChgLst>
-    <pc:chgData name="pascal.poc.pp@gmail.com" userId="S::urn:spo:guest#pascal.poc.pp@gmail.com::" providerId="AD" clId="Web-{54F2D62C-3A25-0C75-26B0-1119EBE2E004}"/>
+    <pc:chgData name="tobias.hub@web.de" userId="S::urn:spo:guest#tobias.hub@web.de::" providerId="AD" clId="Web-{BFF7F638-A37A-55D5-6302-81C8EFF2DF27}"/>
     <pc:docChg chg="modSld">
-      <pc:chgData name="pascal.poc.pp@gmail.com" userId="S::urn:spo:guest#pascal.poc.pp@gmail.com::" providerId="AD" clId="Web-{54F2D62C-3A25-0C75-26B0-1119EBE2E004}" dt="2019-05-13T14:19:28.834" v="50" actId="1076"/>
+      <pc:chgData name="tobias.hub@web.de" userId="S::urn:spo:guest#tobias.hub@web.de::" providerId="AD" clId="Web-{BFF7F638-A37A-55D5-6302-81C8EFF2DF27}" dt="2019-05-13T16:23:54.549" v="2157" actId="20577"/>
       <pc:docMkLst>
         <pc:docMk/>
       </pc:docMkLst>
       <pc:sldChg chg="modSp">
-        <pc:chgData name="pascal.poc.pp@gmail.com" userId="S::urn:spo:guest#pascal.poc.pp@gmail.com::" providerId="AD" clId="Web-{54F2D62C-3A25-0C75-26B0-1119EBE2E004}" dt="2019-05-13T08:02:32.366" v="6" actId="20577"/>
+        <pc:chgData name="tobias.hub@web.de" userId="S::urn:spo:guest#tobias.hub@web.de::" providerId="AD" clId="Web-{BFF7F638-A37A-55D5-6302-81C8EFF2DF27}" dt="2019-05-13T15:51:26.177" v="1527" actId="1076"/>
         <pc:sldMkLst>
           <pc:docMk/>
-          <pc:sldMk cId="2484908466" sldId="256"/>
+          <pc:sldMk cId="1965533031" sldId="257"/>
         </pc:sldMkLst>
         <pc:spChg chg="mod">
-          <ac:chgData name="pascal.poc.pp@gmail.com" userId="S::urn:spo:guest#pascal.poc.pp@gmail.com::" providerId="AD" clId="Web-{54F2D62C-3A25-0C75-26B0-1119EBE2E004}" dt="2019-05-13T08:02:32.366" v="6" actId="20577"/>
+          <ac:chgData name="tobias.hub@web.de" userId="S::urn:spo:guest#tobias.hub@web.de::" providerId="AD" clId="Web-{BFF7F638-A37A-55D5-6302-81C8EFF2DF27}" dt="2019-05-13T15:51:26.177" v="1527" actId="1076"/>
           <ac:spMkLst>
             <pc:docMk/>
-            <pc:sldMk cId="2484908466" sldId="256"/>
-            <ac:spMk id="2" creationId="{1AD6BE74-C148-45F5-A49F-1D57CB38CDC0}"/>
+            <pc:sldMk cId="1965533031" sldId="257"/>
+            <ac:spMk id="3" creationId="{A3561F8D-9380-41DF-9739-3A0E08468CF6}"/>
           </ac:spMkLst>
         </pc:spChg>
       </pc:sldChg>
-      <pc:sldChg chg="addSp delSp modSp">
-        <pc:chgData name="pascal.poc.pp@gmail.com" userId="S::urn:spo:guest#pascal.poc.pp@gmail.com::" providerId="AD" clId="Web-{54F2D62C-3A25-0C75-26B0-1119EBE2E004}" dt="2019-05-13T14:19:28.834" v="50" actId="1076"/>
+      <pc:sldChg chg="addSp modSp">
+        <pc:chgData name="tobias.hub@web.de" userId="S::urn:spo:guest#tobias.hub@web.de::" providerId="AD" clId="Web-{BFF7F638-A37A-55D5-6302-81C8EFF2DF27}" dt="2019-05-13T15:57:14.304" v="1532" actId="20577"/>
         <pc:sldMkLst>
           <pc:docMk/>
-          <pc:sldMk cId="836733519" sldId="265"/>
+          <pc:sldMk cId="3678253361" sldId="258"/>
         </pc:sldMkLst>
-        <pc:picChg chg="add del mod">
-          <ac:chgData name="pascal.poc.pp@gmail.com" userId="S::urn:spo:guest#pascal.poc.pp@gmail.com::" providerId="AD" clId="Web-{54F2D62C-3A25-0C75-26B0-1119EBE2E004}" dt="2019-05-13T14:11:19.587" v="38"/>
-          <ac:picMkLst>
-            <pc:docMk/>
-            <pc:sldMk cId="836733519" sldId="265"/>
-            <ac:picMk id="325" creationId="{25B10FD8-3342-493F-BE4D-F853A27BBB69}"/>
-          </ac:picMkLst>
-        </pc:picChg>
-        <pc:picChg chg="add del mod">
-          <ac:chgData name="pascal.poc.pp@gmail.com" userId="S::urn:spo:guest#pascal.poc.pp@gmail.com::" providerId="AD" clId="Web-{54F2D62C-3A25-0C75-26B0-1119EBE2E004}" dt="2019-05-13T14:12:30.180" v="46"/>
-          <ac:picMkLst>
-            <pc:docMk/>
-            <pc:sldMk cId="836733519" sldId="265"/>
-            <ac:picMk id="327" creationId="{D49C6E22-4ED3-4F4A-A2CD-1E41B86E2E64}"/>
-          </ac:picMkLst>
-        </pc:picChg>
-        <pc:picChg chg="add del mod">
-          <ac:chgData name="pascal.poc.pp@gmail.com" userId="S::urn:spo:guest#pascal.poc.pp@gmail.com::" providerId="AD" clId="Web-{54F2D62C-3A25-0C75-26B0-1119EBE2E004}" dt="2019-05-13T14:12:27.977" v="45"/>
-          <ac:picMkLst>
-            <pc:docMk/>
-            <pc:sldMk cId="836733519" sldId="265"/>
-            <ac:picMk id="329" creationId="{F049CDC3-8C1D-4045-B57B-CBCDC8089A56}"/>
-          </ac:picMkLst>
-        </pc:picChg>
-        <pc:picChg chg="add del mod">
-          <ac:chgData name="pascal.poc.pp@gmail.com" userId="S::urn:spo:guest#pascal.poc.pp@gmail.com::" providerId="AD" clId="Web-{54F2D62C-3A25-0C75-26B0-1119EBE2E004}" dt="2019-05-13T14:07:06.791" v="30"/>
-          <ac:picMkLst>
-            <pc:docMk/>
-            <pc:sldMk cId="836733519" sldId="265"/>
-            <ac:picMk id="330" creationId="{042BCB9A-0899-49FF-9258-FD8F4B9B8B4D}"/>
-          </ac:picMkLst>
-        </pc:picChg>
-        <pc:picChg chg="add mod">
-          <ac:chgData name="pascal.poc.pp@gmail.com" userId="S::urn:spo:guest#pascal.poc.pp@gmail.com::" providerId="AD" clId="Web-{54F2D62C-3A25-0C75-26B0-1119EBE2E004}" dt="2019-05-13T14:13:07.289" v="48" actId="1076"/>
-          <ac:picMkLst>
-            <pc:docMk/>
-            <pc:sldMk cId="836733519" sldId="265"/>
-            <ac:picMk id="331" creationId="{853ED335-0968-43B6-9385-7865869F63F1}"/>
-          </ac:picMkLst>
-        </pc:picChg>
-        <pc:picChg chg="add mod">
-          <ac:chgData name="pascal.poc.pp@gmail.com" userId="S::urn:spo:guest#pascal.poc.pp@gmail.com::" providerId="AD" clId="Web-{54F2D62C-3A25-0C75-26B0-1119EBE2E004}" dt="2019-05-13T14:06:50.791" v="28" actId="1076"/>
-          <ac:picMkLst>
-            <pc:docMk/>
-            <pc:sldMk cId="836733519" sldId="265"/>
-            <ac:picMk id="332" creationId="{73D36892-A87C-4EC8-887E-8F49160ABE7D}"/>
-          </ac:picMkLst>
-        </pc:picChg>
-        <pc:picChg chg="add mod">
-          <ac:chgData name="pascal.poc.pp@gmail.com" userId="S::urn:spo:guest#pascal.poc.pp@gmail.com::" providerId="AD" clId="Web-{54F2D62C-3A25-0C75-26B0-1119EBE2E004}" dt="2019-05-13T14:06:55.807" v="29" actId="1076"/>
-          <ac:picMkLst>
-            <pc:docMk/>
-            <pc:sldMk cId="836733519" sldId="265"/>
-            <ac:picMk id="334" creationId="{FF62C545-E97B-4917-8B71-28263D1AFE23}"/>
-          </ac:picMkLst>
-        </pc:picChg>
-        <pc:picChg chg="add mod">
-          <ac:chgData name="pascal.poc.pp@gmail.com" userId="S::urn:spo:guest#pascal.poc.pp@gmail.com::" providerId="AD" clId="Web-{54F2D62C-3A25-0C75-26B0-1119EBE2E004}" dt="2019-05-13T14:06:43.619" v="26" actId="1076"/>
-          <ac:picMkLst>
-            <pc:docMk/>
-            <pc:sldMk cId="836733519" sldId="265"/>
-            <ac:picMk id="336" creationId="{933364B4-9F52-4764-866E-778DD03226C3}"/>
-          </ac:picMkLst>
-        </pc:picChg>
-        <pc:picChg chg="add mod">
-          <ac:chgData name="pascal.poc.pp@gmail.com" userId="S::urn:spo:guest#pascal.poc.pp@gmail.com::" providerId="AD" clId="Web-{54F2D62C-3A25-0C75-26B0-1119EBE2E004}" dt="2019-05-13T14:07:34.588" v="32" actId="1076"/>
-          <ac:picMkLst>
-            <pc:docMk/>
-            <pc:sldMk cId="836733519" sldId="265"/>
-            <ac:picMk id="338" creationId="{73D2A9E5-6A07-44F4-85CD-D7885AD13222}"/>
-          </ac:picMkLst>
-        </pc:picChg>
-        <pc:picChg chg="add mod">
-          <ac:chgData name="pascal.poc.pp@gmail.com" userId="S::urn:spo:guest#pascal.poc.pp@gmail.com::" providerId="AD" clId="Web-{54F2D62C-3A25-0C75-26B0-1119EBE2E004}" dt="2019-05-13T14:07:58.056" v="34" actId="1076"/>
-          <ac:picMkLst>
-            <pc:docMk/>
-            <pc:sldMk cId="836733519" sldId="265"/>
-            <ac:picMk id="340" creationId="{BB704ABF-B671-4ED4-A736-8BF22EEBF660}"/>
-          </ac:picMkLst>
-        </pc:picChg>
-        <pc:picChg chg="add mod">
-          <ac:chgData name="pascal.poc.pp@gmail.com" userId="S::urn:spo:guest#pascal.poc.pp@gmail.com::" providerId="AD" clId="Web-{54F2D62C-3A25-0C75-26B0-1119EBE2E004}" dt="2019-05-13T14:19:28.834" v="50" actId="1076"/>
-          <ac:picMkLst>
-            <pc:docMk/>
-            <pc:sldMk cId="836733519" sldId="265"/>
-            <ac:picMk id="345" creationId="{857AB9BF-1E05-4FA1-B45F-722DCF7FBB7B}"/>
-          </ac:picMkLst>
-        </pc:picChg>
+        <pc:spChg chg="add mod">
+          <ac:chgData name="tobias.hub@web.de" userId="S::urn:spo:guest#tobias.hub@web.de::" providerId="AD" clId="Web-{BFF7F638-A37A-55D5-6302-81C8EFF2DF27}" dt="2019-05-13T15:57:14.304" v="1532" actId="20577"/>
+          <ac:spMkLst>
+            <pc:docMk/>
+            <pc:sldMk cId="3678253361" sldId="258"/>
+            <ac:spMk id="9" creationId="{3051B073-4B27-4D2F-8EA2-4D83A57733D7}"/>
+          </ac:spMkLst>
+        </pc:spChg>
+      </pc:sldChg>
+      <pc:sldChg chg="modSp modNotes">
+        <pc:chgData name="tobias.hub@web.de" userId="S::urn:spo:guest#tobias.hub@web.de::" providerId="AD" clId="Web-{BFF7F638-A37A-55D5-6302-81C8EFF2DF27}" dt="2019-05-13T16:23:52.955" v="2155" actId="20577"/>
+        <pc:sldMkLst>
+          <pc:docMk/>
+          <pc:sldMk cId="3854328160" sldId="264"/>
+        </pc:sldMkLst>
+        <pc:spChg chg="mod">
+          <ac:chgData name="tobias.hub@web.de" userId="S::urn:spo:guest#tobias.hub@web.de::" providerId="AD" clId="Web-{BFF7F638-A37A-55D5-6302-81C8EFF2DF27}" dt="2019-05-13T16:23:52.955" v="2155" actId="20577"/>
+          <ac:spMkLst>
+            <pc:docMk/>
+            <pc:sldMk cId="3854328160" sldId="264"/>
+            <ac:spMk id="3" creationId="{52ECBA23-C101-4F91-8B43-931C93C8877D}"/>
+          </ac:spMkLst>
+        </pc:spChg>
       </pc:sldChg>
       <pc:sldChg chg="modSp">
-        <pc:chgData name="pascal.poc.pp@gmail.com" userId="S::urn:spo:guest#pascal.poc.pp@gmail.com::" providerId="AD" clId="Web-{54F2D62C-3A25-0C75-26B0-1119EBE2E004}" dt="2019-05-13T08:10:35.019" v="12" actId="1076"/>
-        <pc:sldMkLst>
-          <pc:docMk/>
-          <pc:sldMk cId="2923162179" sldId="266"/>
-        </pc:sldMkLst>
-        <pc:spChg chg="mod">
-          <ac:chgData name="pascal.poc.pp@gmail.com" userId="S::urn:spo:guest#pascal.poc.pp@gmail.com::" providerId="AD" clId="Web-{54F2D62C-3A25-0C75-26B0-1119EBE2E004}" dt="2019-05-13T08:10:20.598" v="10" actId="20577"/>
-          <ac:spMkLst>
-            <pc:docMk/>
-            <pc:sldMk cId="2923162179" sldId="266"/>
-            <ac:spMk id="2" creationId="{3AFFD6C7-E4F3-4CC2-9977-57E2B563D5DB}"/>
-          </ac:spMkLst>
-        </pc:spChg>
-        <pc:picChg chg="mod">
-          <ac:chgData name="pascal.poc.pp@gmail.com" userId="S::urn:spo:guest#pascal.poc.pp@gmail.com::" providerId="AD" clId="Web-{54F2D62C-3A25-0C75-26B0-1119EBE2E004}" dt="2019-05-13T08:10:35.019" v="12" actId="1076"/>
-          <ac:picMkLst>
-            <pc:docMk/>
-            <pc:sldMk cId="2923162179" sldId="266"/>
-            <ac:picMk id="4" creationId="{6396212C-CC14-42F5-A6C0-F37A60C5A6E9}"/>
-          </ac:picMkLst>
-        </pc:picChg>
-      </pc:sldChg>
-      <pc:sldChg chg="modSp">
-        <pc:chgData name="pascal.poc.pp@gmail.com" userId="S::urn:spo:guest#pascal.poc.pp@gmail.com::" providerId="AD" clId="Web-{54F2D62C-3A25-0C75-26B0-1119EBE2E004}" dt="2019-05-13T13:45:07.548" v="17" actId="20577"/>
+        <pc:chgData name="tobias.hub@web.de" userId="S::urn:spo:guest#tobias.hub@web.de::" providerId="AD" clId="Web-{BFF7F638-A37A-55D5-6302-81C8EFF2DF27}" dt="2019-05-13T16:05:23.995" v="1610" actId="20577"/>
         <pc:sldMkLst>
           <pc:docMk/>
           <pc:sldMk cId="3411230145" sldId="273"/>
         </pc:sldMkLst>
         <pc:spChg chg="mod">
-          <ac:chgData name="pascal.poc.pp@gmail.com" userId="S::urn:spo:guest#pascal.poc.pp@gmail.com::" providerId="AD" clId="Web-{54F2D62C-3A25-0C75-26B0-1119EBE2E004}" dt="2019-05-13T13:45:07.548" v="17" actId="20577"/>
+          <ac:chgData name="tobias.hub@web.de" userId="S::urn:spo:guest#tobias.hub@web.de::" providerId="AD" clId="Web-{BFF7F638-A37A-55D5-6302-81C8EFF2DF27}" dt="2019-05-13T16:05:23.995" v="1610" actId="20577"/>
           <ac:spMkLst>
             <pc:docMk/>
             <pc:sldMk cId="3411230145" sldId="273"/>
             <ac:spMk id="6" creationId="{0D3C4D43-0167-4BC2-91B0-8DB1F2AE73AE}"/>
+          </ac:spMkLst>
+        </pc:spChg>
+        <pc:grpChg chg="mod">
+          <ac:chgData name="tobias.hub@web.de" userId="S::urn:spo:guest#tobias.hub@web.de::" providerId="AD" clId="Web-{BFF7F638-A37A-55D5-6302-81C8EFF2DF27}" dt="2019-05-13T14:01:18.399" v="99" actId="1076"/>
+          <ac:grpSpMkLst>
+            <pc:docMk/>
+            <pc:sldMk cId="3411230145" sldId="273"/>
+            <ac:grpSpMk id="10" creationId="{79924885-AE3E-40A3-AACF-C3A07E84A7DE}"/>
+          </ac:grpSpMkLst>
+        </pc:grpChg>
+      </pc:sldChg>
+      <pc:sldChg chg="modSp modNotes">
+        <pc:chgData name="tobias.hub@web.de" userId="S::urn:spo:guest#tobias.hub@web.de::" providerId="AD" clId="Web-{BFF7F638-A37A-55D5-6302-81C8EFF2DF27}" dt="2019-05-13T16:15:05.764" v="1989" actId="20577"/>
+        <pc:sldMkLst>
+          <pc:docMk/>
+          <pc:sldMk cId="381550320" sldId="276"/>
+        </pc:sldMkLst>
+        <pc:spChg chg="mod">
+          <ac:chgData name="tobias.hub@web.de" userId="S::urn:spo:guest#tobias.hub@web.de::" providerId="AD" clId="Web-{BFF7F638-A37A-55D5-6302-81C8EFF2DF27}" dt="2019-05-13T16:15:05.764" v="1989" actId="20577"/>
+          <ac:spMkLst>
+            <pc:docMk/>
+            <pc:sldMk cId="381550320" sldId="276"/>
+            <ac:spMk id="8" creationId="{9B50F7CF-113D-47BB-9B2C-8B9E1D976F1C}"/>
+          </ac:spMkLst>
+        </pc:spChg>
+        <pc:graphicFrameChg chg="mod">
+          <ac:chgData name="tobias.hub@web.de" userId="S::urn:spo:guest#tobias.hub@web.de::" providerId="AD" clId="Web-{BFF7F638-A37A-55D5-6302-81C8EFF2DF27}" dt="2019-05-13T14:34:14.452" v="1116" actId="1076"/>
+          <ac:graphicFrameMkLst>
+            <pc:docMk/>
+            <pc:sldMk cId="381550320" sldId="276"/>
+            <ac:graphicFrameMk id="7" creationId="{F1A949C7-C9CF-4C02-BE5E-DA666970FF15}"/>
+          </ac:graphicFrameMkLst>
+        </pc:graphicFrameChg>
+      </pc:sldChg>
+    </pc:docChg>
+  </pc:docChgLst>
+  <pc:docChgLst>
+    <pc:chgData name="Nils Mechtel" userId="d365a3c7-8594-435f-9872-5455ceefc78f" providerId="ADAL" clId="{81CDA804-D030-44AE-AD5B-4DD392FC7401}"/>
+    <pc:docChg chg="modSld">
+      <pc:chgData name="Nils Mechtel" userId="d365a3c7-8594-435f-9872-5455ceefc78f" providerId="ADAL" clId="{81CDA804-D030-44AE-AD5B-4DD392FC7401}" dt="2019-06-11T20:08:58.721" v="46" actId="20577"/>
+      <pc:docMkLst>
+        <pc:docMk/>
+      </pc:docMkLst>
+      <pc:sldChg chg="modSp">
+        <pc:chgData name="Nils Mechtel" userId="d365a3c7-8594-435f-9872-5455ceefc78f" providerId="ADAL" clId="{81CDA804-D030-44AE-AD5B-4DD392FC7401}" dt="2019-06-11T20:08:58.721" v="46" actId="20577"/>
+        <pc:sldMkLst>
+          <pc:docMk/>
+          <pc:sldMk cId="3854328160" sldId="264"/>
+        </pc:sldMkLst>
+        <pc:spChg chg="mod">
+          <ac:chgData name="Nils Mechtel" userId="d365a3c7-8594-435f-9872-5455ceefc78f" providerId="ADAL" clId="{81CDA804-D030-44AE-AD5B-4DD392FC7401}" dt="2019-06-11T20:08:42.496" v="22" actId="20577"/>
+          <ac:spMkLst>
+            <pc:docMk/>
+            <pc:sldMk cId="3854328160" sldId="264"/>
+            <ac:spMk id="3" creationId="{52ECBA23-C101-4F91-8B43-931C93C8877D}"/>
+          </ac:spMkLst>
+        </pc:spChg>
+        <pc:spChg chg="mod">
+          <ac:chgData name="Nils Mechtel" userId="d365a3c7-8594-435f-9872-5455ceefc78f" providerId="ADAL" clId="{81CDA804-D030-44AE-AD5B-4DD392FC7401}" dt="2019-06-11T20:08:58.721" v="46" actId="20577"/>
+          <ac:spMkLst>
+            <pc:docMk/>
+            <pc:sldMk cId="3854328160" sldId="264"/>
+            <ac:spMk id="17" creationId="{4F6CD179-615F-4455-95D5-3104BC1C7BC4}"/>
           </ac:spMkLst>
         </pc:spChg>
       </pc:sldChg>
     </pc:docChg>
   </pc:docChgLst>
   <pc:docChgLst>
-    <pc:chgData name="niklas.kronos@gmail.com" userId="S::urn:spo:guest#niklas.kronos@gmail.com::" providerId="AD" clId="Web-{D379BF8A-BE76-E467-2798-A142A7104027}"/>
-    <pc:docChg chg="modSld">
-      <pc:chgData name="niklas.kronos@gmail.com" userId="S::urn:spo:guest#niklas.kronos@gmail.com::" providerId="AD" clId="Web-{D379BF8A-BE76-E467-2798-A142A7104027}" dt="2019-05-14T19:51:31.877" v="36"/>
+    <pc:chgData name="pascal.poc.pp@gmail.com" userId="S::urn:spo:guest#pascal.poc.pp@gmail.com::" providerId="AD" clId="Web-{AA1BFBFF-CA3A-3AEE-F1AB-A3D6F218AA2B}"/>
+    <pc:docChg chg="addSld modSld sldOrd modSection">
+      <pc:chgData name="pascal.poc.pp@gmail.com" userId="S::urn:spo:guest#pascal.poc.pp@gmail.com::" providerId="AD" clId="Web-{AA1BFBFF-CA3A-3AEE-F1AB-A3D6F218AA2B}" dt="2019-05-12T16:27:41.196" v="177" actId="1076"/>
       <pc:docMkLst>
         <pc:docMk/>
       </pc:docMkLst>
-      <pc:sldChg chg="addSp modSp addAnim modAnim">
-        <pc:chgData name="niklas.kronos@gmail.com" userId="S::urn:spo:guest#niklas.kronos@gmail.com::" providerId="AD" clId="Web-{D379BF8A-BE76-E467-2798-A142A7104027}" dt="2019-05-14T19:51:31.877" v="36"/>
+      <pc:sldChg chg="modSp">
+        <pc:chgData name="pascal.poc.pp@gmail.com" userId="S::urn:spo:guest#pascal.poc.pp@gmail.com::" providerId="AD" clId="Web-{AA1BFBFF-CA3A-3AEE-F1AB-A3D6F218AA2B}" dt="2019-05-12T08:37:58.909" v="13" actId="20577"/>
         <pc:sldMkLst>
           <pc:docMk/>
-          <pc:sldMk cId="3789531484" sldId="277"/>
+          <pc:sldMk cId="3678253361" sldId="258"/>
         </pc:sldMkLst>
+        <pc:spChg chg="mod">
+          <ac:chgData name="pascal.poc.pp@gmail.com" userId="S::urn:spo:guest#pascal.poc.pp@gmail.com::" providerId="AD" clId="Web-{AA1BFBFF-CA3A-3AEE-F1AB-A3D6F218AA2B}" dt="2019-05-12T08:37:48.783" v="4" actId="20577"/>
+          <ac:spMkLst>
+            <pc:docMk/>
+            <pc:sldMk cId="3678253361" sldId="258"/>
+            <ac:spMk id="2" creationId="{88AF4BB1-C745-4D72-9AAA-5E0278FCF5DB}"/>
+          </ac:spMkLst>
+        </pc:spChg>
+        <pc:spChg chg="mod">
+          <ac:chgData name="pascal.poc.pp@gmail.com" userId="S::urn:spo:guest#pascal.poc.pp@gmail.com::" providerId="AD" clId="Web-{AA1BFBFF-CA3A-3AEE-F1AB-A3D6F218AA2B}" dt="2019-05-12T08:37:58.909" v="13" actId="20577"/>
+          <ac:spMkLst>
+            <pc:docMk/>
+            <pc:sldMk cId="3678253361" sldId="258"/>
+            <ac:spMk id="3" creationId="{9EB5275A-EC7E-4EF8-941F-533224F5BFBC}"/>
+          </ac:spMkLst>
+        </pc:spChg>
+      </pc:sldChg>
+      <pc:sldChg chg="modSp">
+        <pc:chgData name="pascal.poc.pp@gmail.com" userId="S::urn:spo:guest#pascal.poc.pp@gmail.com::" providerId="AD" clId="Web-{AA1BFBFF-CA3A-3AEE-F1AB-A3D6F218AA2B}" dt="2019-05-12T10:21:45.940" v="17" actId="20577"/>
+        <pc:sldMkLst>
+          <pc:docMk/>
+          <pc:sldMk cId="2828272781" sldId="260"/>
+        </pc:sldMkLst>
+        <pc:spChg chg="mod">
+          <ac:chgData name="pascal.poc.pp@gmail.com" userId="S::urn:spo:guest#pascal.poc.pp@gmail.com::" providerId="AD" clId="Web-{AA1BFBFF-CA3A-3AEE-F1AB-A3D6F218AA2B}" dt="2019-05-12T10:21:45.940" v="17" actId="20577"/>
+          <ac:spMkLst>
+            <pc:docMk/>
+            <pc:sldMk cId="2828272781" sldId="260"/>
+            <ac:spMk id="3" creationId="{C246E4BD-1BE0-408D-A950-BB322F35E38E}"/>
+          </ac:spMkLst>
+        </pc:spChg>
+      </pc:sldChg>
+      <pc:sldChg chg="delSp ord addCm">
+        <pc:chgData name="pascal.poc.pp@gmail.com" userId="S::urn:spo:guest#pascal.poc.pp@gmail.com::" providerId="AD" clId="Web-{AA1BFBFF-CA3A-3AEE-F1AB-A3D6F218AA2B}" dt="2019-05-12T11:30:38.781" v="165"/>
+        <pc:sldMkLst>
+          <pc:docMk/>
+          <pc:sldMk cId="836733519" sldId="265"/>
+        </pc:sldMkLst>
+        <pc:inkChg chg="del">
+          <ac:chgData name="pascal.poc.pp@gmail.com" userId="S::urn:spo:guest#pascal.poc.pp@gmail.com::" providerId="AD" clId="Web-{AA1BFBFF-CA3A-3AEE-F1AB-A3D6F218AA2B}" dt="2019-05-12T08:48:42.867" v="15"/>
+          <ac:inkMkLst>
+            <pc:docMk/>
+            <pc:sldMk cId="836733519" sldId="265"/>
+            <ac:inkMk id="11" creationId="{A82B448E-C8D7-4AE7-A619-4A1B6E1418F5}"/>
+          </ac:inkMkLst>
+        </pc:inkChg>
+        <pc:inkChg chg="del">
+          <ac:chgData name="pascal.poc.pp@gmail.com" userId="S::urn:spo:guest#pascal.poc.pp@gmail.com::" providerId="AD" clId="Web-{AA1BFBFF-CA3A-3AEE-F1AB-A3D6F218AA2B}" dt="2019-05-12T08:48:45.758" v="16"/>
+          <ac:inkMkLst>
+            <pc:docMk/>
+            <pc:sldMk cId="836733519" sldId="265"/>
+            <ac:inkMk id="18" creationId="{8CFCE5A5-3C28-47C1-BB10-5A4CED3881EB}"/>
+          </ac:inkMkLst>
+        </pc:inkChg>
+      </pc:sldChg>
+      <pc:sldChg chg="addSp delSp modSp addCm">
+        <pc:chgData name="pascal.poc.pp@gmail.com" userId="S::urn:spo:guest#pascal.poc.pp@gmail.com::" providerId="AD" clId="Web-{AA1BFBFF-CA3A-3AEE-F1AB-A3D6F218AA2B}" dt="2019-05-12T11:31:50.547" v="166"/>
+        <pc:sldMkLst>
+          <pc:docMk/>
+          <pc:sldMk cId="2923162179" sldId="266"/>
+        </pc:sldMkLst>
+        <pc:spChg chg="mod">
+          <ac:chgData name="pascal.poc.pp@gmail.com" userId="S::urn:spo:guest#pascal.poc.pp@gmail.com::" providerId="AD" clId="Web-{AA1BFBFF-CA3A-3AEE-F1AB-A3D6F218AA2B}" dt="2019-05-12T11:28:55.156" v="164" actId="14100"/>
+          <ac:spMkLst>
+            <pc:docMk/>
+            <pc:sldMk cId="2923162179" sldId="266"/>
+            <ac:spMk id="2" creationId="{3AFFD6C7-E4F3-4CC2-9977-57E2B563D5DB}"/>
+          </ac:spMkLst>
+        </pc:spChg>
         <pc:spChg chg="add mod">
-          <ac:chgData name="niklas.kronos@gmail.com" userId="S::urn:spo:guest#niklas.kronos@gmail.com::" providerId="AD" clId="Web-{D379BF8A-BE76-E467-2798-A142A7104027}" dt="2019-05-14T19:50:33.846" v="34" actId="1076"/>
+          <ac:chgData name="pascal.poc.pp@gmail.com" userId="S::urn:spo:guest#pascal.poc.pp@gmail.com::" providerId="AD" clId="Web-{AA1BFBFF-CA3A-3AEE-F1AB-A3D6F218AA2B}" dt="2019-05-12T11:22:31.875" v="102" actId="1076"/>
           <ac:spMkLst>
             <pc:docMk/>
-            <pc:sldMk cId="3789531484" sldId="277"/>
-            <ac:spMk id="3" creationId="{41D62092-D107-43EB-A8A0-77404DF5FF21}"/>
+            <pc:sldMk cId="2923162179" sldId="266"/>
+            <ac:spMk id="3" creationId="{CE8E4A18-CAD6-4EC5-B815-4CDA06E0B1C1}"/>
+          </ac:spMkLst>
+        </pc:spChg>
+        <pc:spChg chg="del">
+          <ac:chgData name="pascal.poc.pp@gmail.com" userId="S::urn:spo:guest#pascal.poc.pp@gmail.com::" providerId="AD" clId="Web-{AA1BFBFF-CA3A-3AEE-F1AB-A3D6F218AA2B}" dt="2019-05-12T11:22:38.391" v="103"/>
+          <ac:spMkLst>
+            <pc:docMk/>
+            <pc:sldMk cId="2923162179" sldId="266"/>
+            <ac:spMk id="5" creationId="{391AAE10-E219-42C0-A4C3-B93314FB7CA1}"/>
           </ac:spMkLst>
         </pc:spChg>
       </pc:sldChg>
@@ -4535,148 +4336,6 @@
           <pc:docMk/>
           <pc:sldMk cId="2923162179" sldId="266"/>
         </pc:sldMkLst>
-      </pc:sldChg>
-    </pc:docChg>
-  </pc:docChgLst>
-  <pc:docChgLst>
-    <pc:chgData name="tobias.hub@web.de" userId="S::urn:spo:guest#tobias.hub@web.de::" providerId="AD" clId="Web-{0F1670F1-5E66-155C-8EF0-ED34F4265544}"/>
-    <pc:docChg chg="modSld">
-      <pc:chgData name="tobias.hub@web.de" userId="S::urn:spo:guest#tobias.hub@web.de::" providerId="AD" clId="Web-{0F1670F1-5E66-155C-8EF0-ED34F4265544}" dt="2019-05-14T08:36:40.724" v="10"/>
-      <pc:docMkLst>
-        <pc:docMk/>
-      </pc:docMkLst>
-      <pc:sldChg chg="modNotes">
-        <pc:chgData name="tobias.hub@web.de" userId="S::urn:spo:guest#tobias.hub@web.de::" providerId="AD" clId="Web-{0F1670F1-5E66-155C-8EF0-ED34F4265544}" dt="2019-05-14T08:35:26.303" v="6"/>
-        <pc:sldMkLst>
-          <pc:docMk/>
-          <pc:sldMk cId="4044078516" sldId="263"/>
-        </pc:sldMkLst>
-      </pc:sldChg>
-      <pc:sldChg chg="modNotes">
-        <pc:chgData name="tobias.hub@web.de" userId="S::urn:spo:guest#tobias.hub@web.de::" providerId="AD" clId="Web-{0F1670F1-5E66-155C-8EF0-ED34F4265544}" dt="2019-05-14T08:36:40.724" v="10"/>
-        <pc:sldMkLst>
-          <pc:docMk/>
-          <pc:sldMk cId="381550320" sldId="276"/>
-        </pc:sldMkLst>
-      </pc:sldChg>
-    </pc:docChg>
-  </pc:docChgLst>
-  <pc:docChgLst>
-    <pc:chgData name="niklas.kronos@gmail.com" userId="S::urn:spo:guest#niklas.kronos@gmail.com::" providerId="AD" clId="Web-{0A60967B-DAF8-A1FE-489D-49D4C2143C79}"/>
-    <pc:docChg chg="modSld">
-      <pc:chgData name="niklas.kronos@gmail.com" userId="S::urn:spo:guest#niklas.kronos@gmail.com::" providerId="AD" clId="Web-{0A60967B-DAF8-A1FE-489D-49D4C2143C79}" dt="2019-05-14T15:17:25.865" v="84" actId="14100"/>
-      <pc:docMkLst>
-        <pc:docMk/>
-      </pc:docMkLst>
-      <pc:sldChg chg="modSp">
-        <pc:chgData name="niklas.kronos@gmail.com" userId="S::urn:spo:guest#niklas.kronos@gmail.com::" providerId="AD" clId="Web-{0A60967B-DAF8-A1FE-489D-49D4C2143C79}" dt="2019-05-14T15:17:25.865" v="84" actId="14100"/>
-        <pc:sldMkLst>
-          <pc:docMk/>
-          <pc:sldMk cId="4044078516" sldId="263"/>
-        </pc:sldMkLst>
-        <pc:spChg chg="mod">
-          <ac:chgData name="niklas.kronos@gmail.com" userId="S::urn:spo:guest#niklas.kronos@gmail.com::" providerId="AD" clId="Web-{0A60967B-DAF8-A1FE-489D-49D4C2143C79}" dt="2019-05-14T15:17:25.865" v="84" actId="14100"/>
-          <ac:spMkLst>
-            <pc:docMk/>
-            <pc:sldMk cId="4044078516" sldId="263"/>
-            <ac:spMk id="6" creationId="{9EABE0BA-7501-4B87-B287-067D38A035BF}"/>
-          </ac:spMkLst>
-        </pc:spChg>
-      </pc:sldChg>
-    </pc:docChg>
-  </pc:docChgLst>
-  <pc:docChgLst>
-    <pc:chgData name="pascal.poc.pp@gmail.com" userId="S::urn:spo:guest#pascal.poc.pp@gmail.com::" providerId="AD" clId="Web-{0570BBE3-6DC8-40D8-BD4A-2B8883141892}"/>
-    <pc:docChg chg="addSld modSld sldOrd modSection">
-      <pc:chgData name="pascal.poc.pp@gmail.com" userId="S::urn:spo:guest#pascal.poc.pp@gmail.com::" providerId="AD" clId="Web-{0570BBE3-6DC8-40D8-BD4A-2B8883141892}" dt="2019-05-11T12:50:03.329" v="69" actId="1076"/>
-      <pc:docMkLst>
-        <pc:docMk/>
-      </pc:docMkLst>
-    </pc:docChg>
-  </pc:docChgLst>
-  <pc:docChgLst>
-    <pc:chgData name="niklas.kronos@gmail.com" userId="S::urn:spo:guest#niklas.kronos@gmail.com::" providerId="AD" clId="Web-{9501EFDE-D2BB-C6E8-F3AF-6E526D224B73}"/>
-    <pc:docChg chg="delSld modSld modSection">
-      <pc:chgData name="niklas.kronos@gmail.com" userId="S::urn:spo:guest#niklas.kronos@gmail.com::" providerId="AD" clId="Web-{9501EFDE-D2BB-C6E8-F3AF-6E526D224B73}" dt="2019-05-13T16:30:27.997" v="368" actId="1076"/>
-      <pc:docMkLst>
-        <pc:docMk/>
-      </pc:docMkLst>
-      <pc:sldChg chg="modSp">
-        <pc:chgData name="niklas.kronos@gmail.com" userId="S::urn:spo:guest#niklas.kronos@gmail.com::" providerId="AD" clId="Web-{9501EFDE-D2BB-C6E8-F3AF-6E526D224B73}" dt="2019-05-13T15:51:29.969" v="362" actId="1076"/>
-        <pc:sldMkLst>
-          <pc:docMk/>
-          <pc:sldMk cId="2484908466" sldId="256"/>
-        </pc:sldMkLst>
-        <pc:spChg chg="mod">
-          <ac:chgData name="niklas.kronos@gmail.com" userId="S::urn:spo:guest#niklas.kronos@gmail.com::" providerId="AD" clId="Web-{9501EFDE-D2BB-C6E8-F3AF-6E526D224B73}" dt="2019-05-13T15:51:29.969" v="362" actId="1076"/>
-          <ac:spMkLst>
-            <pc:docMk/>
-            <pc:sldMk cId="2484908466" sldId="256"/>
-            <ac:spMk id="4" creationId="{881BF236-5E18-4066-A6E6-871AA4B9AE8C}"/>
-          </ac:spMkLst>
-        </pc:spChg>
-      </pc:sldChg>
-      <pc:sldChg chg="modSp">
-        <pc:chgData name="niklas.kronos@gmail.com" userId="S::urn:spo:guest#niklas.kronos@gmail.com::" providerId="AD" clId="Web-{9501EFDE-D2BB-C6E8-F3AF-6E526D224B73}" dt="2019-05-13T16:30:27.997" v="368" actId="1076"/>
-        <pc:sldMkLst>
-          <pc:docMk/>
-          <pc:sldMk cId="2923162179" sldId="266"/>
-        </pc:sldMkLst>
-        <pc:picChg chg="mod">
-          <ac:chgData name="niklas.kronos@gmail.com" userId="S::urn:spo:guest#niklas.kronos@gmail.com::" providerId="AD" clId="Web-{9501EFDE-D2BB-C6E8-F3AF-6E526D224B73}" dt="2019-05-13T16:30:27.997" v="368" actId="1076"/>
-          <ac:picMkLst>
-            <pc:docMk/>
-            <pc:sldMk cId="2923162179" sldId="266"/>
-            <ac:picMk id="10" creationId="{C90D6B81-78E5-40AC-91FA-9B7CAC5D54EF}"/>
-          </ac:picMkLst>
-        </pc:picChg>
-      </pc:sldChg>
-      <pc:sldChg chg="delSp delAnim">
-        <pc:chgData name="niklas.kronos@gmail.com" userId="S::urn:spo:guest#niklas.kronos@gmail.com::" providerId="AD" clId="Web-{9501EFDE-D2BB-C6E8-F3AF-6E526D224B73}" dt="2019-05-13T14:02:06.399" v="0"/>
-        <pc:sldMkLst>
-          <pc:docMk/>
-          <pc:sldMk cId="3411230145" sldId="273"/>
-        </pc:sldMkLst>
-        <pc:grpChg chg="del">
-          <ac:chgData name="niklas.kronos@gmail.com" userId="S::urn:spo:guest#niklas.kronos@gmail.com::" providerId="AD" clId="Web-{9501EFDE-D2BB-C6E8-F3AF-6E526D224B73}" dt="2019-05-13T14:02:06.399" v="0"/>
-          <ac:grpSpMkLst>
-            <pc:docMk/>
-            <pc:sldMk cId="3411230145" sldId="273"/>
-            <ac:grpSpMk id="10" creationId="{79924885-AE3E-40A3-AACF-C3A07E84A7DE}"/>
-          </ac:grpSpMkLst>
-        </pc:grpChg>
-      </pc:sldChg>
-    </pc:docChg>
-  </pc:docChgLst>
-  <pc:docChgLst>
-    <pc:chgData name="niklas.kronos@gmail.com" userId="S::urn:spo:guest#niklas.kronos@gmail.com::" providerId="AD" clId="Web-{A7283F9E-1163-EB7C-55F9-7C9D4E69776D}"/>
-    <pc:docChg chg="modSld">
-      <pc:chgData name="niklas.kronos@gmail.com" userId="S::urn:spo:guest#niklas.kronos@gmail.com::" providerId="AD" clId="Web-{A7283F9E-1163-EB7C-55F9-7C9D4E69776D}" dt="2019-05-13T11:03:43.798" v="245" actId="20577"/>
-      <pc:docMkLst>
-        <pc:docMk/>
-      </pc:docMkLst>
-      <pc:sldChg chg="addSp modSp mod setBg">
-        <pc:chgData name="niklas.kronos@gmail.com" userId="S::urn:spo:guest#niklas.kronos@gmail.com::" providerId="AD" clId="Web-{A7283F9E-1163-EB7C-55F9-7C9D4E69776D}" dt="2019-05-13T08:08:56.505" v="68" actId="1076"/>
-        <pc:sldMkLst>
-          <pc:docMk/>
-          <pc:sldMk cId="2484908466" sldId="256"/>
-        </pc:sldMkLst>
-        <pc:spChg chg="mod">
-          <ac:chgData name="niklas.kronos@gmail.com" userId="S::urn:spo:guest#niklas.kronos@gmail.com::" providerId="AD" clId="Web-{A7283F9E-1163-EB7C-55F9-7C9D4E69776D}" dt="2019-05-13T08:00:27.916" v="11" actId="20577"/>
-          <ac:spMkLst>
-            <pc:docMk/>
-            <pc:sldMk cId="2484908466" sldId="256"/>
-            <ac:spMk id="3" creationId="{81862294-C6C8-4267-9EC4-FCE207C21611}"/>
-          </ac:spMkLst>
-        </pc:spChg>
-        <pc:spChg chg="add mod">
-          <ac:chgData name="niklas.kronos@gmail.com" userId="S::urn:spo:guest#niklas.kronos@gmail.com::" providerId="AD" clId="Web-{A7283F9E-1163-EB7C-55F9-7C9D4E69776D}" dt="2019-05-13T08:08:56.505" v="68" actId="1076"/>
-          <ac:spMkLst>
-            <pc:docMk/>
-            <pc:sldMk cId="2484908466" sldId="256"/>
-            <ac:spMk id="4" creationId="{881BF236-5E18-4066-A6E6-871AA4B9AE8C}"/>
-          </ac:spMkLst>
-        </pc:spChg>
       </pc:sldChg>
     </pc:docChg>
   </pc:docChgLst>
@@ -7338,7 +6997,7 @@
           <a:p>
             <a:fld id="{7A04854A-5F0F-4A05-8D1F-32E1E9A1E1DE}" type="datetimeFigureOut">
               <a:rPr lang="de-DE" smtClean="0"/>
-              <a:t>15.05.2019</a:t>
+              <a:t>11.06.2019</a:t>
             </a:fld>
             <a:endParaRPr lang="de-DE"/>
           </a:p>
@@ -9336,7 +8995,7 @@
           <a:p>
             <a:fld id="{7AD4A124-43A9-4BFD-AB04-000A3280E8AD}" type="datetimeFigureOut">
               <a:rPr lang="de-DE" smtClean="0"/>
-              <a:t>15.05.2019</a:t>
+              <a:t>11.06.2019</a:t>
             </a:fld>
             <a:endParaRPr lang="de-DE"/>
           </a:p>
@@ -9587,7 +9246,7 @@
           <a:p>
             <a:fld id="{7AD4A124-43A9-4BFD-AB04-000A3280E8AD}" type="datetimeFigureOut">
               <a:rPr lang="de-DE" smtClean="0"/>
-              <a:t>15.05.2019</a:t>
+              <a:t>11.06.2019</a:t>
             </a:fld>
             <a:endParaRPr lang="de-DE"/>
           </a:p>
@@ -9901,7 +9560,7 @@
           <a:p>
             <a:fld id="{7AD4A124-43A9-4BFD-AB04-000A3280E8AD}" type="datetimeFigureOut">
               <a:rPr lang="de-DE" smtClean="0"/>
-              <a:t>15.05.2019</a:t>
+              <a:t>11.06.2019</a:t>
             </a:fld>
             <a:endParaRPr lang="de-DE"/>
           </a:p>
@@ -10234,7 +9893,7 @@
           <a:p>
             <a:fld id="{7AD4A124-43A9-4BFD-AB04-000A3280E8AD}" type="datetimeFigureOut">
               <a:rPr lang="de-DE" smtClean="0"/>
-              <a:t>15.05.2019</a:t>
+              <a:t>11.06.2019</a:t>
             </a:fld>
             <a:endParaRPr lang="de-DE"/>
           </a:p>
@@ -10548,7 +10207,7 @@
           <a:p>
             <a:fld id="{7AD4A124-43A9-4BFD-AB04-000A3280E8AD}" type="datetimeFigureOut">
               <a:rPr lang="de-DE" smtClean="0"/>
-              <a:t>15.05.2019</a:t>
+              <a:t>11.06.2019</a:t>
             </a:fld>
             <a:endParaRPr lang="de-DE"/>
           </a:p>
@@ -10941,7 +10600,7 @@
           <a:p>
             <a:fld id="{7AD4A124-43A9-4BFD-AB04-000A3280E8AD}" type="datetimeFigureOut">
               <a:rPr lang="de-DE" smtClean="0"/>
-              <a:t>15.05.2019</a:t>
+              <a:t>11.06.2019</a:t>
             </a:fld>
             <a:endParaRPr lang="de-DE"/>
           </a:p>
@@ -11111,7 +10770,7 @@
           <a:p>
             <a:fld id="{7AD4A124-43A9-4BFD-AB04-000A3280E8AD}" type="datetimeFigureOut">
               <a:rPr lang="de-DE" smtClean="0"/>
-              <a:t>15.05.2019</a:t>
+              <a:t>11.06.2019</a:t>
             </a:fld>
             <a:endParaRPr lang="de-DE"/>
           </a:p>
@@ -11291,7 +10950,7 @@
           <a:p>
             <a:fld id="{7AD4A124-43A9-4BFD-AB04-000A3280E8AD}" type="datetimeFigureOut">
               <a:rPr lang="de-DE" smtClean="0"/>
-              <a:t>15.05.2019</a:t>
+              <a:t>11.06.2019</a:t>
             </a:fld>
             <a:endParaRPr lang="de-DE"/>
           </a:p>
@@ -11461,7 +11120,7 @@
           <a:p>
             <a:fld id="{7AD4A124-43A9-4BFD-AB04-000A3280E8AD}" type="datetimeFigureOut">
               <a:rPr lang="de-DE" smtClean="0"/>
-              <a:t>15.05.2019</a:t>
+              <a:t>11.06.2019</a:t>
             </a:fld>
             <a:endParaRPr lang="de-DE"/>
           </a:p>
@@ -11708,7 +11367,7 @@
           <a:p>
             <a:fld id="{7AD4A124-43A9-4BFD-AB04-000A3280E8AD}" type="datetimeFigureOut">
               <a:rPr lang="de-DE" smtClean="0"/>
-              <a:t>15.05.2019</a:t>
+              <a:t>11.06.2019</a:t>
             </a:fld>
             <a:endParaRPr lang="de-DE"/>
           </a:p>
@@ -11940,7 +11599,7 @@
           <a:p>
             <a:fld id="{7AD4A124-43A9-4BFD-AB04-000A3280E8AD}" type="datetimeFigureOut">
               <a:rPr lang="de-DE" smtClean="0"/>
-              <a:t>15.05.2019</a:t>
+              <a:t>11.06.2019</a:t>
             </a:fld>
             <a:endParaRPr lang="de-DE"/>
           </a:p>
@@ -12314,7 +11973,7 @@
           <a:p>
             <a:fld id="{7AD4A124-43A9-4BFD-AB04-000A3280E8AD}" type="datetimeFigureOut">
               <a:rPr lang="de-DE" smtClean="0"/>
-              <a:t>15.05.2019</a:t>
+              <a:t>11.06.2019</a:t>
             </a:fld>
             <a:endParaRPr lang="de-DE"/>
           </a:p>
@@ -12437,7 +12096,7 @@
           <a:p>
             <a:fld id="{7AD4A124-43A9-4BFD-AB04-000A3280E8AD}" type="datetimeFigureOut">
               <a:rPr lang="de-DE" smtClean="0"/>
-              <a:t>15.05.2019</a:t>
+              <a:t>11.06.2019</a:t>
             </a:fld>
             <a:endParaRPr lang="de-DE"/>
           </a:p>
@@ -12532,7 +12191,7 @@
           <a:p>
             <a:fld id="{7AD4A124-43A9-4BFD-AB04-000A3280E8AD}" type="datetimeFigureOut">
               <a:rPr lang="de-DE" smtClean="0"/>
-              <a:t>15.05.2019</a:t>
+              <a:t>11.06.2019</a:t>
             </a:fld>
             <a:endParaRPr lang="de-DE"/>
           </a:p>
@@ -12787,7 +12446,7 @@
           <a:p>
             <a:fld id="{7AD4A124-43A9-4BFD-AB04-000A3280E8AD}" type="datetimeFigureOut">
               <a:rPr lang="de-DE" smtClean="0"/>
-              <a:t>15.05.2019</a:t>
+              <a:t>11.06.2019</a:t>
             </a:fld>
             <a:endParaRPr lang="de-DE"/>
           </a:p>
@@ -13092,7 +12751,7 @@
           <a:p>
             <a:fld id="{7AD4A124-43A9-4BFD-AB04-000A3280E8AD}" type="datetimeFigureOut">
               <a:rPr lang="de-DE" smtClean="0"/>
-              <a:t>15.05.2019</a:t>
+              <a:t>11.06.2019</a:t>
             </a:fld>
             <a:endParaRPr lang="de-DE"/>
           </a:p>
@@ -13794,7 +13453,7 @@
           <a:p>
             <a:fld id="{7AD4A124-43A9-4BFD-AB04-000A3280E8AD}" type="datetimeFigureOut">
               <a:rPr lang="de-DE" smtClean="0"/>
-              <a:t>15.05.2019</a:t>
+              <a:t>11.06.2019</a:t>
             </a:fld>
             <a:endParaRPr lang="de-DE"/>
           </a:p>
@@ -14597,7 +14256,7 @@
                 <a:ea typeface="+mn-lt"/>
                 <a:cs typeface="+mn-lt"/>
               </a:rPr>
-              <a:t>Multiple Linear Regression</a:t>
+              <a:t>Logical Regression</a:t>
             </a:r>
           </a:p>
           <a:p>
@@ -15291,7 +14950,7 @@
                   <a:srgbClr val="5FCBEF"/>
                 </a:solidFill>
               </a:rPr>
-              <a:t>Can we predict mutations in head and neck cancer via a multiple linear regression model using expression-, CNA- </a:t>
+              <a:t>Can we predict mutations in head and neck cancer </a:t>
             </a:r>
             <a:r>
               <a:rPr lang="en-US" sz="2000">
@@ -15299,7 +14958,31 @@
                   <a:srgbClr val="5FCBEF"/>
                 </a:solidFill>
               </a:rPr>
-              <a:t>and CERES kockdown</a:t>
+              <a:t>via a logical </a:t>
+            </a:r>
+            <a:r>
+              <a:rPr lang="en-US" sz="2000" dirty="0">
+                <a:solidFill>
+                  <a:srgbClr val="5FCBEF"/>
+                </a:solidFill>
+              </a:rPr>
+              <a:t>regression model using expression-, CNA- </a:t>
+            </a:r>
+            <a:r>
+              <a:rPr lang="en-US" sz="2000">
+                <a:solidFill>
+                  <a:srgbClr val="5FCBEF"/>
+                </a:solidFill>
+              </a:rPr>
+              <a:t>and CERES </a:t>
+            </a:r>
+            <a:r>
+              <a:rPr lang="en-US" sz="2000" dirty="0" err="1">
+                <a:solidFill>
+                  <a:srgbClr val="5FCBEF"/>
+                </a:solidFill>
+              </a:rPr>
+              <a:t>kockdown</a:t>
             </a:r>
             <a:r>
               <a:rPr lang="en-US" sz="2000" dirty="0">

--- a/Project Proposal.pptx
+++ b/Project Proposal.pptx
@@ -4110,11 +4110,26 @@
   </pc:docChgLst>
   <pc:docChgLst>
     <pc:chgData name="Nils Mechtel" userId="d365a3c7-8594-435f-9872-5455ceefc78f" providerId="ADAL" clId="{81CDA804-D030-44AE-AD5B-4DD392FC7401}"/>
-    <pc:docChg chg="modSld">
-      <pc:chgData name="Nils Mechtel" userId="d365a3c7-8594-435f-9872-5455ceefc78f" providerId="ADAL" clId="{81CDA804-D030-44AE-AD5B-4DD392FC7401}" dt="2019-06-11T20:08:58.721" v="46" actId="20577"/>
+    <pc:docChg chg="undo modSld">
+      <pc:chgData name="Nils Mechtel" userId="d365a3c7-8594-435f-9872-5455ceefc78f" providerId="ADAL" clId="{81CDA804-D030-44AE-AD5B-4DD392FC7401}" dt="2019-06-13T10:26:00.968" v="52" actId="14100"/>
       <pc:docMkLst>
         <pc:docMk/>
       </pc:docMkLst>
+      <pc:sldChg chg="modSp">
+        <pc:chgData name="Nils Mechtel" userId="d365a3c7-8594-435f-9872-5455ceefc78f" providerId="ADAL" clId="{81CDA804-D030-44AE-AD5B-4DD392FC7401}" dt="2019-06-13T10:26:00.968" v="52" actId="14100"/>
+        <pc:sldMkLst>
+          <pc:docMk/>
+          <pc:sldMk cId="1965533031" sldId="257"/>
+        </pc:sldMkLst>
+        <pc:picChg chg="mod ord">
+          <ac:chgData name="Nils Mechtel" userId="d365a3c7-8594-435f-9872-5455ceefc78f" providerId="ADAL" clId="{81CDA804-D030-44AE-AD5B-4DD392FC7401}" dt="2019-06-13T10:26:00.968" v="52" actId="14100"/>
+          <ac:picMkLst>
+            <pc:docMk/>
+            <pc:sldMk cId="1965533031" sldId="257"/>
+            <ac:picMk id="6" creationId="{60A2E3FA-4CE7-45BE-81BD-EBF5520FE600}"/>
+          </ac:picMkLst>
+        </pc:picChg>
+      </pc:sldChg>
       <pc:sldChg chg="modSp">
         <pc:chgData name="Nils Mechtel" userId="d365a3c7-8594-435f-9872-5455ceefc78f" providerId="ADAL" clId="{81CDA804-D030-44AE-AD5B-4DD392FC7401}" dt="2019-06-11T20:08:58.721" v="46" actId="20577"/>
         <pc:sldMkLst>
@@ -6997,7 +7012,7 @@
           <a:p>
             <a:fld id="{7A04854A-5F0F-4A05-8D1F-32E1E9A1E1DE}" type="datetimeFigureOut">
               <a:rPr lang="de-DE" smtClean="0"/>
-              <a:t>11.06.2019</a:t>
+              <a:t>13.06.2019</a:t>
             </a:fld>
             <a:endParaRPr lang="de-DE"/>
           </a:p>
@@ -8995,7 +9010,7 @@
           <a:p>
             <a:fld id="{7AD4A124-43A9-4BFD-AB04-000A3280E8AD}" type="datetimeFigureOut">
               <a:rPr lang="de-DE" smtClean="0"/>
-              <a:t>11.06.2019</a:t>
+              <a:t>13.06.2019</a:t>
             </a:fld>
             <a:endParaRPr lang="de-DE"/>
           </a:p>
@@ -9246,7 +9261,7 @@
           <a:p>
             <a:fld id="{7AD4A124-43A9-4BFD-AB04-000A3280E8AD}" type="datetimeFigureOut">
               <a:rPr lang="de-DE" smtClean="0"/>
-              <a:t>11.06.2019</a:t>
+              <a:t>13.06.2019</a:t>
             </a:fld>
             <a:endParaRPr lang="de-DE"/>
           </a:p>
@@ -9560,7 +9575,7 @@
           <a:p>
             <a:fld id="{7AD4A124-43A9-4BFD-AB04-000A3280E8AD}" type="datetimeFigureOut">
               <a:rPr lang="de-DE" smtClean="0"/>
-              <a:t>11.06.2019</a:t>
+              <a:t>13.06.2019</a:t>
             </a:fld>
             <a:endParaRPr lang="de-DE"/>
           </a:p>
@@ -9893,7 +9908,7 @@
           <a:p>
             <a:fld id="{7AD4A124-43A9-4BFD-AB04-000A3280E8AD}" type="datetimeFigureOut">
               <a:rPr lang="de-DE" smtClean="0"/>
-              <a:t>11.06.2019</a:t>
+              <a:t>13.06.2019</a:t>
             </a:fld>
             <a:endParaRPr lang="de-DE"/>
           </a:p>
@@ -10207,7 +10222,7 @@
           <a:p>
             <a:fld id="{7AD4A124-43A9-4BFD-AB04-000A3280E8AD}" type="datetimeFigureOut">
               <a:rPr lang="de-DE" smtClean="0"/>
-              <a:t>11.06.2019</a:t>
+              <a:t>13.06.2019</a:t>
             </a:fld>
             <a:endParaRPr lang="de-DE"/>
           </a:p>
@@ -10600,7 +10615,7 @@
           <a:p>
             <a:fld id="{7AD4A124-43A9-4BFD-AB04-000A3280E8AD}" type="datetimeFigureOut">
               <a:rPr lang="de-DE" smtClean="0"/>
-              <a:t>11.06.2019</a:t>
+              <a:t>13.06.2019</a:t>
             </a:fld>
             <a:endParaRPr lang="de-DE"/>
           </a:p>
@@ -10770,7 +10785,7 @@
           <a:p>
             <a:fld id="{7AD4A124-43A9-4BFD-AB04-000A3280E8AD}" type="datetimeFigureOut">
               <a:rPr lang="de-DE" smtClean="0"/>
-              <a:t>11.06.2019</a:t>
+              <a:t>13.06.2019</a:t>
             </a:fld>
             <a:endParaRPr lang="de-DE"/>
           </a:p>
@@ -10950,7 +10965,7 @@
           <a:p>
             <a:fld id="{7AD4A124-43A9-4BFD-AB04-000A3280E8AD}" type="datetimeFigureOut">
               <a:rPr lang="de-DE" smtClean="0"/>
-              <a:t>11.06.2019</a:t>
+              <a:t>13.06.2019</a:t>
             </a:fld>
             <a:endParaRPr lang="de-DE"/>
           </a:p>
@@ -11120,7 +11135,7 @@
           <a:p>
             <a:fld id="{7AD4A124-43A9-4BFD-AB04-000A3280E8AD}" type="datetimeFigureOut">
               <a:rPr lang="de-DE" smtClean="0"/>
-              <a:t>11.06.2019</a:t>
+              <a:t>13.06.2019</a:t>
             </a:fld>
             <a:endParaRPr lang="de-DE"/>
           </a:p>
@@ -11367,7 +11382,7 @@
           <a:p>
             <a:fld id="{7AD4A124-43A9-4BFD-AB04-000A3280E8AD}" type="datetimeFigureOut">
               <a:rPr lang="de-DE" smtClean="0"/>
-              <a:t>11.06.2019</a:t>
+              <a:t>13.06.2019</a:t>
             </a:fld>
             <a:endParaRPr lang="de-DE"/>
           </a:p>
@@ -11599,7 +11614,7 @@
           <a:p>
             <a:fld id="{7AD4A124-43A9-4BFD-AB04-000A3280E8AD}" type="datetimeFigureOut">
               <a:rPr lang="de-DE" smtClean="0"/>
-              <a:t>11.06.2019</a:t>
+              <a:t>13.06.2019</a:t>
             </a:fld>
             <a:endParaRPr lang="de-DE"/>
           </a:p>
@@ -11973,7 +11988,7 @@
           <a:p>
             <a:fld id="{7AD4A124-43A9-4BFD-AB04-000A3280E8AD}" type="datetimeFigureOut">
               <a:rPr lang="de-DE" smtClean="0"/>
-              <a:t>11.06.2019</a:t>
+              <a:t>13.06.2019</a:t>
             </a:fld>
             <a:endParaRPr lang="de-DE"/>
           </a:p>
@@ -12096,7 +12111,7 @@
           <a:p>
             <a:fld id="{7AD4A124-43A9-4BFD-AB04-000A3280E8AD}" type="datetimeFigureOut">
               <a:rPr lang="de-DE" smtClean="0"/>
-              <a:t>11.06.2019</a:t>
+              <a:t>13.06.2019</a:t>
             </a:fld>
             <a:endParaRPr lang="de-DE"/>
           </a:p>
@@ -12191,7 +12206,7 @@
           <a:p>
             <a:fld id="{7AD4A124-43A9-4BFD-AB04-000A3280E8AD}" type="datetimeFigureOut">
               <a:rPr lang="de-DE" smtClean="0"/>
-              <a:t>11.06.2019</a:t>
+              <a:t>13.06.2019</a:t>
             </a:fld>
             <a:endParaRPr lang="de-DE"/>
           </a:p>
@@ -12446,7 +12461,7 @@
           <a:p>
             <a:fld id="{7AD4A124-43A9-4BFD-AB04-000A3280E8AD}" type="datetimeFigureOut">
               <a:rPr lang="de-DE" smtClean="0"/>
-              <a:t>11.06.2019</a:t>
+              <a:t>13.06.2019</a:t>
             </a:fld>
             <a:endParaRPr lang="de-DE"/>
           </a:p>
@@ -12751,7 +12766,7 @@
           <a:p>
             <a:fld id="{7AD4A124-43A9-4BFD-AB04-000A3280E8AD}" type="datetimeFigureOut">
               <a:rPr lang="de-DE" smtClean="0"/>
-              <a:t>11.06.2019</a:t>
+              <a:t>13.06.2019</a:t>
             </a:fld>
             <a:endParaRPr lang="de-DE"/>
           </a:p>
@@ -13453,7 +13468,7 @@
           <a:p>
             <a:fld id="{7AD4A124-43A9-4BFD-AB04-000A3280E8AD}" type="datetimeFigureOut">
               <a:rPr lang="de-DE" smtClean="0"/>
-              <a:t>11.06.2019</a:t>
+              <a:t>13.06.2019</a:t>
             </a:fld>
             <a:endParaRPr lang="de-DE"/>
           </a:p>
